--- a/Presentation/The Adaptive Radix Tree.pptx
+++ b/Presentation/The Adaptive Radix Tree.pptx
@@ -23,7 +23,7 @@
     <p:sldId id="405" r:id="rId11"/>
     <p:sldId id="408" r:id="rId12"/>
     <p:sldId id="406" r:id="rId13"/>
-    <p:sldId id="407" r:id="rId14"/>
+    <p:sldId id="409" r:id="rId14"/>
     <p:sldId id="398" r:id="rId15"/>
     <p:sldId id="399" r:id="rId16"/>
     <p:sldId id="400" r:id="rId17"/>
@@ -204,7 +204,7 @@
             <p14:sldId id="405"/>
             <p14:sldId id="408"/>
             <p14:sldId id="406"/>
-            <p14:sldId id="407"/>
+            <p14:sldId id="409"/>
           </p14:sldIdLst>
         </p14:section>
         <p14:section name="Benchmarks" id="{AEDAD588-01D1-4983-A59D-E10D659187E4}">
@@ -593,7 +593,7 @@
                 <a:cs typeface="+mn-cs"/>
               </a:defRPr>
             </a:pPr>
-            <a:endParaRPr lang="de-DE"/>
+            <a:endParaRPr lang="en-US"/>
           </a:p>
         </c:txPr>
         <c:crossAx val="50531328"/>
@@ -670,7 +670,7 @@
                 <a:cs typeface="+mn-cs"/>
               </a:defRPr>
             </a:pPr>
-            <a:endParaRPr lang="de-DE"/>
+            <a:endParaRPr lang="en-US"/>
           </a:p>
         </c:txPr>
         <c:crossAx val="50529792"/>
@@ -707,7 +707,7 @@
       <a:pPr>
         <a:defRPr/>
       </a:pPr>
-      <a:endParaRPr lang="de-DE"/>
+      <a:endParaRPr lang="en-US"/>
     </a:p>
   </c:txPr>
   <c:externalData r:id="rId1">
@@ -827,7 +827,7 @@
               <a:cs typeface="+mn-cs"/>
             </a:defRPr>
           </a:pPr>
-          <a:endParaRPr lang="de-DE"/>
+          <a:endParaRPr lang="en-US"/>
         </a:p>
       </c:txPr>
     </c:title>
@@ -1059,7 +1059,7 @@
                 <a:cs typeface="+mn-cs"/>
               </a:defRPr>
             </a:pPr>
-            <a:endParaRPr lang="de-DE"/>
+            <a:endParaRPr lang="en-US"/>
           </a:p>
         </c:txPr>
         <c:crossAx val="50531328"/>
@@ -1149,7 +1149,7 @@
                   <a:cs typeface="+mn-cs"/>
                 </a:defRPr>
               </a:pPr>
-              <a:endParaRPr lang="de-DE"/>
+              <a:endParaRPr lang="en-US"/>
             </a:p>
           </c:txPr>
         </c:title>
@@ -1183,7 +1183,7 @@
                 <a:cs typeface="+mn-cs"/>
               </a:defRPr>
             </a:pPr>
-            <a:endParaRPr lang="de-DE"/>
+            <a:endParaRPr lang="en-US"/>
           </a:p>
         </c:txPr>
         <c:crossAx val="50529792"/>
@@ -1222,7 +1222,7 @@
               <a:cs typeface="+mn-cs"/>
             </a:defRPr>
           </a:pPr>
-          <a:endParaRPr lang="de-DE"/>
+          <a:endParaRPr lang="en-US"/>
         </a:p>
       </c:txPr>
     </c:legend>
@@ -1245,7 +1245,7 @@
       <a:pPr>
         <a:defRPr/>
       </a:pPr>
-      <a:endParaRPr lang="de-DE"/>
+      <a:endParaRPr lang="en-US"/>
     </a:p>
   </c:txPr>
   <c:externalData r:id="rId3">
@@ -1365,7 +1365,7 @@
               <a:cs typeface="+mn-cs"/>
             </a:defRPr>
           </a:pPr>
-          <a:endParaRPr lang="de-DE"/>
+          <a:endParaRPr lang="en-US"/>
         </a:p>
       </c:txPr>
     </c:title>
@@ -1597,7 +1597,7 @@
                 <a:cs typeface="+mn-cs"/>
               </a:defRPr>
             </a:pPr>
-            <a:endParaRPr lang="de-DE"/>
+            <a:endParaRPr lang="en-US"/>
           </a:p>
         </c:txPr>
         <c:crossAx val="50531328"/>
@@ -1687,7 +1687,7 @@
                   <a:cs typeface="+mn-cs"/>
                 </a:defRPr>
               </a:pPr>
-              <a:endParaRPr lang="de-DE"/>
+              <a:endParaRPr lang="en-US"/>
             </a:p>
           </c:txPr>
         </c:title>
@@ -1721,7 +1721,7 @@
                 <a:cs typeface="+mn-cs"/>
               </a:defRPr>
             </a:pPr>
-            <a:endParaRPr lang="de-DE"/>
+            <a:endParaRPr lang="en-US"/>
           </a:p>
         </c:txPr>
         <c:crossAx val="50529792"/>
@@ -1760,7 +1760,7 @@
               <a:cs typeface="+mn-cs"/>
             </a:defRPr>
           </a:pPr>
-          <a:endParaRPr lang="de-DE"/>
+          <a:endParaRPr lang="en-US"/>
         </a:p>
       </c:txPr>
     </c:legend>
@@ -1783,7 +1783,7 @@
       <a:pPr>
         <a:defRPr/>
       </a:pPr>
-      <a:endParaRPr lang="de-DE"/>
+      <a:endParaRPr lang="en-US"/>
     </a:p>
   </c:txPr>
   <c:externalData r:id="rId3">
@@ -1903,7 +1903,7 @@
               <a:cs typeface="+mn-cs"/>
             </a:defRPr>
           </a:pPr>
-          <a:endParaRPr lang="de-DE"/>
+          <a:endParaRPr lang="en-US"/>
         </a:p>
       </c:txPr>
     </c:title>
@@ -2135,7 +2135,7 @@
                 <a:cs typeface="+mn-cs"/>
               </a:defRPr>
             </a:pPr>
-            <a:endParaRPr lang="de-DE"/>
+            <a:endParaRPr lang="en-US"/>
           </a:p>
         </c:txPr>
         <c:crossAx val="50531328"/>
@@ -2225,7 +2225,7 @@
                   <a:cs typeface="+mn-cs"/>
                 </a:defRPr>
               </a:pPr>
-              <a:endParaRPr lang="de-DE"/>
+              <a:endParaRPr lang="en-US"/>
             </a:p>
           </c:txPr>
         </c:title>
@@ -2259,7 +2259,7 @@
                 <a:cs typeface="+mn-cs"/>
               </a:defRPr>
             </a:pPr>
-            <a:endParaRPr lang="de-DE"/>
+            <a:endParaRPr lang="en-US"/>
           </a:p>
         </c:txPr>
         <c:crossAx val="50529792"/>
@@ -2298,7 +2298,7 @@
               <a:cs typeface="+mn-cs"/>
             </a:defRPr>
           </a:pPr>
-          <a:endParaRPr lang="de-DE"/>
+          <a:endParaRPr lang="en-US"/>
         </a:p>
       </c:txPr>
     </c:legend>
@@ -2321,7 +2321,7 @@
       <a:pPr>
         <a:defRPr/>
       </a:pPr>
-      <a:endParaRPr lang="de-DE"/>
+      <a:endParaRPr lang="en-US"/>
     </a:p>
   </c:txPr>
   <c:externalData r:id="rId3">
@@ -2441,7 +2441,7 @@
               <a:cs typeface="+mn-cs"/>
             </a:defRPr>
           </a:pPr>
-          <a:endParaRPr lang="de-DE"/>
+          <a:endParaRPr lang="en-US"/>
         </a:p>
       </c:txPr>
     </c:title>
@@ -2673,7 +2673,7 @@
                 <a:cs typeface="+mn-cs"/>
               </a:defRPr>
             </a:pPr>
-            <a:endParaRPr lang="de-DE"/>
+            <a:endParaRPr lang="en-US"/>
           </a:p>
         </c:txPr>
         <c:crossAx val="50531328"/>
@@ -2763,7 +2763,7 @@
                   <a:cs typeface="+mn-cs"/>
                 </a:defRPr>
               </a:pPr>
-              <a:endParaRPr lang="de-DE"/>
+              <a:endParaRPr lang="en-US"/>
             </a:p>
           </c:txPr>
         </c:title>
@@ -2797,7 +2797,7 @@
                 <a:cs typeface="+mn-cs"/>
               </a:defRPr>
             </a:pPr>
-            <a:endParaRPr lang="de-DE"/>
+            <a:endParaRPr lang="en-US"/>
           </a:p>
         </c:txPr>
         <c:crossAx val="50529792"/>
@@ -2836,7 +2836,7 @@
               <a:cs typeface="+mn-cs"/>
             </a:defRPr>
           </a:pPr>
-          <a:endParaRPr lang="de-DE"/>
+          <a:endParaRPr lang="en-US"/>
         </a:p>
       </c:txPr>
     </c:legend>
@@ -2859,7 +2859,7 @@
       <a:pPr>
         <a:defRPr/>
       </a:pPr>
-      <a:endParaRPr lang="de-DE"/>
+      <a:endParaRPr lang="en-US"/>
     </a:p>
   </c:txPr>
   <c:externalData r:id="rId3">
@@ -3167,7 +3167,7 @@
       <a:pPr>
         <a:defRPr sz="1600"/>
       </a:pPr>
-      <a:endParaRPr lang="de-DE"/>
+      <a:endParaRPr lang="en-US"/>
     </a:p>
   </c:txPr>
   <c:externalData r:id="rId1">
@@ -3464,7 +3464,7 @@
                 <a:cs typeface="+mn-cs"/>
               </a:defRPr>
             </a:pPr>
-            <a:endParaRPr lang="de-DE"/>
+            <a:endParaRPr lang="en-US"/>
           </a:p>
         </c:txPr>
         <c:crossAx val="50531328"/>
@@ -3523,7 +3523,7 @@
                 <a:cs typeface="+mn-cs"/>
               </a:defRPr>
             </a:pPr>
-            <a:endParaRPr lang="de-DE"/>
+            <a:endParaRPr lang="en-US"/>
           </a:p>
         </c:txPr>
         <c:crossAx val="50529792"/>
@@ -3575,7 +3575,7 @@
               <a:cs typeface="+mn-cs"/>
             </a:defRPr>
           </a:pPr>
-          <a:endParaRPr lang="de-DE"/>
+          <a:endParaRPr lang="en-US"/>
         </a:p>
       </c:txPr>
     </c:legend>
@@ -3597,7 +3597,7 @@
       <a:pPr>
         <a:defRPr/>
       </a:pPr>
-      <a:endParaRPr lang="de-DE"/>
+      <a:endParaRPr lang="en-US"/>
     </a:p>
   </c:txPr>
   <c:externalData r:id="rId1">
@@ -6330,294 +6330,6 @@
             </a:r>
             <a:r>
               <a:rPr lang="de-DE" dirty="0" err="1"/>
-              <a:t>insert</a:t>
-            </a:r>
-            <a:r>
-              <a:rPr lang="de-DE" dirty="0"/>
-              <a:t>):</a:t>
-            </a:r>
-          </a:p>
-          <a:p>
-            <a:r>
-              <a:rPr lang="de-DE" dirty="0"/>
-              <a:t>(Remove </a:t>
-            </a:r>
-            <a:r>
-              <a:rPr lang="de-DE" dirty="0" err="1"/>
-              <a:t>Sorted</a:t>
-            </a:r>
-            <a:r>
-              <a:rPr lang="de-DE" dirty="0"/>
-              <a:t> List </a:t>
-            </a:r>
-            <a:r>
-              <a:rPr lang="de-DE" dirty="0" err="1"/>
-              <a:t>as</a:t>
-            </a:r>
-            <a:r>
-              <a:rPr lang="de-DE" dirty="0"/>
-              <a:t> </a:t>
-            </a:r>
-            <a:r>
-              <a:rPr lang="de-DE" dirty="0" err="1"/>
-              <a:t>it‘s</a:t>
-            </a:r>
-            <a:r>
-              <a:rPr lang="de-DE" dirty="0"/>
-              <a:t> </a:t>
-            </a:r>
-            <a:r>
-              <a:rPr lang="de-DE" dirty="0" err="1"/>
-              <a:t>only</a:t>
-            </a:r>
-            <a:r>
-              <a:rPr lang="de-DE" dirty="0"/>
-              <a:t> </a:t>
-            </a:r>
-            <a:r>
-              <a:rPr lang="de-DE" dirty="0" err="1"/>
-              <a:t>bulk</a:t>
-            </a:r>
-            <a:r>
-              <a:rPr lang="de-DE" dirty="0"/>
-              <a:t> </a:t>
-            </a:r>
-            <a:r>
-              <a:rPr lang="de-DE" dirty="0" err="1"/>
-              <a:t>insert</a:t>
-            </a:r>
-            <a:r>
-              <a:rPr lang="de-DE" dirty="0"/>
-              <a:t>? Remove </a:t>
-            </a:r>
-            <a:r>
-              <a:rPr lang="de-DE" dirty="0" err="1"/>
-              <a:t>for</a:t>
-            </a:r>
-            <a:r>
-              <a:rPr lang="de-DE" dirty="0"/>
-              <a:t> </a:t>
-            </a:r>
-            <a:r>
-              <a:rPr lang="de-DE" dirty="0" err="1"/>
-              <a:t>better</a:t>
-            </a:r>
-            <a:r>
-              <a:rPr lang="de-DE" dirty="0"/>
-              <a:t> </a:t>
-            </a:r>
-            <a:r>
-              <a:rPr lang="de-DE" dirty="0" err="1"/>
-              <a:t>scale</a:t>
-            </a:r>
-            <a:r>
-              <a:rPr lang="de-DE" dirty="0"/>
-              <a:t>?)</a:t>
-            </a:r>
-          </a:p>
-          <a:p>
-            <a:endParaRPr lang="de-DE" dirty="0"/>
-          </a:p>
-          <a:p>
-            <a:pPr marL="0" marR="0" lvl="0" indent="0" algn="l" defTabSz="914400" rtl="0" eaLnBrk="1" fontAlgn="base" latinLnBrk="0" hangingPunct="1">
-              <a:lnSpc>
-                <a:spcPct val="100000"/>
-              </a:lnSpc>
-              <a:spcBef>
-                <a:spcPct val="30000"/>
-              </a:spcBef>
-              <a:spcAft>
-                <a:spcPct val="0"/>
-              </a:spcAft>
-              <a:buClrTx/>
-              <a:buSzTx/>
-              <a:buFontTx/>
-              <a:buNone/>
-              <a:tabLst/>
-              <a:defRPr/>
-            </a:pPr>
-            <a:r>
-              <a:rPr lang="de-DE" dirty="0"/>
-              <a:t>Trie </a:t>
-            </a:r>
-            <a:r>
-              <a:rPr lang="de-DE" dirty="0" err="1"/>
-              <a:t>implementation</a:t>
-            </a:r>
-            <a:r>
-              <a:rPr lang="de-DE" dirty="0"/>
-              <a:t> </a:t>
-            </a:r>
-            <a:r>
-              <a:rPr lang="de-DE" dirty="0" err="1"/>
-              <a:t>with</a:t>
-            </a:r>
-            <a:r>
-              <a:rPr lang="de-DE" dirty="0"/>
-              <a:t> </a:t>
-            </a:r>
-            <a:r>
-              <a:rPr lang="de-DE" dirty="0" err="1"/>
-              <a:t>sparse</a:t>
-            </a:r>
-            <a:r>
-              <a:rPr lang="de-DE" dirty="0"/>
-              <a:t> 16M </a:t>
-            </a:r>
-            <a:r>
-              <a:rPr lang="de-DE" dirty="0" err="1"/>
-              <a:t>takes</a:t>
-            </a:r>
-            <a:r>
-              <a:rPr lang="de-DE" dirty="0"/>
-              <a:t> </a:t>
-            </a:r>
-            <a:r>
-              <a:rPr lang="de-DE" dirty="0" err="1"/>
-              <a:t>more</a:t>
-            </a:r>
-            <a:r>
-              <a:rPr lang="de-DE" dirty="0"/>
-              <a:t> </a:t>
-            </a:r>
-            <a:r>
-              <a:rPr lang="de-DE" dirty="0" err="1"/>
-              <a:t>than</a:t>
-            </a:r>
-            <a:r>
-              <a:rPr lang="de-DE" dirty="0"/>
-              <a:t> 16GB (</a:t>
-            </a:r>
-            <a:r>
-              <a:rPr lang="de-DE" dirty="0" err="1"/>
-              <a:t>only</a:t>
-            </a:r>
-            <a:r>
-              <a:rPr lang="de-DE" dirty="0"/>
-              <a:t> </a:t>
-            </a:r>
-            <a:r>
-              <a:rPr lang="de-DE" dirty="0" err="1"/>
-              <a:t>have</a:t>
-            </a:r>
-            <a:r>
-              <a:rPr lang="de-DE" dirty="0"/>
-              <a:t> 16GB RAM so </a:t>
-            </a:r>
-            <a:r>
-              <a:rPr lang="de-DE" dirty="0" err="1"/>
-              <a:t>no</a:t>
-            </a:r>
-            <a:r>
-              <a:rPr lang="de-DE" dirty="0"/>
-              <a:t> </a:t>
-            </a:r>
-            <a:r>
-              <a:rPr lang="de-DE" dirty="0" err="1"/>
-              <a:t>value</a:t>
-            </a:r>
-            <a:r>
-              <a:rPr lang="de-DE" dirty="0"/>
-              <a:t>)</a:t>
-            </a:r>
-          </a:p>
-          <a:p>
-            <a:endParaRPr lang="de-DE" dirty="0"/>
-          </a:p>
-        </p:txBody>
-      </p:sp>
-      <p:sp>
-        <p:nvSpPr>
-          <p:cNvPr id="4" name="Slide Number Placeholder 3"/>
-          <p:cNvSpPr>
-            <a:spLocks noGrp="1"/>
-          </p:cNvSpPr>
-          <p:nvPr>
-            <p:ph type="sldNum" sz="quarter" idx="5"/>
-          </p:nvPr>
-        </p:nvSpPr>
-        <p:spPr/>
-        <p:txBody>
-          <a:bodyPr/>
-          <a:lstStyle/>
-          <a:p>
-            <a:pPr>
-              <a:defRPr/>
-            </a:pPr>
-            <a:fld id="{00AFC6D0-44D5-4EB7-828F-6F464F83D79A}" type="slidenum">
-              <a:rPr lang="en-GB" smtClean="0"/>
-              <a:pPr>
-                <a:defRPr/>
-              </a:pPr>
-              <a:t>10</a:t>
-            </a:fld>
-            <a:endParaRPr lang="en-GB"/>
-          </a:p>
-        </p:txBody>
-      </p:sp>
-    </p:spTree>
-    <p:extLst>
-      <p:ext uri="{BB962C8B-B14F-4D97-AF65-F5344CB8AC3E}">
-        <p14:creationId xmlns:p14="http://schemas.microsoft.com/office/powerpoint/2010/main" val="266720536"/>
-      </p:ext>
-    </p:extLst>
-  </p:cSld>
-  <p:clrMapOvr>
-    <a:masterClrMapping/>
-  </p:clrMapOvr>
-</p:notes>
-</file>
-
-<file path=ppt/notesSlides/notesSlide11.xml><?xml version="1.0" encoding="utf-8"?>
-<p:notes xmlns:a="http://schemas.openxmlformats.org/drawingml/2006/main" xmlns:r="http://schemas.openxmlformats.org/officeDocument/2006/relationships" xmlns:p="http://schemas.openxmlformats.org/presentationml/2006/main">
-  <p:cSld>
-    <p:spTree>
-      <p:nvGrpSpPr>
-        <p:cNvPr id="1" name=""/>
-        <p:cNvGrpSpPr/>
-        <p:nvPr/>
-      </p:nvGrpSpPr>
-      <p:grpSpPr>
-        <a:xfrm>
-          <a:off x="0" y="0"/>
-          <a:ext cx="0" cy="0"/>
-          <a:chOff x="0" y="0"/>
-          <a:chExt cx="0" cy="0"/>
-        </a:xfrm>
-      </p:grpSpPr>
-      <p:sp>
-        <p:nvSpPr>
-          <p:cNvPr id="2" name="Slide Image Placeholder 1"/>
-          <p:cNvSpPr>
-            <a:spLocks noGrp="1" noRot="1" noChangeAspect="1"/>
-          </p:cNvSpPr>
-          <p:nvPr>
-            <p:ph type="sldImg"/>
-          </p:nvPr>
-        </p:nvSpPr>
-        <p:spPr/>
-      </p:sp>
-      <p:sp>
-        <p:nvSpPr>
-          <p:cNvPr id="3" name="Notes Placeholder 2"/>
-          <p:cNvSpPr>
-            <a:spLocks noGrp="1"/>
-          </p:cNvSpPr>
-          <p:nvPr>
-            <p:ph type="body" idx="1"/>
-          </p:nvPr>
-        </p:nvSpPr>
-        <p:spPr/>
-        <p:txBody>
-          <a:bodyPr/>
-          <a:lstStyle/>
-          <a:p>
-            <a:r>
-              <a:rPr lang="de-DE" dirty="0"/>
-              <a:t>Own Implementation Performance-Benchmark (</a:t>
-            </a:r>
-            <a:r>
-              <a:rPr lang="de-DE" dirty="0" err="1"/>
               <a:t>search</a:t>
             </a:r>
             <a:r>
@@ -8052,6 +7764,22 @@
               <a:rPr lang="de-DE" dirty="0"/>
               <a:t> (a,…,z) </a:t>
             </a:r>
+            <a:r>
+              <a:rPr lang="de-DE" dirty="0" err="1"/>
+              <a:t>instead</a:t>
+            </a:r>
+            <a:r>
+              <a:rPr lang="de-DE" dirty="0"/>
+              <a:t> </a:t>
+            </a:r>
+            <a:r>
+              <a:rPr lang="de-DE" dirty="0" err="1"/>
+              <a:t>of</a:t>
+            </a:r>
+            <a:r>
+              <a:rPr lang="de-DE" dirty="0"/>
+              <a:t> 2^8 = 256</a:t>
+            </a:r>
           </a:p>
         </p:txBody>
       </p:sp>
@@ -8477,8 +8205,150 @@
             </a:r>
             <a:r>
               <a:rPr lang="de-DE" dirty="0"/>
+              <a:t> </a:t>
+            </a:r>
+            <a:r>
+              <a:rPr lang="de-DE" dirty="0" err="1"/>
+              <a:t>or</a:t>
+            </a:r>
+            <a:r>
+              <a:rPr lang="de-DE" dirty="0"/>
+              <a:t> </a:t>
+            </a:r>
+            <a:r>
+              <a:rPr lang="de-DE" dirty="0" err="1"/>
+              <a:t>store</a:t>
+            </a:r>
+            <a:r>
+              <a:rPr lang="de-DE" dirty="0"/>
+              <a:t> </a:t>
+            </a:r>
+            <a:r>
+              <a:rPr lang="de-DE" dirty="0" err="1"/>
+              <a:t>full</a:t>
+            </a:r>
+            <a:r>
+              <a:rPr lang="de-DE" dirty="0"/>
+              <a:t> </a:t>
+            </a:r>
+            <a:r>
+              <a:rPr lang="de-DE" dirty="0" err="1"/>
+              <a:t>key</a:t>
+            </a:r>
+            <a:r>
+              <a:rPr lang="de-DE" dirty="0"/>
+              <a:t> at </a:t>
+            </a:r>
+            <a:r>
+              <a:rPr lang="de-DE" dirty="0" err="1"/>
+              <a:t>leaf</a:t>
+            </a:r>
+            <a:r>
+              <a:rPr lang="de-DE" dirty="0"/>
+              <a:t>) (</a:t>
+            </a:r>
+            <a:r>
+              <a:rPr lang="de-DE" dirty="0" err="1"/>
+              <a:t>lazy</a:t>
+            </a:r>
+            <a:r>
+              <a:rPr lang="de-DE" dirty="0"/>
+              <a:t> </a:t>
+            </a:r>
+            <a:r>
+              <a:rPr lang="de-DE" dirty="0" err="1"/>
+              <a:t>expansion</a:t>
+            </a:r>
+            <a:r>
+              <a:rPr lang="de-DE" dirty="0"/>
               <a:t>)</a:t>
             </a:r>
+          </a:p>
+          <a:p>
+            <a:pPr marL="171450" indent="-171450">
+              <a:buFontTx/>
+              <a:buChar char="-"/>
+            </a:pPr>
+            <a:endParaRPr lang="de-DE" dirty="0"/>
+          </a:p>
+          <a:p>
+            <a:pPr marL="0" indent="0">
+              <a:buFontTx/>
+              <a:buNone/>
+            </a:pPr>
+            <a:r>
+              <a:rPr lang="de-DE" dirty="0"/>
+              <a:t>Will </a:t>
+            </a:r>
+            <a:r>
+              <a:rPr lang="de-DE" dirty="0" err="1"/>
+              <a:t>take</a:t>
+            </a:r>
+            <a:r>
+              <a:rPr lang="de-DE" dirty="0"/>
+              <a:t> </a:t>
+            </a:r>
+            <a:r>
+              <a:rPr lang="de-DE" dirty="0" err="1"/>
+              <a:t>closer</a:t>
+            </a:r>
+            <a:r>
+              <a:rPr lang="de-DE" dirty="0"/>
+              <a:t> </a:t>
+            </a:r>
+            <a:r>
+              <a:rPr lang="de-DE" dirty="0" err="1"/>
+              <a:t>look</a:t>
+            </a:r>
+            <a:r>
+              <a:rPr lang="de-DE" dirty="0"/>
+              <a:t> at </a:t>
+            </a:r>
+            <a:r>
+              <a:rPr lang="de-DE" dirty="0" err="1"/>
+              <a:t>vertical</a:t>
+            </a:r>
+            <a:r>
+              <a:rPr lang="de-DE" dirty="0"/>
+              <a:t> </a:t>
+            </a:r>
+            <a:r>
+              <a:rPr lang="de-DE" dirty="0" err="1"/>
+              <a:t>compression</a:t>
+            </a:r>
+            <a:r>
+              <a:rPr lang="de-DE" dirty="0"/>
+              <a:t> </a:t>
+            </a:r>
+            <a:r>
+              <a:rPr lang="de-DE" dirty="0" err="1"/>
+              <a:t>techniques</a:t>
+            </a:r>
+            <a:r>
+              <a:rPr lang="de-DE" dirty="0"/>
+              <a:t> </a:t>
+            </a:r>
+            <a:r>
+              <a:rPr lang="de-DE" dirty="0" err="1"/>
+              <a:t>used</a:t>
+            </a:r>
+            <a:r>
+              <a:rPr lang="de-DE" dirty="0"/>
+              <a:t> </a:t>
+            </a:r>
+            <a:r>
+              <a:rPr lang="de-DE" dirty="0" err="1"/>
+              <a:t>by</a:t>
+            </a:r>
+            <a:r>
+              <a:rPr lang="de-DE" dirty="0"/>
+              <a:t> </a:t>
+            </a:r>
+            <a:r>
+              <a:rPr lang="de-DE" dirty="0" err="1"/>
+              <a:t>art</a:t>
+            </a:r>
+            <a:endParaRPr lang="de-DE" dirty="0"/>
           </a:p>
         </p:txBody>
       </p:sp>
@@ -8570,32 +8440,24 @@
           <a:p>
             <a:r>
               <a:rPr lang="de-DE" dirty="0"/>
-              <a:t>Also </a:t>
+              <a:t>Own Implementation Memory-Benchmark:</a:t>
+            </a:r>
+          </a:p>
+          <a:p>
+            <a:endParaRPr lang="de-DE" dirty="0"/>
+          </a:p>
+          <a:p>
+            <a:r>
+              <a:rPr lang="de-DE" dirty="0"/>
+              <a:t>Trie </a:t>
             </a:r>
             <a:r>
               <a:rPr lang="de-DE" dirty="0" err="1"/>
-              <a:t>called</a:t>
-            </a:r>
-            <a:r>
-              <a:rPr lang="de-DE" dirty="0"/>
-              <a:t> Patricia-</a:t>
-            </a:r>
-            <a:r>
-              <a:rPr lang="de-DE" dirty="0" err="1"/>
-              <a:t>Trees</a:t>
-            </a:r>
-            <a:r>
-              <a:rPr lang="de-DE" dirty="0"/>
-              <a:t>.</a:t>
-            </a:r>
-          </a:p>
-          <a:p>
-            <a:endParaRPr lang="de-DE" dirty="0"/>
-          </a:p>
-          <a:p>
-            <a:r>
-              <a:rPr lang="de-DE" dirty="0"/>
-              <a:t>Nodes </a:t>
+              <a:t>implementation</a:t>
+            </a:r>
+            <a:r>
+              <a:rPr lang="de-DE" dirty="0"/>
+              <a:t> </a:t>
             </a:r>
             <a:r>
               <a:rPr lang="de-DE" dirty="0" err="1"/>
@@ -8607,15 +8469,55 @@
             </a:r>
             <a:r>
               <a:rPr lang="de-DE" dirty="0" err="1"/>
+              <a:t>sparse</a:t>
+            </a:r>
+            <a:r>
+              <a:rPr lang="de-DE" dirty="0"/>
+              <a:t> 16M </a:t>
+            </a:r>
+            <a:r>
+              <a:rPr lang="de-DE" dirty="0" err="1"/>
+              <a:t>takes</a:t>
+            </a:r>
+            <a:r>
+              <a:rPr lang="de-DE" dirty="0"/>
+              <a:t> </a:t>
+            </a:r>
+            <a:r>
+              <a:rPr lang="de-DE" dirty="0" err="1"/>
+              <a:t>more</a:t>
+            </a:r>
+            <a:r>
+              <a:rPr lang="de-DE" dirty="0"/>
+              <a:t> </a:t>
+            </a:r>
+            <a:r>
+              <a:rPr lang="de-DE" dirty="0" err="1"/>
+              <a:t>than</a:t>
+            </a:r>
+            <a:r>
+              <a:rPr lang="de-DE" dirty="0"/>
+              <a:t> 16GB (</a:t>
+            </a:r>
+            <a:r>
+              <a:rPr lang="de-DE" dirty="0" err="1"/>
               <a:t>only</a:t>
             </a:r>
             <a:r>
               <a:rPr lang="de-DE" dirty="0"/>
-              <a:t> 1 </a:t>
+              <a:t> </a:t>
             </a:r>
             <a:r>
               <a:rPr lang="de-DE" dirty="0" err="1"/>
-              <a:t>child</a:t>
+              <a:t>have</a:t>
+            </a:r>
+            <a:r>
+              <a:rPr lang="de-DE" dirty="0"/>
+              <a:t> 16GB RAM so </a:t>
+            </a:r>
+            <a:r>
+              <a:rPr lang="de-DE" dirty="0" err="1"/>
+              <a:t>no</a:t>
             </a:r>
             <a:r>
               <a:rPr lang="de-DE" dirty="0"/>
@@ -8623,284 +8525,7 @@
             </a:r>
             <a:r>
               <a:rPr lang="de-DE" dirty="0" err="1"/>
-              <a:t>get</a:t>
-            </a:r>
-            <a:r>
-              <a:rPr lang="de-DE" dirty="0"/>
-              <a:t> </a:t>
-            </a:r>
-            <a:r>
-              <a:rPr lang="de-DE" dirty="0" err="1"/>
-              <a:t>merged</a:t>
-            </a:r>
-            <a:r>
-              <a:rPr lang="de-DE" dirty="0"/>
-              <a:t> </a:t>
-            </a:r>
-            <a:r>
-              <a:rPr lang="de-DE" dirty="0" err="1"/>
-              <a:t>with</a:t>
-            </a:r>
-            <a:r>
-              <a:rPr lang="de-DE" dirty="0"/>
-              <a:t> </a:t>
-            </a:r>
-            <a:r>
-              <a:rPr lang="de-DE" dirty="0" err="1"/>
-              <a:t>parent</a:t>
-            </a:r>
-            <a:r>
-              <a:rPr lang="de-DE" dirty="0"/>
-              <a:t>. (</a:t>
-            </a:r>
-            <a:r>
-              <a:rPr lang="de-DE" dirty="0" err="1"/>
-              <a:t>Vertical</a:t>
-            </a:r>
-            <a:r>
-              <a:rPr lang="de-DE" dirty="0"/>
-              <a:t> </a:t>
-            </a:r>
-            <a:r>
-              <a:rPr lang="de-DE" dirty="0" err="1"/>
-              <a:t>Compression</a:t>
-            </a:r>
-            <a:r>
-              <a:rPr lang="de-DE" dirty="0"/>
-              <a:t>)</a:t>
-            </a:r>
-          </a:p>
-          <a:p>
-            <a:endParaRPr lang="de-DE" dirty="0"/>
-          </a:p>
-          <a:p>
-            <a:r>
-              <a:rPr lang="de-DE" dirty="0"/>
-              <a:t>„</a:t>
-            </a:r>
-            <a:r>
-              <a:rPr lang="de-DE" dirty="0" err="1"/>
-              <a:t>Merging</a:t>
-            </a:r>
-            <a:r>
-              <a:rPr lang="de-DE" dirty="0"/>
-              <a:t>“ </a:t>
-            </a:r>
-            <a:r>
-              <a:rPr lang="de-DE" dirty="0" err="1"/>
-              <a:t>is</a:t>
-            </a:r>
-            <a:r>
-              <a:rPr lang="de-DE" dirty="0"/>
-              <a:t> </a:t>
-            </a:r>
-            <a:r>
-              <a:rPr lang="de-DE" dirty="0" err="1"/>
-              <a:t>implementation</a:t>
-            </a:r>
-            <a:r>
-              <a:rPr lang="de-DE" dirty="0"/>
-              <a:t> </a:t>
-            </a:r>
-            <a:r>
-              <a:rPr lang="de-DE" dirty="0" err="1"/>
-              <a:t>specific</a:t>
-            </a:r>
-            <a:r>
-              <a:rPr lang="de-DE" dirty="0"/>
-              <a:t>:</a:t>
-            </a:r>
-          </a:p>
-          <a:p>
-            <a:pPr marL="171450" indent="-171450">
-              <a:buFontTx/>
-              <a:buChar char="-"/>
-            </a:pPr>
-            <a:r>
-              <a:rPr lang="de-DE" dirty="0"/>
-              <a:t>Store </a:t>
-            </a:r>
-            <a:r>
-              <a:rPr lang="de-DE" dirty="0" err="1"/>
-              <a:t>edge</a:t>
-            </a:r>
-            <a:r>
-              <a:rPr lang="de-DE" dirty="0"/>
-              <a:t> </a:t>
-            </a:r>
-            <a:r>
-              <a:rPr lang="de-DE" dirty="0" err="1"/>
-              <a:t>strings</a:t>
-            </a:r>
-            <a:r>
-              <a:rPr lang="de-DE" dirty="0"/>
-              <a:t> in </a:t>
-            </a:r>
-            <a:r>
-              <a:rPr lang="de-DE" dirty="0" err="1"/>
-              <a:t>constant</a:t>
-            </a:r>
-            <a:r>
-              <a:rPr lang="de-DE" dirty="0"/>
-              <a:t> </a:t>
-            </a:r>
-            <a:r>
-              <a:rPr lang="de-DE" dirty="0" err="1"/>
-              <a:t>space</a:t>
-            </a:r>
-            <a:r>
-              <a:rPr lang="de-DE" dirty="0"/>
-              <a:t> </a:t>
-            </a:r>
-            <a:r>
-              <a:rPr lang="de-DE" dirty="0" err="1"/>
-              <a:t>with</a:t>
-            </a:r>
-            <a:r>
-              <a:rPr lang="de-DE" dirty="0"/>
-              <a:t> </a:t>
-            </a:r>
-            <a:r>
-              <a:rPr lang="de-DE" dirty="0" err="1"/>
-              <a:t>two</a:t>
-            </a:r>
-            <a:r>
-              <a:rPr lang="de-DE" dirty="0"/>
-              <a:t> </a:t>
-            </a:r>
-            <a:r>
-              <a:rPr lang="de-DE" dirty="0" err="1"/>
-              <a:t>pointers</a:t>
-            </a:r>
-            <a:r>
-              <a:rPr lang="de-DE" dirty="0"/>
-              <a:t> (</a:t>
-            </a:r>
-            <a:r>
-              <a:rPr lang="de-DE" dirty="0" err="1"/>
-              <a:t>start</a:t>
-            </a:r>
-            <a:r>
-              <a:rPr lang="de-DE" dirty="0"/>
-              <a:t> &amp; end </a:t>
-            </a:r>
-            <a:r>
-              <a:rPr lang="de-DE" dirty="0" err="1"/>
-              <a:t>string</a:t>
-            </a:r>
-            <a:r>
-              <a:rPr lang="de-DE" dirty="0"/>
-              <a:t>)</a:t>
-            </a:r>
-          </a:p>
-          <a:p>
-            <a:pPr marL="171450" indent="-171450">
-              <a:buFontTx/>
-              <a:buChar char="-"/>
-            </a:pPr>
-            <a:r>
-              <a:rPr lang="de-DE" dirty="0"/>
-              <a:t>Index </a:t>
-            </a:r>
-            <a:r>
-              <a:rPr lang="de-DE" dirty="0" err="1"/>
-              <a:t>Structure</a:t>
-            </a:r>
-            <a:r>
-              <a:rPr lang="de-DE" dirty="0"/>
-              <a:t>: Just </a:t>
-            </a:r>
-            <a:r>
-              <a:rPr lang="de-DE" dirty="0" err="1"/>
-              <a:t>omit</a:t>
-            </a:r>
-            <a:r>
-              <a:rPr lang="de-DE" dirty="0"/>
-              <a:t> intermediate </a:t>
-            </a:r>
-            <a:r>
-              <a:rPr lang="de-DE" dirty="0" err="1"/>
-              <a:t>nodes</a:t>
-            </a:r>
-            <a:r>
-              <a:rPr lang="de-DE" dirty="0"/>
-              <a:t> and just </a:t>
-            </a:r>
-            <a:r>
-              <a:rPr lang="de-DE" dirty="0" err="1"/>
-              <a:t>optimistally</a:t>
-            </a:r>
-            <a:r>
-              <a:rPr lang="de-DE" dirty="0"/>
-              <a:t> </a:t>
-            </a:r>
-            <a:r>
-              <a:rPr lang="de-DE" dirty="0" err="1"/>
-              <a:t>assume</a:t>
-            </a:r>
-            <a:r>
-              <a:rPr lang="de-DE" dirty="0"/>
-              <a:t> </a:t>
-            </a:r>
-            <a:r>
-              <a:rPr lang="de-DE" dirty="0" err="1"/>
-              <a:t>the</a:t>
-            </a:r>
-            <a:r>
-              <a:rPr lang="de-DE" dirty="0"/>
-              <a:t> </a:t>
-            </a:r>
-            <a:r>
-              <a:rPr lang="de-DE" dirty="0" err="1"/>
-              <a:t>rest</a:t>
-            </a:r>
-            <a:r>
-              <a:rPr lang="de-DE" dirty="0"/>
-              <a:t> </a:t>
-            </a:r>
-            <a:r>
-              <a:rPr lang="de-DE" dirty="0" err="1"/>
-              <a:t>of</a:t>
-            </a:r>
-            <a:r>
-              <a:rPr lang="de-DE" dirty="0"/>
-              <a:t> </a:t>
-            </a:r>
-            <a:r>
-              <a:rPr lang="de-DE" dirty="0" err="1"/>
-              <a:t>the</a:t>
-            </a:r>
-            <a:r>
-              <a:rPr lang="de-DE" dirty="0"/>
-              <a:t> </a:t>
-            </a:r>
-            <a:r>
-              <a:rPr lang="de-DE" dirty="0" err="1"/>
-              <a:t>key</a:t>
-            </a:r>
-            <a:r>
-              <a:rPr lang="de-DE" dirty="0"/>
-              <a:t> will match (check </a:t>
-            </a:r>
-            <a:r>
-              <a:rPr lang="de-DE" dirty="0" err="1"/>
-              <a:t>with</a:t>
-            </a:r>
-            <a:r>
-              <a:rPr lang="de-DE" dirty="0"/>
-              <a:t> </a:t>
-            </a:r>
-            <a:r>
-              <a:rPr lang="de-DE" dirty="0" err="1"/>
-              <a:t>tuple</a:t>
-            </a:r>
-            <a:r>
-              <a:rPr lang="de-DE" dirty="0"/>
-              <a:t> </a:t>
-            </a:r>
-            <a:r>
-              <a:rPr lang="de-DE" dirty="0" err="1"/>
-              <a:t>entry</a:t>
+              <a:t>value</a:t>
             </a:r>
             <a:r>
               <a:rPr lang="de-DE" dirty="0"/>
@@ -8932,7 +8557,7 @@
               <a:pPr>
                 <a:defRPr/>
               </a:pPr>
-              <a:t>8</a:t>
+              <a:t>9</a:t>
             </a:fld>
             <a:endParaRPr lang="en-GB"/>
           </a:p>
@@ -8941,7 +8566,7 @@
     </p:spTree>
     <p:extLst>
       <p:ext uri="{BB962C8B-B14F-4D97-AF65-F5344CB8AC3E}">
-        <p14:creationId xmlns:p14="http://schemas.microsoft.com/office/powerpoint/2010/main" val="3758309799"/>
+        <p14:creationId xmlns:p14="http://schemas.microsoft.com/office/powerpoint/2010/main" val="822838596"/>
       </p:ext>
     </p:extLst>
   </p:cSld>
@@ -8997,13 +8622,116 @@
           <a:p>
             <a:r>
               <a:rPr lang="de-DE" dirty="0"/>
-              <a:t>Own Implementation Memory-Benchmark:</a:t>
+              <a:t>Own Implementation Performance-Benchmark (</a:t>
+            </a:r>
+            <a:r>
+              <a:rPr lang="de-DE" dirty="0" err="1"/>
+              <a:t>insert</a:t>
+            </a:r>
+            <a:r>
+              <a:rPr lang="de-DE" dirty="0"/>
+              <a:t>):</a:t>
+            </a:r>
+          </a:p>
+          <a:p>
+            <a:r>
+              <a:rPr lang="de-DE" dirty="0"/>
+              <a:t>(Remove </a:t>
+            </a:r>
+            <a:r>
+              <a:rPr lang="de-DE" dirty="0" err="1"/>
+              <a:t>Sorted</a:t>
+            </a:r>
+            <a:r>
+              <a:rPr lang="de-DE" dirty="0"/>
+              <a:t> List </a:t>
+            </a:r>
+            <a:r>
+              <a:rPr lang="de-DE" dirty="0" err="1"/>
+              <a:t>as</a:t>
+            </a:r>
+            <a:r>
+              <a:rPr lang="de-DE" dirty="0"/>
+              <a:t> </a:t>
+            </a:r>
+            <a:r>
+              <a:rPr lang="de-DE" dirty="0" err="1"/>
+              <a:t>it‘s</a:t>
+            </a:r>
+            <a:r>
+              <a:rPr lang="de-DE" dirty="0"/>
+              <a:t> </a:t>
+            </a:r>
+            <a:r>
+              <a:rPr lang="de-DE" dirty="0" err="1"/>
+              <a:t>only</a:t>
+            </a:r>
+            <a:r>
+              <a:rPr lang="de-DE" dirty="0"/>
+              <a:t> </a:t>
+            </a:r>
+            <a:r>
+              <a:rPr lang="de-DE" dirty="0" err="1"/>
+              <a:t>bulk</a:t>
+            </a:r>
+            <a:r>
+              <a:rPr lang="de-DE" dirty="0"/>
+              <a:t> </a:t>
+            </a:r>
+            <a:r>
+              <a:rPr lang="de-DE" dirty="0" err="1"/>
+              <a:t>insert</a:t>
+            </a:r>
+            <a:r>
+              <a:rPr lang="de-DE" dirty="0"/>
+              <a:t>? Remove </a:t>
+            </a:r>
+            <a:r>
+              <a:rPr lang="de-DE" dirty="0" err="1"/>
+              <a:t>for</a:t>
+            </a:r>
+            <a:r>
+              <a:rPr lang="de-DE" dirty="0"/>
+              <a:t> </a:t>
+            </a:r>
+            <a:r>
+              <a:rPr lang="de-DE" dirty="0" err="1"/>
+              <a:t>better</a:t>
+            </a:r>
+            <a:r>
+              <a:rPr lang="de-DE" dirty="0"/>
+              <a:t> </a:t>
+            </a:r>
+            <a:r>
+              <a:rPr lang="de-DE" dirty="0" err="1"/>
+              <a:t>scale</a:t>
+            </a:r>
+            <a:r>
+              <a:rPr lang="de-DE" dirty="0"/>
+              <a:t>?)</a:t>
             </a:r>
           </a:p>
           <a:p>
             <a:endParaRPr lang="de-DE" dirty="0"/>
           </a:p>
           <a:p>
+            <a:pPr marL="0" marR="0" lvl="0" indent="0" algn="l" defTabSz="914400" rtl="0" eaLnBrk="1" fontAlgn="base" latinLnBrk="0" hangingPunct="1">
+              <a:lnSpc>
+                <a:spcPct val="100000"/>
+              </a:lnSpc>
+              <a:spcBef>
+                <a:spcPct val="30000"/>
+              </a:spcBef>
+              <a:spcAft>
+                <a:spcPct val="0"/>
+              </a:spcAft>
+              <a:buClrTx/>
+              <a:buSzTx/>
+              <a:buFontTx/>
+              <a:buNone/>
+              <a:tabLst/>
+              <a:defRPr/>
+            </a:pPr>
             <a:r>
               <a:rPr lang="de-DE" dirty="0"/>
               <a:t>Trie </a:t>
@@ -9088,6 +8816,9 @@
               <a:rPr lang="de-DE" dirty="0"/>
               <a:t>)</a:t>
             </a:r>
+          </a:p>
+          <a:p>
+            <a:endParaRPr lang="de-DE" dirty="0"/>
           </a:p>
         </p:txBody>
       </p:sp>
@@ -9114,7 +8845,7 @@
               <a:pPr>
                 <a:defRPr/>
               </a:pPr>
-              <a:t>9</a:t>
+              <a:t>10</a:t>
             </a:fld>
             <a:endParaRPr lang="en-GB"/>
           </a:p>
@@ -9123,7 +8854,7 @@
     </p:spTree>
     <p:extLst>
       <p:ext uri="{BB962C8B-B14F-4D97-AF65-F5344CB8AC3E}">
-        <p14:creationId xmlns:p14="http://schemas.microsoft.com/office/powerpoint/2010/main" val="822838596"/>
+        <p14:creationId xmlns:p14="http://schemas.microsoft.com/office/powerpoint/2010/main" val="266720536"/>
       </p:ext>
     </p:extLst>
   </p:cSld>
@@ -17791,7 +17522,7 @@
               <a:t>Chair </a:t>
             </a:r>
             <a:r>
-              <a:rPr lang="de-DE" dirty="0" err="1"/>
+              <a:rPr lang="en-US" dirty="0"/>
               <a:t>for</a:t>
             </a:r>
             <a:r>
@@ -17799,7 +17530,7 @@
               <a:t> </a:t>
             </a:r>
             <a:r>
-              <a:rPr lang="de-DE" dirty="0" err="1"/>
+              <a:rPr lang="en-US" dirty="0"/>
               <a:t>database</a:t>
             </a:r>
             <a:r>
@@ -27060,6 +26791,51 @@
               <a:t>    </a:t>
             </a:r>
             <a:r>
+              <a:rPr lang="de-DE" dirty="0">
+                <a:solidFill>
+                  <a:schemeClr val="bg1">
+                    <a:lumMod val="50000"/>
+                  </a:schemeClr>
+                </a:solidFill>
+                <a:latin typeface="Cascadia Code" panose="020B0609020000020004" pitchFamily="49" charset="0"/>
+                <a:cs typeface="Cascadia Code" panose="020B0609020000020004" pitchFamily="49" charset="0"/>
+              </a:rPr>
+              <a:t>// ‘A‘ </a:t>
+            </a:r>
+            <a:r>
+              <a:rPr lang="de-DE" dirty="0" err="1">
+                <a:solidFill>
+                  <a:schemeClr val="bg1">
+                    <a:lumMod val="50000"/>
+                  </a:schemeClr>
+                </a:solidFill>
+                <a:latin typeface="Cascadia Code" panose="020B0609020000020004" pitchFamily="49" charset="0"/>
+                <a:cs typeface="Cascadia Code" panose="020B0609020000020004" pitchFamily="49" charset="0"/>
+              </a:rPr>
+              <a:t>to</a:t>
+            </a:r>
+            <a:r>
+              <a:rPr lang="de-DE" dirty="0">
+                <a:solidFill>
+                  <a:schemeClr val="bg1">
+                    <a:lumMod val="50000"/>
+                  </a:schemeClr>
+                </a:solidFill>
+                <a:latin typeface="Cascadia Code" panose="020B0609020000020004" pitchFamily="49" charset="0"/>
+                <a:cs typeface="Cascadia Code" panose="020B0609020000020004" pitchFamily="49" charset="0"/>
+              </a:rPr>
+              <a:t> ‘Z‘</a:t>
+            </a:r>
+          </a:p>
+          <a:p>
+            <a:r>
+              <a:rPr lang="de-DE" dirty="0">
+                <a:latin typeface="Cascadia Code" panose="020B0609020000020004" pitchFamily="49" charset="0"/>
+                <a:cs typeface="Cascadia Code" panose="020B0609020000020004" pitchFamily="49" charset="0"/>
+              </a:rPr>
+              <a:t>    </a:t>
+            </a:r>
+            <a:r>
               <a:rPr lang="de-DE" dirty="0" err="1">
                 <a:latin typeface="Cascadia Code" panose="020B0609020000020004" pitchFamily="49" charset="0"/>
                 <a:cs typeface="Cascadia Code" panose="020B0609020000020004" pitchFamily="49" charset="0"/>
@@ -27393,11 +27169,15 @@
             <a:avLst/>
           </a:prstGeom>
           <a:solidFill>
-            <a:schemeClr val="accent1"/>
+            <a:schemeClr val="accent1">
+              <a:alpha val="50000"/>
+            </a:schemeClr>
           </a:solidFill>
           <a:ln w="38100">
             <a:solidFill>
-              <a:schemeClr val="accent6"/>
+              <a:schemeClr val="accent6">
+                <a:alpha val="50000"/>
+              </a:schemeClr>
             </a:solidFill>
           </a:ln>
         </p:spPr>
@@ -27458,6 +27238,11 @@
           <a:prstGeom prst="rect">
             <a:avLst/>
           </a:prstGeom>
+          <a:solidFill>
+            <a:schemeClr val="accent1">
+              <a:alpha val="50000"/>
+            </a:schemeClr>
+          </a:solidFill>
           <a:ln>
             <a:noFill/>
           </a:ln>
@@ -27520,11 +27305,15 @@
             <a:avLst/>
           </a:prstGeom>
           <a:solidFill>
-            <a:schemeClr val="accent1"/>
+            <a:schemeClr val="accent1">
+              <a:alpha val="50000"/>
+            </a:schemeClr>
           </a:solidFill>
           <a:ln w="38100">
             <a:solidFill>
-              <a:schemeClr val="accent6"/>
+              <a:schemeClr val="accent6">
+                <a:alpha val="50000"/>
+              </a:schemeClr>
             </a:solidFill>
           </a:ln>
         </p:spPr>
@@ -27585,6 +27374,11 @@
           <a:prstGeom prst="rect">
             <a:avLst/>
           </a:prstGeom>
+          <a:solidFill>
+            <a:schemeClr val="accent1">
+              <a:alpha val="50000"/>
+            </a:schemeClr>
+          </a:solidFill>
           <a:ln>
             <a:noFill/>
           </a:ln>
@@ -27646,6 +27440,11 @@
           <a:prstGeom prst="rect">
             <a:avLst/>
           </a:prstGeom>
+          <a:solidFill>
+            <a:schemeClr val="accent1">
+              <a:alpha val="50000"/>
+            </a:schemeClr>
+          </a:solidFill>
           <a:ln>
             <a:noFill/>
           </a:ln>
@@ -27708,11 +27507,15 @@
             <a:avLst/>
           </a:prstGeom>
           <a:solidFill>
-            <a:schemeClr val="accent1"/>
+            <a:schemeClr val="accent1">
+              <a:alpha val="50000"/>
+            </a:schemeClr>
           </a:solidFill>
           <a:ln w="38100">
             <a:solidFill>
-              <a:schemeClr val="accent6"/>
+              <a:schemeClr val="accent6">
+                <a:alpha val="50000"/>
+              </a:schemeClr>
             </a:solidFill>
           </a:ln>
         </p:spPr>
@@ -27823,7 +27626,9 @@
           </a:prstGeom>
           <a:ln w="63500">
             <a:solidFill>
-              <a:schemeClr val="accent3"/>
+              <a:schemeClr val="accent3">
+                <a:alpha val="50000"/>
+              </a:schemeClr>
             </a:solidFill>
             <a:tailEnd type="triangle"/>
           </a:ln>
@@ -27869,7 +27674,9 @@
           </a:prstGeom>
           <a:ln w="63500">
             <a:solidFill>
-              <a:schemeClr val="accent3"/>
+              <a:schemeClr val="accent3">
+                <a:alpha val="50000"/>
+              </a:schemeClr>
             </a:solidFill>
             <a:tailEnd type="triangle"/>
           </a:ln>
@@ -27915,7 +27722,9 @@
           </a:prstGeom>
           <a:ln w="63500">
             <a:solidFill>
-              <a:schemeClr val="accent3"/>
+              <a:schemeClr val="accent3">
+                <a:alpha val="50000"/>
+              </a:schemeClr>
             </a:solidFill>
             <a:tailEnd type="triangle"/>
           </a:ln>
@@ -27961,7 +27770,9 @@
           </a:prstGeom>
           <a:ln w="63500">
             <a:solidFill>
-              <a:schemeClr val="accent3"/>
+              <a:schemeClr val="accent3">
+                <a:alpha val="50000"/>
+              </a:schemeClr>
             </a:solidFill>
             <a:tailEnd type="triangle"/>
           </a:ln>
@@ -28007,7 +27818,9 @@
           </a:prstGeom>
           <a:ln w="63500">
             <a:solidFill>
-              <a:schemeClr val="accent3"/>
+              <a:schemeClr val="accent3">
+                <a:alpha val="50000"/>
+              </a:schemeClr>
             </a:solidFill>
             <a:tailEnd type="triangle"/>
           </a:ln>
@@ -28044,7 +27857,7 @@
         <p:spPr>
           <a:xfrm>
             <a:off x="1219171" y="1762188"/>
-            <a:ext cx="1791669" cy="4699572"/>
+            <a:ext cx="757507" cy="4699572"/>
           </a:xfrm>
           <a:prstGeom prst="rect">
             <a:avLst/>
@@ -28268,7 +28081,7 @@
         </p:nvSpPr>
         <p:spPr>
           <a:xfrm>
-            <a:off x="5917557" y="3225505"/>
+            <a:off x="5917557" y="3604646"/>
             <a:ext cx="546411" cy="410370"/>
           </a:xfrm>
           <a:prstGeom prst="rect">
@@ -28329,7 +28142,7 @@
         </p:nvSpPr>
         <p:spPr>
           <a:xfrm>
-            <a:off x="5058931" y="4047040"/>
+            <a:off x="5058931" y="4426181"/>
             <a:ext cx="546411" cy="410370"/>
           </a:xfrm>
           <a:prstGeom prst="rect">
@@ -28390,7 +28203,7 @@
         </p:nvSpPr>
         <p:spPr>
           <a:xfrm>
-            <a:off x="7383944" y="4042453"/>
+            <a:off x="7383944" y="4421594"/>
             <a:ext cx="546411" cy="420118"/>
           </a:xfrm>
           <a:prstGeom prst="rect">
@@ -28454,7 +28267,7 @@
         </p:nvCxnSpPr>
         <p:spPr>
           <a:xfrm flipH="1">
-            <a:off x="5605342" y="3635875"/>
+            <a:off x="5605342" y="4015016"/>
             <a:ext cx="585421" cy="406578"/>
           </a:xfrm>
           <a:prstGeom prst="straightConnector1">
@@ -28499,7 +28312,7 @@
         </p:nvCxnSpPr>
         <p:spPr>
           <a:xfrm flipH="1">
-            <a:off x="5332135" y="4457410"/>
+            <a:off x="5332135" y="4836551"/>
             <a:ext cx="2" cy="485171"/>
           </a:xfrm>
           <a:prstGeom prst="straightConnector1">
@@ -28544,7 +28357,7 @@
         </p:nvCxnSpPr>
         <p:spPr>
           <a:xfrm>
-            <a:off x="7657150" y="4462571"/>
+            <a:off x="7657150" y="4841712"/>
             <a:ext cx="0" cy="517737"/>
           </a:xfrm>
           <a:prstGeom prst="straightConnector1">
@@ -28586,7 +28399,7 @@
         </p:nvSpPr>
         <p:spPr>
           <a:xfrm>
-            <a:off x="5638795" y="4047040"/>
+            <a:off x="5638795" y="4426181"/>
             <a:ext cx="546411" cy="410370"/>
           </a:xfrm>
           <a:prstGeom prst="rect">
@@ -28647,7 +28460,7 @@
         </p:nvSpPr>
         <p:spPr>
           <a:xfrm>
-            <a:off x="6224216" y="4042452"/>
+            <a:off x="6224216" y="4421593"/>
             <a:ext cx="546411" cy="414957"/>
           </a:xfrm>
           <a:prstGeom prst="rect">
@@ -28708,7 +28521,7 @@
         </p:nvSpPr>
         <p:spPr>
           <a:xfrm>
-            <a:off x="6804080" y="4042453"/>
+            <a:off x="6804080" y="4421594"/>
             <a:ext cx="546411" cy="420118"/>
           </a:xfrm>
           <a:prstGeom prst="rect">
@@ -28769,7 +28582,7 @@
         </p:nvSpPr>
         <p:spPr>
           <a:xfrm>
-            <a:off x="7930355" y="3905798"/>
+            <a:off x="7930355" y="4284939"/>
             <a:ext cx="524905" cy="450188"/>
           </a:xfrm>
           <a:prstGeom prst="rect">
@@ -28811,7 +28624,7 @@
         </p:nvSpPr>
         <p:spPr>
           <a:xfrm>
-            <a:off x="8471137" y="4042453"/>
+            <a:off x="8471137" y="4421594"/>
             <a:ext cx="546411" cy="420118"/>
           </a:xfrm>
           <a:prstGeom prst="rect">
@@ -28872,7 +28685,7 @@
         </p:nvSpPr>
         <p:spPr>
           <a:xfrm>
-            <a:off x="5080437" y="4729040"/>
+            <a:off x="5080437" y="5108181"/>
             <a:ext cx="524905" cy="450188"/>
           </a:xfrm>
           <a:prstGeom prst="rect">
@@ -28914,49 +28727,7 @@
         </p:nvSpPr>
         <p:spPr>
           <a:xfrm>
-            <a:off x="7433999" y="4774999"/>
-            <a:ext cx="524905" cy="450188"/>
-          </a:xfrm>
-          <a:prstGeom prst="rect">
-            <a:avLst/>
-          </a:prstGeom>
-          <a:noFill/>
-        </p:spPr>
-        <p:txBody>
-          <a:bodyPr wrap="square" lIns="0" tIns="0" rIns="0" bIns="0" rtlCol="0" anchor="ctr">
-            <a:spAutoFit/>
-          </a:bodyPr>
-          <a:lstStyle/>
-          <a:p>
-            <a:pPr algn="ctr">
-              <a:lnSpc>
-                <a:spcPct val="114000"/>
-              </a:lnSpc>
-            </a:pPr>
-            <a:r>
-              <a:rPr lang="de-DE" sz="2800" b="1" dirty="0">
-                <a:latin typeface="+mn-lt"/>
-              </a:rPr>
-              <a:t>…</a:t>
-            </a:r>
-          </a:p>
-        </p:txBody>
-      </p:sp>
-      <p:sp>
-        <p:nvSpPr>
-          <p:cNvPr id="47" name="TextBox 46">
-            <a:extLst>
-              <a:ext uri="{FF2B5EF4-FFF2-40B4-BE49-F238E27FC236}">
-                <a16:creationId xmlns:a16="http://schemas.microsoft.com/office/drawing/2014/main" id="{0A6E1EF5-14CA-1EBA-2D56-22FCF7278F47}"/>
-              </a:ext>
-            </a:extLst>
-          </p:cNvPr>
-          <p:cNvSpPr txBox="1"/>
-          <p:nvPr/>
-        </p:nvSpPr>
-        <p:spPr>
-          <a:xfrm>
-            <a:off x="5452111" y="5011128"/>
+            <a:off x="7433999" y="5154140"/>
             <a:ext cx="524905" cy="450188"/>
           </a:xfrm>
           <a:prstGeom prst="rect">
@@ -29119,7 +28890,7 @@
         <p:spPr>
           <a:xfrm>
             <a:off x="3397403" y="1762188"/>
-            <a:ext cx="546411" cy="410370"/>
+            <a:ext cx="706246" cy="410370"/>
           </a:xfrm>
           <a:prstGeom prst="rect">
             <a:avLst/>
@@ -29160,7 +28931,7 @@
             </a:pPr>
             <a:r>
               <a:rPr lang="de-DE" dirty="0"/>
-              <a:t>H</a:t>
+              <a:t>0x48</a:t>
             </a:r>
           </a:p>
         </p:txBody>
@@ -29179,8 +28950,8 @@
         </p:nvSpPr>
         <p:spPr>
           <a:xfrm>
-            <a:off x="2750630" y="2662316"/>
-            <a:ext cx="546411" cy="410370"/>
+            <a:off x="2609386" y="2662316"/>
+            <a:ext cx="687656" cy="410370"/>
           </a:xfrm>
           <a:prstGeom prst="rect">
             <a:avLst/>
@@ -29221,7 +28992,7 @@
             </a:pPr>
             <a:r>
               <a:rPr lang="de-DE" dirty="0"/>
-              <a:t>A</a:t>
+              <a:t>0x41</a:t>
             </a:r>
           </a:p>
         </p:txBody>
@@ -29241,7 +29012,7 @@
         <p:spPr>
           <a:xfrm>
             <a:off x="3330494" y="2662316"/>
-            <a:ext cx="546411" cy="410370"/>
+            <a:ext cx="687656" cy="410370"/>
           </a:xfrm>
           <a:prstGeom prst="rect">
             <a:avLst/>
@@ -29282,7 +29053,7 @@
             </a:pPr>
             <a:r>
               <a:rPr lang="de-DE" dirty="0"/>
-              <a:t>E</a:t>
+              <a:t>0x45</a:t>
             </a:r>
           </a:p>
         </p:txBody>
@@ -29301,8 +29072,8 @@
         </p:nvSpPr>
         <p:spPr>
           <a:xfrm>
-            <a:off x="1921719" y="3562444"/>
-            <a:ext cx="546411" cy="410370"/>
+            <a:off x="1780475" y="3562444"/>
+            <a:ext cx="687655" cy="410370"/>
           </a:xfrm>
           <a:prstGeom prst="rect">
             <a:avLst/>
@@ -29348,7 +29119,7 @@
             </a:pPr>
             <a:r>
               <a:rPr lang="de-DE" dirty="0"/>
-              <a:t>T</a:t>
+              <a:t>0x54</a:t>
             </a:r>
           </a:p>
         </p:txBody>
@@ -29368,7 +29139,7 @@
         <p:spPr>
           <a:xfrm>
             <a:off x="2501583" y="3562444"/>
-            <a:ext cx="546411" cy="410370"/>
+            <a:ext cx="687655" cy="410370"/>
           </a:xfrm>
           <a:prstGeom prst="rect">
             <a:avLst/>
@@ -29409,7 +29180,7 @@
             </a:pPr>
             <a:r>
               <a:rPr lang="de-DE" dirty="0"/>
-              <a:t>V</a:t>
+              <a:t>0x56</a:t>
             </a:r>
           </a:p>
         </p:txBody>
@@ -29428,8 +29199,8 @@
         </p:nvSpPr>
         <p:spPr>
           <a:xfrm>
-            <a:off x="2501583" y="4462572"/>
-            <a:ext cx="546411" cy="410370"/>
+            <a:off x="2360341" y="4462572"/>
+            <a:ext cx="687654" cy="410370"/>
           </a:xfrm>
           <a:prstGeom prst="rect">
             <a:avLst/>
@@ -29475,7 +29246,7 @@
             </a:pPr>
             <a:r>
               <a:rPr lang="de-DE" dirty="0"/>
-              <a:t>E</a:t>
+              <a:t>0x45</a:t>
             </a:r>
           </a:p>
         </p:txBody>
@@ -29495,7 +29266,7 @@
         <p:spPr>
           <a:xfrm>
             <a:off x="3724502" y="3562444"/>
-            <a:ext cx="546411" cy="410370"/>
+            <a:ext cx="812167" cy="410370"/>
           </a:xfrm>
           <a:prstGeom prst="rect">
             <a:avLst/>
@@ -29536,7 +29307,7 @@
             </a:pPr>
             <a:r>
               <a:rPr lang="de-DE" dirty="0"/>
-              <a:t>L</a:t>
+              <a:t>0x4C</a:t>
             </a:r>
           </a:p>
         </p:txBody>
@@ -29556,7 +29327,7 @@
         <p:spPr>
           <a:xfrm>
             <a:off x="3724502" y="4462572"/>
-            <a:ext cx="546411" cy="410370"/>
+            <a:ext cx="786145" cy="410370"/>
           </a:xfrm>
           <a:prstGeom prst="rect">
             <a:avLst/>
@@ -29597,7 +29368,7 @@
             </a:pPr>
             <a:r>
               <a:rPr lang="de-DE" dirty="0"/>
-              <a:t>L</a:t>
+              <a:t>0x4C</a:t>
             </a:r>
           </a:p>
         </p:txBody>
@@ -29617,7 +29388,7 @@
         <p:spPr>
           <a:xfrm>
             <a:off x="3724502" y="5357400"/>
-            <a:ext cx="546411" cy="410370"/>
+            <a:ext cx="786145" cy="410370"/>
           </a:xfrm>
           <a:prstGeom prst="rect">
             <a:avLst/>
@@ -29663,7 +29434,7 @@
             </a:pPr>
             <a:r>
               <a:rPr lang="de-DE" dirty="0"/>
-              <a:t>O</a:t>
+              <a:t>0x4F</a:t>
             </a:r>
           </a:p>
         </p:txBody>
@@ -29686,7 +29457,7 @@
         <p:spPr>
           <a:xfrm flipH="1">
             <a:off x="3297041" y="2172558"/>
-            <a:ext cx="373568" cy="489758"/>
+            <a:ext cx="453485" cy="489758"/>
           </a:xfrm>
           <a:prstGeom prst="straightConnector1">
             <a:avLst/>
@@ -29731,7 +29502,7 @@
         <p:spPr>
           <a:xfrm flipH="1">
             <a:off x="2501583" y="3072686"/>
-            <a:ext cx="522253" cy="489758"/>
+            <a:ext cx="451631" cy="489758"/>
           </a:xfrm>
           <a:prstGeom prst="straightConnector1">
             <a:avLst/>
@@ -29775,9 +29546,9 @@
           <p:nvPr/>
         </p:nvCxnSpPr>
         <p:spPr>
-          <a:xfrm>
-            <a:off x="2774789" y="3972814"/>
-            <a:ext cx="0" cy="489758"/>
+          <a:xfrm flipH="1">
+            <a:off x="2704168" y="3972814"/>
+            <a:ext cx="141243" cy="489758"/>
           </a:xfrm>
           <a:prstGeom prst="straightConnector1">
             <a:avLst/>
@@ -29822,8 +29593,8 @@
         </p:nvCxnSpPr>
         <p:spPr>
           <a:xfrm>
-            <a:off x="3603700" y="3072686"/>
-            <a:ext cx="394008" cy="489758"/>
+            <a:off x="3674322" y="3072686"/>
+            <a:ext cx="456264" cy="489758"/>
           </a:xfrm>
           <a:prstGeom prst="straightConnector1">
             <a:avLst/>
@@ -29867,9 +29638,9 @@
           <p:nvPr/>
         </p:nvCxnSpPr>
         <p:spPr>
-          <a:xfrm>
-            <a:off x="3997708" y="3972814"/>
-            <a:ext cx="0" cy="489758"/>
+          <a:xfrm flipH="1">
+            <a:off x="4117575" y="3972814"/>
+            <a:ext cx="13011" cy="489758"/>
           </a:xfrm>
           <a:prstGeom prst="straightConnector1">
             <a:avLst/>
@@ -29914,7 +29685,7 @@
         </p:nvCxnSpPr>
         <p:spPr>
           <a:xfrm>
-            <a:off x="3997708" y="4872942"/>
+            <a:off x="4117575" y="4872942"/>
             <a:ext cx="0" cy="484458"/>
           </a:xfrm>
           <a:prstGeom prst="straightConnector1">
@@ -29959,7 +29730,7 @@
         <p:spPr>
           <a:xfrm>
             <a:off x="1219171" y="1762188"/>
-            <a:ext cx="1791669" cy="4699572"/>
+            <a:ext cx="873545" cy="4699572"/>
           </a:xfrm>
           <a:prstGeom prst="rect">
             <a:avLst/>
@@ -30296,15 +30067,7 @@
           <a:p>
             <a:r>
               <a:rPr lang="de-DE" dirty="0"/>
-              <a:t>Max. </a:t>
-            </a:r>
-            <a:r>
-              <a:rPr lang="de-DE" dirty="0" err="1"/>
-              <a:t>size</a:t>
-            </a:r>
-            <a:r>
-              <a:rPr lang="de-DE" dirty="0"/>
-              <a:t> </a:t>
+              <a:t>Size </a:t>
             </a:r>
             <a:r>
               <a:rPr lang="de-DE" dirty="0" err="1"/>
@@ -31136,124 +30899,12 @@
           </a:p>
         </p:txBody>
       </p:sp>
-    </p:spTree>
-    <p:extLst>
-      <p:ext uri="{BB962C8B-B14F-4D97-AF65-F5344CB8AC3E}">
-        <p14:creationId xmlns:p14="http://schemas.microsoft.com/office/powerpoint/2010/main" val="571032661"/>
-      </p:ext>
-    </p:extLst>
-  </p:cSld>
-  <p:clrMapOvr>
-    <a:masterClrMapping/>
-  </p:clrMapOvr>
-</p:sld>
-</file>
-
-<file path=ppt/slides/slide8.xml><?xml version="1.0" encoding="utf-8"?>
-<p:sld xmlns:a="http://schemas.openxmlformats.org/drawingml/2006/main" xmlns:r="http://schemas.openxmlformats.org/officeDocument/2006/relationships" xmlns:p="http://schemas.openxmlformats.org/presentationml/2006/main">
-  <p:cSld>
-    <p:spTree>
-      <p:nvGrpSpPr>
-        <p:cNvPr id="1" name=""/>
-        <p:cNvGrpSpPr/>
-        <p:nvPr/>
-      </p:nvGrpSpPr>
-      <p:grpSpPr>
-        <a:xfrm>
-          <a:off x="0" y="0"/>
-          <a:ext cx="0" cy="0"/>
-          <a:chOff x="0" y="0"/>
-          <a:chExt cx="0" cy="0"/>
-        </a:xfrm>
-      </p:grpSpPr>
-      <p:sp>
-        <p:nvSpPr>
-          <p:cNvPr id="4" name="Foliennummernplatzhalter 3"/>
-          <p:cNvSpPr>
-            <a:spLocks noGrp="1"/>
-          </p:cNvSpPr>
-          <p:nvPr>
-            <p:ph type="sldNum" sz="quarter" idx="11"/>
-          </p:nvPr>
-        </p:nvSpPr>
-        <p:spPr>
-          <a:prstGeom prst="rect">
-            <a:avLst/>
-          </a:prstGeom>
-        </p:spPr>
-        <p:txBody>
-          <a:bodyPr/>
-          <a:lstStyle/>
-          <a:p>
-            <a:fld id="{CE58CB1E-F828-4F11-99E0-327109AF9DA4}" type="slidenum">
-              <a:rPr lang="de-DE" smtClean="0"/>
-              <a:pPr/>
-              <a:t>8</a:t>
-            </a:fld>
-            <a:endParaRPr lang="de-DE" dirty="0"/>
-          </a:p>
-        </p:txBody>
-      </p:sp>
-      <p:sp>
-        <p:nvSpPr>
-          <p:cNvPr id="6" name="Fußzeilenplatzhalter 4"/>
-          <p:cNvSpPr>
-            <a:spLocks noGrp="1"/>
-          </p:cNvSpPr>
-          <p:nvPr>
-            <p:ph type="ftr" sz="quarter" idx="12"/>
-          </p:nvPr>
-        </p:nvSpPr>
-        <p:spPr/>
-        <p:txBody>
-          <a:bodyPr/>
-          <a:lstStyle/>
-          <a:p>
-            <a:r>
-              <a:rPr lang="de-DE" dirty="0"/>
-              <a:t>Jonas Fritsch | The Adaptive Radix Tree</a:t>
-            </a:r>
-            <a:endParaRPr lang="en-US" dirty="0"/>
-          </a:p>
-        </p:txBody>
-      </p:sp>
-      <p:sp>
-        <p:nvSpPr>
-          <p:cNvPr id="3" name="Titel 2"/>
-          <p:cNvSpPr>
-            <a:spLocks noGrp="1"/>
-          </p:cNvSpPr>
-          <p:nvPr>
-            <p:ph type="title"/>
-          </p:nvPr>
-        </p:nvSpPr>
-        <p:spPr>
-          <a:prstGeom prst="rect">
-            <a:avLst/>
-          </a:prstGeom>
-        </p:spPr>
-        <p:txBody>
-          <a:bodyPr/>
-          <a:lstStyle/>
-          <a:p>
-            <a:r>
-              <a:rPr sz="3000" dirty="0"/>
-              <a:t>Radix </a:t>
-            </a:r>
-            <a:r>
-              <a:rPr sz="3000" dirty="0" err="1"/>
-              <a:t>Trees</a:t>
-            </a:r>
-            <a:endParaRPr lang="de-DE" sz="3000" dirty="0"/>
-          </a:p>
-        </p:txBody>
-      </p:sp>
-      <p:sp>
-        <p:nvSpPr>
-          <p:cNvPr id="5" name="Rectangle 4">
+      <p:sp>
+        <p:nvSpPr>
+          <p:cNvPr id="13" name="Rectangle 12">
             <a:extLst>
               <a:ext uri="{FF2B5EF4-FFF2-40B4-BE49-F238E27FC236}">
-                <a16:creationId xmlns:a16="http://schemas.microsoft.com/office/drawing/2014/main" id="{A1C74294-BEB8-251A-AC8C-10D4D211BE63}"/>
+                <a16:creationId xmlns:a16="http://schemas.microsoft.com/office/drawing/2014/main" id="{025C98D6-65AA-B386-E435-E5EEE2A094F9}"/>
               </a:ext>
             </a:extLst>
           </p:cNvPr>
@@ -31262,7 +30913,7 @@
         </p:nvSpPr>
         <p:spPr>
           <a:xfrm>
-            <a:off x="3397403" y="1762188"/>
+            <a:off x="6742767" y="1762188"/>
             <a:ext cx="546411" cy="410370"/>
           </a:xfrm>
           <a:prstGeom prst="rect">
@@ -31311,10 +30962,10 @@
       </p:sp>
       <p:sp>
         <p:nvSpPr>
-          <p:cNvPr id="7" name="Rectangle 6">
+          <p:cNvPr id="14" name="Rectangle 13">
             <a:extLst>
               <a:ext uri="{FF2B5EF4-FFF2-40B4-BE49-F238E27FC236}">
-                <a16:creationId xmlns:a16="http://schemas.microsoft.com/office/drawing/2014/main" id="{6B3AF17C-1D1E-4D03-69E6-7E26292656A4}"/>
+                <a16:creationId xmlns:a16="http://schemas.microsoft.com/office/drawing/2014/main" id="{4F3D41EF-9320-EAE0-3EB6-8FC8DA88C20F}"/>
               </a:ext>
             </a:extLst>
           </p:cNvPr>
@@ -31323,7 +30974,7 @@
         </p:nvSpPr>
         <p:spPr>
           <a:xfrm>
-            <a:off x="3090745" y="2673869"/>
+            <a:off x="6436109" y="2673869"/>
             <a:ext cx="546411" cy="410370"/>
           </a:xfrm>
           <a:prstGeom prst="rect">
@@ -31372,10 +31023,10 @@
       </p:sp>
       <p:sp>
         <p:nvSpPr>
-          <p:cNvPr id="8" name="Rectangle 7">
+          <p:cNvPr id="15" name="Rectangle 14">
             <a:extLst>
               <a:ext uri="{FF2B5EF4-FFF2-40B4-BE49-F238E27FC236}">
-                <a16:creationId xmlns:a16="http://schemas.microsoft.com/office/drawing/2014/main" id="{0A99FB4C-349B-9C93-2DD7-0BD0612FDB50}"/>
+                <a16:creationId xmlns:a16="http://schemas.microsoft.com/office/drawing/2014/main" id="{20F7F293-675D-7041-D9D2-A2F3D43D46E3}"/>
               </a:ext>
             </a:extLst>
           </p:cNvPr>
@@ -31384,7 +31035,7 @@
         </p:nvSpPr>
         <p:spPr>
           <a:xfrm>
-            <a:off x="3681760" y="2673869"/>
+            <a:off x="7027124" y="2673869"/>
             <a:ext cx="546411" cy="410370"/>
           </a:xfrm>
           <a:prstGeom prst="rect">
@@ -31433,10 +31084,10 @@
       </p:sp>
       <p:sp>
         <p:nvSpPr>
-          <p:cNvPr id="9" name="Rectangle 8">
+          <p:cNvPr id="17" name="Rectangle 16">
             <a:extLst>
               <a:ext uri="{FF2B5EF4-FFF2-40B4-BE49-F238E27FC236}">
-                <a16:creationId xmlns:a16="http://schemas.microsoft.com/office/drawing/2014/main" id="{0C1F2F21-95C1-4E47-0055-58A875A13733}"/>
+                <a16:creationId xmlns:a16="http://schemas.microsoft.com/office/drawing/2014/main" id="{72AF415D-821E-5BB8-26B8-9F52293C9711}"/>
               </a:ext>
             </a:extLst>
           </p:cNvPr>
@@ -31445,7 +31096,7 @@
         </p:nvSpPr>
         <p:spPr>
           <a:xfrm>
-            <a:off x="2817539" y="3635356"/>
+            <a:off x="6162903" y="3635356"/>
             <a:ext cx="546411" cy="410370"/>
           </a:xfrm>
           <a:prstGeom prst="rect">
@@ -31497,10 +31148,10 @@
       </p:sp>
       <p:sp>
         <p:nvSpPr>
-          <p:cNvPr id="10" name="Rectangle 9">
+          <p:cNvPr id="19" name="Rectangle 18">
             <a:extLst>
               <a:ext uri="{FF2B5EF4-FFF2-40B4-BE49-F238E27FC236}">
-                <a16:creationId xmlns:a16="http://schemas.microsoft.com/office/drawing/2014/main" id="{FCA6C8AC-A1B9-BC8A-FCB2-644A667A0199}"/>
+                <a16:creationId xmlns:a16="http://schemas.microsoft.com/office/drawing/2014/main" id="{B3684ECB-9964-5F56-3CA7-6E45E2533492}"/>
               </a:ext>
             </a:extLst>
           </p:cNvPr>
@@ -31509,7 +31160,7 @@
         </p:nvSpPr>
         <p:spPr>
           <a:xfrm>
-            <a:off x="3408554" y="3635356"/>
+            <a:off x="6753918" y="3635356"/>
             <a:ext cx="546411" cy="410370"/>
           </a:xfrm>
           <a:prstGeom prst="rect">
@@ -31558,22 +31209,22 @@
       </p:sp>
       <p:cxnSp>
         <p:nvCxnSpPr>
-          <p:cNvPr id="16" name="Straight Arrow Connector 15">
+          <p:cNvPr id="20" name="Straight Arrow Connector 19">
             <a:extLst>
               <a:ext uri="{FF2B5EF4-FFF2-40B4-BE49-F238E27FC236}">
-                <a16:creationId xmlns:a16="http://schemas.microsoft.com/office/drawing/2014/main" id="{C6A23FB2-2A37-C5A8-1C59-72C88E53A598}"/>
+                <a16:creationId xmlns:a16="http://schemas.microsoft.com/office/drawing/2014/main" id="{5591BA15-E587-79F9-39F1-4B6DEBF3FDA1}"/>
               </a:ext>
             </a:extLst>
           </p:cNvPr>
           <p:cNvCxnSpPr>
             <a:cxnSpLocks/>
-            <a:stCxn id="5" idx="2"/>
+            <a:stCxn id="13" idx="2"/>
           </p:cNvCxnSpPr>
           <p:nvPr/>
         </p:nvCxnSpPr>
         <p:spPr>
           <a:xfrm flipH="1">
-            <a:off x="3637156" y="2172558"/>
+            <a:off x="6982520" y="2172558"/>
             <a:ext cx="33453" cy="501311"/>
           </a:xfrm>
           <a:prstGeom prst="straightConnector1">
@@ -31603,22 +31254,22 @@
       </p:cxnSp>
       <p:cxnSp>
         <p:nvCxnSpPr>
-          <p:cNvPr id="18" name="Straight Arrow Connector 17">
+          <p:cNvPr id="21" name="Straight Arrow Connector 20">
             <a:extLst>
               <a:ext uri="{FF2B5EF4-FFF2-40B4-BE49-F238E27FC236}">
-                <a16:creationId xmlns:a16="http://schemas.microsoft.com/office/drawing/2014/main" id="{196E2A1C-94C5-6837-7224-DB98C668D3D2}"/>
+                <a16:creationId xmlns:a16="http://schemas.microsoft.com/office/drawing/2014/main" id="{2785E1DC-02FC-03A6-2473-5536A4B7C9C7}"/>
               </a:ext>
             </a:extLst>
           </p:cNvPr>
           <p:cNvCxnSpPr>
             <a:cxnSpLocks/>
-            <a:stCxn id="7" idx="2"/>
+            <a:stCxn id="14" idx="2"/>
           </p:cNvCxnSpPr>
           <p:nvPr/>
         </p:nvCxnSpPr>
         <p:spPr>
           <a:xfrm>
-            <a:off x="3363951" y="3084239"/>
+            <a:off x="6709315" y="3084239"/>
             <a:ext cx="0" cy="551117"/>
           </a:xfrm>
           <a:prstGeom prst="straightConnector1">
@@ -31646,344 +31297,25 @@
           </a:fontRef>
         </p:style>
       </p:cxnSp>
-      <p:sp>
-        <p:nvSpPr>
-          <p:cNvPr id="34" name="Inhaltsplatzhalter 1">
+      <p:cxnSp>
+        <p:nvCxnSpPr>
+          <p:cNvPr id="22" name="Straight Arrow Connector 21">
             <a:extLst>
               <a:ext uri="{FF2B5EF4-FFF2-40B4-BE49-F238E27FC236}">
-                <a16:creationId xmlns:a16="http://schemas.microsoft.com/office/drawing/2014/main" id="{AFBD4F7E-D557-E99E-4FC8-07EF8ED2E628}"/>
-              </a:ext>
-            </a:extLst>
-          </p:cNvPr>
-          <p:cNvSpPr txBox="1">
-            <a:spLocks/>
-          </p:cNvSpPr>
-          <p:nvPr/>
-        </p:nvSpPr>
-        <p:spPr>
-          <a:xfrm>
-            <a:off x="1219171" y="1762188"/>
-            <a:ext cx="999918" cy="4699572"/>
-          </a:xfrm>
-          <a:prstGeom prst="rect">
-            <a:avLst/>
-          </a:prstGeom>
-          <a:noFill/>
-          <a:ln w="9525">
-            <a:noFill/>
-            <a:miter lim="800000"/>
-            <a:headEnd/>
-            <a:tailEnd/>
-          </a:ln>
-        </p:spPr>
-        <p:txBody>
-          <a:bodyPr vert="horz" wrap="square" lIns="0" tIns="0" rIns="0" bIns="0" numCol="1" anchor="t" anchorCtr="0" compatLnSpc="1">
-            <a:prstTxWarp prst="textNoShape">
-              <a:avLst/>
-            </a:prstTxWarp>
-          </a:bodyPr>
-          <a:lstStyle>
-            <a:lvl1pPr algn="l" rtl="0" eaLnBrk="1" fontAlgn="base" hangingPunct="1">
-              <a:lnSpc>
-                <a:spcPct val="114000"/>
-              </a:lnSpc>
-              <a:spcBef>
-                <a:spcPct val="0"/>
-              </a:spcBef>
-              <a:spcAft>
-                <a:spcPct val="0"/>
-              </a:spcAft>
-              <a:defRPr lang="de-DE" sz="1600" kern="1200" noProof="0" dirty="0" smtClean="0">
-                <a:solidFill>
-                  <a:schemeClr val="tx1"/>
-                </a:solidFill>
-                <a:latin typeface="+mn-lt"/>
-                <a:ea typeface="+mn-ea"/>
-                <a:cs typeface="+mn-cs"/>
-              </a:defRPr>
-            </a:lvl1pPr>
-            <a:lvl2pPr marL="176213" indent="-176213" algn="l" rtl="0" eaLnBrk="1" fontAlgn="base" hangingPunct="1">
-              <a:lnSpc>
-                <a:spcPct val="114000"/>
-              </a:lnSpc>
-              <a:spcBef>
-                <a:spcPct val="0"/>
-              </a:spcBef>
-              <a:spcAft>
-                <a:spcPct val="0"/>
-              </a:spcAft>
-              <a:buFont typeface="Arial" charset="0"/>
-              <a:buChar char="•"/>
-              <a:defRPr lang="de-DE" sz="1600" kern="1200" noProof="0" dirty="0" smtClean="0">
-                <a:solidFill>
-                  <a:schemeClr val="tx1"/>
-                </a:solidFill>
-                <a:latin typeface="+mn-lt"/>
-                <a:ea typeface="+mn-ea"/>
-                <a:cs typeface="+mn-cs"/>
-              </a:defRPr>
-            </a:lvl2pPr>
-            <a:lvl3pPr marL="360363" indent="-184150" algn="l" rtl="0" eaLnBrk="1" fontAlgn="base" hangingPunct="1">
-              <a:lnSpc>
-                <a:spcPct val="125000"/>
-              </a:lnSpc>
-              <a:spcBef>
-                <a:spcPct val="0"/>
-              </a:spcBef>
-              <a:spcAft>
-                <a:spcPct val="0"/>
-              </a:spcAft>
-              <a:buFont typeface="Symbol" pitchFamily="18" charset="2"/>
-              <a:buChar char="-"/>
-              <a:defRPr sz="1600" kern="1200">
-                <a:solidFill>
-                  <a:schemeClr val="tx1"/>
-                </a:solidFill>
-                <a:latin typeface="+mn-lt"/>
-                <a:ea typeface="+mn-ea"/>
-                <a:cs typeface="+mn-cs"/>
-              </a:defRPr>
-            </a:lvl3pPr>
-            <a:lvl4pPr marL="538163" indent="-177800" algn="l" rtl="0" eaLnBrk="1" fontAlgn="base" hangingPunct="1">
-              <a:lnSpc>
-                <a:spcPct val="125000"/>
-              </a:lnSpc>
-              <a:spcBef>
-                <a:spcPct val="0"/>
-              </a:spcBef>
-              <a:spcAft>
-                <a:spcPct val="0"/>
-              </a:spcAft>
-              <a:buFont typeface="Symbol" pitchFamily="18" charset="2"/>
-              <a:buChar char="-"/>
-              <a:defRPr sz="1400" kern="1200">
-                <a:solidFill>
-                  <a:schemeClr val="tx1"/>
-                </a:solidFill>
-                <a:latin typeface="+mn-lt"/>
-                <a:ea typeface="+mn-ea"/>
-                <a:cs typeface="+mn-cs"/>
-              </a:defRPr>
-            </a:lvl4pPr>
-            <a:lvl5pPr marL="714375" indent="-176213" algn="l" rtl="0" eaLnBrk="1" fontAlgn="base" hangingPunct="1">
-              <a:lnSpc>
-                <a:spcPct val="125000"/>
-              </a:lnSpc>
-              <a:spcBef>
-                <a:spcPct val="0"/>
-              </a:spcBef>
-              <a:spcAft>
-                <a:spcPct val="0"/>
-              </a:spcAft>
-              <a:buFont typeface="Symbol" pitchFamily="18" charset="2"/>
-              <a:buChar char="-"/>
-              <a:defRPr sz="1400" kern="1200">
-                <a:solidFill>
-                  <a:schemeClr val="tx1"/>
-                </a:solidFill>
-                <a:latin typeface="+mn-lt"/>
-                <a:ea typeface="+mn-ea"/>
-                <a:cs typeface="+mn-cs"/>
-              </a:defRPr>
-            </a:lvl5pPr>
-            <a:lvl6pPr marL="2514600" indent="-228600" algn="l" defTabSz="914400" rtl="0" eaLnBrk="1" latinLnBrk="0" hangingPunct="1">
-              <a:spcBef>
-                <a:spcPct val="20000"/>
-              </a:spcBef>
-              <a:buFont typeface="Arial" pitchFamily="34" charset="0"/>
-              <a:buChar char="•"/>
-              <a:defRPr sz="2000" kern="1200">
-                <a:solidFill>
-                  <a:schemeClr val="tx1"/>
-                </a:solidFill>
-                <a:latin typeface="+mn-lt"/>
-                <a:ea typeface="+mn-ea"/>
-                <a:cs typeface="+mn-cs"/>
-              </a:defRPr>
-            </a:lvl6pPr>
-            <a:lvl7pPr marL="2971800" indent="-228600" algn="l" defTabSz="914400" rtl="0" eaLnBrk="1" latinLnBrk="0" hangingPunct="1">
-              <a:spcBef>
-                <a:spcPct val="20000"/>
-              </a:spcBef>
-              <a:buFont typeface="Arial" pitchFamily="34" charset="0"/>
-              <a:buChar char="•"/>
-              <a:defRPr sz="2000" kern="1200">
-                <a:solidFill>
-                  <a:schemeClr val="tx1"/>
-                </a:solidFill>
-                <a:latin typeface="+mn-lt"/>
-                <a:ea typeface="+mn-ea"/>
-                <a:cs typeface="+mn-cs"/>
-              </a:defRPr>
-            </a:lvl7pPr>
-            <a:lvl8pPr marL="3429000" indent="-228600" algn="l" defTabSz="914400" rtl="0" eaLnBrk="1" latinLnBrk="0" hangingPunct="1">
-              <a:spcBef>
-                <a:spcPct val="20000"/>
-              </a:spcBef>
-              <a:buFont typeface="Arial" pitchFamily="34" charset="0"/>
-              <a:buChar char="•"/>
-              <a:defRPr sz="2000" kern="1200">
-                <a:solidFill>
-                  <a:schemeClr val="tx1"/>
-                </a:solidFill>
-                <a:latin typeface="+mn-lt"/>
-                <a:ea typeface="+mn-ea"/>
-                <a:cs typeface="+mn-cs"/>
-              </a:defRPr>
-            </a:lvl8pPr>
-            <a:lvl9pPr marL="3886200" indent="-228600" algn="l" defTabSz="914400" rtl="0" eaLnBrk="1" latinLnBrk="0" hangingPunct="1">
-              <a:spcBef>
-                <a:spcPct val="20000"/>
-              </a:spcBef>
-              <a:buFont typeface="Arial" pitchFamily="34" charset="0"/>
-              <a:buChar char="•"/>
-              <a:defRPr sz="2000" kern="1200">
-                <a:solidFill>
-                  <a:schemeClr val="tx1"/>
-                </a:solidFill>
-                <a:latin typeface="+mn-lt"/>
-                <a:ea typeface="+mn-ea"/>
-                <a:cs typeface="+mn-cs"/>
-              </a:defRPr>
-            </a:lvl9pPr>
-          </a:lstStyle>
-          <a:p>
-            <a:r>
-              <a:rPr lang="de-DE" b="1" dirty="0"/>
-              <a:t>Keys:</a:t>
-            </a:r>
-          </a:p>
-          <a:p>
-            <a:r>
-              <a:rPr lang="de-DE" dirty="0"/>
-              <a:t>HELLO,</a:t>
-            </a:r>
-          </a:p>
-          <a:p>
-            <a:r>
-              <a:rPr lang="de-DE" dirty="0"/>
-              <a:t>HAT,</a:t>
-            </a:r>
-          </a:p>
-          <a:p>
-            <a:r>
-              <a:rPr lang="de-DE" dirty="0"/>
-              <a:t>HAVE</a:t>
-            </a:r>
-          </a:p>
-        </p:txBody>
-      </p:sp>
-      <p:cxnSp>
-        <p:nvCxnSpPr>
-          <p:cNvPr id="11" name="Straight Arrow Connector 10">
-            <a:extLst>
-              <a:ext uri="{FF2B5EF4-FFF2-40B4-BE49-F238E27FC236}">
-                <a16:creationId xmlns:a16="http://schemas.microsoft.com/office/drawing/2014/main" id="{D72231FC-03DE-6AC8-94B8-F07E21DA33B4}"/>
+                <a16:creationId xmlns:a16="http://schemas.microsoft.com/office/drawing/2014/main" id="{3DAE3904-121C-E59A-2CAB-4214C20151A7}"/>
               </a:ext>
             </a:extLst>
           </p:cNvPr>
           <p:cNvCxnSpPr>
             <a:cxnSpLocks/>
-            <a:stCxn id="8" idx="2"/>
+            <a:stCxn id="15" idx="2"/>
           </p:cNvCxnSpPr>
           <p:nvPr/>
         </p:nvCxnSpPr>
         <p:spPr>
           <a:xfrm>
-            <a:off x="3954966" y="3084239"/>
+            <a:off x="7300330" y="3084239"/>
             <a:ext cx="317809" cy="410369"/>
-          </a:xfrm>
-          <a:prstGeom prst="straightConnector1">
-            <a:avLst/>
-          </a:prstGeom>
-          <a:ln w="63500">
-            <a:solidFill>
-              <a:schemeClr val="accent5"/>
-            </a:solidFill>
-            <a:prstDash val="sysDot"/>
-            <a:tailEnd type="triangle"/>
-          </a:ln>
-        </p:spPr>
-        <p:style>
-          <a:lnRef idx="1">
-            <a:schemeClr val="accent1"/>
-          </a:lnRef>
-          <a:fillRef idx="0">
-            <a:schemeClr val="accent1"/>
-          </a:fillRef>
-          <a:effectRef idx="0">
-            <a:schemeClr val="accent1"/>
-          </a:effectRef>
-          <a:fontRef idx="minor">
-            <a:schemeClr val="tx1"/>
-          </a:fontRef>
-        </p:style>
-      </p:cxnSp>
-      <p:cxnSp>
-        <p:nvCxnSpPr>
-          <p:cNvPr id="17" name="Straight Arrow Connector 16">
-            <a:extLst>
-              <a:ext uri="{FF2B5EF4-FFF2-40B4-BE49-F238E27FC236}">
-                <a16:creationId xmlns:a16="http://schemas.microsoft.com/office/drawing/2014/main" id="{E4955D9C-CF91-DCAD-F38A-F7183715D9A4}"/>
-              </a:ext>
-            </a:extLst>
-          </p:cNvPr>
-          <p:cNvCxnSpPr>
-            <a:cxnSpLocks/>
-            <a:stCxn id="9" idx="2"/>
-          </p:cNvCxnSpPr>
-          <p:nvPr/>
-        </p:nvCxnSpPr>
-        <p:spPr>
-          <a:xfrm>
-            <a:off x="3090745" y="4045726"/>
-            <a:ext cx="0" cy="634583"/>
-          </a:xfrm>
-          <a:prstGeom prst="straightConnector1">
-            <a:avLst/>
-          </a:prstGeom>
-          <a:ln w="63500">
-            <a:solidFill>
-              <a:schemeClr val="accent5"/>
-            </a:solidFill>
-            <a:prstDash val="sysDot"/>
-            <a:tailEnd type="triangle"/>
-          </a:ln>
-        </p:spPr>
-        <p:style>
-          <a:lnRef idx="1">
-            <a:schemeClr val="accent1"/>
-          </a:lnRef>
-          <a:fillRef idx="0">
-            <a:schemeClr val="accent1"/>
-          </a:fillRef>
-          <a:effectRef idx="0">
-            <a:schemeClr val="accent1"/>
-          </a:effectRef>
-          <a:fontRef idx="minor">
-            <a:schemeClr val="tx1"/>
-          </a:fontRef>
-        </p:style>
-      </p:cxnSp>
-      <p:cxnSp>
-        <p:nvCxnSpPr>
-          <p:cNvPr id="20" name="Straight Arrow Connector 19">
-            <a:extLst>
-              <a:ext uri="{FF2B5EF4-FFF2-40B4-BE49-F238E27FC236}">
-                <a16:creationId xmlns:a16="http://schemas.microsoft.com/office/drawing/2014/main" id="{F11B7D10-425E-6008-EFDB-DC8695E8D765}"/>
-              </a:ext>
-            </a:extLst>
-          </p:cNvPr>
-          <p:cNvCxnSpPr>
-            <a:cxnSpLocks/>
-            <a:stCxn id="10" idx="2"/>
-          </p:cNvCxnSpPr>
-          <p:nvPr/>
-        </p:nvCxnSpPr>
-        <p:spPr>
-          <a:xfrm>
-            <a:off x="3681760" y="4045726"/>
-            <a:ext cx="0" cy="634583"/>
           </a:xfrm>
           <a:prstGeom prst="straightConnector1">
             <a:avLst/>
@@ -32016,7 +31348,99 @@
           <p:cNvPr id="23" name="Straight Arrow Connector 22">
             <a:extLst>
               <a:ext uri="{FF2B5EF4-FFF2-40B4-BE49-F238E27FC236}">
-                <a16:creationId xmlns:a16="http://schemas.microsoft.com/office/drawing/2014/main" id="{E1822E45-D274-C59B-35FC-ABC2C04DAAB3}"/>
+                <a16:creationId xmlns:a16="http://schemas.microsoft.com/office/drawing/2014/main" id="{CFC7313C-F311-46D0-A54A-446DFAC4AE0D}"/>
+              </a:ext>
+            </a:extLst>
+          </p:cNvPr>
+          <p:cNvCxnSpPr>
+            <a:cxnSpLocks/>
+            <a:stCxn id="17" idx="2"/>
+          </p:cNvCxnSpPr>
+          <p:nvPr/>
+        </p:nvCxnSpPr>
+        <p:spPr>
+          <a:xfrm>
+            <a:off x="6436109" y="4045726"/>
+            <a:ext cx="0" cy="634583"/>
+          </a:xfrm>
+          <a:prstGeom prst="straightConnector1">
+            <a:avLst/>
+          </a:prstGeom>
+          <a:ln w="63500">
+            <a:solidFill>
+              <a:schemeClr val="accent5"/>
+            </a:solidFill>
+            <a:prstDash val="sysDot"/>
+            <a:tailEnd type="triangle"/>
+          </a:ln>
+        </p:spPr>
+        <p:style>
+          <a:lnRef idx="1">
+            <a:schemeClr val="accent1"/>
+          </a:lnRef>
+          <a:fillRef idx="0">
+            <a:schemeClr val="accent1"/>
+          </a:fillRef>
+          <a:effectRef idx="0">
+            <a:schemeClr val="accent1"/>
+          </a:effectRef>
+          <a:fontRef idx="minor">
+            <a:schemeClr val="tx1"/>
+          </a:fontRef>
+        </p:style>
+      </p:cxnSp>
+      <p:cxnSp>
+        <p:nvCxnSpPr>
+          <p:cNvPr id="24" name="Straight Arrow Connector 23">
+            <a:extLst>
+              <a:ext uri="{FF2B5EF4-FFF2-40B4-BE49-F238E27FC236}">
+                <a16:creationId xmlns:a16="http://schemas.microsoft.com/office/drawing/2014/main" id="{E880C056-1F9F-0EDD-5E2A-CAC8C2B23F82}"/>
+              </a:ext>
+            </a:extLst>
+          </p:cNvPr>
+          <p:cNvCxnSpPr>
+            <a:cxnSpLocks/>
+            <a:stCxn id="19" idx="2"/>
+          </p:cNvCxnSpPr>
+          <p:nvPr/>
+        </p:nvCxnSpPr>
+        <p:spPr>
+          <a:xfrm>
+            <a:off x="7027124" y="4045726"/>
+            <a:ext cx="0" cy="634583"/>
+          </a:xfrm>
+          <a:prstGeom prst="straightConnector1">
+            <a:avLst/>
+          </a:prstGeom>
+          <a:ln w="63500">
+            <a:solidFill>
+              <a:schemeClr val="accent5"/>
+            </a:solidFill>
+            <a:prstDash val="sysDot"/>
+            <a:tailEnd type="triangle"/>
+          </a:ln>
+        </p:spPr>
+        <p:style>
+          <a:lnRef idx="1">
+            <a:schemeClr val="accent1"/>
+          </a:lnRef>
+          <a:fillRef idx="0">
+            <a:schemeClr val="accent1"/>
+          </a:fillRef>
+          <a:effectRef idx="0">
+            <a:schemeClr val="accent1"/>
+          </a:effectRef>
+          <a:fontRef idx="minor">
+            <a:schemeClr val="tx1"/>
+          </a:fontRef>
+        </p:style>
+      </p:cxnSp>
+      <p:cxnSp>
+        <p:nvCxnSpPr>
+          <p:cNvPr id="25" name="Straight Arrow Connector 24">
+            <a:extLst>
+              <a:ext uri="{FF2B5EF4-FFF2-40B4-BE49-F238E27FC236}">
+                <a16:creationId xmlns:a16="http://schemas.microsoft.com/office/drawing/2014/main" id="{E3A1393F-B774-7309-8D7F-99FEAD0866B0}"/>
               </a:ext>
             </a:extLst>
           </p:cNvPr>
@@ -32027,7 +31451,7 @@
         </p:nvCxnSpPr>
         <p:spPr>
           <a:xfrm>
-            <a:off x="6030950" y="3933554"/>
+            <a:off x="7027124" y="5508524"/>
             <a:ext cx="648630" cy="0"/>
           </a:xfrm>
           <a:prstGeom prst="straightConnector1">
@@ -32058,10 +31482,10 @@
       </p:cxnSp>
       <p:sp>
         <p:nvSpPr>
-          <p:cNvPr id="24" name="TextBox 23">
+          <p:cNvPr id="26" name="TextBox 25">
             <a:extLst>
               <a:ext uri="{FF2B5EF4-FFF2-40B4-BE49-F238E27FC236}">
-                <a16:creationId xmlns:a16="http://schemas.microsoft.com/office/drawing/2014/main" id="{2C91AAA6-0212-820D-3836-69DF7124055D}"/>
+                <a16:creationId xmlns:a16="http://schemas.microsoft.com/office/drawing/2014/main" id="{D2482D64-E624-2346-83A2-36CF6E69E51D}"/>
               </a:ext>
             </a:extLst>
           </p:cNvPr>
@@ -32070,7 +31494,7 @@
         </p:nvSpPr>
         <p:spPr>
           <a:xfrm>
-            <a:off x="6774934" y="3704692"/>
+            <a:off x="6306575" y="5278803"/>
             <a:ext cx="914398" cy="537968"/>
           </a:xfrm>
           <a:prstGeom prst="rect">
@@ -32104,10 +31528,405 @@
           </a:p>
         </p:txBody>
       </p:sp>
+      <p:sp>
+        <p:nvSpPr>
+          <p:cNvPr id="27" name="TextBox 26">
+            <a:extLst>
+              <a:ext uri="{FF2B5EF4-FFF2-40B4-BE49-F238E27FC236}">
+                <a16:creationId xmlns:a16="http://schemas.microsoft.com/office/drawing/2014/main" id="{5F921368-54C4-FEEB-3C33-F7C20E3418A8}"/>
+              </a:ext>
+            </a:extLst>
+          </p:cNvPr>
+          <p:cNvSpPr txBox="1"/>
+          <p:nvPr/>
+        </p:nvSpPr>
+        <p:spPr>
+          <a:xfrm>
+            <a:off x="5264303" y="2718272"/>
+            <a:ext cx="395871" cy="321563"/>
+          </a:xfrm>
+          <a:prstGeom prst="rect">
+            <a:avLst/>
+          </a:prstGeom>
+          <a:noFill/>
+        </p:spPr>
+        <p:txBody>
+          <a:bodyPr wrap="square" lIns="0" tIns="0" rIns="0" bIns="0" rtlCol="0">
+            <a:spAutoFit/>
+          </a:bodyPr>
+          <a:lstStyle/>
+          <a:p>
+            <a:pPr>
+              <a:lnSpc>
+                <a:spcPct val="114000"/>
+              </a:lnSpc>
+            </a:pPr>
+            <a:r>
+              <a:rPr lang="de-DE" sz="2000" b="1" dirty="0">
+                <a:latin typeface="+mn-lt"/>
+              </a:rPr>
+              <a:t>OR</a:t>
+            </a:r>
+          </a:p>
+        </p:txBody>
+      </p:sp>
     </p:spTree>
     <p:extLst>
       <p:ext uri="{BB962C8B-B14F-4D97-AF65-F5344CB8AC3E}">
-        <p14:creationId xmlns:p14="http://schemas.microsoft.com/office/powerpoint/2010/main" val="3159392113"/>
+        <p14:creationId xmlns:p14="http://schemas.microsoft.com/office/powerpoint/2010/main" val="571032661"/>
+      </p:ext>
+    </p:extLst>
+  </p:cSld>
+  <p:clrMapOvr>
+    <a:masterClrMapping/>
+  </p:clrMapOvr>
+</p:sld>
+</file>
+
+<file path=ppt/slides/slide8.xml><?xml version="1.0" encoding="utf-8"?>
+<p:sld xmlns:a="http://schemas.openxmlformats.org/drawingml/2006/main" xmlns:r="http://schemas.openxmlformats.org/officeDocument/2006/relationships" xmlns:p="http://schemas.openxmlformats.org/presentationml/2006/main">
+  <p:cSld>
+    <p:spTree>
+      <p:nvGrpSpPr>
+        <p:cNvPr id="1" name=""/>
+        <p:cNvGrpSpPr/>
+        <p:nvPr/>
+      </p:nvGrpSpPr>
+      <p:grpSpPr>
+        <a:xfrm>
+          <a:off x="0" y="0"/>
+          <a:ext cx="0" cy="0"/>
+          <a:chOff x="0" y="0"/>
+          <a:chExt cx="0" cy="0"/>
+        </a:xfrm>
+      </p:grpSpPr>
+      <p:sp>
+        <p:nvSpPr>
+          <p:cNvPr id="2" name="Inhaltsplatzhalter 1"/>
+          <p:cNvSpPr>
+            <a:spLocks noGrp="1"/>
+          </p:cNvSpPr>
+          <p:nvPr>
+            <p:ph idx="1"/>
+          </p:nvPr>
+        </p:nvSpPr>
+        <p:spPr/>
+        <p:txBody>
+          <a:bodyPr/>
+          <a:lstStyle/>
+          <a:p>
+            <a:r>
+              <a:rPr dirty="0"/>
+              <a:t>Kurze und knappe Texte, Fließtexte linksbündig, kein Blocksatz</a:t>
+            </a:r>
+          </a:p>
+          <a:p>
+            <a:endParaRPr dirty="0"/>
+          </a:p>
+          <a:p>
+            <a:r>
+              <a:rPr dirty="0"/>
+              <a:t>Beispiel:</a:t>
+            </a:r>
+          </a:p>
+          <a:p>
+            <a:r>
+              <a:rPr dirty="0" err="1"/>
+              <a:t>Tem</a:t>
+            </a:r>
+            <a:r>
+              <a:rPr dirty="0"/>
+              <a:t> </a:t>
+            </a:r>
+            <a:r>
+              <a:rPr dirty="0" err="1"/>
+              <a:t>soluptam</a:t>
+            </a:r>
+            <a:r>
+              <a:rPr dirty="0"/>
+              <a:t>, nisi </a:t>
+            </a:r>
+            <a:r>
+              <a:rPr dirty="0" err="1"/>
+              <a:t>as</a:t>
+            </a:r>
+            <a:r>
+              <a:rPr dirty="0"/>
+              <a:t> </a:t>
+            </a:r>
+            <a:r>
+              <a:rPr dirty="0" err="1"/>
+              <a:t>verum</a:t>
+            </a:r>
+            <a:r>
+              <a:rPr dirty="0"/>
+              <a:t> </a:t>
+            </a:r>
+            <a:r>
+              <a:rPr dirty="0" err="1"/>
+              <a:t>ereprehendam</a:t>
+            </a:r>
+            <a:r>
+              <a:rPr dirty="0"/>
+              <a:t> at </a:t>
+            </a:r>
+            <a:r>
+              <a:rPr dirty="0" err="1"/>
+              <a:t>acculpa</a:t>
+            </a:r>
+            <a:r>
+              <a:rPr dirty="0"/>
+              <a:t> </a:t>
+            </a:r>
+            <a:r>
+              <a:rPr dirty="0" err="1"/>
+              <a:t>quidisq</a:t>
+            </a:r>
+            <a:r>
+              <a:rPr dirty="0"/>
+              <a:t> </a:t>
+            </a:r>
+            <a:r>
+              <a:rPr dirty="0" err="1"/>
+              <a:t>uissit</a:t>
+            </a:r>
+            <a:r>
+              <a:rPr dirty="0"/>
+              <a:t> </a:t>
+            </a:r>
+            <a:r>
+              <a:rPr dirty="0" err="1"/>
+              <a:t>volupta</a:t>
+            </a:r>
+            <a:r>
+              <a:rPr dirty="0"/>
+              <a:t> </a:t>
+            </a:r>
+            <a:r>
+              <a:rPr dirty="0" err="1"/>
+              <a:t>tusdant</a:t>
+            </a:r>
+            <a:r>
+              <a:rPr dirty="0"/>
+              <a:t> </a:t>
+            </a:r>
+            <a:r>
+              <a:rPr dirty="0" err="1"/>
+              <a:t>utem</a:t>
+            </a:r>
+            <a:r>
+              <a:rPr dirty="0"/>
+              <a:t> </a:t>
+            </a:r>
+            <a:r>
+              <a:rPr dirty="0" err="1"/>
+              <a:t>as</a:t>
+            </a:r>
+            <a:r>
+              <a:rPr dirty="0"/>
+              <a:t> </a:t>
+            </a:r>
+            <a:r>
+              <a:rPr dirty="0" err="1"/>
+              <a:t>etur</a:t>
+            </a:r>
+            <a:r>
+              <a:rPr dirty="0"/>
+              <a:t>, </a:t>
+            </a:r>
+            <a:r>
+              <a:rPr dirty="0" err="1"/>
+              <a:t>odi</a:t>
+            </a:r>
+            <a:r>
+              <a:rPr dirty="0"/>
+              <a:t> </a:t>
+            </a:r>
+            <a:r>
+              <a:rPr dirty="0" err="1"/>
+              <a:t>odis</a:t>
+            </a:r>
+            <a:r>
+              <a:rPr dirty="0"/>
+              <a:t> es </a:t>
+            </a:r>
+            <a:r>
+              <a:rPr dirty="0" err="1"/>
+              <a:t>doluptiae</a:t>
+            </a:r>
+            <a:r>
+              <a:rPr dirty="0"/>
+              <a:t> dem </a:t>
+            </a:r>
+            <a:r>
+              <a:rPr dirty="0" err="1"/>
+              <a:t>nimaion</a:t>
+            </a:r>
+            <a:r>
+              <a:rPr dirty="0"/>
+              <a:t> </a:t>
+            </a:r>
+            <a:r>
+              <a:rPr dirty="0" err="1"/>
+              <a:t>con</a:t>
+            </a:r>
+            <a:r>
+              <a:rPr dirty="0"/>
+              <a:t> </a:t>
+            </a:r>
+            <a:r>
+              <a:rPr dirty="0" err="1"/>
+              <a:t>nossinctenis</a:t>
+            </a:r>
+            <a:r>
+              <a:rPr dirty="0"/>
+              <a:t> </a:t>
+            </a:r>
+            <a:r>
+              <a:rPr dirty="0" err="1"/>
+              <a:t>pora</a:t>
+            </a:r>
+            <a:r>
+              <a:rPr dirty="0"/>
+              <a:t> quam </a:t>
+            </a:r>
+            <a:r>
+              <a:rPr dirty="0" err="1"/>
+              <a:t>voloria</a:t>
+            </a:r>
+            <a:r>
+              <a:rPr dirty="0"/>
+              <a:t> </a:t>
+            </a:r>
+            <a:r>
+              <a:rPr dirty="0" err="1"/>
+              <a:t>consenimus</a:t>
+            </a:r>
+            <a:r>
+              <a:rPr dirty="0"/>
+              <a:t> </a:t>
+            </a:r>
+            <a:r>
+              <a:rPr dirty="0" err="1"/>
+              <a:t>blabore</a:t>
+            </a:r>
+            <a:r>
+              <a:rPr dirty="0"/>
+              <a:t> </a:t>
+            </a:r>
+            <a:r>
+              <a:rPr dirty="0" err="1"/>
+              <a:t>everfer</a:t>
+            </a:r>
+            <a:r>
+              <a:rPr dirty="0"/>
+              <a:t> </a:t>
+            </a:r>
+            <a:r>
+              <a:rPr dirty="0" err="1"/>
+              <a:t>epeliquo</a:t>
+            </a:r>
+            <a:r>
+              <a:rPr dirty="0"/>
+              <a:t> </a:t>
+            </a:r>
+            <a:r>
+              <a:rPr dirty="0" err="1"/>
+              <a:t>maio</a:t>
+            </a:r>
+            <a:r>
+              <a:rPr dirty="0"/>
+              <a:t> </a:t>
+            </a:r>
+            <a:r>
+              <a:rPr dirty="0" err="1"/>
+              <a:t>etur</a:t>
+            </a:r>
+            <a:r>
+              <a:rPr dirty="0"/>
+              <a:t>.</a:t>
+            </a:r>
+          </a:p>
+        </p:txBody>
+      </p:sp>
+      <p:sp>
+        <p:nvSpPr>
+          <p:cNvPr id="4" name="Foliennummernplatzhalter 3"/>
+          <p:cNvSpPr>
+            <a:spLocks noGrp="1"/>
+          </p:cNvSpPr>
+          <p:nvPr>
+            <p:ph type="sldNum" sz="quarter" idx="11"/>
+          </p:nvPr>
+        </p:nvSpPr>
+        <p:spPr/>
+        <p:txBody>
+          <a:bodyPr/>
+          <a:lstStyle/>
+          <a:p>
+            <a:fld id="{CE58CB1E-F828-4F11-99E0-327109AF9DA4}" type="slidenum">
+              <a:rPr lang="de-DE" smtClean="0"/>
+              <a:pPr/>
+              <a:t>8</a:t>
+            </a:fld>
+            <a:endParaRPr lang="de-DE" dirty="0"/>
+          </a:p>
+        </p:txBody>
+      </p:sp>
+      <p:sp>
+        <p:nvSpPr>
+          <p:cNvPr id="6" name="Fußzeilenplatzhalter 4"/>
+          <p:cNvSpPr>
+            <a:spLocks noGrp="1"/>
+          </p:cNvSpPr>
+          <p:nvPr>
+            <p:ph type="ftr" sz="quarter" idx="12"/>
+          </p:nvPr>
+        </p:nvSpPr>
+        <p:spPr/>
+        <p:txBody>
+          <a:bodyPr/>
+          <a:lstStyle/>
+          <a:p>
+            <a:r>
+              <a:rPr lang="de-DE"/>
+              <a:t>Dr. rer. nat. Erika Mustermann (TUM) | kann beliebig erweitert werden | Infos mit Strich trennen</a:t>
+            </a:r>
+            <a:endParaRPr lang="en-US" dirty="0"/>
+          </a:p>
+        </p:txBody>
+      </p:sp>
+      <p:sp>
+        <p:nvSpPr>
+          <p:cNvPr id="3" name="Titel 2"/>
+          <p:cNvSpPr>
+            <a:spLocks noGrp="1"/>
+          </p:cNvSpPr>
+          <p:nvPr>
+            <p:ph type="title"/>
+          </p:nvPr>
+        </p:nvSpPr>
+        <p:spPr>
+          <a:prstGeom prst="rect">
+            <a:avLst/>
+          </a:prstGeom>
+        </p:spPr>
+        <p:txBody>
+          <a:bodyPr/>
+          <a:lstStyle/>
+          <a:p>
+            <a:r>
+              <a:rPr dirty="0"/>
+              <a:t>Adaptive Nodes</a:t>
+            </a:r>
+            <a:endParaRPr lang="de-DE" dirty="0"/>
+          </a:p>
+        </p:txBody>
+      </p:sp>
+    </p:spTree>
+    <p:extLst>
+      <p:ext uri="{BB962C8B-B14F-4D97-AF65-F5344CB8AC3E}">
+        <p14:creationId xmlns:p14="http://schemas.microsoft.com/office/powerpoint/2010/main" val="3045694777"/>
       </p:ext>
     </p:extLst>
   </p:cSld>

--- a/Presentation/The Adaptive Radix Tree.pptx
+++ b/Presentation/The Adaptive Radix Tree.pptx
@@ -10,10 +10,10 @@
     <p:sldMasterId id="2147483697" r:id="rId6"/>
   </p:sldMasterIdLst>
   <p:notesMasterIdLst>
-    <p:notesMasterId r:id="rId65"/>
+    <p:notesMasterId r:id="rId43"/>
   </p:notesMasterIdLst>
   <p:handoutMasterIdLst>
-    <p:handoutMasterId r:id="rId66"/>
+    <p:handoutMasterId r:id="rId44"/>
   </p:handoutMasterIdLst>
   <p:sldIdLst>
     <p:sldId id="355" r:id="rId7"/>
@@ -41,39 +41,17 @@
     <p:sldId id="426" r:id="rId29"/>
     <p:sldId id="430" r:id="rId30"/>
     <p:sldId id="431" r:id="rId31"/>
-    <p:sldId id="401" r:id="rId32"/>
-    <p:sldId id="432" r:id="rId33"/>
-    <p:sldId id="417" r:id="rId34"/>
-    <p:sldId id="420" r:id="rId35"/>
-    <p:sldId id="421" r:id="rId36"/>
-    <p:sldId id="422" r:id="rId37"/>
-    <p:sldId id="423" r:id="rId38"/>
-    <p:sldId id="424" r:id="rId39"/>
-    <p:sldId id="429" r:id="rId40"/>
-    <p:sldId id="428" r:id="rId41"/>
+    <p:sldId id="434" r:id="rId32"/>
+    <p:sldId id="401" r:id="rId33"/>
+    <p:sldId id="432" r:id="rId34"/>
+    <p:sldId id="417" r:id="rId35"/>
+    <p:sldId id="420" r:id="rId36"/>
+    <p:sldId id="421" r:id="rId37"/>
+    <p:sldId id="422" r:id="rId38"/>
+    <p:sldId id="423" r:id="rId39"/>
+    <p:sldId id="424" r:id="rId40"/>
+    <p:sldId id="429" r:id="rId41"/>
     <p:sldId id="433" r:id="rId42"/>
-    <p:sldId id="356" r:id="rId43"/>
-    <p:sldId id="357" r:id="rId44"/>
-    <p:sldId id="396" r:id="rId45"/>
-    <p:sldId id="369" r:id="rId46"/>
-    <p:sldId id="370" r:id="rId47"/>
-    <p:sldId id="392" r:id="rId48"/>
-    <p:sldId id="371" r:id="rId49"/>
-    <p:sldId id="372" r:id="rId50"/>
-    <p:sldId id="373" r:id="rId51"/>
-    <p:sldId id="394" r:id="rId52"/>
-    <p:sldId id="375" r:id="rId53"/>
-    <p:sldId id="376" r:id="rId54"/>
-    <p:sldId id="393" r:id="rId55"/>
-    <p:sldId id="391" r:id="rId56"/>
-    <p:sldId id="390" r:id="rId57"/>
-    <p:sldId id="378" r:id="rId58"/>
-    <p:sldId id="377" r:id="rId59"/>
-    <p:sldId id="389" r:id="rId60"/>
-    <p:sldId id="379" r:id="rId61"/>
-    <p:sldId id="395" r:id="rId62"/>
-    <p:sldId id="380" r:id="rId63"/>
-    <p:sldId id="381" r:id="rId64"/>
   </p:sldIdLst>
   <p:sldSz cx="9144000" cy="6858000" type="screen4x3"/>
   <p:notesSz cx="9925050" cy="6665913"/>
@@ -256,6 +234,7 @@
             <p14:sldId id="426"/>
             <p14:sldId id="430"/>
             <p14:sldId id="431"/>
+            <p14:sldId id="434"/>
           </p14:sldIdLst>
         </p14:section>
         <p14:section name="Summary &amp; Conclusion" id="{665672B4-FFC6-4396-A481-C1AAB1DD22E4}">
@@ -273,34 +252,7 @@
             <p14:sldId id="423"/>
             <p14:sldId id="424"/>
             <p14:sldId id="429"/>
-            <p14:sldId id="428"/>
             <p14:sldId id="433"/>
-          </p14:sldIdLst>
-        </p14:section>
-        <p14:section name="Template Slides" id="{36931A97-09D3-4E0B-AB85-1446ACCA8E03}">
-          <p14:sldIdLst>
-            <p14:sldId id="356"/>
-            <p14:sldId id="357"/>
-            <p14:sldId id="396"/>
-            <p14:sldId id="369"/>
-            <p14:sldId id="370"/>
-            <p14:sldId id="392"/>
-            <p14:sldId id="371"/>
-            <p14:sldId id="372"/>
-            <p14:sldId id="373"/>
-            <p14:sldId id="394"/>
-            <p14:sldId id="375"/>
-            <p14:sldId id="376"/>
-            <p14:sldId id="393"/>
-            <p14:sldId id="391"/>
-            <p14:sldId id="390"/>
-            <p14:sldId id="378"/>
-            <p14:sldId id="377"/>
-            <p14:sldId id="389"/>
-            <p14:sldId id="379"/>
-            <p14:sldId id="395"/>
-            <p14:sldId id="380"/>
-            <p14:sldId id="381"/>
           </p14:sldIdLst>
         </p14:section>
       </p14:sectionLst>
@@ -3298,744 +3250,6 @@
     </a:p>
   </c:txPr>
   <c:externalData r:id="rId3">
-    <c:autoUpdate val="0"/>
-  </c:externalData>
-</c:chartSpace>
-</file>
-
-<file path=ppt/charts/chart7.xml><?xml version="1.0" encoding="utf-8"?>
-<c:chartSpace xmlns:c="http://schemas.openxmlformats.org/drawingml/2006/chart" xmlns:a="http://schemas.openxmlformats.org/drawingml/2006/main" xmlns:r="http://schemas.openxmlformats.org/officeDocument/2006/relationships" xmlns:c16r2="http://schemas.microsoft.com/office/drawing/2015/06/chart">
-  <c:date1904 val="0"/>
-  <c:lang val="en-US"/>
-  <c:roundedCorners val="0"/>
-  <mc:AlternateContent xmlns:mc="http://schemas.openxmlformats.org/markup-compatibility/2006">
-    <mc:Choice xmlns:c14="http://schemas.microsoft.com/office/drawing/2007/8/2/chart" Requires="c14">
-      <c14:style val="102"/>
-    </mc:Choice>
-    <mc:Fallback>
-      <c:style val="2"/>
-    </mc:Fallback>
-  </mc:AlternateContent>
-  <c:chart>
-    <c:autoTitleDeleted val="0"/>
-    <c:plotArea>
-      <c:layout>
-        <c:manualLayout>
-          <c:layoutTarget val="inner"/>
-          <c:xMode val="edge"/>
-          <c:yMode val="edge"/>
-          <c:x val="0.16284448490622305"/>
-          <c:y val="2.9692476916371611E-3"/>
-          <c:w val="0.4620606955380589"/>
-          <c:h val="0.84285219742549367"/>
-        </c:manualLayout>
-      </c:layout>
-      <c:barChart>
-        <c:barDir val="bar"/>
-        <c:grouping val="clustered"/>
-        <c:varyColors val="0"/>
-        <c:ser>
-          <c:idx val="0"/>
-          <c:order val="0"/>
-          <c:tx>
-            <c:strRef>
-              <c:f>Tabelle1!$B$1</c:f>
-              <c:strCache>
-                <c:ptCount val="1"/>
-                <c:pt idx="0">
-                  <c:v>Datenreihe 1</c:v>
-                </c:pt>
-              </c:strCache>
-            </c:strRef>
-          </c:tx>
-          <c:invertIfNegative val="0"/>
-          <c:cat>
-            <c:strRef>
-              <c:f>Tabelle1!$A$2:$A$5</c:f>
-              <c:strCache>
-                <c:ptCount val="4"/>
-                <c:pt idx="0">
-                  <c:v>Kategorie 1</c:v>
-                </c:pt>
-                <c:pt idx="1">
-                  <c:v>Kategorie 2</c:v>
-                </c:pt>
-                <c:pt idx="2">
-                  <c:v>Kategorie 3</c:v>
-                </c:pt>
-                <c:pt idx="3">
-                  <c:v>Kategorie 4</c:v>
-                </c:pt>
-              </c:strCache>
-            </c:strRef>
-          </c:cat>
-          <c:val>
-            <c:numRef>
-              <c:f>Tabelle1!$B$2:$B$5</c:f>
-              <c:numCache>
-                <c:formatCode>General</c:formatCode>
-                <c:ptCount val="4"/>
-                <c:pt idx="0">
-                  <c:v>4.3</c:v>
-                </c:pt>
-                <c:pt idx="1">
-                  <c:v>2.5</c:v>
-                </c:pt>
-                <c:pt idx="2">
-                  <c:v>3.5</c:v>
-                </c:pt>
-                <c:pt idx="3">
-                  <c:v>4.5</c:v>
-                </c:pt>
-              </c:numCache>
-            </c:numRef>
-          </c:val>
-          <c:extLst>
-            <c:ext xmlns:c16="http://schemas.microsoft.com/office/drawing/2014/chart" uri="{C3380CC4-5D6E-409C-BE32-E72D297353CC}">
-              <c16:uniqueId val="{00000000-4442-C244-89D2-262F246194FE}"/>
-            </c:ext>
-          </c:extLst>
-        </c:ser>
-        <c:ser>
-          <c:idx val="1"/>
-          <c:order val="1"/>
-          <c:tx>
-            <c:strRef>
-              <c:f>Tabelle1!$C$1</c:f>
-              <c:strCache>
-                <c:ptCount val="1"/>
-                <c:pt idx="0">
-                  <c:v>Datenreihe 2</c:v>
-                </c:pt>
-              </c:strCache>
-            </c:strRef>
-          </c:tx>
-          <c:invertIfNegative val="0"/>
-          <c:cat>
-            <c:strRef>
-              <c:f>Tabelle1!$A$2:$A$5</c:f>
-              <c:strCache>
-                <c:ptCount val="4"/>
-                <c:pt idx="0">
-                  <c:v>Kategorie 1</c:v>
-                </c:pt>
-                <c:pt idx="1">
-                  <c:v>Kategorie 2</c:v>
-                </c:pt>
-                <c:pt idx="2">
-                  <c:v>Kategorie 3</c:v>
-                </c:pt>
-                <c:pt idx="3">
-                  <c:v>Kategorie 4</c:v>
-                </c:pt>
-              </c:strCache>
-            </c:strRef>
-          </c:cat>
-          <c:val>
-            <c:numRef>
-              <c:f>Tabelle1!$C$2:$C$5</c:f>
-              <c:numCache>
-                <c:formatCode>General</c:formatCode>
-                <c:ptCount val="4"/>
-                <c:pt idx="0">
-                  <c:v>2.4</c:v>
-                </c:pt>
-                <c:pt idx="1">
-                  <c:v>4.4000000000000004</c:v>
-                </c:pt>
-                <c:pt idx="2">
-                  <c:v>1.8</c:v>
-                </c:pt>
-                <c:pt idx="3">
-                  <c:v>2.8</c:v>
-                </c:pt>
-              </c:numCache>
-            </c:numRef>
-          </c:val>
-          <c:extLst>
-            <c:ext xmlns:c16="http://schemas.microsoft.com/office/drawing/2014/chart" uri="{C3380CC4-5D6E-409C-BE32-E72D297353CC}">
-              <c16:uniqueId val="{00000001-4442-C244-89D2-262F246194FE}"/>
-            </c:ext>
-          </c:extLst>
-        </c:ser>
-        <c:ser>
-          <c:idx val="2"/>
-          <c:order val="2"/>
-          <c:tx>
-            <c:strRef>
-              <c:f>Tabelle1!$D$1</c:f>
-              <c:strCache>
-                <c:ptCount val="1"/>
-                <c:pt idx="0">
-                  <c:v>Datenreihe 3</c:v>
-                </c:pt>
-              </c:strCache>
-            </c:strRef>
-          </c:tx>
-          <c:invertIfNegative val="0"/>
-          <c:cat>
-            <c:strRef>
-              <c:f>Tabelle1!$A$2:$A$5</c:f>
-              <c:strCache>
-                <c:ptCount val="4"/>
-                <c:pt idx="0">
-                  <c:v>Kategorie 1</c:v>
-                </c:pt>
-                <c:pt idx="1">
-                  <c:v>Kategorie 2</c:v>
-                </c:pt>
-                <c:pt idx="2">
-                  <c:v>Kategorie 3</c:v>
-                </c:pt>
-                <c:pt idx="3">
-                  <c:v>Kategorie 4</c:v>
-                </c:pt>
-              </c:strCache>
-            </c:strRef>
-          </c:cat>
-          <c:val>
-            <c:numRef>
-              <c:f>Tabelle1!$D$2:$D$5</c:f>
-              <c:numCache>
-                <c:formatCode>General</c:formatCode>
-                <c:ptCount val="4"/>
-                <c:pt idx="0">
-                  <c:v>2</c:v>
-                </c:pt>
-                <c:pt idx="1">
-                  <c:v>2</c:v>
-                </c:pt>
-                <c:pt idx="2">
-                  <c:v>3</c:v>
-                </c:pt>
-                <c:pt idx="3">
-                  <c:v>5</c:v>
-                </c:pt>
-              </c:numCache>
-            </c:numRef>
-          </c:val>
-          <c:extLst>
-            <c:ext xmlns:c16="http://schemas.microsoft.com/office/drawing/2014/chart" uri="{C3380CC4-5D6E-409C-BE32-E72D297353CC}">
-              <c16:uniqueId val="{00000002-4442-C244-89D2-262F246194FE}"/>
-            </c:ext>
-          </c:extLst>
-        </c:ser>
-        <c:dLbls>
-          <c:showLegendKey val="0"/>
-          <c:showVal val="0"/>
-          <c:showCatName val="0"/>
-          <c:showSerName val="0"/>
-          <c:showPercent val="0"/>
-          <c:showBubbleSize val="0"/>
-        </c:dLbls>
-        <c:gapWidth val="150"/>
-        <c:axId val="49980160"/>
-        <c:axId val="49981696"/>
-      </c:barChart>
-      <c:catAx>
-        <c:axId val="49980160"/>
-        <c:scaling>
-          <c:orientation val="maxMin"/>
-        </c:scaling>
-        <c:delete val="0"/>
-        <c:axPos val="l"/>
-        <c:numFmt formatCode="General" sourceLinked="0"/>
-        <c:majorTickMark val="out"/>
-        <c:minorTickMark val="none"/>
-        <c:tickLblPos val="nextTo"/>
-        <c:spPr>
-          <a:ln>
-            <a:noFill/>
-          </a:ln>
-        </c:spPr>
-        <c:crossAx val="49981696"/>
-        <c:crosses val="autoZero"/>
-        <c:auto val="1"/>
-        <c:lblAlgn val="ctr"/>
-        <c:lblOffset val="100"/>
-        <c:noMultiLvlLbl val="0"/>
-      </c:catAx>
-      <c:valAx>
-        <c:axId val="49981696"/>
-        <c:scaling>
-          <c:orientation val="minMax"/>
-        </c:scaling>
-        <c:delete val="1"/>
-        <c:axPos val="t"/>
-        <c:numFmt formatCode="General" sourceLinked="1"/>
-        <c:majorTickMark val="out"/>
-        <c:minorTickMark val="none"/>
-        <c:tickLblPos val="none"/>
-        <c:crossAx val="49980160"/>
-        <c:crosses val="autoZero"/>
-        <c:crossBetween val="between"/>
-      </c:valAx>
-      <c:spPr>
-        <a:noFill/>
-        <a:ln w="25400">
-          <a:noFill/>
-        </a:ln>
-      </c:spPr>
-    </c:plotArea>
-    <c:legend>
-      <c:legendPos val="r"/>
-      <c:layout>
-        <c:manualLayout>
-          <c:xMode val="edge"/>
-          <c:yMode val="edge"/>
-          <c:x val="0.12911754177788201"/>
-          <c:y val="0.88845197256189412"/>
-          <c:w val="0.63252645439265498"/>
-          <c:h val="4.7614212345838999E-2"/>
-        </c:manualLayout>
-      </c:layout>
-      <c:overlay val="0"/>
-    </c:legend>
-    <c:plotVisOnly val="1"/>
-    <c:dispBlanksAs val="gap"/>
-    <c:showDLblsOverMax val="0"/>
-  </c:chart>
-  <c:txPr>
-    <a:bodyPr/>
-    <a:lstStyle/>
-    <a:p>
-      <a:pPr>
-        <a:defRPr sz="1600"/>
-      </a:pPr>
-      <a:endParaRPr lang="en-US"/>
-    </a:p>
-  </c:txPr>
-  <c:externalData r:id="rId1">
-    <c:autoUpdate val="0"/>
-  </c:externalData>
-</c:chartSpace>
-</file>
-
-<file path=ppt/charts/chart8.xml><?xml version="1.0" encoding="utf-8"?>
-<c:chartSpace xmlns:c="http://schemas.openxmlformats.org/drawingml/2006/chart" xmlns:a="http://schemas.openxmlformats.org/drawingml/2006/main" xmlns:r="http://schemas.openxmlformats.org/officeDocument/2006/relationships" xmlns:c16r2="http://schemas.microsoft.com/office/drawing/2015/06/chart">
-  <c:date1904 val="0"/>
-  <c:lang val="en-US"/>
-  <c:roundedCorners val="0"/>
-  <mc:AlternateContent xmlns:mc="http://schemas.openxmlformats.org/markup-compatibility/2006">
-    <mc:Choice xmlns:c14="http://schemas.microsoft.com/office/drawing/2007/8/2/chart" Requires="c14">
-      <c14:style val="102"/>
-    </mc:Choice>
-    <mc:Fallback>
-      <c:style val="2"/>
-    </mc:Fallback>
-  </mc:AlternateContent>
-  <c:chart>
-    <c:autoTitleDeleted val="1"/>
-    <c:plotArea>
-      <c:layout/>
-      <c:barChart>
-        <c:barDir val="col"/>
-        <c:grouping val="clustered"/>
-        <c:varyColors val="0"/>
-        <c:ser>
-          <c:idx val="0"/>
-          <c:order val="0"/>
-          <c:tx>
-            <c:strRef>
-              <c:f>Tabelle1!$B$1</c:f>
-              <c:strCache>
-                <c:ptCount val="1"/>
-                <c:pt idx="0">
-                  <c:v>Datenreihe 1</c:v>
-                </c:pt>
-              </c:strCache>
-            </c:strRef>
-          </c:tx>
-          <c:spPr>
-            <a:solidFill>
-              <a:schemeClr val="accent1"/>
-            </a:solidFill>
-            <a:ln>
-              <a:noFill/>
-            </a:ln>
-            <a:effectLst/>
-          </c:spPr>
-          <c:invertIfNegative val="0"/>
-          <c:cat>
-            <c:strRef>
-              <c:f>Tabelle1!$A$2:$A$5</c:f>
-              <c:strCache>
-                <c:ptCount val="4"/>
-                <c:pt idx="0">
-                  <c:v>Kategorie 1</c:v>
-                </c:pt>
-                <c:pt idx="1">
-                  <c:v>Kategorie 2</c:v>
-                </c:pt>
-                <c:pt idx="2">
-                  <c:v>Kategorie 3</c:v>
-                </c:pt>
-                <c:pt idx="3">
-                  <c:v>Kategorie 4</c:v>
-                </c:pt>
-              </c:strCache>
-            </c:strRef>
-          </c:cat>
-          <c:val>
-            <c:numRef>
-              <c:f>Tabelle1!$B$2:$B$5</c:f>
-              <c:numCache>
-                <c:formatCode>General</c:formatCode>
-                <c:ptCount val="4"/>
-                <c:pt idx="0">
-                  <c:v>4.3</c:v>
-                </c:pt>
-                <c:pt idx="1">
-                  <c:v>2.5</c:v>
-                </c:pt>
-                <c:pt idx="2">
-                  <c:v>3.5</c:v>
-                </c:pt>
-                <c:pt idx="3">
-                  <c:v>4.5</c:v>
-                </c:pt>
-              </c:numCache>
-            </c:numRef>
-          </c:val>
-          <c:extLst>
-            <c:ext xmlns:c16="http://schemas.microsoft.com/office/drawing/2014/chart" uri="{C3380CC4-5D6E-409C-BE32-E72D297353CC}">
-              <c16:uniqueId val="{00000000-864A-BE4E-BE37-093C989B9D1D}"/>
-            </c:ext>
-          </c:extLst>
-        </c:ser>
-        <c:ser>
-          <c:idx val="1"/>
-          <c:order val="1"/>
-          <c:tx>
-            <c:strRef>
-              <c:f>Tabelle1!$C$1</c:f>
-              <c:strCache>
-                <c:ptCount val="1"/>
-                <c:pt idx="0">
-                  <c:v>Datenreihe 2</c:v>
-                </c:pt>
-              </c:strCache>
-            </c:strRef>
-          </c:tx>
-          <c:spPr>
-            <a:solidFill>
-              <a:schemeClr val="accent2"/>
-            </a:solidFill>
-            <a:ln>
-              <a:noFill/>
-            </a:ln>
-            <a:effectLst/>
-          </c:spPr>
-          <c:invertIfNegative val="0"/>
-          <c:cat>
-            <c:strRef>
-              <c:f>Tabelle1!$A$2:$A$5</c:f>
-              <c:strCache>
-                <c:ptCount val="4"/>
-                <c:pt idx="0">
-                  <c:v>Kategorie 1</c:v>
-                </c:pt>
-                <c:pt idx="1">
-                  <c:v>Kategorie 2</c:v>
-                </c:pt>
-                <c:pt idx="2">
-                  <c:v>Kategorie 3</c:v>
-                </c:pt>
-                <c:pt idx="3">
-                  <c:v>Kategorie 4</c:v>
-                </c:pt>
-              </c:strCache>
-            </c:strRef>
-          </c:cat>
-          <c:val>
-            <c:numRef>
-              <c:f>Tabelle1!$C$2:$C$5</c:f>
-              <c:numCache>
-                <c:formatCode>General</c:formatCode>
-                <c:ptCount val="4"/>
-                <c:pt idx="0">
-                  <c:v>2.4</c:v>
-                </c:pt>
-                <c:pt idx="1">
-                  <c:v>4.4000000000000004</c:v>
-                </c:pt>
-                <c:pt idx="2">
-                  <c:v>1.8</c:v>
-                </c:pt>
-                <c:pt idx="3">
-                  <c:v>2.8</c:v>
-                </c:pt>
-              </c:numCache>
-            </c:numRef>
-          </c:val>
-          <c:extLst>
-            <c:ext xmlns:c16="http://schemas.microsoft.com/office/drawing/2014/chart" uri="{C3380CC4-5D6E-409C-BE32-E72D297353CC}">
-              <c16:uniqueId val="{00000001-864A-BE4E-BE37-093C989B9D1D}"/>
-            </c:ext>
-          </c:extLst>
-        </c:ser>
-        <c:ser>
-          <c:idx val="2"/>
-          <c:order val="2"/>
-          <c:tx>
-            <c:strRef>
-              <c:f>Tabelle1!$D$1</c:f>
-              <c:strCache>
-                <c:ptCount val="1"/>
-                <c:pt idx="0">
-                  <c:v>Datenreihe 3</c:v>
-                </c:pt>
-              </c:strCache>
-            </c:strRef>
-          </c:tx>
-          <c:spPr>
-            <a:solidFill>
-              <a:schemeClr val="accent3"/>
-            </a:solidFill>
-            <a:ln>
-              <a:noFill/>
-            </a:ln>
-            <a:effectLst/>
-          </c:spPr>
-          <c:invertIfNegative val="0"/>
-          <c:cat>
-            <c:strRef>
-              <c:f>Tabelle1!$A$2:$A$5</c:f>
-              <c:strCache>
-                <c:ptCount val="4"/>
-                <c:pt idx="0">
-                  <c:v>Kategorie 1</c:v>
-                </c:pt>
-                <c:pt idx="1">
-                  <c:v>Kategorie 2</c:v>
-                </c:pt>
-                <c:pt idx="2">
-                  <c:v>Kategorie 3</c:v>
-                </c:pt>
-                <c:pt idx="3">
-                  <c:v>Kategorie 4</c:v>
-                </c:pt>
-              </c:strCache>
-            </c:strRef>
-          </c:cat>
-          <c:val>
-            <c:numRef>
-              <c:f>Tabelle1!$D$2:$D$5</c:f>
-              <c:numCache>
-                <c:formatCode>General</c:formatCode>
-                <c:ptCount val="4"/>
-                <c:pt idx="0">
-                  <c:v>2</c:v>
-                </c:pt>
-                <c:pt idx="1">
-                  <c:v>2</c:v>
-                </c:pt>
-                <c:pt idx="2">
-                  <c:v>3</c:v>
-                </c:pt>
-                <c:pt idx="3">
-                  <c:v>5</c:v>
-                </c:pt>
-              </c:numCache>
-            </c:numRef>
-          </c:val>
-          <c:extLst>
-            <c:ext xmlns:c16="http://schemas.microsoft.com/office/drawing/2014/chart" uri="{C3380CC4-5D6E-409C-BE32-E72D297353CC}">
-              <c16:uniqueId val="{00000002-864A-BE4E-BE37-093C989B9D1D}"/>
-            </c:ext>
-          </c:extLst>
-        </c:ser>
-        <c:dLbls>
-          <c:showLegendKey val="0"/>
-          <c:showVal val="0"/>
-          <c:showCatName val="0"/>
-          <c:showSerName val="0"/>
-          <c:showPercent val="0"/>
-          <c:showBubbleSize val="0"/>
-        </c:dLbls>
-        <c:gapWidth val="219"/>
-        <c:overlap val="-27"/>
-        <c:axId val="50529792"/>
-        <c:axId val="50531328"/>
-      </c:barChart>
-      <c:catAx>
-        <c:axId val="50529792"/>
-        <c:scaling>
-          <c:orientation val="minMax"/>
-        </c:scaling>
-        <c:delete val="0"/>
-        <c:axPos val="b"/>
-        <c:numFmt formatCode="General" sourceLinked="1"/>
-        <c:majorTickMark val="none"/>
-        <c:minorTickMark val="none"/>
-        <c:tickLblPos val="nextTo"/>
-        <c:spPr>
-          <a:noFill/>
-          <a:ln w="9525" cap="flat" cmpd="sng" algn="ctr">
-            <a:solidFill>
-              <a:schemeClr val="tx1">
-                <a:lumMod val="15000"/>
-                <a:lumOff val="85000"/>
-              </a:schemeClr>
-            </a:solidFill>
-            <a:round/>
-          </a:ln>
-          <a:effectLst/>
-        </c:spPr>
-        <c:txPr>
-          <a:bodyPr rot="-60000000" spcFirstLastPara="1" vertOverflow="ellipsis" vert="horz" wrap="square" anchor="ctr" anchorCtr="1"/>
-          <a:lstStyle/>
-          <a:p>
-            <a:pPr>
-              <a:defRPr sz="1400" b="0" i="0" u="none" strike="noStrike" kern="1200" baseline="0">
-                <a:solidFill>
-                  <a:schemeClr val="tx1">
-                    <a:lumMod val="65000"/>
-                    <a:lumOff val="35000"/>
-                  </a:schemeClr>
-                </a:solidFill>
-                <a:latin typeface="+mn-lt"/>
-                <a:ea typeface="+mn-ea"/>
-                <a:cs typeface="+mn-cs"/>
-              </a:defRPr>
-            </a:pPr>
-            <a:endParaRPr lang="en-US"/>
-          </a:p>
-        </c:txPr>
-        <c:crossAx val="50531328"/>
-        <c:crosses val="autoZero"/>
-        <c:auto val="1"/>
-        <c:lblAlgn val="ctr"/>
-        <c:lblOffset val="100"/>
-        <c:noMultiLvlLbl val="0"/>
-      </c:catAx>
-      <c:valAx>
-        <c:axId val="50531328"/>
-        <c:scaling>
-          <c:orientation val="minMax"/>
-        </c:scaling>
-        <c:delete val="0"/>
-        <c:axPos val="l"/>
-        <c:majorGridlines>
-          <c:spPr>
-            <a:ln w="9525" cap="flat" cmpd="sng" algn="ctr">
-              <a:solidFill>
-                <a:schemeClr val="tx1">
-                  <a:lumMod val="15000"/>
-                  <a:lumOff val="85000"/>
-                </a:schemeClr>
-              </a:solidFill>
-              <a:round/>
-            </a:ln>
-            <a:effectLst/>
-          </c:spPr>
-        </c:majorGridlines>
-        <c:numFmt formatCode="General" sourceLinked="1"/>
-        <c:majorTickMark val="none"/>
-        <c:minorTickMark val="none"/>
-        <c:tickLblPos val="nextTo"/>
-        <c:spPr>
-          <a:noFill/>
-          <a:ln>
-            <a:noFill/>
-          </a:ln>
-          <a:effectLst/>
-        </c:spPr>
-        <c:txPr>
-          <a:bodyPr rot="-60000000" spcFirstLastPara="1" vertOverflow="ellipsis" vert="horz" wrap="square" anchor="ctr" anchorCtr="1"/>
-          <a:lstStyle/>
-          <a:p>
-            <a:pPr>
-              <a:defRPr sz="1197" b="0" i="0" u="none" strike="noStrike" kern="1200" baseline="0">
-                <a:solidFill>
-                  <a:schemeClr val="tx1">
-                    <a:lumMod val="65000"/>
-                    <a:lumOff val="35000"/>
-                  </a:schemeClr>
-                </a:solidFill>
-                <a:latin typeface="+mn-lt"/>
-                <a:ea typeface="+mn-ea"/>
-                <a:cs typeface="+mn-cs"/>
-              </a:defRPr>
-            </a:pPr>
-            <a:endParaRPr lang="en-US"/>
-          </a:p>
-        </c:txPr>
-        <c:crossAx val="50529792"/>
-        <c:crosses val="autoZero"/>
-        <c:crossBetween val="between"/>
-      </c:valAx>
-      <c:spPr>
-        <a:noFill/>
-        <a:ln>
-          <a:noFill/>
-        </a:ln>
-        <a:effectLst/>
-      </c:spPr>
-    </c:plotArea>
-    <c:legend>
-      <c:legendPos val="b"/>
-      <c:layout>
-        <c:manualLayout>
-          <c:xMode val="edge"/>
-          <c:yMode val="edge"/>
-          <c:x val="0.28357421553649131"/>
-          <c:y val="0.94919412095734657"/>
-          <c:w val="0.43285156892702098"/>
-          <c:h val="5.0805879042652886E-2"/>
-        </c:manualLayout>
-      </c:layout>
-      <c:overlay val="0"/>
-      <c:spPr>
-        <a:noFill/>
-        <a:ln>
-          <a:noFill/>
-        </a:ln>
-        <a:effectLst/>
-      </c:spPr>
-      <c:txPr>
-        <a:bodyPr rot="0" spcFirstLastPara="1" vertOverflow="ellipsis" vert="horz" wrap="square" anchor="ctr" anchorCtr="1"/>
-        <a:lstStyle/>
-        <a:p>
-          <a:pPr>
-            <a:defRPr sz="1400" b="0" i="0" u="none" strike="noStrike" kern="1200" baseline="0">
-              <a:solidFill>
-                <a:schemeClr val="tx1">
-                  <a:lumMod val="65000"/>
-                  <a:lumOff val="35000"/>
-                </a:schemeClr>
-              </a:solidFill>
-              <a:latin typeface="+mn-lt"/>
-              <a:ea typeface="+mn-ea"/>
-              <a:cs typeface="+mn-cs"/>
-            </a:defRPr>
-          </a:pPr>
-          <a:endParaRPr lang="en-US"/>
-        </a:p>
-      </c:txPr>
-    </c:legend>
-    <c:plotVisOnly val="1"/>
-    <c:dispBlanksAs val="gap"/>
-    <c:showDLblsOverMax val="0"/>
-  </c:chart>
-  <c:spPr>
-    <a:noFill/>
-    <a:ln>
-      <a:noFill/>
-    </a:ln>
-    <a:effectLst/>
-  </c:spPr>
-  <c:txPr>
-    <a:bodyPr/>
-    <a:lstStyle/>
-    <a:p>
-      <a:pPr>
-        <a:defRPr/>
-      </a:pPr>
-      <a:endParaRPr lang="en-US"/>
-    </a:p>
-  </c:txPr>
-  <c:externalData r:id="rId1">
     <c:autoUpdate val="0"/>
   </c:externalData>
 </c:chartSpace>
@@ -10402,7 +9616,194 @@
           <a:bodyPr/>
           <a:lstStyle/>
           <a:p>
-            <a:endParaRPr lang="en-US" dirty="0"/>
+            <a:r>
+              <a:rPr lang="de-DE" dirty="0"/>
+              <a:t>Own Implementation Performance-Benchmark (</a:t>
+            </a:r>
+            <a:r>
+              <a:rPr lang="de-DE" dirty="0" err="1"/>
+              <a:t>search</a:t>
+            </a:r>
+            <a:r>
+              <a:rPr lang="de-DE" dirty="0"/>
+              <a:t>):</a:t>
+            </a:r>
+          </a:p>
+          <a:p>
+            <a:r>
+              <a:rPr lang="de-DE" dirty="0"/>
+              <a:t>(Hash-Table Performance </a:t>
+            </a:r>
+            <a:r>
+              <a:rPr lang="de-DE" dirty="0" err="1"/>
+              <a:t>better</a:t>
+            </a:r>
+            <a:r>
+              <a:rPr lang="de-DE" dirty="0"/>
+              <a:t> </a:t>
+            </a:r>
+            <a:r>
+              <a:rPr lang="de-DE" dirty="0" err="1"/>
+              <a:t>than</a:t>
+            </a:r>
+            <a:r>
+              <a:rPr lang="de-DE" dirty="0"/>
+              <a:t> in ART </a:t>
+            </a:r>
+            <a:r>
+              <a:rPr lang="de-DE" dirty="0" err="1"/>
+              <a:t>paper</a:t>
+            </a:r>
+            <a:r>
+              <a:rPr lang="de-DE" dirty="0"/>
+              <a:t>? Caching </a:t>
+            </a:r>
+            <a:r>
+              <a:rPr lang="de-DE" dirty="0" err="1"/>
+              <a:t>effect</a:t>
+            </a:r>
+            <a:r>
+              <a:rPr lang="de-DE" dirty="0"/>
+              <a:t>? Remove </a:t>
+            </a:r>
+            <a:r>
+              <a:rPr lang="de-DE" dirty="0" err="1"/>
+              <a:t>for</a:t>
+            </a:r>
+            <a:r>
+              <a:rPr lang="de-DE" dirty="0"/>
+              <a:t> </a:t>
+            </a:r>
+            <a:r>
+              <a:rPr lang="de-DE" dirty="0" err="1"/>
+              <a:t>better</a:t>
+            </a:r>
+            <a:r>
+              <a:rPr lang="de-DE" dirty="0"/>
+              <a:t> </a:t>
+            </a:r>
+            <a:r>
+              <a:rPr lang="de-DE" dirty="0" err="1"/>
+              <a:t>scale</a:t>
+            </a:r>
+            <a:r>
+              <a:rPr lang="de-DE" dirty="0"/>
+              <a:t>?)</a:t>
+            </a:r>
+          </a:p>
+          <a:p>
+            <a:endParaRPr lang="de-DE" dirty="0"/>
+          </a:p>
+          <a:p>
+            <a:pPr marL="0" marR="0" lvl="0" indent="0" algn="l" defTabSz="914400" rtl="0" eaLnBrk="1" fontAlgn="base" latinLnBrk="0" hangingPunct="1">
+              <a:lnSpc>
+                <a:spcPct val="100000"/>
+              </a:lnSpc>
+              <a:spcBef>
+                <a:spcPct val="30000"/>
+              </a:spcBef>
+              <a:spcAft>
+                <a:spcPct val="0"/>
+              </a:spcAft>
+              <a:buClrTx/>
+              <a:buSzTx/>
+              <a:buFontTx/>
+              <a:buNone/>
+              <a:tabLst/>
+              <a:defRPr/>
+            </a:pPr>
+            <a:r>
+              <a:rPr lang="de-DE" dirty="0"/>
+              <a:t>Trie </a:t>
+            </a:r>
+            <a:r>
+              <a:rPr lang="de-DE" dirty="0" err="1"/>
+              <a:t>implementation</a:t>
+            </a:r>
+            <a:r>
+              <a:rPr lang="de-DE" dirty="0"/>
+              <a:t> </a:t>
+            </a:r>
+            <a:r>
+              <a:rPr lang="de-DE" dirty="0" err="1"/>
+              <a:t>with</a:t>
+            </a:r>
+            <a:r>
+              <a:rPr lang="de-DE" dirty="0"/>
+              <a:t> </a:t>
+            </a:r>
+            <a:r>
+              <a:rPr lang="de-DE" dirty="0" err="1"/>
+              <a:t>sparse</a:t>
+            </a:r>
+            <a:r>
+              <a:rPr lang="de-DE" dirty="0"/>
+              <a:t> 16M </a:t>
+            </a:r>
+            <a:r>
+              <a:rPr lang="de-DE" dirty="0" err="1"/>
+              <a:t>keys</a:t>
+            </a:r>
+            <a:r>
+              <a:rPr lang="de-DE" dirty="0"/>
+              <a:t> </a:t>
+            </a:r>
+            <a:r>
+              <a:rPr lang="de-DE" dirty="0" err="1"/>
+              <a:t>takes</a:t>
+            </a:r>
+            <a:r>
+              <a:rPr lang="de-DE" dirty="0"/>
+              <a:t> </a:t>
+            </a:r>
+            <a:r>
+              <a:rPr lang="de-DE" dirty="0" err="1"/>
+              <a:t>more</a:t>
+            </a:r>
+            <a:r>
+              <a:rPr lang="de-DE" dirty="0"/>
+              <a:t> </a:t>
+            </a:r>
+            <a:r>
+              <a:rPr lang="de-DE" dirty="0" err="1"/>
+              <a:t>than</a:t>
+            </a:r>
+            <a:r>
+              <a:rPr lang="de-DE" dirty="0"/>
+              <a:t> 16GB (</a:t>
+            </a:r>
+            <a:r>
+              <a:rPr lang="de-DE" dirty="0" err="1"/>
+              <a:t>only</a:t>
+            </a:r>
+            <a:r>
+              <a:rPr lang="de-DE" dirty="0"/>
+              <a:t> </a:t>
+            </a:r>
+            <a:r>
+              <a:rPr lang="de-DE" dirty="0" err="1"/>
+              <a:t>have</a:t>
+            </a:r>
+            <a:r>
+              <a:rPr lang="de-DE" dirty="0"/>
+              <a:t> 16GB RAM so </a:t>
+            </a:r>
+            <a:r>
+              <a:rPr lang="de-DE" dirty="0" err="1"/>
+              <a:t>no</a:t>
+            </a:r>
+            <a:r>
+              <a:rPr lang="de-DE" dirty="0"/>
+              <a:t> </a:t>
+            </a:r>
+            <a:r>
+              <a:rPr lang="de-DE" dirty="0" err="1"/>
+              <a:t>value</a:t>
+            </a:r>
+            <a:r>
+              <a:rPr lang="de-DE" dirty="0"/>
+              <a:t>)</a:t>
+            </a:r>
           </a:p>
         </p:txBody>
       </p:sp>
@@ -10429,7 +9830,7 @@
               <a:pPr>
                 <a:defRPr/>
               </a:pPr>
-              <a:t>28</a:t>
+              <a:t>26</a:t>
             </a:fld>
             <a:endParaRPr lang="en-GB"/>
           </a:p>
@@ -10438,7 +9839,7 @@
     </p:spTree>
     <p:extLst>
       <p:ext uri="{BB962C8B-B14F-4D97-AF65-F5344CB8AC3E}">
-        <p14:creationId xmlns:p14="http://schemas.microsoft.com/office/powerpoint/2010/main" val="2365284992"/>
+        <p14:creationId xmlns:p14="http://schemas.microsoft.com/office/powerpoint/2010/main" val="3882762003"/>
       </p:ext>
     </p:extLst>
   </p:cSld>
@@ -10528,7 +9929,7 @@
     </p:spTree>
     <p:extLst>
       <p:ext uri="{BB962C8B-B14F-4D97-AF65-F5344CB8AC3E}">
-        <p14:creationId xmlns:p14="http://schemas.microsoft.com/office/powerpoint/2010/main" val="632089375"/>
+        <p14:creationId xmlns:p14="http://schemas.microsoft.com/office/powerpoint/2010/main" val="2365284992"/>
       </p:ext>
     </p:extLst>
   </p:cSld>
@@ -10618,7 +10019,7 @@
     </p:spTree>
     <p:extLst>
       <p:ext uri="{BB962C8B-B14F-4D97-AF65-F5344CB8AC3E}">
-        <p14:creationId xmlns:p14="http://schemas.microsoft.com/office/powerpoint/2010/main" val="1368079382"/>
+        <p14:creationId xmlns:p14="http://schemas.microsoft.com/office/powerpoint/2010/main" val="632089375"/>
       </p:ext>
     </p:extLst>
   </p:cSld>
@@ -10708,7 +10109,7 @@
     </p:spTree>
     <p:extLst>
       <p:ext uri="{BB962C8B-B14F-4D97-AF65-F5344CB8AC3E}">
-        <p14:creationId xmlns:p14="http://schemas.microsoft.com/office/powerpoint/2010/main" val="3403498060"/>
+        <p14:creationId xmlns:p14="http://schemas.microsoft.com/office/powerpoint/2010/main" val="1368079382"/>
       </p:ext>
     </p:extLst>
   </p:cSld>
@@ -10947,7 +10348,7 @@
     </p:spTree>
     <p:extLst>
       <p:ext uri="{BB962C8B-B14F-4D97-AF65-F5344CB8AC3E}">
-        <p14:creationId xmlns:p14="http://schemas.microsoft.com/office/powerpoint/2010/main" val="3873617337"/>
+        <p14:creationId xmlns:p14="http://schemas.microsoft.com/office/powerpoint/2010/main" val="3403498060"/>
       </p:ext>
     </p:extLst>
   </p:cSld>
@@ -11037,7 +10438,7 @@
     </p:spTree>
     <p:extLst>
       <p:ext uri="{BB962C8B-B14F-4D97-AF65-F5344CB8AC3E}">
-        <p14:creationId xmlns:p14="http://schemas.microsoft.com/office/powerpoint/2010/main" val="2821304512"/>
+        <p14:creationId xmlns:p14="http://schemas.microsoft.com/office/powerpoint/2010/main" val="3873617337"/>
       </p:ext>
     </p:extLst>
   </p:cSld>
@@ -11091,194 +10492,7 @@
           <a:bodyPr/>
           <a:lstStyle/>
           <a:p>
-            <a:r>
-              <a:rPr lang="de-DE" dirty="0"/>
-              <a:t>Own Implementation Performance-Benchmark (</a:t>
-            </a:r>
-            <a:r>
-              <a:rPr lang="de-DE" dirty="0" err="1"/>
-              <a:t>search</a:t>
-            </a:r>
-            <a:r>
-              <a:rPr lang="de-DE" dirty="0"/>
-              <a:t>):</a:t>
-            </a:r>
-          </a:p>
-          <a:p>
-            <a:r>
-              <a:rPr lang="de-DE" dirty="0"/>
-              <a:t>(Hash-Table Performance </a:t>
-            </a:r>
-            <a:r>
-              <a:rPr lang="de-DE" dirty="0" err="1"/>
-              <a:t>better</a:t>
-            </a:r>
-            <a:r>
-              <a:rPr lang="de-DE" dirty="0"/>
-              <a:t> </a:t>
-            </a:r>
-            <a:r>
-              <a:rPr lang="de-DE" dirty="0" err="1"/>
-              <a:t>than</a:t>
-            </a:r>
-            <a:r>
-              <a:rPr lang="de-DE" dirty="0"/>
-              <a:t> in ART </a:t>
-            </a:r>
-            <a:r>
-              <a:rPr lang="de-DE" dirty="0" err="1"/>
-              <a:t>paper</a:t>
-            </a:r>
-            <a:r>
-              <a:rPr lang="de-DE" dirty="0"/>
-              <a:t>? Caching </a:t>
-            </a:r>
-            <a:r>
-              <a:rPr lang="de-DE" dirty="0" err="1"/>
-              <a:t>effect</a:t>
-            </a:r>
-            <a:r>
-              <a:rPr lang="de-DE" dirty="0"/>
-              <a:t>? Remove </a:t>
-            </a:r>
-            <a:r>
-              <a:rPr lang="de-DE" dirty="0" err="1"/>
-              <a:t>for</a:t>
-            </a:r>
-            <a:r>
-              <a:rPr lang="de-DE" dirty="0"/>
-              <a:t> </a:t>
-            </a:r>
-            <a:r>
-              <a:rPr lang="de-DE" dirty="0" err="1"/>
-              <a:t>better</a:t>
-            </a:r>
-            <a:r>
-              <a:rPr lang="de-DE" dirty="0"/>
-              <a:t> </a:t>
-            </a:r>
-            <a:r>
-              <a:rPr lang="de-DE" dirty="0" err="1"/>
-              <a:t>scale</a:t>
-            </a:r>
-            <a:r>
-              <a:rPr lang="de-DE" dirty="0"/>
-              <a:t>?)</a:t>
-            </a:r>
-          </a:p>
-          <a:p>
-            <a:endParaRPr lang="de-DE" dirty="0"/>
-          </a:p>
-          <a:p>
-            <a:pPr marL="0" marR="0" lvl="0" indent="0" algn="l" defTabSz="914400" rtl="0" eaLnBrk="1" fontAlgn="base" latinLnBrk="0" hangingPunct="1">
-              <a:lnSpc>
-                <a:spcPct val="100000"/>
-              </a:lnSpc>
-              <a:spcBef>
-                <a:spcPct val="30000"/>
-              </a:spcBef>
-              <a:spcAft>
-                <a:spcPct val="0"/>
-              </a:spcAft>
-              <a:buClrTx/>
-              <a:buSzTx/>
-              <a:buFontTx/>
-              <a:buNone/>
-              <a:tabLst/>
-              <a:defRPr/>
-            </a:pPr>
-            <a:r>
-              <a:rPr lang="de-DE" dirty="0"/>
-              <a:t>Trie </a:t>
-            </a:r>
-            <a:r>
-              <a:rPr lang="de-DE" dirty="0" err="1"/>
-              <a:t>implementation</a:t>
-            </a:r>
-            <a:r>
-              <a:rPr lang="de-DE" dirty="0"/>
-              <a:t> </a:t>
-            </a:r>
-            <a:r>
-              <a:rPr lang="de-DE" dirty="0" err="1"/>
-              <a:t>with</a:t>
-            </a:r>
-            <a:r>
-              <a:rPr lang="de-DE" dirty="0"/>
-              <a:t> </a:t>
-            </a:r>
-            <a:r>
-              <a:rPr lang="de-DE" dirty="0" err="1"/>
-              <a:t>sparse</a:t>
-            </a:r>
-            <a:r>
-              <a:rPr lang="de-DE" dirty="0"/>
-              <a:t> 16M </a:t>
-            </a:r>
-            <a:r>
-              <a:rPr lang="de-DE" dirty="0" err="1"/>
-              <a:t>keys</a:t>
-            </a:r>
-            <a:r>
-              <a:rPr lang="de-DE" dirty="0"/>
-              <a:t> </a:t>
-            </a:r>
-            <a:r>
-              <a:rPr lang="de-DE" dirty="0" err="1"/>
-              <a:t>takes</a:t>
-            </a:r>
-            <a:r>
-              <a:rPr lang="de-DE" dirty="0"/>
-              <a:t> </a:t>
-            </a:r>
-            <a:r>
-              <a:rPr lang="de-DE" dirty="0" err="1"/>
-              <a:t>more</a:t>
-            </a:r>
-            <a:r>
-              <a:rPr lang="de-DE" dirty="0"/>
-              <a:t> </a:t>
-            </a:r>
-            <a:r>
-              <a:rPr lang="de-DE" dirty="0" err="1"/>
-              <a:t>than</a:t>
-            </a:r>
-            <a:r>
-              <a:rPr lang="de-DE" dirty="0"/>
-              <a:t> 16GB (</a:t>
-            </a:r>
-            <a:r>
-              <a:rPr lang="de-DE" dirty="0" err="1"/>
-              <a:t>only</a:t>
-            </a:r>
-            <a:r>
-              <a:rPr lang="de-DE" dirty="0"/>
-              <a:t> </a:t>
-            </a:r>
-            <a:r>
-              <a:rPr lang="de-DE" dirty="0" err="1"/>
-              <a:t>have</a:t>
-            </a:r>
-            <a:r>
-              <a:rPr lang="de-DE" dirty="0"/>
-              <a:t> 16GB RAM so </a:t>
-            </a:r>
-            <a:r>
-              <a:rPr lang="de-DE" dirty="0" err="1"/>
-              <a:t>no</a:t>
-            </a:r>
-            <a:r>
-              <a:rPr lang="de-DE" dirty="0"/>
-              <a:t> </a:t>
-            </a:r>
-            <a:r>
-              <a:rPr lang="de-DE" dirty="0" err="1"/>
-              <a:t>value</a:t>
-            </a:r>
-            <a:r>
-              <a:rPr lang="de-DE" dirty="0"/>
-              <a:t>)</a:t>
-            </a:r>
+            <a:endParaRPr lang="en-US" dirty="0"/>
           </a:p>
         </p:txBody>
       </p:sp>
@@ -11314,7 +10528,7 @@
     </p:spTree>
     <p:extLst>
       <p:ext uri="{BB962C8B-B14F-4D97-AF65-F5344CB8AC3E}">
-        <p14:creationId xmlns:p14="http://schemas.microsoft.com/office/powerpoint/2010/main" val="1498725812"/>
+        <p14:creationId xmlns:p14="http://schemas.microsoft.com/office/powerpoint/2010/main" val="2821304512"/>
       </p:ext>
     </p:extLst>
   </p:cSld>
@@ -11368,7 +10582,7 @@
           <a:bodyPr/>
           <a:lstStyle/>
           <a:p>
-            <a:endParaRPr lang="en-US" dirty="0"/>
+            <a:endParaRPr lang="de-DE" dirty="0"/>
           </a:p>
         </p:txBody>
       </p:sp>
@@ -11404,7 +10618,7 @@
     </p:spTree>
     <p:extLst>
       <p:ext uri="{BB962C8B-B14F-4D97-AF65-F5344CB8AC3E}">
-        <p14:creationId xmlns:p14="http://schemas.microsoft.com/office/powerpoint/2010/main" val="3965122975"/>
+        <p14:creationId xmlns:p14="http://schemas.microsoft.com/office/powerpoint/2010/main" val="1498725812"/>
       </p:ext>
     </p:extLst>
   </p:cSld>
@@ -27942,6 +27156,221 @@
           <a:chExt cx="0" cy="0"/>
         </a:xfrm>
       </p:grpSpPr>
+      <p:sp>
+        <p:nvSpPr>
+          <p:cNvPr id="4" name="Foliennummernplatzhalter 3"/>
+          <p:cNvSpPr>
+            <a:spLocks noGrp="1"/>
+          </p:cNvSpPr>
+          <p:nvPr>
+            <p:ph type="sldNum" sz="quarter" idx="11"/>
+          </p:nvPr>
+        </p:nvSpPr>
+        <p:spPr>
+          <a:xfrm>
+            <a:off x="6774934" y="6473313"/>
+            <a:ext cx="2052000" cy="365125"/>
+          </a:xfrm>
+        </p:spPr>
+        <p:txBody>
+          <a:bodyPr anchor="ctr">
+            <a:normAutofit/>
+          </a:bodyPr>
+          <a:lstStyle/>
+          <a:p>
+            <a:pPr>
+              <a:spcAft>
+                <a:spcPts val="600"/>
+              </a:spcAft>
+            </a:pPr>
+            <a:fld id="{CE58CB1E-F828-4F11-99E0-327109AF9DA4}" type="slidenum">
+              <a:rPr lang="de-DE" smtClean="0"/>
+              <a:pPr>
+                <a:spcAft>
+                  <a:spcPts val="600"/>
+                </a:spcAft>
+              </a:pPr>
+              <a:t>26</a:t>
+            </a:fld>
+            <a:endParaRPr lang="de-DE"/>
+          </a:p>
+        </p:txBody>
+      </p:sp>
+      <p:sp>
+        <p:nvSpPr>
+          <p:cNvPr id="7" name="Fußzeilenplatzhalter 4"/>
+          <p:cNvSpPr>
+            <a:spLocks noGrp="1"/>
+          </p:cNvSpPr>
+          <p:nvPr>
+            <p:ph type="ftr" sz="quarter" idx="12"/>
+          </p:nvPr>
+        </p:nvSpPr>
+        <p:spPr>
+          <a:xfrm>
+            <a:off x="311162" y="6473313"/>
+            <a:ext cx="7829538" cy="384687"/>
+          </a:xfrm>
+        </p:spPr>
+        <p:txBody>
+          <a:bodyPr anchor="ctr">
+            <a:normAutofit/>
+          </a:bodyPr>
+          <a:lstStyle/>
+          <a:p>
+            <a:pPr>
+              <a:spcAft>
+                <a:spcPts val="600"/>
+              </a:spcAft>
+            </a:pPr>
+            <a:r>
+              <a:rPr lang="de-DE" dirty="0"/>
+              <a:t>Jonas Fritsch | The Adaptive Radix Tree</a:t>
+            </a:r>
+            <a:endParaRPr lang="en-US" dirty="0"/>
+          </a:p>
+        </p:txBody>
+      </p:sp>
+      <p:sp>
+        <p:nvSpPr>
+          <p:cNvPr id="3" name="Titel 2"/>
+          <p:cNvSpPr>
+            <a:spLocks noGrp="1"/>
+          </p:cNvSpPr>
+          <p:nvPr>
+            <p:ph type="title"/>
+          </p:nvPr>
+        </p:nvSpPr>
+        <p:spPr>
+          <a:xfrm>
+            <a:off x="319090" y="994334"/>
+            <a:ext cx="8508999" cy="410369"/>
+          </a:xfrm>
+        </p:spPr>
+        <p:txBody>
+          <a:bodyPr wrap="square" anchor="t">
+            <a:normAutofit/>
+          </a:bodyPr>
+          <a:lstStyle/>
+          <a:p>
+            <a:r>
+              <a:rPr lang="de-DE" dirty="0"/>
+              <a:t>Other Benchmarks: Memory </a:t>
+            </a:r>
+            <a:r>
+              <a:rPr lang="de-DE" dirty="0" err="1"/>
+              <a:t>Usage</a:t>
+            </a:r>
+            <a:endParaRPr lang="de-DE" dirty="0"/>
+          </a:p>
+        </p:txBody>
+      </p:sp>
+      <p:sp>
+        <p:nvSpPr>
+          <p:cNvPr id="11" name="TextBox 10">
+            <a:extLst>
+              <a:ext uri="{FF2B5EF4-FFF2-40B4-BE49-F238E27FC236}">
+                <a16:creationId xmlns:a16="http://schemas.microsoft.com/office/drawing/2014/main" id="{500B67D3-476A-32EF-29E9-D60790BC8EE4}"/>
+              </a:ext>
+            </a:extLst>
+          </p:cNvPr>
+          <p:cNvSpPr txBox="1"/>
+          <p:nvPr/>
+        </p:nvSpPr>
+        <p:spPr>
+          <a:xfrm>
+            <a:off x="311162" y="6298789"/>
+            <a:ext cx="8635130" cy="193002"/>
+          </a:xfrm>
+          <a:prstGeom prst="rect">
+            <a:avLst/>
+          </a:prstGeom>
+          <a:noFill/>
+        </p:spPr>
+        <p:txBody>
+          <a:bodyPr wrap="square" lIns="0" tIns="0" rIns="0" bIns="0" rtlCol="0">
+            <a:spAutoFit/>
+          </a:bodyPr>
+          <a:lstStyle/>
+          <a:p>
+            <a:pPr>
+              <a:lnSpc>
+                <a:spcPct val="114000"/>
+              </a:lnSpc>
+            </a:pPr>
+            <a:r>
+              <a:rPr lang="en-US" sz="1200" b="1" dirty="0"/>
+              <a:t>Source: </a:t>
+            </a:r>
+            <a:r>
+              <a:rPr lang="en-US" sz="1200" dirty="0">
+                <a:hlinkClick r:id="rId3"/>
+              </a:rPr>
+              <a:t>A comparison of adaptive radix trees and hash tables. IEEE 2015</a:t>
+            </a:r>
+            <a:endParaRPr lang="en-US" sz="1200" dirty="0"/>
+          </a:p>
+        </p:txBody>
+      </p:sp>
+      <p:pic>
+        <p:nvPicPr>
+          <p:cNvPr id="8" name="Content Placeholder 7" descr="Chart, bar chart&#10;&#10;Description automatically generated">
+            <a:extLst>
+              <a:ext uri="{FF2B5EF4-FFF2-40B4-BE49-F238E27FC236}">
+                <a16:creationId xmlns:a16="http://schemas.microsoft.com/office/drawing/2014/main" id="{602D28E7-FA72-EFA0-4329-4247FB609229}"/>
+              </a:ext>
+            </a:extLst>
+          </p:cNvPr>
+          <p:cNvPicPr>
+            <a:picLocks noGrp="1" noChangeAspect="1"/>
+          </p:cNvPicPr>
+          <p:nvPr>
+            <p:ph idx="1"/>
+          </p:nvPr>
+        </p:nvPicPr>
+        <p:blipFill>
+          <a:blip r:embed="rId4"/>
+          <a:stretch>
+            <a:fillRect/>
+          </a:stretch>
+        </p:blipFill>
+        <p:spPr>
+          <a:xfrm>
+            <a:off x="319088" y="2994641"/>
+            <a:ext cx="8509000" cy="2233967"/>
+          </a:xfrm>
+        </p:spPr>
+      </p:pic>
+    </p:spTree>
+    <p:extLst>
+      <p:ext uri="{BB962C8B-B14F-4D97-AF65-F5344CB8AC3E}">
+        <p14:creationId xmlns:p14="http://schemas.microsoft.com/office/powerpoint/2010/main" val="2188875051"/>
+      </p:ext>
+    </p:extLst>
+  </p:cSld>
+  <p:clrMapOvr>
+    <a:masterClrMapping/>
+  </p:clrMapOvr>
+</p:sld>
+</file>
+
+<file path=ppt/slides/slide27.xml><?xml version="1.0" encoding="utf-8"?>
+<p:sld xmlns:a="http://schemas.openxmlformats.org/drawingml/2006/main" xmlns:r="http://schemas.openxmlformats.org/officeDocument/2006/relationships" xmlns:p="http://schemas.openxmlformats.org/presentationml/2006/main">
+  <p:cSld>
+    <p:spTree>
+      <p:nvGrpSpPr>
+        <p:cNvPr id="1" name=""/>
+        <p:cNvGrpSpPr/>
+        <p:nvPr/>
+      </p:nvGrpSpPr>
+      <p:grpSpPr>
+        <a:xfrm>
+          <a:off x="0" y="0"/>
+          <a:ext cx="0" cy="0"/>
+          <a:chOff x="0" y="0"/>
+          <a:chExt cx="0" cy="0"/>
+        </a:xfrm>
+      </p:grpSpPr>
       <p:graphicFrame>
         <p:nvGraphicFramePr>
           <p:cNvPr id="7" name="Inhaltsplatzhalter 6"/>
@@ -27952,7 +27381,7 @@
             <p:ph idx="1"/>
             <p:extLst>
               <p:ext uri="{D42A27DB-BD31-4B8C-83A1-F6EECF244321}">
-                <p14:modId xmlns:p14="http://schemas.microsoft.com/office/powerpoint/2010/main" val="3999116573"/>
+                <p14:modId xmlns:p14="http://schemas.microsoft.com/office/powerpoint/2010/main" val="3574245921"/>
               </p:ext>
             </p:extLst>
           </p:nvPr>
@@ -28268,7 +27697,7 @@
                           <a:ea typeface="+mn-ea"/>
                           <a:cs typeface="+mn-cs"/>
                         </a:rPr>
-                        <a:t>−</a:t>
+                        <a:t>~</a:t>
                       </a:r>
                     </a:p>
                   </a:txBody>
@@ -28900,7 +28329,7 @@
                         <a:rPr lang="de-DE" sz="2400" b="0" dirty="0">
                           <a:latin typeface="+mn-lt"/>
                         </a:rPr>
-                        <a:t>+</a:t>
+                        <a:t>++</a:t>
                       </a:r>
                     </a:p>
                   </a:txBody>
@@ -28971,7 +28400,7 @@
             <a:fld id="{CE58CB1E-F828-4F11-99E0-327109AF9DA4}" type="slidenum">
               <a:rPr lang="de-DE" smtClean="0"/>
               <a:pPr/>
-              <a:t>26</a:t>
+              <a:t>27</a:t>
             </a:fld>
             <a:endParaRPr lang="de-DE" dirty="0"/>
           </a:p>
@@ -29021,31 +28450,31 @@
           <a:lstStyle/>
           <a:p>
             <a:r>
-              <a:rPr lang="de-DE" dirty="0"/>
+              <a:rPr lang="de-DE" sz="1800" dirty="0"/>
               <a:t>Advantages &amp; </a:t>
             </a:r>
             <a:r>
-              <a:rPr lang="de-DE" dirty="0" err="1"/>
+              <a:rPr lang="de-DE" sz="1800" dirty="0" err="1"/>
               <a:t>Disadvantages</a:t>
             </a:r>
             <a:r>
-              <a:rPr lang="de-DE" dirty="0"/>
+              <a:rPr lang="de-DE" sz="1800" dirty="0"/>
               <a:t> </a:t>
             </a:r>
             <a:r>
-              <a:rPr lang="de-DE" dirty="0" err="1"/>
+              <a:rPr lang="de-DE" sz="1800" dirty="0" err="1"/>
               <a:t>of</a:t>
             </a:r>
             <a:r>
-              <a:rPr lang="de-DE" dirty="0"/>
+              <a:rPr lang="de-DE" sz="1800" dirty="0"/>
               <a:t> different index-</a:t>
             </a:r>
             <a:r>
-              <a:rPr lang="de-DE" dirty="0" err="1"/>
+              <a:rPr lang="de-DE" sz="1800" dirty="0" err="1"/>
               <a:t>structures</a:t>
             </a:r>
             <a:r>
-              <a:rPr lang="de-DE" dirty="0"/>
+              <a:rPr lang="de-DE" sz="1800" dirty="0"/>
               <a:t>:</a:t>
             </a:r>
           </a:p>
@@ -29082,367 +28511,6 @@
     <p:extLst>
       <p:ext uri="{BB962C8B-B14F-4D97-AF65-F5344CB8AC3E}">
         <p14:creationId xmlns:p14="http://schemas.microsoft.com/office/powerpoint/2010/main" val="2950190069"/>
-      </p:ext>
-    </p:extLst>
-  </p:cSld>
-  <p:clrMapOvr>
-    <a:masterClrMapping/>
-  </p:clrMapOvr>
-</p:sld>
-</file>
-
-<file path=ppt/slides/slide27.xml><?xml version="1.0" encoding="utf-8"?>
-<p:sld xmlns:a="http://schemas.openxmlformats.org/drawingml/2006/main" xmlns:r="http://schemas.openxmlformats.org/officeDocument/2006/relationships" xmlns:p="http://schemas.openxmlformats.org/presentationml/2006/main">
-  <p:cSld>
-    <p:spTree>
-      <p:nvGrpSpPr>
-        <p:cNvPr id="1" name=""/>
-        <p:cNvGrpSpPr/>
-        <p:nvPr/>
-      </p:nvGrpSpPr>
-      <p:grpSpPr>
-        <a:xfrm>
-          <a:off x="0" y="0"/>
-          <a:ext cx="0" cy="0"/>
-          <a:chOff x="0" y="0"/>
-          <a:chExt cx="0" cy="0"/>
-        </a:xfrm>
-      </p:grpSpPr>
-      <p:sp>
-        <p:nvSpPr>
-          <p:cNvPr id="4" name="Foliennummernplatzhalter 3"/>
-          <p:cNvSpPr>
-            <a:spLocks noGrp="1"/>
-          </p:cNvSpPr>
-          <p:nvPr>
-            <p:ph type="sldNum" sz="quarter" idx="11"/>
-          </p:nvPr>
-        </p:nvSpPr>
-        <p:spPr/>
-        <p:txBody>
-          <a:bodyPr/>
-          <a:lstStyle/>
-          <a:p>
-            <a:fld id="{CE58CB1E-F828-4F11-99E0-327109AF9DA4}" type="slidenum">
-              <a:rPr lang="de-DE" smtClean="0"/>
-              <a:pPr/>
-              <a:t>27</a:t>
-            </a:fld>
-            <a:endParaRPr lang="de-DE" dirty="0"/>
-          </a:p>
-        </p:txBody>
-      </p:sp>
-      <p:sp>
-        <p:nvSpPr>
-          <p:cNvPr id="10" name="Fußzeilenplatzhalter 4"/>
-          <p:cNvSpPr>
-            <a:spLocks noGrp="1"/>
-          </p:cNvSpPr>
-          <p:nvPr>
-            <p:ph type="ftr" sz="quarter" idx="12"/>
-          </p:nvPr>
-        </p:nvSpPr>
-        <p:spPr/>
-        <p:txBody>
-          <a:bodyPr/>
-          <a:lstStyle/>
-          <a:p>
-            <a:pPr>
-              <a:spcAft>
-                <a:spcPts val="600"/>
-              </a:spcAft>
-            </a:pPr>
-            <a:r>
-              <a:rPr lang="de-DE" dirty="0"/>
-              <a:t>Jonas Fritsch | The Adaptive Radix Tree</a:t>
-            </a:r>
-            <a:endParaRPr lang="en-US" dirty="0"/>
-          </a:p>
-        </p:txBody>
-      </p:sp>
-      <p:sp>
-        <p:nvSpPr>
-          <p:cNvPr id="3" name="Titel 2"/>
-          <p:cNvSpPr>
-            <a:spLocks noGrp="1"/>
-          </p:cNvSpPr>
-          <p:nvPr>
-            <p:ph type="title"/>
-          </p:nvPr>
-        </p:nvSpPr>
-        <p:spPr/>
-        <p:txBody>
-          <a:bodyPr/>
-          <a:lstStyle/>
-          <a:p>
-            <a:r>
-              <a:rPr lang="de-DE" dirty="0"/>
-              <a:t>Summary &amp; </a:t>
-            </a:r>
-            <a:r>
-              <a:rPr lang="de-DE" dirty="0" err="1"/>
-              <a:t>Conclusion</a:t>
-            </a:r>
-            <a:endParaRPr lang="de-DE" dirty="0"/>
-          </a:p>
-        </p:txBody>
-      </p:sp>
-      <p:sp>
-        <p:nvSpPr>
-          <p:cNvPr id="11" name="Inhaltsplatzhalter 1">
-            <a:extLst>
-              <a:ext uri="{FF2B5EF4-FFF2-40B4-BE49-F238E27FC236}">
-                <a16:creationId xmlns:a16="http://schemas.microsoft.com/office/drawing/2014/main" id="{2E134AD9-4D70-D11E-1ED9-97E4A6B605D0}"/>
-              </a:ext>
-            </a:extLst>
-          </p:cNvPr>
-          <p:cNvSpPr>
-            <a:spLocks noGrp="1"/>
-          </p:cNvSpPr>
-          <p:nvPr>
-            <p:ph idx="1"/>
-          </p:nvPr>
-        </p:nvSpPr>
-        <p:spPr>
-          <a:xfrm>
-            <a:off x="319090" y="1762188"/>
-            <a:ext cx="8508999" cy="4699572"/>
-          </a:xfrm>
-        </p:spPr>
-        <p:txBody>
-          <a:bodyPr/>
-          <a:lstStyle/>
-          <a:p>
-            <a:r>
-              <a:rPr b="1" dirty="0"/>
-              <a:t>ART </a:t>
-            </a:r>
-            <a:r>
-              <a:rPr b="1" dirty="0" err="1"/>
-              <a:t>used</a:t>
-            </a:r>
-            <a:r>
-              <a:rPr b="1" dirty="0"/>
-              <a:t> </a:t>
-            </a:r>
-            <a:r>
-              <a:rPr b="1" dirty="0" err="1"/>
-              <a:t>as</a:t>
-            </a:r>
-            <a:r>
-              <a:rPr b="1" dirty="0"/>
-              <a:t> index-</a:t>
-            </a:r>
-            <a:r>
-              <a:rPr b="1" dirty="0" err="1"/>
-              <a:t>structure</a:t>
-            </a:r>
-            <a:r>
-              <a:rPr b="1" dirty="0"/>
-              <a:t> in (at least) </a:t>
-            </a:r>
-            <a:r>
-              <a:rPr b="1" dirty="0" err="1"/>
-              <a:t>HyPer</a:t>
-            </a:r>
-            <a:endParaRPr b="1" dirty="0"/>
-          </a:p>
-          <a:p>
-            <a:endParaRPr lang="de-DE" b="1" dirty="0"/>
-          </a:p>
-          <a:p>
-            <a:r>
-              <a:rPr b="1" dirty="0"/>
-              <a:t>Further </a:t>
-            </a:r>
-            <a:r>
-              <a:rPr b="1" dirty="0" err="1"/>
-              <a:t>research</a:t>
-            </a:r>
-            <a:r>
-              <a:rPr b="1" dirty="0"/>
-              <a:t> </a:t>
-            </a:r>
-            <a:r>
-              <a:rPr b="1" dirty="0" err="1"/>
-              <a:t>being</a:t>
-            </a:r>
-            <a:r>
-              <a:rPr b="1" dirty="0"/>
-              <a:t> </a:t>
-            </a:r>
-            <a:r>
-              <a:rPr b="1" dirty="0" err="1"/>
-              <a:t>done</a:t>
-            </a:r>
-            <a:r>
-              <a:rPr b="1" dirty="0"/>
-              <a:t>:</a:t>
-            </a:r>
-          </a:p>
-          <a:p>
-            <a:pPr marL="285750" indent="-285750">
-              <a:buFont typeface="Arial" panose="020B0604020202020204" pitchFamily="34" charset="0"/>
-              <a:buChar char="•"/>
-            </a:pPr>
-            <a:r>
-              <a:rPr lang="de-DE" dirty="0">
-                <a:hlinkClick r:id="rId2"/>
-              </a:rPr>
-              <a:t>The ART </a:t>
-            </a:r>
-            <a:r>
-              <a:rPr lang="de-DE" dirty="0" err="1">
-                <a:hlinkClick r:id="rId2"/>
-              </a:rPr>
-              <a:t>of</a:t>
-            </a:r>
-            <a:r>
-              <a:rPr lang="de-DE" dirty="0">
-                <a:hlinkClick r:id="rId2"/>
-              </a:rPr>
-              <a:t> </a:t>
-            </a:r>
-            <a:r>
-              <a:rPr lang="de-DE" dirty="0" err="1">
-                <a:hlinkClick r:id="rId2"/>
-              </a:rPr>
-              <a:t>practical</a:t>
-            </a:r>
-            <a:r>
-              <a:rPr lang="de-DE" dirty="0">
-                <a:hlinkClick r:id="rId2"/>
-              </a:rPr>
-              <a:t> </a:t>
-            </a:r>
-            <a:r>
-              <a:rPr lang="de-DE" dirty="0" err="1">
-                <a:hlinkClick r:id="rId2"/>
-              </a:rPr>
-              <a:t>synchronization</a:t>
-            </a:r>
-            <a:r>
-              <a:rPr lang="de-DE" dirty="0">
-                <a:hlinkClick r:id="rId2"/>
-              </a:rPr>
-              <a:t> </a:t>
-            </a:r>
-            <a:r>
-              <a:rPr lang="de-DE" dirty="0"/>
-              <a:t>(</a:t>
-            </a:r>
-            <a:r>
-              <a:rPr lang="de-DE" dirty="0" err="1"/>
-              <a:t>DaMoN</a:t>
-            </a:r>
-            <a:r>
-              <a:rPr lang="de-DE" dirty="0"/>
-              <a:t>, 2016)</a:t>
-            </a:r>
-          </a:p>
-          <a:p>
-            <a:pPr marL="285750" indent="-285750">
-              <a:buFont typeface="Arial" panose="020B0604020202020204" pitchFamily="34" charset="0"/>
-              <a:buChar char="•"/>
-            </a:pPr>
-            <a:r>
-              <a:rPr lang="de-DE" dirty="0">
-                <a:hlinkClick r:id="rId3"/>
-              </a:rPr>
-              <a:t>HOT: A Height </a:t>
-            </a:r>
-            <a:r>
-              <a:rPr lang="de-DE" dirty="0" err="1">
-                <a:hlinkClick r:id="rId3"/>
-              </a:rPr>
-              <a:t>Optimized</a:t>
-            </a:r>
-            <a:r>
-              <a:rPr lang="de-DE" dirty="0">
-                <a:hlinkClick r:id="rId3"/>
-              </a:rPr>
-              <a:t> Trie Index </a:t>
-            </a:r>
-            <a:r>
-              <a:rPr lang="de-DE" dirty="0" err="1">
-                <a:hlinkClick r:id="rId3"/>
-              </a:rPr>
-              <a:t>for</a:t>
-            </a:r>
-            <a:r>
-              <a:rPr lang="de-DE" dirty="0">
-                <a:hlinkClick r:id="rId3"/>
-              </a:rPr>
-              <a:t> Main-Memory Database Systems</a:t>
-            </a:r>
-            <a:r>
-              <a:rPr lang="de-DE" dirty="0"/>
-              <a:t> (SIGMOD, 2018)</a:t>
-            </a:r>
-          </a:p>
-          <a:p>
-            <a:pPr marL="285750" indent="-285750">
-              <a:buFont typeface="Arial" panose="020B0604020202020204" pitchFamily="34" charset="0"/>
-              <a:buChar char="•"/>
-            </a:pPr>
-            <a:r>
-              <a:rPr lang="de-DE" dirty="0">
-                <a:hlinkClick r:id="rId4"/>
-              </a:rPr>
-              <a:t>START – Self-Tuning Adaptive Radix Tree </a:t>
-            </a:r>
-            <a:r>
-              <a:rPr lang="de-DE" dirty="0"/>
-              <a:t>(IEEE, 2020)</a:t>
-            </a:r>
-          </a:p>
-          <a:p>
-            <a:pPr marL="285750" indent="-285750">
-              <a:buFont typeface="Arial" panose="020B0604020202020204" pitchFamily="34" charset="0"/>
-              <a:buChar char="•"/>
-            </a:pPr>
-            <a:r>
-              <a:rPr lang="de-DE" dirty="0"/>
-              <a:t>(Judy Arrays patent </a:t>
-            </a:r>
-            <a:r>
-              <a:rPr lang="de-DE" dirty="0" err="1"/>
-              <a:t>expired</a:t>
-            </a:r>
-            <a:r>
-              <a:rPr lang="de-DE" dirty="0"/>
-              <a:t> </a:t>
-            </a:r>
-            <a:r>
-              <a:rPr lang="de-DE" dirty="0" err="1"/>
-              <a:t>this</a:t>
-            </a:r>
-            <a:r>
-              <a:rPr lang="de-DE" dirty="0"/>
-              <a:t> </a:t>
-            </a:r>
-            <a:r>
-              <a:rPr lang="de-DE" dirty="0" err="1"/>
-              <a:t>year</a:t>
-            </a:r>
-            <a:r>
-              <a:rPr lang="de-DE" dirty="0"/>
-              <a:t>)</a:t>
-            </a:r>
-          </a:p>
-          <a:p>
-            <a:pPr marL="285750" indent="-285750">
-              <a:buFont typeface="Arial" panose="020B0604020202020204" pitchFamily="34" charset="0"/>
-              <a:buChar char="•"/>
-            </a:pPr>
-            <a:endParaRPr dirty="0"/>
-          </a:p>
-        </p:txBody>
-      </p:sp>
-    </p:spTree>
-    <p:extLst>
-      <p:ext uri="{BB962C8B-B14F-4D97-AF65-F5344CB8AC3E}">
-        <p14:creationId xmlns:p14="http://schemas.microsoft.com/office/powerpoint/2010/main" val="14024162"/>
       </p:ext>
     </p:extLst>
   </p:cSld>
@@ -29479,11 +28547,7 @@
             <p:ph type="sldNum" sz="quarter" idx="11"/>
           </p:nvPr>
         </p:nvSpPr>
-        <p:spPr>
-          <a:prstGeom prst="rect">
-            <a:avLst/>
-          </a:prstGeom>
-        </p:spPr>
+        <p:spPr/>
         <p:txBody>
           <a:bodyPr/>
           <a:lstStyle/>
@@ -29499,7 +28563,7 @@
       </p:sp>
       <p:sp>
         <p:nvSpPr>
-          <p:cNvPr id="6" name="Fußzeilenplatzhalter 4"/>
+          <p:cNvPr id="10" name="Fußzeilenplatzhalter 4"/>
           <p:cNvSpPr>
             <a:spLocks noGrp="1"/>
           </p:cNvSpPr>
@@ -29512,6 +28576,11 @@
           <a:bodyPr/>
           <a:lstStyle/>
           <a:p>
+            <a:pPr>
+              <a:spcAft>
+                <a:spcPts val="600"/>
+              </a:spcAft>
+            </a:pPr>
             <a:r>
               <a:rPr lang="de-DE" dirty="0"/>
               <a:t>Jonas Fritsch | The Adaptive Radix Tree</a:t>
@@ -29530,37 +28599,29 @@
             <p:ph type="title"/>
           </p:nvPr>
         </p:nvSpPr>
-        <p:spPr>
-          <a:prstGeom prst="rect">
-            <a:avLst/>
-          </a:prstGeom>
-        </p:spPr>
+        <p:spPr/>
         <p:txBody>
           <a:bodyPr/>
           <a:lstStyle/>
           <a:p>
             <a:r>
-              <a:rPr sz="3000" dirty="0"/>
-              <a:t>ART </a:t>
-            </a:r>
-            <a:r>
-              <a:rPr lang="de-DE" sz="3000" dirty="0"/>
-              <a:t>–</a:t>
-            </a:r>
-            <a:r>
-              <a:rPr sz="3000" dirty="0"/>
-              <a:t> Leaf Nodes</a:t>
-            </a:r>
-            <a:endParaRPr lang="de-DE" sz="3000" dirty="0"/>
-          </a:p>
-        </p:txBody>
-      </p:sp>
-      <p:sp>
-        <p:nvSpPr>
-          <p:cNvPr id="7" name="Inhaltsplatzhalter 1">
+              <a:rPr lang="de-DE" dirty="0"/>
+              <a:t>Summary &amp; </a:t>
+            </a:r>
+            <a:r>
+              <a:rPr lang="de-DE" dirty="0" err="1"/>
+              <a:t>Conclusion</a:t>
+            </a:r>
+            <a:endParaRPr lang="de-DE" dirty="0"/>
+          </a:p>
+        </p:txBody>
+      </p:sp>
+      <p:sp>
+        <p:nvSpPr>
+          <p:cNvPr id="11" name="Inhaltsplatzhalter 1">
             <a:extLst>
               <a:ext uri="{FF2B5EF4-FFF2-40B4-BE49-F238E27FC236}">
-                <a16:creationId xmlns:a16="http://schemas.microsoft.com/office/drawing/2014/main" id="{39E026B4-457A-F216-0A86-D12F37A57423}"/>
+                <a16:creationId xmlns:a16="http://schemas.microsoft.com/office/drawing/2014/main" id="{2E134AD9-4D70-D11E-1ED9-97E4A6B605D0}"/>
               </a:ext>
             </a:extLst>
           </p:cNvPr>
@@ -29583,11 +28644,11 @@
           <a:p>
             <a:r>
               <a:rPr b="1" dirty="0"/>
-              <a:t>Single-</a:t>
+              <a:t>ART </a:t>
             </a:r>
             <a:r>
               <a:rPr b="1" dirty="0" err="1"/>
-              <a:t>value</a:t>
+              <a:t>used</a:t>
             </a:r>
             <a:r>
               <a:rPr b="1" dirty="0"/>
@@ -29595,7 +28656,53 @@
             </a:r>
             <a:r>
               <a:rPr b="1" dirty="0" err="1"/>
-              <a:t>leaves</a:t>
+              <a:t>as</a:t>
+            </a:r>
+            <a:r>
+              <a:rPr b="1" dirty="0"/>
+              <a:t> index-</a:t>
+            </a:r>
+            <a:r>
+              <a:rPr b="1" dirty="0" err="1"/>
+              <a:t>structure</a:t>
+            </a:r>
+            <a:r>
+              <a:rPr b="1" dirty="0"/>
+              <a:t> in (at least) </a:t>
+            </a:r>
+            <a:r>
+              <a:rPr b="1" dirty="0" err="1"/>
+              <a:t>HyPer</a:t>
+            </a:r>
+            <a:endParaRPr b="1" dirty="0"/>
+          </a:p>
+          <a:p>
+            <a:endParaRPr lang="de-DE" b="1" dirty="0"/>
+          </a:p>
+          <a:p>
+            <a:r>
+              <a:rPr b="1" dirty="0"/>
+              <a:t>Further </a:t>
+            </a:r>
+            <a:r>
+              <a:rPr b="1" dirty="0" err="1"/>
+              <a:t>research</a:t>
+            </a:r>
+            <a:r>
+              <a:rPr b="1" dirty="0"/>
+              <a:t> </a:t>
+            </a:r>
+            <a:r>
+              <a:rPr b="1" dirty="0" err="1"/>
+              <a:t>being</a:t>
+            </a:r>
+            <a:r>
+              <a:rPr b="1" dirty="0"/>
+              <a:t> </a:t>
+            </a:r>
+            <a:r>
+              <a:rPr b="1" dirty="0" err="1"/>
+              <a:t>done</a:t>
             </a:r>
             <a:r>
               <a:rPr b="1" dirty="0"/>
@@ -29603,29 +28710,141 @@
             </a:r>
           </a:p>
           <a:p>
-            <a:r>
-              <a:rPr lang="de-DE" dirty="0"/>
-              <a:t>Use extra </a:t>
-            </a:r>
-            <a:r>
-              <a:rPr lang="de-DE" dirty="0" err="1"/>
-              <a:t>node</a:t>
-            </a:r>
-            <a:r>
-              <a:rPr lang="de-DE" dirty="0"/>
-              <a:t> type </a:t>
-            </a:r>
-            <a:r>
-              <a:rPr lang="de-DE" dirty="0" err="1"/>
+            <a:pPr marL="285750" indent="-285750">
+              <a:buFont typeface="Arial" panose="020B0604020202020204" pitchFamily="34" charset="0"/>
+              <a:buChar char="•"/>
+            </a:pPr>
+            <a:r>
+              <a:rPr lang="de-DE" dirty="0">
+                <a:hlinkClick r:id="rId2"/>
+              </a:rPr>
+              <a:t>The ART </a:t>
+            </a:r>
+            <a:r>
+              <a:rPr lang="de-DE" dirty="0" err="1">
+                <a:hlinkClick r:id="rId2"/>
+              </a:rPr>
+              <a:t>of</a:t>
+            </a:r>
+            <a:r>
+              <a:rPr lang="de-DE" dirty="0">
+                <a:hlinkClick r:id="rId2"/>
+              </a:rPr>
+              <a:t> </a:t>
+            </a:r>
+            <a:r>
+              <a:rPr lang="de-DE" dirty="0" err="1">
+                <a:hlinkClick r:id="rId2"/>
+              </a:rPr>
+              <a:t>practical</a:t>
+            </a:r>
+            <a:r>
+              <a:rPr lang="de-DE" dirty="0">
+                <a:hlinkClick r:id="rId2"/>
+              </a:rPr>
+              <a:t> </a:t>
+            </a:r>
+            <a:r>
+              <a:rPr lang="de-DE" dirty="0" err="1">
+                <a:hlinkClick r:id="rId2"/>
+              </a:rPr>
+              <a:t>synchronization</a:t>
+            </a:r>
+            <a:r>
+              <a:rPr lang="de-DE" dirty="0">
+                <a:hlinkClick r:id="rId2"/>
+              </a:rPr>
+              <a:t> </a:t>
+            </a:r>
+            <a:r>
+              <a:rPr lang="de-DE" dirty="0"/>
+              <a:t>(</a:t>
+            </a:r>
+            <a:r>
+              <a:rPr lang="de-DE" dirty="0" err="1"/>
+              <a:t>DaMoN</a:t>
+            </a:r>
+            <a:r>
+              <a:rPr lang="de-DE" dirty="0"/>
+              <a:t>, 2016)</a:t>
+            </a:r>
+          </a:p>
+          <a:p>
+            <a:pPr marL="285750" indent="-285750">
+              <a:buFont typeface="Arial" panose="020B0604020202020204" pitchFamily="34" charset="0"/>
+              <a:buChar char="•"/>
+            </a:pPr>
+            <a:r>
+              <a:rPr lang="de-DE" dirty="0">
+                <a:hlinkClick r:id="rId3"/>
+              </a:rPr>
+              <a:t>HOT: A Height </a:t>
+            </a:r>
+            <a:r>
+              <a:rPr lang="de-DE" dirty="0" err="1">
+                <a:hlinkClick r:id="rId3"/>
+              </a:rPr>
+              <a:t>Optimized</a:t>
+            </a:r>
+            <a:r>
+              <a:rPr lang="de-DE" dirty="0">
+                <a:hlinkClick r:id="rId3"/>
+              </a:rPr>
+              <a:t> Trie Index </a:t>
+            </a:r>
+            <a:r>
+              <a:rPr lang="de-DE" dirty="0" err="1">
+                <a:hlinkClick r:id="rId3"/>
+              </a:rPr>
               <a:t>for</a:t>
             </a:r>
             <a:r>
+              <a:rPr lang="de-DE" dirty="0">
+                <a:hlinkClick r:id="rId3"/>
+              </a:rPr>
+              <a:t> Main-Memory Database Systems</a:t>
+            </a:r>
+            <a:r>
+              <a:rPr lang="de-DE" dirty="0"/>
+              <a:t> (SIGMOD, 2018)</a:t>
+            </a:r>
+          </a:p>
+          <a:p>
+            <a:pPr marL="285750" indent="-285750">
+              <a:buFont typeface="Arial" panose="020B0604020202020204" pitchFamily="34" charset="0"/>
+              <a:buChar char="•"/>
+            </a:pPr>
+            <a:r>
+              <a:rPr lang="de-DE" dirty="0">
+                <a:hlinkClick r:id="rId4"/>
+              </a:rPr>
+              <a:t>START – Self-Tuning Adaptive Radix Tree </a:t>
+            </a:r>
+            <a:r>
+              <a:rPr lang="de-DE" dirty="0"/>
+              <a:t>(IEEE, 2020)</a:t>
+            </a:r>
+          </a:p>
+          <a:p>
+            <a:pPr marL="285750" indent="-285750">
+              <a:buFont typeface="Arial" panose="020B0604020202020204" pitchFamily="34" charset="0"/>
+              <a:buChar char="•"/>
+            </a:pPr>
+            <a:r>
+              <a:rPr lang="de-DE" dirty="0"/>
+              <a:t>(Judy Arrays patent </a:t>
+            </a:r>
+            <a:r>
+              <a:rPr lang="de-DE" dirty="0" err="1"/>
+              <a:t>expired</a:t>
+            </a:r>
+            <a:r>
               <a:rPr lang="de-DE" dirty="0"/>
               <a:t> </a:t>
             </a:r>
             <a:r>
               <a:rPr lang="de-DE" dirty="0" err="1"/>
-              <a:t>leaves</a:t>
+              <a:t>this</a:t>
             </a:r>
             <a:r>
               <a:rPr lang="de-DE" dirty="0"/>
@@ -29633,276 +28852,18 @@
             </a:r>
             <a:r>
               <a:rPr lang="de-DE" dirty="0" err="1"/>
-              <a:t>storing</a:t>
-            </a:r>
-            <a:r>
-              <a:rPr lang="de-DE" dirty="0"/>
-              <a:t> </a:t>
-            </a:r>
-            <a:r>
-              <a:rPr lang="de-DE" dirty="0" err="1"/>
-              <a:t>one</a:t>
-            </a:r>
-            <a:r>
-              <a:rPr lang="de-DE" dirty="0"/>
-              <a:t> </a:t>
-            </a:r>
-            <a:r>
-              <a:rPr lang="de-DE" dirty="0" err="1"/>
-              <a:t>value</a:t>
-            </a:r>
-            <a:endParaRPr lang="de-DE" dirty="0"/>
-          </a:p>
-          <a:p>
-            <a:endParaRPr lang="de-DE" dirty="0"/>
-          </a:p>
-          <a:p>
-            <a:r>
-              <a:rPr lang="de-DE" b="1" dirty="0"/>
-              <a:t>Multi-</a:t>
-            </a:r>
-            <a:r>
-              <a:rPr lang="de-DE" b="1" dirty="0" err="1"/>
-              <a:t>value</a:t>
-            </a:r>
-            <a:r>
-              <a:rPr lang="de-DE" b="1" dirty="0"/>
-              <a:t> </a:t>
-            </a:r>
-            <a:r>
-              <a:rPr lang="de-DE" b="1" dirty="0" err="1"/>
-              <a:t>leaves</a:t>
-            </a:r>
-            <a:r>
-              <a:rPr lang="de-DE" b="1" dirty="0"/>
-              <a:t>:</a:t>
-            </a:r>
-          </a:p>
-          <a:p>
-            <a:r>
-              <a:rPr lang="de-DE" dirty="0" err="1"/>
-              <a:t>If</a:t>
-            </a:r>
-            <a:r>
-              <a:rPr lang="de-DE" dirty="0"/>
-              <a:t> </a:t>
-            </a:r>
-            <a:r>
-              <a:rPr lang="de-DE" dirty="0" err="1"/>
-              <a:t>value</a:t>
-            </a:r>
-            <a:r>
-              <a:rPr lang="de-DE" dirty="0"/>
-              <a:t> </a:t>
-            </a:r>
-            <a:r>
-              <a:rPr lang="de-DE" dirty="0" err="1"/>
-              <a:t>fits</a:t>
-            </a:r>
-            <a:r>
-              <a:rPr lang="de-DE" dirty="0"/>
-              <a:t> </a:t>
-            </a:r>
-            <a:r>
-              <a:rPr lang="de-DE" dirty="0" err="1"/>
-              <a:t>into</a:t>
-            </a:r>
-            <a:r>
-              <a:rPr lang="de-DE" dirty="0"/>
-              <a:t> 64 </a:t>
-            </a:r>
-            <a:r>
-              <a:rPr lang="de-DE" dirty="0" err="1"/>
-              <a:t>bit</a:t>
-            </a:r>
-            <a:r>
-              <a:rPr lang="de-DE" dirty="0"/>
-              <a:t> (</a:t>
-            </a:r>
-            <a:r>
-              <a:rPr lang="de-DE" dirty="0" err="1"/>
-              <a:t>size</a:t>
-            </a:r>
-            <a:r>
-              <a:rPr lang="de-DE" dirty="0"/>
-              <a:t> </a:t>
-            </a:r>
-            <a:r>
-              <a:rPr lang="de-DE" dirty="0" err="1"/>
-              <a:t>of</a:t>
-            </a:r>
-            <a:r>
-              <a:rPr lang="de-DE" dirty="0"/>
-              <a:t> a </a:t>
-            </a:r>
-            <a:r>
-              <a:rPr lang="de-DE" dirty="0" err="1"/>
-              <a:t>pointer</a:t>
-            </a:r>
-            <a:r>
-              <a:rPr lang="de-DE" dirty="0"/>
-              <a:t>), just </a:t>
-            </a:r>
-            <a:r>
-              <a:rPr lang="de-DE" dirty="0" err="1"/>
-              <a:t>store</a:t>
-            </a:r>
-            <a:r>
-              <a:rPr lang="de-DE" dirty="0"/>
-              <a:t> </a:t>
-            </a:r>
-            <a:r>
-              <a:rPr lang="de-DE" dirty="0" err="1"/>
-              <a:t>it</a:t>
-            </a:r>
-            <a:r>
-              <a:rPr lang="de-DE" dirty="0"/>
-              <a:t> in </a:t>
-            </a:r>
-            <a:r>
-              <a:rPr lang="de-DE" dirty="0" err="1"/>
-              <a:t>pointer</a:t>
-            </a:r>
-            <a:r>
-              <a:rPr lang="de-DE" dirty="0"/>
-              <a:t> </a:t>
-            </a:r>
-            <a:r>
-              <a:rPr lang="de-DE" dirty="0" err="1"/>
-              <a:t>arrays</a:t>
-            </a:r>
-            <a:r>
-              <a:rPr lang="de-DE" dirty="0"/>
-              <a:t> </a:t>
-            </a:r>
-            <a:r>
-              <a:rPr lang="de-DE" dirty="0" err="1"/>
-              <a:t>of</a:t>
-            </a:r>
-            <a:r>
-              <a:rPr lang="de-DE" dirty="0"/>
-              <a:t> </a:t>
-            </a:r>
-            <a:r>
-              <a:rPr lang="de-DE" dirty="0" err="1"/>
-              <a:t>inner</a:t>
-            </a:r>
-            <a:r>
-              <a:rPr lang="de-DE" dirty="0"/>
-              <a:t> </a:t>
-            </a:r>
-            <a:r>
-              <a:rPr lang="de-DE" dirty="0" err="1"/>
-              <a:t>nodes</a:t>
-            </a:r>
-            <a:r>
-              <a:rPr lang="de-DE" dirty="0"/>
-              <a:t> </a:t>
-            </a:r>
-            <a:r>
-              <a:rPr lang="de-DE" dirty="0" err="1"/>
-              <a:t>instead</a:t>
-            </a:r>
-            <a:r>
-              <a:rPr lang="de-DE" dirty="0"/>
-              <a:t> </a:t>
-            </a:r>
-            <a:r>
-              <a:rPr lang="de-DE" dirty="0" err="1"/>
-              <a:t>of</a:t>
-            </a:r>
-            <a:r>
-              <a:rPr lang="de-DE" dirty="0"/>
-              <a:t> </a:t>
-            </a:r>
-            <a:r>
-              <a:rPr lang="de-DE" dirty="0" err="1"/>
-              <a:t>the</a:t>
-            </a:r>
-            <a:r>
-              <a:rPr lang="de-DE" dirty="0"/>
-              <a:t> </a:t>
-            </a:r>
-            <a:r>
-              <a:rPr lang="de-DE" dirty="0" err="1"/>
-              <a:t>pointer</a:t>
-            </a:r>
-            <a:r>
-              <a:rPr lang="de-DE" dirty="0"/>
-              <a:t> (</a:t>
-            </a:r>
-            <a:r>
-              <a:rPr lang="de-DE" dirty="0" err="1"/>
-              <a:t>use</a:t>
-            </a:r>
-            <a:r>
-              <a:rPr lang="de-DE" dirty="0"/>
-              <a:t> 1 </a:t>
-            </a:r>
-            <a:r>
-              <a:rPr lang="de-DE" dirty="0" err="1"/>
-              <a:t>bit</a:t>
-            </a:r>
-            <a:r>
-              <a:rPr lang="de-DE" dirty="0"/>
-              <a:t> </a:t>
-            </a:r>
-            <a:r>
-              <a:rPr lang="de-DE" dirty="0" err="1"/>
-              <a:t>or</a:t>
-            </a:r>
-            <a:r>
-              <a:rPr lang="de-DE" dirty="0"/>
-              <a:t> </a:t>
-            </a:r>
-            <a:r>
-              <a:rPr lang="de-DE" dirty="0" err="1"/>
-              <a:t>pointer</a:t>
-            </a:r>
-            <a:r>
-              <a:rPr lang="de-DE" dirty="0"/>
-              <a:t> </a:t>
-            </a:r>
-            <a:r>
-              <a:rPr lang="de-DE" dirty="0" err="1"/>
-              <a:t>tagging</a:t>
-            </a:r>
-            <a:r>
-              <a:rPr lang="de-DE" dirty="0"/>
-              <a:t> </a:t>
-            </a:r>
-            <a:r>
-              <a:rPr lang="de-DE" dirty="0" err="1"/>
-              <a:t>to</a:t>
-            </a:r>
-            <a:r>
-              <a:rPr lang="de-DE" dirty="0"/>
-              <a:t> </a:t>
-            </a:r>
-            <a:r>
-              <a:rPr lang="de-DE" dirty="0" err="1"/>
-              <a:t>distinguish</a:t>
-            </a:r>
-            <a:r>
-              <a:rPr lang="de-DE" dirty="0"/>
-              <a:t> </a:t>
-            </a:r>
-            <a:r>
-              <a:rPr lang="de-DE" dirty="0" err="1"/>
-              <a:t>pointers</a:t>
-            </a:r>
-            <a:r>
-              <a:rPr lang="de-DE" dirty="0"/>
-              <a:t> and </a:t>
-            </a:r>
-            <a:r>
-              <a:rPr lang="de-DE" dirty="0" err="1"/>
-              <a:t>values</a:t>
+              <a:t>year</a:t>
             </a:r>
             <a:r>
               <a:rPr lang="de-DE" dirty="0"/>
               <a:t>)</a:t>
             </a:r>
+          </a:p>
+          <a:p>
+            <a:pPr marL="285750" indent="-285750">
+              <a:buFont typeface="Arial" panose="020B0604020202020204" pitchFamily="34" charset="0"/>
+              <a:buChar char="•"/>
+            </a:pPr>
             <a:endParaRPr dirty="0"/>
           </a:p>
         </p:txBody>
@@ -29910,7 +28871,7 @@
     </p:spTree>
     <p:extLst>
       <p:ext uri="{BB962C8B-B14F-4D97-AF65-F5344CB8AC3E}">
-        <p14:creationId xmlns:p14="http://schemas.microsoft.com/office/powerpoint/2010/main" val="3261259584"/>
+        <p14:creationId xmlns:p14="http://schemas.microsoft.com/office/powerpoint/2010/main" val="14024162"/>
       </p:ext>
     </p:extLst>
   </p:cSld>
@@ -30017,104 +28978,368 @@
             </a:r>
             <a:r>
               <a:rPr sz="3000" dirty="0"/>
-              <a:t> Search</a:t>
+              <a:t> Leaf Nodes</a:t>
             </a:r>
             <a:endParaRPr lang="de-DE" sz="3000" dirty="0"/>
           </a:p>
         </p:txBody>
       </p:sp>
-      <p:pic>
-        <p:nvPicPr>
-          <p:cNvPr id="9" name="Content Placeholder 8" descr="Text, letter&#10;&#10;Description automatically generated">
+      <p:sp>
+        <p:nvSpPr>
+          <p:cNvPr id="7" name="Inhaltsplatzhalter 1">
             <a:extLst>
               <a:ext uri="{FF2B5EF4-FFF2-40B4-BE49-F238E27FC236}">
-                <a16:creationId xmlns:a16="http://schemas.microsoft.com/office/drawing/2014/main" id="{407BFE36-6742-CCC3-1239-FCFB07E60DB3}"/>
+                <a16:creationId xmlns:a16="http://schemas.microsoft.com/office/drawing/2014/main" id="{39E026B4-457A-F216-0A86-D12F37A57423}"/>
               </a:ext>
             </a:extLst>
           </p:cNvPr>
-          <p:cNvPicPr>
-            <a:picLocks noGrp="1" noChangeAspect="1"/>
-          </p:cNvPicPr>
+          <p:cNvSpPr>
+            <a:spLocks noGrp="1"/>
+          </p:cNvSpPr>
           <p:nvPr>
             <p:ph idx="1"/>
           </p:nvPr>
-        </p:nvPicPr>
-        <p:blipFill>
-          <a:blip r:embed="rId3"/>
-          <a:stretch>
-            <a:fillRect/>
-          </a:stretch>
-        </p:blipFill>
+        </p:nvSpPr>
         <p:spPr>
           <a:xfrm>
-            <a:off x="1544215" y="2696965"/>
-            <a:ext cx="6058746" cy="2829320"/>
+            <a:off x="319090" y="1762188"/>
+            <a:ext cx="8508999" cy="4699572"/>
           </a:xfrm>
         </p:spPr>
-      </p:pic>
-      <p:sp>
-        <p:nvSpPr>
-          <p:cNvPr id="10" name="TextBox 9">
-            <a:extLst>
-              <a:ext uri="{FF2B5EF4-FFF2-40B4-BE49-F238E27FC236}">
-                <a16:creationId xmlns:a16="http://schemas.microsoft.com/office/drawing/2014/main" id="{F71D3C7C-8C47-A56C-A845-2B6E92ECEF79}"/>
-              </a:ext>
-            </a:extLst>
-          </p:cNvPr>
-          <p:cNvSpPr txBox="1"/>
-          <p:nvPr/>
-        </p:nvSpPr>
-        <p:spPr>
-          <a:xfrm>
-            <a:off x="311162" y="6298789"/>
-            <a:ext cx="8635130" cy="193002"/>
-          </a:xfrm>
-          <a:prstGeom prst="rect">
-            <a:avLst/>
-          </a:prstGeom>
-          <a:noFill/>
-        </p:spPr>
-        <p:txBody>
-          <a:bodyPr wrap="square" lIns="0" tIns="0" rIns="0" bIns="0" rtlCol="0">
-            <a:spAutoFit/>
-          </a:bodyPr>
+        <p:txBody>
+          <a:bodyPr/>
           <a:lstStyle/>
           <a:p>
-            <a:pPr>
-              <a:lnSpc>
-                <a:spcPct val="114000"/>
-              </a:lnSpc>
-            </a:pPr>
-            <a:r>
-              <a:rPr lang="en-US" sz="1200" b="1" dirty="0"/>
-              <a:t>Source: </a:t>
-            </a:r>
-            <a:r>
-              <a:rPr lang="en-US" sz="1200" dirty="0">
-                <a:hlinkClick r:id="rId4"/>
-              </a:rPr>
-              <a:t>The adaptive radix tree: </a:t>
-            </a:r>
-            <a:r>
-              <a:rPr lang="en-US" sz="1200" dirty="0" err="1">
-                <a:hlinkClick r:id="rId4"/>
-              </a:rPr>
-              <a:t>ARTful</a:t>
-            </a:r>
-            <a:r>
-              <a:rPr lang="en-US" sz="1200" dirty="0">
-                <a:hlinkClick r:id="rId4"/>
-              </a:rPr>
-              <a:t> indexing for main-memory databases. IEEE, 2013</a:t>
-            </a:r>
-            <a:endParaRPr lang="en-US" sz="1200" dirty="0"/>
+            <a:r>
+              <a:rPr b="1" dirty="0"/>
+              <a:t>Single-</a:t>
+            </a:r>
+            <a:r>
+              <a:rPr b="1" dirty="0" err="1"/>
+              <a:t>value</a:t>
+            </a:r>
+            <a:r>
+              <a:rPr b="1" dirty="0"/>
+              <a:t> </a:t>
+            </a:r>
+            <a:r>
+              <a:rPr b="1" dirty="0" err="1"/>
+              <a:t>leaves</a:t>
+            </a:r>
+            <a:r>
+              <a:rPr b="1" dirty="0"/>
+              <a:t>:</a:t>
+            </a:r>
+          </a:p>
+          <a:p>
+            <a:r>
+              <a:rPr lang="de-DE" dirty="0"/>
+              <a:t>Use extra </a:t>
+            </a:r>
+            <a:r>
+              <a:rPr lang="de-DE" dirty="0" err="1"/>
+              <a:t>node</a:t>
+            </a:r>
+            <a:r>
+              <a:rPr lang="de-DE" dirty="0"/>
+              <a:t> type </a:t>
+            </a:r>
+            <a:r>
+              <a:rPr lang="de-DE" dirty="0" err="1"/>
+              <a:t>for</a:t>
+            </a:r>
+            <a:r>
+              <a:rPr lang="de-DE" dirty="0"/>
+              <a:t> </a:t>
+            </a:r>
+            <a:r>
+              <a:rPr lang="de-DE" dirty="0" err="1"/>
+              <a:t>leaves</a:t>
+            </a:r>
+            <a:r>
+              <a:rPr lang="de-DE" dirty="0"/>
+              <a:t> </a:t>
+            </a:r>
+            <a:r>
+              <a:rPr lang="de-DE" dirty="0" err="1"/>
+              <a:t>storing</a:t>
+            </a:r>
+            <a:r>
+              <a:rPr lang="de-DE" dirty="0"/>
+              <a:t> </a:t>
+            </a:r>
+            <a:r>
+              <a:rPr lang="de-DE" dirty="0" err="1"/>
+              <a:t>one</a:t>
+            </a:r>
+            <a:r>
+              <a:rPr lang="de-DE" dirty="0"/>
+              <a:t> </a:t>
+            </a:r>
+            <a:r>
+              <a:rPr lang="de-DE" dirty="0" err="1"/>
+              <a:t>value</a:t>
+            </a:r>
+            <a:endParaRPr lang="de-DE" dirty="0"/>
+          </a:p>
+          <a:p>
+            <a:endParaRPr lang="de-DE" dirty="0"/>
+          </a:p>
+          <a:p>
+            <a:r>
+              <a:rPr lang="de-DE" b="1" dirty="0"/>
+              <a:t>Multi-</a:t>
+            </a:r>
+            <a:r>
+              <a:rPr lang="de-DE" b="1" dirty="0" err="1"/>
+              <a:t>value</a:t>
+            </a:r>
+            <a:r>
+              <a:rPr lang="de-DE" b="1" dirty="0"/>
+              <a:t> </a:t>
+            </a:r>
+            <a:r>
+              <a:rPr lang="de-DE" b="1" dirty="0" err="1"/>
+              <a:t>leaves</a:t>
+            </a:r>
+            <a:r>
+              <a:rPr lang="de-DE" b="1" dirty="0"/>
+              <a:t>:</a:t>
+            </a:r>
+          </a:p>
+          <a:p>
+            <a:r>
+              <a:rPr lang="de-DE" dirty="0" err="1"/>
+              <a:t>If</a:t>
+            </a:r>
+            <a:r>
+              <a:rPr lang="de-DE" dirty="0"/>
+              <a:t> </a:t>
+            </a:r>
+            <a:r>
+              <a:rPr lang="de-DE" dirty="0" err="1"/>
+              <a:t>value</a:t>
+            </a:r>
+            <a:r>
+              <a:rPr lang="de-DE" dirty="0"/>
+              <a:t> </a:t>
+            </a:r>
+            <a:r>
+              <a:rPr lang="de-DE" dirty="0" err="1"/>
+              <a:t>fits</a:t>
+            </a:r>
+            <a:r>
+              <a:rPr lang="de-DE" dirty="0"/>
+              <a:t> </a:t>
+            </a:r>
+            <a:r>
+              <a:rPr lang="de-DE" dirty="0" err="1"/>
+              <a:t>into</a:t>
+            </a:r>
+            <a:r>
+              <a:rPr lang="de-DE" dirty="0"/>
+              <a:t> 64 </a:t>
+            </a:r>
+            <a:r>
+              <a:rPr lang="de-DE" dirty="0" err="1"/>
+              <a:t>bit</a:t>
+            </a:r>
+            <a:r>
+              <a:rPr lang="de-DE" dirty="0"/>
+              <a:t> (</a:t>
+            </a:r>
+            <a:r>
+              <a:rPr lang="de-DE" dirty="0" err="1"/>
+              <a:t>size</a:t>
+            </a:r>
+            <a:r>
+              <a:rPr lang="de-DE" dirty="0"/>
+              <a:t> </a:t>
+            </a:r>
+            <a:r>
+              <a:rPr lang="de-DE" dirty="0" err="1"/>
+              <a:t>of</a:t>
+            </a:r>
+            <a:r>
+              <a:rPr lang="de-DE" dirty="0"/>
+              <a:t> a </a:t>
+            </a:r>
+            <a:r>
+              <a:rPr lang="de-DE" dirty="0" err="1"/>
+              <a:t>pointer</a:t>
+            </a:r>
+            <a:r>
+              <a:rPr lang="de-DE" dirty="0"/>
+              <a:t>), just </a:t>
+            </a:r>
+            <a:r>
+              <a:rPr lang="de-DE" dirty="0" err="1"/>
+              <a:t>store</a:t>
+            </a:r>
+            <a:r>
+              <a:rPr lang="de-DE" dirty="0"/>
+              <a:t> </a:t>
+            </a:r>
+            <a:r>
+              <a:rPr lang="de-DE" dirty="0" err="1"/>
+              <a:t>it</a:t>
+            </a:r>
+            <a:r>
+              <a:rPr lang="de-DE" dirty="0"/>
+              <a:t> in </a:t>
+            </a:r>
+            <a:r>
+              <a:rPr lang="de-DE" dirty="0" err="1"/>
+              <a:t>pointer</a:t>
+            </a:r>
+            <a:r>
+              <a:rPr lang="de-DE" dirty="0"/>
+              <a:t> </a:t>
+            </a:r>
+            <a:r>
+              <a:rPr lang="de-DE" dirty="0" err="1"/>
+              <a:t>arrays</a:t>
+            </a:r>
+            <a:r>
+              <a:rPr lang="de-DE" dirty="0"/>
+              <a:t> </a:t>
+            </a:r>
+            <a:r>
+              <a:rPr lang="de-DE" dirty="0" err="1"/>
+              <a:t>of</a:t>
+            </a:r>
+            <a:r>
+              <a:rPr lang="de-DE" dirty="0"/>
+              <a:t> </a:t>
+            </a:r>
+            <a:r>
+              <a:rPr lang="de-DE" dirty="0" err="1"/>
+              <a:t>inner</a:t>
+            </a:r>
+            <a:r>
+              <a:rPr lang="de-DE" dirty="0"/>
+              <a:t> </a:t>
+            </a:r>
+            <a:r>
+              <a:rPr lang="de-DE" dirty="0" err="1"/>
+              <a:t>nodes</a:t>
+            </a:r>
+            <a:r>
+              <a:rPr lang="de-DE" dirty="0"/>
+              <a:t> </a:t>
+            </a:r>
+            <a:r>
+              <a:rPr lang="de-DE" dirty="0" err="1"/>
+              <a:t>instead</a:t>
+            </a:r>
+            <a:r>
+              <a:rPr lang="de-DE" dirty="0"/>
+              <a:t> </a:t>
+            </a:r>
+            <a:r>
+              <a:rPr lang="de-DE" dirty="0" err="1"/>
+              <a:t>of</a:t>
+            </a:r>
+            <a:r>
+              <a:rPr lang="de-DE" dirty="0"/>
+              <a:t> </a:t>
+            </a:r>
+            <a:r>
+              <a:rPr lang="de-DE" dirty="0" err="1"/>
+              <a:t>the</a:t>
+            </a:r>
+            <a:r>
+              <a:rPr lang="de-DE" dirty="0"/>
+              <a:t> </a:t>
+            </a:r>
+            <a:r>
+              <a:rPr lang="de-DE" dirty="0" err="1"/>
+              <a:t>pointer</a:t>
+            </a:r>
+            <a:r>
+              <a:rPr lang="de-DE" dirty="0"/>
+              <a:t> (</a:t>
+            </a:r>
+            <a:r>
+              <a:rPr lang="de-DE" dirty="0" err="1"/>
+              <a:t>use</a:t>
+            </a:r>
+            <a:r>
+              <a:rPr lang="de-DE" dirty="0"/>
+              <a:t> 1 </a:t>
+            </a:r>
+            <a:r>
+              <a:rPr lang="de-DE" dirty="0" err="1"/>
+              <a:t>bit</a:t>
+            </a:r>
+            <a:r>
+              <a:rPr lang="de-DE" dirty="0"/>
+              <a:t> </a:t>
+            </a:r>
+            <a:r>
+              <a:rPr lang="de-DE" dirty="0" err="1"/>
+              <a:t>or</a:t>
+            </a:r>
+            <a:r>
+              <a:rPr lang="de-DE" dirty="0"/>
+              <a:t> </a:t>
+            </a:r>
+            <a:r>
+              <a:rPr lang="de-DE" dirty="0" err="1"/>
+              <a:t>pointer</a:t>
+            </a:r>
+            <a:r>
+              <a:rPr lang="de-DE" dirty="0"/>
+              <a:t> </a:t>
+            </a:r>
+            <a:r>
+              <a:rPr lang="de-DE" dirty="0" err="1"/>
+              <a:t>tagging</a:t>
+            </a:r>
+            <a:r>
+              <a:rPr lang="de-DE" dirty="0"/>
+              <a:t> </a:t>
+            </a:r>
+            <a:r>
+              <a:rPr lang="de-DE" dirty="0" err="1"/>
+              <a:t>to</a:t>
+            </a:r>
+            <a:r>
+              <a:rPr lang="de-DE" dirty="0"/>
+              <a:t> </a:t>
+            </a:r>
+            <a:r>
+              <a:rPr lang="de-DE" dirty="0" err="1"/>
+              <a:t>distinguish</a:t>
+            </a:r>
+            <a:r>
+              <a:rPr lang="de-DE" dirty="0"/>
+              <a:t> </a:t>
+            </a:r>
+            <a:r>
+              <a:rPr lang="de-DE" dirty="0" err="1"/>
+              <a:t>pointers</a:t>
+            </a:r>
+            <a:r>
+              <a:rPr lang="de-DE" dirty="0"/>
+              <a:t> and </a:t>
+            </a:r>
+            <a:r>
+              <a:rPr lang="de-DE" dirty="0" err="1"/>
+              <a:t>values</a:t>
+            </a:r>
+            <a:r>
+              <a:rPr lang="de-DE" dirty="0"/>
+              <a:t>)</a:t>
+            </a:r>
+            <a:endParaRPr dirty="0"/>
           </a:p>
         </p:txBody>
       </p:sp>
     </p:spTree>
     <p:extLst>
       <p:ext uri="{BB962C8B-B14F-4D97-AF65-F5344CB8AC3E}">
-        <p14:creationId xmlns:p14="http://schemas.microsoft.com/office/powerpoint/2010/main" val="3651198962"/>
+        <p14:creationId xmlns:p14="http://schemas.microsoft.com/office/powerpoint/2010/main" val="3261259584"/>
       </p:ext>
     </p:extLst>
   </p:cSld>
@@ -30366,6 +29591,210 @@
               <a:rPr lang="de-DE" smtClean="0"/>
               <a:pPr/>
               <a:t>30</a:t>
+            </a:fld>
+            <a:endParaRPr lang="de-DE" dirty="0"/>
+          </a:p>
+        </p:txBody>
+      </p:sp>
+      <p:sp>
+        <p:nvSpPr>
+          <p:cNvPr id="6" name="Fußzeilenplatzhalter 4"/>
+          <p:cNvSpPr>
+            <a:spLocks noGrp="1"/>
+          </p:cNvSpPr>
+          <p:nvPr>
+            <p:ph type="ftr" sz="quarter" idx="12"/>
+          </p:nvPr>
+        </p:nvSpPr>
+        <p:spPr/>
+        <p:txBody>
+          <a:bodyPr/>
+          <a:lstStyle/>
+          <a:p>
+            <a:r>
+              <a:rPr lang="de-DE" dirty="0"/>
+              <a:t>Jonas Fritsch | The Adaptive Radix Tree</a:t>
+            </a:r>
+            <a:endParaRPr lang="en-US" dirty="0"/>
+          </a:p>
+        </p:txBody>
+      </p:sp>
+      <p:sp>
+        <p:nvSpPr>
+          <p:cNvPr id="3" name="Titel 2"/>
+          <p:cNvSpPr>
+            <a:spLocks noGrp="1"/>
+          </p:cNvSpPr>
+          <p:nvPr>
+            <p:ph type="title"/>
+          </p:nvPr>
+        </p:nvSpPr>
+        <p:spPr>
+          <a:prstGeom prst="rect">
+            <a:avLst/>
+          </a:prstGeom>
+        </p:spPr>
+        <p:txBody>
+          <a:bodyPr/>
+          <a:lstStyle/>
+          <a:p>
+            <a:r>
+              <a:rPr sz="3000" dirty="0"/>
+              <a:t>ART </a:t>
+            </a:r>
+            <a:r>
+              <a:rPr lang="de-DE" sz="3000" dirty="0"/>
+              <a:t>–</a:t>
+            </a:r>
+            <a:r>
+              <a:rPr sz="3000" dirty="0"/>
+              <a:t> Search</a:t>
+            </a:r>
+            <a:endParaRPr lang="de-DE" sz="3000" dirty="0"/>
+          </a:p>
+        </p:txBody>
+      </p:sp>
+      <p:pic>
+        <p:nvPicPr>
+          <p:cNvPr id="9" name="Content Placeholder 8" descr="Text, letter&#10;&#10;Description automatically generated">
+            <a:extLst>
+              <a:ext uri="{FF2B5EF4-FFF2-40B4-BE49-F238E27FC236}">
+                <a16:creationId xmlns:a16="http://schemas.microsoft.com/office/drawing/2014/main" id="{407BFE36-6742-CCC3-1239-FCFB07E60DB3}"/>
+              </a:ext>
+            </a:extLst>
+          </p:cNvPr>
+          <p:cNvPicPr>
+            <a:picLocks noGrp="1" noChangeAspect="1"/>
+          </p:cNvPicPr>
+          <p:nvPr>
+            <p:ph idx="1"/>
+          </p:nvPr>
+        </p:nvPicPr>
+        <p:blipFill>
+          <a:blip r:embed="rId3"/>
+          <a:stretch>
+            <a:fillRect/>
+          </a:stretch>
+        </p:blipFill>
+        <p:spPr>
+          <a:xfrm>
+            <a:off x="1544215" y="2696965"/>
+            <a:ext cx="6058746" cy="2829320"/>
+          </a:xfrm>
+        </p:spPr>
+      </p:pic>
+      <p:sp>
+        <p:nvSpPr>
+          <p:cNvPr id="10" name="TextBox 9">
+            <a:extLst>
+              <a:ext uri="{FF2B5EF4-FFF2-40B4-BE49-F238E27FC236}">
+                <a16:creationId xmlns:a16="http://schemas.microsoft.com/office/drawing/2014/main" id="{F71D3C7C-8C47-A56C-A845-2B6E92ECEF79}"/>
+              </a:ext>
+            </a:extLst>
+          </p:cNvPr>
+          <p:cNvSpPr txBox="1"/>
+          <p:nvPr/>
+        </p:nvSpPr>
+        <p:spPr>
+          <a:xfrm>
+            <a:off x="311162" y="6298789"/>
+            <a:ext cx="8635130" cy="193002"/>
+          </a:xfrm>
+          <a:prstGeom prst="rect">
+            <a:avLst/>
+          </a:prstGeom>
+          <a:noFill/>
+        </p:spPr>
+        <p:txBody>
+          <a:bodyPr wrap="square" lIns="0" tIns="0" rIns="0" bIns="0" rtlCol="0">
+            <a:spAutoFit/>
+          </a:bodyPr>
+          <a:lstStyle/>
+          <a:p>
+            <a:pPr>
+              <a:lnSpc>
+                <a:spcPct val="114000"/>
+              </a:lnSpc>
+            </a:pPr>
+            <a:r>
+              <a:rPr lang="en-US" sz="1200" b="1" dirty="0"/>
+              <a:t>Source: </a:t>
+            </a:r>
+            <a:r>
+              <a:rPr lang="en-US" sz="1200" dirty="0">
+                <a:hlinkClick r:id="rId4"/>
+              </a:rPr>
+              <a:t>The adaptive radix tree: </a:t>
+            </a:r>
+            <a:r>
+              <a:rPr lang="en-US" sz="1200" dirty="0" err="1">
+                <a:hlinkClick r:id="rId4"/>
+              </a:rPr>
+              <a:t>ARTful</a:t>
+            </a:r>
+            <a:r>
+              <a:rPr lang="en-US" sz="1200" dirty="0">
+                <a:hlinkClick r:id="rId4"/>
+              </a:rPr>
+              <a:t> indexing for main-memory databases. IEEE, 2013</a:t>
+            </a:r>
+            <a:endParaRPr lang="en-US" sz="1200" dirty="0"/>
+          </a:p>
+        </p:txBody>
+      </p:sp>
+    </p:spTree>
+    <p:extLst>
+      <p:ext uri="{BB962C8B-B14F-4D97-AF65-F5344CB8AC3E}">
+        <p14:creationId xmlns:p14="http://schemas.microsoft.com/office/powerpoint/2010/main" val="3651198962"/>
+      </p:ext>
+    </p:extLst>
+  </p:cSld>
+  <p:clrMapOvr>
+    <a:masterClrMapping/>
+  </p:clrMapOvr>
+</p:sld>
+</file>
+
+<file path=ppt/slides/slide31.xml><?xml version="1.0" encoding="utf-8"?>
+<p:sld xmlns:a="http://schemas.openxmlformats.org/drawingml/2006/main" xmlns:r="http://schemas.openxmlformats.org/officeDocument/2006/relationships" xmlns:p="http://schemas.openxmlformats.org/presentationml/2006/main">
+  <p:cSld>
+    <p:spTree>
+      <p:nvGrpSpPr>
+        <p:cNvPr id="1" name=""/>
+        <p:cNvGrpSpPr/>
+        <p:nvPr/>
+      </p:nvGrpSpPr>
+      <p:grpSpPr>
+        <a:xfrm>
+          <a:off x="0" y="0"/>
+          <a:ext cx="0" cy="0"/>
+          <a:chOff x="0" y="0"/>
+          <a:chExt cx="0" cy="0"/>
+        </a:xfrm>
+      </p:grpSpPr>
+      <p:sp>
+        <p:nvSpPr>
+          <p:cNvPr id="4" name="Foliennummernplatzhalter 3"/>
+          <p:cNvSpPr>
+            <a:spLocks noGrp="1"/>
+          </p:cNvSpPr>
+          <p:nvPr>
+            <p:ph type="sldNum" sz="quarter" idx="11"/>
+          </p:nvPr>
+        </p:nvSpPr>
+        <p:spPr>
+          <a:prstGeom prst="rect">
+            <a:avLst/>
+          </a:prstGeom>
+        </p:spPr>
+        <p:txBody>
+          <a:bodyPr/>
+          <a:lstStyle/>
+          <a:p>
+            <a:fld id="{CE58CB1E-F828-4F11-99E0-327109AF9DA4}" type="slidenum">
+              <a:rPr lang="de-DE" smtClean="0"/>
+              <a:pPr/>
+              <a:t>31</a:t>
             </a:fld>
             <a:endParaRPr lang="de-DE" dirty="0"/>
           </a:p>
@@ -30530,7 +29959,7 @@
 </p:sld>
 </file>
 
-<file path=ppt/slides/slide31.xml><?xml version="1.0" encoding="utf-8"?>
+<file path=ppt/slides/slide32.xml><?xml version="1.0" encoding="utf-8"?>
 <p:sld xmlns:a="http://schemas.openxmlformats.org/drawingml/2006/main" xmlns:r="http://schemas.openxmlformats.org/officeDocument/2006/relationships" xmlns:p="http://schemas.openxmlformats.org/presentationml/2006/main">
   <p:cSld>
     <p:spTree>
@@ -30569,7 +29998,7 @@
             <a:fld id="{CE58CB1E-F828-4F11-99E0-327109AF9DA4}" type="slidenum">
               <a:rPr lang="de-DE" smtClean="0"/>
               <a:pPr/>
-              <a:t>31</a:t>
+              <a:t>32</a:t>
             </a:fld>
             <a:endParaRPr lang="de-DE" dirty="0"/>
           </a:p>
@@ -30734,7 +30163,7 @@
 </p:sld>
 </file>
 
-<file path=ppt/slides/slide32.xml><?xml version="1.0" encoding="utf-8"?>
+<file path=ppt/slides/slide33.xml><?xml version="1.0" encoding="utf-8"?>
 <p:sld xmlns:a="http://schemas.openxmlformats.org/drawingml/2006/main" xmlns:r="http://schemas.openxmlformats.org/officeDocument/2006/relationships" xmlns:p="http://schemas.openxmlformats.org/presentationml/2006/main">
   <p:cSld>
     <p:spTree>
@@ -30773,7 +30202,7 @@
             <a:fld id="{CE58CB1E-F828-4F11-99E0-327109AF9DA4}" type="slidenum">
               <a:rPr lang="de-DE" smtClean="0"/>
               <a:pPr/>
-              <a:t>32</a:t>
+              <a:t>33</a:t>
             </a:fld>
             <a:endParaRPr lang="de-DE" dirty="0"/>
           </a:p>
@@ -30938,7 +30367,7 @@
 </p:sld>
 </file>
 
-<file path=ppt/slides/slide33.xml><?xml version="1.0" encoding="utf-8"?>
+<file path=ppt/slides/slide34.xml><?xml version="1.0" encoding="utf-8"?>
 <p:sld xmlns:a="http://schemas.openxmlformats.org/drawingml/2006/main" xmlns:r="http://schemas.openxmlformats.org/officeDocument/2006/relationships" xmlns:p="http://schemas.openxmlformats.org/presentationml/2006/main">
   <p:cSld>
     <p:spTree>
@@ -30977,7 +30406,7 @@
             <a:fld id="{CE58CB1E-F828-4F11-99E0-327109AF9DA4}" type="slidenum">
               <a:rPr lang="de-DE" smtClean="0"/>
               <a:pPr/>
-              <a:t>33</a:t>
+              <a:t>34</a:t>
             </a:fld>
             <a:endParaRPr lang="de-DE" dirty="0"/>
           </a:p>
@@ -31146,7 +30575,7 @@
 </p:sld>
 </file>
 
-<file path=ppt/slides/slide34.xml><?xml version="1.0" encoding="utf-8"?>
+<file path=ppt/slides/slide35.xml><?xml version="1.0" encoding="utf-8"?>
 <p:sld xmlns:a="http://schemas.openxmlformats.org/drawingml/2006/main" xmlns:r="http://schemas.openxmlformats.org/officeDocument/2006/relationships" xmlns:p="http://schemas.openxmlformats.org/presentationml/2006/main">
   <p:cSld>
     <p:spTree>
@@ -31197,7 +30626,7 @@
                   <a:spcPts val="600"/>
                 </a:spcAft>
               </a:pPr>
-              <a:t>34</a:t>
+              <a:t>35</a:t>
             </a:fld>
             <a:endParaRPr lang="de-DE"/>
           </a:p>
@@ -31376,214 +30805,6 @@
 </p:sld>
 </file>
 
-<file path=ppt/slides/slide35.xml><?xml version="1.0" encoding="utf-8"?>
-<p:sld xmlns:a="http://schemas.openxmlformats.org/drawingml/2006/main" xmlns:r="http://schemas.openxmlformats.org/officeDocument/2006/relationships" xmlns:p="http://schemas.openxmlformats.org/presentationml/2006/main">
-  <p:cSld>
-    <p:spTree>
-      <p:nvGrpSpPr>
-        <p:cNvPr id="1" name=""/>
-        <p:cNvGrpSpPr/>
-        <p:nvPr/>
-      </p:nvGrpSpPr>
-      <p:grpSpPr>
-        <a:xfrm>
-          <a:off x="0" y="0"/>
-          <a:ext cx="0" cy="0"/>
-          <a:chOff x="0" y="0"/>
-          <a:chExt cx="0" cy="0"/>
-        </a:xfrm>
-      </p:grpSpPr>
-      <p:sp>
-        <p:nvSpPr>
-          <p:cNvPr id="4" name="Foliennummernplatzhalter 3"/>
-          <p:cNvSpPr>
-            <a:spLocks noGrp="1"/>
-          </p:cNvSpPr>
-          <p:nvPr>
-            <p:ph type="sldNum" sz="quarter" idx="11"/>
-          </p:nvPr>
-        </p:nvSpPr>
-        <p:spPr>
-          <a:prstGeom prst="rect">
-            <a:avLst/>
-          </a:prstGeom>
-        </p:spPr>
-        <p:txBody>
-          <a:bodyPr/>
-          <a:lstStyle/>
-          <a:p>
-            <a:fld id="{CE58CB1E-F828-4F11-99E0-327109AF9DA4}" type="slidenum">
-              <a:rPr lang="de-DE" smtClean="0"/>
-              <a:pPr/>
-              <a:t>35</a:t>
-            </a:fld>
-            <a:endParaRPr lang="de-DE" dirty="0"/>
-          </a:p>
-        </p:txBody>
-      </p:sp>
-      <p:sp>
-        <p:nvSpPr>
-          <p:cNvPr id="6" name="Fußzeilenplatzhalter 4"/>
-          <p:cNvSpPr>
-            <a:spLocks noGrp="1"/>
-          </p:cNvSpPr>
-          <p:nvPr>
-            <p:ph type="ftr" sz="quarter" idx="12"/>
-          </p:nvPr>
-        </p:nvSpPr>
-        <p:spPr/>
-        <p:txBody>
-          <a:bodyPr/>
-          <a:lstStyle/>
-          <a:p>
-            <a:r>
-              <a:rPr lang="de-DE" dirty="0"/>
-              <a:t>Jonas Fritsch | The Adaptive Radix Tree</a:t>
-            </a:r>
-            <a:endParaRPr lang="en-US" dirty="0"/>
-          </a:p>
-        </p:txBody>
-      </p:sp>
-      <p:sp>
-        <p:nvSpPr>
-          <p:cNvPr id="3" name="Titel 2"/>
-          <p:cNvSpPr>
-            <a:spLocks noGrp="1"/>
-          </p:cNvSpPr>
-          <p:nvPr>
-            <p:ph type="title"/>
-          </p:nvPr>
-        </p:nvSpPr>
-        <p:spPr>
-          <a:prstGeom prst="rect">
-            <a:avLst/>
-          </a:prstGeom>
-        </p:spPr>
-        <p:txBody>
-          <a:bodyPr/>
-          <a:lstStyle/>
-          <a:p>
-            <a:r>
-              <a:rPr sz="3000" dirty="0"/>
-              <a:t>ART </a:t>
-            </a:r>
-            <a:r>
-              <a:rPr lang="de-DE" sz="3000" dirty="0"/>
-              <a:t>–</a:t>
-            </a:r>
-            <a:r>
-              <a:rPr sz="3000" dirty="0"/>
-              <a:t> Space </a:t>
-            </a:r>
-            <a:r>
-              <a:rPr sz="3000" dirty="0" err="1"/>
-              <a:t>Consumption</a:t>
-            </a:r>
-            <a:endParaRPr lang="de-DE" sz="3000" dirty="0"/>
-          </a:p>
-        </p:txBody>
-      </p:sp>
-      <p:sp>
-        <p:nvSpPr>
-          <p:cNvPr id="10" name="TextBox 9">
-            <a:extLst>
-              <a:ext uri="{FF2B5EF4-FFF2-40B4-BE49-F238E27FC236}">
-                <a16:creationId xmlns:a16="http://schemas.microsoft.com/office/drawing/2014/main" id="{F71D3C7C-8C47-A56C-A845-2B6E92ECEF79}"/>
-              </a:ext>
-            </a:extLst>
-          </p:cNvPr>
-          <p:cNvSpPr txBox="1"/>
-          <p:nvPr/>
-        </p:nvSpPr>
-        <p:spPr>
-          <a:xfrm>
-            <a:off x="311162" y="6298789"/>
-            <a:ext cx="8635130" cy="193002"/>
-          </a:xfrm>
-          <a:prstGeom prst="rect">
-            <a:avLst/>
-          </a:prstGeom>
-          <a:noFill/>
-        </p:spPr>
-        <p:txBody>
-          <a:bodyPr wrap="square" lIns="0" tIns="0" rIns="0" bIns="0" rtlCol="0">
-            <a:spAutoFit/>
-          </a:bodyPr>
-          <a:lstStyle/>
-          <a:p>
-            <a:pPr>
-              <a:lnSpc>
-                <a:spcPct val="114000"/>
-              </a:lnSpc>
-            </a:pPr>
-            <a:r>
-              <a:rPr lang="en-US" sz="1200" b="1" dirty="0"/>
-              <a:t>Source: </a:t>
-            </a:r>
-            <a:r>
-              <a:rPr lang="en-US" sz="1200" dirty="0">
-                <a:hlinkClick r:id="rId3"/>
-              </a:rPr>
-              <a:t>The adaptive radix tree: </a:t>
-            </a:r>
-            <a:r>
-              <a:rPr lang="en-US" sz="1200" dirty="0" err="1">
-                <a:hlinkClick r:id="rId3"/>
-              </a:rPr>
-              <a:t>ARTful</a:t>
-            </a:r>
-            <a:r>
-              <a:rPr lang="en-US" sz="1200" dirty="0">
-                <a:hlinkClick r:id="rId3"/>
-              </a:rPr>
-              <a:t> indexing for main-memory databases. IEEE, 2013</a:t>
-            </a:r>
-            <a:endParaRPr lang="en-US" sz="1200" dirty="0"/>
-          </a:p>
-        </p:txBody>
-      </p:sp>
-      <p:pic>
-        <p:nvPicPr>
-          <p:cNvPr id="8" name="Content Placeholder 7" descr="Table&#10;&#10;Description automatically generated">
-            <a:extLst>
-              <a:ext uri="{FF2B5EF4-FFF2-40B4-BE49-F238E27FC236}">
-                <a16:creationId xmlns:a16="http://schemas.microsoft.com/office/drawing/2014/main" id="{E49DDDEF-AC26-4770-6D0C-722351F7B2BF}"/>
-              </a:ext>
-            </a:extLst>
-          </p:cNvPr>
-          <p:cNvPicPr>
-            <a:picLocks noGrp="1" noChangeAspect="1"/>
-          </p:cNvPicPr>
-          <p:nvPr>
-            <p:ph idx="1"/>
-          </p:nvPr>
-        </p:nvPicPr>
-        <p:blipFill>
-          <a:blip r:embed="rId4"/>
-          <a:stretch>
-            <a:fillRect/>
-          </a:stretch>
-        </p:blipFill>
-        <p:spPr>
-          <a:xfrm>
-            <a:off x="1796663" y="2087280"/>
-            <a:ext cx="5553850" cy="4048690"/>
-          </a:xfrm>
-        </p:spPr>
-      </p:pic>
-    </p:spTree>
-    <p:extLst>
-      <p:ext uri="{BB962C8B-B14F-4D97-AF65-F5344CB8AC3E}">
-        <p14:creationId xmlns:p14="http://schemas.microsoft.com/office/powerpoint/2010/main" val="1878869764"/>
-      </p:ext>
-    </p:extLst>
-  </p:cSld>
-  <p:clrMapOvr>
-    <a:masterClrMapping/>
-  </p:clrMapOvr>
-</p:sld>
-</file>
-
 <file path=ppt/slides/slide36.xml><?xml version="1.0" encoding="utf-8"?>
 <p:sld xmlns:a="http://schemas.openxmlformats.org/drawingml/2006/main" xmlns:r="http://schemas.openxmlformats.org/officeDocument/2006/relationships" xmlns:p="http://schemas.openxmlformats.org/presentationml/2006/main">
   <p:cSld>
@@ -31770,232 +30991,6 @@
     <p:extLst>
       <p:ext uri="{BB962C8B-B14F-4D97-AF65-F5344CB8AC3E}">
         <p14:creationId xmlns:p14="http://schemas.microsoft.com/office/powerpoint/2010/main" val="4003479443"/>
-      </p:ext>
-    </p:extLst>
-  </p:cSld>
-  <p:clrMapOvr>
-    <a:masterClrMapping/>
-  </p:clrMapOvr>
-</p:sld>
-</file>
-
-<file path=ppt/slides/slide37.xml><?xml version="1.0" encoding="utf-8"?>
-<p:sld xmlns:a="http://schemas.openxmlformats.org/drawingml/2006/main" xmlns:r="http://schemas.openxmlformats.org/officeDocument/2006/relationships" xmlns:p="http://schemas.openxmlformats.org/presentationml/2006/main">
-  <p:cSld>
-    <p:spTree>
-      <p:nvGrpSpPr>
-        <p:cNvPr id="1" name=""/>
-        <p:cNvGrpSpPr/>
-        <p:nvPr/>
-      </p:nvGrpSpPr>
-      <p:grpSpPr>
-        <a:xfrm>
-          <a:off x="0" y="0"/>
-          <a:ext cx="0" cy="0"/>
-          <a:chOff x="0" y="0"/>
-          <a:chExt cx="0" cy="0"/>
-        </a:xfrm>
-      </p:grpSpPr>
-      <p:sp>
-        <p:nvSpPr>
-          <p:cNvPr id="5" name="Titel 4"/>
-          <p:cNvSpPr>
-            <a:spLocks noGrp="1"/>
-          </p:cNvSpPr>
-          <p:nvPr>
-            <p:ph type="title"/>
-          </p:nvPr>
-        </p:nvSpPr>
-        <p:spPr/>
-        <p:txBody>
-          <a:bodyPr/>
-          <a:lstStyle/>
-          <a:p>
-            <a:r>
-              <a:rPr lang="de-DE" dirty="0"/>
-              <a:t>T E M P L A T E S L I D E S</a:t>
-            </a:r>
-          </a:p>
-        </p:txBody>
-      </p:sp>
-      <p:sp>
-        <p:nvSpPr>
-          <p:cNvPr id="3" name="Inhaltsplatzhalter 2"/>
-          <p:cNvSpPr>
-            <a:spLocks noGrp="1"/>
-          </p:cNvSpPr>
-          <p:nvPr>
-            <p:ph idx="10"/>
-          </p:nvPr>
-        </p:nvSpPr>
-        <p:spPr/>
-        <p:txBody>
-          <a:bodyPr/>
-          <a:lstStyle/>
-          <a:p>
-            <a:r>
-              <a:rPr lang="de-DE"/>
-              <a:t>Dr. rer. nat. Erika Mustermann</a:t>
-            </a:r>
-          </a:p>
-          <a:p>
-            <a:r>
-              <a:rPr lang="de-DE"/>
-              <a:t>München, 27. März 2015</a:t>
-            </a:r>
-            <a:endParaRPr lang="de-DE" dirty="0"/>
-          </a:p>
-        </p:txBody>
-      </p:sp>
-    </p:spTree>
-  </p:cSld>
-  <p:clrMapOvr>
-    <a:masterClrMapping/>
-  </p:clrMapOvr>
-</p:sld>
-</file>
-
-<file path=ppt/slides/slide38.xml><?xml version="1.0" encoding="utf-8"?>
-<p:sld xmlns:a="http://schemas.openxmlformats.org/drawingml/2006/main" xmlns:r="http://schemas.openxmlformats.org/officeDocument/2006/relationships" xmlns:p="http://schemas.openxmlformats.org/presentationml/2006/main">
-  <p:cSld>
-    <p:spTree>
-      <p:nvGrpSpPr>
-        <p:cNvPr id="1" name=""/>
-        <p:cNvGrpSpPr/>
-        <p:nvPr/>
-      </p:nvGrpSpPr>
-      <p:grpSpPr>
-        <a:xfrm>
-          <a:off x="0" y="0"/>
-          <a:ext cx="0" cy="0"/>
-          <a:chOff x="0" y="0"/>
-          <a:chExt cx="0" cy="0"/>
-        </a:xfrm>
-      </p:grpSpPr>
-      <p:sp>
-        <p:nvSpPr>
-          <p:cNvPr id="3" name="Inhaltsplatzhalter 2"/>
-          <p:cNvSpPr>
-            <a:spLocks noGrp="1"/>
-          </p:cNvSpPr>
-          <p:nvPr>
-            <p:ph idx="10"/>
-          </p:nvPr>
-        </p:nvSpPr>
-        <p:spPr/>
-        <p:txBody>
-          <a:bodyPr/>
-          <a:lstStyle/>
-          <a:p>
-            <a:r>
-              <a:rPr dirty="0"/>
-              <a:t>Dr. rer. nat. Erika Mustermann</a:t>
-            </a:r>
-          </a:p>
-          <a:p>
-            <a:r>
-              <a:rPr dirty="0"/>
-              <a:t>München, 27. März 2015</a:t>
-            </a:r>
-          </a:p>
-        </p:txBody>
-      </p:sp>
-      <p:sp>
-        <p:nvSpPr>
-          <p:cNvPr id="7" name="Titel 6"/>
-          <p:cNvSpPr>
-            <a:spLocks noGrp="1"/>
-          </p:cNvSpPr>
-          <p:nvPr>
-            <p:ph type="title"/>
-          </p:nvPr>
-        </p:nvSpPr>
-        <p:spPr/>
-        <p:txBody>
-          <a:bodyPr/>
-          <a:lstStyle/>
-          <a:p>
-            <a:endParaRPr lang="de-DE"/>
-          </a:p>
-        </p:txBody>
-      </p:sp>
-    </p:spTree>
-  </p:cSld>
-  <p:clrMapOvr>
-    <a:masterClrMapping/>
-  </p:clrMapOvr>
-</p:sld>
-</file>
-
-<file path=ppt/slides/slide39.xml><?xml version="1.0" encoding="utf-8"?>
-<p:sld xmlns:a="http://schemas.openxmlformats.org/drawingml/2006/main" xmlns:r="http://schemas.openxmlformats.org/officeDocument/2006/relationships" xmlns:p="http://schemas.openxmlformats.org/presentationml/2006/main">
-  <p:cSld>
-    <p:spTree>
-      <p:nvGrpSpPr>
-        <p:cNvPr id="1" name=""/>
-        <p:cNvGrpSpPr/>
-        <p:nvPr/>
-      </p:nvGrpSpPr>
-      <p:grpSpPr>
-        <a:xfrm>
-          <a:off x="0" y="0"/>
-          <a:ext cx="0" cy="0"/>
-          <a:chOff x="0" y="0"/>
-          <a:chExt cx="0" cy="0"/>
-        </a:xfrm>
-      </p:grpSpPr>
-      <p:sp>
-        <p:nvSpPr>
-          <p:cNvPr id="5" name="Titel 4"/>
-          <p:cNvSpPr>
-            <a:spLocks noGrp="1"/>
-          </p:cNvSpPr>
-          <p:nvPr>
-            <p:ph type="title"/>
-          </p:nvPr>
-        </p:nvSpPr>
-        <p:spPr/>
-        <p:txBody>
-          <a:bodyPr/>
-          <a:lstStyle/>
-          <a:p>
-            <a:endParaRPr lang="de-DE"/>
-          </a:p>
-        </p:txBody>
-      </p:sp>
-      <p:sp>
-        <p:nvSpPr>
-          <p:cNvPr id="3" name="Inhaltsplatzhalter 2"/>
-          <p:cNvSpPr>
-            <a:spLocks noGrp="1"/>
-          </p:cNvSpPr>
-          <p:nvPr>
-            <p:ph idx="10"/>
-          </p:nvPr>
-        </p:nvSpPr>
-        <p:spPr/>
-        <p:txBody>
-          <a:bodyPr/>
-          <a:lstStyle/>
-          <a:p>
-            <a:r>
-              <a:rPr lang="de-DE"/>
-              <a:t>Dr. rer. nat. Erika Mustermann</a:t>
-            </a:r>
-          </a:p>
-          <a:p>
-            <a:r>
-              <a:rPr lang="de-DE"/>
-              <a:t>München, 27. März 2015</a:t>
-            </a:r>
-            <a:endParaRPr lang="de-DE" dirty="0"/>
-          </a:p>
-        </p:txBody>
-      </p:sp>
-    </p:spTree>
-    <p:extLst>
-      <p:ext uri="{BB962C8B-B14F-4D97-AF65-F5344CB8AC3E}">
-        <p14:creationId xmlns:p14="http://schemas.microsoft.com/office/powerpoint/2010/main" val="977802790"/>
       </p:ext>
     </p:extLst>
   </p:cSld>
@@ -32374,2221 +31369,6 @@
         <p14:creationId xmlns:p14="http://schemas.microsoft.com/office/powerpoint/2010/main" val="978327295"/>
       </p:ext>
     </p:extLst>
-  </p:cSld>
-  <p:clrMapOvr>
-    <a:masterClrMapping/>
-  </p:clrMapOvr>
-</p:sld>
-</file>
-
-<file path=ppt/slides/slide40.xml><?xml version="1.0" encoding="utf-8"?>
-<p:sld xmlns:a="http://schemas.openxmlformats.org/drawingml/2006/main" xmlns:r="http://schemas.openxmlformats.org/officeDocument/2006/relationships" xmlns:p="http://schemas.openxmlformats.org/presentationml/2006/main">
-  <p:cSld>
-    <p:spTree>
-      <p:nvGrpSpPr>
-        <p:cNvPr id="1" name=""/>
-        <p:cNvGrpSpPr/>
-        <p:nvPr/>
-      </p:nvGrpSpPr>
-      <p:grpSpPr>
-        <a:xfrm>
-          <a:off x="0" y="0"/>
-          <a:ext cx="0" cy="0"/>
-          <a:chOff x="0" y="0"/>
-          <a:chExt cx="0" cy="0"/>
-        </a:xfrm>
-      </p:grpSpPr>
-      <p:sp>
-        <p:nvSpPr>
-          <p:cNvPr id="2" name="Inhaltsplatzhalter 1"/>
-          <p:cNvSpPr>
-            <a:spLocks noGrp="1"/>
-          </p:cNvSpPr>
-          <p:nvPr>
-            <p:ph idx="1"/>
-          </p:nvPr>
-        </p:nvSpPr>
-        <p:spPr/>
-        <p:txBody>
-          <a:bodyPr/>
-          <a:lstStyle/>
-          <a:p>
-            <a:r>
-              <a:rPr dirty="0" err="1"/>
-              <a:t>Dieser</a:t>
-            </a:r>
-            <a:r>
-              <a:rPr dirty="0"/>
-              <a:t> Folienmaster gilt bei offiziellen Präsentationen im Rahmen der TUM.</a:t>
-            </a:r>
-            <a:br>
-              <a:rPr dirty="0"/>
-            </a:br>
-            <a:r>
-              <a:rPr dirty="0"/>
-              <a:t>Es ist darauf zu achten, dass wir uns in einem durchgängigen Layout </a:t>
-            </a:r>
-            <a:r>
-              <a:rPr dirty="0" err="1"/>
-              <a:t>präsentieren</a:t>
-            </a:r>
-            <a:r>
-              <a:rPr dirty="0"/>
-              <a:t>.</a:t>
-            </a:r>
-          </a:p>
-          <a:p>
-            <a:r>
-              <a:rPr lang="de-DE" dirty="0"/>
-              <a:t>Abweichungen vom vorgegebenen Layout bitte auf ein Minimum reduzieren.</a:t>
-            </a:r>
-          </a:p>
-          <a:p>
-            <a:endParaRPr dirty="0"/>
-          </a:p>
-          <a:p>
-            <a:endParaRPr sz="2200" dirty="0"/>
-          </a:p>
-        </p:txBody>
-      </p:sp>
-      <p:sp>
-        <p:nvSpPr>
-          <p:cNvPr id="4" name="Foliennummernplatzhalter 3"/>
-          <p:cNvSpPr>
-            <a:spLocks noGrp="1"/>
-          </p:cNvSpPr>
-          <p:nvPr>
-            <p:ph type="sldNum" sz="quarter" idx="11"/>
-          </p:nvPr>
-        </p:nvSpPr>
-        <p:spPr/>
-        <p:txBody>
-          <a:bodyPr/>
-          <a:lstStyle/>
-          <a:p>
-            <a:fld id="{CE58CB1E-F828-4F11-99E0-327109AF9DA4}" type="slidenum">
-              <a:rPr lang="de-DE" smtClean="0"/>
-              <a:pPr/>
-              <a:t>40</a:t>
-            </a:fld>
-            <a:endParaRPr lang="de-DE" dirty="0"/>
-          </a:p>
-        </p:txBody>
-      </p:sp>
-      <p:sp>
-        <p:nvSpPr>
-          <p:cNvPr id="7" name="Fußzeilenplatzhalter 4"/>
-          <p:cNvSpPr>
-            <a:spLocks noGrp="1"/>
-          </p:cNvSpPr>
-          <p:nvPr>
-            <p:ph type="ftr" sz="quarter" idx="12"/>
-          </p:nvPr>
-        </p:nvSpPr>
-        <p:spPr/>
-        <p:txBody>
-          <a:bodyPr/>
-          <a:lstStyle/>
-          <a:p>
-            <a:r>
-              <a:rPr lang="de-DE" dirty="0"/>
-              <a:t>Dr. rer. nat. Erika Mustermann (TUM) | kann beliebig erweitert werden | Infos mit Strich trennen</a:t>
-            </a:r>
-            <a:endParaRPr lang="en-US" dirty="0"/>
-          </a:p>
-        </p:txBody>
-      </p:sp>
-      <p:sp>
-        <p:nvSpPr>
-          <p:cNvPr id="3" name="Titel 2"/>
-          <p:cNvSpPr>
-            <a:spLocks noGrp="1"/>
-          </p:cNvSpPr>
-          <p:nvPr>
-            <p:ph type="title"/>
-          </p:nvPr>
-        </p:nvSpPr>
-        <p:spPr>
-          <a:prstGeom prst="rect">
-            <a:avLst/>
-          </a:prstGeom>
-        </p:spPr>
-        <p:txBody>
-          <a:bodyPr/>
-          <a:lstStyle/>
-          <a:p>
-            <a:r>
-              <a:rPr sz="3000" dirty="0"/>
-              <a:t>Gültigkeit der Masterfolien</a:t>
-            </a:r>
-            <a:endParaRPr lang="de-DE" sz="3000" dirty="0"/>
-          </a:p>
-        </p:txBody>
-      </p:sp>
-    </p:spTree>
-  </p:cSld>
-  <p:clrMapOvr>
-    <a:masterClrMapping/>
-  </p:clrMapOvr>
-</p:sld>
-</file>
-
-<file path=ppt/slides/slide41.xml><?xml version="1.0" encoding="utf-8"?>
-<p:sld xmlns:a="http://schemas.openxmlformats.org/drawingml/2006/main" xmlns:r="http://schemas.openxmlformats.org/officeDocument/2006/relationships" xmlns:p="http://schemas.openxmlformats.org/presentationml/2006/main">
-  <p:cSld>
-    <p:spTree>
-      <p:nvGrpSpPr>
-        <p:cNvPr id="1" name=""/>
-        <p:cNvGrpSpPr/>
-        <p:nvPr/>
-      </p:nvGrpSpPr>
-      <p:grpSpPr>
-        <a:xfrm>
-          <a:off x="0" y="0"/>
-          <a:ext cx="0" cy="0"/>
-          <a:chOff x="0" y="0"/>
-          <a:chExt cx="0" cy="0"/>
-        </a:xfrm>
-      </p:grpSpPr>
-      <p:sp>
-        <p:nvSpPr>
-          <p:cNvPr id="2" name="Inhaltsplatzhalter 1"/>
-          <p:cNvSpPr>
-            <a:spLocks noGrp="1"/>
-          </p:cNvSpPr>
-          <p:nvPr>
-            <p:ph idx="1"/>
-          </p:nvPr>
-        </p:nvSpPr>
-        <p:spPr/>
-        <p:txBody>
-          <a:bodyPr/>
-          <a:lstStyle/>
-          <a:p>
-            <a:r>
-              <a:rPr dirty="0"/>
-              <a:t>Als Grundlage dient der Corporate Design Style Guide der TUM.</a:t>
-            </a:r>
-            <a:br>
-              <a:rPr dirty="0"/>
-            </a:br>
-            <a:r>
-              <a:rPr dirty="0"/>
-              <a:t>Die Präsentationsvorlage ist auf gute Lesbarkeit und klare Darstellung von Informationen optimiert.</a:t>
-            </a:r>
-          </a:p>
-        </p:txBody>
-      </p:sp>
-      <p:sp>
-        <p:nvSpPr>
-          <p:cNvPr id="4" name="Foliennummernplatzhalter 3"/>
-          <p:cNvSpPr>
-            <a:spLocks noGrp="1"/>
-          </p:cNvSpPr>
-          <p:nvPr>
-            <p:ph type="sldNum" sz="quarter" idx="11"/>
-          </p:nvPr>
-        </p:nvSpPr>
-        <p:spPr/>
-        <p:txBody>
-          <a:bodyPr/>
-          <a:lstStyle/>
-          <a:p>
-            <a:fld id="{CE58CB1E-F828-4F11-99E0-327109AF9DA4}" type="slidenum">
-              <a:rPr lang="de-DE" smtClean="0"/>
-              <a:pPr/>
-              <a:t>41</a:t>
-            </a:fld>
-            <a:endParaRPr lang="de-DE" dirty="0"/>
-          </a:p>
-        </p:txBody>
-      </p:sp>
-      <p:sp>
-        <p:nvSpPr>
-          <p:cNvPr id="6" name="Fußzeilenplatzhalter 4"/>
-          <p:cNvSpPr>
-            <a:spLocks noGrp="1"/>
-          </p:cNvSpPr>
-          <p:nvPr>
-            <p:ph type="ftr" sz="quarter" idx="12"/>
-          </p:nvPr>
-        </p:nvSpPr>
-        <p:spPr/>
-        <p:txBody>
-          <a:bodyPr/>
-          <a:lstStyle/>
-          <a:p>
-            <a:r>
-              <a:rPr lang="de-DE"/>
-              <a:t>Dr. rer. nat. Erika Mustermann (TUM) | kann beliebig erweitert werden | Infos mit Strich trennen</a:t>
-            </a:r>
-            <a:endParaRPr lang="en-US" dirty="0"/>
-          </a:p>
-        </p:txBody>
-      </p:sp>
-      <p:sp>
-        <p:nvSpPr>
-          <p:cNvPr id="3" name="Titel 2"/>
-          <p:cNvSpPr>
-            <a:spLocks noGrp="1"/>
-          </p:cNvSpPr>
-          <p:nvPr>
-            <p:ph type="title"/>
-          </p:nvPr>
-        </p:nvSpPr>
-        <p:spPr>
-          <a:prstGeom prst="rect">
-            <a:avLst/>
-          </a:prstGeom>
-        </p:spPr>
-        <p:txBody>
-          <a:bodyPr/>
-          <a:lstStyle/>
-          <a:p>
-            <a:r>
-              <a:rPr sz="3000" dirty="0"/>
-              <a:t>Grundlage der Masterfolien</a:t>
-            </a:r>
-            <a:endParaRPr lang="de-DE" sz="3000" dirty="0"/>
-          </a:p>
-        </p:txBody>
-      </p:sp>
-    </p:spTree>
-  </p:cSld>
-  <p:clrMapOvr>
-    <a:masterClrMapping/>
-  </p:clrMapOvr>
-</p:sld>
-</file>
-
-<file path=ppt/slides/slide42.xml><?xml version="1.0" encoding="utf-8"?>
-<p:sld xmlns:a="http://schemas.openxmlformats.org/drawingml/2006/main" xmlns:r="http://schemas.openxmlformats.org/officeDocument/2006/relationships" xmlns:p="http://schemas.openxmlformats.org/presentationml/2006/main">
-  <p:cSld>
-    <p:spTree>
-      <p:nvGrpSpPr>
-        <p:cNvPr id="1" name=""/>
-        <p:cNvGrpSpPr/>
-        <p:nvPr/>
-      </p:nvGrpSpPr>
-      <p:grpSpPr>
-        <a:xfrm>
-          <a:off x="0" y="0"/>
-          <a:ext cx="0" cy="0"/>
-          <a:chOff x="0" y="0"/>
-          <a:chExt cx="0" cy="0"/>
-        </a:xfrm>
-      </p:grpSpPr>
-      <p:sp>
-        <p:nvSpPr>
-          <p:cNvPr id="2" name="Inhaltsplatzhalter 1"/>
-          <p:cNvSpPr>
-            <a:spLocks noGrp="1"/>
-          </p:cNvSpPr>
-          <p:nvPr>
-            <p:ph idx="1"/>
-          </p:nvPr>
-        </p:nvSpPr>
-        <p:spPr>
-          <a:xfrm>
-            <a:off x="319090" y="2105024"/>
-            <a:ext cx="8508999" cy="4356735"/>
-          </a:xfrm>
-        </p:spPr>
-        <p:txBody>
-          <a:bodyPr/>
-          <a:lstStyle/>
-          <a:p>
-            <a:r>
-              <a:rPr dirty="0"/>
-              <a:t>Als Grundlage dient der Corporate Design Style Guide der TUM.</a:t>
-            </a:r>
-            <a:br>
-              <a:rPr dirty="0"/>
-            </a:br>
-            <a:r>
-              <a:rPr dirty="0"/>
-              <a:t>Die Präsentationsvorlage ist auf gute Lesbarkeit und klare Darstellung von Informationen optimiert.</a:t>
-            </a:r>
-          </a:p>
-        </p:txBody>
-      </p:sp>
-      <p:sp>
-        <p:nvSpPr>
-          <p:cNvPr id="4" name="Foliennummernplatzhalter 3"/>
-          <p:cNvSpPr>
-            <a:spLocks noGrp="1"/>
-          </p:cNvSpPr>
-          <p:nvPr>
-            <p:ph type="sldNum" sz="quarter" idx="11"/>
-          </p:nvPr>
-        </p:nvSpPr>
-        <p:spPr/>
-        <p:txBody>
-          <a:bodyPr/>
-          <a:lstStyle/>
-          <a:p>
-            <a:fld id="{CE58CB1E-F828-4F11-99E0-327109AF9DA4}" type="slidenum">
-              <a:rPr lang="de-DE" smtClean="0"/>
-              <a:pPr/>
-              <a:t>42</a:t>
-            </a:fld>
-            <a:endParaRPr lang="de-DE" dirty="0"/>
-          </a:p>
-        </p:txBody>
-      </p:sp>
-      <p:sp>
-        <p:nvSpPr>
-          <p:cNvPr id="6" name="Fußzeilenplatzhalter 4"/>
-          <p:cNvSpPr>
-            <a:spLocks noGrp="1"/>
-          </p:cNvSpPr>
-          <p:nvPr>
-            <p:ph type="ftr" sz="quarter" idx="12"/>
-          </p:nvPr>
-        </p:nvSpPr>
-        <p:spPr/>
-        <p:txBody>
-          <a:bodyPr/>
-          <a:lstStyle/>
-          <a:p>
-            <a:r>
-              <a:rPr lang="de-DE"/>
-              <a:t>Dr. rer. nat. Erika Mustermann (TUM) | kann beliebig erweitert werden | Infos mit Strich trennen</a:t>
-            </a:r>
-            <a:endParaRPr lang="en-US" dirty="0"/>
-          </a:p>
-        </p:txBody>
-      </p:sp>
-      <p:sp>
-        <p:nvSpPr>
-          <p:cNvPr id="3" name="Titel 2"/>
-          <p:cNvSpPr>
-            <a:spLocks noGrp="1"/>
-          </p:cNvSpPr>
-          <p:nvPr>
-            <p:ph type="title"/>
-          </p:nvPr>
-        </p:nvSpPr>
-        <p:spPr>
-          <a:xfrm>
-            <a:off x="319090" y="994334"/>
-            <a:ext cx="8508999" cy="820738"/>
-          </a:xfrm>
-          <a:prstGeom prst="rect">
-            <a:avLst/>
-          </a:prstGeom>
-        </p:spPr>
-        <p:txBody>
-          <a:bodyPr/>
-          <a:lstStyle/>
-          <a:p>
-            <a:r>
-              <a:rPr lang="de-DE" dirty="0"/>
-              <a:t>Hier steht eine Überschrift</a:t>
-            </a:r>
-            <a:br>
-              <a:rPr lang="de-DE" dirty="0"/>
-            </a:br>
-            <a:r>
-              <a:rPr lang="de-DE" dirty="0"/>
-              <a:t>max. 2-zeilig</a:t>
-            </a:r>
-          </a:p>
-        </p:txBody>
-      </p:sp>
-    </p:spTree>
-  </p:cSld>
-  <p:clrMapOvr>
-    <a:masterClrMapping/>
-  </p:clrMapOvr>
-</p:sld>
-</file>
-
-<file path=ppt/slides/slide43.xml><?xml version="1.0" encoding="utf-8"?>
-<p:sld xmlns:a="http://schemas.openxmlformats.org/drawingml/2006/main" xmlns:r="http://schemas.openxmlformats.org/officeDocument/2006/relationships" xmlns:p="http://schemas.openxmlformats.org/presentationml/2006/main">
-  <p:cSld>
-    <p:spTree>
-      <p:nvGrpSpPr>
-        <p:cNvPr id="1" name=""/>
-        <p:cNvGrpSpPr/>
-        <p:nvPr/>
-      </p:nvGrpSpPr>
-      <p:grpSpPr>
-        <a:xfrm>
-          <a:off x="0" y="0"/>
-          <a:ext cx="0" cy="0"/>
-          <a:chOff x="0" y="0"/>
-          <a:chExt cx="0" cy="0"/>
-        </a:xfrm>
-      </p:grpSpPr>
-      <p:sp>
-        <p:nvSpPr>
-          <p:cNvPr id="2" name="Inhaltsplatzhalter 1"/>
-          <p:cNvSpPr>
-            <a:spLocks noGrp="1"/>
-          </p:cNvSpPr>
-          <p:nvPr>
-            <p:ph idx="1"/>
-          </p:nvPr>
-        </p:nvSpPr>
-        <p:spPr/>
-        <p:txBody>
-          <a:bodyPr/>
-          <a:lstStyle/>
-          <a:p>
-            <a:r>
-              <a:rPr dirty="0"/>
-              <a:t>Das Grundprinzip ist, Informationen bestmöglich zu transportieren. Dazu muss vor allem die Schrift einheitlich und für alle im Raum lesbar sein. </a:t>
-            </a:r>
-          </a:p>
-          <a:p>
-            <a:endParaRPr dirty="0"/>
-          </a:p>
-          <a:p>
-            <a:r>
-              <a:rPr dirty="0" err="1"/>
-              <a:t>Schriftart</a:t>
-            </a:r>
-            <a:r>
-              <a:rPr dirty="0"/>
-              <a:t>: Arial</a:t>
-            </a:r>
-          </a:p>
-          <a:p>
-            <a:endParaRPr dirty="0"/>
-          </a:p>
-          <a:p>
-            <a:r>
-              <a:rPr dirty="0" err="1"/>
-              <a:t>Schriftgr</a:t>
-            </a:r>
-            <a:r>
-              <a:rPr lang="de-DE" dirty="0" err="1"/>
-              <a:t>ößen</a:t>
-            </a:r>
-            <a:r>
-              <a:rPr dirty="0"/>
-              <a:t>:</a:t>
-            </a:r>
-            <a:r>
-              <a:rPr lang="de-DE" dirty="0"/>
-              <a:t>30 | 22 | 16 | 12</a:t>
-            </a:r>
-            <a:endParaRPr dirty="0"/>
-          </a:p>
-          <a:p>
-            <a:endParaRPr dirty="0"/>
-          </a:p>
-          <a:p>
-            <a:r>
-              <a:rPr dirty="0" err="1"/>
-              <a:t>Zeilenabstand</a:t>
-            </a:r>
-            <a:r>
-              <a:rPr dirty="0"/>
-              <a:t>: 1,15mm</a:t>
-            </a:r>
-          </a:p>
-          <a:p>
-            <a:endParaRPr dirty="0"/>
-          </a:p>
-          <a:p>
-            <a:r>
-              <a:rPr dirty="0"/>
-              <a:t>Die Einstellungen sind in den Textfeldern und Textfeldvorlagen dieses ppt-Masters als Standard eingestellt. Bei Diagrammen und Tabellen muss die Schriftgröße ggf. angepasst werden.</a:t>
-            </a:r>
-            <a:r>
-              <a:rPr lang="de-DE" dirty="0"/>
-              <a:t> Für Auszeichnungen im Fließtext kann auch </a:t>
-            </a:r>
-            <a:r>
-              <a:rPr lang="de-DE" b="1" dirty="0"/>
-              <a:t>fett </a:t>
-            </a:r>
-            <a:r>
-              <a:rPr lang="de-DE" dirty="0"/>
-              <a:t>markiert werden.</a:t>
-            </a:r>
-            <a:endParaRPr dirty="0"/>
-          </a:p>
-          <a:p>
-            <a:r>
-              <a:rPr dirty="0"/>
-              <a:t>Bei großer Distanz bzw. </a:t>
-            </a:r>
-            <a:r>
-              <a:rPr dirty="0" err="1"/>
-              <a:t>kleinem</a:t>
-            </a:r>
-            <a:r>
-              <a:rPr dirty="0"/>
-              <a:t> </a:t>
-            </a:r>
-            <a:r>
-              <a:rPr dirty="0" err="1"/>
-              <a:t>Präsentationsmedium</a:t>
-            </a:r>
-            <a:r>
-              <a:rPr dirty="0"/>
-              <a:t> kann der Schriftgrad notfalls proportional erhöht werden.</a:t>
-            </a:r>
-          </a:p>
-        </p:txBody>
-      </p:sp>
-      <p:sp>
-        <p:nvSpPr>
-          <p:cNvPr id="4" name="Foliennummernplatzhalter 3"/>
-          <p:cNvSpPr>
-            <a:spLocks noGrp="1"/>
-          </p:cNvSpPr>
-          <p:nvPr>
-            <p:ph type="sldNum" sz="quarter" idx="11"/>
-          </p:nvPr>
-        </p:nvSpPr>
-        <p:spPr>
-          <a:prstGeom prst="rect">
-            <a:avLst/>
-          </a:prstGeom>
-        </p:spPr>
-        <p:txBody>
-          <a:bodyPr/>
-          <a:lstStyle/>
-          <a:p>
-            <a:fld id="{CE58CB1E-F828-4F11-99E0-327109AF9DA4}" type="slidenum">
-              <a:rPr lang="de-DE" smtClean="0"/>
-              <a:pPr/>
-              <a:t>43</a:t>
-            </a:fld>
-            <a:endParaRPr lang="de-DE" dirty="0"/>
-          </a:p>
-        </p:txBody>
-      </p:sp>
-      <p:sp>
-        <p:nvSpPr>
-          <p:cNvPr id="6" name="Fußzeilenplatzhalter 4"/>
-          <p:cNvSpPr>
-            <a:spLocks noGrp="1"/>
-          </p:cNvSpPr>
-          <p:nvPr>
-            <p:ph type="ftr" sz="quarter" idx="12"/>
-          </p:nvPr>
-        </p:nvSpPr>
-        <p:spPr/>
-        <p:txBody>
-          <a:bodyPr/>
-          <a:lstStyle/>
-          <a:p>
-            <a:r>
-              <a:rPr lang="de-DE"/>
-              <a:t>Dr. rer. nat. Erika Mustermann (TUM) | kann beliebig erweitert werden | Infos mit Strich trennen</a:t>
-            </a:r>
-            <a:endParaRPr lang="en-US" dirty="0"/>
-          </a:p>
-        </p:txBody>
-      </p:sp>
-      <p:sp>
-        <p:nvSpPr>
-          <p:cNvPr id="3" name="Titel 2"/>
-          <p:cNvSpPr>
-            <a:spLocks noGrp="1"/>
-          </p:cNvSpPr>
-          <p:nvPr>
-            <p:ph type="title"/>
-          </p:nvPr>
-        </p:nvSpPr>
-        <p:spPr>
-          <a:prstGeom prst="rect">
-            <a:avLst/>
-          </a:prstGeom>
-        </p:spPr>
-        <p:txBody>
-          <a:bodyPr/>
-          <a:lstStyle/>
-          <a:p>
-            <a:r>
-              <a:rPr sz="3000" dirty="0"/>
-              <a:t>Schrift</a:t>
-            </a:r>
-            <a:endParaRPr lang="de-DE" sz="3000" dirty="0"/>
-          </a:p>
-        </p:txBody>
-      </p:sp>
-    </p:spTree>
-  </p:cSld>
-  <p:clrMapOvr>
-    <a:masterClrMapping/>
-  </p:clrMapOvr>
-</p:sld>
-</file>
-
-<file path=ppt/slides/slide44.xml><?xml version="1.0" encoding="utf-8"?>
-<p:sld xmlns:a="http://schemas.openxmlformats.org/drawingml/2006/main" xmlns:r="http://schemas.openxmlformats.org/officeDocument/2006/relationships" xmlns:p="http://schemas.openxmlformats.org/presentationml/2006/main">
-  <p:cSld>
-    <p:spTree>
-      <p:nvGrpSpPr>
-        <p:cNvPr id="1" name=""/>
-        <p:cNvGrpSpPr/>
-        <p:nvPr/>
-      </p:nvGrpSpPr>
-      <p:grpSpPr>
-        <a:xfrm>
-          <a:off x="0" y="0"/>
-          <a:ext cx="0" cy="0"/>
-          <a:chOff x="0" y="0"/>
-          <a:chExt cx="0" cy="0"/>
-        </a:xfrm>
-      </p:grpSpPr>
-      <p:sp>
-        <p:nvSpPr>
-          <p:cNvPr id="2" name="Inhaltsplatzhalter 1"/>
-          <p:cNvSpPr>
-            <a:spLocks noGrp="1"/>
-          </p:cNvSpPr>
-          <p:nvPr>
-            <p:ph idx="1"/>
-          </p:nvPr>
-        </p:nvSpPr>
-        <p:spPr/>
-        <p:txBody>
-          <a:bodyPr/>
-          <a:lstStyle/>
-          <a:p>
-            <a:r>
-              <a:rPr dirty="0"/>
-              <a:t>Als erstes soll mit schwarz und weiß gearbeitet werden.</a:t>
-            </a:r>
-            <a:br>
-              <a:rPr dirty="0"/>
-            </a:br>
-            <a:r>
-              <a:rPr dirty="0"/>
-              <a:t>Für Aufwändigere Darstellungen sind Farben mit Bedacht und in möglichst geringem Umfang einzusetzen.</a:t>
-            </a:r>
-            <a:br>
-              <a:rPr dirty="0"/>
-            </a:br>
-            <a:endParaRPr dirty="0"/>
-          </a:p>
-          <a:p>
-            <a:r>
-              <a:rPr dirty="0"/>
-              <a:t>In diesem Folienmaster ist die Farbpalette festgelegt.</a:t>
-            </a:r>
-          </a:p>
-          <a:p>
-            <a:endParaRPr dirty="0"/>
-          </a:p>
-          <a:p>
-            <a:r>
-              <a:rPr dirty="0"/>
-              <a:t>Zuerst mit </a:t>
-            </a:r>
-            <a:r>
-              <a:rPr lang="de-DE" dirty="0"/>
-              <a:t>den Primärfarben </a:t>
-            </a:r>
-            <a:r>
-              <a:rPr dirty="0"/>
-              <a:t>arbeiten</a:t>
-            </a:r>
-            <a:r>
-              <a:rPr lang="de-DE" dirty="0"/>
-              <a:t>.</a:t>
-            </a:r>
-          </a:p>
-          <a:p>
-            <a:endParaRPr lang="de-DE" dirty="0"/>
-          </a:p>
-          <a:p>
-            <a:endParaRPr lang="de-DE" dirty="0"/>
-          </a:p>
-          <a:p>
-            <a:r>
-              <a:rPr dirty="0"/>
-              <a:t>Für z.B. komplexe Diagramme stehen noch</a:t>
-            </a:r>
-            <a:r>
-              <a:rPr lang="de-DE" dirty="0"/>
-              <a:t>Sekundärfarben </a:t>
-            </a:r>
-            <a:r>
-              <a:rPr dirty="0"/>
-              <a:t>zur Verfügung.</a:t>
-            </a:r>
-          </a:p>
-          <a:p>
-            <a:endParaRPr dirty="0"/>
-          </a:p>
-          <a:p>
-            <a:endParaRPr dirty="0"/>
-          </a:p>
-          <a:p>
-            <a:r>
-              <a:rPr lang="de-DE" dirty="0"/>
-              <a:t>Gering im Einsatz sind die Akzentfarben.</a:t>
-            </a:r>
-            <a:endParaRPr dirty="0"/>
-          </a:p>
-          <a:p>
-            <a:endParaRPr dirty="0"/>
-          </a:p>
-        </p:txBody>
-      </p:sp>
-      <p:sp>
-        <p:nvSpPr>
-          <p:cNvPr id="4" name="Foliennummernplatzhalter 3"/>
-          <p:cNvSpPr>
-            <a:spLocks noGrp="1"/>
-          </p:cNvSpPr>
-          <p:nvPr>
-            <p:ph type="sldNum" sz="quarter" idx="11"/>
-          </p:nvPr>
-        </p:nvSpPr>
-        <p:spPr>
-          <a:prstGeom prst="rect">
-            <a:avLst/>
-          </a:prstGeom>
-        </p:spPr>
-        <p:txBody>
-          <a:bodyPr/>
-          <a:lstStyle/>
-          <a:p>
-            <a:fld id="{CE58CB1E-F828-4F11-99E0-327109AF9DA4}" type="slidenum">
-              <a:rPr lang="de-DE" smtClean="0"/>
-              <a:pPr/>
-              <a:t>44</a:t>
-            </a:fld>
-            <a:endParaRPr lang="de-DE" dirty="0"/>
-          </a:p>
-        </p:txBody>
-      </p:sp>
-      <p:sp>
-        <p:nvSpPr>
-          <p:cNvPr id="19" name="Fußzeilenplatzhalter 4"/>
-          <p:cNvSpPr>
-            <a:spLocks noGrp="1"/>
-          </p:cNvSpPr>
-          <p:nvPr>
-            <p:ph type="ftr" sz="quarter" idx="12"/>
-          </p:nvPr>
-        </p:nvSpPr>
-        <p:spPr/>
-        <p:txBody>
-          <a:bodyPr/>
-          <a:lstStyle/>
-          <a:p>
-            <a:r>
-              <a:rPr lang="de-DE"/>
-              <a:t>Dr. rer. nat. Erika Mustermann (TUM) | kann beliebig erweitert werden | Infos mit Strich trennen</a:t>
-            </a:r>
-            <a:endParaRPr lang="en-US" dirty="0"/>
-          </a:p>
-        </p:txBody>
-      </p:sp>
-      <p:sp>
-        <p:nvSpPr>
-          <p:cNvPr id="3" name="Titel 2"/>
-          <p:cNvSpPr>
-            <a:spLocks noGrp="1"/>
-          </p:cNvSpPr>
-          <p:nvPr>
-            <p:ph type="title"/>
-          </p:nvPr>
-        </p:nvSpPr>
-        <p:spPr>
-          <a:prstGeom prst="rect">
-            <a:avLst/>
-          </a:prstGeom>
-        </p:spPr>
-        <p:txBody>
-          <a:bodyPr/>
-          <a:lstStyle/>
-          <a:p>
-            <a:r>
-              <a:rPr sz="3000" dirty="0"/>
-              <a:t>Farben</a:t>
-            </a:r>
-            <a:endParaRPr lang="de-DE" sz="3000" dirty="0"/>
-          </a:p>
-        </p:txBody>
-      </p:sp>
-      <p:sp>
-        <p:nvSpPr>
-          <p:cNvPr id="14" name="Rechteck 13"/>
-          <p:cNvSpPr/>
-          <p:nvPr/>
-        </p:nvSpPr>
-        <p:spPr>
-          <a:xfrm>
-            <a:off x="321735" y="3843868"/>
-            <a:ext cx="855132" cy="245531"/>
-          </a:xfrm>
-          <a:prstGeom prst="rect">
-            <a:avLst/>
-          </a:prstGeom>
-          <a:solidFill>
-            <a:schemeClr val="bg2"/>
-          </a:solidFill>
-          <a:ln>
-            <a:noFill/>
-          </a:ln>
-        </p:spPr>
-        <p:style>
-          <a:lnRef idx="2">
-            <a:schemeClr val="accent1">
-              <a:shade val="50000"/>
-            </a:schemeClr>
-          </a:lnRef>
-          <a:fillRef idx="1">
-            <a:schemeClr val="accent1"/>
-          </a:fillRef>
-          <a:effectRef idx="0">
-            <a:schemeClr val="accent1"/>
-          </a:effectRef>
-          <a:fontRef idx="minor">
-            <a:schemeClr val="lt1"/>
-          </a:fontRef>
-        </p:style>
-        <p:txBody>
-          <a:bodyPr rot="0" spcFirstLastPara="0" vertOverflow="overflow" horzOverflow="overflow" vert="horz" wrap="square" lIns="91440" tIns="45720" rIns="91440" bIns="45720" numCol="1" spcCol="0" rtlCol="0" fromWordArt="0" anchor="t" anchorCtr="0" forceAA="0" compatLnSpc="1">
-            <a:prstTxWarp prst="textNoShape">
-              <a:avLst/>
-            </a:prstTxWarp>
-            <a:noAutofit/>
-          </a:bodyPr>
-          <a:lstStyle/>
-          <a:p>
-            <a:pPr algn="ctr">
-              <a:lnSpc>
-                <a:spcPct val="114000"/>
-              </a:lnSpc>
-            </a:pPr>
-            <a:endParaRPr lang="de-DE" dirty="0">
-              <a:solidFill>
-                <a:schemeClr val="accent1"/>
-              </a:solidFill>
-            </a:endParaRPr>
-          </a:p>
-        </p:txBody>
-      </p:sp>
-      <p:sp>
-        <p:nvSpPr>
-          <p:cNvPr id="24" name="Rechteck 23"/>
-          <p:cNvSpPr/>
-          <p:nvPr/>
-        </p:nvSpPr>
-        <p:spPr>
-          <a:xfrm>
-            <a:off x="1295402" y="3843868"/>
-            <a:ext cx="855132" cy="245531"/>
-          </a:xfrm>
-          <a:prstGeom prst="rect">
-            <a:avLst/>
-          </a:prstGeom>
-          <a:solidFill>
-            <a:schemeClr val="tx1"/>
-          </a:solidFill>
-          <a:ln>
-            <a:noFill/>
-          </a:ln>
-        </p:spPr>
-        <p:style>
-          <a:lnRef idx="2">
-            <a:schemeClr val="accent1">
-              <a:shade val="50000"/>
-            </a:schemeClr>
-          </a:lnRef>
-          <a:fillRef idx="1">
-            <a:schemeClr val="accent1"/>
-          </a:fillRef>
-          <a:effectRef idx="0">
-            <a:schemeClr val="accent1"/>
-          </a:effectRef>
-          <a:fontRef idx="minor">
-            <a:schemeClr val="lt1"/>
-          </a:fontRef>
-        </p:style>
-        <p:txBody>
-          <a:bodyPr rot="0" spcFirstLastPara="0" vertOverflow="overflow" horzOverflow="overflow" vert="horz" wrap="square" lIns="91440" tIns="45720" rIns="91440" bIns="45720" numCol="1" spcCol="0" rtlCol="0" fromWordArt="0" anchor="t" anchorCtr="0" forceAA="0" compatLnSpc="1">
-            <a:prstTxWarp prst="textNoShape">
-              <a:avLst/>
-            </a:prstTxWarp>
-            <a:noAutofit/>
-          </a:bodyPr>
-          <a:lstStyle/>
-          <a:p>
-            <a:pPr algn="ctr">
-              <a:lnSpc>
-                <a:spcPct val="114000"/>
-              </a:lnSpc>
-            </a:pPr>
-            <a:endParaRPr lang="de-DE" dirty="0">
-              <a:solidFill>
-                <a:schemeClr val="tx1"/>
-              </a:solidFill>
-            </a:endParaRPr>
-          </a:p>
-        </p:txBody>
-      </p:sp>
-      <p:sp>
-        <p:nvSpPr>
-          <p:cNvPr id="25" name="Rechteck 24"/>
-          <p:cNvSpPr/>
-          <p:nvPr/>
-        </p:nvSpPr>
-        <p:spPr>
-          <a:xfrm>
-            <a:off x="2260602" y="3843868"/>
-            <a:ext cx="855132" cy="245531"/>
-          </a:xfrm>
-          <a:prstGeom prst="rect">
-            <a:avLst/>
-          </a:prstGeom>
-          <a:solidFill>
-            <a:schemeClr val="bg1"/>
-          </a:solidFill>
-          <a:ln w="6350" cap="flat" cmpd="sng" algn="ctr">
-            <a:solidFill>
-              <a:schemeClr val="tx1"/>
-            </a:solidFill>
-            <a:prstDash val="solid"/>
-            <a:round/>
-            <a:headEnd type="none" w="med" len="med"/>
-            <a:tailEnd type="none" w="med" len="med"/>
-          </a:ln>
-        </p:spPr>
-        <p:style>
-          <a:lnRef idx="2">
-            <a:schemeClr val="accent1">
-              <a:shade val="50000"/>
-            </a:schemeClr>
-          </a:lnRef>
-          <a:fillRef idx="1">
-            <a:schemeClr val="accent1"/>
-          </a:fillRef>
-          <a:effectRef idx="0">
-            <a:schemeClr val="accent1"/>
-          </a:effectRef>
-          <a:fontRef idx="minor">
-            <a:schemeClr val="lt1"/>
-          </a:fontRef>
-        </p:style>
-        <p:txBody>
-          <a:bodyPr rot="0" spcFirstLastPara="0" vertOverflow="overflow" horzOverflow="overflow" vert="horz" wrap="square" lIns="91440" tIns="45720" rIns="91440" bIns="45720" numCol="1" spcCol="0" rtlCol="0" fromWordArt="0" anchor="t" anchorCtr="0" forceAA="0" compatLnSpc="1">
-            <a:prstTxWarp prst="textNoShape">
-              <a:avLst/>
-            </a:prstTxWarp>
-            <a:noAutofit/>
-          </a:bodyPr>
-          <a:lstStyle/>
-          <a:p>
-            <a:pPr algn="ctr">
-              <a:lnSpc>
-                <a:spcPct val="114000"/>
-              </a:lnSpc>
-            </a:pPr>
-            <a:endParaRPr lang="de-DE" dirty="0"/>
-          </a:p>
-        </p:txBody>
-      </p:sp>
-      <p:sp>
-        <p:nvSpPr>
-          <p:cNvPr id="26" name="Rechteck 25"/>
-          <p:cNvSpPr/>
-          <p:nvPr/>
-        </p:nvSpPr>
-        <p:spPr>
-          <a:xfrm>
-            <a:off x="321735" y="4665135"/>
-            <a:ext cx="855132" cy="245531"/>
-          </a:xfrm>
-          <a:prstGeom prst="rect">
-            <a:avLst/>
-          </a:prstGeom>
-          <a:solidFill>
-            <a:schemeClr val="accent1"/>
-          </a:solidFill>
-          <a:ln>
-            <a:noFill/>
-          </a:ln>
-        </p:spPr>
-        <p:style>
-          <a:lnRef idx="2">
-            <a:schemeClr val="accent1">
-              <a:shade val="50000"/>
-            </a:schemeClr>
-          </a:lnRef>
-          <a:fillRef idx="1">
-            <a:schemeClr val="accent1"/>
-          </a:fillRef>
-          <a:effectRef idx="0">
-            <a:schemeClr val="accent1"/>
-          </a:effectRef>
-          <a:fontRef idx="minor">
-            <a:schemeClr val="lt1"/>
-          </a:fontRef>
-        </p:style>
-        <p:txBody>
-          <a:bodyPr rot="0" spcFirstLastPara="0" vertOverflow="overflow" horzOverflow="overflow" vert="horz" wrap="square" lIns="91440" tIns="45720" rIns="91440" bIns="45720" numCol="1" spcCol="0" rtlCol="0" fromWordArt="0" anchor="t" anchorCtr="0" forceAA="0" compatLnSpc="1">
-            <a:prstTxWarp prst="textNoShape">
-              <a:avLst/>
-            </a:prstTxWarp>
-            <a:noAutofit/>
-          </a:bodyPr>
-          <a:lstStyle/>
-          <a:p>
-            <a:pPr algn="ctr">
-              <a:lnSpc>
-                <a:spcPct val="114000"/>
-              </a:lnSpc>
-            </a:pPr>
-            <a:endParaRPr lang="de-DE" dirty="0"/>
-          </a:p>
-        </p:txBody>
-      </p:sp>
-      <p:sp>
-        <p:nvSpPr>
-          <p:cNvPr id="27" name="Rechteck 26"/>
-          <p:cNvSpPr/>
-          <p:nvPr/>
-        </p:nvSpPr>
-        <p:spPr>
-          <a:xfrm>
-            <a:off x="1295402" y="4665135"/>
-            <a:ext cx="855132" cy="245531"/>
-          </a:xfrm>
-          <a:prstGeom prst="rect">
-            <a:avLst/>
-          </a:prstGeom>
-          <a:solidFill>
-            <a:schemeClr val="accent2"/>
-          </a:solidFill>
-          <a:ln>
-            <a:noFill/>
-          </a:ln>
-        </p:spPr>
-        <p:style>
-          <a:lnRef idx="2">
-            <a:schemeClr val="accent1">
-              <a:shade val="50000"/>
-            </a:schemeClr>
-          </a:lnRef>
-          <a:fillRef idx="1">
-            <a:schemeClr val="accent1"/>
-          </a:fillRef>
-          <a:effectRef idx="0">
-            <a:schemeClr val="accent1"/>
-          </a:effectRef>
-          <a:fontRef idx="minor">
-            <a:schemeClr val="lt1"/>
-          </a:fontRef>
-        </p:style>
-        <p:txBody>
-          <a:bodyPr rot="0" spcFirstLastPara="0" vertOverflow="overflow" horzOverflow="overflow" vert="horz" wrap="square" lIns="91440" tIns="45720" rIns="91440" bIns="45720" numCol="1" spcCol="0" rtlCol="0" fromWordArt="0" anchor="t" anchorCtr="0" forceAA="0" compatLnSpc="1">
-            <a:prstTxWarp prst="textNoShape">
-              <a:avLst/>
-            </a:prstTxWarp>
-            <a:noAutofit/>
-          </a:bodyPr>
-          <a:lstStyle/>
-          <a:p>
-            <a:pPr algn="ctr">
-              <a:lnSpc>
-                <a:spcPct val="114000"/>
-              </a:lnSpc>
-            </a:pPr>
-            <a:endParaRPr lang="de-DE" dirty="0"/>
-          </a:p>
-        </p:txBody>
-      </p:sp>
-      <p:sp>
-        <p:nvSpPr>
-          <p:cNvPr id="28" name="Rechteck 27"/>
-          <p:cNvSpPr/>
-          <p:nvPr/>
-        </p:nvSpPr>
-        <p:spPr>
-          <a:xfrm>
-            <a:off x="2260602" y="4665135"/>
-            <a:ext cx="855132" cy="245531"/>
-          </a:xfrm>
-          <a:prstGeom prst="rect">
-            <a:avLst/>
-          </a:prstGeom>
-          <a:solidFill>
-            <a:schemeClr val="accent3"/>
-          </a:solidFill>
-          <a:ln>
-            <a:noFill/>
-          </a:ln>
-        </p:spPr>
-        <p:style>
-          <a:lnRef idx="2">
-            <a:schemeClr val="accent1">
-              <a:shade val="50000"/>
-            </a:schemeClr>
-          </a:lnRef>
-          <a:fillRef idx="1">
-            <a:schemeClr val="accent1"/>
-          </a:fillRef>
-          <a:effectRef idx="0">
-            <a:schemeClr val="accent1"/>
-          </a:effectRef>
-          <a:fontRef idx="minor">
-            <a:schemeClr val="lt1"/>
-          </a:fontRef>
-        </p:style>
-        <p:txBody>
-          <a:bodyPr rot="0" spcFirstLastPara="0" vertOverflow="overflow" horzOverflow="overflow" vert="horz" wrap="square" lIns="91440" tIns="45720" rIns="91440" bIns="45720" numCol="1" spcCol="0" rtlCol="0" fromWordArt="0" anchor="t" anchorCtr="0" forceAA="0" compatLnSpc="1">
-            <a:prstTxWarp prst="textNoShape">
-              <a:avLst/>
-            </a:prstTxWarp>
-            <a:noAutofit/>
-          </a:bodyPr>
-          <a:lstStyle/>
-          <a:p>
-            <a:pPr algn="ctr">
-              <a:lnSpc>
-                <a:spcPct val="114000"/>
-              </a:lnSpc>
-            </a:pPr>
-            <a:endParaRPr lang="de-DE" dirty="0"/>
-          </a:p>
-        </p:txBody>
-      </p:sp>
-      <p:sp>
-        <p:nvSpPr>
-          <p:cNvPr id="29" name="Rechteck 28"/>
-          <p:cNvSpPr/>
-          <p:nvPr/>
-        </p:nvSpPr>
-        <p:spPr>
-          <a:xfrm>
-            <a:off x="3225802" y="4665135"/>
-            <a:ext cx="855132" cy="245531"/>
-          </a:xfrm>
-          <a:prstGeom prst="rect">
-            <a:avLst/>
-          </a:prstGeom>
-          <a:solidFill>
-            <a:srgbClr val="999999"/>
-          </a:solidFill>
-          <a:ln>
-            <a:noFill/>
-          </a:ln>
-        </p:spPr>
-        <p:style>
-          <a:lnRef idx="2">
-            <a:schemeClr val="accent1">
-              <a:shade val="50000"/>
-            </a:schemeClr>
-          </a:lnRef>
-          <a:fillRef idx="1">
-            <a:schemeClr val="accent1"/>
-          </a:fillRef>
-          <a:effectRef idx="0">
-            <a:schemeClr val="accent1"/>
-          </a:effectRef>
-          <a:fontRef idx="minor">
-            <a:schemeClr val="lt1"/>
-          </a:fontRef>
-        </p:style>
-        <p:txBody>
-          <a:bodyPr rot="0" spcFirstLastPara="0" vertOverflow="overflow" horzOverflow="overflow" vert="horz" wrap="square" lIns="91440" tIns="45720" rIns="91440" bIns="45720" numCol="1" spcCol="0" rtlCol="0" fromWordArt="0" anchor="t" anchorCtr="0" forceAA="0" compatLnSpc="1">
-            <a:prstTxWarp prst="textNoShape">
-              <a:avLst/>
-            </a:prstTxWarp>
-            <a:noAutofit/>
-          </a:bodyPr>
-          <a:lstStyle/>
-          <a:p>
-            <a:pPr algn="ctr">
-              <a:lnSpc>
-                <a:spcPct val="114000"/>
-              </a:lnSpc>
-            </a:pPr>
-            <a:endParaRPr lang="de-DE" dirty="0"/>
-          </a:p>
-        </p:txBody>
-      </p:sp>
-      <p:sp>
-        <p:nvSpPr>
-          <p:cNvPr id="36" name="Rechteck 35"/>
-          <p:cNvSpPr/>
-          <p:nvPr/>
-        </p:nvSpPr>
-        <p:spPr>
-          <a:xfrm>
-            <a:off x="321735" y="5529793"/>
-            <a:ext cx="855132" cy="245531"/>
-          </a:xfrm>
-          <a:prstGeom prst="rect">
-            <a:avLst/>
-          </a:prstGeom>
-          <a:solidFill>
-            <a:schemeClr val="accent5"/>
-          </a:solidFill>
-          <a:ln>
-            <a:noFill/>
-          </a:ln>
-        </p:spPr>
-        <p:style>
-          <a:lnRef idx="2">
-            <a:schemeClr val="accent1">
-              <a:shade val="50000"/>
-            </a:schemeClr>
-          </a:lnRef>
-          <a:fillRef idx="1">
-            <a:schemeClr val="accent1"/>
-          </a:fillRef>
-          <a:effectRef idx="0">
-            <a:schemeClr val="accent1"/>
-          </a:effectRef>
-          <a:fontRef idx="minor">
-            <a:schemeClr val="lt1"/>
-          </a:fontRef>
-        </p:style>
-        <p:txBody>
-          <a:bodyPr rot="0" spcFirstLastPara="0" vertOverflow="overflow" horzOverflow="overflow" vert="horz" wrap="square" lIns="91440" tIns="45720" rIns="91440" bIns="45720" numCol="1" spcCol="0" rtlCol="0" fromWordArt="0" anchor="t" anchorCtr="0" forceAA="0" compatLnSpc="1">
-            <a:prstTxWarp prst="textNoShape">
-              <a:avLst/>
-            </a:prstTxWarp>
-            <a:noAutofit/>
-          </a:bodyPr>
-          <a:lstStyle/>
-          <a:p>
-            <a:pPr algn="ctr">
-              <a:lnSpc>
-                <a:spcPct val="114000"/>
-              </a:lnSpc>
-            </a:pPr>
-            <a:endParaRPr lang="de-DE" dirty="0"/>
-          </a:p>
-        </p:txBody>
-      </p:sp>
-      <p:sp>
-        <p:nvSpPr>
-          <p:cNvPr id="37" name="Rechteck 36"/>
-          <p:cNvSpPr/>
-          <p:nvPr/>
-        </p:nvSpPr>
-        <p:spPr>
-          <a:xfrm>
-            <a:off x="1295402" y="5529793"/>
-            <a:ext cx="855132" cy="245531"/>
-          </a:xfrm>
-          <a:prstGeom prst="rect">
-            <a:avLst/>
-          </a:prstGeom>
-          <a:solidFill>
-            <a:schemeClr val="accent4"/>
-          </a:solidFill>
-          <a:ln>
-            <a:noFill/>
-          </a:ln>
-        </p:spPr>
-        <p:style>
-          <a:lnRef idx="2">
-            <a:schemeClr val="accent1">
-              <a:shade val="50000"/>
-            </a:schemeClr>
-          </a:lnRef>
-          <a:fillRef idx="1">
-            <a:schemeClr val="accent1"/>
-          </a:fillRef>
-          <a:effectRef idx="0">
-            <a:schemeClr val="accent1"/>
-          </a:effectRef>
-          <a:fontRef idx="minor">
-            <a:schemeClr val="lt1"/>
-          </a:fontRef>
-        </p:style>
-        <p:txBody>
-          <a:bodyPr rot="0" spcFirstLastPara="0" vertOverflow="overflow" horzOverflow="overflow" vert="horz" wrap="square" lIns="91440" tIns="45720" rIns="91440" bIns="45720" numCol="1" spcCol="0" rtlCol="0" fromWordArt="0" anchor="t" anchorCtr="0" forceAA="0" compatLnSpc="1">
-            <a:prstTxWarp prst="textNoShape">
-              <a:avLst/>
-            </a:prstTxWarp>
-            <a:noAutofit/>
-          </a:bodyPr>
-          <a:lstStyle/>
-          <a:p>
-            <a:pPr algn="ctr">
-              <a:lnSpc>
-                <a:spcPct val="114000"/>
-              </a:lnSpc>
-            </a:pPr>
-            <a:endParaRPr lang="de-DE" dirty="0"/>
-          </a:p>
-        </p:txBody>
-      </p:sp>
-      <p:sp>
-        <p:nvSpPr>
-          <p:cNvPr id="38" name="Rechteck 37"/>
-          <p:cNvSpPr/>
-          <p:nvPr/>
-        </p:nvSpPr>
-        <p:spPr>
-          <a:xfrm>
-            <a:off x="2260602" y="5529793"/>
-            <a:ext cx="855132" cy="245531"/>
-          </a:xfrm>
-          <a:prstGeom prst="rect">
-            <a:avLst/>
-          </a:prstGeom>
-          <a:solidFill>
-            <a:schemeClr val="accent6"/>
-          </a:solidFill>
-          <a:ln>
-            <a:noFill/>
-          </a:ln>
-        </p:spPr>
-        <p:style>
-          <a:lnRef idx="2">
-            <a:schemeClr val="accent1">
-              <a:shade val="50000"/>
-            </a:schemeClr>
-          </a:lnRef>
-          <a:fillRef idx="1">
-            <a:schemeClr val="accent1"/>
-          </a:fillRef>
-          <a:effectRef idx="0">
-            <a:schemeClr val="accent1"/>
-          </a:effectRef>
-          <a:fontRef idx="minor">
-            <a:schemeClr val="lt1"/>
-          </a:fontRef>
-        </p:style>
-        <p:txBody>
-          <a:bodyPr rot="0" spcFirstLastPara="0" vertOverflow="overflow" horzOverflow="overflow" vert="horz" wrap="square" lIns="91440" tIns="45720" rIns="91440" bIns="45720" numCol="1" spcCol="0" rtlCol="0" fromWordArt="0" anchor="t" anchorCtr="0" forceAA="0" compatLnSpc="1">
-            <a:prstTxWarp prst="textNoShape">
-              <a:avLst/>
-            </a:prstTxWarp>
-            <a:noAutofit/>
-          </a:bodyPr>
-          <a:lstStyle/>
-          <a:p>
-            <a:pPr algn="ctr">
-              <a:lnSpc>
-                <a:spcPct val="114000"/>
-              </a:lnSpc>
-            </a:pPr>
-            <a:endParaRPr lang="de-DE" dirty="0"/>
-          </a:p>
-        </p:txBody>
-      </p:sp>
-    </p:spTree>
-  </p:cSld>
-  <p:clrMapOvr>
-    <a:masterClrMapping/>
-  </p:clrMapOvr>
-</p:sld>
-</file>
-
-<file path=ppt/slides/slide45.xml><?xml version="1.0" encoding="utf-8"?>
-<p:sld xmlns:a="http://schemas.openxmlformats.org/drawingml/2006/main" xmlns:r="http://schemas.openxmlformats.org/officeDocument/2006/relationships" xmlns:p="http://schemas.openxmlformats.org/presentationml/2006/main">
-  <p:cSld>
-    <p:spTree>
-      <p:nvGrpSpPr>
-        <p:cNvPr id="1" name=""/>
-        <p:cNvGrpSpPr/>
-        <p:nvPr/>
-      </p:nvGrpSpPr>
-      <p:grpSpPr>
-        <a:xfrm>
-          <a:off x="0" y="0"/>
-          <a:ext cx="0" cy="0"/>
-          <a:chOff x="0" y="0"/>
-          <a:chExt cx="0" cy="0"/>
-        </a:xfrm>
-      </p:grpSpPr>
-      <p:sp>
-        <p:nvSpPr>
-          <p:cNvPr id="2" name="Inhaltsplatzhalter 1"/>
-          <p:cNvSpPr>
-            <a:spLocks noGrp="1"/>
-          </p:cNvSpPr>
-          <p:nvPr>
-            <p:ph idx="1"/>
-          </p:nvPr>
-        </p:nvSpPr>
-        <p:spPr/>
-        <p:txBody>
-          <a:bodyPr/>
-          <a:lstStyle/>
-          <a:p>
-            <a:r>
-              <a:t>Kurze und knappe Texte, Fließtexte linksbündig, kein Blocksatz</a:t>
-            </a:r>
-          </a:p>
-          <a:p>
-            <a:endParaRPr/>
-          </a:p>
-          <a:p>
-            <a:r>
-              <a:t>Beispiel:</a:t>
-            </a:r>
-          </a:p>
-          <a:p>
-            <a:r>
-              <a:t>Tem soluptam, nisi as verum ereprehendam at acculpa quidisq uissit volupta tusdant utem as etur, odi odis es doluptiae dem nimaion con nossinctenis pora quam voloria consenimus blabore everfer epeliquo maio etur.</a:t>
-            </a:r>
-          </a:p>
-        </p:txBody>
-      </p:sp>
-      <p:sp>
-        <p:nvSpPr>
-          <p:cNvPr id="4" name="Foliennummernplatzhalter 3"/>
-          <p:cNvSpPr>
-            <a:spLocks noGrp="1"/>
-          </p:cNvSpPr>
-          <p:nvPr>
-            <p:ph type="sldNum" sz="quarter" idx="11"/>
-          </p:nvPr>
-        </p:nvSpPr>
-        <p:spPr/>
-        <p:txBody>
-          <a:bodyPr/>
-          <a:lstStyle/>
-          <a:p>
-            <a:fld id="{CE58CB1E-F828-4F11-99E0-327109AF9DA4}" type="slidenum">
-              <a:rPr lang="de-DE" smtClean="0"/>
-              <a:pPr/>
-              <a:t>45</a:t>
-            </a:fld>
-            <a:endParaRPr lang="de-DE" dirty="0"/>
-          </a:p>
-        </p:txBody>
-      </p:sp>
-      <p:sp>
-        <p:nvSpPr>
-          <p:cNvPr id="6" name="Fußzeilenplatzhalter 4"/>
-          <p:cNvSpPr>
-            <a:spLocks noGrp="1"/>
-          </p:cNvSpPr>
-          <p:nvPr>
-            <p:ph type="ftr" sz="quarter" idx="12"/>
-          </p:nvPr>
-        </p:nvSpPr>
-        <p:spPr/>
-        <p:txBody>
-          <a:bodyPr/>
-          <a:lstStyle/>
-          <a:p>
-            <a:r>
-              <a:rPr lang="de-DE"/>
-              <a:t>Dr. rer. nat. Erika Mustermann (TUM) | kann beliebig erweitert werden | Infos mit Strich trennen</a:t>
-            </a:r>
-            <a:endParaRPr lang="en-US" dirty="0"/>
-          </a:p>
-        </p:txBody>
-      </p:sp>
-      <p:sp>
-        <p:nvSpPr>
-          <p:cNvPr id="3" name="Titel 2"/>
-          <p:cNvSpPr>
-            <a:spLocks noGrp="1"/>
-          </p:cNvSpPr>
-          <p:nvPr>
-            <p:ph type="title"/>
-          </p:nvPr>
-        </p:nvSpPr>
-        <p:spPr>
-          <a:prstGeom prst="rect">
-            <a:avLst/>
-          </a:prstGeom>
-        </p:spPr>
-        <p:txBody>
-          <a:bodyPr/>
-          <a:lstStyle/>
-          <a:p>
-            <a:r>
-              <a:rPr dirty="0"/>
-              <a:t>Texte</a:t>
-            </a:r>
-            <a:endParaRPr lang="de-DE" dirty="0"/>
-          </a:p>
-        </p:txBody>
-      </p:sp>
-    </p:spTree>
-  </p:cSld>
-  <p:clrMapOvr>
-    <a:masterClrMapping/>
-  </p:clrMapOvr>
-</p:sld>
-</file>
-
-<file path=ppt/slides/slide46.xml><?xml version="1.0" encoding="utf-8"?>
-<p:sld xmlns:a="http://schemas.openxmlformats.org/drawingml/2006/main" xmlns:r="http://schemas.openxmlformats.org/officeDocument/2006/relationships" xmlns:p="http://schemas.openxmlformats.org/presentationml/2006/main">
-  <p:cSld>
-    <p:spTree>
-      <p:nvGrpSpPr>
-        <p:cNvPr id="1" name=""/>
-        <p:cNvGrpSpPr/>
-        <p:nvPr/>
-      </p:nvGrpSpPr>
-      <p:grpSpPr>
-        <a:xfrm>
-          <a:off x="0" y="0"/>
-          <a:ext cx="0" cy="0"/>
-          <a:chOff x="0" y="0"/>
-          <a:chExt cx="0" cy="0"/>
-        </a:xfrm>
-      </p:grpSpPr>
-      <p:sp>
-        <p:nvSpPr>
-          <p:cNvPr id="2" name="Inhaltsplatzhalter 1"/>
-          <p:cNvSpPr>
-            <a:spLocks noGrp="1"/>
-          </p:cNvSpPr>
-          <p:nvPr>
-            <p:ph idx="1"/>
-          </p:nvPr>
-        </p:nvSpPr>
-        <p:spPr/>
-        <p:txBody>
-          <a:bodyPr/>
-          <a:lstStyle/>
-          <a:p>
-            <a:r>
-              <a:rPr lang="de-DE" dirty="0"/>
-              <a:t>Bei kleinen Aufzählungen auf Aufzählungszeichen verzichten und ggf. zusätzliche Leerzeile</a:t>
-            </a:r>
-          </a:p>
-          <a:p>
-            <a:r>
-              <a:rPr lang="de-DE" dirty="0"/>
-              <a:t>Nur die wesentlichen Punkte nennen und Themen auf verschiedene Seiten splitten.</a:t>
-            </a:r>
-          </a:p>
-          <a:p>
-            <a:endParaRPr lang="de-DE" dirty="0"/>
-          </a:p>
-          <a:p>
-            <a:r>
-              <a:rPr lang="de-DE" dirty="0"/>
-              <a:t>Punkt 1</a:t>
-            </a:r>
-          </a:p>
-          <a:p>
-            <a:endParaRPr lang="de-DE" dirty="0"/>
-          </a:p>
-          <a:p>
-            <a:r>
-              <a:rPr lang="de-DE" dirty="0"/>
-              <a:t>Punkt 2</a:t>
-            </a:r>
-          </a:p>
-          <a:p>
-            <a:endParaRPr lang="de-DE" dirty="0"/>
-          </a:p>
-          <a:p>
-            <a:r>
-              <a:rPr lang="de-DE" dirty="0"/>
-              <a:t>Wenn Unterpunkte in einer Aufzählung nötig sind ist ein Einrücken mit – möglich</a:t>
-            </a:r>
-          </a:p>
-          <a:p>
-            <a:pPr lvl="1"/>
-            <a:r>
-              <a:rPr lang="de-DE" dirty="0"/>
-              <a:t>Unterpunkt 1</a:t>
-            </a:r>
-          </a:p>
-          <a:p>
-            <a:pPr lvl="2"/>
-            <a:r>
-              <a:rPr lang="de-DE" dirty="0"/>
-              <a:t>Unterpunkt 1</a:t>
-            </a:r>
-          </a:p>
-          <a:p>
-            <a:pPr lvl="2"/>
-            <a:r>
-              <a:rPr lang="de-DE" dirty="0"/>
-              <a:t>Unterpunkt 2</a:t>
-            </a:r>
-          </a:p>
-          <a:p>
-            <a:endParaRPr lang="de-DE" dirty="0"/>
-          </a:p>
-          <a:p>
-            <a:r>
-              <a:rPr lang="de-DE" dirty="0"/>
-              <a:t>Bei größeren Listen die Standardeinstellung • verwenden</a:t>
-            </a:r>
-          </a:p>
-          <a:p>
-            <a:pPr lvl="1"/>
-            <a:r>
-              <a:rPr lang="de-DE" dirty="0"/>
-              <a:t>Unterpunkt 1</a:t>
-            </a:r>
-          </a:p>
-          <a:p>
-            <a:pPr lvl="1"/>
-            <a:r>
-              <a:rPr lang="de-DE" dirty="0"/>
-              <a:t>Unterpunkt 2</a:t>
-            </a:r>
-          </a:p>
-          <a:p>
-            <a:pPr lvl="1"/>
-            <a:r>
-              <a:rPr lang="de-DE" dirty="0"/>
-              <a:t>Unterpunkt 3</a:t>
-            </a:r>
-          </a:p>
-        </p:txBody>
-      </p:sp>
-      <p:sp>
-        <p:nvSpPr>
-          <p:cNvPr id="4" name="Foliennummernplatzhalter 3"/>
-          <p:cNvSpPr>
-            <a:spLocks noGrp="1"/>
-          </p:cNvSpPr>
-          <p:nvPr>
-            <p:ph type="sldNum" sz="quarter" idx="11"/>
-          </p:nvPr>
-        </p:nvSpPr>
-        <p:spPr/>
-        <p:txBody>
-          <a:bodyPr/>
-          <a:lstStyle/>
-          <a:p>
-            <a:fld id="{CE58CB1E-F828-4F11-99E0-327109AF9DA4}" type="slidenum">
-              <a:rPr lang="de-DE" smtClean="0"/>
-              <a:pPr/>
-              <a:t>46</a:t>
-            </a:fld>
-            <a:endParaRPr lang="de-DE" dirty="0"/>
-          </a:p>
-        </p:txBody>
-      </p:sp>
-      <p:sp>
-        <p:nvSpPr>
-          <p:cNvPr id="5" name="Fußzeilenplatzhalter 4"/>
-          <p:cNvSpPr>
-            <a:spLocks noGrp="1"/>
-          </p:cNvSpPr>
-          <p:nvPr>
-            <p:ph type="ftr" sz="quarter" idx="12"/>
-          </p:nvPr>
-        </p:nvSpPr>
-        <p:spPr/>
-        <p:txBody>
-          <a:bodyPr/>
-          <a:lstStyle/>
-          <a:p>
-            <a:r>
-              <a:rPr lang="de-DE"/>
-              <a:t>Dr. rer. nat. Erika Mustermann (TUM) | kann beliebig erweitert werden | Infos mit Strich trennen</a:t>
-            </a:r>
-            <a:endParaRPr lang="en-US" dirty="0"/>
-          </a:p>
-        </p:txBody>
-      </p:sp>
-      <p:sp>
-        <p:nvSpPr>
-          <p:cNvPr id="3" name="Titel 2"/>
-          <p:cNvSpPr>
-            <a:spLocks noGrp="1"/>
-          </p:cNvSpPr>
-          <p:nvPr>
-            <p:ph type="title"/>
-          </p:nvPr>
-        </p:nvSpPr>
-        <p:spPr/>
-        <p:txBody>
-          <a:bodyPr/>
-          <a:lstStyle/>
-          <a:p>
-            <a:r>
-              <a:rPr lang="de-DE"/>
-              <a:t>Aufzählung</a:t>
-            </a:r>
-            <a:endParaRPr lang="de-DE" dirty="0"/>
-          </a:p>
-        </p:txBody>
-      </p:sp>
-    </p:spTree>
-  </p:cSld>
-  <p:clrMapOvr>
-    <a:masterClrMapping/>
-  </p:clrMapOvr>
-</p:sld>
-</file>
-
-<file path=ppt/slides/slide47.xml><?xml version="1.0" encoding="utf-8"?>
-<p:sld xmlns:a="http://schemas.openxmlformats.org/drawingml/2006/main" xmlns:r="http://schemas.openxmlformats.org/officeDocument/2006/relationships" xmlns:p="http://schemas.openxmlformats.org/presentationml/2006/main">
-  <p:cSld>
-    <p:spTree>
-      <p:nvGrpSpPr>
-        <p:cNvPr id="1" name=""/>
-        <p:cNvGrpSpPr/>
-        <p:nvPr/>
-      </p:nvGrpSpPr>
-      <p:grpSpPr>
-        <a:xfrm>
-          <a:off x="0" y="0"/>
-          <a:ext cx="0" cy="0"/>
-          <a:chOff x="0" y="0"/>
-          <a:chExt cx="0" cy="0"/>
-        </a:xfrm>
-      </p:grpSpPr>
-      <p:sp>
-        <p:nvSpPr>
-          <p:cNvPr id="2" name="Inhaltsplatzhalter 1"/>
-          <p:cNvSpPr>
-            <a:spLocks noGrp="1"/>
-          </p:cNvSpPr>
-          <p:nvPr>
-            <p:ph idx="1"/>
-          </p:nvPr>
-        </p:nvSpPr>
-        <p:spPr/>
-        <p:txBody>
-          <a:bodyPr/>
-          <a:lstStyle/>
-          <a:p>
-            <a:r>
-              <a:t>schlichte Darstellung von Informationen</a:t>
-            </a:r>
-          </a:p>
-          <a:p>
-            <a:endParaRPr/>
-          </a:p>
-          <a:p>
-            <a:r>
-              <a:t>reduzierte Farben</a:t>
-            </a:r>
-          </a:p>
-          <a:p>
-            <a:endParaRPr/>
-          </a:p>
-          <a:p>
-            <a:r>
-              <a:t>Rahmen und Überlagerungen nach Möglichkeit vermeiden</a:t>
-            </a:r>
-          </a:p>
-          <a:p>
-            <a:endParaRPr dirty="0"/>
-          </a:p>
-        </p:txBody>
-      </p:sp>
-      <p:sp>
-        <p:nvSpPr>
-          <p:cNvPr id="4" name="Foliennummernplatzhalter 3"/>
-          <p:cNvSpPr>
-            <a:spLocks noGrp="1"/>
-          </p:cNvSpPr>
-          <p:nvPr>
-            <p:ph type="sldNum" sz="quarter" idx="11"/>
-          </p:nvPr>
-        </p:nvSpPr>
-        <p:spPr/>
-        <p:txBody>
-          <a:bodyPr/>
-          <a:lstStyle/>
-          <a:p>
-            <a:fld id="{CE58CB1E-F828-4F11-99E0-327109AF9DA4}" type="slidenum">
-              <a:rPr lang="de-DE" smtClean="0"/>
-              <a:pPr/>
-              <a:t>47</a:t>
-            </a:fld>
-            <a:endParaRPr lang="de-DE" dirty="0"/>
-          </a:p>
-        </p:txBody>
-      </p:sp>
-      <p:sp>
-        <p:nvSpPr>
-          <p:cNvPr id="6" name="Fußzeilenplatzhalter 4"/>
-          <p:cNvSpPr>
-            <a:spLocks noGrp="1"/>
-          </p:cNvSpPr>
-          <p:nvPr>
-            <p:ph type="ftr" sz="quarter" idx="12"/>
-          </p:nvPr>
-        </p:nvSpPr>
-        <p:spPr/>
-        <p:txBody>
-          <a:bodyPr/>
-          <a:lstStyle/>
-          <a:p>
-            <a:r>
-              <a:rPr lang="de-DE"/>
-              <a:t>Dr. rer. nat. Erika Mustermann (TUM) | kann beliebig erweitert werden | Infos mit Strich trennen</a:t>
-            </a:r>
-            <a:endParaRPr lang="en-US" dirty="0"/>
-          </a:p>
-        </p:txBody>
-      </p:sp>
-      <p:sp>
-        <p:nvSpPr>
-          <p:cNvPr id="3" name="Titel 2"/>
-          <p:cNvSpPr>
-            <a:spLocks noGrp="1"/>
-          </p:cNvSpPr>
-          <p:nvPr>
-            <p:ph type="title"/>
-          </p:nvPr>
-        </p:nvSpPr>
-        <p:spPr>
-          <a:prstGeom prst="rect">
-            <a:avLst/>
-          </a:prstGeom>
-        </p:spPr>
-        <p:txBody>
-          <a:bodyPr/>
-          <a:lstStyle/>
-          <a:p>
-            <a:r>
-              <a:rPr sz="3000"/>
-              <a:t>Bilder - Allgemein</a:t>
-            </a:r>
-            <a:endParaRPr lang="de-DE" sz="3000" dirty="0"/>
-          </a:p>
-        </p:txBody>
-      </p:sp>
-    </p:spTree>
-  </p:cSld>
-  <p:clrMapOvr>
-    <a:masterClrMapping/>
-  </p:clrMapOvr>
-</p:sld>
-</file>
-
-<file path=ppt/slides/slide48.xml><?xml version="1.0" encoding="utf-8"?>
-<p:sld xmlns:a="http://schemas.openxmlformats.org/drawingml/2006/main" xmlns:r="http://schemas.openxmlformats.org/officeDocument/2006/relationships" xmlns:p="http://schemas.openxmlformats.org/presentationml/2006/main">
-  <p:cSld>
-    <p:spTree>
-      <p:nvGrpSpPr>
-        <p:cNvPr id="1" name=""/>
-        <p:cNvGrpSpPr/>
-        <p:nvPr/>
-      </p:nvGrpSpPr>
-      <p:grpSpPr>
-        <a:xfrm>
-          <a:off x="0" y="0"/>
-          <a:ext cx="0" cy="0"/>
-          <a:chOff x="0" y="0"/>
-          <a:chExt cx="0" cy="0"/>
-        </a:xfrm>
-      </p:grpSpPr>
-      <p:sp>
-        <p:nvSpPr>
-          <p:cNvPr id="3" name="Textplatzhalter 2"/>
-          <p:cNvSpPr>
-            <a:spLocks noGrp="1"/>
-          </p:cNvSpPr>
-          <p:nvPr>
-            <p:ph type="body" sz="quarter" idx="13"/>
-          </p:nvPr>
-        </p:nvSpPr>
-        <p:spPr/>
-        <p:txBody>
-          <a:bodyPr/>
-          <a:lstStyle/>
-          <a:p>
-            <a:r>
-              <a:rPr lang="de-DE"/>
-              <a:t>Bildbeschreibung</a:t>
-            </a:r>
-            <a:br>
-              <a:rPr lang="de-DE"/>
-            </a:br>
-            <a:r>
-              <a:rPr lang="de-DE"/>
-              <a:t>oberer Bildrand: Begrenzung durch Text</a:t>
-            </a:r>
-          </a:p>
-        </p:txBody>
-      </p:sp>
-      <p:sp>
-        <p:nvSpPr>
-          <p:cNvPr id="5" name="Foliennummernplatzhalter 4"/>
-          <p:cNvSpPr>
-            <a:spLocks noGrp="1"/>
-          </p:cNvSpPr>
-          <p:nvPr>
-            <p:ph type="sldNum" sz="quarter" idx="15"/>
-          </p:nvPr>
-        </p:nvSpPr>
-        <p:spPr/>
-        <p:txBody>
-          <a:bodyPr/>
-          <a:lstStyle/>
-          <a:p>
-            <a:fld id="{CE58CB1E-F828-4F11-99E0-327109AF9DA4}" type="slidenum">
-              <a:rPr lang="de-DE" smtClean="0"/>
-              <a:pPr/>
-              <a:t>48</a:t>
-            </a:fld>
-            <a:endParaRPr lang="de-DE" dirty="0"/>
-          </a:p>
-        </p:txBody>
-      </p:sp>
-      <p:sp>
-        <p:nvSpPr>
-          <p:cNvPr id="10" name="Fußzeilenplatzhalter 4"/>
-          <p:cNvSpPr>
-            <a:spLocks noGrp="1"/>
-          </p:cNvSpPr>
-          <p:nvPr>
-            <p:ph type="ftr" sz="quarter" idx="16"/>
-          </p:nvPr>
-        </p:nvSpPr>
-        <p:spPr/>
-        <p:txBody>
-          <a:bodyPr/>
-          <a:lstStyle/>
-          <a:p>
-            <a:r>
-              <a:rPr lang="de-DE"/>
-              <a:t>Dr. rer. nat. Erika Mustermann (TUM) | kann beliebig erweitert werden | Infos mit Strich trennen</a:t>
-            </a:r>
-            <a:endParaRPr lang="en-US" dirty="0"/>
-          </a:p>
-        </p:txBody>
-      </p:sp>
-      <p:sp>
-        <p:nvSpPr>
-          <p:cNvPr id="22" name="Inhaltsplatzhalter 21"/>
-          <p:cNvSpPr>
-            <a:spLocks noGrp="1"/>
-          </p:cNvSpPr>
-          <p:nvPr>
-            <p:ph sz="quarter" idx="18"/>
-          </p:nvPr>
-        </p:nvSpPr>
-        <p:spPr/>
-        <p:txBody>
-          <a:bodyPr/>
-          <a:lstStyle/>
-          <a:p>
-            <a:endParaRPr lang="de-DE"/>
-          </a:p>
-        </p:txBody>
-      </p:sp>
-      <p:sp>
-        <p:nvSpPr>
-          <p:cNvPr id="21" name="Bildplatzhalter 20"/>
-          <p:cNvSpPr>
-            <a:spLocks noGrp="1"/>
-          </p:cNvSpPr>
-          <p:nvPr>
-            <p:ph type="pic" sz="quarter" idx="14"/>
-          </p:nvPr>
-        </p:nvSpPr>
-        <p:spPr/>
-      </p:sp>
-      <p:sp>
-        <p:nvSpPr>
-          <p:cNvPr id="4" name="Titel 3"/>
-          <p:cNvSpPr>
-            <a:spLocks noGrp="1"/>
-          </p:cNvSpPr>
-          <p:nvPr>
-            <p:ph type="title"/>
-          </p:nvPr>
-        </p:nvSpPr>
-        <p:spPr/>
-        <p:txBody>
-          <a:bodyPr/>
-          <a:lstStyle/>
-          <a:p>
-            <a:r>
-              <a:rPr lang="de-DE"/>
-              <a:t>Bilder</a:t>
-            </a:r>
-            <a:endParaRPr lang="de-DE" dirty="0"/>
-          </a:p>
-        </p:txBody>
-      </p:sp>
-    </p:spTree>
-  </p:cSld>
-  <p:clrMapOvr>
-    <a:masterClrMapping/>
-  </p:clrMapOvr>
-</p:sld>
-</file>
-
-<file path=ppt/slides/slide49.xml><?xml version="1.0" encoding="utf-8"?>
-<p:sld xmlns:a="http://schemas.openxmlformats.org/drawingml/2006/main" xmlns:r="http://schemas.openxmlformats.org/officeDocument/2006/relationships" xmlns:p="http://schemas.openxmlformats.org/presentationml/2006/main">
-  <p:cSld>
-    <p:spTree>
-      <p:nvGrpSpPr>
-        <p:cNvPr id="1" name=""/>
-        <p:cNvGrpSpPr/>
-        <p:nvPr/>
-      </p:nvGrpSpPr>
-      <p:grpSpPr>
-        <a:xfrm>
-          <a:off x="0" y="0"/>
-          <a:ext cx="0" cy="0"/>
-          <a:chOff x="0" y="0"/>
-          <a:chExt cx="0" cy="0"/>
-        </a:xfrm>
-      </p:grpSpPr>
-      <p:sp>
-        <p:nvSpPr>
-          <p:cNvPr id="3" name="Textplatzhalter 2"/>
-          <p:cNvSpPr>
-            <a:spLocks noGrp="1"/>
-          </p:cNvSpPr>
-          <p:nvPr>
-            <p:ph idx="14"/>
-          </p:nvPr>
-        </p:nvSpPr>
-        <p:spPr/>
-        <p:txBody>
-          <a:bodyPr/>
-          <a:lstStyle/>
-          <a:p>
-            <a:r>
-              <a:rPr lang="de-DE" dirty="0"/>
-              <a:t>Überschrift 2</a:t>
-            </a:r>
-          </a:p>
-          <a:p>
-            <a:r>
-              <a:rPr lang="de-DE" dirty="0"/>
-              <a:t>Hier steht ein einleitender oder beschreibender Fließtext und nach Wunsch eine Aufzählung</a:t>
-            </a:r>
-          </a:p>
-          <a:p>
-            <a:endParaRPr lang="de-DE" dirty="0"/>
-          </a:p>
-          <a:p>
-            <a:r>
-              <a:rPr lang="de-DE" dirty="0"/>
-              <a:t>Punkt 1</a:t>
-            </a:r>
-          </a:p>
-          <a:p>
-            <a:endParaRPr lang="de-DE" dirty="0"/>
-          </a:p>
-          <a:p>
-            <a:r>
-              <a:rPr lang="de-DE" dirty="0"/>
-              <a:t>Punkt 2</a:t>
-            </a:r>
-          </a:p>
-          <a:p>
-            <a:endParaRPr lang="de-DE" dirty="0"/>
-          </a:p>
-          <a:p>
-            <a:r>
-              <a:rPr lang="de-DE" dirty="0"/>
-              <a:t>Punkt 3</a:t>
-            </a:r>
-          </a:p>
-          <a:p>
-            <a:endParaRPr lang="de-DE" dirty="0"/>
-          </a:p>
-          <a:p>
-            <a:r>
-              <a:rPr lang="de-DE" dirty="0"/>
-              <a:t>Punkt 4</a:t>
-            </a:r>
-          </a:p>
-          <a:p>
-            <a:endParaRPr lang="de-DE" dirty="0"/>
-          </a:p>
-          <a:p>
-            <a:endParaRPr lang="de-DE" dirty="0"/>
-          </a:p>
-        </p:txBody>
-      </p:sp>
-      <p:sp>
-        <p:nvSpPr>
-          <p:cNvPr id="18" name="Inhaltsplatzhalter 17"/>
-          <p:cNvSpPr>
-            <a:spLocks noGrp="1"/>
-          </p:cNvSpPr>
-          <p:nvPr>
-            <p:ph idx="15"/>
-          </p:nvPr>
-        </p:nvSpPr>
-        <p:spPr/>
-        <p:txBody>
-          <a:bodyPr/>
-          <a:lstStyle/>
-          <a:p>
-            <a:endParaRPr lang="de-DE"/>
-          </a:p>
-        </p:txBody>
-      </p:sp>
-      <p:sp>
-        <p:nvSpPr>
-          <p:cNvPr id="5" name="Foliennummernplatzhalter 4"/>
-          <p:cNvSpPr>
-            <a:spLocks noGrp="1"/>
-          </p:cNvSpPr>
-          <p:nvPr>
-            <p:ph type="sldNum" sz="quarter" idx="16"/>
-          </p:nvPr>
-        </p:nvSpPr>
-        <p:spPr/>
-        <p:txBody>
-          <a:bodyPr/>
-          <a:lstStyle/>
-          <a:p>
-            <a:fld id="{CE58CB1E-F828-4F11-99E0-327109AF9DA4}" type="slidenum">
-              <a:rPr lang="de-DE" smtClean="0"/>
-              <a:pPr/>
-              <a:t>49</a:t>
-            </a:fld>
-            <a:endParaRPr lang="de-DE" dirty="0"/>
-          </a:p>
-        </p:txBody>
-      </p:sp>
-      <p:sp>
-        <p:nvSpPr>
-          <p:cNvPr id="7" name="Fußzeilenplatzhalter 4"/>
-          <p:cNvSpPr>
-            <a:spLocks noGrp="1"/>
-          </p:cNvSpPr>
-          <p:nvPr>
-            <p:ph type="ftr" sz="quarter" idx="17"/>
-          </p:nvPr>
-        </p:nvSpPr>
-        <p:spPr/>
-        <p:txBody>
-          <a:bodyPr/>
-          <a:lstStyle/>
-          <a:p>
-            <a:r>
-              <a:rPr lang="de-DE"/>
-              <a:t>Dr. rer. nat. Erika Mustermann (TUM) | kann beliebig erweitert werden | Infos mit Strich trennen</a:t>
-            </a:r>
-            <a:endParaRPr lang="en-US" dirty="0"/>
-          </a:p>
-        </p:txBody>
-      </p:sp>
-      <p:sp>
-        <p:nvSpPr>
-          <p:cNvPr id="4" name="Titel 3"/>
-          <p:cNvSpPr>
-            <a:spLocks noGrp="1"/>
-          </p:cNvSpPr>
-          <p:nvPr>
-            <p:ph type="title"/>
-          </p:nvPr>
-        </p:nvSpPr>
-        <p:spPr/>
-        <p:txBody>
-          <a:bodyPr/>
-          <a:lstStyle/>
-          <a:p>
-            <a:r>
-              <a:rPr lang="de-DE"/>
-              <a:t>Bilder</a:t>
-            </a:r>
-            <a:endParaRPr lang="de-DE" dirty="0"/>
-          </a:p>
-        </p:txBody>
-      </p:sp>
-    </p:spTree>
   </p:cSld>
   <p:clrMapOvr>
     <a:masterClrMapping/>
@@ -35762,2216 +32542,6 @@
         <p14:creationId xmlns:p14="http://schemas.microsoft.com/office/powerpoint/2010/main" val="1347240132"/>
       </p:ext>
     </p:extLst>
-  </p:cSld>
-  <p:clrMapOvr>
-    <a:masterClrMapping/>
-  </p:clrMapOvr>
-</p:sld>
-</file>
-
-<file path=ppt/slides/slide50.xml><?xml version="1.0" encoding="utf-8"?>
-<p:sld xmlns:a="http://schemas.openxmlformats.org/drawingml/2006/main" xmlns:r="http://schemas.openxmlformats.org/officeDocument/2006/relationships" xmlns:p="http://schemas.openxmlformats.org/presentationml/2006/main">
-  <p:cSld>
-    <p:spTree>
-      <p:nvGrpSpPr>
-        <p:cNvPr id="1" name=""/>
-        <p:cNvGrpSpPr/>
-        <p:nvPr/>
-      </p:nvGrpSpPr>
-      <p:grpSpPr>
-        <a:xfrm>
-          <a:off x="0" y="0"/>
-          <a:ext cx="0" cy="0"/>
-          <a:chOff x="0" y="0"/>
-          <a:chExt cx="0" cy="0"/>
-        </a:xfrm>
-      </p:grpSpPr>
-      <p:sp>
-        <p:nvSpPr>
-          <p:cNvPr id="18" name="Inhaltsplatzhalter 17"/>
-          <p:cNvSpPr>
-            <a:spLocks noGrp="1"/>
-          </p:cNvSpPr>
-          <p:nvPr>
-            <p:ph idx="1"/>
-          </p:nvPr>
-        </p:nvSpPr>
-        <p:spPr/>
-        <p:txBody>
-          <a:bodyPr/>
-          <a:lstStyle/>
-          <a:p>
-            <a:endParaRPr lang="de-DE"/>
-          </a:p>
-        </p:txBody>
-      </p:sp>
-      <p:sp>
-        <p:nvSpPr>
-          <p:cNvPr id="5" name="Foliennummernplatzhalter 4"/>
-          <p:cNvSpPr>
-            <a:spLocks noGrp="1"/>
-          </p:cNvSpPr>
-          <p:nvPr>
-            <p:ph type="sldNum" sz="quarter" idx="11"/>
-          </p:nvPr>
-        </p:nvSpPr>
-        <p:spPr/>
-        <p:txBody>
-          <a:bodyPr/>
-          <a:lstStyle/>
-          <a:p>
-            <a:fld id="{CE58CB1E-F828-4F11-99E0-327109AF9DA4}" type="slidenum">
-              <a:rPr lang="de-DE" smtClean="0"/>
-              <a:pPr/>
-              <a:t>50</a:t>
-            </a:fld>
-            <a:endParaRPr lang="de-DE" dirty="0"/>
-          </a:p>
-        </p:txBody>
-      </p:sp>
-      <p:sp>
-        <p:nvSpPr>
-          <p:cNvPr id="8" name="Fußzeilenplatzhalter 4"/>
-          <p:cNvSpPr>
-            <a:spLocks noGrp="1"/>
-          </p:cNvSpPr>
-          <p:nvPr>
-            <p:ph type="ftr" sz="quarter" idx="12"/>
-          </p:nvPr>
-        </p:nvSpPr>
-        <p:spPr/>
-        <p:txBody>
-          <a:bodyPr/>
-          <a:lstStyle/>
-          <a:p>
-            <a:r>
-              <a:rPr lang="de-DE"/>
-              <a:t>Dr. rer. nat. Erika Mustermann (TUM) | kann beliebig erweitert werden | Infos mit Strich trennen</a:t>
-            </a:r>
-            <a:endParaRPr lang="en-US" dirty="0"/>
-          </a:p>
-        </p:txBody>
-      </p:sp>
-      <p:sp>
-        <p:nvSpPr>
-          <p:cNvPr id="3" name="Textplatzhalter 2"/>
-          <p:cNvSpPr>
-            <a:spLocks noGrp="1"/>
-          </p:cNvSpPr>
-          <p:nvPr>
-            <p:ph type="body" sz="quarter" idx="13"/>
-          </p:nvPr>
-        </p:nvSpPr>
-        <p:spPr/>
-        <p:txBody>
-          <a:bodyPr/>
-          <a:lstStyle/>
-          <a:p>
-            <a:r>
-              <a:rPr lang="de-DE"/>
-              <a:t>Bildbeschreibung</a:t>
-            </a:r>
-            <a:br>
-              <a:rPr lang="de-DE"/>
-            </a:br>
-            <a:r>
-              <a:rPr lang="de-DE"/>
-              <a:t>oberer Bildrand: Begrenzung durch Text</a:t>
-            </a:r>
-          </a:p>
-        </p:txBody>
-      </p:sp>
-      <p:sp>
-        <p:nvSpPr>
-          <p:cNvPr id="4" name="Titel 3"/>
-          <p:cNvSpPr>
-            <a:spLocks noGrp="1"/>
-          </p:cNvSpPr>
-          <p:nvPr>
-            <p:ph type="title"/>
-          </p:nvPr>
-        </p:nvSpPr>
-        <p:spPr/>
-        <p:txBody>
-          <a:bodyPr/>
-          <a:lstStyle/>
-          <a:p>
-            <a:r>
-              <a:rPr lang="de-DE"/>
-              <a:t>Bilder</a:t>
-            </a:r>
-            <a:endParaRPr lang="de-DE" dirty="0"/>
-          </a:p>
-        </p:txBody>
-      </p:sp>
-    </p:spTree>
-  </p:cSld>
-  <p:clrMapOvr>
-    <a:masterClrMapping/>
-  </p:clrMapOvr>
-</p:sld>
-</file>
-
-<file path=ppt/slides/slide51.xml><?xml version="1.0" encoding="utf-8"?>
-<p:sld xmlns:a="http://schemas.openxmlformats.org/drawingml/2006/main" xmlns:r="http://schemas.openxmlformats.org/officeDocument/2006/relationships" xmlns:p="http://schemas.openxmlformats.org/presentationml/2006/main">
-  <p:cSld>
-    <p:spTree>
-      <p:nvGrpSpPr>
-        <p:cNvPr id="1" name=""/>
-        <p:cNvGrpSpPr/>
-        <p:nvPr/>
-      </p:nvGrpSpPr>
-      <p:grpSpPr>
-        <a:xfrm>
-          <a:off x="0" y="0"/>
-          <a:ext cx="0" cy="0"/>
-          <a:chOff x="0" y="0"/>
-          <a:chExt cx="0" cy="0"/>
-        </a:xfrm>
-      </p:grpSpPr>
-      <p:sp>
-        <p:nvSpPr>
-          <p:cNvPr id="3" name="Textplatzhalter 2"/>
-          <p:cNvSpPr>
-            <a:spLocks noGrp="1"/>
-          </p:cNvSpPr>
-          <p:nvPr>
-            <p:ph type="body" sz="quarter" idx="13"/>
-          </p:nvPr>
-        </p:nvSpPr>
-        <p:spPr/>
-        <p:txBody>
-          <a:bodyPr/>
-          <a:lstStyle/>
-          <a:p>
-            <a:r>
-              <a:rPr lang="de-DE"/>
-              <a:t>Bildbeschreibung</a:t>
-            </a:r>
-            <a:br>
-              <a:rPr lang="de-DE"/>
-            </a:br>
-            <a:r>
-              <a:rPr lang="de-DE"/>
-              <a:t>oberer Bildrand: Begrenzung durch Text</a:t>
-            </a:r>
-          </a:p>
-        </p:txBody>
-      </p:sp>
-      <p:sp>
-        <p:nvSpPr>
-          <p:cNvPr id="5" name="Foliennummernplatzhalter 4"/>
-          <p:cNvSpPr>
-            <a:spLocks noGrp="1"/>
-          </p:cNvSpPr>
-          <p:nvPr>
-            <p:ph type="sldNum" sz="quarter" idx="15"/>
-          </p:nvPr>
-        </p:nvSpPr>
-        <p:spPr/>
-        <p:txBody>
-          <a:bodyPr/>
-          <a:lstStyle/>
-          <a:p>
-            <a:fld id="{CE58CB1E-F828-4F11-99E0-327109AF9DA4}" type="slidenum">
-              <a:rPr lang="de-DE" smtClean="0"/>
-              <a:pPr/>
-              <a:t>51</a:t>
-            </a:fld>
-            <a:endParaRPr lang="de-DE" dirty="0"/>
-          </a:p>
-        </p:txBody>
-      </p:sp>
-      <p:sp>
-        <p:nvSpPr>
-          <p:cNvPr id="6" name="Fußzeilenplatzhalter 5"/>
-          <p:cNvSpPr>
-            <a:spLocks noGrp="1"/>
-          </p:cNvSpPr>
-          <p:nvPr>
-            <p:ph type="ftr" sz="quarter" idx="16"/>
-          </p:nvPr>
-        </p:nvSpPr>
-        <p:spPr/>
-        <p:txBody>
-          <a:bodyPr/>
-          <a:lstStyle/>
-          <a:p>
-            <a:r>
-              <a:rPr lang="de-DE" noProof="0"/>
-              <a:t>Dr. rer. nat. Erika Mustermann (TUM) | kann beliebig erweitert werden | Infos mit Strich trennen</a:t>
-            </a:r>
-          </a:p>
-        </p:txBody>
-      </p:sp>
-      <p:sp>
-        <p:nvSpPr>
-          <p:cNvPr id="17" name="Bildplatzhalter 16"/>
-          <p:cNvSpPr>
-            <a:spLocks noGrp="1"/>
-          </p:cNvSpPr>
-          <p:nvPr>
-            <p:ph type="pic" sz="quarter" idx="17"/>
-          </p:nvPr>
-        </p:nvSpPr>
-        <p:spPr/>
-      </p:sp>
-      <p:sp>
-        <p:nvSpPr>
-          <p:cNvPr id="4" name="Titel 3"/>
-          <p:cNvSpPr>
-            <a:spLocks noGrp="1"/>
-          </p:cNvSpPr>
-          <p:nvPr>
-            <p:ph type="title"/>
-          </p:nvPr>
-        </p:nvSpPr>
-        <p:spPr/>
-        <p:txBody>
-          <a:bodyPr/>
-          <a:lstStyle/>
-          <a:p>
-            <a:r>
-              <a:rPr lang="de-DE"/>
-              <a:t>Bilder</a:t>
-            </a:r>
-            <a:endParaRPr lang="de-DE" dirty="0"/>
-          </a:p>
-        </p:txBody>
-      </p:sp>
-    </p:spTree>
-  </p:cSld>
-  <p:clrMapOvr>
-    <a:masterClrMapping/>
-  </p:clrMapOvr>
-</p:sld>
-</file>
-
-<file path=ppt/slides/slide52.xml><?xml version="1.0" encoding="utf-8"?>
-<p:sld xmlns:a="http://schemas.openxmlformats.org/drawingml/2006/main" xmlns:r="http://schemas.openxmlformats.org/officeDocument/2006/relationships" xmlns:p="http://schemas.openxmlformats.org/presentationml/2006/main">
-  <p:cSld>
-    <p:spTree>
-      <p:nvGrpSpPr>
-        <p:cNvPr id="1" name=""/>
-        <p:cNvGrpSpPr/>
-        <p:nvPr/>
-      </p:nvGrpSpPr>
-      <p:grpSpPr>
-        <a:xfrm>
-          <a:off x="0" y="0"/>
-          <a:ext cx="0" cy="0"/>
-          <a:chOff x="0" y="0"/>
-          <a:chExt cx="0" cy="0"/>
-        </a:xfrm>
-      </p:grpSpPr>
-      <p:sp>
-        <p:nvSpPr>
-          <p:cNvPr id="3" name="Textplatzhalter 2"/>
-          <p:cNvSpPr>
-            <a:spLocks noGrp="1"/>
-          </p:cNvSpPr>
-          <p:nvPr>
-            <p:ph type="body" sz="quarter" idx="13"/>
-          </p:nvPr>
-        </p:nvSpPr>
-        <p:spPr/>
-        <p:txBody>
-          <a:bodyPr/>
-          <a:lstStyle/>
-          <a:p>
-            <a:r>
-              <a:rPr lang="de-DE"/>
-              <a:t>Weißer bzw. transparenter Hintergrund</a:t>
-            </a:r>
-            <a:br>
-              <a:rPr lang="de-DE"/>
-            </a:br>
-            <a:r>
-              <a:rPr lang="de-DE"/>
-              <a:t>mit genug Freiraum anordnen</a:t>
-            </a:r>
-            <a:endParaRPr lang="de-DE" dirty="0"/>
-          </a:p>
-        </p:txBody>
-      </p:sp>
-      <p:sp>
-        <p:nvSpPr>
-          <p:cNvPr id="5" name="Foliennummernplatzhalter 4"/>
-          <p:cNvSpPr>
-            <a:spLocks noGrp="1"/>
-          </p:cNvSpPr>
-          <p:nvPr>
-            <p:ph type="sldNum" sz="quarter" idx="15"/>
-          </p:nvPr>
-        </p:nvSpPr>
-        <p:spPr/>
-        <p:txBody>
-          <a:bodyPr/>
-          <a:lstStyle/>
-          <a:p>
-            <a:fld id="{CE58CB1E-F828-4F11-99E0-327109AF9DA4}" type="slidenum">
-              <a:rPr lang="de-DE" smtClean="0"/>
-              <a:pPr/>
-              <a:t>52</a:t>
-            </a:fld>
-            <a:endParaRPr lang="de-DE" dirty="0"/>
-          </a:p>
-        </p:txBody>
-      </p:sp>
-      <p:sp>
-        <p:nvSpPr>
-          <p:cNvPr id="10" name="Fußzeilenplatzhalter 4"/>
-          <p:cNvSpPr>
-            <a:spLocks noGrp="1"/>
-          </p:cNvSpPr>
-          <p:nvPr>
-            <p:ph type="ftr" sz="quarter" idx="16"/>
-          </p:nvPr>
-        </p:nvSpPr>
-        <p:spPr/>
-        <p:txBody>
-          <a:bodyPr/>
-          <a:lstStyle/>
-          <a:p>
-            <a:r>
-              <a:rPr lang="de-DE"/>
-              <a:t>Dr. rer. nat. Erika Mustermann (TUM) | kann beliebig erweitert werden | Infos mit Strich trennen</a:t>
-            </a:r>
-            <a:endParaRPr lang="en-US" dirty="0"/>
-          </a:p>
-        </p:txBody>
-      </p:sp>
-      <p:sp>
-        <p:nvSpPr>
-          <p:cNvPr id="18" name="Bildplatzhalter 17"/>
-          <p:cNvSpPr>
-            <a:spLocks noGrp="1"/>
-          </p:cNvSpPr>
-          <p:nvPr>
-            <p:ph type="pic" sz="quarter" idx="17"/>
-          </p:nvPr>
-        </p:nvSpPr>
-        <p:spPr/>
-      </p:sp>
-      <p:sp>
-        <p:nvSpPr>
-          <p:cNvPr id="4" name="Titel 3"/>
-          <p:cNvSpPr>
-            <a:spLocks noGrp="1"/>
-          </p:cNvSpPr>
-          <p:nvPr>
-            <p:ph type="title"/>
-          </p:nvPr>
-        </p:nvSpPr>
-        <p:spPr/>
-        <p:txBody>
-          <a:bodyPr/>
-          <a:lstStyle/>
-          <a:p>
-            <a:r>
-              <a:rPr lang="de-DE"/>
-              <a:t>Nicht formatfüllende Bilder</a:t>
-            </a:r>
-            <a:endParaRPr lang="de-DE" dirty="0"/>
-          </a:p>
-        </p:txBody>
-      </p:sp>
-    </p:spTree>
-  </p:cSld>
-  <p:clrMapOvr>
-    <a:masterClrMapping/>
-  </p:clrMapOvr>
-</p:sld>
-</file>
-
-<file path=ppt/slides/slide53.xml><?xml version="1.0" encoding="utf-8"?>
-<p:sld xmlns:a="http://schemas.openxmlformats.org/drawingml/2006/main" xmlns:r="http://schemas.openxmlformats.org/officeDocument/2006/relationships" xmlns:p="http://schemas.openxmlformats.org/presentationml/2006/main">
-  <p:cSld>
-    <p:spTree>
-      <p:nvGrpSpPr>
-        <p:cNvPr id="1" name=""/>
-        <p:cNvGrpSpPr/>
-        <p:nvPr/>
-      </p:nvGrpSpPr>
-      <p:grpSpPr>
-        <a:xfrm>
-          <a:off x="0" y="0"/>
-          <a:ext cx="0" cy="0"/>
-          <a:chOff x="0" y="0"/>
-          <a:chExt cx="0" cy="0"/>
-        </a:xfrm>
-      </p:grpSpPr>
-      <p:sp>
-        <p:nvSpPr>
-          <p:cNvPr id="14" name="Bildplatzhalter 13"/>
-          <p:cNvSpPr>
-            <a:spLocks noGrp="1"/>
-          </p:cNvSpPr>
-          <p:nvPr>
-            <p:ph type="pic" sz="quarter" idx="14"/>
-          </p:nvPr>
-        </p:nvSpPr>
-        <p:spPr/>
-      </p:sp>
-      <p:sp>
-        <p:nvSpPr>
-          <p:cNvPr id="4" name="Foliennummernplatzhalter 3"/>
-          <p:cNvSpPr>
-            <a:spLocks noGrp="1"/>
-          </p:cNvSpPr>
-          <p:nvPr>
-            <p:ph type="sldNum" sz="quarter" idx="15"/>
-          </p:nvPr>
-        </p:nvSpPr>
-        <p:spPr/>
-        <p:txBody>
-          <a:bodyPr/>
-          <a:lstStyle/>
-          <a:p>
-            <a:fld id="{CE58CB1E-F828-4F11-99E0-327109AF9DA4}" type="slidenum">
-              <a:rPr lang="de-DE" smtClean="0"/>
-              <a:pPr/>
-              <a:t>53</a:t>
-            </a:fld>
-            <a:endParaRPr lang="de-DE" dirty="0"/>
-          </a:p>
-        </p:txBody>
-      </p:sp>
-      <p:sp>
-        <p:nvSpPr>
-          <p:cNvPr id="5" name="Fußzeilenplatzhalter 4"/>
-          <p:cNvSpPr>
-            <a:spLocks noGrp="1"/>
-          </p:cNvSpPr>
-          <p:nvPr>
-            <p:ph type="ftr" sz="quarter" idx="16"/>
-          </p:nvPr>
-        </p:nvSpPr>
-        <p:spPr/>
-        <p:txBody>
-          <a:bodyPr/>
-          <a:lstStyle/>
-          <a:p>
-            <a:r>
-              <a:rPr lang="de-DE"/>
-              <a:t>Dr. rer. nat. Erika Mustermann (TUM) | kann beliebig erweitert werden | Infos mit Strich trennen</a:t>
-            </a:r>
-            <a:endParaRPr lang="en-US" dirty="0"/>
-          </a:p>
-        </p:txBody>
-      </p:sp>
-      <p:sp>
-        <p:nvSpPr>
-          <p:cNvPr id="3" name="Titel 2"/>
-          <p:cNvSpPr>
-            <a:spLocks noGrp="1"/>
-          </p:cNvSpPr>
-          <p:nvPr>
-            <p:ph type="title"/>
-          </p:nvPr>
-        </p:nvSpPr>
-        <p:spPr/>
-        <p:txBody>
-          <a:bodyPr/>
-          <a:lstStyle/>
-          <a:p>
-            <a:r>
-              <a:rPr lang="de-DE"/>
-              <a:t>Bilder Format füllend - maximale Bildgröße</a:t>
-            </a:r>
-            <a:endParaRPr lang="de-DE" dirty="0"/>
-          </a:p>
-        </p:txBody>
-      </p:sp>
-    </p:spTree>
-  </p:cSld>
-  <p:clrMapOvr>
-    <a:masterClrMapping/>
-  </p:clrMapOvr>
-</p:sld>
-</file>
-
-<file path=ppt/slides/slide54.xml><?xml version="1.0" encoding="utf-8"?>
-<p:sld xmlns:a="http://schemas.openxmlformats.org/drawingml/2006/main" xmlns:r="http://schemas.openxmlformats.org/officeDocument/2006/relationships" xmlns:p="http://schemas.openxmlformats.org/presentationml/2006/main">
-  <p:cSld>
-    <p:spTree>
-      <p:nvGrpSpPr>
-        <p:cNvPr id="1" name=""/>
-        <p:cNvGrpSpPr/>
-        <p:nvPr/>
-      </p:nvGrpSpPr>
-      <p:grpSpPr>
-        <a:xfrm>
-          <a:off x="0" y="0"/>
-          <a:ext cx="0" cy="0"/>
-          <a:chOff x="0" y="0"/>
-          <a:chExt cx="0" cy="0"/>
-        </a:xfrm>
-      </p:grpSpPr>
-      <p:sp>
-        <p:nvSpPr>
-          <p:cNvPr id="2" name="Textplatzhalter 1"/>
-          <p:cNvSpPr>
-            <a:spLocks noGrp="1"/>
-          </p:cNvSpPr>
-          <p:nvPr>
-            <p:ph type="body" sz="quarter" idx="13"/>
-          </p:nvPr>
-        </p:nvSpPr>
-        <p:spPr/>
-        <p:txBody>
-          <a:bodyPr/>
-          <a:lstStyle/>
-          <a:p>
-            <a:r>
-              <a:rPr lang="de-DE"/>
-              <a:t>Alternativ mit formatfüllendem Hintergrund: 5 % schwarz</a:t>
-            </a:r>
-          </a:p>
-          <a:p>
-            <a:r>
-              <a:rPr lang="de-DE"/>
-              <a:t>Beschriftungen können zusätzlich neben den Bildern angebracht werden</a:t>
-            </a:r>
-          </a:p>
-        </p:txBody>
-      </p:sp>
-      <p:sp>
-        <p:nvSpPr>
-          <p:cNvPr id="4" name="Foliennummernplatzhalter 3"/>
-          <p:cNvSpPr>
-            <a:spLocks noGrp="1"/>
-          </p:cNvSpPr>
-          <p:nvPr>
-            <p:ph type="sldNum" sz="quarter" idx="15"/>
-          </p:nvPr>
-        </p:nvSpPr>
-        <p:spPr/>
-        <p:txBody>
-          <a:bodyPr/>
-          <a:lstStyle/>
-          <a:p>
-            <a:fld id="{CE58CB1E-F828-4F11-99E0-327109AF9DA4}" type="slidenum">
-              <a:rPr lang="de-DE" smtClean="0"/>
-              <a:pPr/>
-              <a:t>54</a:t>
-            </a:fld>
-            <a:endParaRPr lang="de-DE" dirty="0"/>
-          </a:p>
-        </p:txBody>
-      </p:sp>
-      <p:sp>
-        <p:nvSpPr>
-          <p:cNvPr id="11" name="Fußzeilenplatzhalter 4"/>
-          <p:cNvSpPr>
-            <a:spLocks noGrp="1"/>
-          </p:cNvSpPr>
-          <p:nvPr>
-            <p:ph type="ftr" sz="quarter" idx="16"/>
-          </p:nvPr>
-        </p:nvSpPr>
-        <p:spPr/>
-        <p:txBody>
-          <a:bodyPr/>
-          <a:lstStyle/>
-          <a:p>
-            <a:r>
-              <a:rPr lang="de-DE"/>
-              <a:t>Dr. rer. nat. Erika Mustermann (TUM) | kann beliebig erweitert werden | Infos mit Strich trennen</a:t>
-            </a:r>
-            <a:endParaRPr lang="en-US" dirty="0"/>
-          </a:p>
-        </p:txBody>
-      </p:sp>
-      <p:sp>
-        <p:nvSpPr>
-          <p:cNvPr id="7" name="Inhaltsplatzhalter 6"/>
-          <p:cNvSpPr>
-            <a:spLocks noGrp="1"/>
-          </p:cNvSpPr>
-          <p:nvPr>
-            <p:ph sz="quarter" idx="18"/>
-          </p:nvPr>
-        </p:nvSpPr>
-        <p:spPr/>
-        <p:txBody>
-          <a:bodyPr/>
-          <a:lstStyle/>
-          <a:p>
-            <a:r>
-              <a:rPr lang="de-DE"/>
-              <a:t>Bilderklärung</a:t>
-            </a:r>
-            <a:endParaRPr lang="de-DE" dirty="0"/>
-          </a:p>
-        </p:txBody>
-      </p:sp>
-      <p:sp>
-        <p:nvSpPr>
-          <p:cNvPr id="21" name="Bildplatzhalter 20"/>
-          <p:cNvSpPr>
-            <a:spLocks noGrp="1"/>
-          </p:cNvSpPr>
-          <p:nvPr>
-            <p:ph type="pic" sz="quarter" idx="14"/>
-          </p:nvPr>
-        </p:nvSpPr>
-        <p:spPr/>
-      </p:sp>
-      <p:sp>
-        <p:nvSpPr>
-          <p:cNvPr id="3" name="Titel 2"/>
-          <p:cNvSpPr>
-            <a:spLocks noGrp="1"/>
-          </p:cNvSpPr>
-          <p:nvPr>
-            <p:ph type="title"/>
-          </p:nvPr>
-        </p:nvSpPr>
-        <p:spPr/>
-        <p:txBody>
-          <a:bodyPr/>
-          <a:lstStyle/>
-          <a:p>
-            <a:r>
-              <a:rPr lang="de-DE"/>
-              <a:t>Nicht Format füllende Bilder</a:t>
-            </a:r>
-            <a:endParaRPr lang="de-DE" dirty="0"/>
-          </a:p>
-        </p:txBody>
-      </p:sp>
-    </p:spTree>
-  </p:cSld>
-  <p:clrMapOvr>
-    <a:masterClrMapping/>
-  </p:clrMapOvr>
-</p:sld>
-</file>
-
-<file path=ppt/slides/slide55.xml><?xml version="1.0" encoding="utf-8"?>
-<p:sld xmlns:a="http://schemas.openxmlformats.org/drawingml/2006/main" xmlns:r="http://schemas.openxmlformats.org/officeDocument/2006/relationships" xmlns:p="http://schemas.openxmlformats.org/presentationml/2006/main">
-  <p:cSld>
-    <p:spTree>
-      <p:nvGrpSpPr>
-        <p:cNvPr id="1" name=""/>
-        <p:cNvGrpSpPr/>
-        <p:nvPr/>
-      </p:nvGrpSpPr>
-      <p:grpSpPr>
-        <a:xfrm>
-          <a:off x="0" y="0"/>
-          <a:ext cx="0" cy="0"/>
-          <a:chOff x="0" y="0"/>
-          <a:chExt cx="0" cy="0"/>
-        </a:xfrm>
-      </p:grpSpPr>
-      <p:graphicFrame>
-        <p:nvGraphicFramePr>
-          <p:cNvPr id="7" name="Inhaltsplatzhalter 6"/>
-          <p:cNvGraphicFramePr>
-            <a:graphicFrameLocks noGrp="1"/>
-          </p:cNvGraphicFramePr>
-          <p:nvPr>
-            <p:ph idx="1"/>
-          </p:nvPr>
-        </p:nvGraphicFramePr>
-        <p:xfrm>
-          <a:off x="319088" y="2498725"/>
-          <a:ext cx="8509507" cy="2119200"/>
-        </p:xfrm>
-        <a:graphic>
-          <a:graphicData uri="http://schemas.openxmlformats.org/drawingml/2006/table">
-            <a:tbl>
-              <a:tblPr bandRow="1">
-                <a:tableStyleId>{5940675A-B579-460E-94D1-54222C63F5DA}</a:tableStyleId>
-              </a:tblPr>
-              <a:tblGrid>
-                <a:gridCol w="3493889">
-                  <a:extLst>
-                    <a:ext uri="{9D8B030D-6E8A-4147-A177-3AD203B41FA5}">
-                      <a16:colId xmlns:a16="http://schemas.microsoft.com/office/drawing/2014/main" val="20000"/>
-                    </a:ext>
-                  </a:extLst>
-                </a:gridCol>
-                <a:gridCol w="5015618">
-                  <a:extLst>
-                    <a:ext uri="{9D8B030D-6E8A-4147-A177-3AD203B41FA5}">
-                      <a16:colId xmlns:a16="http://schemas.microsoft.com/office/drawing/2014/main" val="20001"/>
-                    </a:ext>
-                  </a:extLst>
-                </a:gridCol>
-              </a:tblGrid>
-              <a:tr h="423840">
-                <a:tc>
-                  <a:txBody>
-                    <a:bodyPr/>
-                    <a:lstStyle/>
-                    <a:p>
-                      <a:pPr marL="0" marR="0" indent="0" algn="l" defTabSz="914400" rtl="0" eaLnBrk="1" fontAlgn="auto" latinLnBrk="0" hangingPunct="1">
-                        <a:lnSpc>
-                          <a:spcPct val="100000"/>
-                        </a:lnSpc>
-                        <a:spcBef>
-                          <a:spcPts val="0"/>
-                        </a:spcBef>
-                        <a:spcAft>
-                          <a:spcPts val="0"/>
-                        </a:spcAft>
-                        <a:buClrTx/>
-                        <a:buSzTx/>
-                        <a:buFontTx/>
-                        <a:buNone/>
-                        <a:tabLst/>
-                        <a:defRPr/>
-                      </a:pPr>
-                      <a:r>
-                        <a:rPr lang="de-DE" sz="1600" dirty="0"/>
-                        <a:t>Ø - Strecke</a:t>
-                      </a:r>
-                      <a:endParaRPr lang="de-DE" sz="1600" dirty="0">
-                        <a:latin typeface="+mn-lt"/>
-                      </a:endParaRPr>
-                    </a:p>
-                  </a:txBody>
-                  <a:tcPr marL="0" marR="0" marT="180000" marB="0" anchor="ctr">
-                    <a:lnL w="12700" cmpd="sng">
-                      <a:noFill/>
-                    </a:lnL>
-                    <a:lnR w="12700" cmpd="sng">
-                      <a:noFill/>
-                    </a:lnR>
-                    <a:lnT w="12700" cmpd="sng">
-                      <a:noFill/>
-                    </a:lnT>
-                    <a:lnB w="12700" cmpd="sng">
-                      <a:noFill/>
-                    </a:lnB>
-                    <a:lnTlToBr w="12700" cmpd="sng">
-                      <a:noFill/>
-                      <a:prstDash val="solid"/>
-                    </a:lnTlToBr>
-                    <a:lnBlToTr w="12700" cmpd="sng">
-                      <a:noFill/>
-                      <a:prstDash val="solid"/>
-                    </a:lnBlToTr>
-                  </a:tcPr>
-                </a:tc>
-                <a:tc>
-                  <a:txBody>
-                    <a:bodyPr/>
-                    <a:lstStyle/>
-                    <a:p>
-                      <a:pPr marL="0" marR="0" indent="0" algn="l" defTabSz="914400" rtl="0" eaLnBrk="1" fontAlgn="auto" latinLnBrk="0" hangingPunct="1">
-                        <a:lnSpc>
-                          <a:spcPct val="100000"/>
-                        </a:lnSpc>
-                        <a:spcBef>
-                          <a:spcPts val="0"/>
-                        </a:spcBef>
-                        <a:spcAft>
-                          <a:spcPts val="0"/>
-                        </a:spcAft>
-                        <a:buClrTx/>
-                        <a:buSzTx/>
-                        <a:buFontTx/>
-                        <a:buNone/>
-                        <a:tabLst/>
-                        <a:defRPr/>
-                      </a:pPr>
-                      <a:r>
-                        <a:rPr lang="de-DE" sz="1600" dirty="0"/>
-                        <a:t>39 km/Tag (14.360 km/Jahr)</a:t>
-                      </a:r>
-                      <a:endParaRPr lang="de-DE" sz="1600" dirty="0">
-                        <a:latin typeface="+mn-lt"/>
-                      </a:endParaRPr>
-                    </a:p>
-                  </a:txBody>
-                  <a:tcPr marL="0" marR="0" marT="180000" marB="0" anchor="ctr">
-                    <a:lnL w="12700" cmpd="sng">
-                      <a:noFill/>
-                    </a:lnL>
-                    <a:lnR w="12700" cmpd="sng">
-                      <a:noFill/>
-                    </a:lnR>
-                    <a:lnT w="12700" cmpd="sng">
-                      <a:noFill/>
-                    </a:lnT>
-                    <a:lnB w="12700" cmpd="sng">
-                      <a:noFill/>
-                    </a:lnB>
-                    <a:lnTlToBr w="12700" cmpd="sng">
-                      <a:noFill/>
-                      <a:prstDash val="solid"/>
-                    </a:lnTlToBr>
-                    <a:lnBlToTr w="12700" cmpd="sng">
-                      <a:noFill/>
-                      <a:prstDash val="solid"/>
-                    </a:lnBlToTr>
-                  </a:tcPr>
-                </a:tc>
-                <a:extLst>
-                  <a:ext uri="{0D108BD9-81ED-4DB2-BD59-A6C34878D82A}">
-                    <a16:rowId xmlns:a16="http://schemas.microsoft.com/office/drawing/2014/main" val="10000"/>
-                  </a:ext>
-                </a:extLst>
-              </a:tr>
-              <a:tr h="423840">
-                <a:tc>
-                  <a:txBody>
-                    <a:bodyPr/>
-                    <a:lstStyle/>
-                    <a:p>
-                      <a:pPr marL="0" marR="0" lvl="0" indent="0" algn="l" defTabSz="914400" rtl="0" eaLnBrk="1" fontAlgn="auto" latinLnBrk="0" hangingPunct="1">
-                        <a:lnSpc>
-                          <a:spcPct val="100000"/>
-                        </a:lnSpc>
-                        <a:spcBef>
-                          <a:spcPts val="0"/>
-                        </a:spcBef>
-                        <a:spcAft>
-                          <a:spcPts val="0"/>
-                        </a:spcAft>
-                        <a:buClrTx/>
-                        <a:buSzTx/>
-                        <a:buFontTx/>
-                        <a:buNone/>
-                        <a:tabLst/>
-                        <a:defRPr/>
-                      </a:pPr>
-                      <a:r>
-                        <a:rPr lang="de-DE" sz="1600" dirty="0"/>
-                        <a:t>Ø - Geschwindigkeit</a:t>
-                      </a:r>
-                      <a:endParaRPr lang="de-DE" sz="1600" dirty="0">
-                        <a:latin typeface="+mn-lt"/>
-                      </a:endParaRPr>
-                    </a:p>
-                  </a:txBody>
-                  <a:tcPr marL="0" marR="0" marT="180000" marB="0" anchor="ctr">
-                    <a:lnL w="12700" cmpd="sng">
-                      <a:noFill/>
-                    </a:lnL>
-                    <a:lnR w="12700" cmpd="sng">
-                      <a:noFill/>
-                    </a:lnR>
-                    <a:lnT w="12700" cmpd="sng">
-                      <a:noFill/>
-                    </a:lnT>
-                    <a:lnB w="12700" cmpd="sng">
-                      <a:noFill/>
-                    </a:lnB>
-                    <a:lnTlToBr w="12700" cmpd="sng">
-                      <a:noFill/>
-                      <a:prstDash val="solid"/>
-                    </a:lnTlToBr>
-                    <a:lnBlToTr w="12700" cmpd="sng">
-                      <a:noFill/>
-                      <a:prstDash val="solid"/>
-                    </a:lnBlToTr>
-                  </a:tcPr>
-                </a:tc>
-                <a:tc>
-                  <a:txBody>
-                    <a:bodyPr/>
-                    <a:lstStyle/>
-                    <a:p>
-                      <a:pPr marL="0" marR="0" indent="0" algn="l" defTabSz="914400" rtl="0" eaLnBrk="1" fontAlgn="auto" latinLnBrk="0" hangingPunct="1">
-                        <a:lnSpc>
-                          <a:spcPct val="100000"/>
-                        </a:lnSpc>
-                        <a:spcBef>
-                          <a:spcPts val="0"/>
-                        </a:spcBef>
-                        <a:spcAft>
-                          <a:spcPts val="0"/>
-                        </a:spcAft>
-                        <a:buClrTx/>
-                        <a:buSzTx/>
-                        <a:buFontTx/>
-                        <a:buNone/>
-                        <a:tabLst/>
-                        <a:defRPr/>
-                      </a:pPr>
-                      <a:r>
-                        <a:rPr lang="de-DE" sz="1600" dirty="0"/>
-                        <a:t>25 km/h</a:t>
-                      </a:r>
-                      <a:endParaRPr lang="de-DE" sz="1600" dirty="0">
-                        <a:latin typeface="+mn-lt"/>
-                      </a:endParaRPr>
-                    </a:p>
-                  </a:txBody>
-                  <a:tcPr marL="0" marR="0" marT="180000" marB="0" anchor="ctr">
-                    <a:lnL w="12700" cmpd="sng">
-                      <a:noFill/>
-                    </a:lnL>
-                    <a:lnR w="12700" cmpd="sng">
-                      <a:noFill/>
-                    </a:lnR>
-                    <a:lnT w="12700" cmpd="sng">
-                      <a:noFill/>
-                    </a:lnT>
-                    <a:lnB w="12700" cmpd="sng">
-                      <a:noFill/>
-                    </a:lnB>
-                    <a:lnTlToBr w="12700" cmpd="sng">
-                      <a:noFill/>
-                      <a:prstDash val="solid"/>
-                    </a:lnTlToBr>
-                    <a:lnBlToTr w="12700" cmpd="sng">
-                      <a:noFill/>
-                      <a:prstDash val="solid"/>
-                    </a:lnBlToTr>
-                  </a:tcPr>
-                </a:tc>
-                <a:extLst>
-                  <a:ext uri="{0D108BD9-81ED-4DB2-BD59-A6C34878D82A}">
-                    <a16:rowId xmlns:a16="http://schemas.microsoft.com/office/drawing/2014/main" val="10001"/>
-                  </a:ext>
-                </a:extLst>
-              </a:tr>
-              <a:tr h="423840">
-                <a:tc>
-                  <a:txBody>
-                    <a:bodyPr/>
-                    <a:lstStyle/>
-                    <a:p>
-                      <a:pPr marL="0" marR="0" indent="0" algn="l" defTabSz="914400" rtl="0" eaLnBrk="1" fontAlgn="auto" latinLnBrk="0" hangingPunct="1">
-                        <a:lnSpc>
-                          <a:spcPct val="100000"/>
-                        </a:lnSpc>
-                        <a:spcBef>
-                          <a:spcPts val="0"/>
-                        </a:spcBef>
-                        <a:spcAft>
-                          <a:spcPts val="0"/>
-                        </a:spcAft>
-                        <a:buClrTx/>
-                        <a:buSzTx/>
-                        <a:buFontTx/>
-                        <a:buNone/>
-                        <a:tabLst/>
-                        <a:defRPr/>
-                      </a:pPr>
-                      <a:r>
-                        <a:rPr lang="de-DE" sz="1600" dirty="0"/>
-                        <a:t>Ø - Verfügbare Ladezeit</a:t>
-                      </a:r>
-                      <a:endParaRPr lang="de-DE" sz="1600" dirty="0">
-                        <a:latin typeface="+mn-lt"/>
-                      </a:endParaRPr>
-                    </a:p>
-                  </a:txBody>
-                  <a:tcPr marL="0" marR="0" marT="180000" marB="0" anchor="ctr">
-                    <a:lnL w="12700" cmpd="sng">
-                      <a:noFill/>
-                    </a:lnL>
-                    <a:lnR w="12700" cmpd="sng">
-                      <a:noFill/>
-                    </a:lnR>
-                    <a:lnT w="12700" cmpd="sng">
-                      <a:noFill/>
-                    </a:lnT>
-                    <a:lnB w="12700" cmpd="sng">
-                      <a:noFill/>
-                    </a:lnB>
-                    <a:lnTlToBr w="12700" cmpd="sng">
-                      <a:noFill/>
-                      <a:prstDash val="solid"/>
-                    </a:lnTlToBr>
-                    <a:lnBlToTr w="12700" cmpd="sng">
-                      <a:noFill/>
-                      <a:prstDash val="solid"/>
-                    </a:lnBlToTr>
-                  </a:tcPr>
-                </a:tc>
-                <a:tc>
-                  <a:txBody>
-                    <a:bodyPr/>
-                    <a:lstStyle/>
-                    <a:p>
-                      <a:pPr marL="0" marR="0" indent="0" algn="l" defTabSz="914400" rtl="0" eaLnBrk="1" fontAlgn="auto" latinLnBrk="0" hangingPunct="1">
-                        <a:lnSpc>
-                          <a:spcPct val="100000"/>
-                        </a:lnSpc>
-                        <a:spcBef>
-                          <a:spcPts val="0"/>
-                        </a:spcBef>
-                        <a:spcAft>
-                          <a:spcPts val="0"/>
-                        </a:spcAft>
-                        <a:buClrTx/>
-                        <a:buSzTx/>
-                        <a:buFontTx/>
-                        <a:buNone/>
-                        <a:tabLst/>
-                        <a:defRPr/>
-                      </a:pPr>
-                      <a:r>
-                        <a:rPr lang="de-DE" sz="1600" dirty="0"/>
-                        <a:t>22 h/Tag</a:t>
-                      </a:r>
-                      <a:endParaRPr lang="de-DE" sz="1600" dirty="0">
-                        <a:latin typeface="+mn-lt"/>
-                      </a:endParaRPr>
-                    </a:p>
-                  </a:txBody>
-                  <a:tcPr marL="0" marR="0" marT="180000" marB="0" anchor="ctr">
-                    <a:lnL w="12700" cmpd="sng">
-                      <a:noFill/>
-                    </a:lnL>
-                    <a:lnR w="12700" cmpd="sng">
-                      <a:noFill/>
-                    </a:lnR>
-                    <a:lnT w="12700" cmpd="sng">
-                      <a:noFill/>
-                    </a:lnT>
-                    <a:lnB w="12700" cmpd="sng">
-                      <a:noFill/>
-                    </a:lnB>
-                    <a:lnTlToBr w="12700" cmpd="sng">
-                      <a:noFill/>
-                      <a:prstDash val="solid"/>
-                    </a:lnTlToBr>
-                    <a:lnBlToTr w="12700" cmpd="sng">
-                      <a:noFill/>
-                      <a:prstDash val="solid"/>
-                    </a:lnBlToTr>
-                  </a:tcPr>
-                </a:tc>
-                <a:extLst>
-                  <a:ext uri="{0D108BD9-81ED-4DB2-BD59-A6C34878D82A}">
-                    <a16:rowId xmlns:a16="http://schemas.microsoft.com/office/drawing/2014/main" val="10002"/>
-                  </a:ext>
-                </a:extLst>
-              </a:tr>
-              <a:tr h="423840">
-                <a:tc>
-                  <a:txBody>
-                    <a:bodyPr/>
-                    <a:lstStyle/>
-                    <a:p>
-                      <a:pPr marL="0" marR="0" indent="0" algn="l" defTabSz="914400" rtl="0" eaLnBrk="1" fontAlgn="auto" latinLnBrk="0" hangingPunct="1">
-                        <a:lnSpc>
-                          <a:spcPct val="100000"/>
-                        </a:lnSpc>
-                        <a:spcBef>
-                          <a:spcPts val="0"/>
-                        </a:spcBef>
-                        <a:spcAft>
-                          <a:spcPts val="0"/>
-                        </a:spcAft>
-                        <a:buClrTx/>
-                        <a:buSzTx/>
-                        <a:buFontTx/>
-                        <a:buNone/>
-                        <a:tabLst/>
-                        <a:defRPr/>
-                      </a:pPr>
-                      <a:r>
-                        <a:rPr lang="de-DE" sz="1600" dirty="0"/>
-                        <a:t>Kosten</a:t>
-                      </a:r>
-                      <a:endParaRPr lang="de-DE" sz="1600" dirty="0">
-                        <a:latin typeface="+mn-lt"/>
-                      </a:endParaRPr>
-                    </a:p>
-                  </a:txBody>
-                  <a:tcPr marL="0" marR="0" marT="180000" marB="0" anchor="ctr">
-                    <a:lnL w="12700" cmpd="sng">
-                      <a:noFill/>
-                    </a:lnL>
-                    <a:lnR w="12700" cmpd="sng">
-                      <a:noFill/>
-                    </a:lnR>
-                    <a:lnT w="12700" cmpd="sng">
-                      <a:noFill/>
-                    </a:lnT>
-                    <a:lnB w="12700" cmpd="sng">
-                      <a:noFill/>
-                    </a:lnB>
-                    <a:lnTlToBr w="12700" cmpd="sng">
-                      <a:noFill/>
-                      <a:prstDash val="solid"/>
-                    </a:lnTlToBr>
-                    <a:lnBlToTr w="12700" cmpd="sng">
-                      <a:noFill/>
-                      <a:prstDash val="solid"/>
-                    </a:lnBlToTr>
-                  </a:tcPr>
-                </a:tc>
-                <a:tc>
-                  <a:txBody>
-                    <a:bodyPr/>
-                    <a:lstStyle/>
-                    <a:p>
-                      <a:pPr marL="0" marR="0" lvl="0" indent="0" algn="l" defTabSz="914400" rtl="0" eaLnBrk="1" fontAlgn="auto" latinLnBrk="0" hangingPunct="1">
-                        <a:lnSpc>
-                          <a:spcPct val="100000"/>
-                        </a:lnSpc>
-                        <a:spcBef>
-                          <a:spcPts val="0"/>
-                        </a:spcBef>
-                        <a:spcAft>
-                          <a:spcPts val="0"/>
-                        </a:spcAft>
-                        <a:buClrTx/>
-                        <a:buSzTx/>
-                        <a:buFontTx/>
-                        <a:buNone/>
-                        <a:tabLst/>
-                        <a:defRPr/>
-                      </a:pPr>
-                      <a:r>
-                        <a:rPr lang="de-DE" sz="1600" dirty="0"/>
-                        <a:t>Kleinwagen mit Verbrennungsmotor</a:t>
-                      </a:r>
-                      <a:endParaRPr lang="de-DE" sz="1600" dirty="0">
-                        <a:latin typeface="+mn-lt"/>
-                      </a:endParaRPr>
-                    </a:p>
-                  </a:txBody>
-                  <a:tcPr marL="0" marR="0" marT="180000" marB="0" anchor="ctr">
-                    <a:lnL w="12700" cmpd="sng">
-                      <a:noFill/>
-                    </a:lnL>
-                    <a:lnR w="12700" cmpd="sng">
-                      <a:noFill/>
-                    </a:lnR>
-                    <a:lnT w="12700" cmpd="sng">
-                      <a:noFill/>
-                    </a:lnT>
-                    <a:lnB w="12700" cmpd="sng">
-                      <a:noFill/>
-                    </a:lnB>
-                    <a:lnTlToBr w="12700" cmpd="sng">
-                      <a:noFill/>
-                      <a:prstDash val="solid"/>
-                    </a:lnTlToBr>
-                    <a:lnBlToTr w="12700" cmpd="sng">
-                      <a:noFill/>
-                      <a:prstDash val="solid"/>
-                    </a:lnBlToTr>
-                  </a:tcPr>
-                </a:tc>
-                <a:extLst>
-                  <a:ext uri="{0D108BD9-81ED-4DB2-BD59-A6C34878D82A}">
-                    <a16:rowId xmlns:a16="http://schemas.microsoft.com/office/drawing/2014/main" val="10003"/>
-                  </a:ext>
-                </a:extLst>
-              </a:tr>
-              <a:tr h="423840">
-                <a:tc>
-                  <a:txBody>
-                    <a:bodyPr/>
-                    <a:lstStyle/>
-                    <a:p>
-                      <a:pPr marL="0" marR="0" indent="0" algn="l" defTabSz="914400" rtl="0" eaLnBrk="1" fontAlgn="auto" latinLnBrk="0" hangingPunct="1">
-                        <a:lnSpc>
-                          <a:spcPct val="100000"/>
-                        </a:lnSpc>
-                        <a:spcBef>
-                          <a:spcPts val="0"/>
-                        </a:spcBef>
-                        <a:spcAft>
-                          <a:spcPts val="0"/>
-                        </a:spcAft>
-                        <a:buClrTx/>
-                        <a:buSzTx/>
-                        <a:buFontTx/>
-                        <a:buNone/>
-                        <a:tabLst/>
-                        <a:defRPr/>
-                      </a:pPr>
-                      <a:r>
-                        <a:rPr lang="de-DE" sz="1600" dirty="0"/>
-                        <a:t>Einsatzgebiet</a:t>
-                      </a:r>
-                      <a:endParaRPr lang="de-DE" sz="1600" b="0" dirty="0">
-                        <a:latin typeface="+mn-lt"/>
-                      </a:endParaRPr>
-                    </a:p>
-                  </a:txBody>
-                  <a:tcPr marL="0" marR="0" marT="180000" marB="0" anchor="ctr">
-                    <a:lnL w="12700" cmpd="sng">
-                      <a:noFill/>
-                    </a:lnL>
-                    <a:lnR w="12700" cmpd="sng">
-                      <a:noFill/>
-                    </a:lnR>
-                    <a:lnT w="12700" cmpd="sng">
-                      <a:noFill/>
-                    </a:lnT>
-                    <a:lnB w="12700" cmpd="sng">
-                      <a:noFill/>
-                    </a:lnB>
-                    <a:lnTlToBr w="12700" cmpd="sng">
-                      <a:noFill/>
-                      <a:prstDash val="solid"/>
-                    </a:lnTlToBr>
-                    <a:lnBlToTr w="12700" cmpd="sng">
-                      <a:noFill/>
-                      <a:prstDash val="solid"/>
-                    </a:lnBlToTr>
-                  </a:tcPr>
-                </a:tc>
-                <a:tc>
-                  <a:txBody>
-                    <a:bodyPr/>
-                    <a:lstStyle/>
-                    <a:p>
-                      <a:pPr marL="0" marR="0" indent="0" algn="l" defTabSz="914400" rtl="0" eaLnBrk="1" fontAlgn="auto" latinLnBrk="0" hangingPunct="1">
-                        <a:lnSpc>
-                          <a:spcPct val="100000"/>
-                        </a:lnSpc>
-                        <a:spcBef>
-                          <a:spcPts val="0"/>
-                        </a:spcBef>
-                        <a:spcAft>
-                          <a:spcPts val="0"/>
-                        </a:spcAft>
-                        <a:buClrTx/>
-                        <a:buSzTx/>
-                        <a:buFontTx/>
-                        <a:buNone/>
-                        <a:tabLst/>
-                        <a:defRPr/>
-                      </a:pPr>
-                      <a:r>
-                        <a:rPr lang="de-DE" sz="1600" dirty="0"/>
-                        <a:t>Stadt und Umland</a:t>
-                      </a:r>
-                      <a:endParaRPr lang="de-DE" sz="1600" dirty="0">
-                        <a:latin typeface="+mn-lt"/>
-                      </a:endParaRPr>
-                    </a:p>
-                  </a:txBody>
-                  <a:tcPr marL="0" marR="0" marT="180000" marB="0" anchor="ctr">
-                    <a:lnL w="12700" cmpd="sng">
-                      <a:noFill/>
-                    </a:lnL>
-                    <a:lnR w="12700" cmpd="sng">
-                      <a:noFill/>
-                    </a:lnR>
-                    <a:lnT w="12700" cmpd="sng">
-                      <a:noFill/>
-                    </a:lnT>
-                    <a:lnB w="12700" cmpd="sng">
-                      <a:noFill/>
-                    </a:lnB>
-                    <a:lnTlToBr w="12700" cmpd="sng">
-                      <a:noFill/>
-                      <a:prstDash val="solid"/>
-                    </a:lnTlToBr>
-                    <a:lnBlToTr w="12700" cmpd="sng">
-                      <a:noFill/>
-                      <a:prstDash val="solid"/>
-                    </a:lnBlToTr>
-                  </a:tcPr>
-                </a:tc>
-                <a:extLst>
-                  <a:ext uri="{0D108BD9-81ED-4DB2-BD59-A6C34878D82A}">
-                    <a16:rowId xmlns:a16="http://schemas.microsoft.com/office/drawing/2014/main" val="10004"/>
-                  </a:ext>
-                </a:extLst>
-              </a:tr>
-            </a:tbl>
-          </a:graphicData>
-        </a:graphic>
-      </p:graphicFrame>
-      <p:sp>
-        <p:nvSpPr>
-          <p:cNvPr id="4" name="Foliennummernplatzhalter 3"/>
-          <p:cNvSpPr>
-            <a:spLocks noGrp="1"/>
-          </p:cNvSpPr>
-          <p:nvPr>
-            <p:ph type="sldNum" sz="quarter" idx="11"/>
-          </p:nvPr>
-        </p:nvSpPr>
-        <p:spPr/>
-        <p:txBody>
-          <a:bodyPr/>
-          <a:lstStyle/>
-          <a:p>
-            <a:fld id="{CE58CB1E-F828-4F11-99E0-327109AF9DA4}" type="slidenum">
-              <a:rPr lang="de-DE" smtClean="0"/>
-              <a:pPr/>
-              <a:t>55</a:t>
-            </a:fld>
-            <a:endParaRPr lang="de-DE" dirty="0"/>
-          </a:p>
-        </p:txBody>
-      </p:sp>
-      <p:sp>
-        <p:nvSpPr>
-          <p:cNvPr id="10" name="Fußzeilenplatzhalter 4"/>
-          <p:cNvSpPr>
-            <a:spLocks noGrp="1"/>
-          </p:cNvSpPr>
-          <p:nvPr>
-            <p:ph type="ftr" sz="quarter" idx="12"/>
-          </p:nvPr>
-        </p:nvSpPr>
-        <p:spPr/>
-        <p:txBody>
-          <a:bodyPr/>
-          <a:lstStyle/>
-          <a:p>
-            <a:r>
-              <a:rPr lang="de-DE"/>
-              <a:t>Dr. rer. nat. Erika Mustermann (TUM) | kann beliebig erweitert werden | Infos mit Strich trennen</a:t>
-            </a:r>
-            <a:endParaRPr lang="en-US" dirty="0"/>
-          </a:p>
-        </p:txBody>
-      </p:sp>
-      <p:sp>
-        <p:nvSpPr>
-          <p:cNvPr id="2" name="Textplatzhalter 1"/>
-          <p:cNvSpPr>
-            <a:spLocks noGrp="1"/>
-          </p:cNvSpPr>
-          <p:nvPr>
-            <p:ph type="body" sz="quarter" idx="13"/>
-          </p:nvPr>
-        </p:nvSpPr>
-        <p:spPr/>
-        <p:txBody>
-          <a:bodyPr/>
-          <a:lstStyle/>
-          <a:p>
-            <a:r>
-              <a:rPr lang="de-DE"/>
-              <a:t>Tabelle ohne Farbe und kein Rand</a:t>
-            </a:r>
-            <a:br>
-              <a:rPr lang="de-DE"/>
-            </a:br>
-            <a:r>
-              <a:rPr lang="de-DE"/>
-              <a:t>innerer Seitenrand links 0 cm, oben z.B. 0,5 cm (für genug Zeilenabstand innerhalb) </a:t>
-            </a:r>
-            <a:endParaRPr lang="de-DE" dirty="0"/>
-          </a:p>
-        </p:txBody>
-      </p:sp>
-      <p:sp>
-        <p:nvSpPr>
-          <p:cNvPr id="3" name="Titel 2"/>
-          <p:cNvSpPr>
-            <a:spLocks noGrp="1"/>
-          </p:cNvSpPr>
-          <p:nvPr>
-            <p:ph type="title"/>
-          </p:nvPr>
-        </p:nvSpPr>
-        <p:spPr/>
-        <p:txBody>
-          <a:bodyPr/>
-          <a:lstStyle/>
-          <a:p>
-            <a:r>
-              <a:rPr lang="de-DE"/>
-              <a:t>Tabelle – Beispiel 1</a:t>
-            </a:r>
-            <a:endParaRPr lang="de-DE" dirty="0"/>
-          </a:p>
-        </p:txBody>
-      </p:sp>
-    </p:spTree>
-  </p:cSld>
-  <p:clrMapOvr>
-    <a:masterClrMapping/>
-  </p:clrMapOvr>
-</p:sld>
-</file>
-
-<file path=ppt/slides/slide56.xml><?xml version="1.0" encoding="utf-8"?>
-<p:sld xmlns:a="http://schemas.openxmlformats.org/drawingml/2006/main" xmlns:r="http://schemas.openxmlformats.org/officeDocument/2006/relationships" xmlns:p="http://schemas.openxmlformats.org/presentationml/2006/main">
-  <p:cSld>
-    <p:spTree>
-      <p:nvGrpSpPr>
-        <p:cNvPr id="1" name=""/>
-        <p:cNvGrpSpPr/>
-        <p:nvPr/>
-      </p:nvGrpSpPr>
-      <p:grpSpPr>
-        <a:xfrm>
-          <a:off x="0" y="0"/>
-          <a:ext cx="0" cy="0"/>
-          <a:chOff x="0" y="0"/>
-          <a:chExt cx="0" cy="0"/>
-        </a:xfrm>
-      </p:grpSpPr>
-      <p:graphicFrame>
-        <p:nvGraphicFramePr>
-          <p:cNvPr id="7" name="Inhaltsplatzhalter 6"/>
-          <p:cNvGraphicFramePr>
-            <a:graphicFrameLocks noGrp="1"/>
-          </p:cNvGraphicFramePr>
-          <p:nvPr>
-            <p:ph idx="1"/>
-          </p:nvPr>
-        </p:nvGraphicFramePr>
-        <p:xfrm>
-          <a:off x="319088" y="2498725"/>
-          <a:ext cx="8509507" cy="2119200"/>
-        </p:xfrm>
-        <a:graphic>
-          <a:graphicData uri="http://schemas.openxmlformats.org/drawingml/2006/table">
-            <a:tbl>
-              <a:tblPr bandRow="1">
-                <a:tableStyleId>{5940675A-B579-460E-94D1-54222C63F5DA}</a:tableStyleId>
-              </a:tblPr>
-              <a:tblGrid>
-                <a:gridCol w="3493889">
-                  <a:extLst>
-                    <a:ext uri="{9D8B030D-6E8A-4147-A177-3AD203B41FA5}">
-                      <a16:colId xmlns:a16="http://schemas.microsoft.com/office/drawing/2014/main" val="20000"/>
-                    </a:ext>
-                  </a:extLst>
-                </a:gridCol>
-                <a:gridCol w="5015618">
-                  <a:extLst>
-                    <a:ext uri="{9D8B030D-6E8A-4147-A177-3AD203B41FA5}">
-                      <a16:colId xmlns:a16="http://schemas.microsoft.com/office/drawing/2014/main" val="20001"/>
-                    </a:ext>
-                  </a:extLst>
-                </a:gridCol>
-              </a:tblGrid>
-              <a:tr h="423840">
-                <a:tc>
-                  <a:txBody>
-                    <a:bodyPr/>
-                    <a:lstStyle/>
-                    <a:p>
-                      <a:pPr marL="0" marR="0" indent="0" algn="l" defTabSz="914400" rtl="0" eaLnBrk="1" fontAlgn="auto" latinLnBrk="0" hangingPunct="1">
-                        <a:lnSpc>
-                          <a:spcPct val="100000"/>
-                        </a:lnSpc>
-                        <a:spcBef>
-                          <a:spcPts val="0"/>
-                        </a:spcBef>
-                        <a:spcAft>
-                          <a:spcPts val="0"/>
-                        </a:spcAft>
-                        <a:buClrTx/>
-                        <a:buSzTx/>
-                        <a:buFontTx/>
-                        <a:buNone/>
-                        <a:tabLst/>
-                        <a:defRPr/>
-                      </a:pPr>
-                      <a:r>
-                        <a:rPr lang="de-DE" sz="1600" dirty="0"/>
-                        <a:t>Ø - Strecke</a:t>
-                      </a:r>
-                      <a:endParaRPr lang="de-DE" sz="1600" dirty="0">
-                        <a:latin typeface="+mn-lt"/>
-                      </a:endParaRPr>
-                    </a:p>
-                  </a:txBody>
-                  <a:tcPr marL="54000" marR="0" marT="180000" marB="0" anchor="ctr"/>
-                </a:tc>
-                <a:tc>
-                  <a:txBody>
-                    <a:bodyPr/>
-                    <a:lstStyle/>
-                    <a:p>
-                      <a:pPr marL="0" marR="0" indent="0" algn="l" defTabSz="914400" rtl="0" eaLnBrk="1" fontAlgn="auto" latinLnBrk="0" hangingPunct="1">
-                        <a:lnSpc>
-                          <a:spcPct val="100000"/>
-                        </a:lnSpc>
-                        <a:spcBef>
-                          <a:spcPts val="0"/>
-                        </a:spcBef>
-                        <a:spcAft>
-                          <a:spcPts val="0"/>
-                        </a:spcAft>
-                        <a:buClrTx/>
-                        <a:buSzTx/>
-                        <a:buFontTx/>
-                        <a:buNone/>
-                        <a:tabLst/>
-                        <a:defRPr/>
-                      </a:pPr>
-                      <a:r>
-                        <a:rPr lang="de-DE" sz="1600" dirty="0"/>
-                        <a:t>39 km/Tag (14.360 km/Jahr)</a:t>
-                      </a:r>
-                      <a:endParaRPr lang="de-DE" sz="1600" dirty="0">
-                        <a:latin typeface="+mn-lt"/>
-                      </a:endParaRPr>
-                    </a:p>
-                  </a:txBody>
-                  <a:tcPr marL="54000" marR="0" marT="180000" marB="0" anchor="ctr"/>
-                </a:tc>
-                <a:extLst>
-                  <a:ext uri="{0D108BD9-81ED-4DB2-BD59-A6C34878D82A}">
-                    <a16:rowId xmlns:a16="http://schemas.microsoft.com/office/drawing/2014/main" val="10000"/>
-                  </a:ext>
-                </a:extLst>
-              </a:tr>
-              <a:tr h="423840">
-                <a:tc>
-                  <a:txBody>
-                    <a:bodyPr/>
-                    <a:lstStyle/>
-                    <a:p>
-                      <a:pPr marL="0" marR="0" lvl="0" indent="0" algn="l" defTabSz="914400" rtl="0" eaLnBrk="1" fontAlgn="auto" latinLnBrk="0" hangingPunct="1">
-                        <a:lnSpc>
-                          <a:spcPct val="100000"/>
-                        </a:lnSpc>
-                        <a:spcBef>
-                          <a:spcPts val="0"/>
-                        </a:spcBef>
-                        <a:spcAft>
-                          <a:spcPts val="0"/>
-                        </a:spcAft>
-                        <a:buClrTx/>
-                        <a:buSzTx/>
-                        <a:buFontTx/>
-                        <a:buNone/>
-                        <a:tabLst/>
-                        <a:defRPr/>
-                      </a:pPr>
-                      <a:r>
-                        <a:rPr lang="de-DE" sz="1600" dirty="0"/>
-                        <a:t>Ø - Geschwindigkeit</a:t>
-                      </a:r>
-                      <a:endParaRPr lang="de-DE" sz="1600" dirty="0">
-                        <a:latin typeface="+mn-lt"/>
-                      </a:endParaRPr>
-                    </a:p>
-                  </a:txBody>
-                  <a:tcPr marL="54000" marR="0" marT="180000" marB="0" anchor="ctr"/>
-                </a:tc>
-                <a:tc>
-                  <a:txBody>
-                    <a:bodyPr/>
-                    <a:lstStyle/>
-                    <a:p>
-                      <a:pPr marL="0" marR="0" indent="0" algn="l" defTabSz="914400" rtl="0" eaLnBrk="1" fontAlgn="auto" latinLnBrk="0" hangingPunct="1">
-                        <a:lnSpc>
-                          <a:spcPct val="100000"/>
-                        </a:lnSpc>
-                        <a:spcBef>
-                          <a:spcPts val="0"/>
-                        </a:spcBef>
-                        <a:spcAft>
-                          <a:spcPts val="0"/>
-                        </a:spcAft>
-                        <a:buClrTx/>
-                        <a:buSzTx/>
-                        <a:buFontTx/>
-                        <a:buNone/>
-                        <a:tabLst/>
-                        <a:defRPr/>
-                      </a:pPr>
-                      <a:r>
-                        <a:rPr lang="de-DE" sz="1600" dirty="0"/>
-                        <a:t>25 km/h</a:t>
-                      </a:r>
-                      <a:endParaRPr lang="de-DE" sz="1600" dirty="0">
-                        <a:latin typeface="+mn-lt"/>
-                      </a:endParaRPr>
-                    </a:p>
-                  </a:txBody>
-                  <a:tcPr marL="54000" marR="0" marT="180000" marB="0" anchor="ctr"/>
-                </a:tc>
-                <a:extLst>
-                  <a:ext uri="{0D108BD9-81ED-4DB2-BD59-A6C34878D82A}">
-                    <a16:rowId xmlns:a16="http://schemas.microsoft.com/office/drawing/2014/main" val="10001"/>
-                  </a:ext>
-                </a:extLst>
-              </a:tr>
-              <a:tr h="423840">
-                <a:tc>
-                  <a:txBody>
-                    <a:bodyPr/>
-                    <a:lstStyle/>
-                    <a:p>
-                      <a:pPr marL="0" marR="0" indent="0" algn="l" defTabSz="914400" rtl="0" eaLnBrk="1" fontAlgn="auto" latinLnBrk="0" hangingPunct="1">
-                        <a:lnSpc>
-                          <a:spcPct val="100000"/>
-                        </a:lnSpc>
-                        <a:spcBef>
-                          <a:spcPts val="0"/>
-                        </a:spcBef>
-                        <a:spcAft>
-                          <a:spcPts val="0"/>
-                        </a:spcAft>
-                        <a:buClrTx/>
-                        <a:buSzTx/>
-                        <a:buFontTx/>
-                        <a:buNone/>
-                        <a:tabLst/>
-                        <a:defRPr/>
-                      </a:pPr>
-                      <a:r>
-                        <a:rPr lang="de-DE" sz="1600" dirty="0"/>
-                        <a:t>Ø - Verfügbare Ladezeit</a:t>
-                      </a:r>
-                      <a:endParaRPr lang="de-DE" sz="1600" dirty="0">
-                        <a:latin typeface="+mn-lt"/>
-                      </a:endParaRPr>
-                    </a:p>
-                  </a:txBody>
-                  <a:tcPr marL="54000" marR="0" marT="180000" marB="0" anchor="ctr"/>
-                </a:tc>
-                <a:tc>
-                  <a:txBody>
-                    <a:bodyPr/>
-                    <a:lstStyle/>
-                    <a:p>
-                      <a:pPr marL="0" marR="0" indent="0" algn="l" defTabSz="914400" rtl="0" eaLnBrk="1" fontAlgn="auto" latinLnBrk="0" hangingPunct="1">
-                        <a:lnSpc>
-                          <a:spcPct val="100000"/>
-                        </a:lnSpc>
-                        <a:spcBef>
-                          <a:spcPts val="0"/>
-                        </a:spcBef>
-                        <a:spcAft>
-                          <a:spcPts val="0"/>
-                        </a:spcAft>
-                        <a:buClrTx/>
-                        <a:buSzTx/>
-                        <a:buFontTx/>
-                        <a:buNone/>
-                        <a:tabLst/>
-                        <a:defRPr/>
-                      </a:pPr>
-                      <a:r>
-                        <a:rPr lang="de-DE" sz="1600" dirty="0"/>
-                        <a:t>22 h/Tag</a:t>
-                      </a:r>
-                      <a:endParaRPr lang="de-DE" sz="1600" dirty="0">
-                        <a:latin typeface="+mn-lt"/>
-                      </a:endParaRPr>
-                    </a:p>
-                  </a:txBody>
-                  <a:tcPr marL="54000" marR="0" marT="180000" marB="0" anchor="ctr"/>
-                </a:tc>
-                <a:extLst>
-                  <a:ext uri="{0D108BD9-81ED-4DB2-BD59-A6C34878D82A}">
-                    <a16:rowId xmlns:a16="http://schemas.microsoft.com/office/drawing/2014/main" val="10002"/>
-                  </a:ext>
-                </a:extLst>
-              </a:tr>
-              <a:tr h="423840">
-                <a:tc>
-                  <a:txBody>
-                    <a:bodyPr/>
-                    <a:lstStyle/>
-                    <a:p>
-                      <a:pPr marL="0" marR="0" indent="0" algn="l" defTabSz="914400" rtl="0" eaLnBrk="1" fontAlgn="auto" latinLnBrk="0" hangingPunct="1">
-                        <a:lnSpc>
-                          <a:spcPct val="100000"/>
-                        </a:lnSpc>
-                        <a:spcBef>
-                          <a:spcPts val="0"/>
-                        </a:spcBef>
-                        <a:spcAft>
-                          <a:spcPts val="0"/>
-                        </a:spcAft>
-                        <a:buClrTx/>
-                        <a:buSzTx/>
-                        <a:buFontTx/>
-                        <a:buNone/>
-                        <a:tabLst/>
-                        <a:defRPr/>
-                      </a:pPr>
-                      <a:r>
-                        <a:rPr lang="de-DE" sz="1600" dirty="0"/>
-                        <a:t>Kosten</a:t>
-                      </a:r>
-                      <a:endParaRPr lang="de-DE" sz="1600" dirty="0">
-                        <a:latin typeface="+mn-lt"/>
-                      </a:endParaRPr>
-                    </a:p>
-                  </a:txBody>
-                  <a:tcPr marL="54000" marR="0" marT="180000" marB="0" anchor="ctr"/>
-                </a:tc>
-                <a:tc>
-                  <a:txBody>
-                    <a:bodyPr/>
-                    <a:lstStyle/>
-                    <a:p>
-                      <a:pPr marL="0" marR="0" lvl="0" indent="0" algn="l" defTabSz="914400" rtl="0" eaLnBrk="1" fontAlgn="auto" latinLnBrk="0" hangingPunct="1">
-                        <a:lnSpc>
-                          <a:spcPct val="100000"/>
-                        </a:lnSpc>
-                        <a:spcBef>
-                          <a:spcPts val="0"/>
-                        </a:spcBef>
-                        <a:spcAft>
-                          <a:spcPts val="0"/>
-                        </a:spcAft>
-                        <a:buClrTx/>
-                        <a:buSzTx/>
-                        <a:buFontTx/>
-                        <a:buNone/>
-                        <a:tabLst/>
-                        <a:defRPr/>
-                      </a:pPr>
-                      <a:r>
-                        <a:rPr lang="de-DE" sz="1600" dirty="0"/>
-                        <a:t>Kleinwagen mit Verbrennungsmotor</a:t>
-                      </a:r>
-                      <a:endParaRPr lang="de-DE" sz="1600" dirty="0">
-                        <a:latin typeface="+mn-lt"/>
-                      </a:endParaRPr>
-                    </a:p>
-                  </a:txBody>
-                  <a:tcPr marL="54000" marR="0" marT="180000" marB="0" anchor="ctr"/>
-                </a:tc>
-                <a:extLst>
-                  <a:ext uri="{0D108BD9-81ED-4DB2-BD59-A6C34878D82A}">
-                    <a16:rowId xmlns:a16="http://schemas.microsoft.com/office/drawing/2014/main" val="10003"/>
-                  </a:ext>
-                </a:extLst>
-              </a:tr>
-              <a:tr h="423840">
-                <a:tc>
-                  <a:txBody>
-                    <a:bodyPr/>
-                    <a:lstStyle/>
-                    <a:p>
-                      <a:pPr marL="0" marR="0" indent="0" algn="l" defTabSz="914400" rtl="0" eaLnBrk="1" fontAlgn="auto" latinLnBrk="0" hangingPunct="1">
-                        <a:lnSpc>
-                          <a:spcPct val="100000"/>
-                        </a:lnSpc>
-                        <a:spcBef>
-                          <a:spcPts val="0"/>
-                        </a:spcBef>
-                        <a:spcAft>
-                          <a:spcPts val="0"/>
-                        </a:spcAft>
-                        <a:buClrTx/>
-                        <a:buSzTx/>
-                        <a:buFontTx/>
-                        <a:buNone/>
-                        <a:tabLst/>
-                        <a:defRPr/>
-                      </a:pPr>
-                      <a:r>
-                        <a:rPr lang="de-DE" sz="1600" dirty="0"/>
-                        <a:t>Einsatzgebiet</a:t>
-                      </a:r>
-                      <a:endParaRPr lang="de-DE" sz="1600" b="0" dirty="0">
-                        <a:latin typeface="+mn-lt"/>
-                      </a:endParaRPr>
-                    </a:p>
-                  </a:txBody>
-                  <a:tcPr marL="54000" marR="0" marT="180000" marB="0" anchor="ctr"/>
-                </a:tc>
-                <a:tc>
-                  <a:txBody>
-                    <a:bodyPr/>
-                    <a:lstStyle/>
-                    <a:p>
-                      <a:pPr marL="0" marR="0" indent="0" algn="l" defTabSz="914400" rtl="0" eaLnBrk="1" fontAlgn="auto" latinLnBrk="0" hangingPunct="1">
-                        <a:lnSpc>
-                          <a:spcPct val="100000"/>
-                        </a:lnSpc>
-                        <a:spcBef>
-                          <a:spcPts val="0"/>
-                        </a:spcBef>
-                        <a:spcAft>
-                          <a:spcPts val="0"/>
-                        </a:spcAft>
-                        <a:buClrTx/>
-                        <a:buSzTx/>
-                        <a:buFontTx/>
-                        <a:buNone/>
-                        <a:tabLst/>
-                        <a:defRPr/>
-                      </a:pPr>
-                      <a:r>
-                        <a:rPr lang="de-DE" sz="1600" dirty="0"/>
-                        <a:t>Stadt und Umland</a:t>
-                      </a:r>
-                      <a:endParaRPr lang="de-DE" sz="1600" dirty="0">
-                        <a:latin typeface="+mn-lt"/>
-                      </a:endParaRPr>
-                    </a:p>
-                  </a:txBody>
-                  <a:tcPr marL="54000" marR="0" marT="180000" marB="0" anchor="ctr"/>
-                </a:tc>
-                <a:extLst>
-                  <a:ext uri="{0D108BD9-81ED-4DB2-BD59-A6C34878D82A}">
-                    <a16:rowId xmlns:a16="http://schemas.microsoft.com/office/drawing/2014/main" val="10004"/>
-                  </a:ext>
-                </a:extLst>
-              </a:tr>
-            </a:tbl>
-          </a:graphicData>
-        </a:graphic>
-      </p:graphicFrame>
-      <p:sp>
-        <p:nvSpPr>
-          <p:cNvPr id="4" name="Foliennummernplatzhalter 3"/>
-          <p:cNvSpPr>
-            <a:spLocks noGrp="1"/>
-          </p:cNvSpPr>
-          <p:nvPr>
-            <p:ph type="sldNum" sz="quarter" idx="11"/>
-          </p:nvPr>
-        </p:nvSpPr>
-        <p:spPr/>
-        <p:txBody>
-          <a:bodyPr/>
-          <a:lstStyle/>
-          <a:p>
-            <a:fld id="{CE58CB1E-F828-4F11-99E0-327109AF9DA4}" type="slidenum">
-              <a:rPr lang="de-DE" smtClean="0"/>
-              <a:pPr/>
-              <a:t>56</a:t>
-            </a:fld>
-            <a:endParaRPr lang="de-DE" dirty="0"/>
-          </a:p>
-        </p:txBody>
-      </p:sp>
-      <p:sp>
-        <p:nvSpPr>
-          <p:cNvPr id="10" name="Fußzeilenplatzhalter 4"/>
-          <p:cNvSpPr>
-            <a:spLocks noGrp="1"/>
-          </p:cNvSpPr>
-          <p:nvPr>
-            <p:ph type="ftr" sz="quarter" idx="12"/>
-          </p:nvPr>
-        </p:nvSpPr>
-        <p:spPr/>
-        <p:txBody>
-          <a:bodyPr/>
-          <a:lstStyle/>
-          <a:p>
-            <a:r>
-              <a:rPr lang="de-DE"/>
-              <a:t>Dr. rer. nat. Erika Mustermann (TUM) | kann beliebig erweitert werden | Infos mit Strich trennen</a:t>
-            </a:r>
-            <a:endParaRPr lang="en-US" dirty="0"/>
-          </a:p>
-        </p:txBody>
-      </p:sp>
-      <p:sp>
-        <p:nvSpPr>
-          <p:cNvPr id="2" name="Textplatzhalter 1"/>
-          <p:cNvSpPr>
-            <a:spLocks noGrp="1"/>
-          </p:cNvSpPr>
-          <p:nvPr>
-            <p:ph type="body" sz="quarter" idx="13"/>
-          </p:nvPr>
-        </p:nvSpPr>
-        <p:spPr/>
-        <p:txBody>
-          <a:bodyPr/>
-          <a:lstStyle/>
-          <a:p>
-            <a:r>
-              <a:rPr lang="de-DE"/>
-              <a:t>Tabelle mit schwarzem Rand</a:t>
-            </a:r>
-            <a:br>
-              <a:rPr lang="de-DE"/>
-            </a:br>
-            <a:r>
-              <a:rPr lang="de-DE"/>
-              <a:t>innerer Seitenrand links 0,15 cm, oben z.B. 0,5 cm (für genug Zeilenabstand innerhalb) </a:t>
-            </a:r>
-            <a:endParaRPr lang="de-DE" dirty="0"/>
-          </a:p>
-        </p:txBody>
-      </p:sp>
-      <p:sp>
-        <p:nvSpPr>
-          <p:cNvPr id="3" name="Titel 2"/>
-          <p:cNvSpPr>
-            <a:spLocks noGrp="1"/>
-          </p:cNvSpPr>
-          <p:nvPr>
-            <p:ph type="title"/>
-          </p:nvPr>
-        </p:nvSpPr>
-        <p:spPr/>
-        <p:txBody>
-          <a:bodyPr/>
-          <a:lstStyle/>
-          <a:p>
-            <a:r>
-              <a:rPr lang="de-DE"/>
-              <a:t>Tabelle – Beispiel 2</a:t>
-            </a:r>
-            <a:endParaRPr lang="de-DE" dirty="0"/>
-          </a:p>
-        </p:txBody>
-      </p:sp>
-    </p:spTree>
-  </p:cSld>
-  <p:clrMapOvr>
-    <a:masterClrMapping/>
-  </p:clrMapOvr>
-</p:sld>
-</file>
-
-<file path=ppt/slides/slide57.xml><?xml version="1.0" encoding="utf-8"?>
-<p:sld xmlns:a="http://schemas.openxmlformats.org/drawingml/2006/main" xmlns:r="http://schemas.openxmlformats.org/officeDocument/2006/relationships" xmlns:p="http://schemas.openxmlformats.org/presentationml/2006/main">
-  <p:cSld>
-    <p:spTree>
-      <p:nvGrpSpPr>
-        <p:cNvPr id="1" name=""/>
-        <p:cNvGrpSpPr/>
-        <p:nvPr/>
-      </p:nvGrpSpPr>
-      <p:grpSpPr>
-        <a:xfrm>
-          <a:off x="0" y="0"/>
-          <a:ext cx="0" cy="0"/>
-          <a:chOff x="0" y="0"/>
-          <a:chExt cx="0" cy="0"/>
-        </a:xfrm>
-      </p:grpSpPr>
-      <p:sp>
-        <p:nvSpPr>
-          <p:cNvPr id="5" name="Foliennummernplatzhalter 4"/>
-          <p:cNvSpPr>
-            <a:spLocks noGrp="1"/>
-          </p:cNvSpPr>
-          <p:nvPr>
-            <p:ph type="sldNum" sz="quarter" idx="11"/>
-          </p:nvPr>
-        </p:nvSpPr>
-        <p:spPr/>
-        <p:txBody>
-          <a:bodyPr/>
-          <a:lstStyle/>
-          <a:p>
-            <a:fld id="{CE58CB1E-F828-4F11-99E0-327109AF9DA4}" type="slidenum">
-              <a:rPr lang="de-DE" smtClean="0"/>
-              <a:pPr/>
-              <a:t>57</a:t>
-            </a:fld>
-            <a:endParaRPr lang="de-DE" dirty="0"/>
-          </a:p>
-        </p:txBody>
-      </p:sp>
-      <p:sp>
-        <p:nvSpPr>
-          <p:cNvPr id="9" name="Fußzeilenplatzhalter 4"/>
-          <p:cNvSpPr>
-            <a:spLocks noGrp="1"/>
-          </p:cNvSpPr>
-          <p:nvPr>
-            <p:ph type="ftr" sz="quarter" idx="12"/>
-          </p:nvPr>
-        </p:nvSpPr>
-        <p:spPr/>
-        <p:txBody>
-          <a:bodyPr/>
-          <a:lstStyle/>
-          <a:p>
-            <a:r>
-              <a:rPr lang="de-DE"/>
-              <a:t>Dr. rer. nat. Erika Mustermann (TUM) | kann beliebig erweitert werden | Infos mit Strich trennen</a:t>
-            </a:r>
-            <a:endParaRPr lang="en-US" dirty="0"/>
-          </a:p>
-        </p:txBody>
-      </p:sp>
-      <p:sp>
-        <p:nvSpPr>
-          <p:cNvPr id="3" name="Textplatzhalter 2"/>
-          <p:cNvSpPr>
-            <a:spLocks noGrp="1"/>
-          </p:cNvSpPr>
-          <p:nvPr>
-            <p:ph type="body" sz="quarter" idx="13"/>
-          </p:nvPr>
-        </p:nvSpPr>
-        <p:spPr/>
-        <p:txBody>
-          <a:bodyPr/>
-          <a:lstStyle/>
-          <a:p>
-            <a:r>
-              <a:rPr lang="de-DE" dirty="0"/>
-              <a:t>Nach Möglichkeit linksbündig bleiben</a:t>
-            </a:r>
-            <a:br>
-              <a:rPr lang="de-DE" dirty="0"/>
-            </a:br>
-            <a:r>
-              <a:rPr lang="de-DE" dirty="0"/>
-              <a:t>Unnötige Striche und Balken vermeiden</a:t>
-            </a:r>
-          </a:p>
-        </p:txBody>
-      </p:sp>
-      <p:sp>
-        <p:nvSpPr>
-          <p:cNvPr id="4" name="Titel 3"/>
-          <p:cNvSpPr>
-            <a:spLocks noGrp="1"/>
-          </p:cNvSpPr>
-          <p:nvPr>
-            <p:ph type="title"/>
-          </p:nvPr>
-        </p:nvSpPr>
-        <p:spPr/>
-        <p:txBody>
-          <a:bodyPr/>
-          <a:lstStyle/>
-          <a:p>
-            <a:r>
-              <a:rPr lang="de-DE"/>
-              <a:t>Diagramme – Beispiel 1</a:t>
-            </a:r>
-            <a:endParaRPr lang="de-DE" dirty="0"/>
-          </a:p>
-        </p:txBody>
-      </p:sp>
-      <p:graphicFrame>
-        <p:nvGraphicFramePr>
-          <p:cNvPr id="14" name="Diagramm 13"/>
-          <p:cNvGraphicFramePr/>
-          <p:nvPr/>
-        </p:nvGraphicFramePr>
-        <p:xfrm>
-          <a:off x="209868" y="2388199"/>
-          <a:ext cx="8515032" cy="4207865"/>
-        </p:xfrm>
-        <a:graphic>
-          <a:graphicData uri="http://schemas.openxmlformats.org/drawingml/2006/chart">
-            <c:chart xmlns:c="http://schemas.openxmlformats.org/drawingml/2006/chart" xmlns:r="http://schemas.openxmlformats.org/officeDocument/2006/relationships" r:id="rId2"/>
-          </a:graphicData>
-        </a:graphic>
-      </p:graphicFrame>
-    </p:spTree>
-  </p:cSld>
-  <p:clrMapOvr>
-    <a:masterClrMapping/>
-  </p:clrMapOvr>
-</p:sld>
-</file>
-
-<file path=ppt/slides/slide58.xml><?xml version="1.0" encoding="utf-8"?>
-<p:sld xmlns:a="http://schemas.openxmlformats.org/drawingml/2006/main" xmlns:r="http://schemas.openxmlformats.org/officeDocument/2006/relationships" xmlns:p="http://schemas.openxmlformats.org/presentationml/2006/main">
-  <p:cSld>
-    <p:spTree>
-      <p:nvGrpSpPr>
-        <p:cNvPr id="1" name=""/>
-        <p:cNvGrpSpPr/>
-        <p:nvPr/>
-      </p:nvGrpSpPr>
-      <p:grpSpPr>
-        <a:xfrm>
-          <a:off x="0" y="0"/>
-          <a:ext cx="0" cy="0"/>
-          <a:chOff x="0" y="0"/>
-          <a:chExt cx="0" cy="0"/>
-        </a:xfrm>
-      </p:grpSpPr>
-      <p:graphicFrame>
-        <p:nvGraphicFramePr>
-          <p:cNvPr id="6" name="Inhaltsplatzhalter 5"/>
-          <p:cNvGraphicFramePr>
-            <a:graphicFrameLocks noGrp="1"/>
-          </p:cNvGraphicFramePr>
-          <p:nvPr>
-            <p:ph idx="1"/>
-            <p:extLst>
-              <p:ext uri="{D42A27DB-BD31-4B8C-83A1-F6EECF244321}">
-                <p14:modId xmlns:p14="http://schemas.microsoft.com/office/powerpoint/2010/main" val="2021366215"/>
-              </p:ext>
-            </p:extLst>
-          </p:nvPr>
-        </p:nvGraphicFramePr>
-        <p:xfrm>
-          <a:off x="319088" y="1762125"/>
-          <a:ext cx="8509000" cy="4699000"/>
-        </p:xfrm>
-        <a:graphic>
-          <a:graphicData uri="http://schemas.openxmlformats.org/drawingml/2006/chart">
-            <c:chart xmlns:c="http://schemas.openxmlformats.org/drawingml/2006/chart" xmlns:r="http://schemas.openxmlformats.org/officeDocument/2006/relationships" r:id="rId2"/>
-          </a:graphicData>
-        </a:graphic>
-      </p:graphicFrame>
-      <p:sp>
-        <p:nvSpPr>
-          <p:cNvPr id="4" name="Foliennummernplatzhalter 3"/>
-          <p:cNvSpPr>
-            <a:spLocks noGrp="1"/>
-          </p:cNvSpPr>
-          <p:nvPr>
-            <p:ph type="sldNum" sz="quarter" idx="11"/>
-          </p:nvPr>
-        </p:nvSpPr>
-        <p:spPr/>
-        <p:txBody>
-          <a:bodyPr/>
-          <a:lstStyle/>
-          <a:p>
-            <a:fld id="{CE58CB1E-F828-4F11-99E0-327109AF9DA4}" type="slidenum">
-              <a:rPr lang="de-DE" smtClean="0"/>
-              <a:pPr/>
-              <a:t>58</a:t>
-            </a:fld>
-            <a:endParaRPr lang="de-DE" dirty="0"/>
-          </a:p>
-        </p:txBody>
-      </p:sp>
-      <p:sp>
-        <p:nvSpPr>
-          <p:cNvPr id="7" name="Fußzeilenplatzhalter 4"/>
-          <p:cNvSpPr>
-            <a:spLocks noGrp="1"/>
-          </p:cNvSpPr>
-          <p:nvPr>
-            <p:ph type="ftr" sz="quarter" idx="12"/>
-          </p:nvPr>
-        </p:nvSpPr>
-        <p:spPr/>
-        <p:txBody>
-          <a:bodyPr/>
-          <a:lstStyle/>
-          <a:p>
-            <a:r>
-              <a:rPr lang="de-DE"/>
-              <a:t>Dr. rer. nat. Erika Mustermann (TUM) | kann beliebig erweitert werden | Infos mit Strich trennen</a:t>
-            </a:r>
-            <a:endParaRPr lang="en-US" dirty="0"/>
-          </a:p>
-        </p:txBody>
-      </p:sp>
-      <p:sp>
-        <p:nvSpPr>
-          <p:cNvPr id="3" name="Titel 2"/>
-          <p:cNvSpPr>
-            <a:spLocks noGrp="1"/>
-          </p:cNvSpPr>
-          <p:nvPr>
-            <p:ph type="title"/>
-          </p:nvPr>
-        </p:nvSpPr>
-        <p:spPr/>
-        <p:txBody>
-          <a:bodyPr/>
-          <a:lstStyle/>
-          <a:p>
-            <a:r>
-              <a:rPr lang="de-DE"/>
-              <a:t>Diagramme</a:t>
-            </a:r>
-            <a:endParaRPr lang="de-DE" dirty="0"/>
-          </a:p>
-        </p:txBody>
-      </p:sp>
-    </p:spTree>
   </p:cSld>
   <p:clrMapOvr>
     <a:masterClrMapping/>

--- a/Presentation/The Adaptive Radix Tree.pptx
+++ b/Presentation/The Adaptive Radix Tree.pptx
@@ -5843,7 +5843,7 @@
               <a:pPr>
                 <a:defRPr/>
               </a:pPr>
-              <a:t>04/07/2022</a:t>
+              <a:t>05/07/2022</a:t>
             </a:fld>
             <a:endParaRPr lang="en-GB" dirty="0"/>
           </a:p>
@@ -6062,7 +6062,7 @@
               <a:pPr>
                 <a:defRPr/>
               </a:pPr>
-              <a:t>04/07/2022</a:t>
+              <a:t>05/07/2022</a:t>
             </a:fld>
             <a:endParaRPr lang="en-GB"/>
           </a:p>
@@ -23887,7 +23887,7 @@
             </a:r>
             <a:r>
               <a:rPr lang="de-DE" dirty="0" err="1"/>
-              <a:t>separatly</a:t>
+              <a:t>separately</a:t>
             </a:r>
             <a:r>
               <a:rPr lang="de-DE" dirty="0"/>

--- a/Presentation/The Adaptive Radix Tree.pptx
+++ b/Presentation/The Adaptive Radix Tree.pptx
@@ -37398,8 +37398,12 @@
           </a:p>
           <a:p>
             <a:r>
-              <a:rPr lang="de-DE" dirty="0"/>
-              <a:t>Size </a:t>
+              <a:rPr lang="de-DE" dirty="0" err="1"/>
+              <a:t>Number</a:t>
+            </a:r>
+            <a:r>
+              <a:rPr lang="de-DE"/>
+              <a:t> </a:t>
             </a:r>
             <a:r>
               <a:rPr lang="de-DE" dirty="0" err="1"/>

--- a/Presentation/The Adaptive Radix Tree.pptx
+++ b/Presentation/The Adaptive Radix Tree.pptx
@@ -10,10 +10,10 @@
     <p:sldMasterId id="2147483697" r:id="rId6"/>
   </p:sldMasterIdLst>
   <p:notesMasterIdLst>
-    <p:notesMasterId r:id="rId43"/>
+    <p:notesMasterId r:id="rId44"/>
   </p:notesMasterIdLst>
   <p:handoutMasterIdLst>
-    <p:handoutMasterId r:id="rId44"/>
+    <p:handoutMasterId r:id="rId45"/>
   </p:handoutMasterIdLst>
   <p:sldIdLst>
     <p:sldId id="355" r:id="rId7"/>
@@ -45,13 +45,14 @@
     <p:sldId id="401" r:id="rId33"/>
     <p:sldId id="432" r:id="rId34"/>
     <p:sldId id="417" r:id="rId35"/>
-    <p:sldId id="420" r:id="rId36"/>
-    <p:sldId id="421" r:id="rId37"/>
-    <p:sldId id="422" r:id="rId38"/>
-    <p:sldId id="423" r:id="rId39"/>
-    <p:sldId id="424" r:id="rId40"/>
-    <p:sldId id="429" r:id="rId41"/>
-    <p:sldId id="433" r:id="rId42"/>
+    <p:sldId id="435" r:id="rId36"/>
+    <p:sldId id="420" r:id="rId37"/>
+    <p:sldId id="421" r:id="rId38"/>
+    <p:sldId id="422" r:id="rId39"/>
+    <p:sldId id="423" r:id="rId40"/>
+    <p:sldId id="424" r:id="rId41"/>
+    <p:sldId id="429" r:id="rId42"/>
+    <p:sldId id="433" r:id="rId43"/>
   </p:sldIdLst>
   <p:sldSz cx="9144000" cy="6858000" type="screen4x3"/>
   <p:notesSz cx="9925050" cy="6665913"/>
@@ -246,6 +247,7 @@
         <p14:section name="Extra Slides" id="{BC91BC9B-5C81-4211-A577-8F6AD2E1EBDC}">
           <p14:sldIdLst>
             <p14:sldId id="417"/>
+            <p14:sldId id="435"/>
             <p14:sldId id="420"/>
             <p14:sldId id="421"/>
             <p14:sldId id="422"/>
@@ -5843,7 +5845,7 @@
               <a:pPr>
                 <a:defRPr/>
               </a:pPr>
-              <a:t>05/07/2022</a:t>
+              <a:t>08/07/2022</a:t>
             </a:fld>
             <a:endParaRPr lang="en-GB" dirty="0"/>
           </a:p>
@@ -6062,7 +6064,7 @@
               <a:pPr>
                 <a:defRPr/>
               </a:pPr>
-              <a:t>05/07/2022</a:t>
+              <a:t>08/07/2022</a:t>
             </a:fld>
             <a:endParaRPr lang="en-GB"/>
           </a:p>
@@ -10019,7 +10021,7 @@
     </p:spTree>
     <p:extLst>
       <p:ext uri="{BB962C8B-B14F-4D97-AF65-F5344CB8AC3E}">
-        <p14:creationId xmlns:p14="http://schemas.microsoft.com/office/powerpoint/2010/main" val="632089375"/>
+        <p14:creationId xmlns:p14="http://schemas.microsoft.com/office/powerpoint/2010/main" val="688350877"/>
       </p:ext>
     </p:extLst>
   </p:cSld>
@@ -10109,7 +10111,7 @@
     </p:spTree>
     <p:extLst>
       <p:ext uri="{BB962C8B-B14F-4D97-AF65-F5344CB8AC3E}">
-        <p14:creationId xmlns:p14="http://schemas.microsoft.com/office/powerpoint/2010/main" val="1368079382"/>
+        <p14:creationId xmlns:p14="http://schemas.microsoft.com/office/powerpoint/2010/main" val="632089375"/>
       </p:ext>
     </p:extLst>
   </p:cSld>
@@ -10348,7 +10350,7 @@
     </p:spTree>
     <p:extLst>
       <p:ext uri="{BB962C8B-B14F-4D97-AF65-F5344CB8AC3E}">
-        <p14:creationId xmlns:p14="http://schemas.microsoft.com/office/powerpoint/2010/main" val="3403498060"/>
+        <p14:creationId xmlns:p14="http://schemas.microsoft.com/office/powerpoint/2010/main" val="1368079382"/>
       </p:ext>
     </p:extLst>
   </p:cSld>
@@ -10438,7 +10440,7 @@
     </p:spTree>
     <p:extLst>
       <p:ext uri="{BB962C8B-B14F-4D97-AF65-F5344CB8AC3E}">
-        <p14:creationId xmlns:p14="http://schemas.microsoft.com/office/powerpoint/2010/main" val="3873617337"/>
+        <p14:creationId xmlns:p14="http://schemas.microsoft.com/office/powerpoint/2010/main" val="3403498060"/>
       </p:ext>
     </p:extLst>
   </p:cSld>
@@ -10528,7 +10530,7 @@
     </p:spTree>
     <p:extLst>
       <p:ext uri="{BB962C8B-B14F-4D97-AF65-F5344CB8AC3E}">
-        <p14:creationId xmlns:p14="http://schemas.microsoft.com/office/powerpoint/2010/main" val="2821304512"/>
+        <p14:creationId xmlns:p14="http://schemas.microsoft.com/office/powerpoint/2010/main" val="3873617337"/>
       </p:ext>
     </p:extLst>
   </p:cSld>
@@ -10582,7 +10584,7 @@
           <a:bodyPr/>
           <a:lstStyle/>
           <a:p>
-            <a:endParaRPr lang="de-DE" dirty="0"/>
+            <a:endParaRPr lang="en-US" dirty="0"/>
           </a:p>
         </p:txBody>
       </p:sp>
@@ -10618,7 +10620,7 @@
     </p:spTree>
     <p:extLst>
       <p:ext uri="{BB962C8B-B14F-4D97-AF65-F5344CB8AC3E}">
-        <p14:creationId xmlns:p14="http://schemas.microsoft.com/office/powerpoint/2010/main" val="1498725812"/>
+        <p14:creationId xmlns:p14="http://schemas.microsoft.com/office/powerpoint/2010/main" val="2821304512"/>
       </p:ext>
     </p:extLst>
   </p:cSld>
@@ -10672,7 +10674,7 @@
           <a:bodyPr/>
           <a:lstStyle/>
           <a:p>
-            <a:endParaRPr lang="en-US" dirty="0"/>
+            <a:endParaRPr lang="de-DE" dirty="0"/>
           </a:p>
         </p:txBody>
       </p:sp>
@@ -10700,6 +10702,96 @@
                 <a:defRPr/>
               </a:pPr>
               <a:t>36</a:t>
+            </a:fld>
+            <a:endParaRPr lang="en-GB"/>
+          </a:p>
+        </p:txBody>
+      </p:sp>
+    </p:spTree>
+    <p:extLst>
+      <p:ext uri="{BB962C8B-B14F-4D97-AF65-F5344CB8AC3E}">
+        <p14:creationId xmlns:p14="http://schemas.microsoft.com/office/powerpoint/2010/main" val="1498725812"/>
+      </p:ext>
+    </p:extLst>
+  </p:cSld>
+  <p:clrMapOvr>
+    <a:masterClrMapping/>
+  </p:clrMapOvr>
+</p:notes>
+</file>
+
+<file path=ppt/notesSlides/notesSlide35.xml><?xml version="1.0" encoding="utf-8"?>
+<p:notes xmlns:a="http://schemas.openxmlformats.org/drawingml/2006/main" xmlns:r="http://schemas.openxmlformats.org/officeDocument/2006/relationships" xmlns:p="http://schemas.openxmlformats.org/presentationml/2006/main">
+  <p:cSld>
+    <p:spTree>
+      <p:nvGrpSpPr>
+        <p:cNvPr id="1" name=""/>
+        <p:cNvGrpSpPr/>
+        <p:nvPr/>
+      </p:nvGrpSpPr>
+      <p:grpSpPr>
+        <a:xfrm>
+          <a:off x="0" y="0"/>
+          <a:ext cx="0" cy="0"/>
+          <a:chOff x="0" y="0"/>
+          <a:chExt cx="0" cy="0"/>
+        </a:xfrm>
+      </p:grpSpPr>
+      <p:sp>
+        <p:nvSpPr>
+          <p:cNvPr id="2" name="Slide Image Placeholder 1"/>
+          <p:cNvSpPr>
+            <a:spLocks noGrp="1" noRot="1" noChangeAspect="1"/>
+          </p:cNvSpPr>
+          <p:nvPr>
+            <p:ph type="sldImg"/>
+          </p:nvPr>
+        </p:nvSpPr>
+        <p:spPr/>
+      </p:sp>
+      <p:sp>
+        <p:nvSpPr>
+          <p:cNvPr id="3" name="Notes Placeholder 2"/>
+          <p:cNvSpPr>
+            <a:spLocks noGrp="1"/>
+          </p:cNvSpPr>
+          <p:nvPr>
+            <p:ph type="body" idx="1"/>
+          </p:nvPr>
+        </p:nvSpPr>
+        <p:spPr/>
+        <p:txBody>
+          <a:bodyPr/>
+          <a:lstStyle/>
+          <a:p>
+            <a:endParaRPr lang="en-US" dirty="0"/>
+          </a:p>
+        </p:txBody>
+      </p:sp>
+      <p:sp>
+        <p:nvSpPr>
+          <p:cNvPr id="4" name="Slide Number Placeholder 3"/>
+          <p:cNvSpPr>
+            <a:spLocks noGrp="1"/>
+          </p:cNvSpPr>
+          <p:nvPr>
+            <p:ph type="sldNum" sz="quarter" idx="5"/>
+          </p:nvPr>
+        </p:nvSpPr>
+        <p:spPr/>
+        <p:txBody>
+          <a:bodyPr/>
+          <a:lstStyle/>
+          <a:p>
+            <a:pPr>
+              <a:defRPr/>
+            </a:pPr>
+            <a:fld id="{00AFC6D0-44D5-4EB7-828F-6F464F83D79A}" type="slidenum">
+              <a:rPr lang="en-GB" smtClean="0"/>
+              <a:pPr>
+                <a:defRPr/>
+              </a:pPr>
+              <a:t>37</a:t>
             </a:fld>
             <a:endParaRPr lang="en-GB"/>
           </a:p>
@@ -29648,6 +29740,703 @@
             </a:r>
             <a:r>
               <a:rPr sz="3000" dirty="0"/>
+              <a:t> Implementation </a:t>
+            </a:r>
+            <a:r>
+              <a:rPr sz="3000" dirty="0" err="1"/>
+              <a:t>Specifics</a:t>
+            </a:r>
+            <a:endParaRPr lang="de-DE" sz="3000" dirty="0"/>
+          </a:p>
+        </p:txBody>
+      </p:sp>
+      <p:sp>
+        <p:nvSpPr>
+          <p:cNvPr id="7" name="Inhaltsplatzhalter 1">
+            <a:extLst>
+              <a:ext uri="{FF2B5EF4-FFF2-40B4-BE49-F238E27FC236}">
+                <a16:creationId xmlns:a16="http://schemas.microsoft.com/office/drawing/2014/main" id="{39E026B4-457A-F216-0A86-D12F37A57423}"/>
+              </a:ext>
+            </a:extLst>
+          </p:cNvPr>
+          <p:cNvSpPr>
+            <a:spLocks noGrp="1"/>
+          </p:cNvSpPr>
+          <p:nvPr>
+            <p:ph idx="1"/>
+          </p:nvPr>
+        </p:nvSpPr>
+        <p:spPr>
+          <a:xfrm>
+            <a:off x="319090" y="1762188"/>
+            <a:ext cx="8508999" cy="4699572"/>
+          </a:xfrm>
+        </p:spPr>
+        <p:txBody>
+          <a:bodyPr/>
+          <a:lstStyle/>
+          <a:p>
+            <a:r>
+              <a:rPr dirty="0"/>
+              <a:t>ART </a:t>
+            </a:r>
+            <a:r>
+              <a:rPr dirty="0" err="1"/>
+              <a:t>implementation</a:t>
+            </a:r>
+            <a:r>
+              <a:rPr dirty="0"/>
+              <a:t> </a:t>
+            </a:r>
+            <a:r>
+              <a:rPr dirty="0" err="1"/>
+              <a:t>for</a:t>
+            </a:r>
+            <a:r>
+              <a:rPr dirty="0"/>
+              <a:t> </a:t>
+            </a:r>
+            <a:r>
+              <a:rPr dirty="0" err="1"/>
+              <a:t>storing</a:t>
+            </a:r>
+            <a:r>
+              <a:rPr dirty="0"/>
+              <a:t> 32 </a:t>
+            </a:r>
+            <a:r>
+              <a:rPr dirty="0" err="1"/>
+              <a:t>bit</a:t>
+            </a:r>
+            <a:r>
+              <a:rPr dirty="0"/>
+              <a:t> </a:t>
+            </a:r>
+            <a:r>
+              <a:rPr dirty="0" err="1"/>
+              <a:t>keys</a:t>
+            </a:r>
+            <a:r>
+              <a:rPr dirty="0"/>
+              <a:t> (</a:t>
+            </a:r>
+            <a:r>
+              <a:rPr dirty="0" err="1"/>
+              <a:t>no</a:t>
+            </a:r>
+            <a:r>
+              <a:rPr dirty="0"/>
+              <a:t> </a:t>
+            </a:r>
+            <a:r>
+              <a:rPr dirty="0" err="1"/>
+              <a:t>path</a:t>
+            </a:r>
+            <a:r>
+              <a:rPr dirty="0"/>
+              <a:t> </a:t>
+            </a:r>
+            <a:r>
+              <a:rPr dirty="0" err="1"/>
+              <a:t>compression</a:t>
+            </a:r>
+            <a:r>
+              <a:rPr dirty="0"/>
+              <a:t>)</a:t>
+            </a:r>
+          </a:p>
+          <a:p>
+            <a:endParaRPr dirty="0"/>
+          </a:p>
+          <a:p>
+            <a:r>
+              <a:rPr lang="de-DE" b="1" dirty="0" err="1"/>
+              <a:t>Important</a:t>
+            </a:r>
+            <a:r>
+              <a:rPr lang="de-DE" b="1" dirty="0"/>
+              <a:t> Points:</a:t>
+            </a:r>
+          </a:p>
+          <a:p>
+            <a:pPr marL="285750" indent="-285750">
+              <a:buFont typeface="Arial" panose="020B0604020202020204" pitchFamily="34" charset="0"/>
+              <a:buChar char="•"/>
+            </a:pPr>
+            <a:r>
+              <a:rPr lang="de-DE" dirty="0" err="1"/>
+              <a:t>No</a:t>
+            </a:r>
+            <a:r>
+              <a:rPr lang="de-DE" dirty="0"/>
+              <a:t> </a:t>
+            </a:r>
+            <a:r>
+              <a:rPr lang="de-DE" dirty="0" err="1"/>
+              <a:t>recursion</a:t>
+            </a:r>
+            <a:r>
+              <a:rPr lang="de-DE" dirty="0"/>
+              <a:t>! (</a:t>
+            </a:r>
+            <a:r>
+              <a:rPr lang="de-DE" dirty="0" err="1"/>
+              <a:t>self</a:t>
+            </a:r>
+            <a:r>
+              <a:rPr lang="de-DE" dirty="0"/>
+              <a:t> </a:t>
+            </a:r>
+            <a:r>
+              <a:rPr lang="de-DE" dirty="0" err="1"/>
+              <a:t>explanatory</a:t>
+            </a:r>
+            <a:r>
+              <a:rPr lang="de-DE" dirty="0"/>
+              <a:t>)</a:t>
+            </a:r>
+          </a:p>
+          <a:p>
+            <a:pPr marL="285750" indent="-285750">
+              <a:buFont typeface="Arial" panose="020B0604020202020204" pitchFamily="34" charset="0"/>
+              <a:buChar char="•"/>
+            </a:pPr>
+            <a:r>
+              <a:rPr lang="de-DE" dirty="0" err="1"/>
+              <a:t>No</a:t>
+            </a:r>
+            <a:r>
+              <a:rPr lang="de-DE" dirty="0"/>
+              <a:t> </a:t>
+            </a:r>
+            <a:r>
+              <a:rPr lang="de-DE" dirty="0" err="1"/>
+              <a:t>polymorphie</a:t>
+            </a:r>
+            <a:r>
+              <a:rPr lang="de-DE" dirty="0"/>
+              <a:t>! (C++ </a:t>
+            </a:r>
+            <a:r>
+              <a:rPr lang="de-DE" dirty="0" err="1"/>
+              <a:t>utilizes</a:t>
+            </a:r>
+            <a:r>
+              <a:rPr lang="de-DE" dirty="0"/>
+              <a:t> </a:t>
+            </a:r>
+            <a:r>
+              <a:rPr lang="de-DE" dirty="0" err="1"/>
+              <a:t>vtables</a:t>
+            </a:r>
+            <a:r>
+              <a:rPr lang="de-DE" dirty="0"/>
+              <a:t> </a:t>
+            </a:r>
+            <a:r>
+              <a:rPr lang="de-DE" dirty="0" err="1"/>
+              <a:t>for</a:t>
+            </a:r>
+            <a:r>
+              <a:rPr lang="de-DE" dirty="0"/>
+              <a:t> </a:t>
+            </a:r>
+            <a:r>
+              <a:rPr lang="de-DE" dirty="0" err="1"/>
+              <a:t>dynamic</a:t>
+            </a:r>
+            <a:r>
+              <a:rPr lang="de-DE" dirty="0"/>
+              <a:t> </a:t>
+            </a:r>
+            <a:r>
+              <a:rPr lang="de-DE" dirty="0" err="1"/>
+              <a:t>dispatch</a:t>
+            </a:r>
+            <a:r>
+              <a:rPr lang="de-DE" dirty="0"/>
+              <a:t> </a:t>
+            </a:r>
+            <a:r>
+              <a:rPr lang="de-DE" dirty="0">
+                <a:sym typeface="Wingdings" panose="05000000000000000000" pitchFamily="2" charset="2"/>
+              </a:rPr>
+              <a:t> </a:t>
+            </a:r>
+            <a:r>
+              <a:rPr lang="de-DE" dirty="0" err="1">
+                <a:sym typeface="Wingdings" panose="05000000000000000000" pitchFamily="2" charset="2"/>
+              </a:rPr>
+              <a:t>performance</a:t>
+            </a:r>
+            <a:r>
+              <a:rPr lang="de-DE" dirty="0">
+                <a:sym typeface="Wingdings" panose="05000000000000000000" pitchFamily="2" charset="2"/>
+              </a:rPr>
+              <a:t> + </a:t>
+            </a:r>
+            <a:r>
+              <a:rPr lang="de-DE" dirty="0" err="1">
+                <a:sym typeface="Wingdings" panose="05000000000000000000" pitchFamily="2" charset="2"/>
+              </a:rPr>
+              <a:t>memory</a:t>
+            </a:r>
+            <a:r>
+              <a:rPr lang="de-DE" dirty="0">
+                <a:sym typeface="Wingdings" panose="05000000000000000000" pitchFamily="2" charset="2"/>
+              </a:rPr>
+              <a:t> </a:t>
+            </a:r>
+            <a:r>
+              <a:rPr lang="de-DE" dirty="0" err="1">
+                <a:sym typeface="Wingdings" panose="05000000000000000000" pitchFamily="2" charset="2"/>
+              </a:rPr>
+              <a:t>overhead</a:t>
+            </a:r>
+            <a:r>
+              <a:rPr lang="de-DE" dirty="0">
+                <a:sym typeface="Wingdings" panose="05000000000000000000" pitchFamily="2" charset="2"/>
+              </a:rPr>
+              <a:t>)</a:t>
+            </a:r>
+          </a:p>
+          <a:p>
+            <a:pPr marL="285750" indent="-285750">
+              <a:buFont typeface="Arial" panose="020B0604020202020204" pitchFamily="34" charset="0"/>
+              <a:buChar char="•"/>
+            </a:pPr>
+            <a:r>
+              <a:rPr lang="de-DE" dirty="0">
+                <a:sym typeface="Wingdings" panose="05000000000000000000" pitchFamily="2" charset="2"/>
+              </a:rPr>
+              <a:t>Memory </a:t>
+            </a:r>
+            <a:r>
+              <a:rPr lang="de-DE" dirty="0" err="1">
+                <a:sym typeface="Wingdings" panose="05000000000000000000" pitchFamily="2" charset="2"/>
+              </a:rPr>
+              <a:t>management</a:t>
+            </a:r>
+            <a:r>
+              <a:rPr lang="de-DE" dirty="0">
+                <a:sym typeface="Wingdings" panose="05000000000000000000" pitchFamily="2" charset="2"/>
+              </a:rPr>
+              <a:t>! (</a:t>
+            </a:r>
+            <a:r>
+              <a:rPr lang="de-DE" dirty="0" err="1">
+                <a:sym typeface="Wingdings" panose="05000000000000000000" pitchFamily="2" charset="2"/>
+                <a:hlinkClick r:id="rId3"/>
+              </a:rPr>
+              <a:t>malloc</a:t>
+            </a:r>
+            <a:r>
+              <a:rPr lang="de-DE" dirty="0">
+                <a:sym typeface="Wingdings" panose="05000000000000000000" pitchFamily="2" charset="2"/>
+                <a:hlinkClick r:id="rId3"/>
+              </a:rPr>
+              <a:t> vs. </a:t>
+            </a:r>
+            <a:r>
+              <a:rPr lang="de-DE" dirty="0" err="1">
+                <a:sym typeface="Wingdings" panose="05000000000000000000" pitchFamily="2" charset="2"/>
+                <a:hlinkClick r:id="rId3"/>
+              </a:rPr>
+              <a:t>TCMalloc</a:t>
+            </a:r>
+            <a:r>
+              <a:rPr lang="de-DE" dirty="0">
+                <a:sym typeface="Wingdings" panose="05000000000000000000" pitchFamily="2" charset="2"/>
+                <a:hlinkClick r:id="rId3"/>
+              </a:rPr>
+              <a:t> vs. </a:t>
+            </a:r>
+            <a:r>
+              <a:rPr lang="de-DE" dirty="0" err="1">
+                <a:sym typeface="Wingdings" panose="05000000000000000000" pitchFamily="2" charset="2"/>
+                <a:hlinkClick r:id="rId3"/>
+              </a:rPr>
+              <a:t>jemalloc</a:t>
+            </a:r>
+            <a:r>
+              <a:rPr lang="de-DE" dirty="0">
+                <a:sym typeface="Wingdings" panose="05000000000000000000" pitchFamily="2" charset="2"/>
+                <a:hlinkClick r:id="rId3"/>
+              </a:rPr>
+              <a:t> </a:t>
+            </a:r>
+            <a:r>
+              <a:rPr lang="de-DE" dirty="0">
+                <a:sym typeface="Wingdings" panose="05000000000000000000" pitchFamily="2" charset="2"/>
+              </a:rPr>
+              <a:t>vs. </a:t>
+            </a:r>
+            <a:r>
+              <a:rPr lang="de-DE" dirty="0" err="1">
+                <a:sym typeface="Wingdings" panose="05000000000000000000" pitchFamily="2" charset="2"/>
+              </a:rPr>
+              <a:t>custom</a:t>
+            </a:r>
+            <a:r>
+              <a:rPr lang="de-DE" dirty="0">
+                <a:sym typeface="Wingdings" panose="05000000000000000000" pitchFamily="2" charset="2"/>
+              </a:rPr>
+              <a:t> </a:t>
+            </a:r>
+            <a:r>
+              <a:rPr lang="de-DE" dirty="0" err="1">
+                <a:sym typeface="Wingdings" panose="05000000000000000000" pitchFamily="2" charset="2"/>
+              </a:rPr>
+              <a:t>memory</a:t>
+            </a:r>
+            <a:r>
+              <a:rPr lang="de-DE" dirty="0">
+                <a:sym typeface="Wingdings" panose="05000000000000000000" pitchFamily="2" charset="2"/>
+              </a:rPr>
+              <a:t> </a:t>
+            </a:r>
+            <a:r>
+              <a:rPr lang="de-DE" dirty="0" err="1">
+                <a:sym typeface="Wingdings" panose="05000000000000000000" pitchFamily="2" charset="2"/>
+              </a:rPr>
+              <a:t>arenas</a:t>
+            </a:r>
+            <a:r>
+              <a:rPr lang="de-DE" dirty="0">
+                <a:sym typeface="Wingdings" panose="05000000000000000000" pitchFamily="2" charset="2"/>
+              </a:rPr>
+              <a:t>/</a:t>
+            </a:r>
+            <a:r>
+              <a:rPr lang="de-DE" dirty="0" err="1">
+                <a:sym typeface="Wingdings" panose="05000000000000000000" pitchFamily="2" charset="2"/>
+              </a:rPr>
+              <a:t>pools</a:t>
+            </a:r>
+            <a:r>
+              <a:rPr lang="de-DE" dirty="0">
+                <a:sym typeface="Wingdings" panose="05000000000000000000" pitchFamily="2" charset="2"/>
+              </a:rPr>
+              <a:t>)</a:t>
+            </a:r>
+            <a:endParaRPr lang="de-DE" dirty="0"/>
+          </a:p>
+          <a:p>
+            <a:pPr marL="285750" indent="-285750">
+              <a:buFont typeface="Arial" panose="020B0604020202020204" pitchFamily="34" charset="0"/>
+              <a:buChar char="•"/>
+            </a:pPr>
+            <a:r>
+              <a:rPr lang="de-DE" dirty="0"/>
+              <a:t>Node16 </a:t>
+            </a:r>
+            <a:r>
+              <a:rPr lang="de-DE" dirty="0" err="1"/>
+              <a:t>search</a:t>
+            </a:r>
+            <a:r>
+              <a:rPr lang="de-DE" dirty="0"/>
+              <a:t> SIMD </a:t>
+            </a:r>
+            <a:r>
+              <a:rPr lang="de-DE" dirty="0" err="1"/>
+              <a:t>comparison</a:t>
+            </a:r>
+            <a:r>
+              <a:rPr lang="de-DE" dirty="0"/>
+              <a:t>: </a:t>
+            </a:r>
+            <a:r>
+              <a:rPr lang="de-DE" dirty="0" err="1"/>
+              <a:t>used</a:t>
+            </a:r>
+            <a:r>
+              <a:rPr lang="de-DE" dirty="0"/>
+              <a:t> x86-64 SSE (</a:t>
+            </a:r>
+            <a:r>
+              <a:rPr lang="de-DE" dirty="0" err="1"/>
+              <a:t>optionally</a:t>
+            </a:r>
+            <a:r>
+              <a:rPr lang="de-DE" dirty="0"/>
+              <a:t> AVX-512 </a:t>
+            </a:r>
+            <a:r>
+              <a:rPr lang="de-DE" dirty="0" err="1"/>
+              <a:t>for</a:t>
+            </a:r>
+            <a:r>
+              <a:rPr lang="de-DE" dirty="0"/>
+              <a:t> </a:t>
+            </a:r>
+            <a:r>
+              <a:rPr lang="de-DE" dirty="0" err="1"/>
+              <a:t>fewer</a:t>
+            </a:r>
+            <a:r>
+              <a:rPr lang="de-DE" dirty="0"/>
+              <a:t> </a:t>
+            </a:r>
+            <a:r>
+              <a:rPr lang="de-DE" dirty="0" err="1"/>
+              <a:t>intrinsics</a:t>
+            </a:r>
+            <a:r>
+              <a:rPr lang="de-DE" dirty="0"/>
+              <a:t>)</a:t>
+            </a:r>
+          </a:p>
+          <a:p>
+            <a:pPr marL="285750" indent="-285750">
+              <a:buFont typeface="Arial" panose="020B0604020202020204" pitchFamily="34" charset="0"/>
+              <a:buChar char="•"/>
+            </a:pPr>
+            <a:r>
+              <a:rPr lang="de-DE" dirty="0"/>
+              <a:t>Multi-</a:t>
+            </a:r>
+            <a:r>
+              <a:rPr lang="de-DE" dirty="0" err="1"/>
+              <a:t>value</a:t>
+            </a:r>
+            <a:r>
+              <a:rPr lang="de-DE" dirty="0"/>
+              <a:t> </a:t>
+            </a:r>
+            <a:r>
+              <a:rPr lang="de-DE" dirty="0" err="1"/>
+              <a:t>leaves</a:t>
+            </a:r>
+            <a:r>
+              <a:rPr lang="de-DE" dirty="0"/>
+              <a:t>: Pointer Tagging </a:t>
+            </a:r>
+            <a:r>
+              <a:rPr lang="de-DE" dirty="0" err="1"/>
+              <a:t>using</a:t>
+            </a:r>
+            <a:r>
+              <a:rPr lang="de-DE" dirty="0"/>
+              <a:t> 3 </a:t>
+            </a:r>
+            <a:r>
+              <a:rPr lang="de-DE" dirty="0" err="1"/>
+              <a:t>low</a:t>
+            </a:r>
+            <a:r>
+              <a:rPr lang="de-DE" dirty="0"/>
+              <a:t> </a:t>
+            </a:r>
+            <a:r>
+              <a:rPr lang="de-DE" dirty="0" err="1"/>
+              <a:t>bits</a:t>
+            </a:r>
+            <a:r>
+              <a:rPr lang="de-DE" dirty="0"/>
+              <a:t> on 64 </a:t>
+            </a:r>
+            <a:r>
+              <a:rPr lang="de-DE" dirty="0" err="1"/>
+              <a:t>bit</a:t>
+            </a:r>
+            <a:r>
+              <a:rPr lang="de-DE" dirty="0"/>
+              <a:t> </a:t>
+            </a:r>
+            <a:r>
+              <a:rPr lang="de-DE" dirty="0" err="1"/>
+              <a:t>architecture</a:t>
+            </a:r>
+            <a:r>
+              <a:rPr lang="de-DE" dirty="0"/>
+              <a:t> (</a:t>
+            </a:r>
+            <a:r>
+              <a:rPr lang="de-DE" dirty="0" err="1"/>
+              <a:t>pointers</a:t>
+            </a:r>
+            <a:r>
+              <a:rPr lang="de-DE" dirty="0"/>
+              <a:t> </a:t>
+            </a:r>
+            <a:r>
+              <a:rPr lang="de-DE" dirty="0" err="1"/>
+              <a:t>are</a:t>
+            </a:r>
+            <a:r>
+              <a:rPr lang="de-DE" dirty="0"/>
+              <a:t> 8-byte </a:t>
+            </a:r>
+            <a:r>
+              <a:rPr lang="de-DE" dirty="0" err="1"/>
+              <a:t>aligned</a:t>
+            </a:r>
+            <a:r>
+              <a:rPr lang="de-DE" dirty="0"/>
+              <a:t>)</a:t>
+            </a:r>
+            <a:endParaRPr dirty="0"/>
+          </a:p>
+        </p:txBody>
+      </p:sp>
+      <p:sp>
+        <p:nvSpPr>
+          <p:cNvPr id="8" name="TextBox 7">
+            <a:extLst>
+              <a:ext uri="{FF2B5EF4-FFF2-40B4-BE49-F238E27FC236}">
+                <a16:creationId xmlns:a16="http://schemas.microsoft.com/office/drawing/2014/main" id="{A5940A45-AA82-8650-35A3-B5573011316E}"/>
+              </a:ext>
+            </a:extLst>
+          </p:cNvPr>
+          <p:cNvSpPr txBox="1"/>
+          <p:nvPr/>
+        </p:nvSpPr>
+        <p:spPr>
+          <a:xfrm>
+            <a:off x="311162" y="6298789"/>
+            <a:ext cx="8635130" cy="193002"/>
+          </a:xfrm>
+          <a:prstGeom prst="rect">
+            <a:avLst/>
+          </a:prstGeom>
+          <a:noFill/>
+        </p:spPr>
+        <p:txBody>
+          <a:bodyPr wrap="square" lIns="0" tIns="0" rIns="0" bIns="0" rtlCol="0">
+            <a:spAutoFit/>
+          </a:bodyPr>
+          <a:lstStyle/>
+          <a:p>
+            <a:pPr>
+              <a:lnSpc>
+                <a:spcPct val="114000"/>
+              </a:lnSpc>
+            </a:pPr>
+            <a:r>
+              <a:rPr lang="en-US" sz="1200" b="1" dirty="0"/>
+              <a:t>Source: </a:t>
+            </a:r>
+            <a:r>
+              <a:rPr lang="en-US" sz="1200" dirty="0">
+                <a:hlinkClick r:id="rId4"/>
+              </a:rPr>
+              <a:t>https://github.com/atalantus/The-Adaptive-Radix-Tree/tree/main/Implementation</a:t>
+            </a:r>
+            <a:endParaRPr lang="en-US" sz="1200" dirty="0"/>
+          </a:p>
+        </p:txBody>
+      </p:sp>
+    </p:spTree>
+    <p:extLst>
+      <p:ext uri="{BB962C8B-B14F-4D97-AF65-F5344CB8AC3E}">
+        <p14:creationId xmlns:p14="http://schemas.microsoft.com/office/powerpoint/2010/main" val="443928699"/>
+      </p:ext>
+    </p:extLst>
+  </p:cSld>
+  <p:clrMapOvr>
+    <a:masterClrMapping/>
+  </p:clrMapOvr>
+</p:sld>
+</file>
+
+<file path=ppt/slides/slide31.xml><?xml version="1.0" encoding="utf-8"?>
+<p:sld xmlns:a="http://schemas.openxmlformats.org/drawingml/2006/main" xmlns:r="http://schemas.openxmlformats.org/officeDocument/2006/relationships" xmlns:p="http://schemas.openxmlformats.org/presentationml/2006/main">
+  <p:cSld>
+    <p:spTree>
+      <p:nvGrpSpPr>
+        <p:cNvPr id="1" name=""/>
+        <p:cNvGrpSpPr/>
+        <p:nvPr/>
+      </p:nvGrpSpPr>
+      <p:grpSpPr>
+        <a:xfrm>
+          <a:off x="0" y="0"/>
+          <a:ext cx="0" cy="0"/>
+          <a:chOff x="0" y="0"/>
+          <a:chExt cx="0" cy="0"/>
+        </a:xfrm>
+      </p:grpSpPr>
+      <p:sp>
+        <p:nvSpPr>
+          <p:cNvPr id="4" name="Foliennummernplatzhalter 3"/>
+          <p:cNvSpPr>
+            <a:spLocks noGrp="1"/>
+          </p:cNvSpPr>
+          <p:nvPr>
+            <p:ph type="sldNum" sz="quarter" idx="11"/>
+          </p:nvPr>
+        </p:nvSpPr>
+        <p:spPr>
+          <a:prstGeom prst="rect">
+            <a:avLst/>
+          </a:prstGeom>
+        </p:spPr>
+        <p:txBody>
+          <a:bodyPr/>
+          <a:lstStyle/>
+          <a:p>
+            <a:fld id="{CE58CB1E-F828-4F11-99E0-327109AF9DA4}" type="slidenum">
+              <a:rPr lang="de-DE" smtClean="0"/>
+              <a:pPr/>
+              <a:t>31</a:t>
+            </a:fld>
+            <a:endParaRPr lang="de-DE" dirty="0"/>
+          </a:p>
+        </p:txBody>
+      </p:sp>
+      <p:sp>
+        <p:nvSpPr>
+          <p:cNvPr id="6" name="Fußzeilenplatzhalter 4"/>
+          <p:cNvSpPr>
+            <a:spLocks noGrp="1"/>
+          </p:cNvSpPr>
+          <p:nvPr>
+            <p:ph type="ftr" sz="quarter" idx="12"/>
+          </p:nvPr>
+        </p:nvSpPr>
+        <p:spPr/>
+        <p:txBody>
+          <a:bodyPr/>
+          <a:lstStyle/>
+          <a:p>
+            <a:r>
+              <a:rPr lang="de-DE" dirty="0"/>
+              <a:t>Jonas Fritsch | The Adaptive Radix Tree</a:t>
+            </a:r>
+            <a:endParaRPr lang="en-US" dirty="0"/>
+          </a:p>
+        </p:txBody>
+      </p:sp>
+      <p:sp>
+        <p:nvSpPr>
+          <p:cNvPr id="3" name="Titel 2"/>
+          <p:cNvSpPr>
+            <a:spLocks noGrp="1"/>
+          </p:cNvSpPr>
+          <p:nvPr>
+            <p:ph type="title"/>
+          </p:nvPr>
+        </p:nvSpPr>
+        <p:spPr>
+          <a:prstGeom prst="rect">
+            <a:avLst/>
+          </a:prstGeom>
+        </p:spPr>
+        <p:txBody>
+          <a:bodyPr/>
+          <a:lstStyle/>
+          <a:p>
+            <a:r>
+              <a:rPr sz="3000" dirty="0"/>
+              <a:t>ART </a:t>
+            </a:r>
+            <a:r>
+              <a:rPr lang="de-DE" sz="3000" dirty="0"/>
+              <a:t>–</a:t>
+            </a:r>
+            <a:r>
+              <a:rPr sz="3000" dirty="0"/>
               <a:t> Search</a:t>
             </a:r>
             <a:endParaRPr lang="de-DE" sz="3000" dirty="0"/>
@@ -29755,7 +30544,7 @@
 </p:sld>
 </file>
 
-<file path=ppt/slides/slide31.xml><?xml version="1.0" encoding="utf-8"?>
+<file path=ppt/slides/slide32.xml><?xml version="1.0" encoding="utf-8"?>
 <p:sld xmlns:a="http://schemas.openxmlformats.org/drawingml/2006/main" xmlns:r="http://schemas.openxmlformats.org/officeDocument/2006/relationships" xmlns:p="http://schemas.openxmlformats.org/presentationml/2006/main">
   <p:cSld>
     <p:spTree>
@@ -29794,7 +30583,7 @@
             <a:fld id="{CE58CB1E-F828-4F11-99E0-327109AF9DA4}" type="slidenum">
               <a:rPr lang="de-DE" smtClean="0"/>
               <a:pPr/>
-              <a:t>31</a:t>
+              <a:t>32</a:t>
             </a:fld>
             <a:endParaRPr lang="de-DE" dirty="0"/>
           </a:p>
@@ -29959,7 +30748,7 @@
 </p:sld>
 </file>
 
-<file path=ppt/slides/slide32.xml><?xml version="1.0" encoding="utf-8"?>
+<file path=ppt/slides/slide33.xml><?xml version="1.0" encoding="utf-8"?>
 <p:sld xmlns:a="http://schemas.openxmlformats.org/drawingml/2006/main" xmlns:r="http://schemas.openxmlformats.org/officeDocument/2006/relationships" xmlns:p="http://schemas.openxmlformats.org/presentationml/2006/main">
   <p:cSld>
     <p:spTree>
@@ -29998,7 +30787,7 @@
             <a:fld id="{CE58CB1E-F828-4F11-99E0-327109AF9DA4}" type="slidenum">
               <a:rPr lang="de-DE" smtClean="0"/>
               <a:pPr/>
-              <a:t>32</a:t>
+              <a:t>33</a:t>
             </a:fld>
             <a:endParaRPr lang="de-DE" dirty="0"/>
           </a:p>
@@ -30163,7 +30952,7 @@
 </p:sld>
 </file>
 
-<file path=ppt/slides/slide33.xml><?xml version="1.0" encoding="utf-8"?>
+<file path=ppt/slides/slide34.xml><?xml version="1.0" encoding="utf-8"?>
 <p:sld xmlns:a="http://schemas.openxmlformats.org/drawingml/2006/main" xmlns:r="http://schemas.openxmlformats.org/officeDocument/2006/relationships" xmlns:p="http://schemas.openxmlformats.org/presentationml/2006/main">
   <p:cSld>
     <p:spTree>
@@ -30202,7 +30991,7 @@
             <a:fld id="{CE58CB1E-F828-4F11-99E0-327109AF9DA4}" type="slidenum">
               <a:rPr lang="de-DE" smtClean="0"/>
               <a:pPr/>
-              <a:t>33</a:t>
+              <a:t>34</a:t>
             </a:fld>
             <a:endParaRPr lang="de-DE" dirty="0"/>
           </a:p>
@@ -30367,7 +31156,7 @@
 </p:sld>
 </file>
 
-<file path=ppt/slides/slide34.xml><?xml version="1.0" encoding="utf-8"?>
+<file path=ppt/slides/slide35.xml><?xml version="1.0" encoding="utf-8"?>
 <p:sld xmlns:a="http://schemas.openxmlformats.org/drawingml/2006/main" xmlns:r="http://schemas.openxmlformats.org/officeDocument/2006/relationships" xmlns:p="http://schemas.openxmlformats.org/presentationml/2006/main">
   <p:cSld>
     <p:spTree>
@@ -30406,7 +31195,7 @@
             <a:fld id="{CE58CB1E-F828-4F11-99E0-327109AF9DA4}" type="slidenum">
               <a:rPr lang="de-DE" smtClean="0"/>
               <a:pPr/>
-              <a:t>34</a:t>
+              <a:t>35</a:t>
             </a:fld>
             <a:endParaRPr lang="de-DE" dirty="0"/>
           </a:p>
@@ -30575,7 +31364,7 @@
 </p:sld>
 </file>
 
-<file path=ppt/slides/slide35.xml><?xml version="1.0" encoding="utf-8"?>
+<file path=ppt/slides/slide36.xml><?xml version="1.0" encoding="utf-8"?>
 <p:sld xmlns:a="http://schemas.openxmlformats.org/drawingml/2006/main" xmlns:r="http://schemas.openxmlformats.org/officeDocument/2006/relationships" xmlns:p="http://schemas.openxmlformats.org/presentationml/2006/main">
   <p:cSld>
     <p:spTree>
@@ -30626,7 +31415,7 @@
                   <a:spcPts val="600"/>
                 </a:spcAft>
               </a:pPr>
-              <a:t>35</a:t>
+              <a:t>36</a:t>
             </a:fld>
             <a:endParaRPr lang="de-DE"/>
           </a:p>
@@ -30805,7 +31594,7 @@
 </p:sld>
 </file>
 
-<file path=ppt/slides/slide36.xml><?xml version="1.0" encoding="utf-8"?>
+<file path=ppt/slides/slide37.xml><?xml version="1.0" encoding="utf-8"?>
 <p:sld xmlns:a="http://schemas.openxmlformats.org/drawingml/2006/main" xmlns:r="http://schemas.openxmlformats.org/officeDocument/2006/relationships" xmlns:p="http://schemas.openxmlformats.org/presentationml/2006/main">
   <p:cSld>
     <p:spTree>
@@ -30844,7 +31633,7 @@
             <a:fld id="{CE58CB1E-F828-4F11-99E0-327109AF9DA4}" type="slidenum">
               <a:rPr lang="de-DE" smtClean="0"/>
               <a:pPr/>
-              <a:t>36</a:t>
+              <a:t>37</a:t>
             </a:fld>
             <a:endParaRPr lang="de-DE" dirty="0"/>
           </a:p>

--- a/Presentation/The Adaptive Radix Tree.pptx
+++ b/Presentation/The Adaptive Radix Tree.pptx
@@ -29903,7 +29903,15 @@
             </a:pPr>
             <a:r>
               <a:rPr lang="de-DE" dirty="0" err="1"/>
-              <a:t>No</a:t>
+              <a:t>Careful</a:t>
+            </a:r>
+            <a:r>
+              <a:rPr lang="de-DE" dirty="0"/>
+              <a:t> </a:t>
+            </a:r>
+            <a:r>
+              <a:rPr lang="de-DE" dirty="0" err="1"/>
+              <a:t>with</a:t>
             </a:r>
             <a:r>
               <a:rPr lang="de-DE" dirty="0"/>

--- a/Presentation/The Adaptive Radix Tree.pptx
+++ b/Presentation/The Adaptive Radix Tree.pptx
@@ -10,10 +10,10 @@
     <p:sldMasterId id="2147483697" r:id="rId6"/>
   </p:sldMasterIdLst>
   <p:notesMasterIdLst>
-    <p:notesMasterId r:id="rId44"/>
+    <p:notesMasterId r:id="rId45"/>
   </p:notesMasterIdLst>
   <p:handoutMasterIdLst>
-    <p:handoutMasterId r:id="rId45"/>
+    <p:handoutMasterId r:id="rId46"/>
   </p:handoutMasterIdLst>
   <p:sldIdLst>
     <p:sldId id="355" r:id="rId7"/>
@@ -36,23 +36,24 @@
     <p:sldId id="419" r:id="rId24"/>
     <p:sldId id="425" r:id="rId25"/>
     <p:sldId id="398" r:id="rId26"/>
-    <p:sldId id="399" r:id="rId27"/>
-    <p:sldId id="400" r:id="rId28"/>
-    <p:sldId id="426" r:id="rId29"/>
-    <p:sldId id="430" r:id="rId30"/>
-    <p:sldId id="431" r:id="rId31"/>
-    <p:sldId id="434" r:id="rId32"/>
-    <p:sldId id="401" r:id="rId33"/>
-    <p:sldId id="432" r:id="rId34"/>
-    <p:sldId id="417" r:id="rId35"/>
-    <p:sldId id="435" r:id="rId36"/>
-    <p:sldId id="420" r:id="rId37"/>
-    <p:sldId id="421" r:id="rId38"/>
-    <p:sldId id="422" r:id="rId39"/>
-    <p:sldId id="423" r:id="rId40"/>
-    <p:sldId id="424" r:id="rId41"/>
-    <p:sldId id="429" r:id="rId42"/>
-    <p:sldId id="433" r:id="rId43"/>
+    <p:sldId id="436" r:id="rId27"/>
+    <p:sldId id="399" r:id="rId28"/>
+    <p:sldId id="400" r:id="rId29"/>
+    <p:sldId id="426" r:id="rId30"/>
+    <p:sldId id="430" r:id="rId31"/>
+    <p:sldId id="431" r:id="rId32"/>
+    <p:sldId id="434" r:id="rId33"/>
+    <p:sldId id="401" r:id="rId34"/>
+    <p:sldId id="432" r:id="rId35"/>
+    <p:sldId id="417" r:id="rId36"/>
+    <p:sldId id="435" r:id="rId37"/>
+    <p:sldId id="420" r:id="rId38"/>
+    <p:sldId id="421" r:id="rId39"/>
+    <p:sldId id="422" r:id="rId40"/>
+    <p:sldId id="423" r:id="rId41"/>
+    <p:sldId id="424" r:id="rId42"/>
+    <p:sldId id="429" r:id="rId43"/>
+    <p:sldId id="433" r:id="rId44"/>
   </p:sldIdLst>
   <p:sldSz cx="9144000" cy="6858000" type="screen4x3"/>
   <p:notesSz cx="9925050" cy="6665913"/>
@@ -230,6 +231,7 @@
         <p14:section name="Benchmarks" id="{AEDAD588-01D1-4983-A59D-E10D659187E4}">
           <p14:sldIdLst>
             <p14:sldId id="398"/>
+            <p14:sldId id="436"/>
             <p14:sldId id="399"/>
             <p14:sldId id="400"/>
             <p14:sldId id="426"/>
@@ -788,9 +790,9 @@
           <c:invertIfNegative val="0"/>
           <c:cat>
             <c:strRef>
-              <c:f>Tabelle1!$A$2:$A$7</c:f>
+              <c:f>Tabelle1!$A$2:$A$8</c:f>
               <c:strCache>
-                <c:ptCount val="6"/>
+                <c:ptCount val="7"/>
                 <c:pt idx="0">
                   <c:v>ART</c:v>
                 </c:pt>
@@ -798,43 +800,49 @@
                   <c:v>Trie</c:v>
                 </c:pt>
                 <c:pt idx="2">
-                  <c:v>F-Trie</c:v>
+                  <c:v>M-Trie</c:v>
                 </c:pt>
                 <c:pt idx="3">
-                  <c:v>Sorted List</c:v>
+                  <c:v>H-Trie</c:v>
                 </c:pt>
                 <c:pt idx="4">
-                  <c:v>RB-Tree</c:v>
+                  <c:v>Sorted List</c:v>
                 </c:pt>
                 <c:pt idx="5">
                   <c:v>Hash-Table</c:v>
+                </c:pt>
+                <c:pt idx="6">
+                  <c:v>RB-Tree</c:v>
                 </c:pt>
               </c:strCache>
             </c:strRef>
           </c:cat>
           <c:val>
             <c:numRef>
-              <c:f>Tabelle1!$B$2:$B$7</c:f>
+              <c:f>Tabelle1!$B$2:$B$8</c:f>
               <c:numCache>
-                <c:formatCode>mmm\-yy</c:formatCode>
-                <c:ptCount val="6"/>
-                <c:pt idx="0" formatCode="General">
-                  <c:v>0</c:v>
+                <c:formatCode>0.00</c:formatCode>
+                <c:ptCount val="7"/>
+                <c:pt idx="0">
+                  <c:v>0.12</c:v>
                 </c:pt>
                 <c:pt idx="1">
-                  <c:v>7.16</c:v>
+                  <c:v>22.28</c:v>
                 </c:pt>
-                <c:pt idx="2" formatCode="d\-mmm">
-                  <c:v>1.07</c:v>
+                <c:pt idx="2">
+                  <c:v>3.42</c:v>
                 </c:pt>
-                <c:pt idx="3" formatCode="General">
+                <c:pt idx="3">
+                  <c:v>1.04</c:v>
+                </c:pt>
+                <c:pt idx="4">
                   <c:v>0.06</c:v>
                 </c:pt>
-                <c:pt idx="4" formatCode="General">
-                  <c:v>0.85</c:v>
+                <c:pt idx="5">
+                  <c:v>1.01</c:v>
                 </c:pt>
-                <c:pt idx="5" formatCode="General">
-                  <c:v>1.04</c:v>
+                <c:pt idx="6">
+                  <c:v>0.83</c:v>
                 </c:pt>
               </c:numCache>
             </c:numRef>
@@ -871,9 +879,9 @@
           <c:invertIfNegative val="0"/>
           <c:cat>
             <c:strRef>
-              <c:f>Tabelle1!$A$2:$A$7</c:f>
+              <c:f>Tabelle1!$A$2:$A$8</c:f>
               <c:strCache>
-                <c:ptCount val="6"/>
+                <c:ptCount val="7"/>
                 <c:pt idx="0">
                   <c:v>ART</c:v>
                 </c:pt>
@@ -881,43 +889,49 @@
                   <c:v>Trie</c:v>
                 </c:pt>
                 <c:pt idx="2">
-                  <c:v>F-Trie</c:v>
+                  <c:v>M-Trie</c:v>
                 </c:pt>
                 <c:pt idx="3">
-                  <c:v>Sorted List</c:v>
+                  <c:v>H-Trie</c:v>
                 </c:pt>
                 <c:pt idx="4">
-                  <c:v>RB-Tree</c:v>
+                  <c:v>Sorted List</c:v>
                 </c:pt>
                 <c:pt idx="5">
                   <c:v>Hash-Table</c:v>
+                </c:pt>
+                <c:pt idx="6">
+                  <c:v>RB-Tree</c:v>
                 </c:pt>
               </c:strCache>
             </c:strRef>
           </c:cat>
           <c:val>
             <c:numRef>
-              <c:f>Tabelle1!$C$2:$C$7</c:f>
+              <c:f>Tabelle1!$C$2:$C$8</c:f>
               <c:numCache>
-                <c:formatCode>General</c:formatCode>
-                <c:ptCount val="6"/>
+                <c:formatCode>0.00</c:formatCode>
+                <c:ptCount val="7"/>
                 <c:pt idx="0">
-                  <c:v>0</c:v>
+                  <c:v>0.51</c:v>
                 </c:pt>
                 <c:pt idx="1">
                   <c:v>0</c:v>
                 </c:pt>
                 <c:pt idx="2">
+                  <c:v>8.85</c:v>
+                </c:pt>
+                <c:pt idx="3">
                   <c:v>4.13</c:v>
                 </c:pt>
-                <c:pt idx="3">
+                <c:pt idx="4">
                   <c:v>0.06</c:v>
                 </c:pt>
-                <c:pt idx="4">
-                  <c:v>1.33</c:v>
+                <c:pt idx="5">
+                  <c:v>1.45</c:v>
                 </c:pt>
-                <c:pt idx="5">
-                  <c:v>1.48</c:v>
+                <c:pt idx="6">
+                  <c:v>1.31</c:v>
                 </c:pt>
               </c:numCache>
             </c:numRef>
@@ -1031,7 +1045,7 @@
           </c:tx>
           <c:overlay val="0"/>
         </c:title>
-        <c:numFmt formatCode="General" sourceLinked="1"/>
+        <c:numFmt formatCode="0.00" sourceLinked="1"/>
         <c:majorTickMark val="none"/>
         <c:minorTickMark val="none"/>
         <c:tickLblPos val="nextTo"/>
@@ -1122,6 +1136,440 @@
     <c:title>
       <c:tx>
         <c:rich>
+          <a:bodyPr/>
+          <a:lstStyle/>
+          <a:p>
+            <a:pPr>
+              <a:defRPr/>
+            </a:pPr>
+            <a:r>
+              <a:rPr lang="de-DE" sz="1600" b="1" dirty="0"/>
+              <a:t>16M </a:t>
+            </a:r>
+            <a:r>
+              <a:rPr lang="de-DE" sz="1600" b="1" dirty="0" err="1"/>
+              <a:t>random</a:t>
+            </a:r>
+            <a:r>
+              <a:rPr lang="de-DE" sz="1600" b="1" dirty="0"/>
+              <a:t> uint32_t</a:t>
+            </a:r>
+            <a:r>
+              <a:rPr lang="de-DE" sz="1600" b="1" baseline="0" dirty="0"/>
+              <a:t> </a:t>
+            </a:r>
+            <a:r>
+              <a:rPr lang="de-DE" sz="1600" b="1" baseline="0" dirty="0" err="1"/>
+              <a:t>keys</a:t>
+            </a:r>
+            <a:r>
+              <a:rPr lang="de-DE" sz="1600" b="1" baseline="0" dirty="0"/>
+              <a:t> </a:t>
+            </a:r>
+            <a:br>
+              <a:rPr lang="de-DE" sz="1600" b="0" baseline="0" dirty="0"/>
+            </a:br>
+            <a:r>
+              <a:rPr lang="de-DE" sz="1600" b="0" baseline="0" dirty="0"/>
+              <a:t>(</a:t>
+            </a:r>
+            <a:r>
+              <a:rPr lang="de-DE" sz="1600" b="0" baseline="0" dirty="0" err="1"/>
+              <a:t>lower</a:t>
+            </a:r>
+            <a:r>
+              <a:rPr lang="de-DE" sz="1600" b="0" baseline="0" dirty="0"/>
+              <a:t> </a:t>
+            </a:r>
+            <a:r>
+              <a:rPr lang="de-DE" sz="1600" b="0" baseline="0" dirty="0" err="1"/>
+              <a:t>is</a:t>
+            </a:r>
+            <a:r>
+              <a:rPr lang="de-DE" sz="1600" b="0" baseline="0" dirty="0"/>
+              <a:t> </a:t>
+            </a:r>
+            <a:r>
+              <a:rPr lang="de-DE" sz="1600" b="0" baseline="0" dirty="0" err="1"/>
+              <a:t>better</a:t>
+            </a:r>
+            <a:r>
+              <a:rPr lang="de-DE" sz="1600" b="0" baseline="0" dirty="0"/>
+              <a:t>)</a:t>
+            </a:r>
+            <a:endParaRPr lang="de-DE" sz="1600" b="0" dirty="0"/>
+          </a:p>
+        </c:rich>
+      </c:tx>
+      <c:overlay val="0"/>
+    </c:title>
+    <c:autoTitleDeleted val="0"/>
+    <c:plotArea>
+      <c:layout/>
+      <c:barChart>
+        <c:barDir val="col"/>
+        <c:grouping val="clustered"/>
+        <c:varyColors val="0"/>
+        <c:ser>
+          <c:idx val="0"/>
+          <c:order val="0"/>
+          <c:tx>
+            <c:strRef>
+              <c:f>Tabelle1!$B$1</c:f>
+              <c:strCache>
+                <c:ptCount val="1"/>
+                <c:pt idx="0">
+                  <c:v>Dense</c:v>
+                </c:pt>
+              </c:strCache>
+            </c:strRef>
+          </c:tx>
+          <c:spPr>
+            <a:solidFill>
+              <a:schemeClr val="accent1"/>
+            </a:solidFill>
+            <a:ln>
+              <a:noFill/>
+            </a:ln>
+            <a:effectLst/>
+          </c:spPr>
+          <c:invertIfNegative val="0"/>
+          <c:cat>
+            <c:strRef>
+              <c:f>Tabelle1!$A$2:$A$7</c:f>
+              <c:strCache>
+                <c:ptCount val="6"/>
+                <c:pt idx="0">
+                  <c:v>ART</c:v>
+                </c:pt>
+                <c:pt idx="1">
+                  <c:v>M-Trie</c:v>
+                </c:pt>
+                <c:pt idx="2">
+                  <c:v>H-Trie</c:v>
+                </c:pt>
+                <c:pt idx="3">
+                  <c:v>Sorted List</c:v>
+                </c:pt>
+                <c:pt idx="4">
+                  <c:v>Hash-Table</c:v>
+                </c:pt>
+                <c:pt idx="5">
+                  <c:v>RB-Tree</c:v>
+                </c:pt>
+              </c:strCache>
+            </c:strRef>
+          </c:cat>
+          <c:val>
+            <c:numRef>
+              <c:f>Tabelle1!$B$2:$B$7</c:f>
+              <c:numCache>
+                <c:formatCode>0.00</c:formatCode>
+                <c:ptCount val="6"/>
+                <c:pt idx="0">
+                  <c:v>0.12</c:v>
+                </c:pt>
+                <c:pt idx="1">
+                  <c:v>3.42</c:v>
+                </c:pt>
+                <c:pt idx="2">
+                  <c:v>1.04</c:v>
+                </c:pt>
+                <c:pt idx="3">
+                  <c:v>0.06</c:v>
+                </c:pt>
+                <c:pt idx="4">
+                  <c:v>1.01</c:v>
+                </c:pt>
+                <c:pt idx="5">
+                  <c:v>0.83</c:v>
+                </c:pt>
+              </c:numCache>
+            </c:numRef>
+          </c:val>
+          <c:extLst>
+            <c:ext xmlns:c16="http://schemas.microsoft.com/office/drawing/2014/chart" uri="{C3380CC4-5D6E-409C-BE32-E72D297353CC}">
+              <c16:uniqueId val="{00000000-864A-BE4E-BE37-093C989B9D1D}"/>
+            </c:ext>
+          </c:extLst>
+        </c:ser>
+        <c:ser>
+          <c:idx val="1"/>
+          <c:order val="1"/>
+          <c:tx>
+            <c:strRef>
+              <c:f>Tabelle1!$C$1</c:f>
+              <c:strCache>
+                <c:ptCount val="1"/>
+                <c:pt idx="0">
+                  <c:v>Sparse</c:v>
+                </c:pt>
+              </c:strCache>
+            </c:strRef>
+          </c:tx>
+          <c:spPr>
+            <a:solidFill>
+              <a:schemeClr val="accent2"/>
+            </a:solidFill>
+            <a:ln>
+              <a:noFill/>
+            </a:ln>
+            <a:effectLst/>
+          </c:spPr>
+          <c:invertIfNegative val="0"/>
+          <c:cat>
+            <c:strRef>
+              <c:f>Tabelle1!$A$2:$A$7</c:f>
+              <c:strCache>
+                <c:ptCount val="6"/>
+                <c:pt idx="0">
+                  <c:v>ART</c:v>
+                </c:pt>
+                <c:pt idx="1">
+                  <c:v>M-Trie</c:v>
+                </c:pt>
+                <c:pt idx="2">
+                  <c:v>H-Trie</c:v>
+                </c:pt>
+                <c:pt idx="3">
+                  <c:v>Sorted List</c:v>
+                </c:pt>
+                <c:pt idx="4">
+                  <c:v>Hash-Table</c:v>
+                </c:pt>
+                <c:pt idx="5">
+                  <c:v>RB-Tree</c:v>
+                </c:pt>
+              </c:strCache>
+            </c:strRef>
+          </c:cat>
+          <c:val>
+            <c:numRef>
+              <c:f>Tabelle1!$C$2:$C$7</c:f>
+              <c:numCache>
+                <c:formatCode>0.00</c:formatCode>
+                <c:ptCount val="6"/>
+                <c:pt idx="0">
+                  <c:v>0.51</c:v>
+                </c:pt>
+                <c:pt idx="1">
+                  <c:v>8.85</c:v>
+                </c:pt>
+                <c:pt idx="2">
+                  <c:v>4.13</c:v>
+                </c:pt>
+                <c:pt idx="3">
+                  <c:v>0.06</c:v>
+                </c:pt>
+                <c:pt idx="4">
+                  <c:v>1.45</c:v>
+                </c:pt>
+                <c:pt idx="5">
+                  <c:v>1.31</c:v>
+                </c:pt>
+              </c:numCache>
+            </c:numRef>
+          </c:val>
+          <c:extLst>
+            <c:ext xmlns:c16="http://schemas.microsoft.com/office/drawing/2014/chart" uri="{C3380CC4-5D6E-409C-BE32-E72D297353CC}">
+              <c16:uniqueId val="{00000001-864A-BE4E-BE37-093C989B9D1D}"/>
+            </c:ext>
+          </c:extLst>
+        </c:ser>
+        <c:dLbls>
+          <c:showLegendKey val="0"/>
+          <c:showVal val="0"/>
+          <c:showCatName val="0"/>
+          <c:showSerName val="0"/>
+          <c:showPercent val="0"/>
+          <c:showBubbleSize val="0"/>
+        </c:dLbls>
+        <c:gapWidth val="219"/>
+        <c:overlap val="-27"/>
+        <c:axId val="50529792"/>
+        <c:axId val="50531328"/>
+      </c:barChart>
+      <c:catAx>
+        <c:axId val="50529792"/>
+        <c:scaling>
+          <c:orientation val="minMax"/>
+        </c:scaling>
+        <c:delete val="0"/>
+        <c:axPos val="b"/>
+        <c:numFmt formatCode="General" sourceLinked="1"/>
+        <c:majorTickMark val="none"/>
+        <c:minorTickMark val="none"/>
+        <c:tickLblPos val="nextTo"/>
+        <c:spPr>
+          <a:noFill/>
+          <a:ln w="9525" cap="flat" cmpd="sng" algn="ctr">
+            <a:solidFill>
+              <a:schemeClr val="tx1">
+                <a:lumMod val="15000"/>
+                <a:lumOff val="85000"/>
+              </a:schemeClr>
+            </a:solidFill>
+            <a:round/>
+          </a:ln>
+          <a:effectLst/>
+        </c:spPr>
+        <c:txPr>
+          <a:bodyPr rot="-60000000" spcFirstLastPara="1" vertOverflow="ellipsis" vert="horz" wrap="square" anchor="ctr" anchorCtr="1"/>
+          <a:lstStyle/>
+          <a:p>
+            <a:pPr>
+              <a:defRPr sz="1400" b="0" i="0" u="none" strike="noStrike" kern="1200" baseline="0">
+                <a:solidFill>
+                  <a:schemeClr val="tx1">
+                    <a:lumMod val="65000"/>
+                    <a:lumOff val="35000"/>
+                  </a:schemeClr>
+                </a:solidFill>
+                <a:latin typeface="+mn-lt"/>
+                <a:ea typeface="+mn-ea"/>
+                <a:cs typeface="+mn-cs"/>
+              </a:defRPr>
+            </a:pPr>
+            <a:endParaRPr lang="en-US"/>
+          </a:p>
+        </c:txPr>
+        <c:crossAx val="50531328"/>
+        <c:crosses val="autoZero"/>
+        <c:auto val="1"/>
+        <c:lblAlgn val="ctr"/>
+        <c:lblOffset val="100"/>
+        <c:noMultiLvlLbl val="0"/>
+      </c:catAx>
+      <c:valAx>
+        <c:axId val="50531328"/>
+        <c:scaling>
+          <c:orientation val="minMax"/>
+        </c:scaling>
+        <c:delete val="0"/>
+        <c:axPos val="l"/>
+        <c:majorGridlines>
+          <c:spPr>
+            <a:ln w="9525" cap="flat" cmpd="sng" algn="ctr">
+              <a:solidFill>
+                <a:schemeClr val="tx1">
+                  <a:lumMod val="15000"/>
+                  <a:lumOff val="85000"/>
+                </a:schemeClr>
+              </a:solidFill>
+              <a:round/>
+            </a:ln>
+            <a:effectLst/>
+          </c:spPr>
+        </c:majorGridlines>
+        <c:title>
+          <c:tx>
+            <c:rich>
+              <a:bodyPr/>
+              <a:lstStyle/>
+              <a:p>
+                <a:pPr>
+                  <a:defRPr/>
+                </a:pPr>
+                <a:r>
+                  <a:rPr lang="de-DE" dirty="0"/>
+                  <a:t>Memory in GB</a:t>
+                </a:r>
+              </a:p>
+            </c:rich>
+          </c:tx>
+          <c:overlay val="0"/>
+        </c:title>
+        <c:numFmt formatCode="0.00" sourceLinked="1"/>
+        <c:majorTickMark val="none"/>
+        <c:minorTickMark val="none"/>
+        <c:tickLblPos val="nextTo"/>
+        <c:spPr>
+          <a:noFill/>
+          <a:ln>
+            <a:noFill/>
+          </a:ln>
+          <a:effectLst/>
+        </c:spPr>
+        <c:txPr>
+          <a:bodyPr rot="-60000000" spcFirstLastPara="1" vertOverflow="ellipsis" vert="horz" wrap="square" anchor="ctr" anchorCtr="1"/>
+          <a:lstStyle/>
+          <a:p>
+            <a:pPr>
+              <a:defRPr sz="1197" b="0" i="0" u="none" strike="noStrike" kern="1200" baseline="0">
+                <a:solidFill>
+                  <a:schemeClr val="tx1">
+                    <a:lumMod val="65000"/>
+                    <a:lumOff val="35000"/>
+                  </a:schemeClr>
+                </a:solidFill>
+                <a:latin typeface="+mn-lt"/>
+                <a:ea typeface="+mn-ea"/>
+                <a:cs typeface="+mn-cs"/>
+              </a:defRPr>
+            </a:pPr>
+            <a:endParaRPr lang="en-US"/>
+          </a:p>
+        </c:txPr>
+        <c:crossAx val="50529792"/>
+        <c:crosses val="autoZero"/>
+        <c:crossBetween val="between"/>
+      </c:valAx>
+      <c:spPr>
+        <a:noFill/>
+        <a:ln>
+          <a:noFill/>
+        </a:ln>
+        <a:effectLst/>
+      </c:spPr>
+    </c:plotArea>
+    <c:legend>
+      <c:legendPos val="b"/>
+      <c:overlay val="0"/>
+    </c:legend>
+    <c:plotVisOnly val="1"/>
+    <c:dispBlanksAs val="gap"/>
+    <c:showDLblsOverMax val="0"/>
+  </c:chart>
+  <c:spPr>
+    <a:noFill/>
+    <a:ln>
+      <a:noFill/>
+    </a:ln>
+    <a:effectLst/>
+  </c:spPr>
+  <c:txPr>
+    <a:bodyPr/>
+    <a:lstStyle/>
+    <a:p>
+      <a:pPr>
+        <a:defRPr/>
+      </a:pPr>
+      <a:endParaRPr lang="en-US"/>
+    </a:p>
+  </c:txPr>
+  <c:externalData r:id="rId1">
+    <c:autoUpdate val="0"/>
+  </c:externalData>
+</c:chartSpace>
+</file>
+
+<file path=ppt/charts/chart4.xml><?xml version="1.0" encoding="utf-8"?>
+<c:chartSpace xmlns:c="http://schemas.openxmlformats.org/drawingml/2006/chart" xmlns:a="http://schemas.openxmlformats.org/drawingml/2006/main" xmlns:r="http://schemas.openxmlformats.org/officeDocument/2006/relationships" xmlns:c16r2="http://schemas.microsoft.com/office/drawing/2015/06/chart">
+  <c:date1904 val="0"/>
+  <c:lang val="en-US"/>
+  <c:roundedCorners val="0"/>
+  <mc:AlternateContent xmlns:mc="http://schemas.openxmlformats.org/markup-compatibility/2006">
+    <mc:Choice xmlns:c14="http://schemas.microsoft.com/office/drawing/2007/8/2/chart" Requires="c14">
+      <c14:style val="102"/>
+    </mc:Choice>
+    <mc:Fallback>
+      <c:style val="2"/>
+    </mc:Fallback>
+  </mc:AlternateContent>
+  <c:chart>
+    <c:title>
+      <c:tx>
+        <c:rich>
           <a:bodyPr rot="0" spcFirstLastPara="1" vertOverflow="ellipsis" vert="horz" wrap="square" anchor="ctr" anchorCtr="1"/>
           <a:lstStyle/>
           <a:p>
@@ -1168,7 +1616,7 @@
             </a:r>
             <a:r>
               <a:rPr lang="de-DE" sz="1600" b="0" baseline="0" dirty="0" err="1"/>
-              <a:t>lower</a:t>
+              <a:t>higher</a:t>
             </a:r>
             <a:r>
               <a:rPr lang="de-DE" sz="1600" b="0" baseline="0" dirty="0"/>
@@ -1260,19 +1708,19 @@
                   <c:v>ART</c:v>
                 </c:pt>
                 <c:pt idx="1">
-                  <c:v>Trie</c:v>
+                  <c:v>M-Trie</c:v>
                 </c:pt>
                 <c:pt idx="2">
-                  <c:v>F-Trie</c:v>
+                  <c:v>H-Trie</c:v>
                 </c:pt>
                 <c:pt idx="3">
                   <c:v>Sorted List</c:v>
                 </c:pt>
                 <c:pt idx="4">
-                  <c:v>RB-Tree</c:v>
+                  <c:v>Hash-Table</c:v>
                 </c:pt>
                 <c:pt idx="5">
-                  <c:v>Hash-Table</c:v>
+                  <c:v>RB-Tree</c:v>
                 </c:pt>
               </c:strCache>
             </c:strRef>
@@ -1284,22 +1732,22 @@
                 <c:formatCode>0.00</c:formatCode>
                 <c:ptCount val="6"/>
                 <c:pt idx="0">
-                  <c:v>0</c:v>
+                  <c:v>10.6</c:v>
                 </c:pt>
                 <c:pt idx="1">
-                  <c:v>0.78</c:v>
+                  <c:v>0.59</c:v>
                 </c:pt>
                 <c:pt idx="2">
-                  <c:v>1.1299999999999999</c:v>
+                  <c:v>1.135</c:v>
                 </c:pt>
                 <c:pt idx="3">
-                  <c:v>11.31</c:v>
+                  <c:v>11.276</c:v>
                 </c:pt>
                 <c:pt idx="4">
-                  <c:v>0.93</c:v>
+                  <c:v>4.2709999999999999</c:v>
                 </c:pt>
                 <c:pt idx="5">
-                  <c:v>4.21</c:v>
+                  <c:v>0.96230000000000004</c:v>
                 </c:pt>
               </c:numCache>
             </c:numRef>
@@ -1343,19 +1791,19 @@
                   <c:v>ART</c:v>
                 </c:pt>
                 <c:pt idx="1">
-                  <c:v>Trie</c:v>
+                  <c:v>M-Trie</c:v>
                 </c:pt>
                 <c:pt idx="2">
-                  <c:v>F-Trie</c:v>
+                  <c:v>H-Trie</c:v>
                 </c:pt>
                 <c:pt idx="3">
                   <c:v>Sorted List</c:v>
                 </c:pt>
                 <c:pt idx="4">
-                  <c:v>RB-Tree</c:v>
+                  <c:v>Hash-Table</c:v>
                 </c:pt>
                 <c:pt idx="5">
-                  <c:v>Hash-Table</c:v>
+                  <c:v>RB-Tree</c:v>
                 </c:pt>
               </c:strCache>
             </c:strRef>
@@ -1367,22 +1815,22 @@
                 <c:formatCode>0.00</c:formatCode>
                 <c:ptCount val="6"/>
                 <c:pt idx="0">
-                  <c:v>0</c:v>
+                  <c:v>7.9320000000000004</c:v>
                 </c:pt>
                 <c:pt idx="1">
-                  <c:v>0</c:v>
+                  <c:v>0.45119999999999999</c:v>
                 </c:pt>
                 <c:pt idx="2">
-                  <c:v>0.54</c:v>
+                  <c:v>0.48880000000000001</c:v>
                 </c:pt>
                 <c:pt idx="3">
-                  <c:v>11.21</c:v>
+                  <c:v>11.214</c:v>
                 </c:pt>
                 <c:pt idx="4">
-                  <c:v>0.89</c:v>
+                  <c:v>3.012</c:v>
                 </c:pt>
                 <c:pt idx="5">
-                  <c:v>3.33</c:v>
+                  <c:v>0.80900000000000005</c:v>
                 </c:pt>
               </c:numCache>
             </c:numRef>
@@ -1643,7 +2091,7 @@
 </c:chartSpace>
 </file>
 
-<file path=ppt/charts/chart4.xml><?xml version="1.0" encoding="utf-8"?>
+<file path=ppt/charts/chart5.xml><?xml version="1.0" encoding="utf-8"?>
 <c:chartSpace xmlns:c="http://schemas.openxmlformats.org/drawingml/2006/chart" xmlns:a="http://schemas.openxmlformats.org/drawingml/2006/main" xmlns:r="http://schemas.openxmlformats.org/officeDocument/2006/relationships" xmlns:c16r2="http://schemas.microsoft.com/office/drawing/2015/06/chart">
   <c:date1904 val="0"/>
   <c:lang val="en-US"/>
@@ -1706,7 +2154,7 @@
             </a:r>
             <a:r>
               <a:rPr lang="de-DE" sz="1600" b="0" baseline="0" dirty="0" err="1"/>
-              <a:t>lower</a:t>
+              <a:t>higher</a:t>
             </a:r>
             <a:r>
               <a:rPr lang="de-DE" sz="1600" b="0" baseline="0" dirty="0"/>
@@ -1791,9 +2239,9 @@
           <c:invertIfNegative val="0"/>
           <c:cat>
             <c:strRef>
-              <c:f>Tabelle1!$A$2:$A$7</c:f>
+              <c:f>Tabelle1!$A$2:$A$8</c:f>
               <c:strCache>
-                <c:ptCount val="6"/>
+                <c:ptCount val="7"/>
                 <c:pt idx="0">
                   <c:v>ART</c:v>
                 </c:pt>
@@ -1801,43 +2249,49 @@
                   <c:v>Trie</c:v>
                 </c:pt>
                 <c:pt idx="2">
-                  <c:v>F-Trie</c:v>
+                  <c:v>M-Trie</c:v>
                 </c:pt>
                 <c:pt idx="3">
-                  <c:v>Sorted List</c:v>
+                  <c:v>H-Trie</c:v>
                 </c:pt>
                 <c:pt idx="4">
-                  <c:v>RB-Tree</c:v>
+                  <c:v>Sorted List</c:v>
                 </c:pt>
                 <c:pt idx="5">
                   <c:v>Hash-Table</c:v>
+                </c:pt>
+                <c:pt idx="6">
+                  <c:v>RB-Tree</c:v>
                 </c:pt>
               </c:strCache>
             </c:strRef>
           </c:cat>
           <c:val>
             <c:numRef>
-              <c:f>Tabelle1!$B$2:$B$7</c:f>
+              <c:f>Tabelle1!$B$2:$B$8</c:f>
               <c:numCache>
                 <c:formatCode>0.00</c:formatCode>
-                <c:ptCount val="6"/>
+                <c:ptCount val="7"/>
                 <c:pt idx="0">
-                  <c:v>0</c:v>
+                  <c:v>32.5</c:v>
                 </c:pt>
                 <c:pt idx="1">
-                  <c:v>2.34</c:v>
+                  <c:v>1.6539999999999999</c:v>
                 </c:pt>
                 <c:pt idx="2">
-                  <c:v>4.1100000000000003</c:v>
+                  <c:v>2.2890000000000001</c:v>
                 </c:pt>
                 <c:pt idx="3">
-                  <c:v>17.100000000000001</c:v>
+                  <c:v>4.194</c:v>
                 </c:pt>
                 <c:pt idx="4">
-                  <c:v>5</c:v>
+                  <c:v>19.696999999999999</c:v>
                 </c:pt>
                 <c:pt idx="5">
-                  <c:v>13.83</c:v>
+                  <c:v>15.853999999999999</c:v>
+                </c:pt>
+                <c:pt idx="6">
+                  <c:v>4.9240000000000004</c:v>
                 </c:pt>
               </c:numCache>
             </c:numRef>
@@ -1874,9 +2328,9 @@
           <c:invertIfNegative val="0"/>
           <c:cat>
             <c:strRef>
-              <c:f>Tabelle1!$A$2:$A$7</c:f>
+              <c:f>Tabelle1!$A$2:$A$8</c:f>
               <c:strCache>
-                <c:ptCount val="6"/>
+                <c:ptCount val="7"/>
                 <c:pt idx="0">
                   <c:v>ART</c:v>
                 </c:pt>
@@ -1884,43 +2338,49 @@
                   <c:v>Trie</c:v>
                 </c:pt>
                 <c:pt idx="2">
-                  <c:v>F-Trie</c:v>
+                  <c:v>M-Trie</c:v>
                 </c:pt>
                 <c:pt idx="3">
-                  <c:v>Sorted List</c:v>
+                  <c:v>H-Trie</c:v>
                 </c:pt>
                 <c:pt idx="4">
-                  <c:v>RB-Tree</c:v>
+                  <c:v>Sorted List</c:v>
                 </c:pt>
                 <c:pt idx="5">
                   <c:v>Hash-Table</c:v>
+                </c:pt>
+                <c:pt idx="6">
+                  <c:v>RB-Tree</c:v>
                 </c:pt>
               </c:strCache>
             </c:strRef>
           </c:cat>
           <c:val>
             <c:numRef>
-              <c:f>Tabelle1!$C$2:$C$7</c:f>
+              <c:f>Tabelle1!$C$2:$C$8</c:f>
               <c:numCache>
                 <c:formatCode>0.00</c:formatCode>
-                <c:ptCount val="6"/>
+                <c:ptCount val="7"/>
                 <c:pt idx="0">
-                  <c:v>0</c:v>
+                  <c:v>21.667000000000002</c:v>
                 </c:pt>
                 <c:pt idx="1">
-                  <c:v>0.56000000000000005</c:v>
+                  <c:v>0.39200000000000002</c:v>
                 </c:pt>
                 <c:pt idx="2">
-                  <c:v>1.03</c:v>
+                  <c:v>1.016</c:v>
                 </c:pt>
                 <c:pt idx="3">
-                  <c:v>16.25</c:v>
+                  <c:v>1.006</c:v>
                 </c:pt>
                 <c:pt idx="4">
-                  <c:v>4.1100000000000003</c:v>
+                  <c:v>18.056000000000001</c:v>
                 </c:pt>
                 <c:pt idx="5">
-                  <c:v>11.02</c:v>
+                  <c:v>10.833</c:v>
+                </c:pt>
+                <c:pt idx="6">
+                  <c:v>4.0629999999999997</c:v>
                 </c:pt>
               </c:numCache>
             </c:numRef>
@@ -2181,7 +2641,7 @@
 </c:chartSpace>
 </file>
 
-<file path=ppt/charts/chart5.xml><?xml version="1.0" encoding="utf-8"?>
+<file path=ppt/charts/chart6.xml><?xml version="1.0" encoding="utf-8"?>
 <c:chartSpace xmlns:c="http://schemas.openxmlformats.org/drawingml/2006/chart" xmlns:a="http://schemas.openxmlformats.org/drawingml/2006/main" xmlns:r="http://schemas.openxmlformats.org/officeDocument/2006/relationships" xmlns:c16r2="http://schemas.microsoft.com/office/drawing/2015/06/chart">
   <c:date1904 val="0"/>
   <c:lang val="en-US"/>
@@ -2244,7 +2704,7 @@
             </a:r>
             <a:r>
               <a:rPr lang="de-DE" sz="1600" b="0" baseline="0" dirty="0" err="1"/>
-              <a:t>lower</a:t>
+              <a:t>higher</a:t>
             </a:r>
             <a:r>
               <a:rPr lang="de-DE" sz="1600" b="0" baseline="0" dirty="0"/>
@@ -2719,7 +3179,7 @@
 </c:chartSpace>
 </file>
 
-<file path=ppt/charts/chart6.xml><?xml version="1.0" encoding="utf-8"?>
+<file path=ppt/charts/chart7.xml><?xml version="1.0" encoding="utf-8"?>
 <c:chartSpace xmlns:c="http://schemas.openxmlformats.org/drawingml/2006/chart" xmlns:a="http://schemas.openxmlformats.org/drawingml/2006/main" xmlns:r="http://schemas.openxmlformats.org/officeDocument/2006/relationships" xmlns:c16r2="http://schemas.microsoft.com/office/drawing/2015/06/chart">
   <c:date1904 val="0"/>
   <c:lang val="en-US"/>
@@ -2782,7 +3242,7 @@
             </a:r>
             <a:r>
               <a:rPr lang="de-DE" sz="1600" b="0" baseline="0" dirty="0" err="1"/>
-              <a:t>lower</a:t>
+              <a:t>higher</a:t>
             </a:r>
             <a:r>
               <a:rPr lang="de-DE" sz="1600" b="0" baseline="0" dirty="0"/>
@@ -2867,9 +3327,9 @@
           <c:invertIfNegative val="0"/>
           <c:cat>
             <c:strRef>
-              <c:f>Tabelle1!$A$2:$A$7</c:f>
+              <c:f>Tabelle1!$A$2:$A$8</c:f>
               <c:strCache>
-                <c:ptCount val="6"/>
+                <c:ptCount val="7"/>
                 <c:pt idx="0">
                   <c:v>ART</c:v>
                 </c:pt>
@@ -2877,44 +3337,29 @@
                   <c:v>Trie</c:v>
                 </c:pt>
                 <c:pt idx="2">
-                  <c:v>F-Trie</c:v>
+                  <c:v>M-Trie</c:v>
                 </c:pt>
                 <c:pt idx="3">
-                  <c:v>Sorted List</c:v>
+                  <c:v>H-Trie</c:v>
                 </c:pt>
                 <c:pt idx="4">
-                  <c:v>RB-Tree</c:v>
+                  <c:v>Sorted List</c:v>
                 </c:pt>
                 <c:pt idx="5">
                   <c:v>Hash-Table</c:v>
+                </c:pt>
+                <c:pt idx="6">
+                  <c:v>RB-Tree</c:v>
                 </c:pt>
               </c:strCache>
             </c:strRef>
           </c:cat>
           <c:val>
             <c:numRef>
-              <c:f>Tabelle1!$B$2:$B$7</c:f>
+              <c:f>Tabelle1!$B$2:$B$8</c:f>
               <c:numCache>
                 <c:formatCode>0.00</c:formatCode>
-                <c:ptCount val="6"/>
-                <c:pt idx="0">
-                  <c:v>0</c:v>
-                </c:pt>
-                <c:pt idx="1">
-                  <c:v>6.99</c:v>
-                </c:pt>
-                <c:pt idx="2">
-                  <c:v>6.07</c:v>
-                </c:pt>
-                <c:pt idx="3">
-                  <c:v>12.5</c:v>
-                </c:pt>
-                <c:pt idx="4">
-                  <c:v>6.19</c:v>
-                </c:pt>
-                <c:pt idx="5">
-                  <c:v>65</c:v>
-                </c:pt>
+                <c:ptCount val="7"/>
               </c:numCache>
             </c:numRef>
           </c:val>
@@ -2950,9 +3395,9 @@
           <c:invertIfNegative val="0"/>
           <c:cat>
             <c:strRef>
-              <c:f>Tabelle1!$A$2:$A$7</c:f>
+              <c:f>Tabelle1!$A$2:$A$8</c:f>
               <c:strCache>
-                <c:ptCount val="6"/>
+                <c:ptCount val="7"/>
                 <c:pt idx="0">
                   <c:v>ART</c:v>
                 </c:pt>
@@ -2960,44 +3405,29 @@
                   <c:v>Trie</c:v>
                 </c:pt>
                 <c:pt idx="2">
-                  <c:v>F-Trie</c:v>
+                  <c:v>M-Trie</c:v>
                 </c:pt>
                 <c:pt idx="3">
-                  <c:v>Sorted List</c:v>
+                  <c:v>H-Trie</c:v>
                 </c:pt>
                 <c:pt idx="4">
-                  <c:v>RB-Tree</c:v>
+                  <c:v>Sorted List</c:v>
                 </c:pt>
                 <c:pt idx="5">
                   <c:v>Hash-Table</c:v>
+                </c:pt>
+                <c:pt idx="6">
+                  <c:v>RB-Tree</c:v>
                 </c:pt>
               </c:strCache>
             </c:strRef>
           </c:cat>
           <c:val>
             <c:numRef>
-              <c:f>Tabelle1!$C$2:$C$7</c:f>
+              <c:f>Tabelle1!$C$2:$C$8</c:f>
               <c:numCache>
                 <c:formatCode>0.00</c:formatCode>
-                <c:ptCount val="6"/>
-                <c:pt idx="0">
-                  <c:v>0</c:v>
-                </c:pt>
-                <c:pt idx="1">
-                  <c:v>1.67</c:v>
-                </c:pt>
-                <c:pt idx="2">
-                  <c:v>1.86</c:v>
-                </c:pt>
-                <c:pt idx="3">
-                  <c:v>12.5</c:v>
-                </c:pt>
-                <c:pt idx="4">
-                  <c:v>5.28</c:v>
-                </c:pt>
-                <c:pt idx="5">
-                  <c:v>32.5</c:v>
-                </c:pt>
+                <c:ptCount val="7"/>
               </c:numCache>
             </c:numRef>
           </c:val>
@@ -5845,7 +6275,7 @@
               <a:pPr>
                 <a:defRPr/>
               </a:pPr>
-              <a:t>08/07/2022</a:t>
+              <a:t>10/07/2022</a:t>
             </a:fld>
             <a:endParaRPr lang="en-GB" dirty="0"/>
           </a:p>
@@ -6064,7 +6494,7 @@
               <a:pPr>
                 <a:defRPr/>
               </a:pPr>
-              <a:t>08/07/2022</a:t>
+              <a:t>10/07/2022</a:t>
             </a:fld>
             <a:endParaRPr lang="en-GB"/>
           </a:p>
@@ -8026,105 +8456,69 @@
           <a:p>
             <a:r>
               <a:rPr lang="de-DE" dirty="0"/>
-              <a:t>Own Implementation Memory-Benchmark:</a:t>
-            </a:r>
-          </a:p>
-          <a:p>
+              <a:t>Trie </a:t>
+            </a:r>
+            <a:r>
+              <a:rPr lang="de-DE" dirty="0" err="1"/>
+              <a:t>implementation</a:t>
+            </a:r>
+            <a:r>
+              <a:rPr lang="de-DE" dirty="0"/>
+              <a:t> </a:t>
+            </a:r>
+            <a:r>
+              <a:rPr lang="de-DE" dirty="0" err="1"/>
+              <a:t>with</a:t>
+            </a:r>
+            <a:r>
+              <a:rPr lang="de-DE" dirty="0"/>
+              <a:t> </a:t>
+            </a:r>
+            <a:r>
+              <a:rPr lang="de-DE" dirty="0" err="1"/>
+              <a:t>sparse</a:t>
+            </a:r>
+            <a:r>
+              <a:rPr lang="de-DE" dirty="0"/>
+              <a:t> 16M </a:t>
+            </a:r>
+            <a:r>
+              <a:rPr lang="de-DE" dirty="0" err="1"/>
+              <a:t>keys</a:t>
+            </a:r>
+            <a:r>
+              <a:rPr lang="de-DE" dirty="0"/>
+              <a:t> </a:t>
+            </a:r>
+            <a:r>
+              <a:rPr lang="de-DE" dirty="0" err="1"/>
+              <a:t>takes</a:t>
+            </a:r>
+            <a:r>
+              <a:rPr lang="de-DE" dirty="0"/>
+              <a:t> </a:t>
+            </a:r>
+            <a:r>
+              <a:rPr lang="de-DE" dirty="0" err="1"/>
+              <a:t>too</a:t>
+            </a:r>
+            <a:r>
+              <a:rPr lang="de-DE" dirty="0"/>
+              <a:t> </a:t>
+            </a:r>
+            <a:r>
+              <a:rPr lang="de-DE" dirty="0" err="1"/>
+              <a:t>much</a:t>
+            </a:r>
+            <a:r>
+              <a:rPr lang="de-DE" dirty="0"/>
+              <a:t> </a:t>
+            </a:r>
+            <a:r>
+              <a:rPr lang="de-DE" dirty="0" err="1"/>
+              <a:t>memory</a:t>
+            </a:r>
             <a:endParaRPr lang="de-DE" dirty="0"/>
-          </a:p>
-          <a:p>
-            <a:r>
-              <a:rPr lang="de-DE" dirty="0"/>
-              <a:t>Trie </a:t>
-            </a:r>
-            <a:r>
-              <a:rPr lang="de-DE" dirty="0" err="1"/>
-              <a:t>implementation</a:t>
-            </a:r>
-            <a:r>
-              <a:rPr lang="de-DE" dirty="0"/>
-              <a:t> </a:t>
-            </a:r>
-            <a:r>
-              <a:rPr lang="de-DE" dirty="0" err="1"/>
-              <a:t>with</a:t>
-            </a:r>
-            <a:r>
-              <a:rPr lang="de-DE" dirty="0"/>
-              <a:t> </a:t>
-            </a:r>
-            <a:r>
-              <a:rPr lang="de-DE" dirty="0" err="1"/>
-              <a:t>sparse</a:t>
-            </a:r>
-            <a:r>
-              <a:rPr lang="de-DE" dirty="0"/>
-              <a:t> 16M </a:t>
-            </a:r>
-            <a:r>
-              <a:rPr lang="de-DE" dirty="0" err="1"/>
-              <a:t>keys</a:t>
-            </a:r>
-            <a:r>
-              <a:rPr lang="de-DE" dirty="0"/>
-              <a:t> </a:t>
-            </a:r>
-            <a:r>
-              <a:rPr lang="de-DE" dirty="0" err="1"/>
-              <a:t>takes</a:t>
-            </a:r>
-            <a:r>
-              <a:rPr lang="de-DE" dirty="0"/>
-              <a:t> </a:t>
-            </a:r>
-            <a:r>
-              <a:rPr lang="de-DE" dirty="0" err="1"/>
-              <a:t>more</a:t>
-            </a:r>
-            <a:r>
-              <a:rPr lang="de-DE" dirty="0"/>
-              <a:t> </a:t>
-            </a:r>
-            <a:r>
-              <a:rPr lang="de-DE" dirty="0" err="1"/>
-              <a:t>than</a:t>
-            </a:r>
-            <a:r>
-              <a:rPr lang="de-DE" dirty="0"/>
-              <a:t> 16GB (</a:t>
-            </a:r>
-            <a:r>
-              <a:rPr lang="de-DE" dirty="0" err="1"/>
-              <a:t>only</a:t>
-            </a:r>
-            <a:r>
-              <a:rPr lang="de-DE" dirty="0"/>
-              <a:t> </a:t>
-            </a:r>
-            <a:r>
-              <a:rPr lang="de-DE" dirty="0" err="1"/>
-              <a:t>have</a:t>
-            </a:r>
-            <a:r>
-              <a:rPr lang="de-DE" dirty="0"/>
-              <a:t> 16GB RAM so </a:t>
-            </a:r>
-            <a:r>
-              <a:rPr lang="de-DE" dirty="0" err="1"/>
-              <a:t>no</a:t>
-            </a:r>
-            <a:r>
-              <a:rPr lang="de-DE" dirty="0"/>
-              <a:t> </a:t>
-            </a:r>
-            <a:r>
-              <a:rPr lang="de-DE" dirty="0" err="1"/>
-              <a:t>value</a:t>
-            </a:r>
-            <a:r>
-              <a:rPr lang="de-DE" dirty="0"/>
-              <a:t>)</a:t>
-            </a:r>
           </a:p>
         </p:txBody>
       </p:sp>
@@ -8216,211 +8610,146 @@
           <a:p>
             <a:r>
               <a:rPr lang="de-DE" dirty="0"/>
-              <a:t>Own Implementation Performance-Benchmark (</a:t>
-            </a:r>
-            <a:r>
-              <a:rPr lang="de-DE" dirty="0" err="1"/>
-              <a:t>insert</a:t>
-            </a:r>
-            <a:r>
-              <a:rPr lang="de-DE" dirty="0"/>
-              <a:t>):</a:t>
-            </a:r>
-          </a:p>
-          <a:p>
-            <a:r>
-              <a:rPr lang="de-DE" dirty="0"/>
-              <a:t>(Remove </a:t>
-            </a:r>
+              <a:t>Same benchmark </a:t>
+            </a:r>
+            <a:r>
+              <a:rPr lang="de-DE" dirty="0" err="1"/>
+              <a:t>without</a:t>
+            </a:r>
+            <a:r>
+              <a:rPr lang="de-DE" dirty="0"/>
+              <a:t> Trie </a:t>
+            </a:r>
+            <a:r>
+              <a:rPr lang="de-DE" dirty="0" err="1"/>
+              <a:t>for</a:t>
+            </a:r>
+            <a:r>
+              <a:rPr lang="de-DE" dirty="0"/>
+              <a:t> </a:t>
+            </a:r>
+            <a:r>
+              <a:rPr lang="de-DE" dirty="0" err="1"/>
+              <a:t>better</a:t>
+            </a:r>
+            <a:r>
+              <a:rPr lang="de-DE" dirty="0"/>
+              <a:t> </a:t>
+            </a:r>
+            <a:r>
+              <a:rPr lang="de-DE" dirty="0" err="1"/>
+              <a:t>scale</a:t>
+            </a:r>
+            <a:endParaRPr lang="de-DE" dirty="0"/>
+          </a:p>
+          <a:p>
+            <a:endParaRPr lang="de-DE" dirty="0"/>
+          </a:p>
+          <a:p>
+            <a:r>
+              <a:rPr lang="de-DE" dirty="0"/>
+              <a:t>ART:</a:t>
+            </a:r>
+          </a:p>
+          <a:p>
+            <a:r>
+              <a:rPr lang="de-DE" dirty="0" err="1"/>
+              <a:t>Dense</a:t>
+            </a:r>
+            <a:r>
+              <a:rPr lang="de-DE" dirty="0"/>
+              <a:t> = 8 Bytes per Key (</a:t>
+            </a:r>
+            <a:r>
+              <a:rPr lang="de-DE" dirty="0" err="1"/>
+              <a:t>similar</a:t>
+            </a:r>
+            <a:r>
+              <a:rPr lang="de-DE" dirty="0"/>
+              <a:t> </a:t>
+            </a:r>
+            <a:r>
+              <a:rPr lang="de-DE" dirty="0" err="1"/>
+              <a:t>to</a:t>
+            </a:r>
+            <a:r>
+              <a:rPr lang="de-DE" dirty="0"/>
+              <a:t> ART </a:t>
+            </a:r>
+            <a:r>
+              <a:rPr lang="de-DE" dirty="0" err="1"/>
+              <a:t>paper</a:t>
+            </a:r>
+            <a:r>
+              <a:rPr lang="de-DE" dirty="0"/>
+              <a:t> </a:t>
+            </a:r>
+            <a:r>
+              <a:rPr lang="de-DE" dirty="0" err="1"/>
+              <a:t>results</a:t>
+            </a:r>
+            <a:r>
+              <a:rPr lang="de-DE" dirty="0"/>
+              <a:t>)</a:t>
+            </a:r>
+          </a:p>
+          <a:p>
+            <a:r>
+              <a:rPr lang="de-DE" dirty="0" err="1"/>
+              <a:t>Sparse</a:t>
+            </a:r>
+            <a:r>
+              <a:rPr lang="de-DE" dirty="0"/>
+              <a:t> = 32 </a:t>
+            </a:r>
+            <a:r>
+              <a:rPr lang="de-DE" dirty="0" err="1"/>
+              <a:t>BpK</a:t>
+            </a:r>
+            <a:endParaRPr lang="de-DE" dirty="0"/>
+          </a:p>
+          <a:p>
+            <a:endParaRPr lang="de-DE" dirty="0"/>
+          </a:p>
+          <a:p>
             <a:r>
               <a:rPr lang="de-DE" dirty="0" err="1"/>
               <a:t>Sorted</a:t>
             </a:r>
             <a:r>
               <a:rPr lang="de-DE" dirty="0"/>
-              <a:t> List </a:t>
-            </a:r>
-            <a:r>
-              <a:rPr lang="de-DE" dirty="0" err="1"/>
-              <a:t>as</a:t>
-            </a:r>
-            <a:r>
-              <a:rPr lang="de-DE" dirty="0"/>
-              <a:t> </a:t>
-            </a:r>
-            <a:r>
-              <a:rPr lang="de-DE" dirty="0" err="1"/>
-              <a:t>it‘s</a:t>
-            </a:r>
-            <a:r>
-              <a:rPr lang="de-DE" dirty="0"/>
-              <a:t> </a:t>
-            </a:r>
-            <a:r>
-              <a:rPr lang="de-DE" dirty="0" err="1"/>
-              <a:t>only</a:t>
-            </a:r>
-            <a:r>
-              <a:rPr lang="de-DE" dirty="0"/>
-              <a:t> </a:t>
-            </a:r>
-            <a:r>
-              <a:rPr lang="de-DE" dirty="0" err="1"/>
-              <a:t>bulk</a:t>
-            </a:r>
-            <a:r>
-              <a:rPr lang="de-DE" dirty="0"/>
-              <a:t> </a:t>
-            </a:r>
-            <a:r>
-              <a:rPr lang="de-DE" dirty="0" err="1"/>
-              <a:t>insert</a:t>
-            </a:r>
-            <a:r>
-              <a:rPr lang="de-DE" dirty="0"/>
-              <a:t>? Remove </a:t>
-            </a:r>
-            <a:r>
-              <a:rPr lang="de-DE" dirty="0" err="1"/>
-              <a:t>for</a:t>
-            </a:r>
-            <a:r>
-              <a:rPr lang="de-DE" dirty="0"/>
-              <a:t> </a:t>
-            </a:r>
-            <a:r>
-              <a:rPr lang="de-DE" dirty="0" err="1"/>
-              <a:t>better</a:t>
-            </a:r>
-            <a:r>
-              <a:rPr lang="de-DE" dirty="0"/>
-              <a:t> </a:t>
-            </a:r>
-            <a:r>
-              <a:rPr lang="de-DE" dirty="0" err="1"/>
-              <a:t>scale</a:t>
-            </a:r>
-            <a:r>
-              <a:rPr lang="de-DE" dirty="0"/>
-              <a:t>?)</a:t>
-            </a:r>
-          </a:p>
-          <a:p>
-            <a:endParaRPr lang="de-DE" dirty="0"/>
-          </a:p>
-          <a:p>
-            <a:pPr marL="0" marR="0" lvl="0" indent="0" algn="l" defTabSz="914400" rtl="0" eaLnBrk="1" fontAlgn="base" latinLnBrk="0" hangingPunct="1">
-              <a:lnSpc>
-                <a:spcPct val="100000"/>
-              </a:lnSpc>
-              <a:spcBef>
-                <a:spcPct val="30000"/>
-              </a:spcBef>
-              <a:spcAft>
-                <a:spcPct val="0"/>
-              </a:spcAft>
-              <a:buClrTx/>
-              <a:buSzTx/>
-              <a:buFontTx/>
-              <a:buNone/>
-              <a:tabLst/>
-              <a:defRPr/>
-            </a:pPr>
-            <a:r>
-              <a:rPr lang="de-DE" dirty="0"/>
-              <a:t>Trie </a:t>
-            </a:r>
-            <a:r>
-              <a:rPr lang="de-DE" dirty="0" err="1"/>
-              <a:t>implementation</a:t>
-            </a:r>
-            <a:r>
-              <a:rPr lang="de-DE" dirty="0"/>
-              <a:t> </a:t>
-            </a:r>
-            <a:r>
-              <a:rPr lang="de-DE" dirty="0" err="1"/>
-              <a:t>with</a:t>
-            </a:r>
-            <a:r>
-              <a:rPr lang="de-DE" dirty="0"/>
-              <a:t> </a:t>
-            </a:r>
-            <a:r>
-              <a:rPr lang="de-DE" dirty="0" err="1"/>
-              <a:t>sparse</a:t>
-            </a:r>
-            <a:r>
-              <a:rPr lang="de-DE" dirty="0"/>
-              <a:t> 16M </a:t>
-            </a:r>
-            <a:r>
-              <a:rPr lang="de-DE" dirty="0" err="1"/>
-              <a:t>keys</a:t>
-            </a:r>
-            <a:r>
-              <a:rPr lang="de-DE" dirty="0"/>
-              <a:t> </a:t>
-            </a:r>
-            <a:r>
-              <a:rPr lang="de-DE" dirty="0" err="1"/>
-              <a:t>takes</a:t>
-            </a:r>
-            <a:r>
-              <a:rPr lang="de-DE" dirty="0"/>
-              <a:t> </a:t>
-            </a:r>
-            <a:r>
-              <a:rPr lang="de-DE" dirty="0" err="1"/>
-              <a:t>more</a:t>
-            </a:r>
-            <a:r>
-              <a:rPr lang="de-DE" dirty="0"/>
-              <a:t> </a:t>
-            </a:r>
-            <a:r>
-              <a:rPr lang="de-DE" dirty="0" err="1"/>
-              <a:t>than</a:t>
-            </a:r>
-            <a:r>
-              <a:rPr lang="de-DE" dirty="0"/>
-              <a:t> 16GB (</a:t>
-            </a:r>
-            <a:r>
-              <a:rPr lang="de-DE" dirty="0" err="1"/>
-              <a:t>only</a:t>
-            </a:r>
-            <a:r>
-              <a:rPr lang="de-DE" dirty="0"/>
-              <a:t> </a:t>
-            </a:r>
-            <a:r>
-              <a:rPr lang="de-DE" dirty="0" err="1"/>
-              <a:t>have</a:t>
-            </a:r>
-            <a:r>
-              <a:rPr lang="de-DE" dirty="0"/>
-              <a:t> 16GB RAM so </a:t>
-            </a:r>
-            <a:r>
-              <a:rPr lang="de-DE" dirty="0" err="1"/>
-              <a:t>no</a:t>
-            </a:r>
-            <a:r>
-              <a:rPr lang="de-DE" dirty="0"/>
-              <a:t> </a:t>
-            </a:r>
-            <a:r>
-              <a:rPr lang="de-DE" dirty="0" err="1"/>
-              <a:t>value</a:t>
+              <a:t> List:</a:t>
+            </a:r>
+          </a:p>
+          <a:p>
+            <a:r>
+              <a:rPr lang="de-DE" dirty="0"/>
+              <a:t>4 </a:t>
+            </a:r>
+            <a:r>
+              <a:rPr lang="de-DE" dirty="0" err="1"/>
+              <a:t>BpK</a:t>
+            </a:r>
+            <a:r>
+              <a:rPr lang="de-DE" dirty="0"/>
+              <a:t> (</a:t>
+            </a:r>
+            <a:r>
+              <a:rPr lang="de-DE" dirty="0" err="1"/>
+              <a:t>since</a:t>
+            </a:r>
+            <a:r>
+              <a:rPr lang="de-DE" dirty="0"/>
+              <a:t> 32bit integer </a:t>
+            </a:r>
+            <a:r>
+              <a:rPr lang="de-DE" dirty="0" err="1"/>
+              <a:t>list</a:t>
             </a:r>
             <a:r>
               <a:rPr lang="de-DE" dirty="0"/>
               <a:t>)</a:t>
             </a:r>
-          </a:p>
-          <a:p>
-            <a:endParaRPr lang="de-DE" dirty="0"/>
           </a:p>
         </p:txBody>
       </p:sp>
@@ -8456,7 +8785,7 @@
     </p:spTree>
     <p:extLst>
       <p:ext uri="{BB962C8B-B14F-4D97-AF65-F5344CB8AC3E}">
-        <p14:creationId xmlns:p14="http://schemas.microsoft.com/office/powerpoint/2010/main" val="266720536"/>
+        <p14:creationId xmlns:p14="http://schemas.microsoft.com/office/powerpoint/2010/main" val="1398984340"/>
       </p:ext>
     </p:extLst>
   </p:cSld>
@@ -8510,85 +8839,6 @@
           <a:bodyPr/>
           <a:lstStyle/>
           <a:p>
-            <a:r>
-              <a:rPr lang="de-DE" dirty="0"/>
-              <a:t>Own Implementation Performance-Benchmark (</a:t>
-            </a:r>
-            <a:r>
-              <a:rPr lang="de-DE" dirty="0" err="1"/>
-              <a:t>search</a:t>
-            </a:r>
-            <a:r>
-              <a:rPr lang="de-DE" dirty="0"/>
-              <a:t>):</a:t>
-            </a:r>
-          </a:p>
-          <a:p>
-            <a:r>
-              <a:rPr lang="de-DE" dirty="0"/>
-              <a:t>(Hash-Table Performance </a:t>
-            </a:r>
-            <a:r>
-              <a:rPr lang="de-DE" dirty="0" err="1"/>
-              <a:t>better</a:t>
-            </a:r>
-            <a:r>
-              <a:rPr lang="de-DE" dirty="0"/>
-              <a:t> </a:t>
-            </a:r>
-            <a:r>
-              <a:rPr lang="de-DE" dirty="0" err="1"/>
-              <a:t>than</a:t>
-            </a:r>
-            <a:r>
-              <a:rPr lang="de-DE" dirty="0"/>
-              <a:t> in ART </a:t>
-            </a:r>
-            <a:r>
-              <a:rPr lang="de-DE" dirty="0" err="1"/>
-              <a:t>paper</a:t>
-            </a:r>
-            <a:r>
-              <a:rPr lang="de-DE" dirty="0"/>
-              <a:t>? Caching </a:t>
-            </a:r>
-            <a:r>
-              <a:rPr lang="de-DE" dirty="0" err="1"/>
-              <a:t>effect</a:t>
-            </a:r>
-            <a:r>
-              <a:rPr lang="de-DE" dirty="0"/>
-              <a:t>? Remove </a:t>
-            </a:r>
-            <a:r>
-              <a:rPr lang="de-DE" dirty="0" err="1"/>
-              <a:t>for</a:t>
-            </a:r>
-            <a:r>
-              <a:rPr lang="de-DE" dirty="0"/>
-              <a:t> </a:t>
-            </a:r>
-            <a:r>
-              <a:rPr lang="de-DE" dirty="0" err="1"/>
-              <a:t>better</a:t>
-            </a:r>
-            <a:r>
-              <a:rPr lang="de-DE" dirty="0"/>
-              <a:t> </a:t>
-            </a:r>
-            <a:r>
-              <a:rPr lang="de-DE" dirty="0" err="1"/>
-              <a:t>scale</a:t>
-            </a:r>
-            <a:r>
-              <a:rPr lang="de-DE" dirty="0"/>
-              <a:t>?)</a:t>
-            </a:r>
-          </a:p>
-          <a:p>
-            <a:endParaRPr lang="de-DE" dirty="0"/>
-          </a:p>
-          <a:p>
             <a:pPr marL="0" marR="0" lvl="0" indent="0" algn="l" defTabSz="914400" rtl="0" eaLnBrk="1" fontAlgn="base" latinLnBrk="0" hangingPunct="1">
               <a:lnSpc>
                 <a:spcPct val="100000"/>
@@ -8624,19 +8874,19 @@
             </a:r>
             <a:r>
               <a:rPr lang="de-DE" dirty="0"/>
+              <a:t> 16M </a:t>
+            </a:r>
+            <a:r>
+              <a:rPr lang="de-DE" dirty="0" err="1"/>
+              <a:t>keys</a:t>
+            </a:r>
+            <a:r>
+              <a:rPr lang="de-DE" dirty="0"/>
               <a:t> </a:t>
             </a:r>
             <a:r>
               <a:rPr lang="de-DE" dirty="0" err="1"/>
-              <a:t>sparse</a:t>
-            </a:r>
-            <a:r>
-              <a:rPr lang="de-DE" dirty="0"/>
-              <a:t> 16M </a:t>
-            </a:r>
-            <a:r>
-              <a:rPr lang="de-DE" dirty="0" err="1"/>
-              <a:t>keys</a:t>
+              <a:t>takes</a:t>
             </a:r>
             <a:r>
               <a:rPr lang="de-DE" dirty="0"/>
@@ -8644,7 +8894,7 @@
             </a:r>
             <a:r>
               <a:rPr lang="de-DE" dirty="0" err="1"/>
-              <a:t>takes</a:t>
+              <a:t>too</a:t>
             </a:r>
             <a:r>
               <a:rPr lang="de-DE" dirty="0"/>
@@ -8652,7 +8902,7 @@
             </a:r>
             <a:r>
               <a:rPr lang="de-DE" dirty="0" err="1"/>
-              <a:t>more</a:t>
+              <a:t>much</a:t>
             </a:r>
             <a:r>
               <a:rPr lang="de-DE" dirty="0"/>
@@ -8660,31 +8910,174 @@
             </a:r>
             <a:r>
               <a:rPr lang="de-DE" dirty="0" err="1"/>
+              <a:t>space</a:t>
+            </a:r>
+            <a:r>
+              <a:rPr lang="de-DE" dirty="0"/>
+              <a:t> </a:t>
+            </a:r>
+            <a:r>
+              <a:rPr lang="de-DE" dirty="0" err="1"/>
+              <a:t>to</a:t>
+            </a:r>
+            <a:r>
+              <a:rPr lang="de-DE" dirty="0"/>
+              <a:t> </a:t>
+            </a:r>
+            <a:r>
+              <a:rPr lang="de-DE" dirty="0" err="1"/>
+              <a:t>test</a:t>
+            </a:r>
+            <a:endParaRPr lang="de-DE" dirty="0"/>
+          </a:p>
+          <a:p>
+            <a:pPr marL="0" marR="0" lvl="0" indent="0" algn="l" defTabSz="914400" rtl="0" eaLnBrk="1" fontAlgn="base" latinLnBrk="0" hangingPunct="1">
+              <a:lnSpc>
+                <a:spcPct val="100000"/>
+              </a:lnSpc>
+              <a:spcBef>
+                <a:spcPct val="30000"/>
+              </a:spcBef>
+              <a:spcAft>
+                <a:spcPct val="0"/>
+              </a:spcAft>
+              <a:buClrTx/>
+              <a:buSzTx/>
+              <a:buFontTx/>
+              <a:buNone/>
+              <a:tabLst/>
+              <a:defRPr/>
+            </a:pPr>
+            <a:r>
+              <a:rPr lang="de-DE" dirty="0" err="1"/>
+              <a:t>Sorted</a:t>
+            </a:r>
+            <a:r>
+              <a:rPr lang="de-DE" dirty="0"/>
+              <a:t>-List </a:t>
+            </a:r>
+            <a:r>
+              <a:rPr lang="de-DE" dirty="0" err="1"/>
+              <a:t>bulk</a:t>
+            </a:r>
+            <a:r>
+              <a:rPr lang="de-DE" dirty="0"/>
+              <a:t> </a:t>
+            </a:r>
+            <a:r>
+              <a:rPr lang="de-DE" dirty="0" err="1"/>
+              <a:t>insert</a:t>
+            </a:r>
+            <a:endParaRPr lang="de-DE" dirty="0"/>
+          </a:p>
+          <a:p>
+            <a:pPr marL="0" marR="0" lvl="0" indent="0" algn="l" defTabSz="914400" rtl="0" eaLnBrk="1" fontAlgn="base" latinLnBrk="0" hangingPunct="1">
+              <a:lnSpc>
+                <a:spcPct val="100000"/>
+              </a:lnSpc>
+              <a:spcBef>
+                <a:spcPct val="30000"/>
+              </a:spcBef>
+              <a:spcAft>
+                <a:spcPct val="0"/>
+              </a:spcAft>
+              <a:buClrTx/>
+              <a:buSzTx/>
+              <a:buFontTx/>
+              <a:buNone/>
+              <a:tabLst/>
+              <a:defRPr/>
+            </a:pPr>
+            <a:endParaRPr lang="de-DE" dirty="0"/>
+          </a:p>
+          <a:p>
+            <a:pPr marL="0" marR="0" lvl="0" indent="0" algn="l" defTabSz="914400" rtl="0" eaLnBrk="1" fontAlgn="base" latinLnBrk="0" hangingPunct="1">
+              <a:lnSpc>
+                <a:spcPct val="100000"/>
+              </a:lnSpc>
+              <a:spcBef>
+                <a:spcPct val="30000"/>
+              </a:spcBef>
+              <a:spcAft>
+                <a:spcPct val="0"/>
+              </a:spcAft>
+              <a:buClrTx/>
+              <a:buSzTx/>
+              <a:buFontTx/>
+              <a:buNone/>
+              <a:tabLst/>
+              <a:defRPr/>
+            </a:pPr>
+            <a:r>
+              <a:rPr lang="de-DE" dirty="0"/>
+              <a:t>65k:</a:t>
+            </a:r>
+          </a:p>
+          <a:p>
+            <a:pPr marL="0" marR="0" lvl="0" indent="0" algn="l" defTabSz="914400" rtl="0" eaLnBrk="1" fontAlgn="base" latinLnBrk="0" hangingPunct="1">
+              <a:lnSpc>
+                <a:spcPct val="100000"/>
+              </a:lnSpc>
+              <a:spcBef>
+                <a:spcPct val="30000"/>
+              </a:spcBef>
+              <a:spcAft>
+                <a:spcPct val="0"/>
+              </a:spcAft>
+              <a:buClrTx/>
+              <a:buSzTx/>
+              <a:buFontTx/>
+              <a:buNone/>
+              <a:tabLst/>
+              <a:defRPr/>
+            </a:pPr>
+            <a:r>
+              <a:rPr lang="de-DE" dirty="0"/>
+              <a:t>ART </a:t>
+            </a:r>
+            <a:r>
+              <a:rPr lang="de-DE" dirty="0" err="1"/>
+              <a:t>faster</a:t>
+            </a:r>
+            <a:r>
+              <a:rPr lang="de-DE" dirty="0"/>
+              <a:t> </a:t>
+            </a:r>
+            <a:r>
+              <a:rPr lang="de-DE" dirty="0" err="1"/>
               <a:t>than</a:t>
             </a:r>
             <a:r>
               <a:rPr lang="de-DE" dirty="0"/>
-              <a:t> 16GB (</a:t>
-            </a:r>
-            <a:r>
-              <a:rPr lang="de-DE" dirty="0" err="1"/>
-              <a:t>only</a:t>
-            </a:r>
-            <a:r>
-              <a:rPr lang="de-DE" dirty="0"/>
               <a:t> </a:t>
             </a:r>
             <a:r>
               <a:rPr lang="de-DE" dirty="0" err="1"/>
-              <a:t>have</a:t>
-            </a:r>
-            <a:r>
-              <a:rPr lang="de-DE" dirty="0"/>
-              <a:t> 16GB RAM so </a:t>
-            </a:r>
-            <a:r>
-              <a:rPr lang="de-DE" dirty="0" err="1"/>
-              <a:t>no</a:t>
+              <a:t>Sorted</a:t>
+            </a:r>
+            <a:r>
+              <a:rPr lang="de-DE" dirty="0"/>
+              <a:t> List </a:t>
+            </a:r>
+            <a:r>
+              <a:rPr lang="de-DE" dirty="0" err="1"/>
+              <a:t>because</a:t>
+            </a:r>
+            <a:r>
+              <a:rPr lang="de-DE" dirty="0"/>
+              <a:t> O(log k) </a:t>
+            </a:r>
+            <a:r>
+              <a:rPr lang="de-DE" dirty="0" err="1"/>
+              <a:t>vs</a:t>
+            </a:r>
+            <a:r>
+              <a:rPr lang="de-DE" dirty="0"/>
+              <a:t> O(log n) </a:t>
+            </a:r>
+            <a:r>
+              <a:rPr lang="de-DE" dirty="0" err="1"/>
+              <a:t>for</a:t>
             </a:r>
             <a:r>
               <a:rPr lang="de-DE" dirty="0"/>
@@ -8692,7 +9085,174 @@
             </a:r>
             <a:r>
               <a:rPr lang="de-DE" dirty="0" err="1"/>
-              <a:t>value</a:t>
+              <a:t>sorting</a:t>
+            </a:r>
+            <a:endParaRPr lang="de-DE" dirty="0"/>
+          </a:p>
+          <a:p>
+            <a:pPr marL="0" marR="0" lvl="0" indent="0" algn="l" defTabSz="914400" rtl="0" eaLnBrk="1" fontAlgn="base" latinLnBrk="0" hangingPunct="1">
+              <a:lnSpc>
+                <a:spcPct val="100000"/>
+              </a:lnSpc>
+              <a:spcBef>
+                <a:spcPct val="30000"/>
+              </a:spcBef>
+              <a:spcAft>
+                <a:spcPct val="0"/>
+              </a:spcAft>
+              <a:buClrTx/>
+              <a:buSzTx/>
+              <a:buFontTx/>
+              <a:buNone/>
+              <a:tabLst/>
+              <a:defRPr/>
+            </a:pPr>
+            <a:endParaRPr lang="de-DE" dirty="0"/>
+          </a:p>
+          <a:p>
+            <a:pPr marL="0" marR="0" lvl="0" indent="0" algn="l" defTabSz="914400" rtl="0" eaLnBrk="1" fontAlgn="base" latinLnBrk="0" hangingPunct="1">
+              <a:lnSpc>
+                <a:spcPct val="100000"/>
+              </a:lnSpc>
+              <a:spcBef>
+                <a:spcPct val="30000"/>
+              </a:spcBef>
+              <a:spcAft>
+                <a:spcPct val="0"/>
+              </a:spcAft>
+              <a:buClrTx/>
+              <a:buSzTx/>
+              <a:buFontTx/>
+              <a:buNone/>
+              <a:tabLst/>
+              <a:defRPr/>
+            </a:pPr>
+            <a:r>
+              <a:rPr lang="de-DE" dirty="0"/>
+              <a:t>16M:</a:t>
+            </a:r>
+          </a:p>
+          <a:p>
+            <a:pPr marL="0" marR="0" lvl="0" indent="0" algn="l" defTabSz="914400" rtl="0" eaLnBrk="1" fontAlgn="base" latinLnBrk="0" hangingPunct="1">
+              <a:lnSpc>
+                <a:spcPct val="100000"/>
+              </a:lnSpc>
+              <a:spcBef>
+                <a:spcPct val="30000"/>
+              </a:spcBef>
+              <a:spcAft>
+                <a:spcPct val="0"/>
+              </a:spcAft>
+              <a:buClrTx/>
+              <a:buSzTx/>
+              <a:buFontTx/>
+              <a:buNone/>
+              <a:tabLst/>
+              <a:defRPr/>
+            </a:pPr>
+            <a:r>
+              <a:rPr lang="de-DE" dirty="0"/>
+              <a:t>ART </a:t>
+            </a:r>
+            <a:r>
+              <a:rPr lang="de-DE" dirty="0" err="1"/>
+              <a:t>now</a:t>
+            </a:r>
+            <a:r>
+              <a:rPr lang="de-DE" dirty="0"/>
+              <a:t> </a:t>
+            </a:r>
+            <a:r>
+              <a:rPr lang="de-DE" dirty="0" err="1"/>
+              <a:t>slower</a:t>
+            </a:r>
+            <a:r>
+              <a:rPr lang="de-DE" dirty="0"/>
+              <a:t> </a:t>
+            </a:r>
+            <a:r>
+              <a:rPr lang="de-DE" dirty="0" err="1"/>
+              <a:t>than</a:t>
+            </a:r>
+            <a:r>
+              <a:rPr lang="de-DE" dirty="0"/>
+              <a:t> </a:t>
+            </a:r>
+            <a:r>
+              <a:rPr lang="de-DE" dirty="0" err="1"/>
+              <a:t>Sorted</a:t>
+            </a:r>
+            <a:r>
+              <a:rPr lang="de-DE" dirty="0"/>
+              <a:t> List </a:t>
+            </a:r>
+            <a:r>
+              <a:rPr lang="de-DE" dirty="0" err="1"/>
+              <a:t>now</a:t>
+            </a:r>
+            <a:r>
+              <a:rPr lang="de-DE" dirty="0"/>
+              <a:t> </a:t>
+            </a:r>
+            <a:r>
+              <a:rPr lang="de-DE" dirty="0" err="1"/>
+              <a:t>because</a:t>
+            </a:r>
+            <a:r>
+              <a:rPr lang="de-DE" dirty="0"/>
+              <a:t> </a:t>
+            </a:r>
+            <a:r>
+              <a:rPr lang="de-DE" dirty="0" err="1"/>
+              <a:t>overhead</a:t>
+            </a:r>
+            <a:r>
+              <a:rPr lang="de-DE" dirty="0"/>
+              <a:t> </a:t>
+            </a:r>
+            <a:r>
+              <a:rPr lang="de-DE" dirty="0" err="1"/>
+              <a:t>of</a:t>
+            </a:r>
+            <a:r>
+              <a:rPr lang="de-DE" dirty="0"/>
+              <a:t> </a:t>
+            </a:r>
+            <a:r>
+              <a:rPr lang="de-DE" dirty="0" err="1"/>
+              <a:t>memory</a:t>
+            </a:r>
+            <a:r>
+              <a:rPr lang="de-DE" dirty="0"/>
+              <a:t> </a:t>
+            </a:r>
+            <a:r>
+              <a:rPr lang="de-DE" dirty="0" err="1"/>
+              <a:t>management</a:t>
+            </a:r>
+            <a:r>
+              <a:rPr lang="de-DE" dirty="0"/>
+              <a:t> (</a:t>
+            </a:r>
+            <a:r>
+              <a:rPr lang="de-DE" dirty="0" err="1"/>
+              <a:t>node</a:t>
+            </a:r>
+            <a:r>
+              <a:rPr lang="de-DE" dirty="0"/>
+              <a:t> </a:t>
+            </a:r>
+            <a:r>
+              <a:rPr lang="de-DE" dirty="0" err="1"/>
+              <a:t>allocation</a:t>
+            </a:r>
+            <a:r>
+              <a:rPr lang="de-DE" dirty="0"/>
+              <a:t> and </a:t>
+            </a:r>
+            <a:r>
+              <a:rPr lang="de-DE" dirty="0" err="1"/>
+              <a:t>deletion</a:t>
             </a:r>
             <a:r>
               <a:rPr lang="de-DE" dirty="0"/>
@@ -8733,7 +9293,7 @@
     </p:spTree>
     <p:extLst>
       <p:ext uri="{BB962C8B-B14F-4D97-AF65-F5344CB8AC3E}">
-        <p14:creationId xmlns:p14="http://schemas.microsoft.com/office/powerpoint/2010/main" val="324259885"/>
+        <p14:creationId xmlns:p14="http://schemas.microsoft.com/office/powerpoint/2010/main" val="266720536"/>
       </p:ext>
     </p:extLst>
   </p:cSld>
@@ -9010,7 +9570,7 @@
     </p:spTree>
     <p:extLst>
       <p:ext uri="{BB962C8B-B14F-4D97-AF65-F5344CB8AC3E}">
-        <p14:creationId xmlns:p14="http://schemas.microsoft.com/office/powerpoint/2010/main" val="1892010195"/>
+        <p14:creationId xmlns:p14="http://schemas.microsoft.com/office/powerpoint/2010/main" val="324259885"/>
       </p:ext>
     </p:extLst>
   </p:cSld>
@@ -9287,7 +9847,7 @@
     </p:spTree>
     <p:extLst>
       <p:ext uri="{BB962C8B-B14F-4D97-AF65-F5344CB8AC3E}">
-        <p14:creationId xmlns:p14="http://schemas.microsoft.com/office/powerpoint/2010/main" val="3178569148"/>
+        <p14:creationId xmlns:p14="http://schemas.microsoft.com/office/powerpoint/2010/main" val="1892010195"/>
       </p:ext>
     </p:extLst>
   </p:cSld>
@@ -9564,7 +10124,7 @@
     </p:spTree>
     <p:extLst>
       <p:ext uri="{BB962C8B-B14F-4D97-AF65-F5344CB8AC3E}">
-        <p14:creationId xmlns:p14="http://schemas.microsoft.com/office/powerpoint/2010/main" val="2379631012"/>
+        <p14:creationId xmlns:p14="http://schemas.microsoft.com/office/powerpoint/2010/main" val="3178569148"/>
       </p:ext>
     </p:extLst>
   </p:cSld>
@@ -9841,7 +10401,7 @@
     </p:spTree>
     <p:extLst>
       <p:ext uri="{BB962C8B-B14F-4D97-AF65-F5344CB8AC3E}">
-        <p14:creationId xmlns:p14="http://schemas.microsoft.com/office/powerpoint/2010/main" val="3882762003"/>
+        <p14:creationId xmlns:p14="http://schemas.microsoft.com/office/powerpoint/2010/main" val="2379631012"/>
       </p:ext>
     </p:extLst>
   </p:cSld>
@@ -9895,7 +10455,194 @@
           <a:bodyPr/>
           <a:lstStyle/>
           <a:p>
-            <a:endParaRPr lang="en-US" dirty="0"/>
+            <a:r>
+              <a:rPr lang="de-DE" dirty="0"/>
+              <a:t>Own Implementation Performance-Benchmark (</a:t>
+            </a:r>
+            <a:r>
+              <a:rPr lang="de-DE" dirty="0" err="1"/>
+              <a:t>search</a:t>
+            </a:r>
+            <a:r>
+              <a:rPr lang="de-DE" dirty="0"/>
+              <a:t>):</a:t>
+            </a:r>
+          </a:p>
+          <a:p>
+            <a:r>
+              <a:rPr lang="de-DE" dirty="0"/>
+              <a:t>(Hash-Table Performance </a:t>
+            </a:r>
+            <a:r>
+              <a:rPr lang="de-DE" dirty="0" err="1"/>
+              <a:t>better</a:t>
+            </a:r>
+            <a:r>
+              <a:rPr lang="de-DE" dirty="0"/>
+              <a:t> </a:t>
+            </a:r>
+            <a:r>
+              <a:rPr lang="de-DE" dirty="0" err="1"/>
+              <a:t>than</a:t>
+            </a:r>
+            <a:r>
+              <a:rPr lang="de-DE" dirty="0"/>
+              <a:t> in ART </a:t>
+            </a:r>
+            <a:r>
+              <a:rPr lang="de-DE" dirty="0" err="1"/>
+              <a:t>paper</a:t>
+            </a:r>
+            <a:r>
+              <a:rPr lang="de-DE" dirty="0"/>
+              <a:t>? Caching </a:t>
+            </a:r>
+            <a:r>
+              <a:rPr lang="de-DE" dirty="0" err="1"/>
+              <a:t>effect</a:t>
+            </a:r>
+            <a:r>
+              <a:rPr lang="de-DE" dirty="0"/>
+              <a:t>? Remove </a:t>
+            </a:r>
+            <a:r>
+              <a:rPr lang="de-DE" dirty="0" err="1"/>
+              <a:t>for</a:t>
+            </a:r>
+            <a:r>
+              <a:rPr lang="de-DE" dirty="0"/>
+              <a:t> </a:t>
+            </a:r>
+            <a:r>
+              <a:rPr lang="de-DE" dirty="0" err="1"/>
+              <a:t>better</a:t>
+            </a:r>
+            <a:r>
+              <a:rPr lang="de-DE" dirty="0"/>
+              <a:t> </a:t>
+            </a:r>
+            <a:r>
+              <a:rPr lang="de-DE" dirty="0" err="1"/>
+              <a:t>scale</a:t>
+            </a:r>
+            <a:r>
+              <a:rPr lang="de-DE" dirty="0"/>
+              <a:t>?)</a:t>
+            </a:r>
+          </a:p>
+          <a:p>
+            <a:endParaRPr lang="de-DE" dirty="0"/>
+          </a:p>
+          <a:p>
+            <a:pPr marL="0" marR="0" lvl="0" indent="0" algn="l" defTabSz="914400" rtl="0" eaLnBrk="1" fontAlgn="base" latinLnBrk="0" hangingPunct="1">
+              <a:lnSpc>
+                <a:spcPct val="100000"/>
+              </a:lnSpc>
+              <a:spcBef>
+                <a:spcPct val="30000"/>
+              </a:spcBef>
+              <a:spcAft>
+                <a:spcPct val="0"/>
+              </a:spcAft>
+              <a:buClrTx/>
+              <a:buSzTx/>
+              <a:buFontTx/>
+              <a:buNone/>
+              <a:tabLst/>
+              <a:defRPr/>
+            </a:pPr>
+            <a:r>
+              <a:rPr lang="de-DE" dirty="0"/>
+              <a:t>Trie </a:t>
+            </a:r>
+            <a:r>
+              <a:rPr lang="de-DE" dirty="0" err="1"/>
+              <a:t>implementation</a:t>
+            </a:r>
+            <a:r>
+              <a:rPr lang="de-DE" dirty="0"/>
+              <a:t> </a:t>
+            </a:r>
+            <a:r>
+              <a:rPr lang="de-DE" dirty="0" err="1"/>
+              <a:t>with</a:t>
+            </a:r>
+            <a:r>
+              <a:rPr lang="de-DE" dirty="0"/>
+              <a:t> </a:t>
+            </a:r>
+            <a:r>
+              <a:rPr lang="de-DE" dirty="0" err="1"/>
+              <a:t>sparse</a:t>
+            </a:r>
+            <a:r>
+              <a:rPr lang="de-DE" dirty="0"/>
+              <a:t> 16M </a:t>
+            </a:r>
+            <a:r>
+              <a:rPr lang="de-DE" dirty="0" err="1"/>
+              <a:t>keys</a:t>
+            </a:r>
+            <a:r>
+              <a:rPr lang="de-DE" dirty="0"/>
+              <a:t> </a:t>
+            </a:r>
+            <a:r>
+              <a:rPr lang="de-DE" dirty="0" err="1"/>
+              <a:t>takes</a:t>
+            </a:r>
+            <a:r>
+              <a:rPr lang="de-DE" dirty="0"/>
+              <a:t> </a:t>
+            </a:r>
+            <a:r>
+              <a:rPr lang="de-DE" dirty="0" err="1"/>
+              <a:t>more</a:t>
+            </a:r>
+            <a:r>
+              <a:rPr lang="de-DE" dirty="0"/>
+              <a:t> </a:t>
+            </a:r>
+            <a:r>
+              <a:rPr lang="de-DE" dirty="0" err="1"/>
+              <a:t>than</a:t>
+            </a:r>
+            <a:r>
+              <a:rPr lang="de-DE" dirty="0"/>
+              <a:t> 16GB (</a:t>
+            </a:r>
+            <a:r>
+              <a:rPr lang="de-DE" dirty="0" err="1"/>
+              <a:t>only</a:t>
+            </a:r>
+            <a:r>
+              <a:rPr lang="de-DE" dirty="0"/>
+              <a:t> </a:t>
+            </a:r>
+            <a:r>
+              <a:rPr lang="de-DE" dirty="0" err="1"/>
+              <a:t>have</a:t>
+            </a:r>
+            <a:r>
+              <a:rPr lang="de-DE" dirty="0"/>
+              <a:t> 16GB RAM so </a:t>
+            </a:r>
+            <a:r>
+              <a:rPr lang="de-DE" dirty="0" err="1"/>
+              <a:t>no</a:t>
+            </a:r>
+            <a:r>
+              <a:rPr lang="de-DE" dirty="0"/>
+              <a:t> </a:t>
+            </a:r>
+            <a:r>
+              <a:rPr lang="de-DE" dirty="0" err="1"/>
+              <a:t>value</a:t>
+            </a:r>
+            <a:r>
+              <a:rPr lang="de-DE" dirty="0"/>
+              <a:t>)</a:t>
+            </a:r>
           </a:p>
         </p:txBody>
       </p:sp>
@@ -9922,7 +10669,7 @@
               <a:pPr>
                 <a:defRPr/>
               </a:pPr>
-              <a:t>29</a:t>
+              <a:t>27</a:t>
             </a:fld>
             <a:endParaRPr lang="en-GB"/>
           </a:p>
@@ -9931,7 +10678,7 @@
     </p:spTree>
     <p:extLst>
       <p:ext uri="{BB962C8B-B14F-4D97-AF65-F5344CB8AC3E}">
-        <p14:creationId xmlns:p14="http://schemas.microsoft.com/office/powerpoint/2010/main" val="2365284992"/>
+        <p14:creationId xmlns:p14="http://schemas.microsoft.com/office/powerpoint/2010/main" val="3882762003"/>
       </p:ext>
     </p:extLst>
   </p:cSld>
@@ -10021,7 +10768,7 @@
     </p:spTree>
     <p:extLst>
       <p:ext uri="{BB962C8B-B14F-4D97-AF65-F5344CB8AC3E}">
-        <p14:creationId xmlns:p14="http://schemas.microsoft.com/office/powerpoint/2010/main" val="688350877"/>
+        <p14:creationId xmlns:p14="http://schemas.microsoft.com/office/powerpoint/2010/main" val="2365284992"/>
       </p:ext>
     </p:extLst>
   </p:cSld>
@@ -10111,7 +10858,7 @@
     </p:spTree>
     <p:extLst>
       <p:ext uri="{BB962C8B-B14F-4D97-AF65-F5344CB8AC3E}">
-        <p14:creationId xmlns:p14="http://schemas.microsoft.com/office/powerpoint/2010/main" val="632089375"/>
+        <p14:creationId xmlns:p14="http://schemas.microsoft.com/office/powerpoint/2010/main" val="688350877"/>
       </p:ext>
     </p:extLst>
   </p:cSld>
@@ -10350,7 +11097,7 @@
     </p:spTree>
     <p:extLst>
       <p:ext uri="{BB962C8B-B14F-4D97-AF65-F5344CB8AC3E}">
-        <p14:creationId xmlns:p14="http://schemas.microsoft.com/office/powerpoint/2010/main" val="1368079382"/>
+        <p14:creationId xmlns:p14="http://schemas.microsoft.com/office/powerpoint/2010/main" val="632089375"/>
       </p:ext>
     </p:extLst>
   </p:cSld>
@@ -10440,7 +11187,7 @@
     </p:spTree>
     <p:extLst>
       <p:ext uri="{BB962C8B-B14F-4D97-AF65-F5344CB8AC3E}">
-        <p14:creationId xmlns:p14="http://schemas.microsoft.com/office/powerpoint/2010/main" val="3403498060"/>
+        <p14:creationId xmlns:p14="http://schemas.microsoft.com/office/powerpoint/2010/main" val="1368079382"/>
       </p:ext>
     </p:extLst>
   </p:cSld>
@@ -10530,7 +11277,7 @@
     </p:spTree>
     <p:extLst>
       <p:ext uri="{BB962C8B-B14F-4D97-AF65-F5344CB8AC3E}">
-        <p14:creationId xmlns:p14="http://schemas.microsoft.com/office/powerpoint/2010/main" val="3873617337"/>
+        <p14:creationId xmlns:p14="http://schemas.microsoft.com/office/powerpoint/2010/main" val="3403498060"/>
       </p:ext>
     </p:extLst>
   </p:cSld>
@@ -10620,7 +11367,7 @@
     </p:spTree>
     <p:extLst>
       <p:ext uri="{BB962C8B-B14F-4D97-AF65-F5344CB8AC3E}">
-        <p14:creationId xmlns:p14="http://schemas.microsoft.com/office/powerpoint/2010/main" val="2821304512"/>
+        <p14:creationId xmlns:p14="http://schemas.microsoft.com/office/powerpoint/2010/main" val="3873617337"/>
       </p:ext>
     </p:extLst>
   </p:cSld>
@@ -10674,7 +11421,7 @@
           <a:bodyPr/>
           <a:lstStyle/>
           <a:p>
-            <a:endParaRPr lang="de-DE" dirty="0"/>
+            <a:endParaRPr lang="en-US" dirty="0"/>
           </a:p>
         </p:txBody>
       </p:sp>
@@ -10710,7 +11457,7 @@
     </p:spTree>
     <p:extLst>
       <p:ext uri="{BB962C8B-B14F-4D97-AF65-F5344CB8AC3E}">
-        <p14:creationId xmlns:p14="http://schemas.microsoft.com/office/powerpoint/2010/main" val="1498725812"/>
+        <p14:creationId xmlns:p14="http://schemas.microsoft.com/office/powerpoint/2010/main" val="2821304512"/>
       </p:ext>
     </p:extLst>
   </p:cSld>
@@ -10764,7 +11511,7 @@
           <a:bodyPr/>
           <a:lstStyle/>
           <a:p>
-            <a:endParaRPr lang="en-US" dirty="0"/>
+            <a:endParaRPr lang="de-DE" dirty="0"/>
           </a:p>
         </p:txBody>
       </p:sp>
@@ -10792,6 +11539,96 @@
                 <a:defRPr/>
               </a:pPr>
               <a:t>37</a:t>
+            </a:fld>
+            <a:endParaRPr lang="en-GB"/>
+          </a:p>
+        </p:txBody>
+      </p:sp>
+    </p:spTree>
+    <p:extLst>
+      <p:ext uri="{BB962C8B-B14F-4D97-AF65-F5344CB8AC3E}">
+        <p14:creationId xmlns:p14="http://schemas.microsoft.com/office/powerpoint/2010/main" val="1498725812"/>
+      </p:ext>
+    </p:extLst>
+  </p:cSld>
+  <p:clrMapOvr>
+    <a:masterClrMapping/>
+  </p:clrMapOvr>
+</p:notes>
+</file>
+
+<file path=ppt/notesSlides/notesSlide36.xml><?xml version="1.0" encoding="utf-8"?>
+<p:notes xmlns:a="http://schemas.openxmlformats.org/drawingml/2006/main" xmlns:r="http://schemas.openxmlformats.org/officeDocument/2006/relationships" xmlns:p="http://schemas.openxmlformats.org/presentationml/2006/main">
+  <p:cSld>
+    <p:spTree>
+      <p:nvGrpSpPr>
+        <p:cNvPr id="1" name=""/>
+        <p:cNvGrpSpPr/>
+        <p:nvPr/>
+      </p:nvGrpSpPr>
+      <p:grpSpPr>
+        <a:xfrm>
+          <a:off x="0" y="0"/>
+          <a:ext cx="0" cy="0"/>
+          <a:chOff x="0" y="0"/>
+          <a:chExt cx="0" cy="0"/>
+        </a:xfrm>
+      </p:grpSpPr>
+      <p:sp>
+        <p:nvSpPr>
+          <p:cNvPr id="2" name="Slide Image Placeholder 1"/>
+          <p:cNvSpPr>
+            <a:spLocks noGrp="1" noRot="1" noChangeAspect="1"/>
+          </p:cNvSpPr>
+          <p:nvPr>
+            <p:ph type="sldImg"/>
+          </p:nvPr>
+        </p:nvSpPr>
+        <p:spPr/>
+      </p:sp>
+      <p:sp>
+        <p:nvSpPr>
+          <p:cNvPr id="3" name="Notes Placeholder 2"/>
+          <p:cNvSpPr>
+            <a:spLocks noGrp="1"/>
+          </p:cNvSpPr>
+          <p:nvPr>
+            <p:ph type="body" idx="1"/>
+          </p:nvPr>
+        </p:nvSpPr>
+        <p:spPr/>
+        <p:txBody>
+          <a:bodyPr/>
+          <a:lstStyle/>
+          <a:p>
+            <a:endParaRPr lang="en-US" dirty="0"/>
+          </a:p>
+        </p:txBody>
+      </p:sp>
+      <p:sp>
+        <p:nvSpPr>
+          <p:cNvPr id="4" name="Slide Number Placeholder 3"/>
+          <p:cNvSpPr>
+            <a:spLocks noGrp="1"/>
+          </p:cNvSpPr>
+          <p:nvPr>
+            <p:ph type="sldNum" sz="quarter" idx="5"/>
+          </p:nvPr>
+        </p:nvSpPr>
+        <p:spPr/>
+        <p:txBody>
+          <a:bodyPr/>
+          <a:lstStyle/>
+          <a:p>
+            <a:pPr>
+              <a:defRPr/>
+            </a:pPr>
+            <a:fld id="{00AFC6D0-44D5-4EB7-828F-6F464F83D79A}" type="slidenum">
+              <a:rPr lang="en-GB" smtClean="0"/>
+              <a:pPr>
+                <a:defRPr/>
+              </a:pPr>
+              <a:t>38</a:t>
             </a:fld>
             <a:endParaRPr lang="en-GB"/>
           </a:p>
@@ -26050,7 +26887,7 @@
             <p:ph idx="1"/>
             <p:extLst>
               <p:ext uri="{D42A27DB-BD31-4B8C-83A1-F6EECF244321}">
-                <p14:modId xmlns:p14="http://schemas.microsoft.com/office/powerpoint/2010/main" val="312361149"/>
+                <p14:modId xmlns:p14="http://schemas.microsoft.com/office/powerpoint/2010/main" val="1859758249"/>
               </p:ext>
             </p:extLst>
           </p:nvPr>
@@ -26166,36 +27003,6 @@
       </p:grpSpPr>
       <p:graphicFrame>
         <p:nvGraphicFramePr>
-          <p:cNvPr id="8" name="Inhaltsplatzhalter 5">
-            <a:extLst>
-              <a:ext uri="{FF2B5EF4-FFF2-40B4-BE49-F238E27FC236}">
-                <a16:creationId xmlns:a16="http://schemas.microsoft.com/office/drawing/2014/main" id="{E0ADE26F-FE0B-74C4-ECC8-E87C466C7B24}"/>
-              </a:ext>
-            </a:extLst>
-          </p:cNvPr>
-          <p:cNvGraphicFramePr>
-            <a:graphicFrameLocks/>
-          </p:cNvGraphicFramePr>
-          <p:nvPr>
-            <p:extLst>
-              <p:ext uri="{D42A27DB-BD31-4B8C-83A1-F6EECF244321}">
-                <p14:modId xmlns:p14="http://schemas.microsoft.com/office/powerpoint/2010/main" val="1460315604"/>
-              </p:ext>
-            </p:extLst>
-          </p:nvPr>
-        </p:nvGraphicFramePr>
-        <p:xfrm>
-          <a:off x="4611688" y="1762125"/>
-          <a:ext cx="4214813" cy="4699000"/>
-        </p:xfrm>
-        <a:graphic>
-          <a:graphicData uri="http://schemas.openxmlformats.org/drawingml/2006/chart">
-            <c:chart xmlns:c="http://schemas.openxmlformats.org/drawingml/2006/chart" xmlns:r="http://schemas.openxmlformats.org/officeDocument/2006/relationships" r:id="rId3"/>
-          </a:graphicData>
-        </a:graphic>
-      </p:graphicFrame>
-      <p:graphicFrame>
-        <p:nvGraphicFramePr>
           <p:cNvPr id="6" name="Inhaltsplatzhalter 5"/>
           <p:cNvGraphicFramePr>
             <a:graphicFrameLocks noGrp="1"/>
@@ -26204,18 +27011,18 @@
             <p:ph idx="1"/>
             <p:extLst>
               <p:ext uri="{D42A27DB-BD31-4B8C-83A1-F6EECF244321}">
-                <p14:modId xmlns:p14="http://schemas.microsoft.com/office/powerpoint/2010/main" val="1548245075"/>
+                <p14:modId xmlns:p14="http://schemas.microsoft.com/office/powerpoint/2010/main" val="4160273454"/>
               </p:ext>
             </p:extLst>
           </p:nvPr>
         </p:nvGraphicFramePr>
         <p:xfrm>
           <a:off x="319088" y="1762125"/>
-          <a:ext cx="4214813" cy="4699000"/>
+          <a:ext cx="8509000" cy="4699000"/>
         </p:xfrm>
         <a:graphic>
           <a:graphicData uri="http://schemas.openxmlformats.org/drawingml/2006/chart">
-            <c:chart xmlns:c="http://schemas.openxmlformats.org/drawingml/2006/chart" xmlns:r="http://schemas.openxmlformats.org/officeDocument/2006/relationships" r:id="rId4"/>
+            <c:chart xmlns:c="http://schemas.openxmlformats.org/drawingml/2006/chart" xmlns:r="http://schemas.openxmlformats.org/officeDocument/2006/relationships" r:id="rId3"/>
           </a:graphicData>
         </a:graphic>
       </p:graphicFrame>
@@ -26229,33 +27036,17 @@
             <p:ph type="sldNum" sz="quarter" idx="11"/>
           </p:nvPr>
         </p:nvSpPr>
-        <p:spPr>
-          <a:xfrm>
-            <a:off x="6774934" y="6473313"/>
-            <a:ext cx="2052000" cy="365125"/>
-          </a:xfrm>
-        </p:spPr>
+        <p:spPr/>
         <p:txBody>
-          <a:bodyPr anchor="ctr">
-            <a:normAutofit/>
-          </a:bodyPr>
+          <a:bodyPr/>
           <a:lstStyle/>
           <a:p>
-            <a:pPr>
-              <a:spcAft>
-                <a:spcPts val="600"/>
-              </a:spcAft>
-            </a:pPr>
             <a:fld id="{CE58CB1E-F828-4F11-99E0-327109AF9DA4}" type="slidenum">
               <a:rPr lang="de-DE" smtClean="0"/>
-              <a:pPr>
-                <a:spcAft>
-                  <a:spcPts val="600"/>
-                </a:spcAft>
-              </a:pPr>
+              <a:pPr/>
               <a:t>21</a:t>
             </a:fld>
-            <a:endParaRPr lang="de-DE"/>
+            <a:endParaRPr lang="de-DE" dirty="0"/>
           </a:p>
         </p:txBody>
       </p:sp>
@@ -26269,28 +27060,16 @@
             <p:ph type="ftr" sz="quarter" idx="12"/>
           </p:nvPr>
         </p:nvSpPr>
-        <p:spPr>
-          <a:xfrm>
-            <a:off x="311162" y="6473313"/>
-            <a:ext cx="7829538" cy="384687"/>
-          </a:xfrm>
-        </p:spPr>
+        <p:spPr/>
         <p:txBody>
-          <a:bodyPr anchor="ctr">
-            <a:normAutofit/>
-          </a:bodyPr>
+          <a:bodyPr/>
           <a:lstStyle/>
           <a:p>
-            <a:pPr>
-              <a:spcAft>
-                <a:spcPts val="600"/>
-              </a:spcAft>
-            </a:pPr>
-            <a:r>
-              <a:rPr lang="de-DE"/>
+            <a:r>
+              <a:rPr lang="de-DE" dirty="0"/>
               <a:t>Jonas Fritsch | The Adaptive Radix Tree</a:t>
             </a:r>
-            <a:endParaRPr lang="en-US"/>
+            <a:endParaRPr lang="en-US" dirty="0"/>
           </a:p>
         </p:txBody>
       </p:sp>
@@ -26304,29 +27083,14 @@
             <p:ph type="title"/>
           </p:nvPr>
         </p:nvSpPr>
-        <p:spPr>
-          <a:xfrm>
-            <a:off x="319090" y="994334"/>
-            <a:ext cx="8508999" cy="410369"/>
-          </a:xfrm>
-        </p:spPr>
+        <p:spPr/>
         <p:txBody>
-          <a:bodyPr wrap="square" anchor="t">
-            <a:normAutofit/>
-          </a:bodyPr>
+          <a:bodyPr/>
           <a:lstStyle/>
           <a:p>
             <a:r>
               <a:rPr lang="de-DE" dirty="0"/>
-              <a:t>Performance-Benchmark (</a:t>
-            </a:r>
-            <a:r>
-              <a:rPr lang="de-DE" dirty="0" err="1"/>
-              <a:t>insert</a:t>
-            </a:r>
-            <a:r>
-              <a:rPr lang="de-DE" dirty="0"/>
-              <a:t>)</a:t>
+              <a:t>Memory-Benchmark</a:t>
             </a:r>
           </a:p>
         </p:txBody>
@@ -26334,7 +27098,7 @@
     </p:spTree>
     <p:extLst>
       <p:ext uri="{BB962C8B-B14F-4D97-AF65-F5344CB8AC3E}">
-        <p14:creationId xmlns:p14="http://schemas.microsoft.com/office/powerpoint/2010/main" val="2050750718"/>
+        <p14:creationId xmlns:p14="http://schemas.microsoft.com/office/powerpoint/2010/main" val="2826449699"/>
       </p:ext>
     </p:extLst>
   </p:cSld>
@@ -26376,7 +27140,7 @@
           <p:nvPr>
             <p:extLst>
               <p:ext uri="{D42A27DB-BD31-4B8C-83A1-F6EECF244321}">
-                <p14:modId xmlns:p14="http://schemas.microsoft.com/office/powerpoint/2010/main" val="938162928"/>
+                <p14:modId xmlns:p14="http://schemas.microsoft.com/office/powerpoint/2010/main" val="2644974545"/>
               </p:ext>
             </p:extLst>
           </p:nvPr>
@@ -26401,7 +27165,7 @@
             <p:ph idx="1"/>
             <p:extLst>
               <p:ext uri="{D42A27DB-BD31-4B8C-83A1-F6EECF244321}">
-                <p14:modId xmlns:p14="http://schemas.microsoft.com/office/powerpoint/2010/main" val="3220870810"/>
+                <p14:modId xmlns:p14="http://schemas.microsoft.com/office/powerpoint/2010/main" val="742906861"/>
               </p:ext>
             </p:extLst>
           </p:nvPr>
@@ -26484,10 +27248,10 @@
               </a:spcAft>
             </a:pPr>
             <a:r>
-              <a:rPr lang="de-DE" dirty="0"/>
+              <a:rPr lang="de-DE"/>
               <a:t>Jonas Fritsch | The Adaptive Radix Tree</a:t>
             </a:r>
-            <a:endParaRPr lang="en-US" dirty="0"/>
+            <a:endParaRPr lang="en-US"/>
           </a:p>
         </p:txBody>
       </p:sp>
@@ -26519,7 +27283,7 @@
             </a:r>
             <a:r>
               <a:rPr lang="de-DE" dirty="0" err="1"/>
-              <a:t>search</a:t>
+              <a:t>insert</a:t>
             </a:r>
             <a:r>
               <a:rPr lang="de-DE" dirty="0"/>
@@ -26531,7 +27295,7 @@
     </p:spTree>
     <p:extLst>
       <p:ext uri="{BB962C8B-B14F-4D97-AF65-F5344CB8AC3E}">
-        <p14:creationId xmlns:p14="http://schemas.microsoft.com/office/powerpoint/2010/main" val="2563244191"/>
+        <p14:creationId xmlns:p14="http://schemas.microsoft.com/office/powerpoint/2010/main" val="2050750718"/>
       </p:ext>
     </p:extLst>
   </p:cSld>
@@ -26558,6 +27322,61 @@
           <a:chExt cx="0" cy="0"/>
         </a:xfrm>
       </p:grpSpPr>
+      <p:graphicFrame>
+        <p:nvGraphicFramePr>
+          <p:cNvPr id="8" name="Inhaltsplatzhalter 5">
+            <a:extLst>
+              <a:ext uri="{FF2B5EF4-FFF2-40B4-BE49-F238E27FC236}">
+                <a16:creationId xmlns:a16="http://schemas.microsoft.com/office/drawing/2014/main" id="{E0ADE26F-FE0B-74C4-ECC8-E87C466C7B24}"/>
+              </a:ext>
+            </a:extLst>
+          </p:cNvPr>
+          <p:cNvGraphicFramePr>
+            <a:graphicFrameLocks/>
+          </p:cNvGraphicFramePr>
+          <p:nvPr>
+            <p:extLst>
+              <p:ext uri="{D42A27DB-BD31-4B8C-83A1-F6EECF244321}">
+                <p14:modId xmlns:p14="http://schemas.microsoft.com/office/powerpoint/2010/main" val="3907432366"/>
+              </p:ext>
+            </p:extLst>
+          </p:nvPr>
+        </p:nvGraphicFramePr>
+        <p:xfrm>
+          <a:off x="4611688" y="1762125"/>
+          <a:ext cx="4214813" cy="4699000"/>
+        </p:xfrm>
+        <a:graphic>
+          <a:graphicData uri="http://schemas.openxmlformats.org/drawingml/2006/chart">
+            <c:chart xmlns:c="http://schemas.openxmlformats.org/drawingml/2006/chart" xmlns:r="http://schemas.openxmlformats.org/officeDocument/2006/relationships" r:id="rId3"/>
+          </a:graphicData>
+        </a:graphic>
+      </p:graphicFrame>
+      <p:graphicFrame>
+        <p:nvGraphicFramePr>
+          <p:cNvPr id="6" name="Inhaltsplatzhalter 5"/>
+          <p:cNvGraphicFramePr>
+            <a:graphicFrameLocks noGrp="1"/>
+          </p:cNvGraphicFramePr>
+          <p:nvPr>
+            <p:ph idx="1"/>
+            <p:extLst>
+              <p:ext uri="{D42A27DB-BD31-4B8C-83A1-F6EECF244321}">
+                <p14:modId xmlns:p14="http://schemas.microsoft.com/office/powerpoint/2010/main" val="3302425970"/>
+              </p:ext>
+            </p:extLst>
+          </p:nvPr>
+        </p:nvGraphicFramePr>
+        <p:xfrm>
+          <a:off x="319088" y="1762125"/>
+          <a:ext cx="4214813" cy="4699000"/>
+        </p:xfrm>
+        <a:graphic>
+          <a:graphicData uri="http://schemas.openxmlformats.org/drawingml/2006/chart">
+            <c:chart xmlns:c="http://schemas.openxmlformats.org/drawingml/2006/chart" xmlns:r="http://schemas.openxmlformats.org/officeDocument/2006/relationships" r:id="rId4"/>
+          </a:graphicData>
+        </a:graphic>
+      </p:graphicFrame>
       <p:sp>
         <p:nvSpPr>
           <p:cNvPr id="4" name="Foliennummernplatzhalter 3"/>
@@ -26593,6 +27412,148 @@
                 </a:spcAft>
               </a:pPr>
               <a:t>23</a:t>
+            </a:fld>
+            <a:endParaRPr lang="de-DE"/>
+          </a:p>
+        </p:txBody>
+      </p:sp>
+      <p:sp>
+        <p:nvSpPr>
+          <p:cNvPr id="7" name="Fußzeilenplatzhalter 4"/>
+          <p:cNvSpPr>
+            <a:spLocks noGrp="1"/>
+          </p:cNvSpPr>
+          <p:nvPr>
+            <p:ph type="ftr" sz="quarter" idx="12"/>
+          </p:nvPr>
+        </p:nvSpPr>
+        <p:spPr>
+          <a:xfrm>
+            <a:off x="311162" y="6473313"/>
+            <a:ext cx="7829538" cy="384687"/>
+          </a:xfrm>
+        </p:spPr>
+        <p:txBody>
+          <a:bodyPr anchor="ctr">
+            <a:normAutofit/>
+          </a:bodyPr>
+          <a:lstStyle/>
+          <a:p>
+            <a:pPr>
+              <a:spcAft>
+                <a:spcPts val="600"/>
+              </a:spcAft>
+            </a:pPr>
+            <a:r>
+              <a:rPr lang="de-DE" dirty="0"/>
+              <a:t>Jonas Fritsch | The Adaptive Radix Tree</a:t>
+            </a:r>
+            <a:endParaRPr lang="en-US" dirty="0"/>
+          </a:p>
+        </p:txBody>
+      </p:sp>
+      <p:sp>
+        <p:nvSpPr>
+          <p:cNvPr id="3" name="Titel 2"/>
+          <p:cNvSpPr>
+            <a:spLocks noGrp="1"/>
+          </p:cNvSpPr>
+          <p:nvPr>
+            <p:ph type="title"/>
+          </p:nvPr>
+        </p:nvSpPr>
+        <p:spPr>
+          <a:xfrm>
+            <a:off x="319090" y="994334"/>
+            <a:ext cx="8508999" cy="410369"/>
+          </a:xfrm>
+        </p:spPr>
+        <p:txBody>
+          <a:bodyPr wrap="square" anchor="t">
+            <a:normAutofit/>
+          </a:bodyPr>
+          <a:lstStyle/>
+          <a:p>
+            <a:r>
+              <a:rPr lang="de-DE" dirty="0"/>
+              <a:t>Performance-Benchmark (</a:t>
+            </a:r>
+            <a:r>
+              <a:rPr lang="de-DE" dirty="0" err="1"/>
+              <a:t>search</a:t>
+            </a:r>
+            <a:r>
+              <a:rPr lang="de-DE" dirty="0"/>
+              <a:t>)</a:t>
+            </a:r>
+          </a:p>
+        </p:txBody>
+      </p:sp>
+    </p:spTree>
+    <p:extLst>
+      <p:ext uri="{BB962C8B-B14F-4D97-AF65-F5344CB8AC3E}">
+        <p14:creationId xmlns:p14="http://schemas.microsoft.com/office/powerpoint/2010/main" val="2563244191"/>
+      </p:ext>
+    </p:extLst>
+  </p:cSld>
+  <p:clrMapOvr>
+    <a:masterClrMapping/>
+  </p:clrMapOvr>
+</p:sld>
+</file>
+
+<file path=ppt/slides/slide24.xml><?xml version="1.0" encoding="utf-8"?>
+<p:sld xmlns:a="http://schemas.openxmlformats.org/drawingml/2006/main" xmlns:r="http://schemas.openxmlformats.org/officeDocument/2006/relationships" xmlns:p="http://schemas.openxmlformats.org/presentationml/2006/main">
+  <p:cSld>
+    <p:spTree>
+      <p:nvGrpSpPr>
+        <p:cNvPr id="1" name=""/>
+        <p:cNvGrpSpPr/>
+        <p:nvPr/>
+      </p:nvGrpSpPr>
+      <p:grpSpPr>
+        <a:xfrm>
+          <a:off x="0" y="0"/>
+          <a:ext cx="0" cy="0"/>
+          <a:chOff x="0" y="0"/>
+          <a:chExt cx="0" cy="0"/>
+        </a:xfrm>
+      </p:grpSpPr>
+      <p:sp>
+        <p:nvSpPr>
+          <p:cNvPr id="4" name="Foliennummernplatzhalter 3"/>
+          <p:cNvSpPr>
+            <a:spLocks noGrp="1"/>
+          </p:cNvSpPr>
+          <p:nvPr>
+            <p:ph type="sldNum" sz="quarter" idx="11"/>
+          </p:nvPr>
+        </p:nvSpPr>
+        <p:spPr>
+          <a:xfrm>
+            <a:off x="6774934" y="6473313"/>
+            <a:ext cx="2052000" cy="365125"/>
+          </a:xfrm>
+        </p:spPr>
+        <p:txBody>
+          <a:bodyPr anchor="ctr">
+            <a:normAutofit/>
+          </a:bodyPr>
+          <a:lstStyle/>
+          <a:p>
+            <a:pPr>
+              <a:spcAft>
+                <a:spcPts val="600"/>
+              </a:spcAft>
+            </a:pPr>
+            <a:fld id="{CE58CB1E-F828-4F11-99E0-327109AF9DA4}" type="slidenum">
+              <a:rPr lang="de-DE" smtClean="0"/>
+              <a:pPr>
+                <a:spcAft>
+                  <a:spcPts val="600"/>
+                </a:spcAft>
+              </a:pPr>
+              <a:t>24</a:t>
             </a:fld>
             <a:endParaRPr lang="de-DE"/>
           </a:p>
@@ -26771,7 +27732,7 @@
 </p:sld>
 </file>
 
-<file path=ppt/slides/slide24.xml><?xml version="1.0" encoding="utf-8"?>
+<file path=ppt/slides/slide25.xml><?xml version="1.0" encoding="utf-8"?>
 <p:sld xmlns:a="http://schemas.openxmlformats.org/drawingml/2006/main" xmlns:r="http://schemas.openxmlformats.org/officeDocument/2006/relationships" xmlns:p="http://schemas.openxmlformats.org/presentationml/2006/main">
   <p:cSld>
     <p:spTree>
@@ -26822,7 +27783,7 @@
                   <a:spcPts val="600"/>
                 </a:spcAft>
               </a:pPr>
-              <a:t>24</a:t>
+              <a:t>25</a:t>
             </a:fld>
             <a:endParaRPr lang="de-DE"/>
           </a:p>
@@ -27009,7 +27970,7 @@
 </p:sld>
 </file>
 
-<file path=ppt/slides/slide25.xml><?xml version="1.0" encoding="utf-8"?>
+<file path=ppt/slides/slide26.xml><?xml version="1.0" encoding="utf-8"?>
 <p:sld xmlns:a="http://schemas.openxmlformats.org/drawingml/2006/main" xmlns:r="http://schemas.openxmlformats.org/officeDocument/2006/relationships" xmlns:p="http://schemas.openxmlformats.org/presentationml/2006/main">
   <p:cSld>
     <p:spTree>
@@ -27060,7 +28021,7 @@
                   <a:spcPts val="600"/>
                 </a:spcAft>
               </a:pPr>
-              <a:t>25</a:t>
+              <a:t>26</a:t>
             </a:fld>
             <a:endParaRPr lang="de-DE"/>
           </a:p>
@@ -27231,7 +28192,7 @@
 </p:sld>
 </file>
 
-<file path=ppt/slides/slide26.xml><?xml version="1.0" encoding="utf-8"?>
+<file path=ppt/slides/slide27.xml><?xml version="1.0" encoding="utf-8"?>
 <p:sld xmlns:a="http://schemas.openxmlformats.org/drawingml/2006/main" xmlns:r="http://schemas.openxmlformats.org/officeDocument/2006/relationships" xmlns:p="http://schemas.openxmlformats.org/presentationml/2006/main">
   <p:cSld>
     <p:spTree>
@@ -27282,7 +28243,7 @@
                   <a:spcPts val="600"/>
                 </a:spcAft>
               </a:pPr>
-              <a:t>26</a:t>
+              <a:t>27</a:t>
             </a:fld>
             <a:endParaRPr lang="de-DE"/>
           </a:p>
@@ -27446,7 +28407,7 @@
 </p:sld>
 </file>
 
-<file path=ppt/slides/slide27.xml><?xml version="1.0" encoding="utf-8"?>
+<file path=ppt/slides/slide28.xml><?xml version="1.0" encoding="utf-8"?>
 <p:sld xmlns:a="http://schemas.openxmlformats.org/drawingml/2006/main" xmlns:r="http://schemas.openxmlformats.org/officeDocument/2006/relationships" xmlns:p="http://schemas.openxmlformats.org/presentationml/2006/main">
   <p:cSld>
     <p:spTree>
@@ -28492,7 +29453,7 @@
             <a:fld id="{CE58CB1E-F828-4F11-99E0-327109AF9DA4}" type="slidenum">
               <a:rPr lang="de-DE" smtClean="0"/>
               <a:pPr/>
-              <a:t>27</a:t>
+              <a:t>28</a:t>
             </a:fld>
             <a:endParaRPr lang="de-DE" dirty="0"/>
           </a:p>
@@ -28603,367 +29564,6 @@
     <p:extLst>
       <p:ext uri="{BB962C8B-B14F-4D97-AF65-F5344CB8AC3E}">
         <p14:creationId xmlns:p14="http://schemas.microsoft.com/office/powerpoint/2010/main" val="2950190069"/>
-      </p:ext>
-    </p:extLst>
-  </p:cSld>
-  <p:clrMapOvr>
-    <a:masterClrMapping/>
-  </p:clrMapOvr>
-</p:sld>
-</file>
-
-<file path=ppt/slides/slide28.xml><?xml version="1.0" encoding="utf-8"?>
-<p:sld xmlns:a="http://schemas.openxmlformats.org/drawingml/2006/main" xmlns:r="http://schemas.openxmlformats.org/officeDocument/2006/relationships" xmlns:p="http://schemas.openxmlformats.org/presentationml/2006/main">
-  <p:cSld>
-    <p:spTree>
-      <p:nvGrpSpPr>
-        <p:cNvPr id="1" name=""/>
-        <p:cNvGrpSpPr/>
-        <p:nvPr/>
-      </p:nvGrpSpPr>
-      <p:grpSpPr>
-        <a:xfrm>
-          <a:off x="0" y="0"/>
-          <a:ext cx="0" cy="0"/>
-          <a:chOff x="0" y="0"/>
-          <a:chExt cx="0" cy="0"/>
-        </a:xfrm>
-      </p:grpSpPr>
-      <p:sp>
-        <p:nvSpPr>
-          <p:cNvPr id="4" name="Foliennummernplatzhalter 3"/>
-          <p:cNvSpPr>
-            <a:spLocks noGrp="1"/>
-          </p:cNvSpPr>
-          <p:nvPr>
-            <p:ph type="sldNum" sz="quarter" idx="11"/>
-          </p:nvPr>
-        </p:nvSpPr>
-        <p:spPr/>
-        <p:txBody>
-          <a:bodyPr/>
-          <a:lstStyle/>
-          <a:p>
-            <a:fld id="{CE58CB1E-F828-4F11-99E0-327109AF9DA4}" type="slidenum">
-              <a:rPr lang="de-DE" smtClean="0"/>
-              <a:pPr/>
-              <a:t>28</a:t>
-            </a:fld>
-            <a:endParaRPr lang="de-DE" dirty="0"/>
-          </a:p>
-        </p:txBody>
-      </p:sp>
-      <p:sp>
-        <p:nvSpPr>
-          <p:cNvPr id="10" name="Fußzeilenplatzhalter 4"/>
-          <p:cNvSpPr>
-            <a:spLocks noGrp="1"/>
-          </p:cNvSpPr>
-          <p:nvPr>
-            <p:ph type="ftr" sz="quarter" idx="12"/>
-          </p:nvPr>
-        </p:nvSpPr>
-        <p:spPr/>
-        <p:txBody>
-          <a:bodyPr/>
-          <a:lstStyle/>
-          <a:p>
-            <a:pPr>
-              <a:spcAft>
-                <a:spcPts val="600"/>
-              </a:spcAft>
-            </a:pPr>
-            <a:r>
-              <a:rPr lang="de-DE" dirty="0"/>
-              <a:t>Jonas Fritsch | The Adaptive Radix Tree</a:t>
-            </a:r>
-            <a:endParaRPr lang="en-US" dirty="0"/>
-          </a:p>
-        </p:txBody>
-      </p:sp>
-      <p:sp>
-        <p:nvSpPr>
-          <p:cNvPr id="3" name="Titel 2"/>
-          <p:cNvSpPr>
-            <a:spLocks noGrp="1"/>
-          </p:cNvSpPr>
-          <p:nvPr>
-            <p:ph type="title"/>
-          </p:nvPr>
-        </p:nvSpPr>
-        <p:spPr/>
-        <p:txBody>
-          <a:bodyPr/>
-          <a:lstStyle/>
-          <a:p>
-            <a:r>
-              <a:rPr lang="de-DE" dirty="0"/>
-              <a:t>Summary &amp; </a:t>
-            </a:r>
-            <a:r>
-              <a:rPr lang="de-DE" dirty="0" err="1"/>
-              <a:t>Conclusion</a:t>
-            </a:r>
-            <a:endParaRPr lang="de-DE" dirty="0"/>
-          </a:p>
-        </p:txBody>
-      </p:sp>
-      <p:sp>
-        <p:nvSpPr>
-          <p:cNvPr id="11" name="Inhaltsplatzhalter 1">
-            <a:extLst>
-              <a:ext uri="{FF2B5EF4-FFF2-40B4-BE49-F238E27FC236}">
-                <a16:creationId xmlns:a16="http://schemas.microsoft.com/office/drawing/2014/main" id="{2E134AD9-4D70-D11E-1ED9-97E4A6B605D0}"/>
-              </a:ext>
-            </a:extLst>
-          </p:cNvPr>
-          <p:cNvSpPr>
-            <a:spLocks noGrp="1"/>
-          </p:cNvSpPr>
-          <p:nvPr>
-            <p:ph idx="1"/>
-          </p:nvPr>
-        </p:nvSpPr>
-        <p:spPr>
-          <a:xfrm>
-            <a:off x="319090" y="1762188"/>
-            <a:ext cx="8508999" cy="4699572"/>
-          </a:xfrm>
-        </p:spPr>
-        <p:txBody>
-          <a:bodyPr/>
-          <a:lstStyle/>
-          <a:p>
-            <a:r>
-              <a:rPr b="1" dirty="0"/>
-              <a:t>ART </a:t>
-            </a:r>
-            <a:r>
-              <a:rPr b="1" dirty="0" err="1"/>
-              <a:t>used</a:t>
-            </a:r>
-            <a:r>
-              <a:rPr b="1" dirty="0"/>
-              <a:t> </a:t>
-            </a:r>
-            <a:r>
-              <a:rPr b="1" dirty="0" err="1"/>
-              <a:t>as</a:t>
-            </a:r>
-            <a:r>
-              <a:rPr b="1" dirty="0"/>
-              <a:t> index-</a:t>
-            </a:r>
-            <a:r>
-              <a:rPr b="1" dirty="0" err="1"/>
-              <a:t>structure</a:t>
-            </a:r>
-            <a:r>
-              <a:rPr b="1" dirty="0"/>
-              <a:t> in (at least) </a:t>
-            </a:r>
-            <a:r>
-              <a:rPr b="1" dirty="0" err="1"/>
-              <a:t>HyPer</a:t>
-            </a:r>
-            <a:endParaRPr b="1" dirty="0"/>
-          </a:p>
-          <a:p>
-            <a:endParaRPr lang="de-DE" b="1" dirty="0"/>
-          </a:p>
-          <a:p>
-            <a:r>
-              <a:rPr b="1" dirty="0"/>
-              <a:t>Further </a:t>
-            </a:r>
-            <a:r>
-              <a:rPr b="1" dirty="0" err="1"/>
-              <a:t>research</a:t>
-            </a:r>
-            <a:r>
-              <a:rPr b="1" dirty="0"/>
-              <a:t> </a:t>
-            </a:r>
-            <a:r>
-              <a:rPr b="1" dirty="0" err="1"/>
-              <a:t>being</a:t>
-            </a:r>
-            <a:r>
-              <a:rPr b="1" dirty="0"/>
-              <a:t> </a:t>
-            </a:r>
-            <a:r>
-              <a:rPr b="1" dirty="0" err="1"/>
-              <a:t>done</a:t>
-            </a:r>
-            <a:r>
-              <a:rPr b="1" dirty="0"/>
-              <a:t>:</a:t>
-            </a:r>
-          </a:p>
-          <a:p>
-            <a:pPr marL="285750" indent="-285750">
-              <a:buFont typeface="Arial" panose="020B0604020202020204" pitchFamily="34" charset="0"/>
-              <a:buChar char="•"/>
-            </a:pPr>
-            <a:r>
-              <a:rPr lang="de-DE" dirty="0">
-                <a:hlinkClick r:id="rId2"/>
-              </a:rPr>
-              <a:t>The ART </a:t>
-            </a:r>
-            <a:r>
-              <a:rPr lang="de-DE" dirty="0" err="1">
-                <a:hlinkClick r:id="rId2"/>
-              </a:rPr>
-              <a:t>of</a:t>
-            </a:r>
-            <a:r>
-              <a:rPr lang="de-DE" dirty="0">
-                <a:hlinkClick r:id="rId2"/>
-              </a:rPr>
-              <a:t> </a:t>
-            </a:r>
-            <a:r>
-              <a:rPr lang="de-DE" dirty="0" err="1">
-                <a:hlinkClick r:id="rId2"/>
-              </a:rPr>
-              <a:t>practical</a:t>
-            </a:r>
-            <a:r>
-              <a:rPr lang="de-DE" dirty="0">
-                <a:hlinkClick r:id="rId2"/>
-              </a:rPr>
-              <a:t> </a:t>
-            </a:r>
-            <a:r>
-              <a:rPr lang="de-DE" dirty="0" err="1">
-                <a:hlinkClick r:id="rId2"/>
-              </a:rPr>
-              <a:t>synchronization</a:t>
-            </a:r>
-            <a:r>
-              <a:rPr lang="de-DE" dirty="0">
-                <a:hlinkClick r:id="rId2"/>
-              </a:rPr>
-              <a:t> </a:t>
-            </a:r>
-            <a:r>
-              <a:rPr lang="de-DE" dirty="0"/>
-              <a:t>(</a:t>
-            </a:r>
-            <a:r>
-              <a:rPr lang="de-DE" dirty="0" err="1"/>
-              <a:t>DaMoN</a:t>
-            </a:r>
-            <a:r>
-              <a:rPr lang="de-DE" dirty="0"/>
-              <a:t>, 2016)</a:t>
-            </a:r>
-          </a:p>
-          <a:p>
-            <a:pPr marL="285750" indent="-285750">
-              <a:buFont typeface="Arial" panose="020B0604020202020204" pitchFamily="34" charset="0"/>
-              <a:buChar char="•"/>
-            </a:pPr>
-            <a:r>
-              <a:rPr lang="de-DE" dirty="0">
-                <a:hlinkClick r:id="rId3"/>
-              </a:rPr>
-              <a:t>HOT: A Height </a:t>
-            </a:r>
-            <a:r>
-              <a:rPr lang="de-DE" dirty="0" err="1">
-                <a:hlinkClick r:id="rId3"/>
-              </a:rPr>
-              <a:t>Optimized</a:t>
-            </a:r>
-            <a:r>
-              <a:rPr lang="de-DE" dirty="0">
-                <a:hlinkClick r:id="rId3"/>
-              </a:rPr>
-              <a:t> Trie Index </a:t>
-            </a:r>
-            <a:r>
-              <a:rPr lang="de-DE" dirty="0" err="1">
-                <a:hlinkClick r:id="rId3"/>
-              </a:rPr>
-              <a:t>for</a:t>
-            </a:r>
-            <a:r>
-              <a:rPr lang="de-DE" dirty="0">
-                <a:hlinkClick r:id="rId3"/>
-              </a:rPr>
-              <a:t> Main-Memory Database Systems</a:t>
-            </a:r>
-            <a:r>
-              <a:rPr lang="de-DE" dirty="0"/>
-              <a:t> (SIGMOD, 2018)</a:t>
-            </a:r>
-          </a:p>
-          <a:p>
-            <a:pPr marL="285750" indent="-285750">
-              <a:buFont typeface="Arial" panose="020B0604020202020204" pitchFamily="34" charset="0"/>
-              <a:buChar char="•"/>
-            </a:pPr>
-            <a:r>
-              <a:rPr lang="de-DE" dirty="0">
-                <a:hlinkClick r:id="rId4"/>
-              </a:rPr>
-              <a:t>START – Self-Tuning Adaptive Radix Tree </a:t>
-            </a:r>
-            <a:r>
-              <a:rPr lang="de-DE" dirty="0"/>
-              <a:t>(IEEE, 2020)</a:t>
-            </a:r>
-          </a:p>
-          <a:p>
-            <a:pPr marL="285750" indent="-285750">
-              <a:buFont typeface="Arial" panose="020B0604020202020204" pitchFamily="34" charset="0"/>
-              <a:buChar char="•"/>
-            </a:pPr>
-            <a:r>
-              <a:rPr lang="de-DE" dirty="0"/>
-              <a:t>(Judy Arrays patent </a:t>
-            </a:r>
-            <a:r>
-              <a:rPr lang="de-DE" dirty="0" err="1"/>
-              <a:t>expired</a:t>
-            </a:r>
-            <a:r>
-              <a:rPr lang="de-DE" dirty="0"/>
-              <a:t> </a:t>
-            </a:r>
-            <a:r>
-              <a:rPr lang="de-DE" dirty="0" err="1"/>
-              <a:t>this</a:t>
-            </a:r>
-            <a:r>
-              <a:rPr lang="de-DE" dirty="0"/>
-              <a:t> </a:t>
-            </a:r>
-            <a:r>
-              <a:rPr lang="de-DE" dirty="0" err="1"/>
-              <a:t>year</a:t>
-            </a:r>
-            <a:r>
-              <a:rPr lang="de-DE" dirty="0"/>
-              <a:t>)</a:t>
-            </a:r>
-          </a:p>
-          <a:p>
-            <a:pPr marL="285750" indent="-285750">
-              <a:buFont typeface="Arial" panose="020B0604020202020204" pitchFamily="34" charset="0"/>
-              <a:buChar char="•"/>
-            </a:pPr>
-            <a:endParaRPr dirty="0"/>
-          </a:p>
-        </p:txBody>
-      </p:sp>
-    </p:spTree>
-    <p:extLst>
-      <p:ext uri="{BB962C8B-B14F-4D97-AF65-F5344CB8AC3E}">
-        <p14:creationId xmlns:p14="http://schemas.microsoft.com/office/powerpoint/2010/main" val="14024162"/>
       </p:ext>
     </p:extLst>
   </p:cSld>
@@ -29000,11 +29600,7 @@
             <p:ph type="sldNum" sz="quarter" idx="11"/>
           </p:nvPr>
         </p:nvSpPr>
-        <p:spPr>
-          <a:prstGeom prst="rect">
-            <a:avLst/>
-          </a:prstGeom>
-        </p:spPr>
+        <p:spPr/>
         <p:txBody>
           <a:bodyPr/>
           <a:lstStyle/>
@@ -29020,7 +29616,7 @@
       </p:sp>
       <p:sp>
         <p:nvSpPr>
-          <p:cNvPr id="6" name="Fußzeilenplatzhalter 4"/>
+          <p:cNvPr id="10" name="Fußzeilenplatzhalter 4"/>
           <p:cNvSpPr>
             <a:spLocks noGrp="1"/>
           </p:cNvSpPr>
@@ -29033,6 +29629,11 @@
           <a:bodyPr/>
           <a:lstStyle/>
           <a:p>
+            <a:pPr>
+              <a:spcAft>
+                <a:spcPts val="600"/>
+              </a:spcAft>
+            </a:pPr>
             <a:r>
               <a:rPr lang="de-DE" dirty="0"/>
               <a:t>Jonas Fritsch | The Adaptive Radix Tree</a:t>
@@ -29051,37 +29652,29 @@
             <p:ph type="title"/>
           </p:nvPr>
         </p:nvSpPr>
-        <p:spPr>
-          <a:prstGeom prst="rect">
-            <a:avLst/>
-          </a:prstGeom>
-        </p:spPr>
+        <p:spPr/>
         <p:txBody>
           <a:bodyPr/>
           <a:lstStyle/>
           <a:p>
             <a:r>
-              <a:rPr sz="3000" dirty="0"/>
-              <a:t>ART </a:t>
-            </a:r>
-            <a:r>
-              <a:rPr lang="de-DE" sz="3000" dirty="0"/>
-              <a:t>–</a:t>
-            </a:r>
-            <a:r>
-              <a:rPr sz="3000" dirty="0"/>
-              <a:t> Leaf Nodes</a:t>
-            </a:r>
-            <a:endParaRPr lang="de-DE" sz="3000" dirty="0"/>
+              <a:rPr lang="de-DE" dirty="0"/>
+              <a:t>Summary &amp; </a:t>
+            </a:r>
+            <a:r>
+              <a:rPr lang="de-DE" dirty="0" err="1"/>
+              <a:t>Conclusion</a:t>
+            </a:r>
+            <a:endParaRPr lang="de-DE" dirty="0"/>
           </a:p>
         </p:txBody>
       </p:sp>
       <p:sp>
         <p:nvSpPr>
-          <p:cNvPr id="7" name="Inhaltsplatzhalter 1">
+          <p:cNvPr id="11" name="Inhaltsplatzhalter 1">
             <a:extLst>
               <a:ext uri="{FF2B5EF4-FFF2-40B4-BE49-F238E27FC236}">
-                <a16:creationId xmlns:a16="http://schemas.microsoft.com/office/drawing/2014/main" id="{39E026B4-457A-F216-0A86-D12F37A57423}"/>
+                <a16:creationId xmlns:a16="http://schemas.microsoft.com/office/drawing/2014/main" id="{2E134AD9-4D70-D11E-1ED9-97E4A6B605D0}"/>
               </a:ext>
             </a:extLst>
           </p:cNvPr>
@@ -29104,11 +29697,11 @@
           <a:p>
             <a:r>
               <a:rPr b="1" dirty="0"/>
-              <a:t>Single-</a:t>
+              <a:t>ART </a:t>
             </a:r>
             <a:r>
               <a:rPr b="1" dirty="0" err="1"/>
-              <a:t>value</a:t>
+              <a:t>used</a:t>
             </a:r>
             <a:r>
               <a:rPr b="1" dirty="0"/>
@@ -29116,7 +29709,53 @@
             </a:r>
             <a:r>
               <a:rPr b="1" dirty="0" err="1"/>
-              <a:t>leaves</a:t>
+              <a:t>as</a:t>
+            </a:r>
+            <a:r>
+              <a:rPr b="1" dirty="0"/>
+              <a:t> index-</a:t>
+            </a:r>
+            <a:r>
+              <a:rPr b="1" dirty="0" err="1"/>
+              <a:t>structure</a:t>
+            </a:r>
+            <a:r>
+              <a:rPr b="1" dirty="0"/>
+              <a:t> in (at least) </a:t>
+            </a:r>
+            <a:r>
+              <a:rPr b="1" dirty="0" err="1"/>
+              <a:t>HyPer</a:t>
+            </a:r>
+            <a:endParaRPr b="1" dirty="0"/>
+          </a:p>
+          <a:p>
+            <a:endParaRPr lang="de-DE" b="1" dirty="0"/>
+          </a:p>
+          <a:p>
+            <a:r>
+              <a:rPr b="1" dirty="0"/>
+              <a:t>Further </a:t>
+            </a:r>
+            <a:r>
+              <a:rPr b="1" dirty="0" err="1"/>
+              <a:t>research</a:t>
+            </a:r>
+            <a:r>
+              <a:rPr b="1" dirty="0"/>
+              <a:t> </a:t>
+            </a:r>
+            <a:r>
+              <a:rPr b="1" dirty="0" err="1"/>
+              <a:t>being</a:t>
+            </a:r>
+            <a:r>
+              <a:rPr b="1" dirty="0"/>
+              <a:t> </a:t>
+            </a:r>
+            <a:r>
+              <a:rPr b="1" dirty="0" err="1"/>
+              <a:t>done</a:t>
             </a:r>
             <a:r>
               <a:rPr b="1" dirty="0"/>
@@ -29124,29 +29763,141 @@
             </a:r>
           </a:p>
           <a:p>
-            <a:r>
-              <a:rPr lang="de-DE" dirty="0"/>
-              <a:t>Use extra </a:t>
-            </a:r>
-            <a:r>
-              <a:rPr lang="de-DE" dirty="0" err="1"/>
-              <a:t>node</a:t>
-            </a:r>
-            <a:r>
-              <a:rPr lang="de-DE" dirty="0"/>
-              <a:t> type </a:t>
-            </a:r>
-            <a:r>
-              <a:rPr lang="de-DE" dirty="0" err="1"/>
+            <a:pPr marL="285750" indent="-285750">
+              <a:buFont typeface="Arial" panose="020B0604020202020204" pitchFamily="34" charset="0"/>
+              <a:buChar char="•"/>
+            </a:pPr>
+            <a:r>
+              <a:rPr lang="de-DE" dirty="0">
+                <a:hlinkClick r:id="rId2"/>
+              </a:rPr>
+              <a:t>The ART </a:t>
+            </a:r>
+            <a:r>
+              <a:rPr lang="de-DE" dirty="0" err="1">
+                <a:hlinkClick r:id="rId2"/>
+              </a:rPr>
+              <a:t>of</a:t>
+            </a:r>
+            <a:r>
+              <a:rPr lang="de-DE" dirty="0">
+                <a:hlinkClick r:id="rId2"/>
+              </a:rPr>
+              <a:t> </a:t>
+            </a:r>
+            <a:r>
+              <a:rPr lang="de-DE" dirty="0" err="1">
+                <a:hlinkClick r:id="rId2"/>
+              </a:rPr>
+              <a:t>practical</a:t>
+            </a:r>
+            <a:r>
+              <a:rPr lang="de-DE" dirty="0">
+                <a:hlinkClick r:id="rId2"/>
+              </a:rPr>
+              <a:t> </a:t>
+            </a:r>
+            <a:r>
+              <a:rPr lang="de-DE" dirty="0" err="1">
+                <a:hlinkClick r:id="rId2"/>
+              </a:rPr>
+              <a:t>synchronization</a:t>
+            </a:r>
+            <a:r>
+              <a:rPr lang="de-DE" dirty="0">
+                <a:hlinkClick r:id="rId2"/>
+              </a:rPr>
+              <a:t> </a:t>
+            </a:r>
+            <a:r>
+              <a:rPr lang="de-DE" dirty="0"/>
+              <a:t>(</a:t>
+            </a:r>
+            <a:r>
+              <a:rPr lang="de-DE" dirty="0" err="1"/>
+              <a:t>DaMoN</a:t>
+            </a:r>
+            <a:r>
+              <a:rPr lang="de-DE" dirty="0"/>
+              <a:t>, 2016)</a:t>
+            </a:r>
+          </a:p>
+          <a:p>
+            <a:pPr marL="285750" indent="-285750">
+              <a:buFont typeface="Arial" panose="020B0604020202020204" pitchFamily="34" charset="0"/>
+              <a:buChar char="•"/>
+            </a:pPr>
+            <a:r>
+              <a:rPr lang="de-DE" dirty="0">
+                <a:hlinkClick r:id="rId3"/>
+              </a:rPr>
+              <a:t>HOT: A Height </a:t>
+            </a:r>
+            <a:r>
+              <a:rPr lang="de-DE" dirty="0" err="1">
+                <a:hlinkClick r:id="rId3"/>
+              </a:rPr>
+              <a:t>Optimized</a:t>
+            </a:r>
+            <a:r>
+              <a:rPr lang="de-DE" dirty="0">
+                <a:hlinkClick r:id="rId3"/>
+              </a:rPr>
+              <a:t> Trie Index </a:t>
+            </a:r>
+            <a:r>
+              <a:rPr lang="de-DE" dirty="0" err="1">
+                <a:hlinkClick r:id="rId3"/>
+              </a:rPr>
               <a:t>for</a:t>
             </a:r>
             <a:r>
+              <a:rPr lang="de-DE" dirty="0">
+                <a:hlinkClick r:id="rId3"/>
+              </a:rPr>
+              <a:t> Main-Memory Database Systems</a:t>
+            </a:r>
+            <a:r>
+              <a:rPr lang="de-DE" dirty="0"/>
+              <a:t> (SIGMOD, 2018)</a:t>
+            </a:r>
+          </a:p>
+          <a:p>
+            <a:pPr marL="285750" indent="-285750">
+              <a:buFont typeface="Arial" panose="020B0604020202020204" pitchFamily="34" charset="0"/>
+              <a:buChar char="•"/>
+            </a:pPr>
+            <a:r>
+              <a:rPr lang="de-DE" dirty="0">
+                <a:hlinkClick r:id="rId4"/>
+              </a:rPr>
+              <a:t>START – Self-Tuning Adaptive Radix Tree </a:t>
+            </a:r>
+            <a:r>
+              <a:rPr lang="de-DE" dirty="0"/>
+              <a:t>(IEEE, 2020)</a:t>
+            </a:r>
+          </a:p>
+          <a:p>
+            <a:pPr marL="285750" indent="-285750">
+              <a:buFont typeface="Arial" panose="020B0604020202020204" pitchFamily="34" charset="0"/>
+              <a:buChar char="•"/>
+            </a:pPr>
+            <a:r>
+              <a:rPr lang="de-DE" dirty="0"/>
+              <a:t>(Judy Arrays patent </a:t>
+            </a:r>
+            <a:r>
+              <a:rPr lang="de-DE" dirty="0" err="1"/>
+              <a:t>expired</a:t>
+            </a:r>
+            <a:r>
               <a:rPr lang="de-DE" dirty="0"/>
               <a:t> </a:t>
             </a:r>
             <a:r>
               <a:rPr lang="de-DE" dirty="0" err="1"/>
-              <a:t>leaves</a:t>
+              <a:t>this</a:t>
             </a:r>
             <a:r>
               <a:rPr lang="de-DE" dirty="0"/>
@@ -29154,276 +29905,18 @@
             </a:r>
             <a:r>
               <a:rPr lang="de-DE" dirty="0" err="1"/>
-              <a:t>storing</a:t>
-            </a:r>
-            <a:r>
-              <a:rPr lang="de-DE" dirty="0"/>
-              <a:t> </a:t>
-            </a:r>
-            <a:r>
-              <a:rPr lang="de-DE" dirty="0" err="1"/>
-              <a:t>one</a:t>
-            </a:r>
-            <a:r>
-              <a:rPr lang="de-DE" dirty="0"/>
-              <a:t> </a:t>
-            </a:r>
-            <a:r>
-              <a:rPr lang="de-DE" dirty="0" err="1"/>
-              <a:t>value</a:t>
-            </a:r>
-            <a:endParaRPr lang="de-DE" dirty="0"/>
-          </a:p>
-          <a:p>
-            <a:endParaRPr lang="de-DE" dirty="0"/>
-          </a:p>
-          <a:p>
-            <a:r>
-              <a:rPr lang="de-DE" b="1" dirty="0"/>
-              <a:t>Multi-</a:t>
-            </a:r>
-            <a:r>
-              <a:rPr lang="de-DE" b="1" dirty="0" err="1"/>
-              <a:t>value</a:t>
-            </a:r>
-            <a:r>
-              <a:rPr lang="de-DE" b="1" dirty="0"/>
-              <a:t> </a:t>
-            </a:r>
-            <a:r>
-              <a:rPr lang="de-DE" b="1" dirty="0" err="1"/>
-              <a:t>leaves</a:t>
-            </a:r>
-            <a:r>
-              <a:rPr lang="de-DE" b="1" dirty="0"/>
-              <a:t>:</a:t>
-            </a:r>
-          </a:p>
-          <a:p>
-            <a:r>
-              <a:rPr lang="de-DE" dirty="0" err="1"/>
-              <a:t>If</a:t>
-            </a:r>
-            <a:r>
-              <a:rPr lang="de-DE" dirty="0"/>
-              <a:t> </a:t>
-            </a:r>
-            <a:r>
-              <a:rPr lang="de-DE" dirty="0" err="1"/>
-              <a:t>value</a:t>
-            </a:r>
-            <a:r>
-              <a:rPr lang="de-DE" dirty="0"/>
-              <a:t> </a:t>
-            </a:r>
-            <a:r>
-              <a:rPr lang="de-DE" dirty="0" err="1"/>
-              <a:t>fits</a:t>
-            </a:r>
-            <a:r>
-              <a:rPr lang="de-DE" dirty="0"/>
-              <a:t> </a:t>
-            </a:r>
-            <a:r>
-              <a:rPr lang="de-DE" dirty="0" err="1"/>
-              <a:t>into</a:t>
-            </a:r>
-            <a:r>
-              <a:rPr lang="de-DE" dirty="0"/>
-              <a:t> 64 </a:t>
-            </a:r>
-            <a:r>
-              <a:rPr lang="de-DE" dirty="0" err="1"/>
-              <a:t>bit</a:t>
-            </a:r>
-            <a:r>
-              <a:rPr lang="de-DE" dirty="0"/>
-              <a:t> (</a:t>
-            </a:r>
-            <a:r>
-              <a:rPr lang="de-DE" dirty="0" err="1"/>
-              <a:t>size</a:t>
-            </a:r>
-            <a:r>
-              <a:rPr lang="de-DE" dirty="0"/>
-              <a:t> </a:t>
-            </a:r>
-            <a:r>
-              <a:rPr lang="de-DE" dirty="0" err="1"/>
-              <a:t>of</a:t>
-            </a:r>
-            <a:r>
-              <a:rPr lang="de-DE" dirty="0"/>
-              <a:t> a </a:t>
-            </a:r>
-            <a:r>
-              <a:rPr lang="de-DE" dirty="0" err="1"/>
-              <a:t>pointer</a:t>
-            </a:r>
-            <a:r>
-              <a:rPr lang="de-DE" dirty="0"/>
-              <a:t>), just </a:t>
-            </a:r>
-            <a:r>
-              <a:rPr lang="de-DE" dirty="0" err="1"/>
-              <a:t>store</a:t>
-            </a:r>
-            <a:r>
-              <a:rPr lang="de-DE" dirty="0"/>
-              <a:t> </a:t>
-            </a:r>
-            <a:r>
-              <a:rPr lang="de-DE" dirty="0" err="1"/>
-              <a:t>it</a:t>
-            </a:r>
-            <a:r>
-              <a:rPr lang="de-DE" dirty="0"/>
-              <a:t> in </a:t>
-            </a:r>
-            <a:r>
-              <a:rPr lang="de-DE" dirty="0" err="1"/>
-              <a:t>pointer</a:t>
-            </a:r>
-            <a:r>
-              <a:rPr lang="de-DE" dirty="0"/>
-              <a:t> </a:t>
-            </a:r>
-            <a:r>
-              <a:rPr lang="de-DE" dirty="0" err="1"/>
-              <a:t>arrays</a:t>
-            </a:r>
-            <a:r>
-              <a:rPr lang="de-DE" dirty="0"/>
-              <a:t> </a:t>
-            </a:r>
-            <a:r>
-              <a:rPr lang="de-DE" dirty="0" err="1"/>
-              <a:t>of</a:t>
-            </a:r>
-            <a:r>
-              <a:rPr lang="de-DE" dirty="0"/>
-              <a:t> </a:t>
-            </a:r>
-            <a:r>
-              <a:rPr lang="de-DE" dirty="0" err="1"/>
-              <a:t>inner</a:t>
-            </a:r>
-            <a:r>
-              <a:rPr lang="de-DE" dirty="0"/>
-              <a:t> </a:t>
-            </a:r>
-            <a:r>
-              <a:rPr lang="de-DE" dirty="0" err="1"/>
-              <a:t>nodes</a:t>
-            </a:r>
-            <a:r>
-              <a:rPr lang="de-DE" dirty="0"/>
-              <a:t> </a:t>
-            </a:r>
-            <a:r>
-              <a:rPr lang="de-DE" dirty="0" err="1"/>
-              <a:t>instead</a:t>
-            </a:r>
-            <a:r>
-              <a:rPr lang="de-DE" dirty="0"/>
-              <a:t> </a:t>
-            </a:r>
-            <a:r>
-              <a:rPr lang="de-DE" dirty="0" err="1"/>
-              <a:t>of</a:t>
-            </a:r>
-            <a:r>
-              <a:rPr lang="de-DE" dirty="0"/>
-              <a:t> </a:t>
-            </a:r>
-            <a:r>
-              <a:rPr lang="de-DE" dirty="0" err="1"/>
-              <a:t>the</a:t>
-            </a:r>
-            <a:r>
-              <a:rPr lang="de-DE" dirty="0"/>
-              <a:t> </a:t>
-            </a:r>
-            <a:r>
-              <a:rPr lang="de-DE" dirty="0" err="1"/>
-              <a:t>pointer</a:t>
-            </a:r>
-            <a:r>
-              <a:rPr lang="de-DE" dirty="0"/>
-              <a:t> (</a:t>
-            </a:r>
-            <a:r>
-              <a:rPr lang="de-DE" dirty="0" err="1"/>
-              <a:t>use</a:t>
-            </a:r>
-            <a:r>
-              <a:rPr lang="de-DE" dirty="0"/>
-              <a:t> 1 </a:t>
-            </a:r>
-            <a:r>
-              <a:rPr lang="de-DE" dirty="0" err="1"/>
-              <a:t>bit</a:t>
-            </a:r>
-            <a:r>
-              <a:rPr lang="de-DE" dirty="0"/>
-              <a:t> </a:t>
-            </a:r>
-            <a:r>
-              <a:rPr lang="de-DE" dirty="0" err="1"/>
-              <a:t>or</a:t>
-            </a:r>
-            <a:r>
-              <a:rPr lang="de-DE" dirty="0"/>
-              <a:t> </a:t>
-            </a:r>
-            <a:r>
-              <a:rPr lang="de-DE" dirty="0" err="1"/>
-              <a:t>pointer</a:t>
-            </a:r>
-            <a:r>
-              <a:rPr lang="de-DE" dirty="0"/>
-              <a:t> </a:t>
-            </a:r>
-            <a:r>
-              <a:rPr lang="de-DE" dirty="0" err="1"/>
-              <a:t>tagging</a:t>
-            </a:r>
-            <a:r>
-              <a:rPr lang="de-DE" dirty="0"/>
-              <a:t> </a:t>
-            </a:r>
-            <a:r>
-              <a:rPr lang="de-DE" dirty="0" err="1"/>
-              <a:t>to</a:t>
-            </a:r>
-            <a:r>
-              <a:rPr lang="de-DE" dirty="0"/>
-              <a:t> </a:t>
-            </a:r>
-            <a:r>
-              <a:rPr lang="de-DE" dirty="0" err="1"/>
-              <a:t>distinguish</a:t>
-            </a:r>
-            <a:r>
-              <a:rPr lang="de-DE" dirty="0"/>
-              <a:t> </a:t>
-            </a:r>
-            <a:r>
-              <a:rPr lang="de-DE" dirty="0" err="1"/>
-              <a:t>pointers</a:t>
-            </a:r>
-            <a:r>
-              <a:rPr lang="de-DE" dirty="0"/>
-              <a:t> and </a:t>
-            </a:r>
-            <a:r>
-              <a:rPr lang="de-DE" dirty="0" err="1"/>
-              <a:t>values</a:t>
+              <a:t>year</a:t>
             </a:r>
             <a:r>
               <a:rPr lang="de-DE" dirty="0"/>
               <a:t>)</a:t>
             </a:r>
+          </a:p>
+          <a:p>
+            <a:pPr marL="285750" indent="-285750">
+              <a:buFont typeface="Arial" panose="020B0604020202020204" pitchFamily="34" charset="0"/>
+              <a:buChar char="•"/>
+            </a:pPr>
             <a:endParaRPr dirty="0"/>
           </a:p>
         </p:txBody>
@@ -29431,7 +29924,7 @@
     </p:spTree>
     <p:extLst>
       <p:ext uri="{BB962C8B-B14F-4D97-AF65-F5344CB8AC3E}">
-        <p14:creationId xmlns:p14="http://schemas.microsoft.com/office/powerpoint/2010/main" val="3261259584"/>
+        <p14:creationId xmlns:p14="http://schemas.microsoft.com/office/powerpoint/2010/main" val="14024162"/>
       </p:ext>
     </p:extLst>
   </p:cSld>
@@ -29740,11 +30233,7 @@
             </a:r>
             <a:r>
               <a:rPr sz="3000" dirty="0"/>
-              <a:t> Implementation </a:t>
-            </a:r>
-            <a:r>
-              <a:rPr sz="3000" dirty="0" err="1"/>
-              <a:t>Specifics</a:t>
+              <a:t> Leaf Nodes</a:t>
             </a:r>
             <a:endParaRPr lang="de-DE" sz="3000" dirty="0"/>
           </a:p>
@@ -29777,568 +30266,335 @@
           <a:lstStyle/>
           <a:p>
             <a:r>
-              <a:rPr dirty="0"/>
-              <a:t>ART </a:t>
-            </a:r>
-            <a:r>
-              <a:rPr dirty="0" err="1"/>
-              <a:t>implementation</a:t>
-            </a:r>
-            <a:r>
-              <a:rPr dirty="0"/>
+              <a:rPr b="1" dirty="0"/>
+              <a:t>Single-</a:t>
+            </a:r>
+            <a:r>
+              <a:rPr b="1" dirty="0" err="1"/>
+              <a:t>value</a:t>
+            </a:r>
+            <a:r>
+              <a:rPr b="1" dirty="0"/>
               <a:t> </a:t>
             </a:r>
             <a:r>
-              <a:rPr dirty="0" err="1"/>
+              <a:rPr b="1" dirty="0" err="1"/>
+              <a:t>leaves</a:t>
+            </a:r>
+            <a:r>
+              <a:rPr b="1" dirty="0"/>
+              <a:t>:</a:t>
+            </a:r>
+          </a:p>
+          <a:p>
+            <a:r>
+              <a:rPr lang="de-DE" dirty="0"/>
+              <a:t>Use extra </a:t>
+            </a:r>
+            <a:r>
+              <a:rPr lang="de-DE" dirty="0" err="1"/>
+              <a:t>node</a:t>
+            </a:r>
+            <a:r>
+              <a:rPr lang="de-DE" dirty="0"/>
+              <a:t> type </a:t>
+            </a:r>
+            <a:r>
+              <a:rPr lang="de-DE" dirty="0" err="1"/>
               <a:t>for</a:t>
             </a:r>
             <a:r>
-              <a:rPr dirty="0"/>
+              <a:rPr lang="de-DE" dirty="0"/>
               <a:t> </a:t>
             </a:r>
             <a:r>
-              <a:rPr dirty="0" err="1"/>
+              <a:rPr lang="de-DE" dirty="0" err="1"/>
+              <a:t>leaves</a:t>
+            </a:r>
+            <a:r>
+              <a:rPr lang="de-DE" dirty="0"/>
+              <a:t> </a:t>
+            </a:r>
+            <a:r>
+              <a:rPr lang="de-DE" dirty="0" err="1"/>
               <a:t>storing</a:t>
             </a:r>
             <a:r>
-              <a:rPr dirty="0"/>
-              <a:t> 32 </a:t>
-            </a:r>
-            <a:r>
-              <a:rPr dirty="0" err="1"/>
+              <a:rPr lang="de-DE" dirty="0"/>
+              <a:t> </a:t>
+            </a:r>
+            <a:r>
+              <a:rPr lang="de-DE" dirty="0" err="1"/>
+              <a:t>one</a:t>
+            </a:r>
+            <a:r>
+              <a:rPr lang="de-DE" dirty="0"/>
+              <a:t> </a:t>
+            </a:r>
+            <a:r>
+              <a:rPr lang="de-DE" dirty="0" err="1"/>
+              <a:t>value</a:t>
+            </a:r>
+            <a:endParaRPr lang="de-DE" dirty="0"/>
+          </a:p>
+          <a:p>
+            <a:endParaRPr lang="de-DE" dirty="0"/>
+          </a:p>
+          <a:p>
+            <a:r>
+              <a:rPr lang="de-DE" b="1" dirty="0"/>
+              <a:t>Multi-</a:t>
+            </a:r>
+            <a:r>
+              <a:rPr lang="de-DE" b="1" dirty="0" err="1"/>
+              <a:t>value</a:t>
+            </a:r>
+            <a:r>
+              <a:rPr lang="de-DE" b="1" dirty="0"/>
+              <a:t> </a:t>
+            </a:r>
+            <a:r>
+              <a:rPr lang="de-DE" b="1" dirty="0" err="1"/>
+              <a:t>leaves</a:t>
+            </a:r>
+            <a:r>
+              <a:rPr lang="de-DE" b="1" dirty="0"/>
+              <a:t>:</a:t>
+            </a:r>
+          </a:p>
+          <a:p>
+            <a:r>
+              <a:rPr lang="de-DE" dirty="0" err="1"/>
+              <a:t>If</a:t>
+            </a:r>
+            <a:r>
+              <a:rPr lang="de-DE" dirty="0"/>
+              <a:t> </a:t>
+            </a:r>
+            <a:r>
+              <a:rPr lang="de-DE" dirty="0" err="1"/>
+              <a:t>value</a:t>
+            </a:r>
+            <a:r>
+              <a:rPr lang="de-DE" dirty="0"/>
+              <a:t> </a:t>
+            </a:r>
+            <a:r>
+              <a:rPr lang="de-DE" dirty="0" err="1"/>
+              <a:t>fits</a:t>
+            </a:r>
+            <a:r>
+              <a:rPr lang="de-DE" dirty="0"/>
+              <a:t> </a:t>
+            </a:r>
+            <a:r>
+              <a:rPr lang="de-DE" dirty="0" err="1"/>
+              <a:t>into</a:t>
+            </a:r>
+            <a:r>
+              <a:rPr lang="de-DE" dirty="0"/>
+              <a:t> 64 </a:t>
+            </a:r>
+            <a:r>
+              <a:rPr lang="de-DE" dirty="0" err="1"/>
               <a:t>bit</a:t>
             </a:r>
             <a:r>
-              <a:rPr dirty="0"/>
+              <a:rPr lang="de-DE" dirty="0"/>
+              <a:t> (</a:t>
+            </a:r>
+            <a:r>
+              <a:rPr lang="de-DE" dirty="0" err="1"/>
+              <a:t>size</a:t>
+            </a:r>
+            <a:r>
+              <a:rPr lang="de-DE" dirty="0"/>
               <a:t> </a:t>
             </a:r>
             <a:r>
-              <a:rPr dirty="0" err="1"/>
-              <a:t>keys</a:t>
-            </a:r>
-            <a:r>
-              <a:rPr dirty="0"/>
+              <a:rPr lang="de-DE" dirty="0" err="1"/>
+              <a:t>of</a:t>
+            </a:r>
+            <a:r>
+              <a:rPr lang="de-DE" dirty="0"/>
+              <a:t> a </a:t>
+            </a:r>
+            <a:r>
+              <a:rPr lang="de-DE" dirty="0" err="1"/>
+              <a:t>pointer</a:t>
+            </a:r>
+            <a:r>
+              <a:rPr lang="de-DE" dirty="0"/>
+              <a:t>), just </a:t>
+            </a:r>
+            <a:r>
+              <a:rPr lang="de-DE" dirty="0" err="1"/>
+              <a:t>store</a:t>
+            </a:r>
+            <a:r>
+              <a:rPr lang="de-DE" dirty="0"/>
+              <a:t> </a:t>
+            </a:r>
+            <a:r>
+              <a:rPr lang="de-DE" dirty="0" err="1"/>
+              <a:t>it</a:t>
+            </a:r>
+            <a:r>
+              <a:rPr lang="de-DE" dirty="0"/>
+              <a:t> in </a:t>
+            </a:r>
+            <a:r>
+              <a:rPr lang="de-DE" dirty="0" err="1"/>
+              <a:t>pointer</a:t>
+            </a:r>
+            <a:r>
+              <a:rPr lang="de-DE" dirty="0"/>
+              <a:t> </a:t>
+            </a:r>
+            <a:r>
+              <a:rPr lang="de-DE" dirty="0" err="1"/>
+              <a:t>arrays</a:t>
+            </a:r>
+            <a:r>
+              <a:rPr lang="de-DE" dirty="0"/>
+              <a:t> </a:t>
+            </a:r>
+            <a:r>
+              <a:rPr lang="de-DE" dirty="0" err="1"/>
+              <a:t>of</a:t>
+            </a:r>
+            <a:r>
+              <a:rPr lang="de-DE" dirty="0"/>
+              <a:t> </a:t>
+            </a:r>
+            <a:r>
+              <a:rPr lang="de-DE" dirty="0" err="1"/>
+              <a:t>inner</a:t>
+            </a:r>
+            <a:r>
+              <a:rPr lang="de-DE" dirty="0"/>
+              <a:t> </a:t>
+            </a:r>
+            <a:r>
+              <a:rPr lang="de-DE" dirty="0" err="1"/>
+              <a:t>nodes</a:t>
+            </a:r>
+            <a:r>
+              <a:rPr lang="de-DE" dirty="0"/>
+              <a:t> </a:t>
+            </a:r>
+            <a:r>
+              <a:rPr lang="de-DE" dirty="0" err="1"/>
+              <a:t>instead</a:t>
+            </a:r>
+            <a:r>
+              <a:rPr lang="de-DE" dirty="0"/>
+              <a:t> </a:t>
+            </a:r>
+            <a:r>
+              <a:rPr lang="de-DE" dirty="0" err="1"/>
+              <a:t>of</a:t>
+            </a:r>
+            <a:r>
+              <a:rPr lang="de-DE" dirty="0"/>
+              <a:t> </a:t>
+            </a:r>
+            <a:r>
+              <a:rPr lang="de-DE" dirty="0" err="1"/>
+              <a:t>the</a:t>
+            </a:r>
+            <a:r>
+              <a:rPr lang="de-DE" dirty="0"/>
+              <a:t> </a:t>
+            </a:r>
+            <a:r>
+              <a:rPr lang="de-DE" dirty="0" err="1"/>
+              <a:t>pointer</a:t>
+            </a:r>
+            <a:r>
+              <a:rPr lang="de-DE" dirty="0"/>
               <a:t> (</a:t>
             </a:r>
             <a:r>
-              <a:rPr dirty="0" err="1"/>
-              <a:t>no</a:t>
-            </a:r>
-            <a:r>
-              <a:rPr dirty="0"/>
+              <a:rPr lang="de-DE" dirty="0" err="1"/>
+              <a:t>use</a:t>
+            </a:r>
+            <a:r>
+              <a:rPr lang="de-DE" dirty="0"/>
+              <a:t> 1 </a:t>
+            </a:r>
+            <a:r>
+              <a:rPr lang="de-DE" dirty="0" err="1"/>
+              <a:t>bit</a:t>
+            </a:r>
+            <a:r>
+              <a:rPr lang="de-DE" dirty="0"/>
               <a:t> </a:t>
             </a:r>
             <a:r>
-              <a:rPr dirty="0" err="1"/>
-              <a:t>path</a:t>
-            </a:r>
-            <a:r>
-              <a:rPr dirty="0"/>
+              <a:rPr lang="de-DE" dirty="0" err="1"/>
+              <a:t>or</a:t>
+            </a:r>
+            <a:r>
+              <a:rPr lang="de-DE" dirty="0"/>
               <a:t> </a:t>
             </a:r>
             <a:r>
-              <a:rPr dirty="0" err="1"/>
-              <a:t>compression</a:t>
-            </a:r>
-            <a:r>
-              <a:rPr dirty="0"/>
+              <a:rPr lang="de-DE" dirty="0" err="1"/>
+              <a:t>pointer</a:t>
+            </a:r>
+            <a:r>
+              <a:rPr lang="de-DE" dirty="0"/>
+              <a:t> </a:t>
+            </a:r>
+            <a:r>
+              <a:rPr lang="de-DE" dirty="0" err="1"/>
+              <a:t>tagging</a:t>
+            </a:r>
+            <a:r>
+              <a:rPr lang="de-DE" dirty="0"/>
+              <a:t> </a:t>
+            </a:r>
+            <a:r>
+              <a:rPr lang="de-DE" dirty="0" err="1"/>
+              <a:t>to</a:t>
+            </a:r>
+            <a:r>
+              <a:rPr lang="de-DE" dirty="0"/>
+              <a:t> </a:t>
+            </a:r>
+            <a:r>
+              <a:rPr lang="de-DE" dirty="0" err="1"/>
+              <a:t>distinguish</a:t>
+            </a:r>
+            <a:r>
+              <a:rPr lang="de-DE" dirty="0"/>
+              <a:t> </a:t>
+            </a:r>
+            <a:r>
+              <a:rPr lang="de-DE" dirty="0" err="1"/>
+              <a:t>pointers</a:t>
+            </a:r>
+            <a:r>
+              <a:rPr lang="de-DE" dirty="0"/>
+              <a:t> and </a:t>
+            </a:r>
+            <a:r>
+              <a:rPr lang="de-DE" dirty="0" err="1"/>
+              <a:t>values</a:t>
+            </a:r>
+            <a:r>
+              <a:rPr lang="de-DE" dirty="0"/>
               <a:t>)</a:t>
             </a:r>
-          </a:p>
-          <a:p>
             <a:endParaRPr dirty="0"/>
-          </a:p>
-          <a:p>
-            <a:r>
-              <a:rPr lang="de-DE" b="1" dirty="0" err="1"/>
-              <a:t>Important</a:t>
-            </a:r>
-            <a:r>
-              <a:rPr lang="de-DE" b="1" dirty="0"/>
-              <a:t> Points:</a:t>
-            </a:r>
-          </a:p>
-          <a:p>
-            <a:pPr marL="285750" indent="-285750">
-              <a:buFont typeface="Arial" panose="020B0604020202020204" pitchFamily="34" charset="0"/>
-              <a:buChar char="•"/>
-            </a:pPr>
-            <a:r>
-              <a:rPr lang="de-DE" dirty="0" err="1"/>
-              <a:t>No</a:t>
-            </a:r>
-            <a:r>
-              <a:rPr lang="de-DE" dirty="0"/>
-              <a:t> </a:t>
-            </a:r>
-            <a:r>
-              <a:rPr lang="de-DE" dirty="0" err="1"/>
-              <a:t>recursion</a:t>
-            </a:r>
-            <a:r>
-              <a:rPr lang="de-DE" dirty="0"/>
-              <a:t>! (</a:t>
-            </a:r>
-            <a:r>
-              <a:rPr lang="de-DE" dirty="0" err="1"/>
-              <a:t>self</a:t>
-            </a:r>
-            <a:r>
-              <a:rPr lang="de-DE" dirty="0"/>
-              <a:t> </a:t>
-            </a:r>
-            <a:r>
-              <a:rPr lang="de-DE" dirty="0" err="1"/>
-              <a:t>explanatory</a:t>
-            </a:r>
-            <a:r>
-              <a:rPr lang="de-DE" dirty="0"/>
-              <a:t>)</a:t>
-            </a:r>
-          </a:p>
-          <a:p>
-            <a:pPr marL="285750" indent="-285750">
-              <a:buFont typeface="Arial" panose="020B0604020202020204" pitchFamily="34" charset="0"/>
-              <a:buChar char="•"/>
-            </a:pPr>
-            <a:r>
-              <a:rPr lang="de-DE" dirty="0" err="1"/>
-              <a:t>Careful</a:t>
-            </a:r>
-            <a:r>
-              <a:rPr lang="de-DE" dirty="0"/>
-              <a:t> </a:t>
-            </a:r>
-            <a:r>
-              <a:rPr lang="de-DE" dirty="0" err="1"/>
-              <a:t>with</a:t>
-            </a:r>
-            <a:r>
-              <a:rPr lang="de-DE" dirty="0"/>
-              <a:t> </a:t>
-            </a:r>
-            <a:r>
-              <a:rPr lang="de-DE" dirty="0" err="1"/>
-              <a:t>polymorphie</a:t>
-            </a:r>
-            <a:r>
-              <a:rPr lang="de-DE" dirty="0"/>
-              <a:t>! (C++ </a:t>
-            </a:r>
-            <a:r>
-              <a:rPr lang="de-DE" dirty="0" err="1"/>
-              <a:t>utilizes</a:t>
-            </a:r>
-            <a:r>
-              <a:rPr lang="de-DE" dirty="0"/>
-              <a:t> </a:t>
-            </a:r>
-            <a:r>
-              <a:rPr lang="de-DE" dirty="0" err="1"/>
-              <a:t>vtables</a:t>
-            </a:r>
-            <a:r>
-              <a:rPr lang="de-DE" dirty="0"/>
-              <a:t> </a:t>
-            </a:r>
-            <a:r>
-              <a:rPr lang="de-DE" dirty="0" err="1"/>
-              <a:t>for</a:t>
-            </a:r>
-            <a:r>
-              <a:rPr lang="de-DE" dirty="0"/>
-              <a:t> </a:t>
-            </a:r>
-            <a:r>
-              <a:rPr lang="de-DE" dirty="0" err="1"/>
-              <a:t>dynamic</a:t>
-            </a:r>
-            <a:r>
-              <a:rPr lang="de-DE" dirty="0"/>
-              <a:t> </a:t>
-            </a:r>
-            <a:r>
-              <a:rPr lang="de-DE" dirty="0" err="1"/>
-              <a:t>dispatch</a:t>
-            </a:r>
-            <a:r>
-              <a:rPr lang="de-DE" dirty="0"/>
-              <a:t> </a:t>
-            </a:r>
-            <a:r>
-              <a:rPr lang="de-DE" dirty="0">
-                <a:sym typeface="Wingdings" panose="05000000000000000000" pitchFamily="2" charset="2"/>
-              </a:rPr>
-              <a:t> </a:t>
-            </a:r>
-            <a:r>
-              <a:rPr lang="de-DE" dirty="0" err="1">
-                <a:sym typeface="Wingdings" panose="05000000000000000000" pitchFamily="2" charset="2"/>
-              </a:rPr>
-              <a:t>performance</a:t>
-            </a:r>
-            <a:r>
-              <a:rPr lang="de-DE" dirty="0">
-                <a:sym typeface="Wingdings" panose="05000000000000000000" pitchFamily="2" charset="2"/>
-              </a:rPr>
-              <a:t> + </a:t>
-            </a:r>
-            <a:r>
-              <a:rPr lang="de-DE" dirty="0" err="1">
-                <a:sym typeface="Wingdings" panose="05000000000000000000" pitchFamily="2" charset="2"/>
-              </a:rPr>
-              <a:t>memory</a:t>
-            </a:r>
-            <a:r>
-              <a:rPr lang="de-DE" dirty="0">
-                <a:sym typeface="Wingdings" panose="05000000000000000000" pitchFamily="2" charset="2"/>
-              </a:rPr>
-              <a:t> </a:t>
-            </a:r>
-            <a:r>
-              <a:rPr lang="de-DE" dirty="0" err="1">
-                <a:sym typeface="Wingdings" panose="05000000000000000000" pitchFamily="2" charset="2"/>
-              </a:rPr>
-              <a:t>overhead</a:t>
-            </a:r>
-            <a:r>
-              <a:rPr lang="de-DE" dirty="0">
-                <a:sym typeface="Wingdings" panose="05000000000000000000" pitchFamily="2" charset="2"/>
-              </a:rPr>
-              <a:t>)</a:t>
-            </a:r>
-          </a:p>
-          <a:p>
-            <a:pPr marL="285750" indent="-285750">
-              <a:buFont typeface="Arial" panose="020B0604020202020204" pitchFamily="34" charset="0"/>
-              <a:buChar char="•"/>
-            </a:pPr>
-            <a:r>
-              <a:rPr lang="de-DE" dirty="0">
-                <a:sym typeface="Wingdings" panose="05000000000000000000" pitchFamily="2" charset="2"/>
-              </a:rPr>
-              <a:t>Memory </a:t>
-            </a:r>
-            <a:r>
-              <a:rPr lang="de-DE" dirty="0" err="1">
-                <a:sym typeface="Wingdings" panose="05000000000000000000" pitchFamily="2" charset="2"/>
-              </a:rPr>
-              <a:t>management</a:t>
-            </a:r>
-            <a:r>
-              <a:rPr lang="de-DE" dirty="0">
-                <a:sym typeface="Wingdings" panose="05000000000000000000" pitchFamily="2" charset="2"/>
-              </a:rPr>
-              <a:t>! (</a:t>
-            </a:r>
-            <a:r>
-              <a:rPr lang="de-DE" dirty="0" err="1">
-                <a:sym typeface="Wingdings" panose="05000000000000000000" pitchFamily="2" charset="2"/>
-                <a:hlinkClick r:id="rId3"/>
-              </a:rPr>
-              <a:t>malloc</a:t>
-            </a:r>
-            <a:r>
-              <a:rPr lang="de-DE" dirty="0">
-                <a:sym typeface="Wingdings" panose="05000000000000000000" pitchFamily="2" charset="2"/>
-                <a:hlinkClick r:id="rId3"/>
-              </a:rPr>
-              <a:t> vs. </a:t>
-            </a:r>
-            <a:r>
-              <a:rPr lang="de-DE" dirty="0" err="1">
-                <a:sym typeface="Wingdings" panose="05000000000000000000" pitchFamily="2" charset="2"/>
-                <a:hlinkClick r:id="rId3"/>
-              </a:rPr>
-              <a:t>TCMalloc</a:t>
-            </a:r>
-            <a:r>
-              <a:rPr lang="de-DE" dirty="0">
-                <a:sym typeface="Wingdings" panose="05000000000000000000" pitchFamily="2" charset="2"/>
-                <a:hlinkClick r:id="rId3"/>
-              </a:rPr>
-              <a:t> vs. </a:t>
-            </a:r>
-            <a:r>
-              <a:rPr lang="de-DE" dirty="0" err="1">
-                <a:sym typeface="Wingdings" panose="05000000000000000000" pitchFamily="2" charset="2"/>
-                <a:hlinkClick r:id="rId3"/>
-              </a:rPr>
-              <a:t>jemalloc</a:t>
-            </a:r>
-            <a:r>
-              <a:rPr lang="de-DE" dirty="0">
-                <a:sym typeface="Wingdings" panose="05000000000000000000" pitchFamily="2" charset="2"/>
-                <a:hlinkClick r:id="rId3"/>
-              </a:rPr>
-              <a:t> </a:t>
-            </a:r>
-            <a:r>
-              <a:rPr lang="de-DE" dirty="0">
-                <a:sym typeface="Wingdings" panose="05000000000000000000" pitchFamily="2" charset="2"/>
-              </a:rPr>
-              <a:t>vs. </a:t>
-            </a:r>
-            <a:r>
-              <a:rPr lang="de-DE" dirty="0" err="1">
-                <a:sym typeface="Wingdings" panose="05000000000000000000" pitchFamily="2" charset="2"/>
-              </a:rPr>
-              <a:t>custom</a:t>
-            </a:r>
-            <a:r>
-              <a:rPr lang="de-DE" dirty="0">
-                <a:sym typeface="Wingdings" panose="05000000000000000000" pitchFamily="2" charset="2"/>
-              </a:rPr>
-              <a:t> </a:t>
-            </a:r>
-            <a:r>
-              <a:rPr lang="de-DE" dirty="0" err="1">
-                <a:sym typeface="Wingdings" panose="05000000000000000000" pitchFamily="2" charset="2"/>
-              </a:rPr>
-              <a:t>memory</a:t>
-            </a:r>
-            <a:r>
-              <a:rPr lang="de-DE" dirty="0">
-                <a:sym typeface="Wingdings" panose="05000000000000000000" pitchFamily="2" charset="2"/>
-              </a:rPr>
-              <a:t> </a:t>
-            </a:r>
-            <a:r>
-              <a:rPr lang="de-DE" dirty="0" err="1">
-                <a:sym typeface="Wingdings" panose="05000000000000000000" pitchFamily="2" charset="2"/>
-              </a:rPr>
-              <a:t>arenas</a:t>
-            </a:r>
-            <a:r>
-              <a:rPr lang="de-DE" dirty="0">
-                <a:sym typeface="Wingdings" panose="05000000000000000000" pitchFamily="2" charset="2"/>
-              </a:rPr>
-              <a:t>/</a:t>
-            </a:r>
-            <a:r>
-              <a:rPr lang="de-DE" dirty="0" err="1">
-                <a:sym typeface="Wingdings" panose="05000000000000000000" pitchFamily="2" charset="2"/>
-              </a:rPr>
-              <a:t>pools</a:t>
-            </a:r>
-            <a:r>
-              <a:rPr lang="de-DE" dirty="0">
-                <a:sym typeface="Wingdings" panose="05000000000000000000" pitchFamily="2" charset="2"/>
-              </a:rPr>
-              <a:t>)</a:t>
-            </a:r>
-            <a:endParaRPr lang="de-DE" dirty="0"/>
-          </a:p>
-          <a:p>
-            <a:pPr marL="285750" indent="-285750">
-              <a:buFont typeface="Arial" panose="020B0604020202020204" pitchFamily="34" charset="0"/>
-              <a:buChar char="•"/>
-            </a:pPr>
-            <a:r>
-              <a:rPr lang="de-DE" dirty="0"/>
-              <a:t>Node16 </a:t>
-            </a:r>
-            <a:r>
-              <a:rPr lang="de-DE" dirty="0" err="1"/>
-              <a:t>search</a:t>
-            </a:r>
-            <a:r>
-              <a:rPr lang="de-DE" dirty="0"/>
-              <a:t> SIMD </a:t>
-            </a:r>
-            <a:r>
-              <a:rPr lang="de-DE" dirty="0" err="1"/>
-              <a:t>comparison</a:t>
-            </a:r>
-            <a:r>
-              <a:rPr lang="de-DE" dirty="0"/>
-              <a:t>: </a:t>
-            </a:r>
-            <a:r>
-              <a:rPr lang="de-DE" dirty="0" err="1"/>
-              <a:t>used</a:t>
-            </a:r>
-            <a:r>
-              <a:rPr lang="de-DE" dirty="0"/>
-              <a:t> x86-64 SSE (</a:t>
-            </a:r>
-            <a:r>
-              <a:rPr lang="de-DE" dirty="0" err="1"/>
-              <a:t>optionally</a:t>
-            </a:r>
-            <a:r>
-              <a:rPr lang="de-DE" dirty="0"/>
-              <a:t> AVX-512 </a:t>
-            </a:r>
-            <a:r>
-              <a:rPr lang="de-DE" dirty="0" err="1"/>
-              <a:t>for</a:t>
-            </a:r>
-            <a:r>
-              <a:rPr lang="de-DE" dirty="0"/>
-              <a:t> </a:t>
-            </a:r>
-            <a:r>
-              <a:rPr lang="de-DE" dirty="0" err="1"/>
-              <a:t>fewer</a:t>
-            </a:r>
-            <a:r>
-              <a:rPr lang="de-DE" dirty="0"/>
-              <a:t> </a:t>
-            </a:r>
-            <a:r>
-              <a:rPr lang="de-DE" dirty="0" err="1"/>
-              <a:t>intrinsics</a:t>
-            </a:r>
-            <a:r>
-              <a:rPr lang="de-DE" dirty="0"/>
-              <a:t>)</a:t>
-            </a:r>
-          </a:p>
-          <a:p>
-            <a:pPr marL="285750" indent="-285750">
-              <a:buFont typeface="Arial" panose="020B0604020202020204" pitchFamily="34" charset="0"/>
-              <a:buChar char="•"/>
-            </a:pPr>
-            <a:r>
-              <a:rPr lang="de-DE" dirty="0"/>
-              <a:t>Multi-</a:t>
-            </a:r>
-            <a:r>
-              <a:rPr lang="de-DE" dirty="0" err="1"/>
-              <a:t>value</a:t>
-            </a:r>
-            <a:r>
-              <a:rPr lang="de-DE" dirty="0"/>
-              <a:t> </a:t>
-            </a:r>
-            <a:r>
-              <a:rPr lang="de-DE" dirty="0" err="1"/>
-              <a:t>leaves</a:t>
-            </a:r>
-            <a:r>
-              <a:rPr lang="de-DE" dirty="0"/>
-              <a:t>: Pointer Tagging </a:t>
-            </a:r>
-            <a:r>
-              <a:rPr lang="de-DE" dirty="0" err="1"/>
-              <a:t>using</a:t>
-            </a:r>
-            <a:r>
-              <a:rPr lang="de-DE" dirty="0"/>
-              <a:t> 3 </a:t>
-            </a:r>
-            <a:r>
-              <a:rPr lang="de-DE" dirty="0" err="1"/>
-              <a:t>low</a:t>
-            </a:r>
-            <a:r>
-              <a:rPr lang="de-DE" dirty="0"/>
-              <a:t> </a:t>
-            </a:r>
-            <a:r>
-              <a:rPr lang="de-DE" dirty="0" err="1"/>
-              <a:t>bits</a:t>
-            </a:r>
-            <a:r>
-              <a:rPr lang="de-DE" dirty="0"/>
-              <a:t> on 64 </a:t>
-            </a:r>
-            <a:r>
-              <a:rPr lang="de-DE" dirty="0" err="1"/>
-              <a:t>bit</a:t>
-            </a:r>
-            <a:r>
-              <a:rPr lang="de-DE" dirty="0"/>
-              <a:t> </a:t>
-            </a:r>
-            <a:r>
-              <a:rPr lang="de-DE" dirty="0" err="1"/>
-              <a:t>architecture</a:t>
-            </a:r>
-            <a:r>
-              <a:rPr lang="de-DE" dirty="0"/>
-              <a:t> (</a:t>
-            </a:r>
-            <a:r>
-              <a:rPr lang="de-DE" dirty="0" err="1"/>
-              <a:t>pointers</a:t>
-            </a:r>
-            <a:r>
-              <a:rPr lang="de-DE" dirty="0"/>
-              <a:t> </a:t>
-            </a:r>
-            <a:r>
-              <a:rPr lang="de-DE" dirty="0" err="1"/>
-              <a:t>are</a:t>
-            </a:r>
-            <a:r>
-              <a:rPr lang="de-DE" dirty="0"/>
-              <a:t> 8-byte </a:t>
-            </a:r>
-            <a:r>
-              <a:rPr lang="de-DE" dirty="0" err="1"/>
-              <a:t>aligned</a:t>
-            </a:r>
-            <a:r>
-              <a:rPr lang="de-DE" dirty="0"/>
-              <a:t>)</a:t>
-            </a:r>
-            <a:endParaRPr dirty="0"/>
-          </a:p>
-        </p:txBody>
-      </p:sp>
-      <p:sp>
-        <p:nvSpPr>
-          <p:cNvPr id="8" name="TextBox 7">
-            <a:extLst>
-              <a:ext uri="{FF2B5EF4-FFF2-40B4-BE49-F238E27FC236}">
-                <a16:creationId xmlns:a16="http://schemas.microsoft.com/office/drawing/2014/main" id="{A5940A45-AA82-8650-35A3-B5573011316E}"/>
-              </a:ext>
-            </a:extLst>
-          </p:cNvPr>
-          <p:cNvSpPr txBox="1"/>
-          <p:nvPr/>
-        </p:nvSpPr>
-        <p:spPr>
-          <a:xfrm>
-            <a:off x="311162" y="6298789"/>
-            <a:ext cx="8635130" cy="193002"/>
-          </a:xfrm>
-          <a:prstGeom prst="rect">
-            <a:avLst/>
-          </a:prstGeom>
-          <a:noFill/>
-        </p:spPr>
-        <p:txBody>
-          <a:bodyPr wrap="square" lIns="0" tIns="0" rIns="0" bIns="0" rtlCol="0">
-            <a:spAutoFit/>
-          </a:bodyPr>
-          <a:lstStyle/>
-          <a:p>
-            <a:pPr>
-              <a:lnSpc>
-                <a:spcPct val="114000"/>
-              </a:lnSpc>
-            </a:pPr>
-            <a:r>
-              <a:rPr lang="en-US" sz="1200" b="1" dirty="0"/>
-              <a:t>Source: </a:t>
-            </a:r>
-            <a:r>
-              <a:rPr lang="en-US" sz="1200" dirty="0">
-                <a:hlinkClick r:id="rId4"/>
-              </a:rPr>
-              <a:t>https://github.com/atalantus/The-Adaptive-Radix-Tree/tree/main/Implementation</a:t>
-            </a:r>
-            <a:endParaRPr lang="en-US" sz="1200" dirty="0"/>
           </a:p>
         </p:txBody>
       </p:sp>
     </p:spTree>
     <p:extLst>
       <p:ext uri="{BB962C8B-B14F-4D97-AF65-F5344CB8AC3E}">
-        <p14:creationId xmlns:p14="http://schemas.microsoft.com/office/powerpoint/2010/main" val="443928699"/>
+        <p14:creationId xmlns:p14="http://schemas.microsoft.com/office/powerpoint/2010/main" val="3261259584"/>
       </p:ext>
     </p:extLst>
   </p:cSld>
@@ -30388,6 +30644,711 @@
               <a:rPr lang="de-DE" smtClean="0"/>
               <a:pPr/>
               <a:t>31</a:t>
+            </a:fld>
+            <a:endParaRPr lang="de-DE" dirty="0"/>
+          </a:p>
+        </p:txBody>
+      </p:sp>
+      <p:sp>
+        <p:nvSpPr>
+          <p:cNvPr id="6" name="Fußzeilenplatzhalter 4"/>
+          <p:cNvSpPr>
+            <a:spLocks noGrp="1"/>
+          </p:cNvSpPr>
+          <p:nvPr>
+            <p:ph type="ftr" sz="quarter" idx="12"/>
+          </p:nvPr>
+        </p:nvSpPr>
+        <p:spPr/>
+        <p:txBody>
+          <a:bodyPr/>
+          <a:lstStyle/>
+          <a:p>
+            <a:r>
+              <a:rPr lang="de-DE" dirty="0"/>
+              <a:t>Jonas Fritsch | The Adaptive Radix Tree</a:t>
+            </a:r>
+            <a:endParaRPr lang="en-US" dirty="0"/>
+          </a:p>
+        </p:txBody>
+      </p:sp>
+      <p:sp>
+        <p:nvSpPr>
+          <p:cNvPr id="3" name="Titel 2"/>
+          <p:cNvSpPr>
+            <a:spLocks noGrp="1"/>
+          </p:cNvSpPr>
+          <p:nvPr>
+            <p:ph type="title"/>
+          </p:nvPr>
+        </p:nvSpPr>
+        <p:spPr>
+          <a:prstGeom prst="rect">
+            <a:avLst/>
+          </a:prstGeom>
+        </p:spPr>
+        <p:txBody>
+          <a:bodyPr/>
+          <a:lstStyle/>
+          <a:p>
+            <a:r>
+              <a:rPr sz="3000" dirty="0"/>
+              <a:t>ART </a:t>
+            </a:r>
+            <a:r>
+              <a:rPr lang="de-DE" sz="3000" dirty="0"/>
+              <a:t>–</a:t>
+            </a:r>
+            <a:r>
+              <a:rPr sz="3000" dirty="0"/>
+              <a:t> Implementation </a:t>
+            </a:r>
+            <a:r>
+              <a:rPr sz="3000" dirty="0" err="1"/>
+              <a:t>Specifics</a:t>
+            </a:r>
+            <a:endParaRPr lang="de-DE" sz="3000" dirty="0"/>
+          </a:p>
+        </p:txBody>
+      </p:sp>
+      <p:sp>
+        <p:nvSpPr>
+          <p:cNvPr id="7" name="Inhaltsplatzhalter 1">
+            <a:extLst>
+              <a:ext uri="{FF2B5EF4-FFF2-40B4-BE49-F238E27FC236}">
+                <a16:creationId xmlns:a16="http://schemas.microsoft.com/office/drawing/2014/main" id="{39E026B4-457A-F216-0A86-D12F37A57423}"/>
+              </a:ext>
+            </a:extLst>
+          </p:cNvPr>
+          <p:cNvSpPr>
+            <a:spLocks noGrp="1"/>
+          </p:cNvSpPr>
+          <p:nvPr>
+            <p:ph idx="1"/>
+          </p:nvPr>
+        </p:nvSpPr>
+        <p:spPr>
+          <a:xfrm>
+            <a:off x="319090" y="1762188"/>
+            <a:ext cx="8508999" cy="4699572"/>
+          </a:xfrm>
+        </p:spPr>
+        <p:txBody>
+          <a:bodyPr/>
+          <a:lstStyle/>
+          <a:p>
+            <a:r>
+              <a:rPr dirty="0"/>
+              <a:t>ART </a:t>
+            </a:r>
+            <a:r>
+              <a:rPr dirty="0" err="1"/>
+              <a:t>implementation</a:t>
+            </a:r>
+            <a:r>
+              <a:rPr dirty="0"/>
+              <a:t> </a:t>
+            </a:r>
+            <a:r>
+              <a:rPr dirty="0" err="1"/>
+              <a:t>for</a:t>
+            </a:r>
+            <a:r>
+              <a:rPr dirty="0"/>
+              <a:t> </a:t>
+            </a:r>
+            <a:r>
+              <a:rPr dirty="0" err="1"/>
+              <a:t>storing</a:t>
+            </a:r>
+            <a:r>
+              <a:rPr dirty="0"/>
+              <a:t> 32 </a:t>
+            </a:r>
+            <a:r>
+              <a:rPr dirty="0" err="1"/>
+              <a:t>bit</a:t>
+            </a:r>
+            <a:r>
+              <a:rPr dirty="0"/>
+              <a:t> </a:t>
+            </a:r>
+            <a:r>
+              <a:rPr dirty="0" err="1"/>
+              <a:t>keys</a:t>
+            </a:r>
+            <a:r>
+              <a:rPr dirty="0"/>
+              <a:t> (</a:t>
+            </a:r>
+            <a:r>
+              <a:rPr dirty="0" err="1"/>
+              <a:t>no</a:t>
+            </a:r>
+            <a:r>
+              <a:rPr dirty="0"/>
+              <a:t> </a:t>
+            </a:r>
+            <a:r>
+              <a:rPr dirty="0" err="1"/>
+              <a:t>path</a:t>
+            </a:r>
+            <a:r>
+              <a:rPr dirty="0"/>
+              <a:t> </a:t>
+            </a:r>
+            <a:r>
+              <a:rPr dirty="0" err="1"/>
+              <a:t>compression</a:t>
+            </a:r>
+            <a:r>
+              <a:rPr dirty="0"/>
+              <a:t>)</a:t>
+            </a:r>
+          </a:p>
+          <a:p>
+            <a:endParaRPr dirty="0"/>
+          </a:p>
+          <a:p>
+            <a:r>
+              <a:rPr lang="de-DE" b="1" dirty="0" err="1"/>
+              <a:t>Important</a:t>
+            </a:r>
+            <a:r>
+              <a:rPr lang="de-DE" b="1" dirty="0"/>
+              <a:t> Points:</a:t>
+            </a:r>
+          </a:p>
+          <a:p>
+            <a:pPr marL="285750" indent="-285750">
+              <a:buFont typeface="Arial" panose="020B0604020202020204" pitchFamily="34" charset="0"/>
+              <a:buChar char="•"/>
+            </a:pPr>
+            <a:r>
+              <a:rPr lang="de-DE" dirty="0" err="1"/>
+              <a:t>No</a:t>
+            </a:r>
+            <a:r>
+              <a:rPr lang="de-DE" dirty="0"/>
+              <a:t> </a:t>
+            </a:r>
+            <a:r>
+              <a:rPr lang="de-DE" dirty="0" err="1"/>
+              <a:t>recursion</a:t>
+            </a:r>
+            <a:r>
+              <a:rPr lang="de-DE" dirty="0"/>
+              <a:t>! (</a:t>
+            </a:r>
+            <a:r>
+              <a:rPr lang="de-DE" dirty="0" err="1"/>
+              <a:t>self</a:t>
+            </a:r>
+            <a:r>
+              <a:rPr lang="de-DE" dirty="0"/>
+              <a:t> </a:t>
+            </a:r>
+            <a:r>
+              <a:rPr lang="de-DE" dirty="0" err="1"/>
+              <a:t>explanatory</a:t>
+            </a:r>
+            <a:r>
+              <a:rPr lang="de-DE" dirty="0"/>
+              <a:t>)</a:t>
+            </a:r>
+          </a:p>
+          <a:p>
+            <a:pPr marL="285750" indent="-285750">
+              <a:buFont typeface="Arial" panose="020B0604020202020204" pitchFamily="34" charset="0"/>
+              <a:buChar char="•"/>
+            </a:pPr>
+            <a:r>
+              <a:rPr lang="de-DE" dirty="0" err="1"/>
+              <a:t>Careful</a:t>
+            </a:r>
+            <a:r>
+              <a:rPr lang="de-DE" dirty="0"/>
+              <a:t> </a:t>
+            </a:r>
+            <a:r>
+              <a:rPr lang="de-DE" dirty="0" err="1"/>
+              <a:t>with</a:t>
+            </a:r>
+            <a:r>
+              <a:rPr lang="de-DE" dirty="0"/>
+              <a:t> </a:t>
+            </a:r>
+            <a:r>
+              <a:rPr lang="de-DE" dirty="0" err="1"/>
+              <a:t>polymorphie</a:t>
+            </a:r>
+            <a:r>
+              <a:rPr lang="de-DE" dirty="0"/>
+              <a:t>! (C++ </a:t>
+            </a:r>
+            <a:r>
+              <a:rPr lang="de-DE" dirty="0" err="1"/>
+              <a:t>utilizes</a:t>
+            </a:r>
+            <a:r>
+              <a:rPr lang="de-DE" dirty="0"/>
+              <a:t> </a:t>
+            </a:r>
+            <a:r>
+              <a:rPr lang="de-DE" dirty="0" err="1"/>
+              <a:t>vtables</a:t>
+            </a:r>
+            <a:r>
+              <a:rPr lang="de-DE" dirty="0"/>
+              <a:t> </a:t>
+            </a:r>
+            <a:r>
+              <a:rPr lang="de-DE" dirty="0" err="1"/>
+              <a:t>for</a:t>
+            </a:r>
+            <a:r>
+              <a:rPr lang="de-DE" dirty="0"/>
+              <a:t> </a:t>
+            </a:r>
+            <a:r>
+              <a:rPr lang="de-DE" dirty="0" err="1"/>
+              <a:t>dynamic</a:t>
+            </a:r>
+            <a:r>
+              <a:rPr lang="de-DE" dirty="0"/>
+              <a:t> </a:t>
+            </a:r>
+            <a:r>
+              <a:rPr lang="de-DE" dirty="0" err="1"/>
+              <a:t>dispatch</a:t>
+            </a:r>
+            <a:r>
+              <a:rPr lang="de-DE" dirty="0"/>
+              <a:t> </a:t>
+            </a:r>
+            <a:r>
+              <a:rPr lang="de-DE" dirty="0">
+                <a:sym typeface="Wingdings" panose="05000000000000000000" pitchFamily="2" charset="2"/>
+              </a:rPr>
+              <a:t> </a:t>
+            </a:r>
+            <a:r>
+              <a:rPr lang="de-DE" dirty="0" err="1">
+                <a:sym typeface="Wingdings" panose="05000000000000000000" pitchFamily="2" charset="2"/>
+              </a:rPr>
+              <a:t>performance</a:t>
+            </a:r>
+            <a:r>
+              <a:rPr lang="de-DE" dirty="0">
+                <a:sym typeface="Wingdings" panose="05000000000000000000" pitchFamily="2" charset="2"/>
+              </a:rPr>
+              <a:t> + </a:t>
+            </a:r>
+            <a:r>
+              <a:rPr lang="de-DE" dirty="0" err="1">
+                <a:sym typeface="Wingdings" panose="05000000000000000000" pitchFamily="2" charset="2"/>
+              </a:rPr>
+              <a:t>memory</a:t>
+            </a:r>
+            <a:r>
+              <a:rPr lang="de-DE" dirty="0">
+                <a:sym typeface="Wingdings" panose="05000000000000000000" pitchFamily="2" charset="2"/>
+              </a:rPr>
+              <a:t> </a:t>
+            </a:r>
+            <a:r>
+              <a:rPr lang="de-DE" dirty="0" err="1">
+                <a:sym typeface="Wingdings" panose="05000000000000000000" pitchFamily="2" charset="2"/>
+              </a:rPr>
+              <a:t>overhead</a:t>
+            </a:r>
+            <a:r>
+              <a:rPr lang="de-DE" dirty="0">
+                <a:sym typeface="Wingdings" panose="05000000000000000000" pitchFamily="2" charset="2"/>
+              </a:rPr>
+              <a:t>)</a:t>
+            </a:r>
+          </a:p>
+          <a:p>
+            <a:pPr marL="285750" indent="-285750">
+              <a:buFont typeface="Arial" panose="020B0604020202020204" pitchFamily="34" charset="0"/>
+              <a:buChar char="•"/>
+            </a:pPr>
+            <a:r>
+              <a:rPr lang="de-DE" dirty="0">
+                <a:sym typeface="Wingdings" panose="05000000000000000000" pitchFamily="2" charset="2"/>
+              </a:rPr>
+              <a:t>Memory </a:t>
+            </a:r>
+            <a:r>
+              <a:rPr lang="de-DE" dirty="0" err="1">
+                <a:sym typeface="Wingdings" panose="05000000000000000000" pitchFamily="2" charset="2"/>
+              </a:rPr>
+              <a:t>management</a:t>
+            </a:r>
+            <a:r>
+              <a:rPr lang="de-DE" dirty="0">
+                <a:sym typeface="Wingdings" panose="05000000000000000000" pitchFamily="2" charset="2"/>
+              </a:rPr>
+              <a:t>! (</a:t>
+            </a:r>
+            <a:r>
+              <a:rPr lang="de-DE" dirty="0" err="1">
+                <a:sym typeface="Wingdings" panose="05000000000000000000" pitchFamily="2" charset="2"/>
+                <a:hlinkClick r:id="rId3"/>
+              </a:rPr>
+              <a:t>malloc</a:t>
+            </a:r>
+            <a:r>
+              <a:rPr lang="de-DE" dirty="0">
+                <a:sym typeface="Wingdings" panose="05000000000000000000" pitchFamily="2" charset="2"/>
+                <a:hlinkClick r:id="rId3"/>
+              </a:rPr>
+              <a:t> vs. </a:t>
+            </a:r>
+            <a:r>
+              <a:rPr lang="de-DE" dirty="0" err="1">
+                <a:sym typeface="Wingdings" panose="05000000000000000000" pitchFamily="2" charset="2"/>
+                <a:hlinkClick r:id="rId3"/>
+              </a:rPr>
+              <a:t>TCMalloc</a:t>
+            </a:r>
+            <a:r>
+              <a:rPr lang="de-DE" dirty="0">
+                <a:sym typeface="Wingdings" panose="05000000000000000000" pitchFamily="2" charset="2"/>
+                <a:hlinkClick r:id="rId3"/>
+              </a:rPr>
+              <a:t> vs. </a:t>
+            </a:r>
+            <a:r>
+              <a:rPr lang="de-DE" dirty="0" err="1">
+                <a:sym typeface="Wingdings" panose="05000000000000000000" pitchFamily="2" charset="2"/>
+                <a:hlinkClick r:id="rId3"/>
+              </a:rPr>
+              <a:t>jemalloc</a:t>
+            </a:r>
+            <a:r>
+              <a:rPr lang="de-DE" dirty="0">
+                <a:sym typeface="Wingdings" panose="05000000000000000000" pitchFamily="2" charset="2"/>
+                <a:hlinkClick r:id="rId3"/>
+              </a:rPr>
+              <a:t> </a:t>
+            </a:r>
+            <a:r>
+              <a:rPr lang="de-DE" dirty="0">
+                <a:sym typeface="Wingdings" panose="05000000000000000000" pitchFamily="2" charset="2"/>
+              </a:rPr>
+              <a:t>vs. </a:t>
+            </a:r>
+            <a:r>
+              <a:rPr lang="de-DE" dirty="0" err="1">
+                <a:sym typeface="Wingdings" panose="05000000000000000000" pitchFamily="2" charset="2"/>
+              </a:rPr>
+              <a:t>custom</a:t>
+            </a:r>
+            <a:r>
+              <a:rPr lang="de-DE" dirty="0">
+                <a:sym typeface="Wingdings" panose="05000000000000000000" pitchFamily="2" charset="2"/>
+              </a:rPr>
+              <a:t> </a:t>
+            </a:r>
+            <a:r>
+              <a:rPr lang="de-DE" dirty="0" err="1">
+                <a:sym typeface="Wingdings" panose="05000000000000000000" pitchFamily="2" charset="2"/>
+              </a:rPr>
+              <a:t>memory</a:t>
+            </a:r>
+            <a:r>
+              <a:rPr lang="de-DE" dirty="0">
+                <a:sym typeface="Wingdings" panose="05000000000000000000" pitchFamily="2" charset="2"/>
+              </a:rPr>
+              <a:t> </a:t>
+            </a:r>
+            <a:r>
+              <a:rPr lang="de-DE" dirty="0" err="1">
+                <a:sym typeface="Wingdings" panose="05000000000000000000" pitchFamily="2" charset="2"/>
+              </a:rPr>
+              <a:t>arenas</a:t>
+            </a:r>
+            <a:r>
+              <a:rPr lang="de-DE" dirty="0">
+                <a:sym typeface="Wingdings" panose="05000000000000000000" pitchFamily="2" charset="2"/>
+              </a:rPr>
+              <a:t>/</a:t>
+            </a:r>
+            <a:r>
+              <a:rPr lang="de-DE" dirty="0" err="1">
+                <a:sym typeface="Wingdings" panose="05000000000000000000" pitchFamily="2" charset="2"/>
+              </a:rPr>
+              <a:t>pools</a:t>
+            </a:r>
+            <a:r>
+              <a:rPr lang="de-DE" dirty="0">
+                <a:sym typeface="Wingdings" panose="05000000000000000000" pitchFamily="2" charset="2"/>
+              </a:rPr>
+              <a:t>)</a:t>
+            </a:r>
+            <a:endParaRPr lang="de-DE" dirty="0"/>
+          </a:p>
+          <a:p>
+            <a:pPr marL="285750" indent="-285750">
+              <a:buFont typeface="Arial" panose="020B0604020202020204" pitchFamily="34" charset="0"/>
+              <a:buChar char="•"/>
+            </a:pPr>
+            <a:r>
+              <a:rPr lang="de-DE" dirty="0"/>
+              <a:t>Node16 </a:t>
+            </a:r>
+            <a:r>
+              <a:rPr lang="de-DE" dirty="0" err="1"/>
+              <a:t>search</a:t>
+            </a:r>
+            <a:r>
+              <a:rPr lang="de-DE" dirty="0"/>
+              <a:t> SIMD </a:t>
+            </a:r>
+            <a:r>
+              <a:rPr lang="de-DE" dirty="0" err="1"/>
+              <a:t>comparison</a:t>
+            </a:r>
+            <a:r>
+              <a:rPr lang="de-DE" dirty="0"/>
+              <a:t>: </a:t>
+            </a:r>
+            <a:r>
+              <a:rPr lang="de-DE" dirty="0" err="1"/>
+              <a:t>used</a:t>
+            </a:r>
+            <a:r>
+              <a:rPr lang="de-DE" dirty="0"/>
+              <a:t> x86-64 SSE (</a:t>
+            </a:r>
+            <a:r>
+              <a:rPr lang="de-DE" dirty="0" err="1"/>
+              <a:t>optionally</a:t>
+            </a:r>
+            <a:r>
+              <a:rPr lang="de-DE" dirty="0"/>
+              <a:t> AVX-512 </a:t>
+            </a:r>
+            <a:r>
+              <a:rPr lang="de-DE" dirty="0" err="1"/>
+              <a:t>for</a:t>
+            </a:r>
+            <a:r>
+              <a:rPr lang="de-DE" dirty="0"/>
+              <a:t> </a:t>
+            </a:r>
+            <a:r>
+              <a:rPr lang="de-DE" dirty="0" err="1"/>
+              <a:t>fewer</a:t>
+            </a:r>
+            <a:r>
+              <a:rPr lang="de-DE" dirty="0"/>
+              <a:t> </a:t>
+            </a:r>
+            <a:r>
+              <a:rPr lang="de-DE" dirty="0" err="1"/>
+              <a:t>intrinsics</a:t>
+            </a:r>
+            <a:r>
+              <a:rPr lang="de-DE" dirty="0"/>
+              <a:t>)</a:t>
+            </a:r>
+          </a:p>
+          <a:p>
+            <a:pPr marL="285750" indent="-285750">
+              <a:buFont typeface="Arial" panose="020B0604020202020204" pitchFamily="34" charset="0"/>
+              <a:buChar char="•"/>
+            </a:pPr>
+            <a:r>
+              <a:rPr lang="de-DE" dirty="0"/>
+              <a:t>Multi-</a:t>
+            </a:r>
+            <a:r>
+              <a:rPr lang="de-DE" dirty="0" err="1"/>
+              <a:t>value</a:t>
+            </a:r>
+            <a:r>
+              <a:rPr lang="de-DE" dirty="0"/>
+              <a:t> </a:t>
+            </a:r>
+            <a:r>
+              <a:rPr lang="de-DE" dirty="0" err="1"/>
+              <a:t>leaves</a:t>
+            </a:r>
+            <a:r>
+              <a:rPr lang="de-DE" dirty="0"/>
+              <a:t>: Pointer Tagging </a:t>
+            </a:r>
+            <a:r>
+              <a:rPr lang="de-DE" dirty="0" err="1"/>
+              <a:t>using</a:t>
+            </a:r>
+            <a:r>
+              <a:rPr lang="de-DE" dirty="0"/>
+              <a:t> 3 </a:t>
+            </a:r>
+            <a:r>
+              <a:rPr lang="de-DE" dirty="0" err="1"/>
+              <a:t>low</a:t>
+            </a:r>
+            <a:r>
+              <a:rPr lang="de-DE" dirty="0"/>
+              <a:t> </a:t>
+            </a:r>
+            <a:r>
+              <a:rPr lang="de-DE" dirty="0" err="1"/>
+              <a:t>bits</a:t>
+            </a:r>
+            <a:r>
+              <a:rPr lang="de-DE" dirty="0"/>
+              <a:t> on 64 </a:t>
+            </a:r>
+            <a:r>
+              <a:rPr lang="de-DE" dirty="0" err="1"/>
+              <a:t>bit</a:t>
+            </a:r>
+            <a:r>
+              <a:rPr lang="de-DE" dirty="0"/>
+              <a:t> </a:t>
+            </a:r>
+            <a:r>
+              <a:rPr lang="de-DE" dirty="0" err="1"/>
+              <a:t>architecture</a:t>
+            </a:r>
+            <a:r>
+              <a:rPr lang="de-DE" dirty="0"/>
+              <a:t> (</a:t>
+            </a:r>
+            <a:r>
+              <a:rPr lang="de-DE" dirty="0" err="1"/>
+              <a:t>pointers</a:t>
+            </a:r>
+            <a:r>
+              <a:rPr lang="de-DE" dirty="0"/>
+              <a:t> </a:t>
+            </a:r>
+            <a:r>
+              <a:rPr lang="de-DE" dirty="0" err="1"/>
+              <a:t>are</a:t>
+            </a:r>
+            <a:r>
+              <a:rPr lang="de-DE" dirty="0"/>
+              <a:t> 8-byte </a:t>
+            </a:r>
+            <a:r>
+              <a:rPr lang="de-DE" dirty="0" err="1"/>
+              <a:t>aligned</a:t>
+            </a:r>
+            <a:r>
+              <a:rPr lang="de-DE" dirty="0"/>
+              <a:t>)</a:t>
+            </a:r>
+            <a:endParaRPr dirty="0"/>
+          </a:p>
+        </p:txBody>
+      </p:sp>
+      <p:sp>
+        <p:nvSpPr>
+          <p:cNvPr id="8" name="TextBox 7">
+            <a:extLst>
+              <a:ext uri="{FF2B5EF4-FFF2-40B4-BE49-F238E27FC236}">
+                <a16:creationId xmlns:a16="http://schemas.microsoft.com/office/drawing/2014/main" id="{A5940A45-AA82-8650-35A3-B5573011316E}"/>
+              </a:ext>
+            </a:extLst>
+          </p:cNvPr>
+          <p:cNvSpPr txBox="1"/>
+          <p:nvPr/>
+        </p:nvSpPr>
+        <p:spPr>
+          <a:xfrm>
+            <a:off x="311162" y="6298789"/>
+            <a:ext cx="8635130" cy="193002"/>
+          </a:xfrm>
+          <a:prstGeom prst="rect">
+            <a:avLst/>
+          </a:prstGeom>
+          <a:noFill/>
+        </p:spPr>
+        <p:txBody>
+          <a:bodyPr wrap="square" lIns="0" tIns="0" rIns="0" bIns="0" rtlCol="0">
+            <a:spAutoFit/>
+          </a:bodyPr>
+          <a:lstStyle/>
+          <a:p>
+            <a:pPr>
+              <a:lnSpc>
+                <a:spcPct val="114000"/>
+              </a:lnSpc>
+            </a:pPr>
+            <a:r>
+              <a:rPr lang="en-US" sz="1200" b="1" dirty="0"/>
+              <a:t>Source: </a:t>
+            </a:r>
+            <a:r>
+              <a:rPr lang="en-US" sz="1200" dirty="0">
+                <a:hlinkClick r:id="rId4"/>
+              </a:rPr>
+              <a:t>https://github.com/atalantus/The-Adaptive-Radix-Tree/tree/main/Implementation</a:t>
+            </a:r>
+            <a:endParaRPr lang="en-US" sz="1200" dirty="0"/>
+          </a:p>
+        </p:txBody>
+      </p:sp>
+    </p:spTree>
+    <p:extLst>
+      <p:ext uri="{BB962C8B-B14F-4D97-AF65-F5344CB8AC3E}">
+        <p14:creationId xmlns:p14="http://schemas.microsoft.com/office/powerpoint/2010/main" val="443928699"/>
+      </p:ext>
+    </p:extLst>
+  </p:cSld>
+  <p:clrMapOvr>
+    <a:masterClrMapping/>
+  </p:clrMapOvr>
+</p:sld>
+</file>
+
+<file path=ppt/slides/slide32.xml><?xml version="1.0" encoding="utf-8"?>
+<p:sld xmlns:a="http://schemas.openxmlformats.org/drawingml/2006/main" xmlns:r="http://schemas.openxmlformats.org/officeDocument/2006/relationships" xmlns:p="http://schemas.openxmlformats.org/presentationml/2006/main">
+  <p:cSld>
+    <p:spTree>
+      <p:nvGrpSpPr>
+        <p:cNvPr id="1" name=""/>
+        <p:cNvGrpSpPr/>
+        <p:nvPr/>
+      </p:nvGrpSpPr>
+      <p:grpSpPr>
+        <a:xfrm>
+          <a:off x="0" y="0"/>
+          <a:ext cx="0" cy="0"/>
+          <a:chOff x="0" y="0"/>
+          <a:chExt cx="0" cy="0"/>
+        </a:xfrm>
+      </p:grpSpPr>
+      <p:sp>
+        <p:nvSpPr>
+          <p:cNvPr id="4" name="Foliennummernplatzhalter 3"/>
+          <p:cNvSpPr>
+            <a:spLocks noGrp="1"/>
+          </p:cNvSpPr>
+          <p:nvPr>
+            <p:ph type="sldNum" sz="quarter" idx="11"/>
+          </p:nvPr>
+        </p:nvSpPr>
+        <p:spPr>
+          <a:prstGeom prst="rect">
+            <a:avLst/>
+          </a:prstGeom>
+        </p:spPr>
+        <p:txBody>
+          <a:bodyPr/>
+          <a:lstStyle/>
+          <a:p>
+            <a:fld id="{CE58CB1E-F828-4F11-99E0-327109AF9DA4}" type="slidenum">
+              <a:rPr lang="de-DE" smtClean="0"/>
+              <a:pPr/>
+              <a:t>32</a:t>
             </a:fld>
             <a:endParaRPr lang="de-DE" dirty="0"/>
           </a:p>
@@ -30552,7 +31513,7 @@
 </p:sld>
 </file>
 
-<file path=ppt/slides/slide32.xml><?xml version="1.0" encoding="utf-8"?>
+<file path=ppt/slides/slide33.xml><?xml version="1.0" encoding="utf-8"?>
 <p:sld xmlns:a="http://schemas.openxmlformats.org/drawingml/2006/main" xmlns:r="http://schemas.openxmlformats.org/officeDocument/2006/relationships" xmlns:p="http://schemas.openxmlformats.org/presentationml/2006/main">
   <p:cSld>
     <p:spTree>
@@ -30591,7 +31552,7 @@
             <a:fld id="{CE58CB1E-F828-4F11-99E0-327109AF9DA4}" type="slidenum">
               <a:rPr lang="de-DE" smtClean="0"/>
               <a:pPr/>
-              <a:t>32</a:t>
+              <a:t>33</a:t>
             </a:fld>
             <a:endParaRPr lang="de-DE" dirty="0"/>
           </a:p>
@@ -30756,7 +31717,7 @@
 </p:sld>
 </file>
 
-<file path=ppt/slides/slide33.xml><?xml version="1.0" encoding="utf-8"?>
+<file path=ppt/slides/slide34.xml><?xml version="1.0" encoding="utf-8"?>
 <p:sld xmlns:a="http://schemas.openxmlformats.org/drawingml/2006/main" xmlns:r="http://schemas.openxmlformats.org/officeDocument/2006/relationships" xmlns:p="http://schemas.openxmlformats.org/presentationml/2006/main">
   <p:cSld>
     <p:spTree>
@@ -30795,7 +31756,7 @@
             <a:fld id="{CE58CB1E-F828-4F11-99E0-327109AF9DA4}" type="slidenum">
               <a:rPr lang="de-DE" smtClean="0"/>
               <a:pPr/>
-              <a:t>33</a:t>
+              <a:t>34</a:t>
             </a:fld>
             <a:endParaRPr lang="de-DE" dirty="0"/>
           </a:p>
@@ -30960,7 +31921,7 @@
 </p:sld>
 </file>
 
-<file path=ppt/slides/slide34.xml><?xml version="1.0" encoding="utf-8"?>
+<file path=ppt/slides/slide35.xml><?xml version="1.0" encoding="utf-8"?>
 <p:sld xmlns:a="http://schemas.openxmlformats.org/drawingml/2006/main" xmlns:r="http://schemas.openxmlformats.org/officeDocument/2006/relationships" xmlns:p="http://schemas.openxmlformats.org/presentationml/2006/main">
   <p:cSld>
     <p:spTree>
@@ -30999,7 +31960,7 @@
             <a:fld id="{CE58CB1E-F828-4F11-99E0-327109AF9DA4}" type="slidenum">
               <a:rPr lang="de-DE" smtClean="0"/>
               <a:pPr/>
-              <a:t>34</a:t>
+              <a:t>35</a:t>
             </a:fld>
             <a:endParaRPr lang="de-DE" dirty="0"/>
           </a:p>
@@ -31164,7 +32125,7 @@
 </p:sld>
 </file>
 
-<file path=ppt/slides/slide35.xml><?xml version="1.0" encoding="utf-8"?>
+<file path=ppt/slides/slide36.xml><?xml version="1.0" encoding="utf-8"?>
 <p:sld xmlns:a="http://schemas.openxmlformats.org/drawingml/2006/main" xmlns:r="http://schemas.openxmlformats.org/officeDocument/2006/relationships" xmlns:p="http://schemas.openxmlformats.org/presentationml/2006/main">
   <p:cSld>
     <p:spTree>
@@ -31203,7 +32164,7 @@
             <a:fld id="{CE58CB1E-F828-4F11-99E0-327109AF9DA4}" type="slidenum">
               <a:rPr lang="de-DE" smtClean="0"/>
               <a:pPr/>
-              <a:t>35</a:t>
+              <a:t>36</a:t>
             </a:fld>
             <a:endParaRPr lang="de-DE" dirty="0"/>
           </a:p>
@@ -31372,7 +32333,7 @@
 </p:sld>
 </file>
 
-<file path=ppt/slides/slide36.xml><?xml version="1.0" encoding="utf-8"?>
+<file path=ppt/slides/slide37.xml><?xml version="1.0" encoding="utf-8"?>
 <p:sld xmlns:a="http://schemas.openxmlformats.org/drawingml/2006/main" xmlns:r="http://schemas.openxmlformats.org/officeDocument/2006/relationships" xmlns:p="http://schemas.openxmlformats.org/presentationml/2006/main">
   <p:cSld>
     <p:spTree>
@@ -31423,7 +32384,7 @@
                   <a:spcPts val="600"/>
                 </a:spcAft>
               </a:pPr>
-              <a:t>36</a:t>
+              <a:t>37</a:t>
             </a:fld>
             <a:endParaRPr lang="de-DE"/>
           </a:p>
@@ -31602,7 +32563,7 @@
 </p:sld>
 </file>
 
-<file path=ppt/slides/slide37.xml><?xml version="1.0" encoding="utf-8"?>
+<file path=ppt/slides/slide38.xml><?xml version="1.0" encoding="utf-8"?>
 <p:sld xmlns:a="http://schemas.openxmlformats.org/drawingml/2006/main" xmlns:r="http://schemas.openxmlformats.org/officeDocument/2006/relationships" xmlns:p="http://schemas.openxmlformats.org/presentationml/2006/main">
   <p:cSld>
     <p:spTree>
@@ -31641,7 +32602,7 @@
             <a:fld id="{CE58CB1E-F828-4F11-99E0-327109AF9DA4}" type="slidenum">
               <a:rPr lang="de-DE" smtClean="0"/>
               <a:pPr/>
-              <a:t>37</a:t>
+              <a:t>38</a:t>
             </a:fld>
             <a:endParaRPr lang="de-DE" dirty="0"/>
           </a:p>

--- a/Presentation/The Adaptive Radix Tree.pptx
+++ b/Presentation/The Adaptive Radix Tree.pptx
@@ -1045,7 +1045,7 @@
           </c:tx>
           <c:overlay val="0"/>
         </c:title>
-        <c:numFmt formatCode="0.00" sourceLinked="1"/>
+        <c:numFmt formatCode="0" sourceLinked="0"/>
         <c:majorTickMark val="none"/>
         <c:minorTickMark val="none"/>
         <c:tickLblPos val="nextTo"/>
@@ -1479,7 +1479,7 @@
           </c:tx>
           <c:overlay val="0"/>
         </c:title>
-        <c:numFmt formatCode="0.00" sourceLinked="1"/>
+        <c:numFmt formatCode="0" sourceLinked="0"/>
         <c:majorTickMark val="none"/>
         <c:minorTickMark val="none"/>
         <c:tickLblPos val="nextTo"/>
@@ -2789,9 +2789,9 @@
           <c:invertIfNegative val="0"/>
           <c:cat>
             <c:strRef>
-              <c:f>Tabelle1!$A$2:$A$7</c:f>
+              <c:f>Tabelle1!$A$2:$A$8</c:f>
               <c:strCache>
-                <c:ptCount val="6"/>
+                <c:ptCount val="7"/>
                 <c:pt idx="0">
                   <c:v>ART</c:v>
                 </c:pt>
@@ -2799,44 +2799,29 @@
                   <c:v>Trie</c:v>
                 </c:pt>
                 <c:pt idx="2">
-                  <c:v>F-Trie</c:v>
+                  <c:v>M-Trie</c:v>
                 </c:pt>
                 <c:pt idx="3">
-                  <c:v>Sorted List</c:v>
+                  <c:v>H-Trie</c:v>
                 </c:pt>
                 <c:pt idx="4">
-                  <c:v>RB-Tree</c:v>
+                  <c:v>Sorted List</c:v>
                 </c:pt>
                 <c:pt idx="5">
                   <c:v>Hash-Table</c:v>
+                </c:pt>
+                <c:pt idx="6">
+                  <c:v>RB-Tree</c:v>
                 </c:pt>
               </c:strCache>
             </c:strRef>
           </c:cat>
           <c:val>
             <c:numRef>
-              <c:f>Tabelle1!$B$2:$B$7</c:f>
+              <c:f>Tabelle1!$B$2:$B$8</c:f>
               <c:numCache>
                 <c:formatCode>0.00</c:formatCode>
-                <c:ptCount val="6"/>
-                <c:pt idx="0">
-                  <c:v>0</c:v>
-                </c:pt>
-                <c:pt idx="1">
-                  <c:v>1.26</c:v>
-                </c:pt>
-                <c:pt idx="2">
-                  <c:v>1.28</c:v>
-                </c:pt>
-                <c:pt idx="3">
-                  <c:v>3.26</c:v>
-                </c:pt>
-                <c:pt idx="4">
-                  <c:v>0.91</c:v>
-                </c:pt>
-                <c:pt idx="5">
-                  <c:v>19.23</c:v>
-                </c:pt>
+                <c:ptCount val="7"/>
               </c:numCache>
             </c:numRef>
           </c:val>
@@ -2872,9 +2857,9 @@
           <c:invertIfNegative val="0"/>
           <c:cat>
             <c:strRef>
-              <c:f>Tabelle1!$A$2:$A$7</c:f>
+              <c:f>Tabelle1!$A$2:$A$8</c:f>
               <c:strCache>
-                <c:ptCount val="6"/>
+                <c:ptCount val="7"/>
                 <c:pt idx="0">
                   <c:v>ART</c:v>
                 </c:pt>
@@ -2882,44 +2867,29 @@
                   <c:v>Trie</c:v>
                 </c:pt>
                 <c:pt idx="2">
-                  <c:v>F-Trie</c:v>
+                  <c:v>M-Trie</c:v>
                 </c:pt>
                 <c:pt idx="3">
-                  <c:v>Sorted List</c:v>
+                  <c:v>H-Trie</c:v>
                 </c:pt>
                 <c:pt idx="4">
-                  <c:v>RB-Tree</c:v>
+                  <c:v>Sorted List</c:v>
                 </c:pt>
                 <c:pt idx="5">
                   <c:v>Hash-Table</c:v>
+                </c:pt>
+                <c:pt idx="6">
+                  <c:v>RB-Tree</c:v>
                 </c:pt>
               </c:strCache>
             </c:strRef>
           </c:cat>
           <c:val>
             <c:numRef>
-              <c:f>Tabelle1!$C$2:$C$7</c:f>
+              <c:f>Tabelle1!$C$2:$C$8</c:f>
               <c:numCache>
                 <c:formatCode>0.00</c:formatCode>
-                <c:ptCount val="6"/>
-                <c:pt idx="0">
-                  <c:v>0</c:v>
-                </c:pt>
-                <c:pt idx="1">
-                  <c:v>0</c:v>
-                </c:pt>
-                <c:pt idx="2">
-                  <c:v>0.77</c:v>
-                </c:pt>
-                <c:pt idx="3">
-                  <c:v>3.24</c:v>
-                </c:pt>
-                <c:pt idx="4">
-                  <c:v>0.84</c:v>
-                </c:pt>
-                <c:pt idx="5">
-                  <c:v>14.95</c:v>
-                </c:pt>
+                <c:ptCount val="7"/>
               </c:numCache>
             </c:numRef>
           </c:val>
@@ -8658,7 +8628,7 @@
             </a:r>
             <a:r>
               <a:rPr lang="de-DE" dirty="0"/>
-              <a:t> = 8 Bytes per Key (</a:t>
+              <a:t> = 130 MB ~ 8 Bytes per Key (</a:t>
             </a:r>
             <a:r>
               <a:rPr lang="de-DE" dirty="0" err="1"/>
@@ -8700,7 +8670,7 @@
             </a:r>
             <a:r>
               <a:rPr lang="de-DE" dirty="0"/>
-              <a:t> = 32 </a:t>
+              <a:t> = 500 MB ~ 32 </a:t>
             </a:r>
             <a:r>
               <a:rPr lang="de-DE" dirty="0" err="1"/>
@@ -8724,7 +8694,7 @@
           <a:p>
             <a:r>
               <a:rPr lang="de-DE" dirty="0"/>
-              <a:t>4 </a:t>
+              <a:t>64 MB ~ 4 </a:t>
             </a:r>
             <a:r>
               <a:rPr lang="de-DE" dirty="0" err="1"/>
@@ -9107,7 +9077,50 @@
               <a:tabLst/>
               <a:defRPr/>
             </a:pPr>
-            <a:endParaRPr lang="de-DE" dirty="0"/>
+            <a:r>
+              <a:rPr lang="de-DE" dirty="0"/>
+              <a:t>Trie so slow </a:t>
+            </a:r>
+            <a:r>
+              <a:rPr lang="de-DE" dirty="0" err="1"/>
+              <a:t>because</a:t>
+            </a:r>
+            <a:r>
+              <a:rPr lang="de-DE" dirty="0"/>
+              <a:t> </a:t>
+            </a:r>
+            <a:r>
+              <a:rPr lang="de-DE" dirty="0" err="1"/>
+              <a:t>of</a:t>
+            </a:r>
+            <a:r>
+              <a:rPr lang="de-DE" dirty="0"/>
+              <a:t> </a:t>
+            </a:r>
+            <a:r>
+              <a:rPr lang="de-DE" dirty="0" err="1"/>
+              <a:t>memory</a:t>
+            </a:r>
+            <a:r>
+              <a:rPr lang="de-DE" dirty="0"/>
+              <a:t> </a:t>
+            </a:r>
+            <a:r>
+              <a:rPr lang="de-DE" dirty="0" err="1"/>
+              <a:t>management</a:t>
+            </a:r>
+            <a:r>
+              <a:rPr lang="de-DE" dirty="0"/>
+              <a:t> (65K </a:t>
+            </a:r>
+            <a:r>
+              <a:rPr lang="de-DE" dirty="0" err="1"/>
+              <a:t>keys</a:t>
+            </a:r>
+            <a:r>
+              <a:rPr lang="de-DE" dirty="0"/>
+              <a:t> = 90MB)</a:t>
+            </a:r>
           </a:p>
           <a:p>
             <a:pPr marL="0" marR="0" lvl="0" indent="0" algn="l" defTabSz="914400" rtl="0" eaLnBrk="1" fontAlgn="base" latinLnBrk="0" hangingPunct="1">
@@ -9127,10 +9140,7 @@
               <a:tabLst/>
               <a:defRPr/>
             </a:pPr>
-            <a:r>
-              <a:rPr lang="de-DE" dirty="0"/>
-              <a:t>16M:</a:t>
-            </a:r>
+            <a:endParaRPr lang="de-DE" dirty="0"/>
           </a:p>
           <a:p>
             <a:pPr marL="0" marR="0" lvl="0" indent="0" algn="l" defTabSz="914400" rtl="0" eaLnBrk="1" fontAlgn="base" latinLnBrk="0" hangingPunct="1">
@@ -9152,6 +9162,29 @@
             </a:pPr>
             <a:r>
               <a:rPr lang="de-DE" dirty="0"/>
+              <a:t>16M:</a:t>
+            </a:r>
+          </a:p>
+          <a:p>
+            <a:pPr marL="0" marR="0" lvl="0" indent="0" algn="l" defTabSz="914400" rtl="0" eaLnBrk="1" fontAlgn="base" latinLnBrk="0" hangingPunct="1">
+              <a:lnSpc>
+                <a:spcPct val="100000"/>
+              </a:lnSpc>
+              <a:spcBef>
+                <a:spcPct val="30000"/>
+              </a:spcBef>
+              <a:spcAft>
+                <a:spcPct val="0"/>
+              </a:spcAft>
+              <a:buClrTx/>
+              <a:buSzTx/>
+              <a:buFontTx/>
+              <a:buNone/>
+              <a:tabLst/>
+              <a:defRPr/>
+            </a:pPr>
+            <a:r>
+              <a:rPr lang="de-DE" dirty="0"/>
               <a:t>ART </a:t>
             </a:r>
             <a:r>
@@ -9204,7 +9237,7 @@
             </a:r>
             <a:r>
               <a:rPr lang="de-DE" dirty="0" err="1"/>
-              <a:t>overhead</a:t>
+              <a:t>cache</a:t>
             </a:r>
             <a:r>
               <a:rPr lang="de-DE" dirty="0"/>
@@ -9212,7 +9245,39 @@
             </a:r>
             <a:r>
               <a:rPr lang="de-DE" dirty="0" err="1"/>
-              <a:t>of</a:t>
+              <a:t>misses</a:t>
+            </a:r>
+            <a:r>
+              <a:rPr lang="de-DE" dirty="0"/>
+              <a:t> (</a:t>
+            </a:r>
+            <a:r>
+              <a:rPr lang="de-DE" dirty="0" err="1"/>
+              <a:t>can‘t</a:t>
+            </a:r>
+            <a:r>
+              <a:rPr lang="de-DE" dirty="0"/>
+              <a:t> hold all </a:t>
+            </a:r>
+            <a:r>
+              <a:rPr lang="de-DE" dirty="0" err="1"/>
+              <a:t>nodes</a:t>
+            </a:r>
+            <a:r>
+              <a:rPr lang="de-DE" dirty="0"/>
+              <a:t> in </a:t>
+            </a:r>
+            <a:r>
+              <a:rPr lang="de-DE" dirty="0" err="1"/>
+              <a:t>cache</a:t>
+            </a:r>
+            <a:r>
+              <a:rPr lang="de-DE" dirty="0"/>
+              <a:t>. Look back at </a:t>
+            </a:r>
+            <a:r>
+              <a:rPr lang="de-DE" dirty="0" err="1"/>
+              <a:t>memory</a:t>
             </a:r>
             <a:r>
               <a:rPr lang="de-DE" dirty="0"/>
@@ -9220,7 +9285,7 @@
             </a:r>
             <a:r>
               <a:rPr lang="de-DE" dirty="0" err="1"/>
-              <a:t>memory</a:t>
+              <a:t>usage</a:t>
             </a:r>
             <a:r>
               <a:rPr lang="de-DE" dirty="0"/>
@@ -9228,15 +9293,7 @@
             </a:r>
             <a:r>
               <a:rPr lang="de-DE" dirty="0" err="1"/>
-              <a:t>management</a:t>
-            </a:r>
-            <a:r>
-              <a:rPr lang="de-DE" dirty="0"/>
-              <a:t> (</a:t>
-            </a:r>
-            <a:r>
-              <a:rPr lang="de-DE" dirty="0" err="1"/>
-              <a:t>node</a:t>
+              <a:t>for</a:t>
             </a:r>
             <a:r>
               <a:rPr lang="de-DE" dirty="0"/>
@@ -9244,15 +9301,23 @@
             </a:r>
             <a:r>
               <a:rPr lang="de-DE" dirty="0" err="1"/>
-              <a:t>allocation</a:t>
-            </a:r>
-            <a:r>
-              <a:rPr lang="de-DE" dirty="0"/>
-              <a:t> and </a:t>
-            </a:r>
-            <a:r>
-              <a:rPr lang="de-DE" dirty="0" err="1"/>
-              <a:t>deletion</a:t>
+              <a:t>sparse</a:t>
+            </a:r>
+            <a:r>
+              <a:rPr lang="de-DE" dirty="0"/>
+              <a:t> 16M – </a:t>
+            </a:r>
+            <a:r>
+              <a:rPr lang="de-DE" dirty="0" err="1"/>
+              <a:t>previous</a:t>
+            </a:r>
+            <a:r>
+              <a:rPr lang="de-DE" dirty="0"/>
+              <a:t> </a:t>
+            </a:r>
+            <a:r>
+              <a:rPr lang="de-DE" dirty="0" err="1"/>
+              <a:t>slide</a:t>
             </a:r>
             <a:r>
               <a:rPr lang="de-DE" dirty="0"/>
@@ -9347,194 +9412,7 @@
           <a:bodyPr/>
           <a:lstStyle/>
           <a:p>
-            <a:r>
-              <a:rPr lang="de-DE" dirty="0"/>
-              <a:t>Own Implementation Performance-Benchmark (</a:t>
-            </a:r>
-            <a:r>
-              <a:rPr lang="de-DE" dirty="0" err="1"/>
-              <a:t>search</a:t>
-            </a:r>
-            <a:r>
-              <a:rPr lang="de-DE" dirty="0"/>
-              <a:t>):</a:t>
-            </a:r>
-          </a:p>
-          <a:p>
-            <a:r>
-              <a:rPr lang="de-DE" dirty="0"/>
-              <a:t>(Hash-Table Performance </a:t>
-            </a:r>
-            <a:r>
-              <a:rPr lang="de-DE" dirty="0" err="1"/>
-              <a:t>better</a:t>
-            </a:r>
-            <a:r>
-              <a:rPr lang="de-DE" dirty="0"/>
-              <a:t> </a:t>
-            </a:r>
-            <a:r>
-              <a:rPr lang="de-DE" dirty="0" err="1"/>
-              <a:t>than</a:t>
-            </a:r>
-            <a:r>
-              <a:rPr lang="de-DE" dirty="0"/>
-              <a:t> in ART </a:t>
-            </a:r>
-            <a:r>
-              <a:rPr lang="de-DE" dirty="0" err="1"/>
-              <a:t>paper</a:t>
-            </a:r>
-            <a:r>
-              <a:rPr lang="de-DE" dirty="0"/>
-              <a:t>? Caching </a:t>
-            </a:r>
-            <a:r>
-              <a:rPr lang="de-DE" dirty="0" err="1"/>
-              <a:t>effect</a:t>
-            </a:r>
-            <a:r>
-              <a:rPr lang="de-DE" dirty="0"/>
-              <a:t>? Remove </a:t>
-            </a:r>
-            <a:r>
-              <a:rPr lang="de-DE" dirty="0" err="1"/>
-              <a:t>for</a:t>
-            </a:r>
-            <a:r>
-              <a:rPr lang="de-DE" dirty="0"/>
-              <a:t> </a:t>
-            </a:r>
-            <a:r>
-              <a:rPr lang="de-DE" dirty="0" err="1"/>
-              <a:t>better</a:t>
-            </a:r>
-            <a:r>
-              <a:rPr lang="de-DE" dirty="0"/>
-              <a:t> </a:t>
-            </a:r>
-            <a:r>
-              <a:rPr lang="de-DE" dirty="0" err="1"/>
-              <a:t>scale</a:t>
-            </a:r>
-            <a:r>
-              <a:rPr lang="de-DE" dirty="0"/>
-              <a:t>?)</a:t>
-            </a:r>
-          </a:p>
-          <a:p>
             <a:endParaRPr lang="de-DE" dirty="0"/>
-          </a:p>
-          <a:p>
-            <a:pPr marL="0" marR="0" lvl="0" indent="0" algn="l" defTabSz="914400" rtl="0" eaLnBrk="1" fontAlgn="base" latinLnBrk="0" hangingPunct="1">
-              <a:lnSpc>
-                <a:spcPct val="100000"/>
-              </a:lnSpc>
-              <a:spcBef>
-                <a:spcPct val="30000"/>
-              </a:spcBef>
-              <a:spcAft>
-                <a:spcPct val="0"/>
-              </a:spcAft>
-              <a:buClrTx/>
-              <a:buSzTx/>
-              <a:buFontTx/>
-              <a:buNone/>
-              <a:tabLst/>
-              <a:defRPr/>
-            </a:pPr>
-            <a:r>
-              <a:rPr lang="de-DE" dirty="0"/>
-              <a:t>Trie </a:t>
-            </a:r>
-            <a:r>
-              <a:rPr lang="de-DE" dirty="0" err="1"/>
-              <a:t>implementation</a:t>
-            </a:r>
-            <a:r>
-              <a:rPr lang="de-DE" dirty="0"/>
-              <a:t> </a:t>
-            </a:r>
-            <a:r>
-              <a:rPr lang="de-DE" dirty="0" err="1"/>
-              <a:t>with</a:t>
-            </a:r>
-            <a:r>
-              <a:rPr lang="de-DE" dirty="0"/>
-              <a:t> </a:t>
-            </a:r>
-            <a:r>
-              <a:rPr lang="de-DE" dirty="0" err="1"/>
-              <a:t>sparse</a:t>
-            </a:r>
-            <a:r>
-              <a:rPr lang="de-DE" dirty="0"/>
-              <a:t> 16M </a:t>
-            </a:r>
-            <a:r>
-              <a:rPr lang="de-DE" dirty="0" err="1"/>
-              <a:t>keys</a:t>
-            </a:r>
-            <a:r>
-              <a:rPr lang="de-DE" dirty="0"/>
-              <a:t> </a:t>
-            </a:r>
-            <a:r>
-              <a:rPr lang="de-DE" dirty="0" err="1"/>
-              <a:t>takes</a:t>
-            </a:r>
-            <a:r>
-              <a:rPr lang="de-DE" dirty="0"/>
-              <a:t> </a:t>
-            </a:r>
-            <a:r>
-              <a:rPr lang="de-DE" dirty="0" err="1"/>
-              <a:t>more</a:t>
-            </a:r>
-            <a:r>
-              <a:rPr lang="de-DE" dirty="0"/>
-              <a:t> </a:t>
-            </a:r>
-            <a:r>
-              <a:rPr lang="de-DE" dirty="0" err="1"/>
-              <a:t>than</a:t>
-            </a:r>
-            <a:r>
-              <a:rPr lang="de-DE" dirty="0"/>
-              <a:t> 16GB (</a:t>
-            </a:r>
-            <a:r>
-              <a:rPr lang="de-DE" dirty="0" err="1"/>
-              <a:t>only</a:t>
-            </a:r>
-            <a:r>
-              <a:rPr lang="de-DE" dirty="0"/>
-              <a:t> </a:t>
-            </a:r>
-            <a:r>
-              <a:rPr lang="de-DE" dirty="0" err="1"/>
-              <a:t>have</a:t>
-            </a:r>
-            <a:r>
-              <a:rPr lang="de-DE" dirty="0"/>
-              <a:t> 16GB RAM so </a:t>
-            </a:r>
-            <a:r>
-              <a:rPr lang="de-DE" dirty="0" err="1"/>
-              <a:t>no</a:t>
-            </a:r>
-            <a:r>
-              <a:rPr lang="de-DE" dirty="0"/>
-              <a:t> </a:t>
-            </a:r>
-            <a:r>
-              <a:rPr lang="de-DE" dirty="0" err="1"/>
-              <a:t>value</a:t>
-            </a:r>
-            <a:r>
-              <a:rPr lang="de-DE" dirty="0"/>
-              <a:t>)</a:t>
-            </a:r>
           </a:p>
         </p:txBody>
       </p:sp>
@@ -27165,7 +27043,7 @@
             <p:ph idx="1"/>
             <p:extLst>
               <p:ext uri="{D42A27DB-BD31-4B8C-83A1-F6EECF244321}">
-                <p14:modId xmlns:p14="http://schemas.microsoft.com/office/powerpoint/2010/main" val="742906861"/>
+                <p14:modId xmlns:p14="http://schemas.microsoft.com/office/powerpoint/2010/main" val="1456386510"/>
               </p:ext>
             </p:extLst>
           </p:nvPr>
@@ -27337,7 +27215,7 @@
           <p:nvPr>
             <p:extLst>
               <p:ext uri="{D42A27DB-BD31-4B8C-83A1-F6EECF244321}">
-                <p14:modId xmlns:p14="http://schemas.microsoft.com/office/powerpoint/2010/main" val="3907432366"/>
+                <p14:modId xmlns:p14="http://schemas.microsoft.com/office/powerpoint/2010/main" val="3792893484"/>
               </p:ext>
             </p:extLst>
           </p:nvPr>
@@ -27362,7 +27240,7 @@
             <p:ph idx="1"/>
             <p:extLst>
               <p:ext uri="{D42A27DB-BD31-4B8C-83A1-F6EECF244321}">
-                <p14:modId xmlns:p14="http://schemas.microsoft.com/office/powerpoint/2010/main" val="3302425970"/>
+                <p14:modId xmlns:p14="http://schemas.microsoft.com/office/powerpoint/2010/main" val="4253448097"/>
               </p:ext>
             </p:extLst>
           </p:nvPr>

--- a/Presentation/The Adaptive Radix Tree.pptx
+++ b/Presentation/The Adaptive Radix Tree.pptx
@@ -2789,28 +2789,25 @@
           <c:invertIfNegative val="0"/>
           <c:cat>
             <c:strRef>
-              <c:f>Tabelle1!$A$2:$A$8</c:f>
+              <c:f>Tabelle1!$A$2:$A$7</c:f>
               <c:strCache>
-                <c:ptCount val="7"/>
+                <c:ptCount val="6"/>
                 <c:pt idx="0">
                   <c:v>ART</c:v>
                 </c:pt>
                 <c:pt idx="1">
-                  <c:v>Trie</c:v>
+                  <c:v>M-Trie</c:v>
                 </c:pt>
                 <c:pt idx="2">
-                  <c:v>M-Trie</c:v>
+                  <c:v>H-Trie</c:v>
                 </c:pt>
                 <c:pt idx="3">
-                  <c:v>H-Trie</c:v>
+                  <c:v>Sorted List</c:v>
                 </c:pt>
                 <c:pt idx="4">
-                  <c:v>Sorted List</c:v>
+                  <c:v>Hash-Table</c:v>
                 </c:pt>
                 <c:pt idx="5">
-                  <c:v>Hash-Table</c:v>
-                </c:pt>
-                <c:pt idx="6">
                   <c:v>RB-Tree</c:v>
                 </c:pt>
               </c:strCache>
@@ -2818,10 +2815,28 @@
           </c:cat>
           <c:val>
             <c:numRef>
-              <c:f>Tabelle1!$B$2:$B$8</c:f>
+              <c:f>Tabelle1!$B$2:$B$7</c:f>
               <c:numCache>
                 <c:formatCode>0.00</c:formatCode>
-                <c:ptCount val="7"/>
+                <c:ptCount val="6"/>
+                <c:pt idx="0">
+                  <c:v>9.4954999999999998</c:v>
+                </c:pt>
+                <c:pt idx="1">
+                  <c:v>0.6</c:v>
+                </c:pt>
+                <c:pt idx="2">
+                  <c:v>1.3</c:v>
+                </c:pt>
+                <c:pt idx="3">
+                  <c:v>3.2690000000000001</c:v>
+                </c:pt>
+                <c:pt idx="4">
+                  <c:v>19.649999999999999</c:v>
+                </c:pt>
+                <c:pt idx="5">
+                  <c:v>0.92500000000000004</c:v>
+                </c:pt>
               </c:numCache>
             </c:numRef>
           </c:val>
@@ -2857,28 +2872,25 @@
           <c:invertIfNegative val="0"/>
           <c:cat>
             <c:strRef>
-              <c:f>Tabelle1!$A$2:$A$8</c:f>
+              <c:f>Tabelle1!$A$2:$A$7</c:f>
               <c:strCache>
-                <c:ptCount val="7"/>
+                <c:ptCount val="6"/>
                 <c:pt idx="0">
                   <c:v>ART</c:v>
                 </c:pt>
                 <c:pt idx="1">
-                  <c:v>Trie</c:v>
+                  <c:v>M-Trie</c:v>
                 </c:pt>
                 <c:pt idx="2">
-                  <c:v>M-Trie</c:v>
+                  <c:v>H-Trie</c:v>
                 </c:pt>
                 <c:pt idx="3">
-                  <c:v>H-Trie</c:v>
+                  <c:v>Sorted List</c:v>
                 </c:pt>
                 <c:pt idx="4">
-                  <c:v>Sorted List</c:v>
+                  <c:v>Hash-Table</c:v>
                 </c:pt>
                 <c:pt idx="5">
-                  <c:v>Hash-Table</c:v>
-                </c:pt>
-                <c:pt idx="6">
                   <c:v>RB-Tree</c:v>
                 </c:pt>
               </c:strCache>
@@ -2886,10 +2898,28 @@
           </c:cat>
           <c:val>
             <c:numRef>
-              <c:f>Tabelle1!$C$2:$C$8</c:f>
+              <c:f>Tabelle1!$C$2:$C$7</c:f>
               <c:numCache>
                 <c:formatCode>0.00</c:formatCode>
-                <c:ptCount val="7"/>
+                <c:ptCount val="6"/>
+                <c:pt idx="0">
+                  <c:v>9.3450000000000006</c:v>
+                </c:pt>
+                <c:pt idx="1">
+                  <c:v>0.46600000000000003</c:v>
+                </c:pt>
+                <c:pt idx="2">
+                  <c:v>0.75139999999999996</c:v>
+                </c:pt>
+                <c:pt idx="3">
+                  <c:v>3.2360000000000002</c:v>
+                </c:pt>
+                <c:pt idx="4">
+                  <c:v>14.49</c:v>
+                </c:pt>
+                <c:pt idx="5">
+                  <c:v>0.80800000000000005</c:v>
+                </c:pt>
               </c:numCache>
             </c:numRef>
           </c:val>
@@ -3330,6 +3360,27 @@
               <c:numCache>
                 <c:formatCode>0.00</c:formatCode>
                 <c:ptCount val="7"/>
+                <c:pt idx="0">
+                  <c:v>65</c:v>
+                </c:pt>
+                <c:pt idx="1">
+                  <c:v>0</c:v>
+                </c:pt>
+                <c:pt idx="2">
+                  <c:v>3.3849999999999998</c:v>
+                </c:pt>
+                <c:pt idx="3">
+                  <c:v>6.31</c:v>
+                </c:pt>
+                <c:pt idx="4">
+                  <c:v>13</c:v>
+                </c:pt>
+                <c:pt idx="5">
+                  <c:v>0</c:v>
+                </c:pt>
+                <c:pt idx="6">
+                  <c:v>6.4349999999999996</c:v>
+                </c:pt>
               </c:numCache>
             </c:numRef>
           </c:val>
@@ -3398,6 +3449,27 @@
               <c:numCache>
                 <c:formatCode>0.00</c:formatCode>
                 <c:ptCount val="7"/>
+                <c:pt idx="0">
+                  <c:v>65</c:v>
+                </c:pt>
+                <c:pt idx="1">
+                  <c:v>16.25</c:v>
+                </c:pt>
+                <c:pt idx="2">
+                  <c:v>1.3320000000000001</c:v>
+                </c:pt>
+                <c:pt idx="3">
+                  <c:v>1.6579999999999999</c:v>
+                </c:pt>
+                <c:pt idx="4">
+                  <c:v>13</c:v>
+                </c:pt>
+                <c:pt idx="5">
+                  <c:v>65</c:v>
+                </c:pt>
+                <c:pt idx="6">
+                  <c:v>5.4160000000000004</c:v>
+                </c:pt>
               </c:numCache>
             </c:numRef>
           </c:val>
@@ -9077,50 +9149,7 @@
               <a:tabLst/>
               <a:defRPr/>
             </a:pPr>
-            <a:r>
-              <a:rPr lang="de-DE" dirty="0"/>
-              <a:t>Trie so slow </a:t>
-            </a:r>
-            <a:r>
-              <a:rPr lang="de-DE" dirty="0" err="1"/>
-              <a:t>because</a:t>
-            </a:r>
-            <a:r>
-              <a:rPr lang="de-DE" dirty="0"/>
-              <a:t> </a:t>
-            </a:r>
-            <a:r>
-              <a:rPr lang="de-DE" dirty="0" err="1"/>
-              <a:t>of</a:t>
-            </a:r>
-            <a:r>
-              <a:rPr lang="de-DE" dirty="0"/>
-              <a:t> </a:t>
-            </a:r>
-            <a:r>
-              <a:rPr lang="de-DE" dirty="0" err="1"/>
-              <a:t>memory</a:t>
-            </a:r>
-            <a:r>
-              <a:rPr lang="de-DE" dirty="0"/>
-              <a:t> </a:t>
-            </a:r>
-            <a:r>
-              <a:rPr lang="de-DE" dirty="0" err="1"/>
-              <a:t>management</a:t>
-            </a:r>
-            <a:r>
-              <a:rPr lang="de-DE" dirty="0"/>
-              <a:t> (65K </a:t>
-            </a:r>
-            <a:r>
-              <a:rPr lang="de-DE" dirty="0" err="1"/>
-              <a:t>keys</a:t>
-            </a:r>
-            <a:r>
-              <a:rPr lang="de-DE" dirty="0"/>
-              <a:t> = 90MB)</a:t>
-            </a:r>
+            <a:endParaRPr lang="de-DE" dirty="0"/>
           </a:p>
           <a:p>
             <a:pPr marL="0" marR="0" lvl="0" indent="0" algn="l" defTabSz="914400" rtl="0" eaLnBrk="1" fontAlgn="base" latinLnBrk="0" hangingPunct="1">
@@ -9140,7 +9169,10 @@
               <a:tabLst/>
               <a:defRPr/>
             </a:pPr>
-            <a:endParaRPr lang="de-DE" dirty="0"/>
+            <a:r>
+              <a:rPr lang="de-DE" dirty="0"/>
+              <a:t>16M:</a:t>
+            </a:r>
           </a:p>
           <a:p>
             <a:pPr marL="0" marR="0" lvl="0" indent="0" algn="l" defTabSz="914400" rtl="0" eaLnBrk="1" fontAlgn="base" latinLnBrk="0" hangingPunct="1">
@@ -9162,29 +9194,6 @@
             </a:pPr>
             <a:r>
               <a:rPr lang="de-DE" dirty="0"/>
-              <a:t>16M:</a:t>
-            </a:r>
-          </a:p>
-          <a:p>
-            <a:pPr marL="0" marR="0" lvl="0" indent="0" algn="l" defTabSz="914400" rtl="0" eaLnBrk="1" fontAlgn="base" latinLnBrk="0" hangingPunct="1">
-              <a:lnSpc>
-                <a:spcPct val="100000"/>
-              </a:lnSpc>
-              <a:spcBef>
-                <a:spcPct val="30000"/>
-              </a:spcBef>
-              <a:spcAft>
-                <a:spcPct val="0"/>
-              </a:spcAft>
-              <a:buClrTx/>
-              <a:buSzTx/>
-              <a:buFontTx/>
-              <a:buNone/>
-              <a:tabLst/>
-              <a:defRPr/>
-            </a:pPr>
-            <a:r>
-              <a:rPr lang="de-DE" dirty="0"/>
               <a:t>ART </a:t>
             </a:r>
             <a:r>
@@ -9218,14 +9227,6 @@
             <a:r>
               <a:rPr lang="de-DE" dirty="0"/>
               <a:t> List </a:t>
-            </a:r>
-            <a:r>
-              <a:rPr lang="de-DE" dirty="0" err="1"/>
-              <a:t>now</a:t>
-            </a:r>
-            <a:r>
-              <a:rPr lang="de-DE" dirty="0"/>
-              <a:t> </a:t>
             </a:r>
             <a:r>
               <a:rPr lang="de-DE" dirty="0" err="1"/>
@@ -9502,194 +9503,7 @@
           <a:bodyPr/>
           <a:lstStyle/>
           <a:p>
-            <a:r>
-              <a:rPr lang="de-DE" dirty="0"/>
-              <a:t>Own Implementation Performance-Benchmark (</a:t>
-            </a:r>
-            <a:r>
-              <a:rPr lang="de-DE" dirty="0" err="1"/>
-              <a:t>search</a:t>
-            </a:r>
-            <a:r>
-              <a:rPr lang="de-DE" dirty="0"/>
-              <a:t>):</a:t>
-            </a:r>
-          </a:p>
-          <a:p>
-            <a:r>
-              <a:rPr lang="de-DE" dirty="0"/>
-              <a:t>(Hash-Table Performance </a:t>
-            </a:r>
-            <a:r>
-              <a:rPr lang="de-DE" dirty="0" err="1"/>
-              <a:t>better</a:t>
-            </a:r>
-            <a:r>
-              <a:rPr lang="de-DE" dirty="0"/>
-              <a:t> </a:t>
-            </a:r>
-            <a:r>
-              <a:rPr lang="de-DE" dirty="0" err="1"/>
-              <a:t>than</a:t>
-            </a:r>
-            <a:r>
-              <a:rPr lang="de-DE" dirty="0"/>
-              <a:t> in ART </a:t>
-            </a:r>
-            <a:r>
-              <a:rPr lang="de-DE" dirty="0" err="1"/>
-              <a:t>paper</a:t>
-            </a:r>
-            <a:r>
-              <a:rPr lang="de-DE" dirty="0"/>
-              <a:t>? Caching </a:t>
-            </a:r>
-            <a:r>
-              <a:rPr lang="de-DE" dirty="0" err="1"/>
-              <a:t>effect</a:t>
-            </a:r>
-            <a:r>
-              <a:rPr lang="de-DE" dirty="0"/>
-              <a:t>? Remove </a:t>
-            </a:r>
-            <a:r>
-              <a:rPr lang="de-DE" dirty="0" err="1"/>
-              <a:t>for</a:t>
-            </a:r>
-            <a:r>
-              <a:rPr lang="de-DE" dirty="0"/>
-              <a:t> </a:t>
-            </a:r>
-            <a:r>
-              <a:rPr lang="de-DE" dirty="0" err="1"/>
-              <a:t>better</a:t>
-            </a:r>
-            <a:r>
-              <a:rPr lang="de-DE" dirty="0"/>
-              <a:t> </a:t>
-            </a:r>
-            <a:r>
-              <a:rPr lang="de-DE" dirty="0" err="1"/>
-              <a:t>scale</a:t>
-            </a:r>
-            <a:r>
-              <a:rPr lang="de-DE" dirty="0"/>
-              <a:t>?)</a:t>
-            </a:r>
-          </a:p>
-          <a:p>
             <a:endParaRPr lang="de-DE" dirty="0"/>
-          </a:p>
-          <a:p>
-            <a:pPr marL="0" marR="0" lvl="0" indent="0" algn="l" defTabSz="914400" rtl="0" eaLnBrk="1" fontAlgn="base" latinLnBrk="0" hangingPunct="1">
-              <a:lnSpc>
-                <a:spcPct val="100000"/>
-              </a:lnSpc>
-              <a:spcBef>
-                <a:spcPct val="30000"/>
-              </a:spcBef>
-              <a:spcAft>
-                <a:spcPct val="0"/>
-              </a:spcAft>
-              <a:buClrTx/>
-              <a:buSzTx/>
-              <a:buFontTx/>
-              <a:buNone/>
-              <a:tabLst/>
-              <a:defRPr/>
-            </a:pPr>
-            <a:r>
-              <a:rPr lang="de-DE" dirty="0"/>
-              <a:t>Trie </a:t>
-            </a:r>
-            <a:r>
-              <a:rPr lang="de-DE" dirty="0" err="1"/>
-              <a:t>implementation</a:t>
-            </a:r>
-            <a:r>
-              <a:rPr lang="de-DE" dirty="0"/>
-              <a:t> </a:t>
-            </a:r>
-            <a:r>
-              <a:rPr lang="de-DE" dirty="0" err="1"/>
-              <a:t>with</a:t>
-            </a:r>
-            <a:r>
-              <a:rPr lang="de-DE" dirty="0"/>
-              <a:t> </a:t>
-            </a:r>
-            <a:r>
-              <a:rPr lang="de-DE" dirty="0" err="1"/>
-              <a:t>sparse</a:t>
-            </a:r>
-            <a:r>
-              <a:rPr lang="de-DE" dirty="0"/>
-              <a:t> 16M </a:t>
-            </a:r>
-            <a:r>
-              <a:rPr lang="de-DE" dirty="0" err="1"/>
-              <a:t>keys</a:t>
-            </a:r>
-            <a:r>
-              <a:rPr lang="de-DE" dirty="0"/>
-              <a:t> </a:t>
-            </a:r>
-            <a:r>
-              <a:rPr lang="de-DE" dirty="0" err="1"/>
-              <a:t>takes</a:t>
-            </a:r>
-            <a:r>
-              <a:rPr lang="de-DE" dirty="0"/>
-              <a:t> </a:t>
-            </a:r>
-            <a:r>
-              <a:rPr lang="de-DE" dirty="0" err="1"/>
-              <a:t>more</a:t>
-            </a:r>
-            <a:r>
-              <a:rPr lang="de-DE" dirty="0"/>
-              <a:t> </a:t>
-            </a:r>
-            <a:r>
-              <a:rPr lang="de-DE" dirty="0" err="1"/>
-              <a:t>than</a:t>
-            </a:r>
-            <a:r>
-              <a:rPr lang="de-DE" dirty="0"/>
-              <a:t> 16GB (</a:t>
-            </a:r>
-            <a:r>
-              <a:rPr lang="de-DE" dirty="0" err="1"/>
-              <a:t>only</a:t>
-            </a:r>
-            <a:r>
-              <a:rPr lang="de-DE" dirty="0"/>
-              <a:t> </a:t>
-            </a:r>
-            <a:r>
-              <a:rPr lang="de-DE" dirty="0" err="1"/>
-              <a:t>have</a:t>
-            </a:r>
-            <a:r>
-              <a:rPr lang="de-DE" dirty="0"/>
-              <a:t> 16GB RAM so </a:t>
-            </a:r>
-            <a:r>
-              <a:rPr lang="de-DE" dirty="0" err="1"/>
-              <a:t>no</a:t>
-            </a:r>
-            <a:r>
-              <a:rPr lang="de-DE" dirty="0"/>
-              <a:t> </a:t>
-            </a:r>
-            <a:r>
-              <a:rPr lang="de-DE" dirty="0" err="1"/>
-              <a:t>value</a:t>
-            </a:r>
-            <a:r>
-              <a:rPr lang="de-DE" dirty="0"/>
-              <a:t>)</a:t>
-            </a:r>
           </a:p>
         </p:txBody>
       </p:sp>
@@ -9779,194 +9593,7 @@
           <a:bodyPr/>
           <a:lstStyle/>
           <a:p>
-            <a:r>
-              <a:rPr lang="de-DE" dirty="0"/>
-              <a:t>Own Implementation Performance-Benchmark (</a:t>
-            </a:r>
-            <a:r>
-              <a:rPr lang="de-DE" dirty="0" err="1"/>
-              <a:t>search</a:t>
-            </a:r>
-            <a:r>
-              <a:rPr lang="de-DE" dirty="0"/>
-              <a:t>):</a:t>
-            </a:r>
-          </a:p>
-          <a:p>
-            <a:r>
-              <a:rPr lang="de-DE" dirty="0"/>
-              <a:t>(Hash-Table Performance </a:t>
-            </a:r>
-            <a:r>
-              <a:rPr lang="de-DE" dirty="0" err="1"/>
-              <a:t>better</a:t>
-            </a:r>
-            <a:r>
-              <a:rPr lang="de-DE" dirty="0"/>
-              <a:t> </a:t>
-            </a:r>
-            <a:r>
-              <a:rPr lang="de-DE" dirty="0" err="1"/>
-              <a:t>than</a:t>
-            </a:r>
-            <a:r>
-              <a:rPr lang="de-DE" dirty="0"/>
-              <a:t> in ART </a:t>
-            </a:r>
-            <a:r>
-              <a:rPr lang="de-DE" dirty="0" err="1"/>
-              <a:t>paper</a:t>
-            </a:r>
-            <a:r>
-              <a:rPr lang="de-DE" dirty="0"/>
-              <a:t>? Caching </a:t>
-            </a:r>
-            <a:r>
-              <a:rPr lang="de-DE" dirty="0" err="1"/>
-              <a:t>effect</a:t>
-            </a:r>
-            <a:r>
-              <a:rPr lang="de-DE" dirty="0"/>
-              <a:t>? Remove </a:t>
-            </a:r>
-            <a:r>
-              <a:rPr lang="de-DE" dirty="0" err="1"/>
-              <a:t>for</a:t>
-            </a:r>
-            <a:r>
-              <a:rPr lang="de-DE" dirty="0"/>
-              <a:t> </a:t>
-            </a:r>
-            <a:r>
-              <a:rPr lang="de-DE" dirty="0" err="1"/>
-              <a:t>better</a:t>
-            </a:r>
-            <a:r>
-              <a:rPr lang="de-DE" dirty="0"/>
-              <a:t> </a:t>
-            </a:r>
-            <a:r>
-              <a:rPr lang="de-DE" dirty="0" err="1"/>
-              <a:t>scale</a:t>
-            </a:r>
-            <a:r>
-              <a:rPr lang="de-DE" dirty="0"/>
-              <a:t>?)</a:t>
-            </a:r>
-          </a:p>
-          <a:p>
             <a:endParaRPr lang="de-DE" dirty="0"/>
-          </a:p>
-          <a:p>
-            <a:pPr marL="0" marR="0" lvl="0" indent="0" algn="l" defTabSz="914400" rtl="0" eaLnBrk="1" fontAlgn="base" latinLnBrk="0" hangingPunct="1">
-              <a:lnSpc>
-                <a:spcPct val="100000"/>
-              </a:lnSpc>
-              <a:spcBef>
-                <a:spcPct val="30000"/>
-              </a:spcBef>
-              <a:spcAft>
-                <a:spcPct val="0"/>
-              </a:spcAft>
-              <a:buClrTx/>
-              <a:buSzTx/>
-              <a:buFontTx/>
-              <a:buNone/>
-              <a:tabLst/>
-              <a:defRPr/>
-            </a:pPr>
-            <a:r>
-              <a:rPr lang="de-DE" dirty="0"/>
-              <a:t>Trie </a:t>
-            </a:r>
-            <a:r>
-              <a:rPr lang="de-DE" dirty="0" err="1"/>
-              <a:t>implementation</a:t>
-            </a:r>
-            <a:r>
-              <a:rPr lang="de-DE" dirty="0"/>
-              <a:t> </a:t>
-            </a:r>
-            <a:r>
-              <a:rPr lang="de-DE" dirty="0" err="1"/>
-              <a:t>with</a:t>
-            </a:r>
-            <a:r>
-              <a:rPr lang="de-DE" dirty="0"/>
-              <a:t> </a:t>
-            </a:r>
-            <a:r>
-              <a:rPr lang="de-DE" dirty="0" err="1"/>
-              <a:t>sparse</a:t>
-            </a:r>
-            <a:r>
-              <a:rPr lang="de-DE" dirty="0"/>
-              <a:t> 16M </a:t>
-            </a:r>
-            <a:r>
-              <a:rPr lang="de-DE" dirty="0" err="1"/>
-              <a:t>keys</a:t>
-            </a:r>
-            <a:r>
-              <a:rPr lang="de-DE" dirty="0"/>
-              <a:t> </a:t>
-            </a:r>
-            <a:r>
-              <a:rPr lang="de-DE" dirty="0" err="1"/>
-              <a:t>takes</a:t>
-            </a:r>
-            <a:r>
-              <a:rPr lang="de-DE" dirty="0"/>
-              <a:t> </a:t>
-            </a:r>
-            <a:r>
-              <a:rPr lang="de-DE" dirty="0" err="1"/>
-              <a:t>more</a:t>
-            </a:r>
-            <a:r>
-              <a:rPr lang="de-DE" dirty="0"/>
-              <a:t> </a:t>
-            </a:r>
-            <a:r>
-              <a:rPr lang="de-DE" dirty="0" err="1"/>
-              <a:t>than</a:t>
-            </a:r>
-            <a:r>
-              <a:rPr lang="de-DE" dirty="0"/>
-              <a:t> 16GB (</a:t>
-            </a:r>
-            <a:r>
-              <a:rPr lang="de-DE" dirty="0" err="1"/>
-              <a:t>only</a:t>
-            </a:r>
-            <a:r>
-              <a:rPr lang="de-DE" dirty="0"/>
-              <a:t> </a:t>
-            </a:r>
-            <a:r>
-              <a:rPr lang="de-DE" dirty="0" err="1"/>
-              <a:t>have</a:t>
-            </a:r>
-            <a:r>
-              <a:rPr lang="de-DE" dirty="0"/>
-              <a:t> 16GB RAM so </a:t>
-            </a:r>
-            <a:r>
-              <a:rPr lang="de-DE" dirty="0" err="1"/>
-              <a:t>no</a:t>
-            </a:r>
-            <a:r>
-              <a:rPr lang="de-DE" dirty="0"/>
-              <a:t> </a:t>
-            </a:r>
-            <a:r>
-              <a:rPr lang="de-DE" dirty="0" err="1"/>
-              <a:t>value</a:t>
-            </a:r>
-            <a:r>
-              <a:rPr lang="de-DE" dirty="0"/>
-              <a:t>)</a:t>
-            </a:r>
           </a:p>
         </p:txBody>
       </p:sp>
@@ -10056,194 +9683,7 @@
           <a:bodyPr/>
           <a:lstStyle/>
           <a:p>
-            <a:r>
-              <a:rPr lang="de-DE" dirty="0"/>
-              <a:t>Own Implementation Performance-Benchmark (</a:t>
-            </a:r>
-            <a:r>
-              <a:rPr lang="de-DE" dirty="0" err="1"/>
-              <a:t>search</a:t>
-            </a:r>
-            <a:r>
-              <a:rPr lang="de-DE" dirty="0"/>
-              <a:t>):</a:t>
-            </a:r>
-          </a:p>
-          <a:p>
-            <a:r>
-              <a:rPr lang="de-DE" dirty="0"/>
-              <a:t>(Hash-Table Performance </a:t>
-            </a:r>
-            <a:r>
-              <a:rPr lang="de-DE" dirty="0" err="1"/>
-              <a:t>better</a:t>
-            </a:r>
-            <a:r>
-              <a:rPr lang="de-DE" dirty="0"/>
-              <a:t> </a:t>
-            </a:r>
-            <a:r>
-              <a:rPr lang="de-DE" dirty="0" err="1"/>
-              <a:t>than</a:t>
-            </a:r>
-            <a:r>
-              <a:rPr lang="de-DE" dirty="0"/>
-              <a:t> in ART </a:t>
-            </a:r>
-            <a:r>
-              <a:rPr lang="de-DE" dirty="0" err="1"/>
-              <a:t>paper</a:t>
-            </a:r>
-            <a:r>
-              <a:rPr lang="de-DE" dirty="0"/>
-              <a:t>? Caching </a:t>
-            </a:r>
-            <a:r>
-              <a:rPr lang="de-DE" dirty="0" err="1"/>
-              <a:t>effect</a:t>
-            </a:r>
-            <a:r>
-              <a:rPr lang="de-DE" dirty="0"/>
-              <a:t>? Remove </a:t>
-            </a:r>
-            <a:r>
-              <a:rPr lang="de-DE" dirty="0" err="1"/>
-              <a:t>for</a:t>
-            </a:r>
-            <a:r>
-              <a:rPr lang="de-DE" dirty="0"/>
-              <a:t> </a:t>
-            </a:r>
-            <a:r>
-              <a:rPr lang="de-DE" dirty="0" err="1"/>
-              <a:t>better</a:t>
-            </a:r>
-            <a:r>
-              <a:rPr lang="de-DE" dirty="0"/>
-              <a:t> </a:t>
-            </a:r>
-            <a:r>
-              <a:rPr lang="de-DE" dirty="0" err="1"/>
-              <a:t>scale</a:t>
-            </a:r>
-            <a:r>
-              <a:rPr lang="de-DE" dirty="0"/>
-              <a:t>?)</a:t>
-            </a:r>
-          </a:p>
-          <a:p>
             <a:endParaRPr lang="de-DE" dirty="0"/>
-          </a:p>
-          <a:p>
-            <a:pPr marL="0" marR="0" lvl="0" indent="0" algn="l" defTabSz="914400" rtl="0" eaLnBrk="1" fontAlgn="base" latinLnBrk="0" hangingPunct="1">
-              <a:lnSpc>
-                <a:spcPct val="100000"/>
-              </a:lnSpc>
-              <a:spcBef>
-                <a:spcPct val="30000"/>
-              </a:spcBef>
-              <a:spcAft>
-                <a:spcPct val="0"/>
-              </a:spcAft>
-              <a:buClrTx/>
-              <a:buSzTx/>
-              <a:buFontTx/>
-              <a:buNone/>
-              <a:tabLst/>
-              <a:defRPr/>
-            </a:pPr>
-            <a:r>
-              <a:rPr lang="de-DE" dirty="0"/>
-              <a:t>Trie </a:t>
-            </a:r>
-            <a:r>
-              <a:rPr lang="de-DE" dirty="0" err="1"/>
-              <a:t>implementation</a:t>
-            </a:r>
-            <a:r>
-              <a:rPr lang="de-DE" dirty="0"/>
-              <a:t> </a:t>
-            </a:r>
-            <a:r>
-              <a:rPr lang="de-DE" dirty="0" err="1"/>
-              <a:t>with</a:t>
-            </a:r>
-            <a:r>
-              <a:rPr lang="de-DE" dirty="0"/>
-              <a:t> </a:t>
-            </a:r>
-            <a:r>
-              <a:rPr lang="de-DE" dirty="0" err="1"/>
-              <a:t>sparse</a:t>
-            </a:r>
-            <a:r>
-              <a:rPr lang="de-DE" dirty="0"/>
-              <a:t> 16M </a:t>
-            </a:r>
-            <a:r>
-              <a:rPr lang="de-DE" dirty="0" err="1"/>
-              <a:t>keys</a:t>
-            </a:r>
-            <a:r>
-              <a:rPr lang="de-DE" dirty="0"/>
-              <a:t> </a:t>
-            </a:r>
-            <a:r>
-              <a:rPr lang="de-DE" dirty="0" err="1"/>
-              <a:t>takes</a:t>
-            </a:r>
-            <a:r>
-              <a:rPr lang="de-DE" dirty="0"/>
-              <a:t> </a:t>
-            </a:r>
-            <a:r>
-              <a:rPr lang="de-DE" dirty="0" err="1"/>
-              <a:t>more</a:t>
-            </a:r>
-            <a:r>
-              <a:rPr lang="de-DE" dirty="0"/>
-              <a:t> </a:t>
-            </a:r>
-            <a:r>
-              <a:rPr lang="de-DE" dirty="0" err="1"/>
-              <a:t>than</a:t>
-            </a:r>
-            <a:r>
-              <a:rPr lang="de-DE" dirty="0"/>
-              <a:t> 16GB (</a:t>
-            </a:r>
-            <a:r>
-              <a:rPr lang="de-DE" dirty="0" err="1"/>
-              <a:t>only</a:t>
-            </a:r>
-            <a:r>
-              <a:rPr lang="de-DE" dirty="0"/>
-              <a:t> </a:t>
-            </a:r>
-            <a:r>
-              <a:rPr lang="de-DE" dirty="0" err="1"/>
-              <a:t>have</a:t>
-            </a:r>
-            <a:r>
-              <a:rPr lang="de-DE" dirty="0"/>
-              <a:t> 16GB RAM so </a:t>
-            </a:r>
-            <a:r>
-              <a:rPr lang="de-DE" dirty="0" err="1"/>
-              <a:t>no</a:t>
-            </a:r>
-            <a:r>
-              <a:rPr lang="de-DE" dirty="0"/>
-              <a:t> </a:t>
-            </a:r>
-            <a:r>
-              <a:rPr lang="de-DE" dirty="0" err="1"/>
-              <a:t>value</a:t>
-            </a:r>
-            <a:r>
-              <a:rPr lang="de-DE" dirty="0"/>
-              <a:t>)</a:t>
-            </a:r>
           </a:p>
         </p:txBody>
       </p:sp>
@@ -10333,194 +9773,7 @@
           <a:bodyPr/>
           <a:lstStyle/>
           <a:p>
-            <a:r>
-              <a:rPr lang="de-DE" dirty="0"/>
-              <a:t>Own Implementation Performance-Benchmark (</a:t>
-            </a:r>
-            <a:r>
-              <a:rPr lang="de-DE" dirty="0" err="1"/>
-              <a:t>search</a:t>
-            </a:r>
-            <a:r>
-              <a:rPr lang="de-DE" dirty="0"/>
-              <a:t>):</a:t>
-            </a:r>
-          </a:p>
-          <a:p>
-            <a:r>
-              <a:rPr lang="de-DE" dirty="0"/>
-              <a:t>(Hash-Table Performance </a:t>
-            </a:r>
-            <a:r>
-              <a:rPr lang="de-DE" dirty="0" err="1"/>
-              <a:t>better</a:t>
-            </a:r>
-            <a:r>
-              <a:rPr lang="de-DE" dirty="0"/>
-              <a:t> </a:t>
-            </a:r>
-            <a:r>
-              <a:rPr lang="de-DE" dirty="0" err="1"/>
-              <a:t>than</a:t>
-            </a:r>
-            <a:r>
-              <a:rPr lang="de-DE" dirty="0"/>
-              <a:t> in ART </a:t>
-            </a:r>
-            <a:r>
-              <a:rPr lang="de-DE" dirty="0" err="1"/>
-              <a:t>paper</a:t>
-            </a:r>
-            <a:r>
-              <a:rPr lang="de-DE" dirty="0"/>
-              <a:t>? Caching </a:t>
-            </a:r>
-            <a:r>
-              <a:rPr lang="de-DE" dirty="0" err="1"/>
-              <a:t>effect</a:t>
-            </a:r>
-            <a:r>
-              <a:rPr lang="de-DE" dirty="0"/>
-              <a:t>? Remove </a:t>
-            </a:r>
-            <a:r>
-              <a:rPr lang="de-DE" dirty="0" err="1"/>
-              <a:t>for</a:t>
-            </a:r>
-            <a:r>
-              <a:rPr lang="de-DE" dirty="0"/>
-              <a:t> </a:t>
-            </a:r>
-            <a:r>
-              <a:rPr lang="de-DE" dirty="0" err="1"/>
-              <a:t>better</a:t>
-            </a:r>
-            <a:r>
-              <a:rPr lang="de-DE" dirty="0"/>
-              <a:t> </a:t>
-            </a:r>
-            <a:r>
-              <a:rPr lang="de-DE" dirty="0" err="1"/>
-              <a:t>scale</a:t>
-            </a:r>
-            <a:r>
-              <a:rPr lang="de-DE" dirty="0"/>
-              <a:t>?)</a:t>
-            </a:r>
-          </a:p>
-          <a:p>
             <a:endParaRPr lang="de-DE" dirty="0"/>
-          </a:p>
-          <a:p>
-            <a:pPr marL="0" marR="0" lvl="0" indent="0" algn="l" defTabSz="914400" rtl="0" eaLnBrk="1" fontAlgn="base" latinLnBrk="0" hangingPunct="1">
-              <a:lnSpc>
-                <a:spcPct val="100000"/>
-              </a:lnSpc>
-              <a:spcBef>
-                <a:spcPct val="30000"/>
-              </a:spcBef>
-              <a:spcAft>
-                <a:spcPct val="0"/>
-              </a:spcAft>
-              <a:buClrTx/>
-              <a:buSzTx/>
-              <a:buFontTx/>
-              <a:buNone/>
-              <a:tabLst/>
-              <a:defRPr/>
-            </a:pPr>
-            <a:r>
-              <a:rPr lang="de-DE" dirty="0"/>
-              <a:t>Trie </a:t>
-            </a:r>
-            <a:r>
-              <a:rPr lang="de-DE" dirty="0" err="1"/>
-              <a:t>implementation</a:t>
-            </a:r>
-            <a:r>
-              <a:rPr lang="de-DE" dirty="0"/>
-              <a:t> </a:t>
-            </a:r>
-            <a:r>
-              <a:rPr lang="de-DE" dirty="0" err="1"/>
-              <a:t>with</a:t>
-            </a:r>
-            <a:r>
-              <a:rPr lang="de-DE" dirty="0"/>
-              <a:t> </a:t>
-            </a:r>
-            <a:r>
-              <a:rPr lang="de-DE" dirty="0" err="1"/>
-              <a:t>sparse</a:t>
-            </a:r>
-            <a:r>
-              <a:rPr lang="de-DE" dirty="0"/>
-              <a:t> 16M </a:t>
-            </a:r>
-            <a:r>
-              <a:rPr lang="de-DE" dirty="0" err="1"/>
-              <a:t>keys</a:t>
-            </a:r>
-            <a:r>
-              <a:rPr lang="de-DE" dirty="0"/>
-              <a:t> </a:t>
-            </a:r>
-            <a:r>
-              <a:rPr lang="de-DE" dirty="0" err="1"/>
-              <a:t>takes</a:t>
-            </a:r>
-            <a:r>
-              <a:rPr lang="de-DE" dirty="0"/>
-              <a:t> </a:t>
-            </a:r>
-            <a:r>
-              <a:rPr lang="de-DE" dirty="0" err="1"/>
-              <a:t>more</a:t>
-            </a:r>
-            <a:r>
-              <a:rPr lang="de-DE" dirty="0"/>
-              <a:t> </a:t>
-            </a:r>
-            <a:r>
-              <a:rPr lang="de-DE" dirty="0" err="1"/>
-              <a:t>than</a:t>
-            </a:r>
-            <a:r>
-              <a:rPr lang="de-DE" dirty="0"/>
-              <a:t> 16GB (</a:t>
-            </a:r>
-            <a:r>
-              <a:rPr lang="de-DE" dirty="0" err="1"/>
-              <a:t>only</a:t>
-            </a:r>
-            <a:r>
-              <a:rPr lang="de-DE" dirty="0"/>
-              <a:t> </a:t>
-            </a:r>
-            <a:r>
-              <a:rPr lang="de-DE" dirty="0" err="1"/>
-              <a:t>have</a:t>
-            </a:r>
-            <a:r>
-              <a:rPr lang="de-DE" dirty="0"/>
-              <a:t> 16GB RAM so </a:t>
-            </a:r>
-            <a:r>
-              <a:rPr lang="de-DE" dirty="0" err="1"/>
-              <a:t>no</a:t>
-            </a:r>
-            <a:r>
-              <a:rPr lang="de-DE" dirty="0"/>
-              <a:t> </a:t>
-            </a:r>
-            <a:r>
-              <a:rPr lang="de-DE" dirty="0" err="1"/>
-              <a:t>value</a:t>
-            </a:r>
-            <a:r>
-              <a:rPr lang="de-DE" dirty="0"/>
-              <a:t>)</a:t>
-            </a:r>
           </a:p>
         </p:txBody>
       </p:sp>
@@ -27215,7 +26468,7 @@
           <p:nvPr>
             <p:extLst>
               <p:ext uri="{D42A27DB-BD31-4B8C-83A1-F6EECF244321}">
-                <p14:modId xmlns:p14="http://schemas.microsoft.com/office/powerpoint/2010/main" val="3792893484"/>
+                <p14:modId xmlns:p14="http://schemas.microsoft.com/office/powerpoint/2010/main" val="3091596579"/>
               </p:ext>
             </p:extLst>
           </p:nvPr>
@@ -27240,7 +26493,7 @@
             <p:ph idx="1"/>
             <p:extLst>
               <p:ext uri="{D42A27DB-BD31-4B8C-83A1-F6EECF244321}">
-                <p14:modId xmlns:p14="http://schemas.microsoft.com/office/powerpoint/2010/main" val="4253448097"/>
+                <p14:modId xmlns:p14="http://schemas.microsoft.com/office/powerpoint/2010/main" val="1448119297"/>
               </p:ext>
             </p:extLst>
           </p:nvPr>

--- a/Presentation/The Adaptive Radix Tree.pptx
+++ b/Presentation/The Adaptive Radix Tree.pptx
@@ -10,10 +10,10 @@
     <p:sldMasterId id="2147483697" r:id="rId6"/>
   </p:sldMasterIdLst>
   <p:notesMasterIdLst>
-    <p:notesMasterId r:id="rId45"/>
+    <p:notesMasterId r:id="rId44"/>
   </p:notesMasterIdLst>
   <p:handoutMasterIdLst>
-    <p:handoutMasterId r:id="rId46"/>
+    <p:handoutMasterId r:id="rId45"/>
   </p:handoutMasterIdLst>
   <p:sldIdLst>
     <p:sldId id="355" r:id="rId7"/>
@@ -45,15 +45,14 @@
     <p:sldId id="434" r:id="rId33"/>
     <p:sldId id="401" r:id="rId34"/>
     <p:sldId id="432" r:id="rId35"/>
-    <p:sldId id="417" r:id="rId36"/>
-    <p:sldId id="435" r:id="rId37"/>
-    <p:sldId id="420" r:id="rId38"/>
-    <p:sldId id="421" r:id="rId39"/>
-    <p:sldId id="422" r:id="rId40"/>
-    <p:sldId id="423" r:id="rId41"/>
-    <p:sldId id="424" r:id="rId42"/>
-    <p:sldId id="429" r:id="rId43"/>
-    <p:sldId id="433" r:id="rId44"/>
+    <p:sldId id="435" r:id="rId36"/>
+    <p:sldId id="420" r:id="rId37"/>
+    <p:sldId id="421" r:id="rId38"/>
+    <p:sldId id="422" r:id="rId39"/>
+    <p:sldId id="423" r:id="rId40"/>
+    <p:sldId id="424" r:id="rId41"/>
+    <p:sldId id="429" r:id="rId42"/>
+    <p:sldId id="433" r:id="rId43"/>
   </p:sldIdLst>
   <p:sldSz cx="9144000" cy="6858000" type="screen4x3"/>
   <p:notesSz cx="9925050" cy="6665913"/>
@@ -248,7 +247,6 @@
         </p14:section>
         <p14:section name="Extra Slides" id="{BC91BC9B-5C81-4211-A577-8F6AD2E1EBDC}">
           <p14:sldIdLst>
-            <p14:sldId id="417"/>
             <p14:sldId id="435"/>
             <p14:sldId id="420"/>
             <p14:sldId id="421"/>
@@ -9899,7 +9897,7 @@
     </p:spTree>
     <p:extLst>
       <p:ext uri="{BB962C8B-B14F-4D97-AF65-F5344CB8AC3E}">
-        <p14:creationId xmlns:p14="http://schemas.microsoft.com/office/powerpoint/2010/main" val="2365284992"/>
+        <p14:creationId xmlns:p14="http://schemas.microsoft.com/office/powerpoint/2010/main" val="688350877"/>
       </p:ext>
     </p:extLst>
   </p:cSld>
@@ -9989,7 +9987,7 @@
     </p:spTree>
     <p:extLst>
       <p:ext uri="{BB962C8B-B14F-4D97-AF65-F5344CB8AC3E}">
-        <p14:creationId xmlns:p14="http://schemas.microsoft.com/office/powerpoint/2010/main" val="688350877"/>
+        <p14:creationId xmlns:p14="http://schemas.microsoft.com/office/powerpoint/2010/main" val="632089375"/>
       </p:ext>
     </p:extLst>
   </p:cSld>
@@ -10228,7 +10226,7 @@
     </p:spTree>
     <p:extLst>
       <p:ext uri="{BB962C8B-B14F-4D97-AF65-F5344CB8AC3E}">
-        <p14:creationId xmlns:p14="http://schemas.microsoft.com/office/powerpoint/2010/main" val="632089375"/>
+        <p14:creationId xmlns:p14="http://schemas.microsoft.com/office/powerpoint/2010/main" val="1368079382"/>
       </p:ext>
     </p:extLst>
   </p:cSld>
@@ -10318,7 +10316,7 @@
     </p:spTree>
     <p:extLst>
       <p:ext uri="{BB962C8B-B14F-4D97-AF65-F5344CB8AC3E}">
-        <p14:creationId xmlns:p14="http://schemas.microsoft.com/office/powerpoint/2010/main" val="1368079382"/>
+        <p14:creationId xmlns:p14="http://schemas.microsoft.com/office/powerpoint/2010/main" val="3403498060"/>
       </p:ext>
     </p:extLst>
   </p:cSld>
@@ -10408,7 +10406,7 @@
     </p:spTree>
     <p:extLst>
       <p:ext uri="{BB962C8B-B14F-4D97-AF65-F5344CB8AC3E}">
-        <p14:creationId xmlns:p14="http://schemas.microsoft.com/office/powerpoint/2010/main" val="3403498060"/>
+        <p14:creationId xmlns:p14="http://schemas.microsoft.com/office/powerpoint/2010/main" val="3873617337"/>
       </p:ext>
     </p:extLst>
   </p:cSld>
@@ -10498,7 +10496,7 @@
     </p:spTree>
     <p:extLst>
       <p:ext uri="{BB962C8B-B14F-4D97-AF65-F5344CB8AC3E}">
-        <p14:creationId xmlns:p14="http://schemas.microsoft.com/office/powerpoint/2010/main" val="3873617337"/>
+        <p14:creationId xmlns:p14="http://schemas.microsoft.com/office/powerpoint/2010/main" val="2821304512"/>
       </p:ext>
     </p:extLst>
   </p:cSld>
@@ -10552,7 +10550,7 @@
           <a:bodyPr/>
           <a:lstStyle/>
           <a:p>
-            <a:endParaRPr lang="en-US" dirty="0"/>
+            <a:endParaRPr lang="de-DE" dirty="0"/>
           </a:p>
         </p:txBody>
       </p:sp>
@@ -10588,7 +10586,7 @@
     </p:spTree>
     <p:extLst>
       <p:ext uri="{BB962C8B-B14F-4D97-AF65-F5344CB8AC3E}">
-        <p14:creationId xmlns:p14="http://schemas.microsoft.com/office/powerpoint/2010/main" val="2821304512"/>
+        <p14:creationId xmlns:p14="http://schemas.microsoft.com/office/powerpoint/2010/main" val="1498725812"/>
       </p:ext>
     </p:extLst>
   </p:cSld>
@@ -10642,7 +10640,7 @@
           <a:bodyPr/>
           <a:lstStyle/>
           <a:p>
-            <a:endParaRPr lang="de-DE" dirty="0"/>
+            <a:endParaRPr lang="en-US" dirty="0"/>
           </a:p>
         </p:txBody>
       </p:sp>
@@ -10670,96 +10668,6 @@
                 <a:defRPr/>
               </a:pPr>
               <a:t>37</a:t>
-            </a:fld>
-            <a:endParaRPr lang="en-GB"/>
-          </a:p>
-        </p:txBody>
-      </p:sp>
-    </p:spTree>
-    <p:extLst>
-      <p:ext uri="{BB962C8B-B14F-4D97-AF65-F5344CB8AC3E}">
-        <p14:creationId xmlns:p14="http://schemas.microsoft.com/office/powerpoint/2010/main" val="1498725812"/>
-      </p:ext>
-    </p:extLst>
-  </p:cSld>
-  <p:clrMapOvr>
-    <a:masterClrMapping/>
-  </p:clrMapOvr>
-</p:notes>
-</file>
-
-<file path=ppt/notesSlides/notesSlide36.xml><?xml version="1.0" encoding="utf-8"?>
-<p:notes xmlns:a="http://schemas.openxmlformats.org/drawingml/2006/main" xmlns:r="http://schemas.openxmlformats.org/officeDocument/2006/relationships" xmlns:p="http://schemas.openxmlformats.org/presentationml/2006/main">
-  <p:cSld>
-    <p:spTree>
-      <p:nvGrpSpPr>
-        <p:cNvPr id="1" name=""/>
-        <p:cNvGrpSpPr/>
-        <p:nvPr/>
-      </p:nvGrpSpPr>
-      <p:grpSpPr>
-        <a:xfrm>
-          <a:off x="0" y="0"/>
-          <a:ext cx="0" cy="0"/>
-          <a:chOff x="0" y="0"/>
-          <a:chExt cx="0" cy="0"/>
-        </a:xfrm>
-      </p:grpSpPr>
-      <p:sp>
-        <p:nvSpPr>
-          <p:cNvPr id="2" name="Slide Image Placeholder 1"/>
-          <p:cNvSpPr>
-            <a:spLocks noGrp="1" noRot="1" noChangeAspect="1"/>
-          </p:cNvSpPr>
-          <p:nvPr>
-            <p:ph type="sldImg"/>
-          </p:nvPr>
-        </p:nvSpPr>
-        <p:spPr/>
-      </p:sp>
-      <p:sp>
-        <p:nvSpPr>
-          <p:cNvPr id="3" name="Notes Placeholder 2"/>
-          <p:cNvSpPr>
-            <a:spLocks noGrp="1"/>
-          </p:cNvSpPr>
-          <p:nvPr>
-            <p:ph type="body" idx="1"/>
-          </p:nvPr>
-        </p:nvSpPr>
-        <p:spPr/>
-        <p:txBody>
-          <a:bodyPr/>
-          <a:lstStyle/>
-          <a:p>
-            <a:endParaRPr lang="en-US" dirty="0"/>
-          </a:p>
-        </p:txBody>
-      </p:sp>
-      <p:sp>
-        <p:nvSpPr>
-          <p:cNvPr id="4" name="Slide Number Placeholder 3"/>
-          <p:cNvSpPr>
-            <a:spLocks noGrp="1"/>
-          </p:cNvSpPr>
-          <p:nvPr>
-            <p:ph type="sldNum" sz="quarter" idx="5"/>
-          </p:nvPr>
-        </p:nvSpPr>
-        <p:spPr/>
-        <p:txBody>
-          <a:bodyPr/>
-          <a:lstStyle/>
-          <a:p>
-            <a:pPr>
-              <a:defRPr/>
-            </a:pPr>
-            <a:fld id="{00AFC6D0-44D5-4EB7-828F-6F464F83D79A}" type="slidenum">
-              <a:rPr lang="en-GB" smtClean="0"/>
-              <a:pPr>
-                <a:defRPr/>
-              </a:pPr>
-              <a:t>38</a:t>
             </a:fld>
             <a:endParaRPr lang="en-GB"/>
           </a:p>
@@ -22091,7 +21999,7 @@
         </p:blipFill>
         <p:spPr>
           <a:xfrm>
-            <a:off x="667793" y="1872937"/>
+            <a:off x="667793" y="1826045"/>
             <a:ext cx="7811590" cy="4477375"/>
           </a:xfrm>
         </p:spPr>
@@ -22718,6 +22626,449 @@
           </a:prstGeom>
         </p:spPr>
       </p:pic>
+      <p:sp>
+        <p:nvSpPr>
+          <p:cNvPr id="9" name="Inhaltsplatzhalter 1">
+            <a:extLst>
+              <a:ext uri="{FF2B5EF4-FFF2-40B4-BE49-F238E27FC236}">
+                <a16:creationId xmlns:a16="http://schemas.microsoft.com/office/drawing/2014/main" id="{7EE64C2F-F60C-C3ED-0DE7-9028A6743799}"/>
+              </a:ext>
+            </a:extLst>
+          </p:cNvPr>
+          <p:cNvSpPr>
+            <a:spLocks noGrp="1"/>
+          </p:cNvSpPr>
+          <p:nvPr>
+            <p:ph idx="1"/>
+          </p:nvPr>
+        </p:nvSpPr>
+        <p:spPr>
+          <a:xfrm>
+            <a:off x="5228493" y="1762188"/>
+            <a:ext cx="3599598" cy="4189954"/>
+          </a:xfrm>
+        </p:spPr>
+        <p:txBody>
+          <a:bodyPr/>
+          <a:lstStyle/>
+          <a:p>
+            <a:r>
+              <a:rPr b="1" dirty="0" err="1"/>
+              <a:t>How</a:t>
+            </a:r>
+            <a:r>
+              <a:rPr b="1" dirty="0"/>
+              <a:t> </a:t>
+            </a:r>
+            <a:r>
+              <a:rPr b="1" dirty="0" err="1"/>
+              <a:t>to</a:t>
+            </a:r>
+            <a:r>
+              <a:rPr b="1" dirty="0"/>
+              <a:t> check </a:t>
+            </a:r>
+            <a:r>
+              <a:rPr b="1" dirty="0" err="1"/>
+              <a:t>full</a:t>
+            </a:r>
+            <a:r>
+              <a:rPr b="1" dirty="0"/>
+              <a:t> </a:t>
+            </a:r>
+            <a:r>
+              <a:rPr b="1" dirty="0" err="1"/>
+              <a:t>key</a:t>
+            </a:r>
+            <a:r>
+              <a:rPr b="1" dirty="0"/>
+              <a:t>/</a:t>
+            </a:r>
+            <a:r>
+              <a:rPr b="1" dirty="0" err="1"/>
+              <a:t>value</a:t>
+            </a:r>
+            <a:r>
+              <a:rPr b="1" dirty="0"/>
+              <a:t> match?</a:t>
+            </a:r>
+          </a:p>
+          <a:p>
+            <a:pPr marL="285750" indent="-285750">
+              <a:buFont typeface="Arial" panose="020B0604020202020204" pitchFamily="34" charset="0"/>
+              <a:buChar char="•"/>
+            </a:pPr>
+            <a:r>
+              <a:rPr b="1" dirty="0"/>
+              <a:t>Single-</a:t>
+            </a:r>
+            <a:r>
+              <a:rPr b="1" dirty="0" err="1"/>
+              <a:t>value</a:t>
+            </a:r>
+            <a:r>
+              <a:rPr b="1" dirty="0"/>
+              <a:t> </a:t>
+            </a:r>
+            <a:r>
+              <a:rPr b="1" dirty="0" err="1"/>
+              <a:t>leaves</a:t>
+            </a:r>
+            <a:r>
+              <a:rPr b="1" dirty="0"/>
+              <a:t>:</a:t>
+            </a:r>
+            <a:br>
+              <a:rPr dirty="0"/>
+            </a:br>
+            <a:r>
+              <a:rPr dirty="0" err="1"/>
+              <a:t>store</a:t>
+            </a:r>
+            <a:r>
+              <a:rPr dirty="0"/>
+              <a:t> </a:t>
+            </a:r>
+            <a:r>
+              <a:rPr dirty="0" err="1"/>
+              <a:t>full</a:t>
+            </a:r>
+            <a:r>
+              <a:rPr dirty="0"/>
+              <a:t> </a:t>
+            </a:r>
+            <a:r>
+              <a:rPr dirty="0" err="1"/>
+              <a:t>value</a:t>
+            </a:r>
+            <a:r>
+              <a:rPr dirty="0"/>
+              <a:t> in additional </a:t>
+            </a:r>
+            <a:r>
+              <a:rPr dirty="0" err="1"/>
+              <a:t>leaf</a:t>
+            </a:r>
+            <a:r>
+              <a:rPr dirty="0"/>
+              <a:t> </a:t>
+            </a:r>
+            <a:r>
+              <a:rPr dirty="0" err="1"/>
+              <a:t>node</a:t>
+            </a:r>
+            <a:endParaRPr dirty="0"/>
+          </a:p>
+          <a:p>
+            <a:pPr marL="285750" indent="-285750">
+              <a:buFont typeface="Arial" panose="020B0604020202020204" pitchFamily="34" charset="0"/>
+              <a:buChar char="•"/>
+            </a:pPr>
+            <a:r>
+              <a:rPr lang="de-DE" b="1" dirty="0"/>
+              <a:t>Multi-</a:t>
+            </a:r>
+            <a:r>
+              <a:rPr lang="de-DE" b="1" dirty="0" err="1"/>
+              <a:t>value</a:t>
+            </a:r>
+            <a:r>
+              <a:rPr lang="de-DE" b="1" dirty="0"/>
+              <a:t> </a:t>
+            </a:r>
+            <a:r>
+              <a:rPr lang="de-DE" b="1" dirty="0" err="1"/>
+              <a:t>leaves</a:t>
+            </a:r>
+            <a:r>
+              <a:rPr lang="de-DE" b="1" dirty="0"/>
+              <a:t>:</a:t>
+            </a:r>
+            <a:br>
+              <a:rPr lang="de-DE" dirty="0"/>
+            </a:br>
+            <a:r>
+              <a:rPr lang="de-DE" dirty="0" err="1"/>
+              <a:t>store</a:t>
+            </a:r>
+            <a:r>
+              <a:rPr lang="de-DE" dirty="0"/>
+              <a:t> </a:t>
+            </a:r>
+            <a:r>
+              <a:rPr lang="de-DE" dirty="0" err="1"/>
+              <a:t>full</a:t>
+            </a:r>
+            <a:r>
+              <a:rPr lang="de-DE" dirty="0"/>
+              <a:t> </a:t>
+            </a:r>
+            <a:r>
+              <a:rPr lang="de-DE" dirty="0" err="1"/>
+              <a:t>value</a:t>
+            </a:r>
+            <a:r>
+              <a:rPr lang="de-DE" dirty="0"/>
+              <a:t> </a:t>
+            </a:r>
+            <a:r>
+              <a:rPr lang="de-DE" dirty="0" err="1"/>
+              <a:t>using</a:t>
+            </a:r>
+            <a:r>
+              <a:rPr lang="de-DE" dirty="0"/>
+              <a:t> different </a:t>
+            </a:r>
+            <a:r>
+              <a:rPr lang="de-DE" dirty="0" err="1"/>
+              <a:t>leaf</a:t>
+            </a:r>
+            <a:r>
+              <a:rPr lang="de-DE" dirty="0"/>
+              <a:t> </a:t>
+            </a:r>
+            <a:r>
+              <a:rPr lang="de-DE" dirty="0" err="1"/>
+              <a:t>types</a:t>
+            </a:r>
+            <a:r>
+              <a:rPr lang="de-DE" dirty="0"/>
+              <a:t> (same </a:t>
+            </a:r>
+            <a:r>
+              <a:rPr lang="de-DE" dirty="0" err="1"/>
+              <a:t>as</a:t>
+            </a:r>
+            <a:r>
+              <a:rPr lang="de-DE" dirty="0"/>
+              <a:t> </a:t>
+            </a:r>
+            <a:r>
+              <a:rPr lang="de-DE" dirty="0" err="1"/>
+              <a:t>inner</a:t>
+            </a:r>
+            <a:r>
+              <a:rPr lang="de-DE" dirty="0"/>
+              <a:t> </a:t>
+            </a:r>
+            <a:r>
+              <a:rPr lang="de-DE" dirty="0" err="1"/>
+              <a:t>nodes</a:t>
+            </a:r>
+            <a:r>
+              <a:rPr lang="de-DE" dirty="0"/>
+              <a:t> but </a:t>
+            </a:r>
+            <a:r>
+              <a:rPr lang="de-DE" dirty="0" err="1"/>
+              <a:t>storing</a:t>
+            </a:r>
+            <a:r>
+              <a:rPr lang="de-DE" dirty="0"/>
+              <a:t> </a:t>
+            </a:r>
+            <a:r>
+              <a:rPr lang="de-DE" dirty="0" err="1"/>
+              <a:t>value</a:t>
+            </a:r>
+            <a:r>
+              <a:rPr lang="de-DE" dirty="0"/>
+              <a:t> </a:t>
+            </a:r>
+            <a:r>
+              <a:rPr lang="de-DE" dirty="0" err="1"/>
+              <a:t>instead</a:t>
+            </a:r>
+            <a:r>
+              <a:rPr lang="de-DE" dirty="0"/>
+              <a:t> </a:t>
+            </a:r>
+            <a:r>
+              <a:rPr lang="de-DE" dirty="0" err="1"/>
+              <a:t>of</a:t>
+            </a:r>
+            <a:r>
+              <a:rPr lang="de-DE" dirty="0"/>
+              <a:t> </a:t>
+            </a:r>
+            <a:r>
+              <a:rPr lang="de-DE" dirty="0" err="1"/>
+              <a:t>pointers</a:t>
+            </a:r>
+            <a:r>
+              <a:rPr lang="de-DE" dirty="0"/>
+              <a:t>)</a:t>
+            </a:r>
+          </a:p>
+          <a:p>
+            <a:pPr marL="285750" indent="-285750">
+              <a:buFont typeface="Arial" panose="020B0604020202020204" pitchFamily="34" charset="0"/>
+              <a:buChar char="•"/>
+            </a:pPr>
+            <a:r>
+              <a:rPr lang="de-DE" b="1" dirty="0" err="1"/>
+              <a:t>Combined</a:t>
+            </a:r>
+            <a:r>
+              <a:rPr lang="de-DE" b="1" dirty="0"/>
+              <a:t> </a:t>
+            </a:r>
+            <a:r>
+              <a:rPr lang="de-DE" b="1" dirty="0" err="1"/>
+              <a:t>pointer</a:t>
+            </a:r>
+            <a:r>
+              <a:rPr lang="de-DE" b="1" dirty="0"/>
+              <a:t>/</a:t>
+            </a:r>
+            <a:r>
+              <a:rPr lang="de-DE" b="1" dirty="0" err="1"/>
+              <a:t>value</a:t>
+            </a:r>
+            <a:r>
+              <a:rPr lang="de-DE" b="1" dirty="0"/>
+              <a:t> </a:t>
+            </a:r>
+            <a:r>
+              <a:rPr lang="de-DE" b="1" dirty="0" err="1"/>
+              <a:t>slots</a:t>
+            </a:r>
+            <a:r>
+              <a:rPr lang="de-DE" b="1" dirty="0"/>
+              <a:t>:</a:t>
+            </a:r>
+            <a:br>
+              <a:rPr lang="de-DE" dirty="0"/>
+            </a:br>
+            <a:r>
+              <a:rPr lang="de-DE" dirty="0" err="1"/>
+              <a:t>If</a:t>
+            </a:r>
+            <a:r>
+              <a:rPr lang="de-DE" dirty="0"/>
+              <a:t> </a:t>
+            </a:r>
+            <a:r>
+              <a:rPr lang="de-DE" dirty="0" err="1"/>
+              <a:t>value</a:t>
+            </a:r>
+            <a:r>
+              <a:rPr lang="de-DE" dirty="0"/>
+              <a:t> </a:t>
+            </a:r>
+            <a:r>
+              <a:rPr lang="de-DE" dirty="0" err="1"/>
+              <a:t>fits</a:t>
+            </a:r>
+            <a:r>
+              <a:rPr lang="de-DE" dirty="0"/>
+              <a:t> </a:t>
+            </a:r>
+            <a:r>
+              <a:rPr lang="de-DE" dirty="0" err="1"/>
+              <a:t>into</a:t>
+            </a:r>
+            <a:r>
+              <a:rPr lang="de-DE" dirty="0"/>
+              <a:t> </a:t>
+            </a:r>
+            <a:r>
+              <a:rPr lang="de-DE" dirty="0" err="1"/>
+              <a:t>pointer</a:t>
+            </a:r>
+            <a:r>
+              <a:rPr lang="de-DE" dirty="0"/>
+              <a:t> just </a:t>
+            </a:r>
+            <a:r>
+              <a:rPr lang="de-DE" dirty="0" err="1"/>
+              <a:t>store</a:t>
+            </a:r>
+            <a:r>
+              <a:rPr lang="de-DE" dirty="0"/>
+              <a:t> in </a:t>
+            </a:r>
+            <a:r>
+              <a:rPr lang="de-DE" dirty="0" err="1"/>
+              <a:t>pointer</a:t>
+            </a:r>
+            <a:r>
+              <a:rPr lang="de-DE" dirty="0"/>
+              <a:t> </a:t>
+            </a:r>
+            <a:r>
+              <a:rPr lang="de-DE" dirty="0" err="1"/>
+              <a:t>slot</a:t>
+            </a:r>
+            <a:r>
+              <a:rPr lang="de-DE" dirty="0"/>
+              <a:t> (</a:t>
+            </a:r>
+            <a:r>
+              <a:rPr lang="de-DE" dirty="0" err="1"/>
+              <a:t>requires</a:t>
+            </a:r>
+            <a:r>
+              <a:rPr lang="de-DE" dirty="0"/>
+              <a:t> </a:t>
+            </a:r>
+            <a:r>
+              <a:rPr lang="de-DE" dirty="0" err="1"/>
+              <a:t>distinguishing</a:t>
+            </a:r>
+            <a:r>
+              <a:rPr lang="de-DE" dirty="0"/>
+              <a:t> </a:t>
+            </a:r>
+            <a:r>
+              <a:rPr lang="de-DE" dirty="0" err="1"/>
+              <a:t>between</a:t>
+            </a:r>
+            <a:r>
+              <a:rPr lang="de-DE" dirty="0"/>
+              <a:t> valid </a:t>
+            </a:r>
+            <a:r>
+              <a:rPr lang="de-DE" dirty="0" err="1"/>
+              <a:t>pointer</a:t>
+            </a:r>
+            <a:r>
+              <a:rPr lang="de-DE" dirty="0"/>
+              <a:t> and </a:t>
+            </a:r>
+            <a:r>
+              <a:rPr lang="de-DE" dirty="0" err="1"/>
+              <a:t>value</a:t>
+            </a:r>
+            <a:r>
+              <a:rPr lang="de-DE" dirty="0"/>
+              <a:t> e.g. </a:t>
+            </a:r>
+            <a:r>
+              <a:rPr lang="de-DE" dirty="0" err="1"/>
+              <a:t>pointer</a:t>
+            </a:r>
+            <a:r>
+              <a:rPr lang="de-DE" dirty="0"/>
+              <a:t> </a:t>
+            </a:r>
+            <a:r>
+              <a:rPr lang="de-DE" dirty="0" err="1"/>
+              <a:t>tagging</a:t>
+            </a:r>
+            <a:r>
+              <a:rPr lang="de-DE" dirty="0"/>
+              <a:t>)</a:t>
+            </a:r>
+          </a:p>
+          <a:p>
+            <a:endParaRPr lang="de-DE" dirty="0"/>
+          </a:p>
+          <a:p>
+            <a:endParaRPr lang="de-DE" dirty="0"/>
+          </a:p>
+        </p:txBody>
+      </p:sp>
     </p:spTree>
     <p:extLst>
       <p:ext uri="{BB962C8B-B14F-4D97-AF65-F5344CB8AC3E}">
@@ -22944,8 +23295,8 @@
         </p:nvSpPr>
         <p:spPr>
           <a:xfrm>
-            <a:off x="5313405" y="1762188"/>
-            <a:ext cx="3514685" cy="4189954"/>
+            <a:off x="5228493" y="1762188"/>
+            <a:ext cx="3599598" cy="4189954"/>
           </a:xfrm>
         </p:spPr>
         <p:txBody>
@@ -26018,13 +26369,13 @@
             <p:ph idx="1"/>
             <p:extLst>
               <p:ext uri="{D42A27DB-BD31-4B8C-83A1-F6EECF244321}">
-                <p14:modId xmlns:p14="http://schemas.microsoft.com/office/powerpoint/2010/main" val="1859758249"/>
+                <p14:modId xmlns:p14="http://schemas.microsoft.com/office/powerpoint/2010/main" val="1452499562"/>
               </p:ext>
             </p:extLst>
           </p:nvPr>
         </p:nvGraphicFramePr>
         <p:xfrm>
-          <a:off x="319088" y="1762125"/>
+          <a:off x="319088" y="1644895"/>
           <a:ext cx="8509000" cy="4699000"/>
         </p:xfrm>
         <a:graphic>
@@ -26099,6 +26450,53 @@
               <a:rPr lang="de-DE" dirty="0"/>
               <a:t>Memory-Benchmark</a:t>
             </a:r>
+          </a:p>
+        </p:txBody>
+      </p:sp>
+      <p:sp>
+        <p:nvSpPr>
+          <p:cNvPr id="8" name="TextBox 7">
+            <a:extLst>
+              <a:ext uri="{FF2B5EF4-FFF2-40B4-BE49-F238E27FC236}">
+                <a16:creationId xmlns:a16="http://schemas.microsoft.com/office/drawing/2014/main" id="{757067E8-A19D-DF23-778A-8CEF06218492}"/>
+              </a:ext>
+            </a:extLst>
+          </p:cNvPr>
+          <p:cNvSpPr txBox="1"/>
+          <p:nvPr/>
+        </p:nvSpPr>
+        <p:spPr>
+          <a:xfrm>
+            <a:off x="311162" y="6298789"/>
+            <a:ext cx="8635130" cy="193002"/>
+          </a:xfrm>
+          <a:prstGeom prst="rect">
+            <a:avLst/>
+          </a:prstGeom>
+          <a:noFill/>
+        </p:spPr>
+        <p:txBody>
+          <a:bodyPr wrap="square" lIns="0" tIns="0" rIns="0" bIns="0" rtlCol="0">
+            <a:spAutoFit/>
+          </a:bodyPr>
+          <a:lstStyle/>
+          <a:p>
+            <a:pPr>
+              <a:lnSpc>
+                <a:spcPct val="114000"/>
+              </a:lnSpc>
+            </a:pPr>
+            <a:r>
+              <a:rPr lang="en-US" sz="1200" b="1" dirty="0"/>
+              <a:t>Source: </a:t>
+            </a:r>
+            <a:r>
+              <a:rPr lang="en-US" sz="1200" dirty="0">
+                <a:hlinkClick r:id="rId4"/>
+              </a:rPr>
+              <a:t>https://github.com/atalantus/The-Adaptive-Radix-Tree/tree/main/Implementation</a:t>
+            </a:r>
+            <a:endParaRPr lang="en-US" sz="1200" dirty="0"/>
           </a:p>
         </p:txBody>
       </p:sp>
@@ -26142,13 +26540,13 @@
             <p:ph idx="1"/>
             <p:extLst>
               <p:ext uri="{D42A27DB-BD31-4B8C-83A1-F6EECF244321}">
-                <p14:modId xmlns:p14="http://schemas.microsoft.com/office/powerpoint/2010/main" val="4160273454"/>
+                <p14:modId xmlns:p14="http://schemas.microsoft.com/office/powerpoint/2010/main" val="3738625281"/>
               </p:ext>
             </p:extLst>
           </p:nvPr>
         </p:nvGraphicFramePr>
         <p:xfrm>
-          <a:off x="319088" y="1762125"/>
+          <a:off x="319088" y="1644895"/>
           <a:ext cx="8509000" cy="4699000"/>
         </p:xfrm>
         <a:graphic>
@@ -26223,6 +26621,53 @@
               <a:rPr lang="de-DE" dirty="0"/>
               <a:t>Memory-Benchmark</a:t>
             </a:r>
+          </a:p>
+        </p:txBody>
+      </p:sp>
+      <p:sp>
+        <p:nvSpPr>
+          <p:cNvPr id="8" name="TextBox 7">
+            <a:extLst>
+              <a:ext uri="{FF2B5EF4-FFF2-40B4-BE49-F238E27FC236}">
+                <a16:creationId xmlns:a16="http://schemas.microsoft.com/office/drawing/2014/main" id="{4BD57C7E-77D7-5E72-90E1-96F7420966F8}"/>
+              </a:ext>
+            </a:extLst>
+          </p:cNvPr>
+          <p:cNvSpPr txBox="1"/>
+          <p:nvPr/>
+        </p:nvSpPr>
+        <p:spPr>
+          <a:xfrm>
+            <a:off x="311162" y="6298789"/>
+            <a:ext cx="8635130" cy="193002"/>
+          </a:xfrm>
+          <a:prstGeom prst="rect">
+            <a:avLst/>
+          </a:prstGeom>
+          <a:noFill/>
+        </p:spPr>
+        <p:txBody>
+          <a:bodyPr wrap="square" lIns="0" tIns="0" rIns="0" bIns="0" rtlCol="0">
+            <a:spAutoFit/>
+          </a:bodyPr>
+          <a:lstStyle/>
+          <a:p>
+            <a:pPr>
+              <a:lnSpc>
+                <a:spcPct val="114000"/>
+              </a:lnSpc>
+            </a:pPr>
+            <a:r>
+              <a:rPr lang="en-US" sz="1200" b="1" dirty="0"/>
+              <a:t>Source: </a:t>
+            </a:r>
+            <a:r>
+              <a:rPr lang="en-US" sz="1200" dirty="0">
+                <a:hlinkClick r:id="rId4"/>
+              </a:rPr>
+              <a:t>https://github.com/atalantus/The-Adaptive-Radix-Tree/tree/main/Implementation</a:t>
+            </a:r>
+            <a:endParaRPr lang="en-US" sz="1200" dirty="0"/>
           </a:p>
         </p:txBody>
       </p:sp>
@@ -26271,13 +26716,13 @@
           <p:nvPr>
             <p:extLst>
               <p:ext uri="{D42A27DB-BD31-4B8C-83A1-F6EECF244321}">
-                <p14:modId xmlns:p14="http://schemas.microsoft.com/office/powerpoint/2010/main" val="2644974545"/>
+                <p14:modId xmlns:p14="http://schemas.microsoft.com/office/powerpoint/2010/main" val="1517635023"/>
               </p:ext>
             </p:extLst>
           </p:nvPr>
         </p:nvGraphicFramePr>
         <p:xfrm>
-          <a:off x="4611688" y="1762125"/>
+          <a:off x="4611688" y="1644895"/>
           <a:ext cx="4214813" cy="4699000"/>
         </p:xfrm>
         <a:graphic>
@@ -26296,13 +26741,13 @@
             <p:ph idx="1"/>
             <p:extLst>
               <p:ext uri="{D42A27DB-BD31-4B8C-83A1-F6EECF244321}">
-                <p14:modId xmlns:p14="http://schemas.microsoft.com/office/powerpoint/2010/main" val="1456386510"/>
+                <p14:modId xmlns:p14="http://schemas.microsoft.com/office/powerpoint/2010/main" val="519031038"/>
               </p:ext>
             </p:extLst>
           </p:nvPr>
         </p:nvGraphicFramePr>
         <p:xfrm>
-          <a:off x="319088" y="1762125"/>
+          <a:off x="319088" y="1644895"/>
           <a:ext cx="4214813" cy="4699000"/>
         </p:xfrm>
         <a:graphic>
@@ -26420,6 +26865,53 @@
               <a:rPr lang="de-DE" dirty="0"/>
               <a:t>)</a:t>
             </a:r>
+          </a:p>
+        </p:txBody>
+      </p:sp>
+      <p:sp>
+        <p:nvSpPr>
+          <p:cNvPr id="9" name="TextBox 8">
+            <a:extLst>
+              <a:ext uri="{FF2B5EF4-FFF2-40B4-BE49-F238E27FC236}">
+                <a16:creationId xmlns:a16="http://schemas.microsoft.com/office/drawing/2014/main" id="{55F55771-E8C8-1088-FE6E-BF42AC130EDE}"/>
+              </a:ext>
+            </a:extLst>
+          </p:cNvPr>
+          <p:cNvSpPr txBox="1"/>
+          <p:nvPr/>
+        </p:nvSpPr>
+        <p:spPr>
+          <a:xfrm>
+            <a:off x="311162" y="6298789"/>
+            <a:ext cx="8635130" cy="193002"/>
+          </a:xfrm>
+          <a:prstGeom prst="rect">
+            <a:avLst/>
+          </a:prstGeom>
+          <a:noFill/>
+        </p:spPr>
+        <p:txBody>
+          <a:bodyPr wrap="square" lIns="0" tIns="0" rIns="0" bIns="0" rtlCol="0">
+            <a:spAutoFit/>
+          </a:bodyPr>
+          <a:lstStyle/>
+          <a:p>
+            <a:pPr>
+              <a:lnSpc>
+                <a:spcPct val="114000"/>
+              </a:lnSpc>
+            </a:pPr>
+            <a:r>
+              <a:rPr lang="en-US" sz="1200" b="1" dirty="0"/>
+              <a:t>Source: </a:t>
+            </a:r>
+            <a:r>
+              <a:rPr lang="en-US" sz="1200" dirty="0">
+                <a:hlinkClick r:id="rId5"/>
+              </a:rPr>
+              <a:t>https://github.com/atalantus/The-Adaptive-Radix-Tree/tree/main/Implementation</a:t>
+            </a:r>
+            <a:endParaRPr lang="en-US" sz="1200" dirty="0"/>
           </a:p>
         </p:txBody>
       </p:sp>
@@ -26468,13 +26960,13 @@
           <p:nvPr>
             <p:extLst>
               <p:ext uri="{D42A27DB-BD31-4B8C-83A1-F6EECF244321}">
-                <p14:modId xmlns:p14="http://schemas.microsoft.com/office/powerpoint/2010/main" val="3091596579"/>
+                <p14:modId xmlns:p14="http://schemas.microsoft.com/office/powerpoint/2010/main" val="1037861383"/>
               </p:ext>
             </p:extLst>
           </p:nvPr>
         </p:nvGraphicFramePr>
         <p:xfrm>
-          <a:off x="4611688" y="1762125"/>
+          <a:off x="4611688" y="1644895"/>
           <a:ext cx="4214813" cy="4699000"/>
         </p:xfrm>
         <a:graphic>
@@ -26493,13 +26985,13 @@
             <p:ph idx="1"/>
             <p:extLst>
               <p:ext uri="{D42A27DB-BD31-4B8C-83A1-F6EECF244321}">
-                <p14:modId xmlns:p14="http://schemas.microsoft.com/office/powerpoint/2010/main" val="1448119297"/>
+                <p14:modId xmlns:p14="http://schemas.microsoft.com/office/powerpoint/2010/main" val="3798201271"/>
               </p:ext>
             </p:extLst>
           </p:nvPr>
         </p:nvGraphicFramePr>
         <p:xfrm>
-          <a:off x="319088" y="1762125"/>
+          <a:off x="319088" y="1644895"/>
           <a:ext cx="4214813" cy="4699000"/>
         </p:xfrm>
         <a:graphic>
@@ -26617,6 +27109,53 @@
               <a:rPr lang="de-DE" dirty="0"/>
               <a:t>)</a:t>
             </a:r>
+          </a:p>
+        </p:txBody>
+      </p:sp>
+      <p:sp>
+        <p:nvSpPr>
+          <p:cNvPr id="9" name="TextBox 8">
+            <a:extLst>
+              <a:ext uri="{FF2B5EF4-FFF2-40B4-BE49-F238E27FC236}">
+                <a16:creationId xmlns:a16="http://schemas.microsoft.com/office/drawing/2014/main" id="{240E3A83-C0AE-FC81-BD26-AA34B93F2145}"/>
+              </a:ext>
+            </a:extLst>
+          </p:cNvPr>
+          <p:cNvSpPr txBox="1"/>
+          <p:nvPr/>
+        </p:nvSpPr>
+        <p:spPr>
+          <a:xfrm>
+            <a:off x="311162" y="6298789"/>
+            <a:ext cx="8635130" cy="193002"/>
+          </a:xfrm>
+          <a:prstGeom prst="rect">
+            <a:avLst/>
+          </a:prstGeom>
+          <a:noFill/>
+        </p:spPr>
+        <p:txBody>
+          <a:bodyPr wrap="square" lIns="0" tIns="0" rIns="0" bIns="0" rtlCol="0">
+            <a:spAutoFit/>
+          </a:bodyPr>
+          <a:lstStyle/>
+          <a:p>
+            <a:pPr>
+              <a:lnSpc>
+                <a:spcPct val="114000"/>
+              </a:lnSpc>
+            </a:pPr>
+            <a:r>
+              <a:rPr lang="en-US" sz="1200" b="1" dirty="0"/>
+              <a:t>Source: </a:t>
+            </a:r>
+            <a:r>
+              <a:rPr lang="en-US" sz="1200" dirty="0">
+                <a:hlinkClick r:id="rId5"/>
+              </a:rPr>
+              <a:t>https://github.com/atalantus/The-Adaptive-Radix-Tree/tree/main/Implementation</a:t>
+            </a:r>
+            <a:endParaRPr lang="en-US" sz="1200" dirty="0"/>
           </a:p>
         </p:txBody>
       </p:sp>
@@ -28935,14 +29474,8 @@
               <a:t>synchronization</a:t>
             </a:r>
             <a:r>
-              <a:rPr lang="de-DE" dirty="0">
-                <a:hlinkClick r:id="rId2"/>
-              </a:rPr>
-              <a:t> </a:t>
-            </a:r>
-            <a:r>
-              <a:rPr lang="de-DE" dirty="0"/>
-              <a:t>(</a:t>
+              <a:rPr lang="de-DE" dirty="0"/>
+              <a:t> (</a:t>
             </a:r>
             <a:r>
               <a:rPr lang="de-DE" dirty="0" err="1"/>
@@ -29002,11 +29535,11 @@
               <a:rPr lang="de-DE" dirty="0">
                 <a:hlinkClick r:id="rId4"/>
               </a:rPr>
-              <a:t>START – Self-Tuning Adaptive Radix Tree </a:t>
-            </a:r>
-            <a:r>
-              <a:rPr lang="de-DE" dirty="0"/>
-              <a:t>(IEEE, 2020)</a:t>
+              <a:t>START – Self-Tuning Adaptive Radix Tree</a:t>
+            </a:r>
+            <a:r>
+              <a:rPr lang="de-DE" dirty="0"/>
+              <a:t> (IEEE, 2020)</a:t>
             </a:r>
           </a:p>
           <a:p>
@@ -29364,7 +29897,11 @@
             </a:r>
             <a:r>
               <a:rPr sz="3000" dirty="0"/>
-              <a:t> Leaf Nodes</a:t>
+              <a:t> Implementation </a:t>
+            </a:r>
+            <a:r>
+              <a:rPr sz="3000" dirty="0" err="1"/>
+              <a:t>Specifics</a:t>
             </a:r>
             <a:endParaRPr lang="de-DE" sz="3000" dirty="0"/>
           </a:p>
@@ -29397,42 +29934,440 @@
           <a:lstStyle/>
           <a:p>
             <a:r>
-              <a:rPr b="1" dirty="0"/>
-              <a:t>Single-</a:t>
-            </a:r>
-            <a:r>
-              <a:rPr b="1" dirty="0" err="1"/>
+              <a:rPr dirty="0"/>
+              <a:t>ART </a:t>
+            </a:r>
+            <a:r>
+              <a:rPr dirty="0" err="1"/>
+              <a:t>implementation</a:t>
+            </a:r>
+            <a:r>
+              <a:rPr dirty="0"/>
+              <a:t> </a:t>
+            </a:r>
+            <a:r>
+              <a:rPr dirty="0" err="1"/>
+              <a:t>for</a:t>
+            </a:r>
+            <a:r>
+              <a:rPr dirty="0"/>
+              <a:t> </a:t>
+            </a:r>
+            <a:r>
+              <a:rPr dirty="0" err="1"/>
+              <a:t>storing</a:t>
+            </a:r>
+            <a:r>
+              <a:rPr dirty="0"/>
+              <a:t> 32 </a:t>
+            </a:r>
+            <a:r>
+              <a:rPr dirty="0" err="1"/>
+              <a:t>bit</a:t>
+            </a:r>
+            <a:r>
+              <a:rPr dirty="0"/>
+              <a:t> </a:t>
+            </a:r>
+            <a:r>
+              <a:rPr dirty="0" err="1"/>
+              <a:t>keys</a:t>
+            </a:r>
+            <a:r>
+              <a:rPr dirty="0"/>
+              <a:t> (</a:t>
+            </a:r>
+            <a:r>
+              <a:rPr dirty="0" err="1"/>
+              <a:t>no</a:t>
+            </a:r>
+            <a:r>
+              <a:rPr dirty="0"/>
+              <a:t> </a:t>
+            </a:r>
+            <a:r>
+              <a:rPr dirty="0" err="1"/>
+              <a:t>path</a:t>
+            </a:r>
+            <a:r>
+              <a:rPr dirty="0"/>
+              <a:t> </a:t>
+            </a:r>
+            <a:r>
+              <a:rPr dirty="0" err="1"/>
+              <a:t>compression</a:t>
+            </a:r>
+            <a:r>
+              <a:rPr dirty="0"/>
+              <a:t>)</a:t>
+            </a:r>
+          </a:p>
+          <a:p>
+            <a:endParaRPr dirty="0"/>
+          </a:p>
+          <a:p>
+            <a:r>
+              <a:rPr lang="de-DE" b="1" dirty="0" err="1"/>
+              <a:t>Important</a:t>
+            </a:r>
+            <a:r>
+              <a:rPr lang="de-DE" b="1" dirty="0"/>
+              <a:t> Points:</a:t>
+            </a:r>
+          </a:p>
+          <a:p>
+            <a:pPr marL="285750" indent="-285750">
+              <a:buFont typeface="Arial" panose="020B0604020202020204" pitchFamily="34" charset="0"/>
+              <a:buChar char="•"/>
+            </a:pPr>
+            <a:r>
+              <a:rPr lang="de-DE" dirty="0" err="1"/>
+              <a:t>No</a:t>
+            </a:r>
+            <a:r>
+              <a:rPr lang="de-DE" dirty="0"/>
+              <a:t> </a:t>
+            </a:r>
+            <a:r>
+              <a:rPr lang="de-DE" dirty="0" err="1"/>
+              <a:t>recursion</a:t>
+            </a:r>
+            <a:r>
+              <a:rPr lang="de-DE" dirty="0"/>
+              <a:t>! (</a:t>
+            </a:r>
+            <a:r>
+              <a:rPr lang="de-DE" dirty="0" err="1"/>
+              <a:t>self</a:t>
+            </a:r>
+            <a:r>
+              <a:rPr lang="de-DE" dirty="0"/>
+              <a:t> </a:t>
+            </a:r>
+            <a:r>
+              <a:rPr lang="de-DE" dirty="0" err="1"/>
+              <a:t>explanatory</a:t>
+            </a:r>
+            <a:r>
+              <a:rPr lang="de-DE" dirty="0"/>
+              <a:t>)</a:t>
+            </a:r>
+          </a:p>
+          <a:p>
+            <a:pPr marL="285750" indent="-285750">
+              <a:buFont typeface="Arial" panose="020B0604020202020204" pitchFamily="34" charset="0"/>
+              <a:buChar char="•"/>
+            </a:pPr>
+            <a:r>
+              <a:rPr lang="de-DE" dirty="0" err="1"/>
+              <a:t>Careful</a:t>
+            </a:r>
+            <a:r>
+              <a:rPr lang="de-DE" dirty="0"/>
+              <a:t> </a:t>
+            </a:r>
+            <a:r>
+              <a:rPr lang="de-DE" dirty="0" err="1"/>
+              <a:t>with</a:t>
+            </a:r>
+            <a:r>
+              <a:rPr lang="de-DE" dirty="0"/>
+              <a:t> </a:t>
+            </a:r>
+            <a:r>
+              <a:rPr lang="de-DE" dirty="0" err="1"/>
+              <a:t>polymorphie</a:t>
+            </a:r>
+            <a:r>
+              <a:rPr lang="de-DE" dirty="0"/>
+              <a:t>! (C++ </a:t>
+            </a:r>
+            <a:r>
+              <a:rPr lang="de-DE" dirty="0" err="1"/>
+              <a:t>utilizes</a:t>
+            </a:r>
+            <a:r>
+              <a:rPr lang="de-DE" dirty="0"/>
+              <a:t> </a:t>
+            </a:r>
+            <a:r>
+              <a:rPr lang="de-DE" dirty="0" err="1"/>
+              <a:t>vtables</a:t>
+            </a:r>
+            <a:r>
+              <a:rPr lang="de-DE" dirty="0"/>
+              <a:t> </a:t>
+            </a:r>
+            <a:r>
+              <a:rPr lang="de-DE" dirty="0" err="1"/>
+              <a:t>for</a:t>
+            </a:r>
+            <a:r>
+              <a:rPr lang="de-DE" dirty="0"/>
+              <a:t> </a:t>
+            </a:r>
+            <a:r>
+              <a:rPr lang="de-DE" dirty="0" err="1"/>
+              <a:t>dynamic</a:t>
+            </a:r>
+            <a:r>
+              <a:rPr lang="de-DE" dirty="0"/>
+              <a:t> </a:t>
+            </a:r>
+            <a:r>
+              <a:rPr lang="de-DE" dirty="0" err="1"/>
+              <a:t>dispatch</a:t>
+            </a:r>
+            <a:r>
+              <a:rPr lang="de-DE" dirty="0"/>
+              <a:t> </a:t>
+            </a:r>
+            <a:r>
+              <a:rPr lang="de-DE" dirty="0">
+                <a:sym typeface="Wingdings" panose="05000000000000000000" pitchFamily="2" charset="2"/>
+              </a:rPr>
+              <a:t> </a:t>
+            </a:r>
+            <a:r>
+              <a:rPr lang="de-DE" dirty="0" err="1">
+                <a:sym typeface="Wingdings" panose="05000000000000000000" pitchFamily="2" charset="2"/>
+              </a:rPr>
+              <a:t>performance</a:t>
+            </a:r>
+            <a:r>
+              <a:rPr lang="de-DE" dirty="0">
+                <a:sym typeface="Wingdings" panose="05000000000000000000" pitchFamily="2" charset="2"/>
+              </a:rPr>
+              <a:t> + </a:t>
+            </a:r>
+            <a:r>
+              <a:rPr lang="de-DE" dirty="0" err="1">
+                <a:sym typeface="Wingdings" panose="05000000000000000000" pitchFamily="2" charset="2"/>
+              </a:rPr>
+              <a:t>memory</a:t>
+            </a:r>
+            <a:r>
+              <a:rPr lang="de-DE" dirty="0">
+                <a:sym typeface="Wingdings" panose="05000000000000000000" pitchFamily="2" charset="2"/>
+              </a:rPr>
+              <a:t> </a:t>
+            </a:r>
+            <a:r>
+              <a:rPr lang="de-DE" dirty="0" err="1">
+                <a:sym typeface="Wingdings" panose="05000000000000000000" pitchFamily="2" charset="2"/>
+              </a:rPr>
+              <a:t>overhead</a:t>
+            </a:r>
+            <a:r>
+              <a:rPr lang="de-DE" dirty="0">
+                <a:sym typeface="Wingdings" panose="05000000000000000000" pitchFamily="2" charset="2"/>
+              </a:rPr>
+              <a:t>)</a:t>
+            </a:r>
+          </a:p>
+          <a:p>
+            <a:pPr marL="285750" indent="-285750">
+              <a:buFont typeface="Arial" panose="020B0604020202020204" pitchFamily="34" charset="0"/>
+              <a:buChar char="•"/>
+            </a:pPr>
+            <a:r>
+              <a:rPr lang="de-DE" dirty="0">
+                <a:sym typeface="Wingdings" panose="05000000000000000000" pitchFamily="2" charset="2"/>
+              </a:rPr>
+              <a:t>Memory </a:t>
+            </a:r>
+            <a:r>
+              <a:rPr lang="de-DE" dirty="0" err="1">
+                <a:sym typeface="Wingdings" panose="05000000000000000000" pitchFamily="2" charset="2"/>
+              </a:rPr>
+              <a:t>management</a:t>
+            </a:r>
+            <a:r>
+              <a:rPr lang="de-DE" dirty="0">
+                <a:sym typeface="Wingdings" panose="05000000000000000000" pitchFamily="2" charset="2"/>
+              </a:rPr>
+              <a:t>! (</a:t>
+            </a:r>
+            <a:r>
+              <a:rPr lang="de-DE" dirty="0" err="1">
+                <a:sym typeface="Wingdings" panose="05000000000000000000" pitchFamily="2" charset="2"/>
+                <a:hlinkClick r:id="rId3"/>
+              </a:rPr>
+              <a:t>malloc</a:t>
+            </a:r>
+            <a:r>
+              <a:rPr lang="de-DE" dirty="0">
+                <a:sym typeface="Wingdings" panose="05000000000000000000" pitchFamily="2" charset="2"/>
+                <a:hlinkClick r:id="rId3"/>
+              </a:rPr>
+              <a:t> vs. </a:t>
+            </a:r>
+            <a:r>
+              <a:rPr lang="de-DE" dirty="0" err="1">
+                <a:sym typeface="Wingdings" panose="05000000000000000000" pitchFamily="2" charset="2"/>
+                <a:hlinkClick r:id="rId3"/>
+              </a:rPr>
+              <a:t>TCMalloc</a:t>
+            </a:r>
+            <a:r>
+              <a:rPr lang="de-DE" dirty="0">
+                <a:sym typeface="Wingdings" panose="05000000000000000000" pitchFamily="2" charset="2"/>
+                <a:hlinkClick r:id="rId3"/>
+              </a:rPr>
+              <a:t> vs. </a:t>
+            </a:r>
+            <a:r>
+              <a:rPr lang="de-DE" dirty="0" err="1">
+                <a:sym typeface="Wingdings" panose="05000000000000000000" pitchFamily="2" charset="2"/>
+                <a:hlinkClick r:id="rId3"/>
+              </a:rPr>
+              <a:t>jemalloc</a:t>
+            </a:r>
+            <a:r>
+              <a:rPr lang="de-DE" dirty="0">
+                <a:sym typeface="Wingdings" panose="05000000000000000000" pitchFamily="2" charset="2"/>
+                <a:hlinkClick r:id="rId3"/>
+              </a:rPr>
+              <a:t> </a:t>
+            </a:r>
+            <a:r>
+              <a:rPr lang="de-DE" dirty="0">
+                <a:sym typeface="Wingdings" panose="05000000000000000000" pitchFamily="2" charset="2"/>
+              </a:rPr>
+              <a:t>vs. </a:t>
+            </a:r>
+            <a:r>
+              <a:rPr lang="de-DE" dirty="0" err="1">
+                <a:sym typeface="Wingdings" panose="05000000000000000000" pitchFamily="2" charset="2"/>
+              </a:rPr>
+              <a:t>custom</a:t>
+            </a:r>
+            <a:r>
+              <a:rPr lang="de-DE" dirty="0">
+                <a:sym typeface="Wingdings" panose="05000000000000000000" pitchFamily="2" charset="2"/>
+              </a:rPr>
+              <a:t> </a:t>
+            </a:r>
+            <a:r>
+              <a:rPr lang="de-DE" dirty="0" err="1">
+                <a:sym typeface="Wingdings" panose="05000000000000000000" pitchFamily="2" charset="2"/>
+              </a:rPr>
+              <a:t>memory</a:t>
+            </a:r>
+            <a:r>
+              <a:rPr lang="de-DE" dirty="0">
+                <a:sym typeface="Wingdings" panose="05000000000000000000" pitchFamily="2" charset="2"/>
+              </a:rPr>
+              <a:t> </a:t>
+            </a:r>
+            <a:r>
+              <a:rPr lang="de-DE" dirty="0" err="1">
+                <a:sym typeface="Wingdings" panose="05000000000000000000" pitchFamily="2" charset="2"/>
+              </a:rPr>
+              <a:t>arenas</a:t>
+            </a:r>
+            <a:r>
+              <a:rPr lang="de-DE" dirty="0">
+                <a:sym typeface="Wingdings" panose="05000000000000000000" pitchFamily="2" charset="2"/>
+              </a:rPr>
+              <a:t>/</a:t>
+            </a:r>
+            <a:r>
+              <a:rPr lang="de-DE" dirty="0" err="1">
+                <a:sym typeface="Wingdings" panose="05000000000000000000" pitchFamily="2" charset="2"/>
+              </a:rPr>
+              <a:t>pools</a:t>
+            </a:r>
+            <a:r>
+              <a:rPr lang="de-DE" dirty="0">
+                <a:sym typeface="Wingdings" panose="05000000000000000000" pitchFamily="2" charset="2"/>
+              </a:rPr>
+              <a:t>)</a:t>
+            </a:r>
+            <a:endParaRPr lang="de-DE" dirty="0"/>
+          </a:p>
+          <a:p>
+            <a:pPr marL="285750" indent="-285750">
+              <a:buFont typeface="Arial" panose="020B0604020202020204" pitchFamily="34" charset="0"/>
+              <a:buChar char="•"/>
+            </a:pPr>
+            <a:r>
+              <a:rPr lang="de-DE" dirty="0"/>
+              <a:t>Node16 </a:t>
+            </a:r>
+            <a:r>
+              <a:rPr lang="de-DE" dirty="0" err="1"/>
+              <a:t>search</a:t>
+            </a:r>
+            <a:r>
+              <a:rPr lang="de-DE" dirty="0"/>
+              <a:t> SIMD </a:t>
+            </a:r>
+            <a:r>
+              <a:rPr lang="de-DE" dirty="0" err="1"/>
+              <a:t>comparison</a:t>
+            </a:r>
+            <a:r>
+              <a:rPr lang="de-DE" dirty="0"/>
+              <a:t>: </a:t>
+            </a:r>
+            <a:r>
+              <a:rPr lang="de-DE" dirty="0" err="1"/>
+              <a:t>used</a:t>
+            </a:r>
+            <a:r>
+              <a:rPr lang="de-DE" dirty="0"/>
+              <a:t> x86-64 SSE2 </a:t>
+            </a:r>
+          </a:p>
+          <a:p>
+            <a:pPr marL="285750" indent="-285750">
+              <a:buFont typeface="Arial" panose="020B0604020202020204" pitchFamily="34" charset="0"/>
+              <a:buChar char="•"/>
+            </a:pPr>
+            <a:r>
+              <a:rPr lang="de-DE" dirty="0" err="1"/>
+              <a:t>Combined</a:t>
+            </a:r>
+            <a:r>
+              <a:rPr lang="de-DE" dirty="0"/>
+              <a:t> </a:t>
+            </a:r>
+            <a:r>
+              <a:rPr lang="de-DE" dirty="0" err="1"/>
               <a:t>value</a:t>
             </a:r>
             <a:r>
-              <a:rPr b="1" dirty="0"/>
+              <a:rPr lang="de-DE" dirty="0"/>
+              <a:t>/</a:t>
+            </a:r>
+            <a:r>
+              <a:rPr lang="de-DE" dirty="0" err="1"/>
+              <a:t>pointer</a:t>
+            </a:r>
+            <a:r>
+              <a:rPr lang="de-DE" dirty="0"/>
               <a:t> </a:t>
             </a:r>
             <a:r>
-              <a:rPr b="1" dirty="0" err="1"/>
-              <a:t>leaves</a:t>
-            </a:r>
-            <a:r>
-              <a:rPr b="1" dirty="0"/>
-              <a:t>:</a:t>
-            </a:r>
-          </a:p>
-          <a:p>
-            <a:r>
-              <a:rPr lang="de-DE" dirty="0"/>
-              <a:t>Use extra </a:t>
-            </a:r>
-            <a:r>
-              <a:rPr lang="de-DE" dirty="0" err="1"/>
-              <a:t>node</a:t>
-            </a:r>
-            <a:r>
-              <a:rPr lang="de-DE" dirty="0"/>
-              <a:t> type </a:t>
-            </a:r>
-            <a:r>
-              <a:rPr lang="de-DE" dirty="0" err="1"/>
-              <a:t>for</a:t>
+              <a:rPr lang="de-DE" dirty="0" err="1"/>
+              <a:t>slots</a:t>
+            </a:r>
+            <a:r>
+              <a:rPr lang="de-DE" dirty="0"/>
+              <a:t>: Pointer Tagging </a:t>
+            </a:r>
+            <a:r>
+              <a:rPr lang="de-DE" dirty="0" err="1"/>
+              <a:t>using</a:t>
+            </a:r>
+            <a:r>
+              <a:rPr lang="de-DE" dirty="0"/>
+              <a:t> 3 </a:t>
+            </a:r>
+            <a:r>
+              <a:rPr lang="de-DE" dirty="0" err="1"/>
+              <a:t>low</a:t>
             </a:r>
             <a:r>
               <a:rPr lang="de-DE" dirty="0"/>
@@ -29440,7 +30375,15 @@
             </a:r>
             <a:r>
               <a:rPr lang="de-DE" dirty="0" err="1"/>
-              <a:t>leaves</a:t>
+              <a:t>bits</a:t>
+            </a:r>
+            <a:r>
+              <a:rPr lang="de-DE" dirty="0"/>
+              <a:t> on 64 </a:t>
+            </a:r>
+            <a:r>
+              <a:rPr lang="de-DE" dirty="0" err="1"/>
+              <a:t>bit</a:t>
             </a:r>
             <a:r>
               <a:rPr lang="de-DE" dirty="0"/>
@@ -29448,7 +30391,15 @@
             </a:r>
             <a:r>
               <a:rPr lang="de-DE" dirty="0" err="1"/>
-              <a:t>storing</a:t>
+              <a:t>architecture</a:t>
+            </a:r>
+            <a:r>
+              <a:rPr lang="de-DE" dirty="0"/>
+              <a:t> (</a:t>
+            </a:r>
+            <a:r>
+              <a:rPr lang="de-DE" dirty="0" err="1"/>
+              <a:t>pointers</a:t>
             </a:r>
             <a:r>
               <a:rPr lang="de-DE" dirty="0"/>
@@ -29456,276 +30407,75 @@
             </a:r>
             <a:r>
               <a:rPr lang="de-DE" dirty="0" err="1"/>
-              <a:t>one</a:t>
-            </a:r>
-            <a:r>
-              <a:rPr lang="de-DE" dirty="0"/>
-              <a:t> </a:t>
-            </a:r>
-            <a:r>
-              <a:rPr lang="de-DE" dirty="0" err="1"/>
-              <a:t>value</a:t>
-            </a:r>
-            <a:endParaRPr lang="de-DE" dirty="0"/>
-          </a:p>
-          <a:p>
-            <a:endParaRPr lang="de-DE" dirty="0"/>
-          </a:p>
-          <a:p>
-            <a:r>
-              <a:rPr lang="de-DE" b="1" dirty="0"/>
-              <a:t>Multi-</a:t>
-            </a:r>
-            <a:r>
-              <a:rPr lang="de-DE" b="1" dirty="0" err="1"/>
-              <a:t>value</a:t>
-            </a:r>
-            <a:r>
-              <a:rPr lang="de-DE" b="1" dirty="0"/>
-              <a:t> </a:t>
-            </a:r>
-            <a:r>
-              <a:rPr lang="de-DE" b="1" dirty="0" err="1"/>
-              <a:t>leaves</a:t>
-            </a:r>
-            <a:r>
-              <a:rPr lang="de-DE" b="1" dirty="0"/>
-              <a:t>:</a:t>
-            </a:r>
-          </a:p>
-          <a:p>
-            <a:r>
-              <a:rPr lang="de-DE" dirty="0" err="1"/>
-              <a:t>If</a:t>
-            </a:r>
-            <a:r>
-              <a:rPr lang="de-DE" dirty="0"/>
-              <a:t> </a:t>
-            </a:r>
-            <a:r>
-              <a:rPr lang="de-DE" dirty="0" err="1"/>
-              <a:t>value</a:t>
-            </a:r>
-            <a:r>
-              <a:rPr lang="de-DE" dirty="0"/>
-              <a:t> </a:t>
-            </a:r>
-            <a:r>
-              <a:rPr lang="de-DE" dirty="0" err="1"/>
-              <a:t>fits</a:t>
-            </a:r>
-            <a:r>
-              <a:rPr lang="de-DE" dirty="0"/>
-              <a:t> </a:t>
-            </a:r>
-            <a:r>
-              <a:rPr lang="de-DE" dirty="0" err="1"/>
-              <a:t>into</a:t>
-            </a:r>
-            <a:r>
-              <a:rPr lang="de-DE" dirty="0"/>
-              <a:t> 64 </a:t>
-            </a:r>
-            <a:r>
-              <a:rPr lang="de-DE" dirty="0" err="1"/>
-              <a:t>bit</a:t>
-            </a:r>
-            <a:r>
-              <a:rPr lang="de-DE" dirty="0"/>
-              <a:t> (</a:t>
-            </a:r>
-            <a:r>
-              <a:rPr lang="de-DE" dirty="0" err="1"/>
-              <a:t>size</a:t>
-            </a:r>
-            <a:r>
-              <a:rPr lang="de-DE" dirty="0"/>
-              <a:t> </a:t>
-            </a:r>
-            <a:r>
-              <a:rPr lang="de-DE" dirty="0" err="1"/>
-              <a:t>of</a:t>
-            </a:r>
-            <a:r>
-              <a:rPr lang="de-DE" dirty="0"/>
-              <a:t> a </a:t>
-            </a:r>
-            <a:r>
-              <a:rPr lang="de-DE" dirty="0" err="1"/>
-              <a:t>pointer</a:t>
-            </a:r>
-            <a:r>
-              <a:rPr lang="de-DE" dirty="0"/>
-              <a:t>), just </a:t>
-            </a:r>
-            <a:r>
-              <a:rPr lang="de-DE" dirty="0" err="1"/>
-              <a:t>store</a:t>
-            </a:r>
-            <a:r>
-              <a:rPr lang="de-DE" dirty="0"/>
-              <a:t> </a:t>
-            </a:r>
-            <a:r>
-              <a:rPr lang="de-DE" dirty="0" err="1"/>
-              <a:t>it</a:t>
-            </a:r>
-            <a:r>
-              <a:rPr lang="de-DE" dirty="0"/>
-              <a:t> in </a:t>
-            </a:r>
-            <a:r>
-              <a:rPr lang="de-DE" dirty="0" err="1"/>
-              <a:t>pointer</a:t>
-            </a:r>
-            <a:r>
-              <a:rPr lang="de-DE" dirty="0"/>
-              <a:t> </a:t>
-            </a:r>
-            <a:r>
-              <a:rPr lang="de-DE" dirty="0" err="1"/>
-              <a:t>arrays</a:t>
-            </a:r>
-            <a:r>
-              <a:rPr lang="de-DE" dirty="0"/>
-              <a:t> </a:t>
-            </a:r>
-            <a:r>
-              <a:rPr lang="de-DE" dirty="0" err="1"/>
-              <a:t>of</a:t>
-            </a:r>
-            <a:r>
-              <a:rPr lang="de-DE" dirty="0"/>
-              <a:t> </a:t>
-            </a:r>
-            <a:r>
-              <a:rPr lang="de-DE" dirty="0" err="1"/>
-              <a:t>inner</a:t>
-            </a:r>
-            <a:r>
-              <a:rPr lang="de-DE" dirty="0"/>
-              <a:t> </a:t>
-            </a:r>
-            <a:r>
-              <a:rPr lang="de-DE" dirty="0" err="1"/>
-              <a:t>nodes</a:t>
-            </a:r>
-            <a:r>
-              <a:rPr lang="de-DE" dirty="0"/>
-              <a:t> </a:t>
-            </a:r>
-            <a:r>
-              <a:rPr lang="de-DE" dirty="0" err="1"/>
-              <a:t>instead</a:t>
-            </a:r>
-            <a:r>
-              <a:rPr lang="de-DE" dirty="0"/>
-              <a:t> </a:t>
-            </a:r>
-            <a:r>
-              <a:rPr lang="de-DE" dirty="0" err="1"/>
-              <a:t>of</a:t>
-            </a:r>
-            <a:r>
-              <a:rPr lang="de-DE" dirty="0"/>
-              <a:t> </a:t>
-            </a:r>
-            <a:r>
-              <a:rPr lang="de-DE" dirty="0" err="1"/>
-              <a:t>the</a:t>
-            </a:r>
-            <a:r>
-              <a:rPr lang="de-DE" dirty="0"/>
-              <a:t> </a:t>
-            </a:r>
-            <a:r>
-              <a:rPr lang="de-DE" dirty="0" err="1"/>
-              <a:t>pointer</a:t>
-            </a:r>
-            <a:r>
-              <a:rPr lang="de-DE" dirty="0"/>
-              <a:t> (</a:t>
-            </a:r>
-            <a:r>
-              <a:rPr lang="de-DE" dirty="0" err="1"/>
-              <a:t>use</a:t>
-            </a:r>
-            <a:r>
-              <a:rPr lang="de-DE" dirty="0"/>
-              <a:t> 1 </a:t>
-            </a:r>
-            <a:r>
-              <a:rPr lang="de-DE" dirty="0" err="1"/>
-              <a:t>bit</a:t>
-            </a:r>
-            <a:r>
-              <a:rPr lang="de-DE" dirty="0"/>
-              <a:t> </a:t>
-            </a:r>
-            <a:r>
-              <a:rPr lang="de-DE" dirty="0" err="1"/>
-              <a:t>or</a:t>
-            </a:r>
-            <a:r>
-              <a:rPr lang="de-DE" dirty="0"/>
-              <a:t> </a:t>
-            </a:r>
-            <a:r>
-              <a:rPr lang="de-DE" dirty="0" err="1"/>
-              <a:t>pointer</a:t>
-            </a:r>
-            <a:r>
-              <a:rPr lang="de-DE" dirty="0"/>
-              <a:t> </a:t>
-            </a:r>
-            <a:r>
-              <a:rPr lang="de-DE" dirty="0" err="1"/>
-              <a:t>tagging</a:t>
-            </a:r>
-            <a:r>
-              <a:rPr lang="de-DE" dirty="0"/>
-              <a:t> </a:t>
-            </a:r>
-            <a:r>
-              <a:rPr lang="de-DE" dirty="0" err="1"/>
-              <a:t>to</a:t>
-            </a:r>
-            <a:r>
-              <a:rPr lang="de-DE" dirty="0"/>
-              <a:t> </a:t>
-            </a:r>
-            <a:r>
-              <a:rPr lang="de-DE" dirty="0" err="1"/>
-              <a:t>distinguish</a:t>
-            </a:r>
-            <a:r>
-              <a:rPr lang="de-DE" dirty="0"/>
-              <a:t> </a:t>
-            </a:r>
-            <a:r>
-              <a:rPr lang="de-DE" dirty="0" err="1"/>
-              <a:t>pointers</a:t>
-            </a:r>
-            <a:r>
-              <a:rPr lang="de-DE" dirty="0"/>
-              <a:t> and </a:t>
-            </a:r>
-            <a:r>
-              <a:rPr lang="de-DE" dirty="0" err="1"/>
-              <a:t>values</a:t>
+              <a:t>are</a:t>
+            </a:r>
+            <a:r>
+              <a:rPr lang="de-DE" dirty="0"/>
+              <a:t> 8-byte </a:t>
+            </a:r>
+            <a:r>
+              <a:rPr lang="de-DE" dirty="0" err="1"/>
+              <a:t>aligned</a:t>
             </a:r>
             <a:r>
               <a:rPr lang="de-DE" dirty="0"/>
               <a:t>)</a:t>
             </a:r>
             <a:endParaRPr dirty="0"/>
+          </a:p>
+        </p:txBody>
+      </p:sp>
+      <p:sp>
+        <p:nvSpPr>
+          <p:cNvPr id="8" name="TextBox 7">
+            <a:extLst>
+              <a:ext uri="{FF2B5EF4-FFF2-40B4-BE49-F238E27FC236}">
+                <a16:creationId xmlns:a16="http://schemas.microsoft.com/office/drawing/2014/main" id="{A5940A45-AA82-8650-35A3-B5573011316E}"/>
+              </a:ext>
+            </a:extLst>
+          </p:cNvPr>
+          <p:cNvSpPr txBox="1"/>
+          <p:nvPr/>
+        </p:nvSpPr>
+        <p:spPr>
+          <a:xfrm>
+            <a:off x="311162" y="6298789"/>
+            <a:ext cx="8635130" cy="193002"/>
+          </a:xfrm>
+          <a:prstGeom prst="rect">
+            <a:avLst/>
+          </a:prstGeom>
+          <a:noFill/>
+        </p:spPr>
+        <p:txBody>
+          <a:bodyPr wrap="square" lIns="0" tIns="0" rIns="0" bIns="0" rtlCol="0">
+            <a:spAutoFit/>
+          </a:bodyPr>
+          <a:lstStyle/>
+          <a:p>
+            <a:pPr>
+              <a:lnSpc>
+                <a:spcPct val="114000"/>
+              </a:lnSpc>
+            </a:pPr>
+            <a:r>
+              <a:rPr lang="en-US" sz="1200" b="1" dirty="0"/>
+              <a:t>Source: </a:t>
+            </a:r>
+            <a:r>
+              <a:rPr lang="en-US" sz="1200" dirty="0">
+                <a:hlinkClick r:id="rId4"/>
+              </a:rPr>
+              <a:t>https://github.com/atalantus/The-Adaptive-Radix-Tree/tree/main/Implementation</a:t>
+            </a:r>
+            <a:endParaRPr lang="en-US" sz="1200" dirty="0"/>
           </a:p>
         </p:txBody>
       </p:sp>
     </p:spTree>
     <p:extLst>
       <p:ext uri="{BB962C8B-B14F-4D97-AF65-F5344CB8AC3E}">
-        <p14:creationId xmlns:p14="http://schemas.microsoft.com/office/powerpoint/2010/main" val="3261259584"/>
+        <p14:creationId xmlns:p14="http://schemas.microsoft.com/office/powerpoint/2010/main" val="443928699"/>
       </p:ext>
     </p:extLst>
   </p:cSld>
@@ -29775,711 +30525,6 @@
               <a:rPr lang="de-DE" smtClean="0"/>
               <a:pPr/>
               <a:t>31</a:t>
-            </a:fld>
-            <a:endParaRPr lang="de-DE" dirty="0"/>
-          </a:p>
-        </p:txBody>
-      </p:sp>
-      <p:sp>
-        <p:nvSpPr>
-          <p:cNvPr id="6" name="Fußzeilenplatzhalter 4"/>
-          <p:cNvSpPr>
-            <a:spLocks noGrp="1"/>
-          </p:cNvSpPr>
-          <p:nvPr>
-            <p:ph type="ftr" sz="quarter" idx="12"/>
-          </p:nvPr>
-        </p:nvSpPr>
-        <p:spPr/>
-        <p:txBody>
-          <a:bodyPr/>
-          <a:lstStyle/>
-          <a:p>
-            <a:r>
-              <a:rPr lang="de-DE" dirty="0"/>
-              <a:t>Jonas Fritsch | The Adaptive Radix Tree</a:t>
-            </a:r>
-            <a:endParaRPr lang="en-US" dirty="0"/>
-          </a:p>
-        </p:txBody>
-      </p:sp>
-      <p:sp>
-        <p:nvSpPr>
-          <p:cNvPr id="3" name="Titel 2"/>
-          <p:cNvSpPr>
-            <a:spLocks noGrp="1"/>
-          </p:cNvSpPr>
-          <p:nvPr>
-            <p:ph type="title"/>
-          </p:nvPr>
-        </p:nvSpPr>
-        <p:spPr>
-          <a:prstGeom prst="rect">
-            <a:avLst/>
-          </a:prstGeom>
-        </p:spPr>
-        <p:txBody>
-          <a:bodyPr/>
-          <a:lstStyle/>
-          <a:p>
-            <a:r>
-              <a:rPr sz="3000" dirty="0"/>
-              <a:t>ART </a:t>
-            </a:r>
-            <a:r>
-              <a:rPr lang="de-DE" sz="3000" dirty="0"/>
-              <a:t>–</a:t>
-            </a:r>
-            <a:r>
-              <a:rPr sz="3000" dirty="0"/>
-              <a:t> Implementation </a:t>
-            </a:r>
-            <a:r>
-              <a:rPr sz="3000" dirty="0" err="1"/>
-              <a:t>Specifics</a:t>
-            </a:r>
-            <a:endParaRPr lang="de-DE" sz="3000" dirty="0"/>
-          </a:p>
-        </p:txBody>
-      </p:sp>
-      <p:sp>
-        <p:nvSpPr>
-          <p:cNvPr id="7" name="Inhaltsplatzhalter 1">
-            <a:extLst>
-              <a:ext uri="{FF2B5EF4-FFF2-40B4-BE49-F238E27FC236}">
-                <a16:creationId xmlns:a16="http://schemas.microsoft.com/office/drawing/2014/main" id="{39E026B4-457A-F216-0A86-D12F37A57423}"/>
-              </a:ext>
-            </a:extLst>
-          </p:cNvPr>
-          <p:cNvSpPr>
-            <a:spLocks noGrp="1"/>
-          </p:cNvSpPr>
-          <p:nvPr>
-            <p:ph idx="1"/>
-          </p:nvPr>
-        </p:nvSpPr>
-        <p:spPr>
-          <a:xfrm>
-            <a:off x="319090" y="1762188"/>
-            <a:ext cx="8508999" cy="4699572"/>
-          </a:xfrm>
-        </p:spPr>
-        <p:txBody>
-          <a:bodyPr/>
-          <a:lstStyle/>
-          <a:p>
-            <a:r>
-              <a:rPr dirty="0"/>
-              <a:t>ART </a:t>
-            </a:r>
-            <a:r>
-              <a:rPr dirty="0" err="1"/>
-              <a:t>implementation</a:t>
-            </a:r>
-            <a:r>
-              <a:rPr dirty="0"/>
-              <a:t> </a:t>
-            </a:r>
-            <a:r>
-              <a:rPr dirty="0" err="1"/>
-              <a:t>for</a:t>
-            </a:r>
-            <a:r>
-              <a:rPr dirty="0"/>
-              <a:t> </a:t>
-            </a:r>
-            <a:r>
-              <a:rPr dirty="0" err="1"/>
-              <a:t>storing</a:t>
-            </a:r>
-            <a:r>
-              <a:rPr dirty="0"/>
-              <a:t> 32 </a:t>
-            </a:r>
-            <a:r>
-              <a:rPr dirty="0" err="1"/>
-              <a:t>bit</a:t>
-            </a:r>
-            <a:r>
-              <a:rPr dirty="0"/>
-              <a:t> </a:t>
-            </a:r>
-            <a:r>
-              <a:rPr dirty="0" err="1"/>
-              <a:t>keys</a:t>
-            </a:r>
-            <a:r>
-              <a:rPr dirty="0"/>
-              <a:t> (</a:t>
-            </a:r>
-            <a:r>
-              <a:rPr dirty="0" err="1"/>
-              <a:t>no</a:t>
-            </a:r>
-            <a:r>
-              <a:rPr dirty="0"/>
-              <a:t> </a:t>
-            </a:r>
-            <a:r>
-              <a:rPr dirty="0" err="1"/>
-              <a:t>path</a:t>
-            </a:r>
-            <a:r>
-              <a:rPr dirty="0"/>
-              <a:t> </a:t>
-            </a:r>
-            <a:r>
-              <a:rPr dirty="0" err="1"/>
-              <a:t>compression</a:t>
-            </a:r>
-            <a:r>
-              <a:rPr dirty="0"/>
-              <a:t>)</a:t>
-            </a:r>
-          </a:p>
-          <a:p>
-            <a:endParaRPr dirty="0"/>
-          </a:p>
-          <a:p>
-            <a:r>
-              <a:rPr lang="de-DE" b="1" dirty="0" err="1"/>
-              <a:t>Important</a:t>
-            </a:r>
-            <a:r>
-              <a:rPr lang="de-DE" b="1" dirty="0"/>
-              <a:t> Points:</a:t>
-            </a:r>
-          </a:p>
-          <a:p>
-            <a:pPr marL="285750" indent="-285750">
-              <a:buFont typeface="Arial" panose="020B0604020202020204" pitchFamily="34" charset="0"/>
-              <a:buChar char="•"/>
-            </a:pPr>
-            <a:r>
-              <a:rPr lang="de-DE" dirty="0" err="1"/>
-              <a:t>No</a:t>
-            </a:r>
-            <a:r>
-              <a:rPr lang="de-DE" dirty="0"/>
-              <a:t> </a:t>
-            </a:r>
-            <a:r>
-              <a:rPr lang="de-DE" dirty="0" err="1"/>
-              <a:t>recursion</a:t>
-            </a:r>
-            <a:r>
-              <a:rPr lang="de-DE" dirty="0"/>
-              <a:t>! (</a:t>
-            </a:r>
-            <a:r>
-              <a:rPr lang="de-DE" dirty="0" err="1"/>
-              <a:t>self</a:t>
-            </a:r>
-            <a:r>
-              <a:rPr lang="de-DE" dirty="0"/>
-              <a:t> </a:t>
-            </a:r>
-            <a:r>
-              <a:rPr lang="de-DE" dirty="0" err="1"/>
-              <a:t>explanatory</a:t>
-            </a:r>
-            <a:r>
-              <a:rPr lang="de-DE" dirty="0"/>
-              <a:t>)</a:t>
-            </a:r>
-          </a:p>
-          <a:p>
-            <a:pPr marL="285750" indent="-285750">
-              <a:buFont typeface="Arial" panose="020B0604020202020204" pitchFamily="34" charset="0"/>
-              <a:buChar char="•"/>
-            </a:pPr>
-            <a:r>
-              <a:rPr lang="de-DE" dirty="0" err="1"/>
-              <a:t>Careful</a:t>
-            </a:r>
-            <a:r>
-              <a:rPr lang="de-DE" dirty="0"/>
-              <a:t> </a:t>
-            </a:r>
-            <a:r>
-              <a:rPr lang="de-DE" dirty="0" err="1"/>
-              <a:t>with</a:t>
-            </a:r>
-            <a:r>
-              <a:rPr lang="de-DE" dirty="0"/>
-              <a:t> </a:t>
-            </a:r>
-            <a:r>
-              <a:rPr lang="de-DE" dirty="0" err="1"/>
-              <a:t>polymorphie</a:t>
-            </a:r>
-            <a:r>
-              <a:rPr lang="de-DE" dirty="0"/>
-              <a:t>! (C++ </a:t>
-            </a:r>
-            <a:r>
-              <a:rPr lang="de-DE" dirty="0" err="1"/>
-              <a:t>utilizes</a:t>
-            </a:r>
-            <a:r>
-              <a:rPr lang="de-DE" dirty="0"/>
-              <a:t> </a:t>
-            </a:r>
-            <a:r>
-              <a:rPr lang="de-DE" dirty="0" err="1"/>
-              <a:t>vtables</a:t>
-            </a:r>
-            <a:r>
-              <a:rPr lang="de-DE" dirty="0"/>
-              <a:t> </a:t>
-            </a:r>
-            <a:r>
-              <a:rPr lang="de-DE" dirty="0" err="1"/>
-              <a:t>for</a:t>
-            </a:r>
-            <a:r>
-              <a:rPr lang="de-DE" dirty="0"/>
-              <a:t> </a:t>
-            </a:r>
-            <a:r>
-              <a:rPr lang="de-DE" dirty="0" err="1"/>
-              <a:t>dynamic</a:t>
-            </a:r>
-            <a:r>
-              <a:rPr lang="de-DE" dirty="0"/>
-              <a:t> </a:t>
-            </a:r>
-            <a:r>
-              <a:rPr lang="de-DE" dirty="0" err="1"/>
-              <a:t>dispatch</a:t>
-            </a:r>
-            <a:r>
-              <a:rPr lang="de-DE" dirty="0"/>
-              <a:t> </a:t>
-            </a:r>
-            <a:r>
-              <a:rPr lang="de-DE" dirty="0">
-                <a:sym typeface="Wingdings" panose="05000000000000000000" pitchFamily="2" charset="2"/>
-              </a:rPr>
-              <a:t> </a:t>
-            </a:r>
-            <a:r>
-              <a:rPr lang="de-DE" dirty="0" err="1">
-                <a:sym typeface="Wingdings" panose="05000000000000000000" pitchFamily="2" charset="2"/>
-              </a:rPr>
-              <a:t>performance</a:t>
-            </a:r>
-            <a:r>
-              <a:rPr lang="de-DE" dirty="0">
-                <a:sym typeface="Wingdings" panose="05000000000000000000" pitchFamily="2" charset="2"/>
-              </a:rPr>
-              <a:t> + </a:t>
-            </a:r>
-            <a:r>
-              <a:rPr lang="de-DE" dirty="0" err="1">
-                <a:sym typeface="Wingdings" panose="05000000000000000000" pitchFamily="2" charset="2"/>
-              </a:rPr>
-              <a:t>memory</a:t>
-            </a:r>
-            <a:r>
-              <a:rPr lang="de-DE" dirty="0">
-                <a:sym typeface="Wingdings" panose="05000000000000000000" pitchFamily="2" charset="2"/>
-              </a:rPr>
-              <a:t> </a:t>
-            </a:r>
-            <a:r>
-              <a:rPr lang="de-DE" dirty="0" err="1">
-                <a:sym typeface="Wingdings" panose="05000000000000000000" pitchFamily="2" charset="2"/>
-              </a:rPr>
-              <a:t>overhead</a:t>
-            </a:r>
-            <a:r>
-              <a:rPr lang="de-DE" dirty="0">
-                <a:sym typeface="Wingdings" panose="05000000000000000000" pitchFamily="2" charset="2"/>
-              </a:rPr>
-              <a:t>)</a:t>
-            </a:r>
-          </a:p>
-          <a:p>
-            <a:pPr marL="285750" indent="-285750">
-              <a:buFont typeface="Arial" panose="020B0604020202020204" pitchFamily="34" charset="0"/>
-              <a:buChar char="•"/>
-            </a:pPr>
-            <a:r>
-              <a:rPr lang="de-DE" dirty="0">
-                <a:sym typeface="Wingdings" panose="05000000000000000000" pitchFamily="2" charset="2"/>
-              </a:rPr>
-              <a:t>Memory </a:t>
-            </a:r>
-            <a:r>
-              <a:rPr lang="de-DE" dirty="0" err="1">
-                <a:sym typeface="Wingdings" panose="05000000000000000000" pitchFamily="2" charset="2"/>
-              </a:rPr>
-              <a:t>management</a:t>
-            </a:r>
-            <a:r>
-              <a:rPr lang="de-DE" dirty="0">
-                <a:sym typeface="Wingdings" panose="05000000000000000000" pitchFamily="2" charset="2"/>
-              </a:rPr>
-              <a:t>! (</a:t>
-            </a:r>
-            <a:r>
-              <a:rPr lang="de-DE" dirty="0" err="1">
-                <a:sym typeface="Wingdings" panose="05000000000000000000" pitchFamily="2" charset="2"/>
-                <a:hlinkClick r:id="rId3"/>
-              </a:rPr>
-              <a:t>malloc</a:t>
-            </a:r>
-            <a:r>
-              <a:rPr lang="de-DE" dirty="0">
-                <a:sym typeface="Wingdings" panose="05000000000000000000" pitchFamily="2" charset="2"/>
-                <a:hlinkClick r:id="rId3"/>
-              </a:rPr>
-              <a:t> vs. </a:t>
-            </a:r>
-            <a:r>
-              <a:rPr lang="de-DE" dirty="0" err="1">
-                <a:sym typeface="Wingdings" panose="05000000000000000000" pitchFamily="2" charset="2"/>
-                <a:hlinkClick r:id="rId3"/>
-              </a:rPr>
-              <a:t>TCMalloc</a:t>
-            </a:r>
-            <a:r>
-              <a:rPr lang="de-DE" dirty="0">
-                <a:sym typeface="Wingdings" panose="05000000000000000000" pitchFamily="2" charset="2"/>
-                <a:hlinkClick r:id="rId3"/>
-              </a:rPr>
-              <a:t> vs. </a:t>
-            </a:r>
-            <a:r>
-              <a:rPr lang="de-DE" dirty="0" err="1">
-                <a:sym typeface="Wingdings" panose="05000000000000000000" pitchFamily="2" charset="2"/>
-                <a:hlinkClick r:id="rId3"/>
-              </a:rPr>
-              <a:t>jemalloc</a:t>
-            </a:r>
-            <a:r>
-              <a:rPr lang="de-DE" dirty="0">
-                <a:sym typeface="Wingdings" panose="05000000000000000000" pitchFamily="2" charset="2"/>
-                <a:hlinkClick r:id="rId3"/>
-              </a:rPr>
-              <a:t> </a:t>
-            </a:r>
-            <a:r>
-              <a:rPr lang="de-DE" dirty="0">
-                <a:sym typeface="Wingdings" panose="05000000000000000000" pitchFamily="2" charset="2"/>
-              </a:rPr>
-              <a:t>vs. </a:t>
-            </a:r>
-            <a:r>
-              <a:rPr lang="de-DE" dirty="0" err="1">
-                <a:sym typeface="Wingdings" panose="05000000000000000000" pitchFamily="2" charset="2"/>
-              </a:rPr>
-              <a:t>custom</a:t>
-            </a:r>
-            <a:r>
-              <a:rPr lang="de-DE" dirty="0">
-                <a:sym typeface="Wingdings" panose="05000000000000000000" pitchFamily="2" charset="2"/>
-              </a:rPr>
-              <a:t> </a:t>
-            </a:r>
-            <a:r>
-              <a:rPr lang="de-DE" dirty="0" err="1">
-                <a:sym typeface="Wingdings" panose="05000000000000000000" pitchFamily="2" charset="2"/>
-              </a:rPr>
-              <a:t>memory</a:t>
-            </a:r>
-            <a:r>
-              <a:rPr lang="de-DE" dirty="0">
-                <a:sym typeface="Wingdings" panose="05000000000000000000" pitchFamily="2" charset="2"/>
-              </a:rPr>
-              <a:t> </a:t>
-            </a:r>
-            <a:r>
-              <a:rPr lang="de-DE" dirty="0" err="1">
-                <a:sym typeface="Wingdings" panose="05000000000000000000" pitchFamily="2" charset="2"/>
-              </a:rPr>
-              <a:t>arenas</a:t>
-            </a:r>
-            <a:r>
-              <a:rPr lang="de-DE" dirty="0">
-                <a:sym typeface="Wingdings" panose="05000000000000000000" pitchFamily="2" charset="2"/>
-              </a:rPr>
-              <a:t>/</a:t>
-            </a:r>
-            <a:r>
-              <a:rPr lang="de-DE" dirty="0" err="1">
-                <a:sym typeface="Wingdings" panose="05000000000000000000" pitchFamily="2" charset="2"/>
-              </a:rPr>
-              <a:t>pools</a:t>
-            </a:r>
-            <a:r>
-              <a:rPr lang="de-DE" dirty="0">
-                <a:sym typeface="Wingdings" panose="05000000000000000000" pitchFamily="2" charset="2"/>
-              </a:rPr>
-              <a:t>)</a:t>
-            </a:r>
-            <a:endParaRPr lang="de-DE" dirty="0"/>
-          </a:p>
-          <a:p>
-            <a:pPr marL="285750" indent="-285750">
-              <a:buFont typeface="Arial" panose="020B0604020202020204" pitchFamily="34" charset="0"/>
-              <a:buChar char="•"/>
-            </a:pPr>
-            <a:r>
-              <a:rPr lang="de-DE" dirty="0"/>
-              <a:t>Node16 </a:t>
-            </a:r>
-            <a:r>
-              <a:rPr lang="de-DE" dirty="0" err="1"/>
-              <a:t>search</a:t>
-            </a:r>
-            <a:r>
-              <a:rPr lang="de-DE" dirty="0"/>
-              <a:t> SIMD </a:t>
-            </a:r>
-            <a:r>
-              <a:rPr lang="de-DE" dirty="0" err="1"/>
-              <a:t>comparison</a:t>
-            </a:r>
-            <a:r>
-              <a:rPr lang="de-DE" dirty="0"/>
-              <a:t>: </a:t>
-            </a:r>
-            <a:r>
-              <a:rPr lang="de-DE" dirty="0" err="1"/>
-              <a:t>used</a:t>
-            </a:r>
-            <a:r>
-              <a:rPr lang="de-DE" dirty="0"/>
-              <a:t> x86-64 SSE (</a:t>
-            </a:r>
-            <a:r>
-              <a:rPr lang="de-DE" dirty="0" err="1"/>
-              <a:t>optionally</a:t>
-            </a:r>
-            <a:r>
-              <a:rPr lang="de-DE" dirty="0"/>
-              <a:t> AVX-512 </a:t>
-            </a:r>
-            <a:r>
-              <a:rPr lang="de-DE" dirty="0" err="1"/>
-              <a:t>for</a:t>
-            </a:r>
-            <a:r>
-              <a:rPr lang="de-DE" dirty="0"/>
-              <a:t> </a:t>
-            </a:r>
-            <a:r>
-              <a:rPr lang="de-DE" dirty="0" err="1"/>
-              <a:t>fewer</a:t>
-            </a:r>
-            <a:r>
-              <a:rPr lang="de-DE" dirty="0"/>
-              <a:t> </a:t>
-            </a:r>
-            <a:r>
-              <a:rPr lang="de-DE" dirty="0" err="1"/>
-              <a:t>intrinsics</a:t>
-            </a:r>
-            <a:r>
-              <a:rPr lang="de-DE" dirty="0"/>
-              <a:t>)</a:t>
-            </a:r>
-          </a:p>
-          <a:p>
-            <a:pPr marL="285750" indent="-285750">
-              <a:buFont typeface="Arial" panose="020B0604020202020204" pitchFamily="34" charset="0"/>
-              <a:buChar char="•"/>
-            </a:pPr>
-            <a:r>
-              <a:rPr lang="de-DE" dirty="0"/>
-              <a:t>Multi-</a:t>
-            </a:r>
-            <a:r>
-              <a:rPr lang="de-DE" dirty="0" err="1"/>
-              <a:t>value</a:t>
-            </a:r>
-            <a:r>
-              <a:rPr lang="de-DE" dirty="0"/>
-              <a:t> </a:t>
-            </a:r>
-            <a:r>
-              <a:rPr lang="de-DE" dirty="0" err="1"/>
-              <a:t>leaves</a:t>
-            </a:r>
-            <a:r>
-              <a:rPr lang="de-DE" dirty="0"/>
-              <a:t>: Pointer Tagging </a:t>
-            </a:r>
-            <a:r>
-              <a:rPr lang="de-DE" dirty="0" err="1"/>
-              <a:t>using</a:t>
-            </a:r>
-            <a:r>
-              <a:rPr lang="de-DE" dirty="0"/>
-              <a:t> 3 </a:t>
-            </a:r>
-            <a:r>
-              <a:rPr lang="de-DE" dirty="0" err="1"/>
-              <a:t>low</a:t>
-            </a:r>
-            <a:r>
-              <a:rPr lang="de-DE" dirty="0"/>
-              <a:t> </a:t>
-            </a:r>
-            <a:r>
-              <a:rPr lang="de-DE" dirty="0" err="1"/>
-              <a:t>bits</a:t>
-            </a:r>
-            <a:r>
-              <a:rPr lang="de-DE" dirty="0"/>
-              <a:t> on 64 </a:t>
-            </a:r>
-            <a:r>
-              <a:rPr lang="de-DE" dirty="0" err="1"/>
-              <a:t>bit</a:t>
-            </a:r>
-            <a:r>
-              <a:rPr lang="de-DE" dirty="0"/>
-              <a:t> </a:t>
-            </a:r>
-            <a:r>
-              <a:rPr lang="de-DE" dirty="0" err="1"/>
-              <a:t>architecture</a:t>
-            </a:r>
-            <a:r>
-              <a:rPr lang="de-DE" dirty="0"/>
-              <a:t> (</a:t>
-            </a:r>
-            <a:r>
-              <a:rPr lang="de-DE" dirty="0" err="1"/>
-              <a:t>pointers</a:t>
-            </a:r>
-            <a:r>
-              <a:rPr lang="de-DE" dirty="0"/>
-              <a:t> </a:t>
-            </a:r>
-            <a:r>
-              <a:rPr lang="de-DE" dirty="0" err="1"/>
-              <a:t>are</a:t>
-            </a:r>
-            <a:r>
-              <a:rPr lang="de-DE" dirty="0"/>
-              <a:t> 8-byte </a:t>
-            </a:r>
-            <a:r>
-              <a:rPr lang="de-DE" dirty="0" err="1"/>
-              <a:t>aligned</a:t>
-            </a:r>
-            <a:r>
-              <a:rPr lang="de-DE" dirty="0"/>
-              <a:t>)</a:t>
-            </a:r>
-            <a:endParaRPr dirty="0"/>
-          </a:p>
-        </p:txBody>
-      </p:sp>
-      <p:sp>
-        <p:nvSpPr>
-          <p:cNvPr id="8" name="TextBox 7">
-            <a:extLst>
-              <a:ext uri="{FF2B5EF4-FFF2-40B4-BE49-F238E27FC236}">
-                <a16:creationId xmlns:a16="http://schemas.microsoft.com/office/drawing/2014/main" id="{A5940A45-AA82-8650-35A3-B5573011316E}"/>
-              </a:ext>
-            </a:extLst>
-          </p:cNvPr>
-          <p:cNvSpPr txBox="1"/>
-          <p:nvPr/>
-        </p:nvSpPr>
-        <p:spPr>
-          <a:xfrm>
-            <a:off x="311162" y="6298789"/>
-            <a:ext cx="8635130" cy="193002"/>
-          </a:xfrm>
-          <a:prstGeom prst="rect">
-            <a:avLst/>
-          </a:prstGeom>
-          <a:noFill/>
-        </p:spPr>
-        <p:txBody>
-          <a:bodyPr wrap="square" lIns="0" tIns="0" rIns="0" bIns="0" rtlCol="0">
-            <a:spAutoFit/>
-          </a:bodyPr>
-          <a:lstStyle/>
-          <a:p>
-            <a:pPr>
-              <a:lnSpc>
-                <a:spcPct val="114000"/>
-              </a:lnSpc>
-            </a:pPr>
-            <a:r>
-              <a:rPr lang="en-US" sz="1200" b="1" dirty="0"/>
-              <a:t>Source: </a:t>
-            </a:r>
-            <a:r>
-              <a:rPr lang="en-US" sz="1200" dirty="0">
-                <a:hlinkClick r:id="rId4"/>
-              </a:rPr>
-              <a:t>https://github.com/atalantus/The-Adaptive-Radix-Tree/tree/main/Implementation</a:t>
-            </a:r>
-            <a:endParaRPr lang="en-US" sz="1200" dirty="0"/>
-          </a:p>
-        </p:txBody>
-      </p:sp>
-    </p:spTree>
-    <p:extLst>
-      <p:ext uri="{BB962C8B-B14F-4D97-AF65-F5344CB8AC3E}">
-        <p14:creationId xmlns:p14="http://schemas.microsoft.com/office/powerpoint/2010/main" val="443928699"/>
-      </p:ext>
-    </p:extLst>
-  </p:cSld>
-  <p:clrMapOvr>
-    <a:masterClrMapping/>
-  </p:clrMapOvr>
-</p:sld>
-</file>
-
-<file path=ppt/slides/slide32.xml><?xml version="1.0" encoding="utf-8"?>
-<p:sld xmlns:a="http://schemas.openxmlformats.org/drawingml/2006/main" xmlns:r="http://schemas.openxmlformats.org/officeDocument/2006/relationships" xmlns:p="http://schemas.openxmlformats.org/presentationml/2006/main">
-  <p:cSld>
-    <p:spTree>
-      <p:nvGrpSpPr>
-        <p:cNvPr id="1" name=""/>
-        <p:cNvGrpSpPr/>
-        <p:nvPr/>
-      </p:nvGrpSpPr>
-      <p:grpSpPr>
-        <a:xfrm>
-          <a:off x="0" y="0"/>
-          <a:ext cx="0" cy="0"/>
-          <a:chOff x="0" y="0"/>
-          <a:chExt cx="0" cy="0"/>
-        </a:xfrm>
-      </p:grpSpPr>
-      <p:sp>
-        <p:nvSpPr>
-          <p:cNvPr id="4" name="Foliennummernplatzhalter 3"/>
-          <p:cNvSpPr>
-            <a:spLocks noGrp="1"/>
-          </p:cNvSpPr>
-          <p:nvPr>
-            <p:ph type="sldNum" sz="quarter" idx="11"/>
-          </p:nvPr>
-        </p:nvSpPr>
-        <p:spPr>
-          <a:prstGeom prst="rect">
-            <a:avLst/>
-          </a:prstGeom>
-        </p:spPr>
-        <p:txBody>
-          <a:bodyPr/>
-          <a:lstStyle/>
-          <a:p>
-            <a:fld id="{CE58CB1E-F828-4F11-99E0-327109AF9DA4}" type="slidenum">
-              <a:rPr lang="de-DE" smtClean="0"/>
-              <a:pPr/>
-              <a:t>32</a:t>
             </a:fld>
             <a:endParaRPr lang="de-DE" dirty="0"/>
           </a:p>
@@ -30644,7 +30689,7 @@
 </p:sld>
 </file>
 
-<file path=ppt/slides/slide33.xml><?xml version="1.0" encoding="utf-8"?>
+<file path=ppt/slides/slide32.xml><?xml version="1.0" encoding="utf-8"?>
 <p:sld xmlns:a="http://schemas.openxmlformats.org/drawingml/2006/main" xmlns:r="http://schemas.openxmlformats.org/officeDocument/2006/relationships" xmlns:p="http://schemas.openxmlformats.org/presentationml/2006/main">
   <p:cSld>
     <p:spTree>
@@ -30683,7 +30728,7 @@
             <a:fld id="{CE58CB1E-F828-4F11-99E0-327109AF9DA4}" type="slidenum">
               <a:rPr lang="de-DE" smtClean="0"/>
               <a:pPr/>
-              <a:t>33</a:t>
+              <a:t>32</a:t>
             </a:fld>
             <a:endParaRPr lang="de-DE" dirty="0"/>
           </a:p>
@@ -30848,7 +30893,7 @@
 </p:sld>
 </file>
 
-<file path=ppt/slides/slide34.xml><?xml version="1.0" encoding="utf-8"?>
+<file path=ppt/slides/slide33.xml><?xml version="1.0" encoding="utf-8"?>
 <p:sld xmlns:a="http://schemas.openxmlformats.org/drawingml/2006/main" xmlns:r="http://schemas.openxmlformats.org/officeDocument/2006/relationships" xmlns:p="http://schemas.openxmlformats.org/presentationml/2006/main">
   <p:cSld>
     <p:spTree>
@@ -30887,7 +30932,7 @@
             <a:fld id="{CE58CB1E-F828-4F11-99E0-327109AF9DA4}" type="slidenum">
               <a:rPr lang="de-DE" smtClean="0"/>
               <a:pPr/>
-              <a:t>34</a:t>
+              <a:t>33</a:t>
             </a:fld>
             <a:endParaRPr lang="de-DE" dirty="0"/>
           </a:p>
@@ -31052,7 +31097,7 @@
 </p:sld>
 </file>
 
-<file path=ppt/slides/slide35.xml><?xml version="1.0" encoding="utf-8"?>
+<file path=ppt/slides/slide34.xml><?xml version="1.0" encoding="utf-8"?>
 <p:sld xmlns:a="http://schemas.openxmlformats.org/drawingml/2006/main" xmlns:r="http://schemas.openxmlformats.org/officeDocument/2006/relationships" xmlns:p="http://schemas.openxmlformats.org/presentationml/2006/main">
   <p:cSld>
     <p:spTree>
@@ -31091,7 +31136,7 @@
             <a:fld id="{CE58CB1E-F828-4F11-99E0-327109AF9DA4}" type="slidenum">
               <a:rPr lang="de-DE" smtClean="0"/>
               <a:pPr/>
-              <a:t>35</a:t>
+              <a:t>34</a:t>
             </a:fld>
             <a:endParaRPr lang="de-DE" dirty="0"/>
           </a:p>
@@ -31256,7 +31301,7 @@
 </p:sld>
 </file>
 
-<file path=ppt/slides/slide36.xml><?xml version="1.0" encoding="utf-8"?>
+<file path=ppt/slides/slide35.xml><?xml version="1.0" encoding="utf-8"?>
 <p:sld xmlns:a="http://schemas.openxmlformats.org/drawingml/2006/main" xmlns:r="http://schemas.openxmlformats.org/officeDocument/2006/relationships" xmlns:p="http://schemas.openxmlformats.org/presentationml/2006/main">
   <p:cSld>
     <p:spTree>
@@ -31295,7 +31340,7 @@
             <a:fld id="{CE58CB1E-F828-4F11-99E0-327109AF9DA4}" type="slidenum">
               <a:rPr lang="de-DE" smtClean="0"/>
               <a:pPr/>
-              <a:t>36</a:t>
+              <a:t>35</a:t>
             </a:fld>
             <a:endParaRPr lang="de-DE" dirty="0"/>
           </a:p>
@@ -31464,7 +31509,7 @@
 </p:sld>
 </file>
 
-<file path=ppt/slides/slide37.xml><?xml version="1.0" encoding="utf-8"?>
+<file path=ppt/slides/slide36.xml><?xml version="1.0" encoding="utf-8"?>
 <p:sld xmlns:a="http://schemas.openxmlformats.org/drawingml/2006/main" xmlns:r="http://schemas.openxmlformats.org/officeDocument/2006/relationships" xmlns:p="http://schemas.openxmlformats.org/presentationml/2006/main">
   <p:cSld>
     <p:spTree>
@@ -31515,7 +31560,7 @@
                   <a:spcPts val="600"/>
                 </a:spcAft>
               </a:pPr>
-              <a:t>37</a:t>
+              <a:t>36</a:t>
             </a:fld>
             <a:endParaRPr lang="de-DE"/>
           </a:p>
@@ -31694,7 +31739,7 @@
 </p:sld>
 </file>
 
-<file path=ppt/slides/slide38.xml><?xml version="1.0" encoding="utf-8"?>
+<file path=ppt/slides/slide37.xml><?xml version="1.0" encoding="utf-8"?>
 <p:sld xmlns:a="http://schemas.openxmlformats.org/drawingml/2006/main" xmlns:r="http://schemas.openxmlformats.org/officeDocument/2006/relationships" xmlns:p="http://schemas.openxmlformats.org/presentationml/2006/main">
   <p:cSld>
     <p:spTree>
@@ -31733,7 +31778,7 @@
             <a:fld id="{CE58CB1E-F828-4F11-99E0-327109AF9DA4}" type="slidenum">
               <a:rPr lang="de-DE" smtClean="0"/>
               <a:pPr/>
-              <a:t>38</a:t>
+              <a:t>37</a:t>
             </a:fld>
             <a:endParaRPr lang="de-DE" dirty="0"/>
           </a:p>

--- a/Presentation/The Adaptive Radix Tree.pptx
+++ b/Presentation/The Adaptive Radix Tree.pptx
@@ -10,10 +10,10 @@
     <p:sldMasterId id="2147483697" r:id="rId6"/>
   </p:sldMasterIdLst>
   <p:notesMasterIdLst>
-    <p:notesMasterId r:id="rId44"/>
+    <p:notesMasterId r:id="rId47"/>
   </p:notesMasterIdLst>
   <p:handoutMasterIdLst>
-    <p:handoutMasterId r:id="rId45"/>
+    <p:handoutMasterId r:id="rId48"/>
   </p:handoutMasterIdLst>
   <p:sldIdLst>
     <p:sldId id="355" r:id="rId7"/>
@@ -35,24 +35,27 @@
     <p:sldId id="427" r:id="rId23"/>
     <p:sldId id="419" r:id="rId24"/>
     <p:sldId id="425" r:id="rId25"/>
-    <p:sldId id="398" r:id="rId26"/>
-    <p:sldId id="436" r:id="rId27"/>
-    <p:sldId id="399" r:id="rId28"/>
-    <p:sldId id="400" r:id="rId29"/>
-    <p:sldId id="426" r:id="rId30"/>
-    <p:sldId id="430" r:id="rId31"/>
-    <p:sldId id="431" r:id="rId32"/>
-    <p:sldId id="434" r:id="rId33"/>
-    <p:sldId id="401" r:id="rId34"/>
-    <p:sldId id="432" r:id="rId35"/>
-    <p:sldId id="435" r:id="rId36"/>
-    <p:sldId id="420" r:id="rId37"/>
-    <p:sldId id="421" r:id="rId38"/>
-    <p:sldId id="422" r:id="rId39"/>
-    <p:sldId id="423" r:id="rId40"/>
-    <p:sldId id="424" r:id="rId41"/>
-    <p:sldId id="429" r:id="rId42"/>
-    <p:sldId id="433" r:id="rId43"/>
+    <p:sldId id="435" r:id="rId26"/>
+    <p:sldId id="398" r:id="rId27"/>
+    <p:sldId id="436" r:id="rId28"/>
+    <p:sldId id="399" r:id="rId29"/>
+    <p:sldId id="400" r:id="rId30"/>
+    <p:sldId id="426" r:id="rId31"/>
+    <p:sldId id="430" r:id="rId32"/>
+    <p:sldId id="431" r:id="rId33"/>
+    <p:sldId id="434" r:id="rId34"/>
+    <p:sldId id="438" r:id="rId35"/>
+    <p:sldId id="439" r:id="rId36"/>
+    <p:sldId id="401" r:id="rId37"/>
+    <p:sldId id="432" r:id="rId38"/>
+    <p:sldId id="437" r:id="rId39"/>
+    <p:sldId id="420" r:id="rId40"/>
+    <p:sldId id="421" r:id="rId41"/>
+    <p:sldId id="422" r:id="rId42"/>
+    <p:sldId id="423" r:id="rId43"/>
+    <p:sldId id="424" r:id="rId44"/>
+    <p:sldId id="429" r:id="rId45"/>
+    <p:sldId id="433" r:id="rId46"/>
   </p:sldIdLst>
   <p:sldSz cx="9144000" cy="6858000" type="screen4x3"/>
   <p:notesSz cx="9925050" cy="6665913"/>
@@ -229,6 +232,7 @@
         </p14:section>
         <p14:section name="Benchmarks" id="{AEDAD588-01D1-4983-A59D-E10D659187E4}">
           <p14:sldIdLst>
+            <p14:sldId id="435"/>
             <p14:sldId id="398"/>
             <p14:sldId id="436"/>
             <p14:sldId id="399"/>
@@ -237,6 +241,8 @@
             <p14:sldId id="430"/>
             <p14:sldId id="431"/>
             <p14:sldId id="434"/>
+            <p14:sldId id="438"/>
+            <p14:sldId id="439"/>
           </p14:sldIdLst>
         </p14:section>
         <p14:section name="Summary &amp; Conclusion" id="{665672B4-FFC6-4396-A481-C1AAB1DD22E4}">
@@ -247,7 +253,7 @@
         </p14:section>
         <p14:section name="Extra Slides" id="{BC91BC9B-5C81-4211-A577-8F6AD2E1EBDC}">
           <p14:sldIdLst>
-            <p14:sldId id="435"/>
+            <p14:sldId id="437"/>
             <p14:sldId id="420"/>
             <p14:sldId id="421"/>
             <p14:sldId id="422"/>
@@ -6315,7 +6321,7 @@
               <a:pPr>
                 <a:defRPr/>
               </a:pPr>
-              <a:t>10/07/2022</a:t>
+              <a:t>11/07/2022</a:t>
             </a:fld>
             <a:endParaRPr lang="en-GB" dirty="0"/>
           </a:p>
@@ -6534,7 +6540,7 @@
               <a:pPr>
                 <a:defRPr/>
               </a:pPr>
-              <a:t>10/07/2022</a:t>
+              <a:t>11/07/2022</a:t>
             </a:fld>
             <a:endParaRPr lang="en-GB"/>
           </a:p>
@@ -8081,6 +8087,15 @@
               <a:t>Applies to Tries in general.</a:t>
             </a:r>
           </a:p>
+          <a:p>
+            <a:endParaRPr lang="en-US" dirty="0"/>
+          </a:p>
+          <a:p>
+            <a:r>
+              <a:rPr lang="en-US" dirty="0"/>
+              <a:t>Zipfian distribution (real data is normally skewed)</a:t>
+            </a:r>
+          </a:p>
         </p:txBody>
       </p:sp>
       <p:sp>
@@ -8494,71 +8509,7 @@
           <a:bodyPr/>
           <a:lstStyle/>
           <a:p>
-            <a:r>
-              <a:rPr lang="de-DE" dirty="0"/>
-              <a:t>Trie </a:t>
-            </a:r>
-            <a:r>
-              <a:rPr lang="de-DE" dirty="0" err="1"/>
-              <a:t>implementation</a:t>
-            </a:r>
-            <a:r>
-              <a:rPr lang="de-DE" dirty="0"/>
-              <a:t> </a:t>
-            </a:r>
-            <a:r>
-              <a:rPr lang="de-DE" dirty="0" err="1"/>
-              <a:t>with</a:t>
-            </a:r>
-            <a:r>
-              <a:rPr lang="de-DE" dirty="0"/>
-              <a:t> </a:t>
-            </a:r>
-            <a:r>
-              <a:rPr lang="de-DE" dirty="0" err="1"/>
-              <a:t>sparse</a:t>
-            </a:r>
-            <a:r>
-              <a:rPr lang="de-DE" dirty="0"/>
-              <a:t> 16M </a:t>
-            </a:r>
-            <a:r>
-              <a:rPr lang="de-DE" dirty="0" err="1"/>
-              <a:t>keys</a:t>
-            </a:r>
-            <a:r>
-              <a:rPr lang="de-DE" dirty="0"/>
-              <a:t> </a:t>
-            </a:r>
-            <a:r>
-              <a:rPr lang="de-DE" dirty="0" err="1"/>
-              <a:t>takes</a:t>
-            </a:r>
-            <a:r>
-              <a:rPr lang="de-DE" dirty="0"/>
-              <a:t> </a:t>
-            </a:r>
-            <a:r>
-              <a:rPr lang="de-DE" dirty="0" err="1"/>
-              <a:t>too</a:t>
-            </a:r>
-            <a:r>
-              <a:rPr lang="de-DE" dirty="0"/>
-              <a:t> </a:t>
-            </a:r>
-            <a:r>
-              <a:rPr lang="de-DE" dirty="0" err="1"/>
-              <a:t>much</a:t>
-            </a:r>
-            <a:r>
-              <a:rPr lang="de-DE" dirty="0"/>
-              <a:t> </a:t>
-            </a:r>
-            <a:r>
-              <a:rPr lang="de-DE" dirty="0" err="1"/>
-              <a:t>memory</a:t>
-            </a:r>
-            <a:endParaRPr lang="de-DE" dirty="0"/>
+            <a:endParaRPr lang="en-US" dirty="0"/>
           </a:p>
         </p:txBody>
       </p:sp>
@@ -8594,7 +8545,7 @@
     </p:spTree>
     <p:extLst>
       <p:ext uri="{BB962C8B-B14F-4D97-AF65-F5344CB8AC3E}">
-        <p14:creationId xmlns:p14="http://schemas.microsoft.com/office/powerpoint/2010/main" val="822838596"/>
+        <p14:creationId xmlns:p14="http://schemas.microsoft.com/office/powerpoint/2010/main" val="688350877"/>
       </p:ext>
     </p:extLst>
   </p:cSld>
@@ -8650,19 +8601,11 @@
           <a:p>
             <a:r>
               <a:rPr lang="de-DE" dirty="0"/>
-              <a:t>Same benchmark </a:t>
-            </a:r>
-            <a:r>
-              <a:rPr lang="de-DE" dirty="0" err="1"/>
-              <a:t>without</a:t>
-            </a:r>
-            <a:r>
-              <a:rPr lang="de-DE" dirty="0"/>
-              <a:t> Trie </a:t>
-            </a:r>
-            <a:r>
-              <a:rPr lang="de-DE" dirty="0" err="1"/>
-              <a:t>for</a:t>
+              <a:t>Trie </a:t>
+            </a:r>
+            <a:r>
+              <a:rPr lang="de-DE" dirty="0" err="1"/>
+              <a:t>implementation</a:t>
             </a:r>
             <a:r>
               <a:rPr lang="de-DE" dirty="0"/>
@@ -8670,7 +8613,7 @@
             </a:r>
             <a:r>
               <a:rPr lang="de-DE" dirty="0" err="1"/>
-              <a:t>better</a:t>
+              <a:t>with</a:t>
             </a:r>
             <a:r>
               <a:rPr lang="de-DE" dirty="0"/>
@@ -8678,118 +8621,49 @@
             </a:r>
             <a:r>
               <a:rPr lang="de-DE" dirty="0" err="1"/>
-              <a:t>scale</a:t>
+              <a:t>sparse</a:t>
+            </a:r>
+            <a:r>
+              <a:rPr lang="de-DE" dirty="0"/>
+              <a:t> 16M </a:t>
+            </a:r>
+            <a:r>
+              <a:rPr lang="de-DE" dirty="0" err="1"/>
+              <a:t>keys</a:t>
+            </a:r>
+            <a:r>
+              <a:rPr lang="de-DE" dirty="0"/>
+              <a:t> </a:t>
+            </a:r>
+            <a:r>
+              <a:rPr lang="de-DE" dirty="0" err="1"/>
+              <a:t>takes</a:t>
+            </a:r>
+            <a:r>
+              <a:rPr lang="de-DE" dirty="0"/>
+              <a:t> </a:t>
+            </a:r>
+            <a:r>
+              <a:rPr lang="de-DE" dirty="0" err="1"/>
+              <a:t>too</a:t>
+            </a:r>
+            <a:r>
+              <a:rPr lang="de-DE" dirty="0"/>
+              <a:t> </a:t>
+            </a:r>
+            <a:r>
+              <a:rPr lang="de-DE" dirty="0" err="1"/>
+              <a:t>much</a:t>
+            </a:r>
+            <a:r>
+              <a:rPr lang="de-DE" dirty="0"/>
+              <a:t> </a:t>
+            </a:r>
+            <a:r>
+              <a:rPr lang="de-DE" dirty="0" err="1"/>
+              <a:t>memory</a:t>
             </a:r>
             <a:endParaRPr lang="de-DE" dirty="0"/>
-          </a:p>
-          <a:p>
-            <a:endParaRPr lang="de-DE" dirty="0"/>
-          </a:p>
-          <a:p>
-            <a:r>
-              <a:rPr lang="de-DE" dirty="0"/>
-              <a:t>ART:</a:t>
-            </a:r>
-          </a:p>
-          <a:p>
-            <a:r>
-              <a:rPr lang="de-DE" dirty="0" err="1"/>
-              <a:t>Dense</a:t>
-            </a:r>
-            <a:r>
-              <a:rPr lang="de-DE" dirty="0"/>
-              <a:t> = 130 MB ~ 8 Bytes per Key (</a:t>
-            </a:r>
-            <a:r>
-              <a:rPr lang="de-DE" dirty="0" err="1"/>
-              <a:t>similar</a:t>
-            </a:r>
-            <a:r>
-              <a:rPr lang="de-DE" dirty="0"/>
-              <a:t> </a:t>
-            </a:r>
-            <a:r>
-              <a:rPr lang="de-DE" dirty="0" err="1"/>
-              <a:t>to</a:t>
-            </a:r>
-            <a:r>
-              <a:rPr lang="de-DE" dirty="0"/>
-              <a:t> ART </a:t>
-            </a:r>
-            <a:r>
-              <a:rPr lang="de-DE" dirty="0" err="1"/>
-              <a:t>paper</a:t>
-            </a:r>
-            <a:r>
-              <a:rPr lang="de-DE" dirty="0"/>
-              <a:t> </a:t>
-            </a:r>
-            <a:r>
-              <a:rPr lang="de-DE" dirty="0" err="1"/>
-              <a:t>results</a:t>
-            </a:r>
-            <a:r>
-              <a:rPr lang="de-DE" dirty="0"/>
-              <a:t>)</a:t>
-            </a:r>
-          </a:p>
-          <a:p>
-            <a:r>
-              <a:rPr lang="de-DE" dirty="0" err="1"/>
-              <a:t>Sparse</a:t>
-            </a:r>
-            <a:r>
-              <a:rPr lang="de-DE" dirty="0"/>
-              <a:t> = 500 MB ~ 32 </a:t>
-            </a:r>
-            <a:r>
-              <a:rPr lang="de-DE" dirty="0" err="1"/>
-              <a:t>BpK</a:t>
-            </a:r>
-            <a:endParaRPr lang="de-DE" dirty="0"/>
-          </a:p>
-          <a:p>
-            <a:endParaRPr lang="de-DE" dirty="0"/>
-          </a:p>
-          <a:p>
-            <a:r>
-              <a:rPr lang="de-DE" dirty="0" err="1"/>
-              <a:t>Sorted</a:t>
-            </a:r>
-            <a:r>
-              <a:rPr lang="de-DE" dirty="0"/>
-              <a:t> List:</a:t>
-            </a:r>
-          </a:p>
-          <a:p>
-            <a:r>
-              <a:rPr lang="de-DE" dirty="0"/>
-              <a:t>64 MB ~ 4 </a:t>
-            </a:r>
-            <a:r>
-              <a:rPr lang="de-DE" dirty="0" err="1"/>
-              <a:t>BpK</a:t>
-            </a:r>
-            <a:r>
-              <a:rPr lang="de-DE" dirty="0"/>
-              <a:t> (</a:t>
-            </a:r>
-            <a:r>
-              <a:rPr lang="de-DE" dirty="0" err="1"/>
-              <a:t>since</a:t>
-            </a:r>
-            <a:r>
-              <a:rPr lang="de-DE" dirty="0"/>
-              <a:t> 32bit integer </a:t>
-            </a:r>
-            <a:r>
-              <a:rPr lang="de-DE" dirty="0" err="1"/>
-              <a:t>list</a:t>
-            </a:r>
-            <a:r>
-              <a:rPr lang="de-DE" dirty="0"/>
-              <a:t>)</a:t>
-            </a:r>
           </a:p>
         </p:txBody>
       </p:sp>
@@ -8825,7 +8699,7 @@
     </p:spTree>
     <p:extLst>
       <p:ext uri="{BB962C8B-B14F-4D97-AF65-F5344CB8AC3E}">
-        <p14:creationId xmlns:p14="http://schemas.microsoft.com/office/powerpoint/2010/main" val="1398984340"/>
+        <p14:creationId xmlns:p14="http://schemas.microsoft.com/office/powerpoint/2010/main" val="822838596"/>
       </p:ext>
     </p:extLst>
   </p:cSld>
@@ -8879,30 +8753,21 @@
           <a:bodyPr/>
           <a:lstStyle/>
           <a:p>
-            <a:pPr marL="0" marR="0" lvl="0" indent="0" algn="l" defTabSz="914400" rtl="0" eaLnBrk="1" fontAlgn="base" latinLnBrk="0" hangingPunct="1">
-              <a:lnSpc>
-                <a:spcPct val="100000"/>
-              </a:lnSpc>
-              <a:spcBef>
-                <a:spcPct val="30000"/>
-              </a:spcBef>
-              <a:spcAft>
-                <a:spcPct val="0"/>
-              </a:spcAft>
-              <a:buClrTx/>
-              <a:buSzTx/>
-              <a:buFontTx/>
-              <a:buNone/>
-              <a:tabLst/>
-              <a:defRPr/>
-            </a:pPr>
-            <a:r>
-              <a:rPr lang="de-DE" dirty="0"/>
-              <a:t>Trie </a:t>
-            </a:r>
-            <a:r>
-              <a:rPr lang="de-DE" dirty="0" err="1"/>
-              <a:t>implementation</a:t>
+            <a:r>
+              <a:rPr lang="de-DE" dirty="0"/>
+              <a:t>Same benchmark </a:t>
+            </a:r>
+            <a:r>
+              <a:rPr lang="de-DE" dirty="0" err="1"/>
+              <a:t>without</a:t>
+            </a:r>
+            <a:r>
+              <a:rPr lang="de-DE" dirty="0"/>
+              <a:t> Trie </a:t>
+            </a:r>
+            <a:r>
+              <a:rPr lang="de-DE" dirty="0" err="1"/>
+              <a:t>for</a:t>
             </a:r>
             <a:r>
               <a:rPr lang="de-DE" dirty="0"/>
@@ -8910,15 +8775,7 @@
             </a:r>
             <a:r>
               <a:rPr lang="de-DE" dirty="0" err="1"/>
-              <a:t>with</a:t>
-            </a:r>
-            <a:r>
-              <a:rPr lang="de-DE" dirty="0"/>
-              <a:t> 16M </a:t>
-            </a:r>
-            <a:r>
-              <a:rPr lang="de-DE" dirty="0" err="1"/>
-              <a:t>keys</a:t>
+              <a:t>better</a:t>
             </a:r>
             <a:r>
               <a:rPr lang="de-DE" dirty="0"/>
@@ -8926,7 +8783,31 @@
             </a:r>
             <a:r>
               <a:rPr lang="de-DE" dirty="0" err="1"/>
-              <a:t>takes</a:t>
+              <a:t>scale</a:t>
+            </a:r>
+            <a:endParaRPr lang="de-DE" dirty="0"/>
+          </a:p>
+          <a:p>
+            <a:endParaRPr lang="de-DE" dirty="0"/>
+          </a:p>
+          <a:p>
+            <a:r>
+              <a:rPr lang="de-DE" dirty="0"/>
+              <a:t>ART:</a:t>
+            </a:r>
+          </a:p>
+          <a:p>
+            <a:r>
+              <a:rPr lang="de-DE" dirty="0" err="1"/>
+              <a:t>Dense</a:t>
+            </a:r>
+            <a:r>
+              <a:rPr lang="de-DE" dirty="0"/>
+              <a:t> = 130 MB ~ 8 Bytes per Key (</a:t>
+            </a:r>
+            <a:r>
+              <a:rPr lang="de-DE" dirty="0" err="1"/>
+              <a:t>similar</a:t>
             </a:r>
             <a:r>
               <a:rPr lang="de-DE" dirty="0"/>
@@ -8934,7 +8815,15 @@
             </a:r>
             <a:r>
               <a:rPr lang="de-DE" dirty="0" err="1"/>
-              <a:t>too</a:t>
+              <a:t>to</a:t>
+            </a:r>
+            <a:r>
+              <a:rPr lang="de-DE" dirty="0"/>
+              <a:t> ART </a:t>
+            </a:r>
+            <a:r>
+              <a:rPr lang="de-DE" dirty="0" err="1"/>
+              <a:t>paper</a:t>
             </a:r>
             <a:r>
               <a:rPr lang="de-DE" dirty="0"/>
@@ -8942,309 +8831,49 @@
             </a:r>
             <a:r>
               <a:rPr lang="de-DE" dirty="0" err="1"/>
-              <a:t>much</a:t>
-            </a:r>
-            <a:r>
-              <a:rPr lang="de-DE" dirty="0"/>
-              <a:t> </a:t>
-            </a:r>
-            <a:r>
-              <a:rPr lang="de-DE" dirty="0" err="1"/>
-              <a:t>space</a:t>
-            </a:r>
-            <a:r>
-              <a:rPr lang="de-DE" dirty="0"/>
-              <a:t> </a:t>
-            </a:r>
-            <a:r>
-              <a:rPr lang="de-DE" dirty="0" err="1"/>
-              <a:t>to</a:t>
-            </a:r>
-            <a:r>
-              <a:rPr lang="de-DE" dirty="0"/>
-              <a:t> </a:t>
-            </a:r>
-            <a:r>
-              <a:rPr lang="de-DE" dirty="0" err="1"/>
-              <a:t>test</a:t>
+              <a:t>results</a:t>
+            </a:r>
+            <a:r>
+              <a:rPr lang="de-DE" dirty="0"/>
+              <a:t>)</a:t>
+            </a:r>
+          </a:p>
+          <a:p>
+            <a:r>
+              <a:rPr lang="de-DE" dirty="0" err="1"/>
+              <a:t>Sparse</a:t>
+            </a:r>
+            <a:r>
+              <a:rPr lang="de-DE" dirty="0"/>
+              <a:t> = 500 MB ~ 32 </a:t>
+            </a:r>
+            <a:r>
+              <a:rPr lang="de-DE" dirty="0" err="1"/>
+              <a:t>BpK</a:t>
             </a:r>
             <a:endParaRPr lang="de-DE" dirty="0"/>
           </a:p>
           <a:p>
-            <a:pPr marL="0" marR="0" lvl="0" indent="0" algn="l" defTabSz="914400" rtl="0" eaLnBrk="1" fontAlgn="base" latinLnBrk="0" hangingPunct="1">
-              <a:lnSpc>
-                <a:spcPct val="100000"/>
-              </a:lnSpc>
-              <a:spcBef>
-                <a:spcPct val="30000"/>
-              </a:spcBef>
-              <a:spcAft>
-                <a:spcPct val="0"/>
-              </a:spcAft>
-              <a:buClrTx/>
-              <a:buSzTx/>
-              <a:buFontTx/>
-              <a:buNone/>
-              <a:tabLst/>
-              <a:defRPr/>
-            </a:pPr>
+            <a:endParaRPr lang="de-DE" dirty="0"/>
+          </a:p>
+          <a:p>
             <a:r>
               <a:rPr lang="de-DE" dirty="0" err="1"/>
               <a:t>Sorted</a:t>
             </a:r>
             <a:r>
               <a:rPr lang="de-DE" dirty="0"/>
-              <a:t>-List </a:t>
-            </a:r>
-            <a:r>
-              <a:rPr lang="de-DE" dirty="0" err="1"/>
-              <a:t>bulk</a:t>
-            </a:r>
-            <a:r>
-              <a:rPr lang="de-DE" dirty="0"/>
-              <a:t> </a:t>
-            </a:r>
-            <a:r>
-              <a:rPr lang="de-DE" dirty="0" err="1"/>
-              <a:t>insert</a:t>
-            </a:r>
-            <a:endParaRPr lang="de-DE" dirty="0"/>
-          </a:p>
-          <a:p>
-            <a:pPr marL="0" marR="0" lvl="0" indent="0" algn="l" defTabSz="914400" rtl="0" eaLnBrk="1" fontAlgn="base" latinLnBrk="0" hangingPunct="1">
-              <a:lnSpc>
-                <a:spcPct val="100000"/>
-              </a:lnSpc>
-              <a:spcBef>
-                <a:spcPct val="30000"/>
-              </a:spcBef>
-              <a:spcAft>
-                <a:spcPct val="0"/>
-              </a:spcAft>
-              <a:buClrTx/>
-              <a:buSzTx/>
-              <a:buFontTx/>
-              <a:buNone/>
-              <a:tabLst/>
-              <a:defRPr/>
-            </a:pPr>
-            <a:endParaRPr lang="de-DE" dirty="0"/>
-          </a:p>
-          <a:p>
-            <a:pPr marL="0" marR="0" lvl="0" indent="0" algn="l" defTabSz="914400" rtl="0" eaLnBrk="1" fontAlgn="base" latinLnBrk="0" hangingPunct="1">
-              <a:lnSpc>
-                <a:spcPct val="100000"/>
-              </a:lnSpc>
-              <a:spcBef>
-                <a:spcPct val="30000"/>
-              </a:spcBef>
-              <a:spcAft>
-                <a:spcPct val="0"/>
-              </a:spcAft>
-              <a:buClrTx/>
-              <a:buSzTx/>
-              <a:buFontTx/>
-              <a:buNone/>
-              <a:tabLst/>
-              <a:defRPr/>
-            </a:pPr>
-            <a:r>
-              <a:rPr lang="de-DE" dirty="0"/>
-              <a:t>65k:</a:t>
-            </a:r>
-          </a:p>
-          <a:p>
-            <a:pPr marL="0" marR="0" lvl="0" indent="0" algn="l" defTabSz="914400" rtl="0" eaLnBrk="1" fontAlgn="base" latinLnBrk="0" hangingPunct="1">
-              <a:lnSpc>
-                <a:spcPct val="100000"/>
-              </a:lnSpc>
-              <a:spcBef>
-                <a:spcPct val="30000"/>
-              </a:spcBef>
-              <a:spcAft>
-                <a:spcPct val="0"/>
-              </a:spcAft>
-              <a:buClrTx/>
-              <a:buSzTx/>
-              <a:buFontTx/>
-              <a:buNone/>
-              <a:tabLst/>
-              <a:defRPr/>
-            </a:pPr>
-            <a:r>
-              <a:rPr lang="de-DE" dirty="0"/>
-              <a:t>ART </a:t>
-            </a:r>
-            <a:r>
-              <a:rPr lang="de-DE" dirty="0" err="1"/>
-              <a:t>faster</a:t>
-            </a:r>
-            <a:r>
-              <a:rPr lang="de-DE" dirty="0"/>
-              <a:t> </a:t>
-            </a:r>
-            <a:r>
-              <a:rPr lang="de-DE" dirty="0" err="1"/>
-              <a:t>than</a:t>
-            </a:r>
-            <a:r>
-              <a:rPr lang="de-DE" dirty="0"/>
-              <a:t> </a:t>
-            </a:r>
-            <a:r>
-              <a:rPr lang="de-DE" dirty="0" err="1"/>
-              <a:t>Sorted</a:t>
-            </a:r>
-            <a:r>
-              <a:rPr lang="de-DE" dirty="0"/>
-              <a:t> List </a:t>
-            </a:r>
-            <a:r>
-              <a:rPr lang="de-DE" dirty="0" err="1"/>
-              <a:t>because</a:t>
-            </a:r>
-            <a:r>
-              <a:rPr lang="de-DE" dirty="0"/>
-              <a:t> O(log k) </a:t>
-            </a:r>
-            <a:r>
-              <a:rPr lang="de-DE" dirty="0" err="1"/>
-              <a:t>vs</a:t>
-            </a:r>
-            <a:r>
-              <a:rPr lang="de-DE" dirty="0"/>
-              <a:t> O(log n) </a:t>
-            </a:r>
-            <a:r>
-              <a:rPr lang="de-DE" dirty="0" err="1"/>
-              <a:t>for</a:t>
-            </a:r>
-            <a:r>
-              <a:rPr lang="de-DE" dirty="0"/>
-              <a:t> </a:t>
-            </a:r>
-            <a:r>
-              <a:rPr lang="de-DE" dirty="0" err="1"/>
-              <a:t>sorting</a:t>
-            </a:r>
-            <a:endParaRPr lang="de-DE" dirty="0"/>
-          </a:p>
-          <a:p>
-            <a:pPr marL="0" marR="0" lvl="0" indent="0" algn="l" defTabSz="914400" rtl="0" eaLnBrk="1" fontAlgn="base" latinLnBrk="0" hangingPunct="1">
-              <a:lnSpc>
-                <a:spcPct val="100000"/>
-              </a:lnSpc>
-              <a:spcBef>
-                <a:spcPct val="30000"/>
-              </a:spcBef>
-              <a:spcAft>
-                <a:spcPct val="0"/>
-              </a:spcAft>
-              <a:buClrTx/>
-              <a:buSzTx/>
-              <a:buFontTx/>
-              <a:buNone/>
-              <a:tabLst/>
-              <a:defRPr/>
-            </a:pPr>
-            <a:endParaRPr lang="de-DE" dirty="0"/>
-          </a:p>
-          <a:p>
-            <a:pPr marL="0" marR="0" lvl="0" indent="0" algn="l" defTabSz="914400" rtl="0" eaLnBrk="1" fontAlgn="base" latinLnBrk="0" hangingPunct="1">
-              <a:lnSpc>
-                <a:spcPct val="100000"/>
-              </a:lnSpc>
-              <a:spcBef>
-                <a:spcPct val="30000"/>
-              </a:spcBef>
-              <a:spcAft>
-                <a:spcPct val="0"/>
-              </a:spcAft>
-              <a:buClrTx/>
-              <a:buSzTx/>
-              <a:buFontTx/>
-              <a:buNone/>
-              <a:tabLst/>
-              <a:defRPr/>
-            </a:pPr>
-            <a:r>
-              <a:rPr lang="de-DE" dirty="0"/>
-              <a:t>16M:</a:t>
-            </a:r>
-          </a:p>
-          <a:p>
-            <a:pPr marL="0" marR="0" lvl="0" indent="0" algn="l" defTabSz="914400" rtl="0" eaLnBrk="1" fontAlgn="base" latinLnBrk="0" hangingPunct="1">
-              <a:lnSpc>
-                <a:spcPct val="100000"/>
-              </a:lnSpc>
-              <a:spcBef>
-                <a:spcPct val="30000"/>
-              </a:spcBef>
-              <a:spcAft>
-                <a:spcPct val="0"/>
-              </a:spcAft>
-              <a:buClrTx/>
-              <a:buSzTx/>
-              <a:buFontTx/>
-              <a:buNone/>
-              <a:tabLst/>
-              <a:defRPr/>
-            </a:pPr>
-            <a:r>
-              <a:rPr lang="de-DE" dirty="0"/>
-              <a:t>ART </a:t>
-            </a:r>
-            <a:r>
-              <a:rPr lang="de-DE" dirty="0" err="1"/>
-              <a:t>now</a:t>
-            </a:r>
-            <a:r>
-              <a:rPr lang="de-DE" dirty="0"/>
-              <a:t> </a:t>
-            </a:r>
-            <a:r>
-              <a:rPr lang="de-DE" dirty="0" err="1"/>
-              <a:t>slower</a:t>
-            </a:r>
-            <a:r>
-              <a:rPr lang="de-DE" dirty="0"/>
-              <a:t> </a:t>
-            </a:r>
-            <a:r>
-              <a:rPr lang="de-DE" dirty="0" err="1"/>
-              <a:t>than</a:t>
-            </a:r>
-            <a:r>
-              <a:rPr lang="de-DE" dirty="0"/>
-              <a:t> </a:t>
-            </a:r>
-            <a:r>
-              <a:rPr lang="de-DE" dirty="0" err="1"/>
-              <a:t>Sorted</a:t>
-            </a:r>
-            <a:r>
-              <a:rPr lang="de-DE" dirty="0"/>
-              <a:t> List </a:t>
-            </a:r>
-            <a:r>
-              <a:rPr lang="de-DE" dirty="0" err="1"/>
-              <a:t>because</a:t>
-            </a:r>
-            <a:r>
-              <a:rPr lang="de-DE" dirty="0"/>
-              <a:t> </a:t>
-            </a:r>
-            <a:r>
-              <a:rPr lang="de-DE" dirty="0" err="1"/>
-              <a:t>cache</a:t>
-            </a:r>
-            <a:r>
-              <a:rPr lang="de-DE" dirty="0"/>
-              <a:t> </a:t>
-            </a:r>
-            <a:r>
-              <a:rPr lang="de-DE" dirty="0" err="1"/>
-              <a:t>misses</a:t>
+              <a:t> List:</a:t>
+            </a:r>
+          </a:p>
+          <a:p>
+            <a:r>
+              <a:rPr lang="de-DE" dirty="0"/>
+              <a:t>64 MB ~ 4 </a:t>
+            </a:r>
+            <a:r>
+              <a:rPr lang="de-DE" dirty="0" err="1"/>
+              <a:t>BpK</a:t>
             </a:r>
             <a:r>
               <a:rPr lang="de-DE" dirty="0"/>
@@ -9252,71 +8881,15 @@
             </a:r>
             <a:r>
               <a:rPr lang="de-DE" dirty="0" err="1"/>
-              <a:t>can‘t</a:t>
-            </a:r>
-            <a:r>
-              <a:rPr lang="de-DE" dirty="0"/>
-              <a:t> hold all </a:t>
-            </a:r>
-            <a:r>
-              <a:rPr lang="de-DE" dirty="0" err="1"/>
-              <a:t>nodes</a:t>
-            </a:r>
-            <a:r>
-              <a:rPr lang="de-DE" dirty="0"/>
-              <a:t> in </a:t>
-            </a:r>
-            <a:r>
-              <a:rPr lang="de-DE" dirty="0" err="1"/>
-              <a:t>cache</a:t>
-            </a:r>
-            <a:r>
-              <a:rPr lang="de-DE" dirty="0"/>
-              <a:t>. Look back at </a:t>
-            </a:r>
-            <a:r>
-              <a:rPr lang="de-DE" dirty="0" err="1"/>
-              <a:t>memory</a:t>
-            </a:r>
-            <a:r>
-              <a:rPr lang="de-DE" dirty="0"/>
-              <a:t> </a:t>
-            </a:r>
-            <a:r>
-              <a:rPr lang="de-DE" dirty="0" err="1"/>
-              <a:t>usage</a:t>
-            </a:r>
-            <a:r>
-              <a:rPr lang="de-DE" dirty="0"/>
-              <a:t> </a:t>
-            </a:r>
-            <a:r>
-              <a:rPr lang="de-DE" dirty="0" err="1"/>
-              <a:t>for</a:t>
-            </a:r>
-            <a:r>
-              <a:rPr lang="de-DE" dirty="0"/>
-              <a:t> </a:t>
-            </a:r>
-            <a:r>
-              <a:rPr lang="de-DE" dirty="0" err="1"/>
-              <a:t>sparse</a:t>
-            </a:r>
-            <a:r>
-              <a:rPr lang="de-DE" dirty="0"/>
-              <a:t> 16M – </a:t>
-            </a:r>
-            <a:r>
-              <a:rPr lang="de-DE" dirty="0" err="1"/>
-              <a:t>previous</a:t>
-            </a:r>
-            <a:r>
-              <a:rPr lang="de-DE" dirty="0"/>
-              <a:t> </a:t>
-            </a:r>
-            <a:r>
-              <a:rPr lang="de-DE" dirty="0" err="1"/>
-              <a:t>slide</a:t>
+              <a:t>since</a:t>
+            </a:r>
+            <a:r>
+              <a:rPr lang="de-DE" dirty="0"/>
+              <a:t> 32bit integer </a:t>
+            </a:r>
+            <a:r>
+              <a:rPr lang="de-DE" dirty="0" err="1"/>
+              <a:t>list</a:t>
             </a:r>
             <a:r>
               <a:rPr lang="de-DE" dirty="0"/>
@@ -9357,7 +8930,7 @@
     </p:spTree>
     <p:extLst>
       <p:ext uri="{BB962C8B-B14F-4D97-AF65-F5344CB8AC3E}">
-        <p14:creationId xmlns:p14="http://schemas.microsoft.com/office/powerpoint/2010/main" val="266720536"/>
+        <p14:creationId xmlns:p14="http://schemas.microsoft.com/office/powerpoint/2010/main" val="1398984340"/>
       </p:ext>
     </p:extLst>
   </p:cSld>
@@ -9411,7 +8984,449 @@
           <a:bodyPr/>
           <a:lstStyle/>
           <a:p>
+            <a:pPr marL="0" marR="0" lvl="0" indent="0" algn="l" defTabSz="914400" rtl="0" eaLnBrk="1" fontAlgn="base" latinLnBrk="0" hangingPunct="1">
+              <a:lnSpc>
+                <a:spcPct val="100000"/>
+              </a:lnSpc>
+              <a:spcBef>
+                <a:spcPct val="30000"/>
+              </a:spcBef>
+              <a:spcAft>
+                <a:spcPct val="0"/>
+              </a:spcAft>
+              <a:buClrTx/>
+              <a:buSzTx/>
+              <a:buFontTx/>
+              <a:buNone/>
+              <a:tabLst/>
+              <a:defRPr/>
+            </a:pPr>
+            <a:r>
+              <a:rPr lang="de-DE" dirty="0"/>
+              <a:t>Trie </a:t>
+            </a:r>
+            <a:r>
+              <a:rPr lang="de-DE" dirty="0" err="1"/>
+              <a:t>implementation</a:t>
+            </a:r>
+            <a:r>
+              <a:rPr lang="de-DE" dirty="0"/>
+              <a:t> </a:t>
+            </a:r>
+            <a:r>
+              <a:rPr lang="de-DE" dirty="0" err="1"/>
+              <a:t>with</a:t>
+            </a:r>
+            <a:r>
+              <a:rPr lang="de-DE" dirty="0"/>
+              <a:t> 16M </a:t>
+            </a:r>
+            <a:r>
+              <a:rPr lang="de-DE" dirty="0" err="1"/>
+              <a:t>keys</a:t>
+            </a:r>
+            <a:r>
+              <a:rPr lang="de-DE" dirty="0"/>
+              <a:t> </a:t>
+            </a:r>
+            <a:r>
+              <a:rPr lang="de-DE" dirty="0" err="1"/>
+              <a:t>takes</a:t>
+            </a:r>
+            <a:r>
+              <a:rPr lang="de-DE" dirty="0"/>
+              <a:t> </a:t>
+            </a:r>
+            <a:r>
+              <a:rPr lang="de-DE" dirty="0" err="1"/>
+              <a:t>too</a:t>
+            </a:r>
+            <a:r>
+              <a:rPr lang="de-DE" dirty="0"/>
+              <a:t> </a:t>
+            </a:r>
+            <a:r>
+              <a:rPr lang="de-DE" dirty="0" err="1"/>
+              <a:t>much</a:t>
+            </a:r>
+            <a:r>
+              <a:rPr lang="de-DE" dirty="0"/>
+              <a:t> </a:t>
+            </a:r>
+            <a:r>
+              <a:rPr lang="de-DE" dirty="0" err="1"/>
+              <a:t>space</a:t>
+            </a:r>
+            <a:r>
+              <a:rPr lang="de-DE" dirty="0"/>
+              <a:t> </a:t>
+            </a:r>
+            <a:r>
+              <a:rPr lang="de-DE" dirty="0" err="1"/>
+              <a:t>to</a:t>
+            </a:r>
+            <a:r>
+              <a:rPr lang="de-DE" dirty="0"/>
+              <a:t> </a:t>
+            </a:r>
+            <a:r>
+              <a:rPr lang="de-DE" dirty="0" err="1"/>
+              <a:t>test</a:t>
+            </a:r>
             <a:endParaRPr lang="de-DE" dirty="0"/>
+          </a:p>
+          <a:p>
+            <a:pPr marL="0" marR="0" lvl="0" indent="0" algn="l" defTabSz="914400" rtl="0" eaLnBrk="1" fontAlgn="base" latinLnBrk="0" hangingPunct="1">
+              <a:lnSpc>
+                <a:spcPct val="100000"/>
+              </a:lnSpc>
+              <a:spcBef>
+                <a:spcPct val="30000"/>
+              </a:spcBef>
+              <a:spcAft>
+                <a:spcPct val="0"/>
+              </a:spcAft>
+              <a:buClrTx/>
+              <a:buSzTx/>
+              <a:buFontTx/>
+              <a:buNone/>
+              <a:tabLst/>
+              <a:defRPr/>
+            </a:pPr>
+            <a:r>
+              <a:rPr lang="de-DE" dirty="0" err="1"/>
+              <a:t>Sorted</a:t>
+            </a:r>
+            <a:r>
+              <a:rPr lang="de-DE" dirty="0"/>
+              <a:t>-List </a:t>
+            </a:r>
+            <a:r>
+              <a:rPr lang="de-DE" dirty="0" err="1"/>
+              <a:t>bulk</a:t>
+            </a:r>
+            <a:r>
+              <a:rPr lang="de-DE" dirty="0"/>
+              <a:t> </a:t>
+            </a:r>
+            <a:r>
+              <a:rPr lang="de-DE" dirty="0" err="1"/>
+              <a:t>insert</a:t>
+            </a:r>
+            <a:endParaRPr lang="de-DE" dirty="0"/>
+          </a:p>
+          <a:p>
+            <a:pPr marL="0" marR="0" lvl="0" indent="0" algn="l" defTabSz="914400" rtl="0" eaLnBrk="1" fontAlgn="base" latinLnBrk="0" hangingPunct="1">
+              <a:lnSpc>
+                <a:spcPct val="100000"/>
+              </a:lnSpc>
+              <a:spcBef>
+                <a:spcPct val="30000"/>
+              </a:spcBef>
+              <a:spcAft>
+                <a:spcPct val="0"/>
+              </a:spcAft>
+              <a:buClrTx/>
+              <a:buSzTx/>
+              <a:buFontTx/>
+              <a:buNone/>
+              <a:tabLst/>
+              <a:defRPr/>
+            </a:pPr>
+            <a:endParaRPr lang="de-DE" dirty="0"/>
+          </a:p>
+          <a:p>
+            <a:pPr marL="0" marR="0" lvl="0" indent="0" algn="l" defTabSz="914400" rtl="0" eaLnBrk="1" fontAlgn="base" latinLnBrk="0" hangingPunct="1">
+              <a:lnSpc>
+                <a:spcPct val="100000"/>
+              </a:lnSpc>
+              <a:spcBef>
+                <a:spcPct val="30000"/>
+              </a:spcBef>
+              <a:spcAft>
+                <a:spcPct val="0"/>
+              </a:spcAft>
+              <a:buClrTx/>
+              <a:buSzTx/>
+              <a:buFontTx/>
+              <a:buNone/>
+              <a:tabLst/>
+              <a:defRPr/>
+            </a:pPr>
+            <a:r>
+              <a:rPr lang="de-DE" dirty="0"/>
+              <a:t>65k:</a:t>
+            </a:r>
+          </a:p>
+          <a:p>
+            <a:pPr marL="0" marR="0" lvl="0" indent="0" algn="l" defTabSz="914400" rtl="0" eaLnBrk="1" fontAlgn="base" latinLnBrk="0" hangingPunct="1">
+              <a:lnSpc>
+                <a:spcPct val="100000"/>
+              </a:lnSpc>
+              <a:spcBef>
+                <a:spcPct val="30000"/>
+              </a:spcBef>
+              <a:spcAft>
+                <a:spcPct val="0"/>
+              </a:spcAft>
+              <a:buClrTx/>
+              <a:buSzTx/>
+              <a:buFontTx/>
+              <a:buNone/>
+              <a:tabLst/>
+              <a:defRPr/>
+            </a:pPr>
+            <a:r>
+              <a:rPr lang="de-DE" dirty="0"/>
+              <a:t>ART </a:t>
+            </a:r>
+            <a:r>
+              <a:rPr lang="de-DE" dirty="0" err="1"/>
+              <a:t>faster</a:t>
+            </a:r>
+            <a:r>
+              <a:rPr lang="de-DE" dirty="0"/>
+              <a:t> </a:t>
+            </a:r>
+            <a:r>
+              <a:rPr lang="de-DE" dirty="0" err="1"/>
+              <a:t>than</a:t>
+            </a:r>
+            <a:r>
+              <a:rPr lang="de-DE" dirty="0"/>
+              <a:t> </a:t>
+            </a:r>
+            <a:r>
+              <a:rPr lang="de-DE" dirty="0" err="1"/>
+              <a:t>Sorted</a:t>
+            </a:r>
+            <a:r>
+              <a:rPr lang="de-DE" dirty="0"/>
+              <a:t> List </a:t>
+            </a:r>
+            <a:r>
+              <a:rPr lang="de-DE" dirty="0" err="1"/>
+              <a:t>because</a:t>
+            </a:r>
+            <a:r>
+              <a:rPr lang="de-DE" dirty="0"/>
+              <a:t> O(log k) </a:t>
+            </a:r>
+            <a:r>
+              <a:rPr lang="de-DE" dirty="0" err="1"/>
+              <a:t>vs</a:t>
+            </a:r>
+            <a:r>
+              <a:rPr lang="de-DE" dirty="0"/>
+              <a:t> O(log n) </a:t>
+            </a:r>
+            <a:r>
+              <a:rPr lang="de-DE" dirty="0" err="1"/>
+              <a:t>for</a:t>
+            </a:r>
+            <a:r>
+              <a:rPr lang="de-DE" dirty="0"/>
+              <a:t> </a:t>
+            </a:r>
+            <a:r>
+              <a:rPr lang="de-DE" dirty="0" err="1"/>
+              <a:t>sorting</a:t>
+            </a:r>
+            <a:endParaRPr lang="de-DE" dirty="0"/>
+          </a:p>
+          <a:p>
+            <a:pPr marL="0" marR="0" lvl="0" indent="0" algn="l" defTabSz="914400" rtl="0" eaLnBrk="1" fontAlgn="base" latinLnBrk="0" hangingPunct="1">
+              <a:lnSpc>
+                <a:spcPct val="100000"/>
+              </a:lnSpc>
+              <a:spcBef>
+                <a:spcPct val="30000"/>
+              </a:spcBef>
+              <a:spcAft>
+                <a:spcPct val="0"/>
+              </a:spcAft>
+              <a:buClrTx/>
+              <a:buSzTx/>
+              <a:buFontTx/>
+              <a:buNone/>
+              <a:tabLst/>
+              <a:defRPr/>
+            </a:pPr>
+            <a:endParaRPr lang="de-DE" dirty="0"/>
+          </a:p>
+          <a:p>
+            <a:pPr marL="0" marR="0" lvl="0" indent="0" algn="l" defTabSz="914400" rtl="0" eaLnBrk="1" fontAlgn="base" latinLnBrk="0" hangingPunct="1">
+              <a:lnSpc>
+                <a:spcPct val="100000"/>
+              </a:lnSpc>
+              <a:spcBef>
+                <a:spcPct val="30000"/>
+              </a:spcBef>
+              <a:spcAft>
+                <a:spcPct val="0"/>
+              </a:spcAft>
+              <a:buClrTx/>
+              <a:buSzTx/>
+              <a:buFontTx/>
+              <a:buNone/>
+              <a:tabLst/>
+              <a:defRPr/>
+            </a:pPr>
+            <a:r>
+              <a:rPr lang="de-DE" dirty="0"/>
+              <a:t>16M:</a:t>
+            </a:r>
+          </a:p>
+          <a:p>
+            <a:pPr marL="0" marR="0" lvl="0" indent="0" algn="l" defTabSz="914400" rtl="0" eaLnBrk="1" fontAlgn="base" latinLnBrk="0" hangingPunct="1">
+              <a:lnSpc>
+                <a:spcPct val="100000"/>
+              </a:lnSpc>
+              <a:spcBef>
+                <a:spcPct val="30000"/>
+              </a:spcBef>
+              <a:spcAft>
+                <a:spcPct val="0"/>
+              </a:spcAft>
+              <a:buClrTx/>
+              <a:buSzTx/>
+              <a:buFontTx/>
+              <a:buNone/>
+              <a:tabLst/>
+              <a:defRPr/>
+            </a:pPr>
+            <a:r>
+              <a:rPr lang="de-DE" dirty="0"/>
+              <a:t>ART </a:t>
+            </a:r>
+            <a:r>
+              <a:rPr lang="de-DE" dirty="0" err="1"/>
+              <a:t>now</a:t>
+            </a:r>
+            <a:r>
+              <a:rPr lang="de-DE" dirty="0"/>
+              <a:t> </a:t>
+            </a:r>
+            <a:r>
+              <a:rPr lang="de-DE" dirty="0" err="1"/>
+              <a:t>slower</a:t>
+            </a:r>
+            <a:r>
+              <a:rPr lang="de-DE" dirty="0"/>
+              <a:t> </a:t>
+            </a:r>
+            <a:r>
+              <a:rPr lang="de-DE" dirty="0" err="1"/>
+              <a:t>than</a:t>
+            </a:r>
+            <a:r>
+              <a:rPr lang="de-DE" dirty="0"/>
+              <a:t> </a:t>
+            </a:r>
+            <a:r>
+              <a:rPr lang="de-DE" dirty="0" err="1"/>
+              <a:t>Sorted</a:t>
+            </a:r>
+            <a:r>
+              <a:rPr lang="de-DE" dirty="0"/>
+              <a:t> List </a:t>
+            </a:r>
+            <a:r>
+              <a:rPr lang="de-DE" dirty="0" err="1"/>
+              <a:t>because</a:t>
+            </a:r>
+            <a:r>
+              <a:rPr lang="de-DE" dirty="0"/>
+              <a:t> </a:t>
+            </a:r>
+            <a:r>
+              <a:rPr lang="de-DE" dirty="0" err="1"/>
+              <a:t>cache</a:t>
+            </a:r>
+            <a:r>
+              <a:rPr lang="de-DE" dirty="0"/>
+              <a:t> </a:t>
+            </a:r>
+            <a:r>
+              <a:rPr lang="de-DE" dirty="0" err="1"/>
+              <a:t>misses</a:t>
+            </a:r>
+            <a:r>
+              <a:rPr lang="de-DE" dirty="0"/>
+              <a:t> (</a:t>
+            </a:r>
+            <a:r>
+              <a:rPr lang="de-DE" dirty="0" err="1"/>
+              <a:t>can‘t</a:t>
+            </a:r>
+            <a:r>
+              <a:rPr lang="de-DE" dirty="0"/>
+              <a:t> hold all </a:t>
+            </a:r>
+            <a:r>
+              <a:rPr lang="de-DE" dirty="0" err="1"/>
+              <a:t>nodes</a:t>
+            </a:r>
+            <a:r>
+              <a:rPr lang="de-DE" dirty="0"/>
+              <a:t> in </a:t>
+            </a:r>
+            <a:r>
+              <a:rPr lang="de-DE" dirty="0" err="1"/>
+              <a:t>cache</a:t>
+            </a:r>
+            <a:r>
+              <a:rPr lang="de-DE" dirty="0"/>
+              <a:t>. Look back at </a:t>
+            </a:r>
+            <a:r>
+              <a:rPr lang="de-DE" dirty="0" err="1"/>
+              <a:t>memory</a:t>
+            </a:r>
+            <a:r>
+              <a:rPr lang="de-DE" dirty="0"/>
+              <a:t> </a:t>
+            </a:r>
+            <a:r>
+              <a:rPr lang="de-DE" dirty="0" err="1"/>
+              <a:t>usage</a:t>
+            </a:r>
+            <a:r>
+              <a:rPr lang="de-DE" dirty="0"/>
+              <a:t> </a:t>
+            </a:r>
+            <a:r>
+              <a:rPr lang="de-DE" dirty="0" err="1"/>
+              <a:t>for</a:t>
+            </a:r>
+            <a:r>
+              <a:rPr lang="de-DE" dirty="0"/>
+              <a:t> </a:t>
+            </a:r>
+            <a:r>
+              <a:rPr lang="de-DE" dirty="0" err="1"/>
+              <a:t>sparse</a:t>
+            </a:r>
+            <a:r>
+              <a:rPr lang="de-DE" dirty="0"/>
+              <a:t> 16M – </a:t>
+            </a:r>
+            <a:r>
+              <a:rPr lang="de-DE" dirty="0" err="1"/>
+              <a:t>previous</a:t>
+            </a:r>
+            <a:r>
+              <a:rPr lang="de-DE" dirty="0"/>
+              <a:t> </a:t>
+            </a:r>
+            <a:r>
+              <a:rPr lang="de-DE" dirty="0" err="1"/>
+              <a:t>slide</a:t>
+            </a:r>
+            <a:r>
+              <a:rPr lang="de-DE" dirty="0"/>
+              <a:t>)</a:t>
+            </a:r>
           </a:p>
         </p:txBody>
       </p:sp>
@@ -9447,7 +9462,7 @@
     </p:spTree>
     <p:extLst>
       <p:ext uri="{BB962C8B-B14F-4D97-AF65-F5344CB8AC3E}">
-        <p14:creationId xmlns:p14="http://schemas.microsoft.com/office/powerpoint/2010/main" val="324259885"/>
+        <p14:creationId xmlns:p14="http://schemas.microsoft.com/office/powerpoint/2010/main" val="266720536"/>
       </p:ext>
     </p:extLst>
   </p:cSld>
@@ -9537,7 +9552,7 @@
     </p:spTree>
     <p:extLst>
       <p:ext uri="{BB962C8B-B14F-4D97-AF65-F5344CB8AC3E}">
-        <p14:creationId xmlns:p14="http://schemas.microsoft.com/office/powerpoint/2010/main" val="1892010195"/>
+        <p14:creationId xmlns:p14="http://schemas.microsoft.com/office/powerpoint/2010/main" val="324259885"/>
       </p:ext>
     </p:extLst>
   </p:cSld>
@@ -9627,7 +9642,7 @@
     </p:spTree>
     <p:extLst>
       <p:ext uri="{BB962C8B-B14F-4D97-AF65-F5344CB8AC3E}">
-        <p14:creationId xmlns:p14="http://schemas.microsoft.com/office/powerpoint/2010/main" val="3178569148"/>
+        <p14:creationId xmlns:p14="http://schemas.microsoft.com/office/powerpoint/2010/main" val="1892010195"/>
       </p:ext>
     </p:extLst>
   </p:cSld>
@@ -9717,7 +9732,7 @@
     </p:spTree>
     <p:extLst>
       <p:ext uri="{BB962C8B-B14F-4D97-AF65-F5344CB8AC3E}">
-        <p14:creationId xmlns:p14="http://schemas.microsoft.com/office/powerpoint/2010/main" val="2379631012"/>
+        <p14:creationId xmlns:p14="http://schemas.microsoft.com/office/powerpoint/2010/main" val="3178569148"/>
       </p:ext>
     </p:extLst>
   </p:cSld>
@@ -9807,7 +9822,7 @@
     </p:spTree>
     <p:extLst>
       <p:ext uri="{BB962C8B-B14F-4D97-AF65-F5344CB8AC3E}">
-        <p14:creationId xmlns:p14="http://schemas.microsoft.com/office/powerpoint/2010/main" val="3882762003"/>
+        <p14:creationId xmlns:p14="http://schemas.microsoft.com/office/powerpoint/2010/main" val="2379631012"/>
       </p:ext>
     </p:extLst>
   </p:cSld>
@@ -9861,7 +9876,7 @@
           <a:bodyPr/>
           <a:lstStyle/>
           <a:p>
-            <a:endParaRPr lang="en-US" dirty="0"/>
+            <a:endParaRPr lang="de-DE" dirty="0"/>
           </a:p>
         </p:txBody>
       </p:sp>
@@ -9888,7 +9903,7 @@
               <a:pPr>
                 <a:defRPr/>
               </a:pPr>
-              <a:t>30</a:t>
+              <a:t>28</a:t>
             </a:fld>
             <a:endParaRPr lang="en-GB"/>
           </a:p>
@@ -9897,7 +9912,7 @@
     </p:spTree>
     <p:extLst>
       <p:ext uri="{BB962C8B-B14F-4D97-AF65-F5344CB8AC3E}">
-        <p14:creationId xmlns:p14="http://schemas.microsoft.com/office/powerpoint/2010/main" val="688350877"/>
+        <p14:creationId xmlns:p14="http://schemas.microsoft.com/office/powerpoint/2010/main" val="3882762003"/>
       </p:ext>
     </p:extLst>
   </p:cSld>
@@ -9951,7 +9966,207 @@
           <a:bodyPr/>
           <a:lstStyle/>
           <a:p>
-            <a:endParaRPr lang="en-US" dirty="0"/>
+            <a:pPr marL="0" marR="0" lvl="0" indent="0" algn="l" defTabSz="914400" rtl="0" eaLnBrk="1" fontAlgn="base" latinLnBrk="0" hangingPunct="1">
+              <a:lnSpc>
+                <a:spcPct val="100000"/>
+              </a:lnSpc>
+              <a:spcBef>
+                <a:spcPct val="30000"/>
+              </a:spcBef>
+              <a:spcAft>
+                <a:spcPct val="0"/>
+              </a:spcAft>
+              <a:buClrTx/>
+              <a:buSzTx/>
+              <a:buFontTx/>
+              <a:buNone/>
+              <a:tabLst/>
+              <a:defRPr/>
+            </a:pPr>
+            <a:r>
+              <a:rPr lang="de-DE" dirty="0"/>
+              <a:t>YCSB Workload (</a:t>
+            </a:r>
+            <a:r>
+              <a:rPr lang="de-DE" dirty="0" err="1"/>
+              <a:t>Zipfian</a:t>
+            </a:r>
+            <a:r>
+              <a:rPr lang="de-DE" dirty="0"/>
+              <a:t> </a:t>
+            </a:r>
+            <a:r>
+              <a:rPr lang="de-DE" dirty="0" err="1"/>
+              <a:t>distribution</a:t>
+            </a:r>
+            <a:r>
+              <a:rPr lang="de-DE" dirty="0"/>
+              <a:t>;  Mono </a:t>
+            </a:r>
+            <a:r>
+              <a:rPr lang="de-DE" dirty="0" err="1"/>
+              <a:t>Int</a:t>
+            </a:r>
+            <a:r>
+              <a:rPr lang="de-DE" dirty="0"/>
+              <a:t>: 64 </a:t>
+            </a:r>
+            <a:r>
+              <a:rPr lang="de-DE" dirty="0" err="1"/>
+              <a:t>bit</a:t>
+            </a:r>
+            <a:r>
+              <a:rPr lang="de-DE" dirty="0"/>
+              <a:t> </a:t>
+            </a:r>
+            <a:r>
+              <a:rPr lang="de-DE" dirty="0" err="1"/>
+              <a:t>monotonically</a:t>
+            </a:r>
+            <a:r>
+              <a:rPr lang="de-DE" dirty="0"/>
+              <a:t> </a:t>
+            </a:r>
+            <a:r>
+              <a:rPr lang="de-DE" dirty="0" err="1"/>
+              <a:t>increasing</a:t>
+            </a:r>
+            <a:r>
+              <a:rPr lang="de-DE" dirty="0"/>
+              <a:t> </a:t>
+            </a:r>
+            <a:r>
+              <a:rPr lang="de-DE" dirty="0" err="1"/>
+              <a:t>integers</a:t>
+            </a:r>
+            <a:r>
+              <a:rPr lang="de-DE" dirty="0"/>
+              <a:t>, Rand </a:t>
+            </a:r>
+            <a:r>
+              <a:rPr lang="de-DE" dirty="0" err="1"/>
+              <a:t>Int</a:t>
+            </a:r>
+            <a:r>
+              <a:rPr lang="de-DE" dirty="0"/>
+              <a:t> …)</a:t>
+            </a:r>
+          </a:p>
+          <a:p>
+            <a:pPr marL="0" marR="0" lvl="0" indent="0" algn="l" defTabSz="914400" rtl="0" eaLnBrk="1" fontAlgn="base" latinLnBrk="0" hangingPunct="1">
+              <a:lnSpc>
+                <a:spcPct val="100000"/>
+              </a:lnSpc>
+              <a:spcBef>
+                <a:spcPct val="30000"/>
+              </a:spcBef>
+              <a:spcAft>
+                <a:spcPct val="0"/>
+              </a:spcAft>
+              <a:buClrTx/>
+              <a:buSzTx/>
+              <a:buFontTx/>
+              <a:buNone/>
+              <a:tabLst/>
+              <a:defRPr/>
+            </a:pPr>
+            <a:r>
+              <a:rPr lang="de-DE" dirty="0"/>
+              <a:t>52M Integer Keys, 27M </a:t>
+            </a:r>
+            <a:r>
+              <a:rPr lang="de-DE" dirty="0" err="1"/>
+              <a:t>emails</a:t>
+            </a:r>
+            <a:endParaRPr lang="de-DE" dirty="0"/>
+          </a:p>
+          <a:p>
+            <a:pPr marL="0" marR="0" lvl="0" indent="0" algn="l" defTabSz="914400" rtl="0" eaLnBrk="1" fontAlgn="base" latinLnBrk="0" hangingPunct="1">
+              <a:lnSpc>
+                <a:spcPct val="100000"/>
+              </a:lnSpc>
+              <a:spcBef>
+                <a:spcPct val="30000"/>
+              </a:spcBef>
+              <a:spcAft>
+                <a:spcPct val="0"/>
+              </a:spcAft>
+              <a:buClrTx/>
+              <a:buSzTx/>
+              <a:buFontTx/>
+              <a:buNone/>
+              <a:tabLst/>
+              <a:defRPr/>
+            </a:pPr>
+            <a:endParaRPr lang="de-DE" dirty="0"/>
+          </a:p>
+          <a:p>
+            <a:pPr marL="0" marR="0" lvl="0" indent="0" algn="l" defTabSz="914400" rtl="0" eaLnBrk="1" fontAlgn="base" latinLnBrk="0" hangingPunct="1">
+              <a:lnSpc>
+                <a:spcPct val="100000"/>
+              </a:lnSpc>
+              <a:spcBef>
+                <a:spcPct val="30000"/>
+              </a:spcBef>
+              <a:spcAft>
+                <a:spcPct val="0"/>
+              </a:spcAft>
+              <a:buClrTx/>
+              <a:buSzTx/>
+              <a:buFontTx/>
+              <a:buNone/>
+              <a:tabLst/>
+              <a:defRPr/>
+            </a:pPr>
+            <a:r>
+              <a:rPr lang="de-DE" dirty="0"/>
+              <a:t>Peak </a:t>
+            </a:r>
+            <a:r>
+              <a:rPr lang="de-DE" dirty="0" err="1"/>
+              <a:t>amount</a:t>
+            </a:r>
+            <a:r>
+              <a:rPr lang="de-DE" dirty="0"/>
+              <a:t> </a:t>
+            </a:r>
+            <a:r>
+              <a:rPr lang="de-DE" dirty="0" err="1"/>
+              <a:t>of</a:t>
+            </a:r>
+            <a:r>
+              <a:rPr lang="de-DE" dirty="0"/>
+              <a:t> </a:t>
+            </a:r>
+            <a:r>
+              <a:rPr lang="de-DE" dirty="0" err="1"/>
+              <a:t>memory</a:t>
+            </a:r>
+            <a:r>
+              <a:rPr lang="de-DE" dirty="0"/>
+              <a:t> </a:t>
+            </a:r>
+            <a:r>
+              <a:rPr lang="de-DE" dirty="0" err="1"/>
+              <a:t>consumption</a:t>
+            </a:r>
+            <a:r>
+              <a:rPr lang="de-DE" dirty="0"/>
+              <a:t> </a:t>
+            </a:r>
+            <a:r>
+              <a:rPr lang="de-DE" dirty="0" err="1"/>
+              <a:t>during</a:t>
+            </a:r>
+            <a:r>
+              <a:rPr lang="de-DE" dirty="0"/>
+              <a:t> </a:t>
+            </a:r>
+            <a:r>
+              <a:rPr lang="de-DE" dirty="0" err="1"/>
+              <a:t>workload</a:t>
+            </a:r>
+            <a:endParaRPr lang="de-DE" dirty="0"/>
           </a:p>
         </p:txBody>
       </p:sp>
@@ -9978,7 +10193,7 @@
               <a:pPr>
                 <a:defRPr/>
               </a:pPr>
-              <a:t>31</a:t>
+              <a:t>29</a:t>
             </a:fld>
             <a:endParaRPr lang="en-GB"/>
           </a:p>
@@ -9987,7 +10202,7 @@
     </p:spTree>
     <p:extLst>
       <p:ext uri="{BB962C8B-B14F-4D97-AF65-F5344CB8AC3E}">
-        <p14:creationId xmlns:p14="http://schemas.microsoft.com/office/powerpoint/2010/main" val="632089375"/>
+        <p14:creationId xmlns:p14="http://schemas.microsoft.com/office/powerpoint/2010/main" val="2593503469"/>
       </p:ext>
     </p:extLst>
   </p:cSld>
@@ -10190,7 +10405,119 @@
           <a:bodyPr/>
           <a:lstStyle/>
           <a:p>
-            <a:endParaRPr lang="en-US" dirty="0"/>
+            <a:pPr marL="0" marR="0" lvl="0" indent="0" algn="l" defTabSz="914400" rtl="0" eaLnBrk="1" fontAlgn="base" latinLnBrk="0" hangingPunct="1">
+              <a:lnSpc>
+                <a:spcPct val="100000"/>
+              </a:lnSpc>
+              <a:spcBef>
+                <a:spcPct val="30000"/>
+              </a:spcBef>
+              <a:spcAft>
+                <a:spcPct val="0"/>
+              </a:spcAft>
+              <a:buClrTx/>
+              <a:buSzTx/>
+              <a:buFontTx/>
+              <a:buNone/>
+              <a:tabLst/>
+              <a:defRPr/>
+            </a:pPr>
+            <a:r>
+              <a:rPr lang="de-DE" dirty="0"/>
+              <a:t>YCSB Workload (</a:t>
+            </a:r>
+            <a:r>
+              <a:rPr lang="de-DE" dirty="0" err="1"/>
+              <a:t>Zipfian</a:t>
+            </a:r>
+            <a:r>
+              <a:rPr lang="de-DE" dirty="0"/>
+              <a:t> </a:t>
+            </a:r>
+            <a:r>
+              <a:rPr lang="de-DE" dirty="0" err="1"/>
+              <a:t>distribution</a:t>
+            </a:r>
+            <a:r>
+              <a:rPr lang="de-DE" dirty="0"/>
+              <a:t>;  Mono </a:t>
+            </a:r>
+            <a:r>
+              <a:rPr lang="de-DE" dirty="0" err="1"/>
+              <a:t>Int</a:t>
+            </a:r>
+            <a:r>
+              <a:rPr lang="de-DE" dirty="0"/>
+              <a:t>: 64 </a:t>
+            </a:r>
+            <a:r>
+              <a:rPr lang="de-DE" dirty="0" err="1"/>
+              <a:t>bit</a:t>
+            </a:r>
+            <a:r>
+              <a:rPr lang="de-DE" dirty="0"/>
+              <a:t> </a:t>
+            </a:r>
+            <a:r>
+              <a:rPr lang="de-DE" dirty="0" err="1"/>
+              <a:t>monotonically</a:t>
+            </a:r>
+            <a:r>
+              <a:rPr lang="de-DE" dirty="0"/>
+              <a:t> </a:t>
+            </a:r>
+            <a:r>
+              <a:rPr lang="de-DE" dirty="0" err="1"/>
+              <a:t>increasing</a:t>
+            </a:r>
+            <a:r>
+              <a:rPr lang="de-DE" dirty="0"/>
+              <a:t> </a:t>
+            </a:r>
+            <a:r>
+              <a:rPr lang="de-DE" dirty="0" err="1"/>
+              <a:t>integers</a:t>
+            </a:r>
+            <a:r>
+              <a:rPr lang="de-DE" dirty="0"/>
+              <a:t>, Rand </a:t>
+            </a:r>
+            <a:r>
+              <a:rPr lang="de-DE" dirty="0" err="1"/>
+              <a:t>Int</a:t>
+            </a:r>
+            <a:r>
+              <a:rPr lang="de-DE" dirty="0"/>
+              <a:t> …)</a:t>
+            </a:r>
+          </a:p>
+          <a:p>
+            <a:pPr marL="0" marR="0" lvl="0" indent="0" algn="l" defTabSz="914400" rtl="0" eaLnBrk="1" fontAlgn="base" latinLnBrk="0" hangingPunct="1">
+              <a:lnSpc>
+                <a:spcPct val="100000"/>
+              </a:lnSpc>
+              <a:spcBef>
+                <a:spcPct val="30000"/>
+              </a:spcBef>
+              <a:spcAft>
+                <a:spcPct val="0"/>
+              </a:spcAft>
+              <a:buClrTx/>
+              <a:buSzTx/>
+              <a:buFontTx/>
+              <a:buNone/>
+              <a:tabLst/>
+              <a:defRPr/>
+            </a:pPr>
+            <a:r>
+              <a:rPr lang="de-DE" dirty="0"/>
+              <a:t>52M Integer Keys, 27M </a:t>
+            </a:r>
+            <a:r>
+              <a:rPr lang="de-DE" dirty="0" err="1"/>
+              <a:t>emails</a:t>
+            </a:r>
+            <a:endParaRPr lang="de-DE" dirty="0"/>
           </a:p>
         </p:txBody>
       </p:sp>
@@ -10217,7 +10544,7 @@
               <a:pPr>
                 <a:defRPr/>
               </a:pPr>
-              <a:t>32</a:t>
+              <a:t>30</a:t>
             </a:fld>
             <a:endParaRPr lang="en-GB"/>
           </a:p>
@@ -10226,7 +10553,7 @@
     </p:spTree>
     <p:extLst>
       <p:ext uri="{BB962C8B-B14F-4D97-AF65-F5344CB8AC3E}">
-        <p14:creationId xmlns:p14="http://schemas.microsoft.com/office/powerpoint/2010/main" val="1368079382"/>
+        <p14:creationId xmlns:p14="http://schemas.microsoft.com/office/powerpoint/2010/main" val="2454941132"/>
       </p:ext>
     </p:extLst>
   </p:cSld>
@@ -10280,7 +10607,25 @@
           <a:bodyPr/>
           <a:lstStyle/>
           <a:p>
+            <a:r>
+              <a:rPr lang="en-US" dirty="0"/>
+              <a:t>OLP = Optimistic Lock Coupling</a:t>
+            </a:r>
+          </a:p>
+          <a:p>
+            <a:r>
+              <a:rPr lang="en-US" dirty="0"/>
+              <a:t>ROWEX = Read-Optimized Write Exclusion</a:t>
+            </a:r>
+          </a:p>
+          <a:p>
             <a:endParaRPr lang="en-US" dirty="0"/>
+          </a:p>
+          <a:p>
+            <a:r>
+              <a:rPr lang="en-US" dirty="0"/>
+              <a:t>“Learned Indexes” utilizing machine leaning to predict data location</a:t>
+            </a:r>
           </a:p>
         </p:txBody>
       </p:sp>
@@ -10307,7 +10652,7 @@
               <a:pPr>
                 <a:defRPr/>
               </a:pPr>
-              <a:t>33</a:t>
+              <a:t>32</a:t>
             </a:fld>
             <a:endParaRPr lang="en-GB"/>
           </a:p>
@@ -10316,7 +10661,7 @@
     </p:spTree>
     <p:extLst>
       <p:ext uri="{BB962C8B-B14F-4D97-AF65-F5344CB8AC3E}">
-        <p14:creationId xmlns:p14="http://schemas.microsoft.com/office/powerpoint/2010/main" val="3403498060"/>
+        <p14:creationId xmlns:p14="http://schemas.microsoft.com/office/powerpoint/2010/main" val="2144894160"/>
       </p:ext>
     </p:extLst>
   </p:cSld>
@@ -10397,7 +10742,7 @@
               <a:pPr>
                 <a:defRPr/>
               </a:pPr>
-              <a:t>34</a:t>
+              <a:t>33</a:t>
             </a:fld>
             <a:endParaRPr lang="en-GB"/>
           </a:p>
@@ -10406,7 +10751,7 @@
     </p:spTree>
     <p:extLst>
       <p:ext uri="{BB962C8B-B14F-4D97-AF65-F5344CB8AC3E}">
-        <p14:creationId xmlns:p14="http://schemas.microsoft.com/office/powerpoint/2010/main" val="3873617337"/>
+        <p14:creationId xmlns:p14="http://schemas.microsoft.com/office/powerpoint/2010/main" val="2805981096"/>
       </p:ext>
     </p:extLst>
   </p:cSld>
@@ -10487,7 +10832,7 @@
               <a:pPr>
                 <a:defRPr/>
               </a:pPr>
-              <a:t>35</a:t>
+              <a:t>34</a:t>
             </a:fld>
             <a:endParaRPr lang="en-GB"/>
           </a:p>
@@ -10496,7 +10841,7 @@
     </p:spTree>
     <p:extLst>
       <p:ext uri="{BB962C8B-B14F-4D97-AF65-F5344CB8AC3E}">
-        <p14:creationId xmlns:p14="http://schemas.microsoft.com/office/powerpoint/2010/main" val="2821304512"/>
+        <p14:creationId xmlns:p14="http://schemas.microsoft.com/office/powerpoint/2010/main" val="632089375"/>
       </p:ext>
     </p:extLst>
   </p:cSld>
@@ -10550,7 +10895,7 @@
           <a:bodyPr/>
           <a:lstStyle/>
           <a:p>
-            <a:endParaRPr lang="de-DE" dirty="0"/>
+            <a:endParaRPr lang="en-US" dirty="0"/>
           </a:p>
         </p:txBody>
       </p:sp>
@@ -10577,7 +10922,7 @@
               <a:pPr>
                 <a:defRPr/>
               </a:pPr>
-              <a:t>36</a:t>
+              <a:t>35</a:t>
             </a:fld>
             <a:endParaRPr lang="en-GB"/>
           </a:p>
@@ -10586,7 +10931,7 @@
     </p:spTree>
     <p:extLst>
       <p:ext uri="{BB962C8B-B14F-4D97-AF65-F5344CB8AC3E}">
-        <p14:creationId xmlns:p14="http://schemas.microsoft.com/office/powerpoint/2010/main" val="1498725812"/>
+        <p14:creationId xmlns:p14="http://schemas.microsoft.com/office/powerpoint/2010/main" val="1368079382"/>
       </p:ext>
     </p:extLst>
   </p:cSld>
@@ -10667,7 +11012,367 @@
               <a:pPr>
                 <a:defRPr/>
               </a:pPr>
+              <a:t>36</a:t>
+            </a:fld>
+            <a:endParaRPr lang="en-GB"/>
+          </a:p>
+        </p:txBody>
+      </p:sp>
+    </p:spTree>
+    <p:extLst>
+      <p:ext uri="{BB962C8B-B14F-4D97-AF65-F5344CB8AC3E}">
+        <p14:creationId xmlns:p14="http://schemas.microsoft.com/office/powerpoint/2010/main" val="3403498060"/>
+      </p:ext>
+    </p:extLst>
+  </p:cSld>
+  <p:clrMapOvr>
+    <a:masterClrMapping/>
+  </p:clrMapOvr>
+</p:notes>
+</file>
+
+<file path=ppt/notesSlides/notesSlide36.xml><?xml version="1.0" encoding="utf-8"?>
+<p:notes xmlns:a="http://schemas.openxmlformats.org/drawingml/2006/main" xmlns:r="http://schemas.openxmlformats.org/officeDocument/2006/relationships" xmlns:p="http://schemas.openxmlformats.org/presentationml/2006/main">
+  <p:cSld>
+    <p:spTree>
+      <p:nvGrpSpPr>
+        <p:cNvPr id="1" name=""/>
+        <p:cNvGrpSpPr/>
+        <p:nvPr/>
+      </p:nvGrpSpPr>
+      <p:grpSpPr>
+        <a:xfrm>
+          <a:off x="0" y="0"/>
+          <a:ext cx="0" cy="0"/>
+          <a:chOff x="0" y="0"/>
+          <a:chExt cx="0" cy="0"/>
+        </a:xfrm>
+      </p:grpSpPr>
+      <p:sp>
+        <p:nvSpPr>
+          <p:cNvPr id="2" name="Slide Image Placeholder 1"/>
+          <p:cNvSpPr>
+            <a:spLocks noGrp="1" noRot="1" noChangeAspect="1"/>
+          </p:cNvSpPr>
+          <p:nvPr>
+            <p:ph type="sldImg"/>
+          </p:nvPr>
+        </p:nvSpPr>
+        <p:spPr/>
+      </p:sp>
+      <p:sp>
+        <p:nvSpPr>
+          <p:cNvPr id="3" name="Notes Placeholder 2"/>
+          <p:cNvSpPr>
+            <a:spLocks noGrp="1"/>
+          </p:cNvSpPr>
+          <p:nvPr>
+            <p:ph type="body" idx="1"/>
+          </p:nvPr>
+        </p:nvSpPr>
+        <p:spPr/>
+        <p:txBody>
+          <a:bodyPr/>
+          <a:lstStyle/>
+          <a:p>
+            <a:endParaRPr lang="en-US" dirty="0"/>
+          </a:p>
+        </p:txBody>
+      </p:sp>
+      <p:sp>
+        <p:nvSpPr>
+          <p:cNvPr id="4" name="Slide Number Placeholder 3"/>
+          <p:cNvSpPr>
+            <a:spLocks noGrp="1"/>
+          </p:cNvSpPr>
+          <p:nvPr>
+            <p:ph type="sldNum" sz="quarter" idx="5"/>
+          </p:nvPr>
+        </p:nvSpPr>
+        <p:spPr/>
+        <p:txBody>
+          <a:bodyPr/>
+          <a:lstStyle/>
+          <a:p>
+            <a:pPr>
+              <a:defRPr/>
+            </a:pPr>
+            <a:fld id="{00AFC6D0-44D5-4EB7-828F-6F464F83D79A}" type="slidenum">
+              <a:rPr lang="en-GB" smtClean="0"/>
+              <a:pPr>
+                <a:defRPr/>
+              </a:pPr>
               <a:t>37</a:t>
+            </a:fld>
+            <a:endParaRPr lang="en-GB"/>
+          </a:p>
+        </p:txBody>
+      </p:sp>
+    </p:spTree>
+    <p:extLst>
+      <p:ext uri="{BB962C8B-B14F-4D97-AF65-F5344CB8AC3E}">
+        <p14:creationId xmlns:p14="http://schemas.microsoft.com/office/powerpoint/2010/main" val="3873617337"/>
+      </p:ext>
+    </p:extLst>
+  </p:cSld>
+  <p:clrMapOvr>
+    <a:masterClrMapping/>
+  </p:clrMapOvr>
+</p:notes>
+</file>
+
+<file path=ppt/notesSlides/notesSlide37.xml><?xml version="1.0" encoding="utf-8"?>
+<p:notes xmlns:a="http://schemas.openxmlformats.org/drawingml/2006/main" xmlns:r="http://schemas.openxmlformats.org/officeDocument/2006/relationships" xmlns:p="http://schemas.openxmlformats.org/presentationml/2006/main">
+  <p:cSld>
+    <p:spTree>
+      <p:nvGrpSpPr>
+        <p:cNvPr id="1" name=""/>
+        <p:cNvGrpSpPr/>
+        <p:nvPr/>
+      </p:nvGrpSpPr>
+      <p:grpSpPr>
+        <a:xfrm>
+          <a:off x="0" y="0"/>
+          <a:ext cx="0" cy="0"/>
+          <a:chOff x="0" y="0"/>
+          <a:chExt cx="0" cy="0"/>
+        </a:xfrm>
+      </p:grpSpPr>
+      <p:sp>
+        <p:nvSpPr>
+          <p:cNvPr id="2" name="Slide Image Placeholder 1"/>
+          <p:cNvSpPr>
+            <a:spLocks noGrp="1" noRot="1" noChangeAspect="1"/>
+          </p:cNvSpPr>
+          <p:nvPr>
+            <p:ph type="sldImg"/>
+          </p:nvPr>
+        </p:nvSpPr>
+        <p:spPr/>
+      </p:sp>
+      <p:sp>
+        <p:nvSpPr>
+          <p:cNvPr id="3" name="Notes Placeholder 2"/>
+          <p:cNvSpPr>
+            <a:spLocks noGrp="1"/>
+          </p:cNvSpPr>
+          <p:nvPr>
+            <p:ph type="body" idx="1"/>
+          </p:nvPr>
+        </p:nvSpPr>
+        <p:spPr/>
+        <p:txBody>
+          <a:bodyPr/>
+          <a:lstStyle/>
+          <a:p>
+            <a:endParaRPr lang="en-US" dirty="0"/>
+          </a:p>
+        </p:txBody>
+      </p:sp>
+      <p:sp>
+        <p:nvSpPr>
+          <p:cNvPr id="4" name="Slide Number Placeholder 3"/>
+          <p:cNvSpPr>
+            <a:spLocks noGrp="1"/>
+          </p:cNvSpPr>
+          <p:nvPr>
+            <p:ph type="sldNum" sz="quarter" idx="5"/>
+          </p:nvPr>
+        </p:nvSpPr>
+        <p:spPr/>
+        <p:txBody>
+          <a:bodyPr/>
+          <a:lstStyle/>
+          <a:p>
+            <a:pPr>
+              <a:defRPr/>
+            </a:pPr>
+            <a:fld id="{00AFC6D0-44D5-4EB7-828F-6F464F83D79A}" type="slidenum">
+              <a:rPr lang="en-GB" smtClean="0"/>
+              <a:pPr>
+                <a:defRPr/>
+              </a:pPr>
+              <a:t>38</a:t>
+            </a:fld>
+            <a:endParaRPr lang="en-GB"/>
+          </a:p>
+        </p:txBody>
+      </p:sp>
+    </p:spTree>
+    <p:extLst>
+      <p:ext uri="{BB962C8B-B14F-4D97-AF65-F5344CB8AC3E}">
+        <p14:creationId xmlns:p14="http://schemas.microsoft.com/office/powerpoint/2010/main" val="2821304512"/>
+      </p:ext>
+    </p:extLst>
+  </p:cSld>
+  <p:clrMapOvr>
+    <a:masterClrMapping/>
+  </p:clrMapOvr>
+</p:notes>
+</file>
+
+<file path=ppt/notesSlides/notesSlide38.xml><?xml version="1.0" encoding="utf-8"?>
+<p:notes xmlns:a="http://schemas.openxmlformats.org/drawingml/2006/main" xmlns:r="http://schemas.openxmlformats.org/officeDocument/2006/relationships" xmlns:p="http://schemas.openxmlformats.org/presentationml/2006/main">
+  <p:cSld>
+    <p:spTree>
+      <p:nvGrpSpPr>
+        <p:cNvPr id="1" name=""/>
+        <p:cNvGrpSpPr/>
+        <p:nvPr/>
+      </p:nvGrpSpPr>
+      <p:grpSpPr>
+        <a:xfrm>
+          <a:off x="0" y="0"/>
+          <a:ext cx="0" cy="0"/>
+          <a:chOff x="0" y="0"/>
+          <a:chExt cx="0" cy="0"/>
+        </a:xfrm>
+      </p:grpSpPr>
+      <p:sp>
+        <p:nvSpPr>
+          <p:cNvPr id="2" name="Slide Image Placeholder 1"/>
+          <p:cNvSpPr>
+            <a:spLocks noGrp="1" noRot="1" noChangeAspect="1"/>
+          </p:cNvSpPr>
+          <p:nvPr>
+            <p:ph type="sldImg"/>
+          </p:nvPr>
+        </p:nvSpPr>
+        <p:spPr/>
+      </p:sp>
+      <p:sp>
+        <p:nvSpPr>
+          <p:cNvPr id="3" name="Notes Placeholder 2"/>
+          <p:cNvSpPr>
+            <a:spLocks noGrp="1"/>
+          </p:cNvSpPr>
+          <p:nvPr>
+            <p:ph type="body" idx="1"/>
+          </p:nvPr>
+        </p:nvSpPr>
+        <p:spPr/>
+        <p:txBody>
+          <a:bodyPr/>
+          <a:lstStyle/>
+          <a:p>
+            <a:endParaRPr lang="de-DE" dirty="0"/>
+          </a:p>
+        </p:txBody>
+      </p:sp>
+      <p:sp>
+        <p:nvSpPr>
+          <p:cNvPr id="4" name="Slide Number Placeholder 3"/>
+          <p:cNvSpPr>
+            <a:spLocks noGrp="1"/>
+          </p:cNvSpPr>
+          <p:nvPr>
+            <p:ph type="sldNum" sz="quarter" idx="5"/>
+          </p:nvPr>
+        </p:nvSpPr>
+        <p:spPr/>
+        <p:txBody>
+          <a:bodyPr/>
+          <a:lstStyle/>
+          <a:p>
+            <a:pPr>
+              <a:defRPr/>
+            </a:pPr>
+            <a:fld id="{00AFC6D0-44D5-4EB7-828F-6F464F83D79A}" type="slidenum">
+              <a:rPr lang="en-GB" smtClean="0"/>
+              <a:pPr>
+                <a:defRPr/>
+              </a:pPr>
+              <a:t>39</a:t>
+            </a:fld>
+            <a:endParaRPr lang="en-GB"/>
+          </a:p>
+        </p:txBody>
+      </p:sp>
+    </p:spTree>
+    <p:extLst>
+      <p:ext uri="{BB962C8B-B14F-4D97-AF65-F5344CB8AC3E}">
+        <p14:creationId xmlns:p14="http://schemas.microsoft.com/office/powerpoint/2010/main" val="1498725812"/>
+      </p:ext>
+    </p:extLst>
+  </p:cSld>
+  <p:clrMapOvr>
+    <a:masterClrMapping/>
+  </p:clrMapOvr>
+</p:notes>
+</file>
+
+<file path=ppt/notesSlides/notesSlide39.xml><?xml version="1.0" encoding="utf-8"?>
+<p:notes xmlns:a="http://schemas.openxmlformats.org/drawingml/2006/main" xmlns:r="http://schemas.openxmlformats.org/officeDocument/2006/relationships" xmlns:p="http://schemas.openxmlformats.org/presentationml/2006/main">
+  <p:cSld>
+    <p:spTree>
+      <p:nvGrpSpPr>
+        <p:cNvPr id="1" name=""/>
+        <p:cNvGrpSpPr/>
+        <p:nvPr/>
+      </p:nvGrpSpPr>
+      <p:grpSpPr>
+        <a:xfrm>
+          <a:off x="0" y="0"/>
+          <a:ext cx="0" cy="0"/>
+          <a:chOff x="0" y="0"/>
+          <a:chExt cx="0" cy="0"/>
+        </a:xfrm>
+      </p:grpSpPr>
+      <p:sp>
+        <p:nvSpPr>
+          <p:cNvPr id="2" name="Slide Image Placeholder 1"/>
+          <p:cNvSpPr>
+            <a:spLocks noGrp="1" noRot="1" noChangeAspect="1"/>
+          </p:cNvSpPr>
+          <p:nvPr>
+            <p:ph type="sldImg"/>
+          </p:nvPr>
+        </p:nvSpPr>
+        <p:spPr/>
+      </p:sp>
+      <p:sp>
+        <p:nvSpPr>
+          <p:cNvPr id="3" name="Notes Placeholder 2"/>
+          <p:cNvSpPr>
+            <a:spLocks noGrp="1"/>
+          </p:cNvSpPr>
+          <p:nvPr>
+            <p:ph type="body" idx="1"/>
+          </p:nvPr>
+        </p:nvSpPr>
+        <p:spPr/>
+        <p:txBody>
+          <a:bodyPr/>
+          <a:lstStyle/>
+          <a:p>
+            <a:endParaRPr lang="en-US" dirty="0"/>
+          </a:p>
+        </p:txBody>
+      </p:sp>
+      <p:sp>
+        <p:nvSpPr>
+          <p:cNvPr id="4" name="Slide Number Placeholder 3"/>
+          <p:cNvSpPr>
+            <a:spLocks noGrp="1"/>
+          </p:cNvSpPr>
+          <p:nvPr>
+            <p:ph type="sldNum" sz="quarter" idx="5"/>
+          </p:nvPr>
+        </p:nvSpPr>
+        <p:spPr/>
+        <p:txBody>
+          <a:bodyPr/>
+          <a:lstStyle/>
+          <a:p>
+            <a:pPr>
+              <a:defRPr/>
+            </a:pPr>
+            <a:fld id="{00AFC6D0-44D5-4EB7-828F-6F464F83D79A}" type="slidenum">
+              <a:rPr lang="en-GB" smtClean="0"/>
+              <a:pPr>
+                <a:defRPr/>
+              </a:pPr>
+              <a:t>40</a:t>
             </a:fld>
             <a:endParaRPr lang="en-GB"/>
           </a:p>
@@ -26359,6 +27064,691 @@
           <a:chExt cx="0" cy="0"/>
         </a:xfrm>
       </p:grpSpPr>
+      <p:sp>
+        <p:nvSpPr>
+          <p:cNvPr id="4" name="Foliennummernplatzhalter 3"/>
+          <p:cNvSpPr>
+            <a:spLocks noGrp="1"/>
+          </p:cNvSpPr>
+          <p:nvPr>
+            <p:ph type="sldNum" sz="quarter" idx="11"/>
+          </p:nvPr>
+        </p:nvSpPr>
+        <p:spPr>
+          <a:prstGeom prst="rect">
+            <a:avLst/>
+          </a:prstGeom>
+        </p:spPr>
+        <p:txBody>
+          <a:bodyPr/>
+          <a:lstStyle/>
+          <a:p>
+            <a:fld id="{CE58CB1E-F828-4F11-99E0-327109AF9DA4}" type="slidenum">
+              <a:rPr lang="de-DE" smtClean="0"/>
+              <a:pPr/>
+              <a:t>20</a:t>
+            </a:fld>
+            <a:endParaRPr lang="de-DE" dirty="0"/>
+          </a:p>
+        </p:txBody>
+      </p:sp>
+      <p:sp>
+        <p:nvSpPr>
+          <p:cNvPr id="6" name="Fußzeilenplatzhalter 4"/>
+          <p:cNvSpPr>
+            <a:spLocks noGrp="1"/>
+          </p:cNvSpPr>
+          <p:nvPr>
+            <p:ph type="ftr" sz="quarter" idx="12"/>
+          </p:nvPr>
+        </p:nvSpPr>
+        <p:spPr/>
+        <p:txBody>
+          <a:bodyPr/>
+          <a:lstStyle/>
+          <a:p>
+            <a:r>
+              <a:rPr lang="de-DE" dirty="0"/>
+              <a:t>Jonas Fritsch | The Adaptive Radix Tree</a:t>
+            </a:r>
+            <a:endParaRPr lang="en-US" dirty="0"/>
+          </a:p>
+        </p:txBody>
+      </p:sp>
+      <p:sp>
+        <p:nvSpPr>
+          <p:cNvPr id="3" name="Titel 2"/>
+          <p:cNvSpPr>
+            <a:spLocks noGrp="1"/>
+          </p:cNvSpPr>
+          <p:nvPr>
+            <p:ph type="title"/>
+          </p:nvPr>
+        </p:nvSpPr>
+        <p:spPr>
+          <a:prstGeom prst="rect">
+            <a:avLst/>
+          </a:prstGeom>
+        </p:spPr>
+        <p:txBody>
+          <a:bodyPr/>
+          <a:lstStyle/>
+          <a:p>
+            <a:r>
+              <a:rPr sz="3000" dirty="0"/>
+              <a:t>ART </a:t>
+            </a:r>
+            <a:r>
+              <a:rPr lang="de-DE" sz="3000" dirty="0"/>
+              <a:t>–</a:t>
+            </a:r>
+            <a:r>
+              <a:rPr sz="3000" dirty="0"/>
+              <a:t> Implementation </a:t>
+            </a:r>
+            <a:r>
+              <a:rPr sz="3000" dirty="0" err="1"/>
+              <a:t>Specifics</a:t>
+            </a:r>
+            <a:endParaRPr lang="de-DE" sz="3000" dirty="0"/>
+          </a:p>
+        </p:txBody>
+      </p:sp>
+      <p:sp>
+        <p:nvSpPr>
+          <p:cNvPr id="7" name="Inhaltsplatzhalter 1">
+            <a:extLst>
+              <a:ext uri="{FF2B5EF4-FFF2-40B4-BE49-F238E27FC236}">
+                <a16:creationId xmlns:a16="http://schemas.microsoft.com/office/drawing/2014/main" id="{39E026B4-457A-F216-0A86-D12F37A57423}"/>
+              </a:ext>
+            </a:extLst>
+          </p:cNvPr>
+          <p:cNvSpPr>
+            <a:spLocks noGrp="1"/>
+          </p:cNvSpPr>
+          <p:nvPr>
+            <p:ph idx="1"/>
+          </p:nvPr>
+        </p:nvSpPr>
+        <p:spPr>
+          <a:xfrm>
+            <a:off x="319090" y="1762188"/>
+            <a:ext cx="8508999" cy="4699572"/>
+          </a:xfrm>
+        </p:spPr>
+        <p:txBody>
+          <a:bodyPr/>
+          <a:lstStyle/>
+          <a:p>
+            <a:r>
+              <a:rPr dirty="0"/>
+              <a:t>ART </a:t>
+            </a:r>
+            <a:r>
+              <a:rPr dirty="0" err="1"/>
+              <a:t>implementation</a:t>
+            </a:r>
+            <a:r>
+              <a:rPr dirty="0"/>
+              <a:t> </a:t>
+            </a:r>
+            <a:r>
+              <a:rPr dirty="0" err="1"/>
+              <a:t>for</a:t>
+            </a:r>
+            <a:r>
+              <a:rPr dirty="0"/>
+              <a:t> </a:t>
+            </a:r>
+            <a:r>
+              <a:rPr dirty="0" err="1"/>
+              <a:t>storing</a:t>
+            </a:r>
+            <a:r>
+              <a:rPr dirty="0"/>
+              <a:t> 32 </a:t>
+            </a:r>
+            <a:r>
+              <a:rPr dirty="0" err="1"/>
+              <a:t>bit</a:t>
+            </a:r>
+            <a:r>
+              <a:rPr dirty="0"/>
+              <a:t> </a:t>
+            </a:r>
+            <a:r>
+              <a:rPr dirty="0" err="1"/>
+              <a:t>keys</a:t>
+            </a:r>
+            <a:r>
+              <a:rPr dirty="0"/>
+              <a:t> (</a:t>
+            </a:r>
+            <a:r>
+              <a:rPr dirty="0" err="1"/>
+              <a:t>no</a:t>
+            </a:r>
+            <a:r>
+              <a:rPr dirty="0"/>
+              <a:t> </a:t>
+            </a:r>
+            <a:r>
+              <a:rPr dirty="0" err="1"/>
+              <a:t>path</a:t>
+            </a:r>
+            <a:r>
+              <a:rPr dirty="0"/>
+              <a:t> </a:t>
+            </a:r>
+            <a:r>
+              <a:rPr dirty="0" err="1"/>
+              <a:t>compression</a:t>
+            </a:r>
+            <a:r>
+              <a:rPr dirty="0"/>
+              <a:t>)</a:t>
+            </a:r>
+          </a:p>
+          <a:p>
+            <a:endParaRPr dirty="0"/>
+          </a:p>
+          <a:p>
+            <a:r>
+              <a:rPr lang="de-DE" b="1" dirty="0" err="1"/>
+              <a:t>Important</a:t>
+            </a:r>
+            <a:r>
+              <a:rPr lang="de-DE" b="1" dirty="0"/>
+              <a:t> Points:</a:t>
+            </a:r>
+          </a:p>
+          <a:p>
+            <a:pPr marL="285750" indent="-285750">
+              <a:buFont typeface="Arial" panose="020B0604020202020204" pitchFamily="34" charset="0"/>
+              <a:buChar char="•"/>
+            </a:pPr>
+            <a:r>
+              <a:rPr lang="de-DE" dirty="0" err="1"/>
+              <a:t>No</a:t>
+            </a:r>
+            <a:r>
+              <a:rPr lang="de-DE" dirty="0"/>
+              <a:t> </a:t>
+            </a:r>
+            <a:r>
+              <a:rPr lang="de-DE" dirty="0" err="1"/>
+              <a:t>recursion</a:t>
+            </a:r>
+            <a:r>
+              <a:rPr lang="de-DE" dirty="0"/>
+              <a:t>! (</a:t>
+            </a:r>
+            <a:r>
+              <a:rPr lang="de-DE" dirty="0" err="1"/>
+              <a:t>self</a:t>
+            </a:r>
+            <a:r>
+              <a:rPr lang="de-DE" dirty="0"/>
+              <a:t> </a:t>
+            </a:r>
+            <a:r>
+              <a:rPr lang="de-DE" dirty="0" err="1"/>
+              <a:t>explanatory</a:t>
+            </a:r>
+            <a:r>
+              <a:rPr lang="de-DE" dirty="0"/>
+              <a:t>)</a:t>
+            </a:r>
+          </a:p>
+          <a:p>
+            <a:pPr marL="285750" indent="-285750">
+              <a:buFont typeface="Arial" panose="020B0604020202020204" pitchFamily="34" charset="0"/>
+              <a:buChar char="•"/>
+            </a:pPr>
+            <a:r>
+              <a:rPr lang="de-DE" dirty="0" err="1"/>
+              <a:t>Careful</a:t>
+            </a:r>
+            <a:r>
+              <a:rPr lang="de-DE" dirty="0"/>
+              <a:t> </a:t>
+            </a:r>
+            <a:r>
+              <a:rPr lang="de-DE" dirty="0" err="1"/>
+              <a:t>with</a:t>
+            </a:r>
+            <a:r>
+              <a:rPr lang="de-DE" dirty="0"/>
+              <a:t> </a:t>
+            </a:r>
+            <a:r>
+              <a:rPr lang="de-DE" dirty="0" err="1"/>
+              <a:t>polymorphie</a:t>
+            </a:r>
+            <a:r>
+              <a:rPr lang="de-DE" dirty="0"/>
+              <a:t>! (C++ </a:t>
+            </a:r>
+            <a:r>
+              <a:rPr lang="de-DE" dirty="0" err="1"/>
+              <a:t>utilizes</a:t>
+            </a:r>
+            <a:r>
+              <a:rPr lang="de-DE" dirty="0"/>
+              <a:t> </a:t>
+            </a:r>
+            <a:r>
+              <a:rPr lang="de-DE" dirty="0" err="1"/>
+              <a:t>vtables</a:t>
+            </a:r>
+            <a:r>
+              <a:rPr lang="de-DE" dirty="0"/>
+              <a:t> </a:t>
+            </a:r>
+            <a:r>
+              <a:rPr lang="de-DE" dirty="0" err="1"/>
+              <a:t>for</a:t>
+            </a:r>
+            <a:r>
+              <a:rPr lang="de-DE" dirty="0"/>
+              <a:t> </a:t>
+            </a:r>
+            <a:r>
+              <a:rPr lang="de-DE" dirty="0" err="1"/>
+              <a:t>dynamic</a:t>
+            </a:r>
+            <a:r>
+              <a:rPr lang="de-DE" dirty="0"/>
+              <a:t> </a:t>
+            </a:r>
+            <a:r>
+              <a:rPr lang="de-DE" dirty="0" err="1"/>
+              <a:t>dispatch</a:t>
+            </a:r>
+            <a:r>
+              <a:rPr lang="de-DE" dirty="0"/>
+              <a:t> </a:t>
+            </a:r>
+            <a:r>
+              <a:rPr lang="de-DE" dirty="0">
+                <a:sym typeface="Wingdings" panose="05000000000000000000" pitchFamily="2" charset="2"/>
+              </a:rPr>
+              <a:t> </a:t>
+            </a:r>
+            <a:r>
+              <a:rPr lang="de-DE" dirty="0" err="1">
+                <a:sym typeface="Wingdings" panose="05000000000000000000" pitchFamily="2" charset="2"/>
+              </a:rPr>
+              <a:t>performance</a:t>
+            </a:r>
+            <a:r>
+              <a:rPr lang="de-DE" dirty="0">
+                <a:sym typeface="Wingdings" panose="05000000000000000000" pitchFamily="2" charset="2"/>
+              </a:rPr>
+              <a:t> + </a:t>
+            </a:r>
+            <a:r>
+              <a:rPr lang="de-DE" dirty="0" err="1">
+                <a:sym typeface="Wingdings" panose="05000000000000000000" pitchFamily="2" charset="2"/>
+              </a:rPr>
+              <a:t>memory</a:t>
+            </a:r>
+            <a:r>
+              <a:rPr lang="de-DE" dirty="0">
+                <a:sym typeface="Wingdings" panose="05000000000000000000" pitchFamily="2" charset="2"/>
+              </a:rPr>
+              <a:t> </a:t>
+            </a:r>
+            <a:r>
+              <a:rPr lang="de-DE" dirty="0" err="1">
+                <a:sym typeface="Wingdings" panose="05000000000000000000" pitchFamily="2" charset="2"/>
+              </a:rPr>
+              <a:t>overhead</a:t>
+            </a:r>
+            <a:r>
+              <a:rPr lang="de-DE" dirty="0">
+                <a:sym typeface="Wingdings" panose="05000000000000000000" pitchFamily="2" charset="2"/>
+              </a:rPr>
+              <a:t>)</a:t>
+            </a:r>
+          </a:p>
+          <a:p>
+            <a:pPr marL="285750" indent="-285750">
+              <a:buFont typeface="Arial" panose="020B0604020202020204" pitchFamily="34" charset="0"/>
+              <a:buChar char="•"/>
+            </a:pPr>
+            <a:r>
+              <a:rPr lang="de-DE" dirty="0">
+                <a:sym typeface="Wingdings" panose="05000000000000000000" pitchFamily="2" charset="2"/>
+              </a:rPr>
+              <a:t>Memory </a:t>
+            </a:r>
+            <a:r>
+              <a:rPr lang="de-DE" dirty="0" err="1">
+                <a:sym typeface="Wingdings" panose="05000000000000000000" pitchFamily="2" charset="2"/>
+              </a:rPr>
+              <a:t>management</a:t>
+            </a:r>
+            <a:r>
+              <a:rPr lang="de-DE" dirty="0">
+                <a:sym typeface="Wingdings" panose="05000000000000000000" pitchFamily="2" charset="2"/>
+              </a:rPr>
+              <a:t>! (</a:t>
+            </a:r>
+            <a:r>
+              <a:rPr lang="de-DE" dirty="0" err="1">
+                <a:sym typeface="Wingdings" panose="05000000000000000000" pitchFamily="2" charset="2"/>
+                <a:hlinkClick r:id="rId3"/>
+              </a:rPr>
+              <a:t>malloc</a:t>
+            </a:r>
+            <a:r>
+              <a:rPr lang="de-DE" dirty="0">
+                <a:sym typeface="Wingdings" panose="05000000000000000000" pitchFamily="2" charset="2"/>
+                <a:hlinkClick r:id="rId3"/>
+              </a:rPr>
+              <a:t> vs. </a:t>
+            </a:r>
+            <a:r>
+              <a:rPr lang="de-DE" dirty="0" err="1">
+                <a:sym typeface="Wingdings" panose="05000000000000000000" pitchFamily="2" charset="2"/>
+                <a:hlinkClick r:id="rId3"/>
+              </a:rPr>
+              <a:t>TCMalloc</a:t>
+            </a:r>
+            <a:r>
+              <a:rPr lang="de-DE" dirty="0">
+                <a:sym typeface="Wingdings" panose="05000000000000000000" pitchFamily="2" charset="2"/>
+                <a:hlinkClick r:id="rId3"/>
+              </a:rPr>
+              <a:t> vs. </a:t>
+            </a:r>
+            <a:r>
+              <a:rPr lang="de-DE" dirty="0" err="1">
+                <a:sym typeface="Wingdings" panose="05000000000000000000" pitchFamily="2" charset="2"/>
+                <a:hlinkClick r:id="rId3"/>
+              </a:rPr>
+              <a:t>jemalloc</a:t>
+            </a:r>
+            <a:r>
+              <a:rPr lang="de-DE" dirty="0">
+                <a:sym typeface="Wingdings" panose="05000000000000000000" pitchFamily="2" charset="2"/>
+                <a:hlinkClick r:id="rId3"/>
+              </a:rPr>
+              <a:t> </a:t>
+            </a:r>
+            <a:r>
+              <a:rPr lang="de-DE" dirty="0">
+                <a:sym typeface="Wingdings" panose="05000000000000000000" pitchFamily="2" charset="2"/>
+              </a:rPr>
+              <a:t>vs. </a:t>
+            </a:r>
+            <a:r>
+              <a:rPr lang="de-DE" dirty="0" err="1">
+                <a:sym typeface="Wingdings" panose="05000000000000000000" pitchFamily="2" charset="2"/>
+              </a:rPr>
+              <a:t>custom</a:t>
+            </a:r>
+            <a:r>
+              <a:rPr lang="de-DE" dirty="0">
+                <a:sym typeface="Wingdings" panose="05000000000000000000" pitchFamily="2" charset="2"/>
+              </a:rPr>
+              <a:t> </a:t>
+            </a:r>
+            <a:r>
+              <a:rPr lang="de-DE" dirty="0" err="1">
+                <a:sym typeface="Wingdings" panose="05000000000000000000" pitchFamily="2" charset="2"/>
+              </a:rPr>
+              <a:t>memory</a:t>
+            </a:r>
+            <a:r>
+              <a:rPr lang="de-DE" dirty="0">
+                <a:sym typeface="Wingdings" panose="05000000000000000000" pitchFamily="2" charset="2"/>
+              </a:rPr>
+              <a:t> </a:t>
+            </a:r>
+            <a:r>
+              <a:rPr lang="de-DE" dirty="0" err="1">
+                <a:sym typeface="Wingdings" panose="05000000000000000000" pitchFamily="2" charset="2"/>
+              </a:rPr>
+              <a:t>arenas</a:t>
+            </a:r>
+            <a:r>
+              <a:rPr lang="de-DE" dirty="0">
+                <a:sym typeface="Wingdings" panose="05000000000000000000" pitchFamily="2" charset="2"/>
+              </a:rPr>
+              <a:t>/</a:t>
+            </a:r>
+            <a:r>
+              <a:rPr lang="de-DE" dirty="0" err="1">
+                <a:sym typeface="Wingdings" panose="05000000000000000000" pitchFamily="2" charset="2"/>
+              </a:rPr>
+              <a:t>pools</a:t>
+            </a:r>
+            <a:r>
+              <a:rPr lang="de-DE" dirty="0">
+                <a:sym typeface="Wingdings" panose="05000000000000000000" pitchFamily="2" charset="2"/>
+              </a:rPr>
+              <a:t>)</a:t>
+            </a:r>
+            <a:endParaRPr lang="de-DE" dirty="0"/>
+          </a:p>
+          <a:p>
+            <a:pPr marL="285750" indent="-285750">
+              <a:buFont typeface="Arial" panose="020B0604020202020204" pitchFamily="34" charset="0"/>
+              <a:buChar char="•"/>
+            </a:pPr>
+            <a:r>
+              <a:rPr lang="de-DE" dirty="0"/>
+              <a:t>Node16 </a:t>
+            </a:r>
+            <a:r>
+              <a:rPr lang="de-DE" dirty="0" err="1"/>
+              <a:t>search</a:t>
+            </a:r>
+            <a:r>
+              <a:rPr lang="de-DE" dirty="0"/>
+              <a:t> SIMD </a:t>
+            </a:r>
+            <a:r>
+              <a:rPr lang="de-DE" dirty="0" err="1"/>
+              <a:t>comparison</a:t>
+            </a:r>
+            <a:r>
+              <a:rPr lang="de-DE" dirty="0"/>
+              <a:t>: </a:t>
+            </a:r>
+            <a:r>
+              <a:rPr lang="de-DE" dirty="0" err="1"/>
+              <a:t>used</a:t>
+            </a:r>
+            <a:r>
+              <a:rPr lang="de-DE" dirty="0"/>
+              <a:t> x86-64 SSE2 </a:t>
+            </a:r>
+          </a:p>
+          <a:p>
+            <a:pPr marL="285750" indent="-285750">
+              <a:buFont typeface="Arial" panose="020B0604020202020204" pitchFamily="34" charset="0"/>
+              <a:buChar char="•"/>
+            </a:pPr>
+            <a:r>
+              <a:rPr lang="de-DE" dirty="0" err="1"/>
+              <a:t>Combined</a:t>
+            </a:r>
+            <a:r>
+              <a:rPr lang="de-DE" dirty="0"/>
+              <a:t> </a:t>
+            </a:r>
+            <a:r>
+              <a:rPr lang="de-DE" dirty="0" err="1"/>
+              <a:t>value</a:t>
+            </a:r>
+            <a:r>
+              <a:rPr lang="de-DE" dirty="0"/>
+              <a:t>/</a:t>
+            </a:r>
+            <a:r>
+              <a:rPr lang="de-DE" dirty="0" err="1"/>
+              <a:t>pointer</a:t>
+            </a:r>
+            <a:r>
+              <a:rPr lang="de-DE" dirty="0"/>
+              <a:t> </a:t>
+            </a:r>
+            <a:r>
+              <a:rPr lang="de-DE" dirty="0" err="1"/>
+              <a:t>slots</a:t>
+            </a:r>
+            <a:r>
+              <a:rPr lang="de-DE" dirty="0"/>
+              <a:t>: Pointer Tagging </a:t>
+            </a:r>
+            <a:r>
+              <a:rPr lang="de-DE" dirty="0" err="1"/>
+              <a:t>using</a:t>
+            </a:r>
+            <a:r>
+              <a:rPr lang="de-DE" dirty="0"/>
+              <a:t> 3 </a:t>
+            </a:r>
+            <a:r>
+              <a:rPr lang="de-DE" dirty="0" err="1"/>
+              <a:t>low</a:t>
+            </a:r>
+            <a:r>
+              <a:rPr lang="de-DE" dirty="0"/>
+              <a:t> </a:t>
+            </a:r>
+            <a:r>
+              <a:rPr lang="de-DE" dirty="0" err="1"/>
+              <a:t>bits</a:t>
+            </a:r>
+            <a:r>
+              <a:rPr lang="de-DE" dirty="0"/>
+              <a:t> on 64 </a:t>
+            </a:r>
+            <a:r>
+              <a:rPr lang="de-DE" dirty="0" err="1"/>
+              <a:t>bit</a:t>
+            </a:r>
+            <a:r>
+              <a:rPr lang="de-DE" dirty="0"/>
+              <a:t> </a:t>
+            </a:r>
+            <a:r>
+              <a:rPr lang="de-DE" dirty="0" err="1"/>
+              <a:t>architecture</a:t>
+            </a:r>
+            <a:r>
+              <a:rPr lang="de-DE" dirty="0"/>
+              <a:t> (</a:t>
+            </a:r>
+            <a:r>
+              <a:rPr lang="de-DE" dirty="0" err="1"/>
+              <a:t>pointers</a:t>
+            </a:r>
+            <a:r>
+              <a:rPr lang="de-DE" dirty="0"/>
+              <a:t> </a:t>
+            </a:r>
+            <a:r>
+              <a:rPr lang="de-DE" dirty="0" err="1"/>
+              <a:t>are</a:t>
+            </a:r>
+            <a:r>
+              <a:rPr lang="de-DE" dirty="0"/>
+              <a:t> 8-byte </a:t>
+            </a:r>
+            <a:r>
+              <a:rPr lang="de-DE" dirty="0" err="1"/>
+              <a:t>aligned</a:t>
+            </a:r>
+            <a:r>
+              <a:rPr lang="de-DE" dirty="0"/>
+              <a:t>)</a:t>
+            </a:r>
+            <a:endParaRPr dirty="0"/>
+          </a:p>
+        </p:txBody>
+      </p:sp>
+      <p:sp>
+        <p:nvSpPr>
+          <p:cNvPr id="8" name="TextBox 7">
+            <a:extLst>
+              <a:ext uri="{FF2B5EF4-FFF2-40B4-BE49-F238E27FC236}">
+                <a16:creationId xmlns:a16="http://schemas.microsoft.com/office/drawing/2014/main" id="{A5940A45-AA82-8650-35A3-B5573011316E}"/>
+              </a:ext>
+            </a:extLst>
+          </p:cNvPr>
+          <p:cNvSpPr txBox="1"/>
+          <p:nvPr/>
+        </p:nvSpPr>
+        <p:spPr>
+          <a:xfrm>
+            <a:off x="311162" y="6298789"/>
+            <a:ext cx="8635130" cy="193002"/>
+          </a:xfrm>
+          <a:prstGeom prst="rect">
+            <a:avLst/>
+          </a:prstGeom>
+          <a:noFill/>
+        </p:spPr>
+        <p:txBody>
+          <a:bodyPr wrap="square" lIns="0" tIns="0" rIns="0" bIns="0" rtlCol="0">
+            <a:spAutoFit/>
+          </a:bodyPr>
+          <a:lstStyle/>
+          <a:p>
+            <a:pPr>
+              <a:lnSpc>
+                <a:spcPct val="114000"/>
+              </a:lnSpc>
+            </a:pPr>
+            <a:r>
+              <a:rPr lang="en-US" sz="1200" b="1" dirty="0"/>
+              <a:t>Source: </a:t>
+            </a:r>
+            <a:r>
+              <a:rPr lang="en-US" sz="1200" dirty="0">
+                <a:hlinkClick r:id="rId4"/>
+              </a:rPr>
+              <a:t>https://github.com/atalantus/The-Adaptive-Radix-Tree/tree/main/Implementation</a:t>
+            </a:r>
+            <a:endParaRPr lang="en-US" sz="1200" dirty="0"/>
+          </a:p>
+        </p:txBody>
+      </p:sp>
+    </p:spTree>
+    <p:extLst>
+      <p:ext uri="{BB962C8B-B14F-4D97-AF65-F5344CB8AC3E}">
+        <p14:creationId xmlns:p14="http://schemas.microsoft.com/office/powerpoint/2010/main" val="443928699"/>
+      </p:ext>
+    </p:extLst>
+  </p:cSld>
+  <p:clrMapOvr>
+    <a:masterClrMapping/>
+  </p:clrMapOvr>
+</p:sld>
+</file>
+
+<file path=ppt/slides/slide21.xml><?xml version="1.0" encoding="utf-8"?>
+<p:sld xmlns:a="http://schemas.openxmlformats.org/drawingml/2006/main" xmlns:r="http://schemas.openxmlformats.org/officeDocument/2006/relationships" xmlns:p="http://schemas.openxmlformats.org/presentationml/2006/main">
+  <p:cSld>
+    <p:spTree>
+      <p:nvGrpSpPr>
+        <p:cNvPr id="1" name=""/>
+        <p:cNvGrpSpPr/>
+        <p:nvPr/>
+      </p:nvGrpSpPr>
+      <p:grpSpPr>
+        <a:xfrm>
+          <a:off x="0" y="0"/>
+          <a:ext cx="0" cy="0"/>
+          <a:chOff x="0" y="0"/>
+          <a:chExt cx="0" cy="0"/>
+        </a:xfrm>
+      </p:grpSpPr>
       <p:graphicFrame>
         <p:nvGraphicFramePr>
           <p:cNvPr id="6" name="Inhaltsplatzhalter 5"/>
@@ -26402,7 +27792,7 @@
             <a:fld id="{CE58CB1E-F828-4F11-99E0-327109AF9DA4}" type="slidenum">
               <a:rPr lang="de-DE" smtClean="0"/>
               <a:pPr/>
-              <a:t>20</a:t>
+              <a:t>21</a:t>
             </a:fld>
             <a:endParaRPr lang="de-DE" dirty="0"/>
           </a:p>
@@ -26513,7 +27903,7 @@
 </p:sld>
 </file>
 
-<file path=ppt/slides/slide21.xml><?xml version="1.0" encoding="utf-8"?>
+<file path=ppt/slides/slide22.xml><?xml version="1.0" encoding="utf-8"?>
 <p:sld xmlns:a="http://schemas.openxmlformats.org/drawingml/2006/main" xmlns:r="http://schemas.openxmlformats.org/officeDocument/2006/relationships" xmlns:p="http://schemas.openxmlformats.org/presentationml/2006/main">
   <p:cSld>
     <p:spTree>
@@ -26573,7 +27963,7 @@
             <a:fld id="{CE58CB1E-F828-4F11-99E0-327109AF9DA4}" type="slidenum">
               <a:rPr lang="de-DE" smtClean="0"/>
               <a:pPr/>
-              <a:t>21</a:t>
+              <a:t>22</a:t>
             </a:fld>
             <a:endParaRPr lang="de-DE" dirty="0"/>
           </a:p>
@@ -26684,7 +28074,7 @@
 </p:sld>
 </file>
 
-<file path=ppt/slides/slide22.xml><?xml version="1.0" encoding="utf-8"?>
+<file path=ppt/slides/slide23.xml><?xml version="1.0" encoding="utf-8"?>
 <p:sld xmlns:a="http://schemas.openxmlformats.org/drawingml/2006/main" xmlns:r="http://schemas.openxmlformats.org/officeDocument/2006/relationships" xmlns:p="http://schemas.openxmlformats.org/presentationml/2006/main">
   <p:cSld>
     <p:spTree>
@@ -26790,7 +28180,7 @@
                   <a:spcPts val="600"/>
                 </a:spcAft>
               </a:pPr>
-              <a:t>22</a:t>
+              <a:t>23</a:t>
             </a:fld>
             <a:endParaRPr lang="de-DE"/>
           </a:p>
@@ -26928,7 +28318,7 @@
 </p:sld>
 </file>
 
-<file path=ppt/slides/slide23.xml><?xml version="1.0" encoding="utf-8"?>
+<file path=ppt/slides/slide24.xml><?xml version="1.0" encoding="utf-8"?>
 <p:sld xmlns:a="http://schemas.openxmlformats.org/drawingml/2006/main" xmlns:r="http://schemas.openxmlformats.org/officeDocument/2006/relationships" xmlns:p="http://schemas.openxmlformats.org/presentationml/2006/main">
   <p:cSld>
     <p:spTree>
@@ -27034,7 +28424,7 @@
                   <a:spcPts val="600"/>
                 </a:spcAft>
               </a:pPr>
-              <a:t>23</a:t>
+              <a:t>24</a:t>
             </a:fld>
             <a:endParaRPr lang="de-DE"/>
           </a:p>
@@ -27172,7 +28562,7 @@
 </p:sld>
 </file>
 
-<file path=ppt/slides/slide24.xml><?xml version="1.0" encoding="utf-8"?>
+<file path=ppt/slides/slide25.xml><?xml version="1.0" encoding="utf-8"?>
 <p:sld xmlns:a="http://schemas.openxmlformats.org/drawingml/2006/main" xmlns:r="http://schemas.openxmlformats.org/officeDocument/2006/relationships" xmlns:p="http://schemas.openxmlformats.org/presentationml/2006/main">
   <p:cSld>
     <p:spTree>
@@ -27223,7 +28613,7 @@
                   <a:spcPts val="600"/>
                 </a:spcAft>
               </a:pPr>
-              <a:t>24</a:t>
+              <a:t>25</a:t>
             </a:fld>
             <a:endParaRPr lang="de-DE"/>
           </a:p>
@@ -27402,7 +28792,7 @@
 </p:sld>
 </file>
 
-<file path=ppt/slides/slide25.xml><?xml version="1.0" encoding="utf-8"?>
+<file path=ppt/slides/slide26.xml><?xml version="1.0" encoding="utf-8"?>
 <p:sld xmlns:a="http://schemas.openxmlformats.org/drawingml/2006/main" xmlns:r="http://schemas.openxmlformats.org/officeDocument/2006/relationships" xmlns:p="http://schemas.openxmlformats.org/presentationml/2006/main">
   <p:cSld>
     <p:spTree>
@@ -27453,7 +28843,7 @@
                   <a:spcPts val="600"/>
                 </a:spcAft>
               </a:pPr>
-              <a:t>25</a:t>
+              <a:t>26</a:t>
             </a:fld>
             <a:endParaRPr lang="de-DE"/>
           </a:p>
@@ -27640,7 +29030,7 @@
 </p:sld>
 </file>
 
-<file path=ppt/slides/slide26.xml><?xml version="1.0" encoding="utf-8"?>
+<file path=ppt/slides/slide27.xml><?xml version="1.0" encoding="utf-8"?>
 <p:sld xmlns:a="http://schemas.openxmlformats.org/drawingml/2006/main" xmlns:r="http://schemas.openxmlformats.org/officeDocument/2006/relationships" xmlns:p="http://schemas.openxmlformats.org/presentationml/2006/main">
   <p:cSld>
     <p:spTree>
@@ -27691,7 +29081,7 @@
                   <a:spcPts val="600"/>
                 </a:spcAft>
               </a:pPr>
-              <a:t>26</a:t>
+              <a:t>27</a:t>
             </a:fld>
             <a:endParaRPr lang="de-DE"/>
           </a:p>
@@ -27862,7 +29252,7 @@
 </p:sld>
 </file>
 
-<file path=ppt/slides/slide27.xml><?xml version="1.0" encoding="utf-8"?>
+<file path=ppt/slides/slide28.xml><?xml version="1.0" encoding="utf-8"?>
 <p:sld xmlns:a="http://schemas.openxmlformats.org/drawingml/2006/main" xmlns:r="http://schemas.openxmlformats.org/officeDocument/2006/relationships" xmlns:p="http://schemas.openxmlformats.org/presentationml/2006/main">
   <p:cSld>
     <p:spTree>
@@ -27913,7 +29303,7 @@
                   <a:spcPts val="600"/>
                 </a:spcAft>
               </a:pPr>
-              <a:t>27</a:t>
+              <a:t>28</a:t>
             </a:fld>
             <a:endParaRPr lang="de-DE"/>
           </a:p>
@@ -28077,7 +29467,658 @@
 </p:sld>
 </file>
 
-<file path=ppt/slides/slide28.xml><?xml version="1.0" encoding="utf-8"?>
+<file path=ppt/slides/slide29.xml><?xml version="1.0" encoding="utf-8"?>
+<p:sld xmlns:a="http://schemas.openxmlformats.org/drawingml/2006/main" xmlns:r="http://schemas.openxmlformats.org/officeDocument/2006/relationships" xmlns:p="http://schemas.openxmlformats.org/presentationml/2006/main">
+  <p:cSld>
+    <p:spTree>
+      <p:nvGrpSpPr>
+        <p:cNvPr id="1" name=""/>
+        <p:cNvGrpSpPr/>
+        <p:nvPr/>
+      </p:nvGrpSpPr>
+      <p:grpSpPr>
+        <a:xfrm>
+          <a:off x="0" y="0"/>
+          <a:ext cx="0" cy="0"/>
+          <a:chOff x="0" y="0"/>
+          <a:chExt cx="0" cy="0"/>
+        </a:xfrm>
+      </p:grpSpPr>
+      <p:sp>
+        <p:nvSpPr>
+          <p:cNvPr id="4" name="Foliennummernplatzhalter 3"/>
+          <p:cNvSpPr>
+            <a:spLocks noGrp="1"/>
+          </p:cNvSpPr>
+          <p:nvPr>
+            <p:ph type="sldNum" sz="quarter" idx="11"/>
+          </p:nvPr>
+        </p:nvSpPr>
+        <p:spPr>
+          <a:xfrm>
+            <a:off x="6774934" y="6473313"/>
+            <a:ext cx="2052000" cy="365125"/>
+          </a:xfrm>
+        </p:spPr>
+        <p:txBody>
+          <a:bodyPr anchor="ctr">
+            <a:normAutofit/>
+          </a:bodyPr>
+          <a:lstStyle/>
+          <a:p>
+            <a:pPr>
+              <a:spcAft>
+                <a:spcPts val="600"/>
+              </a:spcAft>
+            </a:pPr>
+            <a:fld id="{CE58CB1E-F828-4F11-99E0-327109AF9DA4}" type="slidenum">
+              <a:rPr lang="de-DE" smtClean="0"/>
+              <a:pPr>
+                <a:spcAft>
+                  <a:spcPts val="600"/>
+                </a:spcAft>
+              </a:pPr>
+              <a:t>29</a:t>
+            </a:fld>
+            <a:endParaRPr lang="de-DE"/>
+          </a:p>
+        </p:txBody>
+      </p:sp>
+      <p:sp>
+        <p:nvSpPr>
+          <p:cNvPr id="7" name="Fußzeilenplatzhalter 4"/>
+          <p:cNvSpPr>
+            <a:spLocks noGrp="1"/>
+          </p:cNvSpPr>
+          <p:nvPr>
+            <p:ph type="ftr" sz="quarter" idx="12"/>
+          </p:nvPr>
+        </p:nvSpPr>
+        <p:spPr>
+          <a:xfrm>
+            <a:off x="311162" y="6473313"/>
+            <a:ext cx="7829538" cy="384687"/>
+          </a:xfrm>
+        </p:spPr>
+        <p:txBody>
+          <a:bodyPr anchor="ctr">
+            <a:normAutofit/>
+          </a:bodyPr>
+          <a:lstStyle/>
+          <a:p>
+            <a:pPr>
+              <a:spcAft>
+                <a:spcPts val="600"/>
+              </a:spcAft>
+            </a:pPr>
+            <a:r>
+              <a:rPr lang="de-DE" dirty="0"/>
+              <a:t>Jonas Fritsch | The Adaptive Radix Tree</a:t>
+            </a:r>
+            <a:endParaRPr lang="en-US" dirty="0"/>
+          </a:p>
+        </p:txBody>
+      </p:sp>
+      <p:sp>
+        <p:nvSpPr>
+          <p:cNvPr id="3" name="Titel 2"/>
+          <p:cNvSpPr>
+            <a:spLocks noGrp="1"/>
+          </p:cNvSpPr>
+          <p:nvPr>
+            <p:ph type="title"/>
+          </p:nvPr>
+        </p:nvSpPr>
+        <p:spPr>
+          <a:xfrm>
+            <a:off x="319090" y="994334"/>
+            <a:ext cx="8508999" cy="410369"/>
+          </a:xfrm>
+        </p:spPr>
+        <p:txBody>
+          <a:bodyPr wrap="square" anchor="t">
+            <a:normAutofit/>
+          </a:bodyPr>
+          <a:lstStyle/>
+          <a:p>
+            <a:r>
+              <a:rPr lang="de-DE" dirty="0"/>
+              <a:t>Other Benchmarks: Memory </a:t>
+            </a:r>
+            <a:r>
+              <a:rPr lang="de-DE" dirty="0" err="1"/>
+              <a:t>Usage</a:t>
+            </a:r>
+            <a:endParaRPr lang="de-DE" dirty="0"/>
+          </a:p>
+        </p:txBody>
+      </p:sp>
+      <p:sp>
+        <p:nvSpPr>
+          <p:cNvPr id="11" name="TextBox 10">
+            <a:extLst>
+              <a:ext uri="{FF2B5EF4-FFF2-40B4-BE49-F238E27FC236}">
+                <a16:creationId xmlns:a16="http://schemas.microsoft.com/office/drawing/2014/main" id="{500B67D3-476A-32EF-29E9-D60790BC8EE4}"/>
+              </a:ext>
+            </a:extLst>
+          </p:cNvPr>
+          <p:cNvSpPr txBox="1"/>
+          <p:nvPr/>
+        </p:nvSpPr>
+        <p:spPr>
+          <a:xfrm>
+            <a:off x="311162" y="6298789"/>
+            <a:ext cx="8635130" cy="193002"/>
+          </a:xfrm>
+          <a:prstGeom prst="rect">
+            <a:avLst/>
+          </a:prstGeom>
+          <a:noFill/>
+        </p:spPr>
+        <p:txBody>
+          <a:bodyPr wrap="square" lIns="0" tIns="0" rIns="0" bIns="0" rtlCol="0">
+            <a:spAutoFit/>
+          </a:bodyPr>
+          <a:lstStyle/>
+          <a:p>
+            <a:pPr>
+              <a:lnSpc>
+                <a:spcPct val="114000"/>
+              </a:lnSpc>
+            </a:pPr>
+            <a:r>
+              <a:rPr lang="en-US" sz="1200" b="1" dirty="0"/>
+              <a:t>Source: </a:t>
+            </a:r>
+            <a:r>
+              <a:rPr lang="en-US" sz="1100" dirty="0">
+                <a:hlinkClick r:id="rId3"/>
+              </a:rPr>
+              <a:t>Building a </a:t>
+            </a:r>
+            <a:r>
+              <a:rPr lang="en-US" sz="1100" dirty="0" err="1">
+                <a:hlinkClick r:id="rId3"/>
+              </a:rPr>
+              <a:t>Bw</a:t>
+            </a:r>
+            <a:r>
+              <a:rPr lang="en-US" sz="1100" dirty="0">
+                <a:hlinkClick r:id="rId3"/>
+              </a:rPr>
+              <a:t>-Tree Takes More Than Just Buzz Words. SIGMOD, 2018</a:t>
+            </a:r>
+            <a:endParaRPr lang="en-US" sz="1200" dirty="0"/>
+          </a:p>
+        </p:txBody>
+      </p:sp>
+      <p:pic>
+        <p:nvPicPr>
+          <p:cNvPr id="9" name="Content Placeholder 8" descr="Chart&#10;&#10;Description automatically generated">
+            <a:extLst>
+              <a:ext uri="{FF2B5EF4-FFF2-40B4-BE49-F238E27FC236}">
+                <a16:creationId xmlns:a16="http://schemas.microsoft.com/office/drawing/2014/main" id="{98124FDD-93AD-97B3-5039-42DB5EF5887A}"/>
+              </a:ext>
+            </a:extLst>
+          </p:cNvPr>
+          <p:cNvPicPr>
+            <a:picLocks noGrp="1" noChangeAspect="1"/>
+          </p:cNvPicPr>
+          <p:nvPr>
+            <p:ph idx="1"/>
+          </p:nvPr>
+        </p:nvPicPr>
+        <p:blipFill>
+          <a:blip r:embed="rId4"/>
+          <a:stretch>
+            <a:fillRect/>
+          </a:stretch>
+        </p:blipFill>
+        <p:spPr>
+          <a:xfrm>
+            <a:off x="2036128" y="1574557"/>
+            <a:ext cx="5074919" cy="4699000"/>
+          </a:xfrm>
+        </p:spPr>
+      </p:pic>
+    </p:spTree>
+    <p:extLst>
+      <p:ext uri="{BB962C8B-B14F-4D97-AF65-F5344CB8AC3E}">
+        <p14:creationId xmlns:p14="http://schemas.microsoft.com/office/powerpoint/2010/main" val="3635053377"/>
+      </p:ext>
+    </p:extLst>
+  </p:cSld>
+  <p:clrMapOvr>
+    <a:masterClrMapping/>
+  </p:clrMapOvr>
+</p:sld>
+</file>
+
+<file path=ppt/slides/slide3.xml><?xml version="1.0" encoding="utf-8"?>
+<p:sld xmlns:a="http://schemas.openxmlformats.org/drawingml/2006/main" xmlns:r="http://schemas.openxmlformats.org/officeDocument/2006/relationships" xmlns:p="http://schemas.openxmlformats.org/presentationml/2006/main">
+  <p:cSld>
+    <p:spTree>
+      <p:nvGrpSpPr>
+        <p:cNvPr id="1" name=""/>
+        <p:cNvGrpSpPr/>
+        <p:nvPr/>
+      </p:nvGrpSpPr>
+      <p:grpSpPr>
+        <a:xfrm>
+          <a:off x="0" y="0"/>
+          <a:ext cx="0" cy="0"/>
+          <a:chOff x="0" y="0"/>
+          <a:chExt cx="0" cy="0"/>
+        </a:xfrm>
+      </p:grpSpPr>
+      <p:sp>
+        <p:nvSpPr>
+          <p:cNvPr id="4" name="Foliennummernplatzhalter 3"/>
+          <p:cNvSpPr>
+            <a:spLocks noGrp="1"/>
+          </p:cNvSpPr>
+          <p:nvPr>
+            <p:ph type="sldNum" sz="quarter" idx="11"/>
+          </p:nvPr>
+        </p:nvSpPr>
+        <p:spPr>
+          <a:prstGeom prst="rect">
+            <a:avLst/>
+          </a:prstGeom>
+        </p:spPr>
+        <p:txBody>
+          <a:bodyPr/>
+          <a:lstStyle/>
+          <a:p>
+            <a:fld id="{CE58CB1E-F828-4F11-99E0-327109AF9DA4}" type="slidenum">
+              <a:rPr lang="de-DE" smtClean="0"/>
+              <a:pPr/>
+              <a:t>3</a:t>
+            </a:fld>
+            <a:endParaRPr lang="de-DE" dirty="0"/>
+          </a:p>
+        </p:txBody>
+      </p:sp>
+      <p:sp>
+        <p:nvSpPr>
+          <p:cNvPr id="6" name="Fußzeilenplatzhalter 4"/>
+          <p:cNvSpPr>
+            <a:spLocks noGrp="1"/>
+          </p:cNvSpPr>
+          <p:nvPr>
+            <p:ph type="ftr" sz="quarter" idx="12"/>
+          </p:nvPr>
+        </p:nvSpPr>
+        <p:spPr/>
+        <p:txBody>
+          <a:bodyPr/>
+          <a:lstStyle/>
+          <a:p>
+            <a:r>
+              <a:rPr lang="de-DE" dirty="0"/>
+              <a:t>Jonas Fritsch | The Adaptive Radix Tree</a:t>
+            </a:r>
+            <a:endParaRPr lang="en-US" dirty="0"/>
+          </a:p>
+        </p:txBody>
+      </p:sp>
+      <p:sp>
+        <p:nvSpPr>
+          <p:cNvPr id="3" name="Titel 2"/>
+          <p:cNvSpPr>
+            <a:spLocks noGrp="1"/>
+          </p:cNvSpPr>
+          <p:nvPr>
+            <p:ph type="title"/>
+          </p:nvPr>
+        </p:nvSpPr>
+        <p:spPr>
+          <a:prstGeom prst="rect">
+            <a:avLst/>
+          </a:prstGeom>
+        </p:spPr>
+        <p:txBody>
+          <a:bodyPr/>
+          <a:lstStyle/>
+          <a:p>
+            <a:r>
+              <a:rPr sz="3000" dirty="0"/>
+              <a:t>Disk-</a:t>
+            </a:r>
+            <a:r>
+              <a:rPr sz="3000" dirty="0" err="1"/>
+              <a:t>Based</a:t>
+            </a:r>
+            <a:r>
+              <a:rPr sz="3000" dirty="0"/>
+              <a:t> </a:t>
+            </a:r>
+            <a:r>
+              <a:rPr sz="3000" dirty="0" err="1"/>
+              <a:t>vs</a:t>
+            </a:r>
+            <a:r>
+              <a:rPr sz="3000" dirty="0"/>
+              <a:t> Main-Memory DBMS</a:t>
+            </a:r>
+            <a:endParaRPr lang="de-DE" sz="3000" dirty="0"/>
+          </a:p>
+        </p:txBody>
+      </p:sp>
+      <p:graphicFrame>
+        <p:nvGraphicFramePr>
+          <p:cNvPr id="11" name="Content Placeholder 10">
+            <a:extLst>
+              <a:ext uri="{FF2B5EF4-FFF2-40B4-BE49-F238E27FC236}">
+                <a16:creationId xmlns:a16="http://schemas.microsoft.com/office/drawing/2014/main" id="{67418F4B-4F94-0B5B-ABEB-335FB160F208}"/>
+              </a:ext>
+            </a:extLst>
+          </p:cNvPr>
+          <p:cNvGraphicFramePr>
+            <a:graphicFrameLocks noGrp="1"/>
+          </p:cNvGraphicFramePr>
+          <p:nvPr>
+            <p:ph idx="1"/>
+            <p:extLst>
+              <p:ext uri="{D42A27DB-BD31-4B8C-83A1-F6EECF244321}">
+                <p14:modId xmlns:p14="http://schemas.microsoft.com/office/powerpoint/2010/main" val="2908920313"/>
+              </p:ext>
+            </p:extLst>
+          </p:nvPr>
+        </p:nvGraphicFramePr>
+        <p:xfrm>
+          <a:off x="319088" y="1762125"/>
+          <a:ext cx="8509000" cy="4699000"/>
+        </p:xfrm>
+        <a:graphic>
+          <a:graphicData uri="http://schemas.openxmlformats.org/drawingml/2006/chart">
+            <c:chart xmlns:c="http://schemas.openxmlformats.org/drawingml/2006/chart" xmlns:r="http://schemas.openxmlformats.org/officeDocument/2006/relationships" r:id="rId3"/>
+          </a:graphicData>
+        </a:graphic>
+      </p:graphicFrame>
+      <p:sp>
+        <p:nvSpPr>
+          <p:cNvPr id="8" name="TextBox 7">
+            <a:extLst>
+              <a:ext uri="{FF2B5EF4-FFF2-40B4-BE49-F238E27FC236}">
+                <a16:creationId xmlns:a16="http://schemas.microsoft.com/office/drawing/2014/main" id="{EE08BE93-D048-4BE8-2116-925308649B84}"/>
+              </a:ext>
+            </a:extLst>
+          </p:cNvPr>
+          <p:cNvSpPr txBox="1"/>
+          <p:nvPr/>
+        </p:nvSpPr>
+        <p:spPr>
+          <a:xfrm>
+            <a:off x="311162" y="6298789"/>
+            <a:ext cx="8635130" cy="193002"/>
+          </a:xfrm>
+          <a:prstGeom prst="rect">
+            <a:avLst/>
+          </a:prstGeom>
+          <a:noFill/>
+        </p:spPr>
+        <p:txBody>
+          <a:bodyPr wrap="square" lIns="0" tIns="0" rIns="0" bIns="0" rtlCol="0">
+            <a:spAutoFit/>
+          </a:bodyPr>
+          <a:lstStyle/>
+          <a:p>
+            <a:pPr>
+              <a:lnSpc>
+                <a:spcPct val="114000"/>
+              </a:lnSpc>
+            </a:pPr>
+            <a:r>
+              <a:rPr lang="en-US" sz="1200" b="1" dirty="0"/>
+              <a:t>Source: </a:t>
+            </a:r>
+            <a:r>
+              <a:rPr lang="en-US" sz="1200" dirty="0">
+                <a:hlinkClick r:id="rId4"/>
+              </a:rPr>
+              <a:t>OLTP through the looking glass, and what we found there. SIGMOD, 2008</a:t>
+            </a:r>
+            <a:endParaRPr lang="en-US" sz="1200" dirty="0"/>
+          </a:p>
+        </p:txBody>
+      </p:sp>
+    </p:spTree>
+    <p:extLst>
+      <p:ext uri="{BB962C8B-B14F-4D97-AF65-F5344CB8AC3E}">
+        <p14:creationId xmlns:p14="http://schemas.microsoft.com/office/powerpoint/2010/main" val="2049547931"/>
+      </p:ext>
+    </p:extLst>
+  </p:cSld>
+  <p:clrMapOvr>
+    <a:masterClrMapping/>
+  </p:clrMapOvr>
+</p:sld>
+</file>
+
+<file path=ppt/slides/slide30.xml><?xml version="1.0" encoding="utf-8"?>
+<p:sld xmlns:a="http://schemas.openxmlformats.org/drawingml/2006/main" xmlns:r="http://schemas.openxmlformats.org/officeDocument/2006/relationships" xmlns:p="http://schemas.openxmlformats.org/presentationml/2006/main">
+  <p:cSld>
+    <p:spTree>
+      <p:nvGrpSpPr>
+        <p:cNvPr id="1" name=""/>
+        <p:cNvGrpSpPr/>
+        <p:nvPr/>
+      </p:nvGrpSpPr>
+      <p:grpSpPr>
+        <a:xfrm>
+          <a:off x="0" y="0"/>
+          <a:ext cx="0" cy="0"/>
+          <a:chOff x="0" y="0"/>
+          <a:chExt cx="0" cy="0"/>
+        </a:xfrm>
+      </p:grpSpPr>
+      <p:sp>
+        <p:nvSpPr>
+          <p:cNvPr id="4" name="Foliennummernplatzhalter 3"/>
+          <p:cNvSpPr>
+            <a:spLocks noGrp="1"/>
+          </p:cNvSpPr>
+          <p:nvPr>
+            <p:ph type="sldNum" sz="quarter" idx="11"/>
+          </p:nvPr>
+        </p:nvSpPr>
+        <p:spPr>
+          <a:xfrm>
+            <a:off x="6774934" y="6473313"/>
+            <a:ext cx="2052000" cy="365125"/>
+          </a:xfrm>
+        </p:spPr>
+        <p:txBody>
+          <a:bodyPr anchor="ctr">
+            <a:normAutofit/>
+          </a:bodyPr>
+          <a:lstStyle/>
+          <a:p>
+            <a:pPr>
+              <a:spcAft>
+                <a:spcPts val="600"/>
+              </a:spcAft>
+            </a:pPr>
+            <a:fld id="{CE58CB1E-F828-4F11-99E0-327109AF9DA4}" type="slidenum">
+              <a:rPr lang="de-DE" smtClean="0"/>
+              <a:pPr>
+                <a:spcAft>
+                  <a:spcPts val="600"/>
+                </a:spcAft>
+              </a:pPr>
+              <a:t>30</a:t>
+            </a:fld>
+            <a:endParaRPr lang="de-DE"/>
+          </a:p>
+        </p:txBody>
+      </p:sp>
+      <p:sp>
+        <p:nvSpPr>
+          <p:cNvPr id="7" name="Fußzeilenplatzhalter 4"/>
+          <p:cNvSpPr>
+            <a:spLocks noGrp="1"/>
+          </p:cNvSpPr>
+          <p:nvPr>
+            <p:ph type="ftr" sz="quarter" idx="12"/>
+          </p:nvPr>
+        </p:nvSpPr>
+        <p:spPr>
+          <a:xfrm>
+            <a:off x="311162" y="6473313"/>
+            <a:ext cx="7829538" cy="384687"/>
+          </a:xfrm>
+        </p:spPr>
+        <p:txBody>
+          <a:bodyPr anchor="ctr">
+            <a:normAutofit/>
+          </a:bodyPr>
+          <a:lstStyle/>
+          <a:p>
+            <a:pPr>
+              <a:spcAft>
+                <a:spcPts val="600"/>
+              </a:spcAft>
+            </a:pPr>
+            <a:r>
+              <a:rPr lang="de-DE" dirty="0"/>
+              <a:t>Jonas Fritsch | The Adaptive Radix Tree</a:t>
+            </a:r>
+            <a:endParaRPr lang="en-US" dirty="0"/>
+          </a:p>
+        </p:txBody>
+      </p:sp>
+      <p:sp>
+        <p:nvSpPr>
+          <p:cNvPr id="3" name="Titel 2"/>
+          <p:cNvSpPr>
+            <a:spLocks noGrp="1"/>
+          </p:cNvSpPr>
+          <p:nvPr>
+            <p:ph type="title"/>
+          </p:nvPr>
+        </p:nvSpPr>
+        <p:spPr>
+          <a:xfrm>
+            <a:off x="319090" y="994334"/>
+            <a:ext cx="8508999" cy="410369"/>
+          </a:xfrm>
+        </p:spPr>
+        <p:txBody>
+          <a:bodyPr wrap="square" anchor="t">
+            <a:normAutofit/>
+          </a:bodyPr>
+          <a:lstStyle/>
+          <a:p>
+            <a:r>
+              <a:rPr lang="de-DE" dirty="0"/>
+              <a:t>Other Benchmarks: Performance</a:t>
+            </a:r>
+          </a:p>
+        </p:txBody>
+      </p:sp>
+      <p:sp>
+        <p:nvSpPr>
+          <p:cNvPr id="11" name="TextBox 10">
+            <a:extLst>
+              <a:ext uri="{FF2B5EF4-FFF2-40B4-BE49-F238E27FC236}">
+                <a16:creationId xmlns:a16="http://schemas.microsoft.com/office/drawing/2014/main" id="{500B67D3-476A-32EF-29E9-D60790BC8EE4}"/>
+              </a:ext>
+            </a:extLst>
+          </p:cNvPr>
+          <p:cNvSpPr txBox="1"/>
+          <p:nvPr/>
+        </p:nvSpPr>
+        <p:spPr>
+          <a:xfrm>
+            <a:off x="311162" y="6298789"/>
+            <a:ext cx="8635130" cy="193002"/>
+          </a:xfrm>
+          <a:prstGeom prst="rect">
+            <a:avLst/>
+          </a:prstGeom>
+          <a:noFill/>
+        </p:spPr>
+        <p:txBody>
+          <a:bodyPr wrap="square" lIns="0" tIns="0" rIns="0" bIns="0" rtlCol="0">
+            <a:spAutoFit/>
+          </a:bodyPr>
+          <a:lstStyle/>
+          <a:p>
+            <a:pPr>
+              <a:lnSpc>
+                <a:spcPct val="114000"/>
+              </a:lnSpc>
+            </a:pPr>
+            <a:r>
+              <a:rPr lang="en-US" sz="1200" b="1" dirty="0"/>
+              <a:t>Source: </a:t>
+            </a:r>
+            <a:r>
+              <a:rPr lang="en-US" sz="1100" dirty="0">
+                <a:hlinkClick r:id="rId3"/>
+              </a:rPr>
+              <a:t>Building a </a:t>
+            </a:r>
+            <a:r>
+              <a:rPr lang="en-US" sz="1100" dirty="0" err="1">
+                <a:hlinkClick r:id="rId3"/>
+              </a:rPr>
+              <a:t>Bw</a:t>
+            </a:r>
+            <a:r>
+              <a:rPr lang="en-US" sz="1100" dirty="0">
+                <a:hlinkClick r:id="rId3"/>
+              </a:rPr>
+              <a:t>-Tree Takes More Than Just Buzz Words. SIGMOD, 2018</a:t>
+            </a:r>
+            <a:endParaRPr lang="en-US" sz="1200" dirty="0"/>
+          </a:p>
+        </p:txBody>
+      </p:sp>
+      <p:pic>
+        <p:nvPicPr>
+          <p:cNvPr id="8" name="Content Placeholder 7" descr="Graphical user interface, application&#10;&#10;Description automatically generated">
+            <a:extLst>
+              <a:ext uri="{FF2B5EF4-FFF2-40B4-BE49-F238E27FC236}">
+                <a16:creationId xmlns:a16="http://schemas.microsoft.com/office/drawing/2014/main" id="{7B477EDE-57FD-9318-6C95-982371DB3FE0}"/>
+              </a:ext>
+            </a:extLst>
+          </p:cNvPr>
+          <p:cNvPicPr>
+            <a:picLocks noGrp="1" noChangeAspect="1"/>
+          </p:cNvPicPr>
+          <p:nvPr>
+            <p:ph idx="1"/>
+          </p:nvPr>
+        </p:nvPicPr>
+        <p:blipFill>
+          <a:blip r:embed="rId4"/>
+          <a:stretch>
+            <a:fillRect/>
+          </a:stretch>
+        </p:blipFill>
+        <p:spPr>
+          <a:xfrm>
+            <a:off x="437104" y="1574557"/>
+            <a:ext cx="8272968" cy="4699000"/>
+          </a:xfrm>
+        </p:spPr>
+      </p:pic>
+    </p:spTree>
+    <p:extLst>
+      <p:ext uri="{BB962C8B-B14F-4D97-AF65-F5344CB8AC3E}">
+        <p14:creationId xmlns:p14="http://schemas.microsoft.com/office/powerpoint/2010/main" val="301337803"/>
+      </p:ext>
+    </p:extLst>
+  </p:cSld>
+  <p:clrMapOvr>
+    <a:masterClrMapping/>
+  </p:clrMapOvr>
+</p:sld>
+</file>
+
+<file path=ppt/slides/slide31.xml><?xml version="1.0" encoding="utf-8"?>
 <p:sld xmlns:a="http://schemas.openxmlformats.org/drawingml/2006/main" xmlns:r="http://schemas.openxmlformats.org/officeDocument/2006/relationships" xmlns:p="http://schemas.openxmlformats.org/presentationml/2006/main">
   <p:cSld>
     <p:spTree>
@@ -28104,13 +30145,13 @@
             <p:ph idx="1"/>
             <p:extLst>
               <p:ext uri="{D42A27DB-BD31-4B8C-83A1-F6EECF244321}">
-                <p14:modId xmlns:p14="http://schemas.microsoft.com/office/powerpoint/2010/main" val="3574245921"/>
+                <p14:modId xmlns:p14="http://schemas.microsoft.com/office/powerpoint/2010/main" val="1626084439"/>
               </p:ext>
             </p:extLst>
           </p:nvPr>
         </p:nvGraphicFramePr>
         <p:xfrm>
-          <a:off x="319088" y="2498725"/>
+          <a:off x="319088" y="3506908"/>
           <a:ext cx="8509505" cy="2622120"/>
         </p:xfrm>
         <a:graphic>
@@ -29123,7 +31164,7 @@
             <a:fld id="{CE58CB1E-F828-4F11-99E0-327109AF9DA4}" type="slidenum">
               <a:rPr lang="de-DE" smtClean="0"/>
               <a:pPr/>
-              <a:t>28</a:t>
+              <a:t>31</a:t>
             </a:fld>
             <a:endParaRPr lang="de-DE" dirty="0"/>
           </a:p>
@@ -29167,39 +31208,255 @@
             <p:ph type="body" sz="quarter" idx="13"/>
           </p:nvPr>
         </p:nvSpPr>
-        <p:spPr/>
+        <p:spPr>
+          <a:xfrm>
+            <a:off x="319089" y="1762187"/>
+            <a:ext cx="8508999" cy="1752125"/>
+          </a:xfrm>
+        </p:spPr>
         <p:txBody>
           <a:bodyPr/>
           <a:lstStyle/>
           <a:p>
             <a:r>
-              <a:rPr lang="de-DE" sz="1800" dirty="0"/>
-              <a:t>Advantages &amp; </a:t>
-            </a:r>
-            <a:r>
-              <a:rPr lang="de-DE" sz="1800" dirty="0" err="1"/>
-              <a:t>Disadvantages</a:t>
-            </a:r>
-            <a:r>
-              <a:rPr lang="de-DE" sz="1800" dirty="0"/>
+              <a:rPr lang="de-DE" dirty="0"/>
+              <a:t>ART </a:t>
+            </a:r>
+            <a:r>
+              <a:rPr lang="de-DE" dirty="0" err="1"/>
+              <a:t>as</a:t>
+            </a:r>
+            <a:r>
+              <a:rPr lang="de-DE" dirty="0"/>
+              <a:t> (</a:t>
+            </a:r>
+            <a:r>
+              <a:rPr lang="de-DE" dirty="0" err="1"/>
+              <a:t>synchronized</a:t>
+            </a:r>
+            <a:r>
+              <a:rPr lang="de-DE" dirty="0"/>
+              <a:t>) </a:t>
+            </a:r>
+            <a:r>
+              <a:rPr lang="de-DE" dirty="0" err="1"/>
+              <a:t>order</a:t>
+            </a:r>
+            <a:r>
+              <a:rPr lang="de-DE" dirty="0"/>
               <a:t> </a:t>
             </a:r>
             <a:r>
-              <a:rPr lang="de-DE" sz="1800" dirty="0" err="1"/>
-              <a:t>of</a:t>
-            </a:r>
-            <a:r>
-              <a:rPr lang="de-DE" sz="1800" dirty="0"/>
-              <a:t> different index-</a:t>
-            </a:r>
-            <a:r>
-              <a:rPr lang="de-DE" sz="1800" dirty="0" err="1"/>
+              <a:rPr lang="de-DE" dirty="0" err="1"/>
+              <a:t>preserving</a:t>
+            </a:r>
+            <a:r>
+              <a:rPr lang="de-DE" dirty="0"/>
+              <a:t> </a:t>
+            </a:r>
+            <a:r>
+              <a:rPr lang="de-DE" dirty="0" err="1"/>
+              <a:t>index</a:t>
+            </a:r>
+            <a:r>
+              <a:rPr lang="de-DE" dirty="0"/>
+              <a:t> </a:t>
+            </a:r>
+            <a:r>
+              <a:rPr lang="de-DE" dirty="0" err="1"/>
+              <a:t>structure</a:t>
+            </a:r>
+            <a:r>
+              <a:rPr lang="de-DE" dirty="0"/>
+              <a:t> </a:t>
+            </a:r>
+            <a:r>
+              <a:rPr lang="de-DE" dirty="0" err="1"/>
+              <a:t>is</a:t>
+            </a:r>
+            <a:endParaRPr lang="de-DE" dirty="0"/>
+          </a:p>
+          <a:p>
+            <a:pPr marL="285750" indent="-285750">
+              <a:buFont typeface="Arial" panose="020B0604020202020204" pitchFamily="34" charset="0"/>
+              <a:buChar char="•"/>
+            </a:pPr>
+            <a:r>
+              <a:rPr lang="de-DE" dirty="0" err="1"/>
+              <a:t>space</a:t>
+            </a:r>
+            <a:r>
+              <a:rPr lang="de-DE" dirty="0"/>
+              <a:t> </a:t>
+            </a:r>
+            <a:r>
+              <a:rPr lang="de-DE" dirty="0" err="1"/>
+              <a:t>efficient</a:t>
+            </a:r>
+            <a:endParaRPr lang="de-DE" dirty="0"/>
+          </a:p>
+          <a:p>
+            <a:pPr marL="285750" indent="-285750">
+              <a:buFont typeface="Arial" panose="020B0604020202020204" pitchFamily="34" charset="0"/>
+              <a:buChar char="•"/>
+            </a:pPr>
+            <a:r>
+              <a:rPr lang="de-DE" dirty="0" err="1"/>
+              <a:t>outperforms</a:t>
+            </a:r>
+            <a:r>
+              <a:rPr lang="de-DE" dirty="0"/>
+              <a:t> </a:t>
+            </a:r>
+            <a:r>
+              <a:rPr lang="de-DE" dirty="0" err="1"/>
+              <a:t>other</a:t>
+            </a:r>
+            <a:r>
+              <a:rPr lang="de-DE" dirty="0"/>
+              <a:t> </a:t>
+            </a:r>
+            <a:r>
+              <a:rPr lang="de-DE" dirty="0" err="1"/>
+              <a:t>op</a:t>
+            </a:r>
+            <a:r>
+              <a:rPr lang="de-DE" dirty="0"/>
+              <a:t>-index </a:t>
+            </a:r>
+            <a:r>
+              <a:rPr lang="de-DE" dirty="0" err="1"/>
               <a:t>structures</a:t>
             </a:r>
             <a:r>
-              <a:rPr lang="de-DE" sz="1800" dirty="0"/>
-              <a:t>:</a:t>
-            </a:r>
+              <a:rPr lang="de-DE" dirty="0"/>
+              <a:t> in </a:t>
+            </a:r>
+            <a:r>
+              <a:rPr lang="de-DE" dirty="0" err="1"/>
+              <a:t>insert</a:t>
+            </a:r>
+            <a:r>
+              <a:rPr lang="de-DE" dirty="0"/>
+              <a:t>, </a:t>
+            </a:r>
+            <a:r>
+              <a:rPr lang="de-DE" dirty="0" err="1"/>
+              <a:t>search</a:t>
+            </a:r>
+            <a:r>
+              <a:rPr lang="de-DE" dirty="0"/>
+              <a:t> and update </a:t>
+            </a:r>
+            <a:r>
+              <a:rPr lang="de-DE" dirty="0" err="1"/>
+              <a:t>performance</a:t>
+            </a:r>
+            <a:endParaRPr lang="de-DE" dirty="0"/>
+          </a:p>
+          <a:p>
+            <a:pPr marL="285750" indent="-285750">
+              <a:buFont typeface="Arial" panose="020B0604020202020204" pitchFamily="34" charset="0"/>
+              <a:buChar char="•"/>
+            </a:pPr>
+            <a:r>
+              <a:rPr lang="de-DE" dirty="0" err="1"/>
+              <a:t>usable</a:t>
+            </a:r>
+            <a:r>
+              <a:rPr lang="de-DE" dirty="0"/>
+              <a:t> </a:t>
+            </a:r>
+            <a:r>
+              <a:rPr lang="de-DE" dirty="0" err="1"/>
+              <a:t>for</a:t>
+            </a:r>
+            <a:r>
+              <a:rPr lang="de-DE" dirty="0"/>
+              <a:t> </a:t>
+            </a:r>
+            <a:r>
+              <a:rPr lang="de-DE" dirty="0" err="1"/>
+              <a:t>typical</a:t>
+            </a:r>
+            <a:r>
+              <a:rPr lang="de-DE" dirty="0"/>
+              <a:t> </a:t>
+            </a:r>
+            <a:r>
+              <a:rPr lang="de-DE" dirty="0" err="1"/>
+              <a:t>data</a:t>
+            </a:r>
+            <a:r>
+              <a:rPr lang="de-DE" dirty="0"/>
+              <a:t> </a:t>
+            </a:r>
+            <a:r>
+              <a:rPr lang="de-DE" dirty="0" err="1"/>
+              <a:t>types</a:t>
+            </a:r>
+            <a:endParaRPr lang="de-DE" dirty="0"/>
+          </a:p>
+          <a:p>
+            <a:pPr marL="285750" indent="-285750">
+              <a:buFont typeface="Arial" panose="020B0604020202020204" pitchFamily="34" charset="0"/>
+              <a:buChar char="•"/>
+            </a:pPr>
+            <a:r>
+              <a:rPr lang="de-DE" dirty="0" err="1"/>
+              <a:t>used</a:t>
+            </a:r>
+            <a:r>
+              <a:rPr lang="de-DE" dirty="0"/>
+              <a:t> </a:t>
+            </a:r>
+            <a:r>
+              <a:rPr lang="de-DE" dirty="0" err="1"/>
+              <a:t>as</a:t>
+            </a:r>
+            <a:r>
+              <a:rPr lang="de-DE" dirty="0"/>
+              <a:t> </a:t>
+            </a:r>
+            <a:r>
+              <a:rPr lang="de-DE" dirty="0" err="1"/>
+              <a:t>default</a:t>
+            </a:r>
+            <a:r>
+              <a:rPr lang="de-DE" dirty="0"/>
+              <a:t> </a:t>
+            </a:r>
+            <a:r>
+              <a:rPr lang="de-DE" dirty="0" err="1"/>
+              <a:t>index</a:t>
+            </a:r>
+            <a:r>
+              <a:rPr lang="de-DE" dirty="0"/>
+              <a:t> in (at least) </a:t>
+            </a:r>
+            <a:r>
+              <a:rPr lang="de-DE" dirty="0" err="1"/>
+              <a:t>HyPer</a:t>
+            </a:r>
+            <a:r>
+              <a:rPr lang="de-DE" dirty="0"/>
+              <a:t> and </a:t>
+            </a:r>
+            <a:r>
+              <a:rPr lang="de-DE" dirty="0" err="1"/>
+              <a:t>DuckDB</a:t>
+            </a:r>
+            <a:endParaRPr lang="de-DE" dirty="0"/>
+          </a:p>
+          <a:p>
+            <a:endParaRPr lang="de-DE" dirty="0"/>
+          </a:p>
+          <a:p>
+            <a:pPr marL="285750" indent="-285750">
+              <a:buFont typeface="Arial" panose="020B0604020202020204" pitchFamily="34" charset="0"/>
+              <a:buChar char="•"/>
+            </a:pPr>
+            <a:endParaRPr lang="de-DE" dirty="0"/>
           </a:p>
         </p:txBody>
       </p:sp>
@@ -29243,7 +31500,7 @@
 </p:sld>
 </file>
 
-<file path=ppt/slides/slide29.xml><?xml version="1.0" encoding="utf-8"?>
+<file path=ppt/slides/slide32.xml><?xml version="1.0" encoding="utf-8"?>
 <p:sld xmlns:a="http://schemas.openxmlformats.org/drawingml/2006/main" xmlns:r="http://schemas.openxmlformats.org/officeDocument/2006/relationships" xmlns:p="http://schemas.openxmlformats.org/presentationml/2006/main">
   <p:cSld>
     <p:spTree>
@@ -29278,7 +31535,7 @@
             <a:fld id="{CE58CB1E-F828-4F11-99E0-327109AF9DA4}" type="slidenum">
               <a:rPr lang="de-DE" smtClean="0"/>
               <a:pPr/>
-              <a:t>29</a:t>
+              <a:t>32</a:t>
             </a:fld>
             <a:endParaRPr lang="de-DE" dirty="0"/>
           </a:p>
@@ -29367,11 +31624,11 @@
           <a:p>
             <a:r>
               <a:rPr b="1" dirty="0"/>
-              <a:t>ART </a:t>
+              <a:t>Further </a:t>
             </a:r>
             <a:r>
               <a:rPr b="1" dirty="0" err="1"/>
-              <a:t>used</a:t>
+              <a:t>research</a:t>
             </a:r>
             <a:r>
               <a:rPr b="1" dirty="0"/>
@@ -29379,37 +31636,7 @@
             </a:r>
             <a:r>
               <a:rPr b="1" dirty="0" err="1"/>
-              <a:t>as</a:t>
-            </a:r>
-            <a:r>
-              <a:rPr b="1" dirty="0"/>
-              <a:t> index-</a:t>
-            </a:r>
-            <a:r>
-              <a:rPr b="1" dirty="0" err="1"/>
-              <a:t>structure</a:t>
-            </a:r>
-            <a:r>
-              <a:rPr b="1" dirty="0"/>
-              <a:t> in (at least) </a:t>
-            </a:r>
-            <a:r>
-              <a:rPr b="1" dirty="0" err="1"/>
-              <a:t>HyPer</a:t>
-            </a:r>
-            <a:endParaRPr b="1" dirty="0"/>
-          </a:p>
-          <a:p>
-            <a:endParaRPr lang="de-DE" b="1" dirty="0"/>
-          </a:p>
-          <a:p>
-            <a:r>
-              <a:rPr b="1" dirty="0"/>
-              <a:t>Further </a:t>
-            </a:r>
-            <a:r>
-              <a:rPr b="1" dirty="0" err="1"/>
-              <a:t>research</a:t>
+              <a:t>being</a:t>
             </a:r>
             <a:r>
               <a:rPr b="1" dirty="0"/>
@@ -29417,14 +31644,6 @@
             </a:r>
             <a:r>
               <a:rPr b="1" dirty="0" err="1"/>
-              <a:t>being</a:t>
-            </a:r>
-            <a:r>
-              <a:rPr b="1" dirty="0"/>
-              <a:t> </a:t>
-            </a:r>
-            <a:r>
-              <a:rPr b="1" dirty="0" err="1"/>
               <a:t>done</a:t>
             </a:r>
             <a:r>
@@ -29433,91 +31652,144 @@
             </a:r>
           </a:p>
           <a:p>
-            <a:pPr marL="285750" indent="-285750">
+            <a:r>
+              <a:rPr lang="de-DE" dirty="0">
+                <a:hlinkClick r:id="rId3"/>
+              </a:rPr>
+              <a:t>The ART </a:t>
+            </a:r>
+            <a:r>
+              <a:rPr lang="de-DE" dirty="0" err="1">
+                <a:hlinkClick r:id="rId3"/>
+              </a:rPr>
+              <a:t>of</a:t>
+            </a:r>
+            <a:r>
+              <a:rPr lang="de-DE" dirty="0">
+                <a:hlinkClick r:id="rId3"/>
+              </a:rPr>
+              <a:t> </a:t>
+            </a:r>
+            <a:r>
+              <a:rPr lang="de-DE" dirty="0" err="1">
+                <a:hlinkClick r:id="rId3"/>
+              </a:rPr>
+              <a:t>practical</a:t>
+            </a:r>
+            <a:r>
+              <a:rPr lang="de-DE" dirty="0">
+                <a:hlinkClick r:id="rId3"/>
+              </a:rPr>
+              <a:t> </a:t>
+            </a:r>
+            <a:r>
+              <a:rPr lang="de-DE" dirty="0" err="1">
+                <a:hlinkClick r:id="rId3"/>
+              </a:rPr>
+              <a:t>synchronization</a:t>
+            </a:r>
+            <a:r>
+              <a:rPr lang="de-DE" dirty="0"/>
+              <a:t> (</a:t>
+            </a:r>
+            <a:r>
+              <a:rPr lang="de-DE" dirty="0" err="1"/>
+              <a:t>DaMoN</a:t>
+            </a:r>
+            <a:r>
+              <a:rPr lang="de-DE" dirty="0"/>
+              <a:t>, 2016)</a:t>
+            </a:r>
+          </a:p>
+          <a:p>
+            <a:pPr marL="461963" lvl="1" indent="-285750">
               <a:buFont typeface="Arial" panose="020B0604020202020204" pitchFamily="34" charset="0"/>
               <a:buChar char="•"/>
             </a:pPr>
             <a:r>
-              <a:rPr lang="de-DE" dirty="0">
-                <a:hlinkClick r:id="rId2"/>
-              </a:rPr>
-              <a:t>The ART </a:t>
-            </a:r>
-            <a:r>
-              <a:rPr lang="de-DE" dirty="0" err="1">
-                <a:hlinkClick r:id="rId2"/>
-              </a:rPr>
+              <a:rPr lang="de-DE" dirty="0" err="1"/>
+              <a:t>sychronize</a:t>
+            </a:r>
+            <a:r>
+              <a:rPr lang="de-DE" dirty="0"/>
+              <a:t> ART </a:t>
+            </a:r>
+            <a:r>
+              <a:rPr lang="de-DE" dirty="0" err="1"/>
+              <a:t>for</a:t>
+            </a:r>
+            <a:r>
+              <a:rPr lang="de-DE" dirty="0"/>
+              <a:t> </a:t>
+            </a:r>
+            <a:r>
+              <a:rPr lang="de-DE" dirty="0" err="1"/>
+              <a:t>multithreading</a:t>
+            </a:r>
+            <a:r>
+              <a:rPr lang="de-DE" dirty="0"/>
+              <a:t> </a:t>
+            </a:r>
+            <a:r>
+              <a:rPr lang="de-DE" dirty="0" err="1"/>
+              <a:t>using</a:t>
+            </a:r>
+            <a:r>
+              <a:rPr lang="de-DE" dirty="0"/>
+              <a:t> </a:t>
+            </a:r>
+            <a:r>
+              <a:rPr lang="de-DE" dirty="0" err="1"/>
+              <a:t>combination</a:t>
+            </a:r>
+            <a:r>
+              <a:rPr lang="de-DE" dirty="0"/>
+              <a:t> </a:t>
+            </a:r>
+            <a:r>
+              <a:rPr lang="de-DE" dirty="0" err="1"/>
               <a:t>of</a:t>
             </a:r>
             <a:r>
-              <a:rPr lang="de-DE" dirty="0">
-                <a:hlinkClick r:id="rId2"/>
-              </a:rPr>
-              <a:t> </a:t>
-            </a:r>
-            <a:r>
-              <a:rPr lang="de-DE" dirty="0" err="1">
-                <a:hlinkClick r:id="rId2"/>
-              </a:rPr>
-              <a:t>practical</a:t>
-            </a:r>
-            <a:r>
-              <a:rPr lang="de-DE" dirty="0">
-                <a:hlinkClick r:id="rId2"/>
-              </a:rPr>
-              <a:t> </a:t>
-            </a:r>
-            <a:r>
-              <a:rPr lang="de-DE" dirty="0" err="1">
-                <a:hlinkClick r:id="rId2"/>
-              </a:rPr>
-              <a:t>synchronization</a:t>
-            </a:r>
-            <a:r>
-              <a:rPr lang="de-DE" dirty="0"/>
-              <a:t> (</a:t>
-            </a:r>
-            <a:r>
-              <a:rPr lang="de-DE" dirty="0" err="1"/>
-              <a:t>DaMoN</a:t>
-            </a:r>
-            <a:r>
-              <a:rPr lang="de-DE" dirty="0"/>
-              <a:t>, 2016)</a:t>
-            </a:r>
-          </a:p>
-          <a:p>
-            <a:pPr marL="285750" indent="-285750">
+              <a:rPr lang="de-DE" dirty="0"/>
+              <a:t> OLP and ROWEX</a:t>
+            </a:r>
+          </a:p>
+          <a:p>
+            <a:pPr marL="461963" lvl="1" indent="-285750">
               <a:buFont typeface="Arial" panose="020B0604020202020204" pitchFamily="34" charset="0"/>
               <a:buChar char="•"/>
             </a:pPr>
+            <a:endParaRPr lang="de-DE" dirty="0"/>
+          </a:p>
+          <a:p>
             <a:r>
               <a:rPr lang="de-DE" dirty="0">
-                <a:hlinkClick r:id="rId3"/>
+                <a:hlinkClick r:id="rId4"/>
               </a:rPr>
               <a:t>HOT: A Height </a:t>
             </a:r>
             <a:r>
               <a:rPr lang="de-DE" dirty="0" err="1">
-                <a:hlinkClick r:id="rId3"/>
+                <a:hlinkClick r:id="rId4"/>
               </a:rPr>
               <a:t>Optimized</a:t>
             </a:r>
             <a:r>
               <a:rPr lang="de-DE" dirty="0">
-                <a:hlinkClick r:id="rId3"/>
+                <a:hlinkClick r:id="rId4"/>
               </a:rPr>
               <a:t> Trie Index </a:t>
             </a:r>
             <a:r>
               <a:rPr lang="de-DE" dirty="0" err="1">
-                <a:hlinkClick r:id="rId3"/>
+                <a:hlinkClick r:id="rId4"/>
               </a:rPr>
               <a:t>for</a:t>
             </a:r>
             <a:r>
               <a:rPr lang="de-DE" dirty="0">
-                <a:hlinkClick r:id="rId3"/>
+                <a:hlinkClick r:id="rId4"/>
               </a:rPr>
               <a:t> Main-Memory Database Systems</a:t>
             </a:r>
@@ -29527,27 +31799,369 @@
             </a:r>
           </a:p>
           <a:p>
-            <a:pPr marL="285750" indent="-285750">
+            <a:pPr marL="461963" lvl="1" indent="-285750">
               <a:buFont typeface="Arial" panose="020B0604020202020204" pitchFamily="34" charset="0"/>
               <a:buChar char="•"/>
             </a:pPr>
             <a:r>
-              <a:rPr lang="de-DE" dirty="0">
-                <a:hlinkClick r:id="rId4"/>
-              </a:rPr>
-              <a:t>START – Self-Tuning Adaptive Radix Tree</a:t>
-            </a:r>
-            <a:r>
-              <a:rPr lang="de-DE" dirty="0"/>
-              <a:t> (IEEE, 2020)</a:t>
-            </a:r>
-          </a:p>
-          <a:p>
-            <a:pPr marL="285750" indent="-285750">
+              <a:rPr lang="de-DE" dirty="0"/>
+              <a:t>ART </a:t>
+            </a:r>
+            <a:r>
+              <a:rPr lang="de-DE" dirty="0" err="1"/>
+              <a:t>performs</a:t>
+            </a:r>
+            <a:r>
+              <a:rPr lang="de-DE" dirty="0"/>
+              <a:t> </a:t>
+            </a:r>
+            <a:r>
+              <a:rPr lang="de-DE" dirty="0" err="1"/>
+              <a:t>worse</a:t>
+            </a:r>
+            <a:r>
+              <a:rPr lang="de-DE" dirty="0"/>
+              <a:t> on </a:t>
+            </a:r>
+            <a:r>
+              <a:rPr lang="de-DE" dirty="0" err="1"/>
+              <a:t>string</a:t>
+            </a:r>
+            <a:r>
+              <a:rPr lang="de-DE" dirty="0"/>
+              <a:t> (</a:t>
+            </a:r>
+            <a:r>
+              <a:rPr lang="de-DE" dirty="0" err="1"/>
+              <a:t>more</a:t>
+            </a:r>
+            <a:r>
+              <a:rPr lang="de-DE" dirty="0"/>
+              <a:t> </a:t>
+            </a:r>
+            <a:r>
+              <a:rPr lang="de-DE" dirty="0" err="1"/>
+              <a:t>random</a:t>
+            </a:r>
+            <a:r>
+              <a:rPr lang="de-DE" dirty="0"/>
+              <a:t> </a:t>
+            </a:r>
+            <a:r>
+              <a:rPr lang="de-DE" dirty="0" err="1"/>
+              <a:t>binary</a:t>
+            </a:r>
+            <a:r>
+              <a:rPr lang="de-DE" dirty="0"/>
+              <a:t> </a:t>
+            </a:r>
+            <a:r>
+              <a:rPr lang="de-DE" dirty="0" err="1"/>
+              <a:t>distribution</a:t>
+            </a:r>
+            <a:r>
+              <a:rPr lang="de-DE" dirty="0"/>
+              <a:t>) due </a:t>
+            </a:r>
+            <a:r>
+              <a:rPr lang="de-DE" dirty="0" err="1"/>
+              <a:t>to</a:t>
+            </a:r>
+            <a:r>
+              <a:rPr lang="de-DE" dirty="0"/>
+              <a:t> </a:t>
+            </a:r>
+            <a:r>
+              <a:rPr lang="de-DE" dirty="0" err="1"/>
+              <a:t>low</a:t>
+            </a:r>
+            <a:r>
+              <a:rPr lang="de-DE" dirty="0"/>
+              <a:t> </a:t>
+            </a:r>
+            <a:r>
+              <a:rPr lang="de-DE" dirty="0" err="1"/>
+              <a:t>fanout</a:t>
+            </a:r>
+            <a:r>
+              <a:rPr lang="de-DE" dirty="0"/>
+              <a:t> in </a:t>
+            </a:r>
+            <a:r>
+              <a:rPr lang="de-DE" dirty="0" err="1"/>
+              <a:t>lower</a:t>
+            </a:r>
+            <a:r>
+              <a:rPr lang="de-DE" dirty="0"/>
+              <a:t> </a:t>
+            </a:r>
+            <a:r>
+              <a:rPr lang="de-DE" dirty="0" err="1"/>
+              <a:t>tree</a:t>
+            </a:r>
+            <a:r>
+              <a:rPr lang="de-DE" dirty="0"/>
+              <a:t> </a:t>
+            </a:r>
+            <a:r>
+              <a:rPr lang="de-DE" dirty="0" err="1"/>
+              <a:t>levels</a:t>
+            </a:r>
+            <a:endParaRPr lang="de-DE" dirty="0"/>
+          </a:p>
+          <a:p>
+            <a:pPr marL="461963" lvl="1" indent="-285750">
               <a:buFont typeface="Arial" panose="020B0604020202020204" pitchFamily="34" charset="0"/>
               <a:buChar char="•"/>
             </a:pPr>
             <a:r>
+              <a:rPr lang="de-DE" dirty="0" err="1"/>
+              <a:t>Idea</a:t>
+            </a:r>
+            <a:r>
+              <a:rPr lang="de-DE" dirty="0"/>
+              <a:t>: </a:t>
+            </a:r>
+            <a:r>
+              <a:rPr lang="de-DE" dirty="0" err="1"/>
+              <a:t>Achieve</a:t>
+            </a:r>
+            <a:r>
+              <a:rPr lang="de-DE" dirty="0"/>
+              <a:t> </a:t>
+            </a:r>
+            <a:r>
+              <a:rPr lang="de-DE" dirty="0" err="1"/>
+              <a:t>consistently</a:t>
+            </a:r>
+            <a:r>
+              <a:rPr lang="de-DE" dirty="0"/>
+              <a:t> high </a:t>
+            </a:r>
+            <a:r>
+              <a:rPr lang="de-DE" dirty="0" err="1"/>
+              <a:t>fanout</a:t>
+            </a:r>
+            <a:r>
+              <a:rPr lang="de-DE" dirty="0"/>
+              <a:t> </a:t>
+            </a:r>
+            <a:r>
+              <a:rPr lang="de-DE" dirty="0" err="1"/>
+              <a:t>by</a:t>
+            </a:r>
+            <a:r>
+              <a:rPr lang="de-DE" dirty="0"/>
+              <a:t> </a:t>
+            </a:r>
+            <a:r>
+              <a:rPr lang="de-DE" dirty="0" err="1"/>
+              <a:t>adapting</a:t>
+            </a:r>
+            <a:r>
+              <a:rPr lang="de-DE" dirty="0"/>
+              <a:t> </a:t>
+            </a:r>
+            <a:r>
+              <a:rPr lang="de-DE" dirty="0" err="1"/>
+              <a:t>the</a:t>
+            </a:r>
+            <a:r>
+              <a:rPr lang="de-DE" dirty="0"/>
+              <a:t> span at </a:t>
+            </a:r>
+            <a:r>
+              <a:rPr lang="de-DE" dirty="0" err="1"/>
+              <a:t>each</a:t>
+            </a:r>
+            <a:r>
+              <a:rPr lang="de-DE" dirty="0"/>
+              <a:t> </a:t>
+            </a:r>
+            <a:r>
+              <a:rPr lang="de-DE" dirty="0" err="1"/>
+              <a:t>node</a:t>
+            </a:r>
+            <a:endParaRPr lang="de-DE" dirty="0"/>
+          </a:p>
+          <a:p>
+            <a:pPr marL="461963" lvl="1" indent="-285750">
+              <a:buFont typeface="Arial" panose="020B0604020202020204" pitchFamily="34" charset="0"/>
+              <a:buChar char="•"/>
+            </a:pPr>
+            <a:endParaRPr lang="de-DE" dirty="0"/>
+          </a:p>
+          <a:p>
+            <a:r>
+              <a:rPr lang="de-DE" dirty="0">
+                <a:hlinkClick r:id="rId5"/>
+              </a:rPr>
+              <a:t>START – Self-Tuning Adaptive Radix Tree</a:t>
+            </a:r>
+            <a:r>
+              <a:rPr lang="de-DE" dirty="0"/>
+              <a:t> (IEEE, 2020)</a:t>
+            </a:r>
+          </a:p>
+          <a:p>
+            <a:pPr marL="461963" lvl="1" indent="-285750">
+              <a:buFont typeface="Arial" panose="020B0604020202020204" pitchFamily="34" charset="0"/>
+              <a:buChar char="•"/>
+            </a:pPr>
+            <a:r>
+              <a:rPr lang="de-DE" dirty="0" err="1"/>
+              <a:t>Learned</a:t>
+            </a:r>
+            <a:r>
+              <a:rPr lang="de-DE" dirty="0"/>
+              <a:t> </a:t>
+            </a:r>
+            <a:r>
+              <a:rPr lang="de-DE" dirty="0" err="1"/>
+              <a:t>indexes</a:t>
+            </a:r>
+            <a:r>
+              <a:rPr lang="de-DE" dirty="0"/>
+              <a:t> </a:t>
+            </a:r>
+            <a:r>
+              <a:rPr lang="de-DE" dirty="0" err="1"/>
+              <a:t>outperfoming</a:t>
+            </a:r>
+            <a:r>
+              <a:rPr lang="de-DE" dirty="0"/>
+              <a:t> ART in </a:t>
+            </a:r>
+            <a:r>
+              <a:rPr lang="de-DE" dirty="0" err="1"/>
+              <a:t>read-mostly</a:t>
+            </a:r>
+            <a:r>
+              <a:rPr lang="de-DE" dirty="0"/>
+              <a:t> benchmark due </a:t>
+            </a:r>
+            <a:r>
+              <a:rPr lang="de-DE" dirty="0" err="1"/>
+              <a:t>to</a:t>
+            </a:r>
+            <a:r>
+              <a:rPr lang="de-DE" dirty="0"/>
+              <a:t> </a:t>
+            </a:r>
+            <a:r>
+              <a:rPr lang="de-DE" dirty="0" err="1"/>
+              <a:t>hierarchical</a:t>
+            </a:r>
+            <a:r>
+              <a:rPr lang="de-DE" dirty="0"/>
+              <a:t> </a:t>
+            </a:r>
+            <a:r>
+              <a:rPr lang="de-DE" dirty="0" err="1"/>
+              <a:t>structure</a:t>
+            </a:r>
+            <a:r>
+              <a:rPr lang="de-DE" dirty="0"/>
+              <a:t> </a:t>
+            </a:r>
+            <a:r>
+              <a:rPr lang="de-DE" dirty="0" err="1"/>
+              <a:t>of</a:t>
+            </a:r>
+            <a:r>
+              <a:rPr lang="de-DE" dirty="0"/>
+              <a:t> </a:t>
+            </a:r>
+            <a:r>
+              <a:rPr lang="de-DE" dirty="0" err="1"/>
+              <a:t>nodes</a:t>
+            </a:r>
+            <a:endParaRPr lang="de-DE" dirty="0"/>
+          </a:p>
+          <a:p>
+            <a:pPr marL="461963" lvl="1" indent="-285750">
+              <a:buFont typeface="Arial" panose="020B0604020202020204" pitchFamily="34" charset="0"/>
+              <a:buChar char="•"/>
+            </a:pPr>
+            <a:r>
+              <a:rPr lang="de-DE" dirty="0" err="1"/>
+              <a:t>Idea</a:t>
+            </a:r>
+            <a:r>
+              <a:rPr lang="de-DE" dirty="0"/>
+              <a:t>: </a:t>
+            </a:r>
+            <a:r>
+              <a:rPr lang="de-DE" dirty="0" err="1"/>
+              <a:t>Optimize</a:t>
+            </a:r>
+            <a:r>
+              <a:rPr lang="de-DE" dirty="0"/>
+              <a:t> </a:t>
+            </a:r>
+            <a:r>
+              <a:rPr lang="de-DE" dirty="0" err="1"/>
+              <a:t>lower</a:t>
+            </a:r>
+            <a:r>
+              <a:rPr lang="de-DE" dirty="0"/>
+              <a:t> </a:t>
+            </a:r>
+            <a:r>
+              <a:rPr lang="de-DE" dirty="0" err="1"/>
+              <a:t>level</a:t>
+            </a:r>
+            <a:r>
+              <a:rPr lang="de-DE" dirty="0"/>
+              <a:t> </a:t>
+            </a:r>
+            <a:r>
+              <a:rPr lang="de-DE" dirty="0" err="1"/>
+              <a:t>nodes</a:t>
+            </a:r>
+            <a:r>
+              <a:rPr lang="de-DE" dirty="0"/>
+              <a:t> </a:t>
+            </a:r>
+            <a:r>
+              <a:rPr lang="de-DE" dirty="0" err="1"/>
+              <a:t>using</a:t>
+            </a:r>
+            <a:r>
+              <a:rPr lang="de-DE" dirty="0"/>
+              <a:t> </a:t>
+            </a:r>
+            <a:r>
+              <a:rPr lang="de-DE" dirty="0" err="1"/>
+              <a:t>cost</a:t>
+            </a:r>
+            <a:r>
+              <a:rPr lang="de-DE" dirty="0"/>
+              <a:t> </a:t>
+            </a:r>
+            <a:r>
+              <a:rPr lang="de-DE" dirty="0" err="1"/>
+              <a:t>model</a:t>
+            </a:r>
+            <a:r>
+              <a:rPr lang="de-DE" dirty="0"/>
+              <a:t> and </a:t>
+            </a:r>
+            <a:r>
+              <a:rPr lang="de-DE" dirty="0" err="1"/>
+              <a:t>optimizer</a:t>
+            </a:r>
+            <a:endParaRPr lang="de-DE" dirty="0"/>
+          </a:p>
+          <a:p>
+            <a:pPr marL="461963" lvl="1" indent="-285750">
+              <a:buFont typeface="Arial" panose="020B0604020202020204" pitchFamily="34" charset="0"/>
+              <a:buChar char="•"/>
+            </a:pPr>
+            <a:endParaRPr lang="de-DE" dirty="0"/>
+          </a:p>
+          <a:p>
+            <a:r>
               <a:rPr lang="de-DE" dirty="0"/>
               <a:t>(Judy Arrays patent </a:t>
             </a:r>
@@ -29574,6 +32188,100 @@
             <a:r>
               <a:rPr lang="de-DE" dirty="0"/>
               <a:t>)</a:t>
+            </a:r>
+          </a:p>
+          <a:p>
+            <a:pPr marL="461963" lvl="1" indent="-285750">
+              <a:buFont typeface="Arial" panose="020B0604020202020204" pitchFamily="34" charset="0"/>
+              <a:buChar char="•"/>
+            </a:pPr>
+            <a:r>
+              <a:rPr lang="de-DE" dirty="0" err="1"/>
+              <a:t>even</a:t>
+            </a:r>
+            <a:r>
+              <a:rPr lang="de-DE" dirty="0"/>
+              <a:t> </a:t>
+            </a:r>
+            <a:r>
+              <a:rPr lang="de-DE" dirty="0" err="1"/>
+              <a:t>better</a:t>
+            </a:r>
+            <a:r>
+              <a:rPr lang="de-DE" dirty="0"/>
+              <a:t> </a:t>
+            </a:r>
+            <a:r>
+              <a:rPr lang="de-DE" dirty="0" err="1"/>
+              <a:t>cache</a:t>
+            </a:r>
+            <a:r>
+              <a:rPr lang="de-DE" dirty="0"/>
+              <a:t> </a:t>
+            </a:r>
+            <a:r>
+              <a:rPr lang="de-DE" dirty="0" err="1"/>
+              <a:t>efficiency</a:t>
+            </a:r>
+            <a:r>
+              <a:rPr lang="de-DE" dirty="0"/>
+              <a:t>, </a:t>
+            </a:r>
+            <a:r>
+              <a:rPr lang="de-DE" dirty="0" err="1"/>
+              <a:t>complex</a:t>
+            </a:r>
+            <a:r>
+              <a:rPr lang="de-DE" dirty="0"/>
+              <a:t> </a:t>
+            </a:r>
+            <a:r>
+              <a:rPr lang="de-DE" dirty="0" err="1"/>
+              <a:t>node</a:t>
+            </a:r>
+            <a:r>
+              <a:rPr lang="de-DE" dirty="0"/>
+              <a:t> </a:t>
+            </a:r>
+            <a:r>
+              <a:rPr lang="de-DE" dirty="0" err="1"/>
+              <a:t>transitions</a:t>
+            </a:r>
+            <a:r>
+              <a:rPr lang="de-DE" dirty="0"/>
+              <a:t> (~20k </a:t>
+            </a:r>
+            <a:r>
+              <a:rPr lang="de-DE" dirty="0" err="1"/>
+              <a:t>LoC</a:t>
+            </a:r>
+            <a:r>
+              <a:rPr lang="de-DE" dirty="0"/>
+              <a:t> </a:t>
+            </a:r>
+            <a:r>
+              <a:rPr lang="en-US" b="0" i="0" dirty="0">
+                <a:solidFill>
+                  <a:srgbClr val="333333"/>
+                </a:solidFill>
+                <a:effectLst/>
+                <a:latin typeface="Segoe UI Emoji" panose="020B0502040204020203" pitchFamily="34" charset="0"/>
+              </a:rPr>
+              <a:t>🙃</a:t>
+            </a:r>
+            <a:r>
+              <a:rPr lang="de-DE" dirty="0"/>
+              <a:t>)</a:t>
+            </a:r>
+          </a:p>
+          <a:p>
+            <a:pPr marL="461963" lvl="1" indent="-285750">
+              <a:buFont typeface="Arial" panose="020B0604020202020204" pitchFamily="34" charset="0"/>
+              <a:buChar char="•"/>
+            </a:pPr>
+            <a:r>
+              <a:rPr lang="de-DE" dirty="0"/>
+              <a:t>Judy-Pointers</a:t>
             </a:r>
           </a:p>
           <a:p>
@@ -29598,7 +32306,7 @@
 </p:sld>
 </file>
 
-<file path=ppt/slides/slide3.xml><?xml version="1.0" encoding="utf-8"?>
+<file path=ppt/slides/slide33.xml><?xml version="1.0" encoding="utf-8"?>
 <p:sld xmlns:a="http://schemas.openxmlformats.org/drawingml/2006/main" xmlns:r="http://schemas.openxmlformats.org/officeDocument/2006/relationships" xmlns:p="http://schemas.openxmlformats.org/presentationml/2006/main">
   <p:cSld>
     <p:spTree>
@@ -29637,7 +32345,7 @@
             <a:fld id="{CE58CB1E-F828-4F11-99E0-327109AF9DA4}" type="slidenum">
               <a:rPr lang="de-DE" smtClean="0"/>
               <a:pPr/>
-              <a:t>3</a:t>
+              <a:t>33</a:t>
             </a:fld>
             <a:endParaRPr lang="de-DE" dirty="0"/>
           </a:p>
@@ -29686,111 +32394,116 @@
           <a:lstStyle/>
           <a:p>
             <a:r>
-              <a:rPr sz="3000" dirty="0"/>
-              <a:t>Disk-</a:t>
-            </a:r>
-            <a:r>
-              <a:rPr sz="3000" dirty="0" err="1"/>
-              <a:t>Based</a:t>
-            </a:r>
-            <a:r>
-              <a:rPr sz="3000" dirty="0"/>
-              <a:t> </a:t>
-            </a:r>
-            <a:r>
-              <a:rPr sz="3000" dirty="0" err="1"/>
-              <a:t>vs</a:t>
-            </a:r>
-            <a:r>
-              <a:rPr sz="3000" dirty="0"/>
-              <a:t> Main-Memory DBMS</a:t>
+              <a:rPr lang="de-DE" dirty="0"/>
+              <a:t>Benchmark </a:t>
+            </a:r>
+            <a:r>
+              <a:rPr lang="de-DE" dirty="0" err="1"/>
+              <a:t>Specs</a:t>
             </a:r>
             <a:endParaRPr lang="de-DE" sz="3000" dirty="0"/>
           </a:p>
         </p:txBody>
       </p:sp>
-      <p:graphicFrame>
-        <p:nvGraphicFramePr>
-          <p:cNvPr id="11" name="Content Placeholder 10">
+      <p:sp>
+        <p:nvSpPr>
+          <p:cNvPr id="7" name="Inhaltsplatzhalter 1">
             <a:extLst>
               <a:ext uri="{FF2B5EF4-FFF2-40B4-BE49-F238E27FC236}">
-                <a16:creationId xmlns:a16="http://schemas.microsoft.com/office/drawing/2014/main" id="{67418F4B-4F94-0B5B-ABEB-335FB160F208}"/>
+                <a16:creationId xmlns:a16="http://schemas.microsoft.com/office/drawing/2014/main" id="{39E026B4-457A-F216-0A86-D12F37A57423}"/>
               </a:ext>
             </a:extLst>
           </p:cNvPr>
-          <p:cNvGraphicFramePr>
-            <a:graphicFrameLocks noGrp="1"/>
-          </p:cNvGraphicFramePr>
+          <p:cNvSpPr>
+            <a:spLocks noGrp="1"/>
+          </p:cNvSpPr>
           <p:nvPr>
             <p:ph idx="1"/>
-            <p:extLst>
-              <p:ext uri="{D42A27DB-BD31-4B8C-83A1-F6EECF244321}">
-                <p14:modId xmlns:p14="http://schemas.microsoft.com/office/powerpoint/2010/main" val="2908920313"/>
-              </p:ext>
-            </p:extLst>
           </p:nvPr>
-        </p:nvGraphicFramePr>
-        <p:xfrm>
-          <a:off x="319088" y="1762125"/>
-          <a:ext cx="8509000" cy="4699000"/>
-        </p:xfrm>
-        <a:graphic>
-          <a:graphicData uri="http://schemas.openxmlformats.org/drawingml/2006/chart">
-            <c:chart xmlns:c="http://schemas.openxmlformats.org/drawingml/2006/chart" xmlns:r="http://schemas.openxmlformats.org/officeDocument/2006/relationships" r:id="rId3"/>
-          </a:graphicData>
-        </a:graphic>
-      </p:graphicFrame>
-      <p:sp>
-        <p:nvSpPr>
-          <p:cNvPr id="8" name="TextBox 7">
-            <a:extLst>
-              <a:ext uri="{FF2B5EF4-FFF2-40B4-BE49-F238E27FC236}">
-                <a16:creationId xmlns:a16="http://schemas.microsoft.com/office/drawing/2014/main" id="{EE08BE93-D048-4BE8-2116-925308649B84}"/>
-              </a:ext>
-            </a:extLst>
-          </p:cNvPr>
-          <p:cNvSpPr txBox="1"/>
-          <p:nvPr/>
         </p:nvSpPr>
         <p:spPr>
           <a:xfrm>
-            <a:off x="311162" y="6298789"/>
-            <a:ext cx="8635130" cy="193002"/>
+            <a:off x="319090" y="1762188"/>
+            <a:ext cx="8508999" cy="4699572"/>
           </a:xfrm>
-          <a:prstGeom prst="rect">
-            <a:avLst/>
-          </a:prstGeom>
-          <a:noFill/>
         </p:spPr>
         <p:txBody>
-          <a:bodyPr wrap="square" lIns="0" tIns="0" rIns="0" bIns="0" rtlCol="0">
-            <a:spAutoFit/>
-          </a:bodyPr>
+          <a:bodyPr/>
           <a:lstStyle/>
           <a:p>
-            <a:pPr>
-              <a:lnSpc>
-                <a:spcPct val="114000"/>
-              </a:lnSpc>
+            <a:r>
+              <a:rPr dirty="0"/>
+              <a:t>Intel</a:t>
+            </a:r>
+            <a:r>
+              <a:rPr lang="en-US" dirty="0"/>
+              <a:t> Core i5-8400 CPU @ 2.80GHz </a:t>
+            </a:r>
+          </a:p>
+          <a:p>
+            <a:pPr marL="285750" indent="-285750">
+              <a:buFont typeface="Arial" panose="020B0604020202020204" pitchFamily="34" charset="0"/>
+              <a:buChar char="•"/>
             </a:pPr>
             <a:r>
-              <a:rPr lang="en-US" sz="1200" b="1" dirty="0"/>
-              <a:t>Source: </a:t>
-            </a:r>
-            <a:r>
-              <a:rPr lang="en-US" sz="1200" dirty="0">
-                <a:hlinkClick r:id="rId4"/>
-              </a:rPr>
-              <a:t>OLTP through the looking glass, and what we found there. SIGMOD, 2008</a:t>
-            </a:r>
-            <a:endParaRPr lang="en-US" sz="1200" dirty="0"/>
+              <a:rPr lang="en-US" dirty="0"/>
+              <a:t>L1 Instruction Cache:	6 x 32 KB</a:t>
+            </a:r>
+          </a:p>
+          <a:p>
+            <a:pPr marL="285750" indent="-285750">
+              <a:buFont typeface="Arial" panose="020B0604020202020204" pitchFamily="34" charset="0"/>
+              <a:buChar char="•"/>
+            </a:pPr>
+            <a:r>
+              <a:rPr lang="en-US" dirty="0"/>
+              <a:t>L1 Data Cache:		6 x 32 KB</a:t>
+            </a:r>
+          </a:p>
+          <a:p>
+            <a:pPr marL="285750" indent="-285750">
+              <a:buFont typeface="Arial" panose="020B0604020202020204" pitchFamily="34" charset="0"/>
+              <a:buChar char="•"/>
+            </a:pPr>
+            <a:r>
+              <a:rPr lang="en-US" dirty="0"/>
+              <a:t>L2 Cache:		6 x 256 KB</a:t>
+            </a:r>
+          </a:p>
+          <a:p>
+            <a:pPr marL="285750" indent="-285750">
+              <a:buFont typeface="Arial" panose="020B0604020202020204" pitchFamily="34" charset="0"/>
+              <a:buChar char="•"/>
+            </a:pPr>
+            <a:r>
+              <a:rPr lang="en-US" dirty="0"/>
+              <a:t>L3 Cache:		9 MB</a:t>
+            </a:r>
+          </a:p>
+          <a:p>
+            <a:endParaRPr lang="en-US" dirty="0"/>
+          </a:p>
+          <a:p>
+            <a:r>
+              <a:rPr lang="en-US" dirty="0"/>
+              <a:t>16 GB DDR4 RAM</a:t>
+            </a:r>
+          </a:p>
+          <a:p>
+            <a:endParaRPr lang="en-US" dirty="0"/>
+          </a:p>
+          <a:p>
+            <a:r>
+              <a:rPr lang="en-US" dirty="0"/>
+              <a:t>Windows 10 Pro (10.0.19044 Build 19044)</a:t>
+            </a:r>
           </a:p>
         </p:txBody>
       </p:sp>
     </p:spTree>
     <p:extLst>
       <p:ext uri="{BB962C8B-B14F-4D97-AF65-F5344CB8AC3E}">
-        <p14:creationId xmlns:p14="http://schemas.microsoft.com/office/powerpoint/2010/main" val="2049547931"/>
+        <p14:creationId xmlns:p14="http://schemas.microsoft.com/office/powerpoint/2010/main" val="625519228"/>
       </p:ext>
     </p:extLst>
   </p:cSld>
@@ -29800,7 +32513,7 @@
 </p:sld>
 </file>
 
-<file path=ppt/slides/slide30.xml><?xml version="1.0" encoding="utf-8"?>
+<file path=ppt/slides/slide34.xml><?xml version="1.0" encoding="utf-8"?>
 <p:sld xmlns:a="http://schemas.openxmlformats.org/drawingml/2006/main" xmlns:r="http://schemas.openxmlformats.org/officeDocument/2006/relationships" xmlns:p="http://schemas.openxmlformats.org/presentationml/2006/main">
   <p:cSld>
     <p:spTree>
@@ -29839,692 +32552,7 @@
             <a:fld id="{CE58CB1E-F828-4F11-99E0-327109AF9DA4}" type="slidenum">
               <a:rPr lang="de-DE" smtClean="0"/>
               <a:pPr/>
-              <a:t>30</a:t>
-            </a:fld>
-            <a:endParaRPr lang="de-DE" dirty="0"/>
-          </a:p>
-        </p:txBody>
-      </p:sp>
-      <p:sp>
-        <p:nvSpPr>
-          <p:cNvPr id="6" name="Fußzeilenplatzhalter 4"/>
-          <p:cNvSpPr>
-            <a:spLocks noGrp="1"/>
-          </p:cNvSpPr>
-          <p:nvPr>
-            <p:ph type="ftr" sz="quarter" idx="12"/>
-          </p:nvPr>
-        </p:nvSpPr>
-        <p:spPr/>
-        <p:txBody>
-          <a:bodyPr/>
-          <a:lstStyle/>
-          <a:p>
-            <a:r>
-              <a:rPr lang="de-DE" dirty="0"/>
-              <a:t>Jonas Fritsch | The Adaptive Radix Tree</a:t>
-            </a:r>
-            <a:endParaRPr lang="en-US" dirty="0"/>
-          </a:p>
-        </p:txBody>
-      </p:sp>
-      <p:sp>
-        <p:nvSpPr>
-          <p:cNvPr id="3" name="Titel 2"/>
-          <p:cNvSpPr>
-            <a:spLocks noGrp="1"/>
-          </p:cNvSpPr>
-          <p:nvPr>
-            <p:ph type="title"/>
-          </p:nvPr>
-        </p:nvSpPr>
-        <p:spPr>
-          <a:prstGeom prst="rect">
-            <a:avLst/>
-          </a:prstGeom>
-        </p:spPr>
-        <p:txBody>
-          <a:bodyPr/>
-          <a:lstStyle/>
-          <a:p>
-            <a:r>
-              <a:rPr sz="3000" dirty="0"/>
-              <a:t>ART </a:t>
-            </a:r>
-            <a:r>
-              <a:rPr lang="de-DE" sz="3000" dirty="0"/>
-              <a:t>–</a:t>
-            </a:r>
-            <a:r>
-              <a:rPr sz="3000" dirty="0"/>
-              <a:t> Implementation </a:t>
-            </a:r>
-            <a:r>
-              <a:rPr sz="3000" dirty="0" err="1"/>
-              <a:t>Specifics</a:t>
-            </a:r>
-            <a:endParaRPr lang="de-DE" sz="3000" dirty="0"/>
-          </a:p>
-        </p:txBody>
-      </p:sp>
-      <p:sp>
-        <p:nvSpPr>
-          <p:cNvPr id="7" name="Inhaltsplatzhalter 1">
-            <a:extLst>
-              <a:ext uri="{FF2B5EF4-FFF2-40B4-BE49-F238E27FC236}">
-                <a16:creationId xmlns:a16="http://schemas.microsoft.com/office/drawing/2014/main" id="{39E026B4-457A-F216-0A86-D12F37A57423}"/>
-              </a:ext>
-            </a:extLst>
-          </p:cNvPr>
-          <p:cNvSpPr>
-            <a:spLocks noGrp="1"/>
-          </p:cNvSpPr>
-          <p:nvPr>
-            <p:ph idx="1"/>
-          </p:nvPr>
-        </p:nvSpPr>
-        <p:spPr>
-          <a:xfrm>
-            <a:off x="319090" y="1762188"/>
-            <a:ext cx="8508999" cy="4699572"/>
-          </a:xfrm>
-        </p:spPr>
-        <p:txBody>
-          <a:bodyPr/>
-          <a:lstStyle/>
-          <a:p>
-            <a:r>
-              <a:rPr dirty="0"/>
-              <a:t>ART </a:t>
-            </a:r>
-            <a:r>
-              <a:rPr dirty="0" err="1"/>
-              <a:t>implementation</a:t>
-            </a:r>
-            <a:r>
-              <a:rPr dirty="0"/>
-              <a:t> </a:t>
-            </a:r>
-            <a:r>
-              <a:rPr dirty="0" err="1"/>
-              <a:t>for</a:t>
-            </a:r>
-            <a:r>
-              <a:rPr dirty="0"/>
-              <a:t> </a:t>
-            </a:r>
-            <a:r>
-              <a:rPr dirty="0" err="1"/>
-              <a:t>storing</a:t>
-            </a:r>
-            <a:r>
-              <a:rPr dirty="0"/>
-              <a:t> 32 </a:t>
-            </a:r>
-            <a:r>
-              <a:rPr dirty="0" err="1"/>
-              <a:t>bit</a:t>
-            </a:r>
-            <a:r>
-              <a:rPr dirty="0"/>
-              <a:t> </a:t>
-            </a:r>
-            <a:r>
-              <a:rPr dirty="0" err="1"/>
-              <a:t>keys</a:t>
-            </a:r>
-            <a:r>
-              <a:rPr dirty="0"/>
-              <a:t> (</a:t>
-            </a:r>
-            <a:r>
-              <a:rPr dirty="0" err="1"/>
-              <a:t>no</a:t>
-            </a:r>
-            <a:r>
-              <a:rPr dirty="0"/>
-              <a:t> </a:t>
-            </a:r>
-            <a:r>
-              <a:rPr dirty="0" err="1"/>
-              <a:t>path</a:t>
-            </a:r>
-            <a:r>
-              <a:rPr dirty="0"/>
-              <a:t> </a:t>
-            </a:r>
-            <a:r>
-              <a:rPr dirty="0" err="1"/>
-              <a:t>compression</a:t>
-            </a:r>
-            <a:r>
-              <a:rPr dirty="0"/>
-              <a:t>)</a:t>
-            </a:r>
-          </a:p>
-          <a:p>
-            <a:endParaRPr dirty="0"/>
-          </a:p>
-          <a:p>
-            <a:r>
-              <a:rPr lang="de-DE" b="1" dirty="0" err="1"/>
-              <a:t>Important</a:t>
-            </a:r>
-            <a:r>
-              <a:rPr lang="de-DE" b="1" dirty="0"/>
-              <a:t> Points:</a:t>
-            </a:r>
-          </a:p>
-          <a:p>
-            <a:pPr marL="285750" indent="-285750">
-              <a:buFont typeface="Arial" panose="020B0604020202020204" pitchFamily="34" charset="0"/>
-              <a:buChar char="•"/>
-            </a:pPr>
-            <a:r>
-              <a:rPr lang="de-DE" dirty="0" err="1"/>
-              <a:t>No</a:t>
-            </a:r>
-            <a:r>
-              <a:rPr lang="de-DE" dirty="0"/>
-              <a:t> </a:t>
-            </a:r>
-            <a:r>
-              <a:rPr lang="de-DE" dirty="0" err="1"/>
-              <a:t>recursion</a:t>
-            </a:r>
-            <a:r>
-              <a:rPr lang="de-DE" dirty="0"/>
-              <a:t>! (</a:t>
-            </a:r>
-            <a:r>
-              <a:rPr lang="de-DE" dirty="0" err="1"/>
-              <a:t>self</a:t>
-            </a:r>
-            <a:r>
-              <a:rPr lang="de-DE" dirty="0"/>
-              <a:t> </a:t>
-            </a:r>
-            <a:r>
-              <a:rPr lang="de-DE" dirty="0" err="1"/>
-              <a:t>explanatory</a:t>
-            </a:r>
-            <a:r>
-              <a:rPr lang="de-DE" dirty="0"/>
-              <a:t>)</a:t>
-            </a:r>
-          </a:p>
-          <a:p>
-            <a:pPr marL="285750" indent="-285750">
-              <a:buFont typeface="Arial" panose="020B0604020202020204" pitchFamily="34" charset="0"/>
-              <a:buChar char="•"/>
-            </a:pPr>
-            <a:r>
-              <a:rPr lang="de-DE" dirty="0" err="1"/>
-              <a:t>Careful</a:t>
-            </a:r>
-            <a:r>
-              <a:rPr lang="de-DE" dirty="0"/>
-              <a:t> </a:t>
-            </a:r>
-            <a:r>
-              <a:rPr lang="de-DE" dirty="0" err="1"/>
-              <a:t>with</a:t>
-            </a:r>
-            <a:r>
-              <a:rPr lang="de-DE" dirty="0"/>
-              <a:t> </a:t>
-            </a:r>
-            <a:r>
-              <a:rPr lang="de-DE" dirty="0" err="1"/>
-              <a:t>polymorphie</a:t>
-            </a:r>
-            <a:r>
-              <a:rPr lang="de-DE" dirty="0"/>
-              <a:t>! (C++ </a:t>
-            </a:r>
-            <a:r>
-              <a:rPr lang="de-DE" dirty="0" err="1"/>
-              <a:t>utilizes</a:t>
-            </a:r>
-            <a:r>
-              <a:rPr lang="de-DE" dirty="0"/>
-              <a:t> </a:t>
-            </a:r>
-            <a:r>
-              <a:rPr lang="de-DE" dirty="0" err="1"/>
-              <a:t>vtables</a:t>
-            </a:r>
-            <a:r>
-              <a:rPr lang="de-DE" dirty="0"/>
-              <a:t> </a:t>
-            </a:r>
-            <a:r>
-              <a:rPr lang="de-DE" dirty="0" err="1"/>
-              <a:t>for</a:t>
-            </a:r>
-            <a:r>
-              <a:rPr lang="de-DE" dirty="0"/>
-              <a:t> </a:t>
-            </a:r>
-            <a:r>
-              <a:rPr lang="de-DE" dirty="0" err="1"/>
-              <a:t>dynamic</a:t>
-            </a:r>
-            <a:r>
-              <a:rPr lang="de-DE" dirty="0"/>
-              <a:t> </a:t>
-            </a:r>
-            <a:r>
-              <a:rPr lang="de-DE" dirty="0" err="1"/>
-              <a:t>dispatch</a:t>
-            </a:r>
-            <a:r>
-              <a:rPr lang="de-DE" dirty="0"/>
-              <a:t> </a:t>
-            </a:r>
-            <a:r>
-              <a:rPr lang="de-DE" dirty="0">
-                <a:sym typeface="Wingdings" panose="05000000000000000000" pitchFamily="2" charset="2"/>
-              </a:rPr>
-              <a:t> </a:t>
-            </a:r>
-            <a:r>
-              <a:rPr lang="de-DE" dirty="0" err="1">
-                <a:sym typeface="Wingdings" panose="05000000000000000000" pitchFamily="2" charset="2"/>
-              </a:rPr>
-              <a:t>performance</a:t>
-            </a:r>
-            <a:r>
-              <a:rPr lang="de-DE" dirty="0">
-                <a:sym typeface="Wingdings" panose="05000000000000000000" pitchFamily="2" charset="2"/>
-              </a:rPr>
-              <a:t> + </a:t>
-            </a:r>
-            <a:r>
-              <a:rPr lang="de-DE" dirty="0" err="1">
-                <a:sym typeface="Wingdings" panose="05000000000000000000" pitchFamily="2" charset="2"/>
-              </a:rPr>
-              <a:t>memory</a:t>
-            </a:r>
-            <a:r>
-              <a:rPr lang="de-DE" dirty="0">
-                <a:sym typeface="Wingdings" panose="05000000000000000000" pitchFamily="2" charset="2"/>
-              </a:rPr>
-              <a:t> </a:t>
-            </a:r>
-            <a:r>
-              <a:rPr lang="de-DE" dirty="0" err="1">
-                <a:sym typeface="Wingdings" panose="05000000000000000000" pitchFamily="2" charset="2"/>
-              </a:rPr>
-              <a:t>overhead</a:t>
-            </a:r>
-            <a:r>
-              <a:rPr lang="de-DE" dirty="0">
-                <a:sym typeface="Wingdings" panose="05000000000000000000" pitchFamily="2" charset="2"/>
-              </a:rPr>
-              <a:t>)</a:t>
-            </a:r>
-          </a:p>
-          <a:p>
-            <a:pPr marL="285750" indent="-285750">
-              <a:buFont typeface="Arial" panose="020B0604020202020204" pitchFamily="34" charset="0"/>
-              <a:buChar char="•"/>
-            </a:pPr>
-            <a:r>
-              <a:rPr lang="de-DE" dirty="0">
-                <a:sym typeface="Wingdings" panose="05000000000000000000" pitchFamily="2" charset="2"/>
-              </a:rPr>
-              <a:t>Memory </a:t>
-            </a:r>
-            <a:r>
-              <a:rPr lang="de-DE" dirty="0" err="1">
-                <a:sym typeface="Wingdings" panose="05000000000000000000" pitchFamily="2" charset="2"/>
-              </a:rPr>
-              <a:t>management</a:t>
-            </a:r>
-            <a:r>
-              <a:rPr lang="de-DE" dirty="0">
-                <a:sym typeface="Wingdings" panose="05000000000000000000" pitchFamily="2" charset="2"/>
-              </a:rPr>
-              <a:t>! (</a:t>
-            </a:r>
-            <a:r>
-              <a:rPr lang="de-DE" dirty="0" err="1">
-                <a:sym typeface="Wingdings" panose="05000000000000000000" pitchFamily="2" charset="2"/>
-                <a:hlinkClick r:id="rId3"/>
-              </a:rPr>
-              <a:t>malloc</a:t>
-            </a:r>
-            <a:r>
-              <a:rPr lang="de-DE" dirty="0">
-                <a:sym typeface="Wingdings" panose="05000000000000000000" pitchFamily="2" charset="2"/>
-                <a:hlinkClick r:id="rId3"/>
-              </a:rPr>
-              <a:t> vs. </a:t>
-            </a:r>
-            <a:r>
-              <a:rPr lang="de-DE" dirty="0" err="1">
-                <a:sym typeface="Wingdings" panose="05000000000000000000" pitchFamily="2" charset="2"/>
-                <a:hlinkClick r:id="rId3"/>
-              </a:rPr>
-              <a:t>TCMalloc</a:t>
-            </a:r>
-            <a:r>
-              <a:rPr lang="de-DE" dirty="0">
-                <a:sym typeface="Wingdings" panose="05000000000000000000" pitchFamily="2" charset="2"/>
-                <a:hlinkClick r:id="rId3"/>
-              </a:rPr>
-              <a:t> vs. </a:t>
-            </a:r>
-            <a:r>
-              <a:rPr lang="de-DE" dirty="0" err="1">
-                <a:sym typeface="Wingdings" panose="05000000000000000000" pitchFamily="2" charset="2"/>
-                <a:hlinkClick r:id="rId3"/>
-              </a:rPr>
-              <a:t>jemalloc</a:t>
-            </a:r>
-            <a:r>
-              <a:rPr lang="de-DE" dirty="0">
-                <a:sym typeface="Wingdings" panose="05000000000000000000" pitchFamily="2" charset="2"/>
-                <a:hlinkClick r:id="rId3"/>
-              </a:rPr>
-              <a:t> </a:t>
-            </a:r>
-            <a:r>
-              <a:rPr lang="de-DE" dirty="0">
-                <a:sym typeface="Wingdings" panose="05000000000000000000" pitchFamily="2" charset="2"/>
-              </a:rPr>
-              <a:t>vs. </a:t>
-            </a:r>
-            <a:r>
-              <a:rPr lang="de-DE" dirty="0" err="1">
-                <a:sym typeface="Wingdings" panose="05000000000000000000" pitchFamily="2" charset="2"/>
-              </a:rPr>
-              <a:t>custom</a:t>
-            </a:r>
-            <a:r>
-              <a:rPr lang="de-DE" dirty="0">
-                <a:sym typeface="Wingdings" panose="05000000000000000000" pitchFamily="2" charset="2"/>
-              </a:rPr>
-              <a:t> </a:t>
-            </a:r>
-            <a:r>
-              <a:rPr lang="de-DE" dirty="0" err="1">
-                <a:sym typeface="Wingdings" panose="05000000000000000000" pitchFamily="2" charset="2"/>
-              </a:rPr>
-              <a:t>memory</a:t>
-            </a:r>
-            <a:r>
-              <a:rPr lang="de-DE" dirty="0">
-                <a:sym typeface="Wingdings" panose="05000000000000000000" pitchFamily="2" charset="2"/>
-              </a:rPr>
-              <a:t> </a:t>
-            </a:r>
-            <a:r>
-              <a:rPr lang="de-DE" dirty="0" err="1">
-                <a:sym typeface="Wingdings" panose="05000000000000000000" pitchFamily="2" charset="2"/>
-              </a:rPr>
-              <a:t>arenas</a:t>
-            </a:r>
-            <a:r>
-              <a:rPr lang="de-DE" dirty="0">
-                <a:sym typeface="Wingdings" panose="05000000000000000000" pitchFamily="2" charset="2"/>
-              </a:rPr>
-              <a:t>/</a:t>
-            </a:r>
-            <a:r>
-              <a:rPr lang="de-DE" dirty="0" err="1">
-                <a:sym typeface="Wingdings" panose="05000000000000000000" pitchFamily="2" charset="2"/>
-              </a:rPr>
-              <a:t>pools</a:t>
-            </a:r>
-            <a:r>
-              <a:rPr lang="de-DE" dirty="0">
-                <a:sym typeface="Wingdings" panose="05000000000000000000" pitchFamily="2" charset="2"/>
-              </a:rPr>
-              <a:t>)</a:t>
-            </a:r>
-            <a:endParaRPr lang="de-DE" dirty="0"/>
-          </a:p>
-          <a:p>
-            <a:pPr marL="285750" indent="-285750">
-              <a:buFont typeface="Arial" panose="020B0604020202020204" pitchFamily="34" charset="0"/>
-              <a:buChar char="•"/>
-            </a:pPr>
-            <a:r>
-              <a:rPr lang="de-DE" dirty="0"/>
-              <a:t>Node16 </a:t>
-            </a:r>
-            <a:r>
-              <a:rPr lang="de-DE" dirty="0" err="1"/>
-              <a:t>search</a:t>
-            </a:r>
-            <a:r>
-              <a:rPr lang="de-DE" dirty="0"/>
-              <a:t> SIMD </a:t>
-            </a:r>
-            <a:r>
-              <a:rPr lang="de-DE" dirty="0" err="1"/>
-              <a:t>comparison</a:t>
-            </a:r>
-            <a:r>
-              <a:rPr lang="de-DE" dirty="0"/>
-              <a:t>: </a:t>
-            </a:r>
-            <a:r>
-              <a:rPr lang="de-DE" dirty="0" err="1"/>
-              <a:t>used</a:t>
-            </a:r>
-            <a:r>
-              <a:rPr lang="de-DE" dirty="0"/>
-              <a:t> x86-64 SSE2 </a:t>
-            </a:r>
-          </a:p>
-          <a:p>
-            <a:pPr marL="285750" indent="-285750">
-              <a:buFont typeface="Arial" panose="020B0604020202020204" pitchFamily="34" charset="0"/>
-              <a:buChar char="•"/>
-            </a:pPr>
-            <a:r>
-              <a:rPr lang="de-DE" dirty="0" err="1"/>
-              <a:t>Combined</a:t>
-            </a:r>
-            <a:r>
-              <a:rPr lang="de-DE" dirty="0"/>
-              <a:t> </a:t>
-            </a:r>
-            <a:r>
-              <a:rPr lang="de-DE" dirty="0" err="1"/>
-              <a:t>value</a:t>
-            </a:r>
-            <a:r>
-              <a:rPr lang="de-DE" dirty="0"/>
-              <a:t>/</a:t>
-            </a:r>
-            <a:r>
-              <a:rPr lang="de-DE" dirty="0" err="1"/>
-              <a:t>pointer</a:t>
-            </a:r>
-            <a:r>
-              <a:rPr lang="de-DE" dirty="0"/>
-              <a:t> </a:t>
-            </a:r>
-            <a:r>
-              <a:rPr lang="de-DE" dirty="0" err="1"/>
-              <a:t>slots</a:t>
-            </a:r>
-            <a:r>
-              <a:rPr lang="de-DE" dirty="0"/>
-              <a:t>: Pointer Tagging </a:t>
-            </a:r>
-            <a:r>
-              <a:rPr lang="de-DE" dirty="0" err="1"/>
-              <a:t>using</a:t>
-            </a:r>
-            <a:r>
-              <a:rPr lang="de-DE" dirty="0"/>
-              <a:t> 3 </a:t>
-            </a:r>
-            <a:r>
-              <a:rPr lang="de-DE" dirty="0" err="1"/>
-              <a:t>low</a:t>
-            </a:r>
-            <a:r>
-              <a:rPr lang="de-DE" dirty="0"/>
-              <a:t> </a:t>
-            </a:r>
-            <a:r>
-              <a:rPr lang="de-DE" dirty="0" err="1"/>
-              <a:t>bits</a:t>
-            </a:r>
-            <a:r>
-              <a:rPr lang="de-DE" dirty="0"/>
-              <a:t> on 64 </a:t>
-            </a:r>
-            <a:r>
-              <a:rPr lang="de-DE" dirty="0" err="1"/>
-              <a:t>bit</a:t>
-            </a:r>
-            <a:r>
-              <a:rPr lang="de-DE" dirty="0"/>
-              <a:t> </a:t>
-            </a:r>
-            <a:r>
-              <a:rPr lang="de-DE" dirty="0" err="1"/>
-              <a:t>architecture</a:t>
-            </a:r>
-            <a:r>
-              <a:rPr lang="de-DE" dirty="0"/>
-              <a:t> (</a:t>
-            </a:r>
-            <a:r>
-              <a:rPr lang="de-DE" dirty="0" err="1"/>
-              <a:t>pointers</a:t>
-            </a:r>
-            <a:r>
-              <a:rPr lang="de-DE" dirty="0"/>
-              <a:t> </a:t>
-            </a:r>
-            <a:r>
-              <a:rPr lang="de-DE" dirty="0" err="1"/>
-              <a:t>are</a:t>
-            </a:r>
-            <a:r>
-              <a:rPr lang="de-DE" dirty="0"/>
-              <a:t> 8-byte </a:t>
-            </a:r>
-            <a:r>
-              <a:rPr lang="de-DE" dirty="0" err="1"/>
-              <a:t>aligned</a:t>
-            </a:r>
-            <a:r>
-              <a:rPr lang="de-DE" dirty="0"/>
-              <a:t>)</a:t>
-            </a:r>
-            <a:endParaRPr dirty="0"/>
-          </a:p>
-        </p:txBody>
-      </p:sp>
-      <p:sp>
-        <p:nvSpPr>
-          <p:cNvPr id="8" name="TextBox 7">
-            <a:extLst>
-              <a:ext uri="{FF2B5EF4-FFF2-40B4-BE49-F238E27FC236}">
-                <a16:creationId xmlns:a16="http://schemas.microsoft.com/office/drawing/2014/main" id="{A5940A45-AA82-8650-35A3-B5573011316E}"/>
-              </a:ext>
-            </a:extLst>
-          </p:cNvPr>
-          <p:cNvSpPr txBox="1"/>
-          <p:nvPr/>
-        </p:nvSpPr>
-        <p:spPr>
-          <a:xfrm>
-            <a:off x="311162" y="6298789"/>
-            <a:ext cx="8635130" cy="193002"/>
-          </a:xfrm>
-          <a:prstGeom prst="rect">
-            <a:avLst/>
-          </a:prstGeom>
-          <a:noFill/>
-        </p:spPr>
-        <p:txBody>
-          <a:bodyPr wrap="square" lIns="0" tIns="0" rIns="0" bIns="0" rtlCol="0">
-            <a:spAutoFit/>
-          </a:bodyPr>
-          <a:lstStyle/>
-          <a:p>
-            <a:pPr>
-              <a:lnSpc>
-                <a:spcPct val="114000"/>
-              </a:lnSpc>
-            </a:pPr>
-            <a:r>
-              <a:rPr lang="en-US" sz="1200" b="1" dirty="0"/>
-              <a:t>Source: </a:t>
-            </a:r>
-            <a:r>
-              <a:rPr lang="en-US" sz="1200" dirty="0">
-                <a:hlinkClick r:id="rId4"/>
-              </a:rPr>
-              <a:t>https://github.com/atalantus/The-Adaptive-Radix-Tree/tree/main/Implementation</a:t>
-            </a:r>
-            <a:endParaRPr lang="en-US" sz="1200" dirty="0"/>
-          </a:p>
-        </p:txBody>
-      </p:sp>
-    </p:spTree>
-    <p:extLst>
-      <p:ext uri="{BB962C8B-B14F-4D97-AF65-F5344CB8AC3E}">
-        <p14:creationId xmlns:p14="http://schemas.microsoft.com/office/powerpoint/2010/main" val="443928699"/>
-      </p:ext>
-    </p:extLst>
-  </p:cSld>
-  <p:clrMapOvr>
-    <a:masterClrMapping/>
-  </p:clrMapOvr>
-</p:sld>
-</file>
-
-<file path=ppt/slides/slide31.xml><?xml version="1.0" encoding="utf-8"?>
-<p:sld xmlns:a="http://schemas.openxmlformats.org/drawingml/2006/main" xmlns:r="http://schemas.openxmlformats.org/officeDocument/2006/relationships" xmlns:p="http://schemas.openxmlformats.org/presentationml/2006/main">
-  <p:cSld>
-    <p:spTree>
-      <p:nvGrpSpPr>
-        <p:cNvPr id="1" name=""/>
-        <p:cNvGrpSpPr/>
-        <p:nvPr/>
-      </p:nvGrpSpPr>
-      <p:grpSpPr>
-        <a:xfrm>
-          <a:off x="0" y="0"/>
-          <a:ext cx="0" cy="0"/>
-          <a:chOff x="0" y="0"/>
-          <a:chExt cx="0" cy="0"/>
-        </a:xfrm>
-      </p:grpSpPr>
-      <p:sp>
-        <p:nvSpPr>
-          <p:cNvPr id="4" name="Foliennummernplatzhalter 3"/>
-          <p:cNvSpPr>
-            <a:spLocks noGrp="1"/>
-          </p:cNvSpPr>
-          <p:nvPr>
-            <p:ph type="sldNum" sz="quarter" idx="11"/>
-          </p:nvPr>
-        </p:nvSpPr>
-        <p:spPr>
-          <a:prstGeom prst="rect">
-            <a:avLst/>
-          </a:prstGeom>
-        </p:spPr>
-        <p:txBody>
-          <a:bodyPr/>
-          <a:lstStyle/>
-          <a:p>
-            <a:fld id="{CE58CB1E-F828-4F11-99E0-327109AF9DA4}" type="slidenum">
-              <a:rPr lang="de-DE" smtClean="0"/>
-              <a:pPr/>
-              <a:t>31</a:t>
+              <a:t>34</a:t>
             </a:fld>
             <a:endParaRPr lang="de-DE" dirty="0"/>
           </a:p>
@@ -30689,7 +32717,7 @@
 </p:sld>
 </file>
 
-<file path=ppt/slides/slide32.xml><?xml version="1.0" encoding="utf-8"?>
+<file path=ppt/slides/slide35.xml><?xml version="1.0" encoding="utf-8"?>
 <p:sld xmlns:a="http://schemas.openxmlformats.org/drawingml/2006/main" xmlns:r="http://schemas.openxmlformats.org/officeDocument/2006/relationships" xmlns:p="http://schemas.openxmlformats.org/presentationml/2006/main">
   <p:cSld>
     <p:spTree>
@@ -30728,7 +32756,7 @@
             <a:fld id="{CE58CB1E-F828-4F11-99E0-327109AF9DA4}" type="slidenum">
               <a:rPr lang="de-DE" smtClean="0"/>
               <a:pPr/>
-              <a:t>32</a:t>
+              <a:t>35</a:t>
             </a:fld>
             <a:endParaRPr lang="de-DE" dirty="0"/>
           </a:p>
@@ -30893,7 +32921,7 @@
 </p:sld>
 </file>
 
-<file path=ppt/slides/slide33.xml><?xml version="1.0" encoding="utf-8"?>
+<file path=ppt/slides/slide36.xml><?xml version="1.0" encoding="utf-8"?>
 <p:sld xmlns:a="http://schemas.openxmlformats.org/drawingml/2006/main" xmlns:r="http://schemas.openxmlformats.org/officeDocument/2006/relationships" xmlns:p="http://schemas.openxmlformats.org/presentationml/2006/main">
   <p:cSld>
     <p:spTree>
@@ -30932,7 +32960,7 @@
             <a:fld id="{CE58CB1E-F828-4F11-99E0-327109AF9DA4}" type="slidenum">
               <a:rPr lang="de-DE" smtClean="0"/>
               <a:pPr/>
-              <a:t>33</a:t>
+              <a:t>36</a:t>
             </a:fld>
             <a:endParaRPr lang="de-DE" dirty="0"/>
           </a:p>
@@ -31097,7 +33125,7 @@
 </p:sld>
 </file>
 
-<file path=ppt/slides/slide34.xml><?xml version="1.0" encoding="utf-8"?>
+<file path=ppt/slides/slide37.xml><?xml version="1.0" encoding="utf-8"?>
 <p:sld xmlns:a="http://schemas.openxmlformats.org/drawingml/2006/main" xmlns:r="http://schemas.openxmlformats.org/officeDocument/2006/relationships" xmlns:p="http://schemas.openxmlformats.org/presentationml/2006/main">
   <p:cSld>
     <p:spTree>
@@ -31136,7 +33164,7 @@
             <a:fld id="{CE58CB1E-F828-4F11-99E0-327109AF9DA4}" type="slidenum">
               <a:rPr lang="de-DE" smtClean="0"/>
               <a:pPr/>
-              <a:t>34</a:t>
+              <a:t>37</a:t>
             </a:fld>
             <a:endParaRPr lang="de-DE" dirty="0"/>
           </a:p>
@@ -31301,7 +33329,7 @@
 </p:sld>
 </file>
 
-<file path=ppt/slides/slide35.xml><?xml version="1.0" encoding="utf-8"?>
+<file path=ppt/slides/slide38.xml><?xml version="1.0" encoding="utf-8"?>
 <p:sld xmlns:a="http://schemas.openxmlformats.org/drawingml/2006/main" xmlns:r="http://schemas.openxmlformats.org/officeDocument/2006/relationships" xmlns:p="http://schemas.openxmlformats.org/presentationml/2006/main">
   <p:cSld>
     <p:spTree>
@@ -31340,7 +33368,7 @@
             <a:fld id="{CE58CB1E-F828-4F11-99E0-327109AF9DA4}" type="slidenum">
               <a:rPr lang="de-DE" smtClean="0"/>
               <a:pPr/>
-              <a:t>35</a:t>
+              <a:t>38</a:t>
             </a:fld>
             <a:endParaRPr lang="de-DE" dirty="0"/>
           </a:p>
@@ -31509,7 +33537,7 @@
 </p:sld>
 </file>
 
-<file path=ppt/slides/slide36.xml><?xml version="1.0" encoding="utf-8"?>
+<file path=ppt/slides/slide39.xml><?xml version="1.0" encoding="utf-8"?>
 <p:sld xmlns:a="http://schemas.openxmlformats.org/drawingml/2006/main" xmlns:r="http://schemas.openxmlformats.org/officeDocument/2006/relationships" xmlns:p="http://schemas.openxmlformats.org/presentationml/2006/main">
   <p:cSld>
     <p:spTree>
@@ -31560,7 +33588,7 @@
                   <a:spcPts val="600"/>
                 </a:spcAft>
               </a:pPr>
-              <a:t>36</a:t>
+              <a:t>39</a:t>
             </a:fld>
             <a:endParaRPr lang="de-DE"/>
           </a:p>
@@ -31739,201 +33767,6 @@
 </p:sld>
 </file>
 
-<file path=ppt/slides/slide37.xml><?xml version="1.0" encoding="utf-8"?>
-<p:sld xmlns:a="http://schemas.openxmlformats.org/drawingml/2006/main" xmlns:r="http://schemas.openxmlformats.org/officeDocument/2006/relationships" xmlns:p="http://schemas.openxmlformats.org/presentationml/2006/main">
-  <p:cSld>
-    <p:spTree>
-      <p:nvGrpSpPr>
-        <p:cNvPr id="1" name=""/>
-        <p:cNvGrpSpPr/>
-        <p:nvPr/>
-      </p:nvGrpSpPr>
-      <p:grpSpPr>
-        <a:xfrm>
-          <a:off x="0" y="0"/>
-          <a:ext cx="0" cy="0"/>
-          <a:chOff x="0" y="0"/>
-          <a:chExt cx="0" cy="0"/>
-        </a:xfrm>
-      </p:grpSpPr>
-      <p:sp>
-        <p:nvSpPr>
-          <p:cNvPr id="4" name="Foliennummernplatzhalter 3"/>
-          <p:cNvSpPr>
-            <a:spLocks noGrp="1"/>
-          </p:cNvSpPr>
-          <p:nvPr>
-            <p:ph type="sldNum" sz="quarter" idx="11"/>
-          </p:nvPr>
-        </p:nvSpPr>
-        <p:spPr>
-          <a:prstGeom prst="rect">
-            <a:avLst/>
-          </a:prstGeom>
-        </p:spPr>
-        <p:txBody>
-          <a:bodyPr/>
-          <a:lstStyle/>
-          <a:p>
-            <a:fld id="{CE58CB1E-F828-4F11-99E0-327109AF9DA4}" type="slidenum">
-              <a:rPr lang="de-DE" smtClean="0"/>
-              <a:pPr/>
-              <a:t>37</a:t>
-            </a:fld>
-            <a:endParaRPr lang="de-DE" dirty="0"/>
-          </a:p>
-        </p:txBody>
-      </p:sp>
-      <p:sp>
-        <p:nvSpPr>
-          <p:cNvPr id="6" name="Fußzeilenplatzhalter 4"/>
-          <p:cNvSpPr>
-            <a:spLocks noGrp="1"/>
-          </p:cNvSpPr>
-          <p:nvPr>
-            <p:ph type="ftr" sz="quarter" idx="12"/>
-          </p:nvPr>
-        </p:nvSpPr>
-        <p:spPr/>
-        <p:txBody>
-          <a:bodyPr/>
-          <a:lstStyle/>
-          <a:p>
-            <a:r>
-              <a:rPr lang="de-DE" dirty="0"/>
-              <a:t>Jonas Fritsch | The Adaptive Radix Tree</a:t>
-            </a:r>
-            <a:endParaRPr lang="en-US" dirty="0"/>
-          </a:p>
-        </p:txBody>
-      </p:sp>
-      <p:sp>
-        <p:nvSpPr>
-          <p:cNvPr id="3" name="Titel 2"/>
-          <p:cNvSpPr>
-            <a:spLocks noGrp="1"/>
-          </p:cNvSpPr>
-          <p:nvPr>
-            <p:ph type="title"/>
-          </p:nvPr>
-        </p:nvSpPr>
-        <p:spPr>
-          <a:prstGeom prst="rect">
-            <a:avLst/>
-          </a:prstGeom>
-        </p:spPr>
-        <p:txBody>
-          <a:bodyPr/>
-          <a:lstStyle/>
-          <a:p>
-            <a:r>
-              <a:rPr sz="3000" dirty="0"/>
-              <a:t>Even More Benchmarks</a:t>
-            </a:r>
-            <a:endParaRPr lang="de-DE" sz="3000" dirty="0"/>
-          </a:p>
-        </p:txBody>
-      </p:sp>
-      <p:sp>
-        <p:nvSpPr>
-          <p:cNvPr id="9" name="Inhaltsplatzhalter 1">
-            <a:extLst>
-              <a:ext uri="{FF2B5EF4-FFF2-40B4-BE49-F238E27FC236}">
-                <a16:creationId xmlns:a16="http://schemas.microsoft.com/office/drawing/2014/main" id="{8B16FA6F-AD48-B6E1-41F9-ACED4B6631EE}"/>
-              </a:ext>
-            </a:extLst>
-          </p:cNvPr>
-          <p:cNvSpPr>
-            <a:spLocks noGrp="1"/>
-          </p:cNvSpPr>
-          <p:nvPr>
-            <p:ph idx="1"/>
-          </p:nvPr>
-        </p:nvSpPr>
-        <p:spPr>
-          <a:xfrm>
-            <a:off x="319090" y="1762188"/>
-            <a:ext cx="8508999" cy="4699572"/>
-          </a:xfrm>
-        </p:spPr>
-        <p:txBody>
-          <a:bodyPr/>
-          <a:lstStyle/>
-          <a:p>
-            <a:r>
-              <a:rPr b="1" dirty="0"/>
-              <a:t>See: </a:t>
-            </a:r>
-          </a:p>
-          <a:p>
-            <a:pPr marL="285750" indent="-285750">
-              <a:buFont typeface="Arial" panose="020B0604020202020204" pitchFamily="34" charset="0"/>
-              <a:buChar char="•"/>
-            </a:pPr>
-            <a:r>
-              <a:rPr lang="en-US" dirty="0">
-                <a:hlinkClick r:id="rId3"/>
-              </a:rPr>
-              <a:t>A Comparison of Adaptive Radix Trees and Hash Tables </a:t>
-            </a:r>
-            <a:r>
-              <a:rPr lang="en-US" dirty="0"/>
-              <a:t>(IEEE, 2015)</a:t>
-            </a:r>
-          </a:p>
-          <a:p>
-            <a:pPr marL="285750" indent="-285750">
-              <a:buFont typeface="Arial" panose="020B0604020202020204" pitchFamily="34" charset="0"/>
-              <a:buChar char="•"/>
-            </a:pPr>
-            <a:r>
-              <a:rPr lang="en-US" dirty="0">
-                <a:hlinkClick r:id="rId4"/>
-              </a:rPr>
-              <a:t>Building a </a:t>
-            </a:r>
-            <a:r>
-              <a:rPr lang="en-US" dirty="0" err="1">
-                <a:hlinkClick r:id="rId4"/>
-              </a:rPr>
-              <a:t>Bw</a:t>
-            </a:r>
-            <a:r>
-              <a:rPr lang="en-US" dirty="0">
-                <a:hlinkClick r:id="rId4"/>
-              </a:rPr>
-              <a:t>-Tree Takes More Than Just Buzz Words </a:t>
-            </a:r>
-            <a:r>
-              <a:rPr lang="en-US" dirty="0"/>
-              <a:t>(SIGMOD, 2018)</a:t>
-            </a:r>
-          </a:p>
-          <a:p>
-            <a:endParaRPr dirty="0"/>
-          </a:p>
-          <a:p>
-            <a:pPr marL="285750" indent="-285750">
-              <a:buFont typeface="Arial" panose="020B0604020202020204" pitchFamily="34" charset="0"/>
-              <a:buChar char="•"/>
-            </a:pPr>
-            <a:endParaRPr dirty="0"/>
-          </a:p>
-        </p:txBody>
-      </p:sp>
-    </p:spTree>
-    <p:extLst>
-      <p:ext uri="{BB962C8B-B14F-4D97-AF65-F5344CB8AC3E}">
-        <p14:creationId xmlns:p14="http://schemas.microsoft.com/office/powerpoint/2010/main" val="4003479443"/>
-      </p:ext>
-    </p:extLst>
-  </p:cSld>
-  <p:clrMapOvr>
-    <a:masterClrMapping/>
-  </p:clrMapOvr>
-</p:sld>
-</file>
-
 <file path=ppt/slides/slide4.xml><?xml version="1.0" encoding="utf-8"?>
 <p:sld xmlns:a="http://schemas.openxmlformats.org/drawingml/2006/main" xmlns:r="http://schemas.openxmlformats.org/officeDocument/2006/relationships" xmlns:p="http://schemas.openxmlformats.org/presentationml/2006/main">
   <p:cSld>
@@ -32301,6 +34134,201 @@
     <p:extLst>
       <p:ext uri="{BB962C8B-B14F-4D97-AF65-F5344CB8AC3E}">
         <p14:creationId xmlns:p14="http://schemas.microsoft.com/office/powerpoint/2010/main" val="978327295"/>
+      </p:ext>
+    </p:extLst>
+  </p:cSld>
+  <p:clrMapOvr>
+    <a:masterClrMapping/>
+  </p:clrMapOvr>
+</p:sld>
+</file>
+
+<file path=ppt/slides/slide40.xml><?xml version="1.0" encoding="utf-8"?>
+<p:sld xmlns:a="http://schemas.openxmlformats.org/drawingml/2006/main" xmlns:r="http://schemas.openxmlformats.org/officeDocument/2006/relationships" xmlns:p="http://schemas.openxmlformats.org/presentationml/2006/main">
+  <p:cSld>
+    <p:spTree>
+      <p:nvGrpSpPr>
+        <p:cNvPr id="1" name=""/>
+        <p:cNvGrpSpPr/>
+        <p:nvPr/>
+      </p:nvGrpSpPr>
+      <p:grpSpPr>
+        <a:xfrm>
+          <a:off x="0" y="0"/>
+          <a:ext cx="0" cy="0"/>
+          <a:chOff x="0" y="0"/>
+          <a:chExt cx="0" cy="0"/>
+        </a:xfrm>
+      </p:grpSpPr>
+      <p:sp>
+        <p:nvSpPr>
+          <p:cNvPr id="4" name="Foliennummernplatzhalter 3"/>
+          <p:cNvSpPr>
+            <a:spLocks noGrp="1"/>
+          </p:cNvSpPr>
+          <p:nvPr>
+            <p:ph type="sldNum" sz="quarter" idx="11"/>
+          </p:nvPr>
+        </p:nvSpPr>
+        <p:spPr>
+          <a:prstGeom prst="rect">
+            <a:avLst/>
+          </a:prstGeom>
+        </p:spPr>
+        <p:txBody>
+          <a:bodyPr/>
+          <a:lstStyle/>
+          <a:p>
+            <a:fld id="{CE58CB1E-F828-4F11-99E0-327109AF9DA4}" type="slidenum">
+              <a:rPr lang="de-DE" smtClean="0"/>
+              <a:pPr/>
+              <a:t>40</a:t>
+            </a:fld>
+            <a:endParaRPr lang="de-DE" dirty="0"/>
+          </a:p>
+        </p:txBody>
+      </p:sp>
+      <p:sp>
+        <p:nvSpPr>
+          <p:cNvPr id="6" name="Fußzeilenplatzhalter 4"/>
+          <p:cNvSpPr>
+            <a:spLocks noGrp="1"/>
+          </p:cNvSpPr>
+          <p:nvPr>
+            <p:ph type="ftr" sz="quarter" idx="12"/>
+          </p:nvPr>
+        </p:nvSpPr>
+        <p:spPr/>
+        <p:txBody>
+          <a:bodyPr/>
+          <a:lstStyle/>
+          <a:p>
+            <a:r>
+              <a:rPr lang="de-DE" dirty="0"/>
+              <a:t>Jonas Fritsch | The Adaptive Radix Tree</a:t>
+            </a:r>
+            <a:endParaRPr lang="en-US" dirty="0"/>
+          </a:p>
+        </p:txBody>
+      </p:sp>
+      <p:sp>
+        <p:nvSpPr>
+          <p:cNvPr id="3" name="Titel 2"/>
+          <p:cNvSpPr>
+            <a:spLocks noGrp="1"/>
+          </p:cNvSpPr>
+          <p:nvPr>
+            <p:ph type="title"/>
+          </p:nvPr>
+        </p:nvSpPr>
+        <p:spPr>
+          <a:prstGeom prst="rect">
+            <a:avLst/>
+          </a:prstGeom>
+        </p:spPr>
+        <p:txBody>
+          <a:bodyPr/>
+          <a:lstStyle/>
+          <a:p>
+            <a:r>
+              <a:rPr sz="3000" dirty="0"/>
+              <a:t>Even More Benchmarks</a:t>
+            </a:r>
+            <a:endParaRPr lang="de-DE" sz="3000" dirty="0"/>
+          </a:p>
+        </p:txBody>
+      </p:sp>
+      <p:sp>
+        <p:nvSpPr>
+          <p:cNvPr id="9" name="Inhaltsplatzhalter 1">
+            <a:extLst>
+              <a:ext uri="{FF2B5EF4-FFF2-40B4-BE49-F238E27FC236}">
+                <a16:creationId xmlns:a16="http://schemas.microsoft.com/office/drawing/2014/main" id="{8B16FA6F-AD48-B6E1-41F9-ACED4B6631EE}"/>
+              </a:ext>
+            </a:extLst>
+          </p:cNvPr>
+          <p:cNvSpPr>
+            <a:spLocks noGrp="1"/>
+          </p:cNvSpPr>
+          <p:nvPr>
+            <p:ph idx="1"/>
+          </p:nvPr>
+        </p:nvSpPr>
+        <p:spPr>
+          <a:xfrm>
+            <a:off x="319090" y="1762188"/>
+            <a:ext cx="8508999" cy="4699572"/>
+          </a:xfrm>
+        </p:spPr>
+        <p:txBody>
+          <a:bodyPr/>
+          <a:lstStyle/>
+          <a:p>
+            <a:r>
+              <a:rPr b="1" dirty="0"/>
+              <a:t>See: </a:t>
+            </a:r>
+          </a:p>
+          <a:p>
+            <a:pPr marL="285750" indent="-285750">
+              <a:buFont typeface="Arial" panose="020B0604020202020204" pitchFamily="34" charset="0"/>
+              <a:buChar char="•"/>
+            </a:pPr>
+            <a:r>
+              <a:rPr lang="en-US" dirty="0">
+                <a:hlinkClick r:id="rId3"/>
+              </a:rPr>
+              <a:t>A Comparison of Adaptive Radix Trees and Hash Tables</a:t>
+            </a:r>
+            <a:r>
+              <a:rPr lang="en-US" dirty="0"/>
+              <a:t> (IEEE, 2015)</a:t>
+            </a:r>
+          </a:p>
+          <a:p>
+            <a:pPr marL="285750" indent="-285750">
+              <a:buFont typeface="Arial" panose="020B0604020202020204" pitchFamily="34" charset="0"/>
+              <a:buChar char="•"/>
+            </a:pPr>
+            <a:r>
+              <a:rPr lang="en-US" dirty="0">
+                <a:hlinkClick r:id="rId4"/>
+              </a:rPr>
+              <a:t>Building a </a:t>
+            </a:r>
+            <a:r>
+              <a:rPr lang="en-US" dirty="0" err="1">
+                <a:hlinkClick r:id="rId4"/>
+              </a:rPr>
+              <a:t>Bw</a:t>
+            </a:r>
+            <a:r>
+              <a:rPr lang="en-US" dirty="0">
+                <a:hlinkClick r:id="rId4"/>
+              </a:rPr>
+              <a:t>-Tree Takes More Than Just Buzz Words</a:t>
+            </a:r>
+            <a:r>
+              <a:rPr lang="en-US" dirty="0"/>
+              <a:t> (SIGMOD, 2018)</a:t>
+            </a:r>
+          </a:p>
+          <a:p>
+            <a:endParaRPr dirty="0"/>
+          </a:p>
+          <a:p>
+            <a:pPr marL="285750" indent="-285750">
+              <a:buFont typeface="Arial" panose="020B0604020202020204" pitchFamily="34" charset="0"/>
+              <a:buChar char="•"/>
+            </a:pPr>
+            <a:endParaRPr dirty="0"/>
+          </a:p>
+        </p:txBody>
+      </p:sp>
+    </p:spTree>
+    <p:extLst>
+      <p:ext uri="{BB962C8B-B14F-4D97-AF65-F5344CB8AC3E}">
+        <p14:creationId xmlns:p14="http://schemas.microsoft.com/office/powerpoint/2010/main" val="4003479443"/>
       </p:ext>
     </p:extLst>
   </p:cSld>

--- a/Presentation/The Adaptive Radix Tree.pptx
+++ b/Presentation/The Adaptive Radix Tree.pptx
@@ -10,10 +10,10 @@
     <p:sldMasterId id="2147483697" r:id="rId6"/>
   </p:sldMasterIdLst>
   <p:notesMasterIdLst>
-    <p:notesMasterId r:id="rId47"/>
+    <p:notesMasterId r:id="rId46"/>
   </p:notesMasterIdLst>
   <p:handoutMasterIdLst>
-    <p:handoutMasterId r:id="rId48"/>
+    <p:handoutMasterId r:id="rId47"/>
   </p:handoutMasterIdLst>
   <p:sldIdLst>
     <p:sldId id="355" r:id="rId7"/>
@@ -37,25 +37,24 @@
     <p:sldId id="425" r:id="rId25"/>
     <p:sldId id="435" r:id="rId26"/>
     <p:sldId id="398" r:id="rId27"/>
-    <p:sldId id="436" r:id="rId28"/>
-    <p:sldId id="399" r:id="rId29"/>
-    <p:sldId id="400" r:id="rId30"/>
-    <p:sldId id="426" r:id="rId31"/>
-    <p:sldId id="430" r:id="rId32"/>
-    <p:sldId id="431" r:id="rId33"/>
-    <p:sldId id="434" r:id="rId34"/>
-    <p:sldId id="438" r:id="rId35"/>
-    <p:sldId id="439" r:id="rId36"/>
-    <p:sldId id="401" r:id="rId37"/>
-    <p:sldId id="432" r:id="rId38"/>
-    <p:sldId id="437" r:id="rId39"/>
-    <p:sldId id="420" r:id="rId40"/>
-    <p:sldId id="421" r:id="rId41"/>
-    <p:sldId id="422" r:id="rId42"/>
-    <p:sldId id="423" r:id="rId43"/>
-    <p:sldId id="424" r:id="rId44"/>
-    <p:sldId id="429" r:id="rId45"/>
-    <p:sldId id="433" r:id="rId46"/>
+    <p:sldId id="399" r:id="rId28"/>
+    <p:sldId id="400" r:id="rId29"/>
+    <p:sldId id="426" r:id="rId30"/>
+    <p:sldId id="430" r:id="rId31"/>
+    <p:sldId id="431" r:id="rId32"/>
+    <p:sldId id="434" r:id="rId33"/>
+    <p:sldId id="438" r:id="rId34"/>
+    <p:sldId id="439" r:id="rId35"/>
+    <p:sldId id="401" r:id="rId36"/>
+    <p:sldId id="432" r:id="rId37"/>
+    <p:sldId id="437" r:id="rId38"/>
+    <p:sldId id="420" r:id="rId39"/>
+    <p:sldId id="421" r:id="rId40"/>
+    <p:sldId id="422" r:id="rId41"/>
+    <p:sldId id="423" r:id="rId42"/>
+    <p:sldId id="424" r:id="rId43"/>
+    <p:sldId id="429" r:id="rId44"/>
+    <p:sldId id="433" r:id="rId45"/>
   </p:sldIdLst>
   <p:sldSz cx="9144000" cy="6858000" type="screen4x3"/>
   <p:notesSz cx="9925050" cy="6665913"/>
@@ -234,7 +233,6 @@
           <p14:sldIdLst>
             <p14:sldId id="435"/>
             <p14:sldId id="398"/>
-            <p14:sldId id="436"/>
             <p14:sldId id="399"/>
             <p14:sldId id="400"/>
             <p14:sldId id="426"/>
@@ -831,10 +829,10 @@
                   <c:v>0.12</c:v>
                 </c:pt>
                 <c:pt idx="1">
-                  <c:v>22.28</c:v>
+                  <c:v>0.13700000000000001</c:v>
                 </c:pt>
                 <c:pt idx="2">
-                  <c:v>3.42</c:v>
+                  <c:v>1.008</c:v>
                 </c:pt>
                 <c:pt idx="3">
                   <c:v>1.04</c:v>
@@ -923,7 +921,7 @@
                   <c:v>0</c:v>
                 </c:pt>
                 <c:pt idx="2">
-                  <c:v>8.85</c:v>
+                  <c:v>5.0449999999999999</c:v>
                 </c:pt>
                 <c:pt idx="3">
                   <c:v>4.13</c:v>
@@ -1124,440 +1122,6 @@
 </file>
 
 <file path=ppt/charts/chart3.xml><?xml version="1.0" encoding="utf-8"?>
-<c:chartSpace xmlns:c="http://schemas.openxmlformats.org/drawingml/2006/chart" xmlns:a="http://schemas.openxmlformats.org/drawingml/2006/main" xmlns:r="http://schemas.openxmlformats.org/officeDocument/2006/relationships" xmlns:c16r2="http://schemas.microsoft.com/office/drawing/2015/06/chart">
-  <c:date1904 val="0"/>
-  <c:lang val="en-US"/>
-  <c:roundedCorners val="0"/>
-  <mc:AlternateContent xmlns:mc="http://schemas.openxmlformats.org/markup-compatibility/2006">
-    <mc:Choice xmlns:c14="http://schemas.microsoft.com/office/drawing/2007/8/2/chart" Requires="c14">
-      <c14:style val="102"/>
-    </mc:Choice>
-    <mc:Fallback>
-      <c:style val="2"/>
-    </mc:Fallback>
-  </mc:AlternateContent>
-  <c:chart>
-    <c:title>
-      <c:tx>
-        <c:rich>
-          <a:bodyPr/>
-          <a:lstStyle/>
-          <a:p>
-            <a:pPr>
-              <a:defRPr/>
-            </a:pPr>
-            <a:r>
-              <a:rPr lang="de-DE" sz="1600" b="1" dirty="0"/>
-              <a:t>16M </a:t>
-            </a:r>
-            <a:r>
-              <a:rPr lang="de-DE" sz="1600" b="1" dirty="0" err="1"/>
-              <a:t>random</a:t>
-            </a:r>
-            <a:r>
-              <a:rPr lang="de-DE" sz="1600" b="1" dirty="0"/>
-              <a:t> uint32_t</a:t>
-            </a:r>
-            <a:r>
-              <a:rPr lang="de-DE" sz="1600" b="1" baseline="0" dirty="0"/>
-              <a:t> </a:t>
-            </a:r>
-            <a:r>
-              <a:rPr lang="de-DE" sz="1600" b="1" baseline="0" dirty="0" err="1"/>
-              <a:t>keys</a:t>
-            </a:r>
-            <a:r>
-              <a:rPr lang="de-DE" sz="1600" b="1" baseline="0" dirty="0"/>
-              <a:t> </a:t>
-            </a:r>
-            <a:br>
-              <a:rPr lang="de-DE" sz="1600" b="0" baseline="0" dirty="0"/>
-            </a:br>
-            <a:r>
-              <a:rPr lang="de-DE" sz="1600" b="0" baseline="0" dirty="0"/>
-              <a:t>(</a:t>
-            </a:r>
-            <a:r>
-              <a:rPr lang="de-DE" sz="1600" b="0" baseline="0" dirty="0" err="1"/>
-              <a:t>lower</a:t>
-            </a:r>
-            <a:r>
-              <a:rPr lang="de-DE" sz="1600" b="0" baseline="0" dirty="0"/>
-              <a:t> </a:t>
-            </a:r>
-            <a:r>
-              <a:rPr lang="de-DE" sz="1600" b="0" baseline="0" dirty="0" err="1"/>
-              <a:t>is</a:t>
-            </a:r>
-            <a:r>
-              <a:rPr lang="de-DE" sz="1600" b="0" baseline="0" dirty="0"/>
-              <a:t> </a:t>
-            </a:r>
-            <a:r>
-              <a:rPr lang="de-DE" sz="1600" b="0" baseline="0" dirty="0" err="1"/>
-              <a:t>better</a:t>
-            </a:r>
-            <a:r>
-              <a:rPr lang="de-DE" sz="1600" b="0" baseline="0" dirty="0"/>
-              <a:t>)</a:t>
-            </a:r>
-            <a:endParaRPr lang="de-DE" sz="1600" b="0" dirty="0"/>
-          </a:p>
-        </c:rich>
-      </c:tx>
-      <c:overlay val="0"/>
-    </c:title>
-    <c:autoTitleDeleted val="0"/>
-    <c:plotArea>
-      <c:layout/>
-      <c:barChart>
-        <c:barDir val="col"/>
-        <c:grouping val="clustered"/>
-        <c:varyColors val="0"/>
-        <c:ser>
-          <c:idx val="0"/>
-          <c:order val="0"/>
-          <c:tx>
-            <c:strRef>
-              <c:f>Tabelle1!$B$1</c:f>
-              <c:strCache>
-                <c:ptCount val="1"/>
-                <c:pt idx="0">
-                  <c:v>Dense</c:v>
-                </c:pt>
-              </c:strCache>
-            </c:strRef>
-          </c:tx>
-          <c:spPr>
-            <a:solidFill>
-              <a:schemeClr val="accent1"/>
-            </a:solidFill>
-            <a:ln>
-              <a:noFill/>
-            </a:ln>
-            <a:effectLst/>
-          </c:spPr>
-          <c:invertIfNegative val="0"/>
-          <c:cat>
-            <c:strRef>
-              <c:f>Tabelle1!$A$2:$A$7</c:f>
-              <c:strCache>
-                <c:ptCount val="6"/>
-                <c:pt idx="0">
-                  <c:v>ART</c:v>
-                </c:pt>
-                <c:pt idx="1">
-                  <c:v>M-Trie</c:v>
-                </c:pt>
-                <c:pt idx="2">
-                  <c:v>H-Trie</c:v>
-                </c:pt>
-                <c:pt idx="3">
-                  <c:v>Sorted List</c:v>
-                </c:pt>
-                <c:pt idx="4">
-                  <c:v>Hash-Table</c:v>
-                </c:pt>
-                <c:pt idx="5">
-                  <c:v>RB-Tree</c:v>
-                </c:pt>
-              </c:strCache>
-            </c:strRef>
-          </c:cat>
-          <c:val>
-            <c:numRef>
-              <c:f>Tabelle1!$B$2:$B$7</c:f>
-              <c:numCache>
-                <c:formatCode>0.00</c:formatCode>
-                <c:ptCount val="6"/>
-                <c:pt idx="0">
-                  <c:v>0.12</c:v>
-                </c:pt>
-                <c:pt idx="1">
-                  <c:v>3.42</c:v>
-                </c:pt>
-                <c:pt idx="2">
-                  <c:v>1.04</c:v>
-                </c:pt>
-                <c:pt idx="3">
-                  <c:v>0.06</c:v>
-                </c:pt>
-                <c:pt idx="4">
-                  <c:v>1.01</c:v>
-                </c:pt>
-                <c:pt idx="5">
-                  <c:v>0.83</c:v>
-                </c:pt>
-              </c:numCache>
-            </c:numRef>
-          </c:val>
-          <c:extLst>
-            <c:ext xmlns:c16="http://schemas.microsoft.com/office/drawing/2014/chart" uri="{C3380CC4-5D6E-409C-BE32-E72D297353CC}">
-              <c16:uniqueId val="{00000000-864A-BE4E-BE37-093C989B9D1D}"/>
-            </c:ext>
-          </c:extLst>
-        </c:ser>
-        <c:ser>
-          <c:idx val="1"/>
-          <c:order val="1"/>
-          <c:tx>
-            <c:strRef>
-              <c:f>Tabelle1!$C$1</c:f>
-              <c:strCache>
-                <c:ptCount val="1"/>
-                <c:pt idx="0">
-                  <c:v>Sparse</c:v>
-                </c:pt>
-              </c:strCache>
-            </c:strRef>
-          </c:tx>
-          <c:spPr>
-            <a:solidFill>
-              <a:schemeClr val="accent2"/>
-            </a:solidFill>
-            <a:ln>
-              <a:noFill/>
-            </a:ln>
-            <a:effectLst/>
-          </c:spPr>
-          <c:invertIfNegative val="0"/>
-          <c:cat>
-            <c:strRef>
-              <c:f>Tabelle1!$A$2:$A$7</c:f>
-              <c:strCache>
-                <c:ptCount val="6"/>
-                <c:pt idx="0">
-                  <c:v>ART</c:v>
-                </c:pt>
-                <c:pt idx="1">
-                  <c:v>M-Trie</c:v>
-                </c:pt>
-                <c:pt idx="2">
-                  <c:v>H-Trie</c:v>
-                </c:pt>
-                <c:pt idx="3">
-                  <c:v>Sorted List</c:v>
-                </c:pt>
-                <c:pt idx="4">
-                  <c:v>Hash-Table</c:v>
-                </c:pt>
-                <c:pt idx="5">
-                  <c:v>RB-Tree</c:v>
-                </c:pt>
-              </c:strCache>
-            </c:strRef>
-          </c:cat>
-          <c:val>
-            <c:numRef>
-              <c:f>Tabelle1!$C$2:$C$7</c:f>
-              <c:numCache>
-                <c:formatCode>0.00</c:formatCode>
-                <c:ptCount val="6"/>
-                <c:pt idx="0">
-                  <c:v>0.51</c:v>
-                </c:pt>
-                <c:pt idx="1">
-                  <c:v>8.85</c:v>
-                </c:pt>
-                <c:pt idx="2">
-                  <c:v>4.13</c:v>
-                </c:pt>
-                <c:pt idx="3">
-                  <c:v>0.06</c:v>
-                </c:pt>
-                <c:pt idx="4">
-                  <c:v>1.45</c:v>
-                </c:pt>
-                <c:pt idx="5">
-                  <c:v>1.31</c:v>
-                </c:pt>
-              </c:numCache>
-            </c:numRef>
-          </c:val>
-          <c:extLst>
-            <c:ext xmlns:c16="http://schemas.microsoft.com/office/drawing/2014/chart" uri="{C3380CC4-5D6E-409C-BE32-E72D297353CC}">
-              <c16:uniqueId val="{00000001-864A-BE4E-BE37-093C989B9D1D}"/>
-            </c:ext>
-          </c:extLst>
-        </c:ser>
-        <c:dLbls>
-          <c:showLegendKey val="0"/>
-          <c:showVal val="0"/>
-          <c:showCatName val="0"/>
-          <c:showSerName val="0"/>
-          <c:showPercent val="0"/>
-          <c:showBubbleSize val="0"/>
-        </c:dLbls>
-        <c:gapWidth val="219"/>
-        <c:overlap val="-27"/>
-        <c:axId val="50529792"/>
-        <c:axId val="50531328"/>
-      </c:barChart>
-      <c:catAx>
-        <c:axId val="50529792"/>
-        <c:scaling>
-          <c:orientation val="minMax"/>
-        </c:scaling>
-        <c:delete val="0"/>
-        <c:axPos val="b"/>
-        <c:numFmt formatCode="General" sourceLinked="1"/>
-        <c:majorTickMark val="none"/>
-        <c:minorTickMark val="none"/>
-        <c:tickLblPos val="nextTo"/>
-        <c:spPr>
-          <a:noFill/>
-          <a:ln w="9525" cap="flat" cmpd="sng" algn="ctr">
-            <a:solidFill>
-              <a:schemeClr val="tx1">
-                <a:lumMod val="15000"/>
-                <a:lumOff val="85000"/>
-              </a:schemeClr>
-            </a:solidFill>
-            <a:round/>
-          </a:ln>
-          <a:effectLst/>
-        </c:spPr>
-        <c:txPr>
-          <a:bodyPr rot="-60000000" spcFirstLastPara="1" vertOverflow="ellipsis" vert="horz" wrap="square" anchor="ctr" anchorCtr="1"/>
-          <a:lstStyle/>
-          <a:p>
-            <a:pPr>
-              <a:defRPr sz="1400" b="0" i="0" u="none" strike="noStrike" kern="1200" baseline="0">
-                <a:solidFill>
-                  <a:schemeClr val="tx1">
-                    <a:lumMod val="65000"/>
-                    <a:lumOff val="35000"/>
-                  </a:schemeClr>
-                </a:solidFill>
-                <a:latin typeface="+mn-lt"/>
-                <a:ea typeface="+mn-ea"/>
-                <a:cs typeface="+mn-cs"/>
-              </a:defRPr>
-            </a:pPr>
-            <a:endParaRPr lang="en-US"/>
-          </a:p>
-        </c:txPr>
-        <c:crossAx val="50531328"/>
-        <c:crosses val="autoZero"/>
-        <c:auto val="1"/>
-        <c:lblAlgn val="ctr"/>
-        <c:lblOffset val="100"/>
-        <c:noMultiLvlLbl val="0"/>
-      </c:catAx>
-      <c:valAx>
-        <c:axId val="50531328"/>
-        <c:scaling>
-          <c:orientation val="minMax"/>
-        </c:scaling>
-        <c:delete val="0"/>
-        <c:axPos val="l"/>
-        <c:majorGridlines>
-          <c:spPr>
-            <a:ln w="9525" cap="flat" cmpd="sng" algn="ctr">
-              <a:solidFill>
-                <a:schemeClr val="tx1">
-                  <a:lumMod val="15000"/>
-                  <a:lumOff val="85000"/>
-                </a:schemeClr>
-              </a:solidFill>
-              <a:round/>
-            </a:ln>
-            <a:effectLst/>
-          </c:spPr>
-        </c:majorGridlines>
-        <c:title>
-          <c:tx>
-            <c:rich>
-              <a:bodyPr/>
-              <a:lstStyle/>
-              <a:p>
-                <a:pPr>
-                  <a:defRPr/>
-                </a:pPr>
-                <a:r>
-                  <a:rPr lang="de-DE" dirty="0"/>
-                  <a:t>Memory in GB</a:t>
-                </a:r>
-              </a:p>
-            </c:rich>
-          </c:tx>
-          <c:overlay val="0"/>
-        </c:title>
-        <c:numFmt formatCode="0" sourceLinked="0"/>
-        <c:majorTickMark val="none"/>
-        <c:minorTickMark val="none"/>
-        <c:tickLblPos val="nextTo"/>
-        <c:spPr>
-          <a:noFill/>
-          <a:ln>
-            <a:noFill/>
-          </a:ln>
-          <a:effectLst/>
-        </c:spPr>
-        <c:txPr>
-          <a:bodyPr rot="-60000000" spcFirstLastPara="1" vertOverflow="ellipsis" vert="horz" wrap="square" anchor="ctr" anchorCtr="1"/>
-          <a:lstStyle/>
-          <a:p>
-            <a:pPr>
-              <a:defRPr sz="1197" b="0" i="0" u="none" strike="noStrike" kern="1200" baseline="0">
-                <a:solidFill>
-                  <a:schemeClr val="tx1">
-                    <a:lumMod val="65000"/>
-                    <a:lumOff val="35000"/>
-                  </a:schemeClr>
-                </a:solidFill>
-                <a:latin typeface="+mn-lt"/>
-                <a:ea typeface="+mn-ea"/>
-                <a:cs typeface="+mn-cs"/>
-              </a:defRPr>
-            </a:pPr>
-            <a:endParaRPr lang="en-US"/>
-          </a:p>
-        </c:txPr>
-        <c:crossAx val="50529792"/>
-        <c:crosses val="autoZero"/>
-        <c:crossBetween val="between"/>
-      </c:valAx>
-      <c:spPr>
-        <a:noFill/>
-        <a:ln>
-          <a:noFill/>
-        </a:ln>
-        <a:effectLst/>
-      </c:spPr>
-    </c:plotArea>
-    <c:legend>
-      <c:legendPos val="b"/>
-      <c:overlay val="0"/>
-    </c:legend>
-    <c:plotVisOnly val="1"/>
-    <c:dispBlanksAs val="gap"/>
-    <c:showDLblsOverMax val="0"/>
-  </c:chart>
-  <c:spPr>
-    <a:noFill/>
-    <a:ln>
-      <a:noFill/>
-    </a:ln>
-    <a:effectLst/>
-  </c:spPr>
-  <c:txPr>
-    <a:bodyPr/>
-    <a:lstStyle/>
-    <a:p>
-      <a:pPr>
-        <a:defRPr/>
-      </a:pPr>
-      <a:endParaRPr lang="en-US"/>
-    </a:p>
-  </c:txPr>
-  <c:externalData r:id="rId1">
-    <c:autoUpdate val="0"/>
-  </c:externalData>
-</c:chartSpace>
-</file>
-
-<file path=ppt/charts/chart4.xml><?xml version="1.0" encoding="utf-8"?>
 <c:chartSpace xmlns:c="http://schemas.openxmlformats.org/drawingml/2006/chart" xmlns:a="http://schemas.openxmlformats.org/drawingml/2006/main" xmlns:r="http://schemas.openxmlformats.org/officeDocument/2006/relationships" xmlns:c16r2="http://schemas.microsoft.com/office/drawing/2015/06/chart">
   <c:date1904 val="0"/>
   <c:lang val="en-US"/>
@@ -2095,7 +1659,7 @@
 </c:chartSpace>
 </file>
 
-<file path=ppt/charts/chart5.xml><?xml version="1.0" encoding="utf-8"?>
+<file path=ppt/charts/chart4.xml><?xml version="1.0" encoding="utf-8"?>
 <c:chartSpace xmlns:c="http://schemas.openxmlformats.org/drawingml/2006/chart" xmlns:a="http://schemas.openxmlformats.org/drawingml/2006/main" xmlns:r="http://schemas.openxmlformats.org/officeDocument/2006/relationships" xmlns:c16r2="http://schemas.microsoft.com/office/drawing/2015/06/chart">
   <c:date1904 val="0"/>
   <c:lang val="en-US"/>
@@ -2277,25 +1841,25 @@
                 <c:formatCode>0.00</c:formatCode>
                 <c:ptCount val="7"/>
                 <c:pt idx="0">
-                  <c:v>32.5</c:v>
+                  <c:v>31.416</c:v>
                 </c:pt>
                 <c:pt idx="1">
-                  <c:v>1.6539999999999999</c:v>
+                  <c:v>116.61</c:v>
                 </c:pt>
                 <c:pt idx="2">
-                  <c:v>2.2890000000000001</c:v>
+                  <c:v>3.2808999999999999</c:v>
                 </c:pt>
                 <c:pt idx="3">
-                  <c:v>4.194</c:v>
+                  <c:v>3.9451999999999998</c:v>
                 </c:pt>
                 <c:pt idx="4">
-                  <c:v>19.696999999999999</c:v>
+                  <c:v>16.2378</c:v>
                 </c:pt>
                 <c:pt idx="5">
-                  <c:v>15.853999999999999</c:v>
+                  <c:v>13.449</c:v>
                 </c:pt>
                 <c:pt idx="6">
-                  <c:v>4.9240000000000004</c:v>
+                  <c:v>4.7389999999999999</c:v>
                 </c:pt>
               </c:numCache>
             </c:numRef>
@@ -2366,25 +1930,25 @@
                 <c:formatCode>0.00</c:formatCode>
                 <c:ptCount val="7"/>
                 <c:pt idx="0">
-                  <c:v>21.667000000000002</c:v>
+                  <c:v>19.350000000000001</c:v>
                 </c:pt>
                 <c:pt idx="1">
-                  <c:v>0.39200000000000002</c:v>
+                  <c:v>0.59699999999999998</c:v>
                 </c:pt>
                 <c:pt idx="2">
-                  <c:v>1.016</c:v>
+                  <c:v>1.1000000000000001</c:v>
                 </c:pt>
                 <c:pt idx="3">
-                  <c:v>1.006</c:v>
+                  <c:v>0.89900000000000002</c:v>
                 </c:pt>
                 <c:pt idx="4">
-                  <c:v>18.056000000000001</c:v>
+                  <c:v>16.27</c:v>
                 </c:pt>
                 <c:pt idx="5">
-                  <c:v>10.833</c:v>
+                  <c:v>9.3849999999999998</c:v>
                 </c:pt>
                 <c:pt idx="6">
-                  <c:v>4.0629999999999997</c:v>
+                  <c:v>3.714</c:v>
                 </c:pt>
               </c:numCache>
             </c:numRef>
@@ -2645,7 +2209,7 @@
 </c:chartSpace>
 </file>
 
-<file path=ppt/charts/chart6.xml><?xml version="1.0" encoding="utf-8"?>
+<file path=ppt/charts/chart5.xml><?xml version="1.0" encoding="utf-8"?>
 <c:chartSpace xmlns:c="http://schemas.openxmlformats.org/drawingml/2006/chart" xmlns:a="http://schemas.openxmlformats.org/drawingml/2006/main" xmlns:r="http://schemas.openxmlformats.org/officeDocument/2006/relationships" xmlns:c16r2="http://schemas.microsoft.com/office/drawing/2015/06/chart">
   <c:date1904 val="0"/>
   <c:lang val="en-US"/>
@@ -3183,7 +2747,7 @@
 </c:chartSpace>
 </file>
 
-<file path=ppt/charts/chart7.xml><?xml version="1.0" encoding="utf-8"?>
+<file path=ppt/charts/chart6.xml><?xml version="1.0" encoding="utf-8"?>
 <c:chartSpace xmlns:c="http://schemas.openxmlformats.org/drawingml/2006/chart" xmlns:a="http://schemas.openxmlformats.org/drawingml/2006/main" xmlns:r="http://schemas.openxmlformats.org/officeDocument/2006/relationships" xmlns:c16r2="http://schemas.microsoft.com/office/drawing/2015/06/chart">
   <c:date1904 val="0"/>
   <c:lang val="en-US"/>
@@ -3365,25 +2929,25 @@
                 <c:formatCode>0.00</c:formatCode>
                 <c:ptCount val="7"/>
                 <c:pt idx="0">
-                  <c:v>65</c:v>
+                  <c:v>52.33</c:v>
                 </c:pt>
                 <c:pt idx="1">
-                  <c:v>0</c:v>
+                  <c:v>183.94</c:v>
                 </c:pt>
                 <c:pt idx="2">
-                  <c:v>3.3849999999999998</c:v>
+                  <c:v>3.9390000000000001</c:v>
                 </c:pt>
                 <c:pt idx="3">
-                  <c:v>6.31</c:v>
+                  <c:v>5.3849999999999998</c:v>
                 </c:pt>
                 <c:pt idx="4">
-                  <c:v>13</c:v>
+                  <c:v>11.978</c:v>
                 </c:pt>
                 <c:pt idx="5">
-                  <c:v>0</c:v>
+                  <c:v>104.705</c:v>
                 </c:pt>
                 <c:pt idx="6">
-                  <c:v>6.4349999999999996</c:v>
+                  <c:v>5.7069999999999999</c:v>
                 </c:pt>
               </c:numCache>
             </c:numRef>
@@ -3454,25 +3018,25 @@
                 <c:formatCode>0.00</c:formatCode>
                 <c:ptCount val="7"/>
                 <c:pt idx="0">
-                  <c:v>65</c:v>
+                  <c:v>36.798000000000002</c:v>
                 </c:pt>
                 <c:pt idx="1">
-                  <c:v>16.25</c:v>
+                  <c:v>15.199</c:v>
                 </c:pt>
                 <c:pt idx="2">
-                  <c:v>1.3320000000000001</c:v>
+                  <c:v>1.33</c:v>
                 </c:pt>
                 <c:pt idx="3">
-                  <c:v>1.6579999999999999</c:v>
+                  <c:v>1.532</c:v>
                 </c:pt>
                 <c:pt idx="4">
-                  <c:v>13</c:v>
+                  <c:v>12.25</c:v>
                 </c:pt>
                 <c:pt idx="5">
-                  <c:v>65</c:v>
+                  <c:v>50.31</c:v>
                 </c:pt>
                 <c:pt idx="6">
-                  <c:v>5.4160000000000004</c:v>
+                  <c:v>4.7210000000000001</c:v>
                 </c:pt>
               </c:numCache>
             </c:numRef>
@@ -8663,6 +8227,121 @@
               <a:rPr lang="de-DE" dirty="0" err="1"/>
               <a:t>memory</a:t>
             </a:r>
+            <a:r>
+              <a:rPr lang="de-DE" dirty="0"/>
+              <a:t> (&gt; 22 GB)</a:t>
+            </a:r>
+          </a:p>
+          <a:p>
+            <a:endParaRPr lang="de-DE" dirty="0"/>
+          </a:p>
+          <a:p>
+            <a:r>
+              <a:rPr lang="de-DE" dirty="0"/>
+              <a:t>ART:</a:t>
+            </a:r>
+          </a:p>
+          <a:p>
+            <a:r>
+              <a:rPr lang="de-DE" dirty="0" err="1"/>
+              <a:t>Dense</a:t>
+            </a:r>
+            <a:r>
+              <a:rPr lang="de-DE" dirty="0"/>
+              <a:t> = 130 MB ~ 8 Bytes per Key (</a:t>
+            </a:r>
+            <a:r>
+              <a:rPr lang="de-DE" dirty="0" err="1"/>
+              <a:t>similar</a:t>
+            </a:r>
+            <a:r>
+              <a:rPr lang="de-DE" dirty="0"/>
+              <a:t> </a:t>
+            </a:r>
+            <a:r>
+              <a:rPr lang="de-DE" dirty="0" err="1"/>
+              <a:t>to</a:t>
+            </a:r>
+            <a:r>
+              <a:rPr lang="de-DE" dirty="0"/>
+              <a:t> ART </a:t>
+            </a:r>
+            <a:r>
+              <a:rPr lang="de-DE" dirty="0" err="1"/>
+              <a:t>paper</a:t>
+            </a:r>
+            <a:r>
+              <a:rPr lang="de-DE" dirty="0"/>
+              <a:t> </a:t>
+            </a:r>
+            <a:r>
+              <a:rPr lang="de-DE" dirty="0" err="1"/>
+              <a:t>results</a:t>
+            </a:r>
+            <a:r>
+              <a:rPr lang="de-DE" dirty="0"/>
+              <a:t>)</a:t>
+            </a:r>
+          </a:p>
+          <a:p>
+            <a:r>
+              <a:rPr lang="de-DE" dirty="0" err="1"/>
+              <a:t>Sparse</a:t>
+            </a:r>
+            <a:r>
+              <a:rPr lang="de-DE" dirty="0"/>
+              <a:t> = 500 MB ~ 32 </a:t>
+            </a:r>
+            <a:r>
+              <a:rPr lang="de-DE" dirty="0" err="1"/>
+              <a:t>BpK</a:t>
+            </a:r>
+            <a:endParaRPr lang="de-DE" dirty="0"/>
+          </a:p>
+          <a:p>
+            <a:endParaRPr lang="de-DE" dirty="0"/>
+          </a:p>
+          <a:p>
+            <a:r>
+              <a:rPr lang="de-DE" dirty="0" err="1"/>
+              <a:t>Sorted</a:t>
+            </a:r>
+            <a:r>
+              <a:rPr lang="de-DE" dirty="0"/>
+              <a:t> List:</a:t>
+            </a:r>
+          </a:p>
+          <a:p>
+            <a:r>
+              <a:rPr lang="de-DE" dirty="0"/>
+              <a:t>64 MB ~ 4 </a:t>
+            </a:r>
+            <a:r>
+              <a:rPr lang="de-DE" dirty="0" err="1"/>
+              <a:t>BpK</a:t>
+            </a:r>
+            <a:r>
+              <a:rPr lang="de-DE" dirty="0"/>
+              <a:t> (</a:t>
+            </a:r>
+            <a:r>
+              <a:rPr lang="de-DE" dirty="0" err="1"/>
+              <a:t>since</a:t>
+            </a:r>
+            <a:r>
+              <a:rPr lang="de-DE" dirty="0"/>
+              <a:t> 32bit integer </a:t>
+            </a:r>
+            <a:r>
+              <a:rPr lang="de-DE" dirty="0" err="1"/>
+              <a:t>list</a:t>
+            </a:r>
+            <a:r>
+              <a:rPr lang="de-DE" dirty="0"/>
+              <a:t>)</a:t>
+            </a:r>
+          </a:p>
+          <a:p>
             <a:endParaRPr lang="de-DE" dirty="0"/>
           </a:p>
         </p:txBody>
@@ -8753,17 +8432,241 @@
           <a:bodyPr/>
           <a:lstStyle/>
           <a:p>
-            <a:r>
-              <a:rPr lang="de-DE" dirty="0"/>
-              <a:t>Same benchmark </a:t>
-            </a:r>
-            <a:r>
-              <a:rPr lang="de-DE" dirty="0" err="1"/>
-              <a:t>without</a:t>
-            </a:r>
-            <a:r>
-              <a:rPr lang="de-DE" dirty="0"/>
-              <a:t> Trie </a:t>
+            <a:pPr marL="0" marR="0" lvl="0" indent="0" algn="l" defTabSz="914400" rtl="0" eaLnBrk="1" fontAlgn="base" latinLnBrk="0" hangingPunct="1">
+              <a:lnSpc>
+                <a:spcPct val="100000"/>
+              </a:lnSpc>
+              <a:spcBef>
+                <a:spcPct val="30000"/>
+              </a:spcBef>
+              <a:spcAft>
+                <a:spcPct val="0"/>
+              </a:spcAft>
+              <a:buClrTx/>
+              <a:buSzTx/>
+              <a:buFontTx/>
+              <a:buNone/>
+              <a:tabLst/>
+              <a:defRPr/>
+            </a:pPr>
+            <a:r>
+              <a:rPr lang="de-DE" dirty="0"/>
+              <a:t>Trie </a:t>
+            </a:r>
+            <a:r>
+              <a:rPr lang="de-DE" dirty="0" err="1"/>
+              <a:t>implementation</a:t>
+            </a:r>
+            <a:r>
+              <a:rPr lang="de-DE" dirty="0"/>
+              <a:t> </a:t>
+            </a:r>
+            <a:r>
+              <a:rPr lang="de-DE" dirty="0" err="1"/>
+              <a:t>with</a:t>
+            </a:r>
+            <a:r>
+              <a:rPr lang="de-DE" dirty="0"/>
+              <a:t> 16M </a:t>
+            </a:r>
+            <a:r>
+              <a:rPr lang="de-DE" dirty="0" err="1"/>
+              <a:t>keys</a:t>
+            </a:r>
+            <a:r>
+              <a:rPr lang="de-DE" dirty="0"/>
+              <a:t> </a:t>
+            </a:r>
+            <a:r>
+              <a:rPr lang="de-DE" dirty="0" err="1"/>
+              <a:t>takes</a:t>
+            </a:r>
+            <a:r>
+              <a:rPr lang="de-DE" dirty="0"/>
+              <a:t> </a:t>
+            </a:r>
+            <a:r>
+              <a:rPr lang="de-DE" dirty="0" err="1"/>
+              <a:t>too</a:t>
+            </a:r>
+            <a:r>
+              <a:rPr lang="de-DE" dirty="0"/>
+              <a:t> </a:t>
+            </a:r>
+            <a:r>
+              <a:rPr lang="de-DE" dirty="0" err="1"/>
+              <a:t>much</a:t>
+            </a:r>
+            <a:r>
+              <a:rPr lang="de-DE" dirty="0"/>
+              <a:t> </a:t>
+            </a:r>
+            <a:r>
+              <a:rPr lang="de-DE" dirty="0" err="1"/>
+              <a:t>space</a:t>
+            </a:r>
+            <a:r>
+              <a:rPr lang="de-DE" dirty="0"/>
+              <a:t> </a:t>
+            </a:r>
+            <a:r>
+              <a:rPr lang="de-DE" dirty="0" err="1"/>
+              <a:t>to</a:t>
+            </a:r>
+            <a:r>
+              <a:rPr lang="de-DE" dirty="0"/>
+              <a:t> </a:t>
+            </a:r>
+            <a:r>
+              <a:rPr lang="de-DE" dirty="0" err="1"/>
+              <a:t>test</a:t>
+            </a:r>
+            <a:endParaRPr lang="de-DE" dirty="0"/>
+          </a:p>
+          <a:p>
+            <a:pPr marL="0" marR="0" lvl="0" indent="0" algn="l" defTabSz="914400" rtl="0" eaLnBrk="1" fontAlgn="base" latinLnBrk="0" hangingPunct="1">
+              <a:lnSpc>
+                <a:spcPct val="100000"/>
+              </a:lnSpc>
+              <a:spcBef>
+                <a:spcPct val="30000"/>
+              </a:spcBef>
+              <a:spcAft>
+                <a:spcPct val="0"/>
+              </a:spcAft>
+              <a:buClrTx/>
+              <a:buSzTx/>
+              <a:buFontTx/>
+              <a:buNone/>
+              <a:tabLst/>
+              <a:defRPr/>
+            </a:pPr>
+            <a:r>
+              <a:rPr lang="de-DE" dirty="0" err="1"/>
+              <a:t>Sorted</a:t>
+            </a:r>
+            <a:r>
+              <a:rPr lang="de-DE" dirty="0"/>
+              <a:t>-List </a:t>
+            </a:r>
+            <a:r>
+              <a:rPr lang="de-DE" dirty="0" err="1"/>
+              <a:t>bulk</a:t>
+            </a:r>
+            <a:r>
+              <a:rPr lang="de-DE" dirty="0"/>
+              <a:t> </a:t>
+            </a:r>
+            <a:r>
+              <a:rPr lang="de-DE" dirty="0" err="1"/>
+              <a:t>insert</a:t>
+            </a:r>
+            <a:endParaRPr lang="de-DE" dirty="0"/>
+          </a:p>
+          <a:p>
+            <a:pPr marL="0" marR="0" lvl="0" indent="0" algn="l" defTabSz="914400" rtl="0" eaLnBrk="1" fontAlgn="base" latinLnBrk="0" hangingPunct="1">
+              <a:lnSpc>
+                <a:spcPct val="100000"/>
+              </a:lnSpc>
+              <a:spcBef>
+                <a:spcPct val="30000"/>
+              </a:spcBef>
+              <a:spcAft>
+                <a:spcPct val="0"/>
+              </a:spcAft>
+              <a:buClrTx/>
+              <a:buSzTx/>
+              <a:buFontTx/>
+              <a:buNone/>
+              <a:tabLst/>
+              <a:defRPr/>
+            </a:pPr>
+            <a:endParaRPr lang="de-DE" dirty="0"/>
+          </a:p>
+          <a:p>
+            <a:pPr marL="0" marR="0" lvl="0" indent="0" algn="l" defTabSz="914400" rtl="0" eaLnBrk="1" fontAlgn="base" latinLnBrk="0" hangingPunct="1">
+              <a:lnSpc>
+                <a:spcPct val="100000"/>
+              </a:lnSpc>
+              <a:spcBef>
+                <a:spcPct val="30000"/>
+              </a:spcBef>
+              <a:spcAft>
+                <a:spcPct val="0"/>
+              </a:spcAft>
+              <a:buClrTx/>
+              <a:buSzTx/>
+              <a:buFontTx/>
+              <a:buNone/>
+              <a:tabLst/>
+              <a:defRPr/>
+            </a:pPr>
+            <a:r>
+              <a:rPr lang="de-DE" dirty="0"/>
+              <a:t>65k:</a:t>
+            </a:r>
+          </a:p>
+          <a:p>
+            <a:pPr marL="0" marR="0" lvl="0" indent="0" algn="l" defTabSz="914400" rtl="0" eaLnBrk="1" fontAlgn="base" latinLnBrk="0" hangingPunct="1">
+              <a:lnSpc>
+                <a:spcPct val="100000"/>
+              </a:lnSpc>
+              <a:spcBef>
+                <a:spcPct val="30000"/>
+              </a:spcBef>
+              <a:spcAft>
+                <a:spcPct val="0"/>
+              </a:spcAft>
+              <a:buClrTx/>
+              <a:buSzTx/>
+              <a:buFontTx/>
+              <a:buNone/>
+              <a:tabLst/>
+              <a:defRPr/>
+            </a:pPr>
+            <a:r>
+              <a:rPr lang="de-DE" dirty="0"/>
+              <a:t>ART </a:t>
+            </a:r>
+            <a:r>
+              <a:rPr lang="de-DE" dirty="0" err="1"/>
+              <a:t>faster</a:t>
+            </a:r>
+            <a:r>
+              <a:rPr lang="de-DE" dirty="0"/>
+              <a:t> </a:t>
+            </a:r>
+            <a:r>
+              <a:rPr lang="de-DE" dirty="0" err="1"/>
+              <a:t>than</a:t>
+            </a:r>
+            <a:r>
+              <a:rPr lang="de-DE" dirty="0"/>
+              <a:t> </a:t>
+            </a:r>
+            <a:r>
+              <a:rPr lang="de-DE" dirty="0" err="1"/>
+              <a:t>Sorted</a:t>
+            </a:r>
+            <a:r>
+              <a:rPr lang="de-DE" dirty="0"/>
+              <a:t> List </a:t>
+            </a:r>
+            <a:r>
+              <a:rPr lang="de-DE" dirty="0" err="1"/>
+              <a:t>because</a:t>
+            </a:r>
+            <a:r>
+              <a:rPr lang="de-DE" dirty="0"/>
+              <a:t> O(log k) </a:t>
+            </a:r>
+            <a:r>
+              <a:rPr lang="de-DE" dirty="0" err="1"/>
+              <a:t>vs</a:t>
+            </a:r>
+            <a:r>
+              <a:rPr lang="de-DE" dirty="0"/>
+              <a:t> O(log n) </a:t>
             </a:r>
             <a:r>
               <a:rPr lang="de-DE" dirty="0" err="1"/>
@@ -8775,7 +8678,35 @@
             </a:r>
             <a:r>
               <a:rPr lang="de-DE" dirty="0" err="1"/>
-              <a:t>better</a:t>
+              <a:t>sorting</a:t>
+            </a:r>
+            <a:endParaRPr lang="de-DE" dirty="0"/>
+          </a:p>
+          <a:p>
+            <a:pPr marL="0" marR="0" lvl="0" indent="0" algn="l" defTabSz="914400" rtl="0" eaLnBrk="1" fontAlgn="base" latinLnBrk="0" hangingPunct="1">
+              <a:lnSpc>
+                <a:spcPct val="100000"/>
+              </a:lnSpc>
+              <a:spcBef>
+                <a:spcPct val="30000"/>
+              </a:spcBef>
+              <a:spcAft>
+                <a:spcPct val="0"/>
+              </a:spcAft>
+              <a:buClrTx/>
+              <a:buSzTx/>
+              <a:buFontTx/>
+              <a:buNone/>
+              <a:tabLst/>
+              <a:defRPr/>
+            </a:pPr>
+            <a:r>
+              <a:rPr lang="de-DE" dirty="0"/>
+              <a:t>Other slow </a:t>
+            </a:r>
+            <a:r>
+              <a:rPr lang="de-DE" dirty="0" err="1"/>
+              <a:t>because</a:t>
             </a:r>
             <a:r>
               <a:rPr lang="de-DE" dirty="0"/>
@@ -8783,31 +8714,201 @@
             </a:r>
             <a:r>
               <a:rPr lang="de-DE" dirty="0" err="1"/>
-              <a:t>scale</a:t>
-            </a:r>
+              <a:t>of</a:t>
+            </a:r>
+            <a:r>
+              <a:rPr lang="de-DE" dirty="0"/>
+              <a:t> </a:t>
+            </a:r>
+            <a:r>
+              <a:rPr lang="de-DE" dirty="0" err="1"/>
+              <a:t>cache</a:t>
+            </a:r>
+            <a:r>
+              <a:rPr lang="de-DE" dirty="0"/>
+              <a:t> </a:t>
+            </a:r>
+            <a:r>
+              <a:rPr lang="de-DE" dirty="0" err="1"/>
+              <a:t>misses</a:t>
+            </a:r>
+            <a:r>
+              <a:rPr lang="de-DE" dirty="0"/>
+              <a:t>/</a:t>
+            </a:r>
+            <a:r>
+              <a:rPr lang="de-DE" dirty="0" err="1"/>
+              <a:t>repeated</a:t>
+            </a:r>
+            <a:r>
+              <a:rPr lang="de-DE" dirty="0"/>
+              <a:t> </a:t>
+            </a:r>
+            <a:r>
+              <a:rPr lang="de-DE" dirty="0" err="1"/>
+              <a:t>hashing</a:t>
+            </a:r>
+            <a:r>
+              <a:rPr lang="de-DE" dirty="0"/>
+              <a:t> (</a:t>
+            </a:r>
+            <a:r>
+              <a:rPr lang="de-DE" dirty="0" err="1"/>
+              <a:t>see</a:t>
+            </a:r>
+            <a:r>
+              <a:rPr lang="de-DE" dirty="0"/>
+              <a:t> </a:t>
+            </a:r>
+            <a:r>
+              <a:rPr lang="de-DE" dirty="0" err="1"/>
+              <a:t>previous</a:t>
+            </a:r>
+            <a:r>
+              <a:rPr lang="de-DE" dirty="0"/>
+              <a:t> </a:t>
+            </a:r>
+            <a:r>
+              <a:rPr lang="de-DE" dirty="0" err="1"/>
+              <a:t>slide</a:t>
+            </a:r>
+            <a:r>
+              <a:rPr lang="de-DE" dirty="0"/>
+              <a:t> </a:t>
+            </a:r>
+            <a:r>
+              <a:rPr lang="de-DE" dirty="0" err="1"/>
+              <a:t>for</a:t>
+            </a:r>
+            <a:r>
+              <a:rPr lang="de-DE" dirty="0"/>
+              <a:t> </a:t>
+            </a:r>
+            <a:r>
+              <a:rPr lang="de-DE" dirty="0" err="1"/>
+              <a:t>memory</a:t>
+            </a:r>
+            <a:r>
+              <a:rPr lang="de-DE" dirty="0"/>
+              <a:t> </a:t>
+            </a:r>
+            <a:r>
+              <a:rPr lang="de-DE" dirty="0" err="1"/>
+              <a:t>consumption</a:t>
+            </a:r>
+            <a:r>
+              <a:rPr lang="de-DE" dirty="0"/>
+              <a:t>. </a:t>
+            </a:r>
+            <a:r>
+              <a:rPr lang="de-DE" dirty="0" err="1"/>
+              <a:t>Except</a:t>
+            </a:r>
+            <a:r>
+              <a:rPr lang="de-DE" dirty="0"/>
+              <a:t> </a:t>
+            </a:r>
+            <a:r>
+              <a:rPr lang="de-DE" dirty="0" err="1"/>
+              <a:t>of</a:t>
+            </a:r>
+            <a:r>
+              <a:rPr lang="de-DE" dirty="0"/>
+              <a:t> </a:t>
+            </a:r>
+            <a:r>
+              <a:rPr lang="de-DE" dirty="0" err="1"/>
+              <a:t>course</a:t>
+            </a:r>
+            <a:r>
+              <a:rPr lang="de-DE" dirty="0"/>
+              <a:t> </a:t>
+            </a:r>
+            <a:r>
+              <a:rPr lang="de-DE" dirty="0" err="1"/>
+              <a:t>dense</a:t>
+            </a:r>
+            <a:r>
+              <a:rPr lang="de-DE" dirty="0"/>
+              <a:t> </a:t>
+            </a:r>
+            <a:r>
+              <a:rPr lang="de-DE" dirty="0" err="1"/>
+              <a:t>trie</a:t>
+            </a:r>
+            <a:r>
+              <a:rPr lang="de-DE" dirty="0"/>
+              <a:t>)</a:t>
+            </a:r>
+          </a:p>
+          <a:p>
+            <a:pPr marL="0" marR="0" lvl="0" indent="0" algn="l" defTabSz="914400" rtl="0" eaLnBrk="1" fontAlgn="base" latinLnBrk="0" hangingPunct="1">
+              <a:lnSpc>
+                <a:spcPct val="100000"/>
+              </a:lnSpc>
+              <a:spcBef>
+                <a:spcPct val="30000"/>
+              </a:spcBef>
+              <a:spcAft>
+                <a:spcPct val="0"/>
+              </a:spcAft>
+              <a:buClrTx/>
+              <a:buSzTx/>
+              <a:buFontTx/>
+              <a:buNone/>
+              <a:tabLst/>
+              <a:defRPr/>
+            </a:pPr>
             <a:endParaRPr lang="de-DE" dirty="0"/>
           </a:p>
           <a:p>
-            <a:endParaRPr lang="de-DE" dirty="0"/>
-          </a:p>
-          <a:p>
-            <a:r>
-              <a:rPr lang="de-DE" dirty="0"/>
-              <a:t>ART:</a:t>
-            </a:r>
-          </a:p>
-          <a:p>
-            <a:r>
-              <a:rPr lang="de-DE" dirty="0" err="1"/>
-              <a:t>Dense</a:t>
-            </a:r>
-            <a:r>
-              <a:rPr lang="de-DE" dirty="0"/>
-              <a:t> = 130 MB ~ 8 Bytes per Key (</a:t>
-            </a:r>
-            <a:r>
-              <a:rPr lang="de-DE" dirty="0" err="1"/>
-              <a:t>similar</a:t>
+            <a:pPr marL="0" marR="0" lvl="0" indent="0" algn="l" defTabSz="914400" rtl="0" eaLnBrk="1" fontAlgn="base" latinLnBrk="0" hangingPunct="1">
+              <a:lnSpc>
+                <a:spcPct val="100000"/>
+              </a:lnSpc>
+              <a:spcBef>
+                <a:spcPct val="30000"/>
+              </a:spcBef>
+              <a:spcAft>
+                <a:spcPct val="0"/>
+              </a:spcAft>
+              <a:buClrTx/>
+              <a:buSzTx/>
+              <a:buFontTx/>
+              <a:buNone/>
+              <a:tabLst/>
+              <a:defRPr/>
+            </a:pPr>
+            <a:r>
+              <a:rPr lang="de-DE" dirty="0"/>
+              <a:t>16M:</a:t>
+            </a:r>
+          </a:p>
+          <a:p>
+            <a:pPr marL="0" marR="0" lvl="0" indent="0" algn="l" defTabSz="914400" rtl="0" eaLnBrk="1" fontAlgn="base" latinLnBrk="0" hangingPunct="1">
+              <a:lnSpc>
+                <a:spcPct val="100000"/>
+              </a:lnSpc>
+              <a:spcBef>
+                <a:spcPct val="30000"/>
+              </a:spcBef>
+              <a:spcAft>
+                <a:spcPct val="0"/>
+              </a:spcAft>
+              <a:buClrTx/>
+              <a:buSzTx/>
+              <a:buFontTx/>
+              <a:buNone/>
+              <a:tabLst/>
+              <a:defRPr/>
+            </a:pPr>
+            <a:r>
+              <a:rPr lang="de-DE" dirty="0"/>
+              <a:t>ART </a:t>
+            </a:r>
+            <a:r>
+              <a:rPr lang="de-DE" dirty="0" err="1"/>
+              <a:t>now</a:t>
             </a:r>
             <a:r>
               <a:rPr lang="de-DE" dirty="0"/>
@@ -8815,15 +8916,7 @@
             </a:r>
             <a:r>
               <a:rPr lang="de-DE" dirty="0" err="1"/>
-              <a:t>to</a:t>
-            </a:r>
-            <a:r>
-              <a:rPr lang="de-DE" dirty="0"/>
-              <a:t> ART </a:t>
-            </a:r>
-            <a:r>
-              <a:rPr lang="de-DE" dirty="0" err="1"/>
-              <a:t>paper</a:t>
+              <a:t>slower</a:t>
             </a:r>
             <a:r>
               <a:rPr lang="de-DE" dirty="0"/>
@@ -8831,49 +8924,39 @@
             </a:r>
             <a:r>
               <a:rPr lang="de-DE" dirty="0" err="1"/>
-              <a:t>results</a:t>
-            </a:r>
-            <a:r>
-              <a:rPr lang="de-DE" dirty="0"/>
-              <a:t>)</a:t>
-            </a:r>
-          </a:p>
-          <a:p>
-            <a:r>
-              <a:rPr lang="de-DE" dirty="0" err="1"/>
-              <a:t>Sparse</a:t>
-            </a:r>
-            <a:r>
-              <a:rPr lang="de-DE" dirty="0"/>
-              <a:t> = 500 MB ~ 32 </a:t>
-            </a:r>
-            <a:r>
-              <a:rPr lang="de-DE" dirty="0" err="1"/>
-              <a:t>BpK</a:t>
-            </a:r>
-            <a:endParaRPr lang="de-DE" dirty="0"/>
-          </a:p>
-          <a:p>
-            <a:endParaRPr lang="de-DE" dirty="0"/>
-          </a:p>
-          <a:p>
+              <a:t>than</a:t>
+            </a:r>
+            <a:r>
+              <a:rPr lang="de-DE" dirty="0"/>
+              <a:t> </a:t>
+            </a:r>
             <a:r>
               <a:rPr lang="de-DE" dirty="0" err="1"/>
               <a:t>Sorted</a:t>
             </a:r>
             <a:r>
               <a:rPr lang="de-DE" dirty="0"/>
-              <a:t> List:</a:t>
-            </a:r>
-          </a:p>
-          <a:p>
-            <a:r>
-              <a:rPr lang="de-DE" dirty="0"/>
-              <a:t>64 MB ~ 4 </a:t>
-            </a:r>
-            <a:r>
-              <a:rPr lang="de-DE" dirty="0" err="1"/>
-              <a:t>BpK</a:t>
+              <a:t> List </a:t>
+            </a:r>
+            <a:r>
+              <a:rPr lang="de-DE" dirty="0" err="1"/>
+              <a:t>because</a:t>
+            </a:r>
+            <a:r>
+              <a:rPr lang="de-DE" dirty="0"/>
+              <a:t> </a:t>
+            </a:r>
+            <a:r>
+              <a:rPr lang="de-DE" dirty="0" err="1"/>
+              <a:t>cache</a:t>
+            </a:r>
+            <a:r>
+              <a:rPr lang="de-DE" dirty="0"/>
+              <a:t> </a:t>
+            </a:r>
+            <a:r>
+              <a:rPr lang="de-DE" dirty="0" err="1"/>
+              <a:t>misses</a:t>
             </a:r>
             <a:r>
               <a:rPr lang="de-DE" dirty="0"/>
@@ -8881,15 +8964,71 @@
             </a:r>
             <a:r>
               <a:rPr lang="de-DE" dirty="0" err="1"/>
-              <a:t>since</a:t>
-            </a:r>
-            <a:r>
-              <a:rPr lang="de-DE" dirty="0"/>
-              <a:t> 32bit integer </a:t>
-            </a:r>
-            <a:r>
-              <a:rPr lang="de-DE" dirty="0" err="1"/>
-              <a:t>list</a:t>
+              <a:t>can‘t</a:t>
+            </a:r>
+            <a:r>
+              <a:rPr lang="de-DE" dirty="0"/>
+              <a:t> hold all </a:t>
+            </a:r>
+            <a:r>
+              <a:rPr lang="de-DE" dirty="0" err="1"/>
+              <a:t>nodes</a:t>
+            </a:r>
+            <a:r>
+              <a:rPr lang="de-DE" dirty="0"/>
+              <a:t> in </a:t>
+            </a:r>
+            <a:r>
+              <a:rPr lang="de-DE" dirty="0" err="1"/>
+              <a:t>cache</a:t>
+            </a:r>
+            <a:r>
+              <a:rPr lang="de-DE" dirty="0"/>
+              <a:t>. Look back at </a:t>
+            </a:r>
+            <a:r>
+              <a:rPr lang="de-DE" dirty="0" err="1"/>
+              <a:t>memory</a:t>
+            </a:r>
+            <a:r>
+              <a:rPr lang="de-DE" dirty="0"/>
+              <a:t> </a:t>
+            </a:r>
+            <a:r>
+              <a:rPr lang="de-DE" dirty="0" err="1"/>
+              <a:t>usage</a:t>
+            </a:r>
+            <a:r>
+              <a:rPr lang="de-DE" dirty="0"/>
+              <a:t> </a:t>
+            </a:r>
+            <a:r>
+              <a:rPr lang="de-DE" dirty="0" err="1"/>
+              <a:t>for</a:t>
+            </a:r>
+            <a:r>
+              <a:rPr lang="de-DE" dirty="0"/>
+              <a:t> </a:t>
+            </a:r>
+            <a:r>
+              <a:rPr lang="de-DE" dirty="0" err="1"/>
+              <a:t>sparse</a:t>
+            </a:r>
+            <a:r>
+              <a:rPr lang="de-DE" dirty="0"/>
+              <a:t> 16M – </a:t>
+            </a:r>
+            <a:r>
+              <a:rPr lang="de-DE" dirty="0" err="1"/>
+              <a:t>previous</a:t>
+            </a:r>
+            <a:r>
+              <a:rPr lang="de-DE" dirty="0"/>
+              <a:t> </a:t>
+            </a:r>
+            <a:r>
+              <a:rPr lang="de-DE" dirty="0" err="1"/>
+              <a:t>slide</a:t>
             </a:r>
             <a:r>
               <a:rPr lang="de-DE" dirty="0"/>
@@ -8930,7 +9069,7 @@
     </p:spTree>
     <p:extLst>
       <p:ext uri="{BB962C8B-B14F-4D97-AF65-F5344CB8AC3E}">
-        <p14:creationId xmlns:p14="http://schemas.microsoft.com/office/powerpoint/2010/main" val="1398984340"/>
+        <p14:creationId xmlns:p14="http://schemas.microsoft.com/office/powerpoint/2010/main" val="266720536"/>
       </p:ext>
     </p:extLst>
   </p:cSld>
@@ -8984,30 +9123,13 @@
           <a:bodyPr/>
           <a:lstStyle/>
           <a:p>
-            <a:pPr marL="0" marR="0" lvl="0" indent="0" algn="l" defTabSz="914400" rtl="0" eaLnBrk="1" fontAlgn="base" latinLnBrk="0" hangingPunct="1">
-              <a:lnSpc>
-                <a:spcPct val="100000"/>
-              </a:lnSpc>
-              <a:spcBef>
-                <a:spcPct val="30000"/>
-              </a:spcBef>
-              <a:spcAft>
-                <a:spcPct val="0"/>
-              </a:spcAft>
-              <a:buClrTx/>
-              <a:buSzTx/>
-              <a:buFontTx/>
-              <a:buNone/>
-              <a:tabLst/>
-              <a:defRPr/>
-            </a:pPr>
-            <a:r>
-              <a:rPr lang="de-DE" dirty="0"/>
-              <a:t>Trie </a:t>
-            </a:r>
-            <a:r>
-              <a:rPr lang="de-DE" dirty="0" err="1"/>
-              <a:t>implementation</a:t>
+            <a:r>
+              <a:rPr lang="de-DE" dirty="0"/>
+              <a:t>Trie fast </a:t>
+            </a:r>
+            <a:r>
+              <a:rPr lang="de-DE" dirty="0" err="1"/>
+              <a:t>for</a:t>
             </a:r>
             <a:r>
               <a:rPr lang="de-DE" dirty="0"/>
@@ -9015,11 +9137,11 @@
             </a:r>
             <a:r>
               <a:rPr lang="de-DE" dirty="0" err="1"/>
-              <a:t>with</a:t>
-            </a:r>
-            <a:r>
-              <a:rPr lang="de-DE" dirty="0"/>
-              <a:t> 16M </a:t>
+              <a:t>dense</a:t>
+            </a:r>
+            <a:r>
+              <a:rPr lang="de-DE" dirty="0"/>
+              <a:t> </a:t>
             </a:r>
             <a:r>
               <a:rPr lang="de-DE" dirty="0" err="1"/>
@@ -9031,7 +9153,23 @@
             </a:r>
             <a:r>
               <a:rPr lang="de-DE" dirty="0" err="1"/>
-              <a:t>takes</a:t>
+              <a:t>since</a:t>
+            </a:r>
+            <a:r>
+              <a:rPr lang="de-DE" dirty="0"/>
+              <a:t> just </a:t>
+            </a:r>
+            <a:r>
+              <a:rPr lang="de-DE" dirty="0" err="1"/>
+              <a:t>array</a:t>
+            </a:r>
+            <a:r>
+              <a:rPr lang="de-DE" dirty="0"/>
+              <a:t> and </a:t>
+            </a:r>
+            <a:r>
+              <a:rPr lang="de-DE" dirty="0" err="1"/>
+              <a:t>pointer</a:t>
             </a:r>
             <a:r>
               <a:rPr lang="de-DE" dirty="0"/>
@@ -9039,7 +9177,23 @@
             </a:r>
             <a:r>
               <a:rPr lang="de-DE" dirty="0" err="1"/>
-              <a:t>too</a:t>
+              <a:t>lookups</a:t>
+            </a:r>
+            <a:r>
+              <a:rPr lang="de-DE" dirty="0"/>
+              <a:t> in </a:t>
+            </a:r>
+            <a:r>
+              <a:rPr lang="de-DE" dirty="0" err="1"/>
+              <a:t>cache</a:t>
+            </a:r>
+            <a:r>
+              <a:rPr lang="de-DE" dirty="0"/>
+              <a:t> (</a:t>
+            </a:r>
+            <a:r>
+              <a:rPr lang="de-DE" dirty="0" err="1"/>
+              <a:t>for</a:t>
             </a:r>
             <a:r>
               <a:rPr lang="de-DE" dirty="0"/>
@@ -9047,7 +9201,7 @@
             </a:r>
             <a:r>
               <a:rPr lang="de-DE" dirty="0" err="1"/>
-              <a:t>much</a:t>
+              <a:t>sparse</a:t>
             </a:r>
             <a:r>
               <a:rPr lang="de-DE" dirty="0"/>
@@ -9055,7 +9209,7 @@
             </a:r>
             <a:r>
               <a:rPr lang="de-DE" dirty="0" err="1"/>
-              <a:t>space</a:t>
+              <a:t>we</a:t>
             </a:r>
             <a:r>
               <a:rPr lang="de-DE" dirty="0"/>
@@ -9063,7 +9217,7 @@
             </a:r>
             <a:r>
               <a:rPr lang="de-DE" dirty="0" err="1"/>
-              <a:t>to</a:t>
+              <a:t>get</a:t>
             </a:r>
             <a:r>
               <a:rPr lang="de-DE" dirty="0"/>
@@ -9071,362 +9225,75 @@
             </a:r>
             <a:r>
               <a:rPr lang="de-DE" dirty="0" err="1"/>
-              <a:t>test</a:t>
+              <a:t>cache</a:t>
+            </a:r>
+            <a:r>
+              <a:rPr lang="de-DE" dirty="0"/>
+              <a:t> </a:t>
+            </a:r>
+            <a:r>
+              <a:rPr lang="de-DE" dirty="0" err="1"/>
+              <a:t>misses</a:t>
+            </a:r>
+            <a:r>
+              <a:rPr lang="de-DE" dirty="0"/>
+              <a:t>)</a:t>
+            </a:r>
+          </a:p>
+          <a:p>
+            <a:r>
+              <a:rPr lang="de-DE" dirty="0" err="1"/>
+              <a:t>Complete</a:t>
+            </a:r>
+            <a:r>
+              <a:rPr lang="de-DE" dirty="0"/>
+              <a:t> </a:t>
+            </a:r>
+            <a:r>
+              <a:rPr lang="de-DE" dirty="0" err="1"/>
+              <a:t>memory</a:t>
+            </a:r>
+            <a:r>
+              <a:rPr lang="de-DE" dirty="0"/>
+              <a:t> </a:t>
+            </a:r>
+            <a:r>
+              <a:rPr lang="de-DE" dirty="0" err="1"/>
+              <a:t>is</a:t>
+            </a:r>
+            <a:r>
+              <a:rPr lang="de-DE" dirty="0"/>
+              <a:t> 90 MB but </a:t>
+            </a:r>
+            <a:r>
+              <a:rPr lang="de-DE" dirty="0" err="1"/>
+              <a:t>since</a:t>
+            </a:r>
+            <a:r>
+              <a:rPr lang="de-DE" dirty="0"/>
+              <a:t> </a:t>
+            </a:r>
+            <a:r>
+              <a:rPr lang="de-DE" dirty="0" err="1"/>
+              <a:t>dense</a:t>
+            </a:r>
+            <a:r>
+              <a:rPr lang="de-DE" dirty="0"/>
+              <a:t> </a:t>
+            </a:r>
+            <a:r>
+              <a:rPr lang="de-DE" dirty="0" err="1"/>
+              <a:t>only</a:t>
+            </a:r>
+            <a:r>
+              <a:rPr lang="de-DE" dirty="0"/>
+              <a:t> </a:t>
+            </a:r>
+            <a:r>
+              <a:rPr lang="de-DE" dirty="0" err="1"/>
+              <a:t>really</a:t>
             </a:r>
             <a:endParaRPr lang="de-DE" dirty="0"/>
-          </a:p>
-          <a:p>
-            <a:pPr marL="0" marR="0" lvl="0" indent="0" algn="l" defTabSz="914400" rtl="0" eaLnBrk="1" fontAlgn="base" latinLnBrk="0" hangingPunct="1">
-              <a:lnSpc>
-                <a:spcPct val="100000"/>
-              </a:lnSpc>
-              <a:spcBef>
-                <a:spcPct val="30000"/>
-              </a:spcBef>
-              <a:spcAft>
-                <a:spcPct val="0"/>
-              </a:spcAft>
-              <a:buClrTx/>
-              <a:buSzTx/>
-              <a:buFontTx/>
-              <a:buNone/>
-              <a:tabLst/>
-              <a:defRPr/>
-            </a:pPr>
-            <a:r>
-              <a:rPr lang="de-DE" dirty="0" err="1"/>
-              <a:t>Sorted</a:t>
-            </a:r>
-            <a:r>
-              <a:rPr lang="de-DE" dirty="0"/>
-              <a:t>-List </a:t>
-            </a:r>
-            <a:r>
-              <a:rPr lang="de-DE" dirty="0" err="1"/>
-              <a:t>bulk</a:t>
-            </a:r>
-            <a:r>
-              <a:rPr lang="de-DE" dirty="0"/>
-              <a:t> </a:t>
-            </a:r>
-            <a:r>
-              <a:rPr lang="de-DE" dirty="0" err="1"/>
-              <a:t>insert</a:t>
-            </a:r>
-            <a:endParaRPr lang="de-DE" dirty="0"/>
-          </a:p>
-          <a:p>
-            <a:pPr marL="0" marR="0" lvl="0" indent="0" algn="l" defTabSz="914400" rtl="0" eaLnBrk="1" fontAlgn="base" latinLnBrk="0" hangingPunct="1">
-              <a:lnSpc>
-                <a:spcPct val="100000"/>
-              </a:lnSpc>
-              <a:spcBef>
-                <a:spcPct val="30000"/>
-              </a:spcBef>
-              <a:spcAft>
-                <a:spcPct val="0"/>
-              </a:spcAft>
-              <a:buClrTx/>
-              <a:buSzTx/>
-              <a:buFontTx/>
-              <a:buNone/>
-              <a:tabLst/>
-              <a:defRPr/>
-            </a:pPr>
-            <a:endParaRPr lang="de-DE" dirty="0"/>
-          </a:p>
-          <a:p>
-            <a:pPr marL="0" marR="0" lvl="0" indent="0" algn="l" defTabSz="914400" rtl="0" eaLnBrk="1" fontAlgn="base" latinLnBrk="0" hangingPunct="1">
-              <a:lnSpc>
-                <a:spcPct val="100000"/>
-              </a:lnSpc>
-              <a:spcBef>
-                <a:spcPct val="30000"/>
-              </a:spcBef>
-              <a:spcAft>
-                <a:spcPct val="0"/>
-              </a:spcAft>
-              <a:buClrTx/>
-              <a:buSzTx/>
-              <a:buFontTx/>
-              <a:buNone/>
-              <a:tabLst/>
-              <a:defRPr/>
-            </a:pPr>
-            <a:r>
-              <a:rPr lang="de-DE" dirty="0"/>
-              <a:t>65k:</a:t>
-            </a:r>
-          </a:p>
-          <a:p>
-            <a:pPr marL="0" marR="0" lvl="0" indent="0" algn="l" defTabSz="914400" rtl="0" eaLnBrk="1" fontAlgn="base" latinLnBrk="0" hangingPunct="1">
-              <a:lnSpc>
-                <a:spcPct val="100000"/>
-              </a:lnSpc>
-              <a:spcBef>
-                <a:spcPct val="30000"/>
-              </a:spcBef>
-              <a:spcAft>
-                <a:spcPct val="0"/>
-              </a:spcAft>
-              <a:buClrTx/>
-              <a:buSzTx/>
-              <a:buFontTx/>
-              <a:buNone/>
-              <a:tabLst/>
-              <a:defRPr/>
-            </a:pPr>
-            <a:r>
-              <a:rPr lang="de-DE" dirty="0"/>
-              <a:t>ART </a:t>
-            </a:r>
-            <a:r>
-              <a:rPr lang="de-DE" dirty="0" err="1"/>
-              <a:t>faster</a:t>
-            </a:r>
-            <a:r>
-              <a:rPr lang="de-DE" dirty="0"/>
-              <a:t> </a:t>
-            </a:r>
-            <a:r>
-              <a:rPr lang="de-DE" dirty="0" err="1"/>
-              <a:t>than</a:t>
-            </a:r>
-            <a:r>
-              <a:rPr lang="de-DE" dirty="0"/>
-              <a:t> </a:t>
-            </a:r>
-            <a:r>
-              <a:rPr lang="de-DE" dirty="0" err="1"/>
-              <a:t>Sorted</a:t>
-            </a:r>
-            <a:r>
-              <a:rPr lang="de-DE" dirty="0"/>
-              <a:t> List </a:t>
-            </a:r>
-            <a:r>
-              <a:rPr lang="de-DE" dirty="0" err="1"/>
-              <a:t>because</a:t>
-            </a:r>
-            <a:r>
-              <a:rPr lang="de-DE" dirty="0"/>
-              <a:t> O(log k) </a:t>
-            </a:r>
-            <a:r>
-              <a:rPr lang="de-DE" dirty="0" err="1"/>
-              <a:t>vs</a:t>
-            </a:r>
-            <a:r>
-              <a:rPr lang="de-DE" dirty="0"/>
-              <a:t> O(log n) </a:t>
-            </a:r>
-            <a:r>
-              <a:rPr lang="de-DE" dirty="0" err="1"/>
-              <a:t>for</a:t>
-            </a:r>
-            <a:r>
-              <a:rPr lang="de-DE" dirty="0"/>
-              <a:t> </a:t>
-            </a:r>
-            <a:r>
-              <a:rPr lang="de-DE" dirty="0" err="1"/>
-              <a:t>sorting</a:t>
-            </a:r>
-            <a:endParaRPr lang="de-DE" dirty="0"/>
-          </a:p>
-          <a:p>
-            <a:pPr marL="0" marR="0" lvl="0" indent="0" algn="l" defTabSz="914400" rtl="0" eaLnBrk="1" fontAlgn="base" latinLnBrk="0" hangingPunct="1">
-              <a:lnSpc>
-                <a:spcPct val="100000"/>
-              </a:lnSpc>
-              <a:spcBef>
-                <a:spcPct val="30000"/>
-              </a:spcBef>
-              <a:spcAft>
-                <a:spcPct val="0"/>
-              </a:spcAft>
-              <a:buClrTx/>
-              <a:buSzTx/>
-              <a:buFontTx/>
-              <a:buNone/>
-              <a:tabLst/>
-              <a:defRPr/>
-            </a:pPr>
-            <a:endParaRPr lang="de-DE" dirty="0"/>
-          </a:p>
-          <a:p>
-            <a:pPr marL="0" marR="0" lvl="0" indent="0" algn="l" defTabSz="914400" rtl="0" eaLnBrk="1" fontAlgn="base" latinLnBrk="0" hangingPunct="1">
-              <a:lnSpc>
-                <a:spcPct val="100000"/>
-              </a:lnSpc>
-              <a:spcBef>
-                <a:spcPct val="30000"/>
-              </a:spcBef>
-              <a:spcAft>
-                <a:spcPct val="0"/>
-              </a:spcAft>
-              <a:buClrTx/>
-              <a:buSzTx/>
-              <a:buFontTx/>
-              <a:buNone/>
-              <a:tabLst/>
-              <a:defRPr/>
-            </a:pPr>
-            <a:r>
-              <a:rPr lang="de-DE" dirty="0"/>
-              <a:t>16M:</a:t>
-            </a:r>
-          </a:p>
-          <a:p>
-            <a:pPr marL="0" marR="0" lvl="0" indent="0" algn="l" defTabSz="914400" rtl="0" eaLnBrk="1" fontAlgn="base" latinLnBrk="0" hangingPunct="1">
-              <a:lnSpc>
-                <a:spcPct val="100000"/>
-              </a:lnSpc>
-              <a:spcBef>
-                <a:spcPct val="30000"/>
-              </a:spcBef>
-              <a:spcAft>
-                <a:spcPct val="0"/>
-              </a:spcAft>
-              <a:buClrTx/>
-              <a:buSzTx/>
-              <a:buFontTx/>
-              <a:buNone/>
-              <a:tabLst/>
-              <a:defRPr/>
-            </a:pPr>
-            <a:r>
-              <a:rPr lang="de-DE" dirty="0"/>
-              <a:t>ART </a:t>
-            </a:r>
-            <a:r>
-              <a:rPr lang="de-DE" dirty="0" err="1"/>
-              <a:t>now</a:t>
-            </a:r>
-            <a:r>
-              <a:rPr lang="de-DE" dirty="0"/>
-              <a:t> </a:t>
-            </a:r>
-            <a:r>
-              <a:rPr lang="de-DE" dirty="0" err="1"/>
-              <a:t>slower</a:t>
-            </a:r>
-            <a:r>
-              <a:rPr lang="de-DE" dirty="0"/>
-              <a:t> </a:t>
-            </a:r>
-            <a:r>
-              <a:rPr lang="de-DE" dirty="0" err="1"/>
-              <a:t>than</a:t>
-            </a:r>
-            <a:r>
-              <a:rPr lang="de-DE" dirty="0"/>
-              <a:t> </a:t>
-            </a:r>
-            <a:r>
-              <a:rPr lang="de-DE" dirty="0" err="1"/>
-              <a:t>Sorted</a:t>
-            </a:r>
-            <a:r>
-              <a:rPr lang="de-DE" dirty="0"/>
-              <a:t> List </a:t>
-            </a:r>
-            <a:r>
-              <a:rPr lang="de-DE" dirty="0" err="1"/>
-              <a:t>because</a:t>
-            </a:r>
-            <a:r>
-              <a:rPr lang="de-DE" dirty="0"/>
-              <a:t> </a:t>
-            </a:r>
-            <a:r>
-              <a:rPr lang="de-DE" dirty="0" err="1"/>
-              <a:t>cache</a:t>
-            </a:r>
-            <a:r>
-              <a:rPr lang="de-DE" dirty="0"/>
-              <a:t> </a:t>
-            </a:r>
-            <a:r>
-              <a:rPr lang="de-DE" dirty="0" err="1"/>
-              <a:t>misses</a:t>
-            </a:r>
-            <a:r>
-              <a:rPr lang="de-DE" dirty="0"/>
-              <a:t> (</a:t>
-            </a:r>
-            <a:r>
-              <a:rPr lang="de-DE" dirty="0" err="1"/>
-              <a:t>can‘t</a:t>
-            </a:r>
-            <a:r>
-              <a:rPr lang="de-DE" dirty="0"/>
-              <a:t> hold all </a:t>
-            </a:r>
-            <a:r>
-              <a:rPr lang="de-DE" dirty="0" err="1"/>
-              <a:t>nodes</a:t>
-            </a:r>
-            <a:r>
-              <a:rPr lang="de-DE" dirty="0"/>
-              <a:t> in </a:t>
-            </a:r>
-            <a:r>
-              <a:rPr lang="de-DE" dirty="0" err="1"/>
-              <a:t>cache</a:t>
-            </a:r>
-            <a:r>
-              <a:rPr lang="de-DE" dirty="0"/>
-              <a:t>. Look back at </a:t>
-            </a:r>
-            <a:r>
-              <a:rPr lang="de-DE" dirty="0" err="1"/>
-              <a:t>memory</a:t>
-            </a:r>
-            <a:r>
-              <a:rPr lang="de-DE" dirty="0"/>
-              <a:t> </a:t>
-            </a:r>
-            <a:r>
-              <a:rPr lang="de-DE" dirty="0" err="1"/>
-              <a:t>usage</a:t>
-            </a:r>
-            <a:r>
-              <a:rPr lang="de-DE" dirty="0"/>
-              <a:t> </a:t>
-            </a:r>
-            <a:r>
-              <a:rPr lang="de-DE" dirty="0" err="1"/>
-              <a:t>for</a:t>
-            </a:r>
-            <a:r>
-              <a:rPr lang="de-DE" dirty="0"/>
-              <a:t> </a:t>
-            </a:r>
-            <a:r>
-              <a:rPr lang="de-DE" dirty="0" err="1"/>
-              <a:t>sparse</a:t>
-            </a:r>
-            <a:r>
-              <a:rPr lang="de-DE" dirty="0"/>
-              <a:t> 16M – </a:t>
-            </a:r>
-            <a:r>
-              <a:rPr lang="de-DE" dirty="0" err="1"/>
-              <a:t>previous</a:t>
-            </a:r>
-            <a:r>
-              <a:rPr lang="de-DE" dirty="0"/>
-              <a:t> </a:t>
-            </a:r>
-            <a:r>
-              <a:rPr lang="de-DE" dirty="0" err="1"/>
-              <a:t>slide</a:t>
-            </a:r>
-            <a:r>
-              <a:rPr lang="de-DE" dirty="0"/>
-              <a:t>)</a:t>
-            </a:r>
           </a:p>
         </p:txBody>
       </p:sp>
@@ -9462,7 +9329,7 @@
     </p:spTree>
     <p:extLst>
       <p:ext uri="{BB962C8B-B14F-4D97-AF65-F5344CB8AC3E}">
-        <p14:creationId xmlns:p14="http://schemas.microsoft.com/office/powerpoint/2010/main" val="266720536"/>
+        <p14:creationId xmlns:p14="http://schemas.microsoft.com/office/powerpoint/2010/main" val="324259885"/>
       </p:ext>
     </p:extLst>
   </p:cSld>
@@ -9552,7 +9419,7 @@
     </p:spTree>
     <p:extLst>
       <p:ext uri="{BB962C8B-B14F-4D97-AF65-F5344CB8AC3E}">
-        <p14:creationId xmlns:p14="http://schemas.microsoft.com/office/powerpoint/2010/main" val="324259885"/>
+        <p14:creationId xmlns:p14="http://schemas.microsoft.com/office/powerpoint/2010/main" val="1892010195"/>
       </p:ext>
     </p:extLst>
   </p:cSld>
@@ -9642,7 +9509,7 @@
     </p:spTree>
     <p:extLst>
       <p:ext uri="{BB962C8B-B14F-4D97-AF65-F5344CB8AC3E}">
-        <p14:creationId xmlns:p14="http://schemas.microsoft.com/office/powerpoint/2010/main" val="1892010195"/>
+        <p14:creationId xmlns:p14="http://schemas.microsoft.com/office/powerpoint/2010/main" val="3178569148"/>
       </p:ext>
     </p:extLst>
   </p:cSld>
@@ -9732,7 +9599,7 @@
     </p:spTree>
     <p:extLst>
       <p:ext uri="{BB962C8B-B14F-4D97-AF65-F5344CB8AC3E}">
-        <p14:creationId xmlns:p14="http://schemas.microsoft.com/office/powerpoint/2010/main" val="3178569148"/>
+        <p14:creationId xmlns:p14="http://schemas.microsoft.com/office/powerpoint/2010/main" val="2379631012"/>
       </p:ext>
     </p:extLst>
   </p:cSld>
@@ -9822,7 +9689,7 @@
     </p:spTree>
     <p:extLst>
       <p:ext uri="{BB962C8B-B14F-4D97-AF65-F5344CB8AC3E}">
-        <p14:creationId xmlns:p14="http://schemas.microsoft.com/office/powerpoint/2010/main" val="2379631012"/>
+        <p14:creationId xmlns:p14="http://schemas.microsoft.com/office/powerpoint/2010/main" val="3882762003"/>
       </p:ext>
     </p:extLst>
   </p:cSld>
@@ -9876,6 +9743,206 @@
           <a:bodyPr/>
           <a:lstStyle/>
           <a:p>
+            <a:pPr marL="0" marR="0" lvl="0" indent="0" algn="l" defTabSz="914400" rtl="0" eaLnBrk="1" fontAlgn="base" latinLnBrk="0" hangingPunct="1">
+              <a:lnSpc>
+                <a:spcPct val="100000"/>
+              </a:lnSpc>
+              <a:spcBef>
+                <a:spcPct val="30000"/>
+              </a:spcBef>
+              <a:spcAft>
+                <a:spcPct val="0"/>
+              </a:spcAft>
+              <a:buClrTx/>
+              <a:buSzTx/>
+              <a:buFontTx/>
+              <a:buNone/>
+              <a:tabLst/>
+              <a:defRPr/>
+            </a:pPr>
+            <a:r>
+              <a:rPr lang="de-DE" dirty="0"/>
+              <a:t>YCSB Workload (</a:t>
+            </a:r>
+            <a:r>
+              <a:rPr lang="de-DE" dirty="0" err="1"/>
+              <a:t>Zipfian</a:t>
+            </a:r>
+            <a:r>
+              <a:rPr lang="de-DE" dirty="0"/>
+              <a:t> </a:t>
+            </a:r>
+            <a:r>
+              <a:rPr lang="de-DE" dirty="0" err="1"/>
+              <a:t>distribution</a:t>
+            </a:r>
+            <a:r>
+              <a:rPr lang="de-DE" dirty="0"/>
+              <a:t>;  Mono </a:t>
+            </a:r>
+            <a:r>
+              <a:rPr lang="de-DE" dirty="0" err="1"/>
+              <a:t>Int</a:t>
+            </a:r>
+            <a:r>
+              <a:rPr lang="de-DE" dirty="0"/>
+              <a:t>: 64 </a:t>
+            </a:r>
+            <a:r>
+              <a:rPr lang="de-DE" dirty="0" err="1"/>
+              <a:t>bit</a:t>
+            </a:r>
+            <a:r>
+              <a:rPr lang="de-DE" dirty="0"/>
+              <a:t> </a:t>
+            </a:r>
+            <a:r>
+              <a:rPr lang="de-DE" dirty="0" err="1"/>
+              <a:t>monotonically</a:t>
+            </a:r>
+            <a:r>
+              <a:rPr lang="de-DE" dirty="0"/>
+              <a:t> </a:t>
+            </a:r>
+            <a:r>
+              <a:rPr lang="de-DE" dirty="0" err="1"/>
+              <a:t>increasing</a:t>
+            </a:r>
+            <a:r>
+              <a:rPr lang="de-DE" dirty="0"/>
+              <a:t> </a:t>
+            </a:r>
+            <a:r>
+              <a:rPr lang="de-DE" dirty="0" err="1"/>
+              <a:t>integers</a:t>
+            </a:r>
+            <a:r>
+              <a:rPr lang="de-DE" dirty="0"/>
+              <a:t>, Rand </a:t>
+            </a:r>
+            <a:r>
+              <a:rPr lang="de-DE" dirty="0" err="1"/>
+              <a:t>Int</a:t>
+            </a:r>
+            <a:r>
+              <a:rPr lang="de-DE" dirty="0"/>
+              <a:t> …)</a:t>
+            </a:r>
+          </a:p>
+          <a:p>
+            <a:pPr marL="0" marR="0" lvl="0" indent="0" algn="l" defTabSz="914400" rtl="0" eaLnBrk="1" fontAlgn="base" latinLnBrk="0" hangingPunct="1">
+              <a:lnSpc>
+                <a:spcPct val="100000"/>
+              </a:lnSpc>
+              <a:spcBef>
+                <a:spcPct val="30000"/>
+              </a:spcBef>
+              <a:spcAft>
+                <a:spcPct val="0"/>
+              </a:spcAft>
+              <a:buClrTx/>
+              <a:buSzTx/>
+              <a:buFontTx/>
+              <a:buNone/>
+              <a:tabLst/>
+              <a:defRPr/>
+            </a:pPr>
+            <a:r>
+              <a:rPr lang="de-DE" dirty="0"/>
+              <a:t>52M Integer Keys, 27M </a:t>
+            </a:r>
+            <a:r>
+              <a:rPr lang="de-DE" dirty="0" err="1"/>
+              <a:t>emails</a:t>
+            </a:r>
+            <a:endParaRPr lang="de-DE" dirty="0"/>
+          </a:p>
+          <a:p>
+            <a:pPr marL="0" marR="0" lvl="0" indent="0" algn="l" defTabSz="914400" rtl="0" eaLnBrk="1" fontAlgn="base" latinLnBrk="0" hangingPunct="1">
+              <a:lnSpc>
+                <a:spcPct val="100000"/>
+              </a:lnSpc>
+              <a:spcBef>
+                <a:spcPct val="30000"/>
+              </a:spcBef>
+              <a:spcAft>
+                <a:spcPct val="0"/>
+              </a:spcAft>
+              <a:buClrTx/>
+              <a:buSzTx/>
+              <a:buFontTx/>
+              <a:buNone/>
+              <a:tabLst/>
+              <a:defRPr/>
+            </a:pPr>
+            <a:endParaRPr lang="de-DE" dirty="0"/>
+          </a:p>
+          <a:p>
+            <a:pPr marL="0" marR="0" lvl="0" indent="0" algn="l" defTabSz="914400" rtl="0" eaLnBrk="1" fontAlgn="base" latinLnBrk="0" hangingPunct="1">
+              <a:lnSpc>
+                <a:spcPct val="100000"/>
+              </a:lnSpc>
+              <a:spcBef>
+                <a:spcPct val="30000"/>
+              </a:spcBef>
+              <a:spcAft>
+                <a:spcPct val="0"/>
+              </a:spcAft>
+              <a:buClrTx/>
+              <a:buSzTx/>
+              <a:buFontTx/>
+              <a:buNone/>
+              <a:tabLst/>
+              <a:defRPr/>
+            </a:pPr>
+            <a:r>
+              <a:rPr lang="de-DE" dirty="0"/>
+              <a:t>Peak </a:t>
+            </a:r>
+            <a:r>
+              <a:rPr lang="de-DE" dirty="0" err="1"/>
+              <a:t>amount</a:t>
+            </a:r>
+            <a:r>
+              <a:rPr lang="de-DE" dirty="0"/>
+              <a:t> </a:t>
+            </a:r>
+            <a:r>
+              <a:rPr lang="de-DE" dirty="0" err="1"/>
+              <a:t>of</a:t>
+            </a:r>
+            <a:r>
+              <a:rPr lang="de-DE" dirty="0"/>
+              <a:t> </a:t>
+            </a:r>
+            <a:r>
+              <a:rPr lang="de-DE" dirty="0" err="1"/>
+              <a:t>memory</a:t>
+            </a:r>
+            <a:r>
+              <a:rPr lang="de-DE" dirty="0"/>
+              <a:t> </a:t>
+            </a:r>
+            <a:r>
+              <a:rPr lang="de-DE" dirty="0" err="1"/>
+              <a:t>consumption</a:t>
+            </a:r>
+            <a:r>
+              <a:rPr lang="de-DE" dirty="0"/>
+              <a:t> </a:t>
+            </a:r>
+            <a:r>
+              <a:rPr lang="de-DE" dirty="0" err="1"/>
+              <a:t>during</a:t>
+            </a:r>
+            <a:r>
+              <a:rPr lang="de-DE" dirty="0"/>
+              <a:t> </a:t>
+            </a:r>
+            <a:r>
+              <a:rPr lang="de-DE" dirty="0" err="1"/>
+              <a:t>workload</a:t>
+            </a:r>
             <a:endParaRPr lang="de-DE" dirty="0"/>
           </a:p>
         </p:txBody>
@@ -9912,7 +9979,7 @@
     </p:spTree>
     <p:extLst>
       <p:ext uri="{BB962C8B-B14F-4D97-AF65-F5344CB8AC3E}">
-        <p14:creationId xmlns:p14="http://schemas.microsoft.com/office/powerpoint/2010/main" val="3882762003"/>
+        <p14:creationId xmlns:p14="http://schemas.microsoft.com/office/powerpoint/2010/main" val="2593503469"/>
       </p:ext>
     </p:extLst>
   </p:cSld>
@@ -10080,94 +10147,6 @@
             </a:r>
             <a:endParaRPr lang="de-DE" dirty="0"/>
           </a:p>
-          <a:p>
-            <a:pPr marL="0" marR="0" lvl="0" indent="0" algn="l" defTabSz="914400" rtl="0" eaLnBrk="1" fontAlgn="base" latinLnBrk="0" hangingPunct="1">
-              <a:lnSpc>
-                <a:spcPct val="100000"/>
-              </a:lnSpc>
-              <a:spcBef>
-                <a:spcPct val="30000"/>
-              </a:spcBef>
-              <a:spcAft>
-                <a:spcPct val="0"/>
-              </a:spcAft>
-              <a:buClrTx/>
-              <a:buSzTx/>
-              <a:buFontTx/>
-              <a:buNone/>
-              <a:tabLst/>
-              <a:defRPr/>
-            </a:pPr>
-            <a:endParaRPr lang="de-DE" dirty="0"/>
-          </a:p>
-          <a:p>
-            <a:pPr marL="0" marR="0" lvl="0" indent="0" algn="l" defTabSz="914400" rtl="0" eaLnBrk="1" fontAlgn="base" latinLnBrk="0" hangingPunct="1">
-              <a:lnSpc>
-                <a:spcPct val="100000"/>
-              </a:lnSpc>
-              <a:spcBef>
-                <a:spcPct val="30000"/>
-              </a:spcBef>
-              <a:spcAft>
-                <a:spcPct val="0"/>
-              </a:spcAft>
-              <a:buClrTx/>
-              <a:buSzTx/>
-              <a:buFontTx/>
-              <a:buNone/>
-              <a:tabLst/>
-              <a:defRPr/>
-            </a:pPr>
-            <a:r>
-              <a:rPr lang="de-DE" dirty="0"/>
-              <a:t>Peak </a:t>
-            </a:r>
-            <a:r>
-              <a:rPr lang="de-DE" dirty="0" err="1"/>
-              <a:t>amount</a:t>
-            </a:r>
-            <a:r>
-              <a:rPr lang="de-DE" dirty="0"/>
-              <a:t> </a:t>
-            </a:r>
-            <a:r>
-              <a:rPr lang="de-DE" dirty="0" err="1"/>
-              <a:t>of</a:t>
-            </a:r>
-            <a:r>
-              <a:rPr lang="de-DE" dirty="0"/>
-              <a:t> </a:t>
-            </a:r>
-            <a:r>
-              <a:rPr lang="de-DE" dirty="0" err="1"/>
-              <a:t>memory</a:t>
-            </a:r>
-            <a:r>
-              <a:rPr lang="de-DE" dirty="0"/>
-              <a:t> </a:t>
-            </a:r>
-            <a:r>
-              <a:rPr lang="de-DE" dirty="0" err="1"/>
-              <a:t>consumption</a:t>
-            </a:r>
-            <a:r>
-              <a:rPr lang="de-DE" dirty="0"/>
-              <a:t> </a:t>
-            </a:r>
-            <a:r>
-              <a:rPr lang="de-DE" dirty="0" err="1"/>
-              <a:t>during</a:t>
-            </a:r>
-            <a:r>
-              <a:rPr lang="de-DE" dirty="0"/>
-              <a:t> </a:t>
-            </a:r>
-            <a:r>
-              <a:rPr lang="de-DE" dirty="0" err="1"/>
-              <a:t>workload</a:t>
-            </a:r>
-            <a:endParaRPr lang="de-DE" dirty="0"/>
-          </a:p>
         </p:txBody>
       </p:sp>
       <p:sp>
@@ -10202,7 +10181,7 @@
     </p:spTree>
     <p:extLst>
       <p:ext uri="{BB962C8B-B14F-4D97-AF65-F5344CB8AC3E}">
-        <p14:creationId xmlns:p14="http://schemas.microsoft.com/office/powerpoint/2010/main" val="2593503469"/>
+        <p14:creationId xmlns:p14="http://schemas.microsoft.com/office/powerpoint/2010/main" val="2454941132"/>
       </p:ext>
     </p:extLst>
   </p:cSld>
@@ -10405,119 +10384,25 @@
           <a:bodyPr/>
           <a:lstStyle/>
           <a:p>
-            <a:pPr marL="0" marR="0" lvl="0" indent="0" algn="l" defTabSz="914400" rtl="0" eaLnBrk="1" fontAlgn="base" latinLnBrk="0" hangingPunct="1">
-              <a:lnSpc>
-                <a:spcPct val="100000"/>
-              </a:lnSpc>
-              <a:spcBef>
-                <a:spcPct val="30000"/>
-              </a:spcBef>
-              <a:spcAft>
-                <a:spcPct val="0"/>
-              </a:spcAft>
-              <a:buClrTx/>
-              <a:buSzTx/>
-              <a:buFontTx/>
-              <a:buNone/>
-              <a:tabLst/>
-              <a:defRPr/>
-            </a:pPr>
-            <a:r>
-              <a:rPr lang="de-DE" dirty="0"/>
-              <a:t>YCSB Workload (</a:t>
-            </a:r>
-            <a:r>
-              <a:rPr lang="de-DE" dirty="0" err="1"/>
-              <a:t>Zipfian</a:t>
-            </a:r>
-            <a:r>
-              <a:rPr lang="de-DE" dirty="0"/>
-              <a:t> </a:t>
-            </a:r>
-            <a:r>
-              <a:rPr lang="de-DE" dirty="0" err="1"/>
-              <a:t>distribution</a:t>
-            </a:r>
-            <a:r>
-              <a:rPr lang="de-DE" dirty="0"/>
-              <a:t>;  Mono </a:t>
-            </a:r>
-            <a:r>
-              <a:rPr lang="de-DE" dirty="0" err="1"/>
-              <a:t>Int</a:t>
-            </a:r>
-            <a:r>
-              <a:rPr lang="de-DE" dirty="0"/>
-              <a:t>: 64 </a:t>
-            </a:r>
-            <a:r>
-              <a:rPr lang="de-DE" dirty="0" err="1"/>
-              <a:t>bit</a:t>
-            </a:r>
-            <a:r>
-              <a:rPr lang="de-DE" dirty="0"/>
-              <a:t> </a:t>
-            </a:r>
-            <a:r>
-              <a:rPr lang="de-DE" dirty="0" err="1"/>
-              <a:t>monotonically</a:t>
-            </a:r>
-            <a:r>
-              <a:rPr lang="de-DE" dirty="0"/>
-              <a:t> </a:t>
-            </a:r>
-            <a:r>
-              <a:rPr lang="de-DE" dirty="0" err="1"/>
-              <a:t>increasing</a:t>
-            </a:r>
-            <a:r>
-              <a:rPr lang="de-DE" dirty="0"/>
-              <a:t> </a:t>
-            </a:r>
-            <a:r>
-              <a:rPr lang="de-DE" dirty="0" err="1"/>
-              <a:t>integers</a:t>
-            </a:r>
-            <a:r>
-              <a:rPr lang="de-DE" dirty="0"/>
-              <a:t>, Rand </a:t>
-            </a:r>
-            <a:r>
-              <a:rPr lang="de-DE" dirty="0" err="1"/>
-              <a:t>Int</a:t>
-            </a:r>
-            <a:r>
-              <a:rPr lang="de-DE" dirty="0"/>
-              <a:t> …)</a:t>
-            </a:r>
-          </a:p>
-          <a:p>
-            <a:pPr marL="0" marR="0" lvl="0" indent="0" algn="l" defTabSz="914400" rtl="0" eaLnBrk="1" fontAlgn="base" latinLnBrk="0" hangingPunct="1">
-              <a:lnSpc>
-                <a:spcPct val="100000"/>
-              </a:lnSpc>
-              <a:spcBef>
-                <a:spcPct val="30000"/>
-              </a:spcBef>
-              <a:spcAft>
-                <a:spcPct val="0"/>
-              </a:spcAft>
-              <a:buClrTx/>
-              <a:buSzTx/>
-              <a:buFontTx/>
-              <a:buNone/>
-              <a:tabLst/>
-              <a:defRPr/>
-            </a:pPr>
-            <a:r>
-              <a:rPr lang="de-DE" dirty="0"/>
-              <a:t>52M Integer Keys, 27M </a:t>
-            </a:r>
-            <a:r>
-              <a:rPr lang="de-DE" dirty="0" err="1"/>
-              <a:t>emails</a:t>
-            </a:r>
-            <a:endParaRPr lang="de-DE" dirty="0"/>
+            <a:r>
+              <a:rPr lang="en-US" dirty="0"/>
+              <a:t>OLP = Optimistic Lock Coupling</a:t>
+            </a:r>
+          </a:p>
+          <a:p>
+            <a:r>
+              <a:rPr lang="en-US" dirty="0"/>
+              <a:t>ROWEX = Read-Optimized Write Exclusion</a:t>
+            </a:r>
+          </a:p>
+          <a:p>
+            <a:endParaRPr lang="en-US" dirty="0"/>
+          </a:p>
+          <a:p>
+            <a:r>
+              <a:rPr lang="en-US" dirty="0"/>
+              <a:t>“Learned Indexes” utilizing machine leaning to predict data location</a:t>
+            </a:r>
           </a:p>
         </p:txBody>
       </p:sp>
@@ -10544,7 +10429,7 @@
               <a:pPr>
                 <a:defRPr/>
               </a:pPr>
-              <a:t>30</a:t>
+              <a:t>31</a:t>
             </a:fld>
             <a:endParaRPr lang="en-GB"/>
           </a:p>
@@ -10553,7 +10438,7 @@
     </p:spTree>
     <p:extLst>
       <p:ext uri="{BB962C8B-B14F-4D97-AF65-F5344CB8AC3E}">
-        <p14:creationId xmlns:p14="http://schemas.microsoft.com/office/powerpoint/2010/main" val="2454941132"/>
+        <p14:creationId xmlns:p14="http://schemas.microsoft.com/office/powerpoint/2010/main" val="2144894160"/>
       </p:ext>
     </p:extLst>
   </p:cSld>
@@ -10607,25 +10492,7 @@
           <a:bodyPr/>
           <a:lstStyle/>
           <a:p>
-            <a:r>
-              <a:rPr lang="en-US" dirty="0"/>
-              <a:t>OLP = Optimistic Lock Coupling</a:t>
-            </a:r>
-          </a:p>
-          <a:p>
-            <a:r>
-              <a:rPr lang="en-US" dirty="0"/>
-              <a:t>ROWEX = Read-Optimized Write Exclusion</a:t>
-            </a:r>
-          </a:p>
-          <a:p>
             <a:endParaRPr lang="en-US" dirty="0"/>
-          </a:p>
-          <a:p>
-            <a:r>
-              <a:rPr lang="en-US" dirty="0"/>
-              <a:t>“Learned Indexes” utilizing machine leaning to predict data location</a:t>
-            </a:r>
           </a:p>
         </p:txBody>
       </p:sp>
@@ -10661,7 +10528,7 @@
     </p:spTree>
     <p:extLst>
       <p:ext uri="{BB962C8B-B14F-4D97-AF65-F5344CB8AC3E}">
-        <p14:creationId xmlns:p14="http://schemas.microsoft.com/office/powerpoint/2010/main" val="2144894160"/>
+        <p14:creationId xmlns:p14="http://schemas.microsoft.com/office/powerpoint/2010/main" val="2805981096"/>
       </p:ext>
     </p:extLst>
   </p:cSld>
@@ -10751,7 +10618,7 @@
     </p:spTree>
     <p:extLst>
       <p:ext uri="{BB962C8B-B14F-4D97-AF65-F5344CB8AC3E}">
-        <p14:creationId xmlns:p14="http://schemas.microsoft.com/office/powerpoint/2010/main" val="2805981096"/>
+        <p14:creationId xmlns:p14="http://schemas.microsoft.com/office/powerpoint/2010/main" val="632089375"/>
       </p:ext>
     </p:extLst>
   </p:cSld>
@@ -10841,7 +10708,7 @@
     </p:spTree>
     <p:extLst>
       <p:ext uri="{BB962C8B-B14F-4D97-AF65-F5344CB8AC3E}">
-        <p14:creationId xmlns:p14="http://schemas.microsoft.com/office/powerpoint/2010/main" val="632089375"/>
+        <p14:creationId xmlns:p14="http://schemas.microsoft.com/office/powerpoint/2010/main" val="1368079382"/>
       </p:ext>
     </p:extLst>
   </p:cSld>
@@ -10931,7 +10798,7 @@
     </p:spTree>
     <p:extLst>
       <p:ext uri="{BB962C8B-B14F-4D97-AF65-F5344CB8AC3E}">
-        <p14:creationId xmlns:p14="http://schemas.microsoft.com/office/powerpoint/2010/main" val="1368079382"/>
+        <p14:creationId xmlns:p14="http://schemas.microsoft.com/office/powerpoint/2010/main" val="3403498060"/>
       </p:ext>
     </p:extLst>
   </p:cSld>
@@ -11021,7 +10888,7 @@
     </p:spTree>
     <p:extLst>
       <p:ext uri="{BB962C8B-B14F-4D97-AF65-F5344CB8AC3E}">
-        <p14:creationId xmlns:p14="http://schemas.microsoft.com/office/powerpoint/2010/main" val="3403498060"/>
+        <p14:creationId xmlns:p14="http://schemas.microsoft.com/office/powerpoint/2010/main" val="3873617337"/>
       </p:ext>
     </p:extLst>
   </p:cSld>
@@ -11111,7 +10978,7 @@
     </p:spTree>
     <p:extLst>
       <p:ext uri="{BB962C8B-B14F-4D97-AF65-F5344CB8AC3E}">
-        <p14:creationId xmlns:p14="http://schemas.microsoft.com/office/powerpoint/2010/main" val="3873617337"/>
+        <p14:creationId xmlns:p14="http://schemas.microsoft.com/office/powerpoint/2010/main" val="2821304512"/>
       </p:ext>
     </p:extLst>
   </p:cSld>
@@ -11165,7 +11032,7 @@
           <a:bodyPr/>
           <a:lstStyle/>
           <a:p>
-            <a:endParaRPr lang="en-US" dirty="0"/>
+            <a:endParaRPr lang="de-DE" dirty="0"/>
           </a:p>
         </p:txBody>
       </p:sp>
@@ -11201,7 +11068,7 @@
     </p:spTree>
     <p:extLst>
       <p:ext uri="{BB962C8B-B14F-4D97-AF65-F5344CB8AC3E}">
-        <p14:creationId xmlns:p14="http://schemas.microsoft.com/office/powerpoint/2010/main" val="2821304512"/>
+        <p14:creationId xmlns:p14="http://schemas.microsoft.com/office/powerpoint/2010/main" val="1498725812"/>
       </p:ext>
     </p:extLst>
   </p:cSld>
@@ -11255,7 +11122,7 @@
           <a:bodyPr/>
           <a:lstStyle/>
           <a:p>
-            <a:endParaRPr lang="de-DE" dirty="0"/>
+            <a:endParaRPr lang="en-US" dirty="0"/>
           </a:p>
         </p:txBody>
       </p:sp>
@@ -11283,96 +11150,6 @@
                 <a:defRPr/>
               </a:pPr>
               <a:t>39</a:t>
-            </a:fld>
-            <a:endParaRPr lang="en-GB"/>
-          </a:p>
-        </p:txBody>
-      </p:sp>
-    </p:spTree>
-    <p:extLst>
-      <p:ext uri="{BB962C8B-B14F-4D97-AF65-F5344CB8AC3E}">
-        <p14:creationId xmlns:p14="http://schemas.microsoft.com/office/powerpoint/2010/main" val="1498725812"/>
-      </p:ext>
-    </p:extLst>
-  </p:cSld>
-  <p:clrMapOvr>
-    <a:masterClrMapping/>
-  </p:clrMapOvr>
-</p:notes>
-</file>
-
-<file path=ppt/notesSlides/notesSlide39.xml><?xml version="1.0" encoding="utf-8"?>
-<p:notes xmlns:a="http://schemas.openxmlformats.org/drawingml/2006/main" xmlns:r="http://schemas.openxmlformats.org/officeDocument/2006/relationships" xmlns:p="http://schemas.openxmlformats.org/presentationml/2006/main">
-  <p:cSld>
-    <p:spTree>
-      <p:nvGrpSpPr>
-        <p:cNvPr id="1" name=""/>
-        <p:cNvGrpSpPr/>
-        <p:nvPr/>
-      </p:nvGrpSpPr>
-      <p:grpSpPr>
-        <a:xfrm>
-          <a:off x="0" y="0"/>
-          <a:ext cx="0" cy="0"/>
-          <a:chOff x="0" y="0"/>
-          <a:chExt cx="0" cy="0"/>
-        </a:xfrm>
-      </p:grpSpPr>
-      <p:sp>
-        <p:nvSpPr>
-          <p:cNvPr id="2" name="Slide Image Placeholder 1"/>
-          <p:cNvSpPr>
-            <a:spLocks noGrp="1" noRot="1" noChangeAspect="1"/>
-          </p:cNvSpPr>
-          <p:nvPr>
-            <p:ph type="sldImg"/>
-          </p:nvPr>
-        </p:nvSpPr>
-        <p:spPr/>
-      </p:sp>
-      <p:sp>
-        <p:nvSpPr>
-          <p:cNvPr id="3" name="Notes Placeholder 2"/>
-          <p:cNvSpPr>
-            <a:spLocks noGrp="1"/>
-          </p:cNvSpPr>
-          <p:nvPr>
-            <p:ph type="body" idx="1"/>
-          </p:nvPr>
-        </p:nvSpPr>
-        <p:spPr/>
-        <p:txBody>
-          <a:bodyPr/>
-          <a:lstStyle/>
-          <a:p>
-            <a:endParaRPr lang="en-US" dirty="0"/>
-          </a:p>
-        </p:txBody>
-      </p:sp>
-      <p:sp>
-        <p:nvSpPr>
-          <p:cNvPr id="4" name="Slide Number Placeholder 3"/>
-          <p:cNvSpPr>
-            <a:spLocks noGrp="1"/>
-          </p:cNvSpPr>
-          <p:nvPr>
-            <p:ph type="sldNum" sz="quarter" idx="5"/>
-          </p:nvPr>
-        </p:nvSpPr>
-        <p:spPr/>
-        <p:txBody>
-          <a:bodyPr/>
-          <a:lstStyle/>
-          <a:p>
-            <a:pPr>
-              <a:defRPr/>
-            </a:pPr>
-            <a:fld id="{00AFC6D0-44D5-4EB7-828F-6F464F83D79A}" type="slidenum">
-              <a:rPr lang="en-GB" smtClean="0"/>
-              <a:pPr>
-                <a:defRPr/>
-              </a:pPr>
-              <a:t>40</a:t>
             </a:fld>
             <a:endParaRPr lang="en-GB"/>
           </a:p>
@@ -27759,7 +27536,7 @@
             <p:ph idx="1"/>
             <p:extLst>
               <p:ext uri="{D42A27DB-BD31-4B8C-83A1-F6EECF244321}">
-                <p14:modId xmlns:p14="http://schemas.microsoft.com/office/powerpoint/2010/main" val="1452499562"/>
+                <p14:modId xmlns:p14="http://schemas.microsoft.com/office/powerpoint/2010/main" val="4235911152"/>
               </p:ext>
             </p:extLst>
           </p:nvPr>
@@ -27922,177 +27699,6 @@
       </p:grpSpPr>
       <p:graphicFrame>
         <p:nvGraphicFramePr>
-          <p:cNvPr id="6" name="Inhaltsplatzhalter 5"/>
-          <p:cNvGraphicFramePr>
-            <a:graphicFrameLocks noGrp="1"/>
-          </p:cNvGraphicFramePr>
-          <p:nvPr>
-            <p:ph idx="1"/>
-            <p:extLst>
-              <p:ext uri="{D42A27DB-BD31-4B8C-83A1-F6EECF244321}">
-                <p14:modId xmlns:p14="http://schemas.microsoft.com/office/powerpoint/2010/main" val="3738625281"/>
-              </p:ext>
-            </p:extLst>
-          </p:nvPr>
-        </p:nvGraphicFramePr>
-        <p:xfrm>
-          <a:off x="319088" y="1644895"/>
-          <a:ext cx="8509000" cy="4699000"/>
-        </p:xfrm>
-        <a:graphic>
-          <a:graphicData uri="http://schemas.openxmlformats.org/drawingml/2006/chart">
-            <c:chart xmlns:c="http://schemas.openxmlformats.org/drawingml/2006/chart" xmlns:r="http://schemas.openxmlformats.org/officeDocument/2006/relationships" r:id="rId3"/>
-          </a:graphicData>
-        </a:graphic>
-      </p:graphicFrame>
-      <p:sp>
-        <p:nvSpPr>
-          <p:cNvPr id="4" name="Foliennummernplatzhalter 3"/>
-          <p:cNvSpPr>
-            <a:spLocks noGrp="1"/>
-          </p:cNvSpPr>
-          <p:nvPr>
-            <p:ph type="sldNum" sz="quarter" idx="11"/>
-          </p:nvPr>
-        </p:nvSpPr>
-        <p:spPr/>
-        <p:txBody>
-          <a:bodyPr/>
-          <a:lstStyle/>
-          <a:p>
-            <a:fld id="{CE58CB1E-F828-4F11-99E0-327109AF9DA4}" type="slidenum">
-              <a:rPr lang="de-DE" smtClean="0"/>
-              <a:pPr/>
-              <a:t>22</a:t>
-            </a:fld>
-            <a:endParaRPr lang="de-DE" dirty="0"/>
-          </a:p>
-        </p:txBody>
-      </p:sp>
-      <p:sp>
-        <p:nvSpPr>
-          <p:cNvPr id="7" name="Fußzeilenplatzhalter 4"/>
-          <p:cNvSpPr>
-            <a:spLocks noGrp="1"/>
-          </p:cNvSpPr>
-          <p:nvPr>
-            <p:ph type="ftr" sz="quarter" idx="12"/>
-          </p:nvPr>
-        </p:nvSpPr>
-        <p:spPr/>
-        <p:txBody>
-          <a:bodyPr/>
-          <a:lstStyle/>
-          <a:p>
-            <a:r>
-              <a:rPr lang="de-DE" dirty="0"/>
-              <a:t>Jonas Fritsch | The Adaptive Radix Tree</a:t>
-            </a:r>
-            <a:endParaRPr lang="en-US" dirty="0"/>
-          </a:p>
-        </p:txBody>
-      </p:sp>
-      <p:sp>
-        <p:nvSpPr>
-          <p:cNvPr id="3" name="Titel 2"/>
-          <p:cNvSpPr>
-            <a:spLocks noGrp="1"/>
-          </p:cNvSpPr>
-          <p:nvPr>
-            <p:ph type="title"/>
-          </p:nvPr>
-        </p:nvSpPr>
-        <p:spPr/>
-        <p:txBody>
-          <a:bodyPr/>
-          <a:lstStyle/>
-          <a:p>
-            <a:r>
-              <a:rPr lang="de-DE" dirty="0"/>
-              <a:t>Memory-Benchmark</a:t>
-            </a:r>
-          </a:p>
-        </p:txBody>
-      </p:sp>
-      <p:sp>
-        <p:nvSpPr>
-          <p:cNvPr id="8" name="TextBox 7">
-            <a:extLst>
-              <a:ext uri="{FF2B5EF4-FFF2-40B4-BE49-F238E27FC236}">
-                <a16:creationId xmlns:a16="http://schemas.microsoft.com/office/drawing/2014/main" id="{4BD57C7E-77D7-5E72-90E1-96F7420966F8}"/>
-              </a:ext>
-            </a:extLst>
-          </p:cNvPr>
-          <p:cNvSpPr txBox="1"/>
-          <p:nvPr/>
-        </p:nvSpPr>
-        <p:spPr>
-          <a:xfrm>
-            <a:off x="311162" y="6298789"/>
-            <a:ext cx="8635130" cy="193002"/>
-          </a:xfrm>
-          <a:prstGeom prst="rect">
-            <a:avLst/>
-          </a:prstGeom>
-          <a:noFill/>
-        </p:spPr>
-        <p:txBody>
-          <a:bodyPr wrap="square" lIns="0" tIns="0" rIns="0" bIns="0" rtlCol="0">
-            <a:spAutoFit/>
-          </a:bodyPr>
-          <a:lstStyle/>
-          <a:p>
-            <a:pPr>
-              <a:lnSpc>
-                <a:spcPct val="114000"/>
-              </a:lnSpc>
-            </a:pPr>
-            <a:r>
-              <a:rPr lang="en-US" sz="1200" b="1" dirty="0"/>
-              <a:t>Source: </a:t>
-            </a:r>
-            <a:r>
-              <a:rPr lang="en-US" sz="1200" dirty="0">
-                <a:hlinkClick r:id="rId4"/>
-              </a:rPr>
-              <a:t>https://github.com/atalantus/The-Adaptive-Radix-Tree/tree/main/Implementation</a:t>
-            </a:r>
-            <a:endParaRPr lang="en-US" sz="1200" dirty="0"/>
-          </a:p>
-        </p:txBody>
-      </p:sp>
-    </p:spTree>
-    <p:extLst>
-      <p:ext uri="{BB962C8B-B14F-4D97-AF65-F5344CB8AC3E}">
-        <p14:creationId xmlns:p14="http://schemas.microsoft.com/office/powerpoint/2010/main" val="2826449699"/>
-      </p:ext>
-    </p:extLst>
-  </p:cSld>
-  <p:clrMapOvr>
-    <a:masterClrMapping/>
-  </p:clrMapOvr>
-</p:sld>
-</file>
-
-<file path=ppt/slides/slide23.xml><?xml version="1.0" encoding="utf-8"?>
-<p:sld xmlns:a="http://schemas.openxmlformats.org/drawingml/2006/main" xmlns:r="http://schemas.openxmlformats.org/officeDocument/2006/relationships" xmlns:p="http://schemas.openxmlformats.org/presentationml/2006/main">
-  <p:cSld>
-    <p:spTree>
-      <p:nvGrpSpPr>
-        <p:cNvPr id="1" name=""/>
-        <p:cNvGrpSpPr/>
-        <p:nvPr/>
-      </p:nvGrpSpPr>
-      <p:grpSpPr>
-        <a:xfrm>
-          <a:off x="0" y="0"/>
-          <a:ext cx="0" cy="0"/>
-          <a:chOff x="0" y="0"/>
-          <a:chExt cx="0" cy="0"/>
-        </a:xfrm>
-      </p:grpSpPr>
-      <p:graphicFrame>
-        <p:nvGraphicFramePr>
           <p:cNvPr id="8" name="Inhaltsplatzhalter 5">
             <a:extLst>
               <a:ext uri="{FF2B5EF4-FFF2-40B4-BE49-F238E27FC236}">
@@ -28106,7 +27712,7 @@
           <p:nvPr>
             <p:extLst>
               <p:ext uri="{D42A27DB-BD31-4B8C-83A1-F6EECF244321}">
-                <p14:modId xmlns:p14="http://schemas.microsoft.com/office/powerpoint/2010/main" val="1517635023"/>
+                <p14:modId xmlns:p14="http://schemas.microsoft.com/office/powerpoint/2010/main" val="4145367607"/>
               </p:ext>
             </p:extLst>
           </p:nvPr>
@@ -28131,7 +27737,7 @@
             <p:ph idx="1"/>
             <p:extLst>
               <p:ext uri="{D42A27DB-BD31-4B8C-83A1-F6EECF244321}">
-                <p14:modId xmlns:p14="http://schemas.microsoft.com/office/powerpoint/2010/main" val="519031038"/>
+                <p14:modId xmlns:p14="http://schemas.microsoft.com/office/powerpoint/2010/main" val="1051937591"/>
               </p:ext>
             </p:extLst>
           </p:nvPr>
@@ -28180,7 +27786,7 @@
                   <a:spcPts val="600"/>
                 </a:spcAft>
               </a:pPr>
-              <a:t>23</a:t>
+              <a:t>22</a:t>
             </a:fld>
             <a:endParaRPr lang="de-DE"/>
           </a:p>
@@ -28318,7 +27924,7 @@
 </p:sld>
 </file>
 
-<file path=ppt/slides/slide24.xml><?xml version="1.0" encoding="utf-8"?>
+<file path=ppt/slides/slide23.xml><?xml version="1.0" encoding="utf-8"?>
 <p:sld xmlns:a="http://schemas.openxmlformats.org/drawingml/2006/main" xmlns:r="http://schemas.openxmlformats.org/officeDocument/2006/relationships" xmlns:p="http://schemas.openxmlformats.org/presentationml/2006/main">
   <p:cSld>
     <p:spTree>
@@ -28375,7 +27981,7 @@
             <p:ph idx="1"/>
             <p:extLst>
               <p:ext uri="{D42A27DB-BD31-4B8C-83A1-F6EECF244321}">
-                <p14:modId xmlns:p14="http://schemas.microsoft.com/office/powerpoint/2010/main" val="3798201271"/>
+                <p14:modId xmlns:p14="http://schemas.microsoft.com/office/powerpoint/2010/main" val="1680763260"/>
               </p:ext>
             </p:extLst>
           </p:nvPr>
@@ -28424,7 +28030,7 @@
                   <a:spcPts val="600"/>
                 </a:spcAft>
               </a:pPr>
-              <a:t>24</a:t>
+              <a:t>23</a:t>
             </a:fld>
             <a:endParaRPr lang="de-DE"/>
           </a:p>
@@ -28562,7 +28168,7 @@
 </p:sld>
 </file>
 
-<file path=ppt/slides/slide25.xml><?xml version="1.0" encoding="utf-8"?>
+<file path=ppt/slides/slide24.xml><?xml version="1.0" encoding="utf-8"?>
 <p:sld xmlns:a="http://schemas.openxmlformats.org/drawingml/2006/main" xmlns:r="http://schemas.openxmlformats.org/officeDocument/2006/relationships" xmlns:p="http://schemas.openxmlformats.org/presentationml/2006/main">
   <p:cSld>
     <p:spTree>
@@ -28613,7 +28219,7 @@
                   <a:spcPts val="600"/>
                 </a:spcAft>
               </a:pPr>
-              <a:t>25</a:t>
+              <a:t>24</a:t>
             </a:fld>
             <a:endParaRPr lang="de-DE"/>
           </a:p>
@@ -28792,7 +28398,7 @@
 </p:sld>
 </file>
 
-<file path=ppt/slides/slide26.xml><?xml version="1.0" encoding="utf-8"?>
+<file path=ppt/slides/slide25.xml><?xml version="1.0" encoding="utf-8"?>
 <p:sld xmlns:a="http://schemas.openxmlformats.org/drawingml/2006/main" xmlns:r="http://schemas.openxmlformats.org/officeDocument/2006/relationships" xmlns:p="http://schemas.openxmlformats.org/presentationml/2006/main">
   <p:cSld>
     <p:spTree>
@@ -28843,7 +28449,7 @@
                   <a:spcPts val="600"/>
                 </a:spcAft>
               </a:pPr>
-              <a:t>26</a:t>
+              <a:t>25</a:t>
             </a:fld>
             <a:endParaRPr lang="de-DE"/>
           </a:p>
@@ -29030,7 +28636,7 @@
 </p:sld>
 </file>
 
-<file path=ppt/slides/slide27.xml><?xml version="1.0" encoding="utf-8"?>
+<file path=ppt/slides/slide26.xml><?xml version="1.0" encoding="utf-8"?>
 <p:sld xmlns:a="http://schemas.openxmlformats.org/drawingml/2006/main" xmlns:r="http://schemas.openxmlformats.org/officeDocument/2006/relationships" xmlns:p="http://schemas.openxmlformats.org/presentationml/2006/main">
   <p:cSld>
     <p:spTree>
@@ -29081,7 +28687,7 @@
                   <a:spcPts val="600"/>
                 </a:spcAft>
               </a:pPr>
-              <a:t>27</a:t>
+              <a:t>26</a:t>
             </a:fld>
             <a:endParaRPr lang="de-DE"/>
           </a:p>
@@ -29252,7 +28858,7 @@
 </p:sld>
 </file>
 
-<file path=ppt/slides/slide28.xml><?xml version="1.0" encoding="utf-8"?>
+<file path=ppt/slides/slide27.xml><?xml version="1.0" encoding="utf-8"?>
 <p:sld xmlns:a="http://schemas.openxmlformats.org/drawingml/2006/main" xmlns:r="http://schemas.openxmlformats.org/officeDocument/2006/relationships" xmlns:p="http://schemas.openxmlformats.org/presentationml/2006/main">
   <p:cSld>
     <p:spTree>
@@ -29303,7 +28909,7 @@
                   <a:spcPts val="600"/>
                 </a:spcAft>
               </a:pPr>
-              <a:t>28</a:t>
+              <a:t>27</a:t>
             </a:fld>
             <a:endParaRPr lang="de-DE"/>
           </a:p>
@@ -29467,7 +29073,7 @@
 </p:sld>
 </file>
 
-<file path=ppt/slides/slide29.xml><?xml version="1.0" encoding="utf-8"?>
+<file path=ppt/slides/slide28.xml><?xml version="1.0" encoding="utf-8"?>
 <p:sld xmlns:a="http://schemas.openxmlformats.org/drawingml/2006/main" xmlns:r="http://schemas.openxmlformats.org/officeDocument/2006/relationships" xmlns:p="http://schemas.openxmlformats.org/presentationml/2006/main">
   <p:cSld>
     <p:spTree>
@@ -29518,7 +29124,7 @@
                   <a:spcPts val="600"/>
                 </a:spcAft>
               </a:pPr>
-              <a:t>29</a:t>
+              <a:t>28</a:t>
             </a:fld>
             <a:endParaRPr lang="de-DE"/>
           </a:p>
@@ -29694,7 +29300,7 @@
 </p:sld>
 </file>
 
-<file path=ppt/slides/slide3.xml><?xml version="1.0" encoding="utf-8"?>
+<file path=ppt/slides/slide29.xml><?xml version="1.0" encoding="utf-8"?>
 <p:sld xmlns:a="http://schemas.openxmlformats.org/drawingml/2006/main" xmlns:r="http://schemas.openxmlformats.org/officeDocument/2006/relationships" xmlns:p="http://schemas.openxmlformats.org/presentationml/2006/main">
   <p:cSld>
     <p:spTree>
@@ -29722,208 +29328,6 @@
           </p:nvPr>
         </p:nvSpPr>
         <p:spPr>
-          <a:prstGeom prst="rect">
-            <a:avLst/>
-          </a:prstGeom>
-        </p:spPr>
-        <p:txBody>
-          <a:bodyPr/>
-          <a:lstStyle/>
-          <a:p>
-            <a:fld id="{CE58CB1E-F828-4F11-99E0-327109AF9DA4}" type="slidenum">
-              <a:rPr lang="de-DE" smtClean="0"/>
-              <a:pPr/>
-              <a:t>3</a:t>
-            </a:fld>
-            <a:endParaRPr lang="de-DE" dirty="0"/>
-          </a:p>
-        </p:txBody>
-      </p:sp>
-      <p:sp>
-        <p:nvSpPr>
-          <p:cNvPr id="6" name="Fußzeilenplatzhalter 4"/>
-          <p:cNvSpPr>
-            <a:spLocks noGrp="1"/>
-          </p:cNvSpPr>
-          <p:nvPr>
-            <p:ph type="ftr" sz="quarter" idx="12"/>
-          </p:nvPr>
-        </p:nvSpPr>
-        <p:spPr/>
-        <p:txBody>
-          <a:bodyPr/>
-          <a:lstStyle/>
-          <a:p>
-            <a:r>
-              <a:rPr lang="de-DE" dirty="0"/>
-              <a:t>Jonas Fritsch | The Adaptive Radix Tree</a:t>
-            </a:r>
-            <a:endParaRPr lang="en-US" dirty="0"/>
-          </a:p>
-        </p:txBody>
-      </p:sp>
-      <p:sp>
-        <p:nvSpPr>
-          <p:cNvPr id="3" name="Titel 2"/>
-          <p:cNvSpPr>
-            <a:spLocks noGrp="1"/>
-          </p:cNvSpPr>
-          <p:nvPr>
-            <p:ph type="title"/>
-          </p:nvPr>
-        </p:nvSpPr>
-        <p:spPr>
-          <a:prstGeom prst="rect">
-            <a:avLst/>
-          </a:prstGeom>
-        </p:spPr>
-        <p:txBody>
-          <a:bodyPr/>
-          <a:lstStyle/>
-          <a:p>
-            <a:r>
-              <a:rPr sz="3000" dirty="0"/>
-              <a:t>Disk-</a:t>
-            </a:r>
-            <a:r>
-              <a:rPr sz="3000" dirty="0" err="1"/>
-              <a:t>Based</a:t>
-            </a:r>
-            <a:r>
-              <a:rPr sz="3000" dirty="0"/>
-              <a:t> </a:t>
-            </a:r>
-            <a:r>
-              <a:rPr sz="3000" dirty="0" err="1"/>
-              <a:t>vs</a:t>
-            </a:r>
-            <a:r>
-              <a:rPr sz="3000" dirty="0"/>
-              <a:t> Main-Memory DBMS</a:t>
-            </a:r>
-            <a:endParaRPr lang="de-DE" sz="3000" dirty="0"/>
-          </a:p>
-        </p:txBody>
-      </p:sp>
-      <p:graphicFrame>
-        <p:nvGraphicFramePr>
-          <p:cNvPr id="11" name="Content Placeholder 10">
-            <a:extLst>
-              <a:ext uri="{FF2B5EF4-FFF2-40B4-BE49-F238E27FC236}">
-                <a16:creationId xmlns:a16="http://schemas.microsoft.com/office/drawing/2014/main" id="{67418F4B-4F94-0B5B-ABEB-335FB160F208}"/>
-              </a:ext>
-            </a:extLst>
-          </p:cNvPr>
-          <p:cNvGraphicFramePr>
-            <a:graphicFrameLocks noGrp="1"/>
-          </p:cNvGraphicFramePr>
-          <p:nvPr>
-            <p:ph idx="1"/>
-            <p:extLst>
-              <p:ext uri="{D42A27DB-BD31-4B8C-83A1-F6EECF244321}">
-                <p14:modId xmlns:p14="http://schemas.microsoft.com/office/powerpoint/2010/main" val="2908920313"/>
-              </p:ext>
-            </p:extLst>
-          </p:nvPr>
-        </p:nvGraphicFramePr>
-        <p:xfrm>
-          <a:off x="319088" y="1762125"/>
-          <a:ext cx="8509000" cy="4699000"/>
-        </p:xfrm>
-        <a:graphic>
-          <a:graphicData uri="http://schemas.openxmlformats.org/drawingml/2006/chart">
-            <c:chart xmlns:c="http://schemas.openxmlformats.org/drawingml/2006/chart" xmlns:r="http://schemas.openxmlformats.org/officeDocument/2006/relationships" r:id="rId3"/>
-          </a:graphicData>
-        </a:graphic>
-      </p:graphicFrame>
-      <p:sp>
-        <p:nvSpPr>
-          <p:cNvPr id="8" name="TextBox 7">
-            <a:extLst>
-              <a:ext uri="{FF2B5EF4-FFF2-40B4-BE49-F238E27FC236}">
-                <a16:creationId xmlns:a16="http://schemas.microsoft.com/office/drawing/2014/main" id="{EE08BE93-D048-4BE8-2116-925308649B84}"/>
-              </a:ext>
-            </a:extLst>
-          </p:cNvPr>
-          <p:cNvSpPr txBox="1"/>
-          <p:nvPr/>
-        </p:nvSpPr>
-        <p:spPr>
-          <a:xfrm>
-            <a:off x="311162" y="6298789"/>
-            <a:ext cx="8635130" cy="193002"/>
-          </a:xfrm>
-          <a:prstGeom prst="rect">
-            <a:avLst/>
-          </a:prstGeom>
-          <a:noFill/>
-        </p:spPr>
-        <p:txBody>
-          <a:bodyPr wrap="square" lIns="0" tIns="0" rIns="0" bIns="0" rtlCol="0">
-            <a:spAutoFit/>
-          </a:bodyPr>
-          <a:lstStyle/>
-          <a:p>
-            <a:pPr>
-              <a:lnSpc>
-                <a:spcPct val="114000"/>
-              </a:lnSpc>
-            </a:pPr>
-            <a:r>
-              <a:rPr lang="en-US" sz="1200" b="1" dirty="0"/>
-              <a:t>Source: </a:t>
-            </a:r>
-            <a:r>
-              <a:rPr lang="en-US" sz="1200" dirty="0">
-                <a:hlinkClick r:id="rId4"/>
-              </a:rPr>
-              <a:t>OLTP through the looking glass, and what we found there. SIGMOD, 2008</a:t>
-            </a:r>
-            <a:endParaRPr lang="en-US" sz="1200" dirty="0"/>
-          </a:p>
-        </p:txBody>
-      </p:sp>
-    </p:spTree>
-    <p:extLst>
-      <p:ext uri="{BB962C8B-B14F-4D97-AF65-F5344CB8AC3E}">
-        <p14:creationId xmlns:p14="http://schemas.microsoft.com/office/powerpoint/2010/main" val="2049547931"/>
-      </p:ext>
-    </p:extLst>
-  </p:cSld>
-  <p:clrMapOvr>
-    <a:masterClrMapping/>
-  </p:clrMapOvr>
-</p:sld>
-</file>
-
-<file path=ppt/slides/slide30.xml><?xml version="1.0" encoding="utf-8"?>
-<p:sld xmlns:a="http://schemas.openxmlformats.org/drawingml/2006/main" xmlns:r="http://schemas.openxmlformats.org/officeDocument/2006/relationships" xmlns:p="http://schemas.openxmlformats.org/presentationml/2006/main">
-  <p:cSld>
-    <p:spTree>
-      <p:nvGrpSpPr>
-        <p:cNvPr id="1" name=""/>
-        <p:cNvGrpSpPr/>
-        <p:nvPr/>
-      </p:nvGrpSpPr>
-      <p:grpSpPr>
-        <a:xfrm>
-          <a:off x="0" y="0"/>
-          <a:ext cx="0" cy="0"/>
-          <a:chOff x="0" y="0"/>
-          <a:chExt cx="0" cy="0"/>
-        </a:xfrm>
-      </p:grpSpPr>
-      <p:sp>
-        <p:nvSpPr>
-          <p:cNvPr id="4" name="Foliennummernplatzhalter 3"/>
-          <p:cNvSpPr>
-            <a:spLocks noGrp="1"/>
-          </p:cNvSpPr>
-          <p:nvPr>
-            <p:ph type="sldNum" sz="quarter" idx="11"/>
-          </p:nvPr>
-        </p:nvSpPr>
-        <p:spPr>
           <a:xfrm>
             <a:off x="6774934" y="6473313"/>
             <a:ext cx="2052000" cy="365125"/>
@@ -29947,7 +29351,7 @@
                   <a:spcPts val="600"/>
                 </a:spcAft>
               </a:pPr>
-              <a:t>30</a:t>
+              <a:t>29</a:t>
             </a:fld>
             <a:endParaRPr lang="de-DE"/>
           </a:p>
@@ -30118,7 +29522,209 @@
 </p:sld>
 </file>
 
-<file path=ppt/slides/slide31.xml><?xml version="1.0" encoding="utf-8"?>
+<file path=ppt/slides/slide3.xml><?xml version="1.0" encoding="utf-8"?>
+<p:sld xmlns:a="http://schemas.openxmlformats.org/drawingml/2006/main" xmlns:r="http://schemas.openxmlformats.org/officeDocument/2006/relationships" xmlns:p="http://schemas.openxmlformats.org/presentationml/2006/main">
+  <p:cSld>
+    <p:spTree>
+      <p:nvGrpSpPr>
+        <p:cNvPr id="1" name=""/>
+        <p:cNvGrpSpPr/>
+        <p:nvPr/>
+      </p:nvGrpSpPr>
+      <p:grpSpPr>
+        <a:xfrm>
+          <a:off x="0" y="0"/>
+          <a:ext cx="0" cy="0"/>
+          <a:chOff x="0" y="0"/>
+          <a:chExt cx="0" cy="0"/>
+        </a:xfrm>
+      </p:grpSpPr>
+      <p:sp>
+        <p:nvSpPr>
+          <p:cNvPr id="4" name="Foliennummernplatzhalter 3"/>
+          <p:cNvSpPr>
+            <a:spLocks noGrp="1"/>
+          </p:cNvSpPr>
+          <p:nvPr>
+            <p:ph type="sldNum" sz="quarter" idx="11"/>
+          </p:nvPr>
+        </p:nvSpPr>
+        <p:spPr>
+          <a:prstGeom prst="rect">
+            <a:avLst/>
+          </a:prstGeom>
+        </p:spPr>
+        <p:txBody>
+          <a:bodyPr/>
+          <a:lstStyle/>
+          <a:p>
+            <a:fld id="{CE58CB1E-F828-4F11-99E0-327109AF9DA4}" type="slidenum">
+              <a:rPr lang="de-DE" smtClean="0"/>
+              <a:pPr/>
+              <a:t>3</a:t>
+            </a:fld>
+            <a:endParaRPr lang="de-DE" dirty="0"/>
+          </a:p>
+        </p:txBody>
+      </p:sp>
+      <p:sp>
+        <p:nvSpPr>
+          <p:cNvPr id="6" name="Fußzeilenplatzhalter 4"/>
+          <p:cNvSpPr>
+            <a:spLocks noGrp="1"/>
+          </p:cNvSpPr>
+          <p:nvPr>
+            <p:ph type="ftr" sz="quarter" idx="12"/>
+          </p:nvPr>
+        </p:nvSpPr>
+        <p:spPr/>
+        <p:txBody>
+          <a:bodyPr/>
+          <a:lstStyle/>
+          <a:p>
+            <a:r>
+              <a:rPr lang="de-DE" dirty="0"/>
+              <a:t>Jonas Fritsch | The Adaptive Radix Tree</a:t>
+            </a:r>
+            <a:endParaRPr lang="en-US" dirty="0"/>
+          </a:p>
+        </p:txBody>
+      </p:sp>
+      <p:sp>
+        <p:nvSpPr>
+          <p:cNvPr id="3" name="Titel 2"/>
+          <p:cNvSpPr>
+            <a:spLocks noGrp="1"/>
+          </p:cNvSpPr>
+          <p:nvPr>
+            <p:ph type="title"/>
+          </p:nvPr>
+        </p:nvSpPr>
+        <p:spPr>
+          <a:prstGeom prst="rect">
+            <a:avLst/>
+          </a:prstGeom>
+        </p:spPr>
+        <p:txBody>
+          <a:bodyPr/>
+          <a:lstStyle/>
+          <a:p>
+            <a:r>
+              <a:rPr sz="3000" dirty="0"/>
+              <a:t>Disk-</a:t>
+            </a:r>
+            <a:r>
+              <a:rPr sz="3000" dirty="0" err="1"/>
+              <a:t>Based</a:t>
+            </a:r>
+            <a:r>
+              <a:rPr sz="3000" dirty="0"/>
+              <a:t> </a:t>
+            </a:r>
+            <a:r>
+              <a:rPr sz="3000" dirty="0" err="1"/>
+              <a:t>vs</a:t>
+            </a:r>
+            <a:r>
+              <a:rPr sz="3000" dirty="0"/>
+              <a:t> Main-Memory DBMS</a:t>
+            </a:r>
+            <a:endParaRPr lang="de-DE" sz="3000" dirty="0"/>
+          </a:p>
+        </p:txBody>
+      </p:sp>
+      <p:graphicFrame>
+        <p:nvGraphicFramePr>
+          <p:cNvPr id="11" name="Content Placeholder 10">
+            <a:extLst>
+              <a:ext uri="{FF2B5EF4-FFF2-40B4-BE49-F238E27FC236}">
+                <a16:creationId xmlns:a16="http://schemas.microsoft.com/office/drawing/2014/main" id="{67418F4B-4F94-0B5B-ABEB-335FB160F208}"/>
+              </a:ext>
+            </a:extLst>
+          </p:cNvPr>
+          <p:cNvGraphicFramePr>
+            <a:graphicFrameLocks noGrp="1"/>
+          </p:cNvGraphicFramePr>
+          <p:nvPr>
+            <p:ph idx="1"/>
+            <p:extLst>
+              <p:ext uri="{D42A27DB-BD31-4B8C-83A1-F6EECF244321}">
+                <p14:modId xmlns:p14="http://schemas.microsoft.com/office/powerpoint/2010/main" val="2908920313"/>
+              </p:ext>
+            </p:extLst>
+          </p:nvPr>
+        </p:nvGraphicFramePr>
+        <p:xfrm>
+          <a:off x="319088" y="1762125"/>
+          <a:ext cx="8509000" cy="4699000"/>
+        </p:xfrm>
+        <a:graphic>
+          <a:graphicData uri="http://schemas.openxmlformats.org/drawingml/2006/chart">
+            <c:chart xmlns:c="http://schemas.openxmlformats.org/drawingml/2006/chart" xmlns:r="http://schemas.openxmlformats.org/officeDocument/2006/relationships" r:id="rId3"/>
+          </a:graphicData>
+        </a:graphic>
+      </p:graphicFrame>
+      <p:sp>
+        <p:nvSpPr>
+          <p:cNvPr id="8" name="TextBox 7">
+            <a:extLst>
+              <a:ext uri="{FF2B5EF4-FFF2-40B4-BE49-F238E27FC236}">
+                <a16:creationId xmlns:a16="http://schemas.microsoft.com/office/drawing/2014/main" id="{EE08BE93-D048-4BE8-2116-925308649B84}"/>
+              </a:ext>
+            </a:extLst>
+          </p:cNvPr>
+          <p:cNvSpPr txBox="1"/>
+          <p:nvPr/>
+        </p:nvSpPr>
+        <p:spPr>
+          <a:xfrm>
+            <a:off x="311162" y="6298789"/>
+            <a:ext cx="8635130" cy="193002"/>
+          </a:xfrm>
+          <a:prstGeom prst="rect">
+            <a:avLst/>
+          </a:prstGeom>
+          <a:noFill/>
+        </p:spPr>
+        <p:txBody>
+          <a:bodyPr wrap="square" lIns="0" tIns="0" rIns="0" bIns="0" rtlCol="0">
+            <a:spAutoFit/>
+          </a:bodyPr>
+          <a:lstStyle/>
+          <a:p>
+            <a:pPr>
+              <a:lnSpc>
+                <a:spcPct val="114000"/>
+              </a:lnSpc>
+            </a:pPr>
+            <a:r>
+              <a:rPr lang="en-US" sz="1200" b="1" dirty="0"/>
+              <a:t>Source: </a:t>
+            </a:r>
+            <a:r>
+              <a:rPr lang="en-US" sz="1200" dirty="0">
+                <a:hlinkClick r:id="rId4"/>
+              </a:rPr>
+              <a:t>OLTP through the looking glass, and what we found there. SIGMOD, 2008</a:t>
+            </a:r>
+            <a:endParaRPr lang="en-US" sz="1200" dirty="0"/>
+          </a:p>
+        </p:txBody>
+      </p:sp>
+    </p:spTree>
+    <p:extLst>
+      <p:ext uri="{BB962C8B-B14F-4D97-AF65-F5344CB8AC3E}">
+        <p14:creationId xmlns:p14="http://schemas.microsoft.com/office/powerpoint/2010/main" val="2049547931"/>
+      </p:ext>
+    </p:extLst>
+  </p:cSld>
+  <p:clrMapOvr>
+    <a:masterClrMapping/>
+  </p:clrMapOvr>
+</p:sld>
+</file>
+
+<file path=ppt/slides/slide30.xml><?xml version="1.0" encoding="utf-8"?>
 <p:sld xmlns:a="http://schemas.openxmlformats.org/drawingml/2006/main" xmlns:r="http://schemas.openxmlformats.org/officeDocument/2006/relationships" xmlns:p="http://schemas.openxmlformats.org/presentationml/2006/main">
   <p:cSld>
     <p:spTree>
@@ -31164,7 +30770,7 @@
             <a:fld id="{CE58CB1E-F828-4F11-99E0-327109AF9DA4}" type="slidenum">
               <a:rPr lang="de-DE" smtClean="0"/>
               <a:pPr/>
-              <a:t>31</a:t>
+              <a:t>30</a:t>
             </a:fld>
             <a:endParaRPr lang="de-DE" dirty="0"/>
           </a:p>
@@ -31491,6 +31097,812 @@
     <p:extLst>
       <p:ext uri="{BB962C8B-B14F-4D97-AF65-F5344CB8AC3E}">
         <p14:creationId xmlns:p14="http://schemas.microsoft.com/office/powerpoint/2010/main" val="2950190069"/>
+      </p:ext>
+    </p:extLst>
+  </p:cSld>
+  <p:clrMapOvr>
+    <a:masterClrMapping/>
+  </p:clrMapOvr>
+</p:sld>
+</file>
+
+<file path=ppt/slides/slide31.xml><?xml version="1.0" encoding="utf-8"?>
+<p:sld xmlns:a="http://schemas.openxmlformats.org/drawingml/2006/main" xmlns:r="http://schemas.openxmlformats.org/officeDocument/2006/relationships" xmlns:p="http://schemas.openxmlformats.org/presentationml/2006/main">
+  <p:cSld>
+    <p:spTree>
+      <p:nvGrpSpPr>
+        <p:cNvPr id="1" name=""/>
+        <p:cNvGrpSpPr/>
+        <p:nvPr/>
+      </p:nvGrpSpPr>
+      <p:grpSpPr>
+        <a:xfrm>
+          <a:off x="0" y="0"/>
+          <a:ext cx="0" cy="0"/>
+          <a:chOff x="0" y="0"/>
+          <a:chExt cx="0" cy="0"/>
+        </a:xfrm>
+      </p:grpSpPr>
+      <p:sp>
+        <p:nvSpPr>
+          <p:cNvPr id="4" name="Foliennummernplatzhalter 3"/>
+          <p:cNvSpPr>
+            <a:spLocks noGrp="1"/>
+          </p:cNvSpPr>
+          <p:nvPr>
+            <p:ph type="sldNum" sz="quarter" idx="11"/>
+          </p:nvPr>
+        </p:nvSpPr>
+        <p:spPr/>
+        <p:txBody>
+          <a:bodyPr/>
+          <a:lstStyle/>
+          <a:p>
+            <a:fld id="{CE58CB1E-F828-4F11-99E0-327109AF9DA4}" type="slidenum">
+              <a:rPr lang="de-DE" smtClean="0"/>
+              <a:pPr/>
+              <a:t>31</a:t>
+            </a:fld>
+            <a:endParaRPr lang="de-DE" dirty="0"/>
+          </a:p>
+        </p:txBody>
+      </p:sp>
+      <p:sp>
+        <p:nvSpPr>
+          <p:cNvPr id="10" name="Fußzeilenplatzhalter 4"/>
+          <p:cNvSpPr>
+            <a:spLocks noGrp="1"/>
+          </p:cNvSpPr>
+          <p:nvPr>
+            <p:ph type="ftr" sz="quarter" idx="12"/>
+          </p:nvPr>
+        </p:nvSpPr>
+        <p:spPr/>
+        <p:txBody>
+          <a:bodyPr/>
+          <a:lstStyle/>
+          <a:p>
+            <a:pPr>
+              <a:spcAft>
+                <a:spcPts val="600"/>
+              </a:spcAft>
+            </a:pPr>
+            <a:r>
+              <a:rPr lang="de-DE" dirty="0"/>
+              <a:t>Jonas Fritsch | The Adaptive Radix Tree</a:t>
+            </a:r>
+            <a:endParaRPr lang="en-US" dirty="0"/>
+          </a:p>
+        </p:txBody>
+      </p:sp>
+      <p:sp>
+        <p:nvSpPr>
+          <p:cNvPr id="3" name="Titel 2"/>
+          <p:cNvSpPr>
+            <a:spLocks noGrp="1"/>
+          </p:cNvSpPr>
+          <p:nvPr>
+            <p:ph type="title"/>
+          </p:nvPr>
+        </p:nvSpPr>
+        <p:spPr/>
+        <p:txBody>
+          <a:bodyPr/>
+          <a:lstStyle/>
+          <a:p>
+            <a:r>
+              <a:rPr lang="de-DE" dirty="0"/>
+              <a:t>Summary &amp; </a:t>
+            </a:r>
+            <a:r>
+              <a:rPr lang="de-DE" dirty="0" err="1"/>
+              <a:t>Conclusion</a:t>
+            </a:r>
+            <a:endParaRPr lang="de-DE" dirty="0"/>
+          </a:p>
+        </p:txBody>
+      </p:sp>
+      <p:sp>
+        <p:nvSpPr>
+          <p:cNvPr id="11" name="Inhaltsplatzhalter 1">
+            <a:extLst>
+              <a:ext uri="{FF2B5EF4-FFF2-40B4-BE49-F238E27FC236}">
+                <a16:creationId xmlns:a16="http://schemas.microsoft.com/office/drawing/2014/main" id="{2E134AD9-4D70-D11E-1ED9-97E4A6B605D0}"/>
+              </a:ext>
+            </a:extLst>
+          </p:cNvPr>
+          <p:cNvSpPr>
+            <a:spLocks noGrp="1"/>
+          </p:cNvSpPr>
+          <p:nvPr>
+            <p:ph idx="1"/>
+          </p:nvPr>
+        </p:nvSpPr>
+        <p:spPr>
+          <a:xfrm>
+            <a:off x="319090" y="1762188"/>
+            <a:ext cx="8508999" cy="4699572"/>
+          </a:xfrm>
+        </p:spPr>
+        <p:txBody>
+          <a:bodyPr/>
+          <a:lstStyle/>
+          <a:p>
+            <a:r>
+              <a:rPr b="1" dirty="0"/>
+              <a:t>Further </a:t>
+            </a:r>
+            <a:r>
+              <a:rPr b="1" dirty="0" err="1"/>
+              <a:t>research</a:t>
+            </a:r>
+            <a:r>
+              <a:rPr b="1" dirty="0"/>
+              <a:t> </a:t>
+            </a:r>
+            <a:r>
+              <a:rPr b="1" dirty="0" err="1"/>
+              <a:t>being</a:t>
+            </a:r>
+            <a:r>
+              <a:rPr b="1" dirty="0"/>
+              <a:t> </a:t>
+            </a:r>
+            <a:r>
+              <a:rPr b="1" dirty="0" err="1"/>
+              <a:t>done</a:t>
+            </a:r>
+            <a:r>
+              <a:rPr b="1" dirty="0"/>
+              <a:t>:</a:t>
+            </a:r>
+          </a:p>
+          <a:p>
+            <a:r>
+              <a:rPr lang="de-DE" dirty="0">
+                <a:hlinkClick r:id="rId3"/>
+              </a:rPr>
+              <a:t>The ART </a:t>
+            </a:r>
+            <a:r>
+              <a:rPr lang="de-DE" dirty="0" err="1">
+                <a:hlinkClick r:id="rId3"/>
+              </a:rPr>
+              <a:t>of</a:t>
+            </a:r>
+            <a:r>
+              <a:rPr lang="de-DE" dirty="0">
+                <a:hlinkClick r:id="rId3"/>
+              </a:rPr>
+              <a:t> </a:t>
+            </a:r>
+            <a:r>
+              <a:rPr lang="de-DE" dirty="0" err="1">
+                <a:hlinkClick r:id="rId3"/>
+              </a:rPr>
+              <a:t>practical</a:t>
+            </a:r>
+            <a:r>
+              <a:rPr lang="de-DE" dirty="0">
+                <a:hlinkClick r:id="rId3"/>
+              </a:rPr>
+              <a:t> </a:t>
+            </a:r>
+            <a:r>
+              <a:rPr lang="de-DE" dirty="0" err="1">
+                <a:hlinkClick r:id="rId3"/>
+              </a:rPr>
+              <a:t>synchronization</a:t>
+            </a:r>
+            <a:r>
+              <a:rPr lang="de-DE" dirty="0"/>
+              <a:t> (</a:t>
+            </a:r>
+            <a:r>
+              <a:rPr lang="de-DE" dirty="0" err="1"/>
+              <a:t>DaMoN</a:t>
+            </a:r>
+            <a:r>
+              <a:rPr lang="de-DE" dirty="0"/>
+              <a:t>, 2016)</a:t>
+            </a:r>
+          </a:p>
+          <a:p>
+            <a:pPr marL="461963" lvl="1" indent="-285750">
+              <a:buFont typeface="Arial" panose="020B0604020202020204" pitchFamily="34" charset="0"/>
+              <a:buChar char="•"/>
+            </a:pPr>
+            <a:r>
+              <a:rPr lang="de-DE" dirty="0" err="1"/>
+              <a:t>sychronize</a:t>
+            </a:r>
+            <a:r>
+              <a:rPr lang="de-DE" dirty="0"/>
+              <a:t> ART </a:t>
+            </a:r>
+            <a:r>
+              <a:rPr lang="de-DE" dirty="0" err="1"/>
+              <a:t>for</a:t>
+            </a:r>
+            <a:r>
+              <a:rPr lang="de-DE" dirty="0"/>
+              <a:t> </a:t>
+            </a:r>
+            <a:r>
+              <a:rPr lang="de-DE" dirty="0" err="1"/>
+              <a:t>multithreading</a:t>
+            </a:r>
+            <a:r>
+              <a:rPr lang="de-DE" dirty="0"/>
+              <a:t> </a:t>
+            </a:r>
+            <a:r>
+              <a:rPr lang="de-DE" dirty="0" err="1"/>
+              <a:t>using</a:t>
+            </a:r>
+            <a:r>
+              <a:rPr lang="de-DE" dirty="0"/>
+              <a:t> </a:t>
+            </a:r>
+            <a:r>
+              <a:rPr lang="de-DE" dirty="0" err="1"/>
+              <a:t>combination</a:t>
+            </a:r>
+            <a:r>
+              <a:rPr lang="de-DE" dirty="0"/>
+              <a:t> </a:t>
+            </a:r>
+            <a:r>
+              <a:rPr lang="de-DE" dirty="0" err="1"/>
+              <a:t>of</a:t>
+            </a:r>
+            <a:r>
+              <a:rPr lang="de-DE" dirty="0"/>
+              <a:t> OLP and ROWEX</a:t>
+            </a:r>
+          </a:p>
+          <a:p>
+            <a:pPr marL="461963" lvl="1" indent="-285750">
+              <a:buFont typeface="Arial" panose="020B0604020202020204" pitchFamily="34" charset="0"/>
+              <a:buChar char="•"/>
+            </a:pPr>
+            <a:endParaRPr lang="de-DE" dirty="0"/>
+          </a:p>
+          <a:p>
+            <a:r>
+              <a:rPr lang="de-DE" dirty="0">
+                <a:hlinkClick r:id="rId4"/>
+              </a:rPr>
+              <a:t>HOT: A Height </a:t>
+            </a:r>
+            <a:r>
+              <a:rPr lang="de-DE" dirty="0" err="1">
+                <a:hlinkClick r:id="rId4"/>
+              </a:rPr>
+              <a:t>Optimized</a:t>
+            </a:r>
+            <a:r>
+              <a:rPr lang="de-DE" dirty="0">
+                <a:hlinkClick r:id="rId4"/>
+              </a:rPr>
+              <a:t> Trie Index </a:t>
+            </a:r>
+            <a:r>
+              <a:rPr lang="de-DE" dirty="0" err="1">
+                <a:hlinkClick r:id="rId4"/>
+              </a:rPr>
+              <a:t>for</a:t>
+            </a:r>
+            <a:r>
+              <a:rPr lang="de-DE" dirty="0">
+                <a:hlinkClick r:id="rId4"/>
+              </a:rPr>
+              <a:t> Main-Memory Database Systems</a:t>
+            </a:r>
+            <a:r>
+              <a:rPr lang="de-DE" dirty="0"/>
+              <a:t> (SIGMOD, 2018)</a:t>
+            </a:r>
+          </a:p>
+          <a:p>
+            <a:pPr marL="461963" lvl="1" indent="-285750">
+              <a:buFont typeface="Arial" panose="020B0604020202020204" pitchFamily="34" charset="0"/>
+              <a:buChar char="•"/>
+            </a:pPr>
+            <a:r>
+              <a:rPr lang="de-DE" dirty="0"/>
+              <a:t>ART </a:t>
+            </a:r>
+            <a:r>
+              <a:rPr lang="de-DE" dirty="0" err="1"/>
+              <a:t>performs</a:t>
+            </a:r>
+            <a:r>
+              <a:rPr lang="de-DE" dirty="0"/>
+              <a:t> </a:t>
+            </a:r>
+            <a:r>
+              <a:rPr lang="de-DE" dirty="0" err="1"/>
+              <a:t>worse</a:t>
+            </a:r>
+            <a:r>
+              <a:rPr lang="de-DE" dirty="0"/>
+              <a:t> on </a:t>
+            </a:r>
+            <a:r>
+              <a:rPr lang="de-DE" dirty="0" err="1"/>
+              <a:t>string</a:t>
+            </a:r>
+            <a:r>
+              <a:rPr lang="de-DE" dirty="0"/>
+              <a:t> (</a:t>
+            </a:r>
+            <a:r>
+              <a:rPr lang="de-DE" dirty="0" err="1"/>
+              <a:t>more</a:t>
+            </a:r>
+            <a:r>
+              <a:rPr lang="de-DE" dirty="0"/>
+              <a:t> </a:t>
+            </a:r>
+            <a:r>
+              <a:rPr lang="de-DE" dirty="0" err="1"/>
+              <a:t>random</a:t>
+            </a:r>
+            <a:r>
+              <a:rPr lang="de-DE" dirty="0"/>
+              <a:t> </a:t>
+            </a:r>
+            <a:r>
+              <a:rPr lang="de-DE" dirty="0" err="1"/>
+              <a:t>binary</a:t>
+            </a:r>
+            <a:r>
+              <a:rPr lang="de-DE" dirty="0"/>
+              <a:t> </a:t>
+            </a:r>
+            <a:r>
+              <a:rPr lang="de-DE" dirty="0" err="1"/>
+              <a:t>distribution</a:t>
+            </a:r>
+            <a:r>
+              <a:rPr lang="de-DE" dirty="0"/>
+              <a:t>) due </a:t>
+            </a:r>
+            <a:r>
+              <a:rPr lang="de-DE" dirty="0" err="1"/>
+              <a:t>to</a:t>
+            </a:r>
+            <a:r>
+              <a:rPr lang="de-DE" dirty="0"/>
+              <a:t> </a:t>
+            </a:r>
+            <a:r>
+              <a:rPr lang="de-DE" dirty="0" err="1"/>
+              <a:t>low</a:t>
+            </a:r>
+            <a:r>
+              <a:rPr lang="de-DE" dirty="0"/>
+              <a:t> </a:t>
+            </a:r>
+            <a:r>
+              <a:rPr lang="de-DE" dirty="0" err="1"/>
+              <a:t>fanout</a:t>
+            </a:r>
+            <a:r>
+              <a:rPr lang="de-DE" dirty="0"/>
+              <a:t> in </a:t>
+            </a:r>
+            <a:r>
+              <a:rPr lang="de-DE" dirty="0" err="1"/>
+              <a:t>lower</a:t>
+            </a:r>
+            <a:r>
+              <a:rPr lang="de-DE" dirty="0"/>
+              <a:t> </a:t>
+            </a:r>
+            <a:r>
+              <a:rPr lang="de-DE" dirty="0" err="1"/>
+              <a:t>tree</a:t>
+            </a:r>
+            <a:r>
+              <a:rPr lang="de-DE" dirty="0"/>
+              <a:t> </a:t>
+            </a:r>
+            <a:r>
+              <a:rPr lang="de-DE" dirty="0" err="1"/>
+              <a:t>levels</a:t>
+            </a:r>
+            <a:endParaRPr lang="de-DE" dirty="0"/>
+          </a:p>
+          <a:p>
+            <a:pPr marL="461963" lvl="1" indent="-285750">
+              <a:buFont typeface="Arial" panose="020B0604020202020204" pitchFamily="34" charset="0"/>
+              <a:buChar char="•"/>
+            </a:pPr>
+            <a:r>
+              <a:rPr lang="de-DE" dirty="0" err="1"/>
+              <a:t>Idea</a:t>
+            </a:r>
+            <a:r>
+              <a:rPr lang="de-DE" dirty="0"/>
+              <a:t>: </a:t>
+            </a:r>
+            <a:r>
+              <a:rPr lang="de-DE" dirty="0" err="1"/>
+              <a:t>Achieve</a:t>
+            </a:r>
+            <a:r>
+              <a:rPr lang="de-DE" dirty="0"/>
+              <a:t> </a:t>
+            </a:r>
+            <a:r>
+              <a:rPr lang="de-DE" dirty="0" err="1"/>
+              <a:t>consistently</a:t>
+            </a:r>
+            <a:r>
+              <a:rPr lang="de-DE" dirty="0"/>
+              <a:t> high </a:t>
+            </a:r>
+            <a:r>
+              <a:rPr lang="de-DE" dirty="0" err="1"/>
+              <a:t>fanout</a:t>
+            </a:r>
+            <a:r>
+              <a:rPr lang="de-DE" dirty="0"/>
+              <a:t> </a:t>
+            </a:r>
+            <a:r>
+              <a:rPr lang="de-DE" dirty="0" err="1"/>
+              <a:t>by</a:t>
+            </a:r>
+            <a:r>
+              <a:rPr lang="de-DE" dirty="0"/>
+              <a:t> </a:t>
+            </a:r>
+            <a:r>
+              <a:rPr lang="de-DE" dirty="0" err="1"/>
+              <a:t>adapting</a:t>
+            </a:r>
+            <a:r>
+              <a:rPr lang="de-DE" dirty="0"/>
+              <a:t> </a:t>
+            </a:r>
+            <a:r>
+              <a:rPr lang="de-DE" dirty="0" err="1"/>
+              <a:t>the</a:t>
+            </a:r>
+            <a:r>
+              <a:rPr lang="de-DE" dirty="0"/>
+              <a:t> span at </a:t>
+            </a:r>
+            <a:r>
+              <a:rPr lang="de-DE" dirty="0" err="1"/>
+              <a:t>each</a:t>
+            </a:r>
+            <a:r>
+              <a:rPr lang="de-DE" dirty="0"/>
+              <a:t> </a:t>
+            </a:r>
+            <a:r>
+              <a:rPr lang="de-DE" dirty="0" err="1"/>
+              <a:t>node</a:t>
+            </a:r>
+            <a:endParaRPr lang="de-DE" dirty="0"/>
+          </a:p>
+          <a:p>
+            <a:pPr marL="461963" lvl="1" indent="-285750">
+              <a:buFont typeface="Arial" panose="020B0604020202020204" pitchFamily="34" charset="0"/>
+              <a:buChar char="•"/>
+            </a:pPr>
+            <a:endParaRPr lang="de-DE" dirty="0"/>
+          </a:p>
+          <a:p>
+            <a:r>
+              <a:rPr lang="de-DE" dirty="0">
+                <a:hlinkClick r:id="rId5"/>
+              </a:rPr>
+              <a:t>START – Self-Tuning Adaptive Radix Tree</a:t>
+            </a:r>
+            <a:r>
+              <a:rPr lang="de-DE" dirty="0"/>
+              <a:t> (IEEE, 2020)</a:t>
+            </a:r>
+          </a:p>
+          <a:p>
+            <a:pPr marL="461963" lvl="1" indent="-285750">
+              <a:buFont typeface="Arial" panose="020B0604020202020204" pitchFamily="34" charset="0"/>
+              <a:buChar char="•"/>
+            </a:pPr>
+            <a:r>
+              <a:rPr lang="de-DE" dirty="0" err="1"/>
+              <a:t>Learned</a:t>
+            </a:r>
+            <a:r>
+              <a:rPr lang="de-DE" dirty="0"/>
+              <a:t> </a:t>
+            </a:r>
+            <a:r>
+              <a:rPr lang="de-DE" dirty="0" err="1"/>
+              <a:t>indexes</a:t>
+            </a:r>
+            <a:r>
+              <a:rPr lang="de-DE" dirty="0"/>
+              <a:t> </a:t>
+            </a:r>
+            <a:r>
+              <a:rPr lang="de-DE" dirty="0" err="1"/>
+              <a:t>outperfoming</a:t>
+            </a:r>
+            <a:r>
+              <a:rPr lang="de-DE" dirty="0"/>
+              <a:t> ART in </a:t>
+            </a:r>
+            <a:r>
+              <a:rPr lang="de-DE" dirty="0" err="1"/>
+              <a:t>read-mostly</a:t>
+            </a:r>
+            <a:r>
+              <a:rPr lang="de-DE" dirty="0"/>
+              <a:t> benchmark due </a:t>
+            </a:r>
+            <a:r>
+              <a:rPr lang="de-DE" dirty="0" err="1"/>
+              <a:t>to</a:t>
+            </a:r>
+            <a:r>
+              <a:rPr lang="de-DE" dirty="0"/>
+              <a:t> </a:t>
+            </a:r>
+            <a:r>
+              <a:rPr lang="de-DE" dirty="0" err="1"/>
+              <a:t>hierarchical</a:t>
+            </a:r>
+            <a:r>
+              <a:rPr lang="de-DE" dirty="0"/>
+              <a:t> </a:t>
+            </a:r>
+            <a:r>
+              <a:rPr lang="de-DE" dirty="0" err="1"/>
+              <a:t>structure</a:t>
+            </a:r>
+            <a:r>
+              <a:rPr lang="de-DE" dirty="0"/>
+              <a:t> </a:t>
+            </a:r>
+            <a:r>
+              <a:rPr lang="de-DE" dirty="0" err="1"/>
+              <a:t>of</a:t>
+            </a:r>
+            <a:r>
+              <a:rPr lang="de-DE" dirty="0"/>
+              <a:t> </a:t>
+            </a:r>
+            <a:r>
+              <a:rPr lang="de-DE" dirty="0" err="1"/>
+              <a:t>nodes</a:t>
+            </a:r>
+            <a:endParaRPr lang="de-DE" dirty="0"/>
+          </a:p>
+          <a:p>
+            <a:pPr marL="461963" lvl="1" indent="-285750">
+              <a:buFont typeface="Arial" panose="020B0604020202020204" pitchFamily="34" charset="0"/>
+              <a:buChar char="•"/>
+            </a:pPr>
+            <a:r>
+              <a:rPr lang="de-DE" dirty="0" err="1"/>
+              <a:t>Idea</a:t>
+            </a:r>
+            <a:r>
+              <a:rPr lang="de-DE" dirty="0"/>
+              <a:t>: </a:t>
+            </a:r>
+            <a:r>
+              <a:rPr lang="de-DE" dirty="0" err="1"/>
+              <a:t>Optimize</a:t>
+            </a:r>
+            <a:r>
+              <a:rPr lang="de-DE" dirty="0"/>
+              <a:t> </a:t>
+            </a:r>
+            <a:r>
+              <a:rPr lang="de-DE" dirty="0" err="1"/>
+              <a:t>lower</a:t>
+            </a:r>
+            <a:r>
+              <a:rPr lang="de-DE" dirty="0"/>
+              <a:t> </a:t>
+            </a:r>
+            <a:r>
+              <a:rPr lang="de-DE" dirty="0" err="1"/>
+              <a:t>level</a:t>
+            </a:r>
+            <a:r>
+              <a:rPr lang="de-DE" dirty="0"/>
+              <a:t> </a:t>
+            </a:r>
+            <a:r>
+              <a:rPr lang="de-DE" dirty="0" err="1"/>
+              <a:t>nodes</a:t>
+            </a:r>
+            <a:r>
+              <a:rPr lang="de-DE" dirty="0"/>
+              <a:t> </a:t>
+            </a:r>
+            <a:r>
+              <a:rPr lang="de-DE" dirty="0" err="1"/>
+              <a:t>using</a:t>
+            </a:r>
+            <a:r>
+              <a:rPr lang="de-DE" dirty="0"/>
+              <a:t> </a:t>
+            </a:r>
+            <a:r>
+              <a:rPr lang="de-DE" dirty="0" err="1"/>
+              <a:t>cost</a:t>
+            </a:r>
+            <a:r>
+              <a:rPr lang="de-DE" dirty="0"/>
+              <a:t> </a:t>
+            </a:r>
+            <a:r>
+              <a:rPr lang="de-DE" dirty="0" err="1"/>
+              <a:t>model</a:t>
+            </a:r>
+            <a:r>
+              <a:rPr lang="de-DE" dirty="0"/>
+              <a:t> and </a:t>
+            </a:r>
+            <a:r>
+              <a:rPr lang="de-DE" dirty="0" err="1"/>
+              <a:t>optimizer</a:t>
+            </a:r>
+            <a:endParaRPr lang="de-DE" dirty="0"/>
+          </a:p>
+          <a:p>
+            <a:pPr marL="461963" lvl="1" indent="-285750">
+              <a:buFont typeface="Arial" panose="020B0604020202020204" pitchFamily="34" charset="0"/>
+              <a:buChar char="•"/>
+            </a:pPr>
+            <a:endParaRPr lang="de-DE" dirty="0"/>
+          </a:p>
+          <a:p>
+            <a:r>
+              <a:rPr lang="de-DE" dirty="0"/>
+              <a:t>(Judy Arrays patent </a:t>
+            </a:r>
+            <a:r>
+              <a:rPr lang="de-DE" dirty="0" err="1"/>
+              <a:t>expired</a:t>
+            </a:r>
+            <a:r>
+              <a:rPr lang="de-DE" dirty="0"/>
+              <a:t> </a:t>
+            </a:r>
+            <a:r>
+              <a:rPr lang="de-DE" dirty="0" err="1"/>
+              <a:t>this</a:t>
+            </a:r>
+            <a:r>
+              <a:rPr lang="de-DE" dirty="0"/>
+              <a:t> </a:t>
+            </a:r>
+            <a:r>
+              <a:rPr lang="de-DE" dirty="0" err="1"/>
+              <a:t>year</a:t>
+            </a:r>
+            <a:r>
+              <a:rPr lang="de-DE" dirty="0"/>
+              <a:t>)</a:t>
+            </a:r>
+          </a:p>
+          <a:p>
+            <a:pPr marL="461963" lvl="1" indent="-285750">
+              <a:buFont typeface="Arial" panose="020B0604020202020204" pitchFamily="34" charset="0"/>
+              <a:buChar char="•"/>
+            </a:pPr>
+            <a:r>
+              <a:rPr lang="de-DE" dirty="0" err="1"/>
+              <a:t>even</a:t>
+            </a:r>
+            <a:r>
+              <a:rPr lang="de-DE" dirty="0"/>
+              <a:t> </a:t>
+            </a:r>
+            <a:r>
+              <a:rPr lang="de-DE" dirty="0" err="1"/>
+              <a:t>better</a:t>
+            </a:r>
+            <a:r>
+              <a:rPr lang="de-DE" dirty="0"/>
+              <a:t> </a:t>
+            </a:r>
+            <a:r>
+              <a:rPr lang="de-DE" dirty="0" err="1"/>
+              <a:t>cache</a:t>
+            </a:r>
+            <a:r>
+              <a:rPr lang="de-DE" dirty="0"/>
+              <a:t> </a:t>
+            </a:r>
+            <a:r>
+              <a:rPr lang="de-DE" dirty="0" err="1"/>
+              <a:t>efficiency</a:t>
+            </a:r>
+            <a:r>
+              <a:rPr lang="de-DE" dirty="0"/>
+              <a:t>, </a:t>
+            </a:r>
+            <a:r>
+              <a:rPr lang="de-DE" dirty="0" err="1"/>
+              <a:t>complex</a:t>
+            </a:r>
+            <a:r>
+              <a:rPr lang="de-DE" dirty="0"/>
+              <a:t> </a:t>
+            </a:r>
+            <a:r>
+              <a:rPr lang="de-DE" dirty="0" err="1"/>
+              <a:t>node</a:t>
+            </a:r>
+            <a:r>
+              <a:rPr lang="de-DE" dirty="0"/>
+              <a:t> </a:t>
+            </a:r>
+            <a:r>
+              <a:rPr lang="de-DE" dirty="0" err="1"/>
+              <a:t>transitions</a:t>
+            </a:r>
+            <a:r>
+              <a:rPr lang="de-DE" dirty="0"/>
+              <a:t> (~20k </a:t>
+            </a:r>
+            <a:r>
+              <a:rPr lang="de-DE" dirty="0" err="1"/>
+              <a:t>LoC</a:t>
+            </a:r>
+            <a:r>
+              <a:rPr lang="de-DE" dirty="0"/>
+              <a:t> </a:t>
+            </a:r>
+            <a:r>
+              <a:rPr lang="en-US" b="0" i="0" dirty="0">
+                <a:solidFill>
+                  <a:srgbClr val="333333"/>
+                </a:solidFill>
+                <a:effectLst/>
+                <a:latin typeface="Segoe UI Emoji" panose="020B0502040204020203" pitchFamily="34" charset="0"/>
+              </a:rPr>
+              <a:t>🙃</a:t>
+            </a:r>
+            <a:r>
+              <a:rPr lang="de-DE" dirty="0"/>
+              <a:t>)</a:t>
+            </a:r>
+          </a:p>
+          <a:p>
+            <a:pPr marL="461963" lvl="1" indent="-285750">
+              <a:buFont typeface="Arial" panose="020B0604020202020204" pitchFamily="34" charset="0"/>
+              <a:buChar char="•"/>
+            </a:pPr>
+            <a:r>
+              <a:rPr lang="de-DE" dirty="0"/>
+              <a:t>Judy-Pointers</a:t>
+            </a:r>
+          </a:p>
+          <a:p>
+            <a:pPr marL="285750" indent="-285750">
+              <a:buFont typeface="Arial" panose="020B0604020202020204" pitchFamily="34" charset="0"/>
+              <a:buChar char="•"/>
+            </a:pPr>
+            <a:endParaRPr dirty="0"/>
+          </a:p>
+        </p:txBody>
+      </p:sp>
+    </p:spTree>
+    <p:extLst>
+      <p:ext uri="{BB962C8B-B14F-4D97-AF65-F5344CB8AC3E}">
+        <p14:creationId xmlns:p14="http://schemas.microsoft.com/office/powerpoint/2010/main" val="14024162"/>
       </p:ext>
     </p:extLst>
   </p:cSld>
@@ -31527,7 +31939,11 @@
             <p:ph type="sldNum" sz="quarter" idx="11"/>
           </p:nvPr>
         </p:nvSpPr>
-        <p:spPr/>
+        <p:spPr>
+          <a:prstGeom prst="rect">
+            <a:avLst/>
+          </a:prstGeom>
+        </p:spPr>
         <p:txBody>
           <a:bodyPr/>
           <a:lstStyle/>
@@ -31543,7 +31959,7 @@
       </p:sp>
       <p:sp>
         <p:nvSpPr>
-          <p:cNvPr id="10" name="Fußzeilenplatzhalter 4"/>
+          <p:cNvPr id="6" name="Fußzeilenplatzhalter 4"/>
           <p:cNvSpPr>
             <a:spLocks noGrp="1"/>
           </p:cNvSpPr>
@@ -31556,11 +31972,6 @@
           <a:bodyPr/>
           <a:lstStyle/>
           <a:p>
-            <a:pPr>
-              <a:spcAft>
-                <a:spcPts val="600"/>
-              </a:spcAft>
-            </a:pPr>
             <a:r>
               <a:rPr lang="de-DE" dirty="0"/>
               <a:t>Jonas Fritsch | The Adaptive Radix Tree</a:t>
@@ -31579,29 +31990,33 @@
             <p:ph type="title"/>
           </p:nvPr>
         </p:nvSpPr>
-        <p:spPr/>
+        <p:spPr>
+          <a:prstGeom prst="rect">
+            <a:avLst/>
+          </a:prstGeom>
+        </p:spPr>
         <p:txBody>
           <a:bodyPr/>
           <a:lstStyle/>
           <a:p>
             <a:r>
               <a:rPr lang="de-DE" dirty="0"/>
-              <a:t>Summary &amp; </a:t>
-            </a:r>
-            <a:r>
-              <a:rPr lang="de-DE" dirty="0" err="1"/>
-              <a:t>Conclusion</a:t>
-            </a:r>
-            <a:endParaRPr lang="de-DE" dirty="0"/>
-          </a:p>
-        </p:txBody>
-      </p:sp>
-      <p:sp>
-        <p:nvSpPr>
-          <p:cNvPr id="11" name="Inhaltsplatzhalter 1">
+              <a:t>Benchmark </a:t>
+            </a:r>
+            <a:r>
+              <a:rPr lang="de-DE" dirty="0" err="1"/>
+              <a:t>Specs</a:t>
+            </a:r>
+            <a:endParaRPr lang="de-DE" sz="3000" dirty="0"/>
+          </a:p>
+        </p:txBody>
+      </p:sp>
+      <p:sp>
+        <p:nvSpPr>
+          <p:cNvPr id="7" name="Inhaltsplatzhalter 1">
             <a:extLst>
               <a:ext uri="{FF2B5EF4-FFF2-40B4-BE49-F238E27FC236}">
-                <a16:creationId xmlns:a16="http://schemas.microsoft.com/office/drawing/2014/main" id="{2E134AD9-4D70-D11E-1ED9-97E4A6B605D0}"/>
+                <a16:creationId xmlns:a16="http://schemas.microsoft.com/office/drawing/2014/main" id="{39E026B4-457A-F216-0A86-D12F37A57423}"/>
               </a:ext>
             </a:extLst>
           </p:cNvPr>
@@ -31623,665 +32038,12 @@
           <a:lstStyle/>
           <a:p>
             <a:r>
-              <a:rPr b="1" dirty="0"/>
-              <a:t>Further </a:t>
-            </a:r>
-            <a:r>
-              <a:rPr b="1" dirty="0" err="1"/>
-              <a:t>research</a:t>
-            </a:r>
-            <a:r>
-              <a:rPr b="1" dirty="0"/>
-              <a:t> </a:t>
-            </a:r>
-            <a:r>
-              <a:rPr b="1" dirty="0" err="1"/>
-              <a:t>being</a:t>
-            </a:r>
-            <a:r>
-              <a:rPr b="1" dirty="0"/>
-              <a:t> </a:t>
-            </a:r>
-            <a:r>
-              <a:rPr b="1" dirty="0" err="1"/>
-              <a:t>done</a:t>
-            </a:r>
-            <a:r>
-              <a:rPr b="1" dirty="0"/>
-              <a:t>:</a:t>
-            </a:r>
-          </a:p>
-          <a:p>
-            <a:r>
-              <a:rPr lang="de-DE" dirty="0">
-                <a:hlinkClick r:id="rId3"/>
-              </a:rPr>
-              <a:t>The ART </a:t>
-            </a:r>
-            <a:r>
-              <a:rPr lang="de-DE" dirty="0" err="1">
-                <a:hlinkClick r:id="rId3"/>
-              </a:rPr>
-              <a:t>of</a:t>
-            </a:r>
-            <a:r>
-              <a:rPr lang="de-DE" dirty="0">
-                <a:hlinkClick r:id="rId3"/>
-              </a:rPr>
-              <a:t> </a:t>
-            </a:r>
-            <a:r>
-              <a:rPr lang="de-DE" dirty="0" err="1">
-                <a:hlinkClick r:id="rId3"/>
-              </a:rPr>
-              <a:t>practical</a:t>
-            </a:r>
-            <a:r>
-              <a:rPr lang="de-DE" dirty="0">
-                <a:hlinkClick r:id="rId3"/>
-              </a:rPr>
-              <a:t> </a:t>
-            </a:r>
-            <a:r>
-              <a:rPr lang="de-DE" dirty="0" err="1">
-                <a:hlinkClick r:id="rId3"/>
-              </a:rPr>
-              <a:t>synchronization</a:t>
-            </a:r>
-            <a:r>
-              <a:rPr lang="de-DE" dirty="0"/>
-              <a:t> (</a:t>
-            </a:r>
-            <a:r>
-              <a:rPr lang="de-DE" dirty="0" err="1"/>
-              <a:t>DaMoN</a:t>
-            </a:r>
-            <a:r>
-              <a:rPr lang="de-DE" dirty="0"/>
-              <a:t>, 2016)</a:t>
-            </a:r>
-          </a:p>
-          <a:p>
-            <a:pPr marL="461963" lvl="1" indent="-285750">
-              <a:buFont typeface="Arial" panose="020B0604020202020204" pitchFamily="34" charset="0"/>
-              <a:buChar char="•"/>
-            </a:pPr>
-            <a:r>
-              <a:rPr lang="de-DE" dirty="0" err="1"/>
-              <a:t>sychronize</a:t>
-            </a:r>
-            <a:r>
-              <a:rPr lang="de-DE" dirty="0"/>
-              <a:t> ART </a:t>
-            </a:r>
-            <a:r>
-              <a:rPr lang="de-DE" dirty="0" err="1"/>
-              <a:t>for</a:t>
-            </a:r>
-            <a:r>
-              <a:rPr lang="de-DE" dirty="0"/>
-              <a:t> </a:t>
-            </a:r>
-            <a:r>
-              <a:rPr lang="de-DE" dirty="0" err="1"/>
-              <a:t>multithreading</a:t>
-            </a:r>
-            <a:r>
-              <a:rPr lang="de-DE" dirty="0"/>
-              <a:t> </a:t>
-            </a:r>
-            <a:r>
-              <a:rPr lang="de-DE" dirty="0" err="1"/>
-              <a:t>using</a:t>
-            </a:r>
-            <a:r>
-              <a:rPr lang="de-DE" dirty="0"/>
-              <a:t> </a:t>
-            </a:r>
-            <a:r>
-              <a:rPr lang="de-DE" dirty="0" err="1"/>
-              <a:t>combination</a:t>
-            </a:r>
-            <a:r>
-              <a:rPr lang="de-DE" dirty="0"/>
-              <a:t> </a:t>
-            </a:r>
-            <a:r>
-              <a:rPr lang="de-DE" dirty="0" err="1"/>
-              <a:t>of</a:t>
-            </a:r>
-            <a:r>
-              <a:rPr lang="de-DE" dirty="0"/>
-              <a:t> OLP and ROWEX</a:t>
-            </a:r>
-          </a:p>
-          <a:p>
-            <a:pPr marL="461963" lvl="1" indent="-285750">
-              <a:buFont typeface="Arial" panose="020B0604020202020204" pitchFamily="34" charset="0"/>
-              <a:buChar char="•"/>
-            </a:pPr>
-            <a:endParaRPr lang="de-DE" dirty="0"/>
-          </a:p>
-          <a:p>
-            <a:r>
-              <a:rPr lang="de-DE" dirty="0">
-                <a:hlinkClick r:id="rId4"/>
-              </a:rPr>
-              <a:t>HOT: A Height </a:t>
-            </a:r>
-            <a:r>
-              <a:rPr lang="de-DE" dirty="0" err="1">
-                <a:hlinkClick r:id="rId4"/>
-              </a:rPr>
-              <a:t>Optimized</a:t>
-            </a:r>
-            <a:r>
-              <a:rPr lang="de-DE" dirty="0">
-                <a:hlinkClick r:id="rId4"/>
-              </a:rPr>
-              <a:t> Trie Index </a:t>
-            </a:r>
-            <a:r>
-              <a:rPr lang="de-DE" dirty="0" err="1">
-                <a:hlinkClick r:id="rId4"/>
-              </a:rPr>
-              <a:t>for</a:t>
-            </a:r>
-            <a:r>
-              <a:rPr lang="de-DE" dirty="0">
-                <a:hlinkClick r:id="rId4"/>
-              </a:rPr>
-              <a:t> Main-Memory Database Systems</a:t>
-            </a:r>
-            <a:r>
-              <a:rPr lang="de-DE" dirty="0"/>
-              <a:t> (SIGMOD, 2018)</a:t>
-            </a:r>
-          </a:p>
-          <a:p>
-            <a:pPr marL="461963" lvl="1" indent="-285750">
-              <a:buFont typeface="Arial" panose="020B0604020202020204" pitchFamily="34" charset="0"/>
-              <a:buChar char="•"/>
-            </a:pPr>
-            <a:r>
-              <a:rPr lang="de-DE" dirty="0"/>
-              <a:t>ART </a:t>
-            </a:r>
-            <a:r>
-              <a:rPr lang="de-DE" dirty="0" err="1"/>
-              <a:t>performs</a:t>
-            </a:r>
-            <a:r>
-              <a:rPr lang="de-DE" dirty="0"/>
-              <a:t> </a:t>
-            </a:r>
-            <a:r>
-              <a:rPr lang="de-DE" dirty="0" err="1"/>
-              <a:t>worse</a:t>
-            </a:r>
-            <a:r>
-              <a:rPr lang="de-DE" dirty="0"/>
-              <a:t> on </a:t>
-            </a:r>
-            <a:r>
-              <a:rPr lang="de-DE" dirty="0" err="1"/>
-              <a:t>string</a:t>
-            </a:r>
-            <a:r>
-              <a:rPr lang="de-DE" dirty="0"/>
-              <a:t> (</a:t>
-            </a:r>
-            <a:r>
-              <a:rPr lang="de-DE" dirty="0" err="1"/>
-              <a:t>more</a:t>
-            </a:r>
-            <a:r>
-              <a:rPr lang="de-DE" dirty="0"/>
-              <a:t> </a:t>
-            </a:r>
-            <a:r>
-              <a:rPr lang="de-DE" dirty="0" err="1"/>
-              <a:t>random</a:t>
-            </a:r>
-            <a:r>
-              <a:rPr lang="de-DE" dirty="0"/>
-              <a:t> </a:t>
-            </a:r>
-            <a:r>
-              <a:rPr lang="de-DE" dirty="0" err="1"/>
-              <a:t>binary</a:t>
-            </a:r>
-            <a:r>
-              <a:rPr lang="de-DE" dirty="0"/>
-              <a:t> </a:t>
-            </a:r>
-            <a:r>
-              <a:rPr lang="de-DE" dirty="0" err="1"/>
-              <a:t>distribution</a:t>
-            </a:r>
-            <a:r>
-              <a:rPr lang="de-DE" dirty="0"/>
-              <a:t>) due </a:t>
-            </a:r>
-            <a:r>
-              <a:rPr lang="de-DE" dirty="0" err="1"/>
-              <a:t>to</a:t>
-            </a:r>
-            <a:r>
-              <a:rPr lang="de-DE" dirty="0"/>
-              <a:t> </a:t>
-            </a:r>
-            <a:r>
-              <a:rPr lang="de-DE" dirty="0" err="1"/>
-              <a:t>low</a:t>
-            </a:r>
-            <a:r>
-              <a:rPr lang="de-DE" dirty="0"/>
-              <a:t> </a:t>
-            </a:r>
-            <a:r>
-              <a:rPr lang="de-DE" dirty="0" err="1"/>
-              <a:t>fanout</a:t>
-            </a:r>
-            <a:r>
-              <a:rPr lang="de-DE" dirty="0"/>
-              <a:t> in </a:t>
-            </a:r>
-            <a:r>
-              <a:rPr lang="de-DE" dirty="0" err="1"/>
-              <a:t>lower</a:t>
-            </a:r>
-            <a:r>
-              <a:rPr lang="de-DE" dirty="0"/>
-              <a:t> </a:t>
-            </a:r>
-            <a:r>
-              <a:rPr lang="de-DE" dirty="0" err="1"/>
-              <a:t>tree</a:t>
-            </a:r>
-            <a:r>
-              <a:rPr lang="de-DE" dirty="0"/>
-              <a:t> </a:t>
-            </a:r>
-            <a:r>
-              <a:rPr lang="de-DE" dirty="0" err="1"/>
-              <a:t>levels</a:t>
-            </a:r>
-            <a:endParaRPr lang="de-DE" dirty="0"/>
-          </a:p>
-          <a:p>
-            <a:pPr marL="461963" lvl="1" indent="-285750">
-              <a:buFont typeface="Arial" panose="020B0604020202020204" pitchFamily="34" charset="0"/>
-              <a:buChar char="•"/>
-            </a:pPr>
-            <a:r>
-              <a:rPr lang="de-DE" dirty="0" err="1"/>
-              <a:t>Idea</a:t>
-            </a:r>
-            <a:r>
-              <a:rPr lang="de-DE" dirty="0"/>
-              <a:t>: </a:t>
-            </a:r>
-            <a:r>
-              <a:rPr lang="de-DE" dirty="0" err="1"/>
-              <a:t>Achieve</a:t>
-            </a:r>
-            <a:r>
-              <a:rPr lang="de-DE" dirty="0"/>
-              <a:t> </a:t>
-            </a:r>
-            <a:r>
-              <a:rPr lang="de-DE" dirty="0" err="1"/>
-              <a:t>consistently</a:t>
-            </a:r>
-            <a:r>
-              <a:rPr lang="de-DE" dirty="0"/>
-              <a:t> high </a:t>
-            </a:r>
-            <a:r>
-              <a:rPr lang="de-DE" dirty="0" err="1"/>
-              <a:t>fanout</a:t>
-            </a:r>
-            <a:r>
-              <a:rPr lang="de-DE" dirty="0"/>
-              <a:t> </a:t>
-            </a:r>
-            <a:r>
-              <a:rPr lang="de-DE" dirty="0" err="1"/>
-              <a:t>by</a:t>
-            </a:r>
-            <a:r>
-              <a:rPr lang="de-DE" dirty="0"/>
-              <a:t> </a:t>
-            </a:r>
-            <a:r>
-              <a:rPr lang="de-DE" dirty="0" err="1"/>
-              <a:t>adapting</a:t>
-            </a:r>
-            <a:r>
-              <a:rPr lang="de-DE" dirty="0"/>
-              <a:t> </a:t>
-            </a:r>
-            <a:r>
-              <a:rPr lang="de-DE" dirty="0" err="1"/>
-              <a:t>the</a:t>
-            </a:r>
-            <a:r>
-              <a:rPr lang="de-DE" dirty="0"/>
-              <a:t> span at </a:t>
-            </a:r>
-            <a:r>
-              <a:rPr lang="de-DE" dirty="0" err="1"/>
-              <a:t>each</a:t>
-            </a:r>
-            <a:r>
-              <a:rPr lang="de-DE" dirty="0"/>
-              <a:t> </a:t>
-            </a:r>
-            <a:r>
-              <a:rPr lang="de-DE" dirty="0" err="1"/>
-              <a:t>node</a:t>
-            </a:r>
-            <a:endParaRPr lang="de-DE" dirty="0"/>
-          </a:p>
-          <a:p>
-            <a:pPr marL="461963" lvl="1" indent="-285750">
-              <a:buFont typeface="Arial" panose="020B0604020202020204" pitchFamily="34" charset="0"/>
-              <a:buChar char="•"/>
-            </a:pPr>
-            <a:endParaRPr lang="de-DE" dirty="0"/>
-          </a:p>
-          <a:p>
-            <a:r>
-              <a:rPr lang="de-DE" dirty="0">
-                <a:hlinkClick r:id="rId5"/>
-              </a:rPr>
-              <a:t>START – Self-Tuning Adaptive Radix Tree</a:t>
-            </a:r>
-            <a:r>
-              <a:rPr lang="de-DE" dirty="0"/>
-              <a:t> (IEEE, 2020)</a:t>
-            </a:r>
-          </a:p>
-          <a:p>
-            <a:pPr marL="461963" lvl="1" indent="-285750">
-              <a:buFont typeface="Arial" panose="020B0604020202020204" pitchFamily="34" charset="0"/>
-              <a:buChar char="•"/>
-            </a:pPr>
-            <a:r>
-              <a:rPr lang="de-DE" dirty="0" err="1"/>
-              <a:t>Learned</a:t>
-            </a:r>
-            <a:r>
-              <a:rPr lang="de-DE" dirty="0"/>
-              <a:t> </a:t>
-            </a:r>
-            <a:r>
-              <a:rPr lang="de-DE" dirty="0" err="1"/>
-              <a:t>indexes</a:t>
-            </a:r>
-            <a:r>
-              <a:rPr lang="de-DE" dirty="0"/>
-              <a:t> </a:t>
-            </a:r>
-            <a:r>
-              <a:rPr lang="de-DE" dirty="0" err="1"/>
-              <a:t>outperfoming</a:t>
-            </a:r>
-            <a:r>
-              <a:rPr lang="de-DE" dirty="0"/>
-              <a:t> ART in </a:t>
-            </a:r>
-            <a:r>
-              <a:rPr lang="de-DE" dirty="0" err="1"/>
-              <a:t>read-mostly</a:t>
-            </a:r>
-            <a:r>
-              <a:rPr lang="de-DE" dirty="0"/>
-              <a:t> benchmark due </a:t>
-            </a:r>
-            <a:r>
-              <a:rPr lang="de-DE" dirty="0" err="1"/>
-              <a:t>to</a:t>
-            </a:r>
-            <a:r>
-              <a:rPr lang="de-DE" dirty="0"/>
-              <a:t> </a:t>
-            </a:r>
-            <a:r>
-              <a:rPr lang="de-DE" dirty="0" err="1"/>
-              <a:t>hierarchical</a:t>
-            </a:r>
-            <a:r>
-              <a:rPr lang="de-DE" dirty="0"/>
-              <a:t> </a:t>
-            </a:r>
-            <a:r>
-              <a:rPr lang="de-DE" dirty="0" err="1"/>
-              <a:t>structure</a:t>
-            </a:r>
-            <a:r>
-              <a:rPr lang="de-DE" dirty="0"/>
-              <a:t> </a:t>
-            </a:r>
-            <a:r>
-              <a:rPr lang="de-DE" dirty="0" err="1"/>
-              <a:t>of</a:t>
-            </a:r>
-            <a:r>
-              <a:rPr lang="de-DE" dirty="0"/>
-              <a:t> </a:t>
-            </a:r>
-            <a:r>
-              <a:rPr lang="de-DE" dirty="0" err="1"/>
-              <a:t>nodes</a:t>
-            </a:r>
-            <a:endParaRPr lang="de-DE" dirty="0"/>
-          </a:p>
-          <a:p>
-            <a:pPr marL="461963" lvl="1" indent="-285750">
-              <a:buFont typeface="Arial" panose="020B0604020202020204" pitchFamily="34" charset="0"/>
-              <a:buChar char="•"/>
-            </a:pPr>
-            <a:r>
-              <a:rPr lang="de-DE" dirty="0" err="1"/>
-              <a:t>Idea</a:t>
-            </a:r>
-            <a:r>
-              <a:rPr lang="de-DE" dirty="0"/>
-              <a:t>: </a:t>
-            </a:r>
-            <a:r>
-              <a:rPr lang="de-DE" dirty="0" err="1"/>
-              <a:t>Optimize</a:t>
-            </a:r>
-            <a:r>
-              <a:rPr lang="de-DE" dirty="0"/>
-              <a:t> </a:t>
-            </a:r>
-            <a:r>
-              <a:rPr lang="de-DE" dirty="0" err="1"/>
-              <a:t>lower</a:t>
-            </a:r>
-            <a:r>
-              <a:rPr lang="de-DE" dirty="0"/>
-              <a:t> </a:t>
-            </a:r>
-            <a:r>
-              <a:rPr lang="de-DE" dirty="0" err="1"/>
-              <a:t>level</a:t>
-            </a:r>
-            <a:r>
-              <a:rPr lang="de-DE" dirty="0"/>
-              <a:t> </a:t>
-            </a:r>
-            <a:r>
-              <a:rPr lang="de-DE" dirty="0" err="1"/>
-              <a:t>nodes</a:t>
-            </a:r>
-            <a:r>
-              <a:rPr lang="de-DE" dirty="0"/>
-              <a:t> </a:t>
-            </a:r>
-            <a:r>
-              <a:rPr lang="de-DE" dirty="0" err="1"/>
-              <a:t>using</a:t>
-            </a:r>
-            <a:r>
-              <a:rPr lang="de-DE" dirty="0"/>
-              <a:t> </a:t>
-            </a:r>
-            <a:r>
-              <a:rPr lang="de-DE" dirty="0" err="1"/>
-              <a:t>cost</a:t>
-            </a:r>
-            <a:r>
-              <a:rPr lang="de-DE" dirty="0"/>
-              <a:t> </a:t>
-            </a:r>
-            <a:r>
-              <a:rPr lang="de-DE" dirty="0" err="1"/>
-              <a:t>model</a:t>
-            </a:r>
-            <a:r>
-              <a:rPr lang="de-DE" dirty="0"/>
-              <a:t> and </a:t>
-            </a:r>
-            <a:r>
-              <a:rPr lang="de-DE" dirty="0" err="1"/>
-              <a:t>optimizer</a:t>
-            </a:r>
-            <a:endParaRPr lang="de-DE" dirty="0"/>
-          </a:p>
-          <a:p>
-            <a:pPr marL="461963" lvl="1" indent="-285750">
-              <a:buFont typeface="Arial" panose="020B0604020202020204" pitchFamily="34" charset="0"/>
-              <a:buChar char="•"/>
-            </a:pPr>
-            <a:endParaRPr lang="de-DE" dirty="0"/>
-          </a:p>
-          <a:p>
-            <a:r>
-              <a:rPr lang="de-DE" dirty="0"/>
-              <a:t>(Judy Arrays patent </a:t>
-            </a:r>
-            <a:r>
-              <a:rPr lang="de-DE" dirty="0" err="1"/>
-              <a:t>expired</a:t>
-            </a:r>
-            <a:r>
-              <a:rPr lang="de-DE" dirty="0"/>
-              <a:t> </a:t>
-            </a:r>
-            <a:r>
-              <a:rPr lang="de-DE" dirty="0" err="1"/>
-              <a:t>this</a:t>
-            </a:r>
-            <a:r>
-              <a:rPr lang="de-DE" dirty="0"/>
-              <a:t> </a:t>
-            </a:r>
-            <a:r>
-              <a:rPr lang="de-DE" dirty="0" err="1"/>
-              <a:t>year</a:t>
-            </a:r>
-            <a:r>
-              <a:rPr lang="de-DE" dirty="0"/>
-              <a:t>)</a:t>
-            </a:r>
-          </a:p>
-          <a:p>
-            <a:pPr marL="461963" lvl="1" indent="-285750">
-              <a:buFont typeface="Arial" panose="020B0604020202020204" pitchFamily="34" charset="0"/>
-              <a:buChar char="•"/>
-            </a:pPr>
-            <a:r>
-              <a:rPr lang="de-DE" dirty="0" err="1"/>
-              <a:t>even</a:t>
-            </a:r>
-            <a:r>
-              <a:rPr lang="de-DE" dirty="0"/>
-              <a:t> </a:t>
-            </a:r>
-            <a:r>
-              <a:rPr lang="de-DE" dirty="0" err="1"/>
-              <a:t>better</a:t>
-            </a:r>
-            <a:r>
-              <a:rPr lang="de-DE" dirty="0"/>
-              <a:t> </a:t>
-            </a:r>
-            <a:r>
-              <a:rPr lang="de-DE" dirty="0" err="1"/>
-              <a:t>cache</a:t>
-            </a:r>
-            <a:r>
-              <a:rPr lang="de-DE" dirty="0"/>
-              <a:t> </a:t>
-            </a:r>
-            <a:r>
-              <a:rPr lang="de-DE" dirty="0" err="1"/>
-              <a:t>efficiency</a:t>
-            </a:r>
-            <a:r>
-              <a:rPr lang="de-DE" dirty="0"/>
-              <a:t>, </a:t>
-            </a:r>
-            <a:r>
-              <a:rPr lang="de-DE" dirty="0" err="1"/>
-              <a:t>complex</a:t>
-            </a:r>
-            <a:r>
-              <a:rPr lang="de-DE" dirty="0"/>
-              <a:t> </a:t>
-            </a:r>
-            <a:r>
-              <a:rPr lang="de-DE" dirty="0" err="1"/>
-              <a:t>node</a:t>
-            </a:r>
-            <a:r>
-              <a:rPr lang="de-DE" dirty="0"/>
-              <a:t> </a:t>
-            </a:r>
-            <a:r>
-              <a:rPr lang="de-DE" dirty="0" err="1"/>
-              <a:t>transitions</a:t>
-            </a:r>
-            <a:r>
-              <a:rPr lang="de-DE" dirty="0"/>
-              <a:t> (~20k </a:t>
-            </a:r>
-            <a:r>
-              <a:rPr lang="de-DE" dirty="0" err="1"/>
-              <a:t>LoC</a:t>
-            </a:r>
-            <a:r>
-              <a:rPr lang="de-DE" dirty="0"/>
-              <a:t> </a:t>
-            </a:r>
-            <a:r>
-              <a:rPr lang="en-US" b="0" i="0" dirty="0">
-                <a:solidFill>
-                  <a:srgbClr val="333333"/>
-                </a:solidFill>
-                <a:effectLst/>
-                <a:latin typeface="Segoe UI Emoji" panose="020B0502040204020203" pitchFamily="34" charset="0"/>
-              </a:rPr>
-              <a:t>🙃</a:t>
-            </a:r>
-            <a:r>
-              <a:rPr lang="de-DE" dirty="0"/>
-              <a:t>)</a:t>
-            </a:r>
-          </a:p>
-          <a:p>
-            <a:pPr marL="461963" lvl="1" indent="-285750">
-              <a:buFont typeface="Arial" panose="020B0604020202020204" pitchFamily="34" charset="0"/>
-              <a:buChar char="•"/>
-            </a:pPr>
-            <a:r>
-              <a:rPr lang="de-DE" dirty="0"/>
-              <a:t>Judy-Pointers</a:t>
+              <a:rPr dirty="0"/>
+              <a:t>Intel</a:t>
+            </a:r>
+            <a:r>
+              <a:rPr lang="en-US" dirty="0"/>
+              <a:t> Core i5-8400 CPU @ 2.80GHz </a:t>
             </a:r>
           </a:p>
           <a:p>
@@ -32289,14 +32051,65 @@
               <a:buFont typeface="Arial" panose="020B0604020202020204" pitchFamily="34" charset="0"/>
               <a:buChar char="•"/>
             </a:pPr>
-            <a:endParaRPr dirty="0"/>
+            <a:r>
+              <a:rPr lang="en-US" dirty="0"/>
+              <a:t>L1 Instruction Cache:	6 x 32 KB</a:t>
+            </a:r>
+          </a:p>
+          <a:p>
+            <a:pPr marL="285750" indent="-285750">
+              <a:buFont typeface="Arial" panose="020B0604020202020204" pitchFamily="34" charset="0"/>
+              <a:buChar char="•"/>
+            </a:pPr>
+            <a:r>
+              <a:rPr lang="en-US" dirty="0"/>
+              <a:t>L1 Data Cache:		6 x 32 KB</a:t>
+            </a:r>
+          </a:p>
+          <a:p>
+            <a:pPr marL="285750" indent="-285750">
+              <a:buFont typeface="Arial" panose="020B0604020202020204" pitchFamily="34" charset="0"/>
+              <a:buChar char="•"/>
+            </a:pPr>
+            <a:r>
+              <a:rPr lang="en-US" dirty="0"/>
+              <a:t>L2 Cache:		6 x 256 KB</a:t>
+            </a:r>
+          </a:p>
+          <a:p>
+            <a:pPr marL="285750" indent="-285750">
+              <a:buFont typeface="Arial" panose="020B0604020202020204" pitchFamily="34" charset="0"/>
+              <a:buChar char="•"/>
+            </a:pPr>
+            <a:r>
+              <a:rPr lang="en-US" dirty="0"/>
+              <a:t>L3 Cache:		9 MB</a:t>
+            </a:r>
+          </a:p>
+          <a:p>
+            <a:endParaRPr lang="en-US" dirty="0"/>
+          </a:p>
+          <a:p>
+            <a:r>
+              <a:rPr lang="en-US" dirty="0"/>
+              <a:t>16 GB DDR4 RAM</a:t>
+            </a:r>
+          </a:p>
+          <a:p>
+            <a:endParaRPr lang="en-US" dirty="0"/>
+          </a:p>
+          <a:p>
+            <a:r>
+              <a:rPr lang="en-US" dirty="0"/>
+              <a:t>Windows 10 Pro (10.0.19044 Build 19044)</a:t>
+            </a:r>
           </a:p>
         </p:txBody>
       </p:sp>
     </p:spTree>
     <p:extLst>
       <p:ext uri="{BB962C8B-B14F-4D97-AF65-F5344CB8AC3E}">
-        <p14:creationId xmlns:p14="http://schemas.microsoft.com/office/powerpoint/2010/main" val="14024162"/>
+        <p14:creationId xmlns:p14="http://schemas.microsoft.com/office/powerpoint/2010/main" val="625519228"/>
       </p:ext>
     </p:extLst>
   </p:cSld>
@@ -32346,213 +32159,6 @@
               <a:rPr lang="de-DE" smtClean="0"/>
               <a:pPr/>
               <a:t>33</a:t>
-            </a:fld>
-            <a:endParaRPr lang="de-DE" dirty="0"/>
-          </a:p>
-        </p:txBody>
-      </p:sp>
-      <p:sp>
-        <p:nvSpPr>
-          <p:cNvPr id="6" name="Fußzeilenplatzhalter 4"/>
-          <p:cNvSpPr>
-            <a:spLocks noGrp="1"/>
-          </p:cNvSpPr>
-          <p:nvPr>
-            <p:ph type="ftr" sz="quarter" idx="12"/>
-          </p:nvPr>
-        </p:nvSpPr>
-        <p:spPr/>
-        <p:txBody>
-          <a:bodyPr/>
-          <a:lstStyle/>
-          <a:p>
-            <a:r>
-              <a:rPr lang="de-DE" dirty="0"/>
-              <a:t>Jonas Fritsch | The Adaptive Radix Tree</a:t>
-            </a:r>
-            <a:endParaRPr lang="en-US" dirty="0"/>
-          </a:p>
-        </p:txBody>
-      </p:sp>
-      <p:sp>
-        <p:nvSpPr>
-          <p:cNvPr id="3" name="Titel 2"/>
-          <p:cNvSpPr>
-            <a:spLocks noGrp="1"/>
-          </p:cNvSpPr>
-          <p:nvPr>
-            <p:ph type="title"/>
-          </p:nvPr>
-        </p:nvSpPr>
-        <p:spPr>
-          <a:prstGeom prst="rect">
-            <a:avLst/>
-          </a:prstGeom>
-        </p:spPr>
-        <p:txBody>
-          <a:bodyPr/>
-          <a:lstStyle/>
-          <a:p>
-            <a:r>
-              <a:rPr lang="de-DE" dirty="0"/>
-              <a:t>Benchmark </a:t>
-            </a:r>
-            <a:r>
-              <a:rPr lang="de-DE" dirty="0" err="1"/>
-              <a:t>Specs</a:t>
-            </a:r>
-            <a:endParaRPr lang="de-DE" sz="3000" dirty="0"/>
-          </a:p>
-        </p:txBody>
-      </p:sp>
-      <p:sp>
-        <p:nvSpPr>
-          <p:cNvPr id="7" name="Inhaltsplatzhalter 1">
-            <a:extLst>
-              <a:ext uri="{FF2B5EF4-FFF2-40B4-BE49-F238E27FC236}">
-                <a16:creationId xmlns:a16="http://schemas.microsoft.com/office/drawing/2014/main" id="{39E026B4-457A-F216-0A86-D12F37A57423}"/>
-              </a:ext>
-            </a:extLst>
-          </p:cNvPr>
-          <p:cNvSpPr>
-            <a:spLocks noGrp="1"/>
-          </p:cNvSpPr>
-          <p:nvPr>
-            <p:ph idx="1"/>
-          </p:nvPr>
-        </p:nvSpPr>
-        <p:spPr>
-          <a:xfrm>
-            <a:off x="319090" y="1762188"/>
-            <a:ext cx="8508999" cy="4699572"/>
-          </a:xfrm>
-        </p:spPr>
-        <p:txBody>
-          <a:bodyPr/>
-          <a:lstStyle/>
-          <a:p>
-            <a:r>
-              <a:rPr dirty="0"/>
-              <a:t>Intel</a:t>
-            </a:r>
-            <a:r>
-              <a:rPr lang="en-US" dirty="0"/>
-              <a:t> Core i5-8400 CPU @ 2.80GHz </a:t>
-            </a:r>
-          </a:p>
-          <a:p>
-            <a:pPr marL="285750" indent="-285750">
-              <a:buFont typeface="Arial" panose="020B0604020202020204" pitchFamily="34" charset="0"/>
-              <a:buChar char="•"/>
-            </a:pPr>
-            <a:r>
-              <a:rPr lang="en-US" dirty="0"/>
-              <a:t>L1 Instruction Cache:	6 x 32 KB</a:t>
-            </a:r>
-          </a:p>
-          <a:p>
-            <a:pPr marL="285750" indent="-285750">
-              <a:buFont typeface="Arial" panose="020B0604020202020204" pitchFamily="34" charset="0"/>
-              <a:buChar char="•"/>
-            </a:pPr>
-            <a:r>
-              <a:rPr lang="en-US" dirty="0"/>
-              <a:t>L1 Data Cache:		6 x 32 KB</a:t>
-            </a:r>
-          </a:p>
-          <a:p>
-            <a:pPr marL="285750" indent="-285750">
-              <a:buFont typeface="Arial" panose="020B0604020202020204" pitchFamily="34" charset="0"/>
-              <a:buChar char="•"/>
-            </a:pPr>
-            <a:r>
-              <a:rPr lang="en-US" dirty="0"/>
-              <a:t>L2 Cache:		6 x 256 KB</a:t>
-            </a:r>
-          </a:p>
-          <a:p>
-            <a:pPr marL="285750" indent="-285750">
-              <a:buFont typeface="Arial" panose="020B0604020202020204" pitchFamily="34" charset="0"/>
-              <a:buChar char="•"/>
-            </a:pPr>
-            <a:r>
-              <a:rPr lang="en-US" dirty="0"/>
-              <a:t>L3 Cache:		9 MB</a:t>
-            </a:r>
-          </a:p>
-          <a:p>
-            <a:endParaRPr lang="en-US" dirty="0"/>
-          </a:p>
-          <a:p>
-            <a:r>
-              <a:rPr lang="en-US" dirty="0"/>
-              <a:t>16 GB DDR4 RAM</a:t>
-            </a:r>
-          </a:p>
-          <a:p>
-            <a:endParaRPr lang="en-US" dirty="0"/>
-          </a:p>
-          <a:p>
-            <a:r>
-              <a:rPr lang="en-US" dirty="0"/>
-              <a:t>Windows 10 Pro (10.0.19044 Build 19044)</a:t>
-            </a:r>
-          </a:p>
-        </p:txBody>
-      </p:sp>
-    </p:spTree>
-    <p:extLst>
-      <p:ext uri="{BB962C8B-B14F-4D97-AF65-F5344CB8AC3E}">
-        <p14:creationId xmlns:p14="http://schemas.microsoft.com/office/powerpoint/2010/main" val="625519228"/>
-      </p:ext>
-    </p:extLst>
-  </p:cSld>
-  <p:clrMapOvr>
-    <a:masterClrMapping/>
-  </p:clrMapOvr>
-</p:sld>
-</file>
-
-<file path=ppt/slides/slide34.xml><?xml version="1.0" encoding="utf-8"?>
-<p:sld xmlns:a="http://schemas.openxmlformats.org/drawingml/2006/main" xmlns:r="http://schemas.openxmlformats.org/officeDocument/2006/relationships" xmlns:p="http://schemas.openxmlformats.org/presentationml/2006/main">
-  <p:cSld>
-    <p:spTree>
-      <p:nvGrpSpPr>
-        <p:cNvPr id="1" name=""/>
-        <p:cNvGrpSpPr/>
-        <p:nvPr/>
-      </p:nvGrpSpPr>
-      <p:grpSpPr>
-        <a:xfrm>
-          <a:off x="0" y="0"/>
-          <a:ext cx="0" cy="0"/>
-          <a:chOff x="0" y="0"/>
-          <a:chExt cx="0" cy="0"/>
-        </a:xfrm>
-      </p:grpSpPr>
-      <p:sp>
-        <p:nvSpPr>
-          <p:cNvPr id="4" name="Foliennummernplatzhalter 3"/>
-          <p:cNvSpPr>
-            <a:spLocks noGrp="1"/>
-          </p:cNvSpPr>
-          <p:nvPr>
-            <p:ph type="sldNum" sz="quarter" idx="11"/>
-          </p:nvPr>
-        </p:nvSpPr>
-        <p:spPr>
-          <a:prstGeom prst="rect">
-            <a:avLst/>
-          </a:prstGeom>
-        </p:spPr>
-        <p:txBody>
-          <a:bodyPr/>
-          <a:lstStyle/>
-          <a:p>
-            <a:fld id="{CE58CB1E-F828-4F11-99E0-327109AF9DA4}" type="slidenum">
-              <a:rPr lang="de-DE" smtClean="0"/>
-              <a:pPr/>
-              <a:t>34</a:t>
             </a:fld>
             <a:endParaRPr lang="de-DE" dirty="0"/>
           </a:p>
@@ -32717,7 +32323,7 @@
 </p:sld>
 </file>
 
-<file path=ppt/slides/slide35.xml><?xml version="1.0" encoding="utf-8"?>
+<file path=ppt/slides/slide34.xml><?xml version="1.0" encoding="utf-8"?>
 <p:sld xmlns:a="http://schemas.openxmlformats.org/drawingml/2006/main" xmlns:r="http://schemas.openxmlformats.org/officeDocument/2006/relationships" xmlns:p="http://schemas.openxmlformats.org/presentationml/2006/main">
   <p:cSld>
     <p:spTree>
@@ -32756,7 +32362,7 @@
             <a:fld id="{CE58CB1E-F828-4F11-99E0-327109AF9DA4}" type="slidenum">
               <a:rPr lang="de-DE" smtClean="0"/>
               <a:pPr/>
-              <a:t>35</a:t>
+              <a:t>34</a:t>
             </a:fld>
             <a:endParaRPr lang="de-DE" dirty="0"/>
           </a:p>
@@ -32921,7 +32527,7 @@
 </p:sld>
 </file>
 
-<file path=ppt/slides/slide36.xml><?xml version="1.0" encoding="utf-8"?>
+<file path=ppt/slides/slide35.xml><?xml version="1.0" encoding="utf-8"?>
 <p:sld xmlns:a="http://schemas.openxmlformats.org/drawingml/2006/main" xmlns:r="http://schemas.openxmlformats.org/officeDocument/2006/relationships" xmlns:p="http://schemas.openxmlformats.org/presentationml/2006/main">
   <p:cSld>
     <p:spTree>
@@ -32960,7 +32566,7 @@
             <a:fld id="{CE58CB1E-F828-4F11-99E0-327109AF9DA4}" type="slidenum">
               <a:rPr lang="de-DE" smtClean="0"/>
               <a:pPr/>
-              <a:t>36</a:t>
+              <a:t>35</a:t>
             </a:fld>
             <a:endParaRPr lang="de-DE" dirty="0"/>
           </a:p>
@@ -33125,7 +32731,7 @@
 </p:sld>
 </file>
 
-<file path=ppt/slides/slide37.xml><?xml version="1.0" encoding="utf-8"?>
+<file path=ppt/slides/slide36.xml><?xml version="1.0" encoding="utf-8"?>
 <p:sld xmlns:a="http://schemas.openxmlformats.org/drawingml/2006/main" xmlns:r="http://schemas.openxmlformats.org/officeDocument/2006/relationships" xmlns:p="http://schemas.openxmlformats.org/presentationml/2006/main">
   <p:cSld>
     <p:spTree>
@@ -33164,7 +32770,7 @@
             <a:fld id="{CE58CB1E-F828-4F11-99E0-327109AF9DA4}" type="slidenum">
               <a:rPr lang="de-DE" smtClean="0"/>
               <a:pPr/>
-              <a:t>37</a:t>
+              <a:t>36</a:t>
             </a:fld>
             <a:endParaRPr lang="de-DE" dirty="0"/>
           </a:p>
@@ -33329,7 +32935,7 @@
 </p:sld>
 </file>
 
-<file path=ppt/slides/slide38.xml><?xml version="1.0" encoding="utf-8"?>
+<file path=ppt/slides/slide37.xml><?xml version="1.0" encoding="utf-8"?>
 <p:sld xmlns:a="http://schemas.openxmlformats.org/drawingml/2006/main" xmlns:r="http://schemas.openxmlformats.org/officeDocument/2006/relationships" xmlns:p="http://schemas.openxmlformats.org/presentationml/2006/main">
   <p:cSld>
     <p:spTree>
@@ -33368,7 +32974,7 @@
             <a:fld id="{CE58CB1E-F828-4F11-99E0-327109AF9DA4}" type="slidenum">
               <a:rPr lang="de-DE" smtClean="0"/>
               <a:pPr/>
-              <a:t>38</a:t>
+              <a:t>37</a:t>
             </a:fld>
             <a:endParaRPr lang="de-DE" dirty="0"/>
           </a:p>
@@ -33537,7 +33143,7 @@
 </p:sld>
 </file>
 
-<file path=ppt/slides/slide39.xml><?xml version="1.0" encoding="utf-8"?>
+<file path=ppt/slides/slide38.xml><?xml version="1.0" encoding="utf-8"?>
 <p:sld xmlns:a="http://schemas.openxmlformats.org/drawingml/2006/main" xmlns:r="http://schemas.openxmlformats.org/officeDocument/2006/relationships" xmlns:p="http://schemas.openxmlformats.org/presentationml/2006/main">
   <p:cSld>
     <p:spTree>
@@ -33588,7 +33194,7 @@
                   <a:spcPts val="600"/>
                 </a:spcAft>
               </a:pPr>
-              <a:t>39</a:t>
+              <a:t>38</a:t>
             </a:fld>
             <a:endParaRPr lang="de-DE"/>
           </a:p>
@@ -33767,6 +33373,201 @@
 </p:sld>
 </file>
 
+<file path=ppt/slides/slide39.xml><?xml version="1.0" encoding="utf-8"?>
+<p:sld xmlns:a="http://schemas.openxmlformats.org/drawingml/2006/main" xmlns:r="http://schemas.openxmlformats.org/officeDocument/2006/relationships" xmlns:p="http://schemas.openxmlformats.org/presentationml/2006/main">
+  <p:cSld>
+    <p:spTree>
+      <p:nvGrpSpPr>
+        <p:cNvPr id="1" name=""/>
+        <p:cNvGrpSpPr/>
+        <p:nvPr/>
+      </p:nvGrpSpPr>
+      <p:grpSpPr>
+        <a:xfrm>
+          <a:off x="0" y="0"/>
+          <a:ext cx="0" cy="0"/>
+          <a:chOff x="0" y="0"/>
+          <a:chExt cx="0" cy="0"/>
+        </a:xfrm>
+      </p:grpSpPr>
+      <p:sp>
+        <p:nvSpPr>
+          <p:cNvPr id="4" name="Foliennummernplatzhalter 3"/>
+          <p:cNvSpPr>
+            <a:spLocks noGrp="1"/>
+          </p:cNvSpPr>
+          <p:nvPr>
+            <p:ph type="sldNum" sz="quarter" idx="11"/>
+          </p:nvPr>
+        </p:nvSpPr>
+        <p:spPr>
+          <a:prstGeom prst="rect">
+            <a:avLst/>
+          </a:prstGeom>
+        </p:spPr>
+        <p:txBody>
+          <a:bodyPr/>
+          <a:lstStyle/>
+          <a:p>
+            <a:fld id="{CE58CB1E-F828-4F11-99E0-327109AF9DA4}" type="slidenum">
+              <a:rPr lang="de-DE" smtClean="0"/>
+              <a:pPr/>
+              <a:t>39</a:t>
+            </a:fld>
+            <a:endParaRPr lang="de-DE" dirty="0"/>
+          </a:p>
+        </p:txBody>
+      </p:sp>
+      <p:sp>
+        <p:nvSpPr>
+          <p:cNvPr id="6" name="Fußzeilenplatzhalter 4"/>
+          <p:cNvSpPr>
+            <a:spLocks noGrp="1"/>
+          </p:cNvSpPr>
+          <p:nvPr>
+            <p:ph type="ftr" sz="quarter" idx="12"/>
+          </p:nvPr>
+        </p:nvSpPr>
+        <p:spPr/>
+        <p:txBody>
+          <a:bodyPr/>
+          <a:lstStyle/>
+          <a:p>
+            <a:r>
+              <a:rPr lang="de-DE" dirty="0"/>
+              <a:t>Jonas Fritsch | The Adaptive Radix Tree</a:t>
+            </a:r>
+            <a:endParaRPr lang="en-US" dirty="0"/>
+          </a:p>
+        </p:txBody>
+      </p:sp>
+      <p:sp>
+        <p:nvSpPr>
+          <p:cNvPr id="3" name="Titel 2"/>
+          <p:cNvSpPr>
+            <a:spLocks noGrp="1"/>
+          </p:cNvSpPr>
+          <p:nvPr>
+            <p:ph type="title"/>
+          </p:nvPr>
+        </p:nvSpPr>
+        <p:spPr>
+          <a:prstGeom prst="rect">
+            <a:avLst/>
+          </a:prstGeom>
+        </p:spPr>
+        <p:txBody>
+          <a:bodyPr/>
+          <a:lstStyle/>
+          <a:p>
+            <a:r>
+              <a:rPr sz="3000" dirty="0"/>
+              <a:t>Even More Benchmarks</a:t>
+            </a:r>
+            <a:endParaRPr lang="de-DE" sz="3000" dirty="0"/>
+          </a:p>
+        </p:txBody>
+      </p:sp>
+      <p:sp>
+        <p:nvSpPr>
+          <p:cNvPr id="9" name="Inhaltsplatzhalter 1">
+            <a:extLst>
+              <a:ext uri="{FF2B5EF4-FFF2-40B4-BE49-F238E27FC236}">
+                <a16:creationId xmlns:a16="http://schemas.microsoft.com/office/drawing/2014/main" id="{8B16FA6F-AD48-B6E1-41F9-ACED4B6631EE}"/>
+              </a:ext>
+            </a:extLst>
+          </p:cNvPr>
+          <p:cNvSpPr>
+            <a:spLocks noGrp="1"/>
+          </p:cNvSpPr>
+          <p:nvPr>
+            <p:ph idx="1"/>
+          </p:nvPr>
+        </p:nvSpPr>
+        <p:spPr>
+          <a:xfrm>
+            <a:off x="319090" y="1762188"/>
+            <a:ext cx="8508999" cy="4699572"/>
+          </a:xfrm>
+        </p:spPr>
+        <p:txBody>
+          <a:bodyPr/>
+          <a:lstStyle/>
+          <a:p>
+            <a:r>
+              <a:rPr b="1" dirty="0"/>
+              <a:t>See: </a:t>
+            </a:r>
+          </a:p>
+          <a:p>
+            <a:pPr marL="285750" indent="-285750">
+              <a:buFont typeface="Arial" panose="020B0604020202020204" pitchFamily="34" charset="0"/>
+              <a:buChar char="•"/>
+            </a:pPr>
+            <a:r>
+              <a:rPr lang="en-US" dirty="0">
+                <a:hlinkClick r:id="rId3"/>
+              </a:rPr>
+              <a:t>A Comparison of Adaptive Radix Trees and Hash Tables</a:t>
+            </a:r>
+            <a:r>
+              <a:rPr lang="en-US" dirty="0"/>
+              <a:t> (IEEE, 2015)</a:t>
+            </a:r>
+          </a:p>
+          <a:p>
+            <a:pPr marL="285750" indent="-285750">
+              <a:buFont typeface="Arial" panose="020B0604020202020204" pitchFamily="34" charset="0"/>
+              <a:buChar char="•"/>
+            </a:pPr>
+            <a:r>
+              <a:rPr lang="en-US" dirty="0">
+                <a:hlinkClick r:id="rId4"/>
+              </a:rPr>
+              <a:t>Building a </a:t>
+            </a:r>
+            <a:r>
+              <a:rPr lang="en-US" dirty="0" err="1">
+                <a:hlinkClick r:id="rId4"/>
+              </a:rPr>
+              <a:t>Bw</a:t>
+            </a:r>
+            <a:r>
+              <a:rPr lang="en-US" dirty="0">
+                <a:hlinkClick r:id="rId4"/>
+              </a:rPr>
+              <a:t>-Tree Takes More Than Just Buzz Words</a:t>
+            </a:r>
+            <a:r>
+              <a:rPr lang="en-US" dirty="0"/>
+              <a:t> (SIGMOD, 2018)</a:t>
+            </a:r>
+          </a:p>
+          <a:p>
+            <a:endParaRPr dirty="0"/>
+          </a:p>
+          <a:p>
+            <a:pPr marL="285750" indent="-285750">
+              <a:buFont typeface="Arial" panose="020B0604020202020204" pitchFamily="34" charset="0"/>
+              <a:buChar char="•"/>
+            </a:pPr>
+            <a:endParaRPr dirty="0"/>
+          </a:p>
+        </p:txBody>
+      </p:sp>
+    </p:spTree>
+    <p:extLst>
+      <p:ext uri="{BB962C8B-B14F-4D97-AF65-F5344CB8AC3E}">
+        <p14:creationId xmlns:p14="http://schemas.microsoft.com/office/powerpoint/2010/main" val="4003479443"/>
+      </p:ext>
+    </p:extLst>
+  </p:cSld>
+  <p:clrMapOvr>
+    <a:masterClrMapping/>
+  </p:clrMapOvr>
+</p:sld>
+</file>
+
 <file path=ppt/slides/slide4.xml><?xml version="1.0" encoding="utf-8"?>
 <p:sld xmlns:a="http://schemas.openxmlformats.org/drawingml/2006/main" xmlns:r="http://schemas.openxmlformats.org/officeDocument/2006/relationships" xmlns:p="http://schemas.openxmlformats.org/presentationml/2006/main">
   <p:cSld>
@@ -34134,201 +33935,6 @@
     <p:extLst>
       <p:ext uri="{BB962C8B-B14F-4D97-AF65-F5344CB8AC3E}">
         <p14:creationId xmlns:p14="http://schemas.microsoft.com/office/powerpoint/2010/main" val="978327295"/>
-      </p:ext>
-    </p:extLst>
-  </p:cSld>
-  <p:clrMapOvr>
-    <a:masterClrMapping/>
-  </p:clrMapOvr>
-</p:sld>
-</file>
-
-<file path=ppt/slides/slide40.xml><?xml version="1.0" encoding="utf-8"?>
-<p:sld xmlns:a="http://schemas.openxmlformats.org/drawingml/2006/main" xmlns:r="http://schemas.openxmlformats.org/officeDocument/2006/relationships" xmlns:p="http://schemas.openxmlformats.org/presentationml/2006/main">
-  <p:cSld>
-    <p:spTree>
-      <p:nvGrpSpPr>
-        <p:cNvPr id="1" name=""/>
-        <p:cNvGrpSpPr/>
-        <p:nvPr/>
-      </p:nvGrpSpPr>
-      <p:grpSpPr>
-        <a:xfrm>
-          <a:off x="0" y="0"/>
-          <a:ext cx="0" cy="0"/>
-          <a:chOff x="0" y="0"/>
-          <a:chExt cx="0" cy="0"/>
-        </a:xfrm>
-      </p:grpSpPr>
-      <p:sp>
-        <p:nvSpPr>
-          <p:cNvPr id="4" name="Foliennummernplatzhalter 3"/>
-          <p:cNvSpPr>
-            <a:spLocks noGrp="1"/>
-          </p:cNvSpPr>
-          <p:nvPr>
-            <p:ph type="sldNum" sz="quarter" idx="11"/>
-          </p:nvPr>
-        </p:nvSpPr>
-        <p:spPr>
-          <a:prstGeom prst="rect">
-            <a:avLst/>
-          </a:prstGeom>
-        </p:spPr>
-        <p:txBody>
-          <a:bodyPr/>
-          <a:lstStyle/>
-          <a:p>
-            <a:fld id="{CE58CB1E-F828-4F11-99E0-327109AF9DA4}" type="slidenum">
-              <a:rPr lang="de-DE" smtClean="0"/>
-              <a:pPr/>
-              <a:t>40</a:t>
-            </a:fld>
-            <a:endParaRPr lang="de-DE" dirty="0"/>
-          </a:p>
-        </p:txBody>
-      </p:sp>
-      <p:sp>
-        <p:nvSpPr>
-          <p:cNvPr id="6" name="Fußzeilenplatzhalter 4"/>
-          <p:cNvSpPr>
-            <a:spLocks noGrp="1"/>
-          </p:cNvSpPr>
-          <p:nvPr>
-            <p:ph type="ftr" sz="quarter" idx="12"/>
-          </p:nvPr>
-        </p:nvSpPr>
-        <p:spPr/>
-        <p:txBody>
-          <a:bodyPr/>
-          <a:lstStyle/>
-          <a:p>
-            <a:r>
-              <a:rPr lang="de-DE" dirty="0"/>
-              <a:t>Jonas Fritsch | The Adaptive Radix Tree</a:t>
-            </a:r>
-            <a:endParaRPr lang="en-US" dirty="0"/>
-          </a:p>
-        </p:txBody>
-      </p:sp>
-      <p:sp>
-        <p:nvSpPr>
-          <p:cNvPr id="3" name="Titel 2"/>
-          <p:cNvSpPr>
-            <a:spLocks noGrp="1"/>
-          </p:cNvSpPr>
-          <p:nvPr>
-            <p:ph type="title"/>
-          </p:nvPr>
-        </p:nvSpPr>
-        <p:spPr>
-          <a:prstGeom prst="rect">
-            <a:avLst/>
-          </a:prstGeom>
-        </p:spPr>
-        <p:txBody>
-          <a:bodyPr/>
-          <a:lstStyle/>
-          <a:p>
-            <a:r>
-              <a:rPr sz="3000" dirty="0"/>
-              <a:t>Even More Benchmarks</a:t>
-            </a:r>
-            <a:endParaRPr lang="de-DE" sz="3000" dirty="0"/>
-          </a:p>
-        </p:txBody>
-      </p:sp>
-      <p:sp>
-        <p:nvSpPr>
-          <p:cNvPr id="9" name="Inhaltsplatzhalter 1">
-            <a:extLst>
-              <a:ext uri="{FF2B5EF4-FFF2-40B4-BE49-F238E27FC236}">
-                <a16:creationId xmlns:a16="http://schemas.microsoft.com/office/drawing/2014/main" id="{8B16FA6F-AD48-B6E1-41F9-ACED4B6631EE}"/>
-              </a:ext>
-            </a:extLst>
-          </p:cNvPr>
-          <p:cNvSpPr>
-            <a:spLocks noGrp="1"/>
-          </p:cNvSpPr>
-          <p:nvPr>
-            <p:ph idx="1"/>
-          </p:nvPr>
-        </p:nvSpPr>
-        <p:spPr>
-          <a:xfrm>
-            <a:off x="319090" y="1762188"/>
-            <a:ext cx="8508999" cy="4699572"/>
-          </a:xfrm>
-        </p:spPr>
-        <p:txBody>
-          <a:bodyPr/>
-          <a:lstStyle/>
-          <a:p>
-            <a:r>
-              <a:rPr b="1" dirty="0"/>
-              <a:t>See: </a:t>
-            </a:r>
-          </a:p>
-          <a:p>
-            <a:pPr marL="285750" indent="-285750">
-              <a:buFont typeface="Arial" panose="020B0604020202020204" pitchFamily="34" charset="0"/>
-              <a:buChar char="•"/>
-            </a:pPr>
-            <a:r>
-              <a:rPr lang="en-US" dirty="0">
-                <a:hlinkClick r:id="rId3"/>
-              </a:rPr>
-              <a:t>A Comparison of Adaptive Radix Trees and Hash Tables</a:t>
-            </a:r>
-            <a:r>
-              <a:rPr lang="en-US" dirty="0"/>
-              <a:t> (IEEE, 2015)</a:t>
-            </a:r>
-          </a:p>
-          <a:p>
-            <a:pPr marL="285750" indent="-285750">
-              <a:buFont typeface="Arial" panose="020B0604020202020204" pitchFamily="34" charset="0"/>
-              <a:buChar char="•"/>
-            </a:pPr>
-            <a:r>
-              <a:rPr lang="en-US" dirty="0">
-                <a:hlinkClick r:id="rId4"/>
-              </a:rPr>
-              <a:t>Building a </a:t>
-            </a:r>
-            <a:r>
-              <a:rPr lang="en-US" dirty="0" err="1">
-                <a:hlinkClick r:id="rId4"/>
-              </a:rPr>
-              <a:t>Bw</a:t>
-            </a:r>
-            <a:r>
-              <a:rPr lang="en-US" dirty="0">
-                <a:hlinkClick r:id="rId4"/>
-              </a:rPr>
-              <a:t>-Tree Takes More Than Just Buzz Words</a:t>
-            </a:r>
-            <a:r>
-              <a:rPr lang="en-US" dirty="0"/>
-              <a:t> (SIGMOD, 2018)</a:t>
-            </a:r>
-          </a:p>
-          <a:p>
-            <a:endParaRPr dirty="0"/>
-          </a:p>
-          <a:p>
-            <a:pPr marL="285750" indent="-285750">
-              <a:buFont typeface="Arial" panose="020B0604020202020204" pitchFamily="34" charset="0"/>
-              <a:buChar char="•"/>
-            </a:pPr>
-            <a:endParaRPr dirty="0"/>
-          </a:p>
-        </p:txBody>
-      </p:sp>
-    </p:spTree>
-    <p:extLst>
-      <p:ext uri="{BB962C8B-B14F-4D97-AF65-F5344CB8AC3E}">
-        <p14:creationId xmlns:p14="http://schemas.microsoft.com/office/powerpoint/2010/main" val="4003479443"/>
       </p:ext>
     </p:extLst>
   </p:cSld>

--- a/Presentation/The Adaptive Radix Tree.pptx
+++ b/Presentation/The Adaptive Radix Tree.pptx
@@ -1300,22 +1300,22 @@
                 <c:formatCode>0.00</c:formatCode>
                 <c:ptCount val="6"/>
                 <c:pt idx="0">
-                  <c:v>10.6</c:v>
+                  <c:v>10.587999999999999</c:v>
                 </c:pt>
                 <c:pt idx="1">
-                  <c:v>0.59</c:v>
+                  <c:v>0.71099999999999997</c:v>
                 </c:pt>
                 <c:pt idx="2">
-                  <c:v>1.135</c:v>
+                  <c:v>1.1970000000000001</c:v>
                 </c:pt>
                 <c:pt idx="3">
-                  <c:v>11.276</c:v>
+                  <c:v>11.397</c:v>
                 </c:pt>
                 <c:pt idx="4">
-                  <c:v>4.2709999999999999</c:v>
+                  <c:v>4.5640000000000001</c:v>
                 </c:pt>
                 <c:pt idx="5">
-                  <c:v>0.96230000000000004</c:v>
+                  <c:v>0.99399999999999999</c:v>
                 </c:pt>
               </c:numCache>
             </c:numRef>
@@ -1383,22 +1383,22 @@
                 <c:formatCode>0.00</c:formatCode>
                 <c:ptCount val="6"/>
                 <c:pt idx="0">
-                  <c:v>7.9320000000000004</c:v>
+                  <c:v>8.4789999999999992</c:v>
                 </c:pt>
                 <c:pt idx="1">
-                  <c:v>0.45119999999999999</c:v>
+                  <c:v>0.51500000000000001</c:v>
                 </c:pt>
                 <c:pt idx="2">
-                  <c:v>0.48880000000000001</c:v>
+                  <c:v>0.53300000000000003</c:v>
                 </c:pt>
                 <c:pt idx="3">
-                  <c:v>11.214</c:v>
+                  <c:v>11.205</c:v>
                 </c:pt>
                 <c:pt idx="4">
-                  <c:v>3.012</c:v>
+                  <c:v>3.298</c:v>
                 </c:pt>
                 <c:pt idx="5">
-                  <c:v>0.80900000000000005</c:v>
+                  <c:v>0.874</c:v>
                 </c:pt>
               </c:numCache>
             </c:numRef>
@@ -2388,22 +2388,22 @@
                 <c:formatCode>0.00</c:formatCode>
                 <c:ptCount val="6"/>
                 <c:pt idx="0">
-                  <c:v>9.4954999999999998</c:v>
+                  <c:v>9.66</c:v>
                 </c:pt>
                 <c:pt idx="1">
-                  <c:v>0.6</c:v>
+                  <c:v>0.68799999999999994</c:v>
                 </c:pt>
                 <c:pt idx="2">
-                  <c:v>1.3</c:v>
+                  <c:v>1.335</c:v>
                 </c:pt>
                 <c:pt idx="3">
-                  <c:v>3.2690000000000001</c:v>
+                  <c:v>3.2719999999999998</c:v>
                 </c:pt>
                 <c:pt idx="4">
-                  <c:v>19.649999999999999</c:v>
+                  <c:v>21.048999999999999</c:v>
                 </c:pt>
                 <c:pt idx="5">
-                  <c:v>0.92500000000000004</c:v>
+                  <c:v>0.93400000000000005</c:v>
                 </c:pt>
               </c:numCache>
             </c:numRef>
@@ -2471,22 +2471,22 @@
                 <c:formatCode>0.00</c:formatCode>
                 <c:ptCount val="6"/>
                 <c:pt idx="0">
-                  <c:v>9.3450000000000006</c:v>
+                  <c:v>9.6940000000000008</c:v>
                 </c:pt>
                 <c:pt idx="1">
-                  <c:v>0.46600000000000003</c:v>
+                  <c:v>0.495</c:v>
                 </c:pt>
                 <c:pt idx="2">
-                  <c:v>0.75139999999999996</c:v>
+                  <c:v>0.80800000000000005</c:v>
                 </c:pt>
                 <c:pt idx="3">
-                  <c:v>3.2360000000000002</c:v>
+                  <c:v>3.2</c:v>
                 </c:pt>
                 <c:pt idx="4">
-                  <c:v>14.49</c:v>
+                  <c:v>15.65</c:v>
                 </c:pt>
                 <c:pt idx="5">
-                  <c:v>0.80800000000000005</c:v>
+                  <c:v>0.82</c:v>
                 </c:pt>
               </c:numCache>
             </c:numRef>
@@ -8722,7 +8722,7 @@
             </a:r>
             <a:r>
               <a:rPr lang="de-DE" dirty="0" err="1"/>
-              <a:t>cache</a:t>
+              <a:t>repeated</a:t>
             </a:r>
             <a:r>
               <a:rPr lang="de-DE" dirty="0"/>
@@ -8730,15 +8730,15 @@
             </a:r>
             <a:r>
               <a:rPr lang="de-DE" dirty="0" err="1"/>
-              <a:t>misses</a:t>
-            </a:r>
-            <a:r>
-              <a:rPr lang="de-DE" dirty="0"/>
-              <a:t>/</a:t>
-            </a:r>
-            <a:r>
-              <a:rPr lang="de-DE" dirty="0" err="1"/>
-              <a:t>repeated</a:t>
+              <a:t>hashing</a:t>
+            </a:r>
+            <a:r>
+              <a:rPr lang="de-DE" dirty="0"/>
+              <a:t> (</a:t>
+            </a:r>
+            <a:r>
+              <a:rPr lang="de-DE" dirty="0" err="1"/>
+              <a:t>see</a:t>
             </a:r>
             <a:r>
               <a:rPr lang="de-DE" dirty="0"/>
@@ -8746,15 +8746,7 @@
             </a:r>
             <a:r>
               <a:rPr lang="de-DE" dirty="0" err="1"/>
-              <a:t>hashing</a:t>
-            </a:r>
-            <a:r>
-              <a:rPr lang="de-DE" dirty="0"/>
-              <a:t> (</a:t>
-            </a:r>
-            <a:r>
-              <a:rPr lang="de-DE" dirty="0" err="1"/>
-              <a:t>see</a:t>
+              <a:t>previous</a:t>
             </a:r>
             <a:r>
               <a:rPr lang="de-DE" dirty="0"/>
@@ -8762,7 +8754,7 @@
             </a:r>
             <a:r>
               <a:rPr lang="de-DE" dirty="0" err="1"/>
-              <a:t>previous</a:t>
+              <a:t>slide</a:t>
             </a:r>
             <a:r>
               <a:rPr lang="de-DE" dirty="0"/>
@@ -8770,7 +8762,7 @@
             </a:r>
             <a:r>
               <a:rPr lang="de-DE" dirty="0" err="1"/>
-              <a:t>slide</a:t>
+              <a:t>for</a:t>
             </a:r>
             <a:r>
               <a:rPr lang="de-DE" dirty="0"/>
@@ -8778,7 +8770,7 @@
             </a:r>
             <a:r>
               <a:rPr lang="de-DE" dirty="0" err="1"/>
-              <a:t>for</a:t>
+              <a:t>memory</a:t>
             </a:r>
             <a:r>
               <a:rPr lang="de-DE" dirty="0"/>
@@ -8786,7 +8778,15 @@
             </a:r>
             <a:r>
               <a:rPr lang="de-DE" dirty="0" err="1"/>
-              <a:t>memory</a:t>
+              <a:t>consumption</a:t>
+            </a:r>
+            <a:r>
+              <a:rPr lang="de-DE" dirty="0"/>
+              <a:t>. </a:t>
+            </a:r>
+            <a:r>
+              <a:rPr lang="de-DE" dirty="0" err="1"/>
+              <a:t>Except</a:t>
             </a:r>
             <a:r>
               <a:rPr lang="de-DE" dirty="0"/>
@@ -8794,15 +8794,7 @@
             </a:r>
             <a:r>
               <a:rPr lang="de-DE" dirty="0" err="1"/>
-              <a:t>consumption</a:t>
-            </a:r>
-            <a:r>
-              <a:rPr lang="de-DE" dirty="0"/>
-              <a:t>. </a:t>
-            </a:r>
-            <a:r>
-              <a:rPr lang="de-DE" dirty="0" err="1"/>
-              <a:t>Except</a:t>
+              <a:t>of</a:t>
             </a:r>
             <a:r>
               <a:rPr lang="de-DE" dirty="0"/>
@@ -8810,7 +8802,7 @@
             </a:r>
             <a:r>
               <a:rPr lang="de-DE" dirty="0" err="1"/>
-              <a:t>of</a:t>
+              <a:t>course</a:t>
             </a:r>
             <a:r>
               <a:rPr lang="de-DE" dirty="0"/>
@@ -8818,7 +8810,7 @@
             </a:r>
             <a:r>
               <a:rPr lang="de-DE" dirty="0" err="1"/>
-              <a:t>course</a:t>
+              <a:t>dense</a:t>
             </a:r>
             <a:r>
               <a:rPr lang="de-DE" dirty="0"/>
@@ -8826,7 +8818,31 @@
             </a:r>
             <a:r>
               <a:rPr lang="de-DE" dirty="0" err="1"/>
-              <a:t>dense</a:t>
+              <a:t>trie</a:t>
+            </a:r>
+            <a:r>
+              <a:rPr lang="de-DE" dirty="0"/>
+              <a:t> 0.5 MB and </a:t>
+            </a:r>
+            <a:r>
+              <a:rPr lang="de-DE" dirty="0" err="1"/>
+              <a:t>only</a:t>
+            </a:r>
+            <a:r>
+              <a:rPr lang="de-DE" dirty="0"/>
+              <a:t> 4 </a:t>
+            </a:r>
+            <a:r>
+              <a:rPr lang="de-DE" dirty="0" err="1"/>
+              <a:t>array</a:t>
+            </a:r>
+            <a:r>
+              <a:rPr lang="de-DE" dirty="0"/>
+              <a:t> and </a:t>
+            </a:r>
+            <a:r>
+              <a:rPr lang="de-DE" dirty="0" err="1"/>
+              <a:t>pointer</a:t>
             </a:r>
             <a:r>
               <a:rPr lang="de-DE" dirty="0"/>
@@ -8834,11 +8850,46 @@
             </a:r>
             <a:r>
               <a:rPr lang="de-DE" dirty="0" err="1"/>
-              <a:t>trie</a:t>
+              <a:t>lookups</a:t>
+            </a:r>
+            <a:r>
+              <a:rPr lang="de-DE" dirty="0"/>
+              <a:t> </a:t>
+            </a:r>
+            <a:r>
+              <a:rPr lang="de-DE" dirty="0" err="1"/>
+              <a:t>each</a:t>
             </a:r>
             <a:r>
               <a:rPr lang="de-DE" dirty="0"/>
               <a:t>)</a:t>
+            </a:r>
+          </a:p>
+          <a:p>
+            <a:pPr marL="0" marR="0" lvl="0" indent="0" algn="l" defTabSz="914400" rtl="0" eaLnBrk="1" fontAlgn="base" latinLnBrk="0" hangingPunct="1">
+              <a:lnSpc>
+                <a:spcPct val="100000"/>
+              </a:lnSpc>
+              <a:spcBef>
+                <a:spcPct val="30000"/>
+              </a:spcBef>
+              <a:spcAft>
+                <a:spcPct val="0"/>
+              </a:spcAft>
+              <a:buClrTx/>
+              <a:buSzTx/>
+              <a:buFontTx/>
+              <a:buNone/>
+              <a:tabLst/>
+              <a:defRPr/>
+            </a:pPr>
+            <a:r>
+              <a:rPr lang="de-DE" dirty="0" err="1"/>
+              <a:t>Sparse</a:t>
+            </a:r>
+            <a:r>
+              <a:rPr lang="de-DE" dirty="0"/>
+              <a:t> Trie (0.6 M i/s)</a:t>
             </a:r>
           </a:p>
           <a:p>
@@ -9034,6 +9085,74 @@
               <a:rPr lang="de-DE" dirty="0"/>
               <a:t>)</a:t>
             </a:r>
+          </a:p>
+          <a:p>
+            <a:pPr marL="0" marR="0" lvl="0" indent="0" algn="l" defTabSz="914400" rtl="0" eaLnBrk="1" fontAlgn="base" latinLnBrk="0" hangingPunct="1">
+              <a:lnSpc>
+                <a:spcPct val="100000"/>
+              </a:lnSpc>
+              <a:spcBef>
+                <a:spcPct val="30000"/>
+              </a:spcBef>
+              <a:spcAft>
+                <a:spcPct val="0"/>
+              </a:spcAft>
+              <a:buClrTx/>
+              <a:buSzTx/>
+              <a:buFontTx/>
+              <a:buNone/>
+              <a:tabLst/>
+              <a:defRPr/>
+            </a:pPr>
+            <a:r>
+              <a:rPr lang="de-DE" dirty="0"/>
+              <a:t>Other slow </a:t>
+            </a:r>
+            <a:r>
+              <a:rPr lang="de-DE" dirty="0" err="1"/>
+              <a:t>because</a:t>
+            </a:r>
+            <a:r>
+              <a:rPr lang="de-DE" dirty="0"/>
+              <a:t> </a:t>
+            </a:r>
+            <a:r>
+              <a:rPr lang="de-DE" dirty="0" err="1"/>
+              <a:t>of</a:t>
+            </a:r>
+            <a:r>
+              <a:rPr lang="de-DE" dirty="0"/>
+              <a:t> </a:t>
+            </a:r>
+            <a:r>
+              <a:rPr lang="de-DE" dirty="0" err="1"/>
+              <a:t>cache</a:t>
+            </a:r>
+            <a:r>
+              <a:rPr lang="de-DE" dirty="0"/>
+              <a:t> </a:t>
+            </a:r>
+            <a:r>
+              <a:rPr lang="de-DE" dirty="0" err="1"/>
+              <a:t>misses</a:t>
+            </a:r>
+            <a:r>
+              <a:rPr lang="de-DE" dirty="0"/>
+              <a:t>/</a:t>
+            </a:r>
+            <a:r>
+              <a:rPr lang="de-DE" dirty="0" err="1"/>
+              <a:t>repeated</a:t>
+            </a:r>
+            <a:r>
+              <a:rPr lang="de-DE" dirty="0"/>
+              <a:t> </a:t>
+            </a:r>
+            <a:r>
+              <a:rPr lang="de-DE" dirty="0" err="1"/>
+              <a:t>hashing</a:t>
+            </a:r>
+            <a:endParaRPr lang="de-DE" dirty="0"/>
           </a:p>
         </p:txBody>
       </p:sp>
@@ -27712,7 +27831,7 @@
           <p:nvPr>
             <p:extLst>
               <p:ext uri="{D42A27DB-BD31-4B8C-83A1-F6EECF244321}">
-                <p14:modId xmlns:p14="http://schemas.microsoft.com/office/powerpoint/2010/main" val="4145367607"/>
+                <p14:modId xmlns:p14="http://schemas.microsoft.com/office/powerpoint/2010/main" val="1470129949"/>
               </p:ext>
             </p:extLst>
           </p:nvPr>
@@ -27737,7 +27856,7 @@
             <p:ph idx="1"/>
             <p:extLst>
               <p:ext uri="{D42A27DB-BD31-4B8C-83A1-F6EECF244321}">
-                <p14:modId xmlns:p14="http://schemas.microsoft.com/office/powerpoint/2010/main" val="1051937591"/>
+                <p14:modId xmlns:p14="http://schemas.microsoft.com/office/powerpoint/2010/main" val="265568521"/>
               </p:ext>
             </p:extLst>
           </p:nvPr>
@@ -27956,7 +28075,7 @@
           <p:nvPr>
             <p:extLst>
               <p:ext uri="{D42A27DB-BD31-4B8C-83A1-F6EECF244321}">
-                <p14:modId xmlns:p14="http://schemas.microsoft.com/office/powerpoint/2010/main" val="1037861383"/>
+                <p14:modId xmlns:p14="http://schemas.microsoft.com/office/powerpoint/2010/main" val="2575573498"/>
               </p:ext>
             </p:extLst>
           </p:nvPr>

--- a/Presentation/The Adaptive Radix Tree.pptx
+++ b/Presentation/The Adaptive Radix Tree.pptx
@@ -36,7 +36,7 @@
     <p:sldId id="419" r:id="rId24"/>
     <p:sldId id="425" r:id="rId25"/>
     <p:sldId id="435" r:id="rId26"/>
-    <p:sldId id="398" r:id="rId27"/>
+    <p:sldId id="440" r:id="rId27"/>
     <p:sldId id="399" r:id="rId28"/>
     <p:sldId id="400" r:id="rId29"/>
     <p:sldId id="426" r:id="rId30"/>
@@ -232,7 +232,7 @@
         <p14:section name="Benchmarks" id="{AEDAD588-01D1-4983-A59D-E10D659187E4}">
           <p14:sldIdLst>
             <p14:sldId id="435"/>
-            <p14:sldId id="398"/>
+            <p14:sldId id="440"/>
             <p14:sldId id="399"/>
             <p14:sldId id="400"/>
             <p14:sldId id="426"/>
@@ -692,38 +692,45 @@
     <c:title>
       <c:tx>
         <c:rich>
-          <a:bodyPr/>
+          <a:bodyPr rot="0" spcFirstLastPara="1" vertOverflow="ellipsis" vert="horz" wrap="square" anchor="ctr" anchorCtr="1"/>
           <a:lstStyle/>
           <a:p>
             <a:pPr>
-              <a:defRPr/>
+              <a:defRPr sz="1800" b="1" i="0" u="none" strike="noStrike" kern="1200" baseline="0">
+                <a:solidFill>
+                  <a:schemeClr val="tx1"/>
+                </a:solidFill>
+                <a:latin typeface="+mn-lt"/>
+                <a:ea typeface="+mn-ea"/>
+                <a:cs typeface="+mn-cs"/>
+              </a:defRPr>
             </a:pPr>
             <a:r>
-              <a:rPr lang="de-DE" sz="1600" b="1" dirty="0"/>
+              <a:rPr lang="de-DE" sz="1600" dirty="0"/>
               <a:t>16M </a:t>
             </a:r>
             <a:r>
-              <a:rPr lang="de-DE" sz="1600" b="1" dirty="0" err="1"/>
+              <a:rPr lang="de-DE" sz="1600" dirty="0" err="1"/>
               <a:t>random</a:t>
             </a:r>
             <a:r>
-              <a:rPr lang="de-DE" sz="1600" b="1" dirty="0"/>
+              <a:rPr lang="de-DE" sz="1600" dirty="0"/>
               <a:t> uint32_t</a:t>
             </a:r>
             <a:r>
-              <a:rPr lang="de-DE" sz="1600" b="1" baseline="0" dirty="0"/>
+              <a:rPr lang="de-DE" sz="1600" baseline="0" dirty="0"/>
               <a:t> </a:t>
             </a:r>
             <a:r>
-              <a:rPr lang="de-DE" sz="1600" b="1" baseline="0" dirty="0" err="1"/>
+              <a:rPr lang="de-DE" sz="1600" baseline="0" dirty="0" err="1"/>
               <a:t>keys</a:t>
             </a:r>
             <a:r>
-              <a:rPr lang="de-DE" sz="1600" b="1" baseline="0" dirty="0"/>
+              <a:rPr lang="de-DE" sz="1600" baseline="0" dirty="0"/>
               <a:t> </a:t>
             </a:r>
             <a:br>
-              <a:rPr lang="de-DE" sz="1600" b="0" baseline="0" dirty="0"/>
+              <a:rPr lang="de-DE" sz="1600" baseline="0" dirty="0"/>
             </a:br>
             <a:r>
               <a:rPr lang="de-DE" sz="1600" b="0" baseline="0" dirty="0"/>
@@ -758,6 +765,30 @@
         </c:rich>
       </c:tx>
       <c:overlay val="0"/>
+      <c:spPr>
+        <a:noFill/>
+        <a:ln>
+          <a:noFill/>
+        </a:ln>
+        <a:effectLst/>
+      </c:spPr>
+      <c:txPr>
+        <a:bodyPr rot="0" spcFirstLastPara="1" vertOverflow="ellipsis" vert="horz" wrap="square" anchor="ctr" anchorCtr="1"/>
+        <a:lstStyle/>
+        <a:p>
+          <a:pPr>
+            <a:defRPr sz="1800" b="1" i="0" u="none" strike="noStrike" kern="1200" baseline="0">
+              <a:solidFill>
+                <a:schemeClr val="tx1"/>
+              </a:solidFill>
+              <a:latin typeface="+mn-lt"/>
+              <a:ea typeface="+mn-ea"/>
+              <a:cs typeface="+mn-cs"/>
+            </a:defRPr>
+          </a:pPr>
+          <a:endParaRPr lang="en-US"/>
+        </a:p>
+      </c:txPr>
     </c:title>
     <c:autoTitleDeleted val="0"/>
     <c:plotArea>
@@ -829,10 +860,10 @@
                   <c:v>0.12</c:v>
                 </c:pt>
                 <c:pt idx="1">
-                  <c:v>0.13700000000000001</c:v>
+                  <c:v>0.14000000000000001</c:v>
                 </c:pt>
                 <c:pt idx="2">
-                  <c:v>1.008</c:v>
+                  <c:v>1.01</c:v>
                 </c:pt>
                 <c:pt idx="3">
                   <c:v>1.04</c:v>
@@ -845,6 +876,543 @@
                 </c:pt>
                 <c:pt idx="6">
                   <c:v>0.83</c:v>
+                </c:pt>
+              </c:numCache>
+            </c:numRef>
+          </c:val>
+          <c:extLst>
+            <c:ext xmlns:c16="http://schemas.microsoft.com/office/drawing/2014/chart" uri="{C3380CC4-5D6E-409C-BE32-E72D297353CC}">
+              <c16:uniqueId val="{00000000-2ACB-46F8-A66C-7FE56976672F}"/>
+            </c:ext>
+          </c:extLst>
+        </c:ser>
+        <c:ser>
+          <c:idx val="1"/>
+          <c:order val="1"/>
+          <c:tx>
+            <c:strRef>
+              <c:f>Tabelle1!$C$1</c:f>
+              <c:strCache>
+                <c:ptCount val="1"/>
+                <c:pt idx="0">
+                  <c:v>Sparse</c:v>
+                </c:pt>
+              </c:strCache>
+            </c:strRef>
+          </c:tx>
+          <c:spPr>
+            <a:solidFill>
+              <a:schemeClr val="accent2"/>
+            </a:solidFill>
+            <a:ln>
+              <a:noFill/>
+            </a:ln>
+            <a:effectLst/>
+          </c:spPr>
+          <c:invertIfNegative val="0"/>
+          <c:cat>
+            <c:strRef>
+              <c:f>Tabelle1!$A$2:$A$8</c:f>
+              <c:strCache>
+                <c:ptCount val="7"/>
+                <c:pt idx="0">
+                  <c:v>ART</c:v>
+                </c:pt>
+                <c:pt idx="1">
+                  <c:v>Trie</c:v>
+                </c:pt>
+                <c:pt idx="2">
+                  <c:v>M-Trie</c:v>
+                </c:pt>
+                <c:pt idx="3">
+                  <c:v>H-Trie</c:v>
+                </c:pt>
+                <c:pt idx="4">
+                  <c:v>Sorted List</c:v>
+                </c:pt>
+                <c:pt idx="5">
+                  <c:v>Hash-Table</c:v>
+                </c:pt>
+                <c:pt idx="6">
+                  <c:v>RB-Tree</c:v>
+                </c:pt>
+              </c:strCache>
+            </c:strRef>
+          </c:cat>
+          <c:val>
+            <c:numRef>
+              <c:f>Tabelle1!$C$2:$C$8</c:f>
+              <c:numCache>
+                <c:formatCode>0.00</c:formatCode>
+                <c:ptCount val="7"/>
+                <c:pt idx="0">
+                  <c:v>0.51</c:v>
+                </c:pt>
+                <c:pt idx="1">
+                  <c:v>0</c:v>
+                </c:pt>
+                <c:pt idx="2">
+                  <c:v>5.05</c:v>
+                </c:pt>
+                <c:pt idx="3">
+                  <c:v>4.13</c:v>
+                </c:pt>
+                <c:pt idx="4">
+                  <c:v>0.06</c:v>
+                </c:pt>
+                <c:pt idx="5">
+                  <c:v>1.45</c:v>
+                </c:pt>
+                <c:pt idx="6">
+                  <c:v>1.31</c:v>
+                </c:pt>
+              </c:numCache>
+            </c:numRef>
+          </c:val>
+          <c:extLst>
+            <c:ext xmlns:c16="http://schemas.microsoft.com/office/drawing/2014/chart" uri="{C3380CC4-5D6E-409C-BE32-E72D297353CC}">
+              <c16:uniqueId val="{00000001-2ACB-46F8-A66C-7FE56976672F}"/>
+            </c:ext>
+          </c:extLst>
+        </c:ser>
+        <c:dLbls>
+          <c:showLegendKey val="0"/>
+          <c:showVal val="0"/>
+          <c:showCatName val="0"/>
+          <c:showSerName val="0"/>
+          <c:showPercent val="0"/>
+          <c:showBubbleSize val="0"/>
+        </c:dLbls>
+        <c:gapWidth val="219"/>
+        <c:overlap val="-27"/>
+        <c:axId val="50529792"/>
+        <c:axId val="50531328"/>
+      </c:barChart>
+      <c:catAx>
+        <c:axId val="50529792"/>
+        <c:scaling>
+          <c:orientation val="minMax"/>
+        </c:scaling>
+        <c:delete val="0"/>
+        <c:axPos val="b"/>
+        <c:numFmt formatCode="General" sourceLinked="1"/>
+        <c:majorTickMark val="none"/>
+        <c:minorTickMark val="none"/>
+        <c:tickLblPos val="nextTo"/>
+        <c:spPr>
+          <a:noFill/>
+          <a:ln w="9525" cap="flat" cmpd="sng" algn="ctr">
+            <a:solidFill>
+              <a:schemeClr val="tx1">
+                <a:lumMod val="15000"/>
+                <a:lumOff val="85000"/>
+              </a:schemeClr>
+            </a:solidFill>
+            <a:prstDash val="solid"/>
+            <a:round/>
+          </a:ln>
+          <a:effectLst/>
+        </c:spPr>
+        <c:txPr>
+          <a:bodyPr rot="-60000000" spcFirstLastPara="1" vertOverflow="ellipsis" vert="horz" wrap="square" anchor="ctr" anchorCtr="1"/>
+          <a:lstStyle/>
+          <a:p>
+            <a:pPr>
+              <a:defRPr sz="1400" b="0" i="0" u="none" strike="noStrike" kern="1200" baseline="0">
+                <a:solidFill>
+                  <a:schemeClr val="tx1">
+                    <a:lumMod val="65000"/>
+                    <a:lumOff val="35000"/>
+                  </a:schemeClr>
+                </a:solidFill>
+                <a:latin typeface="+mn-lt"/>
+                <a:ea typeface="+mn-ea"/>
+                <a:cs typeface="+mn-cs"/>
+              </a:defRPr>
+            </a:pPr>
+            <a:endParaRPr lang="en-US"/>
+          </a:p>
+        </c:txPr>
+        <c:crossAx val="50531328"/>
+        <c:crosses val="autoZero"/>
+        <c:auto val="1"/>
+        <c:lblAlgn val="ctr"/>
+        <c:lblOffset val="100"/>
+        <c:noMultiLvlLbl val="0"/>
+      </c:catAx>
+      <c:valAx>
+        <c:axId val="50531328"/>
+        <c:scaling>
+          <c:orientation val="minMax"/>
+        </c:scaling>
+        <c:delete val="0"/>
+        <c:axPos val="l"/>
+        <c:majorGridlines>
+          <c:spPr>
+            <a:ln w="9525" cap="flat" cmpd="sng" algn="ctr">
+              <a:solidFill>
+                <a:schemeClr val="tx1">
+                  <a:lumMod val="15000"/>
+                  <a:lumOff val="85000"/>
+                </a:schemeClr>
+              </a:solidFill>
+              <a:prstDash val="solid"/>
+              <a:round/>
+            </a:ln>
+            <a:effectLst/>
+          </c:spPr>
+        </c:majorGridlines>
+        <c:title>
+          <c:tx>
+            <c:rich>
+              <a:bodyPr rot="-5400000" spcFirstLastPara="1" vertOverflow="ellipsis" vert="horz" wrap="square" anchor="ctr" anchorCtr="1"/>
+              <a:lstStyle/>
+              <a:p>
+                <a:pPr>
+                  <a:defRPr sz="1000" b="1" i="0" u="none" strike="noStrike" kern="1200" baseline="0">
+                    <a:solidFill>
+                      <a:schemeClr val="tx1"/>
+                    </a:solidFill>
+                    <a:latin typeface="+mn-lt"/>
+                    <a:ea typeface="+mn-ea"/>
+                    <a:cs typeface="+mn-cs"/>
+                  </a:defRPr>
+                </a:pPr>
+                <a:r>
+                  <a:rPr lang="de-DE" dirty="0"/>
+                  <a:t>Memory in GB</a:t>
+                </a:r>
+              </a:p>
+            </c:rich>
+          </c:tx>
+          <c:overlay val="0"/>
+          <c:spPr>
+            <a:noFill/>
+            <a:ln>
+              <a:noFill/>
+            </a:ln>
+            <a:effectLst/>
+          </c:spPr>
+          <c:txPr>
+            <a:bodyPr rot="-5400000" spcFirstLastPara="1" vertOverflow="ellipsis" vert="horz" wrap="square" anchor="ctr" anchorCtr="1"/>
+            <a:lstStyle/>
+            <a:p>
+              <a:pPr>
+                <a:defRPr sz="1000" b="1" i="0" u="none" strike="noStrike" kern="1200" baseline="0">
+                  <a:solidFill>
+                    <a:schemeClr val="tx1"/>
+                  </a:solidFill>
+                  <a:latin typeface="+mn-lt"/>
+                  <a:ea typeface="+mn-ea"/>
+                  <a:cs typeface="+mn-cs"/>
+                </a:defRPr>
+              </a:pPr>
+              <a:endParaRPr lang="en-US"/>
+            </a:p>
+          </c:txPr>
+        </c:title>
+        <c:numFmt formatCode="0" sourceLinked="0"/>
+        <c:majorTickMark val="none"/>
+        <c:minorTickMark val="none"/>
+        <c:tickLblPos val="nextTo"/>
+        <c:spPr>
+          <a:noFill/>
+          <a:ln w="9525" cap="flat" cmpd="sng" algn="ctr">
+            <a:noFill/>
+            <a:prstDash val="solid"/>
+            <a:round/>
+          </a:ln>
+          <a:effectLst/>
+        </c:spPr>
+        <c:txPr>
+          <a:bodyPr rot="-60000000" spcFirstLastPara="1" vertOverflow="ellipsis" vert="horz" wrap="square" anchor="ctr" anchorCtr="1"/>
+          <a:lstStyle/>
+          <a:p>
+            <a:pPr>
+              <a:defRPr sz="1197" b="0" i="0" u="none" strike="noStrike" kern="1200" baseline="0">
+                <a:solidFill>
+                  <a:schemeClr val="tx1">
+                    <a:lumMod val="65000"/>
+                    <a:lumOff val="35000"/>
+                  </a:schemeClr>
+                </a:solidFill>
+                <a:latin typeface="+mn-lt"/>
+                <a:ea typeface="+mn-ea"/>
+                <a:cs typeface="+mn-cs"/>
+              </a:defRPr>
+            </a:pPr>
+            <a:endParaRPr lang="en-US"/>
+          </a:p>
+        </c:txPr>
+        <c:crossAx val="50529792"/>
+        <c:crosses val="autoZero"/>
+        <c:crossBetween val="between"/>
+      </c:valAx>
+      <c:spPr>
+        <a:noFill/>
+        <a:ln>
+          <a:noFill/>
+        </a:ln>
+        <a:effectLst/>
+      </c:spPr>
+    </c:plotArea>
+    <c:legend>
+      <c:legendPos val="b"/>
+      <c:overlay val="0"/>
+      <c:spPr>
+        <a:noFill/>
+        <a:ln>
+          <a:noFill/>
+        </a:ln>
+        <a:effectLst/>
+      </c:spPr>
+      <c:txPr>
+        <a:bodyPr rot="0" spcFirstLastPara="1" vertOverflow="ellipsis" vert="horz" wrap="square" anchor="ctr" anchorCtr="1"/>
+        <a:lstStyle/>
+        <a:p>
+          <a:pPr>
+            <a:defRPr sz="1000" b="0" i="0" u="none" strike="noStrike" kern="1200" baseline="0">
+              <a:solidFill>
+                <a:schemeClr val="tx1"/>
+              </a:solidFill>
+              <a:latin typeface="+mn-lt"/>
+              <a:ea typeface="+mn-ea"/>
+              <a:cs typeface="+mn-cs"/>
+            </a:defRPr>
+          </a:pPr>
+          <a:endParaRPr lang="en-US"/>
+        </a:p>
+      </c:txPr>
+    </c:legend>
+    <c:plotVisOnly val="1"/>
+    <c:dispBlanksAs val="gap"/>
+    <c:showDLblsOverMax val="0"/>
+  </c:chart>
+  <c:spPr>
+    <a:noFill/>
+    <a:ln w="9525" cap="flat" cmpd="sng" algn="ctr">
+      <a:noFill/>
+      <a:prstDash val="solid"/>
+    </a:ln>
+    <a:effectLst/>
+  </c:spPr>
+  <c:txPr>
+    <a:bodyPr/>
+    <a:lstStyle/>
+    <a:p>
+      <a:pPr>
+        <a:defRPr/>
+      </a:pPr>
+      <a:endParaRPr lang="en-US"/>
+    </a:p>
+  </c:txPr>
+  <c:externalData r:id="rId3">
+    <c:autoUpdate val="0"/>
+  </c:externalData>
+</c:chartSpace>
+</file>
+
+<file path=ppt/charts/chart3.xml><?xml version="1.0" encoding="utf-8"?>
+<c:chartSpace xmlns:c="http://schemas.openxmlformats.org/drawingml/2006/chart" xmlns:a="http://schemas.openxmlformats.org/drawingml/2006/main" xmlns:r="http://schemas.openxmlformats.org/officeDocument/2006/relationships" xmlns:c16r2="http://schemas.microsoft.com/office/drawing/2015/06/chart">
+  <c:date1904 val="0"/>
+  <c:lang val="en-US"/>
+  <c:roundedCorners val="0"/>
+  <mc:AlternateContent xmlns:mc="http://schemas.openxmlformats.org/markup-compatibility/2006">
+    <mc:Choice xmlns:c14="http://schemas.microsoft.com/office/drawing/2007/8/2/chart" Requires="c14">
+      <c14:style val="102"/>
+    </mc:Choice>
+    <mc:Fallback>
+      <c:style val="2"/>
+    </mc:Fallback>
+  </mc:AlternateContent>
+  <c:chart>
+    <c:title>
+      <c:tx>
+        <c:rich>
+          <a:bodyPr rot="0" spcFirstLastPara="1" vertOverflow="ellipsis" vert="horz" wrap="square" anchor="ctr" anchorCtr="1"/>
+          <a:lstStyle/>
+          <a:p>
+            <a:pPr>
+              <a:defRPr sz="1800" b="1" i="0" u="none" strike="noStrike" kern="1200" baseline="0">
+                <a:solidFill>
+                  <a:schemeClr val="tx1"/>
+                </a:solidFill>
+                <a:latin typeface="+mn-lt"/>
+                <a:ea typeface="+mn-ea"/>
+                <a:cs typeface="+mn-cs"/>
+              </a:defRPr>
+            </a:pPr>
+            <a:r>
+              <a:rPr lang="de-DE" sz="1600" b="1" dirty="0"/>
+              <a:t>65K </a:t>
+            </a:r>
+            <a:r>
+              <a:rPr lang="de-DE" sz="1600" b="1" dirty="0" err="1"/>
+              <a:t>random</a:t>
+            </a:r>
+            <a:r>
+              <a:rPr lang="de-DE" sz="1600" b="1" dirty="0"/>
+              <a:t> uint32_t</a:t>
+            </a:r>
+            <a:r>
+              <a:rPr lang="de-DE" sz="1600" b="1" baseline="0" dirty="0"/>
+              <a:t> </a:t>
+            </a:r>
+            <a:r>
+              <a:rPr lang="de-DE" sz="1600" b="1" baseline="0" dirty="0" err="1"/>
+              <a:t>keys</a:t>
+            </a:r>
+            <a:r>
+              <a:rPr lang="de-DE" sz="1600" b="1" baseline="0" dirty="0"/>
+              <a:t> </a:t>
+            </a:r>
+            <a:br>
+              <a:rPr lang="de-DE" sz="1600" b="0" baseline="0" dirty="0"/>
+            </a:br>
+            <a:r>
+              <a:rPr lang="de-DE" sz="1600" b="0" baseline="0" dirty="0"/>
+              <a:t>(</a:t>
+            </a:r>
+            <a:r>
+              <a:rPr lang="de-DE" sz="1600" b="0" baseline="0" dirty="0" err="1"/>
+              <a:t>lower</a:t>
+            </a:r>
+            <a:r>
+              <a:rPr lang="de-DE" sz="1600" b="0" baseline="0" dirty="0"/>
+              <a:t> </a:t>
+            </a:r>
+            <a:r>
+              <a:rPr lang="de-DE" sz="1600" b="0" baseline="0" dirty="0" err="1"/>
+              <a:t>is</a:t>
+            </a:r>
+            <a:r>
+              <a:rPr lang="de-DE" sz="1600" b="0" baseline="0" dirty="0"/>
+              <a:t> </a:t>
+            </a:r>
+            <a:r>
+              <a:rPr lang="de-DE" sz="1600" b="0" baseline="0" dirty="0" err="1"/>
+              <a:t>better</a:t>
+            </a:r>
+            <a:r>
+              <a:rPr lang="de-DE" sz="1600" b="0" baseline="0" dirty="0"/>
+              <a:t>)</a:t>
+            </a:r>
+            <a:endParaRPr lang="de-DE" sz="1600" b="0" dirty="0"/>
+          </a:p>
+        </c:rich>
+      </c:tx>
+      <c:overlay val="0"/>
+      <c:spPr>
+        <a:noFill/>
+        <a:ln>
+          <a:noFill/>
+        </a:ln>
+        <a:effectLst/>
+      </c:spPr>
+      <c:txPr>
+        <a:bodyPr rot="0" spcFirstLastPara="1" vertOverflow="ellipsis" vert="horz" wrap="square" anchor="ctr" anchorCtr="1"/>
+        <a:lstStyle/>
+        <a:p>
+          <a:pPr>
+            <a:defRPr sz="1800" b="1" i="0" u="none" strike="noStrike" kern="1200" baseline="0">
+              <a:solidFill>
+                <a:schemeClr val="tx1"/>
+              </a:solidFill>
+              <a:latin typeface="+mn-lt"/>
+              <a:ea typeface="+mn-ea"/>
+              <a:cs typeface="+mn-cs"/>
+            </a:defRPr>
+          </a:pPr>
+          <a:endParaRPr lang="en-US"/>
+        </a:p>
+      </c:txPr>
+    </c:title>
+    <c:autoTitleDeleted val="0"/>
+    <c:plotArea>
+      <c:layout/>
+      <c:barChart>
+        <c:barDir val="col"/>
+        <c:grouping val="clustered"/>
+        <c:varyColors val="0"/>
+        <c:ser>
+          <c:idx val="0"/>
+          <c:order val="0"/>
+          <c:tx>
+            <c:strRef>
+              <c:f>Tabelle1!$B$1</c:f>
+              <c:strCache>
+                <c:ptCount val="1"/>
+                <c:pt idx="0">
+                  <c:v>Dense</c:v>
+                </c:pt>
+              </c:strCache>
+            </c:strRef>
+          </c:tx>
+          <c:spPr>
+            <a:solidFill>
+              <a:schemeClr val="accent1"/>
+            </a:solidFill>
+            <a:ln>
+              <a:noFill/>
+            </a:ln>
+            <a:effectLst/>
+          </c:spPr>
+          <c:invertIfNegative val="0"/>
+          <c:cat>
+            <c:strRef>
+              <c:f>Tabelle1!$A$2:$A$8</c:f>
+              <c:strCache>
+                <c:ptCount val="7"/>
+                <c:pt idx="0">
+                  <c:v>ART</c:v>
+                </c:pt>
+                <c:pt idx="1">
+                  <c:v>Trie</c:v>
+                </c:pt>
+                <c:pt idx="2">
+                  <c:v>M-Trie</c:v>
+                </c:pt>
+                <c:pt idx="3">
+                  <c:v>H-Trie</c:v>
+                </c:pt>
+                <c:pt idx="4">
+                  <c:v>Sorted List</c:v>
+                </c:pt>
+                <c:pt idx="5">
+                  <c:v>Hash-Table</c:v>
+                </c:pt>
+                <c:pt idx="6">
+                  <c:v>RB-Tree</c:v>
+                </c:pt>
+              </c:strCache>
+            </c:strRef>
+          </c:cat>
+          <c:val>
+            <c:numRef>
+              <c:f>Tabelle1!$B$2:$B$8</c:f>
+              <c:numCache>
+                <c:formatCode>0.00</c:formatCode>
+                <c:ptCount val="7"/>
+                <c:pt idx="0">
+                  <c:v>0.52500000000000002</c:v>
+                </c:pt>
+                <c:pt idx="1">
+                  <c:v>0.56299999999999994</c:v>
+                </c:pt>
+                <c:pt idx="2">
+                  <c:v>4.0970000000000004</c:v>
+                </c:pt>
+                <c:pt idx="3">
+                  <c:v>4.18</c:v>
+                </c:pt>
+                <c:pt idx="4">
+                  <c:v>0.254</c:v>
+                </c:pt>
+                <c:pt idx="5">
+                  <c:v>4.0720000000000001</c:v>
+                </c:pt>
+                <c:pt idx="6">
+                  <c:v>3.3690000000000002</c:v>
                 </c:pt>
               </c:numCache>
             </c:numRef>
@@ -915,25 +1483,25 @@
                 <c:formatCode>0.00</c:formatCode>
                 <c:ptCount val="7"/>
                 <c:pt idx="0">
-                  <c:v>0.51</c:v>
+                  <c:v>2.1</c:v>
                 </c:pt>
                 <c:pt idx="1">
                   <c:v>0</c:v>
                 </c:pt>
                 <c:pt idx="2">
-                  <c:v>5.0449999999999999</c:v>
+                  <c:v>42.05</c:v>
                 </c:pt>
                 <c:pt idx="3">
-                  <c:v>4.13</c:v>
+                  <c:v>30.274999999999999</c:v>
                 </c:pt>
                 <c:pt idx="4">
-                  <c:v>0.06</c:v>
+                  <c:v>0.254</c:v>
                 </c:pt>
                 <c:pt idx="5">
-                  <c:v>1.45</c:v>
+                  <c:v>5.8479999999999999</c:v>
                 </c:pt>
                 <c:pt idx="6">
-                  <c:v>1.31</c:v>
+                  <c:v>5.33</c:v>
                 </c:pt>
               </c:numCache>
             </c:numRef>
@@ -964,7 +1532,7 @@
         </c:scaling>
         <c:delete val="0"/>
         <c:axPos val="b"/>
-        <c:numFmt formatCode="General" sourceLinked="1"/>
+        <c:numFmt formatCode="0" sourceLinked="0"/>
         <c:majorTickMark val="none"/>
         <c:minorTickMark val="none"/>
         <c:tickLblPos val="nextTo"/>
@@ -977,6 +1545,7 @@
                 <a:lumOff val="85000"/>
               </a:schemeClr>
             </a:solidFill>
+            <a:prstDash val="solid"/>
             <a:round/>
           </a:ln>
           <a:effectLst/>
@@ -1024,6 +1593,7 @@
                   <a:lumOff val="85000"/>
                 </a:schemeClr>
               </a:solidFill>
+              <a:prstDash val="solid"/>
               <a:round/>
             </a:ln>
             <a:effectLst/>
@@ -1032,20 +1602,56 @@
         <c:title>
           <c:tx>
             <c:rich>
-              <a:bodyPr/>
+              <a:bodyPr rot="-5400000" spcFirstLastPara="1" vertOverflow="ellipsis" vert="horz" wrap="square" anchor="ctr" anchorCtr="1"/>
               <a:lstStyle/>
               <a:p>
                 <a:pPr>
-                  <a:defRPr/>
+                  <a:defRPr sz="1000" b="1" i="0" u="none" strike="noStrike" kern="1200" baseline="0">
+                    <a:solidFill>
+                      <a:schemeClr val="tx1"/>
+                    </a:solidFill>
+                    <a:latin typeface="+mn-lt"/>
+                    <a:ea typeface="+mn-ea"/>
+                    <a:cs typeface="+mn-cs"/>
+                  </a:defRPr>
                 </a:pPr>
                 <a:r>
                   <a:rPr lang="de-DE" dirty="0"/>
-                  <a:t>Memory in GB</a:t>
+                  <a:t>Memory</a:t>
                 </a:r>
+                <a:r>
+                  <a:rPr lang="de-DE" baseline="0" dirty="0"/>
+                  <a:t> in MB</a:t>
+                </a:r>
+                <a:endParaRPr lang="de-DE" dirty="0"/>
               </a:p>
             </c:rich>
           </c:tx>
           <c:overlay val="0"/>
+          <c:spPr>
+            <a:noFill/>
+            <a:ln>
+              <a:noFill/>
+            </a:ln>
+            <a:effectLst/>
+          </c:spPr>
+          <c:txPr>
+            <a:bodyPr rot="-5400000" spcFirstLastPara="1" vertOverflow="ellipsis" vert="horz" wrap="square" anchor="ctr" anchorCtr="1"/>
+            <a:lstStyle/>
+            <a:p>
+              <a:pPr>
+                <a:defRPr sz="1000" b="1" i="0" u="none" strike="noStrike" kern="1200" baseline="0">
+                  <a:solidFill>
+                    <a:schemeClr val="tx1"/>
+                  </a:solidFill>
+                  <a:latin typeface="+mn-lt"/>
+                  <a:ea typeface="+mn-ea"/>
+                  <a:cs typeface="+mn-cs"/>
+                </a:defRPr>
+              </a:pPr>
+              <a:endParaRPr lang="en-US"/>
+            </a:p>
+          </c:txPr>
         </c:title>
         <c:numFmt formatCode="0" sourceLinked="0"/>
         <c:majorTickMark val="none"/>
@@ -1053,8 +1659,10 @@
         <c:tickLblPos val="nextTo"/>
         <c:spPr>
           <a:noFill/>
-          <a:ln>
+          <a:ln w="9525" cap="flat" cmpd="sng" algn="ctr">
             <a:noFill/>
+            <a:prstDash val="solid"/>
+            <a:round/>
           </a:ln>
           <a:effectLst/>
         </c:spPr>
@@ -1093,6 +1701,30 @@
     <c:legend>
       <c:legendPos val="b"/>
       <c:overlay val="0"/>
+      <c:spPr>
+        <a:noFill/>
+        <a:ln>
+          <a:noFill/>
+        </a:ln>
+        <a:effectLst/>
+      </c:spPr>
+      <c:txPr>
+        <a:bodyPr rot="0" spcFirstLastPara="1" vertOverflow="ellipsis" vert="horz" wrap="square" anchor="ctr" anchorCtr="1"/>
+        <a:lstStyle/>
+        <a:p>
+          <a:pPr>
+            <a:defRPr sz="1000" b="0" i="0" u="none" strike="noStrike" kern="1200" baseline="0">
+              <a:solidFill>
+                <a:schemeClr val="tx1"/>
+              </a:solidFill>
+              <a:latin typeface="+mn-lt"/>
+              <a:ea typeface="+mn-ea"/>
+              <a:cs typeface="+mn-cs"/>
+            </a:defRPr>
+          </a:pPr>
+          <a:endParaRPr lang="en-US"/>
+        </a:p>
+      </c:txPr>
     </c:legend>
     <c:plotVisOnly val="1"/>
     <c:dispBlanksAs val="gap"/>
@@ -1100,8 +1732,9 @@
   </c:chart>
   <c:spPr>
     <a:noFill/>
-    <a:ln>
+    <a:ln w="9525" cap="flat" cmpd="sng" algn="ctr">
       <a:noFill/>
+      <a:prstDash val="solid"/>
     </a:ln>
     <a:effectLst/>
   </c:spPr>
@@ -1115,13 +1748,13 @@
       <a:endParaRPr lang="en-US"/>
     </a:p>
   </c:txPr>
-  <c:externalData r:id="rId1">
+  <c:externalData r:id="rId3">
     <c:autoUpdate val="0"/>
   </c:externalData>
 </c:chartSpace>
 </file>
 
-<file path=ppt/charts/chart3.xml><?xml version="1.0" encoding="utf-8"?>
+<file path=ppt/charts/chart4.xml><?xml version="1.0" encoding="utf-8"?>
 <c:chartSpace xmlns:c="http://schemas.openxmlformats.org/drawingml/2006/chart" xmlns:a="http://schemas.openxmlformats.org/drawingml/2006/main" xmlns:r="http://schemas.openxmlformats.org/officeDocument/2006/relationships" xmlns:c16r2="http://schemas.microsoft.com/office/drawing/2015/06/chart">
   <c:date1904 val="0"/>
   <c:lang val="en-US"/>
@@ -1659,7 +2292,7 @@
 </c:chartSpace>
 </file>
 
-<file path=ppt/charts/chart4.xml><?xml version="1.0" encoding="utf-8"?>
+<file path=ppt/charts/chart5.xml><?xml version="1.0" encoding="utf-8"?>
 <c:chartSpace xmlns:c="http://schemas.openxmlformats.org/drawingml/2006/chart" xmlns:a="http://schemas.openxmlformats.org/drawingml/2006/main" xmlns:r="http://schemas.openxmlformats.org/officeDocument/2006/relationships" xmlns:c16r2="http://schemas.microsoft.com/office/drawing/2015/06/chart">
   <c:date1904 val="0"/>
   <c:lang val="en-US"/>
@@ -2209,7 +2842,7 @@
 </c:chartSpace>
 </file>
 
-<file path=ppt/charts/chart5.xml><?xml version="1.0" encoding="utf-8"?>
+<file path=ppt/charts/chart6.xml><?xml version="1.0" encoding="utf-8"?>
 <c:chartSpace xmlns:c="http://schemas.openxmlformats.org/drawingml/2006/chart" xmlns:a="http://schemas.openxmlformats.org/drawingml/2006/main" xmlns:r="http://schemas.openxmlformats.org/officeDocument/2006/relationships" xmlns:c16r2="http://schemas.microsoft.com/office/drawing/2015/06/chart">
   <c:date1904 val="0"/>
   <c:lang val="en-US"/>
@@ -2747,7 +3380,7 @@
 </c:chartSpace>
 </file>
 
-<file path=ppt/charts/chart6.xml><?xml version="1.0" encoding="utf-8"?>
+<file path=ppt/charts/chart7.xml><?xml version="1.0" encoding="utf-8"?>
 <c:chartSpace xmlns:c="http://schemas.openxmlformats.org/drawingml/2006/chart" xmlns:a="http://schemas.openxmlformats.org/drawingml/2006/main" xmlns:r="http://schemas.openxmlformats.org/officeDocument/2006/relationships" xmlns:c16r2="http://schemas.microsoft.com/office/drawing/2015/06/chart">
   <c:date1904 val="0"/>
   <c:lang val="en-US"/>
@@ -3458,6 +4091,86 @@
 </file>
 
 <file path=ppt/charts/colors5.xml><?xml version="1.0" encoding="utf-8"?>
+<cs:colorStyle xmlns:cs="http://schemas.microsoft.com/office/drawing/2012/chartStyle" xmlns:a="http://schemas.openxmlformats.org/drawingml/2006/main" meth="cycle" id="10">
+  <a:schemeClr val="accent1"/>
+  <a:schemeClr val="accent2"/>
+  <a:schemeClr val="accent3"/>
+  <a:schemeClr val="accent4"/>
+  <a:schemeClr val="accent5"/>
+  <a:schemeClr val="accent6"/>
+  <cs:variation/>
+  <cs:variation>
+    <a:lumMod val="60000"/>
+  </cs:variation>
+  <cs:variation>
+    <a:lumMod val="80000"/>
+    <a:lumOff val="20000"/>
+  </cs:variation>
+  <cs:variation>
+    <a:lumMod val="80000"/>
+  </cs:variation>
+  <cs:variation>
+    <a:lumMod val="60000"/>
+    <a:lumOff val="40000"/>
+  </cs:variation>
+  <cs:variation>
+    <a:lumMod val="50000"/>
+  </cs:variation>
+  <cs:variation>
+    <a:lumMod val="70000"/>
+    <a:lumOff val="30000"/>
+  </cs:variation>
+  <cs:variation>
+    <a:lumMod val="70000"/>
+  </cs:variation>
+  <cs:variation>
+    <a:lumMod val="50000"/>
+    <a:lumOff val="50000"/>
+  </cs:variation>
+</cs:colorStyle>
+</file>
+
+<file path=ppt/charts/colors6.xml><?xml version="1.0" encoding="utf-8"?>
+<cs:colorStyle xmlns:cs="http://schemas.microsoft.com/office/drawing/2012/chartStyle" xmlns:a="http://schemas.openxmlformats.org/drawingml/2006/main" meth="cycle" id="10">
+  <a:schemeClr val="accent1"/>
+  <a:schemeClr val="accent2"/>
+  <a:schemeClr val="accent3"/>
+  <a:schemeClr val="accent4"/>
+  <a:schemeClr val="accent5"/>
+  <a:schemeClr val="accent6"/>
+  <cs:variation/>
+  <cs:variation>
+    <a:lumMod val="60000"/>
+  </cs:variation>
+  <cs:variation>
+    <a:lumMod val="80000"/>
+    <a:lumOff val="20000"/>
+  </cs:variation>
+  <cs:variation>
+    <a:lumMod val="80000"/>
+  </cs:variation>
+  <cs:variation>
+    <a:lumMod val="60000"/>
+    <a:lumOff val="40000"/>
+  </cs:variation>
+  <cs:variation>
+    <a:lumMod val="50000"/>
+  </cs:variation>
+  <cs:variation>
+    <a:lumMod val="70000"/>
+    <a:lumOff val="30000"/>
+  </cs:variation>
+  <cs:variation>
+    <a:lumMod val="70000"/>
+  </cs:variation>
+  <cs:variation>
+    <a:lumMod val="50000"/>
+    <a:lumOff val="50000"/>
+  </cs:variation>
+</cs:colorStyle>
+</file>
+
+<file path=ppt/charts/colors7.xml><?xml version="1.0" encoding="utf-8"?>
 <cs:colorStyle xmlns:cs="http://schemas.microsoft.com/office/drawing/2012/chartStyle" xmlns:a="http://schemas.openxmlformats.org/drawingml/2006/main" meth="cycle" id="10">
   <a:schemeClr val="accent1"/>
   <a:schemeClr val="accent2"/>
@@ -5776,6 +6489,886 @@
 </cs:chartStyle>
 </file>
 
+<file path=ppt/charts/style6.xml><?xml version="1.0" encoding="utf-8"?>
+<cs:chartStyle xmlns:cs="http://schemas.microsoft.com/office/drawing/2012/chartStyle" xmlns:a="http://schemas.openxmlformats.org/drawingml/2006/main" id="102">
+  <cs:axisTitle>
+    <cs:lnRef idx="0"/>
+    <cs:fillRef idx="0"/>
+    <cs:effectRef idx="0"/>
+    <cs:fontRef idx="minor">
+      <a:schemeClr val="tx1"/>
+    </cs:fontRef>
+    <cs:defRPr sz="1000" b="1" kern="1200"/>
+  </cs:axisTitle>
+  <cs:categoryAxis>
+    <cs:lnRef idx="1">
+      <a:schemeClr val="tx1">
+        <a:tint val="75000"/>
+      </a:schemeClr>
+    </cs:lnRef>
+    <cs:fillRef idx="0"/>
+    <cs:effectRef idx="0"/>
+    <cs:fontRef idx="minor">
+      <a:schemeClr val="tx1"/>
+    </cs:fontRef>
+    <cs:spPr>
+      <a:ln>
+        <a:round/>
+      </a:ln>
+    </cs:spPr>
+    <cs:defRPr sz="1000" kern="1200"/>
+  </cs:categoryAxis>
+  <cs:chartArea mods="allowNoFillOverride allowNoLineOverride">
+    <cs:lnRef idx="1">
+      <a:schemeClr val="tx1">
+        <a:tint val="75000"/>
+      </a:schemeClr>
+    </cs:lnRef>
+    <cs:fillRef idx="1">
+      <a:schemeClr val="bg1"/>
+    </cs:fillRef>
+    <cs:effectRef idx="0"/>
+    <cs:fontRef idx="minor">
+      <a:schemeClr val="tx1"/>
+    </cs:fontRef>
+    <cs:spPr>
+      <a:ln>
+        <a:round/>
+      </a:ln>
+    </cs:spPr>
+    <cs:defRPr sz="1000" kern="1200"/>
+  </cs:chartArea>
+  <cs:dataLabel>
+    <cs:lnRef idx="0"/>
+    <cs:fillRef idx="0"/>
+    <cs:effectRef idx="0"/>
+    <cs:fontRef idx="minor">
+      <a:schemeClr val="tx1"/>
+    </cs:fontRef>
+    <cs:defRPr sz="1000" kern="1200"/>
+  </cs:dataLabel>
+  <cs:dataLabelCallout>
+    <cs:lnRef idx="0"/>
+    <cs:fillRef idx="0"/>
+    <cs:effectRef idx="0"/>
+    <cs:fontRef idx="minor">
+      <a:schemeClr val="dk1"/>
+    </cs:fontRef>
+    <cs:spPr>
+      <a:solidFill>
+        <a:schemeClr val="lt1"/>
+      </a:solidFill>
+      <a:ln>
+        <a:solidFill>
+          <a:schemeClr val="dk1">
+            <a:lumMod val="65000"/>
+            <a:lumOff val="35000"/>
+          </a:schemeClr>
+        </a:solidFill>
+      </a:ln>
+    </cs:spPr>
+    <cs:defRPr sz="1000" kern="1200"/>
+  </cs:dataLabelCallout>
+  <cs:dataPoint>
+    <cs:lnRef idx="0"/>
+    <cs:fillRef idx="1">
+      <cs:styleClr val="auto"/>
+    </cs:fillRef>
+    <cs:effectRef idx="0"/>
+    <cs:fontRef idx="minor">
+      <a:schemeClr val="tx1"/>
+    </cs:fontRef>
+  </cs:dataPoint>
+  <cs:dataPoint3D>
+    <cs:lnRef idx="0"/>
+    <cs:fillRef idx="1">
+      <cs:styleClr val="auto"/>
+    </cs:fillRef>
+    <cs:effectRef idx="0"/>
+    <cs:fontRef idx="minor">
+      <a:schemeClr val="tx1"/>
+    </cs:fontRef>
+  </cs:dataPoint3D>
+  <cs:dataPointLine>
+    <cs:lnRef idx="1">
+      <cs:styleClr val="auto"/>
+    </cs:lnRef>
+    <cs:lineWidthScale>3</cs:lineWidthScale>
+    <cs:fillRef idx="0"/>
+    <cs:effectRef idx="0"/>
+    <cs:fontRef idx="minor">
+      <a:schemeClr val="tx1"/>
+    </cs:fontRef>
+    <cs:spPr>
+      <a:ln cap="rnd">
+        <a:round/>
+      </a:ln>
+    </cs:spPr>
+  </cs:dataPointLine>
+  <cs:dataPointMarker>
+    <cs:lnRef idx="1">
+      <cs:styleClr val="auto"/>
+    </cs:lnRef>
+    <cs:fillRef idx="1">
+      <cs:styleClr val="auto"/>
+    </cs:fillRef>
+    <cs:effectRef idx="0"/>
+    <cs:fontRef idx="minor">
+      <a:schemeClr val="tx1"/>
+    </cs:fontRef>
+    <cs:spPr>
+      <a:ln>
+        <a:round/>
+      </a:ln>
+    </cs:spPr>
+  </cs:dataPointMarker>
+  <cs:dataPointMarkerLayout/>
+  <cs:dataPointWireframe>
+    <cs:lnRef idx="1">
+      <cs:styleClr val="auto"/>
+    </cs:lnRef>
+    <cs:fillRef idx="0"/>
+    <cs:effectRef idx="0"/>
+    <cs:fontRef idx="minor">
+      <a:schemeClr val="tx1"/>
+    </cs:fontRef>
+    <cs:spPr>
+      <a:ln>
+        <a:round/>
+      </a:ln>
+    </cs:spPr>
+  </cs:dataPointWireframe>
+  <cs:dataTable>
+    <cs:lnRef idx="1">
+      <a:schemeClr val="tx1">
+        <a:tint val="75000"/>
+      </a:schemeClr>
+    </cs:lnRef>
+    <cs:fillRef idx="0"/>
+    <cs:effectRef idx="0"/>
+    <cs:fontRef idx="minor">
+      <a:schemeClr val="tx1"/>
+    </cs:fontRef>
+    <cs:spPr>
+      <a:ln>
+        <a:round/>
+      </a:ln>
+    </cs:spPr>
+    <cs:defRPr sz="1000" kern="1200"/>
+  </cs:dataTable>
+  <cs:downBar>
+    <cs:lnRef idx="1">
+      <a:schemeClr val="tx1"/>
+    </cs:lnRef>
+    <cs:fillRef idx="1">
+      <a:schemeClr val="dk1">
+        <a:tint val="95000"/>
+      </a:schemeClr>
+    </cs:fillRef>
+    <cs:effectRef idx="0"/>
+    <cs:fontRef idx="minor">
+      <a:schemeClr val="tx1"/>
+    </cs:fontRef>
+    <cs:spPr>
+      <a:ln>
+        <a:round/>
+      </a:ln>
+    </cs:spPr>
+  </cs:downBar>
+  <cs:dropLine>
+    <cs:lnRef idx="1">
+      <a:schemeClr val="tx1"/>
+    </cs:lnRef>
+    <cs:fillRef idx="0"/>
+    <cs:effectRef idx="0"/>
+    <cs:fontRef idx="minor">
+      <a:schemeClr val="tx1"/>
+    </cs:fontRef>
+    <cs:spPr>
+      <a:ln>
+        <a:round/>
+      </a:ln>
+    </cs:spPr>
+  </cs:dropLine>
+  <cs:errorBar>
+    <cs:lnRef idx="1">
+      <a:schemeClr val="tx1"/>
+    </cs:lnRef>
+    <cs:fillRef idx="1">
+      <a:schemeClr val="tx1"/>
+    </cs:fillRef>
+    <cs:effectRef idx="0"/>
+    <cs:fontRef idx="minor">
+      <a:schemeClr val="tx1"/>
+    </cs:fontRef>
+    <cs:spPr>
+      <a:ln>
+        <a:round/>
+      </a:ln>
+    </cs:spPr>
+  </cs:errorBar>
+  <cs:floor>
+    <cs:lnRef idx="1">
+      <a:schemeClr val="tx1">
+        <a:tint val="75000"/>
+      </a:schemeClr>
+    </cs:lnRef>
+    <cs:fillRef idx="0"/>
+    <cs:effectRef idx="0"/>
+    <cs:fontRef idx="minor">
+      <a:schemeClr val="tx1"/>
+    </cs:fontRef>
+    <cs:spPr>
+      <a:ln>
+        <a:round/>
+      </a:ln>
+    </cs:spPr>
+  </cs:floor>
+  <cs:gridlineMajor>
+    <cs:lnRef idx="1">
+      <a:schemeClr val="tx1">
+        <a:tint val="75000"/>
+      </a:schemeClr>
+    </cs:lnRef>
+    <cs:fillRef idx="0"/>
+    <cs:effectRef idx="0"/>
+    <cs:fontRef idx="minor">
+      <a:schemeClr val="tx1"/>
+    </cs:fontRef>
+    <cs:spPr>
+      <a:ln>
+        <a:round/>
+      </a:ln>
+    </cs:spPr>
+  </cs:gridlineMajor>
+  <cs:gridlineMinor>
+    <cs:lnRef idx="1">
+      <a:schemeClr val="tx1">
+        <a:tint val="50000"/>
+      </a:schemeClr>
+    </cs:lnRef>
+    <cs:fillRef idx="0"/>
+    <cs:effectRef idx="0"/>
+    <cs:fontRef idx="minor">
+      <a:schemeClr val="tx1"/>
+    </cs:fontRef>
+    <cs:spPr>
+      <a:ln>
+        <a:round/>
+      </a:ln>
+    </cs:spPr>
+  </cs:gridlineMinor>
+  <cs:hiLoLine>
+    <cs:lnRef idx="1">
+      <a:schemeClr val="tx1"/>
+    </cs:lnRef>
+    <cs:fillRef idx="0"/>
+    <cs:effectRef idx="0"/>
+    <cs:fontRef idx="minor">
+      <a:schemeClr val="tx1"/>
+    </cs:fontRef>
+    <cs:spPr>
+      <a:ln>
+        <a:round/>
+      </a:ln>
+    </cs:spPr>
+  </cs:hiLoLine>
+  <cs:leaderLine>
+    <cs:lnRef idx="1">
+      <a:schemeClr val="tx1"/>
+    </cs:lnRef>
+    <cs:fillRef idx="0"/>
+    <cs:effectRef idx="0"/>
+    <cs:fontRef idx="minor">
+      <a:schemeClr val="tx1"/>
+    </cs:fontRef>
+    <cs:spPr>
+      <a:ln>
+        <a:round/>
+      </a:ln>
+    </cs:spPr>
+  </cs:leaderLine>
+  <cs:legend>
+    <cs:lnRef idx="0"/>
+    <cs:fillRef idx="0"/>
+    <cs:effectRef idx="0"/>
+    <cs:fontRef idx="minor">
+      <a:schemeClr val="tx1"/>
+    </cs:fontRef>
+    <cs:defRPr sz="1000" kern="1200"/>
+  </cs:legend>
+  <cs:plotArea mods="allowNoFillOverride allowNoLineOverride">
+    <cs:lnRef idx="0"/>
+    <cs:fillRef idx="1">
+      <a:schemeClr val="bg1"/>
+    </cs:fillRef>
+    <cs:effectRef idx="0"/>
+    <cs:fontRef idx="minor">
+      <a:schemeClr val="tx1"/>
+    </cs:fontRef>
+  </cs:plotArea>
+  <cs:plotArea3D>
+    <cs:lnRef idx="0"/>
+    <cs:fillRef idx="0"/>
+    <cs:effectRef idx="0"/>
+    <cs:fontRef idx="minor">
+      <a:schemeClr val="tx1"/>
+    </cs:fontRef>
+  </cs:plotArea3D>
+  <cs:seriesAxis>
+    <cs:lnRef idx="1">
+      <a:schemeClr val="tx1">
+        <a:tint val="75000"/>
+      </a:schemeClr>
+    </cs:lnRef>
+    <cs:fillRef idx="0"/>
+    <cs:effectRef idx="0"/>
+    <cs:fontRef idx="minor">
+      <a:schemeClr val="tx1"/>
+    </cs:fontRef>
+    <cs:spPr>
+      <a:ln>
+        <a:round/>
+      </a:ln>
+    </cs:spPr>
+    <cs:defRPr sz="1000" kern="1200"/>
+  </cs:seriesAxis>
+  <cs:seriesLine>
+    <cs:lnRef idx="1">
+      <a:schemeClr val="tx1"/>
+    </cs:lnRef>
+    <cs:fillRef idx="0"/>
+    <cs:effectRef idx="0"/>
+    <cs:fontRef idx="minor">
+      <a:schemeClr val="tx1"/>
+    </cs:fontRef>
+    <cs:spPr>
+      <a:ln>
+        <a:round/>
+      </a:ln>
+    </cs:spPr>
+  </cs:seriesLine>
+  <cs:title>
+    <cs:lnRef idx="0"/>
+    <cs:fillRef idx="0"/>
+    <cs:effectRef idx="0"/>
+    <cs:fontRef idx="minor">
+      <a:schemeClr val="tx1"/>
+    </cs:fontRef>
+    <cs:defRPr sz="1800" b="1" kern="1200"/>
+  </cs:title>
+  <cs:trendline>
+    <cs:lnRef idx="1">
+      <a:schemeClr val="tx1"/>
+    </cs:lnRef>
+    <cs:fillRef idx="0"/>
+    <cs:effectRef idx="0"/>
+    <cs:fontRef idx="minor">
+      <a:schemeClr val="tx1"/>
+    </cs:fontRef>
+    <cs:spPr>
+      <a:ln cap="rnd">
+        <a:round/>
+      </a:ln>
+    </cs:spPr>
+  </cs:trendline>
+  <cs:trendlineLabel>
+    <cs:lnRef idx="0"/>
+    <cs:fillRef idx="0"/>
+    <cs:effectRef idx="0"/>
+    <cs:fontRef idx="minor">
+      <a:schemeClr val="tx1"/>
+    </cs:fontRef>
+    <cs:defRPr sz="1000" kern="1200"/>
+  </cs:trendlineLabel>
+  <cs:upBar>
+    <cs:lnRef idx="1">
+      <a:schemeClr val="tx1"/>
+    </cs:lnRef>
+    <cs:fillRef idx="1">
+      <a:schemeClr val="dk1">
+        <a:tint val="5000"/>
+      </a:schemeClr>
+    </cs:fillRef>
+    <cs:effectRef idx="0"/>
+    <cs:fontRef idx="minor">
+      <a:schemeClr val="tx1"/>
+    </cs:fontRef>
+    <cs:spPr>
+      <a:ln>
+        <a:round/>
+      </a:ln>
+    </cs:spPr>
+  </cs:upBar>
+  <cs:valueAxis>
+    <cs:lnRef idx="1">
+      <a:schemeClr val="tx1">
+        <a:tint val="75000"/>
+      </a:schemeClr>
+    </cs:lnRef>
+    <cs:fillRef idx="0"/>
+    <cs:effectRef idx="0"/>
+    <cs:fontRef idx="minor">
+      <a:schemeClr val="tx1"/>
+    </cs:fontRef>
+    <cs:spPr>
+      <a:ln>
+        <a:round/>
+      </a:ln>
+    </cs:spPr>
+    <cs:defRPr sz="1000" kern="1200"/>
+  </cs:valueAxis>
+  <cs:wall>
+    <cs:lnRef idx="0"/>
+    <cs:fillRef idx="0"/>
+    <cs:effectRef idx="0"/>
+    <cs:fontRef idx="minor">
+      <a:schemeClr val="tx1"/>
+    </cs:fontRef>
+  </cs:wall>
+</cs:chartStyle>
+</file>
+
+<file path=ppt/charts/style7.xml><?xml version="1.0" encoding="utf-8"?>
+<cs:chartStyle xmlns:cs="http://schemas.microsoft.com/office/drawing/2012/chartStyle" xmlns:a="http://schemas.openxmlformats.org/drawingml/2006/main" id="102">
+  <cs:axisTitle>
+    <cs:lnRef idx="0"/>
+    <cs:fillRef idx="0"/>
+    <cs:effectRef idx="0"/>
+    <cs:fontRef idx="minor">
+      <a:schemeClr val="tx1"/>
+    </cs:fontRef>
+    <cs:defRPr sz="1000" b="1" kern="1200"/>
+  </cs:axisTitle>
+  <cs:categoryAxis>
+    <cs:lnRef idx="1">
+      <a:schemeClr val="tx1">
+        <a:tint val="75000"/>
+      </a:schemeClr>
+    </cs:lnRef>
+    <cs:fillRef idx="0"/>
+    <cs:effectRef idx="0"/>
+    <cs:fontRef idx="minor">
+      <a:schemeClr val="tx1"/>
+    </cs:fontRef>
+    <cs:spPr>
+      <a:ln>
+        <a:round/>
+      </a:ln>
+    </cs:spPr>
+    <cs:defRPr sz="1000" kern="1200"/>
+  </cs:categoryAxis>
+  <cs:chartArea mods="allowNoFillOverride allowNoLineOverride">
+    <cs:lnRef idx="1">
+      <a:schemeClr val="tx1">
+        <a:tint val="75000"/>
+      </a:schemeClr>
+    </cs:lnRef>
+    <cs:fillRef idx="1">
+      <a:schemeClr val="bg1"/>
+    </cs:fillRef>
+    <cs:effectRef idx="0"/>
+    <cs:fontRef idx="minor">
+      <a:schemeClr val="tx1"/>
+    </cs:fontRef>
+    <cs:spPr>
+      <a:ln>
+        <a:round/>
+      </a:ln>
+    </cs:spPr>
+    <cs:defRPr sz="1000" kern="1200"/>
+  </cs:chartArea>
+  <cs:dataLabel>
+    <cs:lnRef idx="0"/>
+    <cs:fillRef idx="0"/>
+    <cs:effectRef idx="0"/>
+    <cs:fontRef idx="minor">
+      <a:schemeClr val="tx1"/>
+    </cs:fontRef>
+    <cs:defRPr sz="1000" kern="1200"/>
+  </cs:dataLabel>
+  <cs:dataLabelCallout>
+    <cs:lnRef idx="0"/>
+    <cs:fillRef idx="0"/>
+    <cs:effectRef idx="0"/>
+    <cs:fontRef idx="minor">
+      <a:schemeClr val="dk1"/>
+    </cs:fontRef>
+    <cs:spPr>
+      <a:solidFill>
+        <a:schemeClr val="lt1"/>
+      </a:solidFill>
+      <a:ln>
+        <a:solidFill>
+          <a:schemeClr val="dk1">
+            <a:lumMod val="65000"/>
+            <a:lumOff val="35000"/>
+          </a:schemeClr>
+        </a:solidFill>
+      </a:ln>
+    </cs:spPr>
+    <cs:defRPr sz="1000" kern="1200"/>
+  </cs:dataLabelCallout>
+  <cs:dataPoint>
+    <cs:lnRef idx="0"/>
+    <cs:fillRef idx="1">
+      <cs:styleClr val="auto"/>
+    </cs:fillRef>
+    <cs:effectRef idx="0"/>
+    <cs:fontRef idx="minor">
+      <a:schemeClr val="tx1"/>
+    </cs:fontRef>
+  </cs:dataPoint>
+  <cs:dataPoint3D>
+    <cs:lnRef idx="0"/>
+    <cs:fillRef idx="1">
+      <cs:styleClr val="auto"/>
+    </cs:fillRef>
+    <cs:effectRef idx="0"/>
+    <cs:fontRef idx="minor">
+      <a:schemeClr val="tx1"/>
+    </cs:fontRef>
+  </cs:dataPoint3D>
+  <cs:dataPointLine>
+    <cs:lnRef idx="1">
+      <cs:styleClr val="auto"/>
+    </cs:lnRef>
+    <cs:lineWidthScale>3</cs:lineWidthScale>
+    <cs:fillRef idx="0"/>
+    <cs:effectRef idx="0"/>
+    <cs:fontRef idx="minor">
+      <a:schemeClr val="tx1"/>
+    </cs:fontRef>
+    <cs:spPr>
+      <a:ln cap="rnd">
+        <a:round/>
+      </a:ln>
+    </cs:spPr>
+  </cs:dataPointLine>
+  <cs:dataPointMarker>
+    <cs:lnRef idx="1">
+      <cs:styleClr val="auto"/>
+    </cs:lnRef>
+    <cs:fillRef idx="1">
+      <cs:styleClr val="auto"/>
+    </cs:fillRef>
+    <cs:effectRef idx="0"/>
+    <cs:fontRef idx="minor">
+      <a:schemeClr val="tx1"/>
+    </cs:fontRef>
+    <cs:spPr>
+      <a:ln>
+        <a:round/>
+      </a:ln>
+    </cs:spPr>
+  </cs:dataPointMarker>
+  <cs:dataPointMarkerLayout/>
+  <cs:dataPointWireframe>
+    <cs:lnRef idx="1">
+      <cs:styleClr val="auto"/>
+    </cs:lnRef>
+    <cs:fillRef idx="0"/>
+    <cs:effectRef idx="0"/>
+    <cs:fontRef idx="minor">
+      <a:schemeClr val="tx1"/>
+    </cs:fontRef>
+    <cs:spPr>
+      <a:ln>
+        <a:round/>
+      </a:ln>
+    </cs:spPr>
+  </cs:dataPointWireframe>
+  <cs:dataTable>
+    <cs:lnRef idx="1">
+      <a:schemeClr val="tx1">
+        <a:tint val="75000"/>
+      </a:schemeClr>
+    </cs:lnRef>
+    <cs:fillRef idx="0"/>
+    <cs:effectRef idx="0"/>
+    <cs:fontRef idx="minor">
+      <a:schemeClr val="tx1"/>
+    </cs:fontRef>
+    <cs:spPr>
+      <a:ln>
+        <a:round/>
+      </a:ln>
+    </cs:spPr>
+    <cs:defRPr sz="1000" kern="1200"/>
+  </cs:dataTable>
+  <cs:downBar>
+    <cs:lnRef idx="1">
+      <a:schemeClr val="tx1"/>
+    </cs:lnRef>
+    <cs:fillRef idx="1">
+      <a:schemeClr val="dk1">
+        <a:tint val="95000"/>
+      </a:schemeClr>
+    </cs:fillRef>
+    <cs:effectRef idx="0"/>
+    <cs:fontRef idx="minor">
+      <a:schemeClr val="tx1"/>
+    </cs:fontRef>
+    <cs:spPr>
+      <a:ln>
+        <a:round/>
+      </a:ln>
+    </cs:spPr>
+  </cs:downBar>
+  <cs:dropLine>
+    <cs:lnRef idx="1">
+      <a:schemeClr val="tx1"/>
+    </cs:lnRef>
+    <cs:fillRef idx="0"/>
+    <cs:effectRef idx="0"/>
+    <cs:fontRef idx="minor">
+      <a:schemeClr val="tx1"/>
+    </cs:fontRef>
+    <cs:spPr>
+      <a:ln>
+        <a:round/>
+      </a:ln>
+    </cs:spPr>
+  </cs:dropLine>
+  <cs:errorBar>
+    <cs:lnRef idx="1">
+      <a:schemeClr val="tx1"/>
+    </cs:lnRef>
+    <cs:fillRef idx="1">
+      <a:schemeClr val="tx1"/>
+    </cs:fillRef>
+    <cs:effectRef idx="0"/>
+    <cs:fontRef idx="minor">
+      <a:schemeClr val="tx1"/>
+    </cs:fontRef>
+    <cs:spPr>
+      <a:ln>
+        <a:round/>
+      </a:ln>
+    </cs:spPr>
+  </cs:errorBar>
+  <cs:floor>
+    <cs:lnRef idx="1">
+      <a:schemeClr val="tx1">
+        <a:tint val="75000"/>
+      </a:schemeClr>
+    </cs:lnRef>
+    <cs:fillRef idx="0"/>
+    <cs:effectRef idx="0"/>
+    <cs:fontRef idx="minor">
+      <a:schemeClr val="tx1"/>
+    </cs:fontRef>
+    <cs:spPr>
+      <a:ln>
+        <a:round/>
+      </a:ln>
+    </cs:spPr>
+  </cs:floor>
+  <cs:gridlineMajor>
+    <cs:lnRef idx="1">
+      <a:schemeClr val="tx1">
+        <a:tint val="75000"/>
+      </a:schemeClr>
+    </cs:lnRef>
+    <cs:fillRef idx="0"/>
+    <cs:effectRef idx="0"/>
+    <cs:fontRef idx="minor">
+      <a:schemeClr val="tx1"/>
+    </cs:fontRef>
+    <cs:spPr>
+      <a:ln>
+        <a:round/>
+      </a:ln>
+    </cs:spPr>
+  </cs:gridlineMajor>
+  <cs:gridlineMinor>
+    <cs:lnRef idx="1">
+      <a:schemeClr val="tx1">
+        <a:tint val="50000"/>
+      </a:schemeClr>
+    </cs:lnRef>
+    <cs:fillRef idx="0"/>
+    <cs:effectRef idx="0"/>
+    <cs:fontRef idx="minor">
+      <a:schemeClr val="tx1"/>
+    </cs:fontRef>
+    <cs:spPr>
+      <a:ln>
+        <a:round/>
+      </a:ln>
+    </cs:spPr>
+  </cs:gridlineMinor>
+  <cs:hiLoLine>
+    <cs:lnRef idx="1">
+      <a:schemeClr val="tx1"/>
+    </cs:lnRef>
+    <cs:fillRef idx="0"/>
+    <cs:effectRef idx="0"/>
+    <cs:fontRef idx="minor">
+      <a:schemeClr val="tx1"/>
+    </cs:fontRef>
+    <cs:spPr>
+      <a:ln>
+        <a:round/>
+      </a:ln>
+    </cs:spPr>
+  </cs:hiLoLine>
+  <cs:leaderLine>
+    <cs:lnRef idx="1">
+      <a:schemeClr val="tx1"/>
+    </cs:lnRef>
+    <cs:fillRef idx="0"/>
+    <cs:effectRef idx="0"/>
+    <cs:fontRef idx="minor">
+      <a:schemeClr val="tx1"/>
+    </cs:fontRef>
+    <cs:spPr>
+      <a:ln>
+        <a:round/>
+      </a:ln>
+    </cs:spPr>
+  </cs:leaderLine>
+  <cs:legend>
+    <cs:lnRef idx="0"/>
+    <cs:fillRef idx="0"/>
+    <cs:effectRef idx="0"/>
+    <cs:fontRef idx="minor">
+      <a:schemeClr val="tx1"/>
+    </cs:fontRef>
+    <cs:defRPr sz="1000" kern="1200"/>
+  </cs:legend>
+  <cs:plotArea mods="allowNoFillOverride allowNoLineOverride">
+    <cs:lnRef idx="0"/>
+    <cs:fillRef idx="1">
+      <a:schemeClr val="bg1"/>
+    </cs:fillRef>
+    <cs:effectRef idx="0"/>
+    <cs:fontRef idx="minor">
+      <a:schemeClr val="tx1"/>
+    </cs:fontRef>
+  </cs:plotArea>
+  <cs:plotArea3D>
+    <cs:lnRef idx="0"/>
+    <cs:fillRef idx="0"/>
+    <cs:effectRef idx="0"/>
+    <cs:fontRef idx="minor">
+      <a:schemeClr val="tx1"/>
+    </cs:fontRef>
+  </cs:plotArea3D>
+  <cs:seriesAxis>
+    <cs:lnRef idx="1">
+      <a:schemeClr val="tx1">
+        <a:tint val="75000"/>
+      </a:schemeClr>
+    </cs:lnRef>
+    <cs:fillRef idx="0"/>
+    <cs:effectRef idx="0"/>
+    <cs:fontRef idx="minor">
+      <a:schemeClr val="tx1"/>
+    </cs:fontRef>
+    <cs:spPr>
+      <a:ln>
+        <a:round/>
+      </a:ln>
+    </cs:spPr>
+    <cs:defRPr sz="1000" kern="1200"/>
+  </cs:seriesAxis>
+  <cs:seriesLine>
+    <cs:lnRef idx="1">
+      <a:schemeClr val="tx1"/>
+    </cs:lnRef>
+    <cs:fillRef idx="0"/>
+    <cs:effectRef idx="0"/>
+    <cs:fontRef idx="minor">
+      <a:schemeClr val="tx1"/>
+    </cs:fontRef>
+    <cs:spPr>
+      <a:ln>
+        <a:round/>
+      </a:ln>
+    </cs:spPr>
+  </cs:seriesLine>
+  <cs:title>
+    <cs:lnRef idx="0"/>
+    <cs:fillRef idx="0"/>
+    <cs:effectRef idx="0"/>
+    <cs:fontRef idx="minor">
+      <a:schemeClr val="tx1"/>
+    </cs:fontRef>
+    <cs:defRPr sz="1800" b="1" kern="1200"/>
+  </cs:title>
+  <cs:trendline>
+    <cs:lnRef idx="1">
+      <a:schemeClr val="tx1"/>
+    </cs:lnRef>
+    <cs:fillRef idx="0"/>
+    <cs:effectRef idx="0"/>
+    <cs:fontRef idx="minor">
+      <a:schemeClr val="tx1"/>
+    </cs:fontRef>
+    <cs:spPr>
+      <a:ln cap="rnd">
+        <a:round/>
+      </a:ln>
+    </cs:spPr>
+  </cs:trendline>
+  <cs:trendlineLabel>
+    <cs:lnRef idx="0"/>
+    <cs:fillRef idx="0"/>
+    <cs:effectRef idx="0"/>
+    <cs:fontRef idx="minor">
+      <a:schemeClr val="tx1"/>
+    </cs:fontRef>
+    <cs:defRPr sz="1000" kern="1200"/>
+  </cs:trendlineLabel>
+  <cs:upBar>
+    <cs:lnRef idx="1">
+      <a:schemeClr val="tx1"/>
+    </cs:lnRef>
+    <cs:fillRef idx="1">
+      <a:schemeClr val="dk1">
+        <a:tint val="5000"/>
+      </a:schemeClr>
+    </cs:fillRef>
+    <cs:effectRef idx="0"/>
+    <cs:fontRef idx="minor">
+      <a:schemeClr val="tx1"/>
+    </cs:fontRef>
+    <cs:spPr>
+      <a:ln>
+        <a:round/>
+      </a:ln>
+    </cs:spPr>
+  </cs:upBar>
+  <cs:valueAxis>
+    <cs:lnRef idx="1">
+      <a:schemeClr val="tx1">
+        <a:tint val="75000"/>
+      </a:schemeClr>
+    </cs:lnRef>
+    <cs:fillRef idx="0"/>
+    <cs:effectRef idx="0"/>
+    <cs:fontRef idx="minor">
+      <a:schemeClr val="tx1"/>
+    </cs:fontRef>
+    <cs:spPr>
+      <a:ln>
+        <a:round/>
+      </a:ln>
+    </cs:spPr>
+    <cs:defRPr sz="1000" kern="1200"/>
+  </cs:valueAxis>
+  <cs:wall>
+    <cs:lnRef idx="0"/>
+    <cs:fillRef idx="0"/>
+    <cs:effectRef idx="0"/>
+    <cs:fontRef idx="minor">
+      <a:schemeClr val="tx1"/>
+    </cs:fontRef>
+  </cs:wall>
+</cs:chartStyle>
+</file>
+
 <file path=ppt/handoutMasters/handoutMaster1.xml><?xml version="1.0" encoding="utf-8"?>
 <p:handoutMaster xmlns:a="http://schemas.openxmlformats.org/drawingml/2006/main" xmlns:r="http://schemas.openxmlformats.org/officeDocument/2006/relationships" xmlns:p="http://schemas.openxmlformats.org/presentationml/2006/main">
   <p:cSld>
@@ -8160,16 +9753,18 @@
         </p:nvSpPr>
         <p:spPr/>
         <p:txBody>
-          <a:bodyPr/>
+          <a:bodyPr>
+            <a:normAutofit lnSpcReduction="10000"/>
+          </a:bodyPr>
           <a:lstStyle/>
           <a:p>
             <a:r>
               <a:rPr lang="de-DE" dirty="0"/>
-              <a:t>Trie </a:t>
-            </a:r>
-            <a:r>
-              <a:rPr lang="de-DE" dirty="0" err="1"/>
-              <a:t>implementation</a:t>
+              <a:t>Trie 65k 233 MB (</a:t>
+            </a:r>
+            <a:r>
+              <a:rPr lang="de-DE" dirty="0" err="1"/>
+              <a:t>omitted</a:t>
             </a:r>
             <a:r>
               <a:rPr lang="de-DE" dirty="0"/>
@@ -8177,7 +9772,7 @@
             </a:r>
             <a:r>
               <a:rPr lang="de-DE" dirty="0" err="1"/>
-              <a:t>with</a:t>
+              <a:t>for</a:t>
             </a:r>
             <a:r>
               <a:rPr lang="de-DE" dirty="0"/>
@@ -8185,15 +9780,7 @@
             </a:r>
             <a:r>
               <a:rPr lang="de-DE" dirty="0" err="1"/>
-              <a:t>sparse</a:t>
-            </a:r>
-            <a:r>
-              <a:rPr lang="de-DE" dirty="0"/>
-              <a:t> 16M </a:t>
-            </a:r>
-            <a:r>
-              <a:rPr lang="de-DE" dirty="0" err="1"/>
-              <a:t>keys</a:t>
+              <a:t>better</a:t>
             </a:r>
             <a:r>
               <a:rPr lang="de-DE" dirty="0"/>
@@ -8201,7 +9788,34 @@
             </a:r>
             <a:r>
               <a:rPr lang="de-DE" dirty="0" err="1"/>
-              <a:t>takes</a:t>
+              <a:t>scale</a:t>
+            </a:r>
+            <a:r>
+              <a:rPr lang="de-DE" dirty="0"/>
+              <a:t>); 16M &gt;22 GB</a:t>
+            </a:r>
+          </a:p>
+          <a:p>
+            <a:endParaRPr lang="de-DE" dirty="0"/>
+          </a:p>
+          <a:p>
+            <a:r>
+              <a:rPr lang="de-DE" dirty="0"/>
+              <a:t>ART 16M:</a:t>
+            </a:r>
+          </a:p>
+          <a:p>
+            <a:r>
+              <a:rPr lang="de-DE" dirty="0" err="1"/>
+              <a:t>Dense</a:t>
+            </a:r>
+            <a:r>
+              <a:rPr lang="de-DE" dirty="0"/>
+              <a:t> ~ 8 Bytes per Key (</a:t>
+            </a:r>
+            <a:r>
+              <a:rPr lang="de-DE" dirty="0" err="1"/>
+              <a:t>similar</a:t>
             </a:r>
             <a:r>
               <a:rPr lang="de-DE" dirty="0"/>
@@ -8209,7 +9823,15 @@
             </a:r>
             <a:r>
               <a:rPr lang="de-DE" dirty="0" err="1"/>
-              <a:t>too</a:t>
+              <a:t>to</a:t>
+            </a:r>
+            <a:r>
+              <a:rPr lang="de-DE" dirty="0"/>
+              <a:t> ART </a:t>
+            </a:r>
+            <a:r>
+              <a:rPr lang="de-DE" dirty="0" err="1"/>
+              <a:t>paper</a:t>
             </a:r>
             <a:r>
               <a:rPr lang="de-DE" dirty="0"/>
@@ -8217,104 +9839,45 @@
             </a:r>
             <a:r>
               <a:rPr lang="de-DE" dirty="0" err="1"/>
-              <a:t>much</a:t>
-            </a:r>
-            <a:r>
-              <a:rPr lang="de-DE" dirty="0"/>
-              <a:t> </a:t>
-            </a:r>
-            <a:r>
-              <a:rPr lang="de-DE" dirty="0" err="1"/>
-              <a:t>memory</a:t>
-            </a:r>
-            <a:r>
-              <a:rPr lang="de-DE" dirty="0"/>
-              <a:t> (&gt; 22 GB)</a:t>
-            </a:r>
-          </a:p>
-          <a:p>
+              <a:t>results</a:t>
+            </a:r>
+            <a:r>
+              <a:rPr lang="de-DE" dirty="0"/>
+              <a:t>)</a:t>
+            </a:r>
+          </a:p>
+          <a:p>
+            <a:r>
+              <a:rPr lang="de-DE" dirty="0" err="1"/>
+              <a:t>Sparse</a:t>
+            </a:r>
+            <a:r>
+              <a:rPr lang="de-DE" dirty="0"/>
+              <a:t> ~ 32 </a:t>
+            </a:r>
+            <a:r>
+              <a:rPr lang="de-DE" dirty="0" err="1"/>
+              <a:t>BpK</a:t>
+            </a:r>
             <a:endParaRPr lang="de-DE" dirty="0"/>
           </a:p>
           <a:p>
-            <a:r>
-              <a:rPr lang="de-DE" dirty="0"/>
-              <a:t>ART:</a:t>
-            </a:r>
-          </a:p>
-          <a:p>
-            <a:r>
-              <a:rPr lang="de-DE" dirty="0" err="1"/>
-              <a:t>Dense</a:t>
-            </a:r>
-            <a:r>
-              <a:rPr lang="de-DE" dirty="0"/>
-              <a:t> = 130 MB ~ 8 Bytes per Key (</a:t>
-            </a:r>
-            <a:r>
-              <a:rPr lang="de-DE" dirty="0" err="1"/>
-              <a:t>similar</a:t>
-            </a:r>
-            <a:r>
-              <a:rPr lang="de-DE" dirty="0"/>
-              <a:t> </a:t>
-            </a:r>
-            <a:r>
-              <a:rPr lang="de-DE" dirty="0" err="1"/>
-              <a:t>to</a:t>
-            </a:r>
-            <a:r>
-              <a:rPr lang="de-DE" dirty="0"/>
-              <a:t> ART </a:t>
-            </a:r>
-            <a:r>
-              <a:rPr lang="de-DE" dirty="0" err="1"/>
-              <a:t>paper</a:t>
-            </a:r>
-            <a:r>
-              <a:rPr lang="de-DE" dirty="0"/>
-              <a:t> </a:t>
-            </a:r>
-            <a:r>
-              <a:rPr lang="de-DE" dirty="0" err="1"/>
-              <a:t>results</a:t>
-            </a:r>
-            <a:r>
-              <a:rPr lang="de-DE" dirty="0"/>
-              <a:t>)</a:t>
-            </a:r>
-          </a:p>
-          <a:p>
-            <a:r>
-              <a:rPr lang="de-DE" dirty="0" err="1"/>
-              <a:t>Sparse</a:t>
-            </a:r>
-            <a:r>
-              <a:rPr lang="de-DE" dirty="0"/>
-              <a:t> = 500 MB ~ 32 </a:t>
-            </a:r>
-            <a:r>
-              <a:rPr lang="de-DE" dirty="0" err="1"/>
-              <a:t>BpK</a:t>
-            </a:r>
             <a:endParaRPr lang="de-DE" dirty="0"/>
           </a:p>
           <a:p>
-            <a:endParaRPr lang="de-DE" dirty="0"/>
-          </a:p>
-          <a:p>
             <a:r>
               <a:rPr lang="de-DE" dirty="0" err="1"/>
               <a:t>Sorted</a:t>
             </a:r>
             <a:r>
               <a:rPr lang="de-DE" dirty="0"/>
-              <a:t> List:</a:t>
-            </a:r>
-          </a:p>
-          <a:p>
-            <a:r>
-              <a:rPr lang="de-DE" dirty="0"/>
-              <a:t>64 MB ~ 4 </a:t>
+              <a:t> List 16M:</a:t>
+            </a:r>
+          </a:p>
+          <a:p>
+            <a:r>
+              <a:rPr lang="de-DE" dirty="0"/>
+              <a:t>~ 4 </a:t>
             </a:r>
             <a:r>
               <a:rPr lang="de-DE" dirty="0" err="1"/>
@@ -8378,7 +9941,7 @@
     </p:spTree>
     <p:extLst>
       <p:ext uri="{BB962C8B-B14F-4D97-AF65-F5344CB8AC3E}">
-        <p14:creationId xmlns:p14="http://schemas.microsoft.com/office/powerpoint/2010/main" val="822838596"/>
+        <p14:creationId xmlns:p14="http://schemas.microsoft.com/office/powerpoint/2010/main" val="2094824480"/>
       </p:ext>
     </p:extLst>
   </p:cSld>
@@ -8429,7 +9992,9 @@
         </p:nvSpPr>
         <p:spPr/>
         <p:txBody>
-          <a:bodyPr/>
+          <a:bodyPr>
+            <a:normAutofit lnSpcReduction="10000"/>
+          </a:bodyPr>
           <a:lstStyle/>
           <a:p>
             <a:pPr marL="0" marR="0" lvl="0" indent="0" algn="l" defTabSz="914400" rtl="0" eaLnBrk="1" fontAlgn="base" latinLnBrk="0" hangingPunct="1">
@@ -27647,6 +29212,36 @@
       </p:grpSpPr>
       <p:graphicFrame>
         <p:nvGraphicFramePr>
+          <p:cNvPr id="8" name="Inhaltsplatzhalter 5">
+            <a:extLst>
+              <a:ext uri="{FF2B5EF4-FFF2-40B4-BE49-F238E27FC236}">
+                <a16:creationId xmlns:a16="http://schemas.microsoft.com/office/drawing/2014/main" id="{E0ADE26F-FE0B-74C4-ECC8-E87C466C7B24}"/>
+              </a:ext>
+            </a:extLst>
+          </p:cNvPr>
+          <p:cNvGraphicFramePr>
+            <a:graphicFrameLocks/>
+          </p:cNvGraphicFramePr>
+          <p:nvPr>
+            <p:extLst>
+              <p:ext uri="{D42A27DB-BD31-4B8C-83A1-F6EECF244321}">
+                <p14:modId xmlns:p14="http://schemas.microsoft.com/office/powerpoint/2010/main" val="2253567248"/>
+              </p:ext>
+            </p:extLst>
+          </p:nvPr>
+        </p:nvGraphicFramePr>
+        <p:xfrm>
+          <a:off x="4611688" y="1644895"/>
+          <a:ext cx="4214813" cy="4699000"/>
+        </p:xfrm>
+        <a:graphic>
+          <a:graphicData uri="http://schemas.openxmlformats.org/drawingml/2006/chart">
+            <c:chart xmlns:c="http://schemas.openxmlformats.org/drawingml/2006/chart" xmlns:r="http://schemas.openxmlformats.org/officeDocument/2006/relationships" r:id="rId3"/>
+          </a:graphicData>
+        </a:graphic>
+      </p:graphicFrame>
+      <p:graphicFrame>
+        <p:nvGraphicFramePr>
           <p:cNvPr id="6" name="Inhaltsplatzhalter 5"/>
           <p:cNvGraphicFramePr>
             <a:graphicFrameLocks noGrp="1"/>
@@ -27655,18 +29250,18 @@
             <p:ph idx="1"/>
             <p:extLst>
               <p:ext uri="{D42A27DB-BD31-4B8C-83A1-F6EECF244321}">
-                <p14:modId xmlns:p14="http://schemas.microsoft.com/office/powerpoint/2010/main" val="4235911152"/>
+                <p14:modId xmlns:p14="http://schemas.microsoft.com/office/powerpoint/2010/main" val="3978013175"/>
               </p:ext>
             </p:extLst>
           </p:nvPr>
         </p:nvGraphicFramePr>
         <p:xfrm>
           <a:off x="319088" y="1644895"/>
-          <a:ext cx="8509000" cy="4699000"/>
+          <a:ext cx="4214813" cy="4699000"/>
         </p:xfrm>
         <a:graphic>
           <a:graphicData uri="http://schemas.openxmlformats.org/drawingml/2006/chart">
-            <c:chart xmlns:c="http://schemas.openxmlformats.org/drawingml/2006/chart" xmlns:r="http://schemas.openxmlformats.org/officeDocument/2006/relationships" r:id="rId3"/>
+            <c:chart xmlns:c="http://schemas.openxmlformats.org/drawingml/2006/chart" xmlns:r="http://schemas.openxmlformats.org/officeDocument/2006/relationships" r:id="rId4"/>
           </a:graphicData>
         </a:graphic>
       </p:graphicFrame>
@@ -27680,17 +29275,33 @@
             <p:ph type="sldNum" sz="quarter" idx="11"/>
           </p:nvPr>
         </p:nvSpPr>
-        <p:spPr/>
+        <p:spPr>
+          <a:xfrm>
+            <a:off x="6774934" y="6473313"/>
+            <a:ext cx="2052000" cy="365125"/>
+          </a:xfrm>
+        </p:spPr>
         <p:txBody>
-          <a:bodyPr/>
+          <a:bodyPr anchor="ctr">
+            <a:normAutofit/>
+          </a:bodyPr>
           <a:lstStyle/>
           <a:p>
+            <a:pPr>
+              <a:spcAft>
+                <a:spcPts val="600"/>
+              </a:spcAft>
+            </a:pPr>
             <a:fld id="{CE58CB1E-F828-4F11-99E0-327109AF9DA4}" type="slidenum">
               <a:rPr lang="de-DE" smtClean="0"/>
-              <a:pPr/>
+              <a:pPr>
+                <a:spcAft>
+                  <a:spcPts val="600"/>
+                </a:spcAft>
+              </a:pPr>
               <a:t>21</a:t>
             </a:fld>
-            <a:endParaRPr lang="de-DE" dirty="0"/>
+            <a:endParaRPr lang="de-DE"/>
           </a:p>
         </p:txBody>
       </p:sp>
@@ -27704,16 +29315,28 @@
             <p:ph type="ftr" sz="quarter" idx="12"/>
           </p:nvPr>
         </p:nvSpPr>
-        <p:spPr/>
+        <p:spPr>
+          <a:xfrm>
+            <a:off x="311162" y="6473313"/>
+            <a:ext cx="7829538" cy="384687"/>
+          </a:xfrm>
+        </p:spPr>
         <p:txBody>
-          <a:bodyPr/>
+          <a:bodyPr anchor="ctr">
+            <a:normAutofit/>
+          </a:bodyPr>
           <a:lstStyle/>
           <a:p>
-            <a:r>
-              <a:rPr lang="de-DE" dirty="0"/>
+            <a:pPr>
+              <a:spcAft>
+                <a:spcPts val="600"/>
+              </a:spcAft>
+            </a:pPr>
+            <a:r>
+              <a:rPr lang="de-DE"/>
               <a:t>Jonas Fritsch | The Adaptive Radix Tree</a:t>
             </a:r>
-            <a:endParaRPr lang="en-US" dirty="0"/>
+            <a:endParaRPr lang="en-US"/>
           </a:p>
         </p:txBody>
       </p:sp>
@@ -27727,24 +29350,31 @@
             <p:ph type="title"/>
           </p:nvPr>
         </p:nvSpPr>
-        <p:spPr/>
+        <p:spPr>
+          <a:xfrm>
+            <a:off x="319090" y="994334"/>
+            <a:ext cx="8508999" cy="410369"/>
+          </a:xfrm>
+        </p:spPr>
         <p:txBody>
-          <a:bodyPr/>
+          <a:bodyPr wrap="square" anchor="t">
+            <a:normAutofit/>
+          </a:bodyPr>
           <a:lstStyle/>
           <a:p>
             <a:r>
               <a:rPr lang="de-DE" dirty="0"/>
-              <a:t>Memory-Benchmark</a:t>
+              <a:t>Memory Benchmark</a:t>
             </a:r>
           </a:p>
         </p:txBody>
       </p:sp>
       <p:sp>
         <p:nvSpPr>
-          <p:cNvPr id="8" name="TextBox 7">
+          <p:cNvPr id="9" name="TextBox 8">
             <a:extLst>
               <a:ext uri="{FF2B5EF4-FFF2-40B4-BE49-F238E27FC236}">
-                <a16:creationId xmlns:a16="http://schemas.microsoft.com/office/drawing/2014/main" id="{757067E8-A19D-DF23-778A-8CEF06218492}"/>
+                <a16:creationId xmlns:a16="http://schemas.microsoft.com/office/drawing/2014/main" id="{55F55771-E8C8-1088-FE6E-BF42AC130EDE}"/>
               </a:ext>
             </a:extLst>
           </p:cNvPr>
@@ -27778,7 +29408,7 @@
             </a:r>
             <a:r>
               <a:rPr lang="en-US" sz="1200" dirty="0">
-                <a:hlinkClick r:id="rId4"/>
+                <a:hlinkClick r:id="rId5"/>
               </a:rPr>
               <a:t>https://github.com/atalantus/The-Adaptive-Radix-Tree/tree/main/Implementation</a:t>
             </a:r>
@@ -27789,7 +29419,7 @@
     </p:spTree>
     <p:extLst>
       <p:ext uri="{BB962C8B-B14F-4D97-AF65-F5344CB8AC3E}">
-        <p14:creationId xmlns:p14="http://schemas.microsoft.com/office/powerpoint/2010/main" val="2923586155"/>
+        <p14:creationId xmlns:p14="http://schemas.microsoft.com/office/powerpoint/2010/main" val="1590196352"/>
       </p:ext>
     </p:extLst>
   </p:cSld>
@@ -27970,7 +29600,7 @@
           <a:p>
             <a:r>
               <a:rPr lang="de-DE" dirty="0"/>
-              <a:t>Performance-Benchmark (</a:t>
+              <a:t>Performance Benchmark (</a:t>
             </a:r>
             <a:r>
               <a:rPr lang="de-DE" dirty="0" err="1"/>
@@ -28214,7 +29844,7 @@
           <a:p>
             <a:r>
               <a:rPr lang="de-DE" dirty="0"/>
-              <a:t>Performance-Benchmark (</a:t>
+              <a:t>Performance Benchmark (</a:t>
             </a:r>
             <a:r>
               <a:rPr lang="de-DE" dirty="0" err="1"/>
@@ -28403,7 +30033,7 @@
           <a:p>
             <a:r>
               <a:rPr lang="de-DE" dirty="0"/>
-              <a:t>Performance-Benchmark (</a:t>
+              <a:t>Performance Benchmark (</a:t>
             </a:r>
             <a:r>
               <a:rPr lang="de-DE" dirty="0" err="1"/>
@@ -28633,7 +30263,7 @@
           <a:p>
             <a:r>
               <a:rPr lang="de-DE" dirty="0"/>
-              <a:t>Performance-Benchmark (</a:t>
+              <a:t>Performance Benchmark (</a:t>
             </a:r>
             <a:r>
               <a:rPr lang="de-DE" dirty="0" err="1"/>

--- a/Presentation/The Adaptive Radix Tree.pptx
+++ b/Presentation/The Adaptive Radix Tree.pptx
@@ -40,21 +40,21 @@
     <p:sldId id="399" r:id="rId28"/>
     <p:sldId id="400" r:id="rId29"/>
     <p:sldId id="426" r:id="rId30"/>
-    <p:sldId id="430" r:id="rId31"/>
-    <p:sldId id="431" r:id="rId32"/>
-    <p:sldId id="434" r:id="rId33"/>
-    <p:sldId id="438" r:id="rId34"/>
-    <p:sldId id="439" r:id="rId35"/>
-    <p:sldId id="401" r:id="rId36"/>
-    <p:sldId id="432" r:id="rId37"/>
-    <p:sldId id="437" r:id="rId38"/>
-    <p:sldId id="420" r:id="rId39"/>
-    <p:sldId id="421" r:id="rId40"/>
-    <p:sldId id="422" r:id="rId41"/>
-    <p:sldId id="423" r:id="rId42"/>
-    <p:sldId id="424" r:id="rId43"/>
-    <p:sldId id="429" r:id="rId44"/>
-    <p:sldId id="433" r:id="rId45"/>
+    <p:sldId id="431" r:id="rId31"/>
+    <p:sldId id="441" r:id="rId32"/>
+    <p:sldId id="442" r:id="rId33"/>
+    <p:sldId id="443" r:id="rId34"/>
+    <p:sldId id="438" r:id="rId35"/>
+    <p:sldId id="439" r:id="rId36"/>
+    <p:sldId id="401" r:id="rId37"/>
+    <p:sldId id="432" r:id="rId38"/>
+    <p:sldId id="437" r:id="rId39"/>
+    <p:sldId id="420" r:id="rId40"/>
+    <p:sldId id="421" r:id="rId41"/>
+    <p:sldId id="422" r:id="rId42"/>
+    <p:sldId id="423" r:id="rId43"/>
+    <p:sldId id="424" r:id="rId44"/>
+    <p:sldId id="429" r:id="rId45"/>
   </p:sldIdLst>
   <p:sldSz cx="9144000" cy="6858000" type="screen4x3"/>
   <p:notesSz cx="9925050" cy="6665913"/>
@@ -236,9 +236,10 @@
             <p14:sldId id="399"/>
             <p14:sldId id="400"/>
             <p14:sldId id="426"/>
-            <p14:sldId id="430"/>
             <p14:sldId id="431"/>
-            <p14:sldId id="434"/>
+            <p14:sldId id="441"/>
+            <p14:sldId id="442"/>
+            <p14:sldId id="443"/>
             <p14:sldId id="438"/>
             <p14:sldId id="439"/>
           </p14:sldIdLst>
@@ -258,7 +259,6 @@
             <p14:sldId id="423"/>
             <p14:sldId id="424"/>
             <p14:sldId id="429"/>
-            <p14:sldId id="433"/>
           </p14:sldIdLst>
         </p14:section>
       </p14:sectionLst>
@@ -9754,7 +9754,7 @@
         <p:spPr/>
         <p:txBody>
           <a:bodyPr>
-            <a:normAutofit lnSpcReduction="10000"/>
+            <a:normAutofit/>
           </a:bodyPr>
           <a:lstStyle/>
           <a:p>
@@ -11067,7 +11067,56 @@
           <a:bodyPr/>
           <a:lstStyle/>
           <a:p>
-            <a:endParaRPr lang="de-DE" dirty="0"/>
+            <a:r>
+              <a:rPr lang="de-DE" dirty="0"/>
+              <a:t>CSB = Cache Sensitive B+-Tree</a:t>
+            </a:r>
+          </a:p>
+          <a:p>
+            <a:r>
+              <a:rPr lang="de-DE" dirty="0"/>
+              <a:t>k-</a:t>
+            </a:r>
+            <a:r>
+              <a:rPr lang="de-DE" dirty="0" err="1"/>
+              <a:t>ary</a:t>
+            </a:r>
+            <a:r>
+              <a:rPr lang="de-DE" dirty="0"/>
+              <a:t>, FAST = </a:t>
+            </a:r>
+            <a:r>
+              <a:rPr lang="de-DE" dirty="0" err="1"/>
+              <a:t>don‘t</a:t>
+            </a:r>
+            <a:r>
+              <a:rPr lang="de-DE" dirty="0"/>
+              <a:t> support </a:t>
+            </a:r>
+            <a:r>
+              <a:rPr lang="de-DE" dirty="0" err="1"/>
+              <a:t>incremental</a:t>
+            </a:r>
+            <a:r>
+              <a:rPr lang="de-DE" dirty="0"/>
+              <a:t> </a:t>
+            </a:r>
+            <a:r>
+              <a:rPr lang="de-DE" dirty="0" err="1"/>
+              <a:t>updates</a:t>
+            </a:r>
+            <a:r>
+              <a:rPr lang="de-DE" dirty="0"/>
+              <a:t>, </a:t>
+            </a:r>
+            <a:r>
+              <a:rPr lang="de-DE" dirty="0" err="1"/>
+              <a:t>utilize</a:t>
+            </a:r>
+            <a:r>
+              <a:rPr lang="de-DE" dirty="0"/>
+              <a:t> SIMD</a:t>
+            </a:r>
           </a:p>
         </p:txBody>
       </p:sp>
@@ -11193,7 +11242,7 @@
     </p:spTree>
     <p:extLst>
       <p:ext uri="{BB962C8B-B14F-4D97-AF65-F5344CB8AC3E}">
-        <p14:creationId xmlns:p14="http://schemas.microsoft.com/office/powerpoint/2010/main" val="3178569148"/>
+        <p14:creationId xmlns:p14="http://schemas.microsoft.com/office/powerpoint/2010/main" val="2379631012"/>
       </p:ext>
     </p:extLst>
   </p:cSld>
@@ -11247,6 +11296,163 @@
           <a:bodyPr/>
           <a:lstStyle/>
           <a:p>
+            <a:r>
+              <a:rPr lang="de-DE" dirty="0"/>
+              <a:t>GH = </a:t>
+            </a:r>
+            <a:r>
+              <a:rPr lang="de-DE" dirty="0" err="1"/>
+              <a:t>Quadratic</a:t>
+            </a:r>
+            <a:r>
+              <a:rPr lang="de-DE" dirty="0"/>
+              <a:t> </a:t>
+            </a:r>
+            <a:r>
+              <a:rPr lang="de-DE" dirty="0" err="1"/>
+              <a:t>Probing</a:t>
+            </a:r>
+            <a:endParaRPr lang="de-DE" dirty="0"/>
+          </a:p>
+          <a:p>
+            <a:r>
+              <a:rPr lang="de-DE" dirty="0"/>
+              <a:t>CH = </a:t>
+            </a:r>
+            <a:r>
+              <a:rPr lang="de-DE" dirty="0" err="1"/>
+              <a:t>Cuckoo</a:t>
+            </a:r>
+            <a:r>
+              <a:rPr lang="de-DE" dirty="0"/>
+              <a:t> </a:t>
+            </a:r>
+            <a:r>
+              <a:rPr lang="de-DE" dirty="0" err="1"/>
+              <a:t>Hashing</a:t>
+            </a:r>
+            <a:endParaRPr lang="de-DE" dirty="0"/>
+          </a:p>
+          <a:p>
+            <a:r>
+              <a:rPr lang="de-DE" dirty="0"/>
+              <a:t>Fast = Performance </a:t>
+            </a:r>
+            <a:r>
+              <a:rPr lang="de-DE" dirty="0" err="1"/>
+              <a:t>optimized</a:t>
+            </a:r>
+            <a:endParaRPr lang="de-DE" dirty="0"/>
+          </a:p>
+          <a:p>
+            <a:r>
+              <a:rPr lang="de-DE" dirty="0"/>
+              <a:t>Mem = Memory </a:t>
+            </a:r>
+            <a:r>
+              <a:rPr lang="de-DE" dirty="0" err="1"/>
+              <a:t>optimized</a:t>
+            </a:r>
+            <a:endParaRPr lang="de-DE" dirty="0"/>
+          </a:p>
+          <a:p>
+            <a:r>
+              <a:rPr lang="de-DE" dirty="0" err="1"/>
+              <a:t>Bucket</a:t>
+            </a:r>
+            <a:r>
+              <a:rPr lang="de-DE" dirty="0"/>
+              <a:t> = 64 Byte </a:t>
+            </a:r>
+            <a:r>
+              <a:rPr lang="de-DE" dirty="0" err="1"/>
+              <a:t>Buckets</a:t>
+            </a:r>
+            <a:r>
+              <a:rPr lang="de-DE" dirty="0"/>
+              <a:t> (</a:t>
+            </a:r>
+            <a:r>
+              <a:rPr lang="de-DE" dirty="0" err="1"/>
+              <a:t>for</a:t>
+            </a:r>
+            <a:r>
+              <a:rPr lang="de-DE" dirty="0"/>
+              <a:t> </a:t>
+            </a:r>
+            <a:r>
+              <a:rPr lang="de-DE" dirty="0" err="1"/>
+              <a:t>cache</a:t>
+            </a:r>
+            <a:r>
+              <a:rPr lang="de-DE" dirty="0"/>
+              <a:t> </a:t>
+            </a:r>
+            <a:r>
+              <a:rPr lang="de-DE" dirty="0" err="1"/>
+              <a:t>line</a:t>
+            </a:r>
+            <a:r>
+              <a:rPr lang="de-DE" dirty="0"/>
+              <a:t> </a:t>
+            </a:r>
+            <a:r>
+              <a:rPr lang="de-DE" dirty="0" err="1"/>
+              <a:t>usage</a:t>
+            </a:r>
+            <a:r>
+              <a:rPr lang="de-DE" dirty="0"/>
+              <a:t>)</a:t>
+            </a:r>
+          </a:p>
+          <a:p>
+            <a:r>
+              <a:rPr lang="de-DE" dirty="0"/>
+              <a:t>Simple = </a:t>
+            </a:r>
+            <a:r>
+              <a:rPr lang="de-DE" dirty="0" err="1"/>
+              <a:t>Multiplicative</a:t>
+            </a:r>
+            <a:r>
+              <a:rPr lang="de-DE" dirty="0"/>
+              <a:t> Hash-</a:t>
+            </a:r>
+            <a:r>
+              <a:rPr lang="de-DE" dirty="0" err="1"/>
+              <a:t>function</a:t>
+            </a:r>
+            <a:endParaRPr lang="de-DE" dirty="0"/>
+          </a:p>
+          <a:p>
+            <a:r>
+              <a:rPr lang="de-DE" dirty="0" err="1"/>
+              <a:t>Murmur</a:t>
+            </a:r>
+            <a:r>
+              <a:rPr lang="de-DE" dirty="0"/>
+              <a:t> = More </a:t>
+            </a:r>
+            <a:r>
+              <a:rPr lang="de-DE" dirty="0" err="1"/>
+              <a:t>stable</a:t>
+            </a:r>
+            <a:r>
+              <a:rPr lang="de-DE" dirty="0"/>
+              <a:t> but </a:t>
+            </a:r>
+            <a:r>
+              <a:rPr lang="de-DE" dirty="0" err="1"/>
+              <a:t>slower</a:t>
+            </a:r>
+            <a:r>
+              <a:rPr lang="de-DE" dirty="0"/>
+              <a:t> hash-</a:t>
+            </a:r>
+            <a:r>
+              <a:rPr lang="de-DE" dirty="0" err="1"/>
+              <a:t>function</a:t>
+            </a:r>
             <a:endParaRPr lang="de-DE" dirty="0"/>
           </a:p>
         </p:txBody>
@@ -11283,7 +11489,7 @@
     </p:spTree>
     <p:extLst>
       <p:ext uri="{BB962C8B-B14F-4D97-AF65-F5344CB8AC3E}">
-        <p14:creationId xmlns:p14="http://schemas.microsoft.com/office/powerpoint/2010/main" val="2379631012"/>
+        <p14:creationId xmlns:p14="http://schemas.microsoft.com/office/powerpoint/2010/main" val="4251391898"/>
       </p:ext>
     </p:extLst>
   </p:cSld>
@@ -11337,6 +11543,163 @@
           <a:bodyPr/>
           <a:lstStyle/>
           <a:p>
+            <a:r>
+              <a:rPr lang="de-DE" dirty="0"/>
+              <a:t>GH = </a:t>
+            </a:r>
+            <a:r>
+              <a:rPr lang="de-DE" dirty="0" err="1"/>
+              <a:t>Quadratic</a:t>
+            </a:r>
+            <a:r>
+              <a:rPr lang="de-DE" dirty="0"/>
+              <a:t> </a:t>
+            </a:r>
+            <a:r>
+              <a:rPr lang="de-DE" dirty="0" err="1"/>
+              <a:t>Probing</a:t>
+            </a:r>
+            <a:endParaRPr lang="de-DE" dirty="0"/>
+          </a:p>
+          <a:p>
+            <a:r>
+              <a:rPr lang="de-DE" dirty="0"/>
+              <a:t>CH = </a:t>
+            </a:r>
+            <a:r>
+              <a:rPr lang="de-DE" dirty="0" err="1"/>
+              <a:t>Cuckoo</a:t>
+            </a:r>
+            <a:r>
+              <a:rPr lang="de-DE" dirty="0"/>
+              <a:t> </a:t>
+            </a:r>
+            <a:r>
+              <a:rPr lang="de-DE" dirty="0" err="1"/>
+              <a:t>Hashing</a:t>
+            </a:r>
+            <a:endParaRPr lang="de-DE" dirty="0"/>
+          </a:p>
+          <a:p>
+            <a:r>
+              <a:rPr lang="de-DE" dirty="0"/>
+              <a:t>Fast = Performance </a:t>
+            </a:r>
+            <a:r>
+              <a:rPr lang="de-DE" dirty="0" err="1"/>
+              <a:t>optimized</a:t>
+            </a:r>
+            <a:endParaRPr lang="de-DE" dirty="0"/>
+          </a:p>
+          <a:p>
+            <a:r>
+              <a:rPr lang="de-DE" dirty="0"/>
+              <a:t>Mem = Memory </a:t>
+            </a:r>
+            <a:r>
+              <a:rPr lang="de-DE" dirty="0" err="1"/>
+              <a:t>optimized</a:t>
+            </a:r>
+            <a:endParaRPr lang="de-DE" dirty="0"/>
+          </a:p>
+          <a:p>
+            <a:r>
+              <a:rPr lang="de-DE" dirty="0" err="1"/>
+              <a:t>Bucket</a:t>
+            </a:r>
+            <a:r>
+              <a:rPr lang="de-DE" dirty="0"/>
+              <a:t> = 64 Byte </a:t>
+            </a:r>
+            <a:r>
+              <a:rPr lang="de-DE" dirty="0" err="1"/>
+              <a:t>Buckets</a:t>
+            </a:r>
+            <a:r>
+              <a:rPr lang="de-DE" dirty="0"/>
+              <a:t> (</a:t>
+            </a:r>
+            <a:r>
+              <a:rPr lang="de-DE" dirty="0" err="1"/>
+              <a:t>for</a:t>
+            </a:r>
+            <a:r>
+              <a:rPr lang="de-DE" dirty="0"/>
+              <a:t> </a:t>
+            </a:r>
+            <a:r>
+              <a:rPr lang="de-DE" dirty="0" err="1"/>
+              <a:t>cache</a:t>
+            </a:r>
+            <a:r>
+              <a:rPr lang="de-DE" dirty="0"/>
+              <a:t> </a:t>
+            </a:r>
+            <a:r>
+              <a:rPr lang="de-DE" dirty="0" err="1"/>
+              <a:t>line</a:t>
+            </a:r>
+            <a:r>
+              <a:rPr lang="de-DE" dirty="0"/>
+              <a:t> </a:t>
+            </a:r>
+            <a:r>
+              <a:rPr lang="de-DE" dirty="0" err="1"/>
+              <a:t>usage</a:t>
+            </a:r>
+            <a:r>
+              <a:rPr lang="de-DE" dirty="0"/>
+              <a:t>)</a:t>
+            </a:r>
+          </a:p>
+          <a:p>
+            <a:r>
+              <a:rPr lang="de-DE" dirty="0"/>
+              <a:t>Simple = </a:t>
+            </a:r>
+            <a:r>
+              <a:rPr lang="de-DE" dirty="0" err="1"/>
+              <a:t>Multiplicative</a:t>
+            </a:r>
+            <a:r>
+              <a:rPr lang="de-DE" dirty="0"/>
+              <a:t> Hash-</a:t>
+            </a:r>
+            <a:r>
+              <a:rPr lang="de-DE" dirty="0" err="1"/>
+              <a:t>function</a:t>
+            </a:r>
+            <a:endParaRPr lang="de-DE" dirty="0"/>
+          </a:p>
+          <a:p>
+            <a:r>
+              <a:rPr lang="de-DE" dirty="0" err="1"/>
+              <a:t>Murmur</a:t>
+            </a:r>
+            <a:r>
+              <a:rPr lang="de-DE" dirty="0"/>
+              <a:t> = More </a:t>
+            </a:r>
+            <a:r>
+              <a:rPr lang="de-DE" dirty="0" err="1"/>
+              <a:t>stable</a:t>
+            </a:r>
+            <a:r>
+              <a:rPr lang="de-DE" dirty="0"/>
+              <a:t> but </a:t>
+            </a:r>
+            <a:r>
+              <a:rPr lang="de-DE" dirty="0" err="1"/>
+              <a:t>slower</a:t>
+            </a:r>
+            <a:r>
+              <a:rPr lang="de-DE" dirty="0"/>
+              <a:t> hash-</a:t>
+            </a:r>
+            <a:r>
+              <a:rPr lang="de-DE" dirty="0" err="1"/>
+              <a:t>function</a:t>
+            </a:r>
             <a:endParaRPr lang="de-DE" dirty="0"/>
           </a:p>
         </p:txBody>
@@ -11373,7 +11736,7 @@
     </p:spTree>
     <p:extLst>
       <p:ext uri="{BB962C8B-B14F-4D97-AF65-F5344CB8AC3E}">
-        <p14:creationId xmlns:p14="http://schemas.microsoft.com/office/powerpoint/2010/main" val="3882762003"/>
+        <p14:creationId xmlns:p14="http://schemas.microsoft.com/office/powerpoint/2010/main" val="430239470"/>
       </p:ext>
     </p:extLst>
   </p:cSld>
@@ -11427,30 +11790,13 @@
           <a:bodyPr/>
           <a:lstStyle/>
           <a:p>
-            <a:pPr marL="0" marR="0" lvl="0" indent="0" algn="l" defTabSz="914400" rtl="0" eaLnBrk="1" fontAlgn="base" latinLnBrk="0" hangingPunct="1">
-              <a:lnSpc>
-                <a:spcPct val="100000"/>
-              </a:lnSpc>
-              <a:spcBef>
-                <a:spcPct val="30000"/>
-              </a:spcBef>
-              <a:spcAft>
-                <a:spcPct val="0"/>
-              </a:spcAft>
-              <a:buClrTx/>
-              <a:buSzTx/>
-              <a:buFontTx/>
-              <a:buNone/>
-              <a:tabLst/>
-              <a:defRPr/>
-            </a:pPr>
-            <a:r>
-              <a:rPr lang="de-DE" dirty="0"/>
-              <a:t>YCSB Workload (</a:t>
-            </a:r>
-            <a:r>
-              <a:rPr lang="de-DE" dirty="0" err="1"/>
-              <a:t>Zipfian</a:t>
+            <a:r>
+              <a:rPr lang="de-DE" dirty="0"/>
+              <a:t>GH = </a:t>
+            </a:r>
+            <a:r>
+              <a:rPr lang="de-DE" dirty="0" err="1"/>
+              <a:t>Quadratic</a:t>
             </a:r>
             <a:r>
               <a:rPr lang="de-DE" dirty="0"/>
@@ -11458,23 +11804,18 @@
             </a:r>
             <a:r>
               <a:rPr lang="de-DE" dirty="0" err="1"/>
-              <a:t>distribution</a:t>
-            </a:r>
-            <a:r>
-              <a:rPr lang="de-DE" dirty="0"/>
-              <a:t>;  Mono </a:t>
-            </a:r>
-            <a:r>
-              <a:rPr lang="de-DE" dirty="0" err="1"/>
-              <a:t>Int</a:t>
-            </a:r>
-            <a:r>
-              <a:rPr lang="de-DE" dirty="0"/>
-              <a:t>: 64 </a:t>
-            </a:r>
-            <a:r>
-              <a:rPr lang="de-DE" dirty="0" err="1"/>
-              <a:t>bit</a:t>
+              <a:t>Probing</a:t>
+            </a:r>
+            <a:endParaRPr lang="de-DE" dirty="0"/>
+          </a:p>
+          <a:p>
+            <a:r>
+              <a:rPr lang="de-DE" dirty="0"/>
+              <a:t>CH = </a:t>
+            </a:r>
+            <a:r>
+              <a:rPr lang="de-DE" dirty="0" err="1"/>
+              <a:t>Cuckoo</a:t>
             </a:r>
             <a:r>
               <a:rPr lang="de-DE" dirty="0"/>
@@ -11482,7 +11823,52 @@
             </a:r>
             <a:r>
               <a:rPr lang="de-DE" dirty="0" err="1"/>
-              <a:t>monotonically</a:t>
+              <a:t>Hashing</a:t>
+            </a:r>
+            <a:endParaRPr lang="de-DE" dirty="0"/>
+          </a:p>
+          <a:p>
+            <a:r>
+              <a:rPr lang="de-DE" dirty="0"/>
+              <a:t>Fast = Performance </a:t>
+            </a:r>
+            <a:r>
+              <a:rPr lang="de-DE" dirty="0" err="1"/>
+              <a:t>optimized</a:t>
+            </a:r>
+            <a:endParaRPr lang="de-DE" dirty="0"/>
+          </a:p>
+          <a:p>
+            <a:r>
+              <a:rPr lang="de-DE" dirty="0"/>
+              <a:t>Mem = Memory </a:t>
+            </a:r>
+            <a:r>
+              <a:rPr lang="de-DE" dirty="0" err="1"/>
+              <a:t>optimized</a:t>
+            </a:r>
+            <a:endParaRPr lang="de-DE" dirty="0"/>
+          </a:p>
+          <a:p>
+            <a:r>
+              <a:rPr lang="de-DE" dirty="0" err="1"/>
+              <a:t>Bucket</a:t>
+            </a:r>
+            <a:r>
+              <a:rPr lang="de-DE" dirty="0"/>
+              <a:t> = 64 Byte </a:t>
+            </a:r>
+            <a:r>
+              <a:rPr lang="de-DE" dirty="0" err="1"/>
+              <a:t>Buckets</a:t>
+            </a:r>
+            <a:r>
+              <a:rPr lang="de-DE" dirty="0"/>
+              <a:t> (</a:t>
+            </a:r>
+            <a:r>
+              <a:rPr lang="de-DE" dirty="0" err="1"/>
+              <a:t>for</a:t>
             </a:r>
             <a:r>
               <a:rPr lang="de-DE" dirty="0"/>
@@ -11490,7 +11876,7 @@
             </a:r>
             <a:r>
               <a:rPr lang="de-DE" dirty="0" err="1"/>
-              <a:t>increasing</a:t>
+              <a:t>cache</a:t>
             </a:r>
             <a:r>
               <a:rPr lang="de-DE" dirty="0"/>
@@ -11498,134 +11884,68 @@
             </a:r>
             <a:r>
               <a:rPr lang="de-DE" dirty="0" err="1"/>
-              <a:t>integers</a:t>
-            </a:r>
-            <a:r>
-              <a:rPr lang="de-DE" dirty="0"/>
-              <a:t>, Rand </a:t>
-            </a:r>
-            <a:r>
-              <a:rPr lang="de-DE" dirty="0" err="1"/>
-              <a:t>Int</a:t>
-            </a:r>
-            <a:r>
-              <a:rPr lang="de-DE" dirty="0"/>
-              <a:t> …)</a:t>
-            </a:r>
-          </a:p>
-          <a:p>
-            <a:pPr marL="0" marR="0" lvl="0" indent="0" algn="l" defTabSz="914400" rtl="0" eaLnBrk="1" fontAlgn="base" latinLnBrk="0" hangingPunct="1">
-              <a:lnSpc>
-                <a:spcPct val="100000"/>
-              </a:lnSpc>
-              <a:spcBef>
-                <a:spcPct val="30000"/>
-              </a:spcBef>
-              <a:spcAft>
-                <a:spcPct val="0"/>
-              </a:spcAft>
-              <a:buClrTx/>
-              <a:buSzTx/>
-              <a:buFontTx/>
-              <a:buNone/>
-              <a:tabLst/>
-              <a:defRPr/>
-            </a:pPr>
-            <a:r>
-              <a:rPr lang="de-DE" dirty="0"/>
-              <a:t>52M Integer Keys, 27M </a:t>
-            </a:r>
-            <a:r>
-              <a:rPr lang="de-DE" dirty="0" err="1"/>
-              <a:t>emails</a:t>
+              <a:t>line</a:t>
+            </a:r>
+            <a:r>
+              <a:rPr lang="de-DE" dirty="0"/>
+              <a:t> </a:t>
+            </a:r>
+            <a:r>
+              <a:rPr lang="de-DE" dirty="0" err="1"/>
+              <a:t>usage</a:t>
+            </a:r>
+            <a:r>
+              <a:rPr lang="de-DE" dirty="0"/>
+              <a:t>)</a:t>
+            </a:r>
+          </a:p>
+          <a:p>
+            <a:r>
+              <a:rPr lang="de-DE" dirty="0"/>
+              <a:t>Simple = </a:t>
+            </a:r>
+            <a:r>
+              <a:rPr lang="de-DE" dirty="0" err="1"/>
+              <a:t>Multiplicative</a:t>
+            </a:r>
+            <a:r>
+              <a:rPr lang="de-DE" dirty="0"/>
+              <a:t> Hash-</a:t>
+            </a:r>
+            <a:r>
+              <a:rPr lang="de-DE" dirty="0" err="1"/>
+              <a:t>function</a:t>
             </a:r>
             <a:endParaRPr lang="de-DE" dirty="0"/>
           </a:p>
           <a:p>
-            <a:pPr marL="0" marR="0" lvl="0" indent="0" algn="l" defTabSz="914400" rtl="0" eaLnBrk="1" fontAlgn="base" latinLnBrk="0" hangingPunct="1">
-              <a:lnSpc>
-                <a:spcPct val="100000"/>
-              </a:lnSpc>
-              <a:spcBef>
-                <a:spcPct val="30000"/>
-              </a:spcBef>
-              <a:spcAft>
-                <a:spcPct val="0"/>
-              </a:spcAft>
-              <a:buClrTx/>
-              <a:buSzTx/>
-              <a:buFontTx/>
-              <a:buNone/>
-              <a:tabLst/>
-              <a:defRPr/>
-            </a:pPr>
-            <a:endParaRPr lang="de-DE" dirty="0"/>
-          </a:p>
-          <a:p>
-            <a:pPr marL="0" marR="0" lvl="0" indent="0" algn="l" defTabSz="914400" rtl="0" eaLnBrk="1" fontAlgn="base" latinLnBrk="0" hangingPunct="1">
-              <a:lnSpc>
-                <a:spcPct val="100000"/>
-              </a:lnSpc>
-              <a:spcBef>
-                <a:spcPct val="30000"/>
-              </a:spcBef>
-              <a:spcAft>
-                <a:spcPct val="0"/>
-              </a:spcAft>
-              <a:buClrTx/>
-              <a:buSzTx/>
-              <a:buFontTx/>
-              <a:buNone/>
-              <a:tabLst/>
-              <a:defRPr/>
-            </a:pPr>
-            <a:r>
-              <a:rPr lang="de-DE" dirty="0"/>
-              <a:t>Peak </a:t>
-            </a:r>
-            <a:r>
-              <a:rPr lang="de-DE" dirty="0" err="1"/>
-              <a:t>amount</a:t>
-            </a:r>
-            <a:r>
-              <a:rPr lang="de-DE" dirty="0"/>
-              <a:t> </a:t>
-            </a:r>
-            <a:r>
-              <a:rPr lang="de-DE" dirty="0" err="1"/>
-              <a:t>of</a:t>
-            </a:r>
-            <a:r>
-              <a:rPr lang="de-DE" dirty="0"/>
-              <a:t> </a:t>
-            </a:r>
-            <a:r>
-              <a:rPr lang="de-DE" dirty="0" err="1"/>
-              <a:t>memory</a:t>
-            </a:r>
-            <a:r>
-              <a:rPr lang="de-DE" dirty="0"/>
-              <a:t> </a:t>
-            </a:r>
-            <a:r>
-              <a:rPr lang="de-DE" dirty="0" err="1"/>
-              <a:t>consumption</a:t>
-            </a:r>
-            <a:r>
-              <a:rPr lang="de-DE" dirty="0"/>
-              <a:t> </a:t>
-            </a:r>
-            <a:r>
-              <a:rPr lang="de-DE" dirty="0" err="1"/>
-              <a:t>during</a:t>
-            </a:r>
-            <a:r>
-              <a:rPr lang="de-DE" dirty="0"/>
-              <a:t> </a:t>
-            </a:r>
-            <a:r>
-              <a:rPr lang="de-DE" dirty="0" err="1"/>
-              <a:t>workload</a:t>
+            <a:r>
+              <a:rPr lang="de-DE" dirty="0" err="1"/>
+              <a:t>Murmur</a:t>
+            </a:r>
+            <a:r>
+              <a:rPr lang="de-DE" dirty="0"/>
+              <a:t> = More </a:t>
+            </a:r>
+            <a:r>
+              <a:rPr lang="de-DE" dirty="0" err="1"/>
+              <a:t>stable</a:t>
+            </a:r>
+            <a:r>
+              <a:rPr lang="de-DE" dirty="0"/>
+              <a:t> but </a:t>
+            </a:r>
+            <a:r>
+              <a:rPr lang="de-DE" dirty="0" err="1"/>
+              <a:t>slower</a:t>
+            </a:r>
+            <a:r>
+              <a:rPr lang="de-DE" dirty="0"/>
+              <a:t> hash-</a:t>
+            </a:r>
+            <a:r>
+              <a:rPr lang="de-DE" dirty="0" err="1"/>
+              <a:t>function</a:t>
             </a:r>
             <a:endParaRPr lang="de-DE" dirty="0"/>
           </a:p>
@@ -11663,7 +11983,7 @@
     </p:spTree>
     <p:extLst>
       <p:ext uri="{BB962C8B-B14F-4D97-AF65-F5344CB8AC3E}">
-        <p14:creationId xmlns:p14="http://schemas.microsoft.com/office/powerpoint/2010/main" val="2593503469"/>
+        <p14:creationId xmlns:p14="http://schemas.microsoft.com/office/powerpoint/2010/main" val="4265310832"/>
       </p:ext>
     </p:extLst>
   </p:cSld>
@@ -11736,11 +12056,11 @@
             </a:pPr>
             <a:r>
               <a:rPr lang="de-DE" dirty="0"/>
-              <a:t>YCSB Workload (</a:t>
-            </a:r>
-            <a:r>
-              <a:rPr lang="de-DE" dirty="0" err="1"/>
-              <a:t>Zipfian</a:t>
+              <a:t>Up </a:t>
+            </a:r>
+            <a:r>
+              <a:rPr lang="de-DE" dirty="0" err="1"/>
+              <a:t>until</a:t>
             </a:r>
             <a:r>
               <a:rPr lang="de-DE" dirty="0"/>
@@ -11748,23 +12068,7 @@
             </a:r>
             <a:r>
               <a:rPr lang="de-DE" dirty="0" err="1"/>
-              <a:t>distribution</a:t>
-            </a:r>
-            <a:r>
-              <a:rPr lang="de-DE" dirty="0"/>
-              <a:t>;  Mono </a:t>
-            </a:r>
-            <a:r>
-              <a:rPr lang="de-DE" dirty="0" err="1"/>
-              <a:t>Int</a:t>
-            </a:r>
-            <a:r>
-              <a:rPr lang="de-DE" dirty="0"/>
-              <a:t>: 64 </a:t>
-            </a:r>
-            <a:r>
-              <a:rPr lang="de-DE" dirty="0" err="1"/>
-              <a:t>bit</a:t>
+              <a:t>now</a:t>
             </a:r>
             <a:r>
               <a:rPr lang="de-DE" dirty="0"/>
@@ -11772,7 +12076,15 @@
             </a:r>
             <a:r>
               <a:rPr lang="de-DE" dirty="0" err="1"/>
-              <a:t>monotonically</a:t>
+              <a:t>everything</a:t>
+            </a:r>
+            <a:r>
+              <a:rPr lang="de-DE" dirty="0"/>
+              <a:t> was </a:t>
+            </a:r>
+            <a:r>
+              <a:rPr lang="de-DE" dirty="0" err="1"/>
+              <a:t>single</a:t>
             </a:r>
             <a:r>
               <a:rPr lang="de-DE" dirty="0"/>
@@ -11780,27 +12092,11 @@
             </a:r>
             <a:r>
               <a:rPr lang="de-DE" dirty="0" err="1"/>
-              <a:t>increasing</a:t>
-            </a:r>
-            <a:r>
-              <a:rPr lang="de-DE" dirty="0"/>
-              <a:t> </a:t>
-            </a:r>
-            <a:r>
-              <a:rPr lang="de-DE" dirty="0" err="1"/>
-              <a:t>integers</a:t>
-            </a:r>
-            <a:r>
-              <a:rPr lang="de-DE" dirty="0"/>
-              <a:t>, Rand </a:t>
-            </a:r>
-            <a:r>
-              <a:rPr lang="de-DE" dirty="0" err="1"/>
-              <a:t>Int</a:t>
-            </a:r>
-            <a:r>
-              <a:rPr lang="de-DE" dirty="0"/>
-              <a:t> …)</a:t>
+              <a:t>threaded</a:t>
+            </a:r>
+            <a:r>
+              <a:rPr lang="de-DE" dirty="0"/>
+              <a:t>!</a:t>
             </a:r>
           </a:p>
           <a:p>
@@ -11821,6 +12117,97 @@
               <a:tabLst/>
               <a:defRPr/>
             </a:pPr>
+            <a:endParaRPr lang="de-DE" dirty="0"/>
+          </a:p>
+          <a:p>
+            <a:pPr marL="0" marR="0" lvl="0" indent="0" algn="l" defTabSz="914400" rtl="0" eaLnBrk="1" fontAlgn="base" latinLnBrk="0" hangingPunct="1">
+              <a:lnSpc>
+                <a:spcPct val="100000"/>
+              </a:lnSpc>
+              <a:spcBef>
+                <a:spcPct val="30000"/>
+              </a:spcBef>
+              <a:spcAft>
+                <a:spcPct val="0"/>
+              </a:spcAft>
+              <a:buClrTx/>
+              <a:buSzTx/>
+              <a:buFontTx/>
+              <a:buNone/>
+              <a:tabLst/>
+              <a:defRPr/>
+            </a:pPr>
+            <a:r>
+              <a:rPr lang="de-DE" dirty="0"/>
+              <a:t>YCSB Workload (Mono </a:t>
+            </a:r>
+            <a:r>
+              <a:rPr lang="de-DE" dirty="0" err="1"/>
+              <a:t>Int</a:t>
+            </a:r>
+            <a:r>
+              <a:rPr lang="de-DE" dirty="0"/>
+              <a:t>: 64 </a:t>
+            </a:r>
+            <a:r>
+              <a:rPr lang="de-DE" dirty="0" err="1"/>
+              <a:t>bit</a:t>
+            </a:r>
+            <a:r>
+              <a:rPr lang="de-DE" dirty="0"/>
+              <a:t> </a:t>
+            </a:r>
+            <a:r>
+              <a:rPr lang="de-DE" dirty="0" err="1"/>
+              <a:t>monotonically</a:t>
+            </a:r>
+            <a:r>
+              <a:rPr lang="de-DE" dirty="0"/>
+              <a:t> </a:t>
+            </a:r>
+            <a:r>
+              <a:rPr lang="de-DE" dirty="0" err="1"/>
+              <a:t>increasing</a:t>
+            </a:r>
+            <a:r>
+              <a:rPr lang="de-DE" dirty="0"/>
+              <a:t> </a:t>
+            </a:r>
+            <a:r>
+              <a:rPr lang="de-DE" dirty="0" err="1"/>
+              <a:t>integers</a:t>
+            </a:r>
+            <a:r>
+              <a:rPr lang="de-DE" dirty="0"/>
+              <a:t>, Rand </a:t>
+            </a:r>
+            <a:r>
+              <a:rPr lang="de-DE" dirty="0" err="1"/>
+              <a:t>Int</a:t>
+            </a:r>
+            <a:r>
+              <a:rPr lang="de-DE" dirty="0"/>
+              <a:t> …)</a:t>
+            </a:r>
+          </a:p>
+          <a:p>
+            <a:pPr marL="0" marR="0" lvl="0" indent="0" algn="l" defTabSz="914400" rtl="0" eaLnBrk="1" fontAlgn="base" latinLnBrk="0" hangingPunct="1">
+              <a:lnSpc>
+                <a:spcPct val="100000"/>
+              </a:lnSpc>
+              <a:spcBef>
+                <a:spcPct val="30000"/>
+              </a:spcBef>
+              <a:spcAft>
+                <a:spcPct val="0"/>
+              </a:spcAft>
+              <a:buClrTx/>
+              <a:buSzTx/>
+              <a:buFontTx/>
+              <a:buNone/>
+              <a:tabLst/>
+              <a:defRPr/>
+            </a:pPr>
             <a:r>
               <a:rPr lang="de-DE" dirty="0"/>
               <a:t>52M Integer Keys, 27M </a:t>
@@ -11828,6 +12215,94 @@
             <a:r>
               <a:rPr lang="de-DE" dirty="0" err="1"/>
               <a:t>emails</a:t>
+            </a:r>
+            <a:endParaRPr lang="de-DE" dirty="0"/>
+          </a:p>
+          <a:p>
+            <a:pPr marL="0" marR="0" lvl="0" indent="0" algn="l" defTabSz="914400" rtl="0" eaLnBrk="1" fontAlgn="base" latinLnBrk="0" hangingPunct="1">
+              <a:lnSpc>
+                <a:spcPct val="100000"/>
+              </a:lnSpc>
+              <a:spcBef>
+                <a:spcPct val="30000"/>
+              </a:spcBef>
+              <a:spcAft>
+                <a:spcPct val="0"/>
+              </a:spcAft>
+              <a:buClrTx/>
+              <a:buSzTx/>
+              <a:buFontTx/>
+              <a:buNone/>
+              <a:tabLst/>
+              <a:defRPr/>
+            </a:pPr>
+            <a:endParaRPr lang="de-DE" dirty="0"/>
+          </a:p>
+          <a:p>
+            <a:pPr marL="0" marR="0" lvl="0" indent="0" algn="l" defTabSz="914400" rtl="0" eaLnBrk="1" fontAlgn="base" latinLnBrk="0" hangingPunct="1">
+              <a:lnSpc>
+                <a:spcPct val="100000"/>
+              </a:lnSpc>
+              <a:spcBef>
+                <a:spcPct val="30000"/>
+              </a:spcBef>
+              <a:spcAft>
+                <a:spcPct val="0"/>
+              </a:spcAft>
+              <a:buClrTx/>
+              <a:buSzTx/>
+              <a:buFontTx/>
+              <a:buNone/>
+              <a:tabLst/>
+              <a:defRPr/>
+            </a:pPr>
+            <a:r>
+              <a:rPr lang="de-DE" dirty="0"/>
+              <a:t>Peak </a:t>
+            </a:r>
+            <a:r>
+              <a:rPr lang="de-DE" dirty="0" err="1"/>
+              <a:t>amount</a:t>
+            </a:r>
+            <a:r>
+              <a:rPr lang="de-DE" dirty="0"/>
+              <a:t> </a:t>
+            </a:r>
+            <a:r>
+              <a:rPr lang="de-DE" dirty="0" err="1"/>
+              <a:t>of</a:t>
+            </a:r>
+            <a:r>
+              <a:rPr lang="de-DE" dirty="0"/>
+              <a:t> </a:t>
+            </a:r>
+            <a:r>
+              <a:rPr lang="de-DE" dirty="0" err="1"/>
+              <a:t>memory</a:t>
+            </a:r>
+            <a:r>
+              <a:rPr lang="de-DE" dirty="0"/>
+              <a:t> </a:t>
+            </a:r>
+            <a:r>
+              <a:rPr lang="de-DE" dirty="0" err="1"/>
+              <a:t>consumption</a:t>
+            </a:r>
+            <a:r>
+              <a:rPr lang="de-DE" dirty="0"/>
+              <a:t> </a:t>
+            </a:r>
+            <a:r>
+              <a:rPr lang="de-DE" dirty="0" err="1"/>
+              <a:t>during</a:t>
+            </a:r>
+            <a:r>
+              <a:rPr lang="de-DE" dirty="0"/>
+              <a:t> </a:t>
+            </a:r>
+            <a:r>
+              <a:rPr lang="de-DE" dirty="0" err="1"/>
+              <a:t>workload</a:t>
             </a:r>
             <a:endParaRPr lang="de-DE" dirty="0"/>
           </a:p>
@@ -11865,7 +12340,7 @@
     </p:spTree>
     <p:extLst>
       <p:ext uri="{BB962C8B-B14F-4D97-AF65-F5344CB8AC3E}">
-        <p14:creationId xmlns:p14="http://schemas.microsoft.com/office/powerpoint/2010/main" val="2454941132"/>
+        <p14:creationId xmlns:p14="http://schemas.microsoft.com/office/powerpoint/2010/main" val="2593503469"/>
       </p:ext>
     </p:extLst>
   </p:cSld>
@@ -12068,25 +12543,119 @@
           <a:bodyPr/>
           <a:lstStyle/>
           <a:p>
-            <a:r>
-              <a:rPr lang="en-US" dirty="0"/>
-              <a:t>OLP = Optimistic Lock Coupling</a:t>
-            </a:r>
-          </a:p>
-          <a:p>
-            <a:r>
-              <a:rPr lang="en-US" dirty="0"/>
-              <a:t>ROWEX = Read-Optimized Write Exclusion</a:t>
-            </a:r>
-          </a:p>
-          <a:p>
-            <a:endParaRPr lang="en-US" dirty="0"/>
-          </a:p>
-          <a:p>
-            <a:r>
-              <a:rPr lang="en-US" dirty="0"/>
-              <a:t>“Learned Indexes” utilizing machine leaning to predict data location</a:t>
-            </a:r>
+            <a:pPr marL="0" marR="0" lvl="0" indent="0" algn="l" defTabSz="914400" rtl="0" eaLnBrk="1" fontAlgn="base" latinLnBrk="0" hangingPunct="1">
+              <a:lnSpc>
+                <a:spcPct val="100000"/>
+              </a:lnSpc>
+              <a:spcBef>
+                <a:spcPct val="30000"/>
+              </a:spcBef>
+              <a:spcAft>
+                <a:spcPct val="0"/>
+              </a:spcAft>
+              <a:buClrTx/>
+              <a:buSzTx/>
+              <a:buFontTx/>
+              <a:buNone/>
+              <a:tabLst/>
+              <a:defRPr/>
+            </a:pPr>
+            <a:r>
+              <a:rPr lang="de-DE" dirty="0"/>
+              <a:t>YCSB Workload (</a:t>
+            </a:r>
+            <a:r>
+              <a:rPr lang="de-DE" dirty="0" err="1"/>
+              <a:t>Zipfian</a:t>
+            </a:r>
+            <a:r>
+              <a:rPr lang="de-DE" dirty="0"/>
+              <a:t> </a:t>
+            </a:r>
+            <a:r>
+              <a:rPr lang="de-DE" dirty="0" err="1"/>
+              <a:t>distribution</a:t>
+            </a:r>
+            <a:r>
+              <a:rPr lang="de-DE" dirty="0"/>
+              <a:t>;  Mono </a:t>
+            </a:r>
+            <a:r>
+              <a:rPr lang="de-DE" dirty="0" err="1"/>
+              <a:t>Int</a:t>
+            </a:r>
+            <a:r>
+              <a:rPr lang="de-DE" dirty="0"/>
+              <a:t>: 64 </a:t>
+            </a:r>
+            <a:r>
+              <a:rPr lang="de-DE" dirty="0" err="1"/>
+              <a:t>bit</a:t>
+            </a:r>
+            <a:r>
+              <a:rPr lang="de-DE" dirty="0"/>
+              <a:t> </a:t>
+            </a:r>
+            <a:r>
+              <a:rPr lang="de-DE" dirty="0" err="1"/>
+              <a:t>monotonically</a:t>
+            </a:r>
+            <a:r>
+              <a:rPr lang="de-DE" dirty="0"/>
+              <a:t> </a:t>
+            </a:r>
+            <a:r>
+              <a:rPr lang="de-DE" dirty="0" err="1"/>
+              <a:t>increasing</a:t>
+            </a:r>
+            <a:r>
+              <a:rPr lang="de-DE" dirty="0"/>
+              <a:t> </a:t>
+            </a:r>
+            <a:r>
+              <a:rPr lang="de-DE" dirty="0" err="1"/>
+              <a:t>integers</a:t>
+            </a:r>
+            <a:r>
+              <a:rPr lang="de-DE" dirty="0"/>
+              <a:t>, Rand </a:t>
+            </a:r>
+            <a:r>
+              <a:rPr lang="de-DE" dirty="0" err="1"/>
+              <a:t>Int</a:t>
+            </a:r>
+            <a:r>
+              <a:rPr lang="de-DE" dirty="0"/>
+              <a:t> …)</a:t>
+            </a:r>
+          </a:p>
+          <a:p>
+            <a:pPr marL="0" marR="0" lvl="0" indent="0" algn="l" defTabSz="914400" rtl="0" eaLnBrk="1" fontAlgn="base" latinLnBrk="0" hangingPunct="1">
+              <a:lnSpc>
+                <a:spcPct val="100000"/>
+              </a:lnSpc>
+              <a:spcBef>
+                <a:spcPct val="30000"/>
+              </a:spcBef>
+              <a:spcAft>
+                <a:spcPct val="0"/>
+              </a:spcAft>
+              <a:buClrTx/>
+              <a:buSzTx/>
+              <a:buFontTx/>
+              <a:buNone/>
+              <a:tabLst/>
+              <a:defRPr/>
+            </a:pPr>
+            <a:r>
+              <a:rPr lang="de-DE" dirty="0"/>
+              <a:t>52M Integer Keys, 27M </a:t>
+            </a:r>
+            <a:r>
+              <a:rPr lang="de-DE" dirty="0" err="1"/>
+              <a:t>emails</a:t>
+            </a:r>
+            <a:endParaRPr lang="de-DE" dirty="0"/>
           </a:p>
         </p:txBody>
       </p:sp>
@@ -12113,7 +12682,7 @@
               <a:pPr>
                 <a:defRPr/>
               </a:pPr>
-              <a:t>31</a:t>
+              <a:t>30</a:t>
             </a:fld>
             <a:endParaRPr lang="en-GB"/>
           </a:p>
@@ -12122,7 +12691,7 @@
     </p:spTree>
     <p:extLst>
       <p:ext uri="{BB962C8B-B14F-4D97-AF65-F5344CB8AC3E}">
-        <p14:creationId xmlns:p14="http://schemas.microsoft.com/office/powerpoint/2010/main" val="2144894160"/>
+        <p14:creationId xmlns:p14="http://schemas.microsoft.com/office/powerpoint/2010/main" val="2454941132"/>
       </p:ext>
     </p:extLst>
   </p:cSld>
@@ -12176,7 +12745,25 @@
           <a:bodyPr/>
           <a:lstStyle/>
           <a:p>
+            <a:r>
+              <a:rPr lang="en-US" dirty="0"/>
+              <a:t>OLP = Optimistic Lock Coupling</a:t>
+            </a:r>
+          </a:p>
+          <a:p>
+            <a:r>
+              <a:rPr lang="en-US" dirty="0"/>
+              <a:t>ROWEX = Read-Optimized Write Exclusion</a:t>
+            </a:r>
+          </a:p>
+          <a:p>
             <a:endParaRPr lang="en-US" dirty="0"/>
+          </a:p>
+          <a:p>
+            <a:r>
+              <a:rPr lang="en-US" dirty="0"/>
+              <a:t>“Learned Indexes” utilizing machine leaning to predict data location</a:t>
+            </a:r>
           </a:p>
         </p:txBody>
       </p:sp>
@@ -12212,7 +12799,7 @@
     </p:spTree>
     <p:extLst>
       <p:ext uri="{BB962C8B-B14F-4D97-AF65-F5344CB8AC3E}">
-        <p14:creationId xmlns:p14="http://schemas.microsoft.com/office/powerpoint/2010/main" val="2805981096"/>
+        <p14:creationId xmlns:p14="http://schemas.microsoft.com/office/powerpoint/2010/main" val="2144894160"/>
       </p:ext>
     </p:extLst>
   </p:cSld>
@@ -12302,7 +12889,7 @@
     </p:spTree>
     <p:extLst>
       <p:ext uri="{BB962C8B-B14F-4D97-AF65-F5344CB8AC3E}">
-        <p14:creationId xmlns:p14="http://schemas.microsoft.com/office/powerpoint/2010/main" val="632089375"/>
+        <p14:creationId xmlns:p14="http://schemas.microsoft.com/office/powerpoint/2010/main" val="2805981096"/>
       </p:ext>
     </p:extLst>
   </p:cSld>
@@ -12392,7 +12979,7 @@
     </p:spTree>
     <p:extLst>
       <p:ext uri="{BB962C8B-B14F-4D97-AF65-F5344CB8AC3E}">
-        <p14:creationId xmlns:p14="http://schemas.microsoft.com/office/powerpoint/2010/main" val="1368079382"/>
+        <p14:creationId xmlns:p14="http://schemas.microsoft.com/office/powerpoint/2010/main" val="632089375"/>
       </p:ext>
     </p:extLst>
   </p:cSld>
@@ -12482,7 +13069,7 @@
     </p:spTree>
     <p:extLst>
       <p:ext uri="{BB962C8B-B14F-4D97-AF65-F5344CB8AC3E}">
-        <p14:creationId xmlns:p14="http://schemas.microsoft.com/office/powerpoint/2010/main" val="3403498060"/>
+        <p14:creationId xmlns:p14="http://schemas.microsoft.com/office/powerpoint/2010/main" val="1368079382"/>
       </p:ext>
     </p:extLst>
   </p:cSld>
@@ -12572,7 +13159,7 @@
     </p:spTree>
     <p:extLst>
       <p:ext uri="{BB962C8B-B14F-4D97-AF65-F5344CB8AC3E}">
-        <p14:creationId xmlns:p14="http://schemas.microsoft.com/office/powerpoint/2010/main" val="3873617337"/>
+        <p14:creationId xmlns:p14="http://schemas.microsoft.com/office/powerpoint/2010/main" val="3403498060"/>
       </p:ext>
     </p:extLst>
   </p:cSld>
@@ -12662,7 +13249,7 @@
     </p:spTree>
     <p:extLst>
       <p:ext uri="{BB962C8B-B14F-4D97-AF65-F5344CB8AC3E}">
-        <p14:creationId xmlns:p14="http://schemas.microsoft.com/office/powerpoint/2010/main" val="2821304512"/>
+        <p14:creationId xmlns:p14="http://schemas.microsoft.com/office/powerpoint/2010/main" val="3873617337"/>
       </p:ext>
     </p:extLst>
   </p:cSld>
@@ -12716,7 +13303,7 @@
           <a:bodyPr/>
           <a:lstStyle/>
           <a:p>
-            <a:endParaRPr lang="de-DE" dirty="0"/>
+            <a:endParaRPr lang="en-US" dirty="0"/>
           </a:p>
         </p:txBody>
       </p:sp>
@@ -12752,7 +13339,7 @@
     </p:spTree>
     <p:extLst>
       <p:ext uri="{BB962C8B-B14F-4D97-AF65-F5344CB8AC3E}">
-        <p14:creationId xmlns:p14="http://schemas.microsoft.com/office/powerpoint/2010/main" val="1498725812"/>
+        <p14:creationId xmlns:p14="http://schemas.microsoft.com/office/powerpoint/2010/main" val="2821304512"/>
       </p:ext>
     </p:extLst>
   </p:cSld>
@@ -12806,7 +13393,7 @@
           <a:bodyPr/>
           <a:lstStyle/>
           <a:p>
-            <a:endParaRPr lang="en-US" dirty="0"/>
+            <a:endParaRPr lang="de-DE" dirty="0"/>
           </a:p>
         </p:txBody>
       </p:sp>
@@ -12842,7 +13429,7 @@
     </p:spTree>
     <p:extLst>
       <p:ext uri="{BB962C8B-B14F-4D97-AF65-F5344CB8AC3E}">
-        <p14:creationId xmlns:p14="http://schemas.microsoft.com/office/powerpoint/2010/main" val="3654178751"/>
+        <p14:creationId xmlns:p14="http://schemas.microsoft.com/office/powerpoint/2010/main" val="1498725812"/>
       </p:ext>
     </p:extLst>
   </p:cSld>
@@ -30263,244 +30850,6 @@
           <a:p>
             <a:r>
               <a:rPr lang="de-DE" dirty="0"/>
-              <a:t>Performance Benchmark (</a:t>
-            </a:r>
-            <a:r>
-              <a:rPr lang="de-DE" dirty="0" err="1"/>
-              <a:t>search</a:t>
-            </a:r>
-            <a:r>
-              <a:rPr lang="de-DE" dirty="0"/>
-              <a:t>, </a:t>
-            </a:r>
-            <a:r>
-              <a:rPr lang="de-DE" dirty="0" err="1"/>
-              <a:t>skewed</a:t>
-            </a:r>
-            <a:r>
-              <a:rPr lang="de-DE" dirty="0"/>
-              <a:t>)</a:t>
-            </a:r>
-          </a:p>
-        </p:txBody>
-      </p:sp>
-      <p:sp>
-        <p:nvSpPr>
-          <p:cNvPr id="11" name="TextBox 10">
-            <a:extLst>
-              <a:ext uri="{FF2B5EF4-FFF2-40B4-BE49-F238E27FC236}">
-                <a16:creationId xmlns:a16="http://schemas.microsoft.com/office/drawing/2014/main" id="{500B67D3-476A-32EF-29E9-D60790BC8EE4}"/>
-              </a:ext>
-            </a:extLst>
-          </p:cNvPr>
-          <p:cNvSpPr txBox="1"/>
-          <p:nvPr/>
-        </p:nvSpPr>
-        <p:spPr>
-          <a:xfrm>
-            <a:off x="311162" y="6298789"/>
-            <a:ext cx="8635130" cy="193002"/>
-          </a:xfrm>
-          <a:prstGeom prst="rect">
-            <a:avLst/>
-          </a:prstGeom>
-          <a:noFill/>
-        </p:spPr>
-        <p:txBody>
-          <a:bodyPr wrap="square" lIns="0" tIns="0" rIns="0" bIns="0" rtlCol="0">
-            <a:spAutoFit/>
-          </a:bodyPr>
-          <a:lstStyle/>
-          <a:p>
-            <a:pPr>
-              <a:lnSpc>
-                <a:spcPct val="114000"/>
-              </a:lnSpc>
-            </a:pPr>
-            <a:r>
-              <a:rPr lang="en-US" sz="1200" b="1" dirty="0"/>
-              <a:t>Source: </a:t>
-            </a:r>
-            <a:r>
-              <a:rPr lang="en-US" sz="1200" dirty="0">
-                <a:hlinkClick r:id="rId3"/>
-              </a:rPr>
-              <a:t>The adaptive radix tree: </a:t>
-            </a:r>
-            <a:r>
-              <a:rPr lang="en-US" sz="1200" dirty="0" err="1">
-                <a:hlinkClick r:id="rId3"/>
-              </a:rPr>
-              <a:t>ARTful</a:t>
-            </a:r>
-            <a:r>
-              <a:rPr lang="en-US" sz="1200" dirty="0">
-                <a:hlinkClick r:id="rId3"/>
-              </a:rPr>
-              <a:t> indexing for main-memory databases. IEEE, 2013</a:t>
-            </a:r>
-            <a:endParaRPr lang="en-US" sz="1200" dirty="0"/>
-          </a:p>
-        </p:txBody>
-      </p:sp>
-      <p:pic>
-        <p:nvPicPr>
-          <p:cNvPr id="8" name="Content Placeholder 7" descr="Diagram&#10;&#10;Description automatically generated">
-            <a:extLst>
-              <a:ext uri="{FF2B5EF4-FFF2-40B4-BE49-F238E27FC236}">
-                <a16:creationId xmlns:a16="http://schemas.microsoft.com/office/drawing/2014/main" id="{9343AE19-9CFB-C570-0881-CF2E1487E4FB}"/>
-              </a:ext>
-            </a:extLst>
-          </p:cNvPr>
-          <p:cNvPicPr>
-            <a:picLocks noGrp="1" noChangeAspect="1"/>
-          </p:cNvPicPr>
-          <p:nvPr>
-            <p:ph idx="1"/>
-          </p:nvPr>
-        </p:nvPicPr>
-        <p:blipFill>
-          <a:blip r:embed="rId4"/>
-          <a:stretch>
-            <a:fillRect/>
-          </a:stretch>
-        </p:blipFill>
-        <p:spPr>
-          <a:xfrm>
-            <a:off x="319088" y="2933759"/>
-            <a:ext cx="8509000" cy="2355732"/>
-          </a:xfrm>
-        </p:spPr>
-      </p:pic>
-    </p:spTree>
-    <p:extLst>
-      <p:ext uri="{BB962C8B-B14F-4D97-AF65-F5344CB8AC3E}">
-        <p14:creationId xmlns:p14="http://schemas.microsoft.com/office/powerpoint/2010/main" val="221453611"/>
-      </p:ext>
-    </p:extLst>
-  </p:cSld>
-  <p:clrMapOvr>
-    <a:masterClrMapping/>
-  </p:clrMapOvr>
-</p:sld>
-</file>
-
-<file path=ppt/slides/slide26.xml><?xml version="1.0" encoding="utf-8"?>
-<p:sld xmlns:a="http://schemas.openxmlformats.org/drawingml/2006/main" xmlns:r="http://schemas.openxmlformats.org/officeDocument/2006/relationships" xmlns:p="http://schemas.openxmlformats.org/presentationml/2006/main">
-  <p:cSld>
-    <p:spTree>
-      <p:nvGrpSpPr>
-        <p:cNvPr id="1" name=""/>
-        <p:cNvGrpSpPr/>
-        <p:nvPr/>
-      </p:nvGrpSpPr>
-      <p:grpSpPr>
-        <a:xfrm>
-          <a:off x="0" y="0"/>
-          <a:ext cx="0" cy="0"/>
-          <a:chOff x="0" y="0"/>
-          <a:chExt cx="0" cy="0"/>
-        </a:xfrm>
-      </p:grpSpPr>
-      <p:sp>
-        <p:nvSpPr>
-          <p:cNvPr id="4" name="Foliennummernplatzhalter 3"/>
-          <p:cNvSpPr>
-            <a:spLocks noGrp="1"/>
-          </p:cNvSpPr>
-          <p:nvPr>
-            <p:ph type="sldNum" sz="quarter" idx="11"/>
-          </p:nvPr>
-        </p:nvSpPr>
-        <p:spPr>
-          <a:xfrm>
-            <a:off x="6774934" y="6473313"/>
-            <a:ext cx="2052000" cy="365125"/>
-          </a:xfrm>
-        </p:spPr>
-        <p:txBody>
-          <a:bodyPr anchor="ctr">
-            <a:normAutofit/>
-          </a:bodyPr>
-          <a:lstStyle/>
-          <a:p>
-            <a:pPr>
-              <a:spcAft>
-                <a:spcPts val="600"/>
-              </a:spcAft>
-            </a:pPr>
-            <a:fld id="{CE58CB1E-F828-4F11-99E0-327109AF9DA4}" type="slidenum">
-              <a:rPr lang="de-DE" smtClean="0"/>
-              <a:pPr>
-                <a:spcAft>
-                  <a:spcPts val="600"/>
-                </a:spcAft>
-              </a:pPr>
-              <a:t>26</a:t>
-            </a:fld>
-            <a:endParaRPr lang="de-DE"/>
-          </a:p>
-        </p:txBody>
-      </p:sp>
-      <p:sp>
-        <p:nvSpPr>
-          <p:cNvPr id="7" name="Fußzeilenplatzhalter 4"/>
-          <p:cNvSpPr>
-            <a:spLocks noGrp="1"/>
-          </p:cNvSpPr>
-          <p:nvPr>
-            <p:ph type="ftr" sz="quarter" idx="12"/>
-          </p:nvPr>
-        </p:nvSpPr>
-        <p:spPr>
-          <a:xfrm>
-            <a:off x="311162" y="6473313"/>
-            <a:ext cx="7829538" cy="384687"/>
-          </a:xfrm>
-        </p:spPr>
-        <p:txBody>
-          <a:bodyPr anchor="ctr">
-            <a:normAutofit/>
-          </a:bodyPr>
-          <a:lstStyle/>
-          <a:p>
-            <a:pPr>
-              <a:spcAft>
-                <a:spcPts val="600"/>
-              </a:spcAft>
-            </a:pPr>
-            <a:r>
-              <a:rPr lang="de-DE" dirty="0"/>
-              <a:t>Jonas Fritsch | The Adaptive Radix Tree</a:t>
-            </a:r>
-            <a:endParaRPr lang="en-US" dirty="0"/>
-          </a:p>
-        </p:txBody>
-      </p:sp>
-      <p:sp>
-        <p:nvSpPr>
-          <p:cNvPr id="3" name="Titel 2"/>
-          <p:cNvSpPr>
-            <a:spLocks noGrp="1"/>
-          </p:cNvSpPr>
-          <p:nvPr>
-            <p:ph type="title"/>
-          </p:nvPr>
-        </p:nvSpPr>
-        <p:spPr>
-          <a:xfrm>
-            <a:off x="319090" y="994334"/>
-            <a:ext cx="8508999" cy="410369"/>
-          </a:xfrm>
-        </p:spPr>
-        <p:txBody>
-          <a:bodyPr wrap="square" anchor="t">
-            <a:normAutofit/>
-          </a:bodyPr>
-          <a:lstStyle/>
-          <a:p>
-            <a:r>
-              <a:rPr lang="de-DE" dirty="0"/>
               <a:t>TPC-C Benchmark</a:t>
             </a:r>
           </a:p>
@@ -30607,7 +30956,7 @@
 </p:sld>
 </file>
 
-<file path=ppt/slides/slide27.xml><?xml version="1.0" encoding="utf-8"?>
+<file path=ppt/slides/slide26.xml><?xml version="1.0" encoding="utf-8"?>
 <p:sld xmlns:a="http://schemas.openxmlformats.org/drawingml/2006/main" xmlns:r="http://schemas.openxmlformats.org/officeDocument/2006/relationships" xmlns:p="http://schemas.openxmlformats.org/presentationml/2006/main">
   <p:cSld>
     <p:spTree>
@@ -30658,7 +31007,7 @@
                   <a:spcPts val="600"/>
                 </a:spcAft>
               </a:pPr>
-              <a:t>27</a:t>
+              <a:t>26</a:t>
             </a:fld>
             <a:endParaRPr lang="de-DE"/>
           </a:p>
@@ -30782,10 +31131,10 @@
       </p:sp>
       <p:pic>
         <p:nvPicPr>
-          <p:cNvPr id="8" name="Content Placeholder 7" descr="Chart, bar chart&#10;&#10;Description automatically generated">
+          <p:cNvPr id="22" name="Content Placeholder 21" descr="Chart, bar chart, histogram&#10;&#10;Description automatically generated">
             <a:extLst>
               <a:ext uri="{FF2B5EF4-FFF2-40B4-BE49-F238E27FC236}">
-                <a16:creationId xmlns:a16="http://schemas.microsoft.com/office/drawing/2014/main" id="{602D28E7-FA72-EFA0-4329-4247FB609229}"/>
+                <a16:creationId xmlns:a16="http://schemas.microsoft.com/office/drawing/2014/main" id="{58D06617-21A3-F5BD-FA8D-DC155D0AF8FC}"/>
               </a:ext>
             </a:extLst>
           </p:cNvPr>
@@ -30804,15 +31153,225 @@
         </p:blipFill>
         <p:spPr>
           <a:xfrm>
-            <a:off x="319088" y="2994641"/>
-            <a:ext cx="8509000" cy="2233967"/>
+            <a:off x="5939" y="2769906"/>
+            <a:ext cx="9138061" cy="2682628"/>
           </a:xfrm>
         </p:spPr>
       </p:pic>
     </p:spTree>
     <p:extLst>
       <p:ext uri="{BB962C8B-B14F-4D97-AF65-F5344CB8AC3E}">
-        <p14:creationId xmlns:p14="http://schemas.microsoft.com/office/powerpoint/2010/main" val="2188875051"/>
+        <p14:creationId xmlns:p14="http://schemas.microsoft.com/office/powerpoint/2010/main" val="2396978472"/>
+      </p:ext>
+    </p:extLst>
+  </p:cSld>
+  <p:clrMapOvr>
+    <a:masterClrMapping/>
+  </p:clrMapOvr>
+</p:sld>
+</file>
+
+<file path=ppt/slides/slide27.xml><?xml version="1.0" encoding="utf-8"?>
+<p:sld xmlns:a="http://schemas.openxmlformats.org/drawingml/2006/main" xmlns:r="http://schemas.openxmlformats.org/officeDocument/2006/relationships" xmlns:p="http://schemas.openxmlformats.org/presentationml/2006/main">
+  <p:cSld>
+    <p:spTree>
+      <p:nvGrpSpPr>
+        <p:cNvPr id="1" name=""/>
+        <p:cNvGrpSpPr/>
+        <p:nvPr/>
+      </p:nvGrpSpPr>
+      <p:grpSpPr>
+        <a:xfrm>
+          <a:off x="0" y="0"/>
+          <a:ext cx="0" cy="0"/>
+          <a:chOff x="0" y="0"/>
+          <a:chExt cx="0" cy="0"/>
+        </a:xfrm>
+      </p:grpSpPr>
+      <p:sp>
+        <p:nvSpPr>
+          <p:cNvPr id="4" name="Foliennummernplatzhalter 3"/>
+          <p:cNvSpPr>
+            <a:spLocks noGrp="1"/>
+          </p:cNvSpPr>
+          <p:nvPr>
+            <p:ph type="sldNum" sz="quarter" idx="11"/>
+          </p:nvPr>
+        </p:nvSpPr>
+        <p:spPr>
+          <a:xfrm>
+            <a:off x="6774934" y="6473313"/>
+            <a:ext cx="2052000" cy="365125"/>
+          </a:xfrm>
+        </p:spPr>
+        <p:txBody>
+          <a:bodyPr anchor="ctr">
+            <a:normAutofit/>
+          </a:bodyPr>
+          <a:lstStyle/>
+          <a:p>
+            <a:pPr>
+              <a:spcAft>
+                <a:spcPts val="600"/>
+              </a:spcAft>
+            </a:pPr>
+            <a:fld id="{CE58CB1E-F828-4F11-99E0-327109AF9DA4}" type="slidenum">
+              <a:rPr lang="de-DE" smtClean="0"/>
+              <a:pPr>
+                <a:spcAft>
+                  <a:spcPts val="600"/>
+                </a:spcAft>
+              </a:pPr>
+              <a:t>27</a:t>
+            </a:fld>
+            <a:endParaRPr lang="de-DE"/>
+          </a:p>
+        </p:txBody>
+      </p:sp>
+      <p:sp>
+        <p:nvSpPr>
+          <p:cNvPr id="7" name="Fußzeilenplatzhalter 4"/>
+          <p:cNvSpPr>
+            <a:spLocks noGrp="1"/>
+          </p:cNvSpPr>
+          <p:nvPr>
+            <p:ph type="ftr" sz="quarter" idx="12"/>
+          </p:nvPr>
+        </p:nvSpPr>
+        <p:spPr>
+          <a:xfrm>
+            <a:off x="311162" y="6473313"/>
+            <a:ext cx="7829538" cy="384687"/>
+          </a:xfrm>
+        </p:spPr>
+        <p:txBody>
+          <a:bodyPr anchor="ctr">
+            <a:normAutofit/>
+          </a:bodyPr>
+          <a:lstStyle/>
+          <a:p>
+            <a:pPr>
+              <a:spcAft>
+                <a:spcPts val="600"/>
+              </a:spcAft>
+            </a:pPr>
+            <a:r>
+              <a:rPr lang="de-DE" dirty="0"/>
+              <a:t>Jonas Fritsch | The Adaptive Radix Tree</a:t>
+            </a:r>
+            <a:endParaRPr lang="en-US" dirty="0"/>
+          </a:p>
+        </p:txBody>
+      </p:sp>
+      <p:sp>
+        <p:nvSpPr>
+          <p:cNvPr id="3" name="Titel 2"/>
+          <p:cNvSpPr>
+            <a:spLocks noGrp="1"/>
+          </p:cNvSpPr>
+          <p:nvPr>
+            <p:ph type="title"/>
+          </p:nvPr>
+        </p:nvSpPr>
+        <p:spPr>
+          <a:xfrm>
+            <a:off x="319090" y="994334"/>
+            <a:ext cx="8508999" cy="410369"/>
+          </a:xfrm>
+        </p:spPr>
+        <p:txBody>
+          <a:bodyPr wrap="square" anchor="t">
+            <a:normAutofit/>
+          </a:bodyPr>
+          <a:lstStyle/>
+          <a:p>
+            <a:r>
+              <a:rPr lang="de-DE" dirty="0"/>
+              <a:t>Other Benchmarks: Insert</a:t>
+            </a:r>
+          </a:p>
+        </p:txBody>
+      </p:sp>
+      <p:sp>
+        <p:nvSpPr>
+          <p:cNvPr id="11" name="TextBox 10">
+            <a:extLst>
+              <a:ext uri="{FF2B5EF4-FFF2-40B4-BE49-F238E27FC236}">
+                <a16:creationId xmlns:a16="http://schemas.microsoft.com/office/drawing/2014/main" id="{500B67D3-476A-32EF-29E9-D60790BC8EE4}"/>
+              </a:ext>
+            </a:extLst>
+          </p:cNvPr>
+          <p:cNvSpPr txBox="1"/>
+          <p:nvPr/>
+        </p:nvSpPr>
+        <p:spPr>
+          <a:xfrm>
+            <a:off x="311162" y="6298789"/>
+            <a:ext cx="8635130" cy="193002"/>
+          </a:xfrm>
+          <a:prstGeom prst="rect">
+            <a:avLst/>
+          </a:prstGeom>
+          <a:noFill/>
+        </p:spPr>
+        <p:txBody>
+          <a:bodyPr wrap="square" lIns="0" tIns="0" rIns="0" bIns="0" rtlCol="0">
+            <a:spAutoFit/>
+          </a:bodyPr>
+          <a:lstStyle/>
+          <a:p>
+            <a:pPr>
+              <a:lnSpc>
+                <a:spcPct val="114000"/>
+              </a:lnSpc>
+            </a:pPr>
+            <a:r>
+              <a:rPr lang="en-US" sz="1200" b="1" dirty="0"/>
+              <a:t>Source: </a:t>
+            </a:r>
+            <a:r>
+              <a:rPr lang="en-US" sz="1200" dirty="0">
+                <a:hlinkClick r:id="rId3"/>
+              </a:rPr>
+              <a:t>A comparison of adaptive radix trees and hash tables. IEEE 2015</a:t>
+            </a:r>
+            <a:endParaRPr lang="en-US" sz="1200" dirty="0"/>
+          </a:p>
+        </p:txBody>
+      </p:sp>
+      <p:pic>
+        <p:nvPicPr>
+          <p:cNvPr id="14" name="Content Placeholder 13" descr="Chart&#10;&#10;Description automatically generated">
+            <a:extLst>
+              <a:ext uri="{FF2B5EF4-FFF2-40B4-BE49-F238E27FC236}">
+                <a16:creationId xmlns:a16="http://schemas.microsoft.com/office/drawing/2014/main" id="{E32D0D8E-20FA-3C75-EDAA-ADB65815EB12}"/>
+              </a:ext>
+            </a:extLst>
+          </p:cNvPr>
+          <p:cNvPicPr>
+            <a:picLocks noGrp="1" noChangeAspect="1"/>
+          </p:cNvPicPr>
+          <p:nvPr>
+            <p:ph idx="1"/>
+          </p:nvPr>
+        </p:nvPicPr>
+        <p:blipFill>
+          <a:blip r:embed="rId4"/>
+          <a:stretch>
+            <a:fillRect/>
+          </a:stretch>
+        </p:blipFill>
+        <p:spPr>
+          <a:xfrm>
+            <a:off x="16771" y="2777067"/>
+            <a:ext cx="9127229" cy="2685818"/>
+          </a:xfrm>
+        </p:spPr>
+      </p:pic>
+    </p:spTree>
+    <p:extLst>
+      <p:ext uri="{BB962C8B-B14F-4D97-AF65-F5344CB8AC3E}">
+        <p14:creationId xmlns:p14="http://schemas.microsoft.com/office/powerpoint/2010/main" val="2381964955"/>
       </p:ext>
     </p:extLst>
   </p:cSld>
@@ -30938,13 +31497,8 @@
           <a:p>
             <a:r>
               <a:rPr lang="de-DE" dirty="0"/>
-              <a:t>Other Benchmarks: Memory </a:t>
-            </a:r>
-            <a:r>
-              <a:rPr lang="de-DE" dirty="0" err="1"/>
-              <a:t>Usage</a:t>
-            </a:r>
-            <a:endParaRPr lang="de-DE" dirty="0"/>
+              <a:t>Other Benchmarks: Search</a:t>
+            </a:r>
           </a:p>
         </p:txBody>
       </p:sp>
@@ -30986,19 +31540,234 @@
               <a:t>Source: </a:t>
             </a:r>
             <a:r>
-              <a:rPr lang="en-US" sz="1100" dirty="0">
+              <a:rPr lang="en-US" sz="1200" dirty="0">
+                <a:hlinkClick r:id="rId3"/>
+              </a:rPr>
+              <a:t>A comparison of adaptive radix trees and hash tables. IEEE 2015</a:t>
+            </a:r>
+            <a:endParaRPr lang="en-US" sz="1200" dirty="0"/>
+          </a:p>
+        </p:txBody>
+      </p:sp>
+      <p:pic>
+        <p:nvPicPr>
+          <p:cNvPr id="8" name="Content Placeholder 7" descr="Chart, bar chart&#10;&#10;Description automatically generated">
+            <a:extLst>
+              <a:ext uri="{FF2B5EF4-FFF2-40B4-BE49-F238E27FC236}">
+                <a16:creationId xmlns:a16="http://schemas.microsoft.com/office/drawing/2014/main" id="{25ECB429-ED5C-562E-5E15-D44FDAE8D59B}"/>
+              </a:ext>
+            </a:extLst>
+          </p:cNvPr>
+          <p:cNvPicPr>
+            <a:picLocks noGrp="1" noChangeAspect="1"/>
+          </p:cNvPicPr>
+          <p:nvPr>
+            <p:ph idx="1"/>
+          </p:nvPr>
+        </p:nvPicPr>
+        <p:blipFill>
+          <a:blip r:embed="rId4"/>
+          <a:stretch>
+            <a:fillRect/>
+          </a:stretch>
+        </p:blipFill>
+        <p:spPr>
+          <a:xfrm>
+            <a:off x="0" y="2765779"/>
+            <a:ext cx="9147744" cy="2691526"/>
+          </a:xfrm>
+        </p:spPr>
+      </p:pic>
+    </p:spTree>
+    <p:extLst>
+      <p:ext uri="{BB962C8B-B14F-4D97-AF65-F5344CB8AC3E}">
+        <p14:creationId xmlns:p14="http://schemas.microsoft.com/office/powerpoint/2010/main" val="3989677819"/>
+      </p:ext>
+    </p:extLst>
+  </p:cSld>
+  <p:clrMapOvr>
+    <a:masterClrMapping/>
+  </p:clrMapOvr>
+</p:sld>
+</file>
+
+<file path=ppt/slides/slide29.xml><?xml version="1.0" encoding="utf-8"?>
+<p:sld xmlns:a="http://schemas.openxmlformats.org/drawingml/2006/main" xmlns:r="http://schemas.openxmlformats.org/officeDocument/2006/relationships" xmlns:p="http://schemas.openxmlformats.org/presentationml/2006/main">
+  <p:cSld>
+    <p:spTree>
+      <p:nvGrpSpPr>
+        <p:cNvPr id="1" name=""/>
+        <p:cNvGrpSpPr/>
+        <p:nvPr/>
+      </p:nvGrpSpPr>
+      <p:grpSpPr>
+        <a:xfrm>
+          <a:off x="0" y="0"/>
+          <a:ext cx="0" cy="0"/>
+          <a:chOff x="0" y="0"/>
+          <a:chExt cx="0" cy="0"/>
+        </a:xfrm>
+      </p:grpSpPr>
+      <p:sp>
+        <p:nvSpPr>
+          <p:cNvPr id="4" name="Foliennummernplatzhalter 3"/>
+          <p:cNvSpPr>
+            <a:spLocks noGrp="1"/>
+          </p:cNvSpPr>
+          <p:nvPr>
+            <p:ph type="sldNum" sz="quarter" idx="11"/>
+          </p:nvPr>
+        </p:nvSpPr>
+        <p:spPr>
+          <a:xfrm>
+            <a:off x="6774934" y="6473313"/>
+            <a:ext cx="2052000" cy="365125"/>
+          </a:xfrm>
+        </p:spPr>
+        <p:txBody>
+          <a:bodyPr anchor="ctr">
+            <a:normAutofit/>
+          </a:bodyPr>
+          <a:lstStyle/>
+          <a:p>
+            <a:pPr>
+              <a:spcAft>
+                <a:spcPts val="600"/>
+              </a:spcAft>
+            </a:pPr>
+            <a:fld id="{CE58CB1E-F828-4F11-99E0-327109AF9DA4}" type="slidenum">
+              <a:rPr lang="de-DE" smtClean="0"/>
+              <a:pPr>
+                <a:spcAft>
+                  <a:spcPts val="600"/>
+                </a:spcAft>
+              </a:pPr>
+              <a:t>29</a:t>
+            </a:fld>
+            <a:endParaRPr lang="de-DE"/>
+          </a:p>
+        </p:txBody>
+      </p:sp>
+      <p:sp>
+        <p:nvSpPr>
+          <p:cNvPr id="7" name="Fußzeilenplatzhalter 4"/>
+          <p:cNvSpPr>
+            <a:spLocks noGrp="1"/>
+          </p:cNvSpPr>
+          <p:nvPr>
+            <p:ph type="ftr" sz="quarter" idx="12"/>
+          </p:nvPr>
+        </p:nvSpPr>
+        <p:spPr>
+          <a:xfrm>
+            <a:off x="311162" y="6473313"/>
+            <a:ext cx="7829538" cy="384687"/>
+          </a:xfrm>
+        </p:spPr>
+        <p:txBody>
+          <a:bodyPr anchor="ctr">
+            <a:normAutofit/>
+          </a:bodyPr>
+          <a:lstStyle/>
+          <a:p>
+            <a:pPr>
+              <a:spcAft>
+                <a:spcPts val="600"/>
+              </a:spcAft>
+            </a:pPr>
+            <a:r>
+              <a:rPr lang="de-DE" dirty="0"/>
+              <a:t>Jonas Fritsch | The Adaptive Radix Tree</a:t>
+            </a:r>
+            <a:endParaRPr lang="en-US" dirty="0"/>
+          </a:p>
+        </p:txBody>
+      </p:sp>
+      <p:sp>
+        <p:nvSpPr>
+          <p:cNvPr id="3" name="Titel 2"/>
+          <p:cNvSpPr>
+            <a:spLocks noGrp="1"/>
+          </p:cNvSpPr>
+          <p:nvPr>
+            <p:ph type="title"/>
+          </p:nvPr>
+        </p:nvSpPr>
+        <p:spPr>
+          <a:xfrm>
+            <a:off x="319090" y="994334"/>
+            <a:ext cx="8508999" cy="410369"/>
+          </a:xfrm>
+        </p:spPr>
+        <p:txBody>
+          <a:bodyPr wrap="square" anchor="t">
+            <a:normAutofit/>
+          </a:bodyPr>
+          <a:lstStyle/>
+          <a:p>
+            <a:r>
+              <a:rPr lang="de-DE" dirty="0"/>
+              <a:t>Other Benchmarks: Memory </a:t>
+            </a:r>
+            <a:r>
+              <a:rPr lang="de-DE" dirty="0" err="1"/>
+              <a:t>Usage</a:t>
+            </a:r>
+            <a:endParaRPr lang="de-DE" dirty="0"/>
+          </a:p>
+        </p:txBody>
+      </p:sp>
+      <p:sp>
+        <p:nvSpPr>
+          <p:cNvPr id="11" name="TextBox 10">
+            <a:extLst>
+              <a:ext uri="{FF2B5EF4-FFF2-40B4-BE49-F238E27FC236}">
+                <a16:creationId xmlns:a16="http://schemas.microsoft.com/office/drawing/2014/main" id="{500B67D3-476A-32EF-29E9-D60790BC8EE4}"/>
+              </a:ext>
+            </a:extLst>
+          </p:cNvPr>
+          <p:cNvSpPr txBox="1"/>
+          <p:nvPr/>
+        </p:nvSpPr>
+        <p:spPr>
+          <a:xfrm>
+            <a:off x="311162" y="6298789"/>
+            <a:ext cx="8635130" cy="193002"/>
+          </a:xfrm>
+          <a:prstGeom prst="rect">
+            <a:avLst/>
+          </a:prstGeom>
+          <a:noFill/>
+        </p:spPr>
+        <p:txBody>
+          <a:bodyPr wrap="square" lIns="0" tIns="0" rIns="0" bIns="0" rtlCol="0">
+            <a:spAutoFit/>
+          </a:bodyPr>
+          <a:lstStyle/>
+          <a:p>
+            <a:pPr>
+              <a:lnSpc>
+                <a:spcPct val="114000"/>
+              </a:lnSpc>
+            </a:pPr>
+            <a:r>
+              <a:rPr lang="en-US" sz="1200" b="1" dirty="0"/>
+              <a:t>Source: </a:t>
+            </a:r>
+            <a:r>
+              <a:rPr lang="en-US" sz="1200" dirty="0">
                 <a:hlinkClick r:id="rId3"/>
               </a:rPr>
               <a:t>Building a </a:t>
             </a:r>
             <a:r>
-              <a:rPr lang="en-US" sz="1100" dirty="0" err="1">
+              <a:rPr lang="en-US" sz="1200" dirty="0" err="1">
                 <a:hlinkClick r:id="rId3"/>
               </a:rPr>
               <a:t>Bw</a:t>
             </a:r>
             <a:r>
-              <a:rPr lang="en-US" sz="1100" dirty="0">
+              <a:rPr lang="en-US" sz="1200" dirty="0">
                 <a:hlinkClick r:id="rId3"/>
               </a:rPr>
               <a:t>-Tree Takes More Than Just Buzz Words. SIGMOD, 2018</a:t>
@@ -31049,7 +31818,7 @@
 </p:sld>
 </file>
 
-<file path=ppt/slides/slide29.xml><?xml version="1.0" encoding="utf-8"?>
+<file path=ppt/slides/slide3.xml><?xml version="1.0" encoding="utf-8"?>
 <p:sld xmlns:a="http://schemas.openxmlformats.org/drawingml/2006/main" xmlns:r="http://schemas.openxmlformats.org/officeDocument/2006/relationships" xmlns:p="http://schemas.openxmlformats.org/presentationml/2006/main">
   <p:cSld>
     <p:spTree>
@@ -31077,38 +31846,26 @@
           </p:nvPr>
         </p:nvSpPr>
         <p:spPr>
-          <a:xfrm>
-            <a:off x="6774934" y="6473313"/>
-            <a:ext cx="2052000" cy="365125"/>
-          </a:xfrm>
+          <a:prstGeom prst="rect">
+            <a:avLst/>
+          </a:prstGeom>
         </p:spPr>
         <p:txBody>
-          <a:bodyPr anchor="ctr">
-            <a:normAutofit/>
-          </a:bodyPr>
+          <a:bodyPr/>
           <a:lstStyle/>
           <a:p>
-            <a:pPr>
-              <a:spcAft>
-                <a:spcPts val="600"/>
-              </a:spcAft>
-            </a:pPr>
             <a:fld id="{CE58CB1E-F828-4F11-99E0-327109AF9DA4}" type="slidenum">
               <a:rPr lang="de-DE" smtClean="0"/>
-              <a:pPr>
-                <a:spcAft>
-                  <a:spcPts val="600"/>
-                </a:spcAft>
-              </a:pPr>
-              <a:t>29</a:t>
+              <a:pPr/>
+              <a:t>3</a:t>
             </a:fld>
-            <a:endParaRPr lang="de-DE"/>
+            <a:endParaRPr lang="de-DE" dirty="0"/>
           </a:p>
         </p:txBody>
       </p:sp>
       <p:sp>
         <p:nvSpPr>
-          <p:cNvPr id="7" name="Fußzeilenplatzhalter 4"/>
+          <p:cNvPr id="6" name="Fußzeilenplatzhalter 4"/>
           <p:cNvSpPr>
             <a:spLocks noGrp="1"/>
           </p:cNvSpPr>
@@ -31116,23 +31873,11 @@
             <p:ph type="ftr" sz="quarter" idx="12"/>
           </p:nvPr>
         </p:nvSpPr>
-        <p:spPr>
-          <a:xfrm>
-            <a:off x="311162" y="6473313"/>
-            <a:ext cx="7829538" cy="384687"/>
-          </a:xfrm>
-        </p:spPr>
+        <p:spPr/>
         <p:txBody>
-          <a:bodyPr anchor="ctr">
-            <a:normAutofit/>
-          </a:bodyPr>
+          <a:bodyPr/>
           <a:lstStyle/>
           <a:p>
-            <a:pPr>
-              <a:spcAft>
-                <a:spcPts val="600"/>
-              </a:spcAft>
-            </a:pPr>
             <a:r>
               <a:rPr lang="de-DE" dirty="0"/>
               <a:t>Jonas Fritsch | The Adaptive Radix Tree</a:t>
@@ -31152,30 +31897,75 @@
           </p:nvPr>
         </p:nvSpPr>
         <p:spPr>
-          <a:xfrm>
-            <a:off x="319090" y="994334"/>
-            <a:ext cx="8508999" cy="410369"/>
-          </a:xfrm>
+          <a:prstGeom prst="rect">
+            <a:avLst/>
+          </a:prstGeom>
         </p:spPr>
         <p:txBody>
-          <a:bodyPr wrap="square" anchor="t">
-            <a:normAutofit/>
-          </a:bodyPr>
+          <a:bodyPr/>
           <a:lstStyle/>
           <a:p>
             <a:r>
-              <a:rPr lang="de-DE" dirty="0"/>
-              <a:t>Other Benchmarks: Performance</a:t>
-            </a:r>
+              <a:rPr sz="3000" dirty="0"/>
+              <a:t>Disk-</a:t>
+            </a:r>
+            <a:r>
+              <a:rPr sz="3000" dirty="0" err="1"/>
+              <a:t>Based</a:t>
+            </a:r>
+            <a:r>
+              <a:rPr sz="3000" dirty="0"/>
+              <a:t> </a:t>
+            </a:r>
+            <a:r>
+              <a:rPr sz="3000" dirty="0" err="1"/>
+              <a:t>vs</a:t>
+            </a:r>
+            <a:r>
+              <a:rPr sz="3000" dirty="0"/>
+              <a:t> Main-Memory DBMS</a:t>
+            </a:r>
+            <a:endParaRPr lang="de-DE" sz="3000" dirty="0"/>
           </a:p>
         </p:txBody>
       </p:sp>
-      <p:sp>
-        <p:nvSpPr>
-          <p:cNvPr id="11" name="TextBox 10">
+      <p:graphicFrame>
+        <p:nvGraphicFramePr>
+          <p:cNvPr id="11" name="Content Placeholder 10">
             <a:extLst>
               <a:ext uri="{FF2B5EF4-FFF2-40B4-BE49-F238E27FC236}">
-                <a16:creationId xmlns:a16="http://schemas.microsoft.com/office/drawing/2014/main" id="{500B67D3-476A-32EF-29E9-D60790BC8EE4}"/>
+                <a16:creationId xmlns:a16="http://schemas.microsoft.com/office/drawing/2014/main" id="{67418F4B-4F94-0B5B-ABEB-335FB160F208}"/>
+              </a:ext>
+            </a:extLst>
+          </p:cNvPr>
+          <p:cNvGraphicFramePr>
+            <a:graphicFrameLocks noGrp="1"/>
+          </p:cNvGraphicFramePr>
+          <p:nvPr>
+            <p:ph idx="1"/>
+            <p:extLst>
+              <p:ext uri="{D42A27DB-BD31-4B8C-83A1-F6EECF244321}">
+                <p14:modId xmlns:p14="http://schemas.microsoft.com/office/powerpoint/2010/main" val="2908920313"/>
+              </p:ext>
+            </p:extLst>
+          </p:nvPr>
+        </p:nvGraphicFramePr>
+        <p:xfrm>
+          <a:off x="319088" y="1762125"/>
+          <a:ext cx="8509000" cy="4699000"/>
+        </p:xfrm>
+        <a:graphic>
+          <a:graphicData uri="http://schemas.openxmlformats.org/drawingml/2006/chart">
+            <c:chart xmlns:c="http://schemas.openxmlformats.org/drawingml/2006/chart" xmlns:r="http://schemas.openxmlformats.org/officeDocument/2006/relationships" r:id="rId3"/>
+          </a:graphicData>
+        </a:graphic>
+      </p:graphicFrame>
+      <p:sp>
+        <p:nvSpPr>
+          <p:cNvPr id="8" name="TextBox 7">
+            <a:extLst>
+              <a:ext uri="{FF2B5EF4-FFF2-40B4-BE49-F238E27FC236}">
+                <a16:creationId xmlns:a16="http://schemas.microsoft.com/office/drawing/2014/main" id="{EE08BE93-D048-4BE8-2116-925308649B84}"/>
               </a:ext>
             </a:extLst>
           </p:cNvPr>
@@ -31208,19 +31998,200 @@
               <a:t>Source: </a:t>
             </a:r>
             <a:r>
-              <a:rPr lang="en-US" sz="1100" dirty="0">
+              <a:rPr lang="en-US" sz="1200" dirty="0">
+                <a:hlinkClick r:id="rId4"/>
+              </a:rPr>
+              <a:t>OLTP through the looking glass, and what we found there. SIGMOD, 2008</a:t>
+            </a:r>
+            <a:endParaRPr lang="en-US" sz="1200" dirty="0"/>
+          </a:p>
+        </p:txBody>
+      </p:sp>
+    </p:spTree>
+    <p:extLst>
+      <p:ext uri="{BB962C8B-B14F-4D97-AF65-F5344CB8AC3E}">
+        <p14:creationId xmlns:p14="http://schemas.microsoft.com/office/powerpoint/2010/main" val="2049547931"/>
+      </p:ext>
+    </p:extLst>
+  </p:cSld>
+  <p:clrMapOvr>
+    <a:masterClrMapping/>
+  </p:clrMapOvr>
+</p:sld>
+</file>
+
+<file path=ppt/slides/slide30.xml><?xml version="1.0" encoding="utf-8"?>
+<p:sld xmlns:a="http://schemas.openxmlformats.org/drawingml/2006/main" xmlns:r="http://schemas.openxmlformats.org/officeDocument/2006/relationships" xmlns:p="http://schemas.openxmlformats.org/presentationml/2006/main">
+  <p:cSld>
+    <p:spTree>
+      <p:nvGrpSpPr>
+        <p:cNvPr id="1" name=""/>
+        <p:cNvGrpSpPr/>
+        <p:nvPr/>
+      </p:nvGrpSpPr>
+      <p:grpSpPr>
+        <a:xfrm>
+          <a:off x="0" y="0"/>
+          <a:ext cx="0" cy="0"/>
+          <a:chOff x="0" y="0"/>
+          <a:chExt cx="0" cy="0"/>
+        </a:xfrm>
+      </p:grpSpPr>
+      <p:sp>
+        <p:nvSpPr>
+          <p:cNvPr id="4" name="Foliennummernplatzhalter 3"/>
+          <p:cNvSpPr>
+            <a:spLocks noGrp="1"/>
+          </p:cNvSpPr>
+          <p:nvPr>
+            <p:ph type="sldNum" sz="quarter" idx="11"/>
+          </p:nvPr>
+        </p:nvSpPr>
+        <p:spPr>
+          <a:xfrm>
+            <a:off x="6774934" y="6473313"/>
+            <a:ext cx="2052000" cy="365125"/>
+          </a:xfrm>
+        </p:spPr>
+        <p:txBody>
+          <a:bodyPr anchor="ctr">
+            <a:normAutofit/>
+          </a:bodyPr>
+          <a:lstStyle/>
+          <a:p>
+            <a:pPr>
+              <a:spcAft>
+                <a:spcPts val="600"/>
+              </a:spcAft>
+            </a:pPr>
+            <a:fld id="{CE58CB1E-F828-4F11-99E0-327109AF9DA4}" type="slidenum">
+              <a:rPr lang="de-DE" smtClean="0"/>
+              <a:pPr>
+                <a:spcAft>
+                  <a:spcPts val="600"/>
+                </a:spcAft>
+              </a:pPr>
+              <a:t>30</a:t>
+            </a:fld>
+            <a:endParaRPr lang="de-DE"/>
+          </a:p>
+        </p:txBody>
+      </p:sp>
+      <p:sp>
+        <p:nvSpPr>
+          <p:cNvPr id="7" name="Fußzeilenplatzhalter 4"/>
+          <p:cNvSpPr>
+            <a:spLocks noGrp="1"/>
+          </p:cNvSpPr>
+          <p:nvPr>
+            <p:ph type="ftr" sz="quarter" idx="12"/>
+          </p:nvPr>
+        </p:nvSpPr>
+        <p:spPr>
+          <a:xfrm>
+            <a:off x="311162" y="6473313"/>
+            <a:ext cx="7829538" cy="384687"/>
+          </a:xfrm>
+        </p:spPr>
+        <p:txBody>
+          <a:bodyPr anchor="ctr">
+            <a:normAutofit/>
+          </a:bodyPr>
+          <a:lstStyle/>
+          <a:p>
+            <a:pPr>
+              <a:spcAft>
+                <a:spcPts val="600"/>
+              </a:spcAft>
+            </a:pPr>
+            <a:r>
+              <a:rPr lang="de-DE" dirty="0"/>
+              <a:t>Jonas Fritsch | The Adaptive Radix Tree</a:t>
+            </a:r>
+            <a:endParaRPr lang="en-US" dirty="0"/>
+          </a:p>
+        </p:txBody>
+      </p:sp>
+      <p:sp>
+        <p:nvSpPr>
+          <p:cNvPr id="3" name="Titel 2"/>
+          <p:cNvSpPr>
+            <a:spLocks noGrp="1"/>
+          </p:cNvSpPr>
+          <p:nvPr>
+            <p:ph type="title"/>
+          </p:nvPr>
+        </p:nvSpPr>
+        <p:spPr>
+          <a:xfrm>
+            <a:off x="319090" y="994334"/>
+            <a:ext cx="8508999" cy="410369"/>
+          </a:xfrm>
+        </p:spPr>
+        <p:txBody>
+          <a:bodyPr wrap="square" anchor="t">
+            <a:normAutofit/>
+          </a:bodyPr>
+          <a:lstStyle/>
+          <a:p>
+            <a:r>
+              <a:rPr lang="de-DE" dirty="0"/>
+              <a:t>Other Benchmarks: Performance</a:t>
+            </a:r>
+          </a:p>
+        </p:txBody>
+      </p:sp>
+      <p:sp>
+        <p:nvSpPr>
+          <p:cNvPr id="11" name="TextBox 10">
+            <a:extLst>
+              <a:ext uri="{FF2B5EF4-FFF2-40B4-BE49-F238E27FC236}">
+                <a16:creationId xmlns:a16="http://schemas.microsoft.com/office/drawing/2014/main" id="{500B67D3-476A-32EF-29E9-D60790BC8EE4}"/>
+              </a:ext>
+            </a:extLst>
+          </p:cNvPr>
+          <p:cNvSpPr txBox="1"/>
+          <p:nvPr/>
+        </p:nvSpPr>
+        <p:spPr>
+          <a:xfrm>
+            <a:off x="311162" y="6298789"/>
+            <a:ext cx="8635130" cy="193002"/>
+          </a:xfrm>
+          <a:prstGeom prst="rect">
+            <a:avLst/>
+          </a:prstGeom>
+          <a:noFill/>
+        </p:spPr>
+        <p:txBody>
+          <a:bodyPr wrap="square" lIns="0" tIns="0" rIns="0" bIns="0" rtlCol="0">
+            <a:spAutoFit/>
+          </a:bodyPr>
+          <a:lstStyle/>
+          <a:p>
+            <a:pPr>
+              <a:lnSpc>
+                <a:spcPct val="114000"/>
+              </a:lnSpc>
+            </a:pPr>
+            <a:r>
+              <a:rPr lang="en-US" sz="1200" b="1" dirty="0"/>
+              <a:t>Source: </a:t>
+            </a:r>
+            <a:r>
+              <a:rPr lang="en-US" sz="1200" dirty="0">
                 <a:hlinkClick r:id="rId3"/>
               </a:rPr>
               <a:t>Building a </a:t>
             </a:r>
             <a:r>
-              <a:rPr lang="en-US" sz="1100" dirty="0" err="1">
+              <a:rPr lang="en-US" sz="1200" dirty="0" err="1">
                 <a:hlinkClick r:id="rId3"/>
               </a:rPr>
               <a:t>Bw</a:t>
             </a:r>
             <a:r>
-              <a:rPr lang="en-US" sz="1100" dirty="0">
+              <a:rPr lang="en-US" sz="1200" dirty="0">
                 <a:hlinkClick r:id="rId3"/>
               </a:rPr>
               <a:t>-Tree Takes More Than Just Buzz Words. SIGMOD, 2018</a:t>
@@ -31271,209 +32242,7 @@
 </p:sld>
 </file>
 
-<file path=ppt/slides/slide3.xml><?xml version="1.0" encoding="utf-8"?>
-<p:sld xmlns:a="http://schemas.openxmlformats.org/drawingml/2006/main" xmlns:r="http://schemas.openxmlformats.org/officeDocument/2006/relationships" xmlns:p="http://schemas.openxmlformats.org/presentationml/2006/main">
-  <p:cSld>
-    <p:spTree>
-      <p:nvGrpSpPr>
-        <p:cNvPr id="1" name=""/>
-        <p:cNvGrpSpPr/>
-        <p:nvPr/>
-      </p:nvGrpSpPr>
-      <p:grpSpPr>
-        <a:xfrm>
-          <a:off x="0" y="0"/>
-          <a:ext cx="0" cy="0"/>
-          <a:chOff x="0" y="0"/>
-          <a:chExt cx="0" cy="0"/>
-        </a:xfrm>
-      </p:grpSpPr>
-      <p:sp>
-        <p:nvSpPr>
-          <p:cNvPr id="4" name="Foliennummernplatzhalter 3"/>
-          <p:cNvSpPr>
-            <a:spLocks noGrp="1"/>
-          </p:cNvSpPr>
-          <p:nvPr>
-            <p:ph type="sldNum" sz="quarter" idx="11"/>
-          </p:nvPr>
-        </p:nvSpPr>
-        <p:spPr>
-          <a:prstGeom prst="rect">
-            <a:avLst/>
-          </a:prstGeom>
-        </p:spPr>
-        <p:txBody>
-          <a:bodyPr/>
-          <a:lstStyle/>
-          <a:p>
-            <a:fld id="{CE58CB1E-F828-4F11-99E0-327109AF9DA4}" type="slidenum">
-              <a:rPr lang="de-DE" smtClean="0"/>
-              <a:pPr/>
-              <a:t>3</a:t>
-            </a:fld>
-            <a:endParaRPr lang="de-DE" dirty="0"/>
-          </a:p>
-        </p:txBody>
-      </p:sp>
-      <p:sp>
-        <p:nvSpPr>
-          <p:cNvPr id="6" name="Fußzeilenplatzhalter 4"/>
-          <p:cNvSpPr>
-            <a:spLocks noGrp="1"/>
-          </p:cNvSpPr>
-          <p:nvPr>
-            <p:ph type="ftr" sz="quarter" idx="12"/>
-          </p:nvPr>
-        </p:nvSpPr>
-        <p:spPr/>
-        <p:txBody>
-          <a:bodyPr/>
-          <a:lstStyle/>
-          <a:p>
-            <a:r>
-              <a:rPr lang="de-DE" dirty="0"/>
-              <a:t>Jonas Fritsch | The Adaptive Radix Tree</a:t>
-            </a:r>
-            <a:endParaRPr lang="en-US" dirty="0"/>
-          </a:p>
-        </p:txBody>
-      </p:sp>
-      <p:sp>
-        <p:nvSpPr>
-          <p:cNvPr id="3" name="Titel 2"/>
-          <p:cNvSpPr>
-            <a:spLocks noGrp="1"/>
-          </p:cNvSpPr>
-          <p:nvPr>
-            <p:ph type="title"/>
-          </p:nvPr>
-        </p:nvSpPr>
-        <p:spPr>
-          <a:prstGeom prst="rect">
-            <a:avLst/>
-          </a:prstGeom>
-        </p:spPr>
-        <p:txBody>
-          <a:bodyPr/>
-          <a:lstStyle/>
-          <a:p>
-            <a:r>
-              <a:rPr sz="3000" dirty="0"/>
-              <a:t>Disk-</a:t>
-            </a:r>
-            <a:r>
-              <a:rPr sz="3000" dirty="0" err="1"/>
-              <a:t>Based</a:t>
-            </a:r>
-            <a:r>
-              <a:rPr sz="3000" dirty="0"/>
-              <a:t> </a:t>
-            </a:r>
-            <a:r>
-              <a:rPr sz="3000" dirty="0" err="1"/>
-              <a:t>vs</a:t>
-            </a:r>
-            <a:r>
-              <a:rPr sz="3000" dirty="0"/>
-              <a:t> Main-Memory DBMS</a:t>
-            </a:r>
-            <a:endParaRPr lang="de-DE" sz="3000" dirty="0"/>
-          </a:p>
-        </p:txBody>
-      </p:sp>
-      <p:graphicFrame>
-        <p:nvGraphicFramePr>
-          <p:cNvPr id="11" name="Content Placeholder 10">
-            <a:extLst>
-              <a:ext uri="{FF2B5EF4-FFF2-40B4-BE49-F238E27FC236}">
-                <a16:creationId xmlns:a16="http://schemas.microsoft.com/office/drawing/2014/main" id="{67418F4B-4F94-0B5B-ABEB-335FB160F208}"/>
-              </a:ext>
-            </a:extLst>
-          </p:cNvPr>
-          <p:cNvGraphicFramePr>
-            <a:graphicFrameLocks noGrp="1"/>
-          </p:cNvGraphicFramePr>
-          <p:nvPr>
-            <p:ph idx="1"/>
-            <p:extLst>
-              <p:ext uri="{D42A27DB-BD31-4B8C-83A1-F6EECF244321}">
-                <p14:modId xmlns:p14="http://schemas.microsoft.com/office/powerpoint/2010/main" val="2908920313"/>
-              </p:ext>
-            </p:extLst>
-          </p:nvPr>
-        </p:nvGraphicFramePr>
-        <p:xfrm>
-          <a:off x="319088" y="1762125"/>
-          <a:ext cx="8509000" cy="4699000"/>
-        </p:xfrm>
-        <a:graphic>
-          <a:graphicData uri="http://schemas.openxmlformats.org/drawingml/2006/chart">
-            <c:chart xmlns:c="http://schemas.openxmlformats.org/drawingml/2006/chart" xmlns:r="http://schemas.openxmlformats.org/officeDocument/2006/relationships" r:id="rId3"/>
-          </a:graphicData>
-        </a:graphic>
-      </p:graphicFrame>
-      <p:sp>
-        <p:nvSpPr>
-          <p:cNvPr id="8" name="TextBox 7">
-            <a:extLst>
-              <a:ext uri="{FF2B5EF4-FFF2-40B4-BE49-F238E27FC236}">
-                <a16:creationId xmlns:a16="http://schemas.microsoft.com/office/drawing/2014/main" id="{EE08BE93-D048-4BE8-2116-925308649B84}"/>
-              </a:ext>
-            </a:extLst>
-          </p:cNvPr>
-          <p:cNvSpPr txBox="1"/>
-          <p:nvPr/>
-        </p:nvSpPr>
-        <p:spPr>
-          <a:xfrm>
-            <a:off x="311162" y="6298789"/>
-            <a:ext cx="8635130" cy="193002"/>
-          </a:xfrm>
-          <a:prstGeom prst="rect">
-            <a:avLst/>
-          </a:prstGeom>
-          <a:noFill/>
-        </p:spPr>
-        <p:txBody>
-          <a:bodyPr wrap="square" lIns="0" tIns="0" rIns="0" bIns="0" rtlCol="0">
-            <a:spAutoFit/>
-          </a:bodyPr>
-          <a:lstStyle/>
-          <a:p>
-            <a:pPr>
-              <a:lnSpc>
-                <a:spcPct val="114000"/>
-              </a:lnSpc>
-            </a:pPr>
-            <a:r>
-              <a:rPr lang="en-US" sz="1200" b="1" dirty="0"/>
-              <a:t>Source: </a:t>
-            </a:r>
-            <a:r>
-              <a:rPr lang="en-US" sz="1200" dirty="0">
-                <a:hlinkClick r:id="rId4"/>
-              </a:rPr>
-              <a:t>OLTP through the looking glass, and what we found there. SIGMOD, 2008</a:t>
-            </a:r>
-            <a:endParaRPr lang="en-US" sz="1200" dirty="0"/>
-          </a:p>
-        </p:txBody>
-      </p:sp>
-    </p:spTree>
-    <p:extLst>
-      <p:ext uri="{BB962C8B-B14F-4D97-AF65-F5344CB8AC3E}">
-        <p14:creationId xmlns:p14="http://schemas.microsoft.com/office/powerpoint/2010/main" val="2049547931"/>
-      </p:ext>
-    </p:extLst>
-  </p:cSld>
-  <p:clrMapOvr>
-    <a:masterClrMapping/>
-  </p:clrMapOvr>
-</p:sld>
-</file>
-
-<file path=ppt/slides/slide30.xml><?xml version="1.0" encoding="utf-8"?>
+<file path=ppt/slides/slide31.xml><?xml version="1.0" encoding="utf-8"?>
 <p:sld xmlns:a="http://schemas.openxmlformats.org/drawingml/2006/main" xmlns:r="http://schemas.openxmlformats.org/officeDocument/2006/relationships" xmlns:p="http://schemas.openxmlformats.org/presentationml/2006/main">
   <p:cSld>
     <p:spTree>
@@ -31500,7 +32269,7 @@
             <p:ph idx="1"/>
             <p:extLst>
               <p:ext uri="{D42A27DB-BD31-4B8C-83A1-F6EECF244321}">
-                <p14:modId xmlns:p14="http://schemas.microsoft.com/office/powerpoint/2010/main" val="1626084439"/>
+                <p14:modId xmlns:p14="http://schemas.microsoft.com/office/powerpoint/2010/main" val="3551372059"/>
               </p:ext>
             </p:extLst>
           </p:nvPr>
@@ -31790,7 +32559,7 @@
                     <a:bodyPr/>
                     <a:lstStyle/>
                     <a:p>
-                      <a:pPr marL="0" marR="0" indent="0" algn="ctr" defTabSz="914400" rtl="0" eaLnBrk="1" fontAlgn="auto" latinLnBrk="0" hangingPunct="1">
+                      <a:pPr marL="0" marR="0" lvl="0" indent="0" algn="ctr" defTabSz="914400" rtl="0" eaLnBrk="1" fontAlgn="auto" latinLnBrk="0" hangingPunct="1">
                         <a:lnSpc>
                           <a:spcPct val="100000"/>
                         </a:lnSpc>
@@ -31816,7 +32585,7 @@
                           <a:ea typeface="+mn-ea"/>
                           <a:cs typeface="+mn-cs"/>
                         </a:rPr>
-                        <a:t>~</a:t>
+                        <a:t>−</a:t>
                       </a:r>
                     </a:p>
                   </a:txBody>
@@ -32358,9 +33127,9 @@
                     <a:bodyPr/>
                     <a:lstStyle/>
                     <a:p>
-                      <a:pPr marL="0" marR="0" indent="0" algn="ctr" defTabSz="914400" rtl="0" eaLnBrk="1" fontAlgn="auto" latinLnBrk="0" hangingPunct="1">
+                      <a:pPr marL="0" marR="0" lvl="0" indent="0" algn="ctr" defTabSz="914400" rtl="0" eaLnBrk="1" fontAlgn="auto" latinLnBrk="0" hangingPunct="1">
                         <a:lnSpc>
-                          <a:spcPct val="100000"/>
+                          <a:spcPts val="1500"/>
                         </a:lnSpc>
                         <a:spcBef>
                           <a:spcPts val="0"/>
@@ -32384,8 +33153,16 @@
                           <a:ea typeface="+mn-ea"/>
                           <a:cs typeface="+mn-cs"/>
                         </a:rPr>
-                        <a:t>−</a:t>
+                        <a:t>~</a:t>
                       </a:r>
+                      <a:endParaRPr lang="de-DE" sz="3600" b="0" kern="1200" dirty="0">
+                        <a:solidFill>
+                          <a:schemeClr val="tx1"/>
+                        </a:solidFill>
+                        <a:latin typeface="+mn-lt"/>
+                        <a:ea typeface="+mn-ea"/>
+                        <a:cs typeface="+mn-cs"/>
+                      </a:endParaRPr>
                     </a:p>
                   </a:txBody>
                   <a:tcPr marL="54000" marR="0" marT="180000" marB="0" anchor="ctr"/>
@@ -32519,7 +33296,7 @@
             <a:fld id="{CE58CB1E-F828-4F11-99E0-327109AF9DA4}" type="slidenum">
               <a:rPr lang="de-DE" smtClean="0"/>
               <a:pPr/>
-              <a:t>30</a:t>
+              <a:t>31</a:t>
             </a:fld>
             <a:endParaRPr lang="de-DE" dirty="0"/>
           </a:p>
@@ -32846,812 +33623,6 @@
     <p:extLst>
       <p:ext uri="{BB962C8B-B14F-4D97-AF65-F5344CB8AC3E}">
         <p14:creationId xmlns:p14="http://schemas.microsoft.com/office/powerpoint/2010/main" val="2950190069"/>
-      </p:ext>
-    </p:extLst>
-  </p:cSld>
-  <p:clrMapOvr>
-    <a:masterClrMapping/>
-  </p:clrMapOvr>
-</p:sld>
-</file>
-
-<file path=ppt/slides/slide31.xml><?xml version="1.0" encoding="utf-8"?>
-<p:sld xmlns:a="http://schemas.openxmlformats.org/drawingml/2006/main" xmlns:r="http://schemas.openxmlformats.org/officeDocument/2006/relationships" xmlns:p="http://schemas.openxmlformats.org/presentationml/2006/main">
-  <p:cSld>
-    <p:spTree>
-      <p:nvGrpSpPr>
-        <p:cNvPr id="1" name=""/>
-        <p:cNvGrpSpPr/>
-        <p:nvPr/>
-      </p:nvGrpSpPr>
-      <p:grpSpPr>
-        <a:xfrm>
-          <a:off x="0" y="0"/>
-          <a:ext cx="0" cy="0"/>
-          <a:chOff x="0" y="0"/>
-          <a:chExt cx="0" cy="0"/>
-        </a:xfrm>
-      </p:grpSpPr>
-      <p:sp>
-        <p:nvSpPr>
-          <p:cNvPr id="4" name="Foliennummernplatzhalter 3"/>
-          <p:cNvSpPr>
-            <a:spLocks noGrp="1"/>
-          </p:cNvSpPr>
-          <p:nvPr>
-            <p:ph type="sldNum" sz="quarter" idx="11"/>
-          </p:nvPr>
-        </p:nvSpPr>
-        <p:spPr/>
-        <p:txBody>
-          <a:bodyPr/>
-          <a:lstStyle/>
-          <a:p>
-            <a:fld id="{CE58CB1E-F828-4F11-99E0-327109AF9DA4}" type="slidenum">
-              <a:rPr lang="de-DE" smtClean="0"/>
-              <a:pPr/>
-              <a:t>31</a:t>
-            </a:fld>
-            <a:endParaRPr lang="de-DE" dirty="0"/>
-          </a:p>
-        </p:txBody>
-      </p:sp>
-      <p:sp>
-        <p:nvSpPr>
-          <p:cNvPr id="10" name="Fußzeilenplatzhalter 4"/>
-          <p:cNvSpPr>
-            <a:spLocks noGrp="1"/>
-          </p:cNvSpPr>
-          <p:nvPr>
-            <p:ph type="ftr" sz="quarter" idx="12"/>
-          </p:nvPr>
-        </p:nvSpPr>
-        <p:spPr/>
-        <p:txBody>
-          <a:bodyPr/>
-          <a:lstStyle/>
-          <a:p>
-            <a:pPr>
-              <a:spcAft>
-                <a:spcPts val="600"/>
-              </a:spcAft>
-            </a:pPr>
-            <a:r>
-              <a:rPr lang="de-DE" dirty="0"/>
-              <a:t>Jonas Fritsch | The Adaptive Radix Tree</a:t>
-            </a:r>
-            <a:endParaRPr lang="en-US" dirty="0"/>
-          </a:p>
-        </p:txBody>
-      </p:sp>
-      <p:sp>
-        <p:nvSpPr>
-          <p:cNvPr id="3" name="Titel 2"/>
-          <p:cNvSpPr>
-            <a:spLocks noGrp="1"/>
-          </p:cNvSpPr>
-          <p:nvPr>
-            <p:ph type="title"/>
-          </p:nvPr>
-        </p:nvSpPr>
-        <p:spPr/>
-        <p:txBody>
-          <a:bodyPr/>
-          <a:lstStyle/>
-          <a:p>
-            <a:r>
-              <a:rPr lang="de-DE" dirty="0"/>
-              <a:t>Summary &amp; </a:t>
-            </a:r>
-            <a:r>
-              <a:rPr lang="de-DE" dirty="0" err="1"/>
-              <a:t>Conclusion</a:t>
-            </a:r>
-            <a:endParaRPr lang="de-DE" dirty="0"/>
-          </a:p>
-        </p:txBody>
-      </p:sp>
-      <p:sp>
-        <p:nvSpPr>
-          <p:cNvPr id="11" name="Inhaltsplatzhalter 1">
-            <a:extLst>
-              <a:ext uri="{FF2B5EF4-FFF2-40B4-BE49-F238E27FC236}">
-                <a16:creationId xmlns:a16="http://schemas.microsoft.com/office/drawing/2014/main" id="{2E134AD9-4D70-D11E-1ED9-97E4A6B605D0}"/>
-              </a:ext>
-            </a:extLst>
-          </p:cNvPr>
-          <p:cNvSpPr>
-            <a:spLocks noGrp="1"/>
-          </p:cNvSpPr>
-          <p:nvPr>
-            <p:ph idx="1"/>
-          </p:nvPr>
-        </p:nvSpPr>
-        <p:spPr>
-          <a:xfrm>
-            <a:off x="319090" y="1762188"/>
-            <a:ext cx="8508999" cy="4699572"/>
-          </a:xfrm>
-        </p:spPr>
-        <p:txBody>
-          <a:bodyPr/>
-          <a:lstStyle/>
-          <a:p>
-            <a:r>
-              <a:rPr b="1" dirty="0"/>
-              <a:t>Further </a:t>
-            </a:r>
-            <a:r>
-              <a:rPr b="1" dirty="0" err="1"/>
-              <a:t>research</a:t>
-            </a:r>
-            <a:r>
-              <a:rPr b="1" dirty="0"/>
-              <a:t> </a:t>
-            </a:r>
-            <a:r>
-              <a:rPr b="1" dirty="0" err="1"/>
-              <a:t>being</a:t>
-            </a:r>
-            <a:r>
-              <a:rPr b="1" dirty="0"/>
-              <a:t> </a:t>
-            </a:r>
-            <a:r>
-              <a:rPr b="1" dirty="0" err="1"/>
-              <a:t>done</a:t>
-            </a:r>
-            <a:r>
-              <a:rPr b="1" dirty="0"/>
-              <a:t>:</a:t>
-            </a:r>
-          </a:p>
-          <a:p>
-            <a:r>
-              <a:rPr lang="de-DE" dirty="0">
-                <a:hlinkClick r:id="rId3"/>
-              </a:rPr>
-              <a:t>The ART </a:t>
-            </a:r>
-            <a:r>
-              <a:rPr lang="de-DE" dirty="0" err="1">
-                <a:hlinkClick r:id="rId3"/>
-              </a:rPr>
-              <a:t>of</a:t>
-            </a:r>
-            <a:r>
-              <a:rPr lang="de-DE" dirty="0">
-                <a:hlinkClick r:id="rId3"/>
-              </a:rPr>
-              <a:t> </a:t>
-            </a:r>
-            <a:r>
-              <a:rPr lang="de-DE" dirty="0" err="1">
-                <a:hlinkClick r:id="rId3"/>
-              </a:rPr>
-              <a:t>practical</a:t>
-            </a:r>
-            <a:r>
-              <a:rPr lang="de-DE" dirty="0">
-                <a:hlinkClick r:id="rId3"/>
-              </a:rPr>
-              <a:t> </a:t>
-            </a:r>
-            <a:r>
-              <a:rPr lang="de-DE" dirty="0" err="1">
-                <a:hlinkClick r:id="rId3"/>
-              </a:rPr>
-              <a:t>synchronization</a:t>
-            </a:r>
-            <a:r>
-              <a:rPr lang="de-DE" dirty="0"/>
-              <a:t> (</a:t>
-            </a:r>
-            <a:r>
-              <a:rPr lang="de-DE" dirty="0" err="1"/>
-              <a:t>DaMoN</a:t>
-            </a:r>
-            <a:r>
-              <a:rPr lang="de-DE" dirty="0"/>
-              <a:t>, 2016)</a:t>
-            </a:r>
-          </a:p>
-          <a:p>
-            <a:pPr marL="461963" lvl="1" indent="-285750">
-              <a:buFont typeface="Arial" panose="020B0604020202020204" pitchFamily="34" charset="0"/>
-              <a:buChar char="•"/>
-            </a:pPr>
-            <a:r>
-              <a:rPr lang="de-DE" dirty="0" err="1"/>
-              <a:t>sychronize</a:t>
-            </a:r>
-            <a:r>
-              <a:rPr lang="de-DE" dirty="0"/>
-              <a:t> ART </a:t>
-            </a:r>
-            <a:r>
-              <a:rPr lang="de-DE" dirty="0" err="1"/>
-              <a:t>for</a:t>
-            </a:r>
-            <a:r>
-              <a:rPr lang="de-DE" dirty="0"/>
-              <a:t> </a:t>
-            </a:r>
-            <a:r>
-              <a:rPr lang="de-DE" dirty="0" err="1"/>
-              <a:t>multithreading</a:t>
-            </a:r>
-            <a:r>
-              <a:rPr lang="de-DE" dirty="0"/>
-              <a:t> </a:t>
-            </a:r>
-            <a:r>
-              <a:rPr lang="de-DE" dirty="0" err="1"/>
-              <a:t>using</a:t>
-            </a:r>
-            <a:r>
-              <a:rPr lang="de-DE" dirty="0"/>
-              <a:t> </a:t>
-            </a:r>
-            <a:r>
-              <a:rPr lang="de-DE" dirty="0" err="1"/>
-              <a:t>combination</a:t>
-            </a:r>
-            <a:r>
-              <a:rPr lang="de-DE" dirty="0"/>
-              <a:t> </a:t>
-            </a:r>
-            <a:r>
-              <a:rPr lang="de-DE" dirty="0" err="1"/>
-              <a:t>of</a:t>
-            </a:r>
-            <a:r>
-              <a:rPr lang="de-DE" dirty="0"/>
-              <a:t> OLP and ROWEX</a:t>
-            </a:r>
-          </a:p>
-          <a:p>
-            <a:pPr marL="461963" lvl="1" indent="-285750">
-              <a:buFont typeface="Arial" panose="020B0604020202020204" pitchFamily="34" charset="0"/>
-              <a:buChar char="•"/>
-            </a:pPr>
-            <a:endParaRPr lang="de-DE" dirty="0"/>
-          </a:p>
-          <a:p>
-            <a:r>
-              <a:rPr lang="de-DE" dirty="0">
-                <a:hlinkClick r:id="rId4"/>
-              </a:rPr>
-              <a:t>HOT: A Height </a:t>
-            </a:r>
-            <a:r>
-              <a:rPr lang="de-DE" dirty="0" err="1">
-                <a:hlinkClick r:id="rId4"/>
-              </a:rPr>
-              <a:t>Optimized</a:t>
-            </a:r>
-            <a:r>
-              <a:rPr lang="de-DE" dirty="0">
-                <a:hlinkClick r:id="rId4"/>
-              </a:rPr>
-              <a:t> Trie Index </a:t>
-            </a:r>
-            <a:r>
-              <a:rPr lang="de-DE" dirty="0" err="1">
-                <a:hlinkClick r:id="rId4"/>
-              </a:rPr>
-              <a:t>for</a:t>
-            </a:r>
-            <a:r>
-              <a:rPr lang="de-DE" dirty="0">
-                <a:hlinkClick r:id="rId4"/>
-              </a:rPr>
-              <a:t> Main-Memory Database Systems</a:t>
-            </a:r>
-            <a:r>
-              <a:rPr lang="de-DE" dirty="0"/>
-              <a:t> (SIGMOD, 2018)</a:t>
-            </a:r>
-          </a:p>
-          <a:p>
-            <a:pPr marL="461963" lvl="1" indent="-285750">
-              <a:buFont typeface="Arial" panose="020B0604020202020204" pitchFamily="34" charset="0"/>
-              <a:buChar char="•"/>
-            </a:pPr>
-            <a:r>
-              <a:rPr lang="de-DE" dirty="0"/>
-              <a:t>ART </a:t>
-            </a:r>
-            <a:r>
-              <a:rPr lang="de-DE" dirty="0" err="1"/>
-              <a:t>performs</a:t>
-            </a:r>
-            <a:r>
-              <a:rPr lang="de-DE" dirty="0"/>
-              <a:t> </a:t>
-            </a:r>
-            <a:r>
-              <a:rPr lang="de-DE" dirty="0" err="1"/>
-              <a:t>worse</a:t>
-            </a:r>
-            <a:r>
-              <a:rPr lang="de-DE" dirty="0"/>
-              <a:t> on </a:t>
-            </a:r>
-            <a:r>
-              <a:rPr lang="de-DE" dirty="0" err="1"/>
-              <a:t>string</a:t>
-            </a:r>
-            <a:r>
-              <a:rPr lang="de-DE" dirty="0"/>
-              <a:t> (</a:t>
-            </a:r>
-            <a:r>
-              <a:rPr lang="de-DE" dirty="0" err="1"/>
-              <a:t>more</a:t>
-            </a:r>
-            <a:r>
-              <a:rPr lang="de-DE" dirty="0"/>
-              <a:t> </a:t>
-            </a:r>
-            <a:r>
-              <a:rPr lang="de-DE" dirty="0" err="1"/>
-              <a:t>random</a:t>
-            </a:r>
-            <a:r>
-              <a:rPr lang="de-DE" dirty="0"/>
-              <a:t> </a:t>
-            </a:r>
-            <a:r>
-              <a:rPr lang="de-DE" dirty="0" err="1"/>
-              <a:t>binary</a:t>
-            </a:r>
-            <a:r>
-              <a:rPr lang="de-DE" dirty="0"/>
-              <a:t> </a:t>
-            </a:r>
-            <a:r>
-              <a:rPr lang="de-DE" dirty="0" err="1"/>
-              <a:t>distribution</a:t>
-            </a:r>
-            <a:r>
-              <a:rPr lang="de-DE" dirty="0"/>
-              <a:t>) due </a:t>
-            </a:r>
-            <a:r>
-              <a:rPr lang="de-DE" dirty="0" err="1"/>
-              <a:t>to</a:t>
-            </a:r>
-            <a:r>
-              <a:rPr lang="de-DE" dirty="0"/>
-              <a:t> </a:t>
-            </a:r>
-            <a:r>
-              <a:rPr lang="de-DE" dirty="0" err="1"/>
-              <a:t>low</a:t>
-            </a:r>
-            <a:r>
-              <a:rPr lang="de-DE" dirty="0"/>
-              <a:t> </a:t>
-            </a:r>
-            <a:r>
-              <a:rPr lang="de-DE" dirty="0" err="1"/>
-              <a:t>fanout</a:t>
-            </a:r>
-            <a:r>
-              <a:rPr lang="de-DE" dirty="0"/>
-              <a:t> in </a:t>
-            </a:r>
-            <a:r>
-              <a:rPr lang="de-DE" dirty="0" err="1"/>
-              <a:t>lower</a:t>
-            </a:r>
-            <a:r>
-              <a:rPr lang="de-DE" dirty="0"/>
-              <a:t> </a:t>
-            </a:r>
-            <a:r>
-              <a:rPr lang="de-DE" dirty="0" err="1"/>
-              <a:t>tree</a:t>
-            </a:r>
-            <a:r>
-              <a:rPr lang="de-DE" dirty="0"/>
-              <a:t> </a:t>
-            </a:r>
-            <a:r>
-              <a:rPr lang="de-DE" dirty="0" err="1"/>
-              <a:t>levels</a:t>
-            </a:r>
-            <a:endParaRPr lang="de-DE" dirty="0"/>
-          </a:p>
-          <a:p>
-            <a:pPr marL="461963" lvl="1" indent="-285750">
-              <a:buFont typeface="Arial" panose="020B0604020202020204" pitchFamily="34" charset="0"/>
-              <a:buChar char="•"/>
-            </a:pPr>
-            <a:r>
-              <a:rPr lang="de-DE" dirty="0" err="1"/>
-              <a:t>Idea</a:t>
-            </a:r>
-            <a:r>
-              <a:rPr lang="de-DE" dirty="0"/>
-              <a:t>: </a:t>
-            </a:r>
-            <a:r>
-              <a:rPr lang="de-DE" dirty="0" err="1"/>
-              <a:t>Achieve</a:t>
-            </a:r>
-            <a:r>
-              <a:rPr lang="de-DE" dirty="0"/>
-              <a:t> </a:t>
-            </a:r>
-            <a:r>
-              <a:rPr lang="de-DE" dirty="0" err="1"/>
-              <a:t>consistently</a:t>
-            </a:r>
-            <a:r>
-              <a:rPr lang="de-DE" dirty="0"/>
-              <a:t> high </a:t>
-            </a:r>
-            <a:r>
-              <a:rPr lang="de-DE" dirty="0" err="1"/>
-              <a:t>fanout</a:t>
-            </a:r>
-            <a:r>
-              <a:rPr lang="de-DE" dirty="0"/>
-              <a:t> </a:t>
-            </a:r>
-            <a:r>
-              <a:rPr lang="de-DE" dirty="0" err="1"/>
-              <a:t>by</a:t>
-            </a:r>
-            <a:r>
-              <a:rPr lang="de-DE" dirty="0"/>
-              <a:t> </a:t>
-            </a:r>
-            <a:r>
-              <a:rPr lang="de-DE" dirty="0" err="1"/>
-              <a:t>adapting</a:t>
-            </a:r>
-            <a:r>
-              <a:rPr lang="de-DE" dirty="0"/>
-              <a:t> </a:t>
-            </a:r>
-            <a:r>
-              <a:rPr lang="de-DE" dirty="0" err="1"/>
-              <a:t>the</a:t>
-            </a:r>
-            <a:r>
-              <a:rPr lang="de-DE" dirty="0"/>
-              <a:t> span at </a:t>
-            </a:r>
-            <a:r>
-              <a:rPr lang="de-DE" dirty="0" err="1"/>
-              <a:t>each</a:t>
-            </a:r>
-            <a:r>
-              <a:rPr lang="de-DE" dirty="0"/>
-              <a:t> </a:t>
-            </a:r>
-            <a:r>
-              <a:rPr lang="de-DE" dirty="0" err="1"/>
-              <a:t>node</a:t>
-            </a:r>
-            <a:endParaRPr lang="de-DE" dirty="0"/>
-          </a:p>
-          <a:p>
-            <a:pPr marL="461963" lvl="1" indent="-285750">
-              <a:buFont typeface="Arial" panose="020B0604020202020204" pitchFamily="34" charset="0"/>
-              <a:buChar char="•"/>
-            </a:pPr>
-            <a:endParaRPr lang="de-DE" dirty="0"/>
-          </a:p>
-          <a:p>
-            <a:r>
-              <a:rPr lang="de-DE" dirty="0">
-                <a:hlinkClick r:id="rId5"/>
-              </a:rPr>
-              <a:t>START – Self-Tuning Adaptive Radix Tree</a:t>
-            </a:r>
-            <a:r>
-              <a:rPr lang="de-DE" dirty="0"/>
-              <a:t> (IEEE, 2020)</a:t>
-            </a:r>
-          </a:p>
-          <a:p>
-            <a:pPr marL="461963" lvl="1" indent="-285750">
-              <a:buFont typeface="Arial" panose="020B0604020202020204" pitchFamily="34" charset="0"/>
-              <a:buChar char="•"/>
-            </a:pPr>
-            <a:r>
-              <a:rPr lang="de-DE" dirty="0" err="1"/>
-              <a:t>Learned</a:t>
-            </a:r>
-            <a:r>
-              <a:rPr lang="de-DE" dirty="0"/>
-              <a:t> </a:t>
-            </a:r>
-            <a:r>
-              <a:rPr lang="de-DE" dirty="0" err="1"/>
-              <a:t>indexes</a:t>
-            </a:r>
-            <a:r>
-              <a:rPr lang="de-DE" dirty="0"/>
-              <a:t> </a:t>
-            </a:r>
-            <a:r>
-              <a:rPr lang="de-DE" dirty="0" err="1"/>
-              <a:t>outperfoming</a:t>
-            </a:r>
-            <a:r>
-              <a:rPr lang="de-DE" dirty="0"/>
-              <a:t> ART in </a:t>
-            </a:r>
-            <a:r>
-              <a:rPr lang="de-DE" dirty="0" err="1"/>
-              <a:t>read-mostly</a:t>
-            </a:r>
-            <a:r>
-              <a:rPr lang="de-DE" dirty="0"/>
-              <a:t> benchmark due </a:t>
-            </a:r>
-            <a:r>
-              <a:rPr lang="de-DE" dirty="0" err="1"/>
-              <a:t>to</a:t>
-            </a:r>
-            <a:r>
-              <a:rPr lang="de-DE" dirty="0"/>
-              <a:t> </a:t>
-            </a:r>
-            <a:r>
-              <a:rPr lang="de-DE" dirty="0" err="1"/>
-              <a:t>hierarchical</a:t>
-            </a:r>
-            <a:r>
-              <a:rPr lang="de-DE" dirty="0"/>
-              <a:t> </a:t>
-            </a:r>
-            <a:r>
-              <a:rPr lang="de-DE" dirty="0" err="1"/>
-              <a:t>structure</a:t>
-            </a:r>
-            <a:r>
-              <a:rPr lang="de-DE" dirty="0"/>
-              <a:t> </a:t>
-            </a:r>
-            <a:r>
-              <a:rPr lang="de-DE" dirty="0" err="1"/>
-              <a:t>of</a:t>
-            </a:r>
-            <a:r>
-              <a:rPr lang="de-DE" dirty="0"/>
-              <a:t> </a:t>
-            </a:r>
-            <a:r>
-              <a:rPr lang="de-DE" dirty="0" err="1"/>
-              <a:t>nodes</a:t>
-            </a:r>
-            <a:endParaRPr lang="de-DE" dirty="0"/>
-          </a:p>
-          <a:p>
-            <a:pPr marL="461963" lvl="1" indent="-285750">
-              <a:buFont typeface="Arial" panose="020B0604020202020204" pitchFamily="34" charset="0"/>
-              <a:buChar char="•"/>
-            </a:pPr>
-            <a:r>
-              <a:rPr lang="de-DE" dirty="0" err="1"/>
-              <a:t>Idea</a:t>
-            </a:r>
-            <a:r>
-              <a:rPr lang="de-DE" dirty="0"/>
-              <a:t>: </a:t>
-            </a:r>
-            <a:r>
-              <a:rPr lang="de-DE" dirty="0" err="1"/>
-              <a:t>Optimize</a:t>
-            </a:r>
-            <a:r>
-              <a:rPr lang="de-DE" dirty="0"/>
-              <a:t> </a:t>
-            </a:r>
-            <a:r>
-              <a:rPr lang="de-DE" dirty="0" err="1"/>
-              <a:t>lower</a:t>
-            </a:r>
-            <a:r>
-              <a:rPr lang="de-DE" dirty="0"/>
-              <a:t> </a:t>
-            </a:r>
-            <a:r>
-              <a:rPr lang="de-DE" dirty="0" err="1"/>
-              <a:t>level</a:t>
-            </a:r>
-            <a:r>
-              <a:rPr lang="de-DE" dirty="0"/>
-              <a:t> </a:t>
-            </a:r>
-            <a:r>
-              <a:rPr lang="de-DE" dirty="0" err="1"/>
-              <a:t>nodes</a:t>
-            </a:r>
-            <a:r>
-              <a:rPr lang="de-DE" dirty="0"/>
-              <a:t> </a:t>
-            </a:r>
-            <a:r>
-              <a:rPr lang="de-DE" dirty="0" err="1"/>
-              <a:t>using</a:t>
-            </a:r>
-            <a:r>
-              <a:rPr lang="de-DE" dirty="0"/>
-              <a:t> </a:t>
-            </a:r>
-            <a:r>
-              <a:rPr lang="de-DE" dirty="0" err="1"/>
-              <a:t>cost</a:t>
-            </a:r>
-            <a:r>
-              <a:rPr lang="de-DE" dirty="0"/>
-              <a:t> </a:t>
-            </a:r>
-            <a:r>
-              <a:rPr lang="de-DE" dirty="0" err="1"/>
-              <a:t>model</a:t>
-            </a:r>
-            <a:r>
-              <a:rPr lang="de-DE" dirty="0"/>
-              <a:t> and </a:t>
-            </a:r>
-            <a:r>
-              <a:rPr lang="de-DE" dirty="0" err="1"/>
-              <a:t>optimizer</a:t>
-            </a:r>
-            <a:endParaRPr lang="de-DE" dirty="0"/>
-          </a:p>
-          <a:p>
-            <a:pPr marL="461963" lvl="1" indent="-285750">
-              <a:buFont typeface="Arial" panose="020B0604020202020204" pitchFamily="34" charset="0"/>
-              <a:buChar char="•"/>
-            </a:pPr>
-            <a:endParaRPr lang="de-DE" dirty="0"/>
-          </a:p>
-          <a:p>
-            <a:r>
-              <a:rPr lang="de-DE" dirty="0"/>
-              <a:t>(Judy Arrays patent </a:t>
-            </a:r>
-            <a:r>
-              <a:rPr lang="de-DE" dirty="0" err="1"/>
-              <a:t>expired</a:t>
-            </a:r>
-            <a:r>
-              <a:rPr lang="de-DE" dirty="0"/>
-              <a:t> </a:t>
-            </a:r>
-            <a:r>
-              <a:rPr lang="de-DE" dirty="0" err="1"/>
-              <a:t>this</a:t>
-            </a:r>
-            <a:r>
-              <a:rPr lang="de-DE" dirty="0"/>
-              <a:t> </a:t>
-            </a:r>
-            <a:r>
-              <a:rPr lang="de-DE" dirty="0" err="1"/>
-              <a:t>year</a:t>
-            </a:r>
-            <a:r>
-              <a:rPr lang="de-DE" dirty="0"/>
-              <a:t>)</a:t>
-            </a:r>
-          </a:p>
-          <a:p>
-            <a:pPr marL="461963" lvl="1" indent="-285750">
-              <a:buFont typeface="Arial" panose="020B0604020202020204" pitchFamily="34" charset="0"/>
-              <a:buChar char="•"/>
-            </a:pPr>
-            <a:r>
-              <a:rPr lang="de-DE" dirty="0" err="1"/>
-              <a:t>even</a:t>
-            </a:r>
-            <a:r>
-              <a:rPr lang="de-DE" dirty="0"/>
-              <a:t> </a:t>
-            </a:r>
-            <a:r>
-              <a:rPr lang="de-DE" dirty="0" err="1"/>
-              <a:t>better</a:t>
-            </a:r>
-            <a:r>
-              <a:rPr lang="de-DE" dirty="0"/>
-              <a:t> </a:t>
-            </a:r>
-            <a:r>
-              <a:rPr lang="de-DE" dirty="0" err="1"/>
-              <a:t>cache</a:t>
-            </a:r>
-            <a:r>
-              <a:rPr lang="de-DE" dirty="0"/>
-              <a:t> </a:t>
-            </a:r>
-            <a:r>
-              <a:rPr lang="de-DE" dirty="0" err="1"/>
-              <a:t>efficiency</a:t>
-            </a:r>
-            <a:r>
-              <a:rPr lang="de-DE" dirty="0"/>
-              <a:t>, </a:t>
-            </a:r>
-            <a:r>
-              <a:rPr lang="de-DE" dirty="0" err="1"/>
-              <a:t>complex</a:t>
-            </a:r>
-            <a:r>
-              <a:rPr lang="de-DE" dirty="0"/>
-              <a:t> </a:t>
-            </a:r>
-            <a:r>
-              <a:rPr lang="de-DE" dirty="0" err="1"/>
-              <a:t>node</a:t>
-            </a:r>
-            <a:r>
-              <a:rPr lang="de-DE" dirty="0"/>
-              <a:t> </a:t>
-            </a:r>
-            <a:r>
-              <a:rPr lang="de-DE" dirty="0" err="1"/>
-              <a:t>transitions</a:t>
-            </a:r>
-            <a:r>
-              <a:rPr lang="de-DE" dirty="0"/>
-              <a:t> (~20k </a:t>
-            </a:r>
-            <a:r>
-              <a:rPr lang="de-DE" dirty="0" err="1"/>
-              <a:t>LoC</a:t>
-            </a:r>
-            <a:r>
-              <a:rPr lang="de-DE" dirty="0"/>
-              <a:t> </a:t>
-            </a:r>
-            <a:r>
-              <a:rPr lang="en-US" b="0" i="0" dirty="0">
-                <a:solidFill>
-                  <a:srgbClr val="333333"/>
-                </a:solidFill>
-                <a:effectLst/>
-                <a:latin typeface="Segoe UI Emoji" panose="020B0502040204020203" pitchFamily="34" charset="0"/>
-              </a:rPr>
-              <a:t>🙃</a:t>
-            </a:r>
-            <a:r>
-              <a:rPr lang="de-DE" dirty="0"/>
-              <a:t>)</a:t>
-            </a:r>
-          </a:p>
-          <a:p>
-            <a:pPr marL="461963" lvl="1" indent="-285750">
-              <a:buFont typeface="Arial" panose="020B0604020202020204" pitchFamily="34" charset="0"/>
-              <a:buChar char="•"/>
-            </a:pPr>
-            <a:r>
-              <a:rPr lang="de-DE" dirty="0"/>
-              <a:t>Judy-Pointers</a:t>
-            </a:r>
-          </a:p>
-          <a:p>
-            <a:pPr marL="285750" indent="-285750">
-              <a:buFont typeface="Arial" panose="020B0604020202020204" pitchFamily="34" charset="0"/>
-              <a:buChar char="•"/>
-            </a:pPr>
-            <a:endParaRPr dirty="0"/>
-          </a:p>
-        </p:txBody>
-      </p:sp>
-    </p:spTree>
-    <p:extLst>
-      <p:ext uri="{BB962C8B-B14F-4D97-AF65-F5344CB8AC3E}">
-        <p14:creationId xmlns:p14="http://schemas.microsoft.com/office/powerpoint/2010/main" val="14024162"/>
       </p:ext>
     </p:extLst>
   </p:cSld>
@@ -33688,11 +33659,7 @@
             <p:ph type="sldNum" sz="quarter" idx="11"/>
           </p:nvPr>
         </p:nvSpPr>
-        <p:spPr>
-          <a:prstGeom prst="rect">
-            <a:avLst/>
-          </a:prstGeom>
-        </p:spPr>
+        <p:spPr/>
         <p:txBody>
           <a:bodyPr/>
           <a:lstStyle/>
@@ -33708,7 +33675,7 @@
       </p:sp>
       <p:sp>
         <p:nvSpPr>
-          <p:cNvPr id="6" name="Fußzeilenplatzhalter 4"/>
+          <p:cNvPr id="10" name="Fußzeilenplatzhalter 4"/>
           <p:cNvSpPr>
             <a:spLocks noGrp="1"/>
           </p:cNvSpPr>
@@ -33721,6 +33688,11 @@
           <a:bodyPr/>
           <a:lstStyle/>
           <a:p>
+            <a:pPr>
+              <a:spcAft>
+                <a:spcPts val="600"/>
+              </a:spcAft>
+            </a:pPr>
             <a:r>
               <a:rPr lang="de-DE" dirty="0"/>
               <a:t>Jonas Fritsch | The Adaptive Radix Tree</a:t>
@@ -33739,33 +33711,29 @@
             <p:ph type="title"/>
           </p:nvPr>
         </p:nvSpPr>
-        <p:spPr>
-          <a:prstGeom prst="rect">
-            <a:avLst/>
-          </a:prstGeom>
-        </p:spPr>
+        <p:spPr/>
         <p:txBody>
           <a:bodyPr/>
           <a:lstStyle/>
           <a:p>
             <a:r>
               <a:rPr lang="de-DE" dirty="0"/>
-              <a:t>Benchmark </a:t>
-            </a:r>
-            <a:r>
-              <a:rPr lang="de-DE" dirty="0" err="1"/>
-              <a:t>Specs</a:t>
-            </a:r>
-            <a:endParaRPr lang="de-DE" sz="3000" dirty="0"/>
+              <a:t>Summary &amp; </a:t>
+            </a:r>
+            <a:r>
+              <a:rPr lang="de-DE" dirty="0" err="1"/>
+              <a:t>Conclusion</a:t>
+            </a:r>
+            <a:endParaRPr lang="de-DE" dirty="0"/>
           </a:p>
         </p:txBody>
       </p:sp>
       <p:sp>
         <p:nvSpPr>
-          <p:cNvPr id="7" name="Inhaltsplatzhalter 1">
+          <p:cNvPr id="11" name="Inhaltsplatzhalter 1">
             <a:extLst>
               <a:ext uri="{FF2B5EF4-FFF2-40B4-BE49-F238E27FC236}">
-                <a16:creationId xmlns:a16="http://schemas.microsoft.com/office/drawing/2014/main" id="{39E026B4-457A-F216-0A86-D12F37A57423}"/>
+                <a16:creationId xmlns:a16="http://schemas.microsoft.com/office/drawing/2014/main" id="{2E134AD9-4D70-D11E-1ED9-97E4A6B605D0}"/>
               </a:ext>
             </a:extLst>
           </p:cNvPr>
@@ -33787,12 +33755,665 @@
           <a:lstStyle/>
           <a:p>
             <a:r>
-              <a:rPr dirty="0"/>
-              <a:t>Intel</a:t>
-            </a:r>
-            <a:r>
-              <a:rPr lang="en-US" dirty="0"/>
-              <a:t> Core i5-8400 CPU @ 2.80GHz </a:t>
+              <a:rPr b="1" dirty="0"/>
+              <a:t>Further </a:t>
+            </a:r>
+            <a:r>
+              <a:rPr b="1" dirty="0" err="1"/>
+              <a:t>research</a:t>
+            </a:r>
+            <a:r>
+              <a:rPr b="1" dirty="0"/>
+              <a:t> </a:t>
+            </a:r>
+            <a:r>
+              <a:rPr b="1" dirty="0" err="1"/>
+              <a:t>being</a:t>
+            </a:r>
+            <a:r>
+              <a:rPr b="1" dirty="0"/>
+              <a:t> </a:t>
+            </a:r>
+            <a:r>
+              <a:rPr b="1" dirty="0" err="1"/>
+              <a:t>done</a:t>
+            </a:r>
+            <a:r>
+              <a:rPr b="1" dirty="0"/>
+              <a:t>:</a:t>
+            </a:r>
+          </a:p>
+          <a:p>
+            <a:r>
+              <a:rPr lang="de-DE" dirty="0">
+                <a:hlinkClick r:id="rId3"/>
+              </a:rPr>
+              <a:t>The ART </a:t>
+            </a:r>
+            <a:r>
+              <a:rPr lang="de-DE" dirty="0" err="1">
+                <a:hlinkClick r:id="rId3"/>
+              </a:rPr>
+              <a:t>of</a:t>
+            </a:r>
+            <a:r>
+              <a:rPr lang="de-DE" dirty="0">
+                <a:hlinkClick r:id="rId3"/>
+              </a:rPr>
+              <a:t> </a:t>
+            </a:r>
+            <a:r>
+              <a:rPr lang="de-DE" dirty="0" err="1">
+                <a:hlinkClick r:id="rId3"/>
+              </a:rPr>
+              <a:t>practical</a:t>
+            </a:r>
+            <a:r>
+              <a:rPr lang="de-DE" dirty="0">
+                <a:hlinkClick r:id="rId3"/>
+              </a:rPr>
+              <a:t> </a:t>
+            </a:r>
+            <a:r>
+              <a:rPr lang="de-DE" dirty="0" err="1">
+                <a:hlinkClick r:id="rId3"/>
+              </a:rPr>
+              <a:t>synchronization</a:t>
+            </a:r>
+            <a:r>
+              <a:rPr lang="de-DE" dirty="0"/>
+              <a:t> (</a:t>
+            </a:r>
+            <a:r>
+              <a:rPr lang="de-DE" dirty="0" err="1"/>
+              <a:t>DaMoN</a:t>
+            </a:r>
+            <a:r>
+              <a:rPr lang="de-DE" dirty="0"/>
+              <a:t>, 2016)</a:t>
+            </a:r>
+          </a:p>
+          <a:p>
+            <a:pPr marL="461963" lvl="1" indent="-285750">
+              <a:buFont typeface="Arial" panose="020B0604020202020204" pitchFamily="34" charset="0"/>
+              <a:buChar char="•"/>
+            </a:pPr>
+            <a:r>
+              <a:rPr lang="de-DE" dirty="0" err="1"/>
+              <a:t>sychronize</a:t>
+            </a:r>
+            <a:r>
+              <a:rPr lang="de-DE" dirty="0"/>
+              <a:t> ART </a:t>
+            </a:r>
+            <a:r>
+              <a:rPr lang="de-DE" dirty="0" err="1"/>
+              <a:t>for</a:t>
+            </a:r>
+            <a:r>
+              <a:rPr lang="de-DE" dirty="0"/>
+              <a:t> </a:t>
+            </a:r>
+            <a:r>
+              <a:rPr lang="de-DE" dirty="0" err="1"/>
+              <a:t>multithreading</a:t>
+            </a:r>
+            <a:r>
+              <a:rPr lang="de-DE" dirty="0"/>
+              <a:t> </a:t>
+            </a:r>
+            <a:r>
+              <a:rPr lang="de-DE" dirty="0" err="1"/>
+              <a:t>using</a:t>
+            </a:r>
+            <a:r>
+              <a:rPr lang="de-DE" dirty="0"/>
+              <a:t> </a:t>
+            </a:r>
+            <a:r>
+              <a:rPr lang="de-DE" dirty="0" err="1"/>
+              <a:t>combination</a:t>
+            </a:r>
+            <a:r>
+              <a:rPr lang="de-DE" dirty="0"/>
+              <a:t> </a:t>
+            </a:r>
+            <a:r>
+              <a:rPr lang="de-DE" dirty="0" err="1"/>
+              <a:t>of</a:t>
+            </a:r>
+            <a:r>
+              <a:rPr lang="de-DE" dirty="0"/>
+              <a:t> OLP and ROWEX</a:t>
+            </a:r>
+          </a:p>
+          <a:p>
+            <a:pPr marL="461963" lvl="1" indent="-285750">
+              <a:buFont typeface="Arial" panose="020B0604020202020204" pitchFamily="34" charset="0"/>
+              <a:buChar char="•"/>
+            </a:pPr>
+            <a:endParaRPr lang="de-DE" dirty="0"/>
+          </a:p>
+          <a:p>
+            <a:r>
+              <a:rPr lang="de-DE" dirty="0">
+                <a:hlinkClick r:id="rId4"/>
+              </a:rPr>
+              <a:t>HOT: A Height </a:t>
+            </a:r>
+            <a:r>
+              <a:rPr lang="de-DE" dirty="0" err="1">
+                <a:hlinkClick r:id="rId4"/>
+              </a:rPr>
+              <a:t>Optimized</a:t>
+            </a:r>
+            <a:r>
+              <a:rPr lang="de-DE" dirty="0">
+                <a:hlinkClick r:id="rId4"/>
+              </a:rPr>
+              <a:t> Trie Index </a:t>
+            </a:r>
+            <a:r>
+              <a:rPr lang="de-DE" dirty="0" err="1">
+                <a:hlinkClick r:id="rId4"/>
+              </a:rPr>
+              <a:t>for</a:t>
+            </a:r>
+            <a:r>
+              <a:rPr lang="de-DE" dirty="0">
+                <a:hlinkClick r:id="rId4"/>
+              </a:rPr>
+              <a:t> Main-Memory Database Systems</a:t>
+            </a:r>
+            <a:r>
+              <a:rPr lang="de-DE" dirty="0"/>
+              <a:t> (SIGMOD, 2018)</a:t>
+            </a:r>
+          </a:p>
+          <a:p>
+            <a:pPr marL="461963" lvl="1" indent="-285750">
+              <a:buFont typeface="Arial" panose="020B0604020202020204" pitchFamily="34" charset="0"/>
+              <a:buChar char="•"/>
+            </a:pPr>
+            <a:r>
+              <a:rPr lang="de-DE" dirty="0"/>
+              <a:t>ART </a:t>
+            </a:r>
+            <a:r>
+              <a:rPr lang="de-DE" dirty="0" err="1"/>
+              <a:t>performs</a:t>
+            </a:r>
+            <a:r>
+              <a:rPr lang="de-DE" dirty="0"/>
+              <a:t> </a:t>
+            </a:r>
+            <a:r>
+              <a:rPr lang="de-DE" dirty="0" err="1"/>
+              <a:t>worse</a:t>
+            </a:r>
+            <a:r>
+              <a:rPr lang="de-DE" dirty="0"/>
+              <a:t> on </a:t>
+            </a:r>
+            <a:r>
+              <a:rPr lang="de-DE" dirty="0" err="1"/>
+              <a:t>string</a:t>
+            </a:r>
+            <a:r>
+              <a:rPr lang="de-DE" dirty="0"/>
+              <a:t> (</a:t>
+            </a:r>
+            <a:r>
+              <a:rPr lang="de-DE" dirty="0" err="1"/>
+              <a:t>more</a:t>
+            </a:r>
+            <a:r>
+              <a:rPr lang="de-DE" dirty="0"/>
+              <a:t> </a:t>
+            </a:r>
+            <a:r>
+              <a:rPr lang="de-DE" dirty="0" err="1"/>
+              <a:t>random</a:t>
+            </a:r>
+            <a:r>
+              <a:rPr lang="de-DE" dirty="0"/>
+              <a:t> </a:t>
+            </a:r>
+            <a:r>
+              <a:rPr lang="de-DE" dirty="0" err="1"/>
+              <a:t>binary</a:t>
+            </a:r>
+            <a:r>
+              <a:rPr lang="de-DE" dirty="0"/>
+              <a:t> </a:t>
+            </a:r>
+            <a:r>
+              <a:rPr lang="de-DE" dirty="0" err="1"/>
+              <a:t>distribution</a:t>
+            </a:r>
+            <a:r>
+              <a:rPr lang="de-DE" dirty="0"/>
+              <a:t>) due </a:t>
+            </a:r>
+            <a:r>
+              <a:rPr lang="de-DE" dirty="0" err="1"/>
+              <a:t>to</a:t>
+            </a:r>
+            <a:r>
+              <a:rPr lang="de-DE" dirty="0"/>
+              <a:t> </a:t>
+            </a:r>
+            <a:r>
+              <a:rPr lang="de-DE" dirty="0" err="1"/>
+              <a:t>low</a:t>
+            </a:r>
+            <a:r>
+              <a:rPr lang="de-DE" dirty="0"/>
+              <a:t> </a:t>
+            </a:r>
+            <a:r>
+              <a:rPr lang="de-DE" dirty="0" err="1"/>
+              <a:t>fanout</a:t>
+            </a:r>
+            <a:r>
+              <a:rPr lang="de-DE" dirty="0"/>
+              <a:t> in </a:t>
+            </a:r>
+            <a:r>
+              <a:rPr lang="de-DE" dirty="0" err="1"/>
+              <a:t>lower</a:t>
+            </a:r>
+            <a:r>
+              <a:rPr lang="de-DE" dirty="0"/>
+              <a:t> </a:t>
+            </a:r>
+            <a:r>
+              <a:rPr lang="de-DE" dirty="0" err="1"/>
+              <a:t>tree</a:t>
+            </a:r>
+            <a:r>
+              <a:rPr lang="de-DE" dirty="0"/>
+              <a:t> </a:t>
+            </a:r>
+            <a:r>
+              <a:rPr lang="de-DE" dirty="0" err="1"/>
+              <a:t>levels</a:t>
+            </a:r>
+            <a:endParaRPr lang="de-DE" dirty="0"/>
+          </a:p>
+          <a:p>
+            <a:pPr marL="461963" lvl="1" indent="-285750">
+              <a:buFont typeface="Arial" panose="020B0604020202020204" pitchFamily="34" charset="0"/>
+              <a:buChar char="•"/>
+            </a:pPr>
+            <a:r>
+              <a:rPr lang="de-DE" dirty="0" err="1"/>
+              <a:t>Idea</a:t>
+            </a:r>
+            <a:r>
+              <a:rPr lang="de-DE" dirty="0"/>
+              <a:t>: </a:t>
+            </a:r>
+            <a:r>
+              <a:rPr lang="de-DE" dirty="0" err="1"/>
+              <a:t>Achieve</a:t>
+            </a:r>
+            <a:r>
+              <a:rPr lang="de-DE" dirty="0"/>
+              <a:t> </a:t>
+            </a:r>
+            <a:r>
+              <a:rPr lang="de-DE" dirty="0" err="1"/>
+              <a:t>consistently</a:t>
+            </a:r>
+            <a:r>
+              <a:rPr lang="de-DE" dirty="0"/>
+              <a:t> high </a:t>
+            </a:r>
+            <a:r>
+              <a:rPr lang="de-DE" dirty="0" err="1"/>
+              <a:t>fanout</a:t>
+            </a:r>
+            <a:r>
+              <a:rPr lang="de-DE" dirty="0"/>
+              <a:t> </a:t>
+            </a:r>
+            <a:r>
+              <a:rPr lang="de-DE" dirty="0" err="1"/>
+              <a:t>by</a:t>
+            </a:r>
+            <a:r>
+              <a:rPr lang="de-DE" dirty="0"/>
+              <a:t> </a:t>
+            </a:r>
+            <a:r>
+              <a:rPr lang="de-DE" dirty="0" err="1"/>
+              <a:t>adapting</a:t>
+            </a:r>
+            <a:r>
+              <a:rPr lang="de-DE" dirty="0"/>
+              <a:t> </a:t>
+            </a:r>
+            <a:r>
+              <a:rPr lang="de-DE" dirty="0" err="1"/>
+              <a:t>the</a:t>
+            </a:r>
+            <a:r>
+              <a:rPr lang="de-DE" dirty="0"/>
+              <a:t> span at </a:t>
+            </a:r>
+            <a:r>
+              <a:rPr lang="de-DE" dirty="0" err="1"/>
+              <a:t>each</a:t>
+            </a:r>
+            <a:r>
+              <a:rPr lang="de-DE" dirty="0"/>
+              <a:t> </a:t>
+            </a:r>
+            <a:r>
+              <a:rPr lang="de-DE" dirty="0" err="1"/>
+              <a:t>node</a:t>
+            </a:r>
+            <a:endParaRPr lang="de-DE" dirty="0"/>
+          </a:p>
+          <a:p>
+            <a:pPr marL="461963" lvl="1" indent="-285750">
+              <a:buFont typeface="Arial" panose="020B0604020202020204" pitchFamily="34" charset="0"/>
+              <a:buChar char="•"/>
+            </a:pPr>
+            <a:endParaRPr lang="de-DE" dirty="0"/>
+          </a:p>
+          <a:p>
+            <a:r>
+              <a:rPr lang="de-DE" dirty="0">
+                <a:hlinkClick r:id="rId5"/>
+              </a:rPr>
+              <a:t>START – Self-Tuning Adaptive Radix Tree</a:t>
+            </a:r>
+            <a:r>
+              <a:rPr lang="de-DE" dirty="0"/>
+              <a:t> (IEEE, 2020)</a:t>
+            </a:r>
+          </a:p>
+          <a:p>
+            <a:pPr marL="461963" lvl="1" indent="-285750">
+              <a:buFont typeface="Arial" panose="020B0604020202020204" pitchFamily="34" charset="0"/>
+              <a:buChar char="•"/>
+            </a:pPr>
+            <a:r>
+              <a:rPr lang="de-DE" dirty="0" err="1"/>
+              <a:t>Learned</a:t>
+            </a:r>
+            <a:r>
+              <a:rPr lang="de-DE" dirty="0"/>
+              <a:t> </a:t>
+            </a:r>
+            <a:r>
+              <a:rPr lang="de-DE" dirty="0" err="1"/>
+              <a:t>indexes</a:t>
+            </a:r>
+            <a:r>
+              <a:rPr lang="de-DE" dirty="0"/>
+              <a:t> </a:t>
+            </a:r>
+            <a:r>
+              <a:rPr lang="de-DE" dirty="0" err="1"/>
+              <a:t>outperfoming</a:t>
+            </a:r>
+            <a:r>
+              <a:rPr lang="de-DE" dirty="0"/>
+              <a:t> ART in </a:t>
+            </a:r>
+            <a:r>
+              <a:rPr lang="de-DE" dirty="0" err="1"/>
+              <a:t>read-mostly</a:t>
+            </a:r>
+            <a:r>
+              <a:rPr lang="de-DE" dirty="0"/>
+              <a:t> benchmark due </a:t>
+            </a:r>
+            <a:r>
+              <a:rPr lang="de-DE" dirty="0" err="1"/>
+              <a:t>to</a:t>
+            </a:r>
+            <a:r>
+              <a:rPr lang="de-DE" dirty="0"/>
+              <a:t> </a:t>
+            </a:r>
+            <a:r>
+              <a:rPr lang="de-DE" dirty="0" err="1"/>
+              <a:t>hierarchical</a:t>
+            </a:r>
+            <a:r>
+              <a:rPr lang="de-DE" dirty="0"/>
+              <a:t> </a:t>
+            </a:r>
+            <a:r>
+              <a:rPr lang="de-DE" dirty="0" err="1"/>
+              <a:t>structure</a:t>
+            </a:r>
+            <a:r>
+              <a:rPr lang="de-DE" dirty="0"/>
+              <a:t> </a:t>
+            </a:r>
+            <a:r>
+              <a:rPr lang="de-DE" dirty="0" err="1"/>
+              <a:t>of</a:t>
+            </a:r>
+            <a:r>
+              <a:rPr lang="de-DE" dirty="0"/>
+              <a:t> </a:t>
+            </a:r>
+            <a:r>
+              <a:rPr lang="de-DE" dirty="0" err="1"/>
+              <a:t>nodes</a:t>
+            </a:r>
+            <a:endParaRPr lang="de-DE" dirty="0"/>
+          </a:p>
+          <a:p>
+            <a:pPr marL="461963" lvl="1" indent="-285750">
+              <a:buFont typeface="Arial" panose="020B0604020202020204" pitchFamily="34" charset="0"/>
+              <a:buChar char="•"/>
+            </a:pPr>
+            <a:r>
+              <a:rPr lang="de-DE" dirty="0" err="1"/>
+              <a:t>Idea</a:t>
+            </a:r>
+            <a:r>
+              <a:rPr lang="de-DE" dirty="0"/>
+              <a:t>: </a:t>
+            </a:r>
+            <a:r>
+              <a:rPr lang="de-DE" dirty="0" err="1"/>
+              <a:t>Optimize</a:t>
+            </a:r>
+            <a:r>
+              <a:rPr lang="de-DE" dirty="0"/>
+              <a:t> </a:t>
+            </a:r>
+            <a:r>
+              <a:rPr lang="de-DE" dirty="0" err="1"/>
+              <a:t>lower</a:t>
+            </a:r>
+            <a:r>
+              <a:rPr lang="de-DE" dirty="0"/>
+              <a:t> </a:t>
+            </a:r>
+            <a:r>
+              <a:rPr lang="de-DE" dirty="0" err="1"/>
+              <a:t>level</a:t>
+            </a:r>
+            <a:r>
+              <a:rPr lang="de-DE" dirty="0"/>
+              <a:t> </a:t>
+            </a:r>
+            <a:r>
+              <a:rPr lang="de-DE" dirty="0" err="1"/>
+              <a:t>nodes</a:t>
+            </a:r>
+            <a:r>
+              <a:rPr lang="de-DE" dirty="0"/>
+              <a:t> </a:t>
+            </a:r>
+            <a:r>
+              <a:rPr lang="de-DE" dirty="0" err="1"/>
+              <a:t>using</a:t>
+            </a:r>
+            <a:r>
+              <a:rPr lang="de-DE" dirty="0"/>
+              <a:t> </a:t>
+            </a:r>
+            <a:r>
+              <a:rPr lang="de-DE" dirty="0" err="1"/>
+              <a:t>cost</a:t>
+            </a:r>
+            <a:r>
+              <a:rPr lang="de-DE" dirty="0"/>
+              <a:t> </a:t>
+            </a:r>
+            <a:r>
+              <a:rPr lang="de-DE" dirty="0" err="1"/>
+              <a:t>model</a:t>
+            </a:r>
+            <a:r>
+              <a:rPr lang="de-DE" dirty="0"/>
+              <a:t> and </a:t>
+            </a:r>
+            <a:r>
+              <a:rPr lang="de-DE" dirty="0" err="1"/>
+              <a:t>optimizer</a:t>
+            </a:r>
+            <a:endParaRPr lang="de-DE" dirty="0"/>
+          </a:p>
+          <a:p>
+            <a:pPr marL="461963" lvl="1" indent="-285750">
+              <a:buFont typeface="Arial" panose="020B0604020202020204" pitchFamily="34" charset="0"/>
+              <a:buChar char="•"/>
+            </a:pPr>
+            <a:endParaRPr lang="de-DE" dirty="0"/>
+          </a:p>
+          <a:p>
+            <a:r>
+              <a:rPr lang="de-DE" dirty="0"/>
+              <a:t>(Judy Arrays patent </a:t>
+            </a:r>
+            <a:r>
+              <a:rPr lang="de-DE" dirty="0" err="1"/>
+              <a:t>expired</a:t>
+            </a:r>
+            <a:r>
+              <a:rPr lang="de-DE" dirty="0"/>
+              <a:t> </a:t>
+            </a:r>
+            <a:r>
+              <a:rPr lang="de-DE" dirty="0" err="1"/>
+              <a:t>this</a:t>
+            </a:r>
+            <a:r>
+              <a:rPr lang="de-DE" dirty="0"/>
+              <a:t> </a:t>
+            </a:r>
+            <a:r>
+              <a:rPr lang="de-DE" dirty="0" err="1"/>
+              <a:t>year</a:t>
+            </a:r>
+            <a:r>
+              <a:rPr lang="de-DE" dirty="0"/>
+              <a:t>)</a:t>
+            </a:r>
+          </a:p>
+          <a:p>
+            <a:pPr marL="461963" lvl="1" indent="-285750">
+              <a:buFont typeface="Arial" panose="020B0604020202020204" pitchFamily="34" charset="0"/>
+              <a:buChar char="•"/>
+            </a:pPr>
+            <a:r>
+              <a:rPr lang="de-DE" dirty="0" err="1"/>
+              <a:t>even</a:t>
+            </a:r>
+            <a:r>
+              <a:rPr lang="de-DE" dirty="0"/>
+              <a:t> </a:t>
+            </a:r>
+            <a:r>
+              <a:rPr lang="de-DE" dirty="0" err="1"/>
+              <a:t>better</a:t>
+            </a:r>
+            <a:r>
+              <a:rPr lang="de-DE" dirty="0"/>
+              <a:t> </a:t>
+            </a:r>
+            <a:r>
+              <a:rPr lang="de-DE" dirty="0" err="1"/>
+              <a:t>cache</a:t>
+            </a:r>
+            <a:r>
+              <a:rPr lang="de-DE" dirty="0"/>
+              <a:t> </a:t>
+            </a:r>
+            <a:r>
+              <a:rPr lang="de-DE" dirty="0" err="1"/>
+              <a:t>efficiency</a:t>
+            </a:r>
+            <a:r>
+              <a:rPr lang="de-DE" dirty="0"/>
+              <a:t>, </a:t>
+            </a:r>
+            <a:r>
+              <a:rPr lang="de-DE" dirty="0" err="1"/>
+              <a:t>complex</a:t>
+            </a:r>
+            <a:r>
+              <a:rPr lang="de-DE" dirty="0"/>
+              <a:t> </a:t>
+            </a:r>
+            <a:r>
+              <a:rPr lang="de-DE" dirty="0" err="1"/>
+              <a:t>node</a:t>
+            </a:r>
+            <a:r>
+              <a:rPr lang="de-DE" dirty="0"/>
+              <a:t> </a:t>
+            </a:r>
+            <a:r>
+              <a:rPr lang="de-DE" dirty="0" err="1"/>
+              <a:t>transitions</a:t>
+            </a:r>
+            <a:r>
+              <a:rPr lang="de-DE" dirty="0"/>
+              <a:t> (~20k </a:t>
+            </a:r>
+            <a:r>
+              <a:rPr lang="de-DE" dirty="0" err="1"/>
+              <a:t>LoC</a:t>
+            </a:r>
+            <a:r>
+              <a:rPr lang="de-DE" dirty="0"/>
+              <a:t> </a:t>
+            </a:r>
+            <a:r>
+              <a:rPr lang="en-US" b="0" i="0" dirty="0">
+                <a:solidFill>
+                  <a:srgbClr val="333333"/>
+                </a:solidFill>
+                <a:effectLst/>
+                <a:latin typeface="Segoe UI Emoji" panose="020B0502040204020203" pitchFamily="34" charset="0"/>
+              </a:rPr>
+              <a:t>🙃</a:t>
+            </a:r>
+            <a:r>
+              <a:rPr lang="de-DE" dirty="0"/>
+              <a:t>)</a:t>
+            </a:r>
+          </a:p>
+          <a:p>
+            <a:pPr marL="461963" lvl="1" indent="-285750">
+              <a:buFont typeface="Arial" panose="020B0604020202020204" pitchFamily="34" charset="0"/>
+              <a:buChar char="•"/>
+            </a:pPr>
+            <a:r>
+              <a:rPr lang="de-DE" dirty="0"/>
+              <a:t>Judy-Pointers</a:t>
             </a:r>
           </a:p>
           <a:p>
@@ -33800,65 +34421,14 @@
               <a:buFont typeface="Arial" panose="020B0604020202020204" pitchFamily="34" charset="0"/>
               <a:buChar char="•"/>
             </a:pPr>
-            <a:r>
-              <a:rPr lang="en-US" dirty="0"/>
-              <a:t>L1 Instruction Cache:	6 x 32 KB</a:t>
-            </a:r>
-          </a:p>
-          <a:p>
-            <a:pPr marL="285750" indent="-285750">
-              <a:buFont typeface="Arial" panose="020B0604020202020204" pitchFamily="34" charset="0"/>
-              <a:buChar char="•"/>
-            </a:pPr>
-            <a:r>
-              <a:rPr lang="en-US" dirty="0"/>
-              <a:t>L1 Data Cache:		6 x 32 KB</a:t>
-            </a:r>
-          </a:p>
-          <a:p>
-            <a:pPr marL="285750" indent="-285750">
-              <a:buFont typeface="Arial" panose="020B0604020202020204" pitchFamily="34" charset="0"/>
-              <a:buChar char="•"/>
-            </a:pPr>
-            <a:r>
-              <a:rPr lang="en-US" dirty="0"/>
-              <a:t>L2 Cache:		6 x 256 KB</a:t>
-            </a:r>
-          </a:p>
-          <a:p>
-            <a:pPr marL="285750" indent="-285750">
-              <a:buFont typeface="Arial" panose="020B0604020202020204" pitchFamily="34" charset="0"/>
-              <a:buChar char="•"/>
-            </a:pPr>
-            <a:r>
-              <a:rPr lang="en-US" dirty="0"/>
-              <a:t>L3 Cache:		9 MB</a:t>
-            </a:r>
-          </a:p>
-          <a:p>
-            <a:endParaRPr lang="en-US" dirty="0"/>
-          </a:p>
-          <a:p>
-            <a:r>
-              <a:rPr lang="en-US" dirty="0"/>
-              <a:t>16 GB DDR4 RAM</a:t>
-            </a:r>
-          </a:p>
-          <a:p>
-            <a:endParaRPr lang="en-US" dirty="0"/>
-          </a:p>
-          <a:p>
-            <a:r>
-              <a:rPr lang="en-US" dirty="0"/>
-              <a:t>Windows 10 Pro (10.0.19044 Build 19044)</a:t>
-            </a:r>
+            <a:endParaRPr dirty="0"/>
           </a:p>
         </p:txBody>
       </p:sp>
     </p:spTree>
     <p:extLst>
       <p:ext uri="{BB962C8B-B14F-4D97-AF65-F5344CB8AC3E}">
-        <p14:creationId xmlns:p14="http://schemas.microsoft.com/office/powerpoint/2010/main" val="625519228"/>
+        <p14:creationId xmlns:p14="http://schemas.microsoft.com/office/powerpoint/2010/main" val="14024162"/>
       </p:ext>
     </p:extLst>
   </p:cSld>
@@ -33908,6 +34478,213 @@
               <a:rPr lang="de-DE" smtClean="0"/>
               <a:pPr/>
               <a:t>33</a:t>
+            </a:fld>
+            <a:endParaRPr lang="de-DE" dirty="0"/>
+          </a:p>
+        </p:txBody>
+      </p:sp>
+      <p:sp>
+        <p:nvSpPr>
+          <p:cNvPr id="6" name="Fußzeilenplatzhalter 4"/>
+          <p:cNvSpPr>
+            <a:spLocks noGrp="1"/>
+          </p:cNvSpPr>
+          <p:nvPr>
+            <p:ph type="ftr" sz="quarter" idx="12"/>
+          </p:nvPr>
+        </p:nvSpPr>
+        <p:spPr/>
+        <p:txBody>
+          <a:bodyPr/>
+          <a:lstStyle/>
+          <a:p>
+            <a:r>
+              <a:rPr lang="de-DE" dirty="0"/>
+              <a:t>Jonas Fritsch | The Adaptive Radix Tree</a:t>
+            </a:r>
+            <a:endParaRPr lang="en-US" dirty="0"/>
+          </a:p>
+        </p:txBody>
+      </p:sp>
+      <p:sp>
+        <p:nvSpPr>
+          <p:cNvPr id="3" name="Titel 2"/>
+          <p:cNvSpPr>
+            <a:spLocks noGrp="1"/>
+          </p:cNvSpPr>
+          <p:nvPr>
+            <p:ph type="title"/>
+          </p:nvPr>
+        </p:nvSpPr>
+        <p:spPr>
+          <a:prstGeom prst="rect">
+            <a:avLst/>
+          </a:prstGeom>
+        </p:spPr>
+        <p:txBody>
+          <a:bodyPr/>
+          <a:lstStyle/>
+          <a:p>
+            <a:r>
+              <a:rPr lang="de-DE" dirty="0"/>
+              <a:t>Benchmark </a:t>
+            </a:r>
+            <a:r>
+              <a:rPr lang="de-DE" dirty="0" err="1"/>
+              <a:t>Specs</a:t>
+            </a:r>
+            <a:endParaRPr lang="de-DE" sz="3000" dirty="0"/>
+          </a:p>
+        </p:txBody>
+      </p:sp>
+      <p:sp>
+        <p:nvSpPr>
+          <p:cNvPr id="7" name="Inhaltsplatzhalter 1">
+            <a:extLst>
+              <a:ext uri="{FF2B5EF4-FFF2-40B4-BE49-F238E27FC236}">
+                <a16:creationId xmlns:a16="http://schemas.microsoft.com/office/drawing/2014/main" id="{39E026B4-457A-F216-0A86-D12F37A57423}"/>
+              </a:ext>
+            </a:extLst>
+          </p:cNvPr>
+          <p:cNvSpPr>
+            <a:spLocks noGrp="1"/>
+          </p:cNvSpPr>
+          <p:nvPr>
+            <p:ph idx="1"/>
+          </p:nvPr>
+        </p:nvSpPr>
+        <p:spPr>
+          <a:xfrm>
+            <a:off x="319090" y="1762188"/>
+            <a:ext cx="8508999" cy="4699572"/>
+          </a:xfrm>
+        </p:spPr>
+        <p:txBody>
+          <a:bodyPr/>
+          <a:lstStyle/>
+          <a:p>
+            <a:r>
+              <a:rPr dirty="0"/>
+              <a:t>Intel</a:t>
+            </a:r>
+            <a:r>
+              <a:rPr lang="en-US" dirty="0"/>
+              <a:t> Core i5-8400 CPU @ 2.80GHz </a:t>
+            </a:r>
+          </a:p>
+          <a:p>
+            <a:pPr marL="285750" indent="-285750">
+              <a:buFont typeface="Arial" panose="020B0604020202020204" pitchFamily="34" charset="0"/>
+              <a:buChar char="•"/>
+            </a:pPr>
+            <a:r>
+              <a:rPr lang="en-US" dirty="0"/>
+              <a:t>L1 Instruction Cache:	6 x 32 KB</a:t>
+            </a:r>
+          </a:p>
+          <a:p>
+            <a:pPr marL="285750" indent="-285750">
+              <a:buFont typeface="Arial" panose="020B0604020202020204" pitchFamily="34" charset="0"/>
+              <a:buChar char="•"/>
+            </a:pPr>
+            <a:r>
+              <a:rPr lang="en-US" dirty="0"/>
+              <a:t>L1 Data Cache:		6 x 32 KB</a:t>
+            </a:r>
+          </a:p>
+          <a:p>
+            <a:pPr marL="285750" indent="-285750">
+              <a:buFont typeface="Arial" panose="020B0604020202020204" pitchFamily="34" charset="0"/>
+              <a:buChar char="•"/>
+            </a:pPr>
+            <a:r>
+              <a:rPr lang="en-US" dirty="0"/>
+              <a:t>L2 Cache:		6 x 256 KB</a:t>
+            </a:r>
+          </a:p>
+          <a:p>
+            <a:pPr marL="285750" indent="-285750">
+              <a:buFont typeface="Arial" panose="020B0604020202020204" pitchFamily="34" charset="0"/>
+              <a:buChar char="•"/>
+            </a:pPr>
+            <a:r>
+              <a:rPr lang="en-US" dirty="0"/>
+              <a:t>L3 Cache:		9 MB</a:t>
+            </a:r>
+          </a:p>
+          <a:p>
+            <a:endParaRPr lang="en-US" dirty="0"/>
+          </a:p>
+          <a:p>
+            <a:r>
+              <a:rPr lang="en-US" dirty="0"/>
+              <a:t>16 GB DDR4 RAM</a:t>
+            </a:r>
+          </a:p>
+          <a:p>
+            <a:endParaRPr lang="en-US" dirty="0"/>
+          </a:p>
+          <a:p>
+            <a:r>
+              <a:rPr lang="en-US" dirty="0"/>
+              <a:t>Windows 10 Pro (10.0.19044 Build 19044)</a:t>
+            </a:r>
+          </a:p>
+        </p:txBody>
+      </p:sp>
+    </p:spTree>
+    <p:extLst>
+      <p:ext uri="{BB962C8B-B14F-4D97-AF65-F5344CB8AC3E}">
+        <p14:creationId xmlns:p14="http://schemas.microsoft.com/office/powerpoint/2010/main" val="625519228"/>
+      </p:ext>
+    </p:extLst>
+  </p:cSld>
+  <p:clrMapOvr>
+    <a:masterClrMapping/>
+  </p:clrMapOvr>
+</p:sld>
+</file>
+
+<file path=ppt/slides/slide34.xml><?xml version="1.0" encoding="utf-8"?>
+<p:sld xmlns:a="http://schemas.openxmlformats.org/drawingml/2006/main" xmlns:r="http://schemas.openxmlformats.org/officeDocument/2006/relationships" xmlns:p="http://schemas.openxmlformats.org/presentationml/2006/main">
+  <p:cSld>
+    <p:spTree>
+      <p:nvGrpSpPr>
+        <p:cNvPr id="1" name=""/>
+        <p:cNvGrpSpPr/>
+        <p:nvPr/>
+      </p:nvGrpSpPr>
+      <p:grpSpPr>
+        <a:xfrm>
+          <a:off x="0" y="0"/>
+          <a:ext cx="0" cy="0"/>
+          <a:chOff x="0" y="0"/>
+          <a:chExt cx="0" cy="0"/>
+        </a:xfrm>
+      </p:grpSpPr>
+      <p:sp>
+        <p:nvSpPr>
+          <p:cNvPr id="4" name="Foliennummernplatzhalter 3"/>
+          <p:cNvSpPr>
+            <a:spLocks noGrp="1"/>
+          </p:cNvSpPr>
+          <p:nvPr>
+            <p:ph type="sldNum" sz="quarter" idx="11"/>
+          </p:nvPr>
+        </p:nvSpPr>
+        <p:spPr>
+          <a:prstGeom prst="rect">
+            <a:avLst/>
+          </a:prstGeom>
+        </p:spPr>
+        <p:txBody>
+          <a:bodyPr/>
+          <a:lstStyle/>
+          <a:p>
+            <a:fld id="{CE58CB1E-F828-4F11-99E0-327109AF9DA4}" type="slidenum">
+              <a:rPr lang="de-DE" smtClean="0"/>
+              <a:pPr/>
+              <a:t>34</a:t>
             </a:fld>
             <a:endParaRPr lang="de-DE" dirty="0"/>
           </a:p>
@@ -34072,7 +34849,7 @@
 </p:sld>
 </file>
 
-<file path=ppt/slides/slide34.xml><?xml version="1.0" encoding="utf-8"?>
+<file path=ppt/slides/slide35.xml><?xml version="1.0" encoding="utf-8"?>
 <p:sld xmlns:a="http://schemas.openxmlformats.org/drawingml/2006/main" xmlns:r="http://schemas.openxmlformats.org/officeDocument/2006/relationships" xmlns:p="http://schemas.openxmlformats.org/presentationml/2006/main">
   <p:cSld>
     <p:spTree>
@@ -34111,7 +34888,7 @@
             <a:fld id="{CE58CB1E-F828-4F11-99E0-327109AF9DA4}" type="slidenum">
               <a:rPr lang="de-DE" smtClean="0"/>
               <a:pPr/>
-              <a:t>34</a:t>
+              <a:t>35</a:t>
             </a:fld>
             <a:endParaRPr lang="de-DE" dirty="0"/>
           </a:p>
@@ -34276,7 +35053,7 @@
 </p:sld>
 </file>
 
-<file path=ppt/slides/slide35.xml><?xml version="1.0" encoding="utf-8"?>
+<file path=ppt/slides/slide36.xml><?xml version="1.0" encoding="utf-8"?>
 <p:sld xmlns:a="http://schemas.openxmlformats.org/drawingml/2006/main" xmlns:r="http://schemas.openxmlformats.org/officeDocument/2006/relationships" xmlns:p="http://schemas.openxmlformats.org/presentationml/2006/main">
   <p:cSld>
     <p:spTree>
@@ -34315,7 +35092,7 @@
             <a:fld id="{CE58CB1E-F828-4F11-99E0-327109AF9DA4}" type="slidenum">
               <a:rPr lang="de-DE" smtClean="0"/>
               <a:pPr/>
-              <a:t>35</a:t>
+              <a:t>36</a:t>
             </a:fld>
             <a:endParaRPr lang="de-DE" dirty="0"/>
           </a:p>
@@ -34480,7 +35257,7 @@
 </p:sld>
 </file>
 
-<file path=ppt/slides/slide36.xml><?xml version="1.0" encoding="utf-8"?>
+<file path=ppt/slides/slide37.xml><?xml version="1.0" encoding="utf-8"?>
 <p:sld xmlns:a="http://schemas.openxmlformats.org/drawingml/2006/main" xmlns:r="http://schemas.openxmlformats.org/officeDocument/2006/relationships" xmlns:p="http://schemas.openxmlformats.org/presentationml/2006/main">
   <p:cSld>
     <p:spTree>
@@ -34519,7 +35296,7 @@
             <a:fld id="{CE58CB1E-F828-4F11-99E0-327109AF9DA4}" type="slidenum">
               <a:rPr lang="de-DE" smtClean="0"/>
               <a:pPr/>
-              <a:t>36</a:t>
+              <a:t>37</a:t>
             </a:fld>
             <a:endParaRPr lang="de-DE" dirty="0"/>
           </a:p>
@@ -34684,7 +35461,7 @@
 </p:sld>
 </file>
 
-<file path=ppt/slides/slide37.xml><?xml version="1.0" encoding="utf-8"?>
+<file path=ppt/slides/slide38.xml><?xml version="1.0" encoding="utf-8"?>
 <p:sld xmlns:a="http://schemas.openxmlformats.org/drawingml/2006/main" xmlns:r="http://schemas.openxmlformats.org/officeDocument/2006/relationships" xmlns:p="http://schemas.openxmlformats.org/presentationml/2006/main">
   <p:cSld>
     <p:spTree>
@@ -34723,7 +35500,7 @@
             <a:fld id="{CE58CB1E-F828-4F11-99E0-327109AF9DA4}" type="slidenum">
               <a:rPr lang="de-DE" smtClean="0"/>
               <a:pPr/>
-              <a:t>37</a:t>
+              <a:t>38</a:t>
             </a:fld>
             <a:endParaRPr lang="de-DE" dirty="0"/>
           </a:p>
@@ -34892,7 +35669,7 @@
 </p:sld>
 </file>
 
-<file path=ppt/slides/slide38.xml><?xml version="1.0" encoding="utf-8"?>
+<file path=ppt/slides/slide39.xml><?xml version="1.0" encoding="utf-8"?>
 <p:sld xmlns:a="http://schemas.openxmlformats.org/drawingml/2006/main" xmlns:r="http://schemas.openxmlformats.org/officeDocument/2006/relationships" xmlns:p="http://schemas.openxmlformats.org/presentationml/2006/main">
   <p:cSld>
     <p:spTree>
@@ -34943,7 +35720,7 @@
                   <a:spcPts val="600"/>
                 </a:spcAft>
               </a:pPr>
-              <a:t>38</a:t>
+              <a:t>39</a:t>
             </a:fld>
             <a:endParaRPr lang="de-DE"/>
           </a:p>
@@ -35113,201 +35890,6 @@
     <p:extLst>
       <p:ext uri="{BB962C8B-B14F-4D97-AF65-F5344CB8AC3E}">
         <p14:creationId xmlns:p14="http://schemas.microsoft.com/office/powerpoint/2010/main" val="1506907547"/>
-      </p:ext>
-    </p:extLst>
-  </p:cSld>
-  <p:clrMapOvr>
-    <a:masterClrMapping/>
-  </p:clrMapOvr>
-</p:sld>
-</file>
-
-<file path=ppt/slides/slide39.xml><?xml version="1.0" encoding="utf-8"?>
-<p:sld xmlns:a="http://schemas.openxmlformats.org/drawingml/2006/main" xmlns:r="http://schemas.openxmlformats.org/officeDocument/2006/relationships" xmlns:p="http://schemas.openxmlformats.org/presentationml/2006/main">
-  <p:cSld>
-    <p:spTree>
-      <p:nvGrpSpPr>
-        <p:cNvPr id="1" name=""/>
-        <p:cNvGrpSpPr/>
-        <p:nvPr/>
-      </p:nvGrpSpPr>
-      <p:grpSpPr>
-        <a:xfrm>
-          <a:off x="0" y="0"/>
-          <a:ext cx="0" cy="0"/>
-          <a:chOff x="0" y="0"/>
-          <a:chExt cx="0" cy="0"/>
-        </a:xfrm>
-      </p:grpSpPr>
-      <p:sp>
-        <p:nvSpPr>
-          <p:cNvPr id="4" name="Foliennummernplatzhalter 3"/>
-          <p:cNvSpPr>
-            <a:spLocks noGrp="1"/>
-          </p:cNvSpPr>
-          <p:nvPr>
-            <p:ph type="sldNum" sz="quarter" idx="11"/>
-          </p:nvPr>
-        </p:nvSpPr>
-        <p:spPr>
-          <a:prstGeom prst="rect">
-            <a:avLst/>
-          </a:prstGeom>
-        </p:spPr>
-        <p:txBody>
-          <a:bodyPr/>
-          <a:lstStyle/>
-          <a:p>
-            <a:fld id="{CE58CB1E-F828-4F11-99E0-327109AF9DA4}" type="slidenum">
-              <a:rPr lang="de-DE" smtClean="0"/>
-              <a:pPr/>
-              <a:t>39</a:t>
-            </a:fld>
-            <a:endParaRPr lang="de-DE" dirty="0"/>
-          </a:p>
-        </p:txBody>
-      </p:sp>
-      <p:sp>
-        <p:nvSpPr>
-          <p:cNvPr id="6" name="Fußzeilenplatzhalter 4"/>
-          <p:cNvSpPr>
-            <a:spLocks noGrp="1"/>
-          </p:cNvSpPr>
-          <p:nvPr>
-            <p:ph type="ftr" sz="quarter" idx="12"/>
-          </p:nvPr>
-        </p:nvSpPr>
-        <p:spPr/>
-        <p:txBody>
-          <a:bodyPr/>
-          <a:lstStyle/>
-          <a:p>
-            <a:r>
-              <a:rPr lang="de-DE" dirty="0"/>
-              <a:t>Jonas Fritsch | The Adaptive Radix Tree</a:t>
-            </a:r>
-            <a:endParaRPr lang="en-US" dirty="0"/>
-          </a:p>
-        </p:txBody>
-      </p:sp>
-      <p:sp>
-        <p:nvSpPr>
-          <p:cNvPr id="3" name="Titel 2"/>
-          <p:cNvSpPr>
-            <a:spLocks noGrp="1"/>
-          </p:cNvSpPr>
-          <p:nvPr>
-            <p:ph type="title"/>
-          </p:nvPr>
-        </p:nvSpPr>
-        <p:spPr>
-          <a:prstGeom prst="rect">
-            <a:avLst/>
-          </a:prstGeom>
-        </p:spPr>
-        <p:txBody>
-          <a:bodyPr/>
-          <a:lstStyle/>
-          <a:p>
-            <a:r>
-              <a:rPr sz="3000" dirty="0"/>
-              <a:t>Even More Benchmarks</a:t>
-            </a:r>
-            <a:endParaRPr lang="de-DE" sz="3000" dirty="0"/>
-          </a:p>
-        </p:txBody>
-      </p:sp>
-      <p:sp>
-        <p:nvSpPr>
-          <p:cNvPr id="9" name="Inhaltsplatzhalter 1">
-            <a:extLst>
-              <a:ext uri="{FF2B5EF4-FFF2-40B4-BE49-F238E27FC236}">
-                <a16:creationId xmlns:a16="http://schemas.microsoft.com/office/drawing/2014/main" id="{8B16FA6F-AD48-B6E1-41F9-ACED4B6631EE}"/>
-              </a:ext>
-            </a:extLst>
-          </p:cNvPr>
-          <p:cNvSpPr>
-            <a:spLocks noGrp="1"/>
-          </p:cNvSpPr>
-          <p:nvPr>
-            <p:ph idx="1"/>
-          </p:nvPr>
-        </p:nvSpPr>
-        <p:spPr>
-          <a:xfrm>
-            <a:off x="319090" y="1762188"/>
-            <a:ext cx="8508999" cy="4699572"/>
-          </a:xfrm>
-        </p:spPr>
-        <p:txBody>
-          <a:bodyPr/>
-          <a:lstStyle/>
-          <a:p>
-            <a:r>
-              <a:rPr b="1" dirty="0"/>
-              <a:t>See: </a:t>
-            </a:r>
-          </a:p>
-          <a:p>
-            <a:pPr marL="285750" indent="-285750">
-              <a:buFont typeface="Arial" panose="020B0604020202020204" pitchFamily="34" charset="0"/>
-              <a:buChar char="•"/>
-            </a:pPr>
-            <a:r>
-              <a:rPr lang="en-US" dirty="0">
-                <a:hlinkClick r:id="rId3"/>
-              </a:rPr>
-              <a:t>A Comparison of Adaptive Radix Trees and Hash Tables</a:t>
-            </a:r>
-            <a:r>
-              <a:rPr lang="en-US" dirty="0"/>
-              <a:t> (IEEE, 2015)</a:t>
-            </a:r>
-          </a:p>
-          <a:p>
-            <a:pPr marL="285750" indent="-285750">
-              <a:buFont typeface="Arial" panose="020B0604020202020204" pitchFamily="34" charset="0"/>
-              <a:buChar char="•"/>
-            </a:pPr>
-            <a:r>
-              <a:rPr lang="en-US" dirty="0">
-                <a:hlinkClick r:id="rId4"/>
-              </a:rPr>
-              <a:t>Building a </a:t>
-            </a:r>
-            <a:r>
-              <a:rPr lang="en-US" dirty="0" err="1">
-                <a:hlinkClick r:id="rId4"/>
-              </a:rPr>
-              <a:t>Bw</a:t>
-            </a:r>
-            <a:r>
-              <a:rPr lang="en-US" dirty="0">
-                <a:hlinkClick r:id="rId4"/>
-              </a:rPr>
-              <a:t>-Tree Takes More Than Just Buzz Words</a:t>
-            </a:r>
-            <a:r>
-              <a:rPr lang="en-US" dirty="0"/>
-              <a:t> (SIGMOD, 2018)</a:t>
-            </a:r>
-          </a:p>
-          <a:p>
-            <a:endParaRPr dirty="0"/>
-          </a:p>
-          <a:p>
-            <a:pPr marL="285750" indent="-285750">
-              <a:buFont typeface="Arial" panose="020B0604020202020204" pitchFamily="34" charset="0"/>
-              <a:buChar char="•"/>
-            </a:pPr>
-            <a:endParaRPr dirty="0"/>
-          </a:p>
-        </p:txBody>
-      </p:sp>
-    </p:spTree>
-    <p:extLst>
-      <p:ext uri="{BB962C8B-B14F-4D97-AF65-F5344CB8AC3E}">
-        <p14:creationId xmlns:p14="http://schemas.microsoft.com/office/powerpoint/2010/main" val="4003479443"/>
       </p:ext>
     </p:extLst>
   </p:cSld>

--- a/Presentation/The Adaptive Radix Tree.pptx
+++ b/Presentation/The Adaptive Radix Tree.pptx
@@ -335,7 +335,7 @@
               <a:cs typeface="+mn-cs"/>
             </a:defRPr>
           </a:pPr>
-          <a:endParaRPr lang="en-US"/>
+          <a:endParaRPr lang="en-DE"/>
         </a:p>
       </c:txPr>
     </c:title>
@@ -502,7 +502,7 @@
                     <a:cs typeface="+mn-cs"/>
                   </a:defRPr>
                 </a:pPr>
-                <a:endParaRPr lang="en-US"/>
+                <a:endParaRPr lang="en-DE"/>
               </a:p>
             </c:txPr>
             <c:dLblPos val="inEnd"/>
@@ -637,7 +637,7 @@
               <a:cs typeface="+mn-cs"/>
             </a:defRPr>
           </a:pPr>
-          <a:endParaRPr lang="en-US"/>
+          <a:endParaRPr lang="en-DE"/>
         </a:p>
       </c:txPr>
     </c:legend>
@@ -666,7 +666,7 @@
       <a:pPr>
         <a:defRPr/>
       </a:pPr>
-      <a:endParaRPr lang="en-US"/>
+      <a:endParaRPr lang="en-DE"/>
     </a:p>
   </c:txPr>
   <c:externalData r:id="rId3">
@@ -786,7 +786,7 @@
               <a:cs typeface="+mn-cs"/>
             </a:defRPr>
           </a:pPr>
-          <a:endParaRPr lang="en-US"/>
+          <a:endParaRPr lang="en-DE"/>
         </a:p>
       </c:txPr>
     </c:title>
@@ -1030,7 +1030,7 @@
                 <a:cs typeface="+mn-cs"/>
               </a:defRPr>
             </a:pPr>
-            <a:endParaRPr lang="en-US"/>
+            <a:endParaRPr lang="en-DE"/>
           </a:p>
         </c:txPr>
         <c:crossAx val="50531328"/>
@@ -1107,7 +1107,7 @@
                   <a:cs typeface="+mn-cs"/>
                 </a:defRPr>
               </a:pPr>
-              <a:endParaRPr lang="en-US"/>
+              <a:endParaRPr lang="en-DE"/>
             </a:p>
           </c:txPr>
         </c:title>
@@ -1141,7 +1141,7 @@
                 <a:cs typeface="+mn-cs"/>
               </a:defRPr>
             </a:pPr>
-            <a:endParaRPr lang="en-US"/>
+            <a:endParaRPr lang="en-DE"/>
           </a:p>
         </c:txPr>
         <c:crossAx val="50529792"/>
@@ -1180,7 +1180,7 @@
               <a:cs typeface="+mn-cs"/>
             </a:defRPr>
           </a:pPr>
-          <a:endParaRPr lang="en-US"/>
+          <a:endParaRPr lang="en-DE"/>
         </a:p>
       </c:txPr>
     </c:legend>
@@ -1203,7 +1203,7 @@
       <a:pPr>
         <a:defRPr/>
       </a:pPr>
-      <a:endParaRPr lang="en-US"/>
+      <a:endParaRPr lang="en-DE"/>
     </a:p>
   </c:txPr>
   <c:externalData r:id="rId3">
@@ -1323,7 +1323,7 @@
               <a:cs typeface="+mn-cs"/>
             </a:defRPr>
           </a:pPr>
-          <a:endParaRPr lang="en-US"/>
+          <a:endParaRPr lang="en-DE"/>
         </a:p>
       </c:txPr>
     </c:title>
@@ -1567,7 +1567,7 @@
                 <a:cs typeface="+mn-cs"/>
               </a:defRPr>
             </a:pPr>
-            <a:endParaRPr lang="en-US"/>
+            <a:endParaRPr lang="en-DE"/>
           </a:p>
         </c:txPr>
         <c:crossAx val="50531328"/>
@@ -1649,7 +1649,7 @@
                   <a:cs typeface="+mn-cs"/>
                 </a:defRPr>
               </a:pPr>
-              <a:endParaRPr lang="en-US"/>
+              <a:endParaRPr lang="en-DE"/>
             </a:p>
           </c:txPr>
         </c:title>
@@ -1683,7 +1683,7 @@
                 <a:cs typeface="+mn-cs"/>
               </a:defRPr>
             </a:pPr>
-            <a:endParaRPr lang="en-US"/>
+            <a:endParaRPr lang="en-DE"/>
           </a:p>
         </c:txPr>
         <c:crossAx val="50529792"/>
@@ -1722,7 +1722,7 @@
               <a:cs typeface="+mn-cs"/>
             </a:defRPr>
           </a:pPr>
-          <a:endParaRPr lang="en-US"/>
+          <a:endParaRPr lang="en-DE"/>
         </a:p>
       </c:txPr>
     </c:legend>
@@ -1745,7 +1745,7 @@
       <a:pPr>
         <a:defRPr/>
       </a:pPr>
-      <a:endParaRPr lang="en-US"/>
+      <a:endParaRPr lang="en-DE"/>
     </a:p>
   </c:txPr>
   <c:externalData r:id="rId3">
@@ -1865,7 +1865,7 @@
               <a:cs typeface="+mn-cs"/>
             </a:defRPr>
           </a:pPr>
-          <a:endParaRPr lang="en-US"/>
+          <a:endParaRPr lang="en-DE"/>
         </a:p>
       </c:txPr>
     </c:title>
@@ -2097,7 +2097,7 @@
                 <a:cs typeface="+mn-cs"/>
               </a:defRPr>
             </a:pPr>
-            <a:endParaRPr lang="en-US"/>
+            <a:endParaRPr lang="en-DE"/>
           </a:p>
         </c:txPr>
         <c:crossAx val="50531328"/>
@@ -2187,7 +2187,7 @@
                   <a:cs typeface="+mn-cs"/>
                 </a:defRPr>
               </a:pPr>
-              <a:endParaRPr lang="en-US"/>
+              <a:endParaRPr lang="en-DE"/>
             </a:p>
           </c:txPr>
         </c:title>
@@ -2221,7 +2221,7 @@
                 <a:cs typeface="+mn-cs"/>
               </a:defRPr>
             </a:pPr>
-            <a:endParaRPr lang="en-US"/>
+            <a:endParaRPr lang="en-DE"/>
           </a:p>
         </c:txPr>
         <c:crossAx val="50529792"/>
@@ -2260,7 +2260,7 @@
               <a:cs typeface="+mn-cs"/>
             </a:defRPr>
           </a:pPr>
-          <a:endParaRPr lang="en-US"/>
+          <a:endParaRPr lang="en-DE"/>
         </a:p>
       </c:txPr>
     </c:legend>
@@ -2283,7 +2283,7 @@
       <a:pPr>
         <a:defRPr/>
       </a:pPr>
-      <a:endParaRPr lang="en-US"/>
+      <a:endParaRPr lang="en-DE"/>
     </a:p>
   </c:txPr>
   <c:externalData r:id="rId3">
@@ -2403,7 +2403,7 @@
               <a:cs typeface="+mn-cs"/>
             </a:defRPr>
           </a:pPr>
-          <a:endParaRPr lang="en-US"/>
+          <a:endParaRPr lang="en-DE"/>
         </a:p>
       </c:txPr>
     </c:title>
@@ -2647,7 +2647,7 @@
                 <a:cs typeface="+mn-cs"/>
               </a:defRPr>
             </a:pPr>
-            <a:endParaRPr lang="en-US"/>
+            <a:endParaRPr lang="en-DE"/>
           </a:p>
         </c:txPr>
         <c:crossAx val="50531328"/>
@@ -2737,7 +2737,7 @@
                   <a:cs typeface="+mn-cs"/>
                 </a:defRPr>
               </a:pPr>
-              <a:endParaRPr lang="en-US"/>
+              <a:endParaRPr lang="en-DE"/>
             </a:p>
           </c:txPr>
         </c:title>
@@ -2771,7 +2771,7 @@
                 <a:cs typeface="+mn-cs"/>
               </a:defRPr>
             </a:pPr>
-            <a:endParaRPr lang="en-US"/>
+            <a:endParaRPr lang="en-DE"/>
           </a:p>
         </c:txPr>
         <c:crossAx val="50529792"/>
@@ -2810,7 +2810,7 @@
               <a:cs typeface="+mn-cs"/>
             </a:defRPr>
           </a:pPr>
-          <a:endParaRPr lang="en-US"/>
+          <a:endParaRPr lang="en-DE"/>
         </a:p>
       </c:txPr>
     </c:legend>
@@ -2833,7 +2833,7 @@
       <a:pPr>
         <a:defRPr/>
       </a:pPr>
-      <a:endParaRPr lang="en-US"/>
+      <a:endParaRPr lang="en-DE"/>
     </a:p>
   </c:txPr>
   <c:externalData r:id="rId3">
@@ -2953,7 +2953,7 @@
               <a:cs typeface="+mn-cs"/>
             </a:defRPr>
           </a:pPr>
-          <a:endParaRPr lang="en-US"/>
+          <a:endParaRPr lang="en-DE"/>
         </a:p>
       </c:txPr>
     </c:title>
@@ -3021,7 +3021,7 @@
                 <c:formatCode>0.00</c:formatCode>
                 <c:ptCount val="6"/>
                 <c:pt idx="0">
-                  <c:v>9.66</c:v>
+                  <c:v>12.73</c:v>
                 </c:pt>
                 <c:pt idx="1">
                   <c:v>0.68799999999999994</c:v>
@@ -3185,7 +3185,7 @@
                 <a:cs typeface="+mn-cs"/>
               </a:defRPr>
             </a:pPr>
-            <a:endParaRPr lang="en-US"/>
+            <a:endParaRPr lang="en-DE"/>
           </a:p>
         </c:txPr>
         <c:crossAx val="50531328"/>
@@ -3275,7 +3275,7 @@
                   <a:cs typeface="+mn-cs"/>
                 </a:defRPr>
               </a:pPr>
-              <a:endParaRPr lang="en-US"/>
+              <a:endParaRPr lang="en-DE"/>
             </a:p>
           </c:txPr>
         </c:title>
@@ -3309,7 +3309,7 @@
                 <a:cs typeface="+mn-cs"/>
               </a:defRPr>
             </a:pPr>
-            <a:endParaRPr lang="en-US"/>
+            <a:endParaRPr lang="en-DE"/>
           </a:p>
         </c:txPr>
         <c:crossAx val="50529792"/>
@@ -3348,7 +3348,7 @@
               <a:cs typeface="+mn-cs"/>
             </a:defRPr>
           </a:pPr>
-          <a:endParaRPr lang="en-US"/>
+          <a:endParaRPr lang="en-DE"/>
         </a:p>
       </c:txPr>
     </c:legend>
@@ -3371,7 +3371,7 @@
       <a:pPr>
         <a:defRPr/>
       </a:pPr>
-      <a:endParaRPr lang="en-US"/>
+      <a:endParaRPr lang="en-DE"/>
     </a:p>
   </c:txPr>
   <c:externalData r:id="rId3">
@@ -3491,7 +3491,7 @@
               <a:cs typeface="+mn-cs"/>
             </a:defRPr>
           </a:pPr>
-          <a:endParaRPr lang="en-US"/>
+          <a:endParaRPr lang="en-DE"/>
         </a:p>
       </c:txPr>
     </c:title>
@@ -3735,7 +3735,7 @@
                 <a:cs typeface="+mn-cs"/>
               </a:defRPr>
             </a:pPr>
-            <a:endParaRPr lang="en-US"/>
+            <a:endParaRPr lang="en-DE"/>
           </a:p>
         </c:txPr>
         <c:crossAx val="50531328"/>
@@ -3825,7 +3825,7 @@
                   <a:cs typeface="+mn-cs"/>
                 </a:defRPr>
               </a:pPr>
-              <a:endParaRPr lang="en-US"/>
+              <a:endParaRPr lang="en-DE"/>
             </a:p>
           </c:txPr>
         </c:title>
@@ -3859,7 +3859,7 @@
                 <a:cs typeface="+mn-cs"/>
               </a:defRPr>
             </a:pPr>
-            <a:endParaRPr lang="en-US"/>
+            <a:endParaRPr lang="en-DE"/>
           </a:p>
         </c:txPr>
         <c:crossAx val="50529792"/>
@@ -3898,7 +3898,7 @@
               <a:cs typeface="+mn-cs"/>
             </a:defRPr>
           </a:pPr>
-          <a:endParaRPr lang="en-US"/>
+          <a:endParaRPr lang="en-DE"/>
         </a:p>
       </c:txPr>
     </c:legend>
@@ -3921,7 +3921,7 @@
       <a:pPr>
         <a:defRPr/>
       </a:pPr>
-      <a:endParaRPr lang="en-US"/>
+      <a:endParaRPr lang="en-DE"/>
     </a:p>
   </c:txPr>
   <c:externalData r:id="rId3">
@@ -8944,19 +8944,16 @@
           <a:p>
             <a:r>
               <a:rPr lang="en-US" dirty="0"/>
-              <a:t>Lazy expansion (insertion):</a:t>
-            </a:r>
+              <a:t>Only create inner nodes if required to distinguish at least 2 leaf nodes.</a:t>
+            </a:r>
+          </a:p>
+          <a:p>
+            <a:endParaRPr lang="en-US" dirty="0"/>
           </a:p>
           <a:p>
             <a:r>
               <a:rPr lang="en-US" dirty="0"/>
-              <a:t>Only create inner nodes if required to distinguish at least 2 leaf nodes.</a:t>
-            </a:r>
-          </a:p>
-          <a:p>
-            <a:r>
-              <a:rPr lang="en-US" dirty="0"/>
-              <a:t>Need to be able to retrieve key. Either stored at leaf or from database entry</a:t>
+              <a:t>Need to be able to retrieve full key. Either stored at leaf with value or from database entry</a:t>
             </a:r>
           </a:p>
           <a:p>
@@ -9341,20 +9338,6 @@
           <a:bodyPr/>
           <a:lstStyle/>
           <a:p>
-            <a:r>
-              <a:rPr lang="de-DE" dirty="0"/>
-              <a:t>General </a:t>
-            </a:r>
-            <a:r>
-              <a:rPr lang="de-DE" dirty="0" err="1"/>
-              <a:t>Overview</a:t>
-            </a:r>
-            <a:r>
-              <a:rPr lang="de-DE" dirty="0"/>
-              <a:t>:</a:t>
-            </a:r>
-          </a:p>
-          <a:p>
             <a:pPr marL="171450" indent="-171450">
               <a:buFontTx/>
               <a:buChar char="-"/>
@@ -10924,61 +10907,6 @@
               <a:t>)</a:t>
             </a:r>
           </a:p>
-          <a:p>
-            <a:r>
-              <a:rPr lang="de-DE" dirty="0" err="1"/>
-              <a:t>Complete</a:t>
-            </a:r>
-            <a:r>
-              <a:rPr lang="de-DE" dirty="0"/>
-              <a:t> </a:t>
-            </a:r>
-            <a:r>
-              <a:rPr lang="de-DE" dirty="0" err="1"/>
-              <a:t>memory</a:t>
-            </a:r>
-            <a:r>
-              <a:rPr lang="de-DE" dirty="0"/>
-              <a:t> </a:t>
-            </a:r>
-            <a:r>
-              <a:rPr lang="de-DE" dirty="0" err="1"/>
-              <a:t>is</a:t>
-            </a:r>
-            <a:r>
-              <a:rPr lang="de-DE" dirty="0"/>
-              <a:t> 90 MB but </a:t>
-            </a:r>
-            <a:r>
-              <a:rPr lang="de-DE" dirty="0" err="1"/>
-              <a:t>since</a:t>
-            </a:r>
-            <a:r>
-              <a:rPr lang="de-DE" dirty="0"/>
-              <a:t> </a:t>
-            </a:r>
-            <a:r>
-              <a:rPr lang="de-DE" dirty="0" err="1"/>
-              <a:t>dense</a:t>
-            </a:r>
-            <a:r>
-              <a:rPr lang="de-DE" dirty="0"/>
-              <a:t> </a:t>
-            </a:r>
-            <a:r>
-              <a:rPr lang="de-DE" dirty="0" err="1"/>
-              <a:t>only</a:t>
-            </a:r>
-            <a:r>
-              <a:rPr lang="de-DE" dirty="0"/>
-              <a:t> </a:t>
-            </a:r>
-            <a:r>
-              <a:rPr lang="de-DE" dirty="0" err="1"/>
-              <a:t>really</a:t>
-            </a:r>
-            <a:endParaRPr lang="de-DE" dirty="0"/>
-          </a:p>
         </p:txBody>
       </p:sp>
       <p:sp>
@@ -11069,6 +10997,82 @@
           <a:p>
             <a:r>
               <a:rPr lang="de-DE" dirty="0"/>
+              <a:t>ART </a:t>
+            </a:r>
+            <a:r>
+              <a:rPr lang="de-DE" dirty="0" err="1"/>
+              <a:t>generally</a:t>
+            </a:r>
+            <a:r>
+              <a:rPr lang="de-DE" dirty="0"/>
+              <a:t> </a:t>
+            </a:r>
+            <a:r>
+              <a:rPr lang="de-DE" dirty="0" err="1"/>
+              <a:t>faster</a:t>
+            </a:r>
+            <a:r>
+              <a:rPr lang="de-DE" dirty="0"/>
+              <a:t> (</a:t>
+            </a:r>
+            <a:r>
+              <a:rPr lang="de-DE" dirty="0" err="1"/>
+              <a:t>better</a:t>
+            </a:r>
+            <a:r>
+              <a:rPr lang="de-DE" dirty="0"/>
+              <a:t> CPU)</a:t>
+            </a:r>
+          </a:p>
+          <a:p>
+            <a:r>
+              <a:rPr lang="de-DE" dirty="0"/>
+              <a:t>ART </a:t>
+            </a:r>
+            <a:r>
+              <a:rPr lang="de-DE" dirty="0" err="1"/>
+              <a:t>even</a:t>
+            </a:r>
+            <a:r>
+              <a:rPr lang="de-DE" dirty="0"/>
+              <a:t> </a:t>
+            </a:r>
+            <a:r>
+              <a:rPr lang="de-DE" dirty="0" err="1"/>
+              <a:t>more</a:t>
+            </a:r>
+            <a:r>
+              <a:rPr lang="de-DE" dirty="0"/>
+              <a:t> </a:t>
+            </a:r>
+            <a:r>
+              <a:rPr lang="de-DE" dirty="0" err="1"/>
+              <a:t>competitive</a:t>
+            </a:r>
+            <a:r>
+              <a:rPr lang="de-DE" dirty="0"/>
+              <a:t> </a:t>
+            </a:r>
+            <a:r>
+              <a:rPr lang="de-DE" dirty="0" err="1"/>
+              <a:t>to</a:t>
+            </a:r>
+            <a:r>
+              <a:rPr lang="de-DE" dirty="0"/>
+              <a:t> Hash Table? </a:t>
+            </a:r>
+            <a:r>
+              <a:rPr lang="de-DE" dirty="0" err="1"/>
+              <a:t>Marmur-Hashing</a:t>
+            </a:r>
+            <a:endParaRPr lang="de-DE" dirty="0"/>
+          </a:p>
+          <a:p>
+            <a:endParaRPr lang="de-DE" dirty="0"/>
+          </a:p>
+          <a:p>
+            <a:r>
+              <a:rPr lang="de-DE" dirty="0"/>
               <a:t>CSB = Cache Sensitive B+-Tree</a:t>
             </a:r>
           </a:p>
@@ -14044,53 +14048,7 @@
             </a:r>
             <a:r>
               <a:rPr lang="de-DE" dirty="0"/>
-              <a:t> due </a:t>
-            </a:r>
-            <a:r>
-              <a:rPr lang="de-DE" dirty="0" err="1"/>
-              <a:t>to</a:t>
-            </a:r>
-            <a:r>
-              <a:rPr lang="de-DE" dirty="0"/>
-              <a:t> </a:t>
-            </a:r>
-            <a:r>
-              <a:rPr lang="de-DE" dirty="0" err="1"/>
-              <a:t>missing</a:t>
-            </a:r>
-            <a:r>
-              <a:rPr lang="de-DE" dirty="0"/>
-              <a:t> </a:t>
-            </a:r>
-            <a:r>
-              <a:rPr lang="de-DE" dirty="0" err="1"/>
-              <a:t>cache</a:t>
-            </a:r>
-            <a:r>
-              <a:rPr lang="de-DE" dirty="0"/>
-              <a:t> </a:t>
-            </a:r>
-            <a:r>
-              <a:rPr lang="de-DE" dirty="0" err="1"/>
-              <a:t>locality</a:t>
-            </a:r>
-            <a:r>
-              <a:rPr lang="de-DE" dirty="0"/>
-              <a:t> etc.)</a:t>
-            </a:r>
-          </a:p>
-          <a:p>
-            <a:r>
-              <a:rPr lang="de-DE" dirty="0"/>
-              <a:t>(</a:t>
-            </a:r>
-            <a:r>
-              <a:rPr lang="de-DE" dirty="0" err="1"/>
-              <a:t>Or</a:t>
-            </a:r>
-            <a:r>
-              <a:rPr lang="de-DE" dirty="0"/>
-              <a:t>: Bitmap + Pointer List etc.)</a:t>
+              <a:t>)</a:t>
             </a:r>
           </a:p>
           <a:p>
@@ -14223,23 +14181,6 @@
           <a:lstStyle/>
           <a:p>
             <a:r>
-              <a:rPr lang="de-DE" dirty="0"/>
-              <a:t>GPT: 4 </a:t>
-            </a:r>
-            <a:r>
-              <a:rPr lang="de-DE" dirty="0" err="1"/>
-              <a:t>bit</a:t>
-            </a:r>
-            <a:r>
-              <a:rPr lang="de-DE" dirty="0"/>
-              <a:t> span</a:t>
-            </a:r>
-          </a:p>
-          <a:p>
-            <a:endParaRPr lang="de-DE" dirty="0"/>
-          </a:p>
-          <a:p>
-            <a:r>
               <a:rPr lang="de-DE" dirty="0" err="1"/>
               <a:t>Fanout</a:t>
             </a:r>
@@ -14556,31 +14497,6 @@
         <p:txBody>
           <a:bodyPr/>
           <a:lstStyle/>
-          <a:p>
-            <a:r>
-              <a:rPr lang="de-DE" dirty="0"/>
-              <a:t>Also </a:t>
-            </a:r>
-            <a:r>
-              <a:rPr lang="de-DE" dirty="0" err="1"/>
-              <a:t>called</a:t>
-            </a:r>
-            <a:r>
-              <a:rPr lang="de-DE" dirty="0"/>
-              <a:t> Patricia-</a:t>
-            </a:r>
-            <a:r>
-              <a:rPr lang="de-DE" dirty="0" err="1"/>
-              <a:t>Trees</a:t>
-            </a:r>
-            <a:r>
-              <a:rPr lang="de-DE" dirty="0"/>
-              <a:t>.</a:t>
-            </a:r>
-          </a:p>
-          <a:p>
-            <a:endParaRPr lang="de-DE" dirty="0"/>
-          </a:p>
           <a:p>
             <a:r>
               <a:rPr lang="de-DE" dirty="0"/>
@@ -23718,7 +23634,7 @@
           <a:p>
             <a:r>
               <a:rPr lang="de-DE" dirty="0"/>
-              <a:t>TUM Department </a:t>
+              <a:t>Department </a:t>
             </a:r>
             <a:r>
               <a:rPr lang="en-US" dirty="0"/>
@@ -25379,449 +25295,6 @@
           </a:prstGeom>
         </p:spPr>
       </p:pic>
-      <p:sp>
-        <p:nvSpPr>
-          <p:cNvPr id="9" name="Inhaltsplatzhalter 1">
-            <a:extLst>
-              <a:ext uri="{FF2B5EF4-FFF2-40B4-BE49-F238E27FC236}">
-                <a16:creationId xmlns:a16="http://schemas.microsoft.com/office/drawing/2014/main" id="{7EE64C2F-F60C-C3ED-0DE7-9028A6743799}"/>
-              </a:ext>
-            </a:extLst>
-          </p:cNvPr>
-          <p:cNvSpPr>
-            <a:spLocks noGrp="1"/>
-          </p:cNvSpPr>
-          <p:nvPr>
-            <p:ph idx="1"/>
-          </p:nvPr>
-        </p:nvSpPr>
-        <p:spPr>
-          <a:xfrm>
-            <a:off x="5228493" y="1762188"/>
-            <a:ext cx="3599598" cy="4189954"/>
-          </a:xfrm>
-        </p:spPr>
-        <p:txBody>
-          <a:bodyPr/>
-          <a:lstStyle/>
-          <a:p>
-            <a:r>
-              <a:rPr b="1" dirty="0" err="1"/>
-              <a:t>How</a:t>
-            </a:r>
-            <a:r>
-              <a:rPr b="1" dirty="0"/>
-              <a:t> </a:t>
-            </a:r>
-            <a:r>
-              <a:rPr b="1" dirty="0" err="1"/>
-              <a:t>to</a:t>
-            </a:r>
-            <a:r>
-              <a:rPr b="1" dirty="0"/>
-              <a:t> check </a:t>
-            </a:r>
-            <a:r>
-              <a:rPr b="1" dirty="0" err="1"/>
-              <a:t>full</a:t>
-            </a:r>
-            <a:r>
-              <a:rPr b="1" dirty="0"/>
-              <a:t> </a:t>
-            </a:r>
-            <a:r>
-              <a:rPr b="1" dirty="0" err="1"/>
-              <a:t>key</a:t>
-            </a:r>
-            <a:r>
-              <a:rPr b="1" dirty="0"/>
-              <a:t>/</a:t>
-            </a:r>
-            <a:r>
-              <a:rPr b="1" dirty="0" err="1"/>
-              <a:t>value</a:t>
-            </a:r>
-            <a:r>
-              <a:rPr b="1" dirty="0"/>
-              <a:t> match?</a:t>
-            </a:r>
-          </a:p>
-          <a:p>
-            <a:pPr marL="285750" indent="-285750">
-              <a:buFont typeface="Arial" panose="020B0604020202020204" pitchFamily="34" charset="0"/>
-              <a:buChar char="•"/>
-            </a:pPr>
-            <a:r>
-              <a:rPr b="1" dirty="0"/>
-              <a:t>Single-</a:t>
-            </a:r>
-            <a:r>
-              <a:rPr b="1" dirty="0" err="1"/>
-              <a:t>value</a:t>
-            </a:r>
-            <a:r>
-              <a:rPr b="1" dirty="0"/>
-              <a:t> </a:t>
-            </a:r>
-            <a:r>
-              <a:rPr b="1" dirty="0" err="1"/>
-              <a:t>leaves</a:t>
-            </a:r>
-            <a:r>
-              <a:rPr b="1" dirty="0"/>
-              <a:t>:</a:t>
-            </a:r>
-            <a:br>
-              <a:rPr dirty="0"/>
-            </a:br>
-            <a:r>
-              <a:rPr dirty="0" err="1"/>
-              <a:t>store</a:t>
-            </a:r>
-            <a:r>
-              <a:rPr dirty="0"/>
-              <a:t> </a:t>
-            </a:r>
-            <a:r>
-              <a:rPr dirty="0" err="1"/>
-              <a:t>full</a:t>
-            </a:r>
-            <a:r>
-              <a:rPr dirty="0"/>
-              <a:t> </a:t>
-            </a:r>
-            <a:r>
-              <a:rPr dirty="0" err="1"/>
-              <a:t>value</a:t>
-            </a:r>
-            <a:r>
-              <a:rPr dirty="0"/>
-              <a:t> in additional </a:t>
-            </a:r>
-            <a:r>
-              <a:rPr dirty="0" err="1"/>
-              <a:t>leaf</a:t>
-            </a:r>
-            <a:r>
-              <a:rPr dirty="0"/>
-              <a:t> </a:t>
-            </a:r>
-            <a:r>
-              <a:rPr dirty="0" err="1"/>
-              <a:t>node</a:t>
-            </a:r>
-            <a:endParaRPr dirty="0"/>
-          </a:p>
-          <a:p>
-            <a:pPr marL="285750" indent="-285750">
-              <a:buFont typeface="Arial" panose="020B0604020202020204" pitchFamily="34" charset="0"/>
-              <a:buChar char="•"/>
-            </a:pPr>
-            <a:r>
-              <a:rPr lang="de-DE" b="1" dirty="0"/>
-              <a:t>Multi-</a:t>
-            </a:r>
-            <a:r>
-              <a:rPr lang="de-DE" b="1" dirty="0" err="1"/>
-              <a:t>value</a:t>
-            </a:r>
-            <a:r>
-              <a:rPr lang="de-DE" b="1" dirty="0"/>
-              <a:t> </a:t>
-            </a:r>
-            <a:r>
-              <a:rPr lang="de-DE" b="1" dirty="0" err="1"/>
-              <a:t>leaves</a:t>
-            </a:r>
-            <a:r>
-              <a:rPr lang="de-DE" b="1" dirty="0"/>
-              <a:t>:</a:t>
-            </a:r>
-            <a:br>
-              <a:rPr lang="de-DE" dirty="0"/>
-            </a:br>
-            <a:r>
-              <a:rPr lang="de-DE" dirty="0" err="1"/>
-              <a:t>store</a:t>
-            </a:r>
-            <a:r>
-              <a:rPr lang="de-DE" dirty="0"/>
-              <a:t> </a:t>
-            </a:r>
-            <a:r>
-              <a:rPr lang="de-DE" dirty="0" err="1"/>
-              <a:t>full</a:t>
-            </a:r>
-            <a:r>
-              <a:rPr lang="de-DE" dirty="0"/>
-              <a:t> </a:t>
-            </a:r>
-            <a:r>
-              <a:rPr lang="de-DE" dirty="0" err="1"/>
-              <a:t>value</a:t>
-            </a:r>
-            <a:r>
-              <a:rPr lang="de-DE" dirty="0"/>
-              <a:t> </a:t>
-            </a:r>
-            <a:r>
-              <a:rPr lang="de-DE" dirty="0" err="1"/>
-              <a:t>using</a:t>
-            </a:r>
-            <a:r>
-              <a:rPr lang="de-DE" dirty="0"/>
-              <a:t> different </a:t>
-            </a:r>
-            <a:r>
-              <a:rPr lang="de-DE" dirty="0" err="1"/>
-              <a:t>leaf</a:t>
-            </a:r>
-            <a:r>
-              <a:rPr lang="de-DE" dirty="0"/>
-              <a:t> </a:t>
-            </a:r>
-            <a:r>
-              <a:rPr lang="de-DE" dirty="0" err="1"/>
-              <a:t>types</a:t>
-            </a:r>
-            <a:r>
-              <a:rPr lang="de-DE" dirty="0"/>
-              <a:t> (same </a:t>
-            </a:r>
-            <a:r>
-              <a:rPr lang="de-DE" dirty="0" err="1"/>
-              <a:t>as</a:t>
-            </a:r>
-            <a:r>
-              <a:rPr lang="de-DE" dirty="0"/>
-              <a:t> </a:t>
-            </a:r>
-            <a:r>
-              <a:rPr lang="de-DE" dirty="0" err="1"/>
-              <a:t>inner</a:t>
-            </a:r>
-            <a:r>
-              <a:rPr lang="de-DE" dirty="0"/>
-              <a:t> </a:t>
-            </a:r>
-            <a:r>
-              <a:rPr lang="de-DE" dirty="0" err="1"/>
-              <a:t>nodes</a:t>
-            </a:r>
-            <a:r>
-              <a:rPr lang="de-DE" dirty="0"/>
-              <a:t> but </a:t>
-            </a:r>
-            <a:r>
-              <a:rPr lang="de-DE" dirty="0" err="1"/>
-              <a:t>storing</a:t>
-            </a:r>
-            <a:r>
-              <a:rPr lang="de-DE" dirty="0"/>
-              <a:t> </a:t>
-            </a:r>
-            <a:r>
-              <a:rPr lang="de-DE" dirty="0" err="1"/>
-              <a:t>value</a:t>
-            </a:r>
-            <a:r>
-              <a:rPr lang="de-DE" dirty="0"/>
-              <a:t> </a:t>
-            </a:r>
-            <a:r>
-              <a:rPr lang="de-DE" dirty="0" err="1"/>
-              <a:t>instead</a:t>
-            </a:r>
-            <a:r>
-              <a:rPr lang="de-DE" dirty="0"/>
-              <a:t> </a:t>
-            </a:r>
-            <a:r>
-              <a:rPr lang="de-DE" dirty="0" err="1"/>
-              <a:t>of</a:t>
-            </a:r>
-            <a:r>
-              <a:rPr lang="de-DE" dirty="0"/>
-              <a:t> </a:t>
-            </a:r>
-            <a:r>
-              <a:rPr lang="de-DE" dirty="0" err="1"/>
-              <a:t>pointers</a:t>
-            </a:r>
-            <a:r>
-              <a:rPr lang="de-DE" dirty="0"/>
-              <a:t>)</a:t>
-            </a:r>
-          </a:p>
-          <a:p>
-            <a:pPr marL="285750" indent="-285750">
-              <a:buFont typeface="Arial" panose="020B0604020202020204" pitchFamily="34" charset="0"/>
-              <a:buChar char="•"/>
-            </a:pPr>
-            <a:r>
-              <a:rPr lang="de-DE" b="1" dirty="0" err="1"/>
-              <a:t>Combined</a:t>
-            </a:r>
-            <a:r>
-              <a:rPr lang="de-DE" b="1" dirty="0"/>
-              <a:t> </a:t>
-            </a:r>
-            <a:r>
-              <a:rPr lang="de-DE" b="1" dirty="0" err="1"/>
-              <a:t>pointer</a:t>
-            </a:r>
-            <a:r>
-              <a:rPr lang="de-DE" b="1" dirty="0"/>
-              <a:t>/</a:t>
-            </a:r>
-            <a:r>
-              <a:rPr lang="de-DE" b="1" dirty="0" err="1"/>
-              <a:t>value</a:t>
-            </a:r>
-            <a:r>
-              <a:rPr lang="de-DE" b="1" dirty="0"/>
-              <a:t> </a:t>
-            </a:r>
-            <a:r>
-              <a:rPr lang="de-DE" b="1" dirty="0" err="1"/>
-              <a:t>slots</a:t>
-            </a:r>
-            <a:r>
-              <a:rPr lang="de-DE" b="1" dirty="0"/>
-              <a:t>:</a:t>
-            </a:r>
-            <a:br>
-              <a:rPr lang="de-DE" dirty="0"/>
-            </a:br>
-            <a:r>
-              <a:rPr lang="de-DE" dirty="0" err="1"/>
-              <a:t>If</a:t>
-            </a:r>
-            <a:r>
-              <a:rPr lang="de-DE" dirty="0"/>
-              <a:t> </a:t>
-            </a:r>
-            <a:r>
-              <a:rPr lang="de-DE" dirty="0" err="1"/>
-              <a:t>value</a:t>
-            </a:r>
-            <a:r>
-              <a:rPr lang="de-DE" dirty="0"/>
-              <a:t> </a:t>
-            </a:r>
-            <a:r>
-              <a:rPr lang="de-DE" dirty="0" err="1"/>
-              <a:t>fits</a:t>
-            </a:r>
-            <a:r>
-              <a:rPr lang="de-DE" dirty="0"/>
-              <a:t> </a:t>
-            </a:r>
-            <a:r>
-              <a:rPr lang="de-DE" dirty="0" err="1"/>
-              <a:t>into</a:t>
-            </a:r>
-            <a:r>
-              <a:rPr lang="de-DE" dirty="0"/>
-              <a:t> </a:t>
-            </a:r>
-            <a:r>
-              <a:rPr lang="de-DE" dirty="0" err="1"/>
-              <a:t>pointer</a:t>
-            </a:r>
-            <a:r>
-              <a:rPr lang="de-DE" dirty="0"/>
-              <a:t> just </a:t>
-            </a:r>
-            <a:r>
-              <a:rPr lang="de-DE" dirty="0" err="1"/>
-              <a:t>store</a:t>
-            </a:r>
-            <a:r>
-              <a:rPr lang="de-DE" dirty="0"/>
-              <a:t> in </a:t>
-            </a:r>
-            <a:r>
-              <a:rPr lang="de-DE" dirty="0" err="1"/>
-              <a:t>pointer</a:t>
-            </a:r>
-            <a:r>
-              <a:rPr lang="de-DE" dirty="0"/>
-              <a:t> </a:t>
-            </a:r>
-            <a:r>
-              <a:rPr lang="de-DE" dirty="0" err="1"/>
-              <a:t>slot</a:t>
-            </a:r>
-            <a:r>
-              <a:rPr lang="de-DE" dirty="0"/>
-              <a:t> (</a:t>
-            </a:r>
-            <a:r>
-              <a:rPr lang="de-DE" dirty="0" err="1"/>
-              <a:t>requires</a:t>
-            </a:r>
-            <a:r>
-              <a:rPr lang="de-DE" dirty="0"/>
-              <a:t> </a:t>
-            </a:r>
-            <a:r>
-              <a:rPr lang="de-DE" dirty="0" err="1"/>
-              <a:t>distinguishing</a:t>
-            </a:r>
-            <a:r>
-              <a:rPr lang="de-DE" dirty="0"/>
-              <a:t> </a:t>
-            </a:r>
-            <a:r>
-              <a:rPr lang="de-DE" dirty="0" err="1"/>
-              <a:t>between</a:t>
-            </a:r>
-            <a:r>
-              <a:rPr lang="de-DE" dirty="0"/>
-              <a:t> valid </a:t>
-            </a:r>
-            <a:r>
-              <a:rPr lang="de-DE" dirty="0" err="1"/>
-              <a:t>pointer</a:t>
-            </a:r>
-            <a:r>
-              <a:rPr lang="de-DE" dirty="0"/>
-              <a:t> and </a:t>
-            </a:r>
-            <a:r>
-              <a:rPr lang="de-DE" dirty="0" err="1"/>
-              <a:t>value</a:t>
-            </a:r>
-            <a:r>
-              <a:rPr lang="de-DE" dirty="0"/>
-              <a:t> e.g. </a:t>
-            </a:r>
-            <a:r>
-              <a:rPr lang="de-DE" dirty="0" err="1"/>
-              <a:t>pointer</a:t>
-            </a:r>
-            <a:r>
-              <a:rPr lang="de-DE" dirty="0"/>
-              <a:t> </a:t>
-            </a:r>
-            <a:r>
-              <a:rPr lang="de-DE" dirty="0" err="1"/>
-              <a:t>tagging</a:t>
-            </a:r>
-            <a:r>
-              <a:rPr lang="de-DE" dirty="0"/>
-              <a:t>)</a:t>
-            </a:r>
-          </a:p>
-          <a:p>
-            <a:endParaRPr lang="de-DE" dirty="0"/>
-          </a:p>
-          <a:p>
-            <a:endParaRPr lang="de-DE" dirty="0"/>
-          </a:p>
-        </p:txBody>
-      </p:sp>
     </p:spTree>
     <p:extLst>
       <p:ext uri="{BB962C8B-B14F-4D97-AF65-F5344CB8AC3E}">
@@ -30292,7 +29765,7 @@
           <p:nvPr>
             <p:extLst>
               <p:ext uri="{D42A27DB-BD31-4B8C-83A1-F6EECF244321}">
-                <p14:modId xmlns:p14="http://schemas.microsoft.com/office/powerpoint/2010/main" val="2575573498"/>
+                <p14:modId xmlns:p14="http://schemas.microsoft.com/office/powerpoint/2010/main" val="547454084"/>
               </p:ext>
             </p:extLst>
           </p:nvPr>
@@ -32269,7 +31742,7 @@
             <p:ph idx="1"/>
             <p:extLst>
               <p:ext uri="{D42A27DB-BD31-4B8C-83A1-F6EECF244321}">
-                <p14:modId xmlns:p14="http://schemas.microsoft.com/office/powerpoint/2010/main" val="3551372059"/>
+                <p14:modId xmlns:p14="http://schemas.microsoft.com/office/powerpoint/2010/main" val="3818662931"/>
               </p:ext>
             </p:extLst>
           </p:nvPr>
@@ -33129,7 +32602,7 @@
                     <a:p>
                       <a:pPr marL="0" marR="0" lvl="0" indent="0" algn="ctr" defTabSz="914400" rtl="0" eaLnBrk="1" fontAlgn="auto" latinLnBrk="0" hangingPunct="1">
                         <a:lnSpc>
-                          <a:spcPts val="1500"/>
+                          <a:spcPct val="100000"/>
                         </a:lnSpc>
                         <a:spcBef>
                           <a:spcPts val="0"/>
@@ -33153,16 +32626,8 @@
                           <a:ea typeface="+mn-ea"/>
                           <a:cs typeface="+mn-cs"/>
                         </a:rPr>
-                        <a:t>~</a:t>
+                        <a:t>−</a:t>
                       </a:r>
-                      <a:endParaRPr lang="de-DE" sz="3600" b="0" kern="1200" dirty="0">
-                        <a:solidFill>
-                          <a:schemeClr val="tx1"/>
-                        </a:solidFill>
-                        <a:latin typeface="+mn-lt"/>
-                        <a:ea typeface="+mn-ea"/>
-                        <a:cs typeface="+mn-cs"/>
-                      </a:endParaRPr>
                     </a:p>
                   </a:txBody>
                   <a:tcPr marL="54000" marR="0" marT="180000" marB="0" anchor="ctr"/>
